--- a/Document/SODO.pptx
+++ b/Document/SODO.pptx
@@ -11,6 +11,7 @@
     <p:sldId id="259" r:id="rId5"/>
     <p:sldId id="260" r:id="rId6"/>
     <p:sldId id="261" r:id="rId7"/>
+    <p:sldId id="262" r:id="rId8"/>
   </p:sldIdLst>
   <p:sldSz cx="12192000" cy="6858000"/>
   <p:notesSz cx="6858000" cy="9144000"/>
@@ -3644,6 +3645,564 @@
       <dsp:cNvGrpSpPr/>
     </dsp:nvGrpSpPr>
     <dsp:grpSpPr/>
+    <dsp:sp modelId="{7F739C37-DE7D-4C78-8F14-BB11D63384A4}">
+      <dsp:nvSpPr>
+        <dsp:cNvPr id="0" name=""/>
+        <dsp:cNvSpPr/>
+      </dsp:nvSpPr>
+      <dsp:spPr>
+        <a:xfrm>
+          <a:off x="2567" y="272267"/>
+          <a:ext cx="2284883" cy="913953"/>
+        </a:xfrm>
+        <a:prstGeom prst="chevron">
+          <a:avLst/>
+        </a:prstGeom>
+        <a:solidFill>
+          <a:schemeClr val="accent1">
+            <a:hueOff val="0"/>
+            <a:satOff val="0"/>
+            <a:lumOff val="0"/>
+            <a:alphaOff val="0"/>
+          </a:schemeClr>
+        </a:solidFill>
+        <a:ln w="12700" cap="flat" cmpd="sng" algn="ctr">
+          <a:solidFill>
+            <a:schemeClr val="lt1">
+              <a:hueOff val="0"/>
+              <a:satOff val="0"/>
+              <a:lumOff val="0"/>
+              <a:alphaOff val="0"/>
+            </a:schemeClr>
+          </a:solidFill>
+          <a:prstDash val="solid"/>
+          <a:miter lim="800000"/>
+        </a:ln>
+        <a:effectLst/>
+      </dsp:spPr>
+      <dsp:style>
+        <a:lnRef idx="2">
+          <a:scrgbClr r="0" g="0" b="0"/>
+        </a:lnRef>
+        <a:fillRef idx="1">
+          <a:scrgbClr r="0" g="0" b="0"/>
+        </a:fillRef>
+        <a:effectRef idx="0">
+          <a:scrgbClr r="0" g="0" b="0"/>
+        </a:effectRef>
+        <a:fontRef idx="minor">
+          <a:schemeClr val="lt1"/>
+        </a:fontRef>
+      </dsp:style>
+      <dsp:txBody>
+        <a:bodyPr spcFirstLastPara="0" vert="horz" wrap="square" lIns="72009" tIns="24003" rIns="24003" bIns="24003" numCol="1" spcCol="1270" anchor="ctr" anchorCtr="0">
+          <a:noAutofit/>
+        </a:bodyPr>
+        <a:lstStyle/>
+        <a:p>
+          <a:pPr lvl="0" algn="ctr" defTabSz="800100">
+            <a:lnSpc>
+              <a:spcPct val="90000"/>
+            </a:lnSpc>
+            <a:spcBef>
+              <a:spcPct val="0"/>
+            </a:spcBef>
+            <a:spcAft>
+              <a:spcPct val="35000"/>
+            </a:spcAft>
+          </a:pPr>
+          <a:r>
+            <a:rPr lang="en-US" sz="1800" kern="1200" dirty="0" err="1" smtClean="0"/>
+            <a:t>Xác</a:t>
+          </a:r>
+          <a:r>
+            <a:rPr lang="en-US" sz="1800" kern="1200" dirty="0" smtClean="0"/>
+            <a:t> </a:t>
+          </a:r>
+          <a:r>
+            <a:rPr lang="en-US" sz="1800" kern="1200" dirty="0" err="1" smtClean="0"/>
+            <a:t>định</a:t>
+          </a:r>
+          <a:r>
+            <a:rPr lang="en-US" sz="1800" kern="1200" dirty="0" smtClean="0"/>
+            <a:t> </a:t>
+          </a:r>
+          <a:r>
+            <a:rPr lang="en-US" sz="1800" kern="1200" dirty="0" err="1" smtClean="0"/>
+            <a:t>địa</a:t>
+          </a:r>
+          <a:r>
+            <a:rPr lang="en-US" sz="1800" kern="1200" dirty="0" smtClean="0"/>
+            <a:t> </a:t>
+          </a:r>
+          <a:r>
+            <a:rPr lang="en-US" sz="1800" kern="1200" dirty="0" err="1" smtClean="0"/>
+            <a:t>chỉ</a:t>
+          </a:r>
+          <a:r>
+            <a:rPr lang="en-US" sz="1800" kern="1200" dirty="0" smtClean="0"/>
+            <a:t> </a:t>
+          </a:r>
+          <a:r>
+            <a:rPr lang="en-US" sz="1800" kern="1200" dirty="0" err="1" smtClean="0"/>
+            <a:t>hàm</a:t>
+          </a:r>
+          <a:r>
+            <a:rPr lang="en-US" sz="1800" kern="1200" dirty="0" smtClean="0"/>
+            <a:t> </a:t>
+          </a:r>
+          <a:r>
+            <a:rPr lang="en-US" sz="1800" kern="1200" dirty="0" err="1" smtClean="0"/>
+            <a:t>gốc</a:t>
+          </a:r>
+          <a:r>
+            <a:rPr lang="en-US" sz="1800" kern="1200" dirty="0" smtClean="0"/>
+            <a:t> (entry point)</a:t>
+          </a:r>
+          <a:endParaRPr lang="en-US" sz="1800" kern="1200" dirty="0"/>
+        </a:p>
+      </dsp:txBody>
+      <dsp:txXfrm>
+        <a:off x="459544" y="272267"/>
+        <a:ext cx="1370930" cy="913953"/>
+      </dsp:txXfrm>
+    </dsp:sp>
+    <dsp:sp modelId="{79E3F17D-5461-4BCB-9DC2-D9574FD49015}">
+      <dsp:nvSpPr>
+        <dsp:cNvPr id="0" name=""/>
+        <dsp:cNvSpPr/>
+      </dsp:nvSpPr>
+      <dsp:spPr>
+        <a:xfrm>
+          <a:off x="2058962" y="272267"/>
+          <a:ext cx="2284883" cy="913953"/>
+        </a:xfrm>
+        <a:prstGeom prst="chevron">
+          <a:avLst/>
+        </a:prstGeom>
+        <a:solidFill>
+          <a:schemeClr val="accent1">
+            <a:hueOff val="0"/>
+            <a:satOff val="0"/>
+            <a:lumOff val="0"/>
+            <a:alphaOff val="0"/>
+          </a:schemeClr>
+        </a:solidFill>
+        <a:ln w="12700" cap="flat" cmpd="sng" algn="ctr">
+          <a:solidFill>
+            <a:schemeClr val="lt1">
+              <a:hueOff val="0"/>
+              <a:satOff val="0"/>
+              <a:lumOff val="0"/>
+              <a:alphaOff val="0"/>
+            </a:schemeClr>
+          </a:solidFill>
+          <a:prstDash val="solid"/>
+          <a:miter lim="800000"/>
+        </a:ln>
+        <a:effectLst/>
+      </dsp:spPr>
+      <dsp:style>
+        <a:lnRef idx="2">
+          <a:scrgbClr r="0" g="0" b="0"/>
+        </a:lnRef>
+        <a:fillRef idx="1">
+          <a:scrgbClr r="0" g="0" b="0"/>
+        </a:fillRef>
+        <a:effectRef idx="0">
+          <a:scrgbClr r="0" g="0" b="0"/>
+        </a:effectRef>
+        <a:fontRef idx="minor">
+          <a:schemeClr val="lt1"/>
+        </a:fontRef>
+      </dsp:style>
+      <dsp:txBody>
+        <a:bodyPr spcFirstLastPara="0" vert="horz" wrap="square" lIns="72009" tIns="24003" rIns="24003" bIns="24003" numCol="1" spcCol="1270" anchor="ctr" anchorCtr="0">
+          <a:noAutofit/>
+        </a:bodyPr>
+        <a:lstStyle/>
+        <a:p>
+          <a:pPr lvl="0" algn="ctr" defTabSz="800100">
+            <a:lnSpc>
+              <a:spcPct val="90000"/>
+            </a:lnSpc>
+            <a:spcBef>
+              <a:spcPct val="0"/>
+            </a:spcBef>
+            <a:spcAft>
+              <a:spcPct val="35000"/>
+            </a:spcAft>
+          </a:pPr>
+          <a:r>
+            <a:rPr lang="en-US" sz="1800" kern="1200" dirty="0" err="1" smtClean="0"/>
+            <a:t>Cấp</a:t>
+          </a:r>
+          <a:r>
+            <a:rPr lang="en-US" sz="1800" kern="1200" dirty="0" smtClean="0"/>
+            <a:t> </a:t>
+          </a:r>
+          <a:r>
+            <a:rPr lang="en-US" sz="1800" kern="1200" dirty="0" err="1" smtClean="0"/>
+            <a:t>phát</a:t>
+          </a:r>
+          <a:r>
+            <a:rPr lang="en-US" sz="1800" kern="1200" dirty="0" smtClean="0"/>
+            <a:t> </a:t>
+          </a:r>
+          <a:r>
+            <a:rPr lang="en-US" sz="1800" kern="1200" dirty="0" err="1" smtClean="0"/>
+            <a:t>vùng</a:t>
+          </a:r>
+          <a:r>
+            <a:rPr lang="en-US" sz="1800" kern="1200" dirty="0" smtClean="0"/>
+            <a:t> </a:t>
+          </a:r>
+          <a:r>
+            <a:rPr lang="en-US" sz="1800" kern="1200" dirty="0" err="1" smtClean="0"/>
+            <a:t>nhớ</a:t>
+          </a:r>
+          <a:r>
+            <a:rPr lang="en-US" sz="1800" kern="1200" dirty="0" smtClean="0"/>
+            <a:t> </a:t>
+          </a:r>
+          <a:r>
+            <a:rPr lang="en-US" sz="1800" kern="1200" dirty="0" err="1" smtClean="0"/>
+            <a:t>lưu</a:t>
+          </a:r>
+          <a:r>
+            <a:rPr lang="en-US" sz="1800" kern="1200" dirty="0" smtClean="0"/>
+            <a:t> </a:t>
+          </a:r>
+          <a:r>
+            <a:rPr lang="en-US" sz="1800" kern="1200" dirty="0" err="1" smtClean="0"/>
+            <a:t>thông</a:t>
+          </a:r>
+          <a:r>
+            <a:rPr lang="en-US" sz="1800" kern="1200" dirty="0" smtClean="0"/>
+            <a:t> tin</a:t>
+          </a:r>
+          <a:endParaRPr lang="en-US" sz="1800" kern="1200" dirty="0"/>
+        </a:p>
+      </dsp:txBody>
+      <dsp:txXfrm>
+        <a:off x="2515939" y="272267"/>
+        <a:ext cx="1370930" cy="913953"/>
+      </dsp:txXfrm>
+    </dsp:sp>
+    <dsp:sp modelId="{342BFAB8-AD99-4644-A7A7-89BFBF6C1002}">
+      <dsp:nvSpPr>
+        <dsp:cNvPr id="0" name=""/>
+        <dsp:cNvSpPr/>
+      </dsp:nvSpPr>
+      <dsp:spPr>
+        <a:xfrm>
+          <a:off x="4115358" y="272267"/>
+          <a:ext cx="2284883" cy="913953"/>
+        </a:xfrm>
+        <a:prstGeom prst="chevron">
+          <a:avLst/>
+        </a:prstGeom>
+        <a:solidFill>
+          <a:schemeClr val="accent1">
+            <a:hueOff val="0"/>
+            <a:satOff val="0"/>
+            <a:lumOff val="0"/>
+            <a:alphaOff val="0"/>
+          </a:schemeClr>
+        </a:solidFill>
+        <a:ln w="12700" cap="flat" cmpd="sng" algn="ctr">
+          <a:solidFill>
+            <a:schemeClr val="lt1">
+              <a:hueOff val="0"/>
+              <a:satOff val="0"/>
+              <a:lumOff val="0"/>
+              <a:alphaOff val="0"/>
+            </a:schemeClr>
+          </a:solidFill>
+          <a:prstDash val="solid"/>
+          <a:miter lim="800000"/>
+        </a:ln>
+        <a:effectLst/>
+      </dsp:spPr>
+      <dsp:style>
+        <a:lnRef idx="2">
+          <a:scrgbClr r="0" g="0" b="0"/>
+        </a:lnRef>
+        <a:fillRef idx="1">
+          <a:scrgbClr r="0" g="0" b="0"/>
+        </a:fillRef>
+        <a:effectRef idx="0">
+          <a:scrgbClr r="0" g="0" b="0"/>
+        </a:effectRef>
+        <a:fontRef idx="minor">
+          <a:schemeClr val="lt1"/>
+        </a:fontRef>
+      </dsp:style>
+      <dsp:txBody>
+        <a:bodyPr spcFirstLastPara="0" vert="horz" wrap="square" lIns="72009" tIns="24003" rIns="24003" bIns="24003" numCol="1" spcCol="1270" anchor="ctr" anchorCtr="0">
+          <a:noAutofit/>
+        </a:bodyPr>
+        <a:lstStyle/>
+        <a:p>
+          <a:pPr lvl="0" algn="ctr" defTabSz="800100">
+            <a:lnSpc>
+              <a:spcPct val="90000"/>
+            </a:lnSpc>
+            <a:spcBef>
+              <a:spcPct val="0"/>
+            </a:spcBef>
+            <a:spcAft>
+              <a:spcPct val="35000"/>
+            </a:spcAft>
+          </a:pPr>
+          <a:r>
+            <a:rPr lang="en-US" sz="1800" kern="1200" dirty="0" err="1" smtClean="0"/>
+            <a:t>Làm</a:t>
+          </a:r>
+          <a:r>
+            <a:rPr lang="en-US" sz="1800" kern="1200" dirty="0" smtClean="0"/>
+            <a:t> </a:t>
+          </a:r>
+          <a:r>
+            <a:rPr lang="en-US" sz="1800" kern="1200" dirty="0" err="1" smtClean="0"/>
+            <a:t>tròn</a:t>
+          </a:r>
+          <a:r>
+            <a:rPr lang="en-US" sz="1800" kern="1200" dirty="0" smtClean="0"/>
+            <a:t> </a:t>
+          </a:r>
+          <a:r>
+            <a:rPr lang="en-US" sz="1800" kern="1200" dirty="0" err="1" smtClean="0"/>
+            <a:t>độ</a:t>
+          </a:r>
+          <a:r>
+            <a:rPr lang="en-US" sz="1800" kern="1200" dirty="0" smtClean="0"/>
+            <a:t> </a:t>
+          </a:r>
+          <a:r>
+            <a:rPr lang="en-US" sz="1800" kern="1200" dirty="0" err="1" smtClean="0"/>
+            <a:t>dài</a:t>
+          </a:r>
+          <a:r>
+            <a:rPr lang="en-US" sz="1800" kern="1200" dirty="0" smtClean="0"/>
+            <a:t> entry point</a:t>
+          </a:r>
+          <a:endParaRPr lang="en-US" sz="1800" kern="1200" dirty="0"/>
+        </a:p>
+      </dsp:txBody>
+      <dsp:txXfrm>
+        <a:off x="4572335" y="272267"/>
+        <a:ext cx="1370930" cy="913953"/>
+      </dsp:txXfrm>
+    </dsp:sp>
+    <dsp:sp modelId="{73C7F563-37A3-4CF6-9658-1DD4E98136F9}">
+      <dsp:nvSpPr>
+        <dsp:cNvPr id="0" name=""/>
+        <dsp:cNvSpPr/>
+      </dsp:nvSpPr>
+      <dsp:spPr>
+        <a:xfrm>
+          <a:off x="6171753" y="272267"/>
+          <a:ext cx="2284883" cy="913953"/>
+        </a:xfrm>
+        <a:prstGeom prst="chevron">
+          <a:avLst/>
+        </a:prstGeom>
+        <a:solidFill>
+          <a:schemeClr val="accent1">
+            <a:hueOff val="0"/>
+            <a:satOff val="0"/>
+            <a:lumOff val="0"/>
+            <a:alphaOff val="0"/>
+          </a:schemeClr>
+        </a:solidFill>
+        <a:ln w="12700" cap="flat" cmpd="sng" algn="ctr">
+          <a:solidFill>
+            <a:schemeClr val="lt1">
+              <a:hueOff val="0"/>
+              <a:satOff val="0"/>
+              <a:lumOff val="0"/>
+              <a:alphaOff val="0"/>
+            </a:schemeClr>
+          </a:solidFill>
+          <a:prstDash val="solid"/>
+          <a:miter lim="800000"/>
+        </a:ln>
+        <a:effectLst/>
+      </dsp:spPr>
+      <dsp:style>
+        <a:lnRef idx="2">
+          <a:scrgbClr r="0" g="0" b="0"/>
+        </a:lnRef>
+        <a:fillRef idx="1">
+          <a:scrgbClr r="0" g="0" b="0"/>
+        </a:fillRef>
+        <a:effectRef idx="0">
+          <a:scrgbClr r="0" g="0" b="0"/>
+        </a:effectRef>
+        <a:fontRef idx="minor">
+          <a:schemeClr val="lt1"/>
+        </a:fontRef>
+      </dsp:style>
+      <dsp:txBody>
+        <a:bodyPr spcFirstLastPara="0" vert="horz" wrap="square" lIns="72009" tIns="24003" rIns="24003" bIns="24003" numCol="1" spcCol="1270" anchor="ctr" anchorCtr="0">
+          <a:noAutofit/>
+        </a:bodyPr>
+        <a:lstStyle/>
+        <a:p>
+          <a:pPr lvl="0" algn="ctr" defTabSz="800100">
+            <a:lnSpc>
+              <a:spcPct val="90000"/>
+            </a:lnSpc>
+            <a:spcBef>
+              <a:spcPct val="0"/>
+            </a:spcBef>
+            <a:spcAft>
+              <a:spcPct val="35000"/>
+            </a:spcAft>
+          </a:pPr>
+          <a:r>
+            <a:rPr lang="en-US" sz="1800" kern="1200" dirty="0" err="1" smtClean="0"/>
+            <a:t>Lưu</a:t>
+          </a:r>
+          <a:r>
+            <a:rPr lang="en-US" sz="1800" kern="1200" dirty="0" smtClean="0"/>
+            <a:t> </a:t>
+          </a:r>
+          <a:r>
+            <a:rPr lang="en-US" sz="1800" kern="1200" dirty="0" err="1" smtClean="0"/>
+            <a:t>địa</a:t>
+          </a:r>
+          <a:r>
+            <a:rPr lang="en-US" sz="1800" kern="1200" dirty="0" smtClean="0"/>
+            <a:t> </a:t>
+          </a:r>
+          <a:r>
+            <a:rPr lang="en-US" sz="1800" kern="1200" dirty="0" err="1" smtClean="0"/>
+            <a:t>chỉ</a:t>
+          </a:r>
+          <a:r>
+            <a:rPr lang="en-US" sz="1800" kern="1200" dirty="0" smtClean="0"/>
+            <a:t> </a:t>
+          </a:r>
+          <a:r>
+            <a:rPr lang="en-US" sz="1800" kern="1200" dirty="0" err="1" smtClean="0"/>
+            <a:t>hàm</a:t>
+          </a:r>
+          <a:r>
+            <a:rPr lang="en-US" sz="1800" kern="1200" dirty="0" smtClean="0"/>
+            <a:t> </a:t>
+          </a:r>
+          <a:r>
+            <a:rPr lang="en-US" sz="1800" kern="1200" dirty="0" err="1" smtClean="0"/>
+            <a:t>gốc</a:t>
+          </a:r>
+          <a:endParaRPr lang="en-US" sz="1800" kern="1200" dirty="0"/>
+        </a:p>
+      </dsp:txBody>
+      <dsp:txXfrm>
+        <a:off x="6628730" y="272267"/>
+        <a:ext cx="1370930" cy="913953"/>
+      </dsp:txXfrm>
+    </dsp:sp>
+    <dsp:sp modelId="{90C7D633-37DA-4C45-B5A5-BFF7A0E0497C}">
+      <dsp:nvSpPr>
+        <dsp:cNvPr id="0" name=""/>
+        <dsp:cNvSpPr/>
+      </dsp:nvSpPr>
+      <dsp:spPr>
+        <a:xfrm>
+          <a:off x="8228148" y="272267"/>
+          <a:ext cx="2284883" cy="913953"/>
+        </a:xfrm>
+        <a:prstGeom prst="chevron">
+          <a:avLst/>
+        </a:prstGeom>
+        <a:solidFill>
+          <a:schemeClr val="accent1">
+            <a:hueOff val="0"/>
+            <a:satOff val="0"/>
+            <a:lumOff val="0"/>
+            <a:alphaOff val="0"/>
+          </a:schemeClr>
+        </a:solidFill>
+        <a:ln w="12700" cap="flat" cmpd="sng" algn="ctr">
+          <a:solidFill>
+            <a:schemeClr val="lt1">
+              <a:hueOff val="0"/>
+              <a:satOff val="0"/>
+              <a:lumOff val="0"/>
+              <a:alphaOff val="0"/>
+            </a:schemeClr>
+          </a:solidFill>
+          <a:prstDash val="solid"/>
+          <a:miter lim="800000"/>
+        </a:ln>
+        <a:effectLst/>
+      </dsp:spPr>
+      <dsp:style>
+        <a:lnRef idx="2">
+          <a:scrgbClr r="0" g="0" b="0"/>
+        </a:lnRef>
+        <a:fillRef idx="1">
+          <a:scrgbClr r="0" g="0" b="0"/>
+        </a:fillRef>
+        <a:effectRef idx="0">
+          <a:scrgbClr r="0" g="0" b="0"/>
+        </a:effectRef>
+        <a:fontRef idx="minor">
+          <a:schemeClr val="lt1"/>
+        </a:fontRef>
+      </dsp:style>
+      <dsp:txBody>
+        <a:bodyPr spcFirstLastPara="0" vert="horz" wrap="square" lIns="72009" tIns="24003" rIns="24003" bIns="24003" numCol="1" spcCol="1270" anchor="ctr" anchorCtr="0">
+          <a:noAutofit/>
+        </a:bodyPr>
+        <a:lstStyle/>
+        <a:p>
+          <a:pPr lvl="0" algn="ctr" defTabSz="800100">
+            <a:lnSpc>
+              <a:spcPct val="90000"/>
+            </a:lnSpc>
+            <a:spcBef>
+              <a:spcPct val="0"/>
+            </a:spcBef>
+            <a:spcAft>
+              <a:spcPct val="35000"/>
+            </a:spcAft>
+          </a:pPr>
+          <a:r>
+            <a:rPr lang="en-US" sz="1800" kern="1200" dirty="0" err="1" smtClean="0"/>
+            <a:t>Nhảy</a:t>
+          </a:r>
+          <a:r>
+            <a:rPr lang="en-US" sz="1800" kern="1200" dirty="0" smtClean="0"/>
+            <a:t> </a:t>
+          </a:r>
+          <a:r>
+            <a:rPr lang="en-US" sz="1800" kern="1200" dirty="0" err="1" smtClean="0"/>
+            <a:t>tới</a:t>
+          </a:r>
+          <a:r>
+            <a:rPr lang="en-US" sz="1800" kern="1200" dirty="0" smtClean="0"/>
+            <a:t> </a:t>
+          </a:r>
+          <a:r>
+            <a:rPr lang="en-US" sz="1800" kern="1200" dirty="0" err="1" smtClean="0"/>
+            <a:t>hàm</a:t>
+          </a:r>
+          <a:r>
+            <a:rPr lang="en-US" sz="1800" kern="1200" dirty="0" smtClean="0"/>
+            <a:t> hook</a:t>
+          </a:r>
+          <a:endParaRPr lang="en-US" sz="1800" kern="1200" dirty="0"/>
+        </a:p>
+      </dsp:txBody>
+      <dsp:txXfrm>
+        <a:off x="8685125" y="272267"/>
+        <a:ext cx="1370930" cy="913953"/>
+      </dsp:txXfrm>
+    </dsp:sp>
   </dsp:spTree>
 </dsp:drawing>
 </file>
@@ -6276,7 +6835,7 @@
           <a:p>
             <a:fld id="{16D2D749-03DE-4EC2-8C00-F102FCD2936A}" type="datetimeFigureOut">
               <a:rPr lang="en-US" smtClean="0"/>
-              <a:t>6/1/2015</a:t>
+              <a:t>6/20/2015</a:t>
             </a:fld>
             <a:endParaRPr lang="en-US"/>
           </a:p>
@@ -6446,7 +7005,7 @@
           <a:p>
             <a:fld id="{16D2D749-03DE-4EC2-8C00-F102FCD2936A}" type="datetimeFigureOut">
               <a:rPr lang="en-US" smtClean="0"/>
-              <a:t>6/1/2015</a:t>
+              <a:t>6/20/2015</a:t>
             </a:fld>
             <a:endParaRPr lang="en-US"/>
           </a:p>
@@ -6626,7 +7185,7 @@
           <a:p>
             <a:fld id="{16D2D749-03DE-4EC2-8C00-F102FCD2936A}" type="datetimeFigureOut">
               <a:rPr lang="en-US" smtClean="0"/>
-              <a:t>6/1/2015</a:t>
+              <a:t>6/20/2015</a:t>
             </a:fld>
             <a:endParaRPr lang="en-US"/>
           </a:p>
@@ -6796,7 +7355,7 @@
           <a:p>
             <a:fld id="{16D2D749-03DE-4EC2-8C00-F102FCD2936A}" type="datetimeFigureOut">
               <a:rPr lang="en-US" smtClean="0"/>
-              <a:t>6/1/2015</a:t>
+              <a:t>6/20/2015</a:t>
             </a:fld>
             <a:endParaRPr lang="en-US"/>
           </a:p>
@@ -7042,7 +7601,7 @@
           <a:p>
             <a:fld id="{16D2D749-03DE-4EC2-8C00-F102FCD2936A}" type="datetimeFigureOut">
               <a:rPr lang="en-US" smtClean="0"/>
-              <a:t>6/1/2015</a:t>
+              <a:t>6/20/2015</a:t>
             </a:fld>
             <a:endParaRPr lang="en-US"/>
           </a:p>
@@ -7274,7 +7833,7 @@
           <a:p>
             <a:fld id="{16D2D749-03DE-4EC2-8C00-F102FCD2936A}" type="datetimeFigureOut">
               <a:rPr lang="en-US" smtClean="0"/>
-              <a:t>6/1/2015</a:t>
+              <a:t>6/20/2015</a:t>
             </a:fld>
             <a:endParaRPr lang="en-US"/>
           </a:p>
@@ -7641,7 +8200,7 @@
           <a:p>
             <a:fld id="{16D2D749-03DE-4EC2-8C00-F102FCD2936A}" type="datetimeFigureOut">
               <a:rPr lang="en-US" smtClean="0"/>
-              <a:t>6/1/2015</a:t>
+              <a:t>6/20/2015</a:t>
             </a:fld>
             <a:endParaRPr lang="en-US"/>
           </a:p>
@@ -7759,7 +8318,7 @@
           <a:p>
             <a:fld id="{16D2D749-03DE-4EC2-8C00-F102FCD2936A}" type="datetimeFigureOut">
               <a:rPr lang="en-US" smtClean="0"/>
-              <a:t>6/1/2015</a:t>
+              <a:t>6/20/2015</a:t>
             </a:fld>
             <a:endParaRPr lang="en-US"/>
           </a:p>
@@ -7854,7 +8413,7 @@
           <a:p>
             <a:fld id="{16D2D749-03DE-4EC2-8C00-F102FCD2936A}" type="datetimeFigureOut">
               <a:rPr lang="en-US" smtClean="0"/>
-              <a:t>6/1/2015</a:t>
+              <a:t>6/20/2015</a:t>
             </a:fld>
             <a:endParaRPr lang="en-US"/>
           </a:p>
@@ -8131,7 +8690,7 @@
           <a:p>
             <a:fld id="{16D2D749-03DE-4EC2-8C00-F102FCD2936A}" type="datetimeFigureOut">
               <a:rPr lang="en-US" smtClean="0"/>
-              <a:t>6/1/2015</a:t>
+              <a:t>6/20/2015</a:t>
             </a:fld>
             <a:endParaRPr lang="en-US"/>
           </a:p>
@@ -8384,7 +8943,7 @@
           <a:p>
             <a:fld id="{16D2D749-03DE-4EC2-8C00-F102FCD2936A}" type="datetimeFigureOut">
               <a:rPr lang="en-US" smtClean="0"/>
-              <a:t>6/1/2015</a:t>
+              <a:t>6/20/2015</a:t>
             </a:fld>
             <a:endParaRPr lang="en-US"/>
           </a:p>
@@ -8597,7 +9156,7 @@
           <a:p>
             <a:fld id="{16D2D749-03DE-4EC2-8C00-F102FCD2936A}" type="datetimeFigureOut">
               <a:rPr lang="en-US" smtClean="0"/>
-              <a:t>6/1/2015</a:t>
+              <a:t>6/20/2015</a:t>
             </a:fld>
             <a:endParaRPr lang="en-US"/>
           </a:p>
@@ -9291,7 +9850,7 @@
           <a:prstGeom prst="straightConnector1">
             <a:avLst/>
           </a:prstGeom>
-          <a:ln w="38100">
+          <a:ln w="76200">
             <a:tailEnd type="triangle"/>
           </a:ln>
         </p:spPr>
@@ -9325,6 +9884,9 @@
             <a:avLst/>
           </a:prstGeom>
           <a:noFill/>
+          <a:ln w="76200">
+            <a:noFill/>
+          </a:ln>
         </p:spPr>
         <p:txBody>
           <a:bodyPr wrap="square" rtlCol="0">
@@ -9360,7 +9922,7 @@
               <a:gd name="adj1" fmla="val 100198"/>
             </a:avLst>
           </a:prstGeom>
-          <a:ln w="38100">
+          <a:ln w="76200">
             <a:tailEnd type="triangle"/>
           </a:ln>
         </p:spPr>
@@ -9625,7 +10187,40 @@
           <a:prstGeom prst="straightConnector1">
             <a:avLst/>
           </a:prstGeom>
-          <a:ln w="38100">
+          <a:ln w="76200">
+            <a:tailEnd type="triangle"/>
+          </a:ln>
+        </p:spPr>
+        <p:style>
+          <a:lnRef idx="1">
+            <a:schemeClr val="accent1"/>
+          </a:lnRef>
+          <a:fillRef idx="0">
+            <a:schemeClr val="accent1"/>
+          </a:fillRef>
+          <a:effectRef idx="0">
+            <a:schemeClr val="accent1"/>
+          </a:effectRef>
+          <a:fontRef idx="minor">
+            <a:schemeClr val="tx1"/>
+          </a:fontRef>
+        </p:style>
+      </p:cxnSp>
+      <p:cxnSp>
+        <p:nvCxnSpPr>
+          <p:cNvPr id="3" name="Straight Arrow Connector 2"/>
+          <p:cNvCxnSpPr/>
+          <p:nvPr/>
+        </p:nvCxnSpPr>
+        <p:spPr>
+          <a:xfrm>
+            <a:off x="2787445" y="2932421"/>
+            <a:ext cx="729477" cy="639881"/>
+          </a:xfrm>
+          <a:prstGeom prst="straightConnector1">
+            <a:avLst/>
+          </a:prstGeom>
+          <a:ln w="76200">
             <a:tailEnd type="triangle"/>
           </a:ln>
         </p:spPr>
@@ -9954,14 +10549,189 @@
                             </p:stCondLst>
                             <p:childTnLst>
                               <p:par>
-                                <p:cTn id="28" presetID="1" presetClass="entr" presetSubtype="0" fill="hold" grpId="0" nodeType="clickEffect">
+                                <p:cTn id="28" presetID="0" presetClass="path" presetSubtype="0" accel="50000" decel="50000" fill="hold" grpId="0" nodeType="clickEffect">
+                                  <p:stCondLst>
+                                    <p:cond delay="0"/>
+                                  </p:stCondLst>
+                                  <p:childTnLst>
+                                    <p:animMotion origin="layout" path="M -3.54167E-6 -0.00023 L -3.54167E-6 0.00023 L -0.02226 -0.03495 C -0.02578 -0.04028 -0.0289 -0.04629 -0.03268 -0.05115 C -0.03828 -0.05879 -0.0457 -0.06481 -0.04974 -0.0743 C -0.06614 -0.11319 -0.04648 -0.06852 -0.06523 -0.10416 C -0.07213 -0.11782 -0.07812 -0.13287 -0.08554 -0.14606 C -0.09427 -0.16041 -0.10338 -0.17453 -0.11119 -0.18981 C -0.11744 -0.20231 -0.12343 -0.21504 -0.13007 -0.22708 C -0.13177 -0.22986 -0.13359 -0.23287 -0.13528 -0.23611 C -0.14388 -0.25393 -0.15195 -0.27176 -0.1608 -0.28958 C -0.16966 -0.30671 -0.17929 -0.32315 -0.18828 -0.34028 C -0.19179 -0.34699 -0.19492 -0.35416 -0.1983 -0.36088 C -0.20846 -0.38102 -0.20755 -0.37916 -0.21549 -0.39328 C -0.21901 -0.39953 -0.22174 -0.40648 -0.22578 -0.41203 C -0.27382 -0.47708 -0.22838 -0.41296 -0.26002 -0.46273 C -0.26263 -0.46713 -0.26588 -0.47037 -0.26849 -0.47453 C -0.27161 -0.4794 -0.27395 -0.48541 -0.27708 -0.49074 C -0.27851 -0.49328 -0.28073 -0.4949 -0.28229 -0.49745 C -0.28997 -0.51227 -0.2806 -0.50231 -0.29075 -0.51134 C -0.30052 -0.53125 -0.28867 -0.50602 -0.29583 -0.52523 C -0.29674 -0.52778 -0.2983 -0.52986 -0.29922 -0.53217 C -0.30052 -0.53518 -0.30117 -0.53865 -0.30273 -0.54143 C -0.30416 -0.54421 -0.30638 -0.54606 -0.30781 -0.54838 C -0.30911 -0.55046 -0.31106 -0.55532 -0.31106 -0.55509 L -0.31106 -0.56203 " pathEditMode="relative" rAng="0" ptsTypes="AAAAAAAAAAAAAAAAAAAAAAAAAA">
+                                      <p:cBhvr>
+                                        <p:cTn id="29" dur="2000" fill="hold"/>
+                                        <p:tgtEl>
+                                          <p:spTgt spid="26"/>
+                                        </p:tgtEl>
+                                        <p:attrNameLst>
+                                          <p:attrName>ppt_x</p:attrName>
+                                          <p:attrName>ppt_y</p:attrName>
+                                        </p:attrNameLst>
+                                      </p:cBhvr>
+                                      <p:rCtr x="-15560" y="-28079"/>
+                                    </p:animMotion>
+                                  </p:childTnLst>
+                                </p:cTn>
+                              </p:par>
+                            </p:childTnLst>
+                          </p:cTn>
+                        </p:par>
+                      </p:childTnLst>
+                    </p:cTn>
+                  </p:par>
+                  <p:par>
+                    <p:cTn id="30" fill="hold">
+                      <p:stCondLst>
+                        <p:cond delay="indefinite"/>
+                      </p:stCondLst>
+                      <p:childTnLst>
+                        <p:par>
+                          <p:cTn id="31" fill="hold">
+                            <p:stCondLst>
+                              <p:cond delay="0"/>
+                            </p:stCondLst>
+                            <p:childTnLst>
+                              <p:par>
+                                <p:cTn id="32" presetID="1" presetClass="exit" presetSubtype="0" fill="hold" nodeType="clickEffect">
                                   <p:stCondLst>
                                     <p:cond delay="0"/>
                                   </p:stCondLst>
                                   <p:childTnLst>
                                     <p:set>
                                       <p:cBhvr>
-                                        <p:cTn id="29" dur="1" fill="hold">
+                                        <p:cTn id="33" dur="1" fill="hold">
+                                          <p:stCondLst>
+                                            <p:cond delay="0"/>
+                                          </p:stCondLst>
+                                        </p:cTn>
+                                        <p:tgtEl>
+                                          <p:spTgt spid="17"/>
+                                        </p:tgtEl>
+                                        <p:attrNameLst>
+                                          <p:attrName>style.visibility</p:attrName>
+                                        </p:attrNameLst>
+                                      </p:cBhvr>
+                                      <p:to>
+                                        <p:strVal val="hidden"/>
+                                      </p:to>
+                                    </p:set>
+                                  </p:childTnLst>
+                                </p:cTn>
+                              </p:par>
+                            </p:childTnLst>
+                          </p:cTn>
+                        </p:par>
+                      </p:childTnLst>
+                    </p:cTn>
+                  </p:par>
+                  <p:par>
+                    <p:cTn id="34" fill="hold">
+                      <p:stCondLst>
+                        <p:cond delay="indefinite"/>
+                      </p:stCondLst>
+                      <p:childTnLst>
+                        <p:par>
+                          <p:cTn id="35" fill="hold">
+                            <p:stCondLst>
+                              <p:cond delay="0"/>
+                            </p:stCondLst>
+                            <p:childTnLst>
+                              <p:par>
+                                <p:cTn id="36" presetID="1" presetClass="exit" presetSubtype="0" fill="hold" grpId="1" nodeType="clickEffect">
+                                  <p:stCondLst>
+                                    <p:cond delay="0"/>
+                                  </p:stCondLst>
+                                  <p:childTnLst>
+                                    <p:set>
+                                      <p:cBhvr>
+                                        <p:cTn id="37" dur="1" fill="hold">
+                                          <p:stCondLst>
+                                            <p:cond delay="0"/>
+                                          </p:stCondLst>
+                                        </p:cTn>
+                                        <p:tgtEl>
+                                          <p:spTgt spid="25"/>
+                                        </p:tgtEl>
+                                        <p:attrNameLst>
+                                          <p:attrName>style.visibility</p:attrName>
+                                        </p:attrNameLst>
+                                      </p:cBhvr>
+                                      <p:to>
+                                        <p:strVal val="hidden"/>
+                                      </p:to>
+                                    </p:set>
+                                  </p:childTnLst>
+                                </p:cTn>
+                              </p:par>
+                            </p:childTnLst>
+                          </p:cTn>
+                        </p:par>
+                      </p:childTnLst>
+                    </p:cTn>
+                  </p:par>
+                  <p:par>
+                    <p:cTn id="38" fill="hold">
+                      <p:stCondLst>
+                        <p:cond delay="indefinite"/>
+                      </p:stCondLst>
+                      <p:childTnLst>
+                        <p:par>
+                          <p:cTn id="39" fill="hold">
+                            <p:stCondLst>
+                              <p:cond delay="0"/>
+                            </p:stCondLst>
+                            <p:childTnLst>
+                              <p:par>
+                                <p:cTn id="40" presetID="1" presetClass="entr" presetSubtype="0" fill="hold" nodeType="clickEffect">
+                                  <p:stCondLst>
+                                    <p:cond delay="0"/>
+                                  </p:stCondLst>
+                                  <p:childTnLst>
+                                    <p:set>
+                                      <p:cBhvr>
+                                        <p:cTn id="41" dur="1" fill="hold">
+                                          <p:stCondLst>
+                                            <p:cond delay="0"/>
+                                          </p:stCondLst>
+                                        </p:cTn>
+                                        <p:tgtEl>
+                                          <p:spTgt spid="3"/>
+                                        </p:tgtEl>
+                                        <p:attrNameLst>
+                                          <p:attrName>style.visibility</p:attrName>
+                                        </p:attrNameLst>
+                                      </p:cBhvr>
+                                      <p:to>
+                                        <p:strVal val="visible"/>
+                                      </p:to>
+                                    </p:set>
+                                  </p:childTnLst>
+                                </p:cTn>
+                              </p:par>
+                            </p:childTnLst>
+                          </p:cTn>
+                        </p:par>
+                      </p:childTnLst>
+                    </p:cTn>
+                  </p:par>
+                  <p:par>
+                    <p:cTn id="42" fill="hold">
+                      <p:stCondLst>
+                        <p:cond delay="indefinite"/>
+                      </p:stCondLst>
+                      <p:childTnLst>
+                        <p:par>
+                          <p:cTn id="43" fill="hold">
+                            <p:stCondLst>
+                              <p:cond delay="0"/>
+                            </p:stCondLst>
+                            <p:childTnLst>
+                              <p:par>
+                                <p:cTn id="44" presetID="1" presetClass="entr" presetSubtype="0" fill="hold" grpId="0" nodeType="clickEffect">
+                                  <p:stCondLst>
+                                    <p:cond delay="0"/>
+                                  </p:stCondLst>
+                                  <p:childTnLst>
+                                    <p:set>
+                                      <p:cBhvr>
+                                        <p:cTn id="45" dur="1" fill="hold">
                                           <p:stCondLst>
                                             <p:cond delay="0"/>
                                           </p:stCondLst>
@@ -9987,26 +10757,26 @@
                     </p:cTn>
                   </p:par>
                   <p:par>
-                    <p:cTn id="30" fill="hold">
+                    <p:cTn id="46" fill="hold">
                       <p:stCondLst>
                         <p:cond delay="indefinite"/>
                       </p:stCondLst>
                       <p:childTnLst>
                         <p:par>
-                          <p:cTn id="31" fill="hold">
+                          <p:cTn id="47" fill="hold">
                             <p:stCondLst>
                               <p:cond delay="0"/>
                             </p:stCondLst>
                             <p:childTnLst>
                               <p:par>
-                                <p:cTn id="32" presetID="2" presetClass="entr" presetSubtype="4" fill="hold" nodeType="clickEffect">
+                                <p:cTn id="48" presetID="2" presetClass="entr" presetSubtype="4" fill="hold" nodeType="clickEffect">
                                   <p:stCondLst>
                                     <p:cond delay="0"/>
                                   </p:stCondLst>
                                   <p:childTnLst>
                                     <p:set>
                                       <p:cBhvr>
-                                        <p:cTn id="33" dur="1" fill="hold">
+                                        <p:cTn id="49" dur="1" fill="hold">
                                           <p:stCondLst>
                                             <p:cond delay="0"/>
                                           </p:stCondLst>
@@ -10024,7 +10794,7 @@
                                     </p:set>
                                     <p:anim calcmode="lin" valueType="num">
                                       <p:cBhvr additive="base">
-                                        <p:cTn id="34" dur="500" fill="hold"/>
+                                        <p:cTn id="50" dur="500" fill="hold"/>
                                         <p:tgtEl>
                                           <p:spTgt spid="34"/>
                                         </p:tgtEl>
@@ -10047,7 +10817,7 @@
                                     </p:anim>
                                     <p:anim calcmode="lin" valueType="num">
                                       <p:cBhvr additive="base">
-                                        <p:cTn id="35" dur="500" fill="hold"/>
+                                        <p:cTn id="51" dur="500" fill="hold"/>
                                         <p:tgtEl>
                                           <p:spTgt spid="34"/>
                                         </p:tgtEl>
@@ -10078,117 +10848,26 @@
                     </p:cTn>
                   </p:par>
                   <p:par>
-                    <p:cTn id="36" fill="hold">
+                    <p:cTn id="52" fill="hold">
                       <p:stCondLst>
                         <p:cond delay="indefinite"/>
                       </p:stCondLst>
                       <p:childTnLst>
                         <p:par>
-                          <p:cTn id="37" fill="hold">
+                          <p:cTn id="53" fill="hold">
                             <p:stCondLst>
                               <p:cond delay="0"/>
                             </p:stCondLst>
                             <p:childTnLst>
                               <p:par>
-                                <p:cTn id="38" presetID="2" presetClass="entr" presetSubtype="4" fill="hold" grpId="0" nodeType="clickEffect">
+                                <p:cTn id="54" presetID="10" presetClass="entr" presetSubtype="0" fill="hold" grpId="0" nodeType="clickEffect">
                                   <p:stCondLst>
                                     <p:cond delay="0"/>
                                   </p:stCondLst>
                                   <p:childTnLst>
                                     <p:set>
                                       <p:cBhvr>
-                                        <p:cTn id="39" dur="1" fill="hold">
-                                          <p:stCondLst>
-                                            <p:cond delay="0"/>
-                                          </p:stCondLst>
-                                        </p:cTn>
-                                        <p:tgtEl>
-                                          <p:spTgt spid="26"/>
-                                        </p:tgtEl>
-                                        <p:attrNameLst>
-                                          <p:attrName>style.visibility</p:attrName>
-                                        </p:attrNameLst>
-                                      </p:cBhvr>
-                                      <p:to>
-                                        <p:strVal val="visible"/>
-                                      </p:to>
-                                    </p:set>
-                                    <p:anim calcmode="lin" valueType="num">
-                                      <p:cBhvr additive="base">
-                                        <p:cTn id="40" dur="500" fill="hold"/>
-                                        <p:tgtEl>
-                                          <p:spTgt spid="26"/>
-                                        </p:tgtEl>
-                                        <p:attrNameLst>
-                                          <p:attrName>ppt_x</p:attrName>
-                                        </p:attrNameLst>
-                                      </p:cBhvr>
-                                      <p:tavLst>
-                                        <p:tav tm="0">
-                                          <p:val>
-                                            <p:strVal val="#ppt_x"/>
-                                          </p:val>
-                                        </p:tav>
-                                        <p:tav tm="100000">
-                                          <p:val>
-                                            <p:strVal val="#ppt_x"/>
-                                          </p:val>
-                                        </p:tav>
-                                      </p:tavLst>
-                                    </p:anim>
-                                    <p:anim calcmode="lin" valueType="num">
-                                      <p:cBhvr additive="base">
-                                        <p:cTn id="41" dur="500" fill="hold"/>
-                                        <p:tgtEl>
-                                          <p:spTgt spid="26"/>
-                                        </p:tgtEl>
-                                        <p:attrNameLst>
-                                          <p:attrName>ppt_y</p:attrName>
-                                        </p:attrNameLst>
-                                      </p:cBhvr>
-                                      <p:tavLst>
-                                        <p:tav tm="0">
-                                          <p:val>
-                                            <p:strVal val="1+#ppt_h/2"/>
-                                          </p:val>
-                                        </p:tav>
-                                        <p:tav tm="100000">
-                                          <p:val>
-                                            <p:strVal val="#ppt_y"/>
-                                          </p:val>
-                                        </p:tav>
-                                      </p:tavLst>
-                                    </p:anim>
-                                  </p:childTnLst>
-                                </p:cTn>
-                              </p:par>
-                            </p:childTnLst>
-                          </p:cTn>
-                        </p:par>
-                      </p:childTnLst>
-                    </p:cTn>
-                  </p:par>
-                  <p:par>
-                    <p:cTn id="42" fill="hold">
-                      <p:stCondLst>
-                        <p:cond delay="indefinite"/>
-                      </p:stCondLst>
-                      <p:childTnLst>
-                        <p:par>
-                          <p:cTn id="43" fill="hold">
-                            <p:stCondLst>
-                              <p:cond delay="0"/>
-                            </p:stCondLst>
-                            <p:childTnLst>
-                              <p:par>
-                                <p:cTn id="44" presetID="10" presetClass="entr" presetSubtype="0" fill="hold" grpId="0" nodeType="clickEffect">
-                                  <p:stCondLst>
-                                    <p:cond delay="0"/>
-                                  </p:stCondLst>
-                                  <p:childTnLst>
-                                    <p:set>
-                                      <p:cBhvr>
-                                        <p:cTn id="45" dur="1" fill="hold">
+                                        <p:cTn id="55" dur="1" fill="hold">
                                           <p:stCondLst>
                                             <p:cond delay="0"/>
                                           </p:stCondLst>
@@ -10206,7 +10885,7 @@
                                     </p:set>
                                     <p:animEffect transition="in" filter="fade">
                                       <p:cBhvr>
-                                        <p:cTn id="46" dur="500"/>
+                                        <p:cTn id="56" dur="500"/>
                                         <p:tgtEl>
                                           <p:spTgt spid="32"/>
                                         </p:tgtEl>
@@ -10246,6 +10925,7 @@
       <p:bldP spid="7" grpId="0" animBg="1"/>
       <p:bldP spid="10" grpId="0"/>
       <p:bldP spid="25" grpId="0"/>
+      <p:bldP spid="25" grpId="1"/>
       <p:bldP spid="26" grpId="0" animBg="1"/>
       <p:bldP spid="29" grpId="0" animBg="1"/>
       <p:bldP spid="32" grpId="0" animBg="1"/>
@@ -12029,6 +12709,7 @@
           <a:prstGeom prst="line">
             <a:avLst/>
           </a:prstGeom>
+          <a:ln w="38100"/>
         </p:spPr>
         <p:style>
           <a:lnRef idx="1">
@@ -12059,6 +12740,7 @@
           <a:prstGeom prst="line">
             <a:avLst/>
           </a:prstGeom>
+          <a:ln w="38100"/>
         </p:spPr>
         <p:style>
           <a:lnRef idx="1">
@@ -12089,6 +12771,7 @@
           <a:prstGeom prst="line">
             <a:avLst/>
           </a:prstGeom>
+          <a:ln w="38100"/>
         </p:spPr>
         <p:style>
           <a:lnRef idx="1">
@@ -12119,6 +12802,7 @@
           <a:prstGeom prst="line">
             <a:avLst/>
           </a:prstGeom>
+          <a:ln w="38100"/>
         </p:spPr>
         <p:style>
           <a:lnRef idx="1">
@@ -12149,6 +12833,7 @@
           <a:prstGeom prst="line">
             <a:avLst/>
           </a:prstGeom>
+          <a:ln w="38100"/>
         </p:spPr>
         <p:style>
           <a:lnRef idx="1">
@@ -12179,6 +12864,7 @@
           <a:prstGeom prst="line">
             <a:avLst/>
           </a:prstGeom>
+          <a:ln w="38100"/>
         </p:spPr>
         <p:style>
           <a:lnRef idx="1">
@@ -12209,6 +12895,7 @@
           <a:prstGeom prst="line">
             <a:avLst/>
           </a:prstGeom>
+          <a:ln w="38100"/>
         </p:spPr>
         <p:style>
           <a:lnRef idx="1">
@@ -12239,6 +12926,7 @@
           <a:prstGeom prst="line">
             <a:avLst/>
           </a:prstGeom>
+          <a:ln w="38100"/>
         </p:spPr>
         <p:style>
           <a:lnRef idx="1">
@@ -12269,6 +12957,7 @@
           <a:prstGeom prst="line">
             <a:avLst/>
           </a:prstGeom>
+          <a:ln w="38100"/>
         </p:spPr>
         <p:style>
           <a:lnRef idx="1">
@@ -12330,7 +13019,7 @@
             <a:avLst/>
           </a:prstGeom>
           <a:solidFill>
-            <a:srgbClr val="FF0000"/>
+            <a:schemeClr val="accent2"/>
           </a:solidFill>
         </p:spPr>
         <p:style>
@@ -12476,7 +13165,7 @@
             <a:avLst/>
           </a:prstGeom>
           <a:solidFill>
-            <a:srgbClr val="FF0000"/>
+            <a:schemeClr val="accent2"/>
           </a:solidFill>
         </p:spPr>
         <p:style>
@@ -12622,7 +13311,7 @@
             <a:avLst/>
           </a:prstGeom>
           <a:solidFill>
-            <a:srgbClr val="FF0000"/>
+            <a:schemeClr val="accent2"/>
           </a:solidFill>
         </p:spPr>
         <p:style>
@@ -12764,7 +13453,7 @@
             <a:avLst/>
           </a:prstGeom>
           <a:solidFill>
-            <a:srgbClr val="FF0000"/>
+            <a:schemeClr val="accent2"/>
           </a:solidFill>
         </p:spPr>
         <p:style>
@@ -12906,7 +13595,7 @@
             <a:avLst/>
           </a:prstGeom>
           <a:solidFill>
-            <a:srgbClr val="FF0000"/>
+            <a:schemeClr val="accent2"/>
           </a:solidFill>
         </p:spPr>
         <p:style>
@@ -13048,7 +13737,7 @@
             <a:avLst/>
           </a:prstGeom>
           <a:solidFill>
-            <a:srgbClr val="FF0000"/>
+            <a:schemeClr val="accent2"/>
           </a:solidFill>
         </p:spPr>
         <p:style>
@@ -13190,7 +13879,7 @@
             <a:avLst/>
           </a:prstGeom>
           <a:solidFill>
-            <a:srgbClr val="FF0000"/>
+            <a:schemeClr val="accent2"/>
           </a:solidFill>
         </p:spPr>
         <p:style>
@@ -13332,7 +14021,7 @@
             <a:avLst/>
           </a:prstGeom>
           <a:solidFill>
-            <a:srgbClr val="FF0000"/>
+            <a:schemeClr val="accent2"/>
           </a:solidFill>
         </p:spPr>
         <p:style>
@@ -13474,7 +14163,7 @@
             <a:avLst/>
           </a:prstGeom>
           <a:solidFill>
-            <a:srgbClr val="FF0000"/>
+            <a:schemeClr val="accent2"/>
           </a:solidFill>
         </p:spPr>
         <p:style>
@@ -13622,7 +14311,7 @@
           <a:prstGeom prst="straightConnector1">
             <a:avLst/>
           </a:prstGeom>
-          <a:ln>
+          <a:ln w="38100">
             <a:tailEnd type="triangle"/>
           </a:ln>
         </p:spPr>
@@ -13655,7 +14344,7 @@
           <a:prstGeom prst="straightConnector1">
             <a:avLst/>
           </a:prstGeom>
-          <a:ln>
+          <a:ln w="38100">
             <a:tailEnd type="triangle"/>
           </a:ln>
         </p:spPr>
@@ -13688,7 +14377,7 @@
           <a:prstGeom prst="straightConnector1">
             <a:avLst/>
           </a:prstGeom>
-          <a:ln>
+          <a:ln w="38100">
             <a:tailEnd type="triangle"/>
           </a:ln>
         </p:spPr>
@@ -13721,7 +14410,7 @@
           <a:prstGeom prst="straightConnector1">
             <a:avLst/>
           </a:prstGeom>
-          <a:ln>
+          <a:ln w="38100">
             <a:tailEnd type="triangle"/>
           </a:ln>
         </p:spPr>
@@ -13754,7 +14443,7 @@
           <a:prstGeom prst="straightConnector1">
             <a:avLst/>
           </a:prstGeom>
-          <a:ln>
+          <a:ln w="38100">
             <a:tailEnd type="triangle"/>
           </a:ln>
         </p:spPr>
@@ -13787,7 +14476,7 @@
           <a:prstGeom prst="straightConnector1">
             <a:avLst/>
           </a:prstGeom>
-          <a:ln>
+          <a:ln w="38100">
             <a:tailEnd type="triangle"/>
           </a:ln>
         </p:spPr>
@@ -13820,7 +14509,7 @@
           <a:prstGeom prst="straightConnector1">
             <a:avLst/>
           </a:prstGeom>
-          <a:ln>
+          <a:ln w="38100">
             <a:tailEnd type="triangle"/>
           </a:ln>
         </p:spPr>
@@ -13853,7 +14542,7 @@
           <a:prstGeom prst="straightConnector1">
             <a:avLst/>
           </a:prstGeom>
-          <a:ln>
+          <a:ln w="38100">
             <a:tailEnd type="triangle"/>
           </a:ln>
         </p:spPr>
@@ -13886,7 +14575,7 @@
           <a:prstGeom prst="straightConnector1">
             <a:avLst/>
           </a:prstGeom>
-          <a:ln>
+          <a:ln w="38100">
             <a:tailEnd type="triangle"/>
           </a:ln>
         </p:spPr>
@@ -14001,6 +14690,11 @@
           <a:prstGeom prst="roundRect">
             <a:avLst/>
           </a:prstGeom>
+          <a:solidFill>
+            <a:schemeClr val="accent1">
+              <a:lumMod val="75000"/>
+            </a:schemeClr>
+          </a:solidFill>
         </p:spPr>
         <p:style>
           <a:lnRef idx="2">
@@ -14045,6 +14739,11 @@
           <a:prstGeom prst="ellipse">
             <a:avLst/>
           </a:prstGeom>
+          <a:solidFill>
+            <a:schemeClr val="accent1">
+              <a:lumMod val="75000"/>
+            </a:schemeClr>
+          </a:solidFill>
         </p:spPr>
         <p:style>
           <a:lnRef idx="2">
@@ -14090,8 +14789,9 @@
             <a:avLst/>
           </a:prstGeom>
           <a:solidFill>
-            <a:schemeClr val="accent2">
+            <a:schemeClr val="tx1">
               <a:lumMod val="75000"/>
+              <a:lumOff val="25000"/>
             </a:schemeClr>
           </a:solidFill>
         </p:spPr>
@@ -14120,7 +14820,6 @@
               <a:rPr lang="en-US" dirty="0"/>
               <a:t>Rfc2898DeriveBytes </a:t>
             </a:r>
-            <a:endParaRPr lang="en-US" dirty="0"/>
           </a:p>
         </p:txBody>
       </p:sp>
@@ -14140,7 +14839,7 @@
           <a:prstGeom prst="straightConnector1">
             <a:avLst/>
           </a:prstGeom>
-          <a:ln w="38100">
+          <a:ln w="76200">
             <a:solidFill>
               <a:srgbClr val="00B050"/>
             </a:solidFill>
@@ -14178,7 +14877,7 @@
           <a:prstGeom prst="straightConnector1">
             <a:avLst/>
           </a:prstGeom>
-          <a:ln w="38100">
+          <a:ln w="76200">
             <a:solidFill>
               <a:srgbClr val="00B050"/>
             </a:solidFill>
@@ -14215,7 +14914,7 @@
             <a:avLst/>
           </a:prstGeom>
           <a:solidFill>
-            <a:srgbClr val="FF0000"/>
+            <a:srgbClr val="00B050"/>
           </a:solidFill>
         </p:spPr>
         <p:style>
@@ -14265,7 +14964,7 @@
           <a:prstGeom prst="straightConnector1">
             <a:avLst/>
           </a:prstGeom>
-          <a:ln w="38100">
+          <a:ln w="76200">
             <a:solidFill>
               <a:srgbClr val="00B050"/>
             </a:solidFill>
@@ -14302,8 +15001,9 @@
             <a:avLst/>
           </a:prstGeom>
           <a:solidFill>
-            <a:schemeClr val="accent2">
+            <a:schemeClr val="tx1">
               <a:lumMod val="75000"/>
+              <a:lumOff val="25000"/>
             </a:schemeClr>
           </a:solidFill>
         </p:spPr>
@@ -14336,7 +15036,6 @@
               <a:rPr lang="en-US" dirty="0"/>
               <a:t> </a:t>
             </a:r>
-            <a:endParaRPr lang="en-US" dirty="0"/>
           </a:p>
         </p:txBody>
       </p:sp>
@@ -14357,7 +15056,7 @@
           <a:prstGeom prst="straightConnector1">
             <a:avLst/>
           </a:prstGeom>
-          <a:ln w="38100">
+          <a:ln w="76200">
             <a:solidFill>
               <a:srgbClr val="00B050"/>
             </a:solidFill>
@@ -14393,6 +15092,11 @@
           <a:prstGeom prst="roundRect">
             <a:avLst/>
           </a:prstGeom>
+          <a:solidFill>
+            <a:schemeClr val="accent1">
+              <a:lumMod val="75000"/>
+            </a:schemeClr>
+          </a:solidFill>
         </p:spPr>
         <p:style>
           <a:lnRef idx="2">
@@ -14437,7 +15141,7 @@
           <a:prstGeom prst="straightConnector1">
             <a:avLst/>
           </a:prstGeom>
-          <a:ln w="38100">
+          <a:ln w="76200">
             <a:solidFill>
               <a:srgbClr val="00B050"/>
             </a:solidFill>
@@ -14474,7 +15178,7 @@
             <a:avLst/>
           </a:prstGeom>
           <a:solidFill>
-            <a:srgbClr val="FF0000"/>
+            <a:srgbClr val="00B050"/>
           </a:solidFill>
         </p:spPr>
         <p:style>
@@ -14522,7 +15226,7 @@
           <a:prstGeom prst="straightConnector1">
             <a:avLst/>
           </a:prstGeom>
-          <a:ln w="38100">
+          <a:ln w="76200">
             <a:solidFill>
               <a:srgbClr val="00B050"/>
             </a:solidFill>
@@ -14616,6 +15320,13 @@
   <p:clrMapOvr>
     <a:masterClrMapping/>
   </p:clrMapOvr>
+  <p:timing>
+    <p:tnLst>
+      <p:par>
+        <p:cTn id="1" dur="indefinite" restart="never" nodeType="tmRoot"/>
+      </p:par>
+    </p:tnLst>
+  </p:timing>
 </p:sld>
 </file>
 
@@ -14658,6 +15369,12 @@
           <a:prstGeom prst="rect">
             <a:avLst/>
           </a:prstGeom>
+          <a:solidFill>
+            <a:schemeClr val="accent1">
+              <a:lumMod val="60000"/>
+              <a:lumOff val="40000"/>
+            </a:schemeClr>
+          </a:solidFill>
         </p:spPr>
         <p:style>
           <a:lnRef idx="2">
@@ -14760,6 +15477,12 @@
           <a:prstGeom prst="rect">
             <a:avLst/>
           </a:prstGeom>
+          <a:solidFill>
+            <a:schemeClr val="accent1">
+              <a:lumMod val="60000"/>
+              <a:lumOff val="40000"/>
+            </a:schemeClr>
+          </a:solidFill>
         </p:spPr>
         <p:style>
           <a:lnRef idx="2">
@@ -14904,7 +15627,10 @@
             <a:avLst/>
           </a:prstGeom>
           <a:solidFill>
-            <a:srgbClr val="FF0000"/>
+            <a:schemeClr val="accent2">
+              <a:lumMod val="60000"/>
+              <a:lumOff val="40000"/>
+            </a:schemeClr>
           </a:solidFill>
         </p:spPr>
         <p:style>
@@ -14955,7 +15681,7 @@
             <a:avLst/>
           </a:prstGeom>
           <a:solidFill>
-            <a:srgbClr val="FFC000"/>
+            <a:srgbClr val="00B0F0"/>
           </a:solidFill>
         </p:spPr>
         <p:style>
@@ -15002,7 +15728,10 @@
             <a:avLst/>
           </a:prstGeom>
           <a:solidFill>
-            <a:srgbClr val="FF6600"/>
+            <a:schemeClr val="accent2">
+              <a:lumMod val="60000"/>
+              <a:lumOff val="40000"/>
+            </a:schemeClr>
           </a:solidFill>
         </p:spPr>
         <p:style>
@@ -15053,7 +15782,10 @@
             <a:avLst/>
           </a:prstGeom>
           <a:solidFill>
-            <a:srgbClr val="FF0000"/>
+            <a:schemeClr val="accent2">
+              <a:lumMod val="60000"/>
+              <a:lumOff val="40000"/>
+            </a:schemeClr>
           </a:solidFill>
         </p:spPr>
         <p:style>
@@ -15336,7 +16068,7 @@
             <a:avLst/>
           </a:prstGeom>
           <a:solidFill>
-            <a:schemeClr val="accent4"/>
+            <a:srgbClr val="00B0F0"/>
           </a:solidFill>
         </p:spPr>
         <p:style>
@@ -15463,7 +16195,6 @@
               <a:rPr lang="en-US" sz="1600" dirty="0"/>
               <a:t>MD</a:t>
             </a:r>
-            <a:endParaRPr lang="en-US" sz="1600" dirty="0"/>
           </a:p>
         </p:txBody>
       </p:sp>
@@ -15482,7 +16213,9 @@
             <a:avLst/>
           </a:prstGeom>
           <a:solidFill>
-            <a:srgbClr val="FF0000"/>
+            <a:schemeClr val="accent6">
+              <a:lumMod val="75000"/>
+            </a:schemeClr>
           </a:solidFill>
         </p:spPr>
         <p:style>
@@ -15530,14 +16263,16 @@
         </p:nvSpPr>
         <p:spPr>
           <a:xfrm>
-            <a:off x="6850965" y="3801500"/>
-            <a:ext cx="1336431" cy="379827"/>
+            <a:off x="6850965" y="3801501"/>
+            <a:ext cx="1336431" cy="366082"/>
           </a:xfrm>
           <a:prstGeom prst="rect">
             <a:avLst/>
           </a:prstGeom>
           <a:solidFill>
-            <a:srgbClr val="FF6600"/>
+            <a:schemeClr val="accent6">
+              <a:lumMod val="75000"/>
+            </a:schemeClr>
           </a:solidFill>
         </p:spPr>
         <p:style>
@@ -15588,7 +16323,9 @@
             <a:avLst/>
           </a:prstGeom>
           <a:solidFill>
-            <a:srgbClr val="FF0000"/>
+            <a:schemeClr val="accent6">
+              <a:lumMod val="75000"/>
+            </a:schemeClr>
           </a:solidFill>
         </p:spPr>
         <p:style>
@@ -16003,6 +16740,104 @@
           </a:fontRef>
         </p:style>
       </p:cxnSp>
+      <p:sp>
+        <p:nvSpPr>
+          <p:cNvPr id="2" name="TextBox 1"/>
+          <p:cNvSpPr txBox="1"/>
+          <p:nvPr/>
+        </p:nvSpPr>
+        <p:spPr>
+          <a:xfrm>
+            <a:off x="850006" y="5885645"/>
+            <a:ext cx="3311932" cy="369332"/>
+          </a:xfrm>
+          <a:prstGeom prst="rect">
+            <a:avLst/>
+          </a:prstGeom>
+          <a:noFill/>
+        </p:spPr>
+        <p:txBody>
+          <a:bodyPr wrap="none" rtlCol="0">
+            <a:spAutoFit/>
+          </a:bodyPr>
+          <a:lstStyle/>
+          <a:p>
+            <a:r>
+              <a:rPr lang="en-US" dirty="0" err="1" smtClean="0"/>
+              <a:t>Ghi</a:t>
+            </a:r>
+            <a:r>
+              <a:rPr lang="en-US" dirty="0" smtClean="0"/>
+              <a:t> </a:t>
+            </a:r>
+            <a:r>
+              <a:rPr lang="en-US" dirty="0" err="1" smtClean="0"/>
+              <a:t>thông</a:t>
+            </a:r>
+            <a:r>
+              <a:rPr lang="en-US" dirty="0" smtClean="0"/>
+              <a:t> tin </a:t>
+            </a:r>
+            <a:r>
+              <a:rPr lang="en-US" dirty="0" err="1" smtClean="0"/>
+              <a:t>mã</a:t>
+            </a:r>
+            <a:r>
+              <a:rPr lang="en-US" dirty="0" smtClean="0"/>
+              <a:t> </a:t>
+            </a:r>
+            <a:r>
+              <a:rPr lang="en-US" dirty="0" err="1" smtClean="0"/>
+              <a:t>hóa</a:t>
+            </a:r>
+            <a:r>
+              <a:rPr lang="en-US" dirty="0" smtClean="0"/>
+              <a:t> </a:t>
+            </a:r>
+            <a:r>
+              <a:rPr lang="en-US" dirty="0" err="1" smtClean="0"/>
+              <a:t>vào</a:t>
+            </a:r>
+            <a:r>
+              <a:rPr lang="en-US" dirty="0" smtClean="0"/>
+              <a:t> </a:t>
+            </a:r>
+            <a:r>
+              <a:rPr lang="en-US" dirty="0" err="1" smtClean="0"/>
+              <a:t>đầu</a:t>
+            </a:r>
+            <a:r>
+              <a:rPr lang="en-US" dirty="0" smtClean="0"/>
+              <a:t> file</a:t>
+            </a:r>
+            <a:endParaRPr lang="en-US" dirty="0"/>
+          </a:p>
+        </p:txBody>
+      </p:sp>
+      <p:pic>
+        <p:nvPicPr>
+          <p:cNvPr id="32" name="Picture 31"/>
+          <p:cNvPicPr>
+            <a:picLocks noChangeAspect="1"/>
+          </p:cNvPicPr>
+          <p:nvPr/>
+        </p:nvPicPr>
+        <p:blipFill>
+          <a:blip r:embed="rId2"/>
+          <a:stretch>
+            <a:fillRect/>
+          </a:stretch>
+        </p:blipFill>
+        <p:spPr>
+          <a:xfrm>
+            <a:off x="1772918" y="2042273"/>
+            <a:ext cx="7950701" cy="1408298"/>
+          </a:xfrm>
+          <a:prstGeom prst="rect">
+            <a:avLst/>
+          </a:prstGeom>
+        </p:spPr>
+      </p:pic>
     </p:spTree>
     <p:extLst>
       <p:ext uri="{BB962C8B-B14F-4D97-AF65-F5344CB8AC3E}">
@@ -16013,6 +16848,1581 @@
   <p:clrMapOvr>
     <a:masterClrMapping/>
   </p:clrMapOvr>
+  <p:timing>
+    <p:tnLst>
+      <p:par>
+        <p:cTn id="1" dur="indefinite" restart="never" nodeType="tmRoot"/>
+      </p:par>
+    </p:tnLst>
+  </p:timing>
+</p:sld>
+</file>
+
+<file path=ppt/slides/slide7.xml><?xml version="1.0" encoding="utf-8"?>
+<p:sld xmlns:a="http://schemas.openxmlformats.org/drawingml/2006/main" xmlns:r="http://schemas.openxmlformats.org/officeDocument/2006/relationships" xmlns:p="http://schemas.openxmlformats.org/presentationml/2006/main">
+  <p:cSld>
+    <p:spTree>
+      <p:nvGrpSpPr>
+        <p:cNvPr id="1" name=""/>
+        <p:cNvGrpSpPr/>
+        <p:nvPr/>
+      </p:nvGrpSpPr>
+      <p:grpSpPr>
+        <a:xfrm>
+          <a:off x="0" y="0"/>
+          <a:ext cx="0" cy="0"/>
+          <a:chOff x="0" y="0"/>
+          <a:chExt cx="0" cy="0"/>
+        </a:xfrm>
+      </p:grpSpPr>
+      <p:sp>
+        <p:nvSpPr>
+          <p:cNvPr id="6" name="Rectangle 5"/>
+          <p:cNvSpPr/>
+          <p:nvPr/>
+        </p:nvSpPr>
+        <p:spPr>
+          <a:xfrm>
+            <a:off x="5486399" y="1308294"/>
+            <a:ext cx="1336431" cy="379827"/>
+          </a:xfrm>
+          <a:prstGeom prst="rect">
+            <a:avLst/>
+          </a:prstGeom>
+          <a:solidFill>
+            <a:schemeClr val="accent1">
+              <a:lumMod val="60000"/>
+              <a:lumOff val="40000"/>
+            </a:schemeClr>
+          </a:solidFill>
+        </p:spPr>
+        <p:style>
+          <a:lnRef idx="2">
+            <a:schemeClr val="accent1">
+              <a:shade val="50000"/>
+            </a:schemeClr>
+          </a:lnRef>
+          <a:fillRef idx="1">
+            <a:schemeClr val="accent1"/>
+          </a:fillRef>
+          <a:effectRef idx="0">
+            <a:schemeClr val="accent1"/>
+          </a:effectRef>
+          <a:fontRef idx="minor">
+            <a:schemeClr val="lt1"/>
+          </a:fontRef>
+        </p:style>
+        <p:txBody>
+          <a:bodyPr rtlCol="0" anchor="ctr"/>
+          <a:lstStyle/>
+          <a:p>
+            <a:pPr algn="ctr"/>
+            <a:r>
+              <a:rPr lang="en-US" dirty="0" smtClean="0"/>
+              <a:t>D</a:t>
+            </a:r>
+            <a:r>
+              <a:rPr lang="en-US" baseline="-25000" dirty="0" smtClean="0"/>
+              <a:t>0</a:t>
+            </a:r>
+            <a:endParaRPr lang="en-US" dirty="0"/>
+          </a:p>
+        </p:txBody>
+      </p:sp>
+      <p:sp>
+        <p:nvSpPr>
+          <p:cNvPr id="7" name="Rectangle 6"/>
+          <p:cNvSpPr/>
+          <p:nvPr/>
+        </p:nvSpPr>
+        <p:spPr>
+          <a:xfrm>
+            <a:off x="6822830" y="1315326"/>
+            <a:ext cx="1336431" cy="372795"/>
+          </a:xfrm>
+          <a:prstGeom prst="rect">
+            <a:avLst/>
+          </a:prstGeom>
+          <a:solidFill>
+            <a:schemeClr val="accent1">
+              <a:lumMod val="60000"/>
+              <a:lumOff val="40000"/>
+            </a:schemeClr>
+          </a:solidFill>
+        </p:spPr>
+        <p:style>
+          <a:lnRef idx="2">
+            <a:schemeClr val="accent1">
+              <a:shade val="50000"/>
+            </a:schemeClr>
+          </a:lnRef>
+          <a:fillRef idx="1">
+            <a:schemeClr val="accent1"/>
+          </a:fillRef>
+          <a:effectRef idx="0">
+            <a:schemeClr val="accent1"/>
+          </a:effectRef>
+          <a:fontRef idx="minor">
+            <a:schemeClr val="lt1"/>
+          </a:fontRef>
+        </p:style>
+        <p:txBody>
+          <a:bodyPr rtlCol="0" anchor="ctr"/>
+          <a:lstStyle/>
+          <a:p>
+            <a:pPr algn="ctr"/>
+            <a:r>
+              <a:rPr lang="en-US" dirty="0" smtClean="0"/>
+              <a:t>…</a:t>
+            </a:r>
+            <a:endParaRPr lang="en-US" dirty="0"/>
+          </a:p>
+        </p:txBody>
+      </p:sp>
+      <p:sp>
+        <p:nvSpPr>
+          <p:cNvPr id="8" name="Rectangle 7"/>
+          <p:cNvSpPr/>
+          <p:nvPr/>
+        </p:nvSpPr>
+        <p:spPr>
+          <a:xfrm>
+            <a:off x="8159261" y="1315326"/>
+            <a:ext cx="1364567" cy="372795"/>
+          </a:xfrm>
+          <a:prstGeom prst="rect">
+            <a:avLst/>
+          </a:prstGeom>
+          <a:solidFill>
+            <a:schemeClr val="accent1">
+              <a:lumMod val="60000"/>
+              <a:lumOff val="40000"/>
+            </a:schemeClr>
+          </a:solidFill>
+        </p:spPr>
+        <p:style>
+          <a:lnRef idx="2">
+            <a:schemeClr val="accent1">
+              <a:shade val="50000"/>
+            </a:schemeClr>
+          </a:lnRef>
+          <a:fillRef idx="1">
+            <a:schemeClr val="accent1"/>
+          </a:fillRef>
+          <a:effectRef idx="0">
+            <a:schemeClr val="accent1"/>
+          </a:effectRef>
+          <a:fontRef idx="minor">
+            <a:schemeClr val="lt1"/>
+          </a:fontRef>
+        </p:style>
+        <p:txBody>
+          <a:bodyPr rot="0" spcFirstLastPara="0" vert="horz" wrap="square" lIns="91440" tIns="45720" rIns="91440" bIns="45720" numCol="1" spcCol="0" rtlCol="0" fromWordArt="0" anchor="ctr" anchorCtr="0" forceAA="0" compatLnSpc="1">
+            <a:prstTxWarp prst="textNoShape">
+              <a:avLst/>
+            </a:prstTxWarp>
+            <a:noAutofit/>
+          </a:bodyPr>
+          <a:lstStyle>
+            <a:defPPr>
+              <a:defRPr lang="en-US"/>
+            </a:defPPr>
+            <a:lvl1pPr marL="0" algn="l" defTabSz="914400" rtl="0" eaLnBrk="1" latinLnBrk="0" hangingPunct="1">
+              <a:defRPr sz="1800" kern="1200">
+                <a:solidFill>
+                  <a:schemeClr val="lt1"/>
+                </a:solidFill>
+                <a:latin typeface="+mn-lt"/>
+                <a:ea typeface="+mn-ea"/>
+                <a:cs typeface="+mn-cs"/>
+              </a:defRPr>
+            </a:lvl1pPr>
+            <a:lvl2pPr marL="457200" algn="l" defTabSz="914400" rtl="0" eaLnBrk="1" latinLnBrk="0" hangingPunct="1">
+              <a:defRPr sz="1800" kern="1200">
+                <a:solidFill>
+                  <a:schemeClr val="lt1"/>
+                </a:solidFill>
+                <a:latin typeface="+mn-lt"/>
+                <a:ea typeface="+mn-ea"/>
+                <a:cs typeface="+mn-cs"/>
+              </a:defRPr>
+            </a:lvl2pPr>
+            <a:lvl3pPr marL="914400" algn="l" defTabSz="914400" rtl="0" eaLnBrk="1" latinLnBrk="0" hangingPunct="1">
+              <a:defRPr sz="1800" kern="1200">
+                <a:solidFill>
+                  <a:schemeClr val="lt1"/>
+                </a:solidFill>
+                <a:latin typeface="+mn-lt"/>
+                <a:ea typeface="+mn-ea"/>
+                <a:cs typeface="+mn-cs"/>
+              </a:defRPr>
+            </a:lvl3pPr>
+            <a:lvl4pPr marL="1371600" algn="l" defTabSz="914400" rtl="0" eaLnBrk="1" latinLnBrk="0" hangingPunct="1">
+              <a:defRPr sz="1800" kern="1200">
+                <a:solidFill>
+                  <a:schemeClr val="lt1"/>
+                </a:solidFill>
+                <a:latin typeface="+mn-lt"/>
+                <a:ea typeface="+mn-ea"/>
+                <a:cs typeface="+mn-cs"/>
+              </a:defRPr>
+            </a:lvl4pPr>
+            <a:lvl5pPr marL="1828800" algn="l" defTabSz="914400" rtl="0" eaLnBrk="1" latinLnBrk="0" hangingPunct="1">
+              <a:defRPr sz="1800" kern="1200">
+                <a:solidFill>
+                  <a:schemeClr val="lt1"/>
+                </a:solidFill>
+                <a:latin typeface="+mn-lt"/>
+                <a:ea typeface="+mn-ea"/>
+                <a:cs typeface="+mn-cs"/>
+              </a:defRPr>
+            </a:lvl5pPr>
+            <a:lvl6pPr marL="2286000" algn="l" defTabSz="914400" rtl="0" eaLnBrk="1" latinLnBrk="0" hangingPunct="1">
+              <a:defRPr sz="1800" kern="1200">
+                <a:solidFill>
+                  <a:schemeClr val="lt1"/>
+                </a:solidFill>
+                <a:latin typeface="+mn-lt"/>
+                <a:ea typeface="+mn-ea"/>
+                <a:cs typeface="+mn-cs"/>
+              </a:defRPr>
+            </a:lvl6pPr>
+            <a:lvl7pPr marL="2743200" algn="l" defTabSz="914400" rtl="0" eaLnBrk="1" latinLnBrk="0" hangingPunct="1">
+              <a:defRPr sz="1800" kern="1200">
+                <a:solidFill>
+                  <a:schemeClr val="lt1"/>
+                </a:solidFill>
+                <a:latin typeface="+mn-lt"/>
+                <a:ea typeface="+mn-ea"/>
+                <a:cs typeface="+mn-cs"/>
+              </a:defRPr>
+            </a:lvl7pPr>
+            <a:lvl8pPr marL="3200400" algn="l" defTabSz="914400" rtl="0" eaLnBrk="1" latinLnBrk="0" hangingPunct="1">
+              <a:defRPr sz="1800" kern="1200">
+                <a:solidFill>
+                  <a:schemeClr val="lt1"/>
+                </a:solidFill>
+                <a:latin typeface="+mn-lt"/>
+                <a:ea typeface="+mn-ea"/>
+                <a:cs typeface="+mn-cs"/>
+              </a:defRPr>
+            </a:lvl8pPr>
+            <a:lvl9pPr marL="3657600" algn="l" defTabSz="914400" rtl="0" eaLnBrk="1" latinLnBrk="0" hangingPunct="1">
+              <a:defRPr sz="1800" kern="1200">
+                <a:solidFill>
+                  <a:schemeClr val="lt1"/>
+                </a:solidFill>
+                <a:latin typeface="+mn-lt"/>
+                <a:ea typeface="+mn-ea"/>
+                <a:cs typeface="+mn-cs"/>
+              </a:defRPr>
+            </a:lvl9pPr>
+          </a:lstStyle>
+          <a:p>
+            <a:pPr algn="ctr"/>
+            <a:r>
+              <a:rPr lang="en-US" dirty="0" smtClean="0"/>
+              <a:t>D</a:t>
+            </a:r>
+            <a:r>
+              <a:rPr lang="en-US" baseline="-25000" dirty="0" smtClean="0"/>
+              <a:t>n-1</a:t>
+            </a:r>
+            <a:endParaRPr lang="en-US" dirty="0"/>
+          </a:p>
+        </p:txBody>
+      </p:sp>
+      <p:sp>
+        <p:nvSpPr>
+          <p:cNvPr id="9" name="Rectangle 8"/>
+          <p:cNvSpPr/>
+          <p:nvPr/>
+        </p:nvSpPr>
+        <p:spPr>
+          <a:xfrm>
+            <a:off x="5486398" y="2223407"/>
+            <a:ext cx="1336431" cy="375599"/>
+          </a:xfrm>
+          <a:prstGeom prst="rect">
+            <a:avLst/>
+          </a:prstGeom>
+          <a:solidFill>
+            <a:schemeClr val="accent2">
+              <a:lumMod val="60000"/>
+              <a:lumOff val="40000"/>
+            </a:schemeClr>
+          </a:solidFill>
+        </p:spPr>
+        <p:style>
+          <a:lnRef idx="2">
+            <a:schemeClr val="accent1">
+              <a:shade val="50000"/>
+            </a:schemeClr>
+          </a:lnRef>
+          <a:fillRef idx="1">
+            <a:schemeClr val="accent1"/>
+          </a:fillRef>
+          <a:effectRef idx="0">
+            <a:schemeClr val="accent1"/>
+          </a:effectRef>
+          <a:fontRef idx="minor">
+            <a:schemeClr val="lt1"/>
+          </a:fontRef>
+        </p:style>
+        <p:txBody>
+          <a:bodyPr rtlCol="0" anchor="ctr"/>
+          <a:lstStyle/>
+          <a:p>
+            <a:pPr algn="ctr"/>
+            <a:r>
+              <a:rPr lang="en-US" dirty="0" smtClean="0"/>
+              <a:t>E</a:t>
+            </a:r>
+            <a:r>
+              <a:rPr lang="en-US" baseline="-25000" dirty="0" smtClean="0"/>
+              <a:t>0</a:t>
+            </a:r>
+            <a:endParaRPr lang="en-US" dirty="0"/>
+          </a:p>
+        </p:txBody>
+      </p:sp>
+      <p:sp>
+        <p:nvSpPr>
+          <p:cNvPr id="10" name="Rectangle 9"/>
+          <p:cNvSpPr/>
+          <p:nvPr/>
+        </p:nvSpPr>
+        <p:spPr>
+          <a:xfrm>
+            <a:off x="9509757" y="2909198"/>
+            <a:ext cx="492369" cy="379827"/>
+          </a:xfrm>
+          <a:prstGeom prst="rect">
+            <a:avLst/>
+          </a:prstGeom>
+          <a:solidFill>
+            <a:srgbClr val="00B0F0"/>
+          </a:solidFill>
+        </p:spPr>
+        <p:style>
+          <a:lnRef idx="2">
+            <a:schemeClr val="accent1">
+              <a:shade val="50000"/>
+            </a:schemeClr>
+          </a:lnRef>
+          <a:fillRef idx="1">
+            <a:schemeClr val="accent1"/>
+          </a:fillRef>
+          <a:effectRef idx="0">
+            <a:schemeClr val="accent1"/>
+          </a:effectRef>
+          <a:fontRef idx="minor">
+            <a:schemeClr val="lt1"/>
+          </a:fontRef>
+        </p:style>
+        <p:txBody>
+          <a:bodyPr rtlCol="0" anchor="ctr"/>
+          <a:lstStyle/>
+          <a:p>
+            <a:pPr algn="ctr"/>
+            <a:r>
+              <a:rPr lang="en-US" sz="1600" dirty="0" smtClean="0"/>
+              <a:t>MD</a:t>
+            </a:r>
+            <a:endParaRPr lang="en-US" sz="1600" dirty="0"/>
+          </a:p>
+        </p:txBody>
+      </p:sp>
+      <p:sp>
+        <p:nvSpPr>
+          <p:cNvPr id="14" name="Rectangle 13"/>
+          <p:cNvSpPr/>
+          <p:nvPr/>
+        </p:nvSpPr>
+        <p:spPr>
+          <a:xfrm>
+            <a:off x="6822829" y="2224158"/>
+            <a:ext cx="1364568" cy="379827"/>
+          </a:xfrm>
+          <a:prstGeom prst="rect">
+            <a:avLst/>
+          </a:prstGeom>
+          <a:solidFill>
+            <a:schemeClr val="accent2">
+              <a:lumMod val="60000"/>
+              <a:lumOff val="40000"/>
+            </a:schemeClr>
+          </a:solidFill>
+        </p:spPr>
+        <p:style>
+          <a:lnRef idx="2">
+            <a:schemeClr val="accent1">
+              <a:shade val="50000"/>
+            </a:schemeClr>
+          </a:lnRef>
+          <a:fillRef idx="1">
+            <a:schemeClr val="accent1"/>
+          </a:fillRef>
+          <a:effectRef idx="0">
+            <a:schemeClr val="accent1"/>
+          </a:effectRef>
+          <a:fontRef idx="minor">
+            <a:schemeClr val="lt1"/>
+          </a:fontRef>
+        </p:style>
+        <p:txBody>
+          <a:bodyPr rtlCol="0" anchor="ctr"/>
+          <a:lstStyle/>
+          <a:p>
+            <a:pPr algn="ctr"/>
+            <a:r>
+              <a:rPr lang="en-US" dirty="0" smtClean="0"/>
+              <a:t>…</a:t>
+            </a:r>
+            <a:endParaRPr lang="en-US" dirty="0"/>
+          </a:p>
+        </p:txBody>
+      </p:sp>
+      <p:sp>
+        <p:nvSpPr>
+          <p:cNvPr id="15" name="Rectangle 14"/>
+          <p:cNvSpPr/>
+          <p:nvPr/>
+        </p:nvSpPr>
+        <p:spPr>
+          <a:xfrm>
+            <a:off x="8173327" y="2904950"/>
+            <a:ext cx="1336431" cy="379827"/>
+          </a:xfrm>
+          <a:prstGeom prst="rect">
+            <a:avLst/>
+          </a:prstGeom>
+          <a:solidFill>
+            <a:schemeClr val="accent2">
+              <a:lumMod val="60000"/>
+              <a:lumOff val="40000"/>
+            </a:schemeClr>
+          </a:solidFill>
+        </p:spPr>
+        <p:style>
+          <a:lnRef idx="2">
+            <a:schemeClr val="accent1">
+              <a:shade val="50000"/>
+            </a:schemeClr>
+          </a:lnRef>
+          <a:fillRef idx="1">
+            <a:schemeClr val="accent1"/>
+          </a:fillRef>
+          <a:effectRef idx="0">
+            <a:schemeClr val="accent1"/>
+          </a:effectRef>
+          <a:fontRef idx="minor">
+            <a:schemeClr val="lt1"/>
+          </a:fontRef>
+        </p:style>
+        <p:txBody>
+          <a:bodyPr rtlCol="0" anchor="ctr"/>
+          <a:lstStyle/>
+          <a:p>
+            <a:pPr algn="ctr"/>
+            <a:r>
+              <a:rPr lang="en-US" dirty="0" smtClean="0"/>
+              <a:t>E</a:t>
+            </a:r>
+            <a:r>
+              <a:rPr lang="en-US" baseline="-25000" dirty="0" smtClean="0"/>
+              <a:t>n-1</a:t>
+            </a:r>
+            <a:endParaRPr lang="en-US" dirty="0"/>
+          </a:p>
+        </p:txBody>
+      </p:sp>
+      <p:sp>
+        <p:nvSpPr>
+          <p:cNvPr id="19" name="TextBox 18"/>
+          <p:cNvSpPr txBox="1"/>
+          <p:nvPr/>
+        </p:nvSpPr>
+        <p:spPr>
+          <a:xfrm>
+            <a:off x="3115462" y="2242859"/>
+            <a:ext cx="1962397" cy="369332"/>
+          </a:xfrm>
+          <a:prstGeom prst="rect">
+            <a:avLst/>
+          </a:prstGeom>
+          <a:noFill/>
+        </p:spPr>
+        <p:txBody>
+          <a:bodyPr wrap="none" rtlCol="0">
+            <a:spAutoFit/>
+          </a:bodyPr>
+          <a:lstStyle/>
+          <a:p>
+            <a:r>
+              <a:rPr lang="en-US" dirty="0" err="1" smtClean="0"/>
+              <a:t>Ghi</a:t>
+            </a:r>
+            <a:r>
+              <a:rPr lang="en-US" dirty="0" smtClean="0"/>
+              <a:t> file n-1 </a:t>
+            </a:r>
+            <a:r>
+              <a:rPr lang="en-US" dirty="0" err="1" smtClean="0"/>
+              <a:t>lần</a:t>
+            </a:r>
+            <a:r>
+              <a:rPr lang="en-US" dirty="0" smtClean="0"/>
+              <a:t> </a:t>
+            </a:r>
+            <a:r>
+              <a:rPr lang="en-US" dirty="0" err="1" smtClean="0"/>
+              <a:t>đầu</a:t>
+            </a:r>
+            <a:endParaRPr lang="en-US" dirty="0"/>
+          </a:p>
+        </p:txBody>
+      </p:sp>
+      <p:sp>
+        <p:nvSpPr>
+          <p:cNvPr id="20" name="TextBox 19"/>
+          <p:cNvSpPr txBox="1"/>
+          <p:nvPr/>
+        </p:nvSpPr>
+        <p:spPr>
+          <a:xfrm>
+            <a:off x="3115461" y="2904950"/>
+            <a:ext cx="1635384" cy="369332"/>
+          </a:xfrm>
+          <a:prstGeom prst="rect">
+            <a:avLst/>
+          </a:prstGeom>
+          <a:noFill/>
+        </p:spPr>
+        <p:txBody>
+          <a:bodyPr wrap="none" rtlCol="0">
+            <a:spAutoFit/>
+          </a:bodyPr>
+          <a:lstStyle/>
+          <a:p>
+            <a:r>
+              <a:rPr lang="en-US" dirty="0" err="1" smtClean="0"/>
+              <a:t>Ghi</a:t>
+            </a:r>
+            <a:r>
+              <a:rPr lang="en-US" dirty="0" smtClean="0"/>
+              <a:t> file </a:t>
+            </a:r>
+            <a:r>
+              <a:rPr lang="en-US" dirty="0" err="1" smtClean="0"/>
+              <a:t>lần</a:t>
+            </a:r>
+            <a:r>
+              <a:rPr lang="en-US" dirty="0" smtClean="0"/>
+              <a:t> </a:t>
+            </a:r>
+            <a:r>
+              <a:rPr lang="en-US" dirty="0" err="1" smtClean="0"/>
+              <a:t>cuối</a:t>
+            </a:r>
+            <a:endParaRPr lang="en-US" dirty="0"/>
+          </a:p>
+        </p:txBody>
+      </p:sp>
+      <p:sp>
+        <p:nvSpPr>
+          <p:cNvPr id="21" name="TextBox 18"/>
+          <p:cNvSpPr txBox="1"/>
+          <p:nvPr/>
+        </p:nvSpPr>
+        <p:spPr>
+          <a:xfrm>
+            <a:off x="3115461" y="1325821"/>
+            <a:ext cx="1242648" cy="369332"/>
+          </a:xfrm>
+          <a:prstGeom prst="rect">
+            <a:avLst/>
+          </a:prstGeom>
+          <a:noFill/>
+        </p:spPr>
+        <p:txBody>
+          <a:bodyPr wrap="none" rtlCol="0">
+            <a:spAutoFit/>
+          </a:bodyPr>
+          <a:lstStyle>
+            <a:defPPr>
+              <a:defRPr lang="en-US"/>
+            </a:defPPr>
+            <a:lvl1pPr marL="0" algn="l" defTabSz="914400" rtl="0" eaLnBrk="1" latinLnBrk="0" hangingPunct="1">
+              <a:defRPr sz="1800" kern="1200">
+                <a:solidFill>
+                  <a:schemeClr val="tx1"/>
+                </a:solidFill>
+                <a:latin typeface="+mn-lt"/>
+                <a:ea typeface="+mn-ea"/>
+                <a:cs typeface="+mn-cs"/>
+              </a:defRPr>
+            </a:lvl1pPr>
+            <a:lvl2pPr marL="457200" algn="l" defTabSz="914400" rtl="0" eaLnBrk="1" latinLnBrk="0" hangingPunct="1">
+              <a:defRPr sz="1800" kern="1200">
+                <a:solidFill>
+                  <a:schemeClr val="tx1"/>
+                </a:solidFill>
+                <a:latin typeface="+mn-lt"/>
+                <a:ea typeface="+mn-ea"/>
+                <a:cs typeface="+mn-cs"/>
+              </a:defRPr>
+            </a:lvl2pPr>
+            <a:lvl3pPr marL="914400" algn="l" defTabSz="914400" rtl="0" eaLnBrk="1" latinLnBrk="0" hangingPunct="1">
+              <a:defRPr sz="1800" kern="1200">
+                <a:solidFill>
+                  <a:schemeClr val="tx1"/>
+                </a:solidFill>
+                <a:latin typeface="+mn-lt"/>
+                <a:ea typeface="+mn-ea"/>
+                <a:cs typeface="+mn-cs"/>
+              </a:defRPr>
+            </a:lvl3pPr>
+            <a:lvl4pPr marL="1371600" algn="l" defTabSz="914400" rtl="0" eaLnBrk="1" latinLnBrk="0" hangingPunct="1">
+              <a:defRPr sz="1800" kern="1200">
+                <a:solidFill>
+                  <a:schemeClr val="tx1"/>
+                </a:solidFill>
+                <a:latin typeface="+mn-lt"/>
+                <a:ea typeface="+mn-ea"/>
+                <a:cs typeface="+mn-cs"/>
+              </a:defRPr>
+            </a:lvl4pPr>
+            <a:lvl5pPr marL="1828800" algn="l" defTabSz="914400" rtl="0" eaLnBrk="1" latinLnBrk="0" hangingPunct="1">
+              <a:defRPr sz="1800" kern="1200">
+                <a:solidFill>
+                  <a:schemeClr val="tx1"/>
+                </a:solidFill>
+                <a:latin typeface="+mn-lt"/>
+                <a:ea typeface="+mn-ea"/>
+                <a:cs typeface="+mn-cs"/>
+              </a:defRPr>
+            </a:lvl5pPr>
+            <a:lvl6pPr marL="2286000" algn="l" defTabSz="914400" rtl="0" eaLnBrk="1" latinLnBrk="0" hangingPunct="1">
+              <a:defRPr sz="1800" kern="1200">
+                <a:solidFill>
+                  <a:schemeClr val="tx1"/>
+                </a:solidFill>
+                <a:latin typeface="+mn-lt"/>
+                <a:ea typeface="+mn-ea"/>
+                <a:cs typeface="+mn-cs"/>
+              </a:defRPr>
+            </a:lvl6pPr>
+            <a:lvl7pPr marL="2743200" algn="l" defTabSz="914400" rtl="0" eaLnBrk="1" latinLnBrk="0" hangingPunct="1">
+              <a:defRPr sz="1800" kern="1200">
+                <a:solidFill>
+                  <a:schemeClr val="tx1"/>
+                </a:solidFill>
+                <a:latin typeface="+mn-lt"/>
+                <a:ea typeface="+mn-ea"/>
+                <a:cs typeface="+mn-cs"/>
+              </a:defRPr>
+            </a:lvl7pPr>
+            <a:lvl8pPr marL="3200400" algn="l" defTabSz="914400" rtl="0" eaLnBrk="1" latinLnBrk="0" hangingPunct="1">
+              <a:defRPr sz="1800" kern="1200">
+                <a:solidFill>
+                  <a:schemeClr val="tx1"/>
+                </a:solidFill>
+                <a:latin typeface="+mn-lt"/>
+                <a:ea typeface="+mn-ea"/>
+                <a:cs typeface="+mn-cs"/>
+              </a:defRPr>
+            </a:lvl8pPr>
+            <a:lvl9pPr marL="3657600" algn="l" defTabSz="914400" rtl="0" eaLnBrk="1" latinLnBrk="0" hangingPunct="1">
+              <a:defRPr sz="1800" kern="1200">
+                <a:solidFill>
+                  <a:schemeClr val="tx1"/>
+                </a:solidFill>
+                <a:latin typeface="+mn-lt"/>
+                <a:ea typeface="+mn-ea"/>
+                <a:cs typeface="+mn-cs"/>
+              </a:defRPr>
+            </a:lvl9pPr>
+          </a:lstStyle>
+          <a:p>
+            <a:r>
+              <a:rPr lang="en-US" dirty="0" err="1" smtClean="0"/>
+              <a:t>Dữ</a:t>
+            </a:r>
+            <a:r>
+              <a:rPr lang="en-US" dirty="0" smtClean="0"/>
+              <a:t> </a:t>
+            </a:r>
+            <a:r>
+              <a:rPr lang="en-US" dirty="0" err="1" smtClean="0"/>
+              <a:t>liệu</a:t>
+            </a:r>
+            <a:r>
+              <a:rPr lang="en-US" dirty="0" smtClean="0"/>
+              <a:t> </a:t>
+            </a:r>
+            <a:r>
+              <a:rPr lang="en-US" dirty="0" err="1" smtClean="0"/>
+              <a:t>gốc</a:t>
+            </a:r>
+            <a:endParaRPr lang="en-US" dirty="0"/>
+          </a:p>
+        </p:txBody>
+      </p:sp>
+      <p:sp>
+        <p:nvSpPr>
+          <p:cNvPr id="23" name="Rectangle 22"/>
+          <p:cNvSpPr/>
+          <p:nvPr/>
+        </p:nvSpPr>
+        <p:spPr>
+          <a:xfrm>
+            <a:off x="9513125" y="3793002"/>
+            <a:ext cx="492369" cy="379827"/>
+          </a:xfrm>
+          <a:prstGeom prst="rect">
+            <a:avLst/>
+          </a:prstGeom>
+          <a:solidFill>
+            <a:srgbClr val="00B0F0"/>
+          </a:solidFill>
+        </p:spPr>
+        <p:style>
+          <a:lnRef idx="2">
+            <a:schemeClr val="accent1">
+              <a:shade val="50000"/>
+            </a:schemeClr>
+          </a:lnRef>
+          <a:fillRef idx="1">
+            <a:schemeClr val="accent1"/>
+          </a:fillRef>
+          <a:effectRef idx="0">
+            <a:schemeClr val="accent1"/>
+          </a:effectRef>
+          <a:fontRef idx="minor">
+            <a:schemeClr val="lt1"/>
+          </a:fontRef>
+        </p:style>
+        <p:txBody>
+          <a:bodyPr rot="0" spcFirstLastPara="0" vert="horz" wrap="square" lIns="91440" tIns="45720" rIns="91440" bIns="45720" numCol="1" spcCol="0" rtlCol="0" fromWordArt="0" anchor="ctr" anchorCtr="0" forceAA="0" compatLnSpc="1">
+            <a:prstTxWarp prst="textNoShape">
+              <a:avLst/>
+            </a:prstTxWarp>
+            <a:noAutofit/>
+          </a:bodyPr>
+          <a:lstStyle>
+            <a:defPPr>
+              <a:defRPr lang="en-US"/>
+            </a:defPPr>
+            <a:lvl1pPr marL="0" algn="l" defTabSz="914400" rtl="0" eaLnBrk="1" latinLnBrk="0" hangingPunct="1">
+              <a:defRPr sz="1800" kern="1200">
+                <a:solidFill>
+                  <a:schemeClr val="lt1"/>
+                </a:solidFill>
+                <a:latin typeface="+mn-lt"/>
+                <a:ea typeface="+mn-ea"/>
+                <a:cs typeface="+mn-cs"/>
+              </a:defRPr>
+            </a:lvl1pPr>
+            <a:lvl2pPr marL="457200" algn="l" defTabSz="914400" rtl="0" eaLnBrk="1" latinLnBrk="0" hangingPunct="1">
+              <a:defRPr sz="1800" kern="1200">
+                <a:solidFill>
+                  <a:schemeClr val="lt1"/>
+                </a:solidFill>
+                <a:latin typeface="+mn-lt"/>
+                <a:ea typeface="+mn-ea"/>
+                <a:cs typeface="+mn-cs"/>
+              </a:defRPr>
+            </a:lvl2pPr>
+            <a:lvl3pPr marL="914400" algn="l" defTabSz="914400" rtl="0" eaLnBrk="1" latinLnBrk="0" hangingPunct="1">
+              <a:defRPr sz="1800" kern="1200">
+                <a:solidFill>
+                  <a:schemeClr val="lt1"/>
+                </a:solidFill>
+                <a:latin typeface="+mn-lt"/>
+                <a:ea typeface="+mn-ea"/>
+                <a:cs typeface="+mn-cs"/>
+              </a:defRPr>
+            </a:lvl3pPr>
+            <a:lvl4pPr marL="1371600" algn="l" defTabSz="914400" rtl="0" eaLnBrk="1" latinLnBrk="0" hangingPunct="1">
+              <a:defRPr sz="1800" kern="1200">
+                <a:solidFill>
+                  <a:schemeClr val="lt1"/>
+                </a:solidFill>
+                <a:latin typeface="+mn-lt"/>
+                <a:ea typeface="+mn-ea"/>
+                <a:cs typeface="+mn-cs"/>
+              </a:defRPr>
+            </a:lvl4pPr>
+            <a:lvl5pPr marL="1828800" algn="l" defTabSz="914400" rtl="0" eaLnBrk="1" latinLnBrk="0" hangingPunct="1">
+              <a:defRPr sz="1800" kern="1200">
+                <a:solidFill>
+                  <a:schemeClr val="lt1"/>
+                </a:solidFill>
+                <a:latin typeface="+mn-lt"/>
+                <a:ea typeface="+mn-ea"/>
+                <a:cs typeface="+mn-cs"/>
+              </a:defRPr>
+            </a:lvl5pPr>
+            <a:lvl6pPr marL="2286000" algn="l" defTabSz="914400" rtl="0" eaLnBrk="1" latinLnBrk="0" hangingPunct="1">
+              <a:defRPr sz="1800" kern="1200">
+                <a:solidFill>
+                  <a:schemeClr val="lt1"/>
+                </a:solidFill>
+                <a:latin typeface="+mn-lt"/>
+                <a:ea typeface="+mn-ea"/>
+                <a:cs typeface="+mn-cs"/>
+              </a:defRPr>
+            </a:lvl6pPr>
+            <a:lvl7pPr marL="2743200" algn="l" defTabSz="914400" rtl="0" eaLnBrk="1" latinLnBrk="0" hangingPunct="1">
+              <a:defRPr sz="1800" kern="1200">
+                <a:solidFill>
+                  <a:schemeClr val="lt1"/>
+                </a:solidFill>
+                <a:latin typeface="+mn-lt"/>
+                <a:ea typeface="+mn-ea"/>
+                <a:cs typeface="+mn-cs"/>
+              </a:defRPr>
+            </a:lvl7pPr>
+            <a:lvl8pPr marL="3200400" algn="l" defTabSz="914400" rtl="0" eaLnBrk="1" latinLnBrk="0" hangingPunct="1">
+              <a:defRPr sz="1800" kern="1200">
+                <a:solidFill>
+                  <a:schemeClr val="lt1"/>
+                </a:solidFill>
+                <a:latin typeface="+mn-lt"/>
+                <a:ea typeface="+mn-ea"/>
+                <a:cs typeface="+mn-cs"/>
+              </a:defRPr>
+            </a:lvl8pPr>
+            <a:lvl9pPr marL="3657600" algn="l" defTabSz="914400" rtl="0" eaLnBrk="1" latinLnBrk="0" hangingPunct="1">
+              <a:defRPr sz="1800" kern="1200">
+                <a:solidFill>
+                  <a:schemeClr val="lt1"/>
+                </a:solidFill>
+                <a:latin typeface="+mn-lt"/>
+                <a:ea typeface="+mn-ea"/>
+                <a:cs typeface="+mn-cs"/>
+              </a:defRPr>
+            </a:lvl9pPr>
+          </a:lstStyle>
+          <a:p>
+            <a:pPr algn="ctr"/>
+            <a:r>
+              <a:rPr lang="en-US" sz="1600" dirty="0"/>
+              <a:t>MD</a:t>
+            </a:r>
+          </a:p>
+        </p:txBody>
+      </p:sp>
+      <p:sp>
+        <p:nvSpPr>
+          <p:cNvPr id="24" name="Rectangle 23"/>
+          <p:cNvSpPr/>
+          <p:nvPr/>
+        </p:nvSpPr>
+        <p:spPr>
+          <a:xfrm>
+            <a:off x="5486395" y="3793004"/>
+            <a:ext cx="1336433" cy="379827"/>
+          </a:xfrm>
+          <a:prstGeom prst="rect">
+            <a:avLst/>
+          </a:prstGeom>
+          <a:solidFill>
+            <a:schemeClr val="accent6">
+              <a:lumMod val="75000"/>
+            </a:schemeClr>
+          </a:solidFill>
+        </p:spPr>
+        <p:style>
+          <a:lnRef idx="2">
+            <a:schemeClr val="accent1">
+              <a:shade val="50000"/>
+            </a:schemeClr>
+          </a:lnRef>
+          <a:fillRef idx="1">
+            <a:schemeClr val="accent1"/>
+          </a:fillRef>
+          <a:effectRef idx="0">
+            <a:schemeClr val="accent1"/>
+          </a:effectRef>
+          <a:fontRef idx="minor">
+            <a:schemeClr val="lt1"/>
+          </a:fontRef>
+        </p:style>
+        <p:txBody>
+          <a:bodyPr rtlCol="0" anchor="ctr"/>
+          <a:lstStyle/>
+          <a:p>
+            <a:pPr algn="ctr"/>
+            <a:r>
+              <a:rPr lang="en-US" dirty="0" smtClean="0"/>
+              <a:t>E</a:t>
+            </a:r>
+            <a:r>
+              <a:rPr lang="en-US" baseline="-25000" dirty="0" smtClean="0"/>
+              <a:t>0</a:t>
+            </a:r>
+            <a:r>
+              <a:rPr lang="en-US" dirty="0" smtClean="0"/>
+              <a:t>-MD</a:t>
+            </a:r>
+            <a:endParaRPr lang="en-US" dirty="0"/>
+          </a:p>
+        </p:txBody>
+      </p:sp>
+      <p:sp>
+        <p:nvSpPr>
+          <p:cNvPr id="25" name="Rectangle 24"/>
+          <p:cNvSpPr/>
+          <p:nvPr/>
+        </p:nvSpPr>
+        <p:spPr>
+          <a:xfrm>
+            <a:off x="6850965" y="3801501"/>
+            <a:ext cx="1336431" cy="366082"/>
+          </a:xfrm>
+          <a:prstGeom prst="rect">
+            <a:avLst/>
+          </a:prstGeom>
+          <a:solidFill>
+            <a:schemeClr val="accent6">
+              <a:lumMod val="75000"/>
+            </a:schemeClr>
+          </a:solidFill>
+        </p:spPr>
+        <p:style>
+          <a:lnRef idx="2">
+            <a:schemeClr val="accent1">
+              <a:shade val="50000"/>
+            </a:schemeClr>
+          </a:lnRef>
+          <a:fillRef idx="1">
+            <a:schemeClr val="accent1"/>
+          </a:fillRef>
+          <a:effectRef idx="0">
+            <a:schemeClr val="accent1"/>
+          </a:effectRef>
+          <a:fontRef idx="minor">
+            <a:schemeClr val="lt1"/>
+          </a:fontRef>
+        </p:style>
+        <p:txBody>
+          <a:bodyPr rtlCol="0" anchor="ctr"/>
+          <a:lstStyle/>
+          <a:p>
+            <a:pPr algn="ctr"/>
+            <a:r>
+              <a:rPr lang="en-US" dirty="0" smtClean="0"/>
+              <a:t>…</a:t>
+            </a:r>
+            <a:endParaRPr lang="en-US" dirty="0"/>
+          </a:p>
+        </p:txBody>
+      </p:sp>
+      <p:sp>
+        <p:nvSpPr>
+          <p:cNvPr id="26" name="Rectangle 25"/>
+          <p:cNvSpPr/>
+          <p:nvPr/>
+        </p:nvSpPr>
+        <p:spPr>
+          <a:xfrm>
+            <a:off x="8187397" y="3793003"/>
+            <a:ext cx="1336431" cy="379827"/>
+          </a:xfrm>
+          <a:prstGeom prst="rect">
+            <a:avLst/>
+          </a:prstGeom>
+          <a:solidFill>
+            <a:schemeClr val="accent6">
+              <a:lumMod val="75000"/>
+            </a:schemeClr>
+          </a:solidFill>
+        </p:spPr>
+        <p:style>
+          <a:lnRef idx="2">
+            <a:schemeClr val="accent1">
+              <a:shade val="50000"/>
+            </a:schemeClr>
+          </a:lnRef>
+          <a:fillRef idx="1">
+            <a:schemeClr val="accent1"/>
+          </a:fillRef>
+          <a:effectRef idx="0">
+            <a:schemeClr val="accent1"/>
+          </a:effectRef>
+          <a:fontRef idx="minor">
+            <a:schemeClr val="lt1"/>
+          </a:fontRef>
+        </p:style>
+        <p:txBody>
+          <a:bodyPr rtlCol="0" anchor="ctr"/>
+          <a:lstStyle/>
+          <a:p>
+            <a:pPr algn="ctr"/>
+            <a:r>
+              <a:rPr lang="en-US" dirty="0" smtClean="0"/>
+              <a:t>E</a:t>
+            </a:r>
+            <a:r>
+              <a:rPr lang="en-US" baseline="-25000" dirty="0" smtClean="0"/>
+              <a:t>n-1</a:t>
+            </a:r>
+            <a:endParaRPr lang="en-US" dirty="0"/>
+          </a:p>
+        </p:txBody>
+      </p:sp>
+      <p:sp>
+        <p:nvSpPr>
+          <p:cNvPr id="27" name="TextBox 18"/>
+          <p:cNvSpPr txBox="1"/>
+          <p:nvPr/>
+        </p:nvSpPr>
+        <p:spPr>
+          <a:xfrm>
+            <a:off x="3111677" y="3798250"/>
+            <a:ext cx="1210588" cy="369332"/>
+          </a:xfrm>
+          <a:prstGeom prst="rect">
+            <a:avLst/>
+          </a:prstGeom>
+          <a:noFill/>
+        </p:spPr>
+        <p:txBody>
+          <a:bodyPr wrap="none" rtlCol="0">
+            <a:spAutoFit/>
+          </a:bodyPr>
+          <a:lstStyle>
+            <a:defPPr>
+              <a:defRPr lang="en-US"/>
+            </a:defPPr>
+            <a:lvl1pPr marL="0" algn="l" defTabSz="914400" rtl="0" eaLnBrk="1" latinLnBrk="0" hangingPunct="1">
+              <a:defRPr sz="1800" kern="1200">
+                <a:solidFill>
+                  <a:schemeClr val="tx1"/>
+                </a:solidFill>
+                <a:latin typeface="+mn-lt"/>
+                <a:ea typeface="+mn-ea"/>
+                <a:cs typeface="+mn-cs"/>
+              </a:defRPr>
+            </a:lvl1pPr>
+            <a:lvl2pPr marL="457200" algn="l" defTabSz="914400" rtl="0" eaLnBrk="1" latinLnBrk="0" hangingPunct="1">
+              <a:defRPr sz="1800" kern="1200">
+                <a:solidFill>
+                  <a:schemeClr val="tx1"/>
+                </a:solidFill>
+                <a:latin typeface="+mn-lt"/>
+                <a:ea typeface="+mn-ea"/>
+                <a:cs typeface="+mn-cs"/>
+              </a:defRPr>
+            </a:lvl2pPr>
+            <a:lvl3pPr marL="914400" algn="l" defTabSz="914400" rtl="0" eaLnBrk="1" latinLnBrk="0" hangingPunct="1">
+              <a:defRPr sz="1800" kern="1200">
+                <a:solidFill>
+                  <a:schemeClr val="tx1"/>
+                </a:solidFill>
+                <a:latin typeface="+mn-lt"/>
+                <a:ea typeface="+mn-ea"/>
+                <a:cs typeface="+mn-cs"/>
+              </a:defRPr>
+            </a:lvl3pPr>
+            <a:lvl4pPr marL="1371600" algn="l" defTabSz="914400" rtl="0" eaLnBrk="1" latinLnBrk="0" hangingPunct="1">
+              <a:defRPr sz="1800" kern="1200">
+                <a:solidFill>
+                  <a:schemeClr val="tx1"/>
+                </a:solidFill>
+                <a:latin typeface="+mn-lt"/>
+                <a:ea typeface="+mn-ea"/>
+                <a:cs typeface="+mn-cs"/>
+              </a:defRPr>
+            </a:lvl4pPr>
+            <a:lvl5pPr marL="1828800" algn="l" defTabSz="914400" rtl="0" eaLnBrk="1" latinLnBrk="0" hangingPunct="1">
+              <a:defRPr sz="1800" kern="1200">
+                <a:solidFill>
+                  <a:schemeClr val="tx1"/>
+                </a:solidFill>
+                <a:latin typeface="+mn-lt"/>
+                <a:ea typeface="+mn-ea"/>
+                <a:cs typeface="+mn-cs"/>
+              </a:defRPr>
+            </a:lvl5pPr>
+            <a:lvl6pPr marL="2286000" algn="l" defTabSz="914400" rtl="0" eaLnBrk="1" latinLnBrk="0" hangingPunct="1">
+              <a:defRPr sz="1800" kern="1200">
+                <a:solidFill>
+                  <a:schemeClr val="tx1"/>
+                </a:solidFill>
+                <a:latin typeface="+mn-lt"/>
+                <a:ea typeface="+mn-ea"/>
+                <a:cs typeface="+mn-cs"/>
+              </a:defRPr>
+            </a:lvl6pPr>
+            <a:lvl7pPr marL="2743200" algn="l" defTabSz="914400" rtl="0" eaLnBrk="1" latinLnBrk="0" hangingPunct="1">
+              <a:defRPr sz="1800" kern="1200">
+                <a:solidFill>
+                  <a:schemeClr val="tx1"/>
+                </a:solidFill>
+                <a:latin typeface="+mn-lt"/>
+                <a:ea typeface="+mn-ea"/>
+                <a:cs typeface="+mn-cs"/>
+              </a:defRPr>
+            </a:lvl7pPr>
+            <a:lvl8pPr marL="3200400" algn="l" defTabSz="914400" rtl="0" eaLnBrk="1" latinLnBrk="0" hangingPunct="1">
+              <a:defRPr sz="1800" kern="1200">
+                <a:solidFill>
+                  <a:schemeClr val="tx1"/>
+                </a:solidFill>
+                <a:latin typeface="+mn-lt"/>
+                <a:ea typeface="+mn-ea"/>
+                <a:cs typeface="+mn-cs"/>
+              </a:defRPr>
+            </a:lvl8pPr>
+            <a:lvl9pPr marL="3657600" algn="l" defTabSz="914400" rtl="0" eaLnBrk="1" latinLnBrk="0" hangingPunct="1">
+              <a:defRPr sz="1800" kern="1200">
+                <a:solidFill>
+                  <a:schemeClr val="tx1"/>
+                </a:solidFill>
+                <a:latin typeface="+mn-lt"/>
+                <a:ea typeface="+mn-ea"/>
+                <a:cs typeface="+mn-cs"/>
+              </a:defRPr>
+            </a:lvl9pPr>
+          </a:lstStyle>
+          <a:p>
+            <a:r>
+              <a:rPr lang="en-US" dirty="0" err="1" smtClean="0"/>
+              <a:t>Dữ</a:t>
+            </a:r>
+            <a:r>
+              <a:rPr lang="en-US" dirty="0" smtClean="0"/>
+              <a:t> </a:t>
+            </a:r>
+            <a:r>
+              <a:rPr lang="en-US" dirty="0" err="1" smtClean="0"/>
+              <a:t>liệu</a:t>
+            </a:r>
+            <a:r>
+              <a:rPr lang="en-US" dirty="0" smtClean="0"/>
+              <a:t> </a:t>
+            </a:r>
+            <a:r>
+              <a:rPr lang="en-US" dirty="0" err="1" smtClean="0"/>
+              <a:t>mã</a:t>
+            </a:r>
+            <a:endParaRPr lang="en-US" dirty="0"/>
+          </a:p>
+        </p:txBody>
+      </p:sp>
+      <p:cxnSp>
+        <p:nvCxnSpPr>
+          <p:cNvPr id="29" name="Straight Connector 28"/>
+          <p:cNvCxnSpPr/>
+          <p:nvPr/>
+        </p:nvCxnSpPr>
+        <p:spPr>
+          <a:xfrm>
+            <a:off x="5486399" y="1688121"/>
+            <a:ext cx="11775" cy="554738"/>
+          </a:xfrm>
+          <a:prstGeom prst="line">
+            <a:avLst/>
+          </a:prstGeom>
+        </p:spPr>
+        <p:style>
+          <a:lnRef idx="1">
+            <a:schemeClr val="accent1"/>
+          </a:lnRef>
+          <a:fillRef idx="0">
+            <a:schemeClr val="accent1"/>
+          </a:fillRef>
+          <a:effectRef idx="0">
+            <a:schemeClr val="accent1"/>
+          </a:effectRef>
+          <a:fontRef idx="minor">
+            <a:schemeClr val="tx1"/>
+          </a:fontRef>
+        </p:style>
+      </p:cxnSp>
+      <p:cxnSp>
+        <p:nvCxnSpPr>
+          <p:cNvPr id="31" name="Straight Connector 30"/>
+          <p:cNvCxnSpPr/>
+          <p:nvPr/>
+        </p:nvCxnSpPr>
+        <p:spPr>
+          <a:xfrm>
+            <a:off x="6822830" y="1702185"/>
+            <a:ext cx="5451" cy="509962"/>
+          </a:xfrm>
+          <a:prstGeom prst="line">
+            <a:avLst/>
+          </a:prstGeom>
+        </p:spPr>
+        <p:style>
+          <a:lnRef idx="1">
+            <a:schemeClr val="accent1"/>
+          </a:lnRef>
+          <a:fillRef idx="0">
+            <a:schemeClr val="accent1"/>
+          </a:fillRef>
+          <a:effectRef idx="0">
+            <a:schemeClr val="accent1"/>
+          </a:effectRef>
+          <a:fontRef idx="minor">
+            <a:schemeClr val="tx1"/>
+          </a:fontRef>
+        </p:style>
+      </p:cxnSp>
+      <p:cxnSp>
+        <p:nvCxnSpPr>
+          <p:cNvPr id="34" name="Straight Connector 33"/>
+          <p:cNvCxnSpPr/>
+          <p:nvPr/>
+        </p:nvCxnSpPr>
+        <p:spPr>
+          <a:xfrm>
+            <a:off x="10002126" y="3284777"/>
+            <a:ext cx="0" cy="516723"/>
+          </a:xfrm>
+          <a:prstGeom prst="line">
+            <a:avLst/>
+          </a:prstGeom>
+        </p:spPr>
+        <p:style>
+          <a:lnRef idx="1">
+            <a:schemeClr val="accent1"/>
+          </a:lnRef>
+          <a:fillRef idx="0">
+            <a:schemeClr val="accent1"/>
+          </a:fillRef>
+          <a:effectRef idx="0">
+            <a:schemeClr val="accent1"/>
+          </a:effectRef>
+          <a:fontRef idx="minor">
+            <a:schemeClr val="tx1"/>
+          </a:fontRef>
+        </p:style>
+      </p:cxnSp>
+      <p:cxnSp>
+        <p:nvCxnSpPr>
+          <p:cNvPr id="37" name="Straight Connector 36"/>
+          <p:cNvCxnSpPr/>
+          <p:nvPr/>
+        </p:nvCxnSpPr>
+        <p:spPr>
+          <a:xfrm>
+            <a:off x="6822828" y="2560611"/>
+            <a:ext cx="14068" cy="1237372"/>
+          </a:xfrm>
+          <a:prstGeom prst="line">
+            <a:avLst/>
+          </a:prstGeom>
+        </p:spPr>
+        <p:style>
+          <a:lnRef idx="1">
+            <a:schemeClr val="accent1"/>
+          </a:lnRef>
+          <a:fillRef idx="0">
+            <a:schemeClr val="accent1"/>
+          </a:fillRef>
+          <a:effectRef idx="0">
+            <a:schemeClr val="accent1"/>
+          </a:effectRef>
+          <a:fontRef idx="minor">
+            <a:schemeClr val="tx1"/>
+          </a:fontRef>
+        </p:style>
+      </p:cxnSp>
+      <p:cxnSp>
+        <p:nvCxnSpPr>
+          <p:cNvPr id="39" name="Straight Connector 38"/>
+          <p:cNvCxnSpPr/>
+          <p:nvPr/>
+        </p:nvCxnSpPr>
+        <p:spPr>
+          <a:xfrm>
+            <a:off x="8173328" y="2612191"/>
+            <a:ext cx="14068" cy="1196344"/>
+          </a:xfrm>
+          <a:prstGeom prst="line">
+            <a:avLst/>
+          </a:prstGeom>
+        </p:spPr>
+        <p:style>
+          <a:lnRef idx="1">
+            <a:schemeClr val="accent1"/>
+          </a:lnRef>
+          <a:fillRef idx="0">
+            <a:schemeClr val="accent1"/>
+          </a:fillRef>
+          <a:effectRef idx="0">
+            <a:schemeClr val="accent1"/>
+          </a:effectRef>
+          <a:fontRef idx="minor">
+            <a:schemeClr val="tx1"/>
+          </a:fontRef>
+        </p:style>
+      </p:cxnSp>
+      <p:sp>
+        <p:nvSpPr>
+          <p:cNvPr id="2" name="TextBox 1"/>
+          <p:cNvSpPr txBox="1"/>
+          <p:nvPr/>
+        </p:nvSpPr>
+        <p:spPr>
+          <a:xfrm>
+            <a:off x="850006" y="5885645"/>
+            <a:ext cx="3347198" cy="369332"/>
+          </a:xfrm>
+          <a:prstGeom prst="rect">
+            <a:avLst/>
+          </a:prstGeom>
+          <a:noFill/>
+        </p:spPr>
+        <p:txBody>
+          <a:bodyPr wrap="none" rtlCol="0">
+            <a:spAutoFit/>
+          </a:bodyPr>
+          <a:lstStyle/>
+          <a:p>
+            <a:r>
+              <a:rPr lang="en-US" dirty="0" err="1" smtClean="0"/>
+              <a:t>Ghi</a:t>
+            </a:r>
+            <a:r>
+              <a:rPr lang="en-US" dirty="0" smtClean="0"/>
+              <a:t> </a:t>
+            </a:r>
+            <a:r>
+              <a:rPr lang="en-US" dirty="0" err="1" smtClean="0"/>
+              <a:t>thông</a:t>
+            </a:r>
+            <a:r>
+              <a:rPr lang="en-US" dirty="0" smtClean="0"/>
+              <a:t> tin </a:t>
+            </a:r>
+            <a:r>
+              <a:rPr lang="en-US" dirty="0" err="1" smtClean="0"/>
+              <a:t>mã</a:t>
+            </a:r>
+            <a:r>
+              <a:rPr lang="en-US" dirty="0" smtClean="0"/>
+              <a:t> </a:t>
+            </a:r>
+            <a:r>
+              <a:rPr lang="en-US" dirty="0" err="1" smtClean="0"/>
+              <a:t>hóa</a:t>
+            </a:r>
+            <a:r>
+              <a:rPr lang="en-US" dirty="0" smtClean="0"/>
+              <a:t> </a:t>
+            </a:r>
+            <a:r>
+              <a:rPr lang="en-US" dirty="0" err="1" smtClean="0"/>
+              <a:t>vào</a:t>
+            </a:r>
+            <a:r>
+              <a:rPr lang="en-US" dirty="0" smtClean="0"/>
+              <a:t> </a:t>
+            </a:r>
+            <a:r>
+              <a:rPr lang="en-US" dirty="0" err="1" smtClean="0"/>
+              <a:t>cuối</a:t>
+            </a:r>
+            <a:r>
+              <a:rPr lang="en-US" dirty="0" smtClean="0"/>
+              <a:t> file</a:t>
+            </a:r>
+            <a:endParaRPr lang="en-US" dirty="0"/>
+          </a:p>
+        </p:txBody>
+      </p:sp>
+      <p:cxnSp>
+        <p:nvCxnSpPr>
+          <p:cNvPr id="32" name="Straight Connector 31"/>
+          <p:cNvCxnSpPr/>
+          <p:nvPr/>
+        </p:nvCxnSpPr>
+        <p:spPr>
+          <a:xfrm>
+            <a:off x="5480946" y="2579433"/>
+            <a:ext cx="14068" cy="1237372"/>
+          </a:xfrm>
+          <a:prstGeom prst="line">
+            <a:avLst/>
+          </a:prstGeom>
+        </p:spPr>
+        <p:style>
+          <a:lnRef idx="1">
+            <a:schemeClr val="accent1"/>
+          </a:lnRef>
+          <a:fillRef idx="0">
+            <a:schemeClr val="accent1"/>
+          </a:fillRef>
+          <a:effectRef idx="0">
+            <a:schemeClr val="accent1"/>
+          </a:effectRef>
+          <a:fontRef idx="minor">
+            <a:schemeClr val="tx1"/>
+          </a:fontRef>
+        </p:style>
+      </p:cxnSp>
+      <p:cxnSp>
+        <p:nvCxnSpPr>
+          <p:cNvPr id="28" name="Straight Connector 27"/>
+          <p:cNvCxnSpPr/>
+          <p:nvPr/>
+        </p:nvCxnSpPr>
+        <p:spPr>
+          <a:xfrm>
+            <a:off x="9509757" y="3274282"/>
+            <a:ext cx="14071" cy="510223"/>
+          </a:xfrm>
+          <a:prstGeom prst="line">
+            <a:avLst/>
+          </a:prstGeom>
+          <a:ln>
+            <a:prstDash val="sysDash"/>
+          </a:ln>
+        </p:spPr>
+        <p:style>
+          <a:lnRef idx="1">
+            <a:schemeClr val="accent1"/>
+          </a:lnRef>
+          <a:fillRef idx="0">
+            <a:schemeClr val="accent1"/>
+          </a:fillRef>
+          <a:effectRef idx="0">
+            <a:schemeClr val="accent1"/>
+          </a:effectRef>
+          <a:fontRef idx="minor">
+            <a:schemeClr val="tx1"/>
+          </a:fontRef>
+        </p:style>
+      </p:cxnSp>
+      <p:sp>
+        <p:nvSpPr>
+          <p:cNvPr id="38" name="TextBox 37"/>
+          <p:cNvSpPr txBox="1"/>
+          <p:nvPr/>
+        </p:nvSpPr>
+        <p:spPr>
+          <a:xfrm>
+            <a:off x="1860387" y="2348421"/>
+            <a:ext cx="1237220" cy="646331"/>
+          </a:xfrm>
+          <a:prstGeom prst="rect">
+            <a:avLst/>
+          </a:prstGeom>
+          <a:noFill/>
+        </p:spPr>
+        <p:txBody>
+          <a:bodyPr wrap="square" rtlCol="0">
+            <a:spAutoFit/>
+          </a:bodyPr>
+          <a:lstStyle/>
+          <a:p>
+            <a:r>
+              <a:rPr lang="en-US" dirty="0" err="1" smtClean="0"/>
+              <a:t>Quá</a:t>
+            </a:r>
+            <a:r>
+              <a:rPr lang="en-US" dirty="0" smtClean="0"/>
+              <a:t> </a:t>
+            </a:r>
+            <a:r>
+              <a:rPr lang="en-US" dirty="0" err="1" smtClean="0"/>
+              <a:t>trình</a:t>
+            </a:r>
+            <a:r>
+              <a:rPr lang="en-US" dirty="0" smtClean="0"/>
+              <a:t> </a:t>
+            </a:r>
+            <a:r>
+              <a:rPr lang="en-US" dirty="0" err="1" smtClean="0"/>
+              <a:t>ghi</a:t>
+            </a:r>
+            <a:r>
+              <a:rPr lang="en-US" dirty="0" smtClean="0"/>
+              <a:t> </a:t>
+            </a:r>
+            <a:r>
+              <a:rPr lang="en-US" dirty="0" err="1" smtClean="0"/>
+              <a:t>dữ</a:t>
+            </a:r>
+            <a:r>
+              <a:rPr lang="en-US" dirty="0" smtClean="0"/>
+              <a:t> </a:t>
+            </a:r>
+            <a:r>
+              <a:rPr lang="en-US" dirty="0" err="1" smtClean="0"/>
+              <a:t>liệu</a:t>
+            </a:r>
+            <a:endParaRPr lang="en-US" dirty="0"/>
+          </a:p>
+        </p:txBody>
+      </p:sp>
+      <p:sp>
+        <p:nvSpPr>
+          <p:cNvPr id="30" name="Rectangle 29"/>
+          <p:cNvSpPr/>
+          <p:nvPr/>
+        </p:nvSpPr>
+        <p:spPr>
+          <a:xfrm>
+            <a:off x="3111677" y="2067951"/>
+            <a:ext cx="7129603" cy="1392701"/>
+          </a:xfrm>
+          <a:prstGeom prst="rect">
+            <a:avLst/>
+          </a:prstGeom>
+          <a:noFill/>
+          <a:ln cmpd="sng">
+            <a:prstDash val="dashDot"/>
+          </a:ln>
+        </p:spPr>
+        <p:style>
+          <a:lnRef idx="2">
+            <a:schemeClr val="accent1">
+              <a:shade val="50000"/>
+            </a:schemeClr>
+          </a:lnRef>
+          <a:fillRef idx="1">
+            <a:schemeClr val="accent1"/>
+          </a:fillRef>
+          <a:effectRef idx="0">
+            <a:schemeClr val="accent1"/>
+          </a:effectRef>
+          <a:fontRef idx="minor">
+            <a:schemeClr val="lt1"/>
+          </a:fontRef>
+        </p:style>
+        <p:txBody>
+          <a:bodyPr rtlCol="0" anchor="ctr"/>
+          <a:lstStyle/>
+          <a:p>
+            <a:pPr algn="ctr"/>
+            <a:endParaRPr lang="en-US"/>
+          </a:p>
+        </p:txBody>
+      </p:sp>
+    </p:spTree>
+    <p:extLst>
+      <p:ext uri="{BB962C8B-B14F-4D97-AF65-F5344CB8AC3E}">
+        <p14:creationId xmlns:p14="http://schemas.microsoft.com/office/powerpoint/2010/main" val="3549116938"/>
+      </p:ext>
+    </p:extLst>
+  </p:cSld>
+  <p:clrMapOvr>
+    <a:masterClrMapping/>
+  </p:clrMapOvr>
+  <p:timing>
+    <p:tnLst>
+      <p:par>
+        <p:cTn id="1" dur="indefinite" restart="never" nodeType="tmRoot"/>
+      </p:par>
+    </p:tnLst>
+  </p:timing>
 </p:sld>
 </file>
 

--- a/Document/SODO.pptx
+++ b/Document/SODO.pptx
@@ -10,8 +10,9 @@
     <p:sldId id="258" r:id="rId4"/>
     <p:sldId id="259" r:id="rId5"/>
     <p:sldId id="260" r:id="rId6"/>
-    <p:sldId id="261" r:id="rId7"/>
-    <p:sldId id="262" r:id="rId8"/>
+    <p:sldId id="263" r:id="rId7"/>
+    <p:sldId id="261" r:id="rId8"/>
+    <p:sldId id="262" r:id="rId9"/>
   </p:sldIdLst>
   <p:sldSz cx="12192000" cy="6858000"/>
   <p:notesSz cx="6858000" cy="9144000"/>
@@ -6835,7 +6836,7 @@
           <a:p>
             <a:fld id="{16D2D749-03DE-4EC2-8C00-F102FCD2936A}" type="datetimeFigureOut">
               <a:rPr lang="en-US" smtClean="0"/>
-              <a:t>6/20/2015</a:t>
+              <a:t>6/29/2015</a:t>
             </a:fld>
             <a:endParaRPr lang="en-US"/>
           </a:p>
@@ -7005,7 +7006,7 @@
           <a:p>
             <a:fld id="{16D2D749-03DE-4EC2-8C00-F102FCD2936A}" type="datetimeFigureOut">
               <a:rPr lang="en-US" smtClean="0"/>
-              <a:t>6/20/2015</a:t>
+              <a:t>6/29/2015</a:t>
             </a:fld>
             <a:endParaRPr lang="en-US"/>
           </a:p>
@@ -7185,7 +7186,7 @@
           <a:p>
             <a:fld id="{16D2D749-03DE-4EC2-8C00-F102FCD2936A}" type="datetimeFigureOut">
               <a:rPr lang="en-US" smtClean="0"/>
-              <a:t>6/20/2015</a:t>
+              <a:t>6/29/2015</a:t>
             </a:fld>
             <a:endParaRPr lang="en-US"/>
           </a:p>
@@ -7355,7 +7356,7 @@
           <a:p>
             <a:fld id="{16D2D749-03DE-4EC2-8C00-F102FCD2936A}" type="datetimeFigureOut">
               <a:rPr lang="en-US" smtClean="0"/>
-              <a:t>6/20/2015</a:t>
+              <a:t>6/29/2015</a:t>
             </a:fld>
             <a:endParaRPr lang="en-US"/>
           </a:p>
@@ -7601,7 +7602,7 @@
           <a:p>
             <a:fld id="{16D2D749-03DE-4EC2-8C00-F102FCD2936A}" type="datetimeFigureOut">
               <a:rPr lang="en-US" smtClean="0"/>
-              <a:t>6/20/2015</a:t>
+              <a:t>6/29/2015</a:t>
             </a:fld>
             <a:endParaRPr lang="en-US"/>
           </a:p>
@@ -7833,7 +7834,7 @@
           <a:p>
             <a:fld id="{16D2D749-03DE-4EC2-8C00-F102FCD2936A}" type="datetimeFigureOut">
               <a:rPr lang="en-US" smtClean="0"/>
-              <a:t>6/20/2015</a:t>
+              <a:t>6/29/2015</a:t>
             </a:fld>
             <a:endParaRPr lang="en-US"/>
           </a:p>
@@ -8200,7 +8201,7 @@
           <a:p>
             <a:fld id="{16D2D749-03DE-4EC2-8C00-F102FCD2936A}" type="datetimeFigureOut">
               <a:rPr lang="en-US" smtClean="0"/>
-              <a:t>6/20/2015</a:t>
+              <a:t>6/29/2015</a:t>
             </a:fld>
             <a:endParaRPr lang="en-US"/>
           </a:p>
@@ -8318,7 +8319,7 @@
           <a:p>
             <a:fld id="{16D2D749-03DE-4EC2-8C00-F102FCD2936A}" type="datetimeFigureOut">
               <a:rPr lang="en-US" smtClean="0"/>
-              <a:t>6/20/2015</a:t>
+              <a:t>6/29/2015</a:t>
             </a:fld>
             <a:endParaRPr lang="en-US"/>
           </a:p>
@@ -8413,7 +8414,7 @@
           <a:p>
             <a:fld id="{16D2D749-03DE-4EC2-8C00-F102FCD2936A}" type="datetimeFigureOut">
               <a:rPr lang="en-US" smtClean="0"/>
-              <a:t>6/20/2015</a:t>
+              <a:t>6/29/2015</a:t>
             </a:fld>
             <a:endParaRPr lang="en-US"/>
           </a:p>
@@ -8690,7 +8691,7 @@
           <a:p>
             <a:fld id="{16D2D749-03DE-4EC2-8C00-F102FCD2936A}" type="datetimeFigureOut">
               <a:rPr lang="en-US" smtClean="0"/>
-              <a:t>6/20/2015</a:t>
+              <a:t>6/29/2015</a:t>
             </a:fld>
             <a:endParaRPr lang="en-US"/>
           </a:p>
@@ -8943,7 +8944,7 @@
           <a:p>
             <a:fld id="{16D2D749-03DE-4EC2-8C00-F102FCD2936A}" type="datetimeFigureOut">
               <a:rPr lang="en-US" smtClean="0"/>
-              <a:t>6/20/2015</a:t>
+              <a:t>6/29/2015</a:t>
             </a:fld>
             <a:endParaRPr lang="en-US"/>
           </a:p>
@@ -9156,7 +9157,7 @@
           <a:p>
             <a:fld id="{16D2D749-03DE-4EC2-8C00-F102FCD2936A}" type="datetimeFigureOut">
               <a:rPr lang="en-US" smtClean="0"/>
-              <a:t>6/20/2015</a:t>
+              <a:t>6/29/2015</a:t>
             </a:fld>
             <a:endParaRPr lang="en-US"/>
           </a:p>
@@ -9583,6 +9584,55 @@
           </a:graphicData>
         </a:graphic>
       </p:graphicFrame>
+      <p:sp>
+        <p:nvSpPr>
+          <p:cNvPr id="3" name="Title 1"/>
+          <p:cNvSpPr txBox="1">
+            <a:spLocks/>
+          </p:cNvSpPr>
+          <p:nvPr/>
+        </p:nvSpPr>
+        <p:spPr>
+          <a:xfrm>
+            <a:off x="838200" y="365125"/>
+            <a:ext cx="10515600" cy="1325563"/>
+          </a:xfrm>
+          <a:prstGeom prst="rect">
+            <a:avLst/>
+          </a:prstGeom>
+        </p:spPr>
+        <p:txBody>
+          <a:bodyPr vert="horz" lIns="91440" tIns="45720" rIns="91440" bIns="45720" rtlCol="0" anchor="b">
+            <a:normAutofit/>
+          </a:bodyPr>
+          <a:lstStyle>
+            <a:lvl1pPr algn="ctr" defTabSz="914400" rtl="0" eaLnBrk="1" latinLnBrk="0" hangingPunct="1">
+              <a:lnSpc>
+                <a:spcPct val="90000"/>
+              </a:lnSpc>
+              <a:spcBef>
+                <a:spcPct val="0"/>
+              </a:spcBef>
+              <a:buNone/>
+              <a:defRPr sz="6000" kern="1200">
+                <a:solidFill>
+                  <a:schemeClr val="tx1"/>
+                </a:solidFill>
+                <a:latin typeface="+mj-lt"/>
+                <a:ea typeface="+mj-ea"/>
+                <a:cs typeface="+mj-cs"/>
+              </a:defRPr>
+            </a:lvl1pPr>
+          </a:lstStyle>
+          <a:p>
+            <a:r>
+              <a:rPr lang="en-US" smtClean="0"/>
+              <a:t>Chặn hàm API</a:t>
+            </a:r>
+            <a:endParaRPr lang="en-US" dirty="0"/>
+          </a:p>
+        </p:txBody>
+      </p:sp>
     </p:spTree>
     <p:extLst>
       <p:ext uri="{BB962C8B-B14F-4D97-AF65-F5344CB8AC3E}">
@@ -9635,7 +9685,23 @@
           <a:bodyPr/>
           <a:lstStyle/>
           <a:p>
-            <a:endParaRPr lang="en-US"/>
+            <a:r>
+              <a:rPr lang="en-US" dirty="0" err="1" smtClean="0"/>
+              <a:t>Chặn</a:t>
+            </a:r>
+            <a:r>
+              <a:rPr lang="en-US" dirty="0" smtClean="0"/>
+              <a:t> </a:t>
+            </a:r>
+            <a:r>
+              <a:rPr lang="en-US" dirty="0" err="1" smtClean="0"/>
+              <a:t>hàm</a:t>
+            </a:r>
+            <a:r>
+              <a:rPr lang="en-US" dirty="0" smtClean="0"/>
+              <a:t> API</a:t>
+            </a:r>
+            <a:endParaRPr lang="en-US" dirty="0"/>
           </a:p>
         </p:txBody>
       </p:sp>
@@ -10239,6 +10305,36 @@
           </a:fontRef>
         </p:style>
       </p:cxnSp>
+      <p:sp>
+        <p:nvSpPr>
+          <p:cNvPr id="2" name="TextBox 1"/>
+          <p:cNvSpPr txBox="1"/>
+          <p:nvPr/>
+        </p:nvSpPr>
+        <p:spPr>
+          <a:xfrm>
+            <a:off x="8354860" y="6288640"/>
+            <a:ext cx="2190471" cy="369332"/>
+          </a:xfrm>
+          <a:prstGeom prst="rect">
+            <a:avLst/>
+          </a:prstGeom>
+          <a:noFill/>
+        </p:spPr>
+        <p:txBody>
+          <a:bodyPr wrap="none" rtlCol="0">
+            <a:spAutoFit/>
+          </a:bodyPr>
+          <a:lstStyle/>
+          <a:p>
+            <a:r>
+              <a:rPr lang="en-US" dirty="0" err="1" smtClean="0"/>
+              <a:t>CreateRemoteThread</a:t>
+            </a:r>
+            <a:endParaRPr lang="en-US" dirty="0"/>
+          </a:p>
+        </p:txBody>
+      </p:sp>
     </p:spTree>
     <p:extLst>
       <p:ext uri="{BB962C8B-B14F-4D97-AF65-F5344CB8AC3E}">
@@ -10959,12 +11055,37 @@
         </p:nvSpPr>
         <p:spPr>
           <a:xfrm>
-            <a:off x="2266682" y="1109832"/>
+            <a:off x="3979367" y="1109832"/>
             <a:ext cx="425002" cy="334851"/>
           </a:xfrm>
           <a:prstGeom prst="rect">
             <a:avLst/>
           </a:prstGeom>
+          <a:gradFill>
+            <a:gsLst>
+              <a:gs pos="20336">
+                <a:srgbClr val="4777A5"/>
+              </a:gs>
+              <a:gs pos="14000">
+                <a:schemeClr val="accent1">
+                  <a:lumMod val="75000"/>
+                </a:schemeClr>
+              </a:gs>
+              <a:gs pos="62000">
+                <a:schemeClr val="accent1">
+                  <a:lumMod val="60000"/>
+                  <a:lumOff val="40000"/>
+                </a:schemeClr>
+              </a:gs>
+              <a:gs pos="85000">
+                <a:schemeClr val="accent1">
+                  <a:lumMod val="20000"/>
+                  <a:lumOff val="80000"/>
+                </a:schemeClr>
+              </a:gs>
+            </a:gsLst>
+            <a:lin ang="16200000" scaled="1"/>
+          </a:gradFill>
         </p:spPr>
         <p:style>
           <a:lnRef idx="2">
@@ -10988,10 +11109,10 @@
           <a:p>
             <a:pPr algn="ctr"/>
             <a:r>
-              <a:rPr lang="en-US" sz="1400" dirty="0" smtClean="0"/>
+              <a:rPr lang="en-US" sz="1400" b="1" dirty="0"/>
               <a:t>0</a:t>
             </a:r>
-            <a:endParaRPr lang="en-US" sz="1400" dirty="0"/>
+            <a:endParaRPr lang="en-US" sz="1400" b="1" dirty="0"/>
           </a:p>
         </p:txBody>
       </p:sp>
@@ -11003,12 +11124,37 @@
         </p:nvSpPr>
         <p:spPr>
           <a:xfrm>
-            <a:off x="2792569" y="1109832"/>
+            <a:off x="4505254" y="1109832"/>
             <a:ext cx="425002" cy="334851"/>
           </a:xfrm>
           <a:prstGeom prst="rect">
             <a:avLst/>
           </a:prstGeom>
+          <a:gradFill>
+            <a:gsLst>
+              <a:gs pos="20336">
+                <a:srgbClr val="4777A5"/>
+              </a:gs>
+              <a:gs pos="14000">
+                <a:schemeClr val="accent1">
+                  <a:lumMod val="75000"/>
+                </a:schemeClr>
+              </a:gs>
+              <a:gs pos="62000">
+                <a:schemeClr val="accent1">
+                  <a:lumMod val="60000"/>
+                  <a:lumOff val="40000"/>
+                </a:schemeClr>
+              </a:gs>
+              <a:gs pos="85000">
+                <a:schemeClr val="accent1">
+                  <a:lumMod val="20000"/>
+                  <a:lumOff val="80000"/>
+                </a:schemeClr>
+              </a:gs>
+            </a:gsLst>
+            <a:lin ang="16200000" scaled="1"/>
+          </a:gradFill>
         </p:spPr>
         <p:style>
           <a:lnRef idx="2">
@@ -11032,10 +11178,10 @@
           <a:p>
             <a:pPr algn="ctr"/>
             <a:r>
-              <a:rPr lang="en-US" sz="1400" dirty="0" smtClean="0"/>
+              <a:rPr lang="en-US" sz="1400" b="1" dirty="0"/>
               <a:t>1</a:t>
             </a:r>
-            <a:endParaRPr lang="en-US" sz="1400" dirty="0"/>
+            <a:endParaRPr lang="en-US" sz="1400" b="1" dirty="0"/>
           </a:p>
         </p:txBody>
       </p:sp>
@@ -11047,12 +11193,37 @@
         </p:nvSpPr>
         <p:spPr>
           <a:xfrm>
-            <a:off x="3318456" y="1109832"/>
+            <a:off x="5031141" y="1109832"/>
             <a:ext cx="425002" cy="334851"/>
           </a:xfrm>
           <a:prstGeom prst="rect">
             <a:avLst/>
           </a:prstGeom>
+          <a:gradFill>
+            <a:gsLst>
+              <a:gs pos="20336">
+                <a:srgbClr val="4777A5"/>
+              </a:gs>
+              <a:gs pos="14000">
+                <a:schemeClr val="accent1">
+                  <a:lumMod val="75000"/>
+                </a:schemeClr>
+              </a:gs>
+              <a:gs pos="62000">
+                <a:schemeClr val="accent1">
+                  <a:lumMod val="60000"/>
+                  <a:lumOff val="40000"/>
+                </a:schemeClr>
+              </a:gs>
+              <a:gs pos="85000">
+                <a:schemeClr val="accent1">
+                  <a:lumMod val="20000"/>
+                  <a:lumOff val="80000"/>
+                </a:schemeClr>
+              </a:gs>
+            </a:gsLst>
+            <a:lin ang="16200000" scaled="1"/>
+          </a:gradFill>
         </p:spPr>
         <p:style>
           <a:lnRef idx="2">
@@ -11075,7 +11246,7 @@
           <a:lstStyle/>
           <a:p>
             <a:pPr algn="ctr"/>
-            <a:endParaRPr lang="en-US"/>
+            <a:endParaRPr lang="en-US" sz="1400" b="1"/>
           </a:p>
         </p:txBody>
       </p:sp>
@@ -11087,12 +11258,37 @@
         </p:nvSpPr>
         <p:spPr>
           <a:xfrm>
-            <a:off x="3844343" y="1109832"/>
+            <a:off x="5557028" y="1109832"/>
             <a:ext cx="425002" cy="334851"/>
           </a:xfrm>
           <a:prstGeom prst="rect">
             <a:avLst/>
           </a:prstGeom>
+          <a:gradFill>
+            <a:gsLst>
+              <a:gs pos="20336">
+                <a:srgbClr val="4777A5"/>
+              </a:gs>
+              <a:gs pos="14000">
+                <a:schemeClr val="accent1">
+                  <a:lumMod val="75000"/>
+                </a:schemeClr>
+              </a:gs>
+              <a:gs pos="62000">
+                <a:schemeClr val="accent1">
+                  <a:lumMod val="60000"/>
+                  <a:lumOff val="40000"/>
+                </a:schemeClr>
+              </a:gs>
+              <a:gs pos="85000">
+                <a:schemeClr val="accent1">
+                  <a:lumMod val="20000"/>
+                  <a:lumOff val="80000"/>
+                </a:schemeClr>
+              </a:gs>
+            </a:gsLst>
+            <a:lin ang="16200000" scaled="1"/>
+          </a:gradFill>
         </p:spPr>
         <p:style>
           <a:lnRef idx="2">
@@ -11115,7 +11311,7 @@
           <a:lstStyle/>
           <a:p>
             <a:pPr algn="ctr"/>
-            <a:endParaRPr lang="en-US"/>
+            <a:endParaRPr lang="en-US" sz="1400" b="1"/>
           </a:p>
         </p:txBody>
       </p:sp>
@@ -11127,12 +11323,37 @@
         </p:nvSpPr>
         <p:spPr>
           <a:xfrm>
-            <a:off x="4370230" y="1109832"/>
+            <a:off x="6082915" y="1109832"/>
             <a:ext cx="425002" cy="334851"/>
           </a:xfrm>
           <a:prstGeom prst="rect">
             <a:avLst/>
           </a:prstGeom>
+          <a:gradFill>
+            <a:gsLst>
+              <a:gs pos="20336">
+                <a:srgbClr val="4777A5"/>
+              </a:gs>
+              <a:gs pos="14000">
+                <a:schemeClr val="accent1">
+                  <a:lumMod val="75000"/>
+                </a:schemeClr>
+              </a:gs>
+              <a:gs pos="62000">
+                <a:schemeClr val="accent1">
+                  <a:lumMod val="60000"/>
+                  <a:lumOff val="40000"/>
+                </a:schemeClr>
+              </a:gs>
+              <a:gs pos="85000">
+                <a:schemeClr val="accent1">
+                  <a:lumMod val="20000"/>
+                  <a:lumOff val="80000"/>
+                </a:schemeClr>
+              </a:gs>
+            </a:gsLst>
+            <a:lin ang="16200000" scaled="1"/>
+          </a:gradFill>
         </p:spPr>
         <p:style>
           <a:lnRef idx="2">
@@ -11155,7 +11376,7 @@
           <a:lstStyle/>
           <a:p>
             <a:pPr algn="ctr"/>
-            <a:endParaRPr lang="en-US"/>
+            <a:endParaRPr lang="en-US" sz="1400" b="1"/>
           </a:p>
         </p:txBody>
       </p:sp>
@@ -11167,12 +11388,37 @@
         </p:nvSpPr>
         <p:spPr>
           <a:xfrm>
-            <a:off x="4896117" y="1109832"/>
+            <a:off x="6608802" y="1109832"/>
             <a:ext cx="425002" cy="334851"/>
           </a:xfrm>
           <a:prstGeom prst="rect">
             <a:avLst/>
           </a:prstGeom>
+          <a:gradFill>
+            <a:gsLst>
+              <a:gs pos="20336">
+                <a:srgbClr val="4777A5"/>
+              </a:gs>
+              <a:gs pos="14000">
+                <a:schemeClr val="accent1">
+                  <a:lumMod val="75000"/>
+                </a:schemeClr>
+              </a:gs>
+              <a:gs pos="62000">
+                <a:schemeClr val="accent1">
+                  <a:lumMod val="60000"/>
+                  <a:lumOff val="40000"/>
+                </a:schemeClr>
+              </a:gs>
+              <a:gs pos="85000">
+                <a:schemeClr val="accent1">
+                  <a:lumMod val="20000"/>
+                  <a:lumOff val="80000"/>
+                </a:schemeClr>
+              </a:gs>
+            </a:gsLst>
+            <a:lin ang="16200000" scaled="1"/>
+          </a:gradFill>
         </p:spPr>
         <p:style>
           <a:lnRef idx="2">
@@ -11195,7 +11441,7 @@
           <a:lstStyle/>
           <a:p>
             <a:pPr algn="ctr"/>
-            <a:endParaRPr lang="en-US"/>
+            <a:endParaRPr lang="en-US" sz="1400" b="1"/>
           </a:p>
         </p:txBody>
       </p:sp>
@@ -11207,12 +11453,37 @@
         </p:nvSpPr>
         <p:spPr>
           <a:xfrm>
-            <a:off x="5422004" y="1109832"/>
+            <a:off x="7134689" y="1109832"/>
             <a:ext cx="425002" cy="334851"/>
           </a:xfrm>
           <a:prstGeom prst="rect">
             <a:avLst/>
           </a:prstGeom>
+          <a:gradFill>
+            <a:gsLst>
+              <a:gs pos="20336">
+                <a:srgbClr val="4777A5"/>
+              </a:gs>
+              <a:gs pos="14000">
+                <a:schemeClr val="accent1">
+                  <a:lumMod val="75000"/>
+                </a:schemeClr>
+              </a:gs>
+              <a:gs pos="62000">
+                <a:schemeClr val="accent1">
+                  <a:lumMod val="60000"/>
+                  <a:lumOff val="40000"/>
+                </a:schemeClr>
+              </a:gs>
+              <a:gs pos="85000">
+                <a:schemeClr val="accent1">
+                  <a:lumMod val="20000"/>
+                  <a:lumOff val="80000"/>
+                </a:schemeClr>
+              </a:gs>
+            </a:gsLst>
+            <a:lin ang="16200000" scaled="1"/>
+          </a:gradFill>
         </p:spPr>
         <p:style>
           <a:lnRef idx="2">
@@ -11235,7 +11506,7 @@
           <a:lstStyle/>
           <a:p>
             <a:pPr algn="ctr"/>
-            <a:endParaRPr lang="en-US"/>
+            <a:endParaRPr lang="en-US" sz="1400" b="1"/>
           </a:p>
         </p:txBody>
       </p:sp>
@@ -11247,12 +11518,37 @@
         </p:nvSpPr>
         <p:spPr>
           <a:xfrm>
-            <a:off x="5947891" y="1109832"/>
+            <a:off x="7660576" y="1109832"/>
             <a:ext cx="425002" cy="334851"/>
           </a:xfrm>
           <a:prstGeom prst="rect">
             <a:avLst/>
           </a:prstGeom>
+          <a:gradFill>
+            <a:gsLst>
+              <a:gs pos="20336">
+                <a:srgbClr val="4777A5"/>
+              </a:gs>
+              <a:gs pos="14000">
+                <a:schemeClr val="accent1">
+                  <a:lumMod val="75000"/>
+                </a:schemeClr>
+              </a:gs>
+              <a:gs pos="62000">
+                <a:schemeClr val="accent1">
+                  <a:lumMod val="60000"/>
+                  <a:lumOff val="40000"/>
+                </a:schemeClr>
+              </a:gs>
+              <a:gs pos="85000">
+                <a:schemeClr val="accent1">
+                  <a:lumMod val="20000"/>
+                  <a:lumOff val="80000"/>
+                </a:schemeClr>
+              </a:gs>
+            </a:gsLst>
+            <a:lin ang="16200000" scaled="1"/>
+          </a:gradFill>
         </p:spPr>
         <p:style>
           <a:lnRef idx="2">
@@ -11275,7 +11571,7 @@
           <a:lstStyle/>
           <a:p>
             <a:pPr algn="ctr"/>
-            <a:endParaRPr lang="en-US"/>
+            <a:endParaRPr lang="en-US" sz="1400" b="1"/>
           </a:p>
         </p:txBody>
       </p:sp>
@@ -11287,12 +11583,37 @@
         </p:nvSpPr>
         <p:spPr>
           <a:xfrm>
-            <a:off x="6473778" y="1109832"/>
+            <a:off x="8186463" y="1109832"/>
             <a:ext cx="425002" cy="334851"/>
           </a:xfrm>
           <a:prstGeom prst="rect">
             <a:avLst/>
           </a:prstGeom>
+          <a:gradFill>
+            <a:gsLst>
+              <a:gs pos="20336">
+                <a:srgbClr val="4777A5"/>
+              </a:gs>
+              <a:gs pos="14000">
+                <a:schemeClr val="accent1">
+                  <a:lumMod val="75000"/>
+                </a:schemeClr>
+              </a:gs>
+              <a:gs pos="62000">
+                <a:schemeClr val="accent1">
+                  <a:lumMod val="60000"/>
+                  <a:lumOff val="40000"/>
+                </a:schemeClr>
+              </a:gs>
+              <a:gs pos="85000">
+                <a:schemeClr val="accent1">
+                  <a:lumMod val="20000"/>
+                  <a:lumOff val="80000"/>
+                </a:schemeClr>
+              </a:gs>
+            </a:gsLst>
+            <a:lin ang="16200000" scaled="1"/>
+          </a:gradFill>
         </p:spPr>
         <p:style>
           <a:lnRef idx="2">
@@ -11316,10 +11637,10 @@
           <a:p>
             <a:pPr algn="ctr"/>
             <a:r>
-              <a:rPr lang="en-US" sz="1400" dirty="0" smtClean="0"/>
+              <a:rPr lang="en-US" sz="1400" b="1" dirty="0"/>
               <a:t>n-1</a:t>
             </a:r>
-            <a:endParaRPr lang="en-US" sz="1400" dirty="0"/>
+            <a:endParaRPr lang="en-US" sz="1400" b="1" dirty="0"/>
           </a:p>
         </p:txBody>
       </p:sp>
@@ -11331,15 +11652,40 @@
         </p:nvSpPr>
         <p:spPr>
           <a:xfrm>
-            <a:off x="2266682" y="2755879"/>
+            <a:off x="3979367" y="2755879"/>
             <a:ext cx="425002" cy="334851"/>
           </a:xfrm>
           <a:prstGeom prst="rect">
             <a:avLst/>
           </a:prstGeom>
-          <a:solidFill>
-            <a:srgbClr val="00B050"/>
-          </a:solidFill>
+          <a:gradFill flip="none" rotWithShape="1">
+            <a:gsLst>
+              <a:gs pos="52000">
+                <a:srgbClr val="00B050"/>
+              </a:gs>
+              <a:gs pos="1000">
+                <a:schemeClr val="accent6">
+                  <a:lumMod val="0"/>
+                  <a:lumOff val="100000"/>
+                </a:schemeClr>
+              </a:gs>
+              <a:gs pos="100000">
+                <a:schemeClr val="accent6">
+                  <a:lumMod val="0"/>
+                  <a:lumOff val="100000"/>
+                </a:schemeClr>
+              </a:gs>
+              <a:gs pos="26000">
+                <a:schemeClr val="accent6">
+                  <a:lumMod val="100000"/>
+                </a:schemeClr>
+              </a:gs>
+            </a:gsLst>
+            <a:path path="circle">
+              <a:fillToRect l="100000" t="100000"/>
+            </a:path>
+            <a:tileRect r="-100000" b="-100000"/>
+          </a:gradFill>
         </p:spPr>
         <p:style>
           <a:lnRef idx="2">
@@ -11462,10 +11808,10 @@
           <a:p>
             <a:pPr algn="ctr"/>
             <a:r>
-              <a:rPr lang="en-US" sz="1400" dirty="0" smtClean="0"/>
+              <a:rPr lang="en-US" sz="1400" b="1" dirty="0" smtClean="0"/>
               <a:t>0</a:t>
             </a:r>
-            <a:endParaRPr lang="en-US" sz="1400" dirty="0"/>
+            <a:endParaRPr lang="en-US" sz="1400" b="1" dirty="0"/>
           </a:p>
         </p:txBody>
       </p:sp>
@@ -11477,15 +11823,1020 @@
         </p:nvSpPr>
         <p:spPr>
           <a:xfrm>
-            <a:off x="2792569" y="2755879"/>
+            <a:off x="4505254" y="2755879"/>
             <a:ext cx="425002" cy="334851"/>
           </a:xfrm>
           <a:prstGeom prst="rect">
             <a:avLst/>
           </a:prstGeom>
-          <a:solidFill>
-            <a:srgbClr val="00B050"/>
-          </a:solidFill>
+          <a:gradFill flip="none" rotWithShape="1">
+            <a:gsLst>
+              <a:gs pos="52000">
+                <a:srgbClr val="00B050"/>
+              </a:gs>
+              <a:gs pos="1000">
+                <a:schemeClr val="accent6">
+                  <a:lumMod val="0"/>
+                  <a:lumOff val="100000"/>
+                </a:schemeClr>
+              </a:gs>
+              <a:gs pos="100000">
+                <a:schemeClr val="accent6">
+                  <a:lumMod val="0"/>
+                  <a:lumOff val="100000"/>
+                </a:schemeClr>
+              </a:gs>
+              <a:gs pos="26000">
+                <a:schemeClr val="accent6">
+                  <a:lumMod val="100000"/>
+                </a:schemeClr>
+              </a:gs>
+            </a:gsLst>
+            <a:path path="circle">
+              <a:fillToRect l="100000" t="100000"/>
+            </a:path>
+            <a:tileRect r="-100000" b="-100000"/>
+          </a:gradFill>
+        </p:spPr>
+        <p:style>
+          <a:lnRef idx="2">
+            <a:schemeClr val="accent1">
+              <a:shade val="50000"/>
+            </a:schemeClr>
+          </a:lnRef>
+          <a:fillRef idx="1">
+            <a:schemeClr val="accent1"/>
+          </a:fillRef>
+          <a:effectRef idx="0">
+            <a:schemeClr val="accent1"/>
+          </a:effectRef>
+          <a:fontRef idx="minor">
+            <a:schemeClr val="lt1"/>
+          </a:fontRef>
+        </p:style>
+        <p:txBody>
+          <a:bodyPr rot="0" spcFirstLastPara="0" vert="horz" wrap="square" lIns="91440" tIns="45720" rIns="91440" bIns="45720" numCol="1" spcCol="0" rtlCol="0" fromWordArt="0" anchor="ctr" anchorCtr="0" forceAA="0" compatLnSpc="1">
+            <a:prstTxWarp prst="textNoShape">
+              <a:avLst/>
+            </a:prstTxWarp>
+            <a:noAutofit/>
+          </a:bodyPr>
+          <a:lstStyle/>
+          <a:p>
+            <a:pPr algn="ctr"/>
+            <a:r>
+              <a:rPr lang="en-US" sz="1400" b="1" dirty="0"/>
+              <a:t>1</a:t>
+            </a:r>
+            <a:endParaRPr lang="en-US" sz="1400" b="1" dirty="0"/>
+          </a:p>
+        </p:txBody>
+      </p:sp>
+      <p:sp>
+        <p:nvSpPr>
+          <p:cNvPr id="38" name="Rectangle 37"/>
+          <p:cNvSpPr/>
+          <p:nvPr/>
+        </p:nvSpPr>
+        <p:spPr>
+          <a:xfrm>
+            <a:off x="5031141" y="2755879"/>
+            <a:ext cx="425002" cy="334851"/>
+          </a:xfrm>
+          <a:prstGeom prst="rect">
+            <a:avLst/>
+          </a:prstGeom>
+          <a:gradFill flip="none" rotWithShape="1">
+            <a:gsLst>
+              <a:gs pos="52000">
+                <a:srgbClr val="00B050"/>
+              </a:gs>
+              <a:gs pos="1000">
+                <a:schemeClr val="accent6">
+                  <a:lumMod val="0"/>
+                  <a:lumOff val="100000"/>
+                </a:schemeClr>
+              </a:gs>
+              <a:gs pos="100000">
+                <a:schemeClr val="accent6">
+                  <a:lumMod val="0"/>
+                  <a:lumOff val="100000"/>
+                </a:schemeClr>
+              </a:gs>
+              <a:gs pos="26000">
+                <a:schemeClr val="accent6">
+                  <a:lumMod val="100000"/>
+                </a:schemeClr>
+              </a:gs>
+            </a:gsLst>
+            <a:path path="circle">
+              <a:fillToRect l="100000" t="100000"/>
+            </a:path>
+            <a:tileRect r="-100000" b="-100000"/>
+          </a:gradFill>
+        </p:spPr>
+        <p:style>
+          <a:lnRef idx="2">
+            <a:schemeClr val="accent1">
+              <a:shade val="50000"/>
+            </a:schemeClr>
+          </a:lnRef>
+          <a:fillRef idx="1">
+            <a:schemeClr val="accent1"/>
+          </a:fillRef>
+          <a:effectRef idx="0">
+            <a:schemeClr val="accent1"/>
+          </a:effectRef>
+          <a:fontRef idx="minor">
+            <a:schemeClr val="lt1"/>
+          </a:fontRef>
+        </p:style>
+        <p:txBody>
+          <a:bodyPr rot="0" spcFirstLastPara="0" vert="horz" wrap="square" lIns="91440" tIns="45720" rIns="91440" bIns="45720" numCol="1" spcCol="0" rtlCol="0" fromWordArt="0" anchor="ctr" anchorCtr="0" forceAA="0" compatLnSpc="1">
+            <a:prstTxWarp prst="textNoShape">
+              <a:avLst/>
+            </a:prstTxWarp>
+            <a:noAutofit/>
+          </a:bodyPr>
+          <a:lstStyle/>
+          <a:p>
+            <a:pPr algn="ctr"/>
+            <a:endParaRPr lang="en-US" sz="1400" b="1"/>
+          </a:p>
+        </p:txBody>
+      </p:sp>
+      <p:sp>
+        <p:nvSpPr>
+          <p:cNvPr id="39" name="Rectangle 38"/>
+          <p:cNvSpPr/>
+          <p:nvPr/>
+        </p:nvSpPr>
+        <p:spPr>
+          <a:xfrm>
+            <a:off x="5557028" y="2755879"/>
+            <a:ext cx="425002" cy="334851"/>
+          </a:xfrm>
+          <a:prstGeom prst="rect">
+            <a:avLst/>
+          </a:prstGeom>
+          <a:gradFill flip="none" rotWithShape="1">
+            <a:gsLst>
+              <a:gs pos="52000">
+                <a:srgbClr val="00B050"/>
+              </a:gs>
+              <a:gs pos="1000">
+                <a:schemeClr val="accent6">
+                  <a:lumMod val="0"/>
+                  <a:lumOff val="100000"/>
+                </a:schemeClr>
+              </a:gs>
+              <a:gs pos="100000">
+                <a:schemeClr val="accent6">
+                  <a:lumMod val="0"/>
+                  <a:lumOff val="100000"/>
+                </a:schemeClr>
+              </a:gs>
+              <a:gs pos="26000">
+                <a:schemeClr val="accent6">
+                  <a:lumMod val="100000"/>
+                </a:schemeClr>
+              </a:gs>
+            </a:gsLst>
+            <a:path path="circle">
+              <a:fillToRect l="100000" t="100000"/>
+            </a:path>
+            <a:tileRect r="-100000" b="-100000"/>
+          </a:gradFill>
+        </p:spPr>
+        <p:style>
+          <a:lnRef idx="2">
+            <a:schemeClr val="accent1">
+              <a:shade val="50000"/>
+            </a:schemeClr>
+          </a:lnRef>
+          <a:fillRef idx="1">
+            <a:schemeClr val="accent1"/>
+          </a:fillRef>
+          <a:effectRef idx="0">
+            <a:schemeClr val="accent1"/>
+          </a:effectRef>
+          <a:fontRef idx="minor">
+            <a:schemeClr val="lt1"/>
+          </a:fontRef>
+        </p:style>
+        <p:txBody>
+          <a:bodyPr rot="0" spcFirstLastPara="0" vert="horz" wrap="square" lIns="91440" tIns="45720" rIns="91440" bIns="45720" numCol="1" spcCol="0" rtlCol="0" fromWordArt="0" anchor="ctr" anchorCtr="0" forceAA="0" compatLnSpc="1">
+            <a:prstTxWarp prst="textNoShape">
+              <a:avLst/>
+            </a:prstTxWarp>
+            <a:noAutofit/>
+          </a:bodyPr>
+          <a:lstStyle/>
+          <a:p>
+            <a:pPr algn="ctr"/>
+            <a:endParaRPr lang="en-US" sz="1400" b="1"/>
+          </a:p>
+        </p:txBody>
+      </p:sp>
+      <p:sp>
+        <p:nvSpPr>
+          <p:cNvPr id="40" name="Rectangle 39"/>
+          <p:cNvSpPr/>
+          <p:nvPr/>
+        </p:nvSpPr>
+        <p:spPr>
+          <a:xfrm>
+            <a:off x="6082915" y="2755879"/>
+            <a:ext cx="425002" cy="334851"/>
+          </a:xfrm>
+          <a:prstGeom prst="rect">
+            <a:avLst/>
+          </a:prstGeom>
+          <a:gradFill flip="none" rotWithShape="1">
+            <a:gsLst>
+              <a:gs pos="52000">
+                <a:srgbClr val="00B050"/>
+              </a:gs>
+              <a:gs pos="1000">
+                <a:schemeClr val="accent6">
+                  <a:lumMod val="0"/>
+                  <a:lumOff val="100000"/>
+                </a:schemeClr>
+              </a:gs>
+              <a:gs pos="100000">
+                <a:schemeClr val="accent6">
+                  <a:lumMod val="0"/>
+                  <a:lumOff val="100000"/>
+                </a:schemeClr>
+              </a:gs>
+              <a:gs pos="26000">
+                <a:schemeClr val="accent6">
+                  <a:lumMod val="100000"/>
+                </a:schemeClr>
+              </a:gs>
+            </a:gsLst>
+            <a:path path="circle">
+              <a:fillToRect l="100000" t="100000"/>
+            </a:path>
+            <a:tileRect r="-100000" b="-100000"/>
+          </a:gradFill>
+        </p:spPr>
+        <p:style>
+          <a:lnRef idx="2">
+            <a:schemeClr val="accent1">
+              <a:shade val="50000"/>
+            </a:schemeClr>
+          </a:lnRef>
+          <a:fillRef idx="1">
+            <a:schemeClr val="accent1"/>
+          </a:fillRef>
+          <a:effectRef idx="0">
+            <a:schemeClr val="accent1"/>
+          </a:effectRef>
+          <a:fontRef idx="minor">
+            <a:schemeClr val="lt1"/>
+          </a:fontRef>
+        </p:style>
+        <p:txBody>
+          <a:bodyPr rot="0" spcFirstLastPara="0" vert="horz" wrap="square" lIns="91440" tIns="45720" rIns="91440" bIns="45720" numCol="1" spcCol="0" rtlCol="0" fromWordArt="0" anchor="ctr" anchorCtr="0" forceAA="0" compatLnSpc="1">
+            <a:prstTxWarp prst="textNoShape">
+              <a:avLst/>
+            </a:prstTxWarp>
+            <a:noAutofit/>
+          </a:bodyPr>
+          <a:lstStyle/>
+          <a:p>
+            <a:pPr algn="ctr"/>
+            <a:endParaRPr lang="en-US" sz="1400" b="1"/>
+          </a:p>
+        </p:txBody>
+      </p:sp>
+      <p:sp>
+        <p:nvSpPr>
+          <p:cNvPr id="48" name="Rectangle 47"/>
+          <p:cNvSpPr/>
+          <p:nvPr/>
+        </p:nvSpPr>
+        <p:spPr>
+          <a:xfrm>
+            <a:off x="6608802" y="2755879"/>
+            <a:ext cx="425002" cy="334851"/>
+          </a:xfrm>
+          <a:prstGeom prst="rect">
+            <a:avLst/>
+          </a:prstGeom>
+          <a:gradFill flip="none" rotWithShape="1">
+            <a:gsLst>
+              <a:gs pos="52000">
+                <a:srgbClr val="00B050"/>
+              </a:gs>
+              <a:gs pos="1000">
+                <a:schemeClr val="accent6">
+                  <a:lumMod val="0"/>
+                  <a:lumOff val="100000"/>
+                </a:schemeClr>
+              </a:gs>
+              <a:gs pos="100000">
+                <a:schemeClr val="accent6">
+                  <a:lumMod val="0"/>
+                  <a:lumOff val="100000"/>
+                </a:schemeClr>
+              </a:gs>
+              <a:gs pos="26000">
+                <a:schemeClr val="accent6">
+                  <a:lumMod val="100000"/>
+                </a:schemeClr>
+              </a:gs>
+            </a:gsLst>
+            <a:path path="circle">
+              <a:fillToRect l="100000" t="100000"/>
+            </a:path>
+            <a:tileRect r="-100000" b="-100000"/>
+          </a:gradFill>
+        </p:spPr>
+        <p:style>
+          <a:lnRef idx="2">
+            <a:schemeClr val="accent1">
+              <a:shade val="50000"/>
+            </a:schemeClr>
+          </a:lnRef>
+          <a:fillRef idx="1">
+            <a:schemeClr val="accent1"/>
+          </a:fillRef>
+          <a:effectRef idx="0">
+            <a:schemeClr val="accent1"/>
+          </a:effectRef>
+          <a:fontRef idx="minor">
+            <a:schemeClr val="lt1"/>
+          </a:fontRef>
+        </p:style>
+        <p:txBody>
+          <a:bodyPr rot="0" spcFirstLastPara="0" vert="horz" wrap="square" lIns="91440" tIns="45720" rIns="91440" bIns="45720" numCol="1" spcCol="0" rtlCol="0" fromWordArt="0" anchor="ctr" anchorCtr="0" forceAA="0" compatLnSpc="1">
+            <a:prstTxWarp prst="textNoShape">
+              <a:avLst/>
+            </a:prstTxWarp>
+            <a:noAutofit/>
+          </a:bodyPr>
+          <a:lstStyle/>
+          <a:p>
+            <a:pPr algn="ctr"/>
+            <a:endParaRPr lang="en-US" sz="1400" b="1"/>
+          </a:p>
+        </p:txBody>
+      </p:sp>
+      <p:sp>
+        <p:nvSpPr>
+          <p:cNvPr id="49" name="Rectangle 48"/>
+          <p:cNvSpPr/>
+          <p:nvPr/>
+        </p:nvSpPr>
+        <p:spPr>
+          <a:xfrm>
+            <a:off x="7134689" y="2755879"/>
+            <a:ext cx="425002" cy="334851"/>
+          </a:xfrm>
+          <a:prstGeom prst="rect">
+            <a:avLst/>
+          </a:prstGeom>
+          <a:gradFill flip="none" rotWithShape="1">
+            <a:gsLst>
+              <a:gs pos="52000">
+                <a:srgbClr val="00B050"/>
+              </a:gs>
+              <a:gs pos="1000">
+                <a:schemeClr val="accent6">
+                  <a:lumMod val="0"/>
+                  <a:lumOff val="100000"/>
+                </a:schemeClr>
+              </a:gs>
+              <a:gs pos="100000">
+                <a:schemeClr val="accent6">
+                  <a:lumMod val="0"/>
+                  <a:lumOff val="100000"/>
+                </a:schemeClr>
+              </a:gs>
+              <a:gs pos="26000">
+                <a:schemeClr val="accent6">
+                  <a:lumMod val="100000"/>
+                </a:schemeClr>
+              </a:gs>
+            </a:gsLst>
+            <a:path path="circle">
+              <a:fillToRect l="100000" t="100000"/>
+            </a:path>
+            <a:tileRect r="-100000" b="-100000"/>
+          </a:gradFill>
+        </p:spPr>
+        <p:style>
+          <a:lnRef idx="2">
+            <a:schemeClr val="accent1">
+              <a:shade val="50000"/>
+            </a:schemeClr>
+          </a:lnRef>
+          <a:fillRef idx="1">
+            <a:schemeClr val="accent1"/>
+          </a:fillRef>
+          <a:effectRef idx="0">
+            <a:schemeClr val="accent1"/>
+          </a:effectRef>
+          <a:fontRef idx="minor">
+            <a:schemeClr val="lt1"/>
+          </a:fontRef>
+        </p:style>
+        <p:txBody>
+          <a:bodyPr rot="0" spcFirstLastPara="0" vert="horz" wrap="square" lIns="91440" tIns="45720" rIns="91440" bIns="45720" numCol="1" spcCol="0" rtlCol="0" fromWordArt="0" anchor="ctr" anchorCtr="0" forceAA="0" compatLnSpc="1">
+            <a:prstTxWarp prst="textNoShape">
+              <a:avLst/>
+            </a:prstTxWarp>
+            <a:noAutofit/>
+          </a:bodyPr>
+          <a:lstStyle/>
+          <a:p>
+            <a:pPr algn="ctr"/>
+            <a:endParaRPr lang="en-US" sz="1400" b="1"/>
+          </a:p>
+        </p:txBody>
+      </p:sp>
+      <p:sp>
+        <p:nvSpPr>
+          <p:cNvPr id="50" name="Rectangle 49"/>
+          <p:cNvSpPr/>
+          <p:nvPr/>
+        </p:nvSpPr>
+        <p:spPr>
+          <a:xfrm>
+            <a:off x="7660576" y="2755879"/>
+            <a:ext cx="425002" cy="334851"/>
+          </a:xfrm>
+          <a:prstGeom prst="rect">
+            <a:avLst/>
+          </a:prstGeom>
+          <a:gradFill flip="none" rotWithShape="1">
+            <a:gsLst>
+              <a:gs pos="52000">
+                <a:srgbClr val="00B050"/>
+              </a:gs>
+              <a:gs pos="1000">
+                <a:schemeClr val="accent6">
+                  <a:lumMod val="0"/>
+                  <a:lumOff val="100000"/>
+                </a:schemeClr>
+              </a:gs>
+              <a:gs pos="100000">
+                <a:schemeClr val="accent6">
+                  <a:lumMod val="0"/>
+                  <a:lumOff val="100000"/>
+                </a:schemeClr>
+              </a:gs>
+              <a:gs pos="26000">
+                <a:schemeClr val="accent6">
+                  <a:lumMod val="100000"/>
+                </a:schemeClr>
+              </a:gs>
+            </a:gsLst>
+            <a:path path="circle">
+              <a:fillToRect l="100000" t="100000"/>
+            </a:path>
+            <a:tileRect r="-100000" b="-100000"/>
+          </a:gradFill>
+        </p:spPr>
+        <p:style>
+          <a:lnRef idx="2">
+            <a:schemeClr val="accent1">
+              <a:shade val="50000"/>
+            </a:schemeClr>
+          </a:lnRef>
+          <a:fillRef idx="1">
+            <a:schemeClr val="accent1"/>
+          </a:fillRef>
+          <a:effectRef idx="0">
+            <a:schemeClr val="accent1"/>
+          </a:effectRef>
+          <a:fontRef idx="minor">
+            <a:schemeClr val="lt1"/>
+          </a:fontRef>
+        </p:style>
+        <p:txBody>
+          <a:bodyPr rot="0" spcFirstLastPara="0" vert="horz" wrap="square" lIns="91440" tIns="45720" rIns="91440" bIns="45720" numCol="1" spcCol="0" rtlCol="0" fromWordArt="0" anchor="ctr" anchorCtr="0" forceAA="0" compatLnSpc="1">
+            <a:prstTxWarp prst="textNoShape">
+              <a:avLst/>
+            </a:prstTxWarp>
+            <a:noAutofit/>
+          </a:bodyPr>
+          <a:lstStyle/>
+          <a:p>
+            <a:pPr algn="ctr"/>
+            <a:endParaRPr lang="en-US" sz="1400" b="1"/>
+          </a:p>
+        </p:txBody>
+      </p:sp>
+      <p:sp>
+        <p:nvSpPr>
+          <p:cNvPr id="51" name="Rectangle 50"/>
+          <p:cNvSpPr/>
+          <p:nvPr/>
+        </p:nvSpPr>
+        <p:spPr>
+          <a:xfrm>
+            <a:off x="8186463" y="2755879"/>
+            <a:ext cx="425002" cy="334851"/>
+          </a:xfrm>
+          <a:prstGeom prst="rect">
+            <a:avLst/>
+          </a:prstGeom>
+          <a:gradFill flip="none" rotWithShape="1">
+            <a:gsLst>
+              <a:gs pos="52000">
+                <a:srgbClr val="00B050"/>
+              </a:gs>
+              <a:gs pos="1000">
+                <a:schemeClr val="accent6">
+                  <a:lumMod val="0"/>
+                  <a:lumOff val="100000"/>
+                </a:schemeClr>
+              </a:gs>
+              <a:gs pos="100000">
+                <a:schemeClr val="accent6">
+                  <a:lumMod val="0"/>
+                  <a:lumOff val="100000"/>
+                </a:schemeClr>
+              </a:gs>
+              <a:gs pos="26000">
+                <a:schemeClr val="accent6">
+                  <a:lumMod val="100000"/>
+                </a:schemeClr>
+              </a:gs>
+            </a:gsLst>
+            <a:path path="circle">
+              <a:fillToRect l="100000" t="100000"/>
+            </a:path>
+            <a:tileRect r="-100000" b="-100000"/>
+          </a:gradFill>
+        </p:spPr>
+        <p:style>
+          <a:lnRef idx="2">
+            <a:schemeClr val="accent1">
+              <a:shade val="50000"/>
+            </a:schemeClr>
+          </a:lnRef>
+          <a:fillRef idx="1">
+            <a:schemeClr val="accent1"/>
+          </a:fillRef>
+          <a:effectRef idx="0">
+            <a:schemeClr val="accent1"/>
+          </a:effectRef>
+          <a:fontRef idx="minor">
+            <a:schemeClr val="lt1"/>
+          </a:fontRef>
+        </p:style>
+        <p:txBody>
+          <a:bodyPr rot="0" spcFirstLastPara="0" vert="horz" wrap="square" lIns="91440" tIns="45720" rIns="91440" bIns="45720" numCol="1" spcCol="0" rtlCol="0" fromWordArt="0" anchor="ctr" anchorCtr="0" forceAA="0" compatLnSpc="1">
+            <a:prstTxWarp prst="textNoShape">
+              <a:avLst/>
+            </a:prstTxWarp>
+            <a:noAutofit/>
+          </a:bodyPr>
+          <a:lstStyle/>
+          <a:p>
+            <a:pPr algn="ctr"/>
+            <a:r>
+              <a:rPr lang="en-US" sz="1400" b="1" dirty="0"/>
+              <a:t>n-1</a:t>
+            </a:r>
+            <a:endParaRPr lang="en-US" sz="1400" b="1" dirty="0"/>
+          </a:p>
+        </p:txBody>
+      </p:sp>
+      <p:sp>
+        <p:nvSpPr>
+          <p:cNvPr id="52" name="TextBox 51"/>
+          <p:cNvSpPr txBox="1"/>
+          <p:nvPr/>
+        </p:nvSpPr>
+        <p:spPr>
+          <a:xfrm>
+            <a:off x="2524161" y="1109832"/>
+            <a:ext cx="832279" cy="369332"/>
+          </a:xfrm>
+          <a:prstGeom prst="rect">
+            <a:avLst/>
+          </a:prstGeom>
+          <a:noFill/>
+        </p:spPr>
+        <p:txBody>
+          <a:bodyPr wrap="none" rtlCol="0">
+            <a:spAutoFit/>
+          </a:bodyPr>
+          <a:lstStyle/>
+          <a:p>
+            <a:r>
+              <a:rPr lang="en-US" dirty="0" err="1" smtClean="0"/>
+              <a:t>Khóa</a:t>
+            </a:r>
+            <a:r>
+              <a:rPr lang="en-US" dirty="0" smtClean="0"/>
+              <a:t> K</a:t>
+            </a:r>
+            <a:endParaRPr lang="en-US" dirty="0"/>
+          </a:p>
+        </p:txBody>
+      </p:sp>
+      <p:sp>
+        <p:nvSpPr>
+          <p:cNvPr id="53" name="TextBox 52"/>
+          <p:cNvSpPr txBox="1"/>
+          <p:nvPr/>
+        </p:nvSpPr>
+        <p:spPr>
+          <a:xfrm>
+            <a:off x="2524161" y="2755879"/>
+            <a:ext cx="1198918" cy="646331"/>
+          </a:xfrm>
+          <a:prstGeom prst="rect">
+            <a:avLst/>
+          </a:prstGeom>
+          <a:noFill/>
+        </p:spPr>
+        <p:txBody>
+          <a:bodyPr wrap="none" rtlCol="0">
+            <a:spAutoFit/>
+          </a:bodyPr>
+          <a:lstStyle/>
+          <a:p>
+            <a:r>
+              <a:rPr lang="en-US" dirty="0" err="1" smtClean="0"/>
+              <a:t>Dữ</a:t>
+            </a:r>
+            <a:r>
+              <a:rPr lang="en-US" dirty="0" smtClean="0"/>
+              <a:t> </a:t>
+            </a:r>
+            <a:r>
+              <a:rPr lang="en-US" dirty="0" err="1" smtClean="0"/>
+              <a:t>liệu</a:t>
+            </a:r>
+            <a:endParaRPr lang="en-US" dirty="0"/>
+          </a:p>
+          <a:p>
+            <a:r>
+              <a:rPr lang="en-US" dirty="0" smtClean="0"/>
+              <a:t>(Plain text)</a:t>
+            </a:r>
+            <a:endParaRPr lang="en-US" dirty="0"/>
+          </a:p>
+        </p:txBody>
+      </p:sp>
+      <p:cxnSp>
+        <p:nvCxnSpPr>
+          <p:cNvPr id="55" name="Straight Connector 54"/>
+          <p:cNvCxnSpPr>
+            <a:stCxn id="6" idx="2"/>
+            <a:endCxn id="36" idx="0"/>
+          </p:cNvCxnSpPr>
+          <p:nvPr/>
+        </p:nvCxnSpPr>
+        <p:spPr>
+          <a:xfrm>
+            <a:off x="4191868" y="1444683"/>
+            <a:ext cx="0" cy="1311196"/>
+          </a:xfrm>
+          <a:prstGeom prst="line">
+            <a:avLst/>
+          </a:prstGeom>
+          <a:ln w="38100"/>
+        </p:spPr>
+        <p:style>
+          <a:lnRef idx="1">
+            <a:schemeClr val="accent1"/>
+          </a:lnRef>
+          <a:fillRef idx="0">
+            <a:schemeClr val="accent1"/>
+          </a:fillRef>
+          <a:effectRef idx="0">
+            <a:schemeClr val="accent1"/>
+          </a:effectRef>
+          <a:fontRef idx="minor">
+            <a:schemeClr val="tx1"/>
+          </a:fontRef>
+        </p:style>
+      </p:cxnSp>
+      <p:cxnSp>
+        <p:nvCxnSpPr>
+          <p:cNvPr id="56" name="Straight Connector 55"/>
+          <p:cNvCxnSpPr/>
+          <p:nvPr/>
+        </p:nvCxnSpPr>
+        <p:spPr>
+          <a:xfrm>
+            <a:off x="4722048" y="1444683"/>
+            <a:ext cx="0" cy="1311196"/>
+          </a:xfrm>
+          <a:prstGeom prst="line">
+            <a:avLst/>
+          </a:prstGeom>
+          <a:ln w="38100"/>
+        </p:spPr>
+        <p:style>
+          <a:lnRef idx="1">
+            <a:schemeClr val="accent1"/>
+          </a:lnRef>
+          <a:fillRef idx="0">
+            <a:schemeClr val="accent1"/>
+          </a:fillRef>
+          <a:effectRef idx="0">
+            <a:schemeClr val="accent1"/>
+          </a:effectRef>
+          <a:fontRef idx="minor">
+            <a:schemeClr val="tx1"/>
+          </a:fontRef>
+        </p:style>
+      </p:cxnSp>
+      <p:cxnSp>
+        <p:nvCxnSpPr>
+          <p:cNvPr id="57" name="Straight Connector 56"/>
+          <p:cNvCxnSpPr/>
+          <p:nvPr/>
+        </p:nvCxnSpPr>
+        <p:spPr>
+          <a:xfrm>
+            <a:off x="5243642" y="1444683"/>
+            <a:ext cx="0" cy="1311196"/>
+          </a:xfrm>
+          <a:prstGeom prst="line">
+            <a:avLst/>
+          </a:prstGeom>
+          <a:ln w="38100"/>
+        </p:spPr>
+        <p:style>
+          <a:lnRef idx="1">
+            <a:schemeClr val="accent1"/>
+          </a:lnRef>
+          <a:fillRef idx="0">
+            <a:schemeClr val="accent1"/>
+          </a:fillRef>
+          <a:effectRef idx="0">
+            <a:schemeClr val="accent1"/>
+          </a:effectRef>
+          <a:fontRef idx="minor">
+            <a:schemeClr val="tx1"/>
+          </a:fontRef>
+        </p:style>
+      </p:cxnSp>
+      <p:cxnSp>
+        <p:nvCxnSpPr>
+          <p:cNvPr id="58" name="Straight Connector 57"/>
+          <p:cNvCxnSpPr/>
+          <p:nvPr/>
+        </p:nvCxnSpPr>
+        <p:spPr>
+          <a:xfrm>
+            <a:off x="5769529" y="1444683"/>
+            <a:ext cx="0" cy="1311196"/>
+          </a:xfrm>
+          <a:prstGeom prst="line">
+            <a:avLst/>
+          </a:prstGeom>
+          <a:ln w="38100"/>
+        </p:spPr>
+        <p:style>
+          <a:lnRef idx="1">
+            <a:schemeClr val="accent1"/>
+          </a:lnRef>
+          <a:fillRef idx="0">
+            <a:schemeClr val="accent1"/>
+          </a:fillRef>
+          <a:effectRef idx="0">
+            <a:schemeClr val="accent1"/>
+          </a:effectRef>
+          <a:fontRef idx="minor">
+            <a:schemeClr val="tx1"/>
+          </a:fontRef>
+        </p:style>
+      </p:cxnSp>
+      <p:cxnSp>
+        <p:nvCxnSpPr>
+          <p:cNvPr id="59" name="Straight Connector 58"/>
+          <p:cNvCxnSpPr/>
+          <p:nvPr/>
+        </p:nvCxnSpPr>
+        <p:spPr>
+          <a:xfrm>
+            <a:off x="8396817" y="1444683"/>
+            <a:ext cx="0" cy="1311196"/>
+          </a:xfrm>
+          <a:prstGeom prst="line">
+            <a:avLst/>
+          </a:prstGeom>
+          <a:ln w="38100"/>
+        </p:spPr>
+        <p:style>
+          <a:lnRef idx="1">
+            <a:schemeClr val="accent1"/>
+          </a:lnRef>
+          <a:fillRef idx="0">
+            <a:schemeClr val="accent1"/>
+          </a:fillRef>
+          <a:effectRef idx="0">
+            <a:schemeClr val="accent1"/>
+          </a:effectRef>
+          <a:fontRef idx="minor">
+            <a:schemeClr val="tx1"/>
+          </a:fontRef>
+        </p:style>
+      </p:cxnSp>
+      <p:cxnSp>
+        <p:nvCxnSpPr>
+          <p:cNvPr id="60" name="Straight Connector 59"/>
+          <p:cNvCxnSpPr/>
+          <p:nvPr/>
+        </p:nvCxnSpPr>
+        <p:spPr>
+          <a:xfrm>
+            <a:off x="6267512" y="1479164"/>
+            <a:ext cx="0" cy="1311196"/>
+          </a:xfrm>
+          <a:prstGeom prst="line">
+            <a:avLst/>
+          </a:prstGeom>
+          <a:ln w="38100"/>
+        </p:spPr>
+        <p:style>
+          <a:lnRef idx="1">
+            <a:schemeClr val="accent1"/>
+          </a:lnRef>
+          <a:fillRef idx="0">
+            <a:schemeClr val="accent1"/>
+          </a:fillRef>
+          <a:effectRef idx="0">
+            <a:schemeClr val="accent1"/>
+          </a:effectRef>
+          <a:fontRef idx="minor">
+            <a:schemeClr val="tx1"/>
+          </a:fontRef>
+        </p:style>
+      </p:cxnSp>
+      <p:cxnSp>
+        <p:nvCxnSpPr>
+          <p:cNvPr id="61" name="Straight Connector 60"/>
+          <p:cNvCxnSpPr/>
+          <p:nvPr/>
+        </p:nvCxnSpPr>
+        <p:spPr>
+          <a:xfrm>
+            <a:off x="6821303" y="1444683"/>
+            <a:ext cx="0" cy="1311196"/>
+          </a:xfrm>
+          <a:prstGeom prst="line">
+            <a:avLst/>
+          </a:prstGeom>
+          <a:ln w="38100"/>
+        </p:spPr>
+        <p:style>
+          <a:lnRef idx="1">
+            <a:schemeClr val="accent1"/>
+          </a:lnRef>
+          <a:fillRef idx="0">
+            <a:schemeClr val="accent1"/>
+          </a:fillRef>
+          <a:effectRef idx="0">
+            <a:schemeClr val="accent1"/>
+          </a:effectRef>
+          <a:fontRef idx="minor">
+            <a:schemeClr val="tx1"/>
+          </a:fontRef>
+        </p:style>
+      </p:cxnSp>
+      <p:cxnSp>
+        <p:nvCxnSpPr>
+          <p:cNvPr id="62" name="Straight Connector 61"/>
+          <p:cNvCxnSpPr/>
+          <p:nvPr/>
+        </p:nvCxnSpPr>
+        <p:spPr>
+          <a:xfrm>
+            <a:off x="7347190" y="1444683"/>
+            <a:ext cx="0" cy="1311196"/>
+          </a:xfrm>
+          <a:prstGeom prst="line">
+            <a:avLst/>
+          </a:prstGeom>
+          <a:ln w="38100"/>
+        </p:spPr>
+        <p:style>
+          <a:lnRef idx="1">
+            <a:schemeClr val="accent1"/>
+          </a:lnRef>
+          <a:fillRef idx="0">
+            <a:schemeClr val="accent1"/>
+          </a:fillRef>
+          <a:effectRef idx="0">
+            <a:schemeClr val="accent1"/>
+          </a:effectRef>
+          <a:fontRef idx="minor">
+            <a:schemeClr val="tx1"/>
+          </a:fontRef>
+        </p:style>
+      </p:cxnSp>
+      <p:cxnSp>
+        <p:nvCxnSpPr>
+          <p:cNvPr id="63" name="Straight Connector 62"/>
+          <p:cNvCxnSpPr/>
+          <p:nvPr/>
+        </p:nvCxnSpPr>
+        <p:spPr>
+          <a:xfrm>
+            <a:off x="7873077" y="1444683"/>
+            <a:ext cx="0" cy="1311196"/>
+          </a:xfrm>
+          <a:prstGeom prst="line">
+            <a:avLst/>
+          </a:prstGeom>
+          <a:ln w="38100"/>
+        </p:spPr>
+        <p:style>
+          <a:lnRef idx="1">
+            <a:schemeClr val="accent1"/>
+          </a:lnRef>
+          <a:fillRef idx="0">
+            <a:schemeClr val="accent1"/>
+          </a:fillRef>
+          <a:effectRef idx="0">
+            <a:schemeClr val="accent1"/>
+          </a:effectRef>
+          <a:fontRef idx="minor">
+            <a:schemeClr val="tx1"/>
+          </a:fontRef>
+        </p:style>
+      </p:cxnSp>
+      <p:sp>
+        <p:nvSpPr>
+          <p:cNvPr id="64" name="TextBox 63"/>
+          <p:cNvSpPr txBox="1"/>
+          <p:nvPr/>
+        </p:nvSpPr>
+        <p:spPr>
+          <a:xfrm>
+            <a:off x="3274780" y="1915615"/>
+            <a:ext cx="575799" cy="369332"/>
+          </a:xfrm>
+          <a:prstGeom prst="rect">
+            <a:avLst/>
+          </a:prstGeom>
+          <a:noFill/>
+        </p:spPr>
+        <p:txBody>
+          <a:bodyPr wrap="none" rtlCol="0">
+            <a:spAutoFit/>
+          </a:bodyPr>
+          <a:lstStyle/>
+          <a:p>
+            <a:r>
+              <a:rPr lang="en-US" dirty="0" smtClean="0"/>
+              <a:t>XOR</a:t>
+            </a:r>
+            <a:endParaRPr lang="en-US" dirty="0"/>
+          </a:p>
+        </p:txBody>
+      </p:sp>
+      <p:sp>
+        <p:nvSpPr>
+          <p:cNvPr id="65" name="Rectangle 64"/>
+          <p:cNvSpPr/>
+          <p:nvPr/>
+        </p:nvSpPr>
+        <p:spPr>
+          <a:xfrm>
+            <a:off x="3984885" y="4337604"/>
+            <a:ext cx="425002" cy="334851"/>
+          </a:xfrm>
+          <a:prstGeom prst="rect">
+            <a:avLst/>
+          </a:prstGeom>
+          <a:gradFill flip="none" rotWithShape="1">
+            <a:gsLst>
+              <a:gs pos="21000">
+                <a:schemeClr val="accent2">
+                  <a:lumMod val="40000"/>
+                  <a:lumOff val="60000"/>
+                </a:schemeClr>
+              </a:gs>
+              <a:gs pos="55000">
+                <a:schemeClr val="accent2">
+                  <a:lumMod val="95000"/>
+                  <a:lumOff val="5000"/>
+                </a:schemeClr>
+              </a:gs>
+              <a:gs pos="100000">
+                <a:schemeClr val="accent2">
+                  <a:lumMod val="60000"/>
+                </a:schemeClr>
+              </a:gs>
+            </a:gsLst>
+            <a:path path="circle">
+              <a:fillToRect l="50000" t="130000" r="50000" b="-30000"/>
+            </a:path>
+            <a:tileRect/>
+          </a:gradFill>
         </p:spPr>
         <p:style>
           <a:lnRef idx="2">
@@ -11608,30 +12959,52 @@
           <a:p>
             <a:pPr algn="ctr"/>
             <a:r>
-              <a:rPr lang="en-US" sz="1400" dirty="0" smtClean="0"/>
-              <a:t>1</a:t>
-            </a:r>
-            <a:endParaRPr lang="en-US" sz="1400" dirty="0"/>
+              <a:rPr lang="en-US" sz="1400" b="1" dirty="0" smtClean="0"/>
+              <a:t>0</a:t>
+            </a:r>
+            <a:endParaRPr lang="en-US" sz="1400" b="1" dirty="0"/>
           </a:p>
         </p:txBody>
       </p:sp>
       <p:sp>
         <p:nvSpPr>
-          <p:cNvPr id="38" name="Rectangle 37"/>
+          <p:cNvPr id="66" name="Rectangle 65"/>
           <p:cNvSpPr/>
           <p:nvPr/>
         </p:nvSpPr>
         <p:spPr>
           <a:xfrm>
-            <a:off x="3318456" y="2755879"/>
+            <a:off x="4510772" y="4337604"/>
             <a:ext cx="425002" cy="334851"/>
           </a:xfrm>
           <a:prstGeom prst="rect">
             <a:avLst/>
           </a:prstGeom>
-          <a:solidFill>
-            <a:srgbClr val="00B050"/>
-          </a:solidFill>
+          <a:gradFill flip="none" rotWithShape="1">
+            <a:gsLst>
+              <a:gs pos="21000">
+                <a:schemeClr val="accent2">
+                  <a:lumMod val="40000"/>
+                  <a:lumOff val="60000"/>
+                </a:schemeClr>
+              </a:gs>
+              <a:gs pos="55000">
+                <a:schemeClr val="accent2">
+                  <a:lumMod val="95000"/>
+                  <a:lumOff val="5000"/>
+                </a:schemeClr>
+              </a:gs>
+              <a:gs pos="100000">
+                <a:schemeClr val="accent2">
+                  <a:lumMod val="60000"/>
+                </a:schemeClr>
+              </a:gs>
+            </a:gsLst>
+            <a:path path="circle">
+              <a:fillToRect l="50000" t="130000" r="50000" b="-30000"/>
+            </a:path>
+            <a:tileRect/>
+          </a:gradFill>
         </p:spPr>
         <p:style>
           <a:lnRef idx="2">
@@ -11656,124 +13029,56 @@
             </a:prstTxWarp>
             <a:noAutofit/>
           </a:bodyPr>
-          <a:lstStyle>
-            <a:defPPr>
-              <a:defRPr lang="en-US"/>
-            </a:defPPr>
-            <a:lvl1pPr marL="0" algn="l" defTabSz="914400" rtl="0" eaLnBrk="1" latinLnBrk="0" hangingPunct="1">
-              <a:defRPr sz="1800" kern="1200">
-                <a:solidFill>
-                  <a:schemeClr val="lt1"/>
-                </a:solidFill>
-                <a:latin typeface="+mn-lt"/>
-                <a:ea typeface="+mn-ea"/>
-                <a:cs typeface="+mn-cs"/>
-              </a:defRPr>
-            </a:lvl1pPr>
-            <a:lvl2pPr marL="457200" algn="l" defTabSz="914400" rtl="0" eaLnBrk="1" latinLnBrk="0" hangingPunct="1">
-              <a:defRPr sz="1800" kern="1200">
-                <a:solidFill>
-                  <a:schemeClr val="lt1"/>
-                </a:solidFill>
-                <a:latin typeface="+mn-lt"/>
-                <a:ea typeface="+mn-ea"/>
-                <a:cs typeface="+mn-cs"/>
-              </a:defRPr>
-            </a:lvl2pPr>
-            <a:lvl3pPr marL="914400" algn="l" defTabSz="914400" rtl="0" eaLnBrk="1" latinLnBrk="0" hangingPunct="1">
-              <a:defRPr sz="1800" kern="1200">
-                <a:solidFill>
-                  <a:schemeClr val="lt1"/>
-                </a:solidFill>
-                <a:latin typeface="+mn-lt"/>
-                <a:ea typeface="+mn-ea"/>
-                <a:cs typeface="+mn-cs"/>
-              </a:defRPr>
-            </a:lvl3pPr>
-            <a:lvl4pPr marL="1371600" algn="l" defTabSz="914400" rtl="0" eaLnBrk="1" latinLnBrk="0" hangingPunct="1">
-              <a:defRPr sz="1800" kern="1200">
-                <a:solidFill>
-                  <a:schemeClr val="lt1"/>
-                </a:solidFill>
-                <a:latin typeface="+mn-lt"/>
-                <a:ea typeface="+mn-ea"/>
-                <a:cs typeface="+mn-cs"/>
-              </a:defRPr>
-            </a:lvl4pPr>
-            <a:lvl5pPr marL="1828800" algn="l" defTabSz="914400" rtl="0" eaLnBrk="1" latinLnBrk="0" hangingPunct="1">
-              <a:defRPr sz="1800" kern="1200">
-                <a:solidFill>
-                  <a:schemeClr val="lt1"/>
-                </a:solidFill>
-                <a:latin typeface="+mn-lt"/>
-                <a:ea typeface="+mn-ea"/>
-                <a:cs typeface="+mn-cs"/>
-              </a:defRPr>
-            </a:lvl5pPr>
-            <a:lvl6pPr marL="2286000" algn="l" defTabSz="914400" rtl="0" eaLnBrk="1" latinLnBrk="0" hangingPunct="1">
-              <a:defRPr sz="1800" kern="1200">
-                <a:solidFill>
-                  <a:schemeClr val="lt1"/>
-                </a:solidFill>
-                <a:latin typeface="+mn-lt"/>
-                <a:ea typeface="+mn-ea"/>
-                <a:cs typeface="+mn-cs"/>
-              </a:defRPr>
-            </a:lvl6pPr>
-            <a:lvl7pPr marL="2743200" algn="l" defTabSz="914400" rtl="0" eaLnBrk="1" latinLnBrk="0" hangingPunct="1">
-              <a:defRPr sz="1800" kern="1200">
-                <a:solidFill>
-                  <a:schemeClr val="lt1"/>
-                </a:solidFill>
-                <a:latin typeface="+mn-lt"/>
-                <a:ea typeface="+mn-ea"/>
-                <a:cs typeface="+mn-cs"/>
-              </a:defRPr>
-            </a:lvl7pPr>
-            <a:lvl8pPr marL="3200400" algn="l" defTabSz="914400" rtl="0" eaLnBrk="1" latinLnBrk="0" hangingPunct="1">
-              <a:defRPr sz="1800" kern="1200">
-                <a:solidFill>
-                  <a:schemeClr val="lt1"/>
-                </a:solidFill>
-                <a:latin typeface="+mn-lt"/>
-                <a:ea typeface="+mn-ea"/>
-                <a:cs typeface="+mn-cs"/>
-              </a:defRPr>
-            </a:lvl8pPr>
-            <a:lvl9pPr marL="3657600" algn="l" defTabSz="914400" rtl="0" eaLnBrk="1" latinLnBrk="0" hangingPunct="1">
-              <a:defRPr sz="1800" kern="1200">
-                <a:solidFill>
-                  <a:schemeClr val="lt1"/>
-                </a:solidFill>
-                <a:latin typeface="+mn-lt"/>
-                <a:ea typeface="+mn-ea"/>
-                <a:cs typeface="+mn-cs"/>
-              </a:defRPr>
-            </a:lvl9pPr>
-          </a:lstStyle>
+          <a:lstStyle/>
           <a:p>
             <a:pPr algn="ctr"/>
-            <a:endParaRPr lang="en-US"/>
+            <a:r>
+              <a:rPr lang="en-US" sz="1400" b="1" dirty="0"/>
+              <a:t>1</a:t>
+            </a:r>
+            <a:endParaRPr lang="en-US" sz="1400" b="1" dirty="0"/>
           </a:p>
         </p:txBody>
       </p:sp>
       <p:sp>
         <p:nvSpPr>
-          <p:cNvPr id="39" name="Rectangle 38"/>
+          <p:cNvPr id="67" name="Rectangle 66"/>
           <p:cNvSpPr/>
           <p:nvPr/>
         </p:nvSpPr>
         <p:spPr>
           <a:xfrm>
-            <a:off x="3844343" y="2755879"/>
+            <a:off x="5036659" y="4337604"/>
             <a:ext cx="425002" cy="334851"/>
           </a:xfrm>
           <a:prstGeom prst="rect">
             <a:avLst/>
           </a:prstGeom>
-          <a:solidFill>
-            <a:srgbClr val="00B050"/>
-          </a:solidFill>
+          <a:gradFill flip="none" rotWithShape="1">
+            <a:gsLst>
+              <a:gs pos="21000">
+                <a:schemeClr val="accent2">
+                  <a:lumMod val="40000"/>
+                  <a:lumOff val="60000"/>
+                </a:schemeClr>
+              </a:gs>
+              <a:gs pos="55000">
+                <a:schemeClr val="accent2">
+                  <a:lumMod val="95000"/>
+                  <a:lumOff val="5000"/>
+                </a:schemeClr>
+              </a:gs>
+              <a:gs pos="100000">
+                <a:schemeClr val="accent2">
+                  <a:lumMod val="60000"/>
+                </a:schemeClr>
+              </a:gs>
+            </a:gsLst>
+            <a:path path="circle">
+              <a:fillToRect l="50000" t="130000" r="50000" b="-30000"/>
+            </a:path>
+            <a:tileRect/>
+          </a:gradFill>
         </p:spPr>
         <p:style>
           <a:lnRef idx="2">
@@ -11798,124 +13103,52 @@
             </a:prstTxWarp>
             <a:noAutofit/>
           </a:bodyPr>
-          <a:lstStyle>
-            <a:defPPr>
-              <a:defRPr lang="en-US"/>
-            </a:defPPr>
-            <a:lvl1pPr marL="0" algn="l" defTabSz="914400" rtl="0" eaLnBrk="1" latinLnBrk="0" hangingPunct="1">
-              <a:defRPr sz="1800" kern="1200">
-                <a:solidFill>
-                  <a:schemeClr val="lt1"/>
-                </a:solidFill>
-                <a:latin typeface="+mn-lt"/>
-                <a:ea typeface="+mn-ea"/>
-                <a:cs typeface="+mn-cs"/>
-              </a:defRPr>
-            </a:lvl1pPr>
-            <a:lvl2pPr marL="457200" algn="l" defTabSz="914400" rtl="0" eaLnBrk="1" latinLnBrk="0" hangingPunct="1">
-              <a:defRPr sz="1800" kern="1200">
-                <a:solidFill>
-                  <a:schemeClr val="lt1"/>
-                </a:solidFill>
-                <a:latin typeface="+mn-lt"/>
-                <a:ea typeface="+mn-ea"/>
-                <a:cs typeface="+mn-cs"/>
-              </a:defRPr>
-            </a:lvl2pPr>
-            <a:lvl3pPr marL="914400" algn="l" defTabSz="914400" rtl="0" eaLnBrk="1" latinLnBrk="0" hangingPunct="1">
-              <a:defRPr sz="1800" kern="1200">
-                <a:solidFill>
-                  <a:schemeClr val="lt1"/>
-                </a:solidFill>
-                <a:latin typeface="+mn-lt"/>
-                <a:ea typeface="+mn-ea"/>
-                <a:cs typeface="+mn-cs"/>
-              </a:defRPr>
-            </a:lvl3pPr>
-            <a:lvl4pPr marL="1371600" algn="l" defTabSz="914400" rtl="0" eaLnBrk="1" latinLnBrk="0" hangingPunct="1">
-              <a:defRPr sz="1800" kern="1200">
-                <a:solidFill>
-                  <a:schemeClr val="lt1"/>
-                </a:solidFill>
-                <a:latin typeface="+mn-lt"/>
-                <a:ea typeface="+mn-ea"/>
-                <a:cs typeface="+mn-cs"/>
-              </a:defRPr>
-            </a:lvl4pPr>
-            <a:lvl5pPr marL="1828800" algn="l" defTabSz="914400" rtl="0" eaLnBrk="1" latinLnBrk="0" hangingPunct="1">
-              <a:defRPr sz="1800" kern="1200">
-                <a:solidFill>
-                  <a:schemeClr val="lt1"/>
-                </a:solidFill>
-                <a:latin typeface="+mn-lt"/>
-                <a:ea typeface="+mn-ea"/>
-                <a:cs typeface="+mn-cs"/>
-              </a:defRPr>
-            </a:lvl5pPr>
-            <a:lvl6pPr marL="2286000" algn="l" defTabSz="914400" rtl="0" eaLnBrk="1" latinLnBrk="0" hangingPunct="1">
-              <a:defRPr sz="1800" kern="1200">
-                <a:solidFill>
-                  <a:schemeClr val="lt1"/>
-                </a:solidFill>
-                <a:latin typeface="+mn-lt"/>
-                <a:ea typeface="+mn-ea"/>
-                <a:cs typeface="+mn-cs"/>
-              </a:defRPr>
-            </a:lvl6pPr>
-            <a:lvl7pPr marL="2743200" algn="l" defTabSz="914400" rtl="0" eaLnBrk="1" latinLnBrk="0" hangingPunct="1">
-              <a:defRPr sz="1800" kern="1200">
-                <a:solidFill>
-                  <a:schemeClr val="lt1"/>
-                </a:solidFill>
-                <a:latin typeface="+mn-lt"/>
-                <a:ea typeface="+mn-ea"/>
-                <a:cs typeface="+mn-cs"/>
-              </a:defRPr>
-            </a:lvl7pPr>
-            <a:lvl8pPr marL="3200400" algn="l" defTabSz="914400" rtl="0" eaLnBrk="1" latinLnBrk="0" hangingPunct="1">
-              <a:defRPr sz="1800" kern="1200">
-                <a:solidFill>
-                  <a:schemeClr val="lt1"/>
-                </a:solidFill>
-                <a:latin typeface="+mn-lt"/>
-                <a:ea typeface="+mn-ea"/>
-                <a:cs typeface="+mn-cs"/>
-              </a:defRPr>
-            </a:lvl8pPr>
-            <a:lvl9pPr marL="3657600" algn="l" defTabSz="914400" rtl="0" eaLnBrk="1" latinLnBrk="0" hangingPunct="1">
-              <a:defRPr sz="1800" kern="1200">
-                <a:solidFill>
-                  <a:schemeClr val="lt1"/>
-                </a:solidFill>
-                <a:latin typeface="+mn-lt"/>
-                <a:ea typeface="+mn-ea"/>
-                <a:cs typeface="+mn-cs"/>
-              </a:defRPr>
-            </a:lvl9pPr>
-          </a:lstStyle>
+          <a:lstStyle/>
           <a:p>
             <a:pPr algn="ctr"/>
-            <a:endParaRPr lang="en-US"/>
+            <a:endParaRPr lang="en-US" sz="1400" b="1"/>
           </a:p>
         </p:txBody>
       </p:sp>
       <p:sp>
         <p:nvSpPr>
-          <p:cNvPr id="40" name="Rectangle 39"/>
+          <p:cNvPr id="68" name="Rectangle 67"/>
           <p:cNvSpPr/>
           <p:nvPr/>
         </p:nvSpPr>
         <p:spPr>
           <a:xfrm>
-            <a:off x="4370230" y="2755879"/>
+            <a:off x="5562546" y="4337604"/>
             <a:ext cx="425002" cy="334851"/>
           </a:xfrm>
           <a:prstGeom prst="rect">
             <a:avLst/>
           </a:prstGeom>
-          <a:solidFill>
-            <a:srgbClr val="00B050"/>
-          </a:solidFill>
+          <a:gradFill flip="none" rotWithShape="1">
+            <a:gsLst>
+              <a:gs pos="21000">
+                <a:schemeClr val="accent2">
+                  <a:lumMod val="40000"/>
+                  <a:lumOff val="60000"/>
+                </a:schemeClr>
+              </a:gs>
+              <a:gs pos="55000">
+                <a:schemeClr val="accent2">
+                  <a:lumMod val="95000"/>
+                  <a:lumOff val="5000"/>
+                </a:schemeClr>
+              </a:gs>
+              <a:gs pos="100000">
+                <a:schemeClr val="accent2">
+                  <a:lumMod val="60000"/>
+                </a:schemeClr>
+              </a:gs>
+            </a:gsLst>
+            <a:path path="circle">
+              <a:fillToRect l="50000" t="130000" r="50000" b="-30000"/>
+            </a:path>
+            <a:tileRect/>
+          </a:gradFill>
         </p:spPr>
         <p:style>
           <a:lnRef idx="2">
@@ -11940,124 +13173,52 @@
             </a:prstTxWarp>
             <a:noAutofit/>
           </a:bodyPr>
-          <a:lstStyle>
-            <a:defPPr>
-              <a:defRPr lang="en-US"/>
-            </a:defPPr>
-            <a:lvl1pPr marL="0" algn="l" defTabSz="914400" rtl="0" eaLnBrk="1" latinLnBrk="0" hangingPunct="1">
-              <a:defRPr sz="1800" kern="1200">
-                <a:solidFill>
-                  <a:schemeClr val="lt1"/>
-                </a:solidFill>
-                <a:latin typeface="+mn-lt"/>
-                <a:ea typeface="+mn-ea"/>
-                <a:cs typeface="+mn-cs"/>
-              </a:defRPr>
-            </a:lvl1pPr>
-            <a:lvl2pPr marL="457200" algn="l" defTabSz="914400" rtl="0" eaLnBrk="1" latinLnBrk="0" hangingPunct="1">
-              <a:defRPr sz="1800" kern="1200">
-                <a:solidFill>
-                  <a:schemeClr val="lt1"/>
-                </a:solidFill>
-                <a:latin typeface="+mn-lt"/>
-                <a:ea typeface="+mn-ea"/>
-                <a:cs typeface="+mn-cs"/>
-              </a:defRPr>
-            </a:lvl2pPr>
-            <a:lvl3pPr marL="914400" algn="l" defTabSz="914400" rtl="0" eaLnBrk="1" latinLnBrk="0" hangingPunct="1">
-              <a:defRPr sz="1800" kern="1200">
-                <a:solidFill>
-                  <a:schemeClr val="lt1"/>
-                </a:solidFill>
-                <a:latin typeface="+mn-lt"/>
-                <a:ea typeface="+mn-ea"/>
-                <a:cs typeface="+mn-cs"/>
-              </a:defRPr>
-            </a:lvl3pPr>
-            <a:lvl4pPr marL="1371600" algn="l" defTabSz="914400" rtl="0" eaLnBrk="1" latinLnBrk="0" hangingPunct="1">
-              <a:defRPr sz="1800" kern="1200">
-                <a:solidFill>
-                  <a:schemeClr val="lt1"/>
-                </a:solidFill>
-                <a:latin typeface="+mn-lt"/>
-                <a:ea typeface="+mn-ea"/>
-                <a:cs typeface="+mn-cs"/>
-              </a:defRPr>
-            </a:lvl4pPr>
-            <a:lvl5pPr marL="1828800" algn="l" defTabSz="914400" rtl="0" eaLnBrk="1" latinLnBrk="0" hangingPunct="1">
-              <a:defRPr sz="1800" kern="1200">
-                <a:solidFill>
-                  <a:schemeClr val="lt1"/>
-                </a:solidFill>
-                <a:latin typeface="+mn-lt"/>
-                <a:ea typeface="+mn-ea"/>
-                <a:cs typeface="+mn-cs"/>
-              </a:defRPr>
-            </a:lvl5pPr>
-            <a:lvl6pPr marL="2286000" algn="l" defTabSz="914400" rtl="0" eaLnBrk="1" latinLnBrk="0" hangingPunct="1">
-              <a:defRPr sz="1800" kern="1200">
-                <a:solidFill>
-                  <a:schemeClr val="lt1"/>
-                </a:solidFill>
-                <a:latin typeface="+mn-lt"/>
-                <a:ea typeface="+mn-ea"/>
-                <a:cs typeface="+mn-cs"/>
-              </a:defRPr>
-            </a:lvl6pPr>
-            <a:lvl7pPr marL="2743200" algn="l" defTabSz="914400" rtl="0" eaLnBrk="1" latinLnBrk="0" hangingPunct="1">
-              <a:defRPr sz="1800" kern="1200">
-                <a:solidFill>
-                  <a:schemeClr val="lt1"/>
-                </a:solidFill>
-                <a:latin typeface="+mn-lt"/>
-                <a:ea typeface="+mn-ea"/>
-                <a:cs typeface="+mn-cs"/>
-              </a:defRPr>
-            </a:lvl7pPr>
-            <a:lvl8pPr marL="3200400" algn="l" defTabSz="914400" rtl="0" eaLnBrk="1" latinLnBrk="0" hangingPunct="1">
-              <a:defRPr sz="1800" kern="1200">
-                <a:solidFill>
-                  <a:schemeClr val="lt1"/>
-                </a:solidFill>
-                <a:latin typeface="+mn-lt"/>
-                <a:ea typeface="+mn-ea"/>
-                <a:cs typeface="+mn-cs"/>
-              </a:defRPr>
-            </a:lvl8pPr>
-            <a:lvl9pPr marL="3657600" algn="l" defTabSz="914400" rtl="0" eaLnBrk="1" latinLnBrk="0" hangingPunct="1">
-              <a:defRPr sz="1800" kern="1200">
-                <a:solidFill>
-                  <a:schemeClr val="lt1"/>
-                </a:solidFill>
-                <a:latin typeface="+mn-lt"/>
-                <a:ea typeface="+mn-ea"/>
-                <a:cs typeface="+mn-cs"/>
-              </a:defRPr>
-            </a:lvl9pPr>
-          </a:lstStyle>
+          <a:lstStyle/>
           <a:p>
             <a:pPr algn="ctr"/>
-            <a:endParaRPr lang="en-US"/>
+            <a:endParaRPr lang="en-US" sz="1400" b="1"/>
           </a:p>
         </p:txBody>
       </p:sp>
       <p:sp>
         <p:nvSpPr>
-          <p:cNvPr id="48" name="Rectangle 47"/>
+          <p:cNvPr id="69" name="Rectangle 68"/>
           <p:cNvSpPr/>
           <p:nvPr/>
         </p:nvSpPr>
         <p:spPr>
           <a:xfrm>
-            <a:off x="4896117" y="2755879"/>
+            <a:off x="6088433" y="4337604"/>
             <a:ext cx="425002" cy="334851"/>
           </a:xfrm>
           <a:prstGeom prst="rect">
             <a:avLst/>
           </a:prstGeom>
-          <a:solidFill>
-            <a:srgbClr val="00B050"/>
-          </a:solidFill>
+          <a:gradFill flip="none" rotWithShape="1">
+            <a:gsLst>
+              <a:gs pos="21000">
+                <a:schemeClr val="accent2">
+                  <a:lumMod val="40000"/>
+                  <a:lumOff val="60000"/>
+                </a:schemeClr>
+              </a:gs>
+              <a:gs pos="55000">
+                <a:schemeClr val="accent2">
+                  <a:lumMod val="95000"/>
+                  <a:lumOff val="5000"/>
+                </a:schemeClr>
+              </a:gs>
+              <a:gs pos="100000">
+                <a:schemeClr val="accent2">
+                  <a:lumMod val="60000"/>
+                </a:schemeClr>
+              </a:gs>
+            </a:gsLst>
+            <a:path path="circle">
+              <a:fillToRect l="50000" t="130000" r="50000" b="-30000"/>
+            </a:path>
+            <a:tileRect/>
+          </a:gradFill>
         </p:spPr>
         <p:style>
           <a:lnRef idx="2">
@@ -12082,124 +13243,52 @@
             </a:prstTxWarp>
             <a:noAutofit/>
           </a:bodyPr>
-          <a:lstStyle>
-            <a:defPPr>
-              <a:defRPr lang="en-US"/>
-            </a:defPPr>
-            <a:lvl1pPr marL="0" algn="l" defTabSz="914400" rtl="0" eaLnBrk="1" latinLnBrk="0" hangingPunct="1">
-              <a:defRPr sz="1800" kern="1200">
-                <a:solidFill>
-                  <a:schemeClr val="lt1"/>
-                </a:solidFill>
-                <a:latin typeface="+mn-lt"/>
-                <a:ea typeface="+mn-ea"/>
-                <a:cs typeface="+mn-cs"/>
-              </a:defRPr>
-            </a:lvl1pPr>
-            <a:lvl2pPr marL="457200" algn="l" defTabSz="914400" rtl="0" eaLnBrk="1" latinLnBrk="0" hangingPunct="1">
-              <a:defRPr sz="1800" kern="1200">
-                <a:solidFill>
-                  <a:schemeClr val="lt1"/>
-                </a:solidFill>
-                <a:latin typeface="+mn-lt"/>
-                <a:ea typeface="+mn-ea"/>
-                <a:cs typeface="+mn-cs"/>
-              </a:defRPr>
-            </a:lvl2pPr>
-            <a:lvl3pPr marL="914400" algn="l" defTabSz="914400" rtl="0" eaLnBrk="1" latinLnBrk="0" hangingPunct="1">
-              <a:defRPr sz="1800" kern="1200">
-                <a:solidFill>
-                  <a:schemeClr val="lt1"/>
-                </a:solidFill>
-                <a:latin typeface="+mn-lt"/>
-                <a:ea typeface="+mn-ea"/>
-                <a:cs typeface="+mn-cs"/>
-              </a:defRPr>
-            </a:lvl3pPr>
-            <a:lvl4pPr marL="1371600" algn="l" defTabSz="914400" rtl="0" eaLnBrk="1" latinLnBrk="0" hangingPunct="1">
-              <a:defRPr sz="1800" kern="1200">
-                <a:solidFill>
-                  <a:schemeClr val="lt1"/>
-                </a:solidFill>
-                <a:latin typeface="+mn-lt"/>
-                <a:ea typeface="+mn-ea"/>
-                <a:cs typeface="+mn-cs"/>
-              </a:defRPr>
-            </a:lvl4pPr>
-            <a:lvl5pPr marL="1828800" algn="l" defTabSz="914400" rtl="0" eaLnBrk="1" latinLnBrk="0" hangingPunct="1">
-              <a:defRPr sz="1800" kern="1200">
-                <a:solidFill>
-                  <a:schemeClr val="lt1"/>
-                </a:solidFill>
-                <a:latin typeface="+mn-lt"/>
-                <a:ea typeface="+mn-ea"/>
-                <a:cs typeface="+mn-cs"/>
-              </a:defRPr>
-            </a:lvl5pPr>
-            <a:lvl6pPr marL="2286000" algn="l" defTabSz="914400" rtl="0" eaLnBrk="1" latinLnBrk="0" hangingPunct="1">
-              <a:defRPr sz="1800" kern="1200">
-                <a:solidFill>
-                  <a:schemeClr val="lt1"/>
-                </a:solidFill>
-                <a:latin typeface="+mn-lt"/>
-                <a:ea typeface="+mn-ea"/>
-                <a:cs typeface="+mn-cs"/>
-              </a:defRPr>
-            </a:lvl6pPr>
-            <a:lvl7pPr marL="2743200" algn="l" defTabSz="914400" rtl="0" eaLnBrk="1" latinLnBrk="0" hangingPunct="1">
-              <a:defRPr sz="1800" kern="1200">
-                <a:solidFill>
-                  <a:schemeClr val="lt1"/>
-                </a:solidFill>
-                <a:latin typeface="+mn-lt"/>
-                <a:ea typeface="+mn-ea"/>
-                <a:cs typeface="+mn-cs"/>
-              </a:defRPr>
-            </a:lvl7pPr>
-            <a:lvl8pPr marL="3200400" algn="l" defTabSz="914400" rtl="0" eaLnBrk="1" latinLnBrk="0" hangingPunct="1">
-              <a:defRPr sz="1800" kern="1200">
-                <a:solidFill>
-                  <a:schemeClr val="lt1"/>
-                </a:solidFill>
-                <a:latin typeface="+mn-lt"/>
-                <a:ea typeface="+mn-ea"/>
-                <a:cs typeface="+mn-cs"/>
-              </a:defRPr>
-            </a:lvl8pPr>
-            <a:lvl9pPr marL="3657600" algn="l" defTabSz="914400" rtl="0" eaLnBrk="1" latinLnBrk="0" hangingPunct="1">
-              <a:defRPr sz="1800" kern="1200">
-                <a:solidFill>
-                  <a:schemeClr val="lt1"/>
-                </a:solidFill>
-                <a:latin typeface="+mn-lt"/>
-                <a:ea typeface="+mn-ea"/>
-                <a:cs typeface="+mn-cs"/>
-              </a:defRPr>
-            </a:lvl9pPr>
-          </a:lstStyle>
+          <a:lstStyle/>
           <a:p>
             <a:pPr algn="ctr"/>
-            <a:endParaRPr lang="en-US"/>
+            <a:endParaRPr lang="en-US" sz="1400" b="1"/>
           </a:p>
         </p:txBody>
       </p:sp>
       <p:sp>
         <p:nvSpPr>
-          <p:cNvPr id="49" name="Rectangle 48"/>
+          <p:cNvPr id="70" name="Rectangle 69"/>
           <p:cNvSpPr/>
           <p:nvPr/>
         </p:nvSpPr>
         <p:spPr>
           <a:xfrm>
-            <a:off x="5422004" y="2755879"/>
+            <a:off x="6614320" y="4337604"/>
             <a:ext cx="425002" cy="334851"/>
           </a:xfrm>
           <a:prstGeom prst="rect">
             <a:avLst/>
           </a:prstGeom>
-          <a:solidFill>
-            <a:srgbClr val="00B050"/>
-          </a:solidFill>
+          <a:gradFill flip="none" rotWithShape="1">
+            <a:gsLst>
+              <a:gs pos="21000">
+                <a:schemeClr val="accent2">
+                  <a:lumMod val="40000"/>
+                  <a:lumOff val="60000"/>
+                </a:schemeClr>
+              </a:gs>
+              <a:gs pos="55000">
+                <a:schemeClr val="accent2">
+                  <a:lumMod val="95000"/>
+                  <a:lumOff val="5000"/>
+                </a:schemeClr>
+              </a:gs>
+              <a:gs pos="100000">
+                <a:schemeClr val="accent2">
+                  <a:lumMod val="60000"/>
+                </a:schemeClr>
+              </a:gs>
+            </a:gsLst>
+            <a:path path="circle">
+              <a:fillToRect l="50000" t="130000" r="50000" b="-30000"/>
+            </a:path>
+            <a:tileRect/>
+          </a:gradFill>
         </p:spPr>
         <p:style>
           <a:lnRef idx="2">
@@ -12224,124 +13313,52 @@
             </a:prstTxWarp>
             <a:noAutofit/>
           </a:bodyPr>
-          <a:lstStyle>
-            <a:defPPr>
-              <a:defRPr lang="en-US"/>
-            </a:defPPr>
-            <a:lvl1pPr marL="0" algn="l" defTabSz="914400" rtl="0" eaLnBrk="1" latinLnBrk="0" hangingPunct="1">
-              <a:defRPr sz="1800" kern="1200">
-                <a:solidFill>
-                  <a:schemeClr val="lt1"/>
-                </a:solidFill>
-                <a:latin typeface="+mn-lt"/>
-                <a:ea typeface="+mn-ea"/>
-                <a:cs typeface="+mn-cs"/>
-              </a:defRPr>
-            </a:lvl1pPr>
-            <a:lvl2pPr marL="457200" algn="l" defTabSz="914400" rtl="0" eaLnBrk="1" latinLnBrk="0" hangingPunct="1">
-              <a:defRPr sz="1800" kern="1200">
-                <a:solidFill>
-                  <a:schemeClr val="lt1"/>
-                </a:solidFill>
-                <a:latin typeface="+mn-lt"/>
-                <a:ea typeface="+mn-ea"/>
-                <a:cs typeface="+mn-cs"/>
-              </a:defRPr>
-            </a:lvl2pPr>
-            <a:lvl3pPr marL="914400" algn="l" defTabSz="914400" rtl="0" eaLnBrk="1" latinLnBrk="0" hangingPunct="1">
-              <a:defRPr sz="1800" kern="1200">
-                <a:solidFill>
-                  <a:schemeClr val="lt1"/>
-                </a:solidFill>
-                <a:latin typeface="+mn-lt"/>
-                <a:ea typeface="+mn-ea"/>
-                <a:cs typeface="+mn-cs"/>
-              </a:defRPr>
-            </a:lvl3pPr>
-            <a:lvl4pPr marL="1371600" algn="l" defTabSz="914400" rtl="0" eaLnBrk="1" latinLnBrk="0" hangingPunct="1">
-              <a:defRPr sz="1800" kern="1200">
-                <a:solidFill>
-                  <a:schemeClr val="lt1"/>
-                </a:solidFill>
-                <a:latin typeface="+mn-lt"/>
-                <a:ea typeface="+mn-ea"/>
-                <a:cs typeface="+mn-cs"/>
-              </a:defRPr>
-            </a:lvl4pPr>
-            <a:lvl5pPr marL="1828800" algn="l" defTabSz="914400" rtl="0" eaLnBrk="1" latinLnBrk="0" hangingPunct="1">
-              <a:defRPr sz="1800" kern="1200">
-                <a:solidFill>
-                  <a:schemeClr val="lt1"/>
-                </a:solidFill>
-                <a:latin typeface="+mn-lt"/>
-                <a:ea typeface="+mn-ea"/>
-                <a:cs typeface="+mn-cs"/>
-              </a:defRPr>
-            </a:lvl5pPr>
-            <a:lvl6pPr marL="2286000" algn="l" defTabSz="914400" rtl="0" eaLnBrk="1" latinLnBrk="0" hangingPunct="1">
-              <a:defRPr sz="1800" kern="1200">
-                <a:solidFill>
-                  <a:schemeClr val="lt1"/>
-                </a:solidFill>
-                <a:latin typeface="+mn-lt"/>
-                <a:ea typeface="+mn-ea"/>
-                <a:cs typeface="+mn-cs"/>
-              </a:defRPr>
-            </a:lvl6pPr>
-            <a:lvl7pPr marL="2743200" algn="l" defTabSz="914400" rtl="0" eaLnBrk="1" latinLnBrk="0" hangingPunct="1">
-              <a:defRPr sz="1800" kern="1200">
-                <a:solidFill>
-                  <a:schemeClr val="lt1"/>
-                </a:solidFill>
-                <a:latin typeface="+mn-lt"/>
-                <a:ea typeface="+mn-ea"/>
-                <a:cs typeface="+mn-cs"/>
-              </a:defRPr>
-            </a:lvl7pPr>
-            <a:lvl8pPr marL="3200400" algn="l" defTabSz="914400" rtl="0" eaLnBrk="1" latinLnBrk="0" hangingPunct="1">
-              <a:defRPr sz="1800" kern="1200">
-                <a:solidFill>
-                  <a:schemeClr val="lt1"/>
-                </a:solidFill>
-                <a:latin typeface="+mn-lt"/>
-                <a:ea typeface="+mn-ea"/>
-                <a:cs typeface="+mn-cs"/>
-              </a:defRPr>
-            </a:lvl8pPr>
-            <a:lvl9pPr marL="3657600" algn="l" defTabSz="914400" rtl="0" eaLnBrk="1" latinLnBrk="0" hangingPunct="1">
-              <a:defRPr sz="1800" kern="1200">
-                <a:solidFill>
-                  <a:schemeClr val="lt1"/>
-                </a:solidFill>
-                <a:latin typeface="+mn-lt"/>
-                <a:ea typeface="+mn-ea"/>
-                <a:cs typeface="+mn-cs"/>
-              </a:defRPr>
-            </a:lvl9pPr>
-          </a:lstStyle>
+          <a:lstStyle/>
           <a:p>
             <a:pPr algn="ctr"/>
-            <a:endParaRPr lang="en-US"/>
+            <a:endParaRPr lang="en-US" sz="1400" b="1"/>
           </a:p>
         </p:txBody>
       </p:sp>
       <p:sp>
         <p:nvSpPr>
-          <p:cNvPr id="50" name="Rectangle 49"/>
+          <p:cNvPr id="71" name="Rectangle 70"/>
           <p:cNvSpPr/>
           <p:nvPr/>
         </p:nvSpPr>
         <p:spPr>
           <a:xfrm>
-            <a:off x="5947891" y="2755879"/>
+            <a:off x="7140207" y="4337604"/>
             <a:ext cx="425002" cy="334851"/>
           </a:xfrm>
           <a:prstGeom prst="rect">
             <a:avLst/>
           </a:prstGeom>
-          <a:solidFill>
-            <a:srgbClr val="00B050"/>
-          </a:solidFill>
+          <a:gradFill flip="none" rotWithShape="1">
+            <a:gsLst>
+              <a:gs pos="21000">
+                <a:schemeClr val="accent2">
+                  <a:lumMod val="40000"/>
+                  <a:lumOff val="60000"/>
+                </a:schemeClr>
+              </a:gs>
+              <a:gs pos="55000">
+                <a:schemeClr val="accent2">
+                  <a:lumMod val="95000"/>
+                  <a:lumOff val="5000"/>
+                </a:schemeClr>
+              </a:gs>
+              <a:gs pos="100000">
+                <a:schemeClr val="accent2">
+                  <a:lumMod val="60000"/>
+                </a:schemeClr>
+              </a:gs>
+            </a:gsLst>
+            <a:path path="circle">
+              <a:fillToRect l="50000" t="130000" r="50000" b="-30000"/>
+            </a:path>
+            <a:tileRect/>
+          </a:gradFill>
         </p:spPr>
         <p:style>
           <a:lnRef idx="2">
@@ -12366,124 +13383,52 @@
             </a:prstTxWarp>
             <a:noAutofit/>
           </a:bodyPr>
-          <a:lstStyle>
-            <a:defPPr>
-              <a:defRPr lang="en-US"/>
-            </a:defPPr>
-            <a:lvl1pPr marL="0" algn="l" defTabSz="914400" rtl="0" eaLnBrk="1" latinLnBrk="0" hangingPunct="1">
-              <a:defRPr sz="1800" kern="1200">
-                <a:solidFill>
-                  <a:schemeClr val="lt1"/>
-                </a:solidFill>
-                <a:latin typeface="+mn-lt"/>
-                <a:ea typeface="+mn-ea"/>
-                <a:cs typeface="+mn-cs"/>
-              </a:defRPr>
-            </a:lvl1pPr>
-            <a:lvl2pPr marL="457200" algn="l" defTabSz="914400" rtl="0" eaLnBrk="1" latinLnBrk="0" hangingPunct="1">
-              <a:defRPr sz="1800" kern="1200">
-                <a:solidFill>
-                  <a:schemeClr val="lt1"/>
-                </a:solidFill>
-                <a:latin typeface="+mn-lt"/>
-                <a:ea typeface="+mn-ea"/>
-                <a:cs typeface="+mn-cs"/>
-              </a:defRPr>
-            </a:lvl2pPr>
-            <a:lvl3pPr marL="914400" algn="l" defTabSz="914400" rtl="0" eaLnBrk="1" latinLnBrk="0" hangingPunct="1">
-              <a:defRPr sz="1800" kern="1200">
-                <a:solidFill>
-                  <a:schemeClr val="lt1"/>
-                </a:solidFill>
-                <a:latin typeface="+mn-lt"/>
-                <a:ea typeface="+mn-ea"/>
-                <a:cs typeface="+mn-cs"/>
-              </a:defRPr>
-            </a:lvl3pPr>
-            <a:lvl4pPr marL="1371600" algn="l" defTabSz="914400" rtl="0" eaLnBrk="1" latinLnBrk="0" hangingPunct="1">
-              <a:defRPr sz="1800" kern="1200">
-                <a:solidFill>
-                  <a:schemeClr val="lt1"/>
-                </a:solidFill>
-                <a:latin typeface="+mn-lt"/>
-                <a:ea typeface="+mn-ea"/>
-                <a:cs typeface="+mn-cs"/>
-              </a:defRPr>
-            </a:lvl4pPr>
-            <a:lvl5pPr marL="1828800" algn="l" defTabSz="914400" rtl="0" eaLnBrk="1" latinLnBrk="0" hangingPunct="1">
-              <a:defRPr sz="1800" kern="1200">
-                <a:solidFill>
-                  <a:schemeClr val="lt1"/>
-                </a:solidFill>
-                <a:latin typeface="+mn-lt"/>
-                <a:ea typeface="+mn-ea"/>
-                <a:cs typeface="+mn-cs"/>
-              </a:defRPr>
-            </a:lvl5pPr>
-            <a:lvl6pPr marL="2286000" algn="l" defTabSz="914400" rtl="0" eaLnBrk="1" latinLnBrk="0" hangingPunct="1">
-              <a:defRPr sz="1800" kern="1200">
-                <a:solidFill>
-                  <a:schemeClr val="lt1"/>
-                </a:solidFill>
-                <a:latin typeface="+mn-lt"/>
-                <a:ea typeface="+mn-ea"/>
-                <a:cs typeface="+mn-cs"/>
-              </a:defRPr>
-            </a:lvl6pPr>
-            <a:lvl7pPr marL="2743200" algn="l" defTabSz="914400" rtl="0" eaLnBrk="1" latinLnBrk="0" hangingPunct="1">
-              <a:defRPr sz="1800" kern="1200">
-                <a:solidFill>
-                  <a:schemeClr val="lt1"/>
-                </a:solidFill>
-                <a:latin typeface="+mn-lt"/>
-                <a:ea typeface="+mn-ea"/>
-                <a:cs typeface="+mn-cs"/>
-              </a:defRPr>
-            </a:lvl7pPr>
-            <a:lvl8pPr marL="3200400" algn="l" defTabSz="914400" rtl="0" eaLnBrk="1" latinLnBrk="0" hangingPunct="1">
-              <a:defRPr sz="1800" kern="1200">
-                <a:solidFill>
-                  <a:schemeClr val="lt1"/>
-                </a:solidFill>
-                <a:latin typeface="+mn-lt"/>
-                <a:ea typeface="+mn-ea"/>
-                <a:cs typeface="+mn-cs"/>
-              </a:defRPr>
-            </a:lvl8pPr>
-            <a:lvl9pPr marL="3657600" algn="l" defTabSz="914400" rtl="0" eaLnBrk="1" latinLnBrk="0" hangingPunct="1">
-              <a:defRPr sz="1800" kern="1200">
-                <a:solidFill>
-                  <a:schemeClr val="lt1"/>
-                </a:solidFill>
-                <a:latin typeface="+mn-lt"/>
-                <a:ea typeface="+mn-ea"/>
-                <a:cs typeface="+mn-cs"/>
-              </a:defRPr>
-            </a:lvl9pPr>
-          </a:lstStyle>
+          <a:lstStyle/>
           <a:p>
             <a:pPr algn="ctr"/>
-            <a:endParaRPr lang="en-US"/>
+            <a:endParaRPr lang="en-US" sz="1400" b="1"/>
           </a:p>
         </p:txBody>
       </p:sp>
       <p:sp>
         <p:nvSpPr>
-          <p:cNvPr id="51" name="Rectangle 50"/>
+          <p:cNvPr id="72" name="Rectangle 71"/>
           <p:cNvSpPr/>
           <p:nvPr/>
         </p:nvSpPr>
         <p:spPr>
           <a:xfrm>
-            <a:off x="6473778" y="2755879"/>
+            <a:off x="7666094" y="4337604"/>
             <a:ext cx="425002" cy="334851"/>
           </a:xfrm>
           <a:prstGeom prst="rect">
             <a:avLst/>
           </a:prstGeom>
-          <a:solidFill>
-            <a:srgbClr val="00B050"/>
-          </a:solidFill>
+          <a:gradFill flip="none" rotWithShape="1">
+            <a:gsLst>
+              <a:gs pos="21000">
+                <a:schemeClr val="accent2">
+                  <a:lumMod val="40000"/>
+                  <a:lumOff val="60000"/>
+                </a:schemeClr>
+              </a:gs>
+              <a:gs pos="55000">
+                <a:schemeClr val="accent2">
+                  <a:lumMod val="95000"/>
+                  <a:lumOff val="5000"/>
+                </a:schemeClr>
+              </a:gs>
+              <a:gs pos="100000">
+                <a:schemeClr val="accent2">
+                  <a:lumMod val="60000"/>
+                </a:schemeClr>
+              </a:gs>
+            </a:gsLst>
+            <a:path path="circle">
+              <a:fillToRect l="50000" t="130000" r="50000" b="-30000"/>
+            </a:path>
+            <a:tileRect/>
+          </a:gradFill>
         </p:spPr>
         <p:style>
           <a:lnRef idx="2">
@@ -12508,519 +13453,52 @@
             </a:prstTxWarp>
             <a:noAutofit/>
           </a:bodyPr>
-          <a:lstStyle>
-            <a:defPPr>
-              <a:defRPr lang="en-US"/>
-            </a:defPPr>
-            <a:lvl1pPr marL="0" algn="l" defTabSz="914400" rtl="0" eaLnBrk="1" latinLnBrk="0" hangingPunct="1">
-              <a:defRPr sz="1800" kern="1200">
-                <a:solidFill>
-                  <a:schemeClr val="lt1"/>
-                </a:solidFill>
-                <a:latin typeface="+mn-lt"/>
-                <a:ea typeface="+mn-ea"/>
-                <a:cs typeface="+mn-cs"/>
-              </a:defRPr>
-            </a:lvl1pPr>
-            <a:lvl2pPr marL="457200" algn="l" defTabSz="914400" rtl="0" eaLnBrk="1" latinLnBrk="0" hangingPunct="1">
-              <a:defRPr sz="1800" kern="1200">
-                <a:solidFill>
-                  <a:schemeClr val="lt1"/>
-                </a:solidFill>
-                <a:latin typeface="+mn-lt"/>
-                <a:ea typeface="+mn-ea"/>
-                <a:cs typeface="+mn-cs"/>
-              </a:defRPr>
-            </a:lvl2pPr>
-            <a:lvl3pPr marL="914400" algn="l" defTabSz="914400" rtl="0" eaLnBrk="1" latinLnBrk="0" hangingPunct="1">
-              <a:defRPr sz="1800" kern="1200">
-                <a:solidFill>
-                  <a:schemeClr val="lt1"/>
-                </a:solidFill>
-                <a:latin typeface="+mn-lt"/>
-                <a:ea typeface="+mn-ea"/>
-                <a:cs typeface="+mn-cs"/>
-              </a:defRPr>
-            </a:lvl3pPr>
-            <a:lvl4pPr marL="1371600" algn="l" defTabSz="914400" rtl="0" eaLnBrk="1" latinLnBrk="0" hangingPunct="1">
-              <a:defRPr sz="1800" kern="1200">
-                <a:solidFill>
-                  <a:schemeClr val="lt1"/>
-                </a:solidFill>
-                <a:latin typeface="+mn-lt"/>
-                <a:ea typeface="+mn-ea"/>
-                <a:cs typeface="+mn-cs"/>
-              </a:defRPr>
-            </a:lvl4pPr>
-            <a:lvl5pPr marL="1828800" algn="l" defTabSz="914400" rtl="0" eaLnBrk="1" latinLnBrk="0" hangingPunct="1">
-              <a:defRPr sz="1800" kern="1200">
-                <a:solidFill>
-                  <a:schemeClr val="lt1"/>
-                </a:solidFill>
-                <a:latin typeface="+mn-lt"/>
-                <a:ea typeface="+mn-ea"/>
-                <a:cs typeface="+mn-cs"/>
-              </a:defRPr>
-            </a:lvl5pPr>
-            <a:lvl6pPr marL="2286000" algn="l" defTabSz="914400" rtl="0" eaLnBrk="1" latinLnBrk="0" hangingPunct="1">
-              <a:defRPr sz="1800" kern="1200">
-                <a:solidFill>
-                  <a:schemeClr val="lt1"/>
-                </a:solidFill>
-                <a:latin typeface="+mn-lt"/>
-                <a:ea typeface="+mn-ea"/>
-                <a:cs typeface="+mn-cs"/>
-              </a:defRPr>
-            </a:lvl6pPr>
-            <a:lvl7pPr marL="2743200" algn="l" defTabSz="914400" rtl="0" eaLnBrk="1" latinLnBrk="0" hangingPunct="1">
-              <a:defRPr sz="1800" kern="1200">
-                <a:solidFill>
-                  <a:schemeClr val="lt1"/>
-                </a:solidFill>
-                <a:latin typeface="+mn-lt"/>
-                <a:ea typeface="+mn-ea"/>
-                <a:cs typeface="+mn-cs"/>
-              </a:defRPr>
-            </a:lvl7pPr>
-            <a:lvl8pPr marL="3200400" algn="l" defTabSz="914400" rtl="0" eaLnBrk="1" latinLnBrk="0" hangingPunct="1">
-              <a:defRPr sz="1800" kern="1200">
-                <a:solidFill>
-                  <a:schemeClr val="lt1"/>
-                </a:solidFill>
-                <a:latin typeface="+mn-lt"/>
-                <a:ea typeface="+mn-ea"/>
-                <a:cs typeface="+mn-cs"/>
-              </a:defRPr>
-            </a:lvl8pPr>
-            <a:lvl9pPr marL="3657600" algn="l" defTabSz="914400" rtl="0" eaLnBrk="1" latinLnBrk="0" hangingPunct="1">
-              <a:defRPr sz="1800" kern="1200">
-                <a:solidFill>
-                  <a:schemeClr val="lt1"/>
-                </a:solidFill>
-                <a:latin typeface="+mn-lt"/>
-                <a:ea typeface="+mn-ea"/>
-                <a:cs typeface="+mn-cs"/>
-              </a:defRPr>
-            </a:lvl9pPr>
-          </a:lstStyle>
+          <a:lstStyle/>
           <a:p>
             <a:pPr algn="ctr"/>
-            <a:r>
-              <a:rPr lang="en-US" sz="1400" dirty="0" smtClean="0"/>
-              <a:t>n-1</a:t>
-            </a:r>
-            <a:endParaRPr lang="en-US" sz="1400" dirty="0"/>
+            <a:endParaRPr lang="en-US" sz="1400" b="1"/>
           </a:p>
         </p:txBody>
       </p:sp>
       <p:sp>
         <p:nvSpPr>
-          <p:cNvPr id="52" name="TextBox 51"/>
-          <p:cNvSpPr txBox="1"/>
-          <p:nvPr/>
-        </p:nvSpPr>
-        <p:spPr>
-          <a:xfrm>
-            <a:off x="811476" y="1109832"/>
-            <a:ext cx="832279" cy="369332"/>
-          </a:xfrm>
-          <a:prstGeom prst="rect">
-            <a:avLst/>
-          </a:prstGeom>
-          <a:noFill/>
-        </p:spPr>
-        <p:txBody>
-          <a:bodyPr wrap="none" rtlCol="0">
-            <a:spAutoFit/>
-          </a:bodyPr>
-          <a:lstStyle/>
-          <a:p>
-            <a:r>
-              <a:rPr lang="en-US" dirty="0" err="1" smtClean="0"/>
-              <a:t>Khóa</a:t>
-            </a:r>
-            <a:r>
-              <a:rPr lang="en-US" dirty="0" smtClean="0"/>
-              <a:t> K</a:t>
-            </a:r>
-            <a:endParaRPr lang="en-US" dirty="0"/>
-          </a:p>
-        </p:txBody>
-      </p:sp>
-      <p:sp>
-        <p:nvSpPr>
-          <p:cNvPr id="53" name="TextBox 52"/>
-          <p:cNvSpPr txBox="1"/>
-          <p:nvPr/>
-        </p:nvSpPr>
-        <p:spPr>
-          <a:xfrm>
-            <a:off x="811476" y="2755879"/>
-            <a:ext cx="1198918" cy="646331"/>
-          </a:xfrm>
-          <a:prstGeom prst="rect">
-            <a:avLst/>
-          </a:prstGeom>
-          <a:noFill/>
-        </p:spPr>
-        <p:txBody>
-          <a:bodyPr wrap="none" rtlCol="0">
-            <a:spAutoFit/>
-          </a:bodyPr>
-          <a:lstStyle/>
-          <a:p>
-            <a:r>
-              <a:rPr lang="en-US" dirty="0" err="1" smtClean="0"/>
-              <a:t>Dữ</a:t>
-            </a:r>
-            <a:r>
-              <a:rPr lang="en-US" dirty="0" smtClean="0"/>
-              <a:t> </a:t>
-            </a:r>
-            <a:r>
-              <a:rPr lang="en-US" dirty="0" err="1" smtClean="0"/>
-              <a:t>liệu</a:t>
-            </a:r>
-            <a:endParaRPr lang="en-US" dirty="0"/>
-          </a:p>
-          <a:p>
-            <a:r>
-              <a:rPr lang="en-US" dirty="0" smtClean="0"/>
-              <a:t>(Plain text)</a:t>
-            </a:r>
-            <a:endParaRPr lang="en-US" dirty="0"/>
-          </a:p>
-        </p:txBody>
-      </p:sp>
-      <p:cxnSp>
-        <p:nvCxnSpPr>
-          <p:cNvPr id="55" name="Straight Connector 54"/>
-          <p:cNvCxnSpPr>
-            <a:stCxn id="6" idx="2"/>
-            <a:endCxn id="36" idx="0"/>
-          </p:cNvCxnSpPr>
-          <p:nvPr/>
-        </p:nvCxnSpPr>
-        <p:spPr>
-          <a:xfrm>
-            <a:off x="2479183" y="1444683"/>
-            <a:ext cx="0" cy="1311196"/>
-          </a:xfrm>
-          <a:prstGeom prst="line">
-            <a:avLst/>
-          </a:prstGeom>
-          <a:ln w="38100"/>
-        </p:spPr>
-        <p:style>
-          <a:lnRef idx="1">
-            <a:schemeClr val="accent1"/>
-          </a:lnRef>
-          <a:fillRef idx="0">
-            <a:schemeClr val="accent1"/>
-          </a:fillRef>
-          <a:effectRef idx="0">
-            <a:schemeClr val="accent1"/>
-          </a:effectRef>
-          <a:fontRef idx="minor">
-            <a:schemeClr val="tx1"/>
-          </a:fontRef>
-        </p:style>
-      </p:cxnSp>
-      <p:cxnSp>
-        <p:nvCxnSpPr>
-          <p:cNvPr id="56" name="Straight Connector 55"/>
-          <p:cNvCxnSpPr/>
-          <p:nvPr/>
-        </p:nvCxnSpPr>
-        <p:spPr>
-          <a:xfrm>
-            <a:off x="3009363" y="1444683"/>
-            <a:ext cx="0" cy="1311196"/>
-          </a:xfrm>
-          <a:prstGeom prst="line">
-            <a:avLst/>
-          </a:prstGeom>
-          <a:ln w="38100"/>
-        </p:spPr>
-        <p:style>
-          <a:lnRef idx="1">
-            <a:schemeClr val="accent1"/>
-          </a:lnRef>
-          <a:fillRef idx="0">
-            <a:schemeClr val="accent1"/>
-          </a:fillRef>
-          <a:effectRef idx="0">
-            <a:schemeClr val="accent1"/>
-          </a:effectRef>
-          <a:fontRef idx="minor">
-            <a:schemeClr val="tx1"/>
-          </a:fontRef>
-        </p:style>
-      </p:cxnSp>
-      <p:cxnSp>
-        <p:nvCxnSpPr>
-          <p:cNvPr id="57" name="Straight Connector 56"/>
-          <p:cNvCxnSpPr/>
-          <p:nvPr/>
-        </p:nvCxnSpPr>
-        <p:spPr>
-          <a:xfrm>
-            <a:off x="3530957" y="1444683"/>
-            <a:ext cx="0" cy="1311196"/>
-          </a:xfrm>
-          <a:prstGeom prst="line">
-            <a:avLst/>
-          </a:prstGeom>
-          <a:ln w="38100"/>
-        </p:spPr>
-        <p:style>
-          <a:lnRef idx="1">
-            <a:schemeClr val="accent1"/>
-          </a:lnRef>
-          <a:fillRef idx="0">
-            <a:schemeClr val="accent1"/>
-          </a:fillRef>
-          <a:effectRef idx="0">
-            <a:schemeClr val="accent1"/>
-          </a:effectRef>
-          <a:fontRef idx="minor">
-            <a:schemeClr val="tx1"/>
-          </a:fontRef>
-        </p:style>
-      </p:cxnSp>
-      <p:cxnSp>
-        <p:nvCxnSpPr>
-          <p:cNvPr id="58" name="Straight Connector 57"/>
-          <p:cNvCxnSpPr/>
-          <p:nvPr/>
-        </p:nvCxnSpPr>
-        <p:spPr>
-          <a:xfrm>
-            <a:off x="4056844" y="1444683"/>
-            <a:ext cx="0" cy="1311196"/>
-          </a:xfrm>
-          <a:prstGeom prst="line">
-            <a:avLst/>
-          </a:prstGeom>
-          <a:ln w="38100"/>
-        </p:spPr>
-        <p:style>
-          <a:lnRef idx="1">
-            <a:schemeClr val="accent1"/>
-          </a:lnRef>
-          <a:fillRef idx="0">
-            <a:schemeClr val="accent1"/>
-          </a:fillRef>
-          <a:effectRef idx="0">
-            <a:schemeClr val="accent1"/>
-          </a:effectRef>
-          <a:fontRef idx="minor">
-            <a:schemeClr val="tx1"/>
-          </a:fontRef>
-        </p:style>
-      </p:cxnSp>
-      <p:cxnSp>
-        <p:nvCxnSpPr>
-          <p:cNvPr id="59" name="Straight Connector 58"/>
-          <p:cNvCxnSpPr/>
-          <p:nvPr/>
-        </p:nvCxnSpPr>
-        <p:spPr>
-          <a:xfrm>
-            <a:off x="6684132" y="1444683"/>
-            <a:ext cx="0" cy="1311196"/>
-          </a:xfrm>
-          <a:prstGeom prst="line">
-            <a:avLst/>
-          </a:prstGeom>
-          <a:ln w="38100"/>
-        </p:spPr>
-        <p:style>
-          <a:lnRef idx="1">
-            <a:schemeClr val="accent1"/>
-          </a:lnRef>
-          <a:fillRef idx="0">
-            <a:schemeClr val="accent1"/>
-          </a:fillRef>
-          <a:effectRef idx="0">
-            <a:schemeClr val="accent1"/>
-          </a:effectRef>
-          <a:fontRef idx="minor">
-            <a:schemeClr val="tx1"/>
-          </a:fontRef>
-        </p:style>
-      </p:cxnSp>
-      <p:cxnSp>
-        <p:nvCxnSpPr>
-          <p:cNvPr id="60" name="Straight Connector 59"/>
-          <p:cNvCxnSpPr/>
-          <p:nvPr/>
-        </p:nvCxnSpPr>
-        <p:spPr>
-          <a:xfrm>
-            <a:off x="4554827" y="1479164"/>
-            <a:ext cx="0" cy="1311196"/>
-          </a:xfrm>
-          <a:prstGeom prst="line">
-            <a:avLst/>
-          </a:prstGeom>
-          <a:ln w="38100"/>
-        </p:spPr>
-        <p:style>
-          <a:lnRef idx="1">
-            <a:schemeClr val="accent1"/>
-          </a:lnRef>
-          <a:fillRef idx="0">
-            <a:schemeClr val="accent1"/>
-          </a:fillRef>
-          <a:effectRef idx="0">
-            <a:schemeClr val="accent1"/>
-          </a:effectRef>
-          <a:fontRef idx="minor">
-            <a:schemeClr val="tx1"/>
-          </a:fontRef>
-        </p:style>
-      </p:cxnSp>
-      <p:cxnSp>
-        <p:nvCxnSpPr>
-          <p:cNvPr id="61" name="Straight Connector 60"/>
-          <p:cNvCxnSpPr/>
-          <p:nvPr/>
-        </p:nvCxnSpPr>
-        <p:spPr>
-          <a:xfrm>
-            <a:off x="5108618" y="1444683"/>
-            <a:ext cx="0" cy="1311196"/>
-          </a:xfrm>
-          <a:prstGeom prst="line">
-            <a:avLst/>
-          </a:prstGeom>
-          <a:ln w="38100"/>
-        </p:spPr>
-        <p:style>
-          <a:lnRef idx="1">
-            <a:schemeClr val="accent1"/>
-          </a:lnRef>
-          <a:fillRef idx="0">
-            <a:schemeClr val="accent1"/>
-          </a:fillRef>
-          <a:effectRef idx="0">
-            <a:schemeClr val="accent1"/>
-          </a:effectRef>
-          <a:fontRef idx="minor">
-            <a:schemeClr val="tx1"/>
-          </a:fontRef>
-        </p:style>
-      </p:cxnSp>
-      <p:cxnSp>
-        <p:nvCxnSpPr>
-          <p:cNvPr id="62" name="Straight Connector 61"/>
-          <p:cNvCxnSpPr/>
-          <p:nvPr/>
-        </p:nvCxnSpPr>
-        <p:spPr>
-          <a:xfrm>
-            <a:off x="5634505" y="1444683"/>
-            <a:ext cx="0" cy="1311196"/>
-          </a:xfrm>
-          <a:prstGeom prst="line">
-            <a:avLst/>
-          </a:prstGeom>
-          <a:ln w="38100"/>
-        </p:spPr>
-        <p:style>
-          <a:lnRef idx="1">
-            <a:schemeClr val="accent1"/>
-          </a:lnRef>
-          <a:fillRef idx="0">
-            <a:schemeClr val="accent1"/>
-          </a:fillRef>
-          <a:effectRef idx="0">
-            <a:schemeClr val="accent1"/>
-          </a:effectRef>
-          <a:fontRef idx="minor">
-            <a:schemeClr val="tx1"/>
-          </a:fontRef>
-        </p:style>
-      </p:cxnSp>
-      <p:cxnSp>
-        <p:nvCxnSpPr>
-          <p:cNvPr id="63" name="Straight Connector 62"/>
-          <p:cNvCxnSpPr/>
-          <p:nvPr/>
-        </p:nvCxnSpPr>
-        <p:spPr>
-          <a:xfrm>
-            <a:off x="6160392" y="1444683"/>
-            <a:ext cx="0" cy="1311196"/>
-          </a:xfrm>
-          <a:prstGeom prst="line">
-            <a:avLst/>
-          </a:prstGeom>
-          <a:ln w="38100"/>
-        </p:spPr>
-        <p:style>
-          <a:lnRef idx="1">
-            <a:schemeClr val="accent1"/>
-          </a:lnRef>
-          <a:fillRef idx="0">
-            <a:schemeClr val="accent1"/>
-          </a:fillRef>
-          <a:effectRef idx="0">
-            <a:schemeClr val="accent1"/>
-          </a:effectRef>
-          <a:fontRef idx="minor">
-            <a:schemeClr val="tx1"/>
-          </a:fontRef>
-        </p:style>
-      </p:cxnSp>
-      <p:sp>
-        <p:nvSpPr>
-          <p:cNvPr id="64" name="TextBox 63"/>
-          <p:cNvSpPr txBox="1"/>
-          <p:nvPr/>
-        </p:nvSpPr>
-        <p:spPr>
-          <a:xfrm>
-            <a:off x="1562095" y="1915615"/>
-            <a:ext cx="575799" cy="369332"/>
-          </a:xfrm>
-          <a:prstGeom prst="rect">
-            <a:avLst/>
-          </a:prstGeom>
-          <a:noFill/>
-        </p:spPr>
-        <p:txBody>
-          <a:bodyPr wrap="none" rtlCol="0">
-            <a:spAutoFit/>
-          </a:bodyPr>
-          <a:lstStyle/>
-          <a:p>
-            <a:r>
-              <a:rPr lang="en-US" dirty="0" smtClean="0"/>
-              <a:t>XOR</a:t>
-            </a:r>
-            <a:endParaRPr lang="en-US" dirty="0"/>
-          </a:p>
-        </p:txBody>
-      </p:sp>
-      <p:sp>
-        <p:nvSpPr>
-          <p:cNvPr id="65" name="Rectangle 64"/>
+          <p:cNvPr id="73" name="Rectangle 72"/>
           <p:cNvSpPr/>
           <p:nvPr/>
         </p:nvSpPr>
         <p:spPr>
           <a:xfrm>
-            <a:off x="2272200" y="4337604"/>
+            <a:off x="8191981" y="4337604"/>
             <a:ext cx="425002" cy="334851"/>
           </a:xfrm>
           <a:prstGeom prst="rect">
             <a:avLst/>
           </a:prstGeom>
-          <a:solidFill>
-            <a:schemeClr val="accent2"/>
-          </a:solidFill>
+          <a:gradFill flip="none" rotWithShape="1">
+            <a:gsLst>
+              <a:gs pos="21000">
+                <a:schemeClr val="accent2">
+                  <a:lumMod val="40000"/>
+                  <a:lumOff val="60000"/>
+                </a:schemeClr>
+              </a:gs>
+              <a:gs pos="55000">
+                <a:schemeClr val="accent2">
+                  <a:lumMod val="95000"/>
+                  <a:lumOff val="5000"/>
+                </a:schemeClr>
+              </a:gs>
+              <a:gs pos="100000">
+                <a:schemeClr val="accent2">
+                  <a:lumMod val="60000"/>
+                </a:schemeClr>
+              </a:gs>
+            </a:gsLst>
+            <a:path path="circle">
+              <a:fillToRect l="50000" t="130000" r="50000" b="-30000"/>
+            </a:path>
+            <a:tileRect/>
+          </a:gradFill>
         </p:spPr>
         <p:style>
           <a:lnRef idx="2">
@@ -13045,1252 +13523,14 @@
             </a:prstTxWarp>
             <a:noAutofit/>
           </a:bodyPr>
-          <a:lstStyle>
-            <a:defPPr>
-              <a:defRPr lang="en-US"/>
-            </a:defPPr>
-            <a:lvl1pPr marL="0" algn="l" defTabSz="914400" rtl="0" eaLnBrk="1" latinLnBrk="0" hangingPunct="1">
-              <a:defRPr sz="1800" kern="1200">
-                <a:solidFill>
-                  <a:schemeClr val="lt1"/>
-                </a:solidFill>
-                <a:latin typeface="+mn-lt"/>
-                <a:ea typeface="+mn-ea"/>
-                <a:cs typeface="+mn-cs"/>
-              </a:defRPr>
-            </a:lvl1pPr>
-            <a:lvl2pPr marL="457200" algn="l" defTabSz="914400" rtl="0" eaLnBrk="1" latinLnBrk="0" hangingPunct="1">
-              <a:defRPr sz="1800" kern="1200">
-                <a:solidFill>
-                  <a:schemeClr val="lt1"/>
-                </a:solidFill>
-                <a:latin typeface="+mn-lt"/>
-                <a:ea typeface="+mn-ea"/>
-                <a:cs typeface="+mn-cs"/>
-              </a:defRPr>
-            </a:lvl2pPr>
-            <a:lvl3pPr marL="914400" algn="l" defTabSz="914400" rtl="0" eaLnBrk="1" latinLnBrk="0" hangingPunct="1">
-              <a:defRPr sz="1800" kern="1200">
-                <a:solidFill>
-                  <a:schemeClr val="lt1"/>
-                </a:solidFill>
-                <a:latin typeface="+mn-lt"/>
-                <a:ea typeface="+mn-ea"/>
-                <a:cs typeface="+mn-cs"/>
-              </a:defRPr>
-            </a:lvl3pPr>
-            <a:lvl4pPr marL="1371600" algn="l" defTabSz="914400" rtl="0" eaLnBrk="1" latinLnBrk="0" hangingPunct="1">
-              <a:defRPr sz="1800" kern="1200">
-                <a:solidFill>
-                  <a:schemeClr val="lt1"/>
-                </a:solidFill>
-                <a:latin typeface="+mn-lt"/>
-                <a:ea typeface="+mn-ea"/>
-                <a:cs typeface="+mn-cs"/>
-              </a:defRPr>
-            </a:lvl4pPr>
-            <a:lvl5pPr marL="1828800" algn="l" defTabSz="914400" rtl="0" eaLnBrk="1" latinLnBrk="0" hangingPunct="1">
-              <a:defRPr sz="1800" kern="1200">
-                <a:solidFill>
-                  <a:schemeClr val="lt1"/>
-                </a:solidFill>
-                <a:latin typeface="+mn-lt"/>
-                <a:ea typeface="+mn-ea"/>
-                <a:cs typeface="+mn-cs"/>
-              </a:defRPr>
-            </a:lvl5pPr>
-            <a:lvl6pPr marL="2286000" algn="l" defTabSz="914400" rtl="0" eaLnBrk="1" latinLnBrk="0" hangingPunct="1">
-              <a:defRPr sz="1800" kern="1200">
-                <a:solidFill>
-                  <a:schemeClr val="lt1"/>
-                </a:solidFill>
-                <a:latin typeface="+mn-lt"/>
-                <a:ea typeface="+mn-ea"/>
-                <a:cs typeface="+mn-cs"/>
-              </a:defRPr>
-            </a:lvl6pPr>
-            <a:lvl7pPr marL="2743200" algn="l" defTabSz="914400" rtl="0" eaLnBrk="1" latinLnBrk="0" hangingPunct="1">
-              <a:defRPr sz="1800" kern="1200">
-                <a:solidFill>
-                  <a:schemeClr val="lt1"/>
-                </a:solidFill>
-                <a:latin typeface="+mn-lt"/>
-                <a:ea typeface="+mn-ea"/>
-                <a:cs typeface="+mn-cs"/>
-              </a:defRPr>
-            </a:lvl7pPr>
-            <a:lvl8pPr marL="3200400" algn="l" defTabSz="914400" rtl="0" eaLnBrk="1" latinLnBrk="0" hangingPunct="1">
-              <a:defRPr sz="1800" kern="1200">
-                <a:solidFill>
-                  <a:schemeClr val="lt1"/>
-                </a:solidFill>
-                <a:latin typeface="+mn-lt"/>
-                <a:ea typeface="+mn-ea"/>
-                <a:cs typeface="+mn-cs"/>
-              </a:defRPr>
-            </a:lvl8pPr>
-            <a:lvl9pPr marL="3657600" algn="l" defTabSz="914400" rtl="0" eaLnBrk="1" latinLnBrk="0" hangingPunct="1">
-              <a:defRPr sz="1800" kern="1200">
-                <a:solidFill>
-                  <a:schemeClr val="lt1"/>
-                </a:solidFill>
-                <a:latin typeface="+mn-lt"/>
-                <a:ea typeface="+mn-ea"/>
-                <a:cs typeface="+mn-cs"/>
-              </a:defRPr>
-            </a:lvl9pPr>
-          </a:lstStyle>
+          <a:lstStyle/>
           <a:p>
             <a:pPr algn="ctr"/>
             <a:r>
-              <a:rPr lang="en-US" sz="1400" dirty="0" smtClean="0"/>
-              <a:t>0</a:t>
-            </a:r>
-            <a:endParaRPr lang="en-US" sz="1400" dirty="0"/>
-          </a:p>
-        </p:txBody>
-      </p:sp>
-      <p:sp>
-        <p:nvSpPr>
-          <p:cNvPr id="66" name="Rectangle 65"/>
-          <p:cNvSpPr/>
-          <p:nvPr/>
-        </p:nvSpPr>
-        <p:spPr>
-          <a:xfrm>
-            <a:off x="2798087" y="4337604"/>
-            <a:ext cx="425002" cy="334851"/>
-          </a:xfrm>
-          <a:prstGeom prst="rect">
-            <a:avLst/>
-          </a:prstGeom>
-          <a:solidFill>
-            <a:schemeClr val="accent2"/>
-          </a:solidFill>
-        </p:spPr>
-        <p:style>
-          <a:lnRef idx="2">
-            <a:schemeClr val="accent1">
-              <a:shade val="50000"/>
-            </a:schemeClr>
-          </a:lnRef>
-          <a:fillRef idx="1">
-            <a:schemeClr val="accent1"/>
-          </a:fillRef>
-          <a:effectRef idx="0">
-            <a:schemeClr val="accent1"/>
-          </a:effectRef>
-          <a:fontRef idx="minor">
-            <a:schemeClr val="lt1"/>
-          </a:fontRef>
-        </p:style>
-        <p:txBody>
-          <a:bodyPr rot="0" spcFirstLastPara="0" vert="horz" wrap="square" lIns="91440" tIns="45720" rIns="91440" bIns="45720" numCol="1" spcCol="0" rtlCol="0" fromWordArt="0" anchor="ctr" anchorCtr="0" forceAA="0" compatLnSpc="1">
-            <a:prstTxWarp prst="textNoShape">
-              <a:avLst/>
-            </a:prstTxWarp>
-            <a:noAutofit/>
-          </a:bodyPr>
-          <a:lstStyle>
-            <a:defPPr>
-              <a:defRPr lang="en-US"/>
-            </a:defPPr>
-            <a:lvl1pPr marL="0" algn="l" defTabSz="914400" rtl="0" eaLnBrk="1" latinLnBrk="0" hangingPunct="1">
-              <a:defRPr sz="1800" kern="1200">
-                <a:solidFill>
-                  <a:schemeClr val="lt1"/>
-                </a:solidFill>
-                <a:latin typeface="+mn-lt"/>
-                <a:ea typeface="+mn-ea"/>
-                <a:cs typeface="+mn-cs"/>
-              </a:defRPr>
-            </a:lvl1pPr>
-            <a:lvl2pPr marL="457200" algn="l" defTabSz="914400" rtl="0" eaLnBrk="1" latinLnBrk="0" hangingPunct="1">
-              <a:defRPr sz="1800" kern="1200">
-                <a:solidFill>
-                  <a:schemeClr val="lt1"/>
-                </a:solidFill>
-                <a:latin typeface="+mn-lt"/>
-                <a:ea typeface="+mn-ea"/>
-                <a:cs typeface="+mn-cs"/>
-              </a:defRPr>
-            </a:lvl2pPr>
-            <a:lvl3pPr marL="914400" algn="l" defTabSz="914400" rtl="0" eaLnBrk="1" latinLnBrk="0" hangingPunct="1">
-              <a:defRPr sz="1800" kern="1200">
-                <a:solidFill>
-                  <a:schemeClr val="lt1"/>
-                </a:solidFill>
-                <a:latin typeface="+mn-lt"/>
-                <a:ea typeface="+mn-ea"/>
-                <a:cs typeface="+mn-cs"/>
-              </a:defRPr>
-            </a:lvl3pPr>
-            <a:lvl4pPr marL="1371600" algn="l" defTabSz="914400" rtl="0" eaLnBrk="1" latinLnBrk="0" hangingPunct="1">
-              <a:defRPr sz="1800" kern="1200">
-                <a:solidFill>
-                  <a:schemeClr val="lt1"/>
-                </a:solidFill>
-                <a:latin typeface="+mn-lt"/>
-                <a:ea typeface="+mn-ea"/>
-                <a:cs typeface="+mn-cs"/>
-              </a:defRPr>
-            </a:lvl4pPr>
-            <a:lvl5pPr marL="1828800" algn="l" defTabSz="914400" rtl="0" eaLnBrk="1" latinLnBrk="0" hangingPunct="1">
-              <a:defRPr sz="1800" kern="1200">
-                <a:solidFill>
-                  <a:schemeClr val="lt1"/>
-                </a:solidFill>
-                <a:latin typeface="+mn-lt"/>
-                <a:ea typeface="+mn-ea"/>
-                <a:cs typeface="+mn-cs"/>
-              </a:defRPr>
-            </a:lvl5pPr>
-            <a:lvl6pPr marL="2286000" algn="l" defTabSz="914400" rtl="0" eaLnBrk="1" latinLnBrk="0" hangingPunct="1">
-              <a:defRPr sz="1800" kern="1200">
-                <a:solidFill>
-                  <a:schemeClr val="lt1"/>
-                </a:solidFill>
-                <a:latin typeface="+mn-lt"/>
-                <a:ea typeface="+mn-ea"/>
-                <a:cs typeface="+mn-cs"/>
-              </a:defRPr>
-            </a:lvl6pPr>
-            <a:lvl7pPr marL="2743200" algn="l" defTabSz="914400" rtl="0" eaLnBrk="1" latinLnBrk="0" hangingPunct="1">
-              <a:defRPr sz="1800" kern="1200">
-                <a:solidFill>
-                  <a:schemeClr val="lt1"/>
-                </a:solidFill>
-                <a:latin typeface="+mn-lt"/>
-                <a:ea typeface="+mn-ea"/>
-                <a:cs typeface="+mn-cs"/>
-              </a:defRPr>
-            </a:lvl7pPr>
-            <a:lvl8pPr marL="3200400" algn="l" defTabSz="914400" rtl="0" eaLnBrk="1" latinLnBrk="0" hangingPunct="1">
-              <a:defRPr sz="1800" kern="1200">
-                <a:solidFill>
-                  <a:schemeClr val="lt1"/>
-                </a:solidFill>
-                <a:latin typeface="+mn-lt"/>
-                <a:ea typeface="+mn-ea"/>
-                <a:cs typeface="+mn-cs"/>
-              </a:defRPr>
-            </a:lvl8pPr>
-            <a:lvl9pPr marL="3657600" algn="l" defTabSz="914400" rtl="0" eaLnBrk="1" latinLnBrk="0" hangingPunct="1">
-              <a:defRPr sz="1800" kern="1200">
-                <a:solidFill>
-                  <a:schemeClr val="lt1"/>
-                </a:solidFill>
-                <a:latin typeface="+mn-lt"/>
-                <a:ea typeface="+mn-ea"/>
-                <a:cs typeface="+mn-cs"/>
-              </a:defRPr>
-            </a:lvl9pPr>
-          </a:lstStyle>
-          <a:p>
-            <a:pPr algn="ctr"/>
-            <a:r>
-              <a:rPr lang="en-US" sz="1400" dirty="0" smtClean="0"/>
-              <a:t>1</a:t>
-            </a:r>
-            <a:endParaRPr lang="en-US" sz="1400" dirty="0"/>
-          </a:p>
-        </p:txBody>
-      </p:sp>
-      <p:sp>
-        <p:nvSpPr>
-          <p:cNvPr id="67" name="Rectangle 66"/>
-          <p:cNvSpPr/>
-          <p:nvPr/>
-        </p:nvSpPr>
-        <p:spPr>
-          <a:xfrm>
-            <a:off x="3323974" y="4337604"/>
-            <a:ext cx="425002" cy="334851"/>
-          </a:xfrm>
-          <a:prstGeom prst="rect">
-            <a:avLst/>
-          </a:prstGeom>
-          <a:solidFill>
-            <a:schemeClr val="accent2"/>
-          </a:solidFill>
-        </p:spPr>
-        <p:style>
-          <a:lnRef idx="2">
-            <a:schemeClr val="accent1">
-              <a:shade val="50000"/>
-            </a:schemeClr>
-          </a:lnRef>
-          <a:fillRef idx="1">
-            <a:schemeClr val="accent1"/>
-          </a:fillRef>
-          <a:effectRef idx="0">
-            <a:schemeClr val="accent1"/>
-          </a:effectRef>
-          <a:fontRef idx="minor">
-            <a:schemeClr val="lt1"/>
-          </a:fontRef>
-        </p:style>
-        <p:txBody>
-          <a:bodyPr rot="0" spcFirstLastPara="0" vert="horz" wrap="square" lIns="91440" tIns="45720" rIns="91440" bIns="45720" numCol="1" spcCol="0" rtlCol="0" fromWordArt="0" anchor="ctr" anchorCtr="0" forceAA="0" compatLnSpc="1">
-            <a:prstTxWarp prst="textNoShape">
-              <a:avLst/>
-            </a:prstTxWarp>
-            <a:noAutofit/>
-          </a:bodyPr>
-          <a:lstStyle>
-            <a:defPPr>
-              <a:defRPr lang="en-US"/>
-            </a:defPPr>
-            <a:lvl1pPr marL="0" algn="l" defTabSz="914400" rtl="0" eaLnBrk="1" latinLnBrk="0" hangingPunct="1">
-              <a:defRPr sz="1800" kern="1200">
-                <a:solidFill>
-                  <a:schemeClr val="lt1"/>
-                </a:solidFill>
-                <a:latin typeface="+mn-lt"/>
-                <a:ea typeface="+mn-ea"/>
-                <a:cs typeface="+mn-cs"/>
-              </a:defRPr>
-            </a:lvl1pPr>
-            <a:lvl2pPr marL="457200" algn="l" defTabSz="914400" rtl="0" eaLnBrk="1" latinLnBrk="0" hangingPunct="1">
-              <a:defRPr sz="1800" kern="1200">
-                <a:solidFill>
-                  <a:schemeClr val="lt1"/>
-                </a:solidFill>
-                <a:latin typeface="+mn-lt"/>
-                <a:ea typeface="+mn-ea"/>
-                <a:cs typeface="+mn-cs"/>
-              </a:defRPr>
-            </a:lvl2pPr>
-            <a:lvl3pPr marL="914400" algn="l" defTabSz="914400" rtl="0" eaLnBrk="1" latinLnBrk="0" hangingPunct="1">
-              <a:defRPr sz="1800" kern="1200">
-                <a:solidFill>
-                  <a:schemeClr val="lt1"/>
-                </a:solidFill>
-                <a:latin typeface="+mn-lt"/>
-                <a:ea typeface="+mn-ea"/>
-                <a:cs typeface="+mn-cs"/>
-              </a:defRPr>
-            </a:lvl3pPr>
-            <a:lvl4pPr marL="1371600" algn="l" defTabSz="914400" rtl="0" eaLnBrk="1" latinLnBrk="0" hangingPunct="1">
-              <a:defRPr sz="1800" kern="1200">
-                <a:solidFill>
-                  <a:schemeClr val="lt1"/>
-                </a:solidFill>
-                <a:latin typeface="+mn-lt"/>
-                <a:ea typeface="+mn-ea"/>
-                <a:cs typeface="+mn-cs"/>
-              </a:defRPr>
-            </a:lvl4pPr>
-            <a:lvl5pPr marL="1828800" algn="l" defTabSz="914400" rtl="0" eaLnBrk="1" latinLnBrk="0" hangingPunct="1">
-              <a:defRPr sz="1800" kern="1200">
-                <a:solidFill>
-                  <a:schemeClr val="lt1"/>
-                </a:solidFill>
-                <a:latin typeface="+mn-lt"/>
-                <a:ea typeface="+mn-ea"/>
-                <a:cs typeface="+mn-cs"/>
-              </a:defRPr>
-            </a:lvl5pPr>
-            <a:lvl6pPr marL="2286000" algn="l" defTabSz="914400" rtl="0" eaLnBrk="1" latinLnBrk="0" hangingPunct="1">
-              <a:defRPr sz="1800" kern="1200">
-                <a:solidFill>
-                  <a:schemeClr val="lt1"/>
-                </a:solidFill>
-                <a:latin typeface="+mn-lt"/>
-                <a:ea typeface="+mn-ea"/>
-                <a:cs typeface="+mn-cs"/>
-              </a:defRPr>
-            </a:lvl6pPr>
-            <a:lvl7pPr marL="2743200" algn="l" defTabSz="914400" rtl="0" eaLnBrk="1" latinLnBrk="0" hangingPunct="1">
-              <a:defRPr sz="1800" kern="1200">
-                <a:solidFill>
-                  <a:schemeClr val="lt1"/>
-                </a:solidFill>
-                <a:latin typeface="+mn-lt"/>
-                <a:ea typeface="+mn-ea"/>
-                <a:cs typeface="+mn-cs"/>
-              </a:defRPr>
-            </a:lvl7pPr>
-            <a:lvl8pPr marL="3200400" algn="l" defTabSz="914400" rtl="0" eaLnBrk="1" latinLnBrk="0" hangingPunct="1">
-              <a:defRPr sz="1800" kern="1200">
-                <a:solidFill>
-                  <a:schemeClr val="lt1"/>
-                </a:solidFill>
-                <a:latin typeface="+mn-lt"/>
-                <a:ea typeface="+mn-ea"/>
-                <a:cs typeface="+mn-cs"/>
-              </a:defRPr>
-            </a:lvl8pPr>
-            <a:lvl9pPr marL="3657600" algn="l" defTabSz="914400" rtl="0" eaLnBrk="1" latinLnBrk="0" hangingPunct="1">
-              <a:defRPr sz="1800" kern="1200">
-                <a:solidFill>
-                  <a:schemeClr val="lt1"/>
-                </a:solidFill>
-                <a:latin typeface="+mn-lt"/>
-                <a:ea typeface="+mn-ea"/>
-                <a:cs typeface="+mn-cs"/>
-              </a:defRPr>
-            </a:lvl9pPr>
-          </a:lstStyle>
-          <a:p>
-            <a:pPr algn="ctr"/>
-            <a:endParaRPr lang="en-US"/>
-          </a:p>
-        </p:txBody>
-      </p:sp>
-      <p:sp>
-        <p:nvSpPr>
-          <p:cNvPr id="68" name="Rectangle 67"/>
-          <p:cNvSpPr/>
-          <p:nvPr/>
-        </p:nvSpPr>
-        <p:spPr>
-          <a:xfrm>
-            <a:off x="3849861" y="4337604"/>
-            <a:ext cx="425002" cy="334851"/>
-          </a:xfrm>
-          <a:prstGeom prst="rect">
-            <a:avLst/>
-          </a:prstGeom>
-          <a:solidFill>
-            <a:schemeClr val="accent2"/>
-          </a:solidFill>
-        </p:spPr>
-        <p:style>
-          <a:lnRef idx="2">
-            <a:schemeClr val="accent1">
-              <a:shade val="50000"/>
-            </a:schemeClr>
-          </a:lnRef>
-          <a:fillRef idx="1">
-            <a:schemeClr val="accent1"/>
-          </a:fillRef>
-          <a:effectRef idx="0">
-            <a:schemeClr val="accent1"/>
-          </a:effectRef>
-          <a:fontRef idx="minor">
-            <a:schemeClr val="lt1"/>
-          </a:fontRef>
-        </p:style>
-        <p:txBody>
-          <a:bodyPr rot="0" spcFirstLastPara="0" vert="horz" wrap="square" lIns="91440" tIns="45720" rIns="91440" bIns="45720" numCol="1" spcCol="0" rtlCol="0" fromWordArt="0" anchor="ctr" anchorCtr="0" forceAA="0" compatLnSpc="1">
-            <a:prstTxWarp prst="textNoShape">
-              <a:avLst/>
-            </a:prstTxWarp>
-            <a:noAutofit/>
-          </a:bodyPr>
-          <a:lstStyle>
-            <a:defPPr>
-              <a:defRPr lang="en-US"/>
-            </a:defPPr>
-            <a:lvl1pPr marL="0" algn="l" defTabSz="914400" rtl="0" eaLnBrk="1" latinLnBrk="0" hangingPunct="1">
-              <a:defRPr sz="1800" kern="1200">
-                <a:solidFill>
-                  <a:schemeClr val="lt1"/>
-                </a:solidFill>
-                <a:latin typeface="+mn-lt"/>
-                <a:ea typeface="+mn-ea"/>
-                <a:cs typeface="+mn-cs"/>
-              </a:defRPr>
-            </a:lvl1pPr>
-            <a:lvl2pPr marL="457200" algn="l" defTabSz="914400" rtl="0" eaLnBrk="1" latinLnBrk="0" hangingPunct="1">
-              <a:defRPr sz="1800" kern="1200">
-                <a:solidFill>
-                  <a:schemeClr val="lt1"/>
-                </a:solidFill>
-                <a:latin typeface="+mn-lt"/>
-                <a:ea typeface="+mn-ea"/>
-                <a:cs typeface="+mn-cs"/>
-              </a:defRPr>
-            </a:lvl2pPr>
-            <a:lvl3pPr marL="914400" algn="l" defTabSz="914400" rtl="0" eaLnBrk="1" latinLnBrk="0" hangingPunct="1">
-              <a:defRPr sz="1800" kern="1200">
-                <a:solidFill>
-                  <a:schemeClr val="lt1"/>
-                </a:solidFill>
-                <a:latin typeface="+mn-lt"/>
-                <a:ea typeface="+mn-ea"/>
-                <a:cs typeface="+mn-cs"/>
-              </a:defRPr>
-            </a:lvl3pPr>
-            <a:lvl4pPr marL="1371600" algn="l" defTabSz="914400" rtl="0" eaLnBrk="1" latinLnBrk="0" hangingPunct="1">
-              <a:defRPr sz="1800" kern="1200">
-                <a:solidFill>
-                  <a:schemeClr val="lt1"/>
-                </a:solidFill>
-                <a:latin typeface="+mn-lt"/>
-                <a:ea typeface="+mn-ea"/>
-                <a:cs typeface="+mn-cs"/>
-              </a:defRPr>
-            </a:lvl4pPr>
-            <a:lvl5pPr marL="1828800" algn="l" defTabSz="914400" rtl="0" eaLnBrk="1" latinLnBrk="0" hangingPunct="1">
-              <a:defRPr sz="1800" kern="1200">
-                <a:solidFill>
-                  <a:schemeClr val="lt1"/>
-                </a:solidFill>
-                <a:latin typeface="+mn-lt"/>
-                <a:ea typeface="+mn-ea"/>
-                <a:cs typeface="+mn-cs"/>
-              </a:defRPr>
-            </a:lvl5pPr>
-            <a:lvl6pPr marL="2286000" algn="l" defTabSz="914400" rtl="0" eaLnBrk="1" latinLnBrk="0" hangingPunct="1">
-              <a:defRPr sz="1800" kern="1200">
-                <a:solidFill>
-                  <a:schemeClr val="lt1"/>
-                </a:solidFill>
-                <a:latin typeface="+mn-lt"/>
-                <a:ea typeface="+mn-ea"/>
-                <a:cs typeface="+mn-cs"/>
-              </a:defRPr>
-            </a:lvl6pPr>
-            <a:lvl7pPr marL="2743200" algn="l" defTabSz="914400" rtl="0" eaLnBrk="1" latinLnBrk="0" hangingPunct="1">
-              <a:defRPr sz="1800" kern="1200">
-                <a:solidFill>
-                  <a:schemeClr val="lt1"/>
-                </a:solidFill>
-                <a:latin typeface="+mn-lt"/>
-                <a:ea typeface="+mn-ea"/>
-                <a:cs typeface="+mn-cs"/>
-              </a:defRPr>
-            </a:lvl7pPr>
-            <a:lvl8pPr marL="3200400" algn="l" defTabSz="914400" rtl="0" eaLnBrk="1" latinLnBrk="0" hangingPunct="1">
-              <a:defRPr sz="1800" kern="1200">
-                <a:solidFill>
-                  <a:schemeClr val="lt1"/>
-                </a:solidFill>
-                <a:latin typeface="+mn-lt"/>
-                <a:ea typeface="+mn-ea"/>
-                <a:cs typeface="+mn-cs"/>
-              </a:defRPr>
-            </a:lvl8pPr>
-            <a:lvl9pPr marL="3657600" algn="l" defTabSz="914400" rtl="0" eaLnBrk="1" latinLnBrk="0" hangingPunct="1">
-              <a:defRPr sz="1800" kern="1200">
-                <a:solidFill>
-                  <a:schemeClr val="lt1"/>
-                </a:solidFill>
-                <a:latin typeface="+mn-lt"/>
-                <a:ea typeface="+mn-ea"/>
-                <a:cs typeface="+mn-cs"/>
-              </a:defRPr>
-            </a:lvl9pPr>
-          </a:lstStyle>
-          <a:p>
-            <a:pPr algn="ctr"/>
-            <a:endParaRPr lang="en-US"/>
-          </a:p>
-        </p:txBody>
-      </p:sp>
-      <p:sp>
-        <p:nvSpPr>
-          <p:cNvPr id="69" name="Rectangle 68"/>
-          <p:cNvSpPr/>
-          <p:nvPr/>
-        </p:nvSpPr>
-        <p:spPr>
-          <a:xfrm>
-            <a:off x="4375748" y="4337604"/>
-            <a:ext cx="425002" cy="334851"/>
-          </a:xfrm>
-          <a:prstGeom prst="rect">
-            <a:avLst/>
-          </a:prstGeom>
-          <a:solidFill>
-            <a:schemeClr val="accent2"/>
-          </a:solidFill>
-        </p:spPr>
-        <p:style>
-          <a:lnRef idx="2">
-            <a:schemeClr val="accent1">
-              <a:shade val="50000"/>
-            </a:schemeClr>
-          </a:lnRef>
-          <a:fillRef idx="1">
-            <a:schemeClr val="accent1"/>
-          </a:fillRef>
-          <a:effectRef idx="0">
-            <a:schemeClr val="accent1"/>
-          </a:effectRef>
-          <a:fontRef idx="minor">
-            <a:schemeClr val="lt1"/>
-          </a:fontRef>
-        </p:style>
-        <p:txBody>
-          <a:bodyPr rot="0" spcFirstLastPara="0" vert="horz" wrap="square" lIns="91440" tIns="45720" rIns="91440" bIns="45720" numCol="1" spcCol="0" rtlCol="0" fromWordArt="0" anchor="ctr" anchorCtr="0" forceAA="0" compatLnSpc="1">
-            <a:prstTxWarp prst="textNoShape">
-              <a:avLst/>
-            </a:prstTxWarp>
-            <a:noAutofit/>
-          </a:bodyPr>
-          <a:lstStyle>
-            <a:defPPr>
-              <a:defRPr lang="en-US"/>
-            </a:defPPr>
-            <a:lvl1pPr marL="0" algn="l" defTabSz="914400" rtl="0" eaLnBrk="1" latinLnBrk="0" hangingPunct="1">
-              <a:defRPr sz="1800" kern="1200">
-                <a:solidFill>
-                  <a:schemeClr val="lt1"/>
-                </a:solidFill>
-                <a:latin typeface="+mn-lt"/>
-                <a:ea typeface="+mn-ea"/>
-                <a:cs typeface="+mn-cs"/>
-              </a:defRPr>
-            </a:lvl1pPr>
-            <a:lvl2pPr marL="457200" algn="l" defTabSz="914400" rtl="0" eaLnBrk="1" latinLnBrk="0" hangingPunct="1">
-              <a:defRPr sz="1800" kern="1200">
-                <a:solidFill>
-                  <a:schemeClr val="lt1"/>
-                </a:solidFill>
-                <a:latin typeface="+mn-lt"/>
-                <a:ea typeface="+mn-ea"/>
-                <a:cs typeface="+mn-cs"/>
-              </a:defRPr>
-            </a:lvl2pPr>
-            <a:lvl3pPr marL="914400" algn="l" defTabSz="914400" rtl="0" eaLnBrk="1" latinLnBrk="0" hangingPunct="1">
-              <a:defRPr sz="1800" kern="1200">
-                <a:solidFill>
-                  <a:schemeClr val="lt1"/>
-                </a:solidFill>
-                <a:latin typeface="+mn-lt"/>
-                <a:ea typeface="+mn-ea"/>
-                <a:cs typeface="+mn-cs"/>
-              </a:defRPr>
-            </a:lvl3pPr>
-            <a:lvl4pPr marL="1371600" algn="l" defTabSz="914400" rtl="0" eaLnBrk="1" latinLnBrk="0" hangingPunct="1">
-              <a:defRPr sz="1800" kern="1200">
-                <a:solidFill>
-                  <a:schemeClr val="lt1"/>
-                </a:solidFill>
-                <a:latin typeface="+mn-lt"/>
-                <a:ea typeface="+mn-ea"/>
-                <a:cs typeface="+mn-cs"/>
-              </a:defRPr>
-            </a:lvl4pPr>
-            <a:lvl5pPr marL="1828800" algn="l" defTabSz="914400" rtl="0" eaLnBrk="1" latinLnBrk="0" hangingPunct="1">
-              <a:defRPr sz="1800" kern="1200">
-                <a:solidFill>
-                  <a:schemeClr val="lt1"/>
-                </a:solidFill>
-                <a:latin typeface="+mn-lt"/>
-                <a:ea typeface="+mn-ea"/>
-                <a:cs typeface="+mn-cs"/>
-              </a:defRPr>
-            </a:lvl5pPr>
-            <a:lvl6pPr marL="2286000" algn="l" defTabSz="914400" rtl="0" eaLnBrk="1" latinLnBrk="0" hangingPunct="1">
-              <a:defRPr sz="1800" kern="1200">
-                <a:solidFill>
-                  <a:schemeClr val="lt1"/>
-                </a:solidFill>
-                <a:latin typeface="+mn-lt"/>
-                <a:ea typeface="+mn-ea"/>
-                <a:cs typeface="+mn-cs"/>
-              </a:defRPr>
-            </a:lvl6pPr>
-            <a:lvl7pPr marL="2743200" algn="l" defTabSz="914400" rtl="0" eaLnBrk="1" latinLnBrk="0" hangingPunct="1">
-              <a:defRPr sz="1800" kern="1200">
-                <a:solidFill>
-                  <a:schemeClr val="lt1"/>
-                </a:solidFill>
-                <a:latin typeface="+mn-lt"/>
-                <a:ea typeface="+mn-ea"/>
-                <a:cs typeface="+mn-cs"/>
-              </a:defRPr>
-            </a:lvl7pPr>
-            <a:lvl8pPr marL="3200400" algn="l" defTabSz="914400" rtl="0" eaLnBrk="1" latinLnBrk="0" hangingPunct="1">
-              <a:defRPr sz="1800" kern="1200">
-                <a:solidFill>
-                  <a:schemeClr val="lt1"/>
-                </a:solidFill>
-                <a:latin typeface="+mn-lt"/>
-                <a:ea typeface="+mn-ea"/>
-                <a:cs typeface="+mn-cs"/>
-              </a:defRPr>
-            </a:lvl8pPr>
-            <a:lvl9pPr marL="3657600" algn="l" defTabSz="914400" rtl="0" eaLnBrk="1" latinLnBrk="0" hangingPunct="1">
-              <a:defRPr sz="1800" kern="1200">
-                <a:solidFill>
-                  <a:schemeClr val="lt1"/>
-                </a:solidFill>
-                <a:latin typeface="+mn-lt"/>
-                <a:ea typeface="+mn-ea"/>
-                <a:cs typeface="+mn-cs"/>
-              </a:defRPr>
-            </a:lvl9pPr>
-          </a:lstStyle>
-          <a:p>
-            <a:pPr algn="ctr"/>
-            <a:endParaRPr lang="en-US"/>
-          </a:p>
-        </p:txBody>
-      </p:sp>
-      <p:sp>
-        <p:nvSpPr>
-          <p:cNvPr id="70" name="Rectangle 69"/>
-          <p:cNvSpPr/>
-          <p:nvPr/>
-        </p:nvSpPr>
-        <p:spPr>
-          <a:xfrm>
-            <a:off x="4901635" y="4337604"/>
-            <a:ext cx="425002" cy="334851"/>
-          </a:xfrm>
-          <a:prstGeom prst="rect">
-            <a:avLst/>
-          </a:prstGeom>
-          <a:solidFill>
-            <a:schemeClr val="accent2"/>
-          </a:solidFill>
-        </p:spPr>
-        <p:style>
-          <a:lnRef idx="2">
-            <a:schemeClr val="accent1">
-              <a:shade val="50000"/>
-            </a:schemeClr>
-          </a:lnRef>
-          <a:fillRef idx="1">
-            <a:schemeClr val="accent1"/>
-          </a:fillRef>
-          <a:effectRef idx="0">
-            <a:schemeClr val="accent1"/>
-          </a:effectRef>
-          <a:fontRef idx="minor">
-            <a:schemeClr val="lt1"/>
-          </a:fontRef>
-        </p:style>
-        <p:txBody>
-          <a:bodyPr rot="0" spcFirstLastPara="0" vert="horz" wrap="square" lIns="91440" tIns="45720" rIns="91440" bIns="45720" numCol="1" spcCol="0" rtlCol="0" fromWordArt="0" anchor="ctr" anchorCtr="0" forceAA="0" compatLnSpc="1">
-            <a:prstTxWarp prst="textNoShape">
-              <a:avLst/>
-            </a:prstTxWarp>
-            <a:noAutofit/>
-          </a:bodyPr>
-          <a:lstStyle>
-            <a:defPPr>
-              <a:defRPr lang="en-US"/>
-            </a:defPPr>
-            <a:lvl1pPr marL="0" algn="l" defTabSz="914400" rtl="0" eaLnBrk="1" latinLnBrk="0" hangingPunct="1">
-              <a:defRPr sz="1800" kern="1200">
-                <a:solidFill>
-                  <a:schemeClr val="lt1"/>
-                </a:solidFill>
-                <a:latin typeface="+mn-lt"/>
-                <a:ea typeface="+mn-ea"/>
-                <a:cs typeface="+mn-cs"/>
-              </a:defRPr>
-            </a:lvl1pPr>
-            <a:lvl2pPr marL="457200" algn="l" defTabSz="914400" rtl="0" eaLnBrk="1" latinLnBrk="0" hangingPunct="1">
-              <a:defRPr sz="1800" kern="1200">
-                <a:solidFill>
-                  <a:schemeClr val="lt1"/>
-                </a:solidFill>
-                <a:latin typeface="+mn-lt"/>
-                <a:ea typeface="+mn-ea"/>
-                <a:cs typeface="+mn-cs"/>
-              </a:defRPr>
-            </a:lvl2pPr>
-            <a:lvl3pPr marL="914400" algn="l" defTabSz="914400" rtl="0" eaLnBrk="1" latinLnBrk="0" hangingPunct="1">
-              <a:defRPr sz="1800" kern="1200">
-                <a:solidFill>
-                  <a:schemeClr val="lt1"/>
-                </a:solidFill>
-                <a:latin typeface="+mn-lt"/>
-                <a:ea typeface="+mn-ea"/>
-                <a:cs typeface="+mn-cs"/>
-              </a:defRPr>
-            </a:lvl3pPr>
-            <a:lvl4pPr marL="1371600" algn="l" defTabSz="914400" rtl="0" eaLnBrk="1" latinLnBrk="0" hangingPunct="1">
-              <a:defRPr sz="1800" kern="1200">
-                <a:solidFill>
-                  <a:schemeClr val="lt1"/>
-                </a:solidFill>
-                <a:latin typeface="+mn-lt"/>
-                <a:ea typeface="+mn-ea"/>
-                <a:cs typeface="+mn-cs"/>
-              </a:defRPr>
-            </a:lvl4pPr>
-            <a:lvl5pPr marL="1828800" algn="l" defTabSz="914400" rtl="0" eaLnBrk="1" latinLnBrk="0" hangingPunct="1">
-              <a:defRPr sz="1800" kern="1200">
-                <a:solidFill>
-                  <a:schemeClr val="lt1"/>
-                </a:solidFill>
-                <a:latin typeface="+mn-lt"/>
-                <a:ea typeface="+mn-ea"/>
-                <a:cs typeface="+mn-cs"/>
-              </a:defRPr>
-            </a:lvl5pPr>
-            <a:lvl6pPr marL="2286000" algn="l" defTabSz="914400" rtl="0" eaLnBrk="1" latinLnBrk="0" hangingPunct="1">
-              <a:defRPr sz="1800" kern="1200">
-                <a:solidFill>
-                  <a:schemeClr val="lt1"/>
-                </a:solidFill>
-                <a:latin typeface="+mn-lt"/>
-                <a:ea typeface="+mn-ea"/>
-                <a:cs typeface="+mn-cs"/>
-              </a:defRPr>
-            </a:lvl6pPr>
-            <a:lvl7pPr marL="2743200" algn="l" defTabSz="914400" rtl="0" eaLnBrk="1" latinLnBrk="0" hangingPunct="1">
-              <a:defRPr sz="1800" kern="1200">
-                <a:solidFill>
-                  <a:schemeClr val="lt1"/>
-                </a:solidFill>
-                <a:latin typeface="+mn-lt"/>
-                <a:ea typeface="+mn-ea"/>
-                <a:cs typeface="+mn-cs"/>
-              </a:defRPr>
-            </a:lvl7pPr>
-            <a:lvl8pPr marL="3200400" algn="l" defTabSz="914400" rtl="0" eaLnBrk="1" latinLnBrk="0" hangingPunct="1">
-              <a:defRPr sz="1800" kern="1200">
-                <a:solidFill>
-                  <a:schemeClr val="lt1"/>
-                </a:solidFill>
-                <a:latin typeface="+mn-lt"/>
-                <a:ea typeface="+mn-ea"/>
-                <a:cs typeface="+mn-cs"/>
-              </a:defRPr>
-            </a:lvl8pPr>
-            <a:lvl9pPr marL="3657600" algn="l" defTabSz="914400" rtl="0" eaLnBrk="1" latinLnBrk="0" hangingPunct="1">
-              <a:defRPr sz="1800" kern="1200">
-                <a:solidFill>
-                  <a:schemeClr val="lt1"/>
-                </a:solidFill>
-                <a:latin typeface="+mn-lt"/>
-                <a:ea typeface="+mn-ea"/>
-                <a:cs typeface="+mn-cs"/>
-              </a:defRPr>
-            </a:lvl9pPr>
-          </a:lstStyle>
-          <a:p>
-            <a:pPr algn="ctr"/>
-            <a:endParaRPr lang="en-US"/>
-          </a:p>
-        </p:txBody>
-      </p:sp>
-      <p:sp>
-        <p:nvSpPr>
-          <p:cNvPr id="71" name="Rectangle 70"/>
-          <p:cNvSpPr/>
-          <p:nvPr/>
-        </p:nvSpPr>
-        <p:spPr>
-          <a:xfrm>
-            <a:off x="5427522" y="4337604"/>
-            <a:ext cx="425002" cy="334851"/>
-          </a:xfrm>
-          <a:prstGeom prst="rect">
-            <a:avLst/>
-          </a:prstGeom>
-          <a:solidFill>
-            <a:schemeClr val="accent2"/>
-          </a:solidFill>
-        </p:spPr>
-        <p:style>
-          <a:lnRef idx="2">
-            <a:schemeClr val="accent1">
-              <a:shade val="50000"/>
-            </a:schemeClr>
-          </a:lnRef>
-          <a:fillRef idx="1">
-            <a:schemeClr val="accent1"/>
-          </a:fillRef>
-          <a:effectRef idx="0">
-            <a:schemeClr val="accent1"/>
-          </a:effectRef>
-          <a:fontRef idx="minor">
-            <a:schemeClr val="lt1"/>
-          </a:fontRef>
-        </p:style>
-        <p:txBody>
-          <a:bodyPr rot="0" spcFirstLastPara="0" vert="horz" wrap="square" lIns="91440" tIns="45720" rIns="91440" bIns="45720" numCol="1" spcCol="0" rtlCol="0" fromWordArt="0" anchor="ctr" anchorCtr="0" forceAA="0" compatLnSpc="1">
-            <a:prstTxWarp prst="textNoShape">
-              <a:avLst/>
-            </a:prstTxWarp>
-            <a:noAutofit/>
-          </a:bodyPr>
-          <a:lstStyle>
-            <a:defPPr>
-              <a:defRPr lang="en-US"/>
-            </a:defPPr>
-            <a:lvl1pPr marL="0" algn="l" defTabSz="914400" rtl="0" eaLnBrk="1" latinLnBrk="0" hangingPunct="1">
-              <a:defRPr sz="1800" kern="1200">
-                <a:solidFill>
-                  <a:schemeClr val="lt1"/>
-                </a:solidFill>
-                <a:latin typeface="+mn-lt"/>
-                <a:ea typeface="+mn-ea"/>
-                <a:cs typeface="+mn-cs"/>
-              </a:defRPr>
-            </a:lvl1pPr>
-            <a:lvl2pPr marL="457200" algn="l" defTabSz="914400" rtl="0" eaLnBrk="1" latinLnBrk="0" hangingPunct="1">
-              <a:defRPr sz="1800" kern="1200">
-                <a:solidFill>
-                  <a:schemeClr val="lt1"/>
-                </a:solidFill>
-                <a:latin typeface="+mn-lt"/>
-                <a:ea typeface="+mn-ea"/>
-                <a:cs typeface="+mn-cs"/>
-              </a:defRPr>
-            </a:lvl2pPr>
-            <a:lvl3pPr marL="914400" algn="l" defTabSz="914400" rtl="0" eaLnBrk="1" latinLnBrk="0" hangingPunct="1">
-              <a:defRPr sz="1800" kern="1200">
-                <a:solidFill>
-                  <a:schemeClr val="lt1"/>
-                </a:solidFill>
-                <a:latin typeface="+mn-lt"/>
-                <a:ea typeface="+mn-ea"/>
-                <a:cs typeface="+mn-cs"/>
-              </a:defRPr>
-            </a:lvl3pPr>
-            <a:lvl4pPr marL="1371600" algn="l" defTabSz="914400" rtl="0" eaLnBrk="1" latinLnBrk="0" hangingPunct="1">
-              <a:defRPr sz="1800" kern="1200">
-                <a:solidFill>
-                  <a:schemeClr val="lt1"/>
-                </a:solidFill>
-                <a:latin typeface="+mn-lt"/>
-                <a:ea typeface="+mn-ea"/>
-                <a:cs typeface="+mn-cs"/>
-              </a:defRPr>
-            </a:lvl4pPr>
-            <a:lvl5pPr marL="1828800" algn="l" defTabSz="914400" rtl="0" eaLnBrk="1" latinLnBrk="0" hangingPunct="1">
-              <a:defRPr sz="1800" kern="1200">
-                <a:solidFill>
-                  <a:schemeClr val="lt1"/>
-                </a:solidFill>
-                <a:latin typeface="+mn-lt"/>
-                <a:ea typeface="+mn-ea"/>
-                <a:cs typeface="+mn-cs"/>
-              </a:defRPr>
-            </a:lvl5pPr>
-            <a:lvl6pPr marL="2286000" algn="l" defTabSz="914400" rtl="0" eaLnBrk="1" latinLnBrk="0" hangingPunct="1">
-              <a:defRPr sz="1800" kern="1200">
-                <a:solidFill>
-                  <a:schemeClr val="lt1"/>
-                </a:solidFill>
-                <a:latin typeface="+mn-lt"/>
-                <a:ea typeface="+mn-ea"/>
-                <a:cs typeface="+mn-cs"/>
-              </a:defRPr>
-            </a:lvl6pPr>
-            <a:lvl7pPr marL="2743200" algn="l" defTabSz="914400" rtl="0" eaLnBrk="1" latinLnBrk="0" hangingPunct="1">
-              <a:defRPr sz="1800" kern="1200">
-                <a:solidFill>
-                  <a:schemeClr val="lt1"/>
-                </a:solidFill>
-                <a:latin typeface="+mn-lt"/>
-                <a:ea typeface="+mn-ea"/>
-                <a:cs typeface="+mn-cs"/>
-              </a:defRPr>
-            </a:lvl7pPr>
-            <a:lvl8pPr marL="3200400" algn="l" defTabSz="914400" rtl="0" eaLnBrk="1" latinLnBrk="0" hangingPunct="1">
-              <a:defRPr sz="1800" kern="1200">
-                <a:solidFill>
-                  <a:schemeClr val="lt1"/>
-                </a:solidFill>
-                <a:latin typeface="+mn-lt"/>
-                <a:ea typeface="+mn-ea"/>
-                <a:cs typeface="+mn-cs"/>
-              </a:defRPr>
-            </a:lvl8pPr>
-            <a:lvl9pPr marL="3657600" algn="l" defTabSz="914400" rtl="0" eaLnBrk="1" latinLnBrk="0" hangingPunct="1">
-              <a:defRPr sz="1800" kern="1200">
-                <a:solidFill>
-                  <a:schemeClr val="lt1"/>
-                </a:solidFill>
-                <a:latin typeface="+mn-lt"/>
-                <a:ea typeface="+mn-ea"/>
-                <a:cs typeface="+mn-cs"/>
-              </a:defRPr>
-            </a:lvl9pPr>
-          </a:lstStyle>
-          <a:p>
-            <a:pPr algn="ctr"/>
-            <a:endParaRPr lang="en-US"/>
-          </a:p>
-        </p:txBody>
-      </p:sp>
-      <p:sp>
-        <p:nvSpPr>
-          <p:cNvPr id="72" name="Rectangle 71"/>
-          <p:cNvSpPr/>
-          <p:nvPr/>
-        </p:nvSpPr>
-        <p:spPr>
-          <a:xfrm>
-            <a:off x="5953409" y="4337604"/>
-            <a:ext cx="425002" cy="334851"/>
-          </a:xfrm>
-          <a:prstGeom prst="rect">
-            <a:avLst/>
-          </a:prstGeom>
-          <a:solidFill>
-            <a:schemeClr val="accent2"/>
-          </a:solidFill>
-        </p:spPr>
-        <p:style>
-          <a:lnRef idx="2">
-            <a:schemeClr val="accent1">
-              <a:shade val="50000"/>
-            </a:schemeClr>
-          </a:lnRef>
-          <a:fillRef idx="1">
-            <a:schemeClr val="accent1"/>
-          </a:fillRef>
-          <a:effectRef idx="0">
-            <a:schemeClr val="accent1"/>
-          </a:effectRef>
-          <a:fontRef idx="minor">
-            <a:schemeClr val="lt1"/>
-          </a:fontRef>
-        </p:style>
-        <p:txBody>
-          <a:bodyPr rot="0" spcFirstLastPara="0" vert="horz" wrap="square" lIns="91440" tIns="45720" rIns="91440" bIns="45720" numCol="1" spcCol="0" rtlCol="0" fromWordArt="0" anchor="ctr" anchorCtr="0" forceAA="0" compatLnSpc="1">
-            <a:prstTxWarp prst="textNoShape">
-              <a:avLst/>
-            </a:prstTxWarp>
-            <a:noAutofit/>
-          </a:bodyPr>
-          <a:lstStyle>
-            <a:defPPr>
-              <a:defRPr lang="en-US"/>
-            </a:defPPr>
-            <a:lvl1pPr marL="0" algn="l" defTabSz="914400" rtl="0" eaLnBrk="1" latinLnBrk="0" hangingPunct="1">
-              <a:defRPr sz="1800" kern="1200">
-                <a:solidFill>
-                  <a:schemeClr val="lt1"/>
-                </a:solidFill>
-                <a:latin typeface="+mn-lt"/>
-                <a:ea typeface="+mn-ea"/>
-                <a:cs typeface="+mn-cs"/>
-              </a:defRPr>
-            </a:lvl1pPr>
-            <a:lvl2pPr marL="457200" algn="l" defTabSz="914400" rtl="0" eaLnBrk="1" latinLnBrk="0" hangingPunct="1">
-              <a:defRPr sz="1800" kern="1200">
-                <a:solidFill>
-                  <a:schemeClr val="lt1"/>
-                </a:solidFill>
-                <a:latin typeface="+mn-lt"/>
-                <a:ea typeface="+mn-ea"/>
-                <a:cs typeface="+mn-cs"/>
-              </a:defRPr>
-            </a:lvl2pPr>
-            <a:lvl3pPr marL="914400" algn="l" defTabSz="914400" rtl="0" eaLnBrk="1" latinLnBrk="0" hangingPunct="1">
-              <a:defRPr sz="1800" kern="1200">
-                <a:solidFill>
-                  <a:schemeClr val="lt1"/>
-                </a:solidFill>
-                <a:latin typeface="+mn-lt"/>
-                <a:ea typeface="+mn-ea"/>
-                <a:cs typeface="+mn-cs"/>
-              </a:defRPr>
-            </a:lvl3pPr>
-            <a:lvl4pPr marL="1371600" algn="l" defTabSz="914400" rtl="0" eaLnBrk="1" latinLnBrk="0" hangingPunct="1">
-              <a:defRPr sz="1800" kern="1200">
-                <a:solidFill>
-                  <a:schemeClr val="lt1"/>
-                </a:solidFill>
-                <a:latin typeface="+mn-lt"/>
-                <a:ea typeface="+mn-ea"/>
-                <a:cs typeface="+mn-cs"/>
-              </a:defRPr>
-            </a:lvl4pPr>
-            <a:lvl5pPr marL="1828800" algn="l" defTabSz="914400" rtl="0" eaLnBrk="1" latinLnBrk="0" hangingPunct="1">
-              <a:defRPr sz="1800" kern="1200">
-                <a:solidFill>
-                  <a:schemeClr val="lt1"/>
-                </a:solidFill>
-                <a:latin typeface="+mn-lt"/>
-                <a:ea typeface="+mn-ea"/>
-                <a:cs typeface="+mn-cs"/>
-              </a:defRPr>
-            </a:lvl5pPr>
-            <a:lvl6pPr marL="2286000" algn="l" defTabSz="914400" rtl="0" eaLnBrk="1" latinLnBrk="0" hangingPunct="1">
-              <a:defRPr sz="1800" kern="1200">
-                <a:solidFill>
-                  <a:schemeClr val="lt1"/>
-                </a:solidFill>
-                <a:latin typeface="+mn-lt"/>
-                <a:ea typeface="+mn-ea"/>
-                <a:cs typeface="+mn-cs"/>
-              </a:defRPr>
-            </a:lvl6pPr>
-            <a:lvl7pPr marL="2743200" algn="l" defTabSz="914400" rtl="0" eaLnBrk="1" latinLnBrk="0" hangingPunct="1">
-              <a:defRPr sz="1800" kern="1200">
-                <a:solidFill>
-                  <a:schemeClr val="lt1"/>
-                </a:solidFill>
-                <a:latin typeface="+mn-lt"/>
-                <a:ea typeface="+mn-ea"/>
-                <a:cs typeface="+mn-cs"/>
-              </a:defRPr>
-            </a:lvl7pPr>
-            <a:lvl8pPr marL="3200400" algn="l" defTabSz="914400" rtl="0" eaLnBrk="1" latinLnBrk="0" hangingPunct="1">
-              <a:defRPr sz="1800" kern="1200">
-                <a:solidFill>
-                  <a:schemeClr val="lt1"/>
-                </a:solidFill>
-                <a:latin typeface="+mn-lt"/>
-                <a:ea typeface="+mn-ea"/>
-                <a:cs typeface="+mn-cs"/>
-              </a:defRPr>
-            </a:lvl8pPr>
-            <a:lvl9pPr marL="3657600" algn="l" defTabSz="914400" rtl="0" eaLnBrk="1" latinLnBrk="0" hangingPunct="1">
-              <a:defRPr sz="1800" kern="1200">
-                <a:solidFill>
-                  <a:schemeClr val="lt1"/>
-                </a:solidFill>
-                <a:latin typeface="+mn-lt"/>
-                <a:ea typeface="+mn-ea"/>
-                <a:cs typeface="+mn-cs"/>
-              </a:defRPr>
-            </a:lvl9pPr>
-          </a:lstStyle>
-          <a:p>
-            <a:pPr algn="ctr"/>
-            <a:endParaRPr lang="en-US"/>
-          </a:p>
-        </p:txBody>
-      </p:sp>
-      <p:sp>
-        <p:nvSpPr>
-          <p:cNvPr id="73" name="Rectangle 72"/>
-          <p:cNvSpPr/>
-          <p:nvPr/>
-        </p:nvSpPr>
-        <p:spPr>
-          <a:xfrm>
-            <a:off x="6479296" y="4337604"/>
-            <a:ext cx="425002" cy="334851"/>
-          </a:xfrm>
-          <a:prstGeom prst="rect">
-            <a:avLst/>
-          </a:prstGeom>
-          <a:solidFill>
-            <a:schemeClr val="accent2"/>
-          </a:solidFill>
-        </p:spPr>
-        <p:style>
-          <a:lnRef idx="2">
-            <a:schemeClr val="accent1">
-              <a:shade val="50000"/>
-            </a:schemeClr>
-          </a:lnRef>
-          <a:fillRef idx="1">
-            <a:schemeClr val="accent1"/>
-          </a:fillRef>
-          <a:effectRef idx="0">
-            <a:schemeClr val="accent1"/>
-          </a:effectRef>
-          <a:fontRef idx="minor">
-            <a:schemeClr val="lt1"/>
-          </a:fontRef>
-        </p:style>
-        <p:txBody>
-          <a:bodyPr rot="0" spcFirstLastPara="0" vert="horz" wrap="square" lIns="91440" tIns="45720" rIns="91440" bIns="45720" numCol="1" spcCol="0" rtlCol="0" fromWordArt="0" anchor="ctr" anchorCtr="0" forceAA="0" compatLnSpc="1">
-            <a:prstTxWarp prst="textNoShape">
-              <a:avLst/>
-            </a:prstTxWarp>
-            <a:noAutofit/>
-          </a:bodyPr>
-          <a:lstStyle>
-            <a:defPPr>
-              <a:defRPr lang="en-US"/>
-            </a:defPPr>
-            <a:lvl1pPr marL="0" algn="l" defTabSz="914400" rtl="0" eaLnBrk="1" latinLnBrk="0" hangingPunct="1">
-              <a:defRPr sz="1800" kern="1200">
-                <a:solidFill>
-                  <a:schemeClr val="lt1"/>
-                </a:solidFill>
-                <a:latin typeface="+mn-lt"/>
-                <a:ea typeface="+mn-ea"/>
-                <a:cs typeface="+mn-cs"/>
-              </a:defRPr>
-            </a:lvl1pPr>
-            <a:lvl2pPr marL="457200" algn="l" defTabSz="914400" rtl="0" eaLnBrk="1" latinLnBrk="0" hangingPunct="1">
-              <a:defRPr sz="1800" kern="1200">
-                <a:solidFill>
-                  <a:schemeClr val="lt1"/>
-                </a:solidFill>
-                <a:latin typeface="+mn-lt"/>
-                <a:ea typeface="+mn-ea"/>
-                <a:cs typeface="+mn-cs"/>
-              </a:defRPr>
-            </a:lvl2pPr>
-            <a:lvl3pPr marL="914400" algn="l" defTabSz="914400" rtl="0" eaLnBrk="1" latinLnBrk="0" hangingPunct="1">
-              <a:defRPr sz="1800" kern="1200">
-                <a:solidFill>
-                  <a:schemeClr val="lt1"/>
-                </a:solidFill>
-                <a:latin typeface="+mn-lt"/>
-                <a:ea typeface="+mn-ea"/>
-                <a:cs typeface="+mn-cs"/>
-              </a:defRPr>
-            </a:lvl3pPr>
-            <a:lvl4pPr marL="1371600" algn="l" defTabSz="914400" rtl="0" eaLnBrk="1" latinLnBrk="0" hangingPunct="1">
-              <a:defRPr sz="1800" kern="1200">
-                <a:solidFill>
-                  <a:schemeClr val="lt1"/>
-                </a:solidFill>
-                <a:latin typeface="+mn-lt"/>
-                <a:ea typeface="+mn-ea"/>
-                <a:cs typeface="+mn-cs"/>
-              </a:defRPr>
-            </a:lvl4pPr>
-            <a:lvl5pPr marL="1828800" algn="l" defTabSz="914400" rtl="0" eaLnBrk="1" latinLnBrk="0" hangingPunct="1">
-              <a:defRPr sz="1800" kern="1200">
-                <a:solidFill>
-                  <a:schemeClr val="lt1"/>
-                </a:solidFill>
-                <a:latin typeface="+mn-lt"/>
-                <a:ea typeface="+mn-ea"/>
-                <a:cs typeface="+mn-cs"/>
-              </a:defRPr>
-            </a:lvl5pPr>
-            <a:lvl6pPr marL="2286000" algn="l" defTabSz="914400" rtl="0" eaLnBrk="1" latinLnBrk="0" hangingPunct="1">
-              <a:defRPr sz="1800" kern="1200">
-                <a:solidFill>
-                  <a:schemeClr val="lt1"/>
-                </a:solidFill>
-                <a:latin typeface="+mn-lt"/>
-                <a:ea typeface="+mn-ea"/>
-                <a:cs typeface="+mn-cs"/>
-              </a:defRPr>
-            </a:lvl6pPr>
-            <a:lvl7pPr marL="2743200" algn="l" defTabSz="914400" rtl="0" eaLnBrk="1" latinLnBrk="0" hangingPunct="1">
-              <a:defRPr sz="1800" kern="1200">
-                <a:solidFill>
-                  <a:schemeClr val="lt1"/>
-                </a:solidFill>
-                <a:latin typeface="+mn-lt"/>
-                <a:ea typeface="+mn-ea"/>
-                <a:cs typeface="+mn-cs"/>
-              </a:defRPr>
-            </a:lvl7pPr>
-            <a:lvl8pPr marL="3200400" algn="l" defTabSz="914400" rtl="0" eaLnBrk="1" latinLnBrk="0" hangingPunct="1">
-              <a:defRPr sz="1800" kern="1200">
-                <a:solidFill>
-                  <a:schemeClr val="lt1"/>
-                </a:solidFill>
-                <a:latin typeface="+mn-lt"/>
-                <a:ea typeface="+mn-ea"/>
-                <a:cs typeface="+mn-cs"/>
-              </a:defRPr>
-            </a:lvl8pPr>
-            <a:lvl9pPr marL="3657600" algn="l" defTabSz="914400" rtl="0" eaLnBrk="1" latinLnBrk="0" hangingPunct="1">
-              <a:defRPr sz="1800" kern="1200">
-                <a:solidFill>
-                  <a:schemeClr val="lt1"/>
-                </a:solidFill>
-                <a:latin typeface="+mn-lt"/>
-                <a:ea typeface="+mn-ea"/>
-                <a:cs typeface="+mn-cs"/>
-              </a:defRPr>
-            </a:lvl9pPr>
-          </a:lstStyle>
-          <a:p>
-            <a:pPr algn="ctr"/>
-            <a:r>
-              <a:rPr lang="en-US" sz="1400" dirty="0" smtClean="0"/>
+              <a:rPr lang="en-US" sz="1400" b="1" dirty="0"/>
               <a:t>n-1</a:t>
             </a:r>
-            <a:endParaRPr lang="en-US" sz="1400" dirty="0"/>
+            <a:endParaRPr lang="en-US" sz="1400" b="1" dirty="0"/>
           </a:p>
         </p:txBody>
       </p:sp>
@@ -14305,7 +13545,7 @@
         </p:nvCxnSpPr>
         <p:spPr>
           <a:xfrm>
-            <a:off x="2479183" y="3090730"/>
+            <a:off x="4191868" y="3090730"/>
             <a:ext cx="5518" cy="1246874"/>
           </a:xfrm>
           <a:prstGeom prst="straightConnector1">
@@ -14338,7 +13578,7 @@
         </p:nvCxnSpPr>
         <p:spPr>
           <a:xfrm>
-            <a:off x="3005070" y="3079044"/>
+            <a:off x="4717755" y="3079044"/>
             <a:ext cx="5518" cy="1246874"/>
           </a:xfrm>
           <a:prstGeom prst="straightConnector1">
@@ -14371,7 +13611,7 @@
         </p:nvCxnSpPr>
         <p:spPr>
           <a:xfrm>
-            <a:off x="6678614" y="3090730"/>
+            <a:off x="8391299" y="3090730"/>
             <a:ext cx="5518" cy="1246874"/>
           </a:xfrm>
           <a:prstGeom prst="straightConnector1">
@@ -14404,7 +13644,7 @@
         </p:nvCxnSpPr>
         <p:spPr>
           <a:xfrm>
-            <a:off x="6152727" y="3090730"/>
+            <a:off x="7865412" y="3090730"/>
             <a:ext cx="5518" cy="1246874"/>
           </a:xfrm>
           <a:prstGeom prst="straightConnector1">
@@ -14437,7 +13677,7 @@
         </p:nvCxnSpPr>
         <p:spPr>
           <a:xfrm>
-            <a:off x="5628987" y="3090730"/>
+            <a:off x="7341672" y="3090730"/>
             <a:ext cx="5518" cy="1246874"/>
           </a:xfrm>
           <a:prstGeom prst="straightConnector1">
@@ -14470,7 +13710,7 @@
         </p:nvCxnSpPr>
         <p:spPr>
           <a:xfrm>
-            <a:off x="5105247" y="3079044"/>
+            <a:off x="6817932" y="3079044"/>
             <a:ext cx="5518" cy="1246874"/>
           </a:xfrm>
           <a:prstGeom prst="straightConnector1">
@@ -14503,7 +13743,7 @@
         </p:nvCxnSpPr>
         <p:spPr>
           <a:xfrm>
-            <a:off x="4554827" y="3102862"/>
+            <a:off x="6267512" y="3102862"/>
             <a:ext cx="5518" cy="1246874"/>
           </a:xfrm>
           <a:prstGeom prst="straightConnector1">
@@ -14536,7 +13776,7 @@
         </p:nvCxnSpPr>
         <p:spPr>
           <a:xfrm>
-            <a:off x="4061750" y="3102862"/>
+            <a:off x="5774435" y="3102862"/>
             <a:ext cx="5518" cy="1246874"/>
           </a:xfrm>
           <a:prstGeom prst="straightConnector1">
@@ -14569,7 +13809,7 @@
         </p:nvCxnSpPr>
         <p:spPr>
           <a:xfrm>
-            <a:off x="3524827" y="3079044"/>
+            <a:off x="5237512" y="3079044"/>
             <a:ext cx="5518" cy="1246874"/>
           </a:xfrm>
           <a:prstGeom prst="straightConnector1">
@@ -14602,7 +13842,7 @@
         </p:nvSpPr>
         <p:spPr>
           <a:xfrm>
-            <a:off x="825045" y="4325918"/>
+            <a:off x="2537730" y="4325918"/>
             <a:ext cx="1357616" cy="646331"/>
           </a:xfrm>
           <a:prstGeom prst="rect">
@@ -14636,6 +13876,35 @@
               <a:t>(Cipher text)</a:t>
             </a:r>
             <a:endParaRPr lang="en-US" dirty="0"/>
+          </a:p>
+        </p:txBody>
+      </p:sp>
+      <p:sp>
+        <p:nvSpPr>
+          <p:cNvPr id="2" name="TextBox 1"/>
+          <p:cNvSpPr txBox="1"/>
+          <p:nvPr/>
+        </p:nvSpPr>
+        <p:spPr>
+          <a:xfrm>
+            <a:off x="2524161" y="5648800"/>
+            <a:ext cx="3032867" cy="584775"/>
+          </a:xfrm>
+          <a:prstGeom prst="rect">
+            <a:avLst/>
+          </a:prstGeom>
+          <a:noFill/>
+        </p:spPr>
+        <p:txBody>
+          <a:bodyPr wrap="square" rtlCol="0">
+            <a:spAutoFit/>
+          </a:bodyPr>
+          <a:lstStyle/>
+          <a:p>
+            <a:r>
+              <a:rPr lang="en-US" sz="3200" dirty="0" smtClean="0"/>
+              <a:t>Stream cipher</a:t>
+            </a:r>
           </a:p>
         </p:txBody>
       </p:sp>
@@ -14794,6 +14063,11 @@
               <a:lumOff val="25000"/>
             </a:schemeClr>
           </a:solidFill>
+          <a:effectLst>
+            <a:glow>
+              <a:schemeClr val="accent1"/>
+            </a:glow>
+          </a:effectLst>
         </p:spPr>
         <p:style>
           <a:lnRef idx="2">
@@ -15086,7 +14360,7 @@
         </p:nvSpPr>
         <p:spPr>
           <a:xfrm>
-            <a:off x="6535233" y="734094"/>
+            <a:off x="6706525" y="734094"/>
             <a:ext cx="1738648" cy="631065"/>
           </a:xfrm>
           <a:prstGeom prst="roundRect">
@@ -15257,7 +14531,7 @@
         <p:spPr>
           <a:xfrm>
             <a:off x="787791" y="5444197"/>
-            <a:ext cx="2521459" cy="369332"/>
+            <a:ext cx="4341253" cy="584775"/>
           </a:xfrm>
           <a:prstGeom prst="rect">
             <a:avLst/>
@@ -15271,42 +14545,194 @@
           <a:lstStyle/>
           <a:p>
             <a:r>
-              <a:rPr lang="en-US" dirty="0" err="1" smtClean="0"/>
+              <a:rPr lang="en-US" sz="3200" dirty="0" err="1" smtClean="0"/>
               <a:t>Tạo</a:t>
             </a:r>
             <a:r>
-              <a:rPr lang="en-US" dirty="0" smtClean="0"/>
+              <a:rPr lang="en-US" sz="3200" dirty="0" smtClean="0"/>
               <a:t> </a:t>
             </a:r>
             <a:r>
-              <a:rPr lang="en-US" dirty="0" err="1" smtClean="0"/>
+              <a:rPr lang="en-US" sz="3200" dirty="0" err="1" smtClean="0"/>
               <a:t>khóa</a:t>
             </a:r>
             <a:r>
-              <a:rPr lang="en-US" dirty="0" smtClean="0"/>
+              <a:rPr lang="en-US" sz="3200" dirty="0" smtClean="0"/>
               <a:t> </a:t>
             </a:r>
             <a:r>
-              <a:rPr lang="en-US" dirty="0" err="1" smtClean="0"/>
+              <a:rPr lang="en-US" sz="3200" dirty="0" err="1" smtClean="0"/>
               <a:t>mã</a:t>
             </a:r>
             <a:r>
-              <a:rPr lang="en-US" dirty="0" smtClean="0"/>
+              <a:rPr lang="en-US" sz="3200" dirty="0" smtClean="0"/>
               <a:t> </a:t>
             </a:r>
             <a:r>
-              <a:rPr lang="en-US" dirty="0" err="1" smtClean="0"/>
+              <a:rPr lang="en-US" sz="3200" dirty="0" err="1" smtClean="0"/>
               <a:t>hóa-giải</a:t>
             </a:r>
             <a:r>
-              <a:rPr lang="en-US" dirty="0" smtClean="0"/>
+              <a:rPr lang="en-US" sz="3200" dirty="0" smtClean="0"/>
               <a:t> </a:t>
             </a:r>
             <a:r>
-              <a:rPr lang="en-US" dirty="0" err="1" smtClean="0"/>
+              <a:rPr lang="en-US" sz="3200" dirty="0" err="1" smtClean="0"/>
               <a:t>mã</a:t>
             </a:r>
-            <a:endParaRPr lang="en-US" dirty="0"/>
+            <a:endParaRPr lang="en-US" sz="3200" dirty="0"/>
+          </a:p>
+        </p:txBody>
+      </p:sp>
+      <p:sp>
+        <p:nvSpPr>
+          <p:cNvPr id="3" name="Flowchart: Alternate Process 2"/>
+          <p:cNvSpPr/>
+          <p:nvPr/>
+        </p:nvSpPr>
+        <p:spPr>
+          <a:xfrm>
+            <a:off x="1038931" y="3924490"/>
+            <a:ext cx="2153787" cy="850231"/>
+          </a:xfrm>
+          <a:prstGeom prst="flowChartAlternateProcess">
+            <a:avLst/>
+          </a:prstGeom>
+          <a:gradFill>
+            <a:gsLst>
+              <a:gs pos="0">
+                <a:schemeClr val="accent1">
+                  <a:lumMod val="5000"/>
+                  <a:lumOff val="95000"/>
+                </a:schemeClr>
+              </a:gs>
+              <a:gs pos="64000">
+                <a:schemeClr val="accent1">
+                  <a:lumMod val="45000"/>
+                  <a:lumOff val="55000"/>
+                </a:schemeClr>
+              </a:gs>
+              <a:gs pos="81000">
+                <a:schemeClr val="accent1">
+                  <a:lumMod val="45000"/>
+                  <a:lumOff val="55000"/>
+                </a:schemeClr>
+              </a:gs>
+              <a:gs pos="100000">
+                <a:schemeClr val="accent1">
+                  <a:lumMod val="30000"/>
+                  <a:lumOff val="70000"/>
+                </a:schemeClr>
+              </a:gs>
+            </a:gsLst>
+            <a:lin ang="5400000" scaled="1"/>
+          </a:gradFill>
+          <a:effectLst>
+            <a:outerShdw blurRad="50800" dist="50800" dir="5400000" sx="103000" sy="103000" algn="ctr" rotWithShape="0">
+              <a:srgbClr val="000000">
+                <a:alpha val="43137"/>
+              </a:srgbClr>
+            </a:outerShdw>
+          </a:effectLst>
+        </p:spPr>
+        <p:style>
+          <a:lnRef idx="2">
+            <a:schemeClr val="accent1">
+              <a:shade val="50000"/>
+            </a:schemeClr>
+          </a:lnRef>
+          <a:fillRef idx="1">
+            <a:schemeClr val="accent1"/>
+          </a:fillRef>
+          <a:effectRef idx="0">
+            <a:schemeClr val="accent1"/>
+          </a:effectRef>
+          <a:fontRef idx="minor">
+            <a:schemeClr val="lt1"/>
+          </a:fontRef>
+        </p:style>
+        <p:txBody>
+          <a:bodyPr rtlCol="0" anchor="ctr"/>
+          <a:lstStyle/>
+          <a:p>
+            <a:pPr algn="ctr"/>
+            <a:endParaRPr lang="en-US"/>
+          </a:p>
+        </p:txBody>
+      </p:sp>
+      <p:sp>
+        <p:nvSpPr>
+          <p:cNvPr id="18" name="Flowchart: Alternate Process 17"/>
+          <p:cNvSpPr/>
+          <p:nvPr/>
+        </p:nvSpPr>
+        <p:spPr>
+          <a:xfrm>
+            <a:off x="6706525" y="3898231"/>
+            <a:ext cx="2153787" cy="850231"/>
+          </a:xfrm>
+          <a:prstGeom prst="flowChartAlternateProcess">
+            <a:avLst/>
+          </a:prstGeom>
+          <a:gradFill>
+            <a:gsLst>
+              <a:gs pos="0">
+                <a:schemeClr val="accent1">
+                  <a:lumMod val="5000"/>
+                  <a:lumOff val="95000"/>
+                </a:schemeClr>
+              </a:gs>
+              <a:gs pos="64000">
+                <a:schemeClr val="accent1">
+                  <a:lumMod val="45000"/>
+                  <a:lumOff val="55000"/>
+                </a:schemeClr>
+              </a:gs>
+              <a:gs pos="81000">
+                <a:schemeClr val="accent1">
+                  <a:lumMod val="45000"/>
+                  <a:lumOff val="55000"/>
+                </a:schemeClr>
+              </a:gs>
+              <a:gs pos="100000">
+                <a:schemeClr val="accent1">
+                  <a:lumMod val="30000"/>
+                  <a:lumOff val="70000"/>
+                </a:schemeClr>
+              </a:gs>
+            </a:gsLst>
+            <a:lin ang="5400000" scaled="1"/>
+          </a:gradFill>
+          <a:effectLst>
+            <a:outerShdw blurRad="50800" dist="50800" dir="5400000" sx="103000" sy="103000" algn="ctr" rotWithShape="0">
+              <a:srgbClr val="000000">
+                <a:alpha val="43137"/>
+              </a:srgbClr>
+            </a:outerShdw>
+          </a:effectLst>
+        </p:spPr>
+        <p:style>
+          <a:lnRef idx="2">
+            <a:schemeClr val="accent1">
+              <a:shade val="50000"/>
+            </a:schemeClr>
+          </a:lnRef>
+          <a:fillRef idx="1">
+            <a:schemeClr val="accent1"/>
+          </a:fillRef>
+          <a:effectRef idx="0">
+            <a:schemeClr val="accent1"/>
+          </a:effectRef>
+          <a:fontRef idx="minor">
+            <a:schemeClr val="lt1"/>
+          </a:fontRef>
+        </p:style>
+        <p:txBody>
+          <a:bodyPr rtlCol="0" anchor="ctr"/>
+          <a:lstStyle/>
+          <a:p>
+            <a:pPr algn="ctr"/>
+            <a:endParaRPr lang="en-US"/>
           </a:p>
         </p:txBody>
       </p:sp>
@@ -15331,6 +14757,908 @@
 </file>
 
 <file path=ppt/slides/slide6.xml><?xml version="1.0" encoding="utf-8"?>
+<p:sld xmlns:a="http://schemas.openxmlformats.org/drawingml/2006/main" xmlns:r="http://schemas.openxmlformats.org/officeDocument/2006/relationships" xmlns:p="http://schemas.openxmlformats.org/presentationml/2006/main">
+  <p:cSld>
+    <p:spTree>
+      <p:nvGrpSpPr>
+        <p:cNvPr id="1" name=""/>
+        <p:cNvGrpSpPr/>
+        <p:nvPr/>
+      </p:nvGrpSpPr>
+      <p:grpSpPr>
+        <a:xfrm>
+          <a:off x="0" y="0"/>
+          <a:ext cx="0" cy="0"/>
+          <a:chOff x="0" y="0"/>
+          <a:chExt cx="0" cy="0"/>
+        </a:xfrm>
+      </p:grpSpPr>
+      <p:sp>
+        <p:nvSpPr>
+          <p:cNvPr id="45" name="TextBox 44"/>
+          <p:cNvSpPr txBox="1"/>
+          <p:nvPr/>
+        </p:nvSpPr>
+        <p:spPr>
+          <a:xfrm>
+            <a:off x="787791" y="5444197"/>
+            <a:ext cx="4341253" cy="584775"/>
+          </a:xfrm>
+          <a:prstGeom prst="rect">
+            <a:avLst/>
+          </a:prstGeom>
+          <a:noFill/>
+        </p:spPr>
+        <p:txBody>
+          <a:bodyPr wrap="none" rtlCol="0">
+            <a:spAutoFit/>
+          </a:bodyPr>
+          <a:lstStyle/>
+          <a:p>
+            <a:r>
+              <a:rPr lang="en-US" sz="3200" dirty="0" err="1" smtClean="0"/>
+              <a:t>Tạo</a:t>
+            </a:r>
+            <a:r>
+              <a:rPr lang="en-US" sz="3200" dirty="0" smtClean="0"/>
+              <a:t> </a:t>
+            </a:r>
+            <a:r>
+              <a:rPr lang="en-US" sz="3200" dirty="0" err="1" smtClean="0"/>
+              <a:t>khóa</a:t>
+            </a:r>
+            <a:r>
+              <a:rPr lang="en-US" sz="3200" dirty="0" smtClean="0"/>
+              <a:t> </a:t>
+            </a:r>
+            <a:r>
+              <a:rPr lang="en-US" sz="3200" dirty="0" err="1" smtClean="0"/>
+              <a:t>mã</a:t>
+            </a:r>
+            <a:r>
+              <a:rPr lang="en-US" sz="3200" dirty="0" smtClean="0"/>
+              <a:t> </a:t>
+            </a:r>
+            <a:r>
+              <a:rPr lang="en-US" sz="3200" dirty="0" err="1" smtClean="0"/>
+              <a:t>hóa-giải</a:t>
+            </a:r>
+            <a:r>
+              <a:rPr lang="en-US" sz="3200" dirty="0" smtClean="0"/>
+              <a:t> </a:t>
+            </a:r>
+            <a:r>
+              <a:rPr lang="en-US" sz="3200" dirty="0" err="1" smtClean="0"/>
+              <a:t>mã</a:t>
+            </a:r>
+            <a:endParaRPr lang="en-US" sz="3200" dirty="0"/>
+          </a:p>
+        </p:txBody>
+      </p:sp>
+      <p:sp>
+        <p:nvSpPr>
+          <p:cNvPr id="3" name="Flowchart: Alternate Process 2"/>
+          <p:cNvSpPr/>
+          <p:nvPr/>
+        </p:nvSpPr>
+        <p:spPr>
+          <a:xfrm>
+            <a:off x="309479" y="569957"/>
+            <a:ext cx="1864228" cy="850231"/>
+          </a:xfrm>
+          <a:prstGeom prst="flowChartAlternateProcess">
+            <a:avLst/>
+          </a:prstGeom>
+          <a:gradFill>
+            <a:gsLst>
+              <a:gs pos="2000">
+                <a:schemeClr val="accent1">
+                  <a:lumMod val="5000"/>
+                  <a:lumOff val="95000"/>
+                </a:schemeClr>
+              </a:gs>
+              <a:gs pos="91000">
+                <a:schemeClr val="accent1">
+                  <a:lumMod val="45000"/>
+                  <a:lumOff val="55000"/>
+                </a:schemeClr>
+              </a:gs>
+              <a:gs pos="72000">
+                <a:schemeClr val="accent1">
+                  <a:lumMod val="45000"/>
+                  <a:lumOff val="55000"/>
+                </a:schemeClr>
+              </a:gs>
+              <a:gs pos="97000">
+                <a:schemeClr val="accent1">
+                  <a:lumMod val="30000"/>
+                  <a:lumOff val="70000"/>
+                </a:schemeClr>
+              </a:gs>
+            </a:gsLst>
+            <a:lin ang="5400000" scaled="1"/>
+          </a:gradFill>
+          <a:effectLst>
+            <a:outerShdw blurRad="50800" dist="50800" dir="5400000" sx="103000" sy="103000" algn="ctr" rotWithShape="0">
+              <a:srgbClr val="000000">
+                <a:alpha val="43137"/>
+              </a:srgbClr>
+            </a:outerShdw>
+          </a:effectLst>
+        </p:spPr>
+        <p:style>
+          <a:lnRef idx="2">
+            <a:schemeClr val="accent1">
+              <a:shade val="50000"/>
+            </a:schemeClr>
+          </a:lnRef>
+          <a:fillRef idx="1">
+            <a:schemeClr val="accent1"/>
+          </a:fillRef>
+          <a:effectRef idx="0">
+            <a:schemeClr val="accent1"/>
+          </a:effectRef>
+          <a:fontRef idx="minor">
+            <a:schemeClr val="lt1"/>
+          </a:fontRef>
+        </p:style>
+        <p:txBody>
+          <a:bodyPr rtlCol="0" anchor="ctr"/>
+          <a:lstStyle/>
+          <a:p>
+            <a:pPr algn="ctr"/>
+            <a:r>
+              <a:rPr lang="en-US" sz="2400" b="1" dirty="0" smtClean="0">
+                <a:solidFill>
+                  <a:schemeClr val="tx1"/>
+                </a:solidFill>
+              </a:rPr>
+              <a:t>Password</a:t>
+            </a:r>
+          </a:p>
+        </p:txBody>
+      </p:sp>
+      <p:sp>
+        <p:nvSpPr>
+          <p:cNvPr id="18" name="Flowchart: Alternate Process 17"/>
+          <p:cNvSpPr/>
+          <p:nvPr/>
+        </p:nvSpPr>
+        <p:spPr>
+          <a:xfrm>
+            <a:off x="7288090" y="569956"/>
+            <a:ext cx="2153787" cy="850231"/>
+          </a:xfrm>
+          <a:prstGeom prst="flowChartAlternateProcess">
+            <a:avLst/>
+          </a:prstGeom>
+          <a:gradFill>
+            <a:gsLst>
+              <a:gs pos="2000">
+                <a:schemeClr val="accent1">
+                  <a:lumMod val="5000"/>
+                  <a:lumOff val="95000"/>
+                </a:schemeClr>
+              </a:gs>
+              <a:gs pos="91000">
+                <a:schemeClr val="accent1">
+                  <a:lumMod val="45000"/>
+                  <a:lumOff val="55000"/>
+                </a:schemeClr>
+              </a:gs>
+              <a:gs pos="72000">
+                <a:schemeClr val="accent1">
+                  <a:lumMod val="45000"/>
+                  <a:lumOff val="55000"/>
+                </a:schemeClr>
+              </a:gs>
+              <a:gs pos="97000">
+                <a:schemeClr val="accent1">
+                  <a:lumMod val="30000"/>
+                  <a:lumOff val="70000"/>
+                </a:schemeClr>
+              </a:gs>
+            </a:gsLst>
+            <a:lin ang="5400000" scaled="1"/>
+          </a:gradFill>
+          <a:effectLst>
+            <a:outerShdw blurRad="50800" dist="50800" dir="5400000" sx="103000" sy="103000" algn="ctr" rotWithShape="0">
+              <a:srgbClr val="000000">
+                <a:alpha val="43137"/>
+              </a:srgbClr>
+            </a:outerShdw>
+          </a:effectLst>
+        </p:spPr>
+        <p:style>
+          <a:lnRef idx="2">
+            <a:schemeClr val="accent1">
+              <a:shade val="50000"/>
+            </a:schemeClr>
+          </a:lnRef>
+          <a:fillRef idx="1">
+            <a:schemeClr val="accent1"/>
+          </a:fillRef>
+          <a:effectRef idx="0">
+            <a:schemeClr val="accent1"/>
+          </a:effectRef>
+          <a:fontRef idx="minor">
+            <a:schemeClr val="lt1"/>
+          </a:fontRef>
+        </p:style>
+        <p:txBody>
+          <a:bodyPr rtlCol="0" anchor="ctr"/>
+          <a:lstStyle/>
+          <a:p>
+            <a:pPr algn="ctr"/>
+            <a:r>
+              <a:rPr lang="en-US" sz="2400" b="1" dirty="0" err="1" smtClean="0">
+                <a:solidFill>
+                  <a:schemeClr val="tx1"/>
+                </a:solidFill>
+              </a:rPr>
+              <a:t>DataIgnition</a:t>
+            </a:r>
+            <a:endParaRPr lang="en-US" sz="2400" b="1" dirty="0">
+              <a:solidFill>
+                <a:schemeClr val="tx1"/>
+              </a:solidFill>
+            </a:endParaRPr>
+          </a:p>
+        </p:txBody>
+      </p:sp>
+      <p:sp>
+        <p:nvSpPr>
+          <p:cNvPr id="19" name="Flowchart: Alternate Process 18"/>
+          <p:cNvSpPr/>
+          <p:nvPr/>
+        </p:nvSpPr>
+        <p:spPr>
+          <a:xfrm>
+            <a:off x="2814038" y="569957"/>
+            <a:ext cx="1835894" cy="850231"/>
+          </a:xfrm>
+          <a:prstGeom prst="flowChartAlternateProcess">
+            <a:avLst/>
+          </a:prstGeom>
+          <a:gradFill>
+            <a:gsLst>
+              <a:gs pos="2000">
+                <a:schemeClr val="accent1">
+                  <a:lumMod val="5000"/>
+                  <a:lumOff val="95000"/>
+                </a:schemeClr>
+              </a:gs>
+              <a:gs pos="91000">
+                <a:schemeClr val="accent1">
+                  <a:lumMod val="45000"/>
+                  <a:lumOff val="55000"/>
+                </a:schemeClr>
+              </a:gs>
+              <a:gs pos="72000">
+                <a:schemeClr val="accent1">
+                  <a:lumMod val="45000"/>
+                  <a:lumOff val="55000"/>
+                </a:schemeClr>
+              </a:gs>
+              <a:gs pos="97000">
+                <a:schemeClr val="accent1">
+                  <a:lumMod val="30000"/>
+                  <a:lumOff val="70000"/>
+                </a:schemeClr>
+              </a:gs>
+            </a:gsLst>
+            <a:lin ang="5400000" scaled="1"/>
+          </a:gradFill>
+          <a:effectLst>
+            <a:outerShdw blurRad="50800" dist="50800" dir="5400000" sx="103000" sy="103000" algn="ctr" rotWithShape="0">
+              <a:srgbClr val="000000">
+                <a:alpha val="43137"/>
+              </a:srgbClr>
+            </a:outerShdw>
+          </a:effectLst>
+        </p:spPr>
+        <p:style>
+          <a:lnRef idx="2">
+            <a:schemeClr val="accent1">
+              <a:shade val="50000"/>
+            </a:schemeClr>
+          </a:lnRef>
+          <a:fillRef idx="1">
+            <a:schemeClr val="accent1"/>
+          </a:fillRef>
+          <a:effectRef idx="0">
+            <a:schemeClr val="accent1"/>
+          </a:effectRef>
+          <a:fontRef idx="minor">
+            <a:schemeClr val="lt1"/>
+          </a:fontRef>
+        </p:style>
+        <p:txBody>
+          <a:bodyPr rtlCol="0" anchor="ctr"/>
+          <a:lstStyle/>
+          <a:p>
+            <a:pPr algn="ctr"/>
+            <a:r>
+              <a:rPr lang="en-US" sz="2400" b="1" dirty="0" smtClean="0">
+                <a:solidFill>
+                  <a:schemeClr val="tx1"/>
+                </a:solidFill>
+              </a:rPr>
+              <a:t>Salt</a:t>
+            </a:r>
+            <a:endParaRPr lang="en-US" sz="2400" b="1" dirty="0">
+              <a:solidFill>
+                <a:schemeClr val="tx1"/>
+              </a:solidFill>
+            </a:endParaRPr>
+          </a:p>
+        </p:txBody>
+      </p:sp>
+      <p:sp>
+        <p:nvSpPr>
+          <p:cNvPr id="20" name="Flowchart: Alternate Process 19"/>
+          <p:cNvSpPr/>
+          <p:nvPr/>
+        </p:nvSpPr>
+        <p:spPr>
+          <a:xfrm>
+            <a:off x="948212" y="2279443"/>
+            <a:ext cx="2901893" cy="1152749"/>
+          </a:xfrm>
+          <a:prstGeom prst="flowChartAlternateProcess">
+            <a:avLst/>
+          </a:prstGeom>
+          <a:gradFill flip="none" rotWithShape="1">
+            <a:gsLst>
+              <a:gs pos="14000">
+                <a:schemeClr val="accent2">
+                  <a:lumMod val="67000"/>
+                </a:schemeClr>
+              </a:gs>
+              <a:gs pos="62000">
+                <a:schemeClr val="accent2">
+                  <a:lumMod val="97000"/>
+                  <a:lumOff val="3000"/>
+                </a:schemeClr>
+              </a:gs>
+              <a:gs pos="85000">
+                <a:schemeClr val="accent2">
+                  <a:lumMod val="60000"/>
+                  <a:lumOff val="40000"/>
+                </a:schemeClr>
+              </a:gs>
+            </a:gsLst>
+            <a:lin ang="16200000" scaled="1"/>
+            <a:tileRect/>
+          </a:gradFill>
+          <a:effectLst>
+            <a:outerShdw blurRad="50800" dist="50800" dir="5400000" sx="103000" sy="103000" algn="ctr" rotWithShape="0">
+              <a:srgbClr val="000000">
+                <a:alpha val="43137"/>
+              </a:srgbClr>
+            </a:outerShdw>
+          </a:effectLst>
+        </p:spPr>
+        <p:style>
+          <a:lnRef idx="2">
+            <a:schemeClr val="accent1">
+              <a:shade val="50000"/>
+            </a:schemeClr>
+          </a:lnRef>
+          <a:fillRef idx="1">
+            <a:schemeClr val="accent1"/>
+          </a:fillRef>
+          <a:effectRef idx="0">
+            <a:schemeClr val="accent1"/>
+          </a:effectRef>
+          <a:fontRef idx="minor">
+            <a:schemeClr val="lt1"/>
+          </a:fontRef>
+        </p:style>
+        <p:txBody>
+          <a:bodyPr rtlCol="0" anchor="ctr"/>
+          <a:lstStyle/>
+          <a:p>
+            <a:pPr algn="ctr"/>
+            <a:r>
+              <a:rPr lang="en-US" sz="2400" b="1" dirty="0"/>
+              <a:t>Rfc2898DeriveBytes </a:t>
+            </a:r>
+            <a:endParaRPr lang="en-US" sz="2400" b="1" dirty="0"/>
+          </a:p>
+        </p:txBody>
+      </p:sp>
+      <p:sp>
+        <p:nvSpPr>
+          <p:cNvPr id="22" name="Flowchart: Alternate Process 21"/>
+          <p:cNvSpPr/>
+          <p:nvPr/>
+        </p:nvSpPr>
+        <p:spPr>
+          <a:xfrm>
+            <a:off x="6660058" y="2270741"/>
+            <a:ext cx="3445253" cy="1152749"/>
+          </a:xfrm>
+          <a:prstGeom prst="flowChartAlternateProcess">
+            <a:avLst/>
+          </a:prstGeom>
+          <a:gradFill flip="none" rotWithShape="1">
+            <a:gsLst>
+              <a:gs pos="14000">
+                <a:schemeClr val="accent2">
+                  <a:lumMod val="67000"/>
+                </a:schemeClr>
+              </a:gs>
+              <a:gs pos="62000">
+                <a:schemeClr val="accent2">
+                  <a:lumMod val="97000"/>
+                  <a:lumOff val="3000"/>
+                </a:schemeClr>
+              </a:gs>
+              <a:gs pos="85000">
+                <a:schemeClr val="accent2">
+                  <a:lumMod val="60000"/>
+                  <a:lumOff val="40000"/>
+                </a:schemeClr>
+              </a:gs>
+            </a:gsLst>
+            <a:lin ang="16200000" scaled="1"/>
+            <a:tileRect/>
+          </a:gradFill>
+          <a:effectLst>
+            <a:outerShdw blurRad="50800" dist="50800" dir="5400000" sx="103000" sy="103000" algn="ctr" rotWithShape="0">
+              <a:srgbClr val="000000">
+                <a:alpha val="43137"/>
+              </a:srgbClr>
+            </a:outerShdw>
+          </a:effectLst>
+        </p:spPr>
+        <p:style>
+          <a:lnRef idx="2">
+            <a:schemeClr val="accent1">
+              <a:shade val="50000"/>
+            </a:schemeClr>
+          </a:lnRef>
+          <a:fillRef idx="1">
+            <a:schemeClr val="accent1"/>
+          </a:fillRef>
+          <a:effectRef idx="0">
+            <a:schemeClr val="accent1"/>
+          </a:effectRef>
+          <a:fontRef idx="minor">
+            <a:schemeClr val="lt1"/>
+          </a:fontRef>
+        </p:style>
+        <p:txBody>
+          <a:bodyPr rtlCol="0" anchor="ctr"/>
+          <a:lstStyle/>
+          <a:p>
+            <a:pPr algn="ctr"/>
+            <a:r>
+              <a:rPr lang="en-US" sz="2400" b="1" dirty="0" err="1" smtClean="0"/>
+              <a:t>AesCrytoServiceProvider</a:t>
+            </a:r>
+            <a:endParaRPr lang="en-US" sz="2400" b="1" dirty="0"/>
+          </a:p>
+        </p:txBody>
+      </p:sp>
+      <p:sp>
+        <p:nvSpPr>
+          <p:cNvPr id="2" name="Oval 1"/>
+          <p:cNvSpPr/>
+          <p:nvPr/>
+        </p:nvSpPr>
+        <p:spPr>
+          <a:xfrm>
+            <a:off x="4612568" y="2279442"/>
+            <a:ext cx="1267326" cy="1152749"/>
+          </a:xfrm>
+          <a:prstGeom prst="ellipse">
+            <a:avLst/>
+          </a:prstGeom>
+          <a:gradFill flip="none" rotWithShape="1">
+            <a:gsLst>
+              <a:gs pos="0">
+                <a:schemeClr val="accent6">
+                  <a:lumMod val="5000"/>
+                  <a:lumOff val="95000"/>
+                </a:schemeClr>
+              </a:gs>
+              <a:gs pos="74000">
+                <a:schemeClr val="accent6">
+                  <a:lumMod val="45000"/>
+                  <a:lumOff val="55000"/>
+                </a:schemeClr>
+              </a:gs>
+              <a:gs pos="83000">
+                <a:schemeClr val="accent6">
+                  <a:lumMod val="45000"/>
+                  <a:lumOff val="55000"/>
+                </a:schemeClr>
+              </a:gs>
+              <a:gs pos="100000">
+                <a:schemeClr val="accent6">
+                  <a:lumMod val="30000"/>
+                  <a:lumOff val="70000"/>
+                </a:schemeClr>
+              </a:gs>
+            </a:gsLst>
+            <a:lin ang="5400000" scaled="1"/>
+            <a:tileRect/>
+          </a:gradFill>
+        </p:spPr>
+        <p:style>
+          <a:lnRef idx="2">
+            <a:schemeClr val="accent1">
+              <a:shade val="50000"/>
+            </a:schemeClr>
+          </a:lnRef>
+          <a:fillRef idx="1">
+            <a:schemeClr val="accent1"/>
+          </a:fillRef>
+          <a:effectRef idx="0">
+            <a:schemeClr val="accent1"/>
+          </a:effectRef>
+          <a:fontRef idx="minor">
+            <a:schemeClr val="lt1"/>
+          </a:fontRef>
+        </p:style>
+        <p:txBody>
+          <a:bodyPr rtlCol="0" anchor="ctr"/>
+          <a:lstStyle/>
+          <a:p>
+            <a:pPr algn="ctr"/>
+            <a:r>
+              <a:rPr lang="en-US" sz="3600" b="1" dirty="0" smtClean="0">
+                <a:solidFill>
+                  <a:schemeClr val="accent2"/>
+                </a:solidFill>
+              </a:rPr>
+              <a:t>K</a:t>
+            </a:r>
+            <a:r>
+              <a:rPr lang="en-US" sz="3600" b="1" baseline="-25000" dirty="0">
+                <a:solidFill>
+                  <a:schemeClr val="accent2"/>
+                </a:solidFill>
+              </a:rPr>
+              <a:t>0</a:t>
+            </a:r>
+            <a:endParaRPr lang="en-US" sz="3600" b="1" dirty="0">
+              <a:solidFill>
+                <a:schemeClr val="accent2"/>
+              </a:solidFill>
+            </a:endParaRPr>
+          </a:p>
+        </p:txBody>
+      </p:sp>
+      <p:sp>
+        <p:nvSpPr>
+          <p:cNvPr id="23" name="Oval 22"/>
+          <p:cNvSpPr/>
+          <p:nvPr/>
+        </p:nvSpPr>
+        <p:spPr>
+          <a:xfrm>
+            <a:off x="10814675" y="2279441"/>
+            <a:ext cx="1267326" cy="1152749"/>
+          </a:xfrm>
+          <a:prstGeom prst="ellipse">
+            <a:avLst/>
+          </a:prstGeom>
+          <a:gradFill flip="none" rotWithShape="1">
+            <a:gsLst>
+              <a:gs pos="0">
+                <a:schemeClr val="accent6">
+                  <a:lumMod val="5000"/>
+                  <a:lumOff val="95000"/>
+                </a:schemeClr>
+              </a:gs>
+              <a:gs pos="74000">
+                <a:schemeClr val="accent6">
+                  <a:lumMod val="45000"/>
+                  <a:lumOff val="55000"/>
+                </a:schemeClr>
+              </a:gs>
+              <a:gs pos="83000">
+                <a:schemeClr val="accent6">
+                  <a:lumMod val="45000"/>
+                  <a:lumOff val="55000"/>
+                </a:schemeClr>
+              </a:gs>
+              <a:gs pos="100000">
+                <a:schemeClr val="accent6">
+                  <a:lumMod val="30000"/>
+                  <a:lumOff val="70000"/>
+                </a:schemeClr>
+              </a:gs>
+            </a:gsLst>
+            <a:lin ang="5400000" scaled="1"/>
+            <a:tileRect/>
+          </a:gradFill>
+        </p:spPr>
+        <p:style>
+          <a:lnRef idx="2">
+            <a:schemeClr val="accent1">
+              <a:shade val="50000"/>
+            </a:schemeClr>
+          </a:lnRef>
+          <a:fillRef idx="1">
+            <a:schemeClr val="accent1"/>
+          </a:fillRef>
+          <a:effectRef idx="0">
+            <a:schemeClr val="accent1"/>
+          </a:effectRef>
+          <a:fontRef idx="minor">
+            <a:schemeClr val="lt1"/>
+          </a:fontRef>
+        </p:style>
+        <p:txBody>
+          <a:bodyPr rtlCol="0" anchor="ctr"/>
+          <a:lstStyle/>
+          <a:p>
+            <a:pPr algn="ctr"/>
+            <a:r>
+              <a:rPr lang="en-US" sz="3600" b="1" dirty="0" smtClean="0">
+                <a:solidFill>
+                  <a:schemeClr val="accent2"/>
+                </a:solidFill>
+              </a:rPr>
+              <a:t>K</a:t>
+            </a:r>
+            <a:endParaRPr lang="en-US" sz="3600" b="1" dirty="0">
+              <a:solidFill>
+                <a:schemeClr val="accent2"/>
+              </a:solidFill>
+            </a:endParaRPr>
+          </a:p>
+        </p:txBody>
+      </p:sp>
+      <p:cxnSp>
+        <p:nvCxnSpPr>
+          <p:cNvPr id="8" name="Straight Arrow Connector 7"/>
+          <p:cNvCxnSpPr>
+            <a:stCxn id="3" idx="2"/>
+          </p:cNvCxnSpPr>
+          <p:nvPr/>
+        </p:nvCxnSpPr>
+        <p:spPr>
+          <a:xfrm>
+            <a:off x="1241593" y="1420188"/>
+            <a:ext cx="932114" cy="859253"/>
+          </a:xfrm>
+          <a:prstGeom prst="straightConnector1">
+            <a:avLst/>
+          </a:prstGeom>
+          <a:ln w="76200">
+            <a:solidFill>
+              <a:schemeClr val="accent1"/>
+            </a:solidFill>
+            <a:tailEnd type="triangle"/>
+          </a:ln>
+        </p:spPr>
+        <p:style>
+          <a:lnRef idx="1">
+            <a:schemeClr val="accent1"/>
+          </a:lnRef>
+          <a:fillRef idx="0">
+            <a:schemeClr val="accent1"/>
+          </a:fillRef>
+          <a:effectRef idx="0">
+            <a:schemeClr val="accent1"/>
+          </a:effectRef>
+          <a:fontRef idx="minor">
+            <a:schemeClr val="tx1"/>
+          </a:fontRef>
+        </p:style>
+      </p:cxnSp>
+      <p:cxnSp>
+        <p:nvCxnSpPr>
+          <p:cNvPr id="25" name="Straight Arrow Connector 24"/>
+          <p:cNvCxnSpPr>
+            <a:stCxn id="19" idx="2"/>
+          </p:cNvCxnSpPr>
+          <p:nvPr/>
+        </p:nvCxnSpPr>
+        <p:spPr>
+          <a:xfrm flipH="1">
+            <a:off x="2612486" y="1420188"/>
+            <a:ext cx="1119499" cy="859253"/>
+          </a:xfrm>
+          <a:prstGeom prst="straightConnector1">
+            <a:avLst/>
+          </a:prstGeom>
+          <a:ln w="76200">
+            <a:solidFill>
+              <a:schemeClr val="accent1"/>
+            </a:solidFill>
+            <a:tailEnd type="triangle"/>
+          </a:ln>
+        </p:spPr>
+        <p:style>
+          <a:lnRef idx="1">
+            <a:schemeClr val="accent1"/>
+          </a:lnRef>
+          <a:fillRef idx="0">
+            <a:schemeClr val="accent1"/>
+          </a:fillRef>
+          <a:effectRef idx="0">
+            <a:schemeClr val="accent1"/>
+          </a:effectRef>
+          <a:fontRef idx="minor">
+            <a:schemeClr val="tx1"/>
+          </a:fontRef>
+        </p:style>
+      </p:cxnSp>
+      <p:cxnSp>
+        <p:nvCxnSpPr>
+          <p:cNvPr id="29" name="Straight Arrow Connector 28"/>
+          <p:cNvCxnSpPr>
+            <a:endCxn id="22" idx="0"/>
+          </p:cNvCxnSpPr>
+          <p:nvPr/>
+        </p:nvCxnSpPr>
+        <p:spPr>
+          <a:xfrm>
+            <a:off x="8364985" y="1432501"/>
+            <a:ext cx="17700" cy="838240"/>
+          </a:xfrm>
+          <a:prstGeom prst="straightConnector1">
+            <a:avLst/>
+          </a:prstGeom>
+          <a:ln w="76200">
+            <a:solidFill>
+              <a:schemeClr val="accent1"/>
+            </a:solidFill>
+            <a:tailEnd type="triangle"/>
+          </a:ln>
+        </p:spPr>
+        <p:style>
+          <a:lnRef idx="1">
+            <a:schemeClr val="accent1"/>
+          </a:lnRef>
+          <a:fillRef idx="0">
+            <a:schemeClr val="accent1"/>
+          </a:fillRef>
+          <a:effectRef idx="0">
+            <a:schemeClr val="accent1"/>
+          </a:effectRef>
+          <a:fontRef idx="minor">
+            <a:schemeClr val="tx1"/>
+          </a:fontRef>
+        </p:style>
+      </p:cxnSp>
+      <p:cxnSp>
+        <p:nvCxnSpPr>
+          <p:cNvPr id="30" name="Straight Arrow Connector 29"/>
+          <p:cNvCxnSpPr>
+            <a:endCxn id="2" idx="2"/>
+          </p:cNvCxnSpPr>
+          <p:nvPr/>
+        </p:nvCxnSpPr>
+        <p:spPr>
+          <a:xfrm>
+            <a:off x="3850105" y="2847116"/>
+            <a:ext cx="762463" cy="8701"/>
+          </a:xfrm>
+          <a:prstGeom prst="straightConnector1">
+            <a:avLst/>
+          </a:prstGeom>
+          <a:ln w="76200">
+            <a:solidFill>
+              <a:schemeClr val="accent1"/>
+            </a:solidFill>
+            <a:tailEnd type="triangle"/>
+          </a:ln>
+        </p:spPr>
+        <p:style>
+          <a:lnRef idx="1">
+            <a:schemeClr val="accent1"/>
+          </a:lnRef>
+          <a:fillRef idx="0">
+            <a:schemeClr val="accent1"/>
+          </a:fillRef>
+          <a:effectRef idx="0">
+            <a:schemeClr val="accent1"/>
+          </a:effectRef>
+          <a:fontRef idx="minor">
+            <a:schemeClr val="tx1"/>
+          </a:fontRef>
+        </p:style>
+      </p:cxnSp>
+      <p:cxnSp>
+        <p:nvCxnSpPr>
+          <p:cNvPr id="32" name="Straight Arrow Connector 31"/>
+          <p:cNvCxnSpPr/>
+          <p:nvPr/>
+        </p:nvCxnSpPr>
+        <p:spPr>
+          <a:xfrm>
+            <a:off x="5897595" y="2855815"/>
+            <a:ext cx="762463" cy="8701"/>
+          </a:xfrm>
+          <a:prstGeom prst="straightConnector1">
+            <a:avLst/>
+          </a:prstGeom>
+          <a:ln w="76200">
+            <a:solidFill>
+              <a:schemeClr val="accent1"/>
+            </a:solidFill>
+            <a:tailEnd type="triangle"/>
+          </a:ln>
+        </p:spPr>
+        <p:style>
+          <a:lnRef idx="1">
+            <a:schemeClr val="accent1"/>
+          </a:lnRef>
+          <a:fillRef idx="0">
+            <a:schemeClr val="accent1"/>
+          </a:fillRef>
+          <a:effectRef idx="0">
+            <a:schemeClr val="accent1"/>
+          </a:effectRef>
+          <a:fontRef idx="minor">
+            <a:schemeClr val="tx1"/>
+          </a:fontRef>
+        </p:style>
+      </p:cxnSp>
+      <p:cxnSp>
+        <p:nvCxnSpPr>
+          <p:cNvPr id="35" name="Straight Arrow Connector 34"/>
+          <p:cNvCxnSpPr/>
+          <p:nvPr/>
+        </p:nvCxnSpPr>
+        <p:spPr>
+          <a:xfrm>
+            <a:off x="10087611" y="2864516"/>
+            <a:ext cx="762463" cy="8701"/>
+          </a:xfrm>
+          <a:prstGeom prst="straightConnector1">
+            <a:avLst/>
+          </a:prstGeom>
+          <a:ln w="76200">
+            <a:solidFill>
+              <a:schemeClr val="accent1"/>
+            </a:solidFill>
+            <a:tailEnd type="triangle"/>
+          </a:ln>
+        </p:spPr>
+        <p:style>
+          <a:lnRef idx="1">
+            <a:schemeClr val="accent1"/>
+          </a:lnRef>
+          <a:fillRef idx="0">
+            <a:schemeClr val="accent1"/>
+          </a:fillRef>
+          <a:effectRef idx="0">
+            <a:schemeClr val="accent1"/>
+          </a:effectRef>
+          <a:fontRef idx="minor">
+            <a:schemeClr val="tx1"/>
+          </a:fontRef>
+        </p:style>
+      </p:cxnSp>
+    </p:spTree>
+    <p:extLst>
+      <p:ext uri="{BB962C8B-B14F-4D97-AF65-F5344CB8AC3E}">
+        <p14:creationId xmlns:p14="http://schemas.microsoft.com/office/powerpoint/2010/main" val="3553635966"/>
+      </p:ext>
+    </p:extLst>
+  </p:cSld>
+  <p:clrMapOvr>
+    <a:masterClrMapping/>
+  </p:clrMapOvr>
+  <p:timing>
+    <p:tnLst>
+      <p:par>
+        <p:cTn id="1" dur="indefinite" restart="never" nodeType="tmRoot"/>
+      </p:par>
+    </p:tnLst>
+  </p:timing>
+</p:sld>
+</file>
+
+<file path=ppt/slides/slide7.xml><?xml version="1.0" encoding="utf-8"?>
 <p:sld xmlns:a="http://schemas.openxmlformats.org/drawingml/2006/main" xmlns:r="http://schemas.openxmlformats.org/officeDocument/2006/relationships" xmlns:p="http://schemas.openxmlformats.org/presentationml/2006/main">
   <p:cSld>
     <p:bg>
@@ -15363,18 +15691,46 @@
         </p:nvSpPr>
         <p:spPr>
           <a:xfrm>
-            <a:off x="5486399" y="1308294"/>
-            <a:ext cx="1336431" cy="379827"/>
+            <a:off x="5486399" y="1325821"/>
+            <a:ext cx="1336431" cy="362300"/>
           </a:xfrm>
           <a:prstGeom prst="rect">
             <a:avLst/>
           </a:prstGeom>
-          <a:solidFill>
-            <a:schemeClr val="accent1">
-              <a:lumMod val="60000"/>
-              <a:lumOff val="40000"/>
-            </a:schemeClr>
-          </a:solidFill>
+          <a:gradFill>
+            <a:gsLst>
+              <a:gs pos="10000">
+                <a:srgbClr val="4777A5">
+                  <a:lumMod val="98000"/>
+                </a:srgbClr>
+              </a:gs>
+              <a:gs pos="14000">
+                <a:schemeClr val="accent1">
+                  <a:lumMod val="75000"/>
+                </a:schemeClr>
+              </a:gs>
+              <a:gs pos="75000">
+                <a:schemeClr val="accent1">
+                  <a:lumMod val="60000"/>
+                  <a:lumOff val="40000"/>
+                </a:schemeClr>
+              </a:gs>
+              <a:gs pos="85000">
+                <a:schemeClr val="accent1">
+                  <a:lumMod val="20000"/>
+                  <a:lumOff val="80000"/>
+                </a:schemeClr>
+              </a:gs>
+            </a:gsLst>
+            <a:lin ang="16200000" scaled="1"/>
+          </a:gradFill>
+          <a:ln w="12700">
+            <a:solidFill>
+              <a:schemeClr val="tx2">
+                <a:lumMod val="75000"/>
+              </a:schemeClr>
+            </a:solidFill>
+          </a:ln>
         </p:spPr>
         <p:style>
           <a:lnRef idx="2">
@@ -15398,12 +15754,8 @@
           <a:p>
             <a:pPr algn="ctr"/>
             <a:r>
-              <a:rPr lang="en-US" dirty="0" smtClean="0"/>
-              <a:t>D</a:t>
-            </a:r>
-            <a:r>
-              <a:rPr lang="en-US" baseline="-25000" dirty="0" smtClean="0"/>
-              <a:t>0</a:t>
+              <a:rPr lang="en-US" dirty="0"/>
+              <a:t>D0</a:t>
             </a:r>
             <a:endParaRPr lang="en-US" dirty="0"/>
           </a:p>
@@ -15423,12 +15775,40 @@
           <a:prstGeom prst="rect">
             <a:avLst/>
           </a:prstGeom>
-          <a:solidFill>
-            <a:schemeClr val="accent1">
-              <a:lumMod val="60000"/>
-              <a:lumOff val="40000"/>
-            </a:schemeClr>
-          </a:solidFill>
+          <a:gradFill>
+            <a:gsLst>
+              <a:gs pos="10000">
+                <a:srgbClr val="4777A5">
+                  <a:lumMod val="98000"/>
+                </a:srgbClr>
+              </a:gs>
+              <a:gs pos="14000">
+                <a:schemeClr val="accent1">
+                  <a:lumMod val="75000"/>
+                </a:schemeClr>
+              </a:gs>
+              <a:gs pos="75000">
+                <a:schemeClr val="accent1">
+                  <a:lumMod val="60000"/>
+                  <a:lumOff val="40000"/>
+                </a:schemeClr>
+              </a:gs>
+              <a:gs pos="85000">
+                <a:schemeClr val="accent1">
+                  <a:lumMod val="20000"/>
+                  <a:lumOff val="80000"/>
+                </a:schemeClr>
+              </a:gs>
+            </a:gsLst>
+            <a:lin ang="16200000" scaled="1"/>
+          </a:gradFill>
+          <a:ln w="12700">
+            <a:solidFill>
+              <a:schemeClr val="tx2">
+                <a:lumMod val="75000"/>
+              </a:schemeClr>
+            </a:solidFill>
+          </a:ln>
         </p:spPr>
         <p:style>
           <a:lnRef idx="2">
@@ -15452,12 +15832,8 @@
           <a:p>
             <a:pPr algn="ctr"/>
             <a:r>
-              <a:rPr lang="en-US" dirty="0" smtClean="0"/>
-              <a:t>D</a:t>
-            </a:r>
-            <a:r>
-              <a:rPr lang="en-US" baseline="-25000" dirty="0" smtClean="0"/>
-              <a:t>1</a:t>
+              <a:rPr lang="en-US" dirty="0"/>
+              <a:t>D1</a:t>
             </a:r>
             <a:endParaRPr lang="en-US" dirty="0"/>
           </a:p>
@@ -15477,12 +15853,40 @@
           <a:prstGeom prst="rect">
             <a:avLst/>
           </a:prstGeom>
-          <a:solidFill>
-            <a:schemeClr val="accent1">
-              <a:lumMod val="60000"/>
-              <a:lumOff val="40000"/>
-            </a:schemeClr>
-          </a:solidFill>
+          <a:gradFill>
+            <a:gsLst>
+              <a:gs pos="10000">
+                <a:srgbClr val="4777A5">
+                  <a:lumMod val="98000"/>
+                </a:srgbClr>
+              </a:gs>
+              <a:gs pos="14000">
+                <a:schemeClr val="accent1">
+                  <a:lumMod val="75000"/>
+                </a:schemeClr>
+              </a:gs>
+              <a:gs pos="75000">
+                <a:schemeClr val="accent1">
+                  <a:lumMod val="60000"/>
+                  <a:lumOff val="40000"/>
+                </a:schemeClr>
+              </a:gs>
+              <a:gs pos="85000">
+                <a:schemeClr val="accent1">
+                  <a:lumMod val="20000"/>
+                  <a:lumOff val="80000"/>
+                </a:schemeClr>
+              </a:gs>
+            </a:gsLst>
+            <a:lin ang="16200000" scaled="1"/>
+          </a:gradFill>
+          <a:ln w="12700">
+            <a:solidFill>
+              <a:schemeClr val="tx2">
+                <a:lumMod val="75000"/>
+              </a:schemeClr>
+            </a:solidFill>
+          </a:ln>
         </p:spPr>
         <p:style>
           <a:lnRef idx="2">
@@ -15501,111 +15905,12 @@
           </a:fontRef>
         </p:style>
         <p:txBody>
-          <a:bodyPr rot="0" spcFirstLastPara="0" vert="horz" wrap="square" lIns="91440" tIns="45720" rIns="91440" bIns="45720" numCol="1" spcCol="0" rtlCol="0" fromWordArt="0" anchor="ctr" anchorCtr="0" forceAA="0" compatLnSpc="1">
-            <a:prstTxWarp prst="textNoShape">
-              <a:avLst/>
-            </a:prstTxWarp>
-            <a:noAutofit/>
-          </a:bodyPr>
-          <a:lstStyle>
-            <a:defPPr>
-              <a:defRPr lang="en-US"/>
-            </a:defPPr>
-            <a:lvl1pPr marL="0" algn="l" defTabSz="914400" rtl="0" eaLnBrk="1" latinLnBrk="0" hangingPunct="1">
-              <a:defRPr sz="1800" kern="1200">
-                <a:solidFill>
-                  <a:schemeClr val="lt1"/>
-                </a:solidFill>
-                <a:latin typeface="+mn-lt"/>
-                <a:ea typeface="+mn-ea"/>
-                <a:cs typeface="+mn-cs"/>
-              </a:defRPr>
-            </a:lvl1pPr>
-            <a:lvl2pPr marL="457200" algn="l" defTabSz="914400" rtl="0" eaLnBrk="1" latinLnBrk="0" hangingPunct="1">
-              <a:defRPr sz="1800" kern="1200">
-                <a:solidFill>
-                  <a:schemeClr val="lt1"/>
-                </a:solidFill>
-                <a:latin typeface="+mn-lt"/>
-                <a:ea typeface="+mn-ea"/>
-                <a:cs typeface="+mn-cs"/>
-              </a:defRPr>
-            </a:lvl2pPr>
-            <a:lvl3pPr marL="914400" algn="l" defTabSz="914400" rtl="0" eaLnBrk="1" latinLnBrk="0" hangingPunct="1">
-              <a:defRPr sz="1800" kern="1200">
-                <a:solidFill>
-                  <a:schemeClr val="lt1"/>
-                </a:solidFill>
-                <a:latin typeface="+mn-lt"/>
-                <a:ea typeface="+mn-ea"/>
-                <a:cs typeface="+mn-cs"/>
-              </a:defRPr>
-            </a:lvl3pPr>
-            <a:lvl4pPr marL="1371600" algn="l" defTabSz="914400" rtl="0" eaLnBrk="1" latinLnBrk="0" hangingPunct="1">
-              <a:defRPr sz="1800" kern="1200">
-                <a:solidFill>
-                  <a:schemeClr val="lt1"/>
-                </a:solidFill>
-                <a:latin typeface="+mn-lt"/>
-                <a:ea typeface="+mn-ea"/>
-                <a:cs typeface="+mn-cs"/>
-              </a:defRPr>
-            </a:lvl4pPr>
-            <a:lvl5pPr marL="1828800" algn="l" defTabSz="914400" rtl="0" eaLnBrk="1" latinLnBrk="0" hangingPunct="1">
-              <a:defRPr sz="1800" kern="1200">
-                <a:solidFill>
-                  <a:schemeClr val="lt1"/>
-                </a:solidFill>
-                <a:latin typeface="+mn-lt"/>
-                <a:ea typeface="+mn-ea"/>
-                <a:cs typeface="+mn-cs"/>
-              </a:defRPr>
-            </a:lvl5pPr>
-            <a:lvl6pPr marL="2286000" algn="l" defTabSz="914400" rtl="0" eaLnBrk="1" latinLnBrk="0" hangingPunct="1">
-              <a:defRPr sz="1800" kern="1200">
-                <a:solidFill>
-                  <a:schemeClr val="lt1"/>
-                </a:solidFill>
-                <a:latin typeface="+mn-lt"/>
-                <a:ea typeface="+mn-ea"/>
-                <a:cs typeface="+mn-cs"/>
-              </a:defRPr>
-            </a:lvl6pPr>
-            <a:lvl7pPr marL="2743200" algn="l" defTabSz="914400" rtl="0" eaLnBrk="1" latinLnBrk="0" hangingPunct="1">
-              <a:defRPr sz="1800" kern="1200">
-                <a:solidFill>
-                  <a:schemeClr val="lt1"/>
-                </a:solidFill>
-                <a:latin typeface="+mn-lt"/>
-                <a:ea typeface="+mn-ea"/>
-                <a:cs typeface="+mn-cs"/>
-              </a:defRPr>
-            </a:lvl7pPr>
-            <a:lvl8pPr marL="3200400" algn="l" defTabSz="914400" rtl="0" eaLnBrk="1" latinLnBrk="0" hangingPunct="1">
-              <a:defRPr sz="1800" kern="1200">
-                <a:solidFill>
-                  <a:schemeClr val="lt1"/>
-                </a:solidFill>
-                <a:latin typeface="+mn-lt"/>
-                <a:ea typeface="+mn-ea"/>
-                <a:cs typeface="+mn-cs"/>
-              </a:defRPr>
-            </a:lvl8pPr>
-            <a:lvl9pPr marL="3657600" algn="l" defTabSz="914400" rtl="0" eaLnBrk="1" latinLnBrk="0" hangingPunct="1">
-              <a:defRPr sz="1800" kern="1200">
-                <a:solidFill>
-                  <a:schemeClr val="lt1"/>
-                </a:solidFill>
-                <a:latin typeface="+mn-lt"/>
-                <a:ea typeface="+mn-ea"/>
-                <a:cs typeface="+mn-cs"/>
-              </a:defRPr>
-            </a:lvl9pPr>
-          </a:lstStyle>
+          <a:bodyPr rtlCol="0" anchor="ctr"/>
+          <a:lstStyle/>
           <a:p>
             <a:pPr algn="ctr"/>
             <a:r>
-              <a:rPr lang="en-US" dirty="0" smtClean="0"/>
+              <a:rPr lang="en-US" dirty="0"/>
               <a:t>…</a:t>
             </a:r>
             <a:endParaRPr lang="en-US" dirty="0"/>
@@ -15626,12 +15931,28 @@
           <a:prstGeom prst="rect">
             <a:avLst/>
           </a:prstGeom>
-          <a:solidFill>
-            <a:schemeClr val="accent2">
-              <a:lumMod val="60000"/>
-              <a:lumOff val="40000"/>
-            </a:schemeClr>
-          </a:solidFill>
+          <a:gradFill flip="none" rotWithShape="1">
+            <a:gsLst>
+              <a:gs pos="0">
+                <a:schemeClr val="accent2">
+                  <a:lumMod val="5000"/>
+                  <a:lumOff val="95000"/>
+                </a:schemeClr>
+              </a:gs>
+              <a:gs pos="16000">
+                <a:schemeClr val="accent2">
+                  <a:lumMod val="60000"/>
+                  <a:lumOff val="40000"/>
+                </a:schemeClr>
+              </a:gs>
+              <a:gs pos="64000">
+                <a:schemeClr val="accent2"/>
+              </a:gs>
+            </a:gsLst>
+            <a:lin ang="5400000" scaled="1"/>
+            <a:tileRect/>
+          </a:gradFill>
+          <a:ln w="12700"/>
         </p:spPr>
         <p:style>
           <a:lnRef idx="2">
@@ -15680,9 +16001,31 @@
           <a:prstGeom prst="rect">
             <a:avLst/>
           </a:prstGeom>
-          <a:solidFill>
-            <a:srgbClr val="00B0F0"/>
-          </a:solidFill>
+          <a:gradFill flip="none" rotWithShape="1">
+            <a:gsLst>
+              <a:gs pos="0">
+                <a:schemeClr val="accent1">
+                  <a:lumMod val="5000"/>
+                  <a:lumOff val="95000"/>
+                </a:schemeClr>
+              </a:gs>
+              <a:gs pos="25000">
+                <a:schemeClr val="accent1">
+                  <a:lumMod val="45000"/>
+                  <a:lumOff val="55000"/>
+                </a:schemeClr>
+              </a:gs>
+              <a:gs pos="43000">
+                <a:srgbClr val="00B0F0"/>
+              </a:gs>
+              <a:gs pos="100000">
+                <a:srgbClr val="00B0F0"/>
+              </a:gs>
+            </a:gsLst>
+            <a:lin ang="5400000" scaled="1"/>
+            <a:tileRect/>
+          </a:gradFill>
+          <a:ln w="12700"/>
         </p:spPr>
         <p:style>
           <a:lnRef idx="2">
@@ -15727,12 +16070,28 @@
           <a:prstGeom prst="rect">
             <a:avLst/>
           </a:prstGeom>
-          <a:solidFill>
-            <a:schemeClr val="accent2">
-              <a:lumMod val="60000"/>
-              <a:lumOff val="40000"/>
-            </a:schemeClr>
-          </a:solidFill>
+          <a:gradFill flip="none" rotWithShape="1">
+            <a:gsLst>
+              <a:gs pos="0">
+                <a:schemeClr val="accent2">
+                  <a:lumMod val="5000"/>
+                  <a:lumOff val="95000"/>
+                </a:schemeClr>
+              </a:gs>
+              <a:gs pos="16000">
+                <a:schemeClr val="accent2">
+                  <a:lumMod val="60000"/>
+                  <a:lumOff val="40000"/>
+                </a:schemeClr>
+              </a:gs>
+              <a:gs pos="64000">
+                <a:schemeClr val="accent2"/>
+              </a:gs>
+            </a:gsLst>
+            <a:lin ang="5400000" scaled="1"/>
+            <a:tileRect/>
+          </a:gradFill>
+          <a:ln w="12700"/>
         </p:spPr>
         <p:style>
           <a:lnRef idx="2">
@@ -15756,14 +16115,13 @@
           <a:p>
             <a:pPr algn="ctr"/>
             <a:r>
-              <a:rPr lang="en-US" dirty="0" smtClean="0"/>
+              <a:rPr lang="en-US" dirty="0"/>
               <a:t>E</a:t>
             </a:r>
             <a:r>
-              <a:rPr lang="en-US" baseline="-25000" dirty="0"/>
+              <a:rPr lang="en-US" dirty="0"/>
               <a:t>1</a:t>
             </a:r>
-            <a:endParaRPr lang="en-US" dirty="0"/>
           </a:p>
         </p:txBody>
       </p:sp>
@@ -15781,12 +16139,28 @@
           <a:prstGeom prst="rect">
             <a:avLst/>
           </a:prstGeom>
-          <a:solidFill>
-            <a:schemeClr val="accent2">
-              <a:lumMod val="60000"/>
-              <a:lumOff val="40000"/>
-            </a:schemeClr>
-          </a:solidFill>
+          <a:gradFill flip="none" rotWithShape="1">
+            <a:gsLst>
+              <a:gs pos="0">
+                <a:schemeClr val="accent2">
+                  <a:lumMod val="5000"/>
+                  <a:lumOff val="95000"/>
+                </a:schemeClr>
+              </a:gs>
+              <a:gs pos="16000">
+                <a:schemeClr val="accent2">
+                  <a:lumMod val="60000"/>
+                  <a:lumOff val="40000"/>
+                </a:schemeClr>
+              </a:gs>
+              <a:gs pos="64000">
+                <a:schemeClr val="accent2"/>
+              </a:gs>
+            </a:gsLst>
+            <a:lin ang="5400000" scaled="1"/>
+            <a:tileRect/>
+          </a:gradFill>
+          <a:ln w="12700"/>
         </p:spPr>
         <p:style>
           <a:lnRef idx="2">
@@ -15810,7 +16184,7 @@
           <a:p>
             <a:pPr algn="ctr"/>
             <a:r>
-              <a:rPr lang="en-US" dirty="0" smtClean="0"/>
+              <a:rPr lang="en-US" dirty="0"/>
               <a:t>…</a:t>
             </a:r>
             <a:endParaRPr lang="en-US" dirty="0"/>
@@ -16067,9 +16441,31 @@
           <a:prstGeom prst="rect">
             <a:avLst/>
           </a:prstGeom>
-          <a:solidFill>
-            <a:srgbClr val="00B0F0"/>
-          </a:solidFill>
+          <a:gradFill flip="none" rotWithShape="1">
+            <a:gsLst>
+              <a:gs pos="0">
+                <a:schemeClr val="accent1">
+                  <a:lumMod val="5000"/>
+                  <a:lumOff val="95000"/>
+                </a:schemeClr>
+              </a:gs>
+              <a:gs pos="25000">
+                <a:schemeClr val="accent1">
+                  <a:lumMod val="45000"/>
+                  <a:lumOff val="55000"/>
+                </a:schemeClr>
+              </a:gs>
+              <a:gs pos="43000">
+                <a:srgbClr val="00B0F0"/>
+              </a:gs>
+              <a:gs pos="100000">
+                <a:srgbClr val="00B0F0"/>
+              </a:gs>
+            </a:gsLst>
+            <a:lin ang="5400000" scaled="1"/>
+            <a:tileRect/>
+          </a:gradFill>
+          <a:ln w="12700"/>
         </p:spPr>
         <p:style>
           <a:lnRef idx="2">
@@ -16088,107 +16484,8 @@
           </a:fontRef>
         </p:style>
         <p:txBody>
-          <a:bodyPr rot="0" spcFirstLastPara="0" vert="horz" wrap="square" lIns="91440" tIns="45720" rIns="91440" bIns="45720" numCol="1" spcCol="0" rtlCol="0" fromWordArt="0" anchor="ctr" anchorCtr="0" forceAA="0" compatLnSpc="1">
-            <a:prstTxWarp prst="textNoShape">
-              <a:avLst/>
-            </a:prstTxWarp>
-            <a:noAutofit/>
-          </a:bodyPr>
-          <a:lstStyle>
-            <a:defPPr>
-              <a:defRPr lang="en-US"/>
-            </a:defPPr>
-            <a:lvl1pPr marL="0" algn="l" defTabSz="914400" rtl="0" eaLnBrk="1" latinLnBrk="0" hangingPunct="1">
-              <a:defRPr sz="1800" kern="1200">
-                <a:solidFill>
-                  <a:schemeClr val="lt1"/>
-                </a:solidFill>
-                <a:latin typeface="+mn-lt"/>
-                <a:ea typeface="+mn-ea"/>
-                <a:cs typeface="+mn-cs"/>
-              </a:defRPr>
-            </a:lvl1pPr>
-            <a:lvl2pPr marL="457200" algn="l" defTabSz="914400" rtl="0" eaLnBrk="1" latinLnBrk="0" hangingPunct="1">
-              <a:defRPr sz="1800" kern="1200">
-                <a:solidFill>
-                  <a:schemeClr val="lt1"/>
-                </a:solidFill>
-                <a:latin typeface="+mn-lt"/>
-                <a:ea typeface="+mn-ea"/>
-                <a:cs typeface="+mn-cs"/>
-              </a:defRPr>
-            </a:lvl2pPr>
-            <a:lvl3pPr marL="914400" algn="l" defTabSz="914400" rtl="0" eaLnBrk="1" latinLnBrk="0" hangingPunct="1">
-              <a:defRPr sz="1800" kern="1200">
-                <a:solidFill>
-                  <a:schemeClr val="lt1"/>
-                </a:solidFill>
-                <a:latin typeface="+mn-lt"/>
-                <a:ea typeface="+mn-ea"/>
-                <a:cs typeface="+mn-cs"/>
-              </a:defRPr>
-            </a:lvl3pPr>
-            <a:lvl4pPr marL="1371600" algn="l" defTabSz="914400" rtl="0" eaLnBrk="1" latinLnBrk="0" hangingPunct="1">
-              <a:defRPr sz="1800" kern="1200">
-                <a:solidFill>
-                  <a:schemeClr val="lt1"/>
-                </a:solidFill>
-                <a:latin typeface="+mn-lt"/>
-                <a:ea typeface="+mn-ea"/>
-                <a:cs typeface="+mn-cs"/>
-              </a:defRPr>
-            </a:lvl4pPr>
-            <a:lvl5pPr marL="1828800" algn="l" defTabSz="914400" rtl="0" eaLnBrk="1" latinLnBrk="0" hangingPunct="1">
-              <a:defRPr sz="1800" kern="1200">
-                <a:solidFill>
-                  <a:schemeClr val="lt1"/>
-                </a:solidFill>
-                <a:latin typeface="+mn-lt"/>
-                <a:ea typeface="+mn-ea"/>
-                <a:cs typeface="+mn-cs"/>
-              </a:defRPr>
-            </a:lvl5pPr>
-            <a:lvl6pPr marL="2286000" algn="l" defTabSz="914400" rtl="0" eaLnBrk="1" latinLnBrk="0" hangingPunct="1">
-              <a:defRPr sz="1800" kern="1200">
-                <a:solidFill>
-                  <a:schemeClr val="lt1"/>
-                </a:solidFill>
-                <a:latin typeface="+mn-lt"/>
-                <a:ea typeface="+mn-ea"/>
-                <a:cs typeface="+mn-cs"/>
-              </a:defRPr>
-            </a:lvl6pPr>
-            <a:lvl7pPr marL="2743200" algn="l" defTabSz="914400" rtl="0" eaLnBrk="1" latinLnBrk="0" hangingPunct="1">
-              <a:defRPr sz="1800" kern="1200">
-                <a:solidFill>
-                  <a:schemeClr val="lt1"/>
-                </a:solidFill>
-                <a:latin typeface="+mn-lt"/>
-                <a:ea typeface="+mn-ea"/>
-                <a:cs typeface="+mn-cs"/>
-              </a:defRPr>
-            </a:lvl7pPr>
-            <a:lvl8pPr marL="3200400" algn="l" defTabSz="914400" rtl="0" eaLnBrk="1" latinLnBrk="0" hangingPunct="1">
-              <a:defRPr sz="1800" kern="1200">
-                <a:solidFill>
-                  <a:schemeClr val="lt1"/>
-                </a:solidFill>
-                <a:latin typeface="+mn-lt"/>
-                <a:ea typeface="+mn-ea"/>
-                <a:cs typeface="+mn-cs"/>
-              </a:defRPr>
-            </a:lvl8pPr>
-            <a:lvl9pPr marL="3657600" algn="l" defTabSz="914400" rtl="0" eaLnBrk="1" latinLnBrk="0" hangingPunct="1">
-              <a:defRPr sz="1800" kern="1200">
-                <a:solidFill>
-                  <a:schemeClr val="lt1"/>
-                </a:solidFill>
-                <a:latin typeface="+mn-lt"/>
-                <a:ea typeface="+mn-ea"/>
-                <a:cs typeface="+mn-cs"/>
-              </a:defRPr>
-            </a:lvl9pPr>
-          </a:lstStyle>
+          <a:bodyPr rtlCol="0" anchor="ctr"/>
+          <a:lstStyle/>
           <a:p>
             <a:pPr algn="ctr"/>
             <a:r>
@@ -16212,11 +16509,31 @@
           <a:prstGeom prst="rect">
             <a:avLst/>
           </a:prstGeom>
-          <a:solidFill>
-            <a:schemeClr val="accent6">
-              <a:lumMod val="75000"/>
-            </a:schemeClr>
-          </a:solidFill>
+          <a:gradFill flip="none" rotWithShape="1">
+            <a:gsLst>
+              <a:gs pos="0">
+                <a:schemeClr val="accent6">
+                  <a:lumMod val="5000"/>
+                  <a:lumOff val="95000"/>
+                </a:schemeClr>
+              </a:gs>
+              <a:gs pos="15000">
+                <a:schemeClr val="accent6">
+                  <a:lumMod val="45000"/>
+                  <a:lumOff val="55000"/>
+                </a:schemeClr>
+              </a:gs>
+              <a:gs pos="35000">
+                <a:srgbClr val="92D050"/>
+              </a:gs>
+              <a:gs pos="100000">
+                <a:srgbClr val="00B050"/>
+              </a:gs>
+            </a:gsLst>
+            <a:lin ang="5400000" scaled="1"/>
+            <a:tileRect/>
+          </a:gradFill>
+          <a:ln w="12700"/>
         </p:spPr>
         <p:style>
           <a:lnRef idx="2">
@@ -16263,17 +16580,37 @@
         </p:nvSpPr>
         <p:spPr>
           <a:xfrm>
-            <a:off x="6850965" y="3801501"/>
-            <a:ext cx="1336431" cy="366082"/>
+            <a:off x="6850965" y="3790659"/>
+            <a:ext cx="1336431" cy="376604"/>
           </a:xfrm>
           <a:prstGeom prst="rect">
             <a:avLst/>
           </a:prstGeom>
-          <a:solidFill>
-            <a:schemeClr val="accent6">
-              <a:lumMod val="75000"/>
-            </a:schemeClr>
-          </a:solidFill>
+          <a:gradFill flip="none" rotWithShape="1">
+            <a:gsLst>
+              <a:gs pos="0">
+                <a:schemeClr val="accent6">
+                  <a:lumMod val="5000"/>
+                  <a:lumOff val="95000"/>
+                </a:schemeClr>
+              </a:gs>
+              <a:gs pos="15000">
+                <a:schemeClr val="accent6">
+                  <a:lumMod val="45000"/>
+                  <a:lumOff val="55000"/>
+                </a:schemeClr>
+              </a:gs>
+              <a:gs pos="35000">
+                <a:srgbClr val="92D050"/>
+              </a:gs>
+              <a:gs pos="100000">
+                <a:srgbClr val="00B050"/>
+              </a:gs>
+            </a:gsLst>
+            <a:lin ang="5400000" scaled="1"/>
+            <a:tileRect/>
+          </a:gradFill>
+          <a:ln w="12700"/>
         </p:spPr>
         <p:style>
           <a:lnRef idx="2">
@@ -16322,11 +16659,31 @@
           <a:prstGeom prst="rect">
             <a:avLst/>
           </a:prstGeom>
-          <a:solidFill>
-            <a:schemeClr val="accent6">
-              <a:lumMod val="75000"/>
-            </a:schemeClr>
-          </a:solidFill>
+          <a:gradFill flip="none" rotWithShape="1">
+            <a:gsLst>
+              <a:gs pos="0">
+                <a:schemeClr val="accent6">
+                  <a:lumMod val="5000"/>
+                  <a:lumOff val="95000"/>
+                </a:schemeClr>
+              </a:gs>
+              <a:gs pos="15000">
+                <a:schemeClr val="accent6">
+                  <a:lumMod val="45000"/>
+                  <a:lumOff val="55000"/>
+                </a:schemeClr>
+              </a:gs>
+              <a:gs pos="35000">
+                <a:srgbClr val="92D050"/>
+              </a:gs>
+              <a:gs pos="100000">
+                <a:srgbClr val="00B050"/>
+              </a:gs>
+            </a:gsLst>
+            <a:lin ang="5400000" scaled="1"/>
+            <a:tileRect/>
+          </a:gradFill>
+          <a:ln w="12700"/>
         </p:spPr>
         <p:style>
           <a:lnRef idx="2">
@@ -16631,7 +16988,7 @@
           <a:prstGeom prst="line">
             <a:avLst/>
           </a:prstGeom>
-          <a:ln>
+          <a:ln w="12700">
             <a:prstDash val="sysDash"/>
           </a:ln>
         </p:spPr>
@@ -16749,7 +17106,7 @@
         <p:spPr>
           <a:xfrm>
             <a:off x="850006" y="5885645"/>
-            <a:ext cx="3311932" cy="369332"/>
+            <a:ext cx="5742662" cy="584775"/>
           </a:xfrm>
           <a:prstGeom prst="rect">
             <a:avLst/>
@@ -16763,60 +17120,60 @@
           <a:lstStyle/>
           <a:p>
             <a:r>
-              <a:rPr lang="en-US" dirty="0" err="1" smtClean="0"/>
+              <a:rPr lang="en-US" sz="3200" dirty="0" err="1" smtClean="0"/>
               <a:t>Ghi</a:t>
             </a:r>
             <a:r>
-              <a:rPr lang="en-US" dirty="0" smtClean="0"/>
+              <a:rPr lang="en-US" sz="3200" dirty="0" smtClean="0"/>
               <a:t> </a:t>
             </a:r>
             <a:r>
-              <a:rPr lang="en-US" dirty="0" err="1" smtClean="0"/>
+              <a:rPr lang="en-US" sz="3200" dirty="0" err="1" smtClean="0"/>
               <a:t>thông</a:t>
             </a:r>
             <a:r>
-              <a:rPr lang="en-US" dirty="0" smtClean="0"/>
+              <a:rPr lang="en-US" sz="3200" dirty="0" smtClean="0"/>
               <a:t> tin </a:t>
             </a:r>
             <a:r>
-              <a:rPr lang="en-US" dirty="0" err="1" smtClean="0"/>
+              <a:rPr lang="en-US" sz="3200" dirty="0" err="1" smtClean="0"/>
               <a:t>mã</a:t>
             </a:r>
             <a:r>
-              <a:rPr lang="en-US" dirty="0" smtClean="0"/>
+              <a:rPr lang="en-US" sz="3200" dirty="0" smtClean="0"/>
               <a:t> </a:t>
             </a:r>
             <a:r>
-              <a:rPr lang="en-US" dirty="0" err="1" smtClean="0"/>
+              <a:rPr lang="en-US" sz="3200" dirty="0" err="1" smtClean="0"/>
               <a:t>hóa</a:t>
             </a:r>
             <a:r>
-              <a:rPr lang="en-US" dirty="0" smtClean="0"/>
+              <a:rPr lang="en-US" sz="3200" dirty="0" smtClean="0"/>
               <a:t> </a:t>
             </a:r>
             <a:r>
-              <a:rPr lang="en-US" dirty="0" err="1" smtClean="0"/>
+              <a:rPr lang="en-US" sz="3200" dirty="0" err="1" smtClean="0"/>
               <a:t>vào</a:t>
             </a:r>
             <a:r>
-              <a:rPr lang="en-US" dirty="0" smtClean="0"/>
+              <a:rPr lang="en-US" sz="3200" dirty="0" smtClean="0"/>
               <a:t> </a:t>
             </a:r>
             <a:r>
-              <a:rPr lang="en-US" dirty="0" err="1" smtClean="0"/>
+              <a:rPr lang="en-US" sz="3200" dirty="0" err="1" smtClean="0"/>
               <a:t>đầu</a:t>
             </a:r>
             <a:r>
-              <a:rPr lang="en-US" dirty="0" smtClean="0"/>
+              <a:rPr lang="en-US" sz="3200" dirty="0" smtClean="0"/>
               <a:t> file</a:t>
             </a:r>
-            <a:endParaRPr lang="en-US" dirty="0"/>
+            <a:endParaRPr lang="en-US" sz="3200" dirty="0"/>
           </a:p>
         </p:txBody>
       </p:sp>
       <p:pic>
         <p:nvPicPr>
-          <p:cNvPr id="32" name="Picture 31"/>
+          <p:cNvPr id="38" name="Picture 37"/>
           <p:cNvPicPr>
             <a:picLocks noChangeAspect="1"/>
           </p:cNvPicPr>
@@ -16858,7 +17215,7 @@
 </p:sld>
 </file>
 
-<file path=ppt/slides/slide7.xml><?xml version="1.0" encoding="utf-8"?>
+<file path=ppt/slides/slide8.xml><?xml version="1.0" encoding="utf-8"?>
 <p:sld xmlns:a="http://schemas.openxmlformats.org/drawingml/2006/main" xmlns:r="http://schemas.openxmlformats.org/officeDocument/2006/relationships" xmlns:p="http://schemas.openxmlformats.org/presentationml/2006/main">
   <p:cSld>
     <p:spTree>
@@ -16883,18 +17240,46 @@
         </p:nvSpPr>
         <p:spPr>
           <a:xfrm>
-            <a:off x="5486399" y="1308294"/>
-            <a:ext cx="1336431" cy="379827"/>
+            <a:off x="5486399" y="1315326"/>
+            <a:ext cx="1336431" cy="372795"/>
           </a:xfrm>
           <a:prstGeom prst="rect">
             <a:avLst/>
           </a:prstGeom>
-          <a:solidFill>
-            <a:schemeClr val="accent1">
-              <a:lumMod val="60000"/>
-              <a:lumOff val="40000"/>
-            </a:schemeClr>
-          </a:solidFill>
+          <a:gradFill>
+            <a:gsLst>
+              <a:gs pos="10000">
+                <a:srgbClr val="4777A5">
+                  <a:lumMod val="98000"/>
+                </a:srgbClr>
+              </a:gs>
+              <a:gs pos="14000">
+                <a:schemeClr val="accent1">
+                  <a:lumMod val="75000"/>
+                </a:schemeClr>
+              </a:gs>
+              <a:gs pos="75000">
+                <a:schemeClr val="accent1">
+                  <a:lumMod val="60000"/>
+                  <a:lumOff val="40000"/>
+                </a:schemeClr>
+              </a:gs>
+              <a:gs pos="85000">
+                <a:schemeClr val="accent1">
+                  <a:lumMod val="20000"/>
+                  <a:lumOff val="80000"/>
+                </a:schemeClr>
+              </a:gs>
+            </a:gsLst>
+            <a:lin ang="16200000" scaled="1"/>
+          </a:gradFill>
+          <a:ln w="12700">
+            <a:solidFill>
+              <a:schemeClr val="tx2">
+                <a:lumMod val="75000"/>
+              </a:schemeClr>
+            </a:solidFill>
+          </a:ln>
         </p:spPr>
         <p:style>
           <a:lnRef idx="2">
@@ -16918,12 +17303,8 @@
           <a:p>
             <a:pPr algn="ctr"/>
             <a:r>
-              <a:rPr lang="en-US" dirty="0" smtClean="0"/>
-              <a:t>D</a:t>
-            </a:r>
-            <a:r>
-              <a:rPr lang="en-US" baseline="-25000" dirty="0" smtClean="0"/>
-              <a:t>0</a:t>
+              <a:rPr lang="en-US" dirty="0"/>
+              <a:t>D0</a:t>
             </a:r>
             <a:endParaRPr lang="en-US" dirty="0"/>
           </a:p>
@@ -16943,12 +17324,40 @@
           <a:prstGeom prst="rect">
             <a:avLst/>
           </a:prstGeom>
-          <a:solidFill>
-            <a:schemeClr val="accent1">
-              <a:lumMod val="60000"/>
-              <a:lumOff val="40000"/>
-            </a:schemeClr>
-          </a:solidFill>
+          <a:gradFill>
+            <a:gsLst>
+              <a:gs pos="10000">
+                <a:srgbClr val="4777A5">
+                  <a:lumMod val="98000"/>
+                </a:srgbClr>
+              </a:gs>
+              <a:gs pos="14000">
+                <a:schemeClr val="accent1">
+                  <a:lumMod val="75000"/>
+                </a:schemeClr>
+              </a:gs>
+              <a:gs pos="75000">
+                <a:schemeClr val="accent1">
+                  <a:lumMod val="60000"/>
+                  <a:lumOff val="40000"/>
+                </a:schemeClr>
+              </a:gs>
+              <a:gs pos="85000">
+                <a:schemeClr val="accent1">
+                  <a:lumMod val="20000"/>
+                  <a:lumOff val="80000"/>
+                </a:schemeClr>
+              </a:gs>
+            </a:gsLst>
+            <a:lin ang="16200000" scaled="1"/>
+          </a:gradFill>
+          <a:ln w="12700">
+            <a:solidFill>
+              <a:schemeClr val="tx2">
+                <a:lumMod val="75000"/>
+              </a:schemeClr>
+            </a:solidFill>
+          </a:ln>
         </p:spPr>
         <p:style>
           <a:lnRef idx="2">
@@ -16972,7 +17381,7 @@
           <a:p>
             <a:pPr algn="ctr"/>
             <a:r>
-              <a:rPr lang="en-US" dirty="0" smtClean="0"/>
+              <a:rPr lang="en-US" dirty="0"/>
               <a:t>…</a:t>
             </a:r>
             <a:endParaRPr lang="en-US" dirty="0"/>
@@ -16993,12 +17402,40 @@
           <a:prstGeom prst="rect">
             <a:avLst/>
           </a:prstGeom>
-          <a:solidFill>
-            <a:schemeClr val="accent1">
-              <a:lumMod val="60000"/>
-              <a:lumOff val="40000"/>
-            </a:schemeClr>
-          </a:solidFill>
+          <a:gradFill>
+            <a:gsLst>
+              <a:gs pos="10000">
+                <a:srgbClr val="4777A5">
+                  <a:lumMod val="98000"/>
+                </a:srgbClr>
+              </a:gs>
+              <a:gs pos="14000">
+                <a:schemeClr val="accent1">
+                  <a:lumMod val="75000"/>
+                </a:schemeClr>
+              </a:gs>
+              <a:gs pos="75000">
+                <a:schemeClr val="accent1">
+                  <a:lumMod val="60000"/>
+                  <a:lumOff val="40000"/>
+                </a:schemeClr>
+              </a:gs>
+              <a:gs pos="85000">
+                <a:schemeClr val="accent1">
+                  <a:lumMod val="20000"/>
+                  <a:lumOff val="80000"/>
+                </a:schemeClr>
+              </a:gs>
+            </a:gsLst>
+            <a:lin ang="16200000" scaled="1"/>
+          </a:gradFill>
+          <a:ln w="12700">
+            <a:solidFill>
+              <a:schemeClr val="tx2">
+                <a:lumMod val="75000"/>
+              </a:schemeClr>
+            </a:solidFill>
+          </a:ln>
         </p:spPr>
         <p:style>
           <a:lnRef idx="2">
@@ -17017,116 +17454,13 @@
           </a:fontRef>
         </p:style>
         <p:txBody>
-          <a:bodyPr rot="0" spcFirstLastPara="0" vert="horz" wrap="square" lIns="91440" tIns="45720" rIns="91440" bIns="45720" numCol="1" spcCol="0" rtlCol="0" fromWordArt="0" anchor="ctr" anchorCtr="0" forceAA="0" compatLnSpc="1">
-            <a:prstTxWarp prst="textNoShape">
-              <a:avLst/>
-            </a:prstTxWarp>
-            <a:noAutofit/>
-          </a:bodyPr>
-          <a:lstStyle>
-            <a:defPPr>
-              <a:defRPr lang="en-US"/>
-            </a:defPPr>
-            <a:lvl1pPr marL="0" algn="l" defTabSz="914400" rtl="0" eaLnBrk="1" latinLnBrk="0" hangingPunct="1">
-              <a:defRPr sz="1800" kern="1200">
-                <a:solidFill>
-                  <a:schemeClr val="lt1"/>
-                </a:solidFill>
-                <a:latin typeface="+mn-lt"/>
-                <a:ea typeface="+mn-ea"/>
-                <a:cs typeface="+mn-cs"/>
-              </a:defRPr>
-            </a:lvl1pPr>
-            <a:lvl2pPr marL="457200" algn="l" defTabSz="914400" rtl="0" eaLnBrk="1" latinLnBrk="0" hangingPunct="1">
-              <a:defRPr sz="1800" kern="1200">
-                <a:solidFill>
-                  <a:schemeClr val="lt1"/>
-                </a:solidFill>
-                <a:latin typeface="+mn-lt"/>
-                <a:ea typeface="+mn-ea"/>
-                <a:cs typeface="+mn-cs"/>
-              </a:defRPr>
-            </a:lvl2pPr>
-            <a:lvl3pPr marL="914400" algn="l" defTabSz="914400" rtl="0" eaLnBrk="1" latinLnBrk="0" hangingPunct="1">
-              <a:defRPr sz="1800" kern="1200">
-                <a:solidFill>
-                  <a:schemeClr val="lt1"/>
-                </a:solidFill>
-                <a:latin typeface="+mn-lt"/>
-                <a:ea typeface="+mn-ea"/>
-                <a:cs typeface="+mn-cs"/>
-              </a:defRPr>
-            </a:lvl3pPr>
-            <a:lvl4pPr marL="1371600" algn="l" defTabSz="914400" rtl="0" eaLnBrk="1" latinLnBrk="0" hangingPunct="1">
-              <a:defRPr sz="1800" kern="1200">
-                <a:solidFill>
-                  <a:schemeClr val="lt1"/>
-                </a:solidFill>
-                <a:latin typeface="+mn-lt"/>
-                <a:ea typeface="+mn-ea"/>
-                <a:cs typeface="+mn-cs"/>
-              </a:defRPr>
-            </a:lvl4pPr>
-            <a:lvl5pPr marL="1828800" algn="l" defTabSz="914400" rtl="0" eaLnBrk="1" latinLnBrk="0" hangingPunct="1">
-              <a:defRPr sz="1800" kern="1200">
-                <a:solidFill>
-                  <a:schemeClr val="lt1"/>
-                </a:solidFill>
-                <a:latin typeface="+mn-lt"/>
-                <a:ea typeface="+mn-ea"/>
-                <a:cs typeface="+mn-cs"/>
-              </a:defRPr>
-            </a:lvl5pPr>
-            <a:lvl6pPr marL="2286000" algn="l" defTabSz="914400" rtl="0" eaLnBrk="1" latinLnBrk="0" hangingPunct="1">
-              <a:defRPr sz="1800" kern="1200">
-                <a:solidFill>
-                  <a:schemeClr val="lt1"/>
-                </a:solidFill>
-                <a:latin typeface="+mn-lt"/>
-                <a:ea typeface="+mn-ea"/>
-                <a:cs typeface="+mn-cs"/>
-              </a:defRPr>
-            </a:lvl6pPr>
-            <a:lvl7pPr marL="2743200" algn="l" defTabSz="914400" rtl="0" eaLnBrk="1" latinLnBrk="0" hangingPunct="1">
-              <a:defRPr sz="1800" kern="1200">
-                <a:solidFill>
-                  <a:schemeClr val="lt1"/>
-                </a:solidFill>
-                <a:latin typeface="+mn-lt"/>
-                <a:ea typeface="+mn-ea"/>
-                <a:cs typeface="+mn-cs"/>
-              </a:defRPr>
-            </a:lvl7pPr>
-            <a:lvl8pPr marL="3200400" algn="l" defTabSz="914400" rtl="0" eaLnBrk="1" latinLnBrk="0" hangingPunct="1">
-              <a:defRPr sz="1800" kern="1200">
-                <a:solidFill>
-                  <a:schemeClr val="lt1"/>
-                </a:solidFill>
-                <a:latin typeface="+mn-lt"/>
-                <a:ea typeface="+mn-ea"/>
-                <a:cs typeface="+mn-cs"/>
-              </a:defRPr>
-            </a:lvl8pPr>
-            <a:lvl9pPr marL="3657600" algn="l" defTabSz="914400" rtl="0" eaLnBrk="1" latinLnBrk="0" hangingPunct="1">
-              <a:defRPr sz="1800" kern="1200">
-                <a:solidFill>
-                  <a:schemeClr val="lt1"/>
-                </a:solidFill>
-                <a:latin typeface="+mn-lt"/>
-                <a:ea typeface="+mn-ea"/>
-                <a:cs typeface="+mn-cs"/>
-              </a:defRPr>
-            </a:lvl9pPr>
-          </a:lstStyle>
+          <a:bodyPr rtlCol="0" anchor="ctr"/>
+          <a:lstStyle/>
           <a:p>
             <a:pPr algn="ctr"/>
             <a:r>
-              <a:rPr lang="en-US" dirty="0" smtClean="0"/>
-              <a:t>D</a:t>
-            </a:r>
-            <a:r>
-              <a:rPr lang="en-US" baseline="-25000" dirty="0" smtClean="0"/>
-              <a:t>n-1</a:t>
+              <a:rPr lang="en-US" dirty="0"/>
+              <a:t>Dn-1</a:t>
             </a:r>
             <a:endParaRPr lang="en-US" dirty="0"/>
           </a:p>
@@ -17146,12 +17480,28 @@
           <a:prstGeom prst="rect">
             <a:avLst/>
           </a:prstGeom>
-          <a:solidFill>
-            <a:schemeClr val="accent2">
-              <a:lumMod val="60000"/>
-              <a:lumOff val="40000"/>
-            </a:schemeClr>
-          </a:solidFill>
+          <a:gradFill flip="none" rotWithShape="1">
+            <a:gsLst>
+              <a:gs pos="0">
+                <a:schemeClr val="accent2">
+                  <a:lumMod val="5000"/>
+                  <a:lumOff val="95000"/>
+                </a:schemeClr>
+              </a:gs>
+              <a:gs pos="16000">
+                <a:schemeClr val="accent2">
+                  <a:lumMod val="60000"/>
+                  <a:lumOff val="40000"/>
+                </a:schemeClr>
+              </a:gs>
+              <a:gs pos="64000">
+                <a:schemeClr val="accent2"/>
+              </a:gs>
+            </a:gsLst>
+            <a:lin ang="5400000" scaled="1"/>
+            <a:tileRect/>
+          </a:gradFill>
+          <a:ln w="12700"/>
         </p:spPr>
         <p:style>
           <a:lnRef idx="2">
@@ -17175,12 +17525,8 @@
           <a:p>
             <a:pPr algn="ctr"/>
             <a:r>
-              <a:rPr lang="en-US" dirty="0" smtClean="0"/>
-              <a:t>E</a:t>
-            </a:r>
-            <a:r>
-              <a:rPr lang="en-US" baseline="-25000" dirty="0" smtClean="0"/>
-              <a:t>0</a:t>
+              <a:rPr lang="en-US" dirty="0"/>
+              <a:t>E0</a:t>
             </a:r>
             <a:endParaRPr lang="en-US" dirty="0"/>
           </a:p>
@@ -17200,9 +17546,31 @@
           <a:prstGeom prst="rect">
             <a:avLst/>
           </a:prstGeom>
-          <a:solidFill>
-            <a:srgbClr val="00B0F0"/>
-          </a:solidFill>
+          <a:gradFill flip="none" rotWithShape="1">
+            <a:gsLst>
+              <a:gs pos="0">
+                <a:schemeClr val="accent1">
+                  <a:lumMod val="5000"/>
+                  <a:lumOff val="95000"/>
+                </a:schemeClr>
+              </a:gs>
+              <a:gs pos="25000">
+                <a:schemeClr val="accent1">
+                  <a:lumMod val="45000"/>
+                  <a:lumOff val="55000"/>
+                </a:schemeClr>
+              </a:gs>
+              <a:gs pos="43000">
+                <a:srgbClr val="00B0F0"/>
+              </a:gs>
+              <a:gs pos="100000">
+                <a:srgbClr val="00B0F0"/>
+              </a:gs>
+            </a:gsLst>
+            <a:lin ang="5400000" scaled="1"/>
+            <a:tileRect/>
+          </a:gradFill>
+          <a:ln w="12700"/>
         </p:spPr>
         <p:style>
           <a:lnRef idx="2">
@@ -17226,7 +17594,7 @@
           <a:p>
             <a:pPr algn="ctr"/>
             <a:r>
-              <a:rPr lang="en-US" sz="1600" dirty="0" smtClean="0"/>
+              <a:rPr lang="en-US" sz="1600" dirty="0"/>
               <a:t>MD</a:t>
             </a:r>
             <a:endParaRPr lang="en-US" sz="1600" dirty="0"/>
@@ -17247,12 +17615,28 @@
           <a:prstGeom prst="rect">
             <a:avLst/>
           </a:prstGeom>
-          <a:solidFill>
-            <a:schemeClr val="accent2">
-              <a:lumMod val="60000"/>
-              <a:lumOff val="40000"/>
-            </a:schemeClr>
-          </a:solidFill>
+          <a:gradFill flip="none" rotWithShape="1">
+            <a:gsLst>
+              <a:gs pos="0">
+                <a:schemeClr val="accent2">
+                  <a:lumMod val="5000"/>
+                  <a:lumOff val="95000"/>
+                </a:schemeClr>
+              </a:gs>
+              <a:gs pos="16000">
+                <a:schemeClr val="accent2">
+                  <a:lumMod val="60000"/>
+                  <a:lumOff val="40000"/>
+                </a:schemeClr>
+              </a:gs>
+              <a:gs pos="64000">
+                <a:schemeClr val="accent2"/>
+              </a:gs>
+            </a:gsLst>
+            <a:lin ang="5400000" scaled="1"/>
+            <a:tileRect/>
+          </a:gradFill>
+          <a:ln w="12700"/>
         </p:spPr>
         <p:style>
           <a:lnRef idx="2">
@@ -17276,7 +17660,7 @@
           <a:p>
             <a:pPr algn="ctr"/>
             <a:r>
-              <a:rPr lang="en-US" dirty="0" smtClean="0"/>
+              <a:rPr lang="en-US" dirty="0"/>
               <a:t>…</a:t>
             </a:r>
             <a:endParaRPr lang="en-US" dirty="0"/>
@@ -17297,12 +17681,28 @@
           <a:prstGeom prst="rect">
             <a:avLst/>
           </a:prstGeom>
-          <a:solidFill>
-            <a:schemeClr val="accent2">
-              <a:lumMod val="60000"/>
-              <a:lumOff val="40000"/>
-            </a:schemeClr>
-          </a:solidFill>
+          <a:gradFill flip="none" rotWithShape="1">
+            <a:gsLst>
+              <a:gs pos="0">
+                <a:schemeClr val="accent2">
+                  <a:lumMod val="5000"/>
+                  <a:lumOff val="95000"/>
+                </a:schemeClr>
+              </a:gs>
+              <a:gs pos="16000">
+                <a:schemeClr val="accent2">
+                  <a:lumMod val="60000"/>
+                  <a:lumOff val="40000"/>
+                </a:schemeClr>
+              </a:gs>
+              <a:gs pos="64000">
+                <a:schemeClr val="accent2"/>
+              </a:gs>
+            </a:gsLst>
+            <a:lin ang="5400000" scaled="1"/>
+            <a:tileRect/>
+          </a:gradFill>
+          <a:ln w="12700"/>
         </p:spPr>
         <p:style>
           <a:lnRef idx="2">
@@ -17326,12 +17726,8 @@
           <a:p>
             <a:pPr algn="ctr"/>
             <a:r>
-              <a:rPr lang="en-US" dirty="0" smtClean="0"/>
-              <a:t>E</a:t>
-            </a:r>
-            <a:r>
-              <a:rPr lang="en-US" baseline="-25000" dirty="0" smtClean="0"/>
-              <a:t>n-1</a:t>
+              <a:rPr lang="en-US" dirty="0"/>
+              <a:t>En-1</a:t>
             </a:r>
             <a:endParaRPr lang="en-US" dirty="0"/>
           </a:p>
@@ -17583,9 +17979,31 @@
           <a:prstGeom prst="rect">
             <a:avLst/>
           </a:prstGeom>
-          <a:solidFill>
-            <a:srgbClr val="00B0F0"/>
-          </a:solidFill>
+          <a:gradFill flip="none" rotWithShape="1">
+            <a:gsLst>
+              <a:gs pos="0">
+                <a:schemeClr val="accent1">
+                  <a:lumMod val="5000"/>
+                  <a:lumOff val="95000"/>
+                </a:schemeClr>
+              </a:gs>
+              <a:gs pos="25000">
+                <a:schemeClr val="accent1">
+                  <a:lumMod val="45000"/>
+                  <a:lumOff val="55000"/>
+                </a:schemeClr>
+              </a:gs>
+              <a:gs pos="43000">
+                <a:srgbClr val="00B0F0"/>
+              </a:gs>
+              <a:gs pos="100000">
+                <a:srgbClr val="00B0F0"/>
+              </a:gs>
+            </a:gsLst>
+            <a:lin ang="5400000" scaled="1"/>
+            <a:tileRect/>
+          </a:gradFill>
+          <a:ln w="12700"/>
         </p:spPr>
         <p:style>
           <a:lnRef idx="2">
@@ -17604,107 +18022,8 @@
           </a:fontRef>
         </p:style>
         <p:txBody>
-          <a:bodyPr rot="0" spcFirstLastPara="0" vert="horz" wrap="square" lIns="91440" tIns="45720" rIns="91440" bIns="45720" numCol="1" spcCol="0" rtlCol="0" fromWordArt="0" anchor="ctr" anchorCtr="0" forceAA="0" compatLnSpc="1">
-            <a:prstTxWarp prst="textNoShape">
-              <a:avLst/>
-            </a:prstTxWarp>
-            <a:noAutofit/>
-          </a:bodyPr>
-          <a:lstStyle>
-            <a:defPPr>
-              <a:defRPr lang="en-US"/>
-            </a:defPPr>
-            <a:lvl1pPr marL="0" algn="l" defTabSz="914400" rtl="0" eaLnBrk="1" latinLnBrk="0" hangingPunct="1">
-              <a:defRPr sz="1800" kern="1200">
-                <a:solidFill>
-                  <a:schemeClr val="lt1"/>
-                </a:solidFill>
-                <a:latin typeface="+mn-lt"/>
-                <a:ea typeface="+mn-ea"/>
-                <a:cs typeface="+mn-cs"/>
-              </a:defRPr>
-            </a:lvl1pPr>
-            <a:lvl2pPr marL="457200" algn="l" defTabSz="914400" rtl="0" eaLnBrk="1" latinLnBrk="0" hangingPunct="1">
-              <a:defRPr sz="1800" kern="1200">
-                <a:solidFill>
-                  <a:schemeClr val="lt1"/>
-                </a:solidFill>
-                <a:latin typeface="+mn-lt"/>
-                <a:ea typeface="+mn-ea"/>
-                <a:cs typeface="+mn-cs"/>
-              </a:defRPr>
-            </a:lvl2pPr>
-            <a:lvl3pPr marL="914400" algn="l" defTabSz="914400" rtl="0" eaLnBrk="1" latinLnBrk="0" hangingPunct="1">
-              <a:defRPr sz="1800" kern="1200">
-                <a:solidFill>
-                  <a:schemeClr val="lt1"/>
-                </a:solidFill>
-                <a:latin typeface="+mn-lt"/>
-                <a:ea typeface="+mn-ea"/>
-                <a:cs typeface="+mn-cs"/>
-              </a:defRPr>
-            </a:lvl3pPr>
-            <a:lvl4pPr marL="1371600" algn="l" defTabSz="914400" rtl="0" eaLnBrk="1" latinLnBrk="0" hangingPunct="1">
-              <a:defRPr sz="1800" kern="1200">
-                <a:solidFill>
-                  <a:schemeClr val="lt1"/>
-                </a:solidFill>
-                <a:latin typeface="+mn-lt"/>
-                <a:ea typeface="+mn-ea"/>
-                <a:cs typeface="+mn-cs"/>
-              </a:defRPr>
-            </a:lvl4pPr>
-            <a:lvl5pPr marL="1828800" algn="l" defTabSz="914400" rtl="0" eaLnBrk="1" latinLnBrk="0" hangingPunct="1">
-              <a:defRPr sz="1800" kern="1200">
-                <a:solidFill>
-                  <a:schemeClr val="lt1"/>
-                </a:solidFill>
-                <a:latin typeface="+mn-lt"/>
-                <a:ea typeface="+mn-ea"/>
-                <a:cs typeface="+mn-cs"/>
-              </a:defRPr>
-            </a:lvl5pPr>
-            <a:lvl6pPr marL="2286000" algn="l" defTabSz="914400" rtl="0" eaLnBrk="1" latinLnBrk="0" hangingPunct="1">
-              <a:defRPr sz="1800" kern="1200">
-                <a:solidFill>
-                  <a:schemeClr val="lt1"/>
-                </a:solidFill>
-                <a:latin typeface="+mn-lt"/>
-                <a:ea typeface="+mn-ea"/>
-                <a:cs typeface="+mn-cs"/>
-              </a:defRPr>
-            </a:lvl6pPr>
-            <a:lvl7pPr marL="2743200" algn="l" defTabSz="914400" rtl="0" eaLnBrk="1" latinLnBrk="0" hangingPunct="1">
-              <a:defRPr sz="1800" kern="1200">
-                <a:solidFill>
-                  <a:schemeClr val="lt1"/>
-                </a:solidFill>
-                <a:latin typeface="+mn-lt"/>
-                <a:ea typeface="+mn-ea"/>
-                <a:cs typeface="+mn-cs"/>
-              </a:defRPr>
-            </a:lvl7pPr>
-            <a:lvl8pPr marL="3200400" algn="l" defTabSz="914400" rtl="0" eaLnBrk="1" latinLnBrk="0" hangingPunct="1">
-              <a:defRPr sz="1800" kern="1200">
-                <a:solidFill>
-                  <a:schemeClr val="lt1"/>
-                </a:solidFill>
-                <a:latin typeface="+mn-lt"/>
-                <a:ea typeface="+mn-ea"/>
-                <a:cs typeface="+mn-cs"/>
-              </a:defRPr>
-            </a:lvl8pPr>
-            <a:lvl9pPr marL="3657600" algn="l" defTabSz="914400" rtl="0" eaLnBrk="1" latinLnBrk="0" hangingPunct="1">
-              <a:defRPr sz="1800" kern="1200">
-                <a:solidFill>
-                  <a:schemeClr val="lt1"/>
-                </a:solidFill>
-                <a:latin typeface="+mn-lt"/>
-                <a:ea typeface="+mn-ea"/>
-                <a:cs typeface="+mn-cs"/>
-              </a:defRPr>
-            </a:lvl9pPr>
-          </a:lstStyle>
+          <a:bodyPr rtlCol="0" anchor="ctr"/>
+          <a:lstStyle/>
           <a:p>
             <a:pPr algn="ctr"/>
             <a:r>
@@ -17728,11 +18047,31 @@
           <a:prstGeom prst="rect">
             <a:avLst/>
           </a:prstGeom>
-          <a:solidFill>
-            <a:schemeClr val="accent6">
-              <a:lumMod val="75000"/>
-            </a:schemeClr>
-          </a:solidFill>
+          <a:gradFill flip="none" rotWithShape="1">
+            <a:gsLst>
+              <a:gs pos="0">
+                <a:schemeClr val="accent6">
+                  <a:lumMod val="5000"/>
+                  <a:lumOff val="95000"/>
+                </a:schemeClr>
+              </a:gs>
+              <a:gs pos="15000">
+                <a:schemeClr val="accent6">
+                  <a:lumMod val="45000"/>
+                  <a:lumOff val="55000"/>
+                </a:schemeClr>
+              </a:gs>
+              <a:gs pos="35000">
+                <a:srgbClr val="92D050"/>
+              </a:gs>
+              <a:gs pos="100000">
+                <a:srgbClr val="00B050"/>
+              </a:gs>
+            </a:gsLst>
+            <a:lin ang="5400000" scaled="1"/>
+            <a:tileRect/>
+          </a:gradFill>
+          <a:ln w="12700"/>
         </p:spPr>
         <p:style>
           <a:lnRef idx="2">
@@ -17756,16 +18095,8 @@
           <a:p>
             <a:pPr algn="ctr"/>
             <a:r>
-              <a:rPr lang="en-US" dirty="0" smtClean="0"/>
-              <a:t>E</a:t>
-            </a:r>
-            <a:r>
-              <a:rPr lang="en-US" baseline="-25000" dirty="0" smtClean="0"/>
-              <a:t>0</a:t>
-            </a:r>
-            <a:r>
-              <a:rPr lang="en-US" dirty="0" smtClean="0"/>
-              <a:t>-MD</a:t>
+              <a:rPr lang="en-US" dirty="0"/>
+              <a:t>E0-MD</a:t>
             </a:r>
             <a:endParaRPr lang="en-US" dirty="0"/>
           </a:p>
@@ -17779,17 +18110,37 @@
         </p:nvSpPr>
         <p:spPr>
           <a:xfrm>
-            <a:off x="6850965" y="3801501"/>
-            <a:ext cx="1336431" cy="366082"/>
+            <a:off x="6836896" y="3793002"/>
+            <a:ext cx="1336431" cy="383078"/>
           </a:xfrm>
           <a:prstGeom prst="rect">
             <a:avLst/>
           </a:prstGeom>
-          <a:solidFill>
-            <a:schemeClr val="accent6">
-              <a:lumMod val="75000"/>
-            </a:schemeClr>
-          </a:solidFill>
+          <a:gradFill flip="none" rotWithShape="1">
+            <a:gsLst>
+              <a:gs pos="0">
+                <a:schemeClr val="accent6">
+                  <a:lumMod val="5000"/>
+                  <a:lumOff val="95000"/>
+                </a:schemeClr>
+              </a:gs>
+              <a:gs pos="15000">
+                <a:schemeClr val="accent6">
+                  <a:lumMod val="45000"/>
+                  <a:lumOff val="55000"/>
+                </a:schemeClr>
+              </a:gs>
+              <a:gs pos="35000">
+                <a:srgbClr val="92D050"/>
+              </a:gs>
+              <a:gs pos="100000">
+                <a:srgbClr val="00B050"/>
+              </a:gs>
+            </a:gsLst>
+            <a:lin ang="5400000" scaled="1"/>
+            <a:tileRect/>
+          </a:gradFill>
+          <a:ln w="12700"/>
         </p:spPr>
         <p:style>
           <a:lnRef idx="2">
@@ -17813,7 +18164,7 @@
           <a:p>
             <a:pPr algn="ctr"/>
             <a:r>
-              <a:rPr lang="en-US" dirty="0" smtClean="0"/>
+              <a:rPr lang="en-US" dirty="0"/>
               <a:t>…</a:t>
             </a:r>
             <a:endParaRPr lang="en-US" dirty="0"/>
@@ -17834,11 +18185,31 @@
           <a:prstGeom prst="rect">
             <a:avLst/>
           </a:prstGeom>
-          <a:solidFill>
-            <a:schemeClr val="accent6">
-              <a:lumMod val="75000"/>
-            </a:schemeClr>
-          </a:solidFill>
+          <a:gradFill flip="none" rotWithShape="1">
+            <a:gsLst>
+              <a:gs pos="0">
+                <a:schemeClr val="accent6">
+                  <a:lumMod val="5000"/>
+                  <a:lumOff val="95000"/>
+                </a:schemeClr>
+              </a:gs>
+              <a:gs pos="15000">
+                <a:schemeClr val="accent6">
+                  <a:lumMod val="45000"/>
+                  <a:lumOff val="55000"/>
+                </a:schemeClr>
+              </a:gs>
+              <a:gs pos="35000">
+                <a:srgbClr val="92D050"/>
+              </a:gs>
+              <a:gs pos="100000">
+                <a:srgbClr val="00B050"/>
+              </a:gs>
+            </a:gsLst>
+            <a:lin ang="5400000" scaled="1"/>
+            <a:tileRect/>
+          </a:gradFill>
+          <a:ln w="12700"/>
         </p:spPr>
         <p:style>
           <a:lnRef idx="2">
@@ -17862,12 +18233,8 @@
           <a:p>
             <a:pPr algn="ctr"/>
             <a:r>
-              <a:rPr lang="en-US" dirty="0" smtClean="0"/>
-              <a:t>E</a:t>
-            </a:r>
-            <a:r>
-              <a:rPr lang="en-US" baseline="-25000" dirty="0" smtClean="0"/>
-              <a:t>n-1</a:t>
+              <a:rPr lang="en-US" dirty="0"/>
+              <a:t>En-1</a:t>
             </a:r>
             <a:endParaRPr lang="en-US" dirty="0"/>
           </a:p>
@@ -18172,7 +18539,7 @@
         <p:spPr>
           <a:xfrm>
             <a:off x="850006" y="5885645"/>
-            <a:ext cx="3347198" cy="369332"/>
+            <a:ext cx="5803576" cy="584775"/>
           </a:xfrm>
           <a:prstGeom prst="rect">
             <a:avLst/>
@@ -18186,54 +18553,54 @@
           <a:lstStyle/>
           <a:p>
             <a:r>
-              <a:rPr lang="en-US" dirty="0" err="1" smtClean="0"/>
+              <a:rPr lang="en-US" sz="3200" dirty="0" err="1" smtClean="0"/>
               <a:t>Ghi</a:t>
             </a:r>
             <a:r>
-              <a:rPr lang="en-US" dirty="0" smtClean="0"/>
+              <a:rPr lang="en-US" sz="3200" dirty="0" smtClean="0"/>
               <a:t> </a:t>
             </a:r>
             <a:r>
-              <a:rPr lang="en-US" dirty="0" err="1" smtClean="0"/>
+              <a:rPr lang="en-US" sz="3200" dirty="0" err="1" smtClean="0"/>
               <a:t>thông</a:t>
             </a:r>
             <a:r>
-              <a:rPr lang="en-US" dirty="0" smtClean="0"/>
+              <a:rPr lang="en-US" sz="3200" dirty="0" smtClean="0"/>
               <a:t> tin </a:t>
             </a:r>
             <a:r>
-              <a:rPr lang="en-US" dirty="0" err="1" smtClean="0"/>
+              <a:rPr lang="en-US" sz="3200" dirty="0" err="1" smtClean="0"/>
               <a:t>mã</a:t>
             </a:r>
             <a:r>
-              <a:rPr lang="en-US" dirty="0" smtClean="0"/>
+              <a:rPr lang="en-US" sz="3200" dirty="0" smtClean="0"/>
               <a:t> </a:t>
             </a:r>
             <a:r>
-              <a:rPr lang="en-US" dirty="0" err="1" smtClean="0"/>
+              <a:rPr lang="en-US" sz="3200" dirty="0" err="1" smtClean="0"/>
               <a:t>hóa</a:t>
             </a:r>
             <a:r>
-              <a:rPr lang="en-US" dirty="0" smtClean="0"/>
+              <a:rPr lang="en-US" sz="3200" dirty="0" smtClean="0"/>
               <a:t> </a:t>
             </a:r>
             <a:r>
-              <a:rPr lang="en-US" dirty="0" err="1" smtClean="0"/>
+              <a:rPr lang="en-US" sz="3200" dirty="0" err="1" smtClean="0"/>
               <a:t>vào</a:t>
             </a:r>
             <a:r>
-              <a:rPr lang="en-US" dirty="0" smtClean="0"/>
+              <a:rPr lang="en-US" sz="3200" dirty="0" smtClean="0"/>
               <a:t> </a:t>
             </a:r>
             <a:r>
-              <a:rPr lang="en-US" dirty="0" err="1" smtClean="0"/>
+              <a:rPr lang="en-US" sz="3200" dirty="0" err="1" smtClean="0"/>
               <a:t>cuối</a:t>
             </a:r>
             <a:r>
-              <a:rPr lang="en-US" dirty="0" smtClean="0"/>
+              <a:rPr lang="en-US" sz="3200" dirty="0" smtClean="0"/>
               <a:t> file</a:t>
             </a:r>
-            <a:endParaRPr lang="en-US" dirty="0"/>
+            <a:endParaRPr lang="en-US" sz="3200" dirty="0"/>
           </a:p>
         </p:txBody>
       </p:sp>
@@ -18300,112 +18667,30 @@
           </a:fontRef>
         </p:style>
       </p:cxnSp>
-      <p:sp>
-        <p:nvSpPr>
-          <p:cNvPr id="38" name="TextBox 37"/>
-          <p:cNvSpPr txBox="1"/>
+      <p:pic>
+        <p:nvPicPr>
+          <p:cNvPr id="36" name="Picture 35"/>
+          <p:cNvPicPr>
+            <a:picLocks noChangeAspect="1"/>
+          </p:cNvPicPr>
           <p:nvPr/>
-        </p:nvSpPr>
+        </p:nvPicPr>
+        <p:blipFill>
+          <a:blip r:embed="rId2"/>
+          <a:stretch>
+            <a:fillRect/>
+          </a:stretch>
+        </p:blipFill>
         <p:spPr>
           <a:xfrm>
-            <a:off x="1860387" y="2348421"/>
-            <a:ext cx="1237220" cy="646331"/>
+            <a:off x="1772918" y="2042273"/>
+            <a:ext cx="8387082" cy="1408298"/>
           </a:xfrm>
           <a:prstGeom prst="rect">
             <a:avLst/>
           </a:prstGeom>
-          <a:noFill/>
         </p:spPr>
-        <p:txBody>
-          <a:bodyPr wrap="square" rtlCol="0">
-            <a:spAutoFit/>
-          </a:bodyPr>
-          <a:lstStyle/>
-          <a:p>
-            <a:r>
-              <a:rPr lang="en-US" dirty="0" err="1" smtClean="0"/>
-              <a:t>Quá</a:t>
-            </a:r>
-            <a:r>
-              <a:rPr lang="en-US" dirty="0" smtClean="0"/>
-              <a:t> </a:t>
-            </a:r>
-            <a:r>
-              <a:rPr lang="en-US" dirty="0" err="1" smtClean="0"/>
-              <a:t>trình</a:t>
-            </a:r>
-            <a:r>
-              <a:rPr lang="en-US" dirty="0" smtClean="0"/>
-              <a:t> </a:t>
-            </a:r>
-            <a:r>
-              <a:rPr lang="en-US" dirty="0" err="1" smtClean="0"/>
-              <a:t>ghi</a:t>
-            </a:r>
-            <a:r>
-              <a:rPr lang="en-US" dirty="0" smtClean="0"/>
-              <a:t> </a:t>
-            </a:r>
-            <a:r>
-              <a:rPr lang="en-US" dirty="0" err="1" smtClean="0"/>
-              <a:t>dữ</a:t>
-            </a:r>
-            <a:r>
-              <a:rPr lang="en-US" dirty="0" smtClean="0"/>
-              <a:t> </a:t>
-            </a:r>
-            <a:r>
-              <a:rPr lang="en-US" dirty="0" err="1" smtClean="0"/>
-              <a:t>liệu</a:t>
-            </a:r>
-            <a:endParaRPr lang="en-US" dirty="0"/>
-          </a:p>
-        </p:txBody>
-      </p:sp>
-      <p:sp>
-        <p:nvSpPr>
-          <p:cNvPr id="30" name="Rectangle 29"/>
-          <p:cNvSpPr/>
-          <p:nvPr/>
-        </p:nvSpPr>
-        <p:spPr>
-          <a:xfrm>
-            <a:off x="3111677" y="2067951"/>
-            <a:ext cx="7129603" cy="1392701"/>
-          </a:xfrm>
-          <a:prstGeom prst="rect">
-            <a:avLst/>
-          </a:prstGeom>
-          <a:noFill/>
-          <a:ln cmpd="sng">
-            <a:prstDash val="dashDot"/>
-          </a:ln>
-        </p:spPr>
-        <p:style>
-          <a:lnRef idx="2">
-            <a:schemeClr val="accent1">
-              <a:shade val="50000"/>
-            </a:schemeClr>
-          </a:lnRef>
-          <a:fillRef idx="1">
-            <a:schemeClr val="accent1"/>
-          </a:fillRef>
-          <a:effectRef idx="0">
-            <a:schemeClr val="accent1"/>
-          </a:effectRef>
-          <a:fontRef idx="minor">
-            <a:schemeClr val="lt1"/>
-          </a:fontRef>
-        </p:style>
-        <p:txBody>
-          <a:bodyPr rtlCol="0" anchor="ctr"/>
-          <a:lstStyle/>
-          <a:p>
-            <a:pPr algn="ctr"/>
-            <a:endParaRPr lang="en-US"/>
-          </a:p>
-        </p:txBody>
-      </p:sp>
+      </p:pic>
     </p:spTree>
     <p:extLst>
       <p:ext uri="{BB962C8B-B14F-4D97-AF65-F5344CB8AC3E}">

--- a/Document/SODO.pptx
+++ b/Document/SODO.pptx
@@ -13,6 +13,10 @@
     <p:sldId id="263" r:id="rId7"/>
     <p:sldId id="261" r:id="rId8"/>
     <p:sldId id="262" r:id="rId9"/>
+    <p:sldId id="264" r:id="rId10"/>
+    <p:sldId id="265" r:id="rId11"/>
+    <p:sldId id="267" r:id="rId12"/>
+    <p:sldId id="266" r:id="rId13"/>
   </p:sldIdLst>
   <p:sldSz cx="12192000" cy="6858000"/>
   <p:notesSz cx="6858000" cy="9144000"/>
@@ -3646,564 +3650,6 @@
       <dsp:cNvGrpSpPr/>
     </dsp:nvGrpSpPr>
     <dsp:grpSpPr/>
-    <dsp:sp modelId="{7F739C37-DE7D-4C78-8F14-BB11D63384A4}">
-      <dsp:nvSpPr>
-        <dsp:cNvPr id="0" name=""/>
-        <dsp:cNvSpPr/>
-      </dsp:nvSpPr>
-      <dsp:spPr>
-        <a:xfrm>
-          <a:off x="2567" y="272267"/>
-          <a:ext cx="2284883" cy="913953"/>
-        </a:xfrm>
-        <a:prstGeom prst="chevron">
-          <a:avLst/>
-        </a:prstGeom>
-        <a:solidFill>
-          <a:schemeClr val="accent1">
-            <a:hueOff val="0"/>
-            <a:satOff val="0"/>
-            <a:lumOff val="0"/>
-            <a:alphaOff val="0"/>
-          </a:schemeClr>
-        </a:solidFill>
-        <a:ln w="12700" cap="flat" cmpd="sng" algn="ctr">
-          <a:solidFill>
-            <a:schemeClr val="lt1">
-              <a:hueOff val="0"/>
-              <a:satOff val="0"/>
-              <a:lumOff val="0"/>
-              <a:alphaOff val="0"/>
-            </a:schemeClr>
-          </a:solidFill>
-          <a:prstDash val="solid"/>
-          <a:miter lim="800000"/>
-        </a:ln>
-        <a:effectLst/>
-      </dsp:spPr>
-      <dsp:style>
-        <a:lnRef idx="2">
-          <a:scrgbClr r="0" g="0" b="0"/>
-        </a:lnRef>
-        <a:fillRef idx="1">
-          <a:scrgbClr r="0" g="0" b="0"/>
-        </a:fillRef>
-        <a:effectRef idx="0">
-          <a:scrgbClr r="0" g="0" b="0"/>
-        </a:effectRef>
-        <a:fontRef idx="minor">
-          <a:schemeClr val="lt1"/>
-        </a:fontRef>
-      </dsp:style>
-      <dsp:txBody>
-        <a:bodyPr spcFirstLastPara="0" vert="horz" wrap="square" lIns="72009" tIns="24003" rIns="24003" bIns="24003" numCol="1" spcCol="1270" anchor="ctr" anchorCtr="0">
-          <a:noAutofit/>
-        </a:bodyPr>
-        <a:lstStyle/>
-        <a:p>
-          <a:pPr lvl="0" algn="ctr" defTabSz="800100">
-            <a:lnSpc>
-              <a:spcPct val="90000"/>
-            </a:lnSpc>
-            <a:spcBef>
-              <a:spcPct val="0"/>
-            </a:spcBef>
-            <a:spcAft>
-              <a:spcPct val="35000"/>
-            </a:spcAft>
-          </a:pPr>
-          <a:r>
-            <a:rPr lang="en-US" sz="1800" kern="1200" dirty="0" err="1" smtClean="0"/>
-            <a:t>Xác</a:t>
-          </a:r>
-          <a:r>
-            <a:rPr lang="en-US" sz="1800" kern="1200" dirty="0" smtClean="0"/>
-            <a:t> </a:t>
-          </a:r>
-          <a:r>
-            <a:rPr lang="en-US" sz="1800" kern="1200" dirty="0" err="1" smtClean="0"/>
-            <a:t>định</a:t>
-          </a:r>
-          <a:r>
-            <a:rPr lang="en-US" sz="1800" kern="1200" dirty="0" smtClean="0"/>
-            <a:t> </a:t>
-          </a:r>
-          <a:r>
-            <a:rPr lang="en-US" sz="1800" kern="1200" dirty="0" err="1" smtClean="0"/>
-            <a:t>địa</a:t>
-          </a:r>
-          <a:r>
-            <a:rPr lang="en-US" sz="1800" kern="1200" dirty="0" smtClean="0"/>
-            <a:t> </a:t>
-          </a:r>
-          <a:r>
-            <a:rPr lang="en-US" sz="1800" kern="1200" dirty="0" err="1" smtClean="0"/>
-            <a:t>chỉ</a:t>
-          </a:r>
-          <a:r>
-            <a:rPr lang="en-US" sz="1800" kern="1200" dirty="0" smtClean="0"/>
-            <a:t> </a:t>
-          </a:r>
-          <a:r>
-            <a:rPr lang="en-US" sz="1800" kern="1200" dirty="0" err="1" smtClean="0"/>
-            <a:t>hàm</a:t>
-          </a:r>
-          <a:r>
-            <a:rPr lang="en-US" sz="1800" kern="1200" dirty="0" smtClean="0"/>
-            <a:t> </a:t>
-          </a:r>
-          <a:r>
-            <a:rPr lang="en-US" sz="1800" kern="1200" dirty="0" err="1" smtClean="0"/>
-            <a:t>gốc</a:t>
-          </a:r>
-          <a:r>
-            <a:rPr lang="en-US" sz="1800" kern="1200" dirty="0" smtClean="0"/>
-            <a:t> (entry point)</a:t>
-          </a:r>
-          <a:endParaRPr lang="en-US" sz="1800" kern="1200" dirty="0"/>
-        </a:p>
-      </dsp:txBody>
-      <dsp:txXfrm>
-        <a:off x="459544" y="272267"/>
-        <a:ext cx="1370930" cy="913953"/>
-      </dsp:txXfrm>
-    </dsp:sp>
-    <dsp:sp modelId="{79E3F17D-5461-4BCB-9DC2-D9574FD49015}">
-      <dsp:nvSpPr>
-        <dsp:cNvPr id="0" name=""/>
-        <dsp:cNvSpPr/>
-      </dsp:nvSpPr>
-      <dsp:spPr>
-        <a:xfrm>
-          <a:off x="2058962" y="272267"/>
-          <a:ext cx="2284883" cy="913953"/>
-        </a:xfrm>
-        <a:prstGeom prst="chevron">
-          <a:avLst/>
-        </a:prstGeom>
-        <a:solidFill>
-          <a:schemeClr val="accent1">
-            <a:hueOff val="0"/>
-            <a:satOff val="0"/>
-            <a:lumOff val="0"/>
-            <a:alphaOff val="0"/>
-          </a:schemeClr>
-        </a:solidFill>
-        <a:ln w="12700" cap="flat" cmpd="sng" algn="ctr">
-          <a:solidFill>
-            <a:schemeClr val="lt1">
-              <a:hueOff val="0"/>
-              <a:satOff val="0"/>
-              <a:lumOff val="0"/>
-              <a:alphaOff val="0"/>
-            </a:schemeClr>
-          </a:solidFill>
-          <a:prstDash val="solid"/>
-          <a:miter lim="800000"/>
-        </a:ln>
-        <a:effectLst/>
-      </dsp:spPr>
-      <dsp:style>
-        <a:lnRef idx="2">
-          <a:scrgbClr r="0" g="0" b="0"/>
-        </a:lnRef>
-        <a:fillRef idx="1">
-          <a:scrgbClr r="0" g="0" b="0"/>
-        </a:fillRef>
-        <a:effectRef idx="0">
-          <a:scrgbClr r="0" g="0" b="0"/>
-        </a:effectRef>
-        <a:fontRef idx="minor">
-          <a:schemeClr val="lt1"/>
-        </a:fontRef>
-      </dsp:style>
-      <dsp:txBody>
-        <a:bodyPr spcFirstLastPara="0" vert="horz" wrap="square" lIns="72009" tIns="24003" rIns="24003" bIns="24003" numCol="1" spcCol="1270" anchor="ctr" anchorCtr="0">
-          <a:noAutofit/>
-        </a:bodyPr>
-        <a:lstStyle/>
-        <a:p>
-          <a:pPr lvl="0" algn="ctr" defTabSz="800100">
-            <a:lnSpc>
-              <a:spcPct val="90000"/>
-            </a:lnSpc>
-            <a:spcBef>
-              <a:spcPct val="0"/>
-            </a:spcBef>
-            <a:spcAft>
-              <a:spcPct val="35000"/>
-            </a:spcAft>
-          </a:pPr>
-          <a:r>
-            <a:rPr lang="en-US" sz="1800" kern="1200" dirty="0" err="1" smtClean="0"/>
-            <a:t>Cấp</a:t>
-          </a:r>
-          <a:r>
-            <a:rPr lang="en-US" sz="1800" kern="1200" dirty="0" smtClean="0"/>
-            <a:t> </a:t>
-          </a:r>
-          <a:r>
-            <a:rPr lang="en-US" sz="1800" kern="1200" dirty="0" err="1" smtClean="0"/>
-            <a:t>phát</a:t>
-          </a:r>
-          <a:r>
-            <a:rPr lang="en-US" sz="1800" kern="1200" dirty="0" smtClean="0"/>
-            <a:t> </a:t>
-          </a:r>
-          <a:r>
-            <a:rPr lang="en-US" sz="1800" kern="1200" dirty="0" err="1" smtClean="0"/>
-            <a:t>vùng</a:t>
-          </a:r>
-          <a:r>
-            <a:rPr lang="en-US" sz="1800" kern="1200" dirty="0" smtClean="0"/>
-            <a:t> </a:t>
-          </a:r>
-          <a:r>
-            <a:rPr lang="en-US" sz="1800" kern="1200" dirty="0" err="1" smtClean="0"/>
-            <a:t>nhớ</a:t>
-          </a:r>
-          <a:r>
-            <a:rPr lang="en-US" sz="1800" kern="1200" dirty="0" smtClean="0"/>
-            <a:t> </a:t>
-          </a:r>
-          <a:r>
-            <a:rPr lang="en-US" sz="1800" kern="1200" dirty="0" err="1" smtClean="0"/>
-            <a:t>lưu</a:t>
-          </a:r>
-          <a:r>
-            <a:rPr lang="en-US" sz="1800" kern="1200" dirty="0" smtClean="0"/>
-            <a:t> </a:t>
-          </a:r>
-          <a:r>
-            <a:rPr lang="en-US" sz="1800" kern="1200" dirty="0" err="1" smtClean="0"/>
-            <a:t>thông</a:t>
-          </a:r>
-          <a:r>
-            <a:rPr lang="en-US" sz="1800" kern="1200" dirty="0" smtClean="0"/>
-            <a:t> tin</a:t>
-          </a:r>
-          <a:endParaRPr lang="en-US" sz="1800" kern="1200" dirty="0"/>
-        </a:p>
-      </dsp:txBody>
-      <dsp:txXfrm>
-        <a:off x="2515939" y="272267"/>
-        <a:ext cx="1370930" cy="913953"/>
-      </dsp:txXfrm>
-    </dsp:sp>
-    <dsp:sp modelId="{342BFAB8-AD99-4644-A7A7-89BFBF6C1002}">
-      <dsp:nvSpPr>
-        <dsp:cNvPr id="0" name=""/>
-        <dsp:cNvSpPr/>
-      </dsp:nvSpPr>
-      <dsp:spPr>
-        <a:xfrm>
-          <a:off x="4115358" y="272267"/>
-          <a:ext cx="2284883" cy="913953"/>
-        </a:xfrm>
-        <a:prstGeom prst="chevron">
-          <a:avLst/>
-        </a:prstGeom>
-        <a:solidFill>
-          <a:schemeClr val="accent1">
-            <a:hueOff val="0"/>
-            <a:satOff val="0"/>
-            <a:lumOff val="0"/>
-            <a:alphaOff val="0"/>
-          </a:schemeClr>
-        </a:solidFill>
-        <a:ln w="12700" cap="flat" cmpd="sng" algn="ctr">
-          <a:solidFill>
-            <a:schemeClr val="lt1">
-              <a:hueOff val="0"/>
-              <a:satOff val="0"/>
-              <a:lumOff val="0"/>
-              <a:alphaOff val="0"/>
-            </a:schemeClr>
-          </a:solidFill>
-          <a:prstDash val="solid"/>
-          <a:miter lim="800000"/>
-        </a:ln>
-        <a:effectLst/>
-      </dsp:spPr>
-      <dsp:style>
-        <a:lnRef idx="2">
-          <a:scrgbClr r="0" g="0" b="0"/>
-        </a:lnRef>
-        <a:fillRef idx="1">
-          <a:scrgbClr r="0" g="0" b="0"/>
-        </a:fillRef>
-        <a:effectRef idx="0">
-          <a:scrgbClr r="0" g="0" b="0"/>
-        </a:effectRef>
-        <a:fontRef idx="minor">
-          <a:schemeClr val="lt1"/>
-        </a:fontRef>
-      </dsp:style>
-      <dsp:txBody>
-        <a:bodyPr spcFirstLastPara="0" vert="horz" wrap="square" lIns="72009" tIns="24003" rIns="24003" bIns="24003" numCol="1" spcCol="1270" anchor="ctr" anchorCtr="0">
-          <a:noAutofit/>
-        </a:bodyPr>
-        <a:lstStyle/>
-        <a:p>
-          <a:pPr lvl="0" algn="ctr" defTabSz="800100">
-            <a:lnSpc>
-              <a:spcPct val="90000"/>
-            </a:lnSpc>
-            <a:spcBef>
-              <a:spcPct val="0"/>
-            </a:spcBef>
-            <a:spcAft>
-              <a:spcPct val="35000"/>
-            </a:spcAft>
-          </a:pPr>
-          <a:r>
-            <a:rPr lang="en-US" sz="1800" kern="1200" dirty="0" err="1" smtClean="0"/>
-            <a:t>Làm</a:t>
-          </a:r>
-          <a:r>
-            <a:rPr lang="en-US" sz="1800" kern="1200" dirty="0" smtClean="0"/>
-            <a:t> </a:t>
-          </a:r>
-          <a:r>
-            <a:rPr lang="en-US" sz="1800" kern="1200" dirty="0" err="1" smtClean="0"/>
-            <a:t>tròn</a:t>
-          </a:r>
-          <a:r>
-            <a:rPr lang="en-US" sz="1800" kern="1200" dirty="0" smtClean="0"/>
-            <a:t> </a:t>
-          </a:r>
-          <a:r>
-            <a:rPr lang="en-US" sz="1800" kern="1200" dirty="0" err="1" smtClean="0"/>
-            <a:t>độ</a:t>
-          </a:r>
-          <a:r>
-            <a:rPr lang="en-US" sz="1800" kern="1200" dirty="0" smtClean="0"/>
-            <a:t> </a:t>
-          </a:r>
-          <a:r>
-            <a:rPr lang="en-US" sz="1800" kern="1200" dirty="0" err="1" smtClean="0"/>
-            <a:t>dài</a:t>
-          </a:r>
-          <a:r>
-            <a:rPr lang="en-US" sz="1800" kern="1200" dirty="0" smtClean="0"/>
-            <a:t> entry point</a:t>
-          </a:r>
-          <a:endParaRPr lang="en-US" sz="1800" kern="1200" dirty="0"/>
-        </a:p>
-      </dsp:txBody>
-      <dsp:txXfrm>
-        <a:off x="4572335" y="272267"/>
-        <a:ext cx="1370930" cy="913953"/>
-      </dsp:txXfrm>
-    </dsp:sp>
-    <dsp:sp modelId="{73C7F563-37A3-4CF6-9658-1DD4E98136F9}">
-      <dsp:nvSpPr>
-        <dsp:cNvPr id="0" name=""/>
-        <dsp:cNvSpPr/>
-      </dsp:nvSpPr>
-      <dsp:spPr>
-        <a:xfrm>
-          <a:off x="6171753" y="272267"/>
-          <a:ext cx="2284883" cy="913953"/>
-        </a:xfrm>
-        <a:prstGeom prst="chevron">
-          <a:avLst/>
-        </a:prstGeom>
-        <a:solidFill>
-          <a:schemeClr val="accent1">
-            <a:hueOff val="0"/>
-            <a:satOff val="0"/>
-            <a:lumOff val="0"/>
-            <a:alphaOff val="0"/>
-          </a:schemeClr>
-        </a:solidFill>
-        <a:ln w="12700" cap="flat" cmpd="sng" algn="ctr">
-          <a:solidFill>
-            <a:schemeClr val="lt1">
-              <a:hueOff val="0"/>
-              <a:satOff val="0"/>
-              <a:lumOff val="0"/>
-              <a:alphaOff val="0"/>
-            </a:schemeClr>
-          </a:solidFill>
-          <a:prstDash val="solid"/>
-          <a:miter lim="800000"/>
-        </a:ln>
-        <a:effectLst/>
-      </dsp:spPr>
-      <dsp:style>
-        <a:lnRef idx="2">
-          <a:scrgbClr r="0" g="0" b="0"/>
-        </a:lnRef>
-        <a:fillRef idx="1">
-          <a:scrgbClr r="0" g="0" b="0"/>
-        </a:fillRef>
-        <a:effectRef idx="0">
-          <a:scrgbClr r="0" g="0" b="0"/>
-        </a:effectRef>
-        <a:fontRef idx="minor">
-          <a:schemeClr val="lt1"/>
-        </a:fontRef>
-      </dsp:style>
-      <dsp:txBody>
-        <a:bodyPr spcFirstLastPara="0" vert="horz" wrap="square" lIns="72009" tIns="24003" rIns="24003" bIns="24003" numCol="1" spcCol="1270" anchor="ctr" anchorCtr="0">
-          <a:noAutofit/>
-        </a:bodyPr>
-        <a:lstStyle/>
-        <a:p>
-          <a:pPr lvl="0" algn="ctr" defTabSz="800100">
-            <a:lnSpc>
-              <a:spcPct val="90000"/>
-            </a:lnSpc>
-            <a:spcBef>
-              <a:spcPct val="0"/>
-            </a:spcBef>
-            <a:spcAft>
-              <a:spcPct val="35000"/>
-            </a:spcAft>
-          </a:pPr>
-          <a:r>
-            <a:rPr lang="en-US" sz="1800" kern="1200" dirty="0" err="1" smtClean="0"/>
-            <a:t>Lưu</a:t>
-          </a:r>
-          <a:r>
-            <a:rPr lang="en-US" sz="1800" kern="1200" dirty="0" smtClean="0"/>
-            <a:t> </a:t>
-          </a:r>
-          <a:r>
-            <a:rPr lang="en-US" sz="1800" kern="1200" dirty="0" err="1" smtClean="0"/>
-            <a:t>địa</a:t>
-          </a:r>
-          <a:r>
-            <a:rPr lang="en-US" sz="1800" kern="1200" dirty="0" smtClean="0"/>
-            <a:t> </a:t>
-          </a:r>
-          <a:r>
-            <a:rPr lang="en-US" sz="1800" kern="1200" dirty="0" err="1" smtClean="0"/>
-            <a:t>chỉ</a:t>
-          </a:r>
-          <a:r>
-            <a:rPr lang="en-US" sz="1800" kern="1200" dirty="0" smtClean="0"/>
-            <a:t> </a:t>
-          </a:r>
-          <a:r>
-            <a:rPr lang="en-US" sz="1800" kern="1200" dirty="0" err="1" smtClean="0"/>
-            <a:t>hàm</a:t>
-          </a:r>
-          <a:r>
-            <a:rPr lang="en-US" sz="1800" kern="1200" dirty="0" smtClean="0"/>
-            <a:t> </a:t>
-          </a:r>
-          <a:r>
-            <a:rPr lang="en-US" sz="1800" kern="1200" dirty="0" err="1" smtClean="0"/>
-            <a:t>gốc</a:t>
-          </a:r>
-          <a:endParaRPr lang="en-US" sz="1800" kern="1200" dirty="0"/>
-        </a:p>
-      </dsp:txBody>
-      <dsp:txXfrm>
-        <a:off x="6628730" y="272267"/>
-        <a:ext cx="1370930" cy="913953"/>
-      </dsp:txXfrm>
-    </dsp:sp>
-    <dsp:sp modelId="{90C7D633-37DA-4C45-B5A5-BFF7A0E0497C}">
-      <dsp:nvSpPr>
-        <dsp:cNvPr id="0" name=""/>
-        <dsp:cNvSpPr/>
-      </dsp:nvSpPr>
-      <dsp:spPr>
-        <a:xfrm>
-          <a:off x="8228148" y="272267"/>
-          <a:ext cx="2284883" cy="913953"/>
-        </a:xfrm>
-        <a:prstGeom prst="chevron">
-          <a:avLst/>
-        </a:prstGeom>
-        <a:solidFill>
-          <a:schemeClr val="accent1">
-            <a:hueOff val="0"/>
-            <a:satOff val="0"/>
-            <a:lumOff val="0"/>
-            <a:alphaOff val="0"/>
-          </a:schemeClr>
-        </a:solidFill>
-        <a:ln w="12700" cap="flat" cmpd="sng" algn="ctr">
-          <a:solidFill>
-            <a:schemeClr val="lt1">
-              <a:hueOff val="0"/>
-              <a:satOff val="0"/>
-              <a:lumOff val="0"/>
-              <a:alphaOff val="0"/>
-            </a:schemeClr>
-          </a:solidFill>
-          <a:prstDash val="solid"/>
-          <a:miter lim="800000"/>
-        </a:ln>
-        <a:effectLst/>
-      </dsp:spPr>
-      <dsp:style>
-        <a:lnRef idx="2">
-          <a:scrgbClr r="0" g="0" b="0"/>
-        </a:lnRef>
-        <a:fillRef idx="1">
-          <a:scrgbClr r="0" g="0" b="0"/>
-        </a:fillRef>
-        <a:effectRef idx="0">
-          <a:scrgbClr r="0" g="0" b="0"/>
-        </a:effectRef>
-        <a:fontRef idx="minor">
-          <a:schemeClr val="lt1"/>
-        </a:fontRef>
-      </dsp:style>
-      <dsp:txBody>
-        <a:bodyPr spcFirstLastPara="0" vert="horz" wrap="square" lIns="72009" tIns="24003" rIns="24003" bIns="24003" numCol="1" spcCol="1270" anchor="ctr" anchorCtr="0">
-          <a:noAutofit/>
-        </a:bodyPr>
-        <a:lstStyle/>
-        <a:p>
-          <a:pPr lvl="0" algn="ctr" defTabSz="800100">
-            <a:lnSpc>
-              <a:spcPct val="90000"/>
-            </a:lnSpc>
-            <a:spcBef>
-              <a:spcPct val="0"/>
-            </a:spcBef>
-            <a:spcAft>
-              <a:spcPct val="35000"/>
-            </a:spcAft>
-          </a:pPr>
-          <a:r>
-            <a:rPr lang="en-US" sz="1800" kern="1200" dirty="0" err="1" smtClean="0"/>
-            <a:t>Nhảy</a:t>
-          </a:r>
-          <a:r>
-            <a:rPr lang="en-US" sz="1800" kern="1200" dirty="0" smtClean="0"/>
-            <a:t> </a:t>
-          </a:r>
-          <a:r>
-            <a:rPr lang="en-US" sz="1800" kern="1200" dirty="0" err="1" smtClean="0"/>
-            <a:t>tới</a:t>
-          </a:r>
-          <a:r>
-            <a:rPr lang="en-US" sz="1800" kern="1200" dirty="0" smtClean="0"/>
-            <a:t> </a:t>
-          </a:r>
-          <a:r>
-            <a:rPr lang="en-US" sz="1800" kern="1200" dirty="0" err="1" smtClean="0"/>
-            <a:t>hàm</a:t>
-          </a:r>
-          <a:r>
-            <a:rPr lang="en-US" sz="1800" kern="1200" dirty="0" smtClean="0"/>
-            <a:t> hook</a:t>
-          </a:r>
-          <a:endParaRPr lang="en-US" sz="1800" kern="1200" dirty="0"/>
-        </a:p>
-      </dsp:txBody>
-      <dsp:txXfrm>
-        <a:off x="8685125" y="272267"/>
-        <a:ext cx="1370930" cy="913953"/>
-      </dsp:txXfrm>
-    </dsp:sp>
   </dsp:spTree>
 </dsp:drawing>
 </file>
@@ -6836,7 +6282,7 @@
           <a:p>
             <a:fld id="{16D2D749-03DE-4EC2-8C00-F102FCD2936A}" type="datetimeFigureOut">
               <a:rPr lang="en-US" smtClean="0"/>
-              <a:t>6/29/2015</a:t>
+              <a:t>6/30/2015</a:t>
             </a:fld>
             <a:endParaRPr lang="en-US"/>
           </a:p>
@@ -7006,7 +6452,7 @@
           <a:p>
             <a:fld id="{16D2D749-03DE-4EC2-8C00-F102FCD2936A}" type="datetimeFigureOut">
               <a:rPr lang="en-US" smtClean="0"/>
-              <a:t>6/29/2015</a:t>
+              <a:t>6/30/2015</a:t>
             </a:fld>
             <a:endParaRPr lang="en-US"/>
           </a:p>
@@ -7186,7 +6632,7 @@
           <a:p>
             <a:fld id="{16D2D749-03DE-4EC2-8C00-F102FCD2936A}" type="datetimeFigureOut">
               <a:rPr lang="en-US" smtClean="0"/>
-              <a:t>6/29/2015</a:t>
+              <a:t>6/30/2015</a:t>
             </a:fld>
             <a:endParaRPr lang="en-US"/>
           </a:p>
@@ -7356,7 +6802,7 @@
           <a:p>
             <a:fld id="{16D2D749-03DE-4EC2-8C00-F102FCD2936A}" type="datetimeFigureOut">
               <a:rPr lang="en-US" smtClean="0"/>
-              <a:t>6/29/2015</a:t>
+              <a:t>6/30/2015</a:t>
             </a:fld>
             <a:endParaRPr lang="en-US"/>
           </a:p>
@@ -7602,7 +7048,7 @@
           <a:p>
             <a:fld id="{16D2D749-03DE-4EC2-8C00-F102FCD2936A}" type="datetimeFigureOut">
               <a:rPr lang="en-US" smtClean="0"/>
-              <a:t>6/29/2015</a:t>
+              <a:t>6/30/2015</a:t>
             </a:fld>
             <a:endParaRPr lang="en-US"/>
           </a:p>
@@ -7834,7 +7280,7 @@
           <a:p>
             <a:fld id="{16D2D749-03DE-4EC2-8C00-F102FCD2936A}" type="datetimeFigureOut">
               <a:rPr lang="en-US" smtClean="0"/>
-              <a:t>6/29/2015</a:t>
+              <a:t>6/30/2015</a:t>
             </a:fld>
             <a:endParaRPr lang="en-US"/>
           </a:p>
@@ -8201,7 +7647,7 @@
           <a:p>
             <a:fld id="{16D2D749-03DE-4EC2-8C00-F102FCD2936A}" type="datetimeFigureOut">
               <a:rPr lang="en-US" smtClean="0"/>
-              <a:t>6/29/2015</a:t>
+              <a:t>6/30/2015</a:t>
             </a:fld>
             <a:endParaRPr lang="en-US"/>
           </a:p>
@@ -8319,7 +7765,7 @@
           <a:p>
             <a:fld id="{16D2D749-03DE-4EC2-8C00-F102FCD2936A}" type="datetimeFigureOut">
               <a:rPr lang="en-US" smtClean="0"/>
-              <a:t>6/29/2015</a:t>
+              <a:t>6/30/2015</a:t>
             </a:fld>
             <a:endParaRPr lang="en-US"/>
           </a:p>
@@ -8414,7 +7860,7 @@
           <a:p>
             <a:fld id="{16D2D749-03DE-4EC2-8C00-F102FCD2936A}" type="datetimeFigureOut">
               <a:rPr lang="en-US" smtClean="0"/>
-              <a:t>6/29/2015</a:t>
+              <a:t>6/30/2015</a:t>
             </a:fld>
             <a:endParaRPr lang="en-US"/>
           </a:p>
@@ -8691,7 +8137,7 @@
           <a:p>
             <a:fld id="{16D2D749-03DE-4EC2-8C00-F102FCD2936A}" type="datetimeFigureOut">
               <a:rPr lang="en-US" smtClean="0"/>
-              <a:t>6/29/2015</a:t>
+              <a:t>6/30/2015</a:t>
             </a:fld>
             <a:endParaRPr lang="en-US"/>
           </a:p>
@@ -8944,7 +8390,7 @@
           <a:p>
             <a:fld id="{16D2D749-03DE-4EC2-8C00-F102FCD2936A}" type="datetimeFigureOut">
               <a:rPr lang="en-US" smtClean="0"/>
-              <a:t>6/29/2015</a:t>
+              <a:t>6/30/2015</a:t>
             </a:fld>
             <a:endParaRPr lang="en-US"/>
           </a:p>
@@ -9157,7 +8603,7 @@
           <a:p>
             <a:fld id="{16D2D749-03DE-4EC2-8C00-F102FCD2936A}" type="datetimeFigureOut">
               <a:rPr lang="en-US" smtClean="0"/>
-              <a:t>6/29/2015</a:t>
+              <a:t>6/30/2015</a:t>
             </a:fld>
             <a:endParaRPr lang="en-US"/>
           </a:p>
@@ -9650,6 +9096,1252 @@
       </p:par>
     </p:tnLst>
   </p:timing>
+</p:sld>
+</file>
+
+<file path=ppt/slides/slide10.xml><?xml version="1.0" encoding="utf-8"?>
+<p:sld xmlns:a="http://schemas.openxmlformats.org/drawingml/2006/main" xmlns:r="http://schemas.openxmlformats.org/officeDocument/2006/relationships" xmlns:p="http://schemas.openxmlformats.org/presentationml/2006/main">
+  <p:cSld>
+    <p:spTree>
+      <p:nvGrpSpPr>
+        <p:cNvPr id="1" name=""/>
+        <p:cNvGrpSpPr/>
+        <p:nvPr/>
+      </p:nvGrpSpPr>
+      <p:grpSpPr>
+        <a:xfrm>
+          <a:off x="0" y="0"/>
+          <a:ext cx="0" cy="0"/>
+          <a:chOff x="0" y="0"/>
+          <a:chExt cx="0" cy="0"/>
+        </a:xfrm>
+      </p:grpSpPr>
+      <p:sp>
+        <p:nvSpPr>
+          <p:cNvPr id="4" name="TextBox 3"/>
+          <p:cNvSpPr txBox="1"/>
+          <p:nvPr/>
+        </p:nvSpPr>
+        <p:spPr>
+          <a:xfrm>
+            <a:off x="753979" y="5807242"/>
+            <a:ext cx="1168910" cy="646331"/>
+          </a:xfrm>
+          <a:prstGeom prst="rect">
+            <a:avLst/>
+          </a:prstGeom>
+          <a:noFill/>
+        </p:spPr>
+        <p:txBody>
+          <a:bodyPr wrap="none" rtlCol="0">
+            <a:spAutoFit/>
+          </a:bodyPr>
+          <a:lstStyle/>
+          <a:p>
+            <a:r>
+              <a:rPr lang="en-US" sz="3600" dirty="0" smtClean="0"/>
+              <a:t>Hook</a:t>
+            </a:r>
+          </a:p>
+        </p:txBody>
+      </p:sp>
+      <p:sp>
+        <p:nvSpPr>
+          <p:cNvPr id="5" name="Rounded Rectangle 4"/>
+          <p:cNvSpPr/>
+          <p:nvPr/>
+        </p:nvSpPr>
+        <p:spPr>
+          <a:xfrm>
+            <a:off x="2759242" y="1026695"/>
+            <a:ext cx="6769769" cy="3641558"/>
+          </a:xfrm>
+          <a:prstGeom prst="roundRect">
+            <a:avLst/>
+          </a:prstGeom>
+          <a:solidFill>
+            <a:srgbClr val="E9EDEC"/>
+          </a:solidFill>
+        </p:spPr>
+        <p:style>
+          <a:lnRef idx="2">
+            <a:schemeClr val="accent1">
+              <a:shade val="50000"/>
+            </a:schemeClr>
+          </a:lnRef>
+          <a:fillRef idx="1">
+            <a:schemeClr val="accent1"/>
+          </a:fillRef>
+          <a:effectRef idx="0">
+            <a:schemeClr val="accent1"/>
+          </a:effectRef>
+          <a:fontRef idx="minor">
+            <a:schemeClr val="lt1"/>
+          </a:fontRef>
+        </p:style>
+        <p:txBody>
+          <a:bodyPr rtlCol="0" anchor="ctr"/>
+          <a:lstStyle/>
+          <a:p>
+            <a:pPr algn="ctr"/>
+            <a:endParaRPr lang="en-US" dirty="0"/>
+          </a:p>
+        </p:txBody>
+      </p:sp>
+      <p:sp>
+        <p:nvSpPr>
+          <p:cNvPr id="6" name="Rounded Rectangle 5"/>
+          <p:cNvSpPr/>
+          <p:nvPr/>
+        </p:nvSpPr>
+        <p:spPr>
+          <a:xfrm>
+            <a:off x="3031958" y="2967790"/>
+            <a:ext cx="2406316" cy="930442"/>
+          </a:xfrm>
+          <a:prstGeom prst="roundRect">
+            <a:avLst/>
+          </a:prstGeom>
+          <a:gradFill flip="none" rotWithShape="1">
+            <a:gsLst>
+              <a:gs pos="0">
+                <a:schemeClr val="accent1">
+                  <a:lumMod val="0"/>
+                  <a:lumOff val="100000"/>
+                </a:schemeClr>
+              </a:gs>
+              <a:gs pos="29000">
+                <a:schemeClr val="accent1">
+                  <a:lumMod val="0"/>
+                  <a:lumOff val="100000"/>
+                </a:schemeClr>
+              </a:gs>
+              <a:gs pos="100000">
+                <a:schemeClr val="accent1">
+                  <a:lumMod val="100000"/>
+                </a:schemeClr>
+              </a:gs>
+            </a:gsLst>
+            <a:path path="circle">
+              <a:fillToRect l="50000" t="-80000" r="50000" b="180000"/>
+            </a:path>
+            <a:tileRect/>
+          </a:gradFill>
+        </p:spPr>
+        <p:style>
+          <a:lnRef idx="2">
+            <a:schemeClr val="accent1">
+              <a:shade val="50000"/>
+            </a:schemeClr>
+          </a:lnRef>
+          <a:fillRef idx="1">
+            <a:schemeClr val="accent1"/>
+          </a:fillRef>
+          <a:effectRef idx="0">
+            <a:schemeClr val="accent1"/>
+          </a:effectRef>
+          <a:fontRef idx="minor">
+            <a:schemeClr val="lt1"/>
+          </a:fontRef>
+        </p:style>
+        <p:txBody>
+          <a:bodyPr rtlCol="0" anchor="ctr"/>
+          <a:lstStyle/>
+          <a:p>
+            <a:pPr algn="ctr"/>
+            <a:r>
+              <a:rPr lang="en-US" sz="2800" b="1" dirty="0" smtClean="0">
+                <a:solidFill>
+                  <a:schemeClr val="tx1"/>
+                </a:solidFill>
+              </a:rPr>
+              <a:t>Inject DLL</a:t>
+            </a:r>
+            <a:endParaRPr lang="en-US" sz="2800" b="1" dirty="0">
+              <a:solidFill>
+                <a:schemeClr val="tx1"/>
+              </a:solidFill>
+            </a:endParaRPr>
+          </a:p>
+        </p:txBody>
+      </p:sp>
+      <p:sp>
+        <p:nvSpPr>
+          <p:cNvPr id="7" name="Rounded Rectangle 6"/>
+          <p:cNvSpPr/>
+          <p:nvPr/>
+        </p:nvSpPr>
+        <p:spPr>
+          <a:xfrm>
+            <a:off x="6849980" y="2967790"/>
+            <a:ext cx="2406316" cy="930442"/>
+          </a:xfrm>
+          <a:prstGeom prst="roundRect">
+            <a:avLst/>
+          </a:prstGeom>
+          <a:gradFill flip="none" rotWithShape="1">
+            <a:gsLst>
+              <a:gs pos="0">
+                <a:schemeClr val="accent1">
+                  <a:lumMod val="0"/>
+                  <a:lumOff val="100000"/>
+                </a:schemeClr>
+              </a:gs>
+              <a:gs pos="29000">
+                <a:schemeClr val="accent1">
+                  <a:lumMod val="0"/>
+                  <a:lumOff val="100000"/>
+                </a:schemeClr>
+              </a:gs>
+              <a:gs pos="100000">
+                <a:schemeClr val="accent1">
+                  <a:lumMod val="100000"/>
+                </a:schemeClr>
+              </a:gs>
+            </a:gsLst>
+            <a:path path="circle">
+              <a:fillToRect l="50000" t="-80000" r="50000" b="180000"/>
+            </a:path>
+            <a:tileRect/>
+          </a:gradFill>
+        </p:spPr>
+        <p:style>
+          <a:lnRef idx="2">
+            <a:schemeClr val="accent1">
+              <a:shade val="50000"/>
+            </a:schemeClr>
+          </a:lnRef>
+          <a:fillRef idx="1">
+            <a:schemeClr val="accent1"/>
+          </a:fillRef>
+          <a:effectRef idx="0">
+            <a:schemeClr val="accent1"/>
+          </a:effectRef>
+          <a:fontRef idx="minor">
+            <a:schemeClr val="lt1"/>
+          </a:fontRef>
+        </p:style>
+        <p:txBody>
+          <a:bodyPr rtlCol="0" anchor="ctr"/>
+          <a:lstStyle/>
+          <a:p>
+            <a:pPr algn="ctr"/>
+            <a:r>
+              <a:rPr lang="en-US" sz="2800" dirty="0" smtClean="0">
+                <a:solidFill>
+                  <a:schemeClr val="tx1"/>
+                </a:solidFill>
+              </a:rPr>
+              <a:t>Intercept API</a:t>
+            </a:r>
+            <a:endParaRPr lang="en-US" sz="2800" dirty="0">
+              <a:solidFill>
+                <a:schemeClr val="tx1"/>
+              </a:solidFill>
+            </a:endParaRPr>
+          </a:p>
+        </p:txBody>
+      </p:sp>
+      <p:sp>
+        <p:nvSpPr>
+          <p:cNvPr id="8" name="TextBox 7"/>
+          <p:cNvSpPr txBox="1"/>
+          <p:nvPr/>
+        </p:nvSpPr>
+        <p:spPr>
+          <a:xfrm>
+            <a:off x="4918470" y="1299410"/>
+            <a:ext cx="2504212" cy="584775"/>
+          </a:xfrm>
+          <a:prstGeom prst="rect">
+            <a:avLst/>
+          </a:prstGeom>
+          <a:noFill/>
+        </p:spPr>
+        <p:txBody>
+          <a:bodyPr wrap="none" rtlCol="0">
+            <a:spAutoFit/>
+          </a:bodyPr>
+          <a:lstStyle/>
+          <a:p>
+            <a:r>
+              <a:rPr lang="en-US" sz="3200" b="1" dirty="0" smtClean="0">
+                <a:solidFill>
+                  <a:schemeClr val="accent2">
+                    <a:lumMod val="75000"/>
+                  </a:schemeClr>
+                </a:solidFill>
+              </a:rPr>
+              <a:t>Hook Module</a:t>
+            </a:r>
+            <a:endParaRPr lang="en-US" sz="3200" b="1" dirty="0">
+              <a:solidFill>
+                <a:schemeClr val="accent2">
+                  <a:lumMod val="75000"/>
+                </a:schemeClr>
+              </a:solidFill>
+            </a:endParaRPr>
+          </a:p>
+        </p:txBody>
+      </p:sp>
+      <p:cxnSp>
+        <p:nvCxnSpPr>
+          <p:cNvPr id="10" name="Straight Arrow Connector 9"/>
+          <p:cNvCxnSpPr>
+            <a:stCxn id="6" idx="3"/>
+            <a:endCxn id="7" idx="1"/>
+          </p:cNvCxnSpPr>
+          <p:nvPr/>
+        </p:nvCxnSpPr>
+        <p:spPr>
+          <a:xfrm>
+            <a:off x="5438274" y="3433011"/>
+            <a:ext cx="1411706" cy="0"/>
+          </a:xfrm>
+          <a:prstGeom prst="straightConnector1">
+            <a:avLst/>
+          </a:prstGeom>
+          <a:ln w="76200">
+            <a:tailEnd type="triangle"/>
+          </a:ln>
+        </p:spPr>
+        <p:style>
+          <a:lnRef idx="1">
+            <a:schemeClr val="accent1"/>
+          </a:lnRef>
+          <a:fillRef idx="0">
+            <a:schemeClr val="accent1"/>
+          </a:fillRef>
+          <a:effectRef idx="0">
+            <a:schemeClr val="accent1"/>
+          </a:effectRef>
+          <a:fontRef idx="minor">
+            <a:schemeClr val="tx1"/>
+          </a:fontRef>
+        </p:style>
+      </p:cxnSp>
+    </p:spTree>
+    <p:extLst>
+      <p:ext uri="{BB962C8B-B14F-4D97-AF65-F5344CB8AC3E}">
+        <p14:creationId xmlns:p14="http://schemas.microsoft.com/office/powerpoint/2010/main" val="2551322343"/>
+      </p:ext>
+    </p:extLst>
+  </p:cSld>
+  <p:clrMapOvr>
+    <a:masterClrMapping/>
+  </p:clrMapOvr>
+</p:sld>
+</file>
+
+<file path=ppt/slides/slide11.xml><?xml version="1.0" encoding="utf-8"?>
+<p:sld xmlns:a="http://schemas.openxmlformats.org/drawingml/2006/main" xmlns:r="http://schemas.openxmlformats.org/officeDocument/2006/relationships" xmlns:p="http://schemas.openxmlformats.org/presentationml/2006/main">
+  <p:cSld>
+    <p:spTree>
+      <p:nvGrpSpPr>
+        <p:cNvPr id="1" name=""/>
+        <p:cNvGrpSpPr/>
+        <p:nvPr/>
+      </p:nvGrpSpPr>
+      <p:grpSpPr>
+        <a:xfrm>
+          <a:off x="0" y="0"/>
+          <a:ext cx="0" cy="0"/>
+          <a:chOff x="0" y="0"/>
+          <a:chExt cx="0" cy="0"/>
+        </a:xfrm>
+      </p:grpSpPr>
+      <p:sp>
+        <p:nvSpPr>
+          <p:cNvPr id="4" name="TextBox 3"/>
+          <p:cNvSpPr txBox="1"/>
+          <p:nvPr/>
+        </p:nvSpPr>
+        <p:spPr>
+          <a:xfrm>
+            <a:off x="696685" y="6037943"/>
+            <a:ext cx="2229521" cy="584775"/>
+          </a:xfrm>
+          <a:prstGeom prst="rect">
+            <a:avLst/>
+          </a:prstGeom>
+          <a:noFill/>
+        </p:spPr>
+        <p:txBody>
+          <a:bodyPr wrap="none" rtlCol="0">
+            <a:spAutoFit/>
+          </a:bodyPr>
+          <a:lstStyle/>
+          <a:p>
+            <a:r>
+              <a:rPr lang="en-US" sz="3200" dirty="0" smtClean="0"/>
+              <a:t>Protect data</a:t>
+            </a:r>
+            <a:endParaRPr lang="en-US" sz="3200" dirty="0"/>
+          </a:p>
+        </p:txBody>
+      </p:sp>
+      <p:sp>
+        <p:nvSpPr>
+          <p:cNvPr id="5" name="Rounded Rectangle 4"/>
+          <p:cNvSpPr/>
+          <p:nvPr/>
+        </p:nvSpPr>
+        <p:spPr>
+          <a:xfrm>
+            <a:off x="2614099" y="1182533"/>
+            <a:ext cx="6769769" cy="4372619"/>
+          </a:xfrm>
+          <a:prstGeom prst="roundRect">
+            <a:avLst/>
+          </a:prstGeom>
+          <a:solidFill>
+            <a:srgbClr val="E9EDEC"/>
+          </a:solidFill>
+        </p:spPr>
+        <p:style>
+          <a:lnRef idx="2">
+            <a:schemeClr val="accent1">
+              <a:shade val="50000"/>
+            </a:schemeClr>
+          </a:lnRef>
+          <a:fillRef idx="1">
+            <a:schemeClr val="accent1"/>
+          </a:fillRef>
+          <a:effectRef idx="0">
+            <a:schemeClr val="accent1"/>
+          </a:effectRef>
+          <a:fontRef idx="minor">
+            <a:schemeClr val="lt1"/>
+          </a:fontRef>
+        </p:style>
+        <p:txBody>
+          <a:bodyPr rtlCol="0" anchor="ctr"/>
+          <a:lstStyle/>
+          <a:p>
+            <a:pPr algn="ctr"/>
+            <a:endParaRPr lang="en-US" dirty="0"/>
+          </a:p>
+        </p:txBody>
+      </p:sp>
+      <p:sp>
+        <p:nvSpPr>
+          <p:cNvPr id="6" name="Rounded Rectangle 5"/>
+          <p:cNvSpPr/>
+          <p:nvPr/>
+        </p:nvSpPr>
+        <p:spPr>
+          <a:xfrm>
+            <a:off x="3210331" y="4159488"/>
+            <a:ext cx="2406316" cy="930442"/>
+          </a:xfrm>
+          <a:prstGeom prst="roundRect">
+            <a:avLst/>
+          </a:prstGeom>
+          <a:gradFill flip="none" rotWithShape="1">
+            <a:gsLst>
+              <a:gs pos="0">
+                <a:schemeClr val="accent1">
+                  <a:lumMod val="0"/>
+                  <a:lumOff val="100000"/>
+                </a:schemeClr>
+              </a:gs>
+              <a:gs pos="29000">
+                <a:schemeClr val="accent1">
+                  <a:lumMod val="0"/>
+                  <a:lumOff val="100000"/>
+                </a:schemeClr>
+              </a:gs>
+              <a:gs pos="100000">
+                <a:schemeClr val="accent1">
+                  <a:lumMod val="100000"/>
+                </a:schemeClr>
+              </a:gs>
+            </a:gsLst>
+            <a:path path="circle">
+              <a:fillToRect l="50000" t="-80000" r="50000" b="180000"/>
+            </a:path>
+            <a:tileRect/>
+          </a:gradFill>
+        </p:spPr>
+        <p:style>
+          <a:lnRef idx="2">
+            <a:schemeClr val="accent1">
+              <a:shade val="50000"/>
+            </a:schemeClr>
+          </a:lnRef>
+          <a:fillRef idx="1">
+            <a:schemeClr val="accent1"/>
+          </a:fillRef>
+          <a:effectRef idx="0">
+            <a:schemeClr val="accent1"/>
+          </a:effectRef>
+          <a:fontRef idx="minor">
+            <a:schemeClr val="lt1"/>
+          </a:fontRef>
+        </p:style>
+        <p:txBody>
+          <a:bodyPr rtlCol="0" anchor="ctr"/>
+          <a:lstStyle/>
+          <a:p>
+            <a:pPr algn="ctr"/>
+            <a:r>
+              <a:rPr lang="en-US" sz="2800" b="1" dirty="0" smtClean="0">
+                <a:solidFill>
+                  <a:schemeClr val="tx1"/>
+                </a:solidFill>
+              </a:rPr>
+              <a:t>Key Engine</a:t>
+            </a:r>
+            <a:endParaRPr lang="en-US" sz="2800" b="1" dirty="0">
+              <a:solidFill>
+                <a:schemeClr val="tx1"/>
+              </a:solidFill>
+            </a:endParaRPr>
+          </a:p>
+        </p:txBody>
+      </p:sp>
+      <p:sp>
+        <p:nvSpPr>
+          <p:cNvPr id="7" name="Rounded Rectangle 6"/>
+          <p:cNvSpPr/>
+          <p:nvPr/>
+        </p:nvSpPr>
+        <p:spPr>
+          <a:xfrm>
+            <a:off x="3210331" y="2789226"/>
+            <a:ext cx="2406316" cy="930442"/>
+          </a:xfrm>
+          <a:prstGeom prst="roundRect">
+            <a:avLst/>
+          </a:prstGeom>
+          <a:gradFill flip="none" rotWithShape="1">
+            <a:gsLst>
+              <a:gs pos="0">
+                <a:schemeClr val="accent1">
+                  <a:lumMod val="0"/>
+                  <a:lumOff val="100000"/>
+                </a:schemeClr>
+              </a:gs>
+              <a:gs pos="29000">
+                <a:schemeClr val="accent1">
+                  <a:lumMod val="0"/>
+                  <a:lumOff val="100000"/>
+                </a:schemeClr>
+              </a:gs>
+              <a:gs pos="100000">
+                <a:schemeClr val="accent1">
+                  <a:lumMod val="100000"/>
+                </a:schemeClr>
+              </a:gs>
+            </a:gsLst>
+            <a:path path="circle">
+              <a:fillToRect l="50000" t="-80000" r="50000" b="180000"/>
+            </a:path>
+            <a:tileRect/>
+          </a:gradFill>
+        </p:spPr>
+        <p:style>
+          <a:lnRef idx="2">
+            <a:schemeClr val="accent1">
+              <a:shade val="50000"/>
+            </a:schemeClr>
+          </a:lnRef>
+          <a:fillRef idx="1">
+            <a:schemeClr val="accent1"/>
+          </a:fillRef>
+          <a:effectRef idx="0">
+            <a:schemeClr val="accent1"/>
+          </a:effectRef>
+          <a:fontRef idx="minor">
+            <a:schemeClr val="lt1"/>
+          </a:fontRef>
+        </p:style>
+        <p:txBody>
+          <a:bodyPr rtlCol="0" anchor="ctr"/>
+          <a:lstStyle/>
+          <a:p>
+            <a:pPr algn="ctr"/>
+            <a:r>
+              <a:rPr lang="en-US" sz="2800" b="1" dirty="0" smtClean="0">
+                <a:solidFill>
+                  <a:schemeClr val="tx1"/>
+                </a:solidFill>
+              </a:rPr>
+              <a:t>Metadata</a:t>
+            </a:r>
+            <a:endParaRPr lang="en-US" sz="2800" b="1" dirty="0">
+              <a:solidFill>
+                <a:schemeClr val="tx1"/>
+              </a:solidFill>
+            </a:endParaRPr>
+          </a:p>
+        </p:txBody>
+      </p:sp>
+      <p:sp>
+        <p:nvSpPr>
+          <p:cNvPr id="9" name="Rounded Rectangle 8"/>
+          <p:cNvSpPr/>
+          <p:nvPr/>
+        </p:nvSpPr>
+        <p:spPr>
+          <a:xfrm>
+            <a:off x="6297099" y="2789226"/>
+            <a:ext cx="2406316" cy="930442"/>
+          </a:xfrm>
+          <a:prstGeom prst="roundRect">
+            <a:avLst/>
+          </a:prstGeom>
+          <a:gradFill flip="none" rotWithShape="1">
+            <a:gsLst>
+              <a:gs pos="0">
+                <a:schemeClr val="accent1">
+                  <a:lumMod val="0"/>
+                  <a:lumOff val="100000"/>
+                </a:schemeClr>
+              </a:gs>
+              <a:gs pos="29000">
+                <a:schemeClr val="accent1">
+                  <a:lumMod val="0"/>
+                  <a:lumOff val="100000"/>
+                </a:schemeClr>
+              </a:gs>
+              <a:gs pos="100000">
+                <a:schemeClr val="accent1">
+                  <a:lumMod val="100000"/>
+                </a:schemeClr>
+              </a:gs>
+            </a:gsLst>
+            <a:path path="circle">
+              <a:fillToRect l="50000" t="-80000" r="50000" b="180000"/>
+            </a:path>
+            <a:tileRect/>
+          </a:gradFill>
+        </p:spPr>
+        <p:style>
+          <a:lnRef idx="2">
+            <a:schemeClr val="accent1">
+              <a:shade val="50000"/>
+            </a:schemeClr>
+          </a:lnRef>
+          <a:fillRef idx="1">
+            <a:schemeClr val="accent1"/>
+          </a:fillRef>
+          <a:effectRef idx="0">
+            <a:schemeClr val="accent1"/>
+          </a:effectRef>
+          <a:fontRef idx="minor">
+            <a:schemeClr val="lt1"/>
+          </a:fontRef>
+        </p:style>
+        <p:txBody>
+          <a:bodyPr rtlCol="0" anchor="ctr"/>
+          <a:lstStyle/>
+          <a:p>
+            <a:pPr algn="ctr"/>
+            <a:r>
+              <a:rPr lang="en-US" sz="2800" b="1" dirty="0" smtClean="0">
+                <a:solidFill>
+                  <a:schemeClr val="tx1"/>
+                </a:solidFill>
+              </a:rPr>
+              <a:t>Crypto Engine</a:t>
+            </a:r>
+            <a:endParaRPr lang="en-US" sz="2800" b="1" dirty="0">
+              <a:solidFill>
+                <a:schemeClr val="tx1"/>
+              </a:solidFill>
+            </a:endParaRPr>
+          </a:p>
+        </p:txBody>
+      </p:sp>
+      <p:sp>
+        <p:nvSpPr>
+          <p:cNvPr id="10" name="TextBox 9"/>
+          <p:cNvSpPr txBox="1"/>
+          <p:nvPr/>
+        </p:nvSpPr>
+        <p:spPr>
+          <a:xfrm>
+            <a:off x="4842352" y="1299410"/>
+            <a:ext cx="2313262" cy="584775"/>
+          </a:xfrm>
+          <a:prstGeom prst="rect">
+            <a:avLst/>
+          </a:prstGeom>
+          <a:noFill/>
+        </p:spPr>
+        <p:txBody>
+          <a:bodyPr wrap="none" rtlCol="0">
+            <a:spAutoFit/>
+          </a:bodyPr>
+          <a:lstStyle/>
+          <a:p>
+            <a:r>
+              <a:rPr lang="en-US" sz="3200" b="1" dirty="0" smtClean="0">
+                <a:solidFill>
+                  <a:schemeClr val="accent2">
+                    <a:lumMod val="75000"/>
+                  </a:schemeClr>
+                </a:solidFill>
+              </a:rPr>
+              <a:t>Protect Data</a:t>
+            </a:r>
+            <a:endParaRPr lang="en-US" sz="3200" b="1" dirty="0">
+              <a:solidFill>
+                <a:schemeClr val="accent2">
+                  <a:lumMod val="75000"/>
+                </a:schemeClr>
+              </a:solidFill>
+            </a:endParaRPr>
+          </a:p>
+        </p:txBody>
+      </p:sp>
+    </p:spTree>
+    <p:extLst>
+      <p:ext uri="{BB962C8B-B14F-4D97-AF65-F5344CB8AC3E}">
+        <p14:creationId xmlns:p14="http://schemas.microsoft.com/office/powerpoint/2010/main" val="163544976"/>
+      </p:ext>
+    </p:extLst>
+  </p:cSld>
+  <p:clrMapOvr>
+    <a:masterClrMapping/>
+  </p:clrMapOvr>
+</p:sld>
+</file>
+
+<file path=ppt/slides/slide12.xml><?xml version="1.0" encoding="utf-8"?>
+<p:sld xmlns:a="http://schemas.openxmlformats.org/drawingml/2006/main" xmlns:r="http://schemas.openxmlformats.org/officeDocument/2006/relationships" xmlns:p="http://schemas.openxmlformats.org/presentationml/2006/main">
+  <p:cSld>
+    <p:spTree>
+      <p:nvGrpSpPr>
+        <p:cNvPr id="1" name=""/>
+        <p:cNvGrpSpPr/>
+        <p:nvPr/>
+      </p:nvGrpSpPr>
+      <p:grpSpPr>
+        <a:xfrm>
+          <a:off x="0" y="0"/>
+          <a:ext cx="0" cy="0"/>
+          <a:chOff x="0" y="0"/>
+          <a:chExt cx="0" cy="0"/>
+        </a:xfrm>
+      </p:grpSpPr>
+      <p:sp>
+        <p:nvSpPr>
+          <p:cNvPr id="4" name="TextBox 3"/>
+          <p:cNvSpPr txBox="1"/>
+          <p:nvPr/>
+        </p:nvSpPr>
+        <p:spPr>
+          <a:xfrm>
+            <a:off x="625642" y="6144126"/>
+            <a:ext cx="2534476" cy="584775"/>
+          </a:xfrm>
+          <a:prstGeom prst="rect">
+            <a:avLst/>
+          </a:prstGeom>
+          <a:noFill/>
+        </p:spPr>
+        <p:txBody>
+          <a:bodyPr wrap="none" rtlCol="0">
+            <a:spAutoFit/>
+          </a:bodyPr>
+          <a:lstStyle/>
+          <a:p>
+            <a:r>
+              <a:rPr lang="en-US" sz="3200" dirty="0" smtClean="0"/>
+              <a:t>User Interface</a:t>
+            </a:r>
+            <a:endParaRPr lang="en-US" sz="3200" dirty="0"/>
+          </a:p>
+        </p:txBody>
+      </p:sp>
+      <p:sp>
+        <p:nvSpPr>
+          <p:cNvPr id="5" name="Rounded Rectangle 4"/>
+          <p:cNvSpPr/>
+          <p:nvPr/>
+        </p:nvSpPr>
+        <p:spPr>
+          <a:xfrm>
+            <a:off x="2727159" y="834190"/>
+            <a:ext cx="7026441" cy="3801978"/>
+          </a:xfrm>
+          <a:prstGeom prst="roundRect">
+            <a:avLst/>
+          </a:prstGeom>
+          <a:solidFill>
+            <a:srgbClr val="E9EDEC"/>
+          </a:solidFill>
+        </p:spPr>
+        <p:style>
+          <a:lnRef idx="2">
+            <a:schemeClr val="accent1">
+              <a:shade val="50000"/>
+            </a:schemeClr>
+          </a:lnRef>
+          <a:fillRef idx="1">
+            <a:schemeClr val="accent1"/>
+          </a:fillRef>
+          <a:effectRef idx="0">
+            <a:schemeClr val="accent1"/>
+          </a:effectRef>
+          <a:fontRef idx="minor">
+            <a:schemeClr val="lt1"/>
+          </a:fontRef>
+        </p:style>
+        <p:txBody>
+          <a:bodyPr rtlCol="0" anchor="ctr"/>
+          <a:lstStyle/>
+          <a:p>
+            <a:pPr algn="ctr"/>
+            <a:endParaRPr lang="en-US"/>
+          </a:p>
+        </p:txBody>
+      </p:sp>
+      <p:sp>
+        <p:nvSpPr>
+          <p:cNvPr id="6" name="Rounded Rectangle 5"/>
+          <p:cNvSpPr/>
+          <p:nvPr/>
+        </p:nvSpPr>
+        <p:spPr>
+          <a:xfrm>
+            <a:off x="3367840" y="3384883"/>
+            <a:ext cx="2518612" cy="737937"/>
+          </a:xfrm>
+          <a:prstGeom prst="roundRect">
+            <a:avLst/>
+          </a:prstGeom>
+          <a:gradFill flip="none" rotWithShape="1">
+            <a:gsLst>
+              <a:gs pos="0">
+                <a:schemeClr val="accent1">
+                  <a:lumMod val="20000"/>
+                  <a:lumOff val="80000"/>
+                </a:schemeClr>
+              </a:gs>
+              <a:gs pos="73000">
+                <a:schemeClr val="accent1">
+                  <a:lumMod val="40000"/>
+                  <a:lumOff val="60000"/>
+                </a:schemeClr>
+              </a:gs>
+              <a:gs pos="100000">
+                <a:schemeClr val="accent1"/>
+              </a:gs>
+            </a:gsLst>
+            <a:lin ang="5400000" scaled="1"/>
+            <a:tileRect/>
+          </a:gradFill>
+        </p:spPr>
+        <p:style>
+          <a:lnRef idx="2">
+            <a:schemeClr val="accent1">
+              <a:shade val="50000"/>
+            </a:schemeClr>
+          </a:lnRef>
+          <a:fillRef idx="1">
+            <a:schemeClr val="accent1"/>
+          </a:fillRef>
+          <a:effectRef idx="0">
+            <a:schemeClr val="accent1"/>
+          </a:effectRef>
+          <a:fontRef idx="minor">
+            <a:schemeClr val="lt1"/>
+          </a:fontRef>
+        </p:style>
+        <p:txBody>
+          <a:bodyPr rtlCol="0" anchor="ctr"/>
+          <a:lstStyle/>
+          <a:p>
+            <a:pPr algn="ctr"/>
+            <a:r>
+              <a:rPr lang="en-US" sz="2800" b="1" dirty="0" smtClean="0">
+                <a:solidFill>
+                  <a:schemeClr val="tx1"/>
+                </a:solidFill>
+              </a:rPr>
+              <a:t>System Stray</a:t>
+            </a:r>
+            <a:endParaRPr lang="en-US" sz="2800" b="1" dirty="0">
+              <a:solidFill>
+                <a:schemeClr val="tx1"/>
+              </a:solidFill>
+            </a:endParaRPr>
+          </a:p>
+        </p:txBody>
+      </p:sp>
+      <p:sp>
+        <p:nvSpPr>
+          <p:cNvPr id="8" name="Rounded Rectangle 7"/>
+          <p:cNvSpPr/>
+          <p:nvPr/>
+        </p:nvSpPr>
+        <p:spPr>
+          <a:xfrm>
+            <a:off x="6544678" y="3384882"/>
+            <a:ext cx="2518612" cy="737937"/>
+          </a:xfrm>
+          <a:prstGeom prst="roundRect">
+            <a:avLst/>
+          </a:prstGeom>
+          <a:gradFill flip="none" rotWithShape="1">
+            <a:gsLst>
+              <a:gs pos="0">
+                <a:schemeClr val="accent1">
+                  <a:lumMod val="20000"/>
+                  <a:lumOff val="80000"/>
+                </a:schemeClr>
+              </a:gs>
+              <a:gs pos="73000">
+                <a:schemeClr val="accent1">
+                  <a:lumMod val="40000"/>
+                  <a:lumOff val="60000"/>
+                </a:schemeClr>
+              </a:gs>
+              <a:gs pos="100000">
+                <a:schemeClr val="accent1"/>
+              </a:gs>
+            </a:gsLst>
+            <a:lin ang="5400000" scaled="1"/>
+            <a:tileRect/>
+          </a:gradFill>
+        </p:spPr>
+        <p:style>
+          <a:lnRef idx="2">
+            <a:schemeClr val="accent1">
+              <a:shade val="50000"/>
+            </a:schemeClr>
+          </a:lnRef>
+          <a:fillRef idx="1">
+            <a:schemeClr val="accent1"/>
+          </a:fillRef>
+          <a:effectRef idx="0">
+            <a:schemeClr val="accent1"/>
+          </a:effectRef>
+          <a:fontRef idx="minor">
+            <a:schemeClr val="lt1"/>
+          </a:fontRef>
+        </p:style>
+        <p:txBody>
+          <a:bodyPr rtlCol="0" anchor="ctr"/>
+          <a:lstStyle/>
+          <a:p>
+            <a:pPr algn="ctr"/>
+            <a:r>
+              <a:rPr lang="en-US" sz="2800" b="1" dirty="0" smtClean="0">
+                <a:solidFill>
+                  <a:schemeClr val="tx1"/>
+                </a:solidFill>
+              </a:rPr>
+              <a:t>Authentication</a:t>
+            </a:r>
+            <a:endParaRPr lang="en-US" sz="2800" b="1" dirty="0">
+              <a:solidFill>
+                <a:schemeClr val="tx1"/>
+              </a:solidFill>
+            </a:endParaRPr>
+          </a:p>
+        </p:txBody>
+      </p:sp>
+      <p:sp>
+        <p:nvSpPr>
+          <p:cNvPr id="9" name="Rounded Rectangle 8"/>
+          <p:cNvSpPr/>
+          <p:nvPr/>
+        </p:nvSpPr>
+        <p:spPr>
+          <a:xfrm>
+            <a:off x="6559216" y="2366211"/>
+            <a:ext cx="2518612" cy="737937"/>
+          </a:xfrm>
+          <a:prstGeom prst="roundRect">
+            <a:avLst/>
+          </a:prstGeom>
+          <a:gradFill flip="none" rotWithShape="1">
+            <a:gsLst>
+              <a:gs pos="0">
+                <a:schemeClr val="accent1">
+                  <a:lumMod val="20000"/>
+                  <a:lumOff val="80000"/>
+                </a:schemeClr>
+              </a:gs>
+              <a:gs pos="73000">
+                <a:schemeClr val="accent1">
+                  <a:lumMod val="40000"/>
+                  <a:lumOff val="60000"/>
+                </a:schemeClr>
+              </a:gs>
+              <a:gs pos="100000">
+                <a:schemeClr val="accent1"/>
+              </a:gs>
+            </a:gsLst>
+            <a:lin ang="5400000" scaled="1"/>
+            <a:tileRect/>
+          </a:gradFill>
+        </p:spPr>
+        <p:style>
+          <a:lnRef idx="2">
+            <a:schemeClr val="accent1">
+              <a:shade val="50000"/>
+            </a:schemeClr>
+          </a:lnRef>
+          <a:fillRef idx="1">
+            <a:schemeClr val="accent1"/>
+          </a:fillRef>
+          <a:effectRef idx="0">
+            <a:schemeClr val="accent1"/>
+          </a:effectRef>
+          <a:fontRef idx="minor">
+            <a:schemeClr val="lt1"/>
+          </a:fontRef>
+        </p:style>
+        <p:txBody>
+          <a:bodyPr rot="0" spcFirstLastPara="0" vert="horz" wrap="square" lIns="91440" tIns="45720" rIns="91440" bIns="45720" numCol="1" spcCol="0" rtlCol="0" fromWordArt="0" anchor="ctr" anchorCtr="0" forceAA="0" compatLnSpc="1">
+            <a:prstTxWarp prst="textNoShape">
+              <a:avLst/>
+            </a:prstTxWarp>
+            <a:noAutofit/>
+          </a:bodyPr>
+          <a:lstStyle>
+            <a:defPPr>
+              <a:defRPr lang="en-US"/>
+            </a:defPPr>
+            <a:lvl1pPr marL="0" algn="l" defTabSz="914400" rtl="0" eaLnBrk="1" latinLnBrk="0" hangingPunct="1">
+              <a:defRPr sz="1800" kern="1200">
+                <a:solidFill>
+                  <a:schemeClr val="lt1"/>
+                </a:solidFill>
+                <a:latin typeface="+mn-lt"/>
+                <a:ea typeface="+mn-ea"/>
+                <a:cs typeface="+mn-cs"/>
+              </a:defRPr>
+            </a:lvl1pPr>
+            <a:lvl2pPr marL="457200" algn="l" defTabSz="914400" rtl="0" eaLnBrk="1" latinLnBrk="0" hangingPunct="1">
+              <a:defRPr sz="1800" kern="1200">
+                <a:solidFill>
+                  <a:schemeClr val="lt1"/>
+                </a:solidFill>
+                <a:latin typeface="+mn-lt"/>
+                <a:ea typeface="+mn-ea"/>
+                <a:cs typeface="+mn-cs"/>
+              </a:defRPr>
+            </a:lvl2pPr>
+            <a:lvl3pPr marL="914400" algn="l" defTabSz="914400" rtl="0" eaLnBrk="1" latinLnBrk="0" hangingPunct="1">
+              <a:defRPr sz="1800" kern="1200">
+                <a:solidFill>
+                  <a:schemeClr val="lt1"/>
+                </a:solidFill>
+                <a:latin typeface="+mn-lt"/>
+                <a:ea typeface="+mn-ea"/>
+                <a:cs typeface="+mn-cs"/>
+              </a:defRPr>
+            </a:lvl3pPr>
+            <a:lvl4pPr marL="1371600" algn="l" defTabSz="914400" rtl="0" eaLnBrk="1" latinLnBrk="0" hangingPunct="1">
+              <a:defRPr sz="1800" kern="1200">
+                <a:solidFill>
+                  <a:schemeClr val="lt1"/>
+                </a:solidFill>
+                <a:latin typeface="+mn-lt"/>
+                <a:ea typeface="+mn-ea"/>
+                <a:cs typeface="+mn-cs"/>
+              </a:defRPr>
+            </a:lvl4pPr>
+            <a:lvl5pPr marL="1828800" algn="l" defTabSz="914400" rtl="0" eaLnBrk="1" latinLnBrk="0" hangingPunct="1">
+              <a:defRPr sz="1800" kern="1200">
+                <a:solidFill>
+                  <a:schemeClr val="lt1"/>
+                </a:solidFill>
+                <a:latin typeface="+mn-lt"/>
+                <a:ea typeface="+mn-ea"/>
+                <a:cs typeface="+mn-cs"/>
+              </a:defRPr>
+            </a:lvl5pPr>
+            <a:lvl6pPr marL="2286000" algn="l" defTabSz="914400" rtl="0" eaLnBrk="1" latinLnBrk="0" hangingPunct="1">
+              <a:defRPr sz="1800" kern="1200">
+                <a:solidFill>
+                  <a:schemeClr val="lt1"/>
+                </a:solidFill>
+                <a:latin typeface="+mn-lt"/>
+                <a:ea typeface="+mn-ea"/>
+                <a:cs typeface="+mn-cs"/>
+              </a:defRPr>
+            </a:lvl6pPr>
+            <a:lvl7pPr marL="2743200" algn="l" defTabSz="914400" rtl="0" eaLnBrk="1" latinLnBrk="0" hangingPunct="1">
+              <a:defRPr sz="1800" kern="1200">
+                <a:solidFill>
+                  <a:schemeClr val="lt1"/>
+                </a:solidFill>
+                <a:latin typeface="+mn-lt"/>
+                <a:ea typeface="+mn-ea"/>
+                <a:cs typeface="+mn-cs"/>
+              </a:defRPr>
+            </a:lvl7pPr>
+            <a:lvl8pPr marL="3200400" algn="l" defTabSz="914400" rtl="0" eaLnBrk="1" latinLnBrk="0" hangingPunct="1">
+              <a:defRPr sz="1800" kern="1200">
+                <a:solidFill>
+                  <a:schemeClr val="lt1"/>
+                </a:solidFill>
+                <a:latin typeface="+mn-lt"/>
+                <a:ea typeface="+mn-ea"/>
+                <a:cs typeface="+mn-cs"/>
+              </a:defRPr>
+            </a:lvl8pPr>
+            <a:lvl9pPr marL="3657600" algn="l" defTabSz="914400" rtl="0" eaLnBrk="1" latinLnBrk="0" hangingPunct="1">
+              <a:defRPr sz="1800" kern="1200">
+                <a:solidFill>
+                  <a:schemeClr val="lt1"/>
+                </a:solidFill>
+                <a:latin typeface="+mn-lt"/>
+                <a:ea typeface="+mn-ea"/>
+                <a:cs typeface="+mn-cs"/>
+              </a:defRPr>
+            </a:lvl9pPr>
+          </a:lstStyle>
+          <a:p>
+            <a:pPr algn="ctr"/>
+            <a:r>
+              <a:rPr lang="en-US" sz="2800" b="1" dirty="0" smtClean="0">
+                <a:solidFill>
+                  <a:schemeClr val="tx1"/>
+                </a:solidFill>
+              </a:rPr>
+              <a:t>File Extension</a:t>
+            </a:r>
+            <a:endParaRPr lang="en-US" sz="2800" b="1" dirty="0">
+              <a:solidFill>
+                <a:schemeClr val="tx1"/>
+              </a:solidFill>
+            </a:endParaRPr>
+          </a:p>
+        </p:txBody>
+      </p:sp>
+      <p:sp>
+        <p:nvSpPr>
+          <p:cNvPr id="10" name="Rounded Rectangle 9"/>
+          <p:cNvSpPr/>
+          <p:nvPr/>
+        </p:nvSpPr>
+        <p:spPr>
+          <a:xfrm>
+            <a:off x="3364832" y="2366211"/>
+            <a:ext cx="2518612" cy="737937"/>
+          </a:xfrm>
+          <a:prstGeom prst="roundRect">
+            <a:avLst/>
+          </a:prstGeom>
+          <a:gradFill flip="none" rotWithShape="1">
+            <a:gsLst>
+              <a:gs pos="0">
+                <a:schemeClr val="accent1">
+                  <a:lumMod val="20000"/>
+                  <a:lumOff val="80000"/>
+                </a:schemeClr>
+              </a:gs>
+              <a:gs pos="73000">
+                <a:schemeClr val="accent1">
+                  <a:lumMod val="40000"/>
+                  <a:lumOff val="60000"/>
+                </a:schemeClr>
+              </a:gs>
+              <a:gs pos="100000">
+                <a:schemeClr val="accent1"/>
+              </a:gs>
+            </a:gsLst>
+            <a:lin ang="5400000" scaled="1"/>
+            <a:tileRect/>
+          </a:gradFill>
+        </p:spPr>
+        <p:style>
+          <a:lnRef idx="2">
+            <a:schemeClr val="accent1">
+              <a:shade val="50000"/>
+            </a:schemeClr>
+          </a:lnRef>
+          <a:fillRef idx="1">
+            <a:schemeClr val="accent1"/>
+          </a:fillRef>
+          <a:effectRef idx="0">
+            <a:schemeClr val="accent1"/>
+          </a:effectRef>
+          <a:fontRef idx="minor">
+            <a:schemeClr val="lt1"/>
+          </a:fontRef>
+        </p:style>
+        <p:txBody>
+          <a:bodyPr rtlCol="0" anchor="ctr"/>
+          <a:lstStyle/>
+          <a:p>
+            <a:pPr algn="ctr"/>
+            <a:r>
+              <a:rPr lang="en-US" sz="2800" b="1" dirty="0" smtClean="0">
+                <a:solidFill>
+                  <a:schemeClr val="tx1"/>
+                </a:solidFill>
+              </a:rPr>
+              <a:t>Explorer</a:t>
+            </a:r>
+            <a:endParaRPr lang="en-US" sz="2800" b="1" dirty="0">
+              <a:solidFill>
+                <a:schemeClr val="tx1"/>
+              </a:solidFill>
+            </a:endParaRPr>
+          </a:p>
+        </p:txBody>
+      </p:sp>
+      <p:sp>
+        <p:nvSpPr>
+          <p:cNvPr id="11" name="TextBox 10"/>
+          <p:cNvSpPr txBox="1"/>
+          <p:nvPr/>
+        </p:nvSpPr>
+        <p:spPr>
+          <a:xfrm>
+            <a:off x="4950282" y="1015425"/>
+            <a:ext cx="2580194" cy="584775"/>
+          </a:xfrm>
+          <a:prstGeom prst="rect">
+            <a:avLst/>
+          </a:prstGeom>
+          <a:noFill/>
+        </p:spPr>
+        <p:txBody>
+          <a:bodyPr wrap="none" rtlCol="0">
+            <a:spAutoFit/>
+          </a:bodyPr>
+          <a:lstStyle/>
+          <a:p>
+            <a:r>
+              <a:rPr lang="en-US" sz="3200" b="1" dirty="0" smtClean="0">
+                <a:solidFill>
+                  <a:schemeClr val="accent2">
+                    <a:lumMod val="75000"/>
+                  </a:schemeClr>
+                </a:solidFill>
+              </a:rPr>
+              <a:t>User Interface</a:t>
+            </a:r>
+            <a:endParaRPr lang="en-US" sz="3200" b="1" dirty="0">
+              <a:solidFill>
+                <a:schemeClr val="accent2">
+                  <a:lumMod val="75000"/>
+                </a:schemeClr>
+              </a:solidFill>
+            </a:endParaRPr>
+          </a:p>
+        </p:txBody>
+      </p:sp>
+    </p:spTree>
+    <p:extLst>
+      <p:ext uri="{BB962C8B-B14F-4D97-AF65-F5344CB8AC3E}">
+        <p14:creationId xmlns:p14="http://schemas.microsoft.com/office/powerpoint/2010/main" val="2434521687"/>
+      </p:ext>
+    </p:extLst>
+  </p:cSld>
+  <p:clrMapOvr>
+    <a:masterClrMapping/>
+  </p:clrMapOvr>
 </p:sld>
 </file>
 
@@ -11112,7 +11804,6 @@
               <a:rPr lang="en-US" sz="1400" b="1" dirty="0"/>
               <a:t>0</a:t>
             </a:r>
-            <a:endParaRPr lang="en-US" sz="1400" b="1" dirty="0"/>
           </a:p>
         </p:txBody>
       </p:sp>
@@ -11181,7 +11872,6 @@
               <a:rPr lang="en-US" sz="1400" b="1" dirty="0"/>
               <a:t>1</a:t>
             </a:r>
-            <a:endParaRPr lang="en-US" sz="1400" b="1" dirty="0"/>
           </a:p>
         </p:txBody>
       </p:sp>
@@ -11640,7 +12330,6 @@
               <a:rPr lang="en-US" sz="1400" b="1" dirty="0"/>
               <a:t>n-1</a:t>
             </a:r>
-            <a:endParaRPr lang="en-US" sz="1400" b="1" dirty="0"/>
           </a:p>
         </p:txBody>
       </p:sp>
@@ -11888,7 +12577,6 @@
               <a:rPr lang="en-US" sz="1400" b="1" dirty="0"/>
               <a:t>1</a:t>
             </a:r>
-            <a:endParaRPr lang="en-US" sz="1400" b="1" dirty="0"/>
           </a:p>
         </p:txBody>
       </p:sp>
@@ -12403,7 +13091,6 @@
               <a:rPr lang="en-US" sz="1400" b="1" dirty="0"/>
               <a:t>n-1</a:t>
             </a:r>
-            <a:endParaRPr lang="en-US" sz="1400" b="1" dirty="0"/>
           </a:p>
         </p:txBody>
       </p:sp>
@@ -13036,7 +13723,6 @@
               <a:rPr lang="en-US" sz="1400" b="1" dirty="0"/>
               <a:t>1</a:t>
             </a:r>
-            <a:endParaRPr lang="en-US" sz="1400" b="1" dirty="0"/>
           </a:p>
         </p:txBody>
       </p:sp>
@@ -13530,7 +14216,6 @@
               <a:rPr lang="en-US" sz="1400" b="1" dirty="0"/>
               <a:t>n-1</a:t>
             </a:r>
-            <a:endParaRPr lang="en-US" sz="1400" b="1" dirty="0"/>
           </a:p>
         </p:txBody>
       </p:sp>
@@ -15164,7 +15849,6 @@
               <a:rPr lang="en-US" sz="2400" b="1" dirty="0"/>
               <a:t>Rfc2898DeriveBytes </a:t>
             </a:r>
-            <a:endParaRPr lang="en-US" sz="2400" b="1" dirty="0"/>
           </a:p>
         </p:txBody>
       </p:sp>
@@ -15757,7 +16441,6 @@
               <a:rPr lang="en-US" dirty="0"/>
               <a:t>D0</a:t>
             </a:r>
-            <a:endParaRPr lang="en-US" dirty="0"/>
           </a:p>
         </p:txBody>
       </p:sp>
@@ -15835,7 +16518,6 @@
               <a:rPr lang="en-US" dirty="0"/>
               <a:t>D1</a:t>
             </a:r>
-            <a:endParaRPr lang="en-US" dirty="0"/>
           </a:p>
         </p:txBody>
       </p:sp>
@@ -15913,7 +16595,6 @@
               <a:rPr lang="en-US" dirty="0"/>
               <a:t>…</a:t>
             </a:r>
-            <a:endParaRPr lang="en-US" dirty="0"/>
           </a:p>
         </p:txBody>
       </p:sp>
@@ -16116,11 +16797,7 @@
             <a:pPr algn="ctr"/>
             <a:r>
               <a:rPr lang="en-US" dirty="0"/>
-              <a:t>E</a:t>
-            </a:r>
-            <a:r>
-              <a:rPr lang="en-US" dirty="0"/>
-              <a:t>1</a:t>
+              <a:t>E1</a:t>
             </a:r>
           </a:p>
         </p:txBody>
@@ -16187,7 +16864,6 @@
               <a:rPr lang="en-US" dirty="0"/>
               <a:t>…</a:t>
             </a:r>
-            <a:endParaRPr lang="en-US" dirty="0"/>
           </a:p>
         </p:txBody>
       </p:sp>
@@ -17306,7 +17982,6 @@
               <a:rPr lang="en-US" dirty="0"/>
               <a:t>D0</a:t>
             </a:r>
-            <a:endParaRPr lang="en-US" dirty="0"/>
           </a:p>
         </p:txBody>
       </p:sp>
@@ -17384,7 +18059,6 @@
               <a:rPr lang="en-US" dirty="0"/>
               <a:t>…</a:t>
             </a:r>
-            <a:endParaRPr lang="en-US" dirty="0"/>
           </a:p>
         </p:txBody>
       </p:sp>
@@ -17462,7 +18136,6 @@
               <a:rPr lang="en-US" dirty="0"/>
               <a:t>Dn-1</a:t>
             </a:r>
-            <a:endParaRPr lang="en-US" dirty="0"/>
           </a:p>
         </p:txBody>
       </p:sp>
@@ -17528,7 +18201,6 @@
               <a:rPr lang="en-US" dirty="0"/>
               <a:t>E0</a:t>
             </a:r>
-            <a:endParaRPr lang="en-US" dirty="0"/>
           </a:p>
         </p:txBody>
       </p:sp>
@@ -17597,7 +18269,6 @@
               <a:rPr lang="en-US" sz="1600" dirty="0"/>
               <a:t>MD</a:t>
             </a:r>
-            <a:endParaRPr lang="en-US" sz="1600" dirty="0"/>
           </a:p>
         </p:txBody>
       </p:sp>
@@ -17663,7 +18334,6 @@
               <a:rPr lang="en-US" dirty="0"/>
               <a:t>…</a:t>
             </a:r>
-            <a:endParaRPr lang="en-US" dirty="0"/>
           </a:p>
         </p:txBody>
       </p:sp>
@@ -17729,7 +18399,6 @@
               <a:rPr lang="en-US" dirty="0"/>
               <a:t>En-1</a:t>
             </a:r>
-            <a:endParaRPr lang="en-US" dirty="0"/>
           </a:p>
         </p:txBody>
       </p:sp>
@@ -18098,7 +18767,6 @@
               <a:rPr lang="en-US" dirty="0"/>
               <a:t>E0-MD</a:t>
             </a:r>
-            <a:endParaRPr lang="en-US" dirty="0"/>
           </a:p>
         </p:txBody>
       </p:sp>
@@ -18167,7 +18835,6 @@
               <a:rPr lang="en-US" dirty="0"/>
               <a:t>…</a:t>
             </a:r>
-            <a:endParaRPr lang="en-US" dirty="0"/>
           </a:p>
         </p:txBody>
       </p:sp>
@@ -18236,7 +18903,6 @@
               <a:rPr lang="en-US" dirty="0"/>
               <a:t>En-1</a:t>
             </a:r>
-            <a:endParaRPr lang="en-US" dirty="0"/>
           </a:p>
         </p:txBody>
       </p:sp>
@@ -18708,6 +19374,624 @@
       </p:par>
     </p:tnLst>
   </p:timing>
+</p:sld>
+</file>
+
+<file path=ppt/slides/slide9.xml><?xml version="1.0" encoding="utf-8"?>
+<p:sld xmlns:a="http://schemas.openxmlformats.org/drawingml/2006/main" xmlns:r="http://schemas.openxmlformats.org/officeDocument/2006/relationships" xmlns:p="http://schemas.openxmlformats.org/presentationml/2006/main">
+  <p:cSld>
+    <p:spTree>
+      <p:nvGrpSpPr>
+        <p:cNvPr id="1" name=""/>
+        <p:cNvGrpSpPr/>
+        <p:nvPr/>
+      </p:nvGrpSpPr>
+      <p:grpSpPr>
+        <a:xfrm>
+          <a:off x="0" y="0"/>
+          <a:ext cx="0" cy="0"/>
+          <a:chOff x="0" y="0"/>
+          <a:chExt cx="0" cy="0"/>
+        </a:xfrm>
+      </p:grpSpPr>
+      <p:sp>
+        <p:nvSpPr>
+          <p:cNvPr id="4" name="Rounded Rectangle 3"/>
+          <p:cNvSpPr/>
+          <p:nvPr/>
+        </p:nvSpPr>
+        <p:spPr>
+          <a:xfrm>
+            <a:off x="4572000" y="638017"/>
+            <a:ext cx="2112135" cy="1017431"/>
+          </a:xfrm>
+          <a:prstGeom prst="roundRect">
+            <a:avLst/>
+          </a:prstGeom>
+          <a:gradFill>
+            <a:gsLst>
+              <a:gs pos="0">
+                <a:schemeClr val="accent1">
+                  <a:lumMod val="5000"/>
+                  <a:lumOff val="95000"/>
+                </a:schemeClr>
+              </a:gs>
+              <a:gs pos="54000">
+                <a:schemeClr val="accent1">
+                  <a:lumMod val="45000"/>
+                  <a:lumOff val="55000"/>
+                </a:schemeClr>
+              </a:gs>
+              <a:gs pos="100000">
+                <a:schemeClr val="accent1">
+                  <a:lumMod val="45000"/>
+                  <a:lumOff val="55000"/>
+                </a:schemeClr>
+              </a:gs>
+              <a:gs pos="100000">
+                <a:schemeClr val="accent1">
+                  <a:lumMod val="30000"/>
+                  <a:lumOff val="70000"/>
+                </a:schemeClr>
+              </a:gs>
+            </a:gsLst>
+            <a:lin ang="5400000" scaled="1"/>
+          </a:gradFill>
+        </p:spPr>
+        <p:style>
+          <a:lnRef idx="2">
+            <a:schemeClr val="accent1">
+              <a:shade val="50000"/>
+            </a:schemeClr>
+          </a:lnRef>
+          <a:fillRef idx="1">
+            <a:schemeClr val="accent1"/>
+          </a:fillRef>
+          <a:effectRef idx="0">
+            <a:schemeClr val="accent1"/>
+          </a:effectRef>
+          <a:fontRef idx="minor">
+            <a:schemeClr val="lt1"/>
+          </a:fontRef>
+        </p:style>
+        <p:txBody>
+          <a:bodyPr rtlCol="0" anchor="ctr"/>
+          <a:lstStyle/>
+          <a:p>
+            <a:pPr algn="ctr"/>
+            <a:r>
+              <a:rPr lang="en-US" sz="2400" b="1" dirty="0" smtClean="0">
+                <a:solidFill>
+                  <a:schemeClr val="tx1"/>
+                </a:solidFill>
+              </a:rPr>
+              <a:t>User Interface</a:t>
+            </a:r>
+            <a:endParaRPr lang="en-US" sz="2400" b="1" dirty="0">
+              <a:solidFill>
+                <a:schemeClr val="tx1"/>
+              </a:solidFill>
+            </a:endParaRPr>
+          </a:p>
+        </p:txBody>
+      </p:sp>
+      <p:sp>
+        <p:nvSpPr>
+          <p:cNvPr id="5" name="Rounded Rectangle 4"/>
+          <p:cNvSpPr/>
+          <p:nvPr/>
+        </p:nvSpPr>
+        <p:spPr>
+          <a:xfrm>
+            <a:off x="4571999" y="2539006"/>
+            <a:ext cx="2112135" cy="1017431"/>
+          </a:xfrm>
+          <a:prstGeom prst="roundRect">
+            <a:avLst/>
+          </a:prstGeom>
+          <a:gradFill>
+            <a:gsLst>
+              <a:gs pos="0">
+                <a:schemeClr val="accent1">
+                  <a:lumMod val="5000"/>
+                  <a:lumOff val="95000"/>
+                </a:schemeClr>
+              </a:gs>
+              <a:gs pos="54000">
+                <a:schemeClr val="accent1">
+                  <a:lumMod val="45000"/>
+                  <a:lumOff val="55000"/>
+                </a:schemeClr>
+              </a:gs>
+              <a:gs pos="100000">
+                <a:schemeClr val="accent1">
+                  <a:lumMod val="45000"/>
+                  <a:lumOff val="55000"/>
+                </a:schemeClr>
+              </a:gs>
+              <a:gs pos="100000">
+                <a:schemeClr val="accent1">
+                  <a:lumMod val="30000"/>
+                  <a:lumOff val="70000"/>
+                </a:schemeClr>
+              </a:gs>
+            </a:gsLst>
+            <a:lin ang="5400000" scaled="1"/>
+          </a:gradFill>
+        </p:spPr>
+        <p:style>
+          <a:lnRef idx="2">
+            <a:schemeClr val="accent1">
+              <a:shade val="50000"/>
+            </a:schemeClr>
+          </a:lnRef>
+          <a:fillRef idx="1">
+            <a:schemeClr val="accent1"/>
+          </a:fillRef>
+          <a:effectRef idx="0">
+            <a:schemeClr val="accent1"/>
+          </a:effectRef>
+          <a:fontRef idx="minor">
+            <a:schemeClr val="lt1"/>
+          </a:fontRef>
+        </p:style>
+        <p:txBody>
+          <a:bodyPr rtlCol="0" anchor="ctr"/>
+          <a:lstStyle/>
+          <a:p>
+            <a:pPr algn="ctr"/>
+            <a:r>
+              <a:rPr lang="en-US" sz="2400" b="1" dirty="0" smtClean="0">
+                <a:solidFill>
+                  <a:schemeClr val="tx1"/>
+                </a:solidFill>
+              </a:rPr>
+              <a:t>Protect data</a:t>
+            </a:r>
+            <a:endParaRPr lang="en-US" sz="2400" b="1" dirty="0">
+              <a:solidFill>
+                <a:schemeClr val="tx1"/>
+              </a:solidFill>
+            </a:endParaRPr>
+          </a:p>
+        </p:txBody>
+      </p:sp>
+      <p:sp>
+        <p:nvSpPr>
+          <p:cNvPr id="6" name="Rounded Rectangle 5"/>
+          <p:cNvSpPr/>
+          <p:nvPr/>
+        </p:nvSpPr>
+        <p:spPr>
+          <a:xfrm>
+            <a:off x="3984328" y="261257"/>
+            <a:ext cx="3234620" cy="5529943"/>
+          </a:xfrm>
+          <a:prstGeom prst="roundRect">
+            <a:avLst/>
+          </a:prstGeom>
+          <a:noFill/>
+        </p:spPr>
+        <p:style>
+          <a:lnRef idx="2">
+            <a:schemeClr val="accent1">
+              <a:shade val="50000"/>
+            </a:schemeClr>
+          </a:lnRef>
+          <a:fillRef idx="1">
+            <a:schemeClr val="accent1"/>
+          </a:fillRef>
+          <a:effectRef idx="0">
+            <a:schemeClr val="accent1"/>
+          </a:effectRef>
+          <a:fontRef idx="minor">
+            <a:schemeClr val="lt1"/>
+          </a:fontRef>
+        </p:style>
+        <p:txBody>
+          <a:bodyPr rtlCol="0" anchor="ctr"/>
+          <a:lstStyle/>
+          <a:p>
+            <a:pPr algn="ctr"/>
+            <a:endParaRPr lang="en-US"/>
+          </a:p>
+        </p:txBody>
+      </p:sp>
+      <p:cxnSp>
+        <p:nvCxnSpPr>
+          <p:cNvPr id="8" name="Straight Arrow Connector 7"/>
+          <p:cNvCxnSpPr>
+            <a:stCxn id="4" idx="2"/>
+            <a:endCxn id="5" idx="0"/>
+          </p:cNvCxnSpPr>
+          <p:nvPr/>
+        </p:nvCxnSpPr>
+        <p:spPr>
+          <a:xfrm flipH="1">
+            <a:off x="5628067" y="1655448"/>
+            <a:ext cx="1" cy="883558"/>
+          </a:xfrm>
+          <a:prstGeom prst="straightConnector1">
+            <a:avLst/>
+          </a:prstGeom>
+          <a:ln w="79375">
+            <a:headEnd type="triangle"/>
+            <a:tailEnd type="triangle"/>
+          </a:ln>
+        </p:spPr>
+        <p:style>
+          <a:lnRef idx="1">
+            <a:schemeClr val="accent1"/>
+          </a:lnRef>
+          <a:fillRef idx="0">
+            <a:schemeClr val="accent1"/>
+          </a:fillRef>
+          <a:effectRef idx="0">
+            <a:schemeClr val="accent1"/>
+          </a:effectRef>
+          <a:fontRef idx="minor">
+            <a:schemeClr val="tx1"/>
+          </a:fontRef>
+        </p:style>
+      </p:cxnSp>
+      <p:sp>
+        <p:nvSpPr>
+          <p:cNvPr id="9" name="TextBox 8"/>
+          <p:cNvSpPr txBox="1"/>
+          <p:nvPr/>
+        </p:nvSpPr>
+        <p:spPr>
+          <a:xfrm>
+            <a:off x="721895" y="6096000"/>
+            <a:ext cx="3262432" cy="584775"/>
+          </a:xfrm>
+          <a:prstGeom prst="rect">
+            <a:avLst/>
+          </a:prstGeom>
+          <a:noFill/>
+        </p:spPr>
+        <p:txBody>
+          <a:bodyPr wrap="none" rtlCol="0">
+            <a:spAutoFit/>
+          </a:bodyPr>
+          <a:lstStyle/>
+          <a:p>
+            <a:r>
+              <a:rPr lang="en-US" sz="3200" dirty="0" err="1" smtClean="0"/>
+              <a:t>Kiến</a:t>
+            </a:r>
+            <a:r>
+              <a:rPr lang="en-US" sz="3200" dirty="0" smtClean="0"/>
+              <a:t> </a:t>
+            </a:r>
+            <a:r>
+              <a:rPr lang="en-US" sz="3200" dirty="0" err="1" smtClean="0"/>
+              <a:t>trúc</a:t>
+            </a:r>
+            <a:r>
+              <a:rPr lang="en-US" sz="3200" dirty="0" smtClean="0"/>
+              <a:t> </a:t>
+            </a:r>
+            <a:r>
+              <a:rPr lang="en-US" sz="3200" dirty="0" err="1" smtClean="0"/>
+              <a:t>hệ</a:t>
+            </a:r>
+            <a:r>
+              <a:rPr lang="en-US" sz="3200" dirty="0" smtClean="0"/>
+              <a:t> </a:t>
+            </a:r>
+            <a:r>
+              <a:rPr lang="en-US" sz="3200" dirty="0" err="1" smtClean="0"/>
+              <a:t>thống</a:t>
+            </a:r>
+            <a:endParaRPr lang="en-US" sz="3200" dirty="0"/>
+          </a:p>
+        </p:txBody>
+      </p:sp>
+      <p:pic>
+        <p:nvPicPr>
+          <p:cNvPr id="10" name="Picture 9"/>
+          <p:cNvPicPr>
+            <a:picLocks noChangeAspect="1"/>
+          </p:cNvPicPr>
+          <p:nvPr/>
+        </p:nvPicPr>
+        <p:blipFill>
+          <a:blip r:embed="rId2">
+            <a:extLst>
+              <a:ext uri="{28A0092B-C50C-407E-A947-70E740481C1C}">
+                <a14:useLocalDpi xmlns:a14="http://schemas.microsoft.com/office/drawing/2010/main" val="0"/>
+              </a:ext>
+            </a:extLst>
+          </a:blip>
+          <a:stretch>
+            <a:fillRect/>
+          </a:stretch>
+        </p:blipFill>
+        <p:spPr>
+          <a:xfrm>
+            <a:off x="8275014" y="112694"/>
+            <a:ext cx="1542754" cy="1542754"/>
+          </a:xfrm>
+          <a:prstGeom prst="rect">
+            <a:avLst/>
+          </a:prstGeom>
+        </p:spPr>
+      </p:pic>
+      <p:cxnSp>
+        <p:nvCxnSpPr>
+          <p:cNvPr id="12" name="Straight Arrow Connector 11"/>
+          <p:cNvCxnSpPr>
+            <a:stCxn id="4" idx="3"/>
+          </p:cNvCxnSpPr>
+          <p:nvPr/>
+        </p:nvCxnSpPr>
+        <p:spPr>
+          <a:xfrm flipV="1">
+            <a:off x="6684135" y="1146732"/>
+            <a:ext cx="1590879" cy="1"/>
+          </a:xfrm>
+          <a:prstGeom prst="straightConnector1">
+            <a:avLst/>
+          </a:prstGeom>
+          <a:ln w="76200">
+            <a:headEnd type="triangle"/>
+            <a:tailEnd type="triangle"/>
+          </a:ln>
+        </p:spPr>
+        <p:style>
+          <a:lnRef idx="1">
+            <a:schemeClr val="accent1"/>
+          </a:lnRef>
+          <a:fillRef idx="0">
+            <a:schemeClr val="accent1"/>
+          </a:fillRef>
+          <a:effectRef idx="0">
+            <a:schemeClr val="accent1"/>
+          </a:effectRef>
+          <a:fontRef idx="minor">
+            <a:schemeClr val="tx1"/>
+          </a:fontRef>
+        </p:style>
+      </p:cxnSp>
+      <p:sp>
+        <p:nvSpPr>
+          <p:cNvPr id="13" name="Oval 12"/>
+          <p:cNvSpPr/>
+          <p:nvPr/>
+        </p:nvSpPr>
+        <p:spPr>
+          <a:xfrm>
+            <a:off x="8360393" y="4260311"/>
+            <a:ext cx="1604211" cy="1376797"/>
+          </a:xfrm>
+          <a:prstGeom prst="ellipse">
+            <a:avLst/>
+          </a:prstGeom>
+          <a:gradFill flip="none" rotWithShape="1">
+            <a:gsLst>
+              <a:gs pos="20000">
+                <a:schemeClr val="accent2">
+                  <a:lumMod val="67000"/>
+                </a:schemeClr>
+              </a:gs>
+              <a:gs pos="74000">
+                <a:schemeClr val="accent2">
+                  <a:lumMod val="97000"/>
+                  <a:lumOff val="3000"/>
+                </a:schemeClr>
+              </a:gs>
+              <a:gs pos="88000">
+                <a:schemeClr val="accent2">
+                  <a:lumMod val="60000"/>
+                  <a:lumOff val="40000"/>
+                </a:schemeClr>
+              </a:gs>
+            </a:gsLst>
+            <a:lin ang="16200000" scaled="1"/>
+            <a:tileRect/>
+          </a:gradFill>
+        </p:spPr>
+        <p:style>
+          <a:lnRef idx="2">
+            <a:schemeClr val="accent1">
+              <a:shade val="50000"/>
+            </a:schemeClr>
+          </a:lnRef>
+          <a:fillRef idx="1">
+            <a:schemeClr val="accent1"/>
+          </a:fillRef>
+          <a:effectRef idx="0">
+            <a:schemeClr val="accent1"/>
+          </a:effectRef>
+          <a:fontRef idx="minor">
+            <a:schemeClr val="lt1"/>
+          </a:fontRef>
+        </p:style>
+        <p:txBody>
+          <a:bodyPr rtlCol="0" anchor="ctr"/>
+          <a:lstStyle/>
+          <a:p>
+            <a:pPr algn="ctr"/>
+            <a:r>
+              <a:rPr lang="en-US" sz="2400" b="1" dirty="0" smtClean="0">
+                <a:solidFill>
+                  <a:schemeClr val="bg1">
+                    <a:lumMod val="95000"/>
+                  </a:schemeClr>
+                </a:solidFill>
+              </a:rPr>
+              <a:t>API</a:t>
+            </a:r>
+            <a:endParaRPr lang="en-US" sz="2400" b="1" dirty="0">
+              <a:solidFill>
+                <a:schemeClr val="bg1">
+                  <a:lumMod val="95000"/>
+                </a:schemeClr>
+              </a:solidFill>
+            </a:endParaRPr>
+          </a:p>
+        </p:txBody>
+      </p:sp>
+      <p:cxnSp>
+        <p:nvCxnSpPr>
+          <p:cNvPr id="14" name="Straight Arrow Connector 13"/>
+          <p:cNvCxnSpPr/>
+          <p:nvPr/>
+        </p:nvCxnSpPr>
+        <p:spPr>
+          <a:xfrm flipV="1">
+            <a:off x="6674335" y="4948710"/>
+            <a:ext cx="1590879" cy="1"/>
+          </a:xfrm>
+          <a:prstGeom prst="straightConnector1">
+            <a:avLst/>
+          </a:prstGeom>
+          <a:ln w="76200">
+            <a:headEnd type="triangle"/>
+            <a:tailEnd type="triangle"/>
+          </a:ln>
+        </p:spPr>
+        <p:style>
+          <a:lnRef idx="1">
+            <a:schemeClr val="accent1"/>
+          </a:lnRef>
+          <a:fillRef idx="0">
+            <a:schemeClr val="accent1"/>
+          </a:fillRef>
+          <a:effectRef idx="0">
+            <a:schemeClr val="accent1"/>
+          </a:effectRef>
+          <a:fontRef idx="minor">
+            <a:schemeClr val="tx1"/>
+          </a:fontRef>
+        </p:style>
+      </p:cxnSp>
+      <p:sp>
+        <p:nvSpPr>
+          <p:cNvPr id="16" name="Rounded Rectangle 15"/>
+          <p:cNvSpPr/>
+          <p:nvPr/>
+        </p:nvSpPr>
+        <p:spPr>
+          <a:xfrm>
+            <a:off x="4571998" y="4439995"/>
+            <a:ext cx="2112135" cy="1017431"/>
+          </a:xfrm>
+          <a:prstGeom prst="roundRect">
+            <a:avLst/>
+          </a:prstGeom>
+          <a:gradFill>
+            <a:gsLst>
+              <a:gs pos="0">
+                <a:schemeClr val="accent1">
+                  <a:lumMod val="5000"/>
+                  <a:lumOff val="95000"/>
+                </a:schemeClr>
+              </a:gs>
+              <a:gs pos="54000">
+                <a:schemeClr val="accent1">
+                  <a:lumMod val="45000"/>
+                  <a:lumOff val="55000"/>
+                </a:schemeClr>
+              </a:gs>
+              <a:gs pos="100000">
+                <a:schemeClr val="accent1">
+                  <a:lumMod val="45000"/>
+                  <a:lumOff val="55000"/>
+                </a:schemeClr>
+              </a:gs>
+              <a:gs pos="100000">
+                <a:schemeClr val="accent1">
+                  <a:lumMod val="30000"/>
+                  <a:lumOff val="70000"/>
+                </a:schemeClr>
+              </a:gs>
+            </a:gsLst>
+            <a:lin ang="5400000" scaled="1"/>
+          </a:gradFill>
+        </p:spPr>
+        <p:style>
+          <a:lnRef idx="2">
+            <a:schemeClr val="accent1">
+              <a:shade val="50000"/>
+            </a:schemeClr>
+          </a:lnRef>
+          <a:fillRef idx="1">
+            <a:schemeClr val="accent1"/>
+          </a:fillRef>
+          <a:effectRef idx="0">
+            <a:schemeClr val="accent1"/>
+          </a:effectRef>
+          <a:fontRef idx="minor">
+            <a:schemeClr val="lt1"/>
+          </a:fontRef>
+        </p:style>
+        <p:txBody>
+          <a:bodyPr rtlCol="0" anchor="ctr"/>
+          <a:lstStyle/>
+          <a:p>
+            <a:pPr algn="ctr"/>
+            <a:r>
+              <a:rPr lang="en-US" sz="2400" b="1" dirty="0" smtClean="0">
+                <a:solidFill>
+                  <a:schemeClr val="tx1"/>
+                </a:solidFill>
+              </a:rPr>
+              <a:t>Hook Module</a:t>
+            </a:r>
+            <a:endParaRPr lang="en-US" sz="2400" b="1" dirty="0">
+              <a:solidFill>
+                <a:schemeClr val="tx1"/>
+              </a:solidFill>
+            </a:endParaRPr>
+          </a:p>
+        </p:txBody>
+      </p:sp>
+      <p:cxnSp>
+        <p:nvCxnSpPr>
+          <p:cNvPr id="17" name="Straight Arrow Connector 16"/>
+          <p:cNvCxnSpPr/>
+          <p:nvPr/>
+        </p:nvCxnSpPr>
+        <p:spPr>
+          <a:xfrm flipH="1">
+            <a:off x="5628065" y="3584472"/>
+            <a:ext cx="1" cy="883558"/>
+          </a:xfrm>
+          <a:prstGeom prst="straightConnector1">
+            <a:avLst/>
+          </a:prstGeom>
+          <a:ln w="79375">
+            <a:headEnd type="triangle"/>
+            <a:tailEnd type="triangle"/>
+          </a:ln>
+        </p:spPr>
+        <p:style>
+          <a:lnRef idx="1">
+            <a:schemeClr val="accent1"/>
+          </a:lnRef>
+          <a:fillRef idx="0">
+            <a:schemeClr val="accent1"/>
+          </a:fillRef>
+          <a:effectRef idx="0">
+            <a:schemeClr val="accent1"/>
+          </a:effectRef>
+          <a:fontRef idx="minor">
+            <a:schemeClr val="tx1"/>
+          </a:fontRef>
+        </p:style>
+      </p:cxnSp>
+    </p:spTree>
+    <p:extLst>
+      <p:ext uri="{BB962C8B-B14F-4D97-AF65-F5344CB8AC3E}">
+        <p14:creationId xmlns:p14="http://schemas.microsoft.com/office/powerpoint/2010/main" val="4255877774"/>
+      </p:ext>
+    </p:extLst>
+  </p:cSld>
+  <p:clrMapOvr>
+    <a:masterClrMapping/>
+  </p:clrMapOvr>
 </p:sld>
 </file>
 

--- a/Document/SODO.pptx
+++ b/Document/SODO.pptx
@@ -8,15 +8,16 @@
     <p:sldId id="256" r:id="rId2"/>
     <p:sldId id="257" r:id="rId3"/>
     <p:sldId id="258" r:id="rId4"/>
-    <p:sldId id="259" r:id="rId5"/>
-    <p:sldId id="260" r:id="rId6"/>
-    <p:sldId id="263" r:id="rId7"/>
-    <p:sldId id="261" r:id="rId8"/>
-    <p:sldId id="262" r:id="rId9"/>
-    <p:sldId id="264" r:id="rId10"/>
-    <p:sldId id="265" r:id="rId11"/>
-    <p:sldId id="267" r:id="rId12"/>
-    <p:sldId id="266" r:id="rId13"/>
+    <p:sldId id="268" r:id="rId5"/>
+    <p:sldId id="259" r:id="rId6"/>
+    <p:sldId id="260" r:id="rId7"/>
+    <p:sldId id="263" r:id="rId8"/>
+    <p:sldId id="261" r:id="rId9"/>
+    <p:sldId id="262" r:id="rId10"/>
+    <p:sldId id="264" r:id="rId11"/>
+    <p:sldId id="265" r:id="rId12"/>
+    <p:sldId id="267" r:id="rId13"/>
+    <p:sldId id="266" r:id="rId14"/>
   </p:sldIdLst>
   <p:sldSz cx="12192000" cy="6858000"/>
   <p:notesSz cx="6858000" cy="9144000"/>
@@ -1625,53 +1626,125 @@
       <dgm:spPr/>
     </dgm:pt>
     <dgm:pt modelId="{3C475C7D-575B-4F28-9BC9-0ADB5DCA72A9}">
-      <dgm:prSet phldrT="[Text]"/>
-      <dgm:spPr/>
+      <dgm:prSet phldrT="[Text]" custT="1"/>
+      <dgm:spPr>
+        <a:gradFill rotWithShape="0">
+          <a:gsLst>
+            <a:gs pos="0">
+              <a:schemeClr val="accent1">
+                <a:lumMod val="40000"/>
+                <a:lumOff val="60000"/>
+              </a:schemeClr>
+            </a:gs>
+            <a:gs pos="90000">
+              <a:srgbClr val="AECDEA"/>
+            </a:gs>
+            <a:gs pos="100000">
+              <a:schemeClr val="accent1">
+                <a:lumMod val="30000"/>
+                <a:lumOff val="70000"/>
+              </a:schemeClr>
+            </a:gs>
+          </a:gsLst>
+          <a:lin ang="5400000" scaled="1"/>
+        </a:gradFill>
+        <a:scene3d>
+          <a:camera prst="orthographicFront"/>
+          <a:lightRig rig="threePt" dir="t"/>
+        </a:scene3d>
+        <a:sp3d>
+          <a:bevelT w="215900"/>
+        </a:sp3d>
+      </dgm:spPr>
       <dgm:t>
         <a:bodyPr/>
         <a:lstStyle/>
         <a:p>
           <a:r>
-            <a:rPr lang="en-US" dirty="0" err="1" smtClean="0"/>
+            <a:rPr lang="en-US" sz="2400" b="1" dirty="0" err="1" smtClean="0">
+              <a:solidFill>
+                <a:schemeClr val="tx1"/>
+              </a:solidFill>
+            </a:rPr>
             <a:t>Xác</a:t>
           </a:r>
           <a:r>
-            <a:rPr lang="en-US" dirty="0" smtClean="0"/>
+            <a:rPr lang="en-US" sz="2400" b="1" dirty="0" smtClean="0">
+              <a:solidFill>
+                <a:schemeClr val="tx1"/>
+              </a:solidFill>
+            </a:rPr>
             <a:t> </a:t>
           </a:r>
           <a:r>
-            <a:rPr lang="en-US" dirty="0" err="1" smtClean="0"/>
+            <a:rPr lang="en-US" sz="2400" b="1" dirty="0" err="1" smtClean="0">
+              <a:solidFill>
+                <a:schemeClr val="tx1"/>
+              </a:solidFill>
+            </a:rPr>
             <a:t>định</a:t>
           </a:r>
           <a:r>
-            <a:rPr lang="en-US" dirty="0" smtClean="0"/>
+            <a:rPr lang="en-US" sz="2400" b="1" dirty="0" smtClean="0">
+              <a:solidFill>
+                <a:schemeClr val="tx1"/>
+              </a:solidFill>
+            </a:rPr>
             <a:t> </a:t>
           </a:r>
           <a:r>
-            <a:rPr lang="en-US" dirty="0" err="1" smtClean="0"/>
+            <a:rPr lang="en-US" sz="2400" b="1" dirty="0" err="1" smtClean="0">
+              <a:solidFill>
+                <a:schemeClr val="tx1"/>
+              </a:solidFill>
+            </a:rPr>
             <a:t>địa</a:t>
           </a:r>
           <a:r>
-            <a:rPr lang="en-US" dirty="0" smtClean="0"/>
+            <a:rPr lang="en-US" sz="2400" b="1" dirty="0" smtClean="0">
+              <a:solidFill>
+                <a:schemeClr val="tx1"/>
+              </a:solidFill>
+            </a:rPr>
             <a:t> </a:t>
           </a:r>
           <a:r>
-            <a:rPr lang="en-US" dirty="0" err="1" smtClean="0"/>
+            <a:rPr lang="en-US" sz="2400" b="1" dirty="0" err="1" smtClean="0">
+              <a:solidFill>
+                <a:schemeClr val="tx1"/>
+              </a:solidFill>
+            </a:rPr>
             <a:t>chỉ</a:t>
           </a:r>
           <a:r>
-            <a:rPr lang="en-US" dirty="0" smtClean="0"/>
+            <a:rPr lang="en-US" sz="2400" b="1" dirty="0" smtClean="0">
+              <a:solidFill>
+                <a:schemeClr val="tx1"/>
+              </a:solidFill>
+            </a:rPr>
             <a:t> </a:t>
           </a:r>
           <a:r>
-            <a:rPr lang="en-US" dirty="0" err="1" smtClean="0"/>
+            <a:rPr lang="en-US" sz="2400" b="1" dirty="0" err="1" smtClean="0">
+              <a:solidFill>
+                <a:schemeClr val="tx1"/>
+              </a:solidFill>
+            </a:rPr>
             <a:t>hàm</a:t>
           </a:r>
           <a:r>
-            <a:rPr lang="en-US" dirty="0" smtClean="0"/>
+            <a:rPr lang="en-US" sz="2400" b="1" dirty="0" smtClean="0">
+              <a:solidFill>
+                <a:schemeClr val="tx1"/>
+              </a:solidFill>
+            </a:rPr>
             <a:t> API</a:t>
           </a:r>
-          <a:endParaRPr lang="en-US" dirty="0"/>
+          <a:endParaRPr lang="en-US" sz="2400" b="1" dirty="0">
+            <a:solidFill>
+              <a:schemeClr val="tx1"/>
+            </a:solidFill>
+          </a:endParaRPr>
         </a:p>
       </dgm:t>
     </dgm:pt>
@@ -1687,60 +1760,160 @@
       </dgm:t>
     </dgm:pt>
     <dgm:pt modelId="{5F49C829-96D0-4F15-A0F1-AF2C658F883B}" type="sibTrans" cxnId="{06496E89-E1D3-4A4B-B8AF-307A2B2A7F7D}">
-      <dgm:prSet/>
-      <dgm:spPr/>
+      <dgm:prSet custT="1"/>
+      <dgm:spPr>
+        <a:gradFill rotWithShape="0">
+          <a:gsLst>
+            <a:gs pos="0">
+              <a:schemeClr val="accent1">
+                <a:lumMod val="40000"/>
+                <a:lumOff val="60000"/>
+              </a:schemeClr>
+            </a:gs>
+            <a:gs pos="90000">
+              <a:srgbClr val="AECDEA"/>
+            </a:gs>
+            <a:gs pos="100000">
+              <a:schemeClr val="accent1">
+                <a:lumMod val="30000"/>
+                <a:lumOff val="70000"/>
+              </a:schemeClr>
+            </a:gs>
+          </a:gsLst>
+          <a:lin ang="5400000" scaled="1"/>
+        </a:gradFill>
+        <a:scene3d>
+          <a:camera prst="orthographicFront"/>
+          <a:lightRig rig="threePt" dir="t"/>
+        </a:scene3d>
+        <a:sp3d>
+          <a:bevelT w="215900"/>
+        </a:sp3d>
+      </dgm:spPr>
       <dgm:t>
         <a:bodyPr/>
         <a:lstStyle/>
         <a:p>
-          <a:endParaRPr lang="en-US"/>
+          <a:endParaRPr lang="en-US" sz="1800" b="1">
+            <a:solidFill>
+              <a:schemeClr val="tx1"/>
+            </a:solidFill>
+          </a:endParaRPr>
         </a:p>
       </dgm:t>
     </dgm:pt>
     <dgm:pt modelId="{B03F08C4-78ED-4B7E-934A-D0273B4F3012}">
-      <dgm:prSet phldrT="[Text]"/>
-      <dgm:spPr/>
+      <dgm:prSet phldrT="[Text]" custT="1"/>
+      <dgm:spPr>
+        <a:gradFill rotWithShape="0">
+          <a:gsLst>
+            <a:gs pos="0">
+              <a:schemeClr val="accent1">
+                <a:lumMod val="40000"/>
+                <a:lumOff val="60000"/>
+              </a:schemeClr>
+            </a:gs>
+            <a:gs pos="90000">
+              <a:srgbClr val="AECDEA"/>
+            </a:gs>
+            <a:gs pos="100000">
+              <a:schemeClr val="accent1">
+                <a:lumMod val="30000"/>
+                <a:lumOff val="70000"/>
+              </a:schemeClr>
+            </a:gs>
+          </a:gsLst>
+          <a:lin ang="5400000" scaled="1"/>
+        </a:gradFill>
+        <a:scene3d>
+          <a:camera prst="orthographicFront"/>
+          <a:lightRig rig="threePt" dir="t"/>
+        </a:scene3d>
+        <a:sp3d>
+          <a:bevelT w="215900"/>
+        </a:sp3d>
+      </dgm:spPr>
       <dgm:t>
         <a:bodyPr/>
         <a:lstStyle/>
         <a:p>
           <a:r>
-            <a:rPr lang="en-US" dirty="0" err="1" smtClean="0"/>
+            <a:rPr lang="en-US" sz="2400" b="1" dirty="0" err="1" smtClean="0">
+              <a:solidFill>
+                <a:schemeClr val="tx1"/>
+              </a:solidFill>
+            </a:rPr>
             <a:t>Lưu</a:t>
           </a:r>
           <a:r>
-            <a:rPr lang="en-US" dirty="0" smtClean="0"/>
+            <a:rPr lang="en-US" sz="2400" b="1" dirty="0" smtClean="0">
+              <a:solidFill>
+                <a:schemeClr val="tx1"/>
+              </a:solidFill>
+            </a:rPr>
             <a:t> </a:t>
           </a:r>
           <a:r>
-            <a:rPr lang="en-US" dirty="0" err="1" smtClean="0"/>
+            <a:rPr lang="en-US" sz="2400" b="1" dirty="0" err="1" smtClean="0">
+              <a:solidFill>
+                <a:schemeClr val="tx1"/>
+              </a:solidFill>
+            </a:rPr>
             <a:t>địa</a:t>
           </a:r>
           <a:r>
-            <a:rPr lang="en-US" dirty="0" smtClean="0"/>
+            <a:rPr lang="en-US" sz="2400" b="1" dirty="0" smtClean="0">
+              <a:solidFill>
+                <a:schemeClr val="tx1"/>
+              </a:solidFill>
+            </a:rPr>
             <a:t> </a:t>
           </a:r>
           <a:r>
-            <a:rPr lang="en-US" dirty="0" err="1" smtClean="0"/>
+            <a:rPr lang="en-US" sz="2400" b="1" dirty="0" err="1" smtClean="0">
+              <a:solidFill>
+                <a:schemeClr val="tx1"/>
+              </a:solidFill>
+            </a:rPr>
             <a:t>chỉ</a:t>
           </a:r>
           <a:r>
-            <a:rPr lang="en-US" dirty="0" smtClean="0"/>
+            <a:rPr lang="en-US" sz="2400" b="1" dirty="0" smtClean="0">
+              <a:solidFill>
+                <a:schemeClr val="tx1"/>
+              </a:solidFill>
+            </a:rPr>
             <a:t> </a:t>
           </a:r>
           <a:r>
-            <a:rPr lang="en-US" dirty="0" err="1" smtClean="0"/>
+            <a:rPr lang="en-US" sz="2400" b="1" dirty="0" err="1" smtClean="0">
+              <a:solidFill>
+                <a:schemeClr val="tx1"/>
+              </a:solidFill>
+            </a:rPr>
             <a:t>hàm</a:t>
           </a:r>
           <a:r>
-            <a:rPr lang="en-US" dirty="0" smtClean="0"/>
+            <a:rPr lang="en-US" sz="2400" b="1" dirty="0" smtClean="0">
+              <a:solidFill>
+                <a:schemeClr val="tx1"/>
+              </a:solidFill>
+            </a:rPr>
             <a:t> </a:t>
           </a:r>
           <a:r>
-            <a:rPr lang="en-US" dirty="0" err="1" smtClean="0"/>
+            <a:rPr lang="en-US" sz="2400" b="1" dirty="0" err="1" smtClean="0">
+              <a:solidFill>
+                <a:schemeClr val="tx1"/>
+              </a:solidFill>
+            </a:rPr>
             <a:t>gốc</a:t>
           </a:r>
-          <a:endParaRPr lang="en-US" dirty="0"/>
+          <a:endParaRPr lang="en-US" sz="2400" b="1" dirty="0">
+            <a:solidFill>
+              <a:schemeClr val="tx1"/>
+            </a:solidFill>
+          </a:endParaRPr>
         </a:p>
       </dgm:t>
     </dgm:pt>
@@ -1756,88 +1929,216 @@
       </dgm:t>
     </dgm:pt>
     <dgm:pt modelId="{A67BD31B-2F2D-4D3A-8A38-AA68EAB7545E}" type="sibTrans" cxnId="{FE0EC927-F887-4A64-B562-B43725912114}">
-      <dgm:prSet/>
-      <dgm:spPr/>
+      <dgm:prSet custT="1"/>
+      <dgm:spPr>
+        <a:gradFill rotWithShape="0">
+          <a:gsLst>
+            <a:gs pos="0">
+              <a:schemeClr val="accent1">
+                <a:lumMod val="40000"/>
+                <a:lumOff val="60000"/>
+              </a:schemeClr>
+            </a:gs>
+            <a:gs pos="90000">
+              <a:srgbClr val="AECDEA"/>
+            </a:gs>
+            <a:gs pos="100000">
+              <a:schemeClr val="accent1">
+                <a:lumMod val="30000"/>
+                <a:lumOff val="70000"/>
+              </a:schemeClr>
+            </a:gs>
+          </a:gsLst>
+          <a:lin ang="5400000" scaled="1"/>
+        </a:gradFill>
+        <a:scene3d>
+          <a:camera prst="orthographicFront"/>
+          <a:lightRig rig="threePt" dir="t"/>
+        </a:scene3d>
+        <a:sp3d>
+          <a:bevelT w="215900"/>
+        </a:sp3d>
+      </dgm:spPr>
       <dgm:t>
         <a:bodyPr/>
         <a:lstStyle/>
         <a:p>
-          <a:endParaRPr lang="en-US"/>
+          <a:endParaRPr lang="en-US" sz="1800" b="1">
+            <a:solidFill>
+              <a:schemeClr val="tx1"/>
+            </a:solidFill>
+          </a:endParaRPr>
         </a:p>
       </dgm:t>
     </dgm:pt>
     <dgm:pt modelId="{E4986132-8F28-4E97-93EF-A89BF0F445E0}">
-      <dgm:prSet phldrT="[Text]"/>
-      <dgm:spPr/>
+      <dgm:prSet phldrT="[Text]" custT="1"/>
+      <dgm:spPr>
+        <a:gradFill rotWithShape="0">
+          <a:gsLst>
+            <a:gs pos="0">
+              <a:schemeClr val="accent1">
+                <a:lumMod val="40000"/>
+                <a:lumOff val="60000"/>
+              </a:schemeClr>
+            </a:gs>
+            <a:gs pos="90000">
+              <a:srgbClr val="AECDEA"/>
+            </a:gs>
+            <a:gs pos="100000">
+              <a:schemeClr val="accent1">
+                <a:lumMod val="30000"/>
+                <a:lumOff val="70000"/>
+              </a:schemeClr>
+            </a:gs>
+          </a:gsLst>
+          <a:lin ang="5400000" scaled="1"/>
+        </a:gradFill>
+        <a:scene3d>
+          <a:camera prst="orthographicFront"/>
+          <a:lightRig rig="threePt" dir="t"/>
+        </a:scene3d>
+        <a:sp3d>
+          <a:bevelT w="215900"/>
+        </a:sp3d>
+      </dgm:spPr>
       <dgm:t>
         <a:bodyPr/>
         <a:lstStyle/>
         <a:p>
           <a:r>
-            <a:rPr lang="en-US" dirty="0" err="1" smtClean="0"/>
+            <a:rPr lang="en-US" sz="2400" b="1" dirty="0" err="1" smtClean="0">
+              <a:solidFill>
+                <a:schemeClr val="tx1"/>
+              </a:solidFill>
+            </a:rPr>
             <a:t>Ghi</a:t>
           </a:r>
           <a:r>
-            <a:rPr lang="en-US" dirty="0" smtClean="0"/>
+            <a:rPr lang="en-US" sz="2400" b="1" dirty="0" smtClean="0">
+              <a:solidFill>
+                <a:schemeClr val="tx1"/>
+              </a:solidFill>
+            </a:rPr>
             <a:t> </a:t>
           </a:r>
           <a:r>
-            <a:rPr lang="en-US" dirty="0" err="1" smtClean="0"/>
+            <a:rPr lang="en-US" sz="2400" b="1" dirty="0" err="1" smtClean="0">
+              <a:solidFill>
+                <a:schemeClr val="tx1"/>
+              </a:solidFill>
+            </a:rPr>
             <a:t>đè</a:t>
           </a:r>
           <a:r>
-            <a:rPr lang="en-US" dirty="0" smtClean="0"/>
+            <a:rPr lang="en-US" sz="2400" b="1" dirty="0" smtClean="0">
+              <a:solidFill>
+                <a:schemeClr val="tx1"/>
+              </a:solidFill>
+            </a:rPr>
             <a:t> </a:t>
           </a:r>
           <a:r>
-            <a:rPr lang="en-US" dirty="0" err="1" smtClean="0"/>
+            <a:rPr lang="en-US" sz="2400" b="1" dirty="0" err="1" smtClean="0">
+              <a:solidFill>
+                <a:schemeClr val="tx1"/>
+              </a:solidFill>
+            </a:rPr>
             <a:t>lệnh</a:t>
           </a:r>
           <a:r>
-            <a:rPr lang="en-US" dirty="0" smtClean="0"/>
+            <a:rPr lang="en-US" sz="2400" b="1" dirty="0" smtClean="0">
+              <a:solidFill>
+                <a:schemeClr val="tx1"/>
+              </a:solidFill>
+            </a:rPr>
             <a:t> </a:t>
           </a:r>
           <a:r>
-            <a:rPr lang="en-US" dirty="0" err="1" smtClean="0"/>
-            <a:t>nhảy</a:t>
+            <a:rPr lang="en-US" sz="2400" b="1" dirty="0" err="1" smtClean="0">
+              <a:solidFill>
+                <a:schemeClr val="tx1"/>
+              </a:solidFill>
+            </a:rPr>
+            <a:t>jmp</a:t>
           </a:r>
           <a:r>
-            <a:rPr lang="en-US" dirty="0" smtClean="0"/>
+            <a:rPr lang="en-US" sz="2400" b="1" dirty="0" smtClean="0">
+              <a:solidFill>
+                <a:schemeClr val="tx1"/>
+              </a:solidFill>
+            </a:rPr>
             <a:t> </a:t>
           </a:r>
           <a:r>
-            <a:rPr lang="en-US" dirty="0" err="1" smtClean="0"/>
+            <a:rPr lang="en-US" sz="2400" b="1" dirty="0" err="1" smtClean="0">
+              <a:solidFill>
+                <a:schemeClr val="tx1"/>
+              </a:solidFill>
+            </a:rPr>
             <a:t>tới</a:t>
           </a:r>
           <a:r>
-            <a:rPr lang="en-US" dirty="0" smtClean="0"/>
+            <a:rPr lang="en-US" sz="2400" b="1" dirty="0" smtClean="0">
+              <a:solidFill>
+                <a:schemeClr val="tx1"/>
+              </a:solidFill>
+            </a:rPr>
             <a:t> </a:t>
           </a:r>
           <a:r>
-            <a:rPr lang="en-US" dirty="0" err="1" smtClean="0"/>
+            <a:rPr lang="en-US" sz="2400" b="1" dirty="0" err="1" smtClean="0">
+              <a:solidFill>
+                <a:schemeClr val="tx1"/>
+              </a:solidFill>
+            </a:rPr>
             <a:t>địa</a:t>
           </a:r>
           <a:r>
-            <a:rPr lang="en-US" dirty="0" smtClean="0"/>
+            <a:rPr lang="en-US" sz="2400" b="1" dirty="0" smtClean="0">
+              <a:solidFill>
+                <a:schemeClr val="tx1"/>
+              </a:solidFill>
+            </a:rPr>
             <a:t> </a:t>
           </a:r>
           <a:r>
-            <a:rPr lang="en-US" dirty="0" err="1" smtClean="0"/>
+            <a:rPr lang="en-US" sz="2400" b="1" dirty="0" err="1" smtClean="0">
+              <a:solidFill>
+                <a:schemeClr val="tx1"/>
+              </a:solidFill>
+            </a:rPr>
             <a:t>chỉ</a:t>
           </a:r>
           <a:r>
-            <a:rPr lang="en-US" dirty="0" smtClean="0"/>
+            <a:rPr lang="en-US" sz="2400" b="1" dirty="0" smtClean="0">
+              <a:solidFill>
+                <a:schemeClr val="tx1"/>
+              </a:solidFill>
+            </a:rPr>
             <a:t> </a:t>
           </a:r>
           <a:r>
-            <a:rPr lang="en-US" dirty="0" err="1" smtClean="0"/>
+            <a:rPr lang="en-US" sz="2400" b="1" dirty="0" err="1" smtClean="0">
+              <a:solidFill>
+                <a:schemeClr val="tx1"/>
+              </a:solidFill>
+            </a:rPr>
             <a:t>hàm</a:t>
           </a:r>
           <a:r>
-            <a:rPr lang="en-US" dirty="0" smtClean="0"/>
+            <a:rPr lang="en-US" sz="2400" b="1" dirty="0" smtClean="0">
+              <a:solidFill>
+                <a:schemeClr val="tx1"/>
+              </a:solidFill>
+            </a:rPr>
             <a:t> hook</a:t>
           </a:r>
-          <a:endParaRPr lang="en-US" dirty="0"/>
+          <a:endParaRPr lang="en-US" sz="2400" b="1" dirty="0">
+            <a:solidFill>
+              <a:schemeClr val="tx1"/>
+            </a:solidFill>
+          </a:endParaRPr>
         </a:p>
       </dgm:t>
     </dgm:pt>
@@ -1853,56 +2154,152 @@
       </dgm:t>
     </dgm:pt>
     <dgm:pt modelId="{7B6A2C41-270B-4066-89EA-89C01DA8742B}" type="sibTrans" cxnId="{13F6F339-E45C-4C1B-8B92-037970431540}">
-      <dgm:prSet/>
-      <dgm:spPr/>
+      <dgm:prSet custT="1"/>
+      <dgm:spPr>
+        <a:gradFill rotWithShape="0">
+          <a:gsLst>
+            <a:gs pos="0">
+              <a:schemeClr val="accent1">
+                <a:lumMod val="40000"/>
+                <a:lumOff val="60000"/>
+              </a:schemeClr>
+            </a:gs>
+            <a:gs pos="90000">
+              <a:srgbClr val="AECDEA"/>
+            </a:gs>
+            <a:gs pos="100000">
+              <a:schemeClr val="accent1">
+                <a:lumMod val="30000"/>
+                <a:lumOff val="70000"/>
+              </a:schemeClr>
+            </a:gs>
+          </a:gsLst>
+          <a:lin ang="5400000" scaled="1"/>
+        </a:gradFill>
+        <a:scene3d>
+          <a:camera prst="orthographicFront"/>
+          <a:lightRig rig="threePt" dir="t"/>
+        </a:scene3d>
+        <a:sp3d>
+          <a:bevelT w="215900"/>
+        </a:sp3d>
+      </dgm:spPr>
       <dgm:t>
         <a:bodyPr/>
         <a:lstStyle/>
         <a:p>
-          <a:endParaRPr lang="en-US"/>
+          <a:endParaRPr lang="en-US" sz="1800" b="1">
+            <a:solidFill>
+              <a:schemeClr val="tx1"/>
+            </a:solidFill>
+          </a:endParaRPr>
         </a:p>
       </dgm:t>
     </dgm:pt>
     <dgm:pt modelId="{81ED6C22-F3D3-47C1-94FC-6FDC3C207F23}">
-      <dgm:prSet/>
-      <dgm:spPr/>
+      <dgm:prSet custT="1"/>
+      <dgm:spPr>
+        <a:gradFill rotWithShape="0">
+          <a:gsLst>
+            <a:gs pos="0">
+              <a:schemeClr val="accent1">
+                <a:lumMod val="40000"/>
+                <a:lumOff val="60000"/>
+              </a:schemeClr>
+            </a:gs>
+            <a:gs pos="90000">
+              <a:srgbClr val="AECDEA"/>
+            </a:gs>
+            <a:gs pos="100000">
+              <a:schemeClr val="accent1">
+                <a:lumMod val="30000"/>
+                <a:lumOff val="70000"/>
+              </a:schemeClr>
+            </a:gs>
+          </a:gsLst>
+          <a:lin ang="5400000" scaled="1"/>
+        </a:gradFill>
+        <a:scene3d>
+          <a:camera prst="orthographicFront"/>
+          <a:lightRig rig="threePt" dir="t"/>
+        </a:scene3d>
+        <a:sp3d>
+          <a:bevelT w="215900"/>
+        </a:sp3d>
+      </dgm:spPr>
       <dgm:t>
         <a:bodyPr/>
         <a:lstStyle/>
         <a:p>
           <a:r>
-            <a:rPr lang="en-US" dirty="0" err="1" smtClean="0"/>
+            <a:rPr lang="en-US" sz="2400" b="1" dirty="0" err="1" smtClean="0">
+              <a:solidFill>
+                <a:schemeClr val="tx1"/>
+              </a:solidFill>
+            </a:rPr>
             <a:t>Xử</a:t>
           </a:r>
           <a:r>
-            <a:rPr lang="en-US" dirty="0" smtClean="0"/>
+            <a:rPr lang="en-US" sz="2400" b="1" dirty="0" smtClean="0">
+              <a:solidFill>
+                <a:schemeClr val="tx1"/>
+              </a:solidFill>
+            </a:rPr>
             <a:t> </a:t>
           </a:r>
           <a:r>
-            <a:rPr lang="en-US" dirty="0" err="1" smtClean="0"/>
+            <a:rPr lang="en-US" sz="2400" b="1" dirty="0" err="1" smtClean="0">
+              <a:solidFill>
+                <a:schemeClr val="tx1"/>
+              </a:solidFill>
+            </a:rPr>
             <a:t>lý</a:t>
           </a:r>
           <a:r>
-            <a:rPr lang="en-US" dirty="0" smtClean="0"/>
+            <a:rPr lang="en-US" sz="2400" b="1" dirty="0" smtClean="0">
+              <a:solidFill>
+                <a:schemeClr val="tx1"/>
+              </a:solidFill>
+            </a:rPr>
             <a:t> </a:t>
           </a:r>
           <a:r>
-            <a:rPr lang="en-US" dirty="0" err="1" smtClean="0"/>
+            <a:rPr lang="en-US" sz="2400" b="1" dirty="0" err="1" smtClean="0">
+              <a:solidFill>
+                <a:schemeClr val="tx1"/>
+              </a:solidFill>
+            </a:rPr>
             <a:t>trong</a:t>
           </a:r>
           <a:r>
-            <a:rPr lang="en-US" dirty="0" smtClean="0"/>
+            <a:rPr lang="en-US" sz="2400" b="1" dirty="0" smtClean="0">
+              <a:solidFill>
+                <a:schemeClr val="tx1"/>
+              </a:solidFill>
+            </a:rPr>
             <a:t> </a:t>
           </a:r>
           <a:r>
-            <a:rPr lang="en-US" dirty="0" err="1" smtClean="0"/>
+            <a:rPr lang="en-US" sz="2400" b="1" dirty="0" err="1" smtClean="0">
+              <a:solidFill>
+                <a:schemeClr val="tx1"/>
+              </a:solidFill>
+            </a:rPr>
             <a:t>hàm</a:t>
           </a:r>
           <a:r>
-            <a:rPr lang="en-US" dirty="0" smtClean="0"/>
+            <a:rPr lang="en-US" sz="2400" b="1" dirty="0" smtClean="0">
+              <a:solidFill>
+                <a:schemeClr val="tx1"/>
+              </a:solidFill>
+            </a:rPr>
             <a:t> hook</a:t>
           </a:r>
-          <a:endParaRPr lang="en-US" dirty="0"/>
+          <a:endParaRPr lang="en-US" sz="2400" b="1" dirty="0">
+            <a:solidFill>
+              <a:schemeClr val="tx1"/>
+            </a:solidFill>
+          </a:endParaRPr>
         </a:p>
       </dgm:t>
     </dgm:pt>
@@ -1918,84 +2315,208 @@
       </dgm:t>
     </dgm:pt>
     <dgm:pt modelId="{4B5032F5-9425-4383-B4E2-8596E3C3FC75}" type="sibTrans" cxnId="{59B277FB-7B3A-4099-8A25-0A45274C1971}">
-      <dgm:prSet/>
-      <dgm:spPr/>
+      <dgm:prSet custT="1"/>
+      <dgm:spPr>
+        <a:gradFill rotWithShape="0">
+          <a:gsLst>
+            <a:gs pos="0">
+              <a:schemeClr val="accent1">
+                <a:lumMod val="40000"/>
+                <a:lumOff val="60000"/>
+              </a:schemeClr>
+            </a:gs>
+            <a:gs pos="90000">
+              <a:srgbClr val="AECDEA"/>
+            </a:gs>
+            <a:gs pos="100000">
+              <a:schemeClr val="accent1">
+                <a:lumMod val="30000"/>
+                <a:lumOff val="70000"/>
+              </a:schemeClr>
+            </a:gs>
+          </a:gsLst>
+          <a:lin ang="5400000" scaled="1"/>
+        </a:gradFill>
+        <a:scene3d>
+          <a:camera prst="orthographicFront"/>
+          <a:lightRig rig="threePt" dir="t"/>
+        </a:scene3d>
+        <a:sp3d>
+          <a:bevelT w="215900"/>
+        </a:sp3d>
+      </dgm:spPr>
       <dgm:t>
         <a:bodyPr/>
         <a:lstStyle/>
         <a:p>
-          <a:endParaRPr lang="en-US"/>
+          <a:endParaRPr lang="en-US" sz="1800" b="1">
+            <a:solidFill>
+              <a:schemeClr val="tx1"/>
+            </a:solidFill>
+          </a:endParaRPr>
         </a:p>
       </dgm:t>
     </dgm:pt>
     <dgm:pt modelId="{CCA67B2D-B3C1-4A32-AB96-ADCA15091B39}">
-      <dgm:prSet/>
-      <dgm:spPr/>
+      <dgm:prSet custT="1"/>
+      <dgm:spPr>
+        <a:gradFill rotWithShape="0">
+          <a:gsLst>
+            <a:gs pos="0">
+              <a:schemeClr val="accent1">
+                <a:lumMod val="40000"/>
+                <a:lumOff val="60000"/>
+              </a:schemeClr>
+            </a:gs>
+            <a:gs pos="90000">
+              <a:srgbClr val="AECDEA"/>
+            </a:gs>
+            <a:gs pos="100000">
+              <a:schemeClr val="accent1">
+                <a:lumMod val="30000"/>
+                <a:lumOff val="70000"/>
+              </a:schemeClr>
+            </a:gs>
+          </a:gsLst>
+          <a:lin ang="5400000" scaled="1"/>
+        </a:gradFill>
+        <a:scene3d>
+          <a:camera prst="orthographicFront"/>
+          <a:lightRig rig="threePt" dir="t"/>
+        </a:scene3d>
+        <a:sp3d>
+          <a:bevelT w="215900"/>
+        </a:sp3d>
+      </dgm:spPr>
       <dgm:t>
         <a:bodyPr/>
         <a:lstStyle/>
         <a:p>
           <a:r>
-            <a:rPr lang="en-US" err="1" smtClean="0"/>
+            <a:rPr lang="en-US" sz="2400" b="1" dirty="0" err="1" smtClean="0">
+              <a:solidFill>
+                <a:schemeClr val="tx1"/>
+              </a:solidFill>
+            </a:rPr>
             <a:t>Khôi</a:t>
           </a:r>
           <a:r>
-            <a:rPr lang="en-US" smtClean="0"/>
+            <a:rPr lang="en-US" sz="2400" b="1" dirty="0" smtClean="0">
+              <a:solidFill>
+                <a:schemeClr val="tx1"/>
+              </a:solidFill>
+            </a:rPr>
             <a:t> </a:t>
           </a:r>
           <a:r>
-            <a:rPr lang="en-US" err="1" smtClean="0"/>
+            <a:rPr lang="en-US" sz="2400" b="1" dirty="0" err="1" smtClean="0">
+              <a:solidFill>
+                <a:schemeClr val="tx1"/>
+              </a:solidFill>
+            </a:rPr>
             <a:t>phục</a:t>
           </a:r>
           <a:r>
-            <a:rPr lang="en-US" smtClean="0"/>
+            <a:rPr lang="en-US" sz="2400" b="1" dirty="0" smtClean="0">
+              <a:solidFill>
+                <a:schemeClr val="tx1"/>
+              </a:solidFill>
+            </a:rPr>
             <a:t> </a:t>
           </a:r>
           <a:r>
-            <a:rPr lang="en-US" err="1" smtClean="0"/>
+            <a:rPr lang="en-US" sz="2400" b="1" dirty="0" err="1" smtClean="0">
+              <a:solidFill>
+                <a:schemeClr val="tx1"/>
+              </a:solidFill>
+            </a:rPr>
             <a:t>địa</a:t>
           </a:r>
           <a:r>
-            <a:rPr lang="en-US" smtClean="0"/>
+            <a:rPr lang="en-US" sz="2400" b="1" dirty="0" smtClean="0">
+              <a:solidFill>
+                <a:schemeClr val="tx1"/>
+              </a:solidFill>
+            </a:rPr>
             <a:t> </a:t>
           </a:r>
           <a:r>
-            <a:rPr lang="en-US" err="1" smtClean="0"/>
+            <a:rPr lang="en-US" sz="2400" b="1" dirty="0" err="1" smtClean="0">
+              <a:solidFill>
+                <a:schemeClr val="tx1"/>
+              </a:solidFill>
+            </a:rPr>
             <a:t>chỉ</a:t>
           </a:r>
           <a:r>
-            <a:rPr lang="en-US" smtClean="0"/>
+            <a:rPr lang="en-US" sz="2400" b="1" dirty="0" smtClean="0">
+              <a:solidFill>
+                <a:schemeClr val="tx1"/>
+              </a:solidFill>
+            </a:rPr>
             <a:t> </a:t>
           </a:r>
           <a:r>
-            <a:rPr lang="en-US" err="1" smtClean="0"/>
+            <a:rPr lang="en-US" sz="2400" b="1" dirty="0" err="1" smtClean="0">
+              <a:solidFill>
+                <a:schemeClr val="tx1"/>
+              </a:solidFill>
+            </a:rPr>
             <a:t>hàm</a:t>
           </a:r>
           <a:r>
-            <a:rPr lang="en-US" smtClean="0"/>
+            <a:rPr lang="en-US" sz="2400" b="1" dirty="0" smtClean="0">
+              <a:solidFill>
+                <a:schemeClr val="tx1"/>
+              </a:solidFill>
+            </a:rPr>
             <a:t> </a:t>
           </a:r>
           <a:r>
-            <a:rPr lang="en-US" err="1" smtClean="0"/>
+            <a:rPr lang="en-US" sz="2400" b="1" dirty="0" err="1" smtClean="0">
+              <a:solidFill>
+                <a:schemeClr val="tx1"/>
+              </a:solidFill>
+            </a:rPr>
             <a:t>gốc</a:t>
           </a:r>
           <a:r>
-            <a:rPr lang="en-US" smtClean="0"/>
+            <a:rPr lang="en-US" sz="2400" b="1" dirty="0" smtClean="0">
+              <a:solidFill>
+                <a:schemeClr val="tx1"/>
+              </a:solidFill>
+            </a:rPr>
             <a:t> </a:t>
           </a:r>
           <a:r>
-            <a:rPr lang="en-US" err="1" smtClean="0"/>
+            <a:rPr lang="en-US" sz="2400" b="1" dirty="0" err="1" smtClean="0">
+              <a:solidFill>
+                <a:schemeClr val="tx1"/>
+              </a:solidFill>
+            </a:rPr>
             <a:t>nếu</a:t>
           </a:r>
           <a:r>
-            <a:rPr lang="en-US" smtClean="0"/>
+            <a:rPr lang="en-US" sz="2400" b="1" dirty="0" smtClean="0">
+              <a:solidFill>
+                <a:schemeClr val="tx1"/>
+              </a:solidFill>
+            </a:rPr>
             <a:t> </a:t>
           </a:r>
           <a:r>
-            <a:rPr lang="en-US" err="1" smtClean="0"/>
+            <a:rPr lang="en-US" sz="2400" b="1" dirty="0" err="1" smtClean="0">
+              <a:solidFill>
+                <a:schemeClr val="tx1"/>
+              </a:solidFill>
+            </a:rPr>
             <a:t>cần</a:t>
           </a:r>
-          <a:endParaRPr lang="en-US"/>
+          <a:endParaRPr lang="en-US" sz="2400" b="1" dirty="0">
+            <a:solidFill>
+              <a:schemeClr val="tx1"/>
+            </a:solidFill>
+          </a:endParaRPr>
         </a:p>
       </dgm:t>
     </dgm:pt>
@@ -2757,13 +3278,1346 @@
       </dsp:nvSpPr>
       <dsp:spPr>
         <a:xfrm>
-          <a:off x="3968" y="2097481"/>
-          <a:ext cx="1230312" cy="1223704"/>
+          <a:off x="5199" y="1814067"/>
+          <a:ext cx="1611901" cy="1638661"/>
         </a:xfrm>
         <a:prstGeom prst="roundRect">
           <a:avLst>
             <a:gd name="adj" fmla="val 10000"/>
           </a:avLst>
+        </a:prstGeom>
+        <a:gradFill rotWithShape="0">
+          <a:gsLst>
+            <a:gs pos="0">
+              <a:schemeClr val="accent1">
+                <a:lumMod val="40000"/>
+                <a:lumOff val="60000"/>
+              </a:schemeClr>
+            </a:gs>
+            <a:gs pos="90000">
+              <a:srgbClr val="AECDEA"/>
+            </a:gs>
+            <a:gs pos="100000">
+              <a:schemeClr val="accent1">
+                <a:lumMod val="30000"/>
+                <a:lumOff val="70000"/>
+              </a:schemeClr>
+            </a:gs>
+          </a:gsLst>
+          <a:lin ang="5400000" scaled="1"/>
+        </a:gradFill>
+        <a:ln w="12700" cap="flat" cmpd="sng" algn="ctr">
+          <a:solidFill>
+            <a:schemeClr val="lt1">
+              <a:hueOff val="0"/>
+              <a:satOff val="0"/>
+              <a:lumOff val="0"/>
+              <a:alphaOff val="0"/>
+            </a:schemeClr>
+          </a:solidFill>
+          <a:prstDash val="solid"/>
+          <a:miter lim="800000"/>
+        </a:ln>
+        <a:effectLst/>
+        <a:scene3d>
+          <a:camera prst="orthographicFront"/>
+          <a:lightRig rig="threePt" dir="t"/>
+        </a:scene3d>
+        <a:sp3d>
+          <a:bevelT w="215900"/>
+        </a:sp3d>
+      </dsp:spPr>
+      <dsp:style>
+        <a:lnRef idx="2">
+          <a:scrgbClr r="0" g="0" b="0"/>
+        </a:lnRef>
+        <a:fillRef idx="1">
+          <a:scrgbClr r="0" g="0" b="0"/>
+        </a:fillRef>
+        <a:effectRef idx="0">
+          <a:scrgbClr r="0" g="0" b="0"/>
+        </a:effectRef>
+        <a:fontRef idx="minor">
+          <a:schemeClr val="lt1"/>
+        </a:fontRef>
+      </dsp:style>
+      <dsp:txBody>
+        <a:bodyPr spcFirstLastPara="0" vert="horz" wrap="square" lIns="91440" tIns="91440" rIns="91440" bIns="91440" numCol="1" spcCol="1270" anchor="ctr" anchorCtr="0">
+          <a:noAutofit/>
+        </a:bodyPr>
+        <a:lstStyle/>
+        <a:p>
+          <a:pPr lvl="0" algn="ctr" defTabSz="1066800">
+            <a:lnSpc>
+              <a:spcPct val="90000"/>
+            </a:lnSpc>
+            <a:spcBef>
+              <a:spcPct val="0"/>
+            </a:spcBef>
+            <a:spcAft>
+              <a:spcPct val="35000"/>
+            </a:spcAft>
+          </a:pPr>
+          <a:r>
+            <a:rPr lang="en-US" sz="2400" b="1" kern="1200" dirty="0" err="1" smtClean="0">
+              <a:solidFill>
+                <a:schemeClr val="tx1"/>
+              </a:solidFill>
+            </a:rPr>
+            <a:t>Xác</a:t>
+          </a:r>
+          <a:r>
+            <a:rPr lang="en-US" sz="2400" b="1" kern="1200" dirty="0" smtClean="0">
+              <a:solidFill>
+                <a:schemeClr val="tx1"/>
+              </a:solidFill>
+            </a:rPr>
+            <a:t> </a:t>
+          </a:r>
+          <a:r>
+            <a:rPr lang="en-US" sz="2400" b="1" kern="1200" dirty="0" err="1" smtClean="0">
+              <a:solidFill>
+                <a:schemeClr val="tx1"/>
+              </a:solidFill>
+            </a:rPr>
+            <a:t>định</a:t>
+          </a:r>
+          <a:r>
+            <a:rPr lang="en-US" sz="2400" b="1" kern="1200" dirty="0" smtClean="0">
+              <a:solidFill>
+                <a:schemeClr val="tx1"/>
+              </a:solidFill>
+            </a:rPr>
+            <a:t> </a:t>
+          </a:r>
+          <a:r>
+            <a:rPr lang="en-US" sz="2400" b="1" kern="1200" dirty="0" err="1" smtClean="0">
+              <a:solidFill>
+                <a:schemeClr val="tx1"/>
+              </a:solidFill>
+            </a:rPr>
+            <a:t>địa</a:t>
+          </a:r>
+          <a:r>
+            <a:rPr lang="en-US" sz="2400" b="1" kern="1200" dirty="0" smtClean="0">
+              <a:solidFill>
+                <a:schemeClr val="tx1"/>
+              </a:solidFill>
+            </a:rPr>
+            <a:t> </a:t>
+          </a:r>
+          <a:r>
+            <a:rPr lang="en-US" sz="2400" b="1" kern="1200" dirty="0" err="1" smtClean="0">
+              <a:solidFill>
+                <a:schemeClr val="tx1"/>
+              </a:solidFill>
+            </a:rPr>
+            <a:t>chỉ</a:t>
+          </a:r>
+          <a:r>
+            <a:rPr lang="en-US" sz="2400" b="1" kern="1200" dirty="0" smtClean="0">
+              <a:solidFill>
+                <a:schemeClr val="tx1"/>
+              </a:solidFill>
+            </a:rPr>
+            <a:t> </a:t>
+          </a:r>
+          <a:r>
+            <a:rPr lang="en-US" sz="2400" b="1" kern="1200" dirty="0" err="1" smtClean="0">
+              <a:solidFill>
+                <a:schemeClr val="tx1"/>
+              </a:solidFill>
+            </a:rPr>
+            <a:t>hàm</a:t>
+          </a:r>
+          <a:r>
+            <a:rPr lang="en-US" sz="2400" b="1" kern="1200" dirty="0" smtClean="0">
+              <a:solidFill>
+                <a:schemeClr val="tx1"/>
+              </a:solidFill>
+            </a:rPr>
+            <a:t> API</a:t>
+          </a:r>
+          <a:endParaRPr lang="en-US" sz="2400" b="1" kern="1200" dirty="0">
+            <a:solidFill>
+              <a:schemeClr val="tx1"/>
+            </a:solidFill>
+          </a:endParaRPr>
+        </a:p>
+      </dsp:txBody>
+      <dsp:txXfrm>
+        <a:off x="52410" y="1861278"/>
+        <a:ext cx="1517479" cy="1544239"/>
+      </dsp:txXfrm>
+    </dsp:sp>
+    <dsp:sp modelId="{9AC38A35-65A6-4E2A-9375-9F879DAFB24A}">
+      <dsp:nvSpPr>
+        <dsp:cNvPr id="0" name=""/>
+        <dsp:cNvSpPr/>
+      </dsp:nvSpPr>
+      <dsp:spPr>
+        <a:xfrm>
+          <a:off x="1778291" y="2433522"/>
+          <a:ext cx="341723" cy="399751"/>
+        </a:xfrm>
+        <a:prstGeom prst="rightArrow">
+          <a:avLst>
+            <a:gd name="adj1" fmla="val 60000"/>
+            <a:gd name="adj2" fmla="val 50000"/>
+          </a:avLst>
+        </a:prstGeom>
+        <a:gradFill rotWithShape="0">
+          <a:gsLst>
+            <a:gs pos="0">
+              <a:schemeClr val="accent1">
+                <a:lumMod val="40000"/>
+                <a:lumOff val="60000"/>
+              </a:schemeClr>
+            </a:gs>
+            <a:gs pos="90000">
+              <a:srgbClr val="AECDEA"/>
+            </a:gs>
+            <a:gs pos="100000">
+              <a:schemeClr val="accent1">
+                <a:lumMod val="30000"/>
+                <a:lumOff val="70000"/>
+              </a:schemeClr>
+            </a:gs>
+          </a:gsLst>
+          <a:lin ang="5400000" scaled="1"/>
+        </a:gradFill>
+        <a:ln>
+          <a:noFill/>
+        </a:ln>
+        <a:effectLst/>
+        <a:scene3d>
+          <a:camera prst="orthographicFront"/>
+          <a:lightRig rig="threePt" dir="t"/>
+        </a:scene3d>
+        <a:sp3d>
+          <a:bevelT w="215900"/>
+        </a:sp3d>
+      </dsp:spPr>
+      <dsp:style>
+        <a:lnRef idx="0">
+          <a:scrgbClr r="0" g="0" b="0"/>
+        </a:lnRef>
+        <a:fillRef idx="1">
+          <a:scrgbClr r="0" g="0" b="0"/>
+        </a:fillRef>
+        <a:effectRef idx="0">
+          <a:scrgbClr r="0" g="0" b="0"/>
+        </a:effectRef>
+        <a:fontRef idx="minor">
+          <a:schemeClr val="lt1"/>
+        </a:fontRef>
+      </dsp:style>
+      <dsp:txBody>
+        <a:bodyPr spcFirstLastPara="0" vert="horz" wrap="square" lIns="0" tIns="0" rIns="0" bIns="0" numCol="1" spcCol="1270" anchor="ctr" anchorCtr="0">
+          <a:noAutofit/>
+        </a:bodyPr>
+        <a:lstStyle/>
+        <a:p>
+          <a:pPr lvl="0" algn="ctr" defTabSz="800100">
+            <a:lnSpc>
+              <a:spcPct val="90000"/>
+            </a:lnSpc>
+            <a:spcBef>
+              <a:spcPct val="0"/>
+            </a:spcBef>
+            <a:spcAft>
+              <a:spcPct val="35000"/>
+            </a:spcAft>
+          </a:pPr>
+          <a:endParaRPr lang="en-US" sz="1800" b="1" kern="1200">
+            <a:solidFill>
+              <a:schemeClr val="tx1"/>
+            </a:solidFill>
+          </a:endParaRPr>
+        </a:p>
+      </dsp:txBody>
+      <dsp:txXfrm>
+        <a:off x="1778291" y="2513472"/>
+        <a:ext cx="239206" cy="239851"/>
+      </dsp:txXfrm>
+    </dsp:sp>
+    <dsp:sp modelId="{8EA1333A-B43F-427C-AF00-567BD2B37103}">
+      <dsp:nvSpPr>
+        <dsp:cNvPr id="0" name=""/>
+        <dsp:cNvSpPr/>
+      </dsp:nvSpPr>
+      <dsp:spPr>
+        <a:xfrm>
+          <a:off x="2261861" y="1814067"/>
+          <a:ext cx="1611901" cy="1638661"/>
+        </a:xfrm>
+        <a:prstGeom prst="roundRect">
+          <a:avLst>
+            <a:gd name="adj" fmla="val 10000"/>
+          </a:avLst>
+        </a:prstGeom>
+        <a:gradFill rotWithShape="0">
+          <a:gsLst>
+            <a:gs pos="0">
+              <a:schemeClr val="accent1">
+                <a:lumMod val="40000"/>
+                <a:lumOff val="60000"/>
+              </a:schemeClr>
+            </a:gs>
+            <a:gs pos="90000">
+              <a:srgbClr val="AECDEA"/>
+            </a:gs>
+            <a:gs pos="100000">
+              <a:schemeClr val="accent1">
+                <a:lumMod val="30000"/>
+                <a:lumOff val="70000"/>
+              </a:schemeClr>
+            </a:gs>
+          </a:gsLst>
+          <a:lin ang="5400000" scaled="1"/>
+        </a:gradFill>
+        <a:ln w="12700" cap="flat" cmpd="sng" algn="ctr">
+          <a:solidFill>
+            <a:schemeClr val="lt1">
+              <a:hueOff val="0"/>
+              <a:satOff val="0"/>
+              <a:lumOff val="0"/>
+              <a:alphaOff val="0"/>
+            </a:schemeClr>
+          </a:solidFill>
+          <a:prstDash val="solid"/>
+          <a:miter lim="800000"/>
+        </a:ln>
+        <a:effectLst/>
+        <a:scene3d>
+          <a:camera prst="orthographicFront"/>
+          <a:lightRig rig="threePt" dir="t"/>
+        </a:scene3d>
+        <a:sp3d>
+          <a:bevelT w="215900"/>
+        </a:sp3d>
+      </dsp:spPr>
+      <dsp:style>
+        <a:lnRef idx="2">
+          <a:scrgbClr r="0" g="0" b="0"/>
+        </a:lnRef>
+        <a:fillRef idx="1">
+          <a:scrgbClr r="0" g="0" b="0"/>
+        </a:fillRef>
+        <a:effectRef idx="0">
+          <a:scrgbClr r="0" g="0" b="0"/>
+        </a:effectRef>
+        <a:fontRef idx="minor">
+          <a:schemeClr val="lt1"/>
+        </a:fontRef>
+      </dsp:style>
+      <dsp:txBody>
+        <a:bodyPr spcFirstLastPara="0" vert="horz" wrap="square" lIns="91440" tIns="91440" rIns="91440" bIns="91440" numCol="1" spcCol="1270" anchor="ctr" anchorCtr="0">
+          <a:noAutofit/>
+        </a:bodyPr>
+        <a:lstStyle/>
+        <a:p>
+          <a:pPr lvl="0" algn="ctr" defTabSz="1066800">
+            <a:lnSpc>
+              <a:spcPct val="90000"/>
+            </a:lnSpc>
+            <a:spcBef>
+              <a:spcPct val="0"/>
+            </a:spcBef>
+            <a:spcAft>
+              <a:spcPct val="35000"/>
+            </a:spcAft>
+          </a:pPr>
+          <a:r>
+            <a:rPr lang="en-US" sz="2400" b="1" kern="1200" dirty="0" err="1" smtClean="0">
+              <a:solidFill>
+                <a:schemeClr val="tx1"/>
+              </a:solidFill>
+            </a:rPr>
+            <a:t>Lưu</a:t>
+          </a:r>
+          <a:r>
+            <a:rPr lang="en-US" sz="2400" b="1" kern="1200" dirty="0" smtClean="0">
+              <a:solidFill>
+                <a:schemeClr val="tx1"/>
+              </a:solidFill>
+            </a:rPr>
+            <a:t> </a:t>
+          </a:r>
+          <a:r>
+            <a:rPr lang="en-US" sz="2400" b="1" kern="1200" dirty="0" err="1" smtClean="0">
+              <a:solidFill>
+                <a:schemeClr val="tx1"/>
+              </a:solidFill>
+            </a:rPr>
+            <a:t>địa</a:t>
+          </a:r>
+          <a:r>
+            <a:rPr lang="en-US" sz="2400" b="1" kern="1200" dirty="0" smtClean="0">
+              <a:solidFill>
+                <a:schemeClr val="tx1"/>
+              </a:solidFill>
+            </a:rPr>
+            <a:t> </a:t>
+          </a:r>
+          <a:r>
+            <a:rPr lang="en-US" sz="2400" b="1" kern="1200" dirty="0" err="1" smtClean="0">
+              <a:solidFill>
+                <a:schemeClr val="tx1"/>
+              </a:solidFill>
+            </a:rPr>
+            <a:t>chỉ</a:t>
+          </a:r>
+          <a:r>
+            <a:rPr lang="en-US" sz="2400" b="1" kern="1200" dirty="0" smtClean="0">
+              <a:solidFill>
+                <a:schemeClr val="tx1"/>
+              </a:solidFill>
+            </a:rPr>
+            <a:t> </a:t>
+          </a:r>
+          <a:r>
+            <a:rPr lang="en-US" sz="2400" b="1" kern="1200" dirty="0" err="1" smtClean="0">
+              <a:solidFill>
+                <a:schemeClr val="tx1"/>
+              </a:solidFill>
+            </a:rPr>
+            <a:t>hàm</a:t>
+          </a:r>
+          <a:r>
+            <a:rPr lang="en-US" sz="2400" b="1" kern="1200" dirty="0" smtClean="0">
+              <a:solidFill>
+                <a:schemeClr val="tx1"/>
+              </a:solidFill>
+            </a:rPr>
+            <a:t> </a:t>
+          </a:r>
+          <a:r>
+            <a:rPr lang="en-US" sz="2400" b="1" kern="1200" dirty="0" err="1" smtClean="0">
+              <a:solidFill>
+                <a:schemeClr val="tx1"/>
+              </a:solidFill>
+            </a:rPr>
+            <a:t>gốc</a:t>
+          </a:r>
+          <a:endParaRPr lang="en-US" sz="2400" b="1" kern="1200" dirty="0">
+            <a:solidFill>
+              <a:schemeClr val="tx1"/>
+            </a:solidFill>
+          </a:endParaRPr>
+        </a:p>
+      </dsp:txBody>
+      <dsp:txXfrm>
+        <a:off x="2309072" y="1861278"/>
+        <a:ext cx="1517479" cy="1544239"/>
+      </dsp:txXfrm>
+    </dsp:sp>
+    <dsp:sp modelId="{CF86D8C3-DE2A-4AC0-BB68-72F0F5BB6795}">
+      <dsp:nvSpPr>
+        <dsp:cNvPr id="0" name=""/>
+        <dsp:cNvSpPr/>
+      </dsp:nvSpPr>
+      <dsp:spPr>
+        <a:xfrm>
+          <a:off x="4034953" y="2433522"/>
+          <a:ext cx="341723" cy="399751"/>
+        </a:xfrm>
+        <a:prstGeom prst="rightArrow">
+          <a:avLst>
+            <a:gd name="adj1" fmla="val 60000"/>
+            <a:gd name="adj2" fmla="val 50000"/>
+          </a:avLst>
+        </a:prstGeom>
+        <a:gradFill rotWithShape="0">
+          <a:gsLst>
+            <a:gs pos="0">
+              <a:schemeClr val="accent1">
+                <a:lumMod val="40000"/>
+                <a:lumOff val="60000"/>
+              </a:schemeClr>
+            </a:gs>
+            <a:gs pos="90000">
+              <a:srgbClr val="AECDEA"/>
+            </a:gs>
+            <a:gs pos="100000">
+              <a:schemeClr val="accent1">
+                <a:lumMod val="30000"/>
+                <a:lumOff val="70000"/>
+              </a:schemeClr>
+            </a:gs>
+          </a:gsLst>
+          <a:lin ang="5400000" scaled="1"/>
+        </a:gradFill>
+        <a:ln>
+          <a:noFill/>
+        </a:ln>
+        <a:effectLst/>
+        <a:scene3d>
+          <a:camera prst="orthographicFront"/>
+          <a:lightRig rig="threePt" dir="t"/>
+        </a:scene3d>
+        <a:sp3d>
+          <a:bevelT w="215900"/>
+        </a:sp3d>
+      </dsp:spPr>
+      <dsp:style>
+        <a:lnRef idx="0">
+          <a:scrgbClr r="0" g="0" b="0"/>
+        </a:lnRef>
+        <a:fillRef idx="1">
+          <a:scrgbClr r="0" g="0" b="0"/>
+        </a:fillRef>
+        <a:effectRef idx="0">
+          <a:scrgbClr r="0" g="0" b="0"/>
+        </a:effectRef>
+        <a:fontRef idx="minor">
+          <a:schemeClr val="lt1"/>
+        </a:fontRef>
+      </dsp:style>
+      <dsp:txBody>
+        <a:bodyPr spcFirstLastPara="0" vert="horz" wrap="square" lIns="0" tIns="0" rIns="0" bIns="0" numCol="1" spcCol="1270" anchor="ctr" anchorCtr="0">
+          <a:noAutofit/>
+        </a:bodyPr>
+        <a:lstStyle/>
+        <a:p>
+          <a:pPr lvl="0" algn="ctr" defTabSz="800100">
+            <a:lnSpc>
+              <a:spcPct val="90000"/>
+            </a:lnSpc>
+            <a:spcBef>
+              <a:spcPct val="0"/>
+            </a:spcBef>
+            <a:spcAft>
+              <a:spcPct val="35000"/>
+            </a:spcAft>
+          </a:pPr>
+          <a:endParaRPr lang="en-US" sz="1800" b="1" kern="1200">
+            <a:solidFill>
+              <a:schemeClr val="tx1"/>
+            </a:solidFill>
+          </a:endParaRPr>
+        </a:p>
+      </dsp:txBody>
+      <dsp:txXfrm>
+        <a:off x="4034953" y="2513472"/>
+        <a:ext cx="239206" cy="239851"/>
+      </dsp:txXfrm>
+    </dsp:sp>
+    <dsp:sp modelId="{2C093DB3-B470-4FA2-B73E-145BA75A5F6E}">
+      <dsp:nvSpPr>
+        <dsp:cNvPr id="0" name=""/>
+        <dsp:cNvSpPr/>
+      </dsp:nvSpPr>
+      <dsp:spPr>
+        <a:xfrm>
+          <a:off x="4518524" y="1814067"/>
+          <a:ext cx="1611901" cy="1638661"/>
+        </a:xfrm>
+        <a:prstGeom prst="roundRect">
+          <a:avLst>
+            <a:gd name="adj" fmla="val 10000"/>
+          </a:avLst>
+        </a:prstGeom>
+        <a:gradFill rotWithShape="0">
+          <a:gsLst>
+            <a:gs pos="0">
+              <a:schemeClr val="accent1">
+                <a:lumMod val="40000"/>
+                <a:lumOff val="60000"/>
+              </a:schemeClr>
+            </a:gs>
+            <a:gs pos="90000">
+              <a:srgbClr val="AECDEA"/>
+            </a:gs>
+            <a:gs pos="100000">
+              <a:schemeClr val="accent1">
+                <a:lumMod val="30000"/>
+                <a:lumOff val="70000"/>
+              </a:schemeClr>
+            </a:gs>
+          </a:gsLst>
+          <a:lin ang="5400000" scaled="1"/>
+        </a:gradFill>
+        <a:ln w="12700" cap="flat" cmpd="sng" algn="ctr">
+          <a:solidFill>
+            <a:schemeClr val="lt1">
+              <a:hueOff val="0"/>
+              <a:satOff val="0"/>
+              <a:lumOff val="0"/>
+              <a:alphaOff val="0"/>
+            </a:schemeClr>
+          </a:solidFill>
+          <a:prstDash val="solid"/>
+          <a:miter lim="800000"/>
+        </a:ln>
+        <a:effectLst/>
+        <a:scene3d>
+          <a:camera prst="orthographicFront"/>
+          <a:lightRig rig="threePt" dir="t"/>
+        </a:scene3d>
+        <a:sp3d>
+          <a:bevelT w="215900"/>
+        </a:sp3d>
+      </dsp:spPr>
+      <dsp:style>
+        <a:lnRef idx="2">
+          <a:scrgbClr r="0" g="0" b="0"/>
+        </a:lnRef>
+        <a:fillRef idx="1">
+          <a:scrgbClr r="0" g="0" b="0"/>
+        </a:fillRef>
+        <a:effectRef idx="0">
+          <a:scrgbClr r="0" g="0" b="0"/>
+        </a:effectRef>
+        <a:fontRef idx="minor">
+          <a:schemeClr val="lt1"/>
+        </a:fontRef>
+      </dsp:style>
+      <dsp:txBody>
+        <a:bodyPr spcFirstLastPara="0" vert="horz" wrap="square" lIns="91440" tIns="91440" rIns="91440" bIns="91440" numCol="1" spcCol="1270" anchor="ctr" anchorCtr="0">
+          <a:noAutofit/>
+        </a:bodyPr>
+        <a:lstStyle/>
+        <a:p>
+          <a:pPr lvl="0" algn="ctr" defTabSz="1066800">
+            <a:lnSpc>
+              <a:spcPct val="90000"/>
+            </a:lnSpc>
+            <a:spcBef>
+              <a:spcPct val="0"/>
+            </a:spcBef>
+            <a:spcAft>
+              <a:spcPct val="35000"/>
+            </a:spcAft>
+          </a:pPr>
+          <a:r>
+            <a:rPr lang="en-US" sz="2400" b="1" kern="1200" dirty="0" err="1" smtClean="0">
+              <a:solidFill>
+                <a:schemeClr val="tx1"/>
+              </a:solidFill>
+            </a:rPr>
+            <a:t>Ghi</a:t>
+          </a:r>
+          <a:r>
+            <a:rPr lang="en-US" sz="2400" b="1" kern="1200" dirty="0" smtClean="0">
+              <a:solidFill>
+                <a:schemeClr val="tx1"/>
+              </a:solidFill>
+            </a:rPr>
+            <a:t> </a:t>
+          </a:r>
+          <a:r>
+            <a:rPr lang="en-US" sz="2400" b="1" kern="1200" dirty="0" err="1" smtClean="0">
+              <a:solidFill>
+                <a:schemeClr val="tx1"/>
+              </a:solidFill>
+            </a:rPr>
+            <a:t>đè</a:t>
+          </a:r>
+          <a:r>
+            <a:rPr lang="en-US" sz="2400" b="1" kern="1200" dirty="0" smtClean="0">
+              <a:solidFill>
+                <a:schemeClr val="tx1"/>
+              </a:solidFill>
+            </a:rPr>
+            <a:t> </a:t>
+          </a:r>
+          <a:r>
+            <a:rPr lang="en-US" sz="2400" b="1" kern="1200" dirty="0" err="1" smtClean="0">
+              <a:solidFill>
+                <a:schemeClr val="tx1"/>
+              </a:solidFill>
+            </a:rPr>
+            <a:t>lệnh</a:t>
+          </a:r>
+          <a:r>
+            <a:rPr lang="en-US" sz="2400" b="1" kern="1200" dirty="0" smtClean="0">
+              <a:solidFill>
+                <a:schemeClr val="tx1"/>
+              </a:solidFill>
+            </a:rPr>
+            <a:t> </a:t>
+          </a:r>
+          <a:r>
+            <a:rPr lang="en-US" sz="2400" b="1" kern="1200" dirty="0" err="1" smtClean="0">
+              <a:solidFill>
+                <a:schemeClr val="tx1"/>
+              </a:solidFill>
+            </a:rPr>
+            <a:t>jmp</a:t>
+          </a:r>
+          <a:r>
+            <a:rPr lang="en-US" sz="2400" b="1" kern="1200" dirty="0" smtClean="0">
+              <a:solidFill>
+                <a:schemeClr val="tx1"/>
+              </a:solidFill>
+            </a:rPr>
+            <a:t> </a:t>
+          </a:r>
+          <a:r>
+            <a:rPr lang="en-US" sz="2400" b="1" kern="1200" dirty="0" err="1" smtClean="0">
+              <a:solidFill>
+                <a:schemeClr val="tx1"/>
+              </a:solidFill>
+            </a:rPr>
+            <a:t>tới</a:t>
+          </a:r>
+          <a:r>
+            <a:rPr lang="en-US" sz="2400" b="1" kern="1200" dirty="0" smtClean="0">
+              <a:solidFill>
+                <a:schemeClr val="tx1"/>
+              </a:solidFill>
+            </a:rPr>
+            <a:t> </a:t>
+          </a:r>
+          <a:r>
+            <a:rPr lang="en-US" sz="2400" b="1" kern="1200" dirty="0" err="1" smtClean="0">
+              <a:solidFill>
+                <a:schemeClr val="tx1"/>
+              </a:solidFill>
+            </a:rPr>
+            <a:t>địa</a:t>
+          </a:r>
+          <a:r>
+            <a:rPr lang="en-US" sz="2400" b="1" kern="1200" dirty="0" smtClean="0">
+              <a:solidFill>
+                <a:schemeClr val="tx1"/>
+              </a:solidFill>
+            </a:rPr>
+            <a:t> </a:t>
+          </a:r>
+          <a:r>
+            <a:rPr lang="en-US" sz="2400" b="1" kern="1200" dirty="0" err="1" smtClean="0">
+              <a:solidFill>
+                <a:schemeClr val="tx1"/>
+              </a:solidFill>
+            </a:rPr>
+            <a:t>chỉ</a:t>
+          </a:r>
+          <a:r>
+            <a:rPr lang="en-US" sz="2400" b="1" kern="1200" dirty="0" smtClean="0">
+              <a:solidFill>
+                <a:schemeClr val="tx1"/>
+              </a:solidFill>
+            </a:rPr>
+            <a:t> </a:t>
+          </a:r>
+          <a:r>
+            <a:rPr lang="en-US" sz="2400" b="1" kern="1200" dirty="0" err="1" smtClean="0">
+              <a:solidFill>
+                <a:schemeClr val="tx1"/>
+              </a:solidFill>
+            </a:rPr>
+            <a:t>hàm</a:t>
+          </a:r>
+          <a:r>
+            <a:rPr lang="en-US" sz="2400" b="1" kern="1200" dirty="0" smtClean="0">
+              <a:solidFill>
+                <a:schemeClr val="tx1"/>
+              </a:solidFill>
+            </a:rPr>
+            <a:t> hook</a:t>
+          </a:r>
+          <a:endParaRPr lang="en-US" sz="2400" b="1" kern="1200" dirty="0">
+            <a:solidFill>
+              <a:schemeClr val="tx1"/>
+            </a:solidFill>
+          </a:endParaRPr>
+        </a:p>
+      </dsp:txBody>
+      <dsp:txXfrm>
+        <a:off x="4565735" y="1861278"/>
+        <a:ext cx="1517479" cy="1544239"/>
+      </dsp:txXfrm>
+    </dsp:sp>
+    <dsp:sp modelId="{37C3A99B-8F9B-48C4-AFDA-9D3D1C168B65}">
+      <dsp:nvSpPr>
+        <dsp:cNvPr id="0" name=""/>
+        <dsp:cNvSpPr/>
+      </dsp:nvSpPr>
+      <dsp:spPr>
+        <a:xfrm>
+          <a:off x="6291615" y="2433522"/>
+          <a:ext cx="341723" cy="399751"/>
+        </a:xfrm>
+        <a:prstGeom prst="rightArrow">
+          <a:avLst>
+            <a:gd name="adj1" fmla="val 60000"/>
+            <a:gd name="adj2" fmla="val 50000"/>
+          </a:avLst>
+        </a:prstGeom>
+        <a:gradFill rotWithShape="0">
+          <a:gsLst>
+            <a:gs pos="0">
+              <a:schemeClr val="accent1">
+                <a:lumMod val="40000"/>
+                <a:lumOff val="60000"/>
+              </a:schemeClr>
+            </a:gs>
+            <a:gs pos="90000">
+              <a:srgbClr val="AECDEA"/>
+            </a:gs>
+            <a:gs pos="100000">
+              <a:schemeClr val="accent1">
+                <a:lumMod val="30000"/>
+                <a:lumOff val="70000"/>
+              </a:schemeClr>
+            </a:gs>
+          </a:gsLst>
+          <a:lin ang="5400000" scaled="1"/>
+        </a:gradFill>
+        <a:ln>
+          <a:noFill/>
+        </a:ln>
+        <a:effectLst/>
+        <a:scene3d>
+          <a:camera prst="orthographicFront"/>
+          <a:lightRig rig="threePt" dir="t"/>
+        </a:scene3d>
+        <a:sp3d>
+          <a:bevelT w="215900"/>
+        </a:sp3d>
+      </dsp:spPr>
+      <dsp:style>
+        <a:lnRef idx="0">
+          <a:scrgbClr r="0" g="0" b="0"/>
+        </a:lnRef>
+        <a:fillRef idx="1">
+          <a:scrgbClr r="0" g="0" b="0"/>
+        </a:fillRef>
+        <a:effectRef idx="0">
+          <a:scrgbClr r="0" g="0" b="0"/>
+        </a:effectRef>
+        <a:fontRef idx="minor">
+          <a:schemeClr val="lt1"/>
+        </a:fontRef>
+      </dsp:style>
+      <dsp:txBody>
+        <a:bodyPr spcFirstLastPara="0" vert="horz" wrap="square" lIns="0" tIns="0" rIns="0" bIns="0" numCol="1" spcCol="1270" anchor="ctr" anchorCtr="0">
+          <a:noAutofit/>
+        </a:bodyPr>
+        <a:lstStyle/>
+        <a:p>
+          <a:pPr lvl="0" algn="ctr" defTabSz="800100">
+            <a:lnSpc>
+              <a:spcPct val="90000"/>
+            </a:lnSpc>
+            <a:spcBef>
+              <a:spcPct val="0"/>
+            </a:spcBef>
+            <a:spcAft>
+              <a:spcPct val="35000"/>
+            </a:spcAft>
+          </a:pPr>
+          <a:endParaRPr lang="en-US" sz="1800" b="1" kern="1200">
+            <a:solidFill>
+              <a:schemeClr val="tx1"/>
+            </a:solidFill>
+          </a:endParaRPr>
+        </a:p>
+      </dsp:txBody>
+      <dsp:txXfrm>
+        <a:off x="6291615" y="2513472"/>
+        <a:ext cx="239206" cy="239851"/>
+      </dsp:txXfrm>
+    </dsp:sp>
+    <dsp:sp modelId="{26D696E8-E077-46F2-A90D-1E0DBE06EBA9}">
+      <dsp:nvSpPr>
+        <dsp:cNvPr id="0" name=""/>
+        <dsp:cNvSpPr/>
+      </dsp:nvSpPr>
+      <dsp:spPr>
+        <a:xfrm>
+          <a:off x="6775186" y="1814067"/>
+          <a:ext cx="1611901" cy="1638661"/>
+        </a:xfrm>
+        <a:prstGeom prst="roundRect">
+          <a:avLst>
+            <a:gd name="adj" fmla="val 10000"/>
+          </a:avLst>
+        </a:prstGeom>
+        <a:gradFill rotWithShape="0">
+          <a:gsLst>
+            <a:gs pos="0">
+              <a:schemeClr val="accent1">
+                <a:lumMod val="40000"/>
+                <a:lumOff val="60000"/>
+              </a:schemeClr>
+            </a:gs>
+            <a:gs pos="90000">
+              <a:srgbClr val="AECDEA"/>
+            </a:gs>
+            <a:gs pos="100000">
+              <a:schemeClr val="accent1">
+                <a:lumMod val="30000"/>
+                <a:lumOff val="70000"/>
+              </a:schemeClr>
+            </a:gs>
+          </a:gsLst>
+          <a:lin ang="5400000" scaled="1"/>
+        </a:gradFill>
+        <a:ln w="12700" cap="flat" cmpd="sng" algn="ctr">
+          <a:solidFill>
+            <a:schemeClr val="lt1">
+              <a:hueOff val="0"/>
+              <a:satOff val="0"/>
+              <a:lumOff val="0"/>
+              <a:alphaOff val="0"/>
+            </a:schemeClr>
+          </a:solidFill>
+          <a:prstDash val="solid"/>
+          <a:miter lim="800000"/>
+        </a:ln>
+        <a:effectLst/>
+        <a:scene3d>
+          <a:camera prst="orthographicFront"/>
+          <a:lightRig rig="threePt" dir="t"/>
+        </a:scene3d>
+        <a:sp3d>
+          <a:bevelT w="215900"/>
+        </a:sp3d>
+      </dsp:spPr>
+      <dsp:style>
+        <a:lnRef idx="2">
+          <a:scrgbClr r="0" g="0" b="0"/>
+        </a:lnRef>
+        <a:fillRef idx="1">
+          <a:scrgbClr r="0" g="0" b="0"/>
+        </a:fillRef>
+        <a:effectRef idx="0">
+          <a:scrgbClr r="0" g="0" b="0"/>
+        </a:effectRef>
+        <a:fontRef idx="minor">
+          <a:schemeClr val="lt1"/>
+        </a:fontRef>
+      </dsp:style>
+      <dsp:txBody>
+        <a:bodyPr spcFirstLastPara="0" vert="horz" wrap="square" lIns="91440" tIns="91440" rIns="91440" bIns="91440" numCol="1" spcCol="1270" anchor="ctr" anchorCtr="0">
+          <a:noAutofit/>
+        </a:bodyPr>
+        <a:lstStyle/>
+        <a:p>
+          <a:pPr lvl="0" algn="ctr" defTabSz="1066800">
+            <a:lnSpc>
+              <a:spcPct val="90000"/>
+            </a:lnSpc>
+            <a:spcBef>
+              <a:spcPct val="0"/>
+            </a:spcBef>
+            <a:spcAft>
+              <a:spcPct val="35000"/>
+            </a:spcAft>
+          </a:pPr>
+          <a:r>
+            <a:rPr lang="en-US" sz="2400" b="1" kern="1200" dirty="0" err="1" smtClean="0">
+              <a:solidFill>
+                <a:schemeClr val="tx1"/>
+              </a:solidFill>
+            </a:rPr>
+            <a:t>Xử</a:t>
+          </a:r>
+          <a:r>
+            <a:rPr lang="en-US" sz="2400" b="1" kern="1200" dirty="0" smtClean="0">
+              <a:solidFill>
+                <a:schemeClr val="tx1"/>
+              </a:solidFill>
+            </a:rPr>
+            <a:t> </a:t>
+          </a:r>
+          <a:r>
+            <a:rPr lang="en-US" sz="2400" b="1" kern="1200" dirty="0" err="1" smtClean="0">
+              <a:solidFill>
+                <a:schemeClr val="tx1"/>
+              </a:solidFill>
+            </a:rPr>
+            <a:t>lý</a:t>
+          </a:r>
+          <a:r>
+            <a:rPr lang="en-US" sz="2400" b="1" kern="1200" dirty="0" smtClean="0">
+              <a:solidFill>
+                <a:schemeClr val="tx1"/>
+              </a:solidFill>
+            </a:rPr>
+            <a:t> </a:t>
+          </a:r>
+          <a:r>
+            <a:rPr lang="en-US" sz="2400" b="1" kern="1200" dirty="0" err="1" smtClean="0">
+              <a:solidFill>
+                <a:schemeClr val="tx1"/>
+              </a:solidFill>
+            </a:rPr>
+            <a:t>trong</a:t>
+          </a:r>
+          <a:r>
+            <a:rPr lang="en-US" sz="2400" b="1" kern="1200" dirty="0" smtClean="0">
+              <a:solidFill>
+                <a:schemeClr val="tx1"/>
+              </a:solidFill>
+            </a:rPr>
+            <a:t> </a:t>
+          </a:r>
+          <a:r>
+            <a:rPr lang="en-US" sz="2400" b="1" kern="1200" dirty="0" err="1" smtClean="0">
+              <a:solidFill>
+                <a:schemeClr val="tx1"/>
+              </a:solidFill>
+            </a:rPr>
+            <a:t>hàm</a:t>
+          </a:r>
+          <a:r>
+            <a:rPr lang="en-US" sz="2400" b="1" kern="1200" dirty="0" smtClean="0">
+              <a:solidFill>
+                <a:schemeClr val="tx1"/>
+              </a:solidFill>
+            </a:rPr>
+            <a:t> hook</a:t>
+          </a:r>
+          <a:endParaRPr lang="en-US" sz="2400" b="1" kern="1200" dirty="0">
+            <a:solidFill>
+              <a:schemeClr val="tx1"/>
+            </a:solidFill>
+          </a:endParaRPr>
+        </a:p>
+      </dsp:txBody>
+      <dsp:txXfrm>
+        <a:off x="6822397" y="1861278"/>
+        <a:ext cx="1517479" cy="1544239"/>
+      </dsp:txXfrm>
+    </dsp:sp>
+    <dsp:sp modelId="{EAF73945-FD18-4215-8541-C94A34E55B2E}">
+      <dsp:nvSpPr>
+        <dsp:cNvPr id="0" name=""/>
+        <dsp:cNvSpPr/>
+      </dsp:nvSpPr>
+      <dsp:spPr>
+        <a:xfrm>
+          <a:off x="8548278" y="2433522"/>
+          <a:ext cx="341723" cy="399751"/>
+        </a:xfrm>
+        <a:prstGeom prst="rightArrow">
+          <a:avLst>
+            <a:gd name="adj1" fmla="val 60000"/>
+            <a:gd name="adj2" fmla="val 50000"/>
+          </a:avLst>
+        </a:prstGeom>
+        <a:gradFill rotWithShape="0">
+          <a:gsLst>
+            <a:gs pos="0">
+              <a:schemeClr val="accent1">
+                <a:lumMod val="40000"/>
+                <a:lumOff val="60000"/>
+              </a:schemeClr>
+            </a:gs>
+            <a:gs pos="90000">
+              <a:srgbClr val="AECDEA"/>
+            </a:gs>
+            <a:gs pos="100000">
+              <a:schemeClr val="accent1">
+                <a:lumMod val="30000"/>
+                <a:lumOff val="70000"/>
+              </a:schemeClr>
+            </a:gs>
+          </a:gsLst>
+          <a:lin ang="5400000" scaled="1"/>
+        </a:gradFill>
+        <a:ln>
+          <a:noFill/>
+        </a:ln>
+        <a:effectLst/>
+        <a:scene3d>
+          <a:camera prst="orthographicFront"/>
+          <a:lightRig rig="threePt" dir="t"/>
+        </a:scene3d>
+        <a:sp3d>
+          <a:bevelT w="215900"/>
+        </a:sp3d>
+      </dsp:spPr>
+      <dsp:style>
+        <a:lnRef idx="0">
+          <a:scrgbClr r="0" g="0" b="0"/>
+        </a:lnRef>
+        <a:fillRef idx="1">
+          <a:scrgbClr r="0" g="0" b="0"/>
+        </a:fillRef>
+        <a:effectRef idx="0">
+          <a:scrgbClr r="0" g="0" b="0"/>
+        </a:effectRef>
+        <a:fontRef idx="minor">
+          <a:schemeClr val="lt1"/>
+        </a:fontRef>
+      </dsp:style>
+      <dsp:txBody>
+        <a:bodyPr spcFirstLastPara="0" vert="horz" wrap="square" lIns="0" tIns="0" rIns="0" bIns="0" numCol="1" spcCol="1270" anchor="ctr" anchorCtr="0">
+          <a:noAutofit/>
+        </a:bodyPr>
+        <a:lstStyle/>
+        <a:p>
+          <a:pPr lvl="0" algn="ctr" defTabSz="800100">
+            <a:lnSpc>
+              <a:spcPct val="90000"/>
+            </a:lnSpc>
+            <a:spcBef>
+              <a:spcPct val="0"/>
+            </a:spcBef>
+            <a:spcAft>
+              <a:spcPct val="35000"/>
+            </a:spcAft>
+          </a:pPr>
+          <a:endParaRPr lang="en-US" sz="1800" b="1" kern="1200">
+            <a:solidFill>
+              <a:schemeClr val="tx1"/>
+            </a:solidFill>
+          </a:endParaRPr>
+        </a:p>
+      </dsp:txBody>
+      <dsp:txXfrm>
+        <a:off x="8548278" y="2513472"/>
+        <a:ext cx="239206" cy="239851"/>
+      </dsp:txXfrm>
+    </dsp:sp>
+    <dsp:sp modelId="{FECABAF2-6BCB-4899-B8A9-8A686C7F7DB4}">
+      <dsp:nvSpPr>
+        <dsp:cNvPr id="0" name=""/>
+        <dsp:cNvSpPr/>
+      </dsp:nvSpPr>
+      <dsp:spPr>
+        <a:xfrm>
+          <a:off x="9031848" y="1814067"/>
+          <a:ext cx="1611901" cy="1638661"/>
+        </a:xfrm>
+        <a:prstGeom prst="roundRect">
+          <a:avLst>
+            <a:gd name="adj" fmla="val 10000"/>
+          </a:avLst>
+        </a:prstGeom>
+        <a:gradFill rotWithShape="0">
+          <a:gsLst>
+            <a:gs pos="0">
+              <a:schemeClr val="accent1">
+                <a:lumMod val="40000"/>
+                <a:lumOff val="60000"/>
+              </a:schemeClr>
+            </a:gs>
+            <a:gs pos="90000">
+              <a:srgbClr val="AECDEA"/>
+            </a:gs>
+            <a:gs pos="100000">
+              <a:schemeClr val="accent1">
+                <a:lumMod val="30000"/>
+                <a:lumOff val="70000"/>
+              </a:schemeClr>
+            </a:gs>
+          </a:gsLst>
+          <a:lin ang="5400000" scaled="1"/>
+        </a:gradFill>
+        <a:ln w="12700" cap="flat" cmpd="sng" algn="ctr">
+          <a:solidFill>
+            <a:schemeClr val="lt1">
+              <a:hueOff val="0"/>
+              <a:satOff val="0"/>
+              <a:lumOff val="0"/>
+              <a:alphaOff val="0"/>
+            </a:schemeClr>
+          </a:solidFill>
+          <a:prstDash val="solid"/>
+          <a:miter lim="800000"/>
+        </a:ln>
+        <a:effectLst/>
+        <a:scene3d>
+          <a:camera prst="orthographicFront"/>
+          <a:lightRig rig="threePt" dir="t"/>
+        </a:scene3d>
+        <a:sp3d>
+          <a:bevelT w="215900"/>
+        </a:sp3d>
+      </dsp:spPr>
+      <dsp:style>
+        <a:lnRef idx="2">
+          <a:scrgbClr r="0" g="0" b="0"/>
+        </a:lnRef>
+        <a:fillRef idx="1">
+          <a:scrgbClr r="0" g="0" b="0"/>
+        </a:fillRef>
+        <a:effectRef idx="0">
+          <a:scrgbClr r="0" g="0" b="0"/>
+        </a:effectRef>
+        <a:fontRef idx="minor">
+          <a:schemeClr val="lt1"/>
+        </a:fontRef>
+      </dsp:style>
+      <dsp:txBody>
+        <a:bodyPr spcFirstLastPara="0" vert="horz" wrap="square" lIns="91440" tIns="91440" rIns="91440" bIns="91440" numCol="1" spcCol="1270" anchor="ctr" anchorCtr="0">
+          <a:noAutofit/>
+        </a:bodyPr>
+        <a:lstStyle/>
+        <a:p>
+          <a:pPr lvl="0" algn="ctr" defTabSz="1066800">
+            <a:lnSpc>
+              <a:spcPct val="90000"/>
+            </a:lnSpc>
+            <a:spcBef>
+              <a:spcPct val="0"/>
+            </a:spcBef>
+            <a:spcAft>
+              <a:spcPct val="35000"/>
+            </a:spcAft>
+          </a:pPr>
+          <a:r>
+            <a:rPr lang="en-US" sz="2400" b="1" kern="1200" dirty="0" err="1" smtClean="0">
+              <a:solidFill>
+                <a:schemeClr val="tx1"/>
+              </a:solidFill>
+            </a:rPr>
+            <a:t>Khôi</a:t>
+          </a:r>
+          <a:r>
+            <a:rPr lang="en-US" sz="2400" b="1" kern="1200" dirty="0" smtClean="0">
+              <a:solidFill>
+                <a:schemeClr val="tx1"/>
+              </a:solidFill>
+            </a:rPr>
+            <a:t> </a:t>
+          </a:r>
+          <a:r>
+            <a:rPr lang="en-US" sz="2400" b="1" kern="1200" dirty="0" err="1" smtClean="0">
+              <a:solidFill>
+                <a:schemeClr val="tx1"/>
+              </a:solidFill>
+            </a:rPr>
+            <a:t>phục</a:t>
+          </a:r>
+          <a:r>
+            <a:rPr lang="en-US" sz="2400" b="1" kern="1200" dirty="0" smtClean="0">
+              <a:solidFill>
+                <a:schemeClr val="tx1"/>
+              </a:solidFill>
+            </a:rPr>
+            <a:t> </a:t>
+          </a:r>
+          <a:r>
+            <a:rPr lang="en-US" sz="2400" b="1" kern="1200" dirty="0" err="1" smtClean="0">
+              <a:solidFill>
+                <a:schemeClr val="tx1"/>
+              </a:solidFill>
+            </a:rPr>
+            <a:t>địa</a:t>
+          </a:r>
+          <a:r>
+            <a:rPr lang="en-US" sz="2400" b="1" kern="1200" dirty="0" smtClean="0">
+              <a:solidFill>
+                <a:schemeClr val="tx1"/>
+              </a:solidFill>
+            </a:rPr>
+            <a:t> </a:t>
+          </a:r>
+          <a:r>
+            <a:rPr lang="en-US" sz="2400" b="1" kern="1200" dirty="0" err="1" smtClean="0">
+              <a:solidFill>
+                <a:schemeClr val="tx1"/>
+              </a:solidFill>
+            </a:rPr>
+            <a:t>chỉ</a:t>
+          </a:r>
+          <a:r>
+            <a:rPr lang="en-US" sz="2400" b="1" kern="1200" dirty="0" smtClean="0">
+              <a:solidFill>
+                <a:schemeClr val="tx1"/>
+              </a:solidFill>
+            </a:rPr>
+            <a:t> </a:t>
+          </a:r>
+          <a:r>
+            <a:rPr lang="en-US" sz="2400" b="1" kern="1200" dirty="0" err="1" smtClean="0">
+              <a:solidFill>
+                <a:schemeClr val="tx1"/>
+              </a:solidFill>
+            </a:rPr>
+            <a:t>hàm</a:t>
+          </a:r>
+          <a:r>
+            <a:rPr lang="en-US" sz="2400" b="1" kern="1200" dirty="0" smtClean="0">
+              <a:solidFill>
+                <a:schemeClr val="tx1"/>
+              </a:solidFill>
+            </a:rPr>
+            <a:t> </a:t>
+          </a:r>
+          <a:r>
+            <a:rPr lang="en-US" sz="2400" b="1" kern="1200" dirty="0" err="1" smtClean="0">
+              <a:solidFill>
+                <a:schemeClr val="tx1"/>
+              </a:solidFill>
+            </a:rPr>
+            <a:t>gốc</a:t>
+          </a:r>
+          <a:r>
+            <a:rPr lang="en-US" sz="2400" b="1" kern="1200" dirty="0" smtClean="0">
+              <a:solidFill>
+                <a:schemeClr val="tx1"/>
+              </a:solidFill>
+            </a:rPr>
+            <a:t> </a:t>
+          </a:r>
+          <a:r>
+            <a:rPr lang="en-US" sz="2400" b="1" kern="1200" dirty="0" err="1" smtClean="0">
+              <a:solidFill>
+                <a:schemeClr val="tx1"/>
+              </a:solidFill>
+            </a:rPr>
+            <a:t>nếu</a:t>
+          </a:r>
+          <a:r>
+            <a:rPr lang="en-US" sz="2400" b="1" kern="1200" dirty="0" smtClean="0">
+              <a:solidFill>
+                <a:schemeClr val="tx1"/>
+              </a:solidFill>
+            </a:rPr>
+            <a:t> </a:t>
+          </a:r>
+          <a:r>
+            <a:rPr lang="en-US" sz="2400" b="1" kern="1200" dirty="0" err="1" smtClean="0">
+              <a:solidFill>
+                <a:schemeClr val="tx1"/>
+              </a:solidFill>
+            </a:rPr>
+            <a:t>cần</a:t>
+          </a:r>
+          <a:endParaRPr lang="en-US" sz="2400" b="1" kern="1200" dirty="0">
+            <a:solidFill>
+              <a:schemeClr val="tx1"/>
+            </a:solidFill>
+          </a:endParaRPr>
+        </a:p>
+      </dsp:txBody>
+      <dsp:txXfrm>
+        <a:off x="9079059" y="1861278"/>
+        <a:ext cx="1517479" cy="1544239"/>
+      </dsp:txXfrm>
+    </dsp:sp>
+  </dsp:spTree>
+</dsp:drawing>
+</file>
+
+<file path=ppt/diagrams/drawing2.xml><?xml version="1.0" encoding="utf-8"?>
+<dsp:drawing xmlns:dgm="http://schemas.openxmlformats.org/drawingml/2006/diagram" xmlns:dsp="http://schemas.microsoft.com/office/drawing/2008/diagram" xmlns:a="http://schemas.openxmlformats.org/drawingml/2006/main">
+  <dsp:spTree>
+    <dsp:nvGrpSpPr>
+      <dsp:cNvPr id="0" name=""/>
+      <dsp:cNvGrpSpPr/>
+    </dsp:nvGrpSpPr>
+    <dsp:grpSpPr/>
+    <dsp:sp modelId="{7F739C37-DE7D-4C78-8F14-BB11D63384A4}">
+      <dsp:nvSpPr>
+        <dsp:cNvPr id="0" name=""/>
+        <dsp:cNvSpPr/>
+      </dsp:nvSpPr>
+      <dsp:spPr>
+        <a:xfrm>
+          <a:off x="2567" y="272267"/>
+          <a:ext cx="2284883" cy="913953"/>
+        </a:xfrm>
+        <a:prstGeom prst="chevron">
+          <a:avLst/>
         </a:prstGeom>
         <a:solidFill>
           <a:schemeClr val="accent1">
@@ -2802,7 +4656,7 @@
         </a:fontRef>
       </dsp:style>
       <dsp:txBody>
-        <a:bodyPr spcFirstLastPara="0" vert="horz" wrap="square" lIns="68580" tIns="68580" rIns="68580" bIns="68580" numCol="1" spcCol="1270" anchor="ctr" anchorCtr="0">
+        <a:bodyPr spcFirstLastPara="0" vert="horz" wrap="square" lIns="72009" tIns="24003" rIns="24003" bIns="24003" numCol="1" spcCol="1270" anchor="ctr" anchorCtr="0">
           <a:noAutofit/>
         </a:bodyPr>
         <a:lstStyle/>
@@ -2856,99 +4710,36 @@
           </a:r>
           <a:r>
             <a:rPr lang="en-US" sz="1800" kern="1200" dirty="0" smtClean="0"/>
-            <a:t> API</a:t>
+            <a:t> </a:t>
+          </a:r>
+          <a:r>
+            <a:rPr lang="en-US" sz="1800" kern="1200" dirty="0" err="1" smtClean="0"/>
+            <a:t>gốc</a:t>
+          </a:r>
+          <a:r>
+            <a:rPr lang="en-US" sz="1800" kern="1200" dirty="0" smtClean="0"/>
+            <a:t> (entry point)</a:t>
           </a:r>
           <a:endParaRPr lang="en-US" sz="1800" kern="1200" dirty="0"/>
         </a:p>
       </dsp:txBody>
       <dsp:txXfrm>
-        <a:off x="39809" y="2133322"/>
-        <a:ext cx="1158630" cy="1152022"/>
+        <a:off x="459544" y="272267"/>
+        <a:ext cx="1370930" cy="913953"/>
       </dsp:txXfrm>
     </dsp:sp>
-    <dsp:sp modelId="{9AC38A35-65A6-4E2A-9375-9F879DAFB24A}">
+    <dsp:sp modelId="{79E3F17D-5461-4BCB-9DC2-D9574FD49015}">
       <dsp:nvSpPr>
         <dsp:cNvPr id="0" name=""/>
         <dsp:cNvSpPr/>
       </dsp:nvSpPr>
       <dsp:spPr>
         <a:xfrm>
-          <a:off x="1357312" y="2556774"/>
-          <a:ext cx="260826" cy="305117"/>
+          <a:off x="2058962" y="272267"/>
+          <a:ext cx="2284883" cy="913953"/>
         </a:xfrm>
-        <a:prstGeom prst="rightArrow">
-          <a:avLst>
-            <a:gd name="adj1" fmla="val 60000"/>
-            <a:gd name="adj2" fmla="val 50000"/>
-          </a:avLst>
-        </a:prstGeom>
-        <a:solidFill>
-          <a:schemeClr val="accent1">
-            <a:tint val="60000"/>
-            <a:hueOff val="0"/>
-            <a:satOff val="0"/>
-            <a:lumOff val="0"/>
-            <a:alphaOff val="0"/>
-          </a:schemeClr>
-        </a:solidFill>
-        <a:ln>
-          <a:noFill/>
-        </a:ln>
-        <a:effectLst/>
-      </dsp:spPr>
-      <dsp:style>
-        <a:lnRef idx="0">
-          <a:scrgbClr r="0" g="0" b="0"/>
-        </a:lnRef>
-        <a:fillRef idx="1">
-          <a:scrgbClr r="0" g="0" b="0"/>
-        </a:fillRef>
-        <a:effectRef idx="0">
-          <a:scrgbClr r="0" g="0" b="0"/>
-        </a:effectRef>
-        <a:fontRef idx="minor">
-          <a:schemeClr val="lt1"/>
-        </a:fontRef>
-      </dsp:style>
-      <dsp:txBody>
-        <a:bodyPr spcFirstLastPara="0" vert="horz" wrap="square" lIns="0" tIns="0" rIns="0" bIns="0" numCol="1" spcCol="1270" anchor="ctr" anchorCtr="0">
-          <a:noAutofit/>
-        </a:bodyPr>
-        <a:lstStyle/>
-        <a:p>
-          <a:pPr lvl="0" algn="ctr" defTabSz="577850">
-            <a:lnSpc>
-              <a:spcPct val="90000"/>
-            </a:lnSpc>
-            <a:spcBef>
-              <a:spcPct val="0"/>
-            </a:spcBef>
-            <a:spcAft>
-              <a:spcPct val="35000"/>
-            </a:spcAft>
-          </a:pPr>
-          <a:endParaRPr lang="en-US" sz="1300" kern="1200"/>
-        </a:p>
-      </dsp:txBody>
-      <dsp:txXfrm>
-        <a:off x="1357312" y="2617797"/>
-        <a:ext cx="182578" cy="183071"/>
-      </dsp:txXfrm>
-    </dsp:sp>
-    <dsp:sp modelId="{8EA1333A-B43F-427C-AF00-567BD2B37103}">
-      <dsp:nvSpPr>
-        <dsp:cNvPr id="0" name=""/>
-        <dsp:cNvSpPr/>
-      </dsp:nvSpPr>
-      <dsp:spPr>
-        <a:xfrm>
-          <a:off x="1726406" y="2097481"/>
-          <a:ext cx="1230312" cy="1223704"/>
-        </a:xfrm>
-        <a:prstGeom prst="roundRect">
-          <a:avLst>
-            <a:gd name="adj" fmla="val 10000"/>
-          </a:avLst>
+        <a:prstGeom prst="chevron">
+          <a:avLst/>
         </a:prstGeom>
         <a:solidFill>
           <a:schemeClr val="accent1">
@@ -2987,7 +4778,235 @@
         </a:fontRef>
       </dsp:style>
       <dsp:txBody>
-        <a:bodyPr spcFirstLastPara="0" vert="horz" wrap="square" lIns="68580" tIns="68580" rIns="68580" bIns="68580" numCol="1" spcCol="1270" anchor="ctr" anchorCtr="0">
+        <a:bodyPr spcFirstLastPara="0" vert="horz" wrap="square" lIns="72009" tIns="24003" rIns="24003" bIns="24003" numCol="1" spcCol="1270" anchor="ctr" anchorCtr="0">
+          <a:noAutofit/>
+        </a:bodyPr>
+        <a:lstStyle/>
+        <a:p>
+          <a:pPr lvl="0" algn="ctr" defTabSz="800100">
+            <a:lnSpc>
+              <a:spcPct val="90000"/>
+            </a:lnSpc>
+            <a:spcBef>
+              <a:spcPct val="0"/>
+            </a:spcBef>
+            <a:spcAft>
+              <a:spcPct val="35000"/>
+            </a:spcAft>
+          </a:pPr>
+          <a:r>
+            <a:rPr lang="en-US" sz="1800" kern="1200" dirty="0" err="1" smtClean="0"/>
+            <a:t>Cấp</a:t>
+          </a:r>
+          <a:r>
+            <a:rPr lang="en-US" sz="1800" kern="1200" dirty="0" smtClean="0"/>
+            <a:t> </a:t>
+          </a:r>
+          <a:r>
+            <a:rPr lang="en-US" sz="1800" kern="1200" dirty="0" err="1" smtClean="0"/>
+            <a:t>phát</a:t>
+          </a:r>
+          <a:r>
+            <a:rPr lang="en-US" sz="1800" kern="1200" dirty="0" smtClean="0"/>
+            <a:t> </a:t>
+          </a:r>
+          <a:r>
+            <a:rPr lang="en-US" sz="1800" kern="1200" dirty="0" err="1" smtClean="0"/>
+            <a:t>vùng</a:t>
+          </a:r>
+          <a:r>
+            <a:rPr lang="en-US" sz="1800" kern="1200" dirty="0" smtClean="0"/>
+            <a:t> </a:t>
+          </a:r>
+          <a:r>
+            <a:rPr lang="en-US" sz="1800" kern="1200" dirty="0" err="1" smtClean="0"/>
+            <a:t>nhớ</a:t>
+          </a:r>
+          <a:r>
+            <a:rPr lang="en-US" sz="1800" kern="1200" dirty="0" smtClean="0"/>
+            <a:t> </a:t>
+          </a:r>
+          <a:r>
+            <a:rPr lang="en-US" sz="1800" kern="1200" dirty="0" err="1" smtClean="0"/>
+            <a:t>lưu</a:t>
+          </a:r>
+          <a:r>
+            <a:rPr lang="en-US" sz="1800" kern="1200" dirty="0" smtClean="0"/>
+            <a:t> </a:t>
+          </a:r>
+          <a:r>
+            <a:rPr lang="en-US" sz="1800" kern="1200" dirty="0" err="1" smtClean="0"/>
+            <a:t>thông</a:t>
+          </a:r>
+          <a:r>
+            <a:rPr lang="en-US" sz="1800" kern="1200" dirty="0" smtClean="0"/>
+            <a:t> tin</a:t>
+          </a:r>
+          <a:endParaRPr lang="en-US" sz="1800" kern="1200" dirty="0"/>
+        </a:p>
+      </dsp:txBody>
+      <dsp:txXfrm>
+        <a:off x="2515939" y="272267"/>
+        <a:ext cx="1370930" cy="913953"/>
+      </dsp:txXfrm>
+    </dsp:sp>
+    <dsp:sp modelId="{342BFAB8-AD99-4644-A7A7-89BFBF6C1002}">
+      <dsp:nvSpPr>
+        <dsp:cNvPr id="0" name=""/>
+        <dsp:cNvSpPr/>
+      </dsp:nvSpPr>
+      <dsp:spPr>
+        <a:xfrm>
+          <a:off x="4115358" y="272267"/>
+          <a:ext cx="2284883" cy="913953"/>
+        </a:xfrm>
+        <a:prstGeom prst="chevron">
+          <a:avLst/>
+        </a:prstGeom>
+        <a:solidFill>
+          <a:schemeClr val="accent1">
+            <a:hueOff val="0"/>
+            <a:satOff val="0"/>
+            <a:lumOff val="0"/>
+            <a:alphaOff val="0"/>
+          </a:schemeClr>
+        </a:solidFill>
+        <a:ln w="12700" cap="flat" cmpd="sng" algn="ctr">
+          <a:solidFill>
+            <a:schemeClr val="lt1">
+              <a:hueOff val="0"/>
+              <a:satOff val="0"/>
+              <a:lumOff val="0"/>
+              <a:alphaOff val="0"/>
+            </a:schemeClr>
+          </a:solidFill>
+          <a:prstDash val="solid"/>
+          <a:miter lim="800000"/>
+        </a:ln>
+        <a:effectLst/>
+      </dsp:spPr>
+      <dsp:style>
+        <a:lnRef idx="2">
+          <a:scrgbClr r="0" g="0" b="0"/>
+        </a:lnRef>
+        <a:fillRef idx="1">
+          <a:scrgbClr r="0" g="0" b="0"/>
+        </a:fillRef>
+        <a:effectRef idx="0">
+          <a:scrgbClr r="0" g="0" b="0"/>
+        </a:effectRef>
+        <a:fontRef idx="minor">
+          <a:schemeClr val="lt1"/>
+        </a:fontRef>
+      </dsp:style>
+      <dsp:txBody>
+        <a:bodyPr spcFirstLastPara="0" vert="horz" wrap="square" lIns="72009" tIns="24003" rIns="24003" bIns="24003" numCol="1" spcCol="1270" anchor="ctr" anchorCtr="0">
+          <a:noAutofit/>
+        </a:bodyPr>
+        <a:lstStyle/>
+        <a:p>
+          <a:pPr lvl="0" algn="ctr" defTabSz="800100">
+            <a:lnSpc>
+              <a:spcPct val="90000"/>
+            </a:lnSpc>
+            <a:spcBef>
+              <a:spcPct val="0"/>
+            </a:spcBef>
+            <a:spcAft>
+              <a:spcPct val="35000"/>
+            </a:spcAft>
+          </a:pPr>
+          <a:r>
+            <a:rPr lang="en-US" sz="1800" kern="1200" dirty="0" err="1" smtClean="0"/>
+            <a:t>Làm</a:t>
+          </a:r>
+          <a:r>
+            <a:rPr lang="en-US" sz="1800" kern="1200" dirty="0" smtClean="0"/>
+            <a:t> </a:t>
+          </a:r>
+          <a:r>
+            <a:rPr lang="en-US" sz="1800" kern="1200" dirty="0" err="1" smtClean="0"/>
+            <a:t>tròn</a:t>
+          </a:r>
+          <a:r>
+            <a:rPr lang="en-US" sz="1800" kern="1200" dirty="0" smtClean="0"/>
+            <a:t> </a:t>
+          </a:r>
+          <a:r>
+            <a:rPr lang="en-US" sz="1800" kern="1200" dirty="0" err="1" smtClean="0"/>
+            <a:t>độ</a:t>
+          </a:r>
+          <a:r>
+            <a:rPr lang="en-US" sz="1800" kern="1200" dirty="0" smtClean="0"/>
+            <a:t> </a:t>
+          </a:r>
+          <a:r>
+            <a:rPr lang="en-US" sz="1800" kern="1200" dirty="0" err="1" smtClean="0"/>
+            <a:t>dài</a:t>
+          </a:r>
+          <a:r>
+            <a:rPr lang="en-US" sz="1800" kern="1200" dirty="0" smtClean="0"/>
+            <a:t> entry point</a:t>
+          </a:r>
+          <a:endParaRPr lang="en-US" sz="1800" kern="1200" dirty="0"/>
+        </a:p>
+      </dsp:txBody>
+      <dsp:txXfrm>
+        <a:off x="4572335" y="272267"/>
+        <a:ext cx="1370930" cy="913953"/>
+      </dsp:txXfrm>
+    </dsp:sp>
+    <dsp:sp modelId="{73C7F563-37A3-4CF6-9658-1DD4E98136F9}">
+      <dsp:nvSpPr>
+        <dsp:cNvPr id="0" name=""/>
+        <dsp:cNvSpPr/>
+      </dsp:nvSpPr>
+      <dsp:spPr>
+        <a:xfrm>
+          <a:off x="6171753" y="272267"/>
+          <a:ext cx="2284883" cy="913953"/>
+        </a:xfrm>
+        <a:prstGeom prst="chevron">
+          <a:avLst/>
+        </a:prstGeom>
+        <a:solidFill>
+          <a:schemeClr val="accent1">
+            <a:hueOff val="0"/>
+            <a:satOff val="0"/>
+            <a:lumOff val="0"/>
+            <a:alphaOff val="0"/>
+          </a:schemeClr>
+        </a:solidFill>
+        <a:ln w="12700" cap="flat" cmpd="sng" algn="ctr">
+          <a:solidFill>
+            <a:schemeClr val="lt1">
+              <a:hueOff val="0"/>
+              <a:satOff val="0"/>
+              <a:lumOff val="0"/>
+              <a:alphaOff val="0"/>
+            </a:schemeClr>
+          </a:solidFill>
+          <a:prstDash val="solid"/>
+          <a:miter lim="800000"/>
+        </a:ln>
+        <a:effectLst/>
+      </dsp:spPr>
+      <dsp:style>
+        <a:lnRef idx="2">
+          <a:scrgbClr r="0" g="0" b="0"/>
+        </a:lnRef>
+        <a:fillRef idx="1">
+          <a:scrgbClr r="0" g="0" b="0"/>
+        </a:fillRef>
+        <a:effectRef idx="0">
+          <a:scrgbClr r="0" g="0" b="0"/>
+        </a:effectRef>
+        <a:fontRef idx="minor">
+          <a:schemeClr val="lt1"/>
+        </a:fontRef>
+      </dsp:style>
+      <dsp:txBody>
+        <a:bodyPr spcFirstLastPara="0" vert="horz" wrap="square" lIns="72009" tIns="24003" rIns="24003" bIns="24003" numCol="1" spcCol="1270" anchor="ctr" anchorCtr="0">
           <a:noAutofit/>
         </a:bodyPr>
         <a:lstStyle/>
@@ -3043,93 +5062,22 @@
         </a:p>
       </dsp:txBody>
       <dsp:txXfrm>
-        <a:off x="1762247" y="2133322"/>
-        <a:ext cx="1158630" cy="1152022"/>
+        <a:off x="6628730" y="272267"/>
+        <a:ext cx="1370930" cy="913953"/>
       </dsp:txXfrm>
     </dsp:sp>
-    <dsp:sp modelId="{CF86D8C3-DE2A-4AC0-BB68-72F0F5BB6795}">
+    <dsp:sp modelId="{90C7D633-37DA-4C45-B5A5-BFF7A0E0497C}">
       <dsp:nvSpPr>
         <dsp:cNvPr id="0" name=""/>
         <dsp:cNvSpPr/>
       </dsp:nvSpPr>
       <dsp:spPr>
         <a:xfrm>
-          <a:off x="3079750" y="2556774"/>
-          <a:ext cx="260826" cy="305117"/>
+          <a:off x="8228148" y="272267"/>
+          <a:ext cx="2284883" cy="913953"/>
         </a:xfrm>
-        <a:prstGeom prst="rightArrow">
-          <a:avLst>
-            <a:gd name="adj1" fmla="val 60000"/>
-            <a:gd name="adj2" fmla="val 50000"/>
-          </a:avLst>
-        </a:prstGeom>
-        <a:solidFill>
-          <a:schemeClr val="accent1">
-            <a:tint val="60000"/>
-            <a:hueOff val="0"/>
-            <a:satOff val="0"/>
-            <a:lumOff val="0"/>
-            <a:alphaOff val="0"/>
-          </a:schemeClr>
-        </a:solidFill>
-        <a:ln>
-          <a:noFill/>
-        </a:ln>
-        <a:effectLst/>
-      </dsp:spPr>
-      <dsp:style>
-        <a:lnRef idx="0">
-          <a:scrgbClr r="0" g="0" b="0"/>
-        </a:lnRef>
-        <a:fillRef idx="1">
-          <a:scrgbClr r="0" g="0" b="0"/>
-        </a:fillRef>
-        <a:effectRef idx="0">
-          <a:scrgbClr r="0" g="0" b="0"/>
-        </a:effectRef>
-        <a:fontRef idx="minor">
-          <a:schemeClr val="lt1"/>
-        </a:fontRef>
-      </dsp:style>
-      <dsp:txBody>
-        <a:bodyPr spcFirstLastPara="0" vert="horz" wrap="square" lIns="0" tIns="0" rIns="0" bIns="0" numCol="1" spcCol="1270" anchor="ctr" anchorCtr="0">
-          <a:noAutofit/>
-        </a:bodyPr>
-        <a:lstStyle/>
-        <a:p>
-          <a:pPr lvl="0" algn="ctr" defTabSz="577850">
-            <a:lnSpc>
-              <a:spcPct val="90000"/>
-            </a:lnSpc>
-            <a:spcBef>
-              <a:spcPct val="0"/>
-            </a:spcBef>
-            <a:spcAft>
-              <a:spcPct val="35000"/>
-            </a:spcAft>
-          </a:pPr>
-          <a:endParaRPr lang="en-US" sz="1300" kern="1200"/>
-        </a:p>
-      </dsp:txBody>
-      <dsp:txXfrm>
-        <a:off x="3079750" y="2617797"/>
-        <a:ext cx="182578" cy="183071"/>
-      </dsp:txXfrm>
-    </dsp:sp>
-    <dsp:sp modelId="{2C093DB3-B470-4FA2-B73E-145BA75A5F6E}">
-      <dsp:nvSpPr>
-        <dsp:cNvPr id="0" name=""/>
-        <dsp:cNvSpPr/>
-      </dsp:nvSpPr>
-      <dsp:spPr>
-        <a:xfrm>
-          <a:off x="3448843" y="2097481"/>
-          <a:ext cx="1230312" cy="1223704"/>
-        </a:xfrm>
-        <a:prstGeom prst="roundRect">
-          <a:avLst>
-            <a:gd name="adj" fmla="val 10000"/>
-          </a:avLst>
+        <a:prstGeom prst="chevron">
+          <a:avLst/>
         </a:prstGeom>
         <a:solidFill>
           <a:schemeClr val="accent1">
@@ -3168,7 +5116,7 @@
         </a:fontRef>
       </dsp:style>
       <dsp:txBody>
-        <a:bodyPr spcFirstLastPara="0" vert="horz" wrap="square" lIns="68580" tIns="68580" rIns="68580" bIns="68580" numCol="1" spcCol="1270" anchor="ctr" anchorCtr="0">
+        <a:bodyPr spcFirstLastPara="0" vert="horz" wrap="square" lIns="72009" tIns="24003" rIns="24003" bIns="24003" numCol="1" spcCol="1270" anchor="ctr" anchorCtr="0">
           <a:noAutofit/>
         </a:bodyPr>
         <a:lstStyle/>
@@ -3186,31 +5134,7 @@
           </a:pPr>
           <a:r>
             <a:rPr lang="en-US" sz="1800" kern="1200" dirty="0" err="1" smtClean="0"/>
-            <a:t>Ghi</a:t>
-          </a:r>
-          <a:r>
-            <a:rPr lang="en-US" sz="1800" kern="1200" dirty="0" smtClean="0"/>
-            <a:t> </a:t>
-          </a:r>
-          <a:r>
-            <a:rPr lang="en-US" sz="1800" kern="1200" dirty="0" err="1" smtClean="0"/>
-            <a:t>đè</a:t>
-          </a:r>
-          <a:r>
-            <a:rPr lang="en-US" sz="1800" kern="1200" dirty="0" smtClean="0"/>
-            <a:t> </a:t>
-          </a:r>
-          <a:r>
-            <a:rPr lang="en-US" sz="1800" kern="1200" dirty="0" err="1" smtClean="0"/>
-            <a:t>lệnh</a:t>
-          </a:r>
-          <a:r>
-            <a:rPr lang="en-US" sz="1800" kern="1200" dirty="0" smtClean="0"/>
-            <a:t> </a:t>
-          </a:r>
-          <a:r>
-            <a:rPr lang="en-US" sz="1800" kern="1200" dirty="0" err="1" smtClean="0"/>
-            <a:t>nhảy</a:t>
+            <a:t>Nhảy</a:t>
           </a:r>
           <a:r>
             <a:rPr lang="en-US" sz="1800" kern="1200" dirty="0" smtClean="0"/>
@@ -3219,22 +5143,6 @@
           <a:r>
             <a:rPr lang="en-US" sz="1800" kern="1200" dirty="0" err="1" smtClean="0"/>
             <a:t>tới</a:t>
-          </a:r>
-          <a:r>
-            <a:rPr lang="en-US" sz="1800" kern="1200" dirty="0" smtClean="0"/>
-            <a:t> </a:t>
-          </a:r>
-          <a:r>
-            <a:rPr lang="en-US" sz="1800" kern="1200" dirty="0" err="1" smtClean="0"/>
-            <a:t>địa</a:t>
-          </a:r>
-          <a:r>
-            <a:rPr lang="en-US" sz="1800" kern="1200" dirty="0" smtClean="0"/>
-            <a:t> </a:t>
-          </a:r>
-          <a:r>
-            <a:rPr lang="en-US" sz="1800" kern="1200" dirty="0" err="1" smtClean="0"/>
-            <a:t>chỉ</a:t>
           </a:r>
           <a:r>
             <a:rPr lang="en-US" sz="1800" kern="1200" dirty="0" smtClean="0"/>
@@ -3252,404 +5160,10 @@
         </a:p>
       </dsp:txBody>
       <dsp:txXfrm>
-        <a:off x="3484684" y="2133322"/>
-        <a:ext cx="1158630" cy="1152022"/>
+        <a:off x="8685125" y="272267"/>
+        <a:ext cx="1370930" cy="913953"/>
       </dsp:txXfrm>
     </dsp:sp>
-    <dsp:sp modelId="{37C3A99B-8F9B-48C4-AFDA-9D3D1C168B65}">
-      <dsp:nvSpPr>
-        <dsp:cNvPr id="0" name=""/>
-        <dsp:cNvSpPr/>
-      </dsp:nvSpPr>
-      <dsp:spPr>
-        <a:xfrm>
-          <a:off x="4802187" y="2556774"/>
-          <a:ext cx="260826" cy="305117"/>
-        </a:xfrm>
-        <a:prstGeom prst="rightArrow">
-          <a:avLst>
-            <a:gd name="adj1" fmla="val 60000"/>
-            <a:gd name="adj2" fmla="val 50000"/>
-          </a:avLst>
-        </a:prstGeom>
-        <a:solidFill>
-          <a:schemeClr val="accent1">
-            <a:tint val="60000"/>
-            <a:hueOff val="0"/>
-            <a:satOff val="0"/>
-            <a:lumOff val="0"/>
-            <a:alphaOff val="0"/>
-          </a:schemeClr>
-        </a:solidFill>
-        <a:ln>
-          <a:noFill/>
-        </a:ln>
-        <a:effectLst/>
-      </dsp:spPr>
-      <dsp:style>
-        <a:lnRef idx="0">
-          <a:scrgbClr r="0" g="0" b="0"/>
-        </a:lnRef>
-        <a:fillRef idx="1">
-          <a:scrgbClr r="0" g="0" b="0"/>
-        </a:fillRef>
-        <a:effectRef idx="0">
-          <a:scrgbClr r="0" g="0" b="0"/>
-        </a:effectRef>
-        <a:fontRef idx="minor">
-          <a:schemeClr val="lt1"/>
-        </a:fontRef>
-      </dsp:style>
-      <dsp:txBody>
-        <a:bodyPr spcFirstLastPara="0" vert="horz" wrap="square" lIns="0" tIns="0" rIns="0" bIns="0" numCol="1" spcCol="1270" anchor="ctr" anchorCtr="0">
-          <a:noAutofit/>
-        </a:bodyPr>
-        <a:lstStyle/>
-        <a:p>
-          <a:pPr lvl="0" algn="ctr" defTabSz="577850">
-            <a:lnSpc>
-              <a:spcPct val="90000"/>
-            </a:lnSpc>
-            <a:spcBef>
-              <a:spcPct val="0"/>
-            </a:spcBef>
-            <a:spcAft>
-              <a:spcPct val="35000"/>
-            </a:spcAft>
-          </a:pPr>
-          <a:endParaRPr lang="en-US" sz="1300" kern="1200"/>
-        </a:p>
-      </dsp:txBody>
-      <dsp:txXfrm>
-        <a:off x="4802187" y="2617797"/>
-        <a:ext cx="182578" cy="183071"/>
-      </dsp:txXfrm>
-    </dsp:sp>
-    <dsp:sp modelId="{26D696E8-E077-46F2-A90D-1E0DBE06EBA9}">
-      <dsp:nvSpPr>
-        <dsp:cNvPr id="0" name=""/>
-        <dsp:cNvSpPr/>
-      </dsp:nvSpPr>
-      <dsp:spPr>
-        <a:xfrm>
-          <a:off x="5171281" y="2097481"/>
-          <a:ext cx="1230312" cy="1223704"/>
-        </a:xfrm>
-        <a:prstGeom prst="roundRect">
-          <a:avLst>
-            <a:gd name="adj" fmla="val 10000"/>
-          </a:avLst>
-        </a:prstGeom>
-        <a:solidFill>
-          <a:schemeClr val="accent1">
-            <a:hueOff val="0"/>
-            <a:satOff val="0"/>
-            <a:lumOff val="0"/>
-            <a:alphaOff val="0"/>
-          </a:schemeClr>
-        </a:solidFill>
-        <a:ln w="12700" cap="flat" cmpd="sng" algn="ctr">
-          <a:solidFill>
-            <a:schemeClr val="lt1">
-              <a:hueOff val="0"/>
-              <a:satOff val="0"/>
-              <a:lumOff val="0"/>
-              <a:alphaOff val="0"/>
-            </a:schemeClr>
-          </a:solidFill>
-          <a:prstDash val="solid"/>
-          <a:miter lim="800000"/>
-        </a:ln>
-        <a:effectLst/>
-      </dsp:spPr>
-      <dsp:style>
-        <a:lnRef idx="2">
-          <a:scrgbClr r="0" g="0" b="0"/>
-        </a:lnRef>
-        <a:fillRef idx="1">
-          <a:scrgbClr r="0" g="0" b="0"/>
-        </a:fillRef>
-        <a:effectRef idx="0">
-          <a:scrgbClr r="0" g="0" b="0"/>
-        </a:effectRef>
-        <a:fontRef idx="minor">
-          <a:schemeClr val="lt1"/>
-        </a:fontRef>
-      </dsp:style>
-      <dsp:txBody>
-        <a:bodyPr spcFirstLastPara="0" vert="horz" wrap="square" lIns="68580" tIns="68580" rIns="68580" bIns="68580" numCol="1" spcCol="1270" anchor="ctr" anchorCtr="0">
-          <a:noAutofit/>
-        </a:bodyPr>
-        <a:lstStyle/>
-        <a:p>
-          <a:pPr lvl="0" algn="ctr" defTabSz="800100">
-            <a:lnSpc>
-              <a:spcPct val="90000"/>
-            </a:lnSpc>
-            <a:spcBef>
-              <a:spcPct val="0"/>
-            </a:spcBef>
-            <a:spcAft>
-              <a:spcPct val="35000"/>
-            </a:spcAft>
-          </a:pPr>
-          <a:r>
-            <a:rPr lang="en-US" sz="1800" kern="1200" dirty="0" err="1" smtClean="0"/>
-            <a:t>Xử</a:t>
-          </a:r>
-          <a:r>
-            <a:rPr lang="en-US" sz="1800" kern="1200" dirty="0" smtClean="0"/>
-            <a:t> </a:t>
-          </a:r>
-          <a:r>
-            <a:rPr lang="en-US" sz="1800" kern="1200" dirty="0" err="1" smtClean="0"/>
-            <a:t>lý</a:t>
-          </a:r>
-          <a:r>
-            <a:rPr lang="en-US" sz="1800" kern="1200" dirty="0" smtClean="0"/>
-            <a:t> </a:t>
-          </a:r>
-          <a:r>
-            <a:rPr lang="en-US" sz="1800" kern="1200" dirty="0" err="1" smtClean="0"/>
-            <a:t>trong</a:t>
-          </a:r>
-          <a:r>
-            <a:rPr lang="en-US" sz="1800" kern="1200" dirty="0" smtClean="0"/>
-            <a:t> </a:t>
-          </a:r>
-          <a:r>
-            <a:rPr lang="en-US" sz="1800" kern="1200" dirty="0" err="1" smtClean="0"/>
-            <a:t>hàm</a:t>
-          </a:r>
-          <a:r>
-            <a:rPr lang="en-US" sz="1800" kern="1200" dirty="0" smtClean="0"/>
-            <a:t> hook</a:t>
-          </a:r>
-          <a:endParaRPr lang="en-US" sz="1800" kern="1200" dirty="0"/>
-        </a:p>
-      </dsp:txBody>
-      <dsp:txXfrm>
-        <a:off x="5207122" y="2133322"/>
-        <a:ext cx="1158630" cy="1152022"/>
-      </dsp:txXfrm>
-    </dsp:sp>
-    <dsp:sp modelId="{EAF73945-FD18-4215-8541-C94A34E55B2E}">
-      <dsp:nvSpPr>
-        <dsp:cNvPr id="0" name=""/>
-        <dsp:cNvSpPr/>
-      </dsp:nvSpPr>
-      <dsp:spPr>
-        <a:xfrm>
-          <a:off x="6524624" y="2556774"/>
-          <a:ext cx="260826" cy="305117"/>
-        </a:xfrm>
-        <a:prstGeom prst="rightArrow">
-          <a:avLst>
-            <a:gd name="adj1" fmla="val 60000"/>
-            <a:gd name="adj2" fmla="val 50000"/>
-          </a:avLst>
-        </a:prstGeom>
-        <a:solidFill>
-          <a:schemeClr val="accent1">
-            <a:tint val="60000"/>
-            <a:hueOff val="0"/>
-            <a:satOff val="0"/>
-            <a:lumOff val="0"/>
-            <a:alphaOff val="0"/>
-          </a:schemeClr>
-        </a:solidFill>
-        <a:ln>
-          <a:noFill/>
-        </a:ln>
-        <a:effectLst/>
-      </dsp:spPr>
-      <dsp:style>
-        <a:lnRef idx="0">
-          <a:scrgbClr r="0" g="0" b="0"/>
-        </a:lnRef>
-        <a:fillRef idx="1">
-          <a:scrgbClr r="0" g="0" b="0"/>
-        </a:fillRef>
-        <a:effectRef idx="0">
-          <a:scrgbClr r="0" g="0" b="0"/>
-        </a:effectRef>
-        <a:fontRef idx="minor">
-          <a:schemeClr val="lt1"/>
-        </a:fontRef>
-      </dsp:style>
-      <dsp:txBody>
-        <a:bodyPr spcFirstLastPara="0" vert="horz" wrap="square" lIns="0" tIns="0" rIns="0" bIns="0" numCol="1" spcCol="1270" anchor="ctr" anchorCtr="0">
-          <a:noAutofit/>
-        </a:bodyPr>
-        <a:lstStyle/>
-        <a:p>
-          <a:pPr lvl="0" algn="ctr" defTabSz="577850">
-            <a:lnSpc>
-              <a:spcPct val="90000"/>
-            </a:lnSpc>
-            <a:spcBef>
-              <a:spcPct val="0"/>
-            </a:spcBef>
-            <a:spcAft>
-              <a:spcPct val="35000"/>
-            </a:spcAft>
-          </a:pPr>
-          <a:endParaRPr lang="en-US" sz="1300" kern="1200"/>
-        </a:p>
-      </dsp:txBody>
-      <dsp:txXfrm>
-        <a:off x="6524624" y="2617797"/>
-        <a:ext cx="182578" cy="183071"/>
-      </dsp:txXfrm>
-    </dsp:sp>
-    <dsp:sp modelId="{FECABAF2-6BCB-4899-B8A9-8A686C7F7DB4}">
-      <dsp:nvSpPr>
-        <dsp:cNvPr id="0" name=""/>
-        <dsp:cNvSpPr/>
-      </dsp:nvSpPr>
-      <dsp:spPr>
-        <a:xfrm>
-          <a:off x="6893718" y="2097481"/>
-          <a:ext cx="1230312" cy="1223704"/>
-        </a:xfrm>
-        <a:prstGeom prst="roundRect">
-          <a:avLst>
-            <a:gd name="adj" fmla="val 10000"/>
-          </a:avLst>
-        </a:prstGeom>
-        <a:solidFill>
-          <a:schemeClr val="accent1">
-            <a:hueOff val="0"/>
-            <a:satOff val="0"/>
-            <a:lumOff val="0"/>
-            <a:alphaOff val="0"/>
-          </a:schemeClr>
-        </a:solidFill>
-        <a:ln w="12700" cap="flat" cmpd="sng" algn="ctr">
-          <a:solidFill>
-            <a:schemeClr val="lt1">
-              <a:hueOff val="0"/>
-              <a:satOff val="0"/>
-              <a:lumOff val="0"/>
-              <a:alphaOff val="0"/>
-            </a:schemeClr>
-          </a:solidFill>
-          <a:prstDash val="solid"/>
-          <a:miter lim="800000"/>
-        </a:ln>
-        <a:effectLst/>
-      </dsp:spPr>
-      <dsp:style>
-        <a:lnRef idx="2">
-          <a:scrgbClr r="0" g="0" b="0"/>
-        </a:lnRef>
-        <a:fillRef idx="1">
-          <a:scrgbClr r="0" g="0" b="0"/>
-        </a:fillRef>
-        <a:effectRef idx="0">
-          <a:scrgbClr r="0" g="0" b="0"/>
-        </a:effectRef>
-        <a:fontRef idx="minor">
-          <a:schemeClr val="lt1"/>
-        </a:fontRef>
-      </dsp:style>
-      <dsp:txBody>
-        <a:bodyPr spcFirstLastPara="0" vert="horz" wrap="square" lIns="68580" tIns="68580" rIns="68580" bIns="68580" numCol="1" spcCol="1270" anchor="ctr" anchorCtr="0">
-          <a:noAutofit/>
-        </a:bodyPr>
-        <a:lstStyle/>
-        <a:p>
-          <a:pPr lvl="0" algn="ctr" defTabSz="800100">
-            <a:lnSpc>
-              <a:spcPct val="90000"/>
-            </a:lnSpc>
-            <a:spcBef>
-              <a:spcPct val="0"/>
-            </a:spcBef>
-            <a:spcAft>
-              <a:spcPct val="35000"/>
-            </a:spcAft>
-          </a:pPr>
-          <a:r>
-            <a:rPr lang="en-US" sz="1800" kern="1200" err="1" smtClean="0"/>
-            <a:t>Khôi</a:t>
-          </a:r>
-          <a:r>
-            <a:rPr lang="en-US" sz="1800" kern="1200" smtClean="0"/>
-            <a:t> </a:t>
-          </a:r>
-          <a:r>
-            <a:rPr lang="en-US" sz="1800" kern="1200" err="1" smtClean="0"/>
-            <a:t>phục</a:t>
-          </a:r>
-          <a:r>
-            <a:rPr lang="en-US" sz="1800" kern="1200" smtClean="0"/>
-            <a:t> </a:t>
-          </a:r>
-          <a:r>
-            <a:rPr lang="en-US" sz="1800" kern="1200" err="1" smtClean="0"/>
-            <a:t>địa</a:t>
-          </a:r>
-          <a:r>
-            <a:rPr lang="en-US" sz="1800" kern="1200" smtClean="0"/>
-            <a:t> </a:t>
-          </a:r>
-          <a:r>
-            <a:rPr lang="en-US" sz="1800" kern="1200" err="1" smtClean="0"/>
-            <a:t>chỉ</a:t>
-          </a:r>
-          <a:r>
-            <a:rPr lang="en-US" sz="1800" kern="1200" smtClean="0"/>
-            <a:t> </a:t>
-          </a:r>
-          <a:r>
-            <a:rPr lang="en-US" sz="1800" kern="1200" err="1" smtClean="0"/>
-            <a:t>hàm</a:t>
-          </a:r>
-          <a:r>
-            <a:rPr lang="en-US" sz="1800" kern="1200" smtClean="0"/>
-            <a:t> </a:t>
-          </a:r>
-          <a:r>
-            <a:rPr lang="en-US" sz="1800" kern="1200" err="1" smtClean="0"/>
-            <a:t>gốc</a:t>
-          </a:r>
-          <a:r>
-            <a:rPr lang="en-US" sz="1800" kern="1200" smtClean="0"/>
-            <a:t> </a:t>
-          </a:r>
-          <a:r>
-            <a:rPr lang="en-US" sz="1800" kern="1200" err="1" smtClean="0"/>
-            <a:t>nếu</a:t>
-          </a:r>
-          <a:r>
-            <a:rPr lang="en-US" sz="1800" kern="1200" smtClean="0"/>
-            <a:t> </a:t>
-          </a:r>
-          <a:r>
-            <a:rPr lang="en-US" sz="1800" kern="1200" err="1" smtClean="0"/>
-            <a:t>cần</a:t>
-          </a:r>
-          <a:endParaRPr lang="en-US" sz="1800" kern="1200"/>
-        </a:p>
-      </dsp:txBody>
-      <dsp:txXfrm>
-        <a:off x="6929559" y="2133322"/>
-        <a:ext cx="1158630" cy="1152022"/>
-      </dsp:txXfrm>
-    </dsp:sp>
-  </dsp:spTree>
-</dsp:drawing>
-</file>
-
-<file path=ppt/diagrams/drawing2.xml><?xml version="1.0" encoding="utf-8"?>
-<dsp:drawing xmlns:dgm="http://schemas.openxmlformats.org/drawingml/2006/diagram" xmlns:dsp="http://schemas.microsoft.com/office/drawing/2008/diagram" xmlns:a="http://schemas.openxmlformats.org/drawingml/2006/main">
-  <dsp:spTree>
-    <dsp:nvGrpSpPr>
-      <dsp:cNvPr id="0" name=""/>
-      <dsp:cNvGrpSpPr/>
-    </dsp:nvGrpSpPr>
-    <dsp:grpSpPr/>
   </dsp:spTree>
 </dsp:drawing>
 </file>
@@ -6282,7 +7796,7 @@
           <a:p>
             <a:fld id="{16D2D749-03DE-4EC2-8C00-F102FCD2936A}" type="datetimeFigureOut">
               <a:rPr lang="en-US" smtClean="0"/>
-              <a:t>6/30/2015</a:t>
+              <a:t>7/2/2015</a:t>
             </a:fld>
             <a:endParaRPr lang="en-US"/>
           </a:p>
@@ -6452,7 +7966,7 @@
           <a:p>
             <a:fld id="{16D2D749-03DE-4EC2-8C00-F102FCD2936A}" type="datetimeFigureOut">
               <a:rPr lang="en-US" smtClean="0"/>
-              <a:t>6/30/2015</a:t>
+              <a:t>7/2/2015</a:t>
             </a:fld>
             <a:endParaRPr lang="en-US"/>
           </a:p>
@@ -6632,7 +8146,7 @@
           <a:p>
             <a:fld id="{16D2D749-03DE-4EC2-8C00-F102FCD2936A}" type="datetimeFigureOut">
               <a:rPr lang="en-US" smtClean="0"/>
-              <a:t>6/30/2015</a:t>
+              <a:t>7/2/2015</a:t>
             </a:fld>
             <a:endParaRPr lang="en-US"/>
           </a:p>
@@ -6802,7 +8316,7 @@
           <a:p>
             <a:fld id="{16D2D749-03DE-4EC2-8C00-F102FCD2936A}" type="datetimeFigureOut">
               <a:rPr lang="en-US" smtClean="0"/>
-              <a:t>6/30/2015</a:t>
+              <a:t>7/2/2015</a:t>
             </a:fld>
             <a:endParaRPr lang="en-US"/>
           </a:p>
@@ -7048,7 +8562,7 @@
           <a:p>
             <a:fld id="{16D2D749-03DE-4EC2-8C00-F102FCD2936A}" type="datetimeFigureOut">
               <a:rPr lang="en-US" smtClean="0"/>
-              <a:t>6/30/2015</a:t>
+              <a:t>7/2/2015</a:t>
             </a:fld>
             <a:endParaRPr lang="en-US"/>
           </a:p>
@@ -7280,7 +8794,7 @@
           <a:p>
             <a:fld id="{16D2D749-03DE-4EC2-8C00-F102FCD2936A}" type="datetimeFigureOut">
               <a:rPr lang="en-US" smtClean="0"/>
-              <a:t>6/30/2015</a:t>
+              <a:t>7/2/2015</a:t>
             </a:fld>
             <a:endParaRPr lang="en-US"/>
           </a:p>
@@ -7647,7 +9161,7 @@
           <a:p>
             <a:fld id="{16D2D749-03DE-4EC2-8C00-F102FCD2936A}" type="datetimeFigureOut">
               <a:rPr lang="en-US" smtClean="0"/>
-              <a:t>6/30/2015</a:t>
+              <a:t>7/2/2015</a:t>
             </a:fld>
             <a:endParaRPr lang="en-US"/>
           </a:p>
@@ -7765,7 +9279,7 @@
           <a:p>
             <a:fld id="{16D2D749-03DE-4EC2-8C00-F102FCD2936A}" type="datetimeFigureOut">
               <a:rPr lang="en-US" smtClean="0"/>
-              <a:t>6/30/2015</a:t>
+              <a:t>7/2/2015</a:t>
             </a:fld>
             <a:endParaRPr lang="en-US"/>
           </a:p>
@@ -7860,7 +9374,7 @@
           <a:p>
             <a:fld id="{16D2D749-03DE-4EC2-8C00-F102FCD2936A}" type="datetimeFigureOut">
               <a:rPr lang="en-US" smtClean="0"/>
-              <a:t>6/30/2015</a:t>
+              <a:t>7/2/2015</a:t>
             </a:fld>
             <a:endParaRPr lang="en-US"/>
           </a:p>
@@ -8137,7 +9651,7 @@
           <a:p>
             <a:fld id="{16D2D749-03DE-4EC2-8C00-F102FCD2936A}" type="datetimeFigureOut">
               <a:rPr lang="en-US" smtClean="0"/>
-              <a:t>6/30/2015</a:t>
+              <a:t>7/2/2015</a:t>
             </a:fld>
             <a:endParaRPr lang="en-US"/>
           </a:p>
@@ -8390,7 +9904,7 @@
           <a:p>
             <a:fld id="{16D2D749-03DE-4EC2-8C00-F102FCD2936A}" type="datetimeFigureOut">
               <a:rPr lang="en-US" smtClean="0"/>
-              <a:t>6/30/2015</a:t>
+              <a:t>7/2/2015</a:t>
             </a:fld>
             <a:endParaRPr lang="en-US"/>
           </a:p>
@@ -8603,7 +10117,7 @@
           <a:p>
             <a:fld id="{16D2D749-03DE-4EC2-8C00-F102FCD2936A}" type="datetimeFigureOut">
               <a:rPr lang="en-US" smtClean="0"/>
-              <a:t>6/30/2015</a:t>
+              <a:t>7/2/2015</a:t>
             </a:fld>
             <a:endParaRPr lang="en-US"/>
           </a:p>
@@ -9015,14 +10529,14 @@
           <p:nvPr>
             <p:extLst>
               <p:ext uri="{D42A27DB-BD31-4B8C-83A1-F6EECF244321}">
-                <p14:modId xmlns:p14="http://schemas.microsoft.com/office/powerpoint/2010/main" val="931177007"/>
+                <p14:modId xmlns:p14="http://schemas.microsoft.com/office/powerpoint/2010/main" val="921665046"/>
               </p:ext>
             </p:extLst>
           </p:nvPr>
         </p:nvGraphicFramePr>
         <p:xfrm>
-          <a:off x="2032000" y="719666"/>
-          <a:ext cx="8128000" cy="5418667"/>
+          <a:off x="952500" y="848253"/>
+          <a:ext cx="10648950" cy="5266797"/>
         </p:xfrm>
         <a:graphic>
           <a:graphicData uri="http://schemas.openxmlformats.org/drawingml/2006/diagram">
@@ -9072,8 +10586,20 @@
           </a:lstStyle>
           <a:p>
             <a:r>
-              <a:rPr lang="en-US" smtClean="0"/>
-              <a:t>Chặn hàm API</a:t>
+              <a:rPr lang="en-US" dirty="0" err="1" smtClean="0"/>
+              <a:t>Chặn</a:t>
+            </a:r>
+            <a:r>
+              <a:rPr lang="en-US" dirty="0" smtClean="0"/>
+              <a:t> </a:t>
+            </a:r>
+            <a:r>
+              <a:rPr lang="en-US" dirty="0" err="1" smtClean="0"/>
+              <a:t>hàm</a:t>
+            </a:r>
+            <a:r>
+              <a:rPr lang="en-US" dirty="0" smtClean="0"/>
+              <a:t> API</a:t>
             </a:r>
             <a:endParaRPr lang="en-US" dirty="0"/>
           </a:p>
@@ -9118,6 +10644,624 @@
       </p:grpSpPr>
       <p:sp>
         <p:nvSpPr>
+          <p:cNvPr id="4" name="Rounded Rectangle 3"/>
+          <p:cNvSpPr/>
+          <p:nvPr/>
+        </p:nvSpPr>
+        <p:spPr>
+          <a:xfrm>
+            <a:off x="4572000" y="638017"/>
+            <a:ext cx="2112135" cy="1017431"/>
+          </a:xfrm>
+          <a:prstGeom prst="roundRect">
+            <a:avLst/>
+          </a:prstGeom>
+          <a:gradFill>
+            <a:gsLst>
+              <a:gs pos="0">
+                <a:schemeClr val="accent1">
+                  <a:lumMod val="5000"/>
+                  <a:lumOff val="95000"/>
+                </a:schemeClr>
+              </a:gs>
+              <a:gs pos="54000">
+                <a:schemeClr val="accent1">
+                  <a:lumMod val="45000"/>
+                  <a:lumOff val="55000"/>
+                </a:schemeClr>
+              </a:gs>
+              <a:gs pos="100000">
+                <a:schemeClr val="accent1">
+                  <a:lumMod val="45000"/>
+                  <a:lumOff val="55000"/>
+                </a:schemeClr>
+              </a:gs>
+              <a:gs pos="100000">
+                <a:schemeClr val="accent1">
+                  <a:lumMod val="30000"/>
+                  <a:lumOff val="70000"/>
+                </a:schemeClr>
+              </a:gs>
+            </a:gsLst>
+            <a:lin ang="5400000" scaled="1"/>
+          </a:gradFill>
+        </p:spPr>
+        <p:style>
+          <a:lnRef idx="2">
+            <a:schemeClr val="accent1">
+              <a:shade val="50000"/>
+            </a:schemeClr>
+          </a:lnRef>
+          <a:fillRef idx="1">
+            <a:schemeClr val="accent1"/>
+          </a:fillRef>
+          <a:effectRef idx="0">
+            <a:schemeClr val="accent1"/>
+          </a:effectRef>
+          <a:fontRef idx="minor">
+            <a:schemeClr val="lt1"/>
+          </a:fontRef>
+        </p:style>
+        <p:txBody>
+          <a:bodyPr rtlCol="0" anchor="ctr"/>
+          <a:lstStyle/>
+          <a:p>
+            <a:pPr algn="ctr"/>
+            <a:r>
+              <a:rPr lang="en-US" sz="2400" b="1" dirty="0" smtClean="0">
+                <a:solidFill>
+                  <a:schemeClr val="tx1"/>
+                </a:solidFill>
+              </a:rPr>
+              <a:t>User Interface</a:t>
+            </a:r>
+            <a:endParaRPr lang="en-US" sz="2400" b="1" dirty="0">
+              <a:solidFill>
+                <a:schemeClr val="tx1"/>
+              </a:solidFill>
+            </a:endParaRPr>
+          </a:p>
+        </p:txBody>
+      </p:sp>
+      <p:sp>
+        <p:nvSpPr>
+          <p:cNvPr id="5" name="Rounded Rectangle 4"/>
+          <p:cNvSpPr/>
+          <p:nvPr/>
+        </p:nvSpPr>
+        <p:spPr>
+          <a:xfrm>
+            <a:off x="4571999" y="2539006"/>
+            <a:ext cx="2112135" cy="1017431"/>
+          </a:xfrm>
+          <a:prstGeom prst="roundRect">
+            <a:avLst/>
+          </a:prstGeom>
+          <a:gradFill>
+            <a:gsLst>
+              <a:gs pos="0">
+                <a:schemeClr val="accent1">
+                  <a:lumMod val="5000"/>
+                  <a:lumOff val="95000"/>
+                </a:schemeClr>
+              </a:gs>
+              <a:gs pos="54000">
+                <a:schemeClr val="accent1">
+                  <a:lumMod val="45000"/>
+                  <a:lumOff val="55000"/>
+                </a:schemeClr>
+              </a:gs>
+              <a:gs pos="100000">
+                <a:schemeClr val="accent1">
+                  <a:lumMod val="45000"/>
+                  <a:lumOff val="55000"/>
+                </a:schemeClr>
+              </a:gs>
+              <a:gs pos="100000">
+                <a:schemeClr val="accent1">
+                  <a:lumMod val="30000"/>
+                  <a:lumOff val="70000"/>
+                </a:schemeClr>
+              </a:gs>
+            </a:gsLst>
+            <a:lin ang="5400000" scaled="1"/>
+          </a:gradFill>
+        </p:spPr>
+        <p:style>
+          <a:lnRef idx="2">
+            <a:schemeClr val="accent1">
+              <a:shade val="50000"/>
+            </a:schemeClr>
+          </a:lnRef>
+          <a:fillRef idx="1">
+            <a:schemeClr val="accent1"/>
+          </a:fillRef>
+          <a:effectRef idx="0">
+            <a:schemeClr val="accent1"/>
+          </a:effectRef>
+          <a:fontRef idx="minor">
+            <a:schemeClr val="lt1"/>
+          </a:fontRef>
+        </p:style>
+        <p:txBody>
+          <a:bodyPr rtlCol="0" anchor="ctr"/>
+          <a:lstStyle/>
+          <a:p>
+            <a:pPr algn="ctr"/>
+            <a:r>
+              <a:rPr lang="en-US" sz="2400" b="1" dirty="0" smtClean="0">
+                <a:solidFill>
+                  <a:schemeClr val="tx1"/>
+                </a:solidFill>
+              </a:rPr>
+              <a:t>Protect data</a:t>
+            </a:r>
+            <a:endParaRPr lang="en-US" sz="2400" b="1" dirty="0">
+              <a:solidFill>
+                <a:schemeClr val="tx1"/>
+              </a:solidFill>
+            </a:endParaRPr>
+          </a:p>
+        </p:txBody>
+      </p:sp>
+      <p:sp>
+        <p:nvSpPr>
+          <p:cNvPr id="6" name="Rounded Rectangle 5"/>
+          <p:cNvSpPr/>
+          <p:nvPr/>
+        </p:nvSpPr>
+        <p:spPr>
+          <a:xfrm>
+            <a:off x="3984328" y="261257"/>
+            <a:ext cx="3234620" cy="5529943"/>
+          </a:xfrm>
+          <a:prstGeom prst="roundRect">
+            <a:avLst/>
+          </a:prstGeom>
+          <a:noFill/>
+        </p:spPr>
+        <p:style>
+          <a:lnRef idx="2">
+            <a:schemeClr val="accent1">
+              <a:shade val="50000"/>
+            </a:schemeClr>
+          </a:lnRef>
+          <a:fillRef idx="1">
+            <a:schemeClr val="accent1"/>
+          </a:fillRef>
+          <a:effectRef idx="0">
+            <a:schemeClr val="accent1"/>
+          </a:effectRef>
+          <a:fontRef idx="minor">
+            <a:schemeClr val="lt1"/>
+          </a:fontRef>
+        </p:style>
+        <p:txBody>
+          <a:bodyPr rtlCol="0" anchor="ctr"/>
+          <a:lstStyle/>
+          <a:p>
+            <a:pPr algn="ctr"/>
+            <a:endParaRPr lang="en-US"/>
+          </a:p>
+        </p:txBody>
+      </p:sp>
+      <p:cxnSp>
+        <p:nvCxnSpPr>
+          <p:cNvPr id="8" name="Straight Arrow Connector 7"/>
+          <p:cNvCxnSpPr>
+            <a:stCxn id="4" idx="2"/>
+            <a:endCxn id="5" idx="0"/>
+          </p:cNvCxnSpPr>
+          <p:nvPr/>
+        </p:nvCxnSpPr>
+        <p:spPr>
+          <a:xfrm flipH="1">
+            <a:off x="5628067" y="1655448"/>
+            <a:ext cx="1" cy="883558"/>
+          </a:xfrm>
+          <a:prstGeom prst="straightConnector1">
+            <a:avLst/>
+          </a:prstGeom>
+          <a:ln w="79375">
+            <a:headEnd type="triangle"/>
+            <a:tailEnd type="triangle"/>
+          </a:ln>
+        </p:spPr>
+        <p:style>
+          <a:lnRef idx="1">
+            <a:schemeClr val="accent1"/>
+          </a:lnRef>
+          <a:fillRef idx="0">
+            <a:schemeClr val="accent1"/>
+          </a:fillRef>
+          <a:effectRef idx="0">
+            <a:schemeClr val="accent1"/>
+          </a:effectRef>
+          <a:fontRef idx="minor">
+            <a:schemeClr val="tx1"/>
+          </a:fontRef>
+        </p:style>
+      </p:cxnSp>
+      <p:sp>
+        <p:nvSpPr>
+          <p:cNvPr id="9" name="TextBox 8"/>
+          <p:cNvSpPr txBox="1"/>
+          <p:nvPr/>
+        </p:nvSpPr>
+        <p:spPr>
+          <a:xfrm>
+            <a:off x="721895" y="6096000"/>
+            <a:ext cx="3262432" cy="584775"/>
+          </a:xfrm>
+          <a:prstGeom prst="rect">
+            <a:avLst/>
+          </a:prstGeom>
+          <a:noFill/>
+        </p:spPr>
+        <p:txBody>
+          <a:bodyPr wrap="none" rtlCol="0">
+            <a:spAutoFit/>
+          </a:bodyPr>
+          <a:lstStyle/>
+          <a:p>
+            <a:r>
+              <a:rPr lang="en-US" sz="3200" dirty="0" err="1" smtClean="0"/>
+              <a:t>Kiến</a:t>
+            </a:r>
+            <a:r>
+              <a:rPr lang="en-US" sz="3200" dirty="0" smtClean="0"/>
+              <a:t> </a:t>
+            </a:r>
+            <a:r>
+              <a:rPr lang="en-US" sz="3200" dirty="0" err="1" smtClean="0"/>
+              <a:t>trúc</a:t>
+            </a:r>
+            <a:r>
+              <a:rPr lang="en-US" sz="3200" dirty="0" smtClean="0"/>
+              <a:t> </a:t>
+            </a:r>
+            <a:r>
+              <a:rPr lang="en-US" sz="3200" dirty="0" err="1" smtClean="0"/>
+              <a:t>hệ</a:t>
+            </a:r>
+            <a:r>
+              <a:rPr lang="en-US" sz="3200" dirty="0" smtClean="0"/>
+              <a:t> </a:t>
+            </a:r>
+            <a:r>
+              <a:rPr lang="en-US" sz="3200" dirty="0" err="1" smtClean="0"/>
+              <a:t>thống</a:t>
+            </a:r>
+            <a:endParaRPr lang="en-US" sz="3200" dirty="0"/>
+          </a:p>
+        </p:txBody>
+      </p:sp>
+      <p:pic>
+        <p:nvPicPr>
+          <p:cNvPr id="10" name="Picture 9"/>
+          <p:cNvPicPr>
+            <a:picLocks noChangeAspect="1"/>
+          </p:cNvPicPr>
+          <p:nvPr/>
+        </p:nvPicPr>
+        <p:blipFill>
+          <a:blip r:embed="rId2">
+            <a:extLst>
+              <a:ext uri="{28A0092B-C50C-407E-A947-70E740481C1C}">
+                <a14:useLocalDpi xmlns:a14="http://schemas.microsoft.com/office/drawing/2010/main" val="0"/>
+              </a:ext>
+            </a:extLst>
+          </a:blip>
+          <a:stretch>
+            <a:fillRect/>
+          </a:stretch>
+        </p:blipFill>
+        <p:spPr>
+          <a:xfrm>
+            <a:off x="8275014" y="112694"/>
+            <a:ext cx="1542754" cy="1542754"/>
+          </a:xfrm>
+          <a:prstGeom prst="rect">
+            <a:avLst/>
+          </a:prstGeom>
+        </p:spPr>
+      </p:pic>
+      <p:cxnSp>
+        <p:nvCxnSpPr>
+          <p:cNvPr id="12" name="Straight Arrow Connector 11"/>
+          <p:cNvCxnSpPr>
+            <a:stCxn id="4" idx="3"/>
+          </p:cNvCxnSpPr>
+          <p:nvPr/>
+        </p:nvCxnSpPr>
+        <p:spPr>
+          <a:xfrm flipV="1">
+            <a:off x="6684135" y="1146732"/>
+            <a:ext cx="1590879" cy="1"/>
+          </a:xfrm>
+          <a:prstGeom prst="straightConnector1">
+            <a:avLst/>
+          </a:prstGeom>
+          <a:ln w="76200">
+            <a:headEnd type="triangle"/>
+            <a:tailEnd type="triangle"/>
+          </a:ln>
+        </p:spPr>
+        <p:style>
+          <a:lnRef idx="1">
+            <a:schemeClr val="accent1"/>
+          </a:lnRef>
+          <a:fillRef idx="0">
+            <a:schemeClr val="accent1"/>
+          </a:fillRef>
+          <a:effectRef idx="0">
+            <a:schemeClr val="accent1"/>
+          </a:effectRef>
+          <a:fontRef idx="minor">
+            <a:schemeClr val="tx1"/>
+          </a:fontRef>
+        </p:style>
+      </p:cxnSp>
+      <p:sp>
+        <p:nvSpPr>
+          <p:cNvPr id="13" name="Oval 12"/>
+          <p:cNvSpPr/>
+          <p:nvPr/>
+        </p:nvSpPr>
+        <p:spPr>
+          <a:xfrm>
+            <a:off x="8360393" y="4260311"/>
+            <a:ext cx="1604211" cy="1376797"/>
+          </a:xfrm>
+          <a:prstGeom prst="ellipse">
+            <a:avLst/>
+          </a:prstGeom>
+          <a:gradFill flip="none" rotWithShape="1">
+            <a:gsLst>
+              <a:gs pos="20000">
+                <a:schemeClr val="accent2">
+                  <a:lumMod val="67000"/>
+                </a:schemeClr>
+              </a:gs>
+              <a:gs pos="74000">
+                <a:schemeClr val="accent2">
+                  <a:lumMod val="97000"/>
+                  <a:lumOff val="3000"/>
+                </a:schemeClr>
+              </a:gs>
+              <a:gs pos="88000">
+                <a:schemeClr val="accent2">
+                  <a:lumMod val="60000"/>
+                  <a:lumOff val="40000"/>
+                </a:schemeClr>
+              </a:gs>
+            </a:gsLst>
+            <a:lin ang="16200000" scaled="1"/>
+            <a:tileRect/>
+          </a:gradFill>
+        </p:spPr>
+        <p:style>
+          <a:lnRef idx="2">
+            <a:schemeClr val="accent1">
+              <a:shade val="50000"/>
+            </a:schemeClr>
+          </a:lnRef>
+          <a:fillRef idx="1">
+            <a:schemeClr val="accent1"/>
+          </a:fillRef>
+          <a:effectRef idx="0">
+            <a:schemeClr val="accent1"/>
+          </a:effectRef>
+          <a:fontRef idx="minor">
+            <a:schemeClr val="lt1"/>
+          </a:fontRef>
+        </p:style>
+        <p:txBody>
+          <a:bodyPr rtlCol="0" anchor="ctr"/>
+          <a:lstStyle/>
+          <a:p>
+            <a:pPr algn="ctr"/>
+            <a:r>
+              <a:rPr lang="en-US" sz="2400" b="1" dirty="0" smtClean="0">
+                <a:solidFill>
+                  <a:schemeClr val="bg1">
+                    <a:lumMod val="95000"/>
+                  </a:schemeClr>
+                </a:solidFill>
+              </a:rPr>
+              <a:t>API</a:t>
+            </a:r>
+            <a:endParaRPr lang="en-US" sz="2400" b="1" dirty="0">
+              <a:solidFill>
+                <a:schemeClr val="bg1">
+                  <a:lumMod val="95000"/>
+                </a:schemeClr>
+              </a:solidFill>
+            </a:endParaRPr>
+          </a:p>
+        </p:txBody>
+      </p:sp>
+      <p:cxnSp>
+        <p:nvCxnSpPr>
+          <p:cNvPr id="14" name="Straight Arrow Connector 13"/>
+          <p:cNvCxnSpPr/>
+          <p:nvPr/>
+        </p:nvCxnSpPr>
+        <p:spPr>
+          <a:xfrm flipV="1">
+            <a:off x="6674335" y="4948710"/>
+            <a:ext cx="1590879" cy="1"/>
+          </a:xfrm>
+          <a:prstGeom prst="straightConnector1">
+            <a:avLst/>
+          </a:prstGeom>
+          <a:ln w="76200">
+            <a:headEnd type="triangle"/>
+            <a:tailEnd type="triangle"/>
+          </a:ln>
+        </p:spPr>
+        <p:style>
+          <a:lnRef idx="1">
+            <a:schemeClr val="accent1"/>
+          </a:lnRef>
+          <a:fillRef idx="0">
+            <a:schemeClr val="accent1"/>
+          </a:fillRef>
+          <a:effectRef idx="0">
+            <a:schemeClr val="accent1"/>
+          </a:effectRef>
+          <a:fontRef idx="minor">
+            <a:schemeClr val="tx1"/>
+          </a:fontRef>
+        </p:style>
+      </p:cxnSp>
+      <p:sp>
+        <p:nvSpPr>
+          <p:cNvPr id="16" name="Rounded Rectangle 15"/>
+          <p:cNvSpPr/>
+          <p:nvPr/>
+        </p:nvSpPr>
+        <p:spPr>
+          <a:xfrm>
+            <a:off x="4571998" y="4439995"/>
+            <a:ext cx="2112135" cy="1017431"/>
+          </a:xfrm>
+          <a:prstGeom prst="roundRect">
+            <a:avLst/>
+          </a:prstGeom>
+          <a:gradFill>
+            <a:gsLst>
+              <a:gs pos="0">
+                <a:schemeClr val="accent1">
+                  <a:lumMod val="5000"/>
+                  <a:lumOff val="95000"/>
+                </a:schemeClr>
+              </a:gs>
+              <a:gs pos="54000">
+                <a:schemeClr val="accent1">
+                  <a:lumMod val="45000"/>
+                  <a:lumOff val="55000"/>
+                </a:schemeClr>
+              </a:gs>
+              <a:gs pos="100000">
+                <a:schemeClr val="accent1">
+                  <a:lumMod val="45000"/>
+                  <a:lumOff val="55000"/>
+                </a:schemeClr>
+              </a:gs>
+              <a:gs pos="100000">
+                <a:schemeClr val="accent1">
+                  <a:lumMod val="30000"/>
+                  <a:lumOff val="70000"/>
+                </a:schemeClr>
+              </a:gs>
+            </a:gsLst>
+            <a:lin ang="5400000" scaled="1"/>
+          </a:gradFill>
+        </p:spPr>
+        <p:style>
+          <a:lnRef idx="2">
+            <a:schemeClr val="accent1">
+              <a:shade val="50000"/>
+            </a:schemeClr>
+          </a:lnRef>
+          <a:fillRef idx="1">
+            <a:schemeClr val="accent1"/>
+          </a:fillRef>
+          <a:effectRef idx="0">
+            <a:schemeClr val="accent1"/>
+          </a:effectRef>
+          <a:fontRef idx="minor">
+            <a:schemeClr val="lt1"/>
+          </a:fontRef>
+        </p:style>
+        <p:txBody>
+          <a:bodyPr rtlCol="0" anchor="ctr"/>
+          <a:lstStyle/>
+          <a:p>
+            <a:pPr algn="ctr"/>
+            <a:r>
+              <a:rPr lang="en-US" sz="2400" b="1" dirty="0" smtClean="0">
+                <a:solidFill>
+                  <a:schemeClr val="tx1"/>
+                </a:solidFill>
+              </a:rPr>
+              <a:t>Hook Module</a:t>
+            </a:r>
+            <a:endParaRPr lang="en-US" sz="2400" b="1" dirty="0">
+              <a:solidFill>
+                <a:schemeClr val="tx1"/>
+              </a:solidFill>
+            </a:endParaRPr>
+          </a:p>
+        </p:txBody>
+      </p:sp>
+      <p:cxnSp>
+        <p:nvCxnSpPr>
+          <p:cNvPr id="17" name="Straight Arrow Connector 16"/>
+          <p:cNvCxnSpPr/>
+          <p:nvPr/>
+        </p:nvCxnSpPr>
+        <p:spPr>
+          <a:xfrm flipH="1">
+            <a:off x="5628065" y="3584472"/>
+            <a:ext cx="1" cy="883558"/>
+          </a:xfrm>
+          <a:prstGeom prst="straightConnector1">
+            <a:avLst/>
+          </a:prstGeom>
+          <a:ln w="79375">
+            <a:headEnd type="triangle"/>
+            <a:tailEnd type="triangle"/>
+          </a:ln>
+        </p:spPr>
+        <p:style>
+          <a:lnRef idx="1">
+            <a:schemeClr val="accent1"/>
+          </a:lnRef>
+          <a:fillRef idx="0">
+            <a:schemeClr val="accent1"/>
+          </a:fillRef>
+          <a:effectRef idx="0">
+            <a:schemeClr val="accent1"/>
+          </a:effectRef>
+          <a:fontRef idx="minor">
+            <a:schemeClr val="tx1"/>
+          </a:fontRef>
+        </p:style>
+      </p:cxnSp>
+    </p:spTree>
+    <p:extLst>
+      <p:ext uri="{BB962C8B-B14F-4D97-AF65-F5344CB8AC3E}">
+        <p14:creationId xmlns:p14="http://schemas.microsoft.com/office/powerpoint/2010/main" val="4255877774"/>
+      </p:ext>
+    </p:extLst>
+  </p:cSld>
+  <p:clrMapOvr>
+    <a:masterClrMapping/>
+  </p:clrMapOvr>
+</p:sld>
+</file>
+
+<file path=ppt/slides/slide11.xml><?xml version="1.0" encoding="utf-8"?>
+<p:sld xmlns:a="http://schemas.openxmlformats.org/drawingml/2006/main" xmlns:r="http://schemas.openxmlformats.org/officeDocument/2006/relationships" xmlns:p="http://schemas.openxmlformats.org/presentationml/2006/main">
+  <p:cSld>
+    <p:spTree>
+      <p:nvGrpSpPr>
+        <p:cNvPr id="1" name=""/>
+        <p:cNvGrpSpPr/>
+        <p:nvPr/>
+      </p:nvGrpSpPr>
+      <p:grpSpPr>
+        <a:xfrm>
+          <a:off x="0" y="0"/>
+          <a:ext cx="0" cy="0"/>
+          <a:chOff x="0" y="0"/>
+          <a:chExt cx="0" cy="0"/>
+        </a:xfrm>
+      </p:grpSpPr>
+      <p:sp>
+        <p:nvSpPr>
           <p:cNvPr id="4" name="TextBox 3"/>
           <p:cNvSpPr txBox="1"/>
           <p:nvPr/>
@@ -9433,7 +11577,7 @@
 </p:sld>
 </file>
 
-<file path=ppt/slides/slide11.xml><?xml version="1.0" encoding="utf-8"?>
+<file path=ppt/slides/slide12.xml><?xml version="1.0" encoding="utf-8"?>
 <p:sld xmlns:a="http://schemas.openxmlformats.org/drawingml/2006/main" xmlns:r="http://schemas.openxmlformats.org/officeDocument/2006/relationships" xmlns:p="http://schemas.openxmlformats.org/presentationml/2006/main">
   <p:cSld>
     <p:spTree>
@@ -9809,7 +11953,7 @@
 </p:sld>
 </file>
 
-<file path=ppt/slides/slide12.xml><?xml version="1.0" encoding="utf-8"?>
+<file path=ppt/slides/slide13.xml><?xml version="1.0" encoding="utf-8"?>
 <p:sld xmlns:a="http://schemas.openxmlformats.org/drawingml/2006/main" xmlns:r="http://schemas.openxmlformats.org/officeDocument/2006/relationships" xmlns:p="http://schemas.openxmlformats.org/presentationml/2006/main">
   <p:cSld>
     <p:spTree>
@@ -10468,13 +12612,16 @@
         <p:spPr>
           <a:xfrm>
             <a:off x="1352282" y="927279"/>
-            <a:ext cx="3438659" cy="4816698"/>
+            <a:ext cx="4208243" cy="4421335"/>
           </a:xfrm>
           <a:prstGeom prst="roundRect">
             <a:avLst/>
           </a:prstGeom>
           <a:solidFill>
-            <a:srgbClr val="FE9C94"/>
+            <a:schemeClr val="accent6">
+              <a:lumMod val="20000"/>
+              <a:lumOff val="80000"/>
+            </a:schemeClr>
           </a:solidFill>
         </p:spPr>
         <p:style>
@@ -10511,17 +12658,21 @@
         <p:spPr>
           <a:xfrm>
             <a:off x="7210023" y="927279"/>
-            <a:ext cx="3438659" cy="4816698"/>
+            <a:ext cx="3438659" cy="4421335"/>
           </a:xfrm>
           <a:prstGeom prst="roundRect">
             <a:avLst/>
           </a:prstGeom>
           <a:solidFill>
-            <a:schemeClr val="accent1">
-              <a:lumMod val="40000"/>
-              <a:lumOff val="60000"/>
-            </a:schemeClr>
+            <a:srgbClr val="FEFED4"/>
           </a:solidFill>
+          <a:ln>
+            <a:solidFill>
+              <a:schemeClr val="accent1">
+                <a:shade val="50000"/>
+              </a:schemeClr>
+            </a:solidFill>
+          </a:ln>
         </p:spPr>
         <p:style>
           <a:lnRef idx="2">
@@ -10556,12 +12707,35 @@
         </p:nvSpPr>
         <p:spPr>
           <a:xfrm>
-            <a:off x="1668640" y="1521144"/>
+            <a:off x="1678591" y="1145204"/>
             <a:ext cx="1609859" cy="1442434"/>
           </a:xfrm>
           <a:prstGeom prst="ellipse">
             <a:avLst/>
           </a:prstGeom>
+          <a:gradFill>
+            <a:gsLst>
+              <a:gs pos="7000">
+                <a:schemeClr val="accent1">
+                  <a:lumMod val="5000"/>
+                  <a:lumOff val="95000"/>
+                </a:schemeClr>
+              </a:gs>
+              <a:gs pos="74000">
+                <a:schemeClr val="accent1">
+                  <a:lumMod val="45000"/>
+                  <a:lumOff val="55000"/>
+                </a:schemeClr>
+              </a:gs>
+              <a:gs pos="84000">
+                <a:schemeClr val="accent1">
+                  <a:lumMod val="30000"/>
+                  <a:lumOff val="70000"/>
+                </a:schemeClr>
+              </a:gs>
+            </a:gsLst>
+            <a:lin ang="5400000" scaled="1"/>
+          </a:gradFill>
         </p:spPr>
         <p:style>
           <a:lnRef idx="2">
@@ -10585,10 +12759,18 @@
           <a:p>
             <a:pPr algn="ctr"/>
             <a:r>
-              <a:rPr lang="en-US" dirty="0" smtClean="0"/>
+              <a:rPr lang="en-US" sz="2400" b="1" dirty="0">
+                <a:solidFill>
+                  <a:schemeClr val="tx1"/>
+                </a:solidFill>
+              </a:rPr>
               <a:t>Thread</a:t>
             </a:r>
-            <a:endParaRPr lang="en-US" dirty="0"/>
+            <a:endParaRPr lang="en-US" sz="2400" b="1" dirty="0">
+              <a:solidFill>
+                <a:schemeClr val="tx1"/>
+              </a:solidFill>
+            </a:endParaRPr>
           </a:p>
         </p:txBody>
       </p:sp>
@@ -10602,7 +12784,7 @@
         </p:nvCxnSpPr>
         <p:spPr>
           <a:xfrm flipH="1">
-            <a:off x="3278499" y="2240924"/>
+            <a:off x="3288450" y="1864984"/>
             <a:ext cx="3931524" cy="1437"/>
           </a:xfrm>
           <a:prstGeom prst="straightConnector1">
@@ -10635,7 +12817,7 @@
         </p:nvSpPr>
         <p:spPr>
           <a:xfrm>
-            <a:off x="4888358" y="2240924"/>
+            <a:off x="4396010" y="1453743"/>
             <a:ext cx="2381765" cy="369332"/>
           </a:xfrm>
           <a:prstGeom prst="rect">
@@ -10653,14 +12835,14 @@
           <a:lstStyle/>
           <a:p>
             <a:r>
-              <a:rPr lang="en-US" dirty="0" err="1" smtClean="0"/>
+              <a:rPr lang="en-US" b="1" dirty="0" err="1" smtClean="0"/>
               <a:t>CreateRemoteThread</a:t>
             </a:r>
             <a:r>
-              <a:rPr lang="en-US" dirty="0" smtClean="0"/>
+              <a:rPr lang="en-US" b="1" dirty="0" smtClean="0"/>
               <a:t>()</a:t>
             </a:r>
-            <a:endParaRPr lang="en-US" dirty="0"/>
+            <a:endParaRPr lang="en-US" b="1" dirty="0"/>
           </a:p>
         </p:txBody>
       </p:sp>
@@ -10671,13 +12853,13 @@
           <p:nvPr/>
         </p:nvCxnSpPr>
         <p:spPr>
-          <a:xfrm rot="16200000" flipH="1">
-            <a:off x="2247410" y="3197357"/>
-            <a:ext cx="3503054" cy="3030832"/>
+          <a:xfrm rot="5400000">
+            <a:off x="200924" y="4242731"/>
+            <a:ext cx="3601603" cy="354"/>
           </a:xfrm>
           <a:prstGeom prst="bentConnector3">
             <a:avLst>
-              <a:gd name="adj1" fmla="val 100198"/>
+              <a:gd name="adj1" fmla="val 50000"/>
             </a:avLst>
           </a:prstGeom>
           <a:ln w="76200">
@@ -10707,8 +12889,8 @@
         </p:nvSpPr>
         <p:spPr>
           <a:xfrm>
-            <a:off x="3559168" y="6067827"/>
-            <a:ext cx="1421799" cy="369332"/>
+            <a:off x="492503" y="5403361"/>
+            <a:ext cx="1446999" cy="369332"/>
           </a:xfrm>
           <a:prstGeom prst="rect">
             <a:avLst/>
@@ -10722,11 +12904,11 @@
           <a:lstStyle/>
           <a:p>
             <a:r>
-              <a:rPr lang="en-US" dirty="0" err="1" smtClean="0"/>
+              <a:rPr lang="en-US" b="1" dirty="0" err="1" smtClean="0"/>
               <a:t>LoadLibrary</a:t>
             </a:r>
             <a:r>
-              <a:rPr lang="en-US" dirty="0" smtClean="0"/>
+              <a:rPr lang="en-US" b="1" dirty="0" smtClean="0"/>
               <a:t>()</a:t>
             </a:r>
           </a:p>
@@ -10740,15 +12922,40 @@
         </p:nvSpPr>
         <p:spPr>
           <a:xfrm>
-            <a:off x="5493415" y="6246447"/>
-            <a:ext cx="1566034" cy="435707"/>
+            <a:off x="1026641" y="5966697"/>
+            <a:ext cx="2429761" cy="570079"/>
           </a:xfrm>
           <a:prstGeom prst="rect">
             <a:avLst/>
           </a:prstGeom>
-          <a:solidFill>
-            <a:srgbClr val="FF0000"/>
-          </a:solidFill>
+          <a:gradFill flip="none" rotWithShape="1">
+            <a:gsLst>
+              <a:gs pos="0">
+                <a:schemeClr val="accent2">
+                  <a:lumMod val="89000"/>
+                </a:schemeClr>
+              </a:gs>
+              <a:gs pos="13000">
+                <a:schemeClr val="accent2">
+                  <a:lumMod val="89000"/>
+                </a:schemeClr>
+              </a:gs>
+              <a:gs pos="82000">
+                <a:schemeClr val="accent2">
+                  <a:lumMod val="75000"/>
+                </a:schemeClr>
+              </a:gs>
+              <a:gs pos="97000">
+                <a:schemeClr val="accent2">
+                  <a:lumMod val="70000"/>
+                </a:schemeClr>
+              </a:gs>
+            </a:gsLst>
+            <a:path path="circle">
+              <a:fillToRect l="50000" t="50000" r="50000" b="50000"/>
+            </a:path>
+            <a:tileRect/>
+          </a:gradFill>
         </p:spPr>
         <p:style>
           <a:lnRef idx="2">
@@ -10772,10 +12979,10 @@
           <a:p>
             <a:pPr algn="ctr"/>
             <a:r>
-              <a:rPr lang="en-US" dirty="0" smtClean="0"/>
+              <a:rPr lang="en-US" sz="2800" dirty="0" smtClean="0"/>
               <a:t>Intercept.DLL</a:t>
             </a:r>
-            <a:endParaRPr lang="en-US" dirty="0"/>
+            <a:endParaRPr lang="en-US" sz="2800" dirty="0"/>
           </a:p>
         </p:txBody>
       </p:sp>
@@ -10787,8 +12994,8 @@
         </p:nvSpPr>
         <p:spPr>
           <a:xfrm>
-            <a:off x="2025098" y="440664"/>
-            <a:ext cx="2173415" cy="369332"/>
+            <a:off x="2001902" y="343744"/>
+            <a:ext cx="2909001" cy="461665"/>
           </a:xfrm>
           <a:prstGeom prst="rect">
             <a:avLst/>
@@ -10802,7 +13009,13 @@
           <a:lstStyle/>
           <a:p>
             <a:r>
-              <a:rPr lang="en-US" dirty="0" smtClean="0"/>
+              <a:rPr lang="en-US" sz="2400" b="1" dirty="0" smtClean="0">
+                <a:solidFill>
+                  <a:schemeClr val="accent2">
+                    <a:lumMod val="75000"/>
+                  </a:schemeClr>
+                </a:solidFill>
+              </a:rPr>
               <a:t>Windows Application</a:t>
             </a:r>
           </a:p>
@@ -10816,8 +13029,8 @@
         </p:nvSpPr>
         <p:spPr>
           <a:xfrm>
-            <a:off x="8129710" y="440664"/>
-            <a:ext cx="1599284" cy="369332"/>
+            <a:off x="7895575" y="374006"/>
+            <a:ext cx="2124428" cy="461665"/>
           </a:xfrm>
           <a:prstGeom prst="rect">
             <a:avLst/>
@@ -10831,7 +13044,13 @@
           <a:lstStyle/>
           <a:p>
             <a:r>
-              <a:rPr lang="en-US" dirty="0" smtClean="0"/>
+              <a:rPr lang="en-US" sz="2400" b="1" dirty="0" smtClean="0">
+                <a:solidFill>
+                  <a:schemeClr val="accent2">
+                    <a:lumMod val="75000"/>
+                  </a:schemeClr>
+                </a:solidFill>
+              </a:rPr>
               <a:t>My Application</a:t>
             </a:r>
           </a:p>
@@ -10845,12 +13064,35 @@
         </p:nvSpPr>
         <p:spPr>
           <a:xfrm>
-            <a:off x="2653540" y="3557442"/>
-            <a:ext cx="1948375" cy="1561514"/>
+            <a:off x="2675851" y="3233828"/>
+            <a:ext cx="2662729" cy="1561514"/>
           </a:xfrm>
           <a:prstGeom prst="ellipse">
             <a:avLst/>
           </a:prstGeom>
+          <a:gradFill>
+            <a:gsLst>
+              <a:gs pos="7000">
+                <a:schemeClr val="accent1">
+                  <a:lumMod val="5000"/>
+                  <a:lumOff val="95000"/>
+                </a:schemeClr>
+              </a:gs>
+              <a:gs pos="74000">
+                <a:schemeClr val="accent1">
+                  <a:lumMod val="45000"/>
+                  <a:lumOff val="55000"/>
+                </a:schemeClr>
+              </a:gs>
+              <a:gs pos="84000">
+                <a:schemeClr val="accent1">
+                  <a:lumMod val="30000"/>
+                  <a:lumOff val="70000"/>
+                </a:schemeClr>
+              </a:gs>
+            </a:gsLst>
+            <a:lin ang="5400000" scaled="1"/>
+          </a:gradFill>
         </p:spPr>
         <p:style>
           <a:lnRef idx="2">
@@ -10874,14 +13116,34 @@
           <a:p>
             <a:pPr algn="ctr"/>
             <a:r>
-              <a:rPr lang="en-US" dirty="0" err="1" smtClean="0"/>
+              <a:rPr lang="en-US" sz="2400" b="1" dirty="0" err="1">
+                <a:solidFill>
+                  <a:schemeClr val="tx1"/>
+                </a:solidFill>
+              </a:rPr>
               <a:t>CreateHook</a:t>
             </a:r>
             <a:r>
-              <a:rPr lang="en-US" dirty="0" smtClean="0"/>
-              <a:t>, Notify Function Call</a:t>
-            </a:r>
-            <a:endParaRPr lang="en-US" dirty="0"/>
+              <a:rPr lang="en-US" sz="2400" b="1" dirty="0">
+                <a:solidFill>
+                  <a:schemeClr val="tx1"/>
+                </a:solidFill>
+              </a:rPr>
+              <a:t>, </a:t>
+            </a:r>
+            <a:r>
+              <a:rPr lang="en-US" sz="2400" b="1" dirty="0" smtClean="0">
+                <a:solidFill>
+                  <a:schemeClr val="tx1"/>
+                </a:solidFill>
+              </a:rPr>
+              <a:t>Notify</a:t>
+            </a:r>
+            <a:endParaRPr lang="en-US" sz="2400" b="1" dirty="0">
+              <a:solidFill>
+                <a:schemeClr val="tx1"/>
+              </a:solidFill>
+            </a:endParaRPr>
           </a:p>
         </p:txBody>
       </p:sp>
@@ -10893,12 +13155,35 @@
         </p:nvSpPr>
         <p:spPr>
           <a:xfrm>
-            <a:off x="7582486" y="3572302"/>
+            <a:off x="7582487" y="3233828"/>
             <a:ext cx="2146507" cy="1561513"/>
           </a:xfrm>
           <a:prstGeom prst="ellipse">
             <a:avLst/>
           </a:prstGeom>
+          <a:gradFill>
+            <a:gsLst>
+              <a:gs pos="7000">
+                <a:schemeClr val="accent1">
+                  <a:lumMod val="5000"/>
+                  <a:lumOff val="95000"/>
+                </a:schemeClr>
+              </a:gs>
+              <a:gs pos="74000">
+                <a:schemeClr val="accent1">
+                  <a:lumMod val="45000"/>
+                  <a:lumOff val="55000"/>
+                </a:schemeClr>
+              </a:gs>
+              <a:gs pos="84000">
+                <a:schemeClr val="accent1">
+                  <a:lumMod val="30000"/>
+                  <a:lumOff val="70000"/>
+                </a:schemeClr>
+              </a:gs>
+            </a:gsLst>
+            <a:lin ang="5400000" scaled="1"/>
+          </a:gradFill>
         </p:spPr>
         <p:style>
           <a:lnRef idx="2">
@@ -10922,10 +13207,18 @@
           <a:p>
             <a:pPr algn="ctr"/>
             <a:r>
-              <a:rPr lang="en-US" dirty="0" smtClean="0"/>
+              <a:rPr lang="en-US" sz="2400" b="1" dirty="0">
+                <a:solidFill>
+                  <a:schemeClr val="tx1"/>
+                </a:solidFill>
+              </a:rPr>
               <a:t>Manager  Hook</a:t>
             </a:r>
-            <a:endParaRPr lang="en-US" dirty="0"/>
+            <a:endParaRPr lang="en-US" sz="2400" b="1" dirty="0">
+              <a:solidFill>
+                <a:schemeClr val="tx1"/>
+              </a:solidFill>
+            </a:endParaRPr>
           </a:p>
         </p:txBody>
       </p:sp>
@@ -10938,9 +13231,9 @@
           <p:nvPr/>
         </p:nvCxnSpPr>
         <p:spPr>
-          <a:xfrm flipV="1">
-            <a:off x="3516922" y="4353059"/>
-            <a:ext cx="4065564" cy="25751"/>
+          <a:xfrm>
+            <a:off x="5338580" y="4010526"/>
+            <a:ext cx="2243907" cy="4059"/>
           </a:xfrm>
           <a:prstGeom prst="straightConnector1">
             <a:avLst/>
@@ -10972,7 +13265,7 @@
         </p:nvCxnSpPr>
         <p:spPr>
           <a:xfrm>
-            <a:off x="2787445" y="2932421"/>
+            <a:off x="2787445" y="2572151"/>
             <a:ext cx="729477" cy="639881"/>
           </a:xfrm>
           <a:prstGeom prst="straightConnector1">
@@ -11005,8 +13298,8 @@
         </p:nvSpPr>
         <p:spPr>
           <a:xfrm>
-            <a:off x="8354860" y="6288640"/>
-            <a:ext cx="2190471" cy="369332"/>
+            <a:off x="257046" y="7319885"/>
+            <a:ext cx="3296543" cy="523220"/>
           </a:xfrm>
           <a:prstGeom prst="rect">
             <a:avLst/>
@@ -11020,10 +13313,257 @@
           <a:lstStyle/>
           <a:p>
             <a:r>
-              <a:rPr lang="en-US" dirty="0" err="1" smtClean="0"/>
+              <a:rPr lang="en-US" sz="2800" dirty="0" err="1" smtClean="0"/>
               <a:t>CreateRemoteThread</a:t>
             </a:r>
-            <a:endParaRPr lang="en-US" dirty="0"/>
+            <a:endParaRPr lang="en-US" sz="2800" dirty="0"/>
+          </a:p>
+        </p:txBody>
+      </p:sp>
+      <p:sp>
+        <p:nvSpPr>
+          <p:cNvPr id="24" name="TextBox 23"/>
+          <p:cNvSpPr txBox="1"/>
+          <p:nvPr/>
+        </p:nvSpPr>
+        <p:spPr>
+          <a:xfrm>
+            <a:off x="6120375" y="1980440"/>
+            <a:ext cx="367408" cy="523220"/>
+          </a:xfrm>
+          <a:prstGeom prst="rect">
+            <a:avLst/>
+          </a:prstGeom>
+          <a:noFill/>
+        </p:spPr>
+        <p:txBody>
+          <a:bodyPr wrap="none" rtlCol="0">
+            <a:spAutoFit/>
+          </a:bodyPr>
+          <a:lstStyle/>
+          <a:p>
+            <a:r>
+              <a:rPr lang="en-US" sz="2800" b="1" dirty="0" smtClean="0">
+                <a:solidFill>
+                  <a:schemeClr val="accent1">
+                    <a:lumMod val="50000"/>
+                  </a:schemeClr>
+                </a:solidFill>
+              </a:rPr>
+              <a:t>1</a:t>
+            </a:r>
+            <a:endParaRPr lang="en-US" sz="2800" b="1" dirty="0">
+              <a:solidFill>
+                <a:schemeClr val="accent1">
+                  <a:lumMod val="50000"/>
+                </a:schemeClr>
+              </a:solidFill>
+            </a:endParaRPr>
+          </a:p>
+        </p:txBody>
+      </p:sp>
+      <p:sp>
+        <p:nvSpPr>
+          <p:cNvPr id="33" name="TextBox 32"/>
+          <p:cNvSpPr txBox="1"/>
+          <p:nvPr/>
+        </p:nvSpPr>
+        <p:spPr>
+          <a:xfrm>
+            <a:off x="1472335" y="4271148"/>
+            <a:ext cx="308932" cy="523220"/>
+          </a:xfrm>
+          <a:prstGeom prst="rect">
+            <a:avLst/>
+          </a:prstGeom>
+          <a:noFill/>
+        </p:spPr>
+        <p:txBody>
+          <a:bodyPr wrap="square" rtlCol="0">
+            <a:spAutoFit/>
+          </a:bodyPr>
+          <a:lstStyle/>
+          <a:p>
+            <a:r>
+              <a:rPr lang="en-US" sz="2800" b="1" dirty="0" smtClean="0">
+                <a:solidFill>
+                  <a:schemeClr val="accent1">
+                    <a:lumMod val="50000"/>
+                  </a:schemeClr>
+                </a:solidFill>
+              </a:rPr>
+              <a:t>2</a:t>
+            </a:r>
+            <a:endParaRPr lang="en-US" sz="2800" b="1" dirty="0">
+              <a:solidFill>
+                <a:schemeClr val="accent1">
+                  <a:lumMod val="50000"/>
+                </a:schemeClr>
+              </a:solidFill>
+            </a:endParaRPr>
+          </a:p>
+        </p:txBody>
+      </p:sp>
+      <p:sp>
+        <p:nvSpPr>
+          <p:cNvPr id="35" name="TextBox 34"/>
+          <p:cNvSpPr txBox="1"/>
+          <p:nvPr/>
+        </p:nvSpPr>
+        <p:spPr>
+          <a:xfrm>
+            <a:off x="6209791" y="4158480"/>
+            <a:ext cx="317948" cy="523220"/>
+          </a:xfrm>
+          <a:prstGeom prst="rect">
+            <a:avLst/>
+          </a:prstGeom>
+          <a:noFill/>
+        </p:spPr>
+        <p:txBody>
+          <a:bodyPr wrap="square" rtlCol="0">
+            <a:spAutoFit/>
+          </a:bodyPr>
+          <a:lstStyle/>
+          <a:p>
+            <a:r>
+              <a:rPr lang="en-US" sz="2800" b="1" dirty="0" smtClean="0">
+                <a:solidFill>
+                  <a:schemeClr val="accent1">
+                    <a:lumMod val="50000"/>
+                  </a:schemeClr>
+                </a:solidFill>
+              </a:rPr>
+              <a:t>5</a:t>
+            </a:r>
+            <a:endParaRPr lang="en-US" sz="2800" b="1" dirty="0">
+              <a:solidFill>
+                <a:schemeClr val="accent1">
+                  <a:lumMod val="50000"/>
+                </a:schemeClr>
+              </a:solidFill>
+            </a:endParaRPr>
+          </a:p>
+        </p:txBody>
+      </p:sp>
+      <p:cxnSp>
+        <p:nvCxnSpPr>
+          <p:cNvPr id="42" name="Elbow Connector 41"/>
+          <p:cNvCxnSpPr>
+            <a:endCxn id="7" idx="4"/>
+          </p:cNvCxnSpPr>
+          <p:nvPr/>
+        </p:nvCxnSpPr>
+        <p:spPr>
+          <a:xfrm rot="5400000" flipH="1" flipV="1">
+            <a:off x="793991" y="4277167"/>
+            <a:ext cx="3379058" cy="1"/>
+          </a:xfrm>
+          <a:prstGeom prst="bentConnector3">
+            <a:avLst>
+              <a:gd name="adj1" fmla="val 50000"/>
+            </a:avLst>
+          </a:prstGeom>
+          <a:ln w="76200">
+            <a:tailEnd type="triangle"/>
+          </a:ln>
+        </p:spPr>
+        <p:style>
+          <a:lnRef idx="1">
+            <a:schemeClr val="accent1"/>
+          </a:lnRef>
+          <a:fillRef idx="0">
+            <a:schemeClr val="accent1"/>
+          </a:fillRef>
+          <a:effectRef idx="0">
+            <a:schemeClr val="accent1"/>
+          </a:effectRef>
+          <a:fontRef idx="minor">
+            <a:schemeClr val="tx1"/>
+          </a:fontRef>
+        </p:style>
+      </p:cxnSp>
+      <p:sp>
+        <p:nvSpPr>
+          <p:cNvPr id="46" name="TextBox 45"/>
+          <p:cNvSpPr txBox="1"/>
+          <p:nvPr/>
+        </p:nvSpPr>
+        <p:spPr>
+          <a:xfrm>
+            <a:off x="2651169" y="5357194"/>
+            <a:ext cx="367408" cy="523220"/>
+          </a:xfrm>
+          <a:prstGeom prst="rect">
+            <a:avLst/>
+          </a:prstGeom>
+          <a:noFill/>
+        </p:spPr>
+        <p:txBody>
+          <a:bodyPr wrap="none" rtlCol="0">
+            <a:spAutoFit/>
+          </a:bodyPr>
+          <a:lstStyle/>
+          <a:p>
+            <a:r>
+              <a:rPr lang="en-US" sz="2800" b="1" dirty="0" smtClean="0">
+                <a:solidFill>
+                  <a:schemeClr val="accent1">
+                    <a:lumMod val="50000"/>
+                  </a:schemeClr>
+                </a:solidFill>
+              </a:rPr>
+              <a:t>3</a:t>
+            </a:r>
+            <a:endParaRPr lang="en-US" sz="2800" b="1" dirty="0">
+              <a:solidFill>
+                <a:schemeClr val="accent1">
+                  <a:lumMod val="50000"/>
+                </a:schemeClr>
+              </a:solidFill>
+            </a:endParaRPr>
+          </a:p>
+        </p:txBody>
+      </p:sp>
+      <p:sp>
+        <p:nvSpPr>
+          <p:cNvPr id="47" name="TextBox 46"/>
+          <p:cNvSpPr txBox="1"/>
+          <p:nvPr/>
+        </p:nvSpPr>
+        <p:spPr>
+          <a:xfrm>
+            <a:off x="3232929" y="2427203"/>
+            <a:ext cx="339515" cy="523220"/>
+          </a:xfrm>
+          <a:prstGeom prst="rect">
+            <a:avLst/>
+          </a:prstGeom>
+          <a:noFill/>
+        </p:spPr>
+        <p:txBody>
+          <a:bodyPr wrap="square" rtlCol="0">
+            <a:spAutoFit/>
+          </a:bodyPr>
+          <a:lstStyle/>
+          <a:p>
+            <a:r>
+              <a:rPr lang="en-US" sz="2800" b="1" dirty="0" smtClean="0">
+                <a:solidFill>
+                  <a:schemeClr val="accent1">
+                    <a:lumMod val="50000"/>
+                  </a:schemeClr>
+                </a:solidFill>
+              </a:rPr>
+              <a:t>4</a:t>
+            </a:r>
+            <a:endParaRPr lang="en-US" sz="2800" b="1" dirty="0">
+              <a:solidFill>
+                <a:schemeClr val="accent1">
+                  <a:lumMod val="50000"/>
+                </a:schemeClr>
+              </a:solidFill>
+            </a:endParaRPr>
           </a:p>
         </p:txBody>
       </p:sp>
@@ -11688,6 +14228,104 @@
                       </p:childTnLst>
                     </p:cTn>
                   </p:par>
+                  <p:par>
+                    <p:cTn id="57" fill="hold">
+                      <p:stCondLst>
+                        <p:cond delay="indefinite"/>
+                      </p:stCondLst>
+                      <p:childTnLst>
+                        <p:par>
+                          <p:cTn id="58" fill="hold">
+                            <p:stCondLst>
+                              <p:cond delay="0"/>
+                            </p:stCondLst>
+                            <p:childTnLst>
+                              <p:par>
+                                <p:cTn id="59" presetID="10" presetClass="entr" presetSubtype="0" fill="hold" nodeType="clickEffect">
+                                  <p:stCondLst>
+                                    <p:cond delay="0"/>
+                                  </p:stCondLst>
+                                  <p:childTnLst>
+                                    <p:set>
+                                      <p:cBhvr>
+                                        <p:cTn id="60" dur="1" fill="hold">
+                                          <p:stCondLst>
+                                            <p:cond delay="0"/>
+                                          </p:stCondLst>
+                                        </p:cTn>
+                                        <p:tgtEl>
+                                          <p:spTgt spid="42"/>
+                                        </p:tgtEl>
+                                        <p:attrNameLst>
+                                          <p:attrName>style.visibility</p:attrName>
+                                        </p:attrNameLst>
+                                      </p:cBhvr>
+                                      <p:to>
+                                        <p:strVal val="visible"/>
+                                      </p:to>
+                                    </p:set>
+                                    <p:animEffect transition="in" filter="fade">
+                                      <p:cBhvr>
+                                        <p:cTn id="61" dur="500"/>
+                                        <p:tgtEl>
+                                          <p:spTgt spid="42"/>
+                                        </p:tgtEl>
+                                      </p:cBhvr>
+                                    </p:animEffect>
+                                  </p:childTnLst>
+                                </p:cTn>
+                              </p:par>
+                            </p:childTnLst>
+                          </p:cTn>
+                        </p:par>
+                      </p:childTnLst>
+                    </p:cTn>
+                  </p:par>
+                  <p:par>
+                    <p:cTn id="62" fill="hold">
+                      <p:stCondLst>
+                        <p:cond delay="indefinite"/>
+                      </p:stCondLst>
+                      <p:childTnLst>
+                        <p:par>
+                          <p:cTn id="63" fill="hold">
+                            <p:stCondLst>
+                              <p:cond delay="0"/>
+                            </p:stCondLst>
+                            <p:childTnLst>
+                              <p:par>
+                                <p:cTn id="64" presetID="1" presetClass="exit" presetSubtype="0" fill="hold" nodeType="clickEffect">
+                                  <p:stCondLst>
+                                    <p:cond delay="0"/>
+                                  </p:stCondLst>
+                                  <p:childTnLst>
+                                    <p:set>
+                                      <p:cBhvr>
+                                        <p:cTn id="65" dur="1" fill="hold">
+                                          <p:stCondLst>
+                                            <p:cond delay="0"/>
+                                          </p:stCondLst>
+                                        </p:cTn>
+                                        <p:tgtEl>
+                                          <p:spTgt spid="42"/>
+                                        </p:tgtEl>
+                                        <p:attrNameLst>
+                                          <p:attrName>style.visibility</p:attrName>
+                                        </p:attrNameLst>
+                                      </p:cBhvr>
+                                      <p:to>
+                                        <p:strVal val="hidden"/>
+                                      </p:to>
+                                    </p:set>
+                                  </p:childTnLst>
+                                </p:cTn>
+                              </p:par>
+                            </p:childTnLst>
+                          </p:cTn>
+                        </p:par>
+                      </p:childTnLst>
+                    </p:cTn>
+                  </p:par>
                 </p:childTnLst>
               </p:cTn>
               <p:prevCondLst>
@@ -11723,6 +14361,1131 @@
 </file>
 
 <file path=ppt/slides/slide4.xml><?xml version="1.0" encoding="utf-8"?>
+<p:sld xmlns:a="http://schemas.openxmlformats.org/drawingml/2006/main" xmlns:r="http://schemas.openxmlformats.org/officeDocument/2006/relationships" xmlns:p="http://schemas.openxmlformats.org/presentationml/2006/main">
+  <p:cSld>
+    <p:spTree>
+      <p:nvGrpSpPr>
+        <p:cNvPr id="1" name=""/>
+        <p:cNvGrpSpPr/>
+        <p:nvPr/>
+      </p:nvGrpSpPr>
+      <p:grpSpPr>
+        <a:xfrm>
+          <a:off x="0" y="0"/>
+          <a:ext cx="0" cy="0"/>
+          <a:chOff x="0" y="0"/>
+          <a:chExt cx="0" cy="0"/>
+        </a:xfrm>
+      </p:grpSpPr>
+      <p:sp>
+        <p:nvSpPr>
+          <p:cNvPr id="4" name="Rounded Rectangle 3"/>
+          <p:cNvSpPr/>
+          <p:nvPr/>
+        </p:nvSpPr>
+        <p:spPr>
+          <a:xfrm>
+            <a:off x="2338708" y="927280"/>
+            <a:ext cx="2451939" cy="2773790"/>
+          </a:xfrm>
+          <a:prstGeom prst="roundRect">
+            <a:avLst/>
+          </a:prstGeom>
+          <a:gradFill flip="none" rotWithShape="1">
+            <a:gsLst>
+              <a:gs pos="0">
+                <a:schemeClr val="accent6">
+                  <a:lumMod val="40000"/>
+                  <a:lumOff val="60000"/>
+                </a:schemeClr>
+              </a:gs>
+              <a:gs pos="46000">
+                <a:schemeClr val="accent6">
+                  <a:lumMod val="95000"/>
+                  <a:lumOff val="5000"/>
+                </a:schemeClr>
+              </a:gs>
+              <a:gs pos="100000">
+                <a:schemeClr val="accent6">
+                  <a:lumMod val="60000"/>
+                </a:schemeClr>
+              </a:gs>
+            </a:gsLst>
+            <a:path path="circle">
+              <a:fillToRect l="50000" t="130000" r="50000" b="-30000"/>
+            </a:path>
+            <a:tileRect/>
+          </a:gradFill>
+          <a:scene3d>
+            <a:camera prst="orthographicFront"/>
+            <a:lightRig rig="threePt" dir="t"/>
+          </a:scene3d>
+          <a:sp3d>
+            <a:bevelT prst="angle"/>
+          </a:sp3d>
+        </p:spPr>
+        <p:style>
+          <a:lnRef idx="2">
+            <a:schemeClr val="accent1">
+              <a:shade val="50000"/>
+            </a:schemeClr>
+          </a:lnRef>
+          <a:fillRef idx="1">
+            <a:schemeClr val="accent1"/>
+          </a:fillRef>
+          <a:effectRef idx="0">
+            <a:schemeClr val="accent1"/>
+          </a:effectRef>
+          <a:fontRef idx="minor">
+            <a:schemeClr val="lt1"/>
+          </a:fontRef>
+        </p:style>
+        <p:txBody>
+          <a:bodyPr rtlCol="0" anchor="ctr"/>
+          <a:lstStyle/>
+          <a:p>
+            <a:pPr algn="ctr"/>
+            <a:endParaRPr lang="en-US" dirty="0"/>
+          </a:p>
+        </p:txBody>
+      </p:sp>
+      <p:sp>
+        <p:nvSpPr>
+          <p:cNvPr id="6" name="Rounded Rectangle 5"/>
+          <p:cNvSpPr/>
+          <p:nvPr/>
+        </p:nvSpPr>
+        <p:spPr>
+          <a:xfrm>
+            <a:off x="8327704" y="927279"/>
+            <a:ext cx="2348562" cy="2773791"/>
+          </a:xfrm>
+          <a:prstGeom prst="roundRect">
+            <a:avLst/>
+          </a:prstGeom>
+          <a:gradFill flip="none" rotWithShape="1">
+            <a:gsLst>
+              <a:gs pos="0">
+                <a:schemeClr val="accent2">
+                  <a:lumMod val="40000"/>
+                  <a:lumOff val="60000"/>
+                </a:schemeClr>
+              </a:gs>
+              <a:gs pos="28000">
+                <a:schemeClr val="accent2">
+                  <a:lumMod val="95000"/>
+                  <a:lumOff val="5000"/>
+                </a:schemeClr>
+              </a:gs>
+              <a:gs pos="100000">
+                <a:schemeClr val="accent2">
+                  <a:lumMod val="75000"/>
+                </a:schemeClr>
+              </a:gs>
+            </a:gsLst>
+            <a:path path="circle">
+              <a:fillToRect l="50000" t="130000" r="50000" b="-30000"/>
+            </a:path>
+            <a:tileRect/>
+          </a:gradFill>
+          <a:ln>
+            <a:solidFill>
+              <a:schemeClr val="accent1">
+                <a:shade val="50000"/>
+              </a:schemeClr>
+            </a:solidFill>
+          </a:ln>
+          <a:scene3d>
+            <a:camera prst="orthographicFront"/>
+            <a:lightRig rig="threePt" dir="t"/>
+          </a:scene3d>
+          <a:sp3d>
+            <a:bevelT prst="angle"/>
+          </a:sp3d>
+        </p:spPr>
+        <p:style>
+          <a:lnRef idx="2">
+            <a:schemeClr val="accent1">
+              <a:shade val="50000"/>
+            </a:schemeClr>
+          </a:lnRef>
+          <a:fillRef idx="1">
+            <a:schemeClr val="accent1"/>
+          </a:fillRef>
+          <a:effectRef idx="0">
+            <a:schemeClr val="accent1"/>
+          </a:effectRef>
+          <a:fontRef idx="minor">
+            <a:schemeClr val="lt1"/>
+          </a:fontRef>
+        </p:style>
+        <p:txBody>
+          <a:bodyPr rtlCol="0" anchor="ctr"/>
+          <a:lstStyle/>
+          <a:p>
+            <a:pPr algn="ctr"/>
+            <a:endParaRPr lang="en-US"/>
+          </a:p>
+        </p:txBody>
+      </p:sp>
+      <p:sp>
+        <p:nvSpPr>
+          <p:cNvPr id="7" name="Oval 6"/>
+          <p:cNvSpPr/>
+          <p:nvPr/>
+        </p:nvSpPr>
+        <p:spPr>
+          <a:xfrm>
+            <a:off x="2748659" y="1087950"/>
+            <a:ext cx="1609859" cy="1442434"/>
+          </a:xfrm>
+          <a:prstGeom prst="ellipse">
+            <a:avLst/>
+          </a:prstGeom>
+          <a:gradFill>
+            <a:gsLst>
+              <a:gs pos="7000">
+                <a:schemeClr val="accent1">
+                  <a:lumMod val="5000"/>
+                  <a:lumOff val="95000"/>
+                </a:schemeClr>
+              </a:gs>
+              <a:gs pos="74000">
+                <a:schemeClr val="accent1">
+                  <a:lumMod val="45000"/>
+                  <a:lumOff val="55000"/>
+                </a:schemeClr>
+              </a:gs>
+              <a:gs pos="84000">
+                <a:schemeClr val="accent1">
+                  <a:lumMod val="30000"/>
+                  <a:lumOff val="70000"/>
+                </a:schemeClr>
+              </a:gs>
+            </a:gsLst>
+            <a:lin ang="5400000" scaled="1"/>
+          </a:gradFill>
+          <a:scene3d>
+            <a:camera prst="orthographicFront"/>
+            <a:lightRig rig="threePt" dir="t">
+              <a:rot lat="0" lon="0" rev="3000000"/>
+            </a:lightRig>
+          </a:scene3d>
+          <a:sp3d prstMaterial="metal">
+            <a:bevelT/>
+            <a:bevelB prst="angle"/>
+          </a:sp3d>
+        </p:spPr>
+        <p:style>
+          <a:lnRef idx="2">
+            <a:schemeClr val="accent1">
+              <a:shade val="50000"/>
+            </a:schemeClr>
+          </a:lnRef>
+          <a:fillRef idx="1">
+            <a:schemeClr val="accent1"/>
+          </a:fillRef>
+          <a:effectRef idx="0">
+            <a:schemeClr val="accent1"/>
+          </a:effectRef>
+          <a:fontRef idx="minor">
+            <a:schemeClr val="lt1"/>
+          </a:fontRef>
+        </p:style>
+        <p:txBody>
+          <a:bodyPr rtlCol="0" anchor="ctr"/>
+          <a:lstStyle/>
+          <a:p>
+            <a:pPr algn="ctr"/>
+            <a:r>
+              <a:rPr lang="en-US" sz="2400" b="1" dirty="0">
+                <a:solidFill>
+                  <a:schemeClr val="tx1"/>
+                </a:solidFill>
+              </a:rPr>
+              <a:t>Thread</a:t>
+            </a:r>
+            <a:endParaRPr lang="en-US" sz="2400" b="1" dirty="0">
+              <a:solidFill>
+                <a:schemeClr val="tx1"/>
+              </a:solidFill>
+            </a:endParaRPr>
+          </a:p>
+        </p:txBody>
+      </p:sp>
+      <p:cxnSp>
+        <p:nvCxnSpPr>
+          <p:cNvPr id="9" name="Straight Arrow Connector 8"/>
+          <p:cNvCxnSpPr>
+            <a:endCxn id="7" idx="6"/>
+          </p:cNvCxnSpPr>
+          <p:nvPr/>
+        </p:nvCxnSpPr>
+        <p:spPr>
+          <a:xfrm flipH="1">
+            <a:off x="4358518" y="1809167"/>
+            <a:ext cx="3969186" cy="0"/>
+          </a:xfrm>
+          <a:prstGeom prst="straightConnector1">
+            <a:avLst/>
+          </a:prstGeom>
+          <a:ln w="101600">
+            <a:solidFill>
+              <a:schemeClr val="accent1"/>
+            </a:solidFill>
+            <a:tailEnd type="triangle"/>
+          </a:ln>
+          <a:scene3d>
+            <a:camera prst="orthographicFront"/>
+            <a:lightRig rig="threePt" dir="t"/>
+          </a:scene3d>
+          <a:sp3d>
+            <a:bevelT w="165100" prst="coolSlant"/>
+          </a:sp3d>
+        </p:spPr>
+        <p:style>
+          <a:lnRef idx="1">
+            <a:schemeClr val="accent1"/>
+          </a:lnRef>
+          <a:fillRef idx="0">
+            <a:schemeClr val="accent1"/>
+          </a:fillRef>
+          <a:effectRef idx="0">
+            <a:schemeClr val="accent1"/>
+          </a:effectRef>
+          <a:fontRef idx="minor">
+            <a:schemeClr val="tx1"/>
+          </a:fontRef>
+        </p:style>
+      </p:cxnSp>
+      <p:sp>
+        <p:nvSpPr>
+          <p:cNvPr id="10" name="TextBox 9"/>
+          <p:cNvSpPr txBox="1"/>
+          <p:nvPr/>
+        </p:nvSpPr>
+        <p:spPr>
+          <a:xfrm>
+            <a:off x="4980899" y="1261866"/>
+            <a:ext cx="3104928" cy="461665"/>
+          </a:xfrm>
+          <a:prstGeom prst="rect">
+            <a:avLst/>
+          </a:prstGeom>
+          <a:noFill/>
+          <a:ln w="76200">
+            <a:noFill/>
+          </a:ln>
+        </p:spPr>
+        <p:txBody>
+          <a:bodyPr wrap="square" rtlCol="0">
+            <a:spAutoFit/>
+          </a:bodyPr>
+          <a:lstStyle/>
+          <a:p>
+            <a:r>
+              <a:rPr lang="en-US" sz="2400" b="1" dirty="0" err="1" smtClean="0"/>
+              <a:t>CreateRemoteThread</a:t>
+            </a:r>
+            <a:r>
+              <a:rPr lang="en-US" sz="2400" b="1" dirty="0" smtClean="0"/>
+              <a:t>()</a:t>
+            </a:r>
+            <a:endParaRPr lang="en-US" sz="2400" b="1" dirty="0"/>
+          </a:p>
+        </p:txBody>
+      </p:sp>
+      <p:sp>
+        <p:nvSpPr>
+          <p:cNvPr id="25" name="TextBox 24"/>
+          <p:cNvSpPr txBox="1"/>
+          <p:nvPr/>
+        </p:nvSpPr>
+        <p:spPr>
+          <a:xfrm>
+            <a:off x="1341120" y="3824747"/>
+            <a:ext cx="1870448" cy="461665"/>
+          </a:xfrm>
+          <a:prstGeom prst="rect">
+            <a:avLst/>
+          </a:prstGeom>
+          <a:noFill/>
+        </p:spPr>
+        <p:txBody>
+          <a:bodyPr wrap="none" rtlCol="0">
+            <a:spAutoFit/>
+          </a:bodyPr>
+          <a:lstStyle/>
+          <a:p>
+            <a:r>
+              <a:rPr lang="en-US" sz="2400" b="1" dirty="0" err="1" smtClean="0"/>
+              <a:t>LoadLibrary</a:t>
+            </a:r>
+            <a:r>
+              <a:rPr lang="en-US" sz="2400" b="1" dirty="0" smtClean="0"/>
+              <a:t>()</a:t>
+            </a:r>
+          </a:p>
+        </p:txBody>
+      </p:sp>
+      <p:sp>
+        <p:nvSpPr>
+          <p:cNvPr id="26" name="Rectangle 25"/>
+          <p:cNvSpPr/>
+          <p:nvPr/>
+        </p:nvSpPr>
+        <p:spPr>
+          <a:xfrm>
+            <a:off x="2338708" y="4526804"/>
+            <a:ext cx="2429761" cy="570079"/>
+          </a:xfrm>
+          <a:prstGeom prst="rect">
+            <a:avLst/>
+          </a:prstGeom>
+          <a:gradFill flip="none" rotWithShape="1">
+            <a:gsLst>
+              <a:gs pos="38000">
+                <a:schemeClr val="accent1">
+                  <a:lumMod val="40000"/>
+                  <a:lumOff val="60000"/>
+                </a:schemeClr>
+              </a:gs>
+              <a:gs pos="47000">
+                <a:schemeClr val="accent1">
+                  <a:lumMod val="20000"/>
+                  <a:lumOff val="80000"/>
+                </a:schemeClr>
+              </a:gs>
+              <a:gs pos="100000">
+                <a:schemeClr val="accent1">
+                  <a:lumMod val="100000"/>
+                </a:schemeClr>
+              </a:gs>
+            </a:gsLst>
+            <a:path path="circle">
+              <a:fillToRect l="50000" t="-80000" r="50000" b="180000"/>
+            </a:path>
+            <a:tileRect/>
+          </a:gradFill>
+          <a:scene3d>
+            <a:camera prst="orthographicFront"/>
+            <a:lightRig rig="threePt" dir="t"/>
+          </a:scene3d>
+          <a:sp3d>
+            <a:bevelT w="165100" prst="coolSlant"/>
+          </a:sp3d>
+        </p:spPr>
+        <p:style>
+          <a:lnRef idx="2">
+            <a:schemeClr val="accent1">
+              <a:shade val="50000"/>
+            </a:schemeClr>
+          </a:lnRef>
+          <a:fillRef idx="1">
+            <a:schemeClr val="accent1"/>
+          </a:fillRef>
+          <a:effectRef idx="0">
+            <a:schemeClr val="accent1"/>
+          </a:effectRef>
+          <a:fontRef idx="minor">
+            <a:schemeClr val="lt1"/>
+          </a:fontRef>
+        </p:style>
+        <p:txBody>
+          <a:bodyPr rtlCol="0" anchor="ctr"/>
+          <a:lstStyle/>
+          <a:p>
+            <a:pPr algn="ctr"/>
+            <a:r>
+              <a:rPr lang="en-US" sz="2800" dirty="0" smtClean="0">
+                <a:solidFill>
+                  <a:schemeClr val="tx1"/>
+                </a:solidFill>
+              </a:rPr>
+              <a:t>Intercept.DLL</a:t>
+            </a:r>
+            <a:endParaRPr lang="en-US" sz="2800" dirty="0">
+              <a:solidFill>
+                <a:schemeClr val="tx1"/>
+              </a:solidFill>
+            </a:endParaRPr>
+          </a:p>
+        </p:txBody>
+      </p:sp>
+      <p:sp>
+        <p:nvSpPr>
+          <p:cNvPr id="27" name="TextBox 26"/>
+          <p:cNvSpPr txBox="1"/>
+          <p:nvPr/>
+        </p:nvSpPr>
+        <p:spPr>
+          <a:xfrm>
+            <a:off x="2099087" y="329609"/>
+            <a:ext cx="2909001" cy="461665"/>
+          </a:xfrm>
+          <a:prstGeom prst="rect">
+            <a:avLst/>
+          </a:prstGeom>
+          <a:noFill/>
+        </p:spPr>
+        <p:txBody>
+          <a:bodyPr wrap="none" rtlCol="0">
+            <a:spAutoFit/>
+          </a:bodyPr>
+          <a:lstStyle/>
+          <a:p>
+            <a:r>
+              <a:rPr lang="en-US" sz="2400" b="1" dirty="0" smtClean="0">
+                <a:solidFill>
+                  <a:schemeClr val="accent2">
+                    <a:lumMod val="75000"/>
+                  </a:schemeClr>
+                </a:solidFill>
+              </a:rPr>
+              <a:t>Windows Application</a:t>
+            </a:r>
+          </a:p>
+        </p:txBody>
+      </p:sp>
+      <p:sp>
+        <p:nvSpPr>
+          <p:cNvPr id="28" name="TextBox 27"/>
+          <p:cNvSpPr txBox="1"/>
+          <p:nvPr/>
+        </p:nvSpPr>
+        <p:spPr>
+          <a:xfrm>
+            <a:off x="8007643" y="343744"/>
+            <a:ext cx="2124428" cy="461665"/>
+          </a:xfrm>
+          <a:prstGeom prst="rect">
+            <a:avLst/>
+          </a:prstGeom>
+          <a:noFill/>
+        </p:spPr>
+        <p:txBody>
+          <a:bodyPr wrap="none" rtlCol="0">
+            <a:spAutoFit/>
+          </a:bodyPr>
+          <a:lstStyle/>
+          <a:p>
+            <a:r>
+              <a:rPr lang="en-US" sz="2400" b="1" dirty="0" smtClean="0">
+                <a:solidFill>
+                  <a:schemeClr val="accent2">
+                    <a:lumMod val="75000"/>
+                  </a:schemeClr>
+                </a:solidFill>
+              </a:rPr>
+              <a:t>My Application</a:t>
+            </a:r>
+          </a:p>
+        </p:txBody>
+      </p:sp>
+      <p:sp>
+        <p:nvSpPr>
+          <p:cNvPr id="2" name="TextBox 1"/>
+          <p:cNvSpPr txBox="1"/>
+          <p:nvPr/>
+        </p:nvSpPr>
+        <p:spPr>
+          <a:xfrm>
+            <a:off x="257046" y="7319885"/>
+            <a:ext cx="3296543" cy="523220"/>
+          </a:xfrm>
+          <a:prstGeom prst="rect">
+            <a:avLst/>
+          </a:prstGeom>
+          <a:noFill/>
+        </p:spPr>
+        <p:txBody>
+          <a:bodyPr wrap="none" rtlCol="0">
+            <a:spAutoFit/>
+          </a:bodyPr>
+          <a:lstStyle/>
+          <a:p>
+            <a:r>
+              <a:rPr lang="en-US" sz="2800" dirty="0" err="1" smtClean="0"/>
+              <a:t>CreateRemoteThread</a:t>
+            </a:r>
+            <a:endParaRPr lang="en-US" sz="2800" dirty="0"/>
+          </a:p>
+        </p:txBody>
+      </p:sp>
+      <p:sp>
+        <p:nvSpPr>
+          <p:cNvPr id="24" name="TextBox 23"/>
+          <p:cNvSpPr txBox="1"/>
+          <p:nvPr/>
+        </p:nvSpPr>
+        <p:spPr>
+          <a:xfrm>
+            <a:off x="6120374" y="1980440"/>
+            <a:ext cx="412989" cy="523220"/>
+          </a:xfrm>
+          <a:prstGeom prst="rect">
+            <a:avLst/>
+          </a:prstGeom>
+          <a:noFill/>
+        </p:spPr>
+        <p:txBody>
+          <a:bodyPr wrap="square" rtlCol="0">
+            <a:spAutoFit/>
+          </a:bodyPr>
+          <a:lstStyle/>
+          <a:p>
+            <a:r>
+              <a:rPr lang="en-US" sz="2800" b="1" dirty="0" smtClean="0">
+                <a:solidFill>
+                  <a:schemeClr val="accent1">
+                    <a:lumMod val="50000"/>
+                  </a:schemeClr>
+                </a:solidFill>
+              </a:rPr>
+              <a:t>1</a:t>
+            </a:r>
+            <a:endParaRPr lang="en-US" sz="2800" b="1" dirty="0">
+              <a:solidFill>
+                <a:schemeClr val="accent1">
+                  <a:lumMod val="50000"/>
+                </a:schemeClr>
+              </a:solidFill>
+            </a:endParaRPr>
+          </a:p>
+        </p:txBody>
+      </p:sp>
+      <p:sp>
+        <p:nvSpPr>
+          <p:cNvPr id="33" name="TextBox 32"/>
+          <p:cNvSpPr txBox="1"/>
+          <p:nvPr/>
+        </p:nvSpPr>
+        <p:spPr>
+          <a:xfrm>
+            <a:off x="2902636" y="3094508"/>
+            <a:ext cx="308932" cy="523220"/>
+          </a:xfrm>
+          <a:prstGeom prst="rect">
+            <a:avLst/>
+          </a:prstGeom>
+          <a:noFill/>
+        </p:spPr>
+        <p:txBody>
+          <a:bodyPr wrap="square" rtlCol="0">
+            <a:spAutoFit/>
+          </a:bodyPr>
+          <a:lstStyle/>
+          <a:p>
+            <a:r>
+              <a:rPr lang="en-US" sz="2800" b="1" dirty="0" smtClean="0">
+                <a:solidFill>
+                  <a:schemeClr val="accent1">
+                    <a:lumMod val="50000"/>
+                  </a:schemeClr>
+                </a:solidFill>
+              </a:rPr>
+              <a:t>2</a:t>
+            </a:r>
+            <a:endParaRPr lang="en-US" sz="2800" b="1" dirty="0">
+              <a:solidFill>
+                <a:schemeClr val="accent1">
+                  <a:lumMod val="50000"/>
+                </a:schemeClr>
+              </a:solidFill>
+            </a:endParaRPr>
+          </a:p>
+        </p:txBody>
+      </p:sp>
+      <p:sp>
+        <p:nvSpPr>
+          <p:cNvPr id="46" name="TextBox 45"/>
+          <p:cNvSpPr txBox="1"/>
+          <p:nvPr/>
+        </p:nvSpPr>
+        <p:spPr>
+          <a:xfrm>
+            <a:off x="3832913" y="3094508"/>
+            <a:ext cx="367408" cy="523220"/>
+          </a:xfrm>
+          <a:prstGeom prst="rect">
+            <a:avLst/>
+          </a:prstGeom>
+          <a:noFill/>
+        </p:spPr>
+        <p:txBody>
+          <a:bodyPr wrap="none" rtlCol="0">
+            <a:spAutoFit/>
+          </a:bodyPr>
+          <a:lstStyle/>
+          <a:p>
+            <a:r>
+              <a:rPr lang="en-US" sz="2800" b="1" dirty="0" smtClean="0">
+                <a:solidFill>
+                  <a:schemeClr val="accent1">
+                    <a:lumMod val="50000"/>
+                  </a:schemeClr>
+                </a:solidFill>
+              </a:rPr>
+              <a:t>3</a:t>
+            </a:r>
+            <a:endParaRPr lang="en-US" sz="2800" b="1" dirty="0">
+              <a:solidFill>
+                <a:schemeClr val="accent1">
+                  <a:lumMod val="50000"/>
+                </a:schemeClr>
+              </a:solidFill>
+            </a:endParaRPr>
+          </a:p>
+        </p:txBody>
+      </p:sp>
+      <p:cxnSp>
+        <p:nvCxnSpPr>
+          <p:cNvPr id="15" name="Straight Arrow Connector 14"/>
+          <p:cNvCxnSpPr/>
+          <p:nvPr/>
+        </p:nvCxnSpPr>
+        <p:spPr>
+          <a:xfrm flipH="1">
+            <a:off x="3679579" y="2530384"/>
+            <a:ext cx="1" cy="2002374"/>
+          </a:xfrm>
+          <a:prstGeom prst="straightConnector1">
+            <a:avLst/>
+          </a:prstGeom>
+          <a:ln w="101600">
+            <a:solidFill>
+              <a:schemeClr val="accent1"/>
+            </a:solidFill>
+            <a:tailEnd type="triangle"/>
+          </a:ln>
+          <a:scene3d>
+            <a:camera prst="orthographicFront"/>
+            <a:lightRig rig="threePt" dir="t"/>
+          </a:scene3d>
+          <a:sp3d>
+            <a:bevelT w="165100" prst="coolSlant"/>
+          </a:sp3d>
+        </p:spPr>
+        <p:style>
+          <a:lnRef idx="1">
+            <a:schemeClr val="accent1"/>
+          </a:lnRef>
+          <a:fillRef idx="0">
+            <a:schemeClr val="accent1"/>
+          </a:fillRef>
+          <a:effectRef idx="0">
+            <a:schemeClr val="accent1"/>
+          </a:effectRef>
+          <a:fontRef idx="minor">
+            <a:schemeClr val="tx1"/>
+          </a:fontRef>
+        </p:style>
+      </p:cxnSp>
+      <p:cxnSp>
+        <p:nvCxnSpPr>
+          <p:cNvPr id="30" name="Straight Arrow Connector 29"/>
+          <p:cNvCxnSpPr/>
+          <p:nvPr/>
+        </p:nvCxnSpPr>
+        <p:spPr>
+          <a:xfrm flipH="1" flipV="1">
+            <a:off x="3428434" y="2503660"/>
+            <a:ext cx="0" cy="2023144"/>
+          </a:xfrm>
+          <a:prstGeom prst="straightConnector1">
+            <a:avLst/>
+          </a:prstGeom>
+          <a:ln w="101600">
+            <a:solidFill>
+              <a:schemeClr val="accent1"/>
+            </a:solidFill>
+            <a:tailEnd type="triangle"/>
+          </a:ln>
+          <a:scene3d>
+            <a:camera prst="orthographicFront"/>
+            <a:lightRig rig="threePt" dir="t"/>
+          </a:scene3d>
+          <a:sp3d>
+            <a:bevelT w="165100" prst="coolSlant"/>
+          </a:sp3d>
+        </p:spPr>
+        <p:style>
+          <a:lnRef idx="1">
+            <a:schemeClr val="accent1"/>
+          </a:lnRef>
+          <a:fillRef idx="0">
+            <a:schemeClr val="accent1"/>
+          </a:fillRef>
+          <a:effectRef idx="0">
+            <a:schemeClr val="accent1"/>
+          </a:effectRef>
+          <a:fontRef idx="minor">
+            <a:schemeClr val="tx1"/>
+          </a:fontRef>
+        </p:style>
+      </p:cxnSp>
+    </p:spTree>
+    <p:extLst>
+      <p:ext uri="{BB962C8B-B14F-4D97-AF65-F5344CB8AC3E}">
+        <p14:creationId xmlns:p14="http://schemas.microsoft.com/office/powerpoint/2010/main" val="600338294"/>
+      </p:ext>
+    </p:extLst>
+  </p:cSld>
+  <p:clrMapOvr>
+    <a:masterClrMapping/>
+  </p:clrMapOvr>
+  <p:timing>
+    <p:tnLst>
+      <p:par>
+        <p:cTn id="1" dur="indefinite" restart="never" nodeType="tmRoot">
+          <p:childTnLst>
+            <p:seq concurrent="1" nextAc="seek">
+              <p:cTn id="2" dur="indefinite" nodeType="mainSeq">
+                <p:childTnLst>
+                  <p:par>
+                    <p:cTn id="3" fill="hold">
+                      <p:stCondLst>
+                        <p:cond delay="indefinite"/>
+                      </p:stCondLst>
+                      <p:childTnLst>
+                        <p:par>
+                          <p:cTn id="4" fill="hold">
+                            <p:stCondLst>
+                              <p:cond delay="0"/>
+                            </p:stCondLst>
+                            <p:childTnLst>
+                              <p:par>
+                                <p:cTn id="5" presetID="1" presetClass="entr" presetSubtype="0" fill="hold" nodeType="clickEffect">
+                                  <p:stCondLst>
+                                    <p:cond delay="0"/>
+                                  </p:stCondLst>
+                                  <p:childTnLst>
+                                    <p:set>
+                                      <p:cBhvr>
+                                        <p:cTn id="6" dur="1" fill="hold">
+                                          <p:stCondLst>
+                                            <p:cond delay="0"/>
+                                          </p:stCondLst>
+                                        </p:cTn>
+                                        <p:tgtEl>
+                                          <p:spTgt spid="9"/>
+                                        </p:tgtEl>
+                                        <p:attrNameLst>
+                                          <p:attrName>style.visibility</p:attrName>
+                                        </p:attrNameLst>
+                                      </p:cBhvr>
+                                      <p:to>
+                                        <p:strVal val="visible"/>
+                                      </p:to>
+                                    </p:set>
+                                  </p:childTnLst>
+                                </p:cTn>
+                              </p:par>
+                            </p:childTnLst>
+                          </p:cTn>
+                        </p:par>
+                      </p:childTnLst>
+                    </p:cTn>
+                  </p:par>
+                  <p:par>
+                    <p:cTn id="7" fill="hold">
+                      <p:stCondLst>
+                        <p:cond delay="indefinite"/>
+                      </p:stCondLst>
+                      <p:childTnLst>
+                        <p:par>
+                          <p:cTn id="8" fill="hold">
+                            <p:stCondLst>
+                              <p:cond delay="0"/>
+                            </p:stCondLst>
+                            <p:childTnLst>
+                              <p:par>
+                                <p:cTn id="9" presetID="1" presetClass="entr" presetSubtype="0" fill="hold" grpId="0" nodeType="clickEffect">
+                                  <p:stCondLst>
+                                    <p:cond delay="0"/>
+                                  </p:stCondLst>
+                                  <p:childTnLst>
+                                    <p:set>
+                                      <p:cBhvr>
+                                        <p:cTn id="10" dur="1" fill="hold">
+                                          <p:stCondLst>
+                                            <p:cond delay="0"/>
+                                          </p:stCondLst>
+                                        </p:cTn>
+                                        <p:tgtEl>
+                                          <p:spTgt spid="10"/>
+                                        </p:tgtEl>
+                                        <p:attrNameLst>
+                                          <p:attrName>style.visibility</p:attrName>
+                                        </p:attrNameLst>
+                                      </p:cBhvr>
+                                      <p:to>
+                                        <p:strVal val="visible"/>
+                                      </p:to>
+                                    </p:set>
+                                  </p:childTnLst>
+                                </p:cTn>
+                              </p:par>
+                            </p:childTnLst>
+                          </p:cTn>
+                        </p:par>
+                      </p:childTnLst>
+                    </p:cTn>
+                  </p:par>
+                  <p:par>
+                    <p:cTn id="11" fill="hold">
+                      <p:stCondLst>
+                        <p:cond delay="indefinite"/>
+                      </p:stCondLst>
+                      <p:childTnLst>
+                        <p:par>
+                          <p:cTn id="12" fill="hold">
+                            <p:stCondLst>
+                              <p:cond delay="0"/>
+                            </p:stCondLst>
+                            <p:childTnLst>
+                              <p:par>
+                                <p:cTn id="13" presetID="1" presetClass="entr" presetSubtype="0" fill="hold" grpId="0" nodeType="clickEffect">
+                                  <p:stCondLst>
+                                    <p:cond delay="0"/>
+                                  </p:stCondLst>
+                                  <p:childTnLst>
+                                    <p:set>
+                                      <p:cBhvr>
+                                        <p:cTn id="14" dur="1" fill="hold">
+                                          <p:stCondLst>
+                                            <p:cond delay="0"/>
+                                          </p:stCondLst>
+                                        </p:cTn>
+                                        <p:tgtEl>
+                                          <p:spTgt spid="7"/>
+                                        </p:tgtEl>
+                                        <p:attrNameLst>
+                                          <p:attrName>style.visibility</p:attrName>
+                                        </p:attrNameLst>
+                                      </p:cBhvr>
+                                      <p:to>
+                                        <p:strVal val="visible"/>
+                                      </p:to>
+                                    </p:set>
+                                  </p:childTnLst>
+                                </p:cTn>
+                              </p:par>
+                            </p:childTnLst>
+                          </p:cTn>
+                        </p:par>
+                      </p:childTnLst>
+                    </p:cTn>
+                  </p:par>
+                  <p:par>
+                    <p:cTn id="15" fill="hold">
+                      <p:stCondLst>
+                        <p:cond delay="indefinite"/>
+                      </p:stCondLst>
+                      <p:childTnLst>
+                        <p:par>
+                          <p:cTn id="16" fill="hold">
+                            <p:stCondLst>
+                              <p:cond delay="0"/>
+                            </p:stCondLst>
+                            <p:childTnLst>
+                              <p:par>
+                                <p:cTn id="17" presetID="2" presetClass="entr" presetSubtype="4" fill="hold" grpId="0" nodeType="clickEffect">
+                                  <p:stCondLst>
+                                    <p:cond delay="0"/>
+                                  </p:stCondLst>
+                                  <p:childTnLst>
+                                    <p:set>
+                                      <p:cBhvr>
+                                        <p:cTn id="18" dur="1" fill="hold">
+                                          <p:stCondLst>
+                                            <p:cond delay="0"/>
+                                          </p:stCondLst>
+                                        </p:cTn>
+                                        <p:tgtEl>
+                                          <p:spTgt spid="25"/>
+                                        </p:tgtEl>
+                                        <p:attrNameLst>
+                                          <p:attrName>style.visibility</p:attrName>
+                                        </p:attrNameLst>
+                                      </p:cBhvr>
+                                      <p:to>
+                                        <p:strVal val="visible"/>
+                                      </p:to>
+                                    </p:set>
+                                    <p:anim calcmode="lin" valueType="num">
+                                      <p:cBhvr additive="base">
+                                        <p:cTn id="19" dur="500" fill="hold"/>
+                                        <p:tgtEl>
+                                          <p:spTgt spid="25"/>
+                                        </p:tgtEl>
+                                        <p:attrNameLst>
+                                          <p:attrName>ppt_x</p:attrName>
+                                        </p:attrNameLst>
+                                      </p:cBhvr>
+                                      <p:tavLst>
+                                        <p:tav tm="0">
+                                          <p:val>
+                                            <p:strVal val="#ppt_x"/>
+                                          </p:val>
+                                        </p:tav>
+                                        <p:tav tm="100000">
+                                          <p:val>
+                                            <p:strVal val="#ppt_x"/>
+                                          </p:val>
+                                        </p:tav>
+                                      </p:tavLst>
+                                    </p:anim>
+                                    <p:anim calcmode="lin" valueType="num">
+                                      <p:cBhvr additive="base">
+                                        <p:cTn id="20" dur="500" fill="hold"/>
+                                        <p:tgtEl>
+                                          <p:spTgt spid="25"/>
+                                        </p:tgtEl>
+                                        <p:attrNameLst>
+                                          <p:attrName>ppt_y</p:attrName>
+                                        </p:attrNameLst>
+                                      </p:cBhvr>
+                                      <p:tavLst>
+                                        <p:tav tm="0">
+                                          <p:val>
+                                            <p:strVal val="1+#ppt_h/2"/>
+                                          </p:val>
+                                        </p:tav>
+                                        <p:tav tm="100000">
+                                          <p:val>
+                                            <p:strVal val="#ppt_y"/>
+                                          </p:val>
+                                        </p:tav>
+                                      </p:tavLst>
+                                    </p:anim>
+                                  </p:childTnLst>
+                                </p:cTn>
+                              </p:par>
+                            </p:childTnLst>
+                          </p:cTn>
+                        </p:par>
+                      </p:childTnLst>
+                    </p:cTn>
+                  </p:par>
+                  <p:par>
+                    <p:cTn id="21" fill="hold">
+                      <p:stCondLst>
+                        <p:cond delay="indefinite"/>
+                      </p:stCondLst>
+                      <p:childTnLst>
+                        <p:par>
+                          <p:cTn id="22" fill="hold">
+                            <p:stCondLst>
+                              <p:cond delay="0"/>
+                            </p:stCondLst>
+                            <p:childTnLst>
+                              <p:par>
+                                <p:cTn id="23" presetID="0" presetClass="path" presetSubtype="0" accel="50000" decel="50000" fill="hold" grpId="0" nodeType="clickEffect">
+                                  <p:stCondLst>
+                                    <p:cond delay="0"/>
+                                  </p:stCondLst>
+                                  <p:childTnLst>
+                                    <p:animMotion origin="layout" path="M -3.54167E-6 -0.00023 L -3.54167E-6 0.00023 L -0.02226 -0.03495 C -0.02578 -0.04028 -0.0289 -0.04629 -0.03268 -0.05115 C -0.03828 -0.05879 -0.0457 -0.06481 -0.04974 -0.0743 C -0.06614 -0.11319 -0.04648 -0.06852 -0.06523 -0.10416 C -0.07213 -0.11782 -0.07812 -0.13287 -0.08554 -0.14606 C -0.09427 -0.16041 -0.10338 -0.17453 -0.11119 -0.18981 C -0.11744 -0.20231 -0.12343 -0.21504 -0.13007 -0.22708 C -0.13177 -0.22986 -0.13359 -0.23287 -0.13528 -0.23611 C -0.14388 -0.25393 -0.15195 -0.27176 -0.1608 -0.28958 C -0.16966 -0.30671 -0.17929 -0.32315 -0.18828 -0.34028 C -0.19179 -0.34699 -0.19492 -0.35416 -0.1983 -0.36088 C -0.20846 -0.38102 -0.20755 -0.37916 -0.21549 -0.39328 C -0.21901 -0.39953 -0.22174 -0.40648 -0.22578 -0.41203 C -0.27382 -0.47708 -0.22838 -0.41296 -0.26002 -0.46273 C -0.26263 -0.46713 -0.26588 -0.47037 -0.26849 -0.47453 C -0.27161 -0.4794 -0.27395 -0.48541 -0.27708 -0.49074 C -0.27851 -0.49328 -0.28073 -0.4949 -0.28229 -0.49745 C -0.28997 -0.51227 -0.2806 -0.50231 -0.29075 -0.51134 C -0.30052 -0.53125 -0.28867 -0.50602 -0.29583 -0.52523 C -0.29674 -0.52778 -0.2983 -0.52986 -0.29922 -0.53217 C -0.30052 -0.53518 -0.30117 -0.53865 -0.30273 -0.54143 C -0.30416 -0.54421 -0.30638 -0.54606 -0.30781 -0.54838 C -0.30911 -0.55046 -0.31106 -0.55532 -0.31106 -0.55509 L -0.31106 -0.56203 " pathEditMode="relative" rAng="0" ptsTypes="AAAAAAAAAAAAAAAAAAAAAAAAAA">
+                                      <p:cBhvr>
+                                        <p:cTn id="24" dur="2000" fill="hold"/>
+                                        <p:tgtEl>
+                                          <p:spTgt spid="26"/>
+                                        </p:tgtEl>
+                                        <p:attrNameLst>
+                                          <p:attrName>ppt_x</p:attrName>
+                                          <p:attrName>ppt_y</p:attrName>
+                                        </p:attrNameLst>
+                                      </p:cBhvr>
+                                      <p:rCtr x="-15560" y="-28079"/>
+                                    </p:animMotion>
+                                  </p:childTnLst>
+                                </p:cTn>
+                              </p:par>
+                            </p:childTnLst>
+                          </p:cTn>
+                        </p:par>
+                      </p:childTnLst>
+                    </p:cTn>
+                  </p:par>
+                  <p:par>
+                    <p:cTn id="25" fill="hold">
+                      <p:stCondLst>
+                        <p:cond delay="indefinite"/>
+                      </p:stCondLst>
+                      <p:childTnLst>
+                        <p:par>
+                          <p:cTn id="26" fill="hold">
+                            <p:stCondLst>
+                              <p:cond delay="0"/>
+                            </p:stCondLst>
+                            <p:childTnLst>
+                              <p:par>
+                                <p:cTn id="27" presetID="1" presetClass="exit" presetSubtype="0" fill="hold" grpId="1" nodeType="clickEffect">
+                                  <p:stCondLst>
+                                    <p:cond delay="0"/>
+                                  </p:stCondLst>
+                                  <p:childTnLst>
+                                    <p:set>
+                                      <p:cBhvr>
+                                        <p:cTn id="28" dur="1" fill="hold">
+                                          <p:stCondLst>
+                                            <p:cond delay="0"/>
+                                          </p:stCondLst>
+                                        </p:cTn>
+                                        <p:tgtEl>
+                                          <p:spTgt spid="25"/>
+                                        </p:tgtEl>
+                                        <p:attrNameLst>
+                                          <p:attrName>style.visibility</p:attrName>
+                                        </p:attrNameLst>
+                                      </p:cBhvr>
+                                      <p:to>
+                                        <p:strVal val="hidden"/>
+                                      </p:to>
+                                    </p:set>
+                                  </p:childTnLst>
+                                </p:cTn>
+                              </p:par>
+                            </p:childTnLst>
+                          </p:cTn>
+                        </p:par>
+                      </p:childTnLst>
+                    </p:cTn>
+                  </p:par>
+                </p:childTnLst>
+              </p:cTn>
+              <p:prevCondLst>
+                <p:cond evt="onPrev" delay="0">
+                  <p:tgtEl>
+                    <p:sldTgt/>
+                  </p:tgtEl>
+                </p:cond>
+              </p:prevCondLst>
+              <p:nextCondLst>
+                <p:cond evt="onNext" delay="0">
+                  <p:tgtEl>
+                    <p:sldTgt/>
+                  </p:tgtEl>
+                </p:cond>
+              </p:nextCondLst>
+            </p:seq>
+          </p:childTnLst>
+        </p:cTn>
+      </p:par>
+    </p:tnLst>
+    <p:bldLst>
+      <p:bldP spid="7" grpId="0" animBg="1"/>
+      <p:bldP spid="10" grpId="0"/>
+      <p:bldP spid="25" grpId="0"/>
+      <p:bldP spid="25" grpId="1"/>
+      <p:bldP spid="26" grpId="0" animBg="1"/>
+    </p:bldLst>
+  </p:timing>
+</p:sld>
+</file>
+
+<file path=ppt/slides/slide5.xml><?xml version="1.0" encoding="utf-8"?>
 <p:sld xmlns:a="http://schemas.openxmlformats.org/drawingml/2006/main" xmlns:r="http://schemas.openxmlformats.org/officeDocument/2006/relationships" xmlns:p="http://schemas.openxmlformats.org/presentationml/2006/main">
   <p:cSld>
     <p:spTree>
@@ -14613,7 +18376,7 @@
 </p:sld>
 </file>
 
-<file path=ppt/slides/slide5.xml><?xml version="1.0" encoding="utf-8"?>
+<file path=ppt/slides/slide6.xml><?xml version="1.0" encoding="utf-8"?>
 <p:sld xmlns:a="http://schemas.openxmlformats.org/drawingml/2006/main" xmlns:r="http://schemas.openxmlformats.org/officeDocument/2006/relationships" xmlns:p="http://schemas.openxmlformats.org/presentationml/2006/main">
   <p:cSld>
     <p:spTree>
@@ -15441,7 +19204,7 @@
 </p:sld>
 </file>
 
-<file path=ppt/slides/slide6.xml><?xml version="1.0" encoding="utf-8"?>
+<file path=ppt/slides/slide7.xml><?xml version="1.0" encoding="utf-8"?>
 <p:sld xmlns:a="http://schemas.openxmlformats.org/drawingml/2006/main" xmlns:r="http://schemas.openxmlformats.org/officeDocument/2006/relationships" xmlns:p="http://schemas.openxmlformats.org/presentationml/2006/main">
   <p:cSld>
     <p:spTree>
@@ -16342,7 +20105,7 @@
 </p:sld>
 </file>
 
-<file path=ppt/slides/slide7.xml><?xml version="1.0" encoding="utf-8"?>
+<file path=ppt/slides/slide8.xml><?xml version="1.0" encoding="utf-8"?>
 <p:sld xmlns:a="http://schemas.openxmlformats.org/drawingml/2006/main" xmlns:r="http://schemas.openxmlformats.org/officeDocument/2006/relationships" xmlns:p="http://schemas.openxmlformats.org/presentationml/2006/main">
   <p:cSld>
     <p:bg>
@@ -17891,7 +21654,7 @@
 </p:sld>
 </file>
 
-<file path=ppt/slides/slide8.xml><?xml version="1.0" encoding="utf-8"?>
+<file path=ppt/slides/slide9.xml><?xml version="1.0" encoding="utf-8"?>
 <p:sld xmlns:a="http://schemas.openxmlformats.org/drawingml/2006/main" xmlns:r="http://schemas.openxmlformats.org/officeDocument/2006/relationships" xmlns:p="http://schemas.openxmlformats.org/presentationml/2006/main">
   <p:cSld>
     <p:spTree>
@@ -19374,624 +23137,6 @@
       </p:par>
     </p:tnLst>
   </p:timing>
-</p:sld>
-</file>
-
-<file path=ppt/slides/slide9.xml><?xml version="1.0" encoding="utf-8"?>
-<p:sld xmlns:a="http://schemas.openxmlformats.org/drawingml/2006/main" xmlns:r="http://schemas.openxmlformats.org/officeDocument/2006/relationships" xmlns:p="http://schemas.openxmlformats.org/presentationml/2006/main">
-  <p:cSld>
-    <p:spTree>
-      <p:nvGrpSpPr>
-        <p:cNvPr id="1" name=""/>
-        <p:cNvGrpSpPr/>
-        <p:nvPr/>
-      </p:nvGrpSpPr>
-      <p:grpSpPr>
-        <a:xfrm>
-          <a:off x="0" y="0"/>
-          <a:ext cx="0" cy="0"/>
-          <a:chOff x="0" y="0"/>
-          <a:chExt cx="0" cy="0"/>
-        </a:xfrm>
-      </p:grpSpPr>
-      <p:sp>
-        <p:nvSpPr>
-          <p:cNvPr id="4" name="Rounded Rectangle 3"/>
-          <p:cNvSpPr/>
-          <p:nvPr/>
-        </p:nvSpPr>
-        <p:spPr>
-          <a:xfrm>
-            <a:off x="4572000" y="638017"/>
-            <a:ext cx="2112135" cy="1017431"/>
-          </a:xfrm>
-          <a:prstGeom prst="roundRect">
-            <a:avLst/>
-          </a:prstGeom>
-          <a:gradFill>
-            <a:gsLst>
-              <a:gs pos="0">
-                <a:schemeClr val="accent1">
-                  <a:lumMod val="5000"/>
-                  <a:lumOff val="95000"/>
-                </a:schemeClr>
-              </a:gs>
-              <a:gs pos="54000">
-                <a:schemeClr val="accent1">
-                  <a:lumMod val="45000"/>
-                  <a:lumOff val="55000"/>
-                </a:schemeClr>
-              </a:gs>
-              <a:gs pos="100000">
-                <a:schemeClr val="accent1">
-                  <a:lumMod val="45000"/>
-                  <a:lumOff val="55000"/>
-                </a:schemeClr>
-              </a:gs>
-              <a:gs pos="100000">
-                <a:schemeClr val="accent1">
-                  <a:lumMod val="30000"/>
-                  <a:lumOff val="70000"/>
-                </a:schemeClr>
-              </a:gs>
-            </a:gsLst>
-            <a:lin ang="5400000" scaled="1"/>
-          </a:gradFill>
-        </p:spPr>
-        <p:style>
-          <a:lnRef idx="2">
-            <a:schemeClr val="accent1">
-              <a:shade val="50000"/>
-            </a:schemeClr>
-          </a:lnRef>
-          <a:fillRef idx="1">
-            <a:schemeClr val="accent1"/>
-          </a:fillRef>
-          <a:effectRef idx="0">
-            <a:schemeClr val="accent1"/>
-          </a:effectRef>
-          <a:fontRef idx="minor">
-            <a:schemeClr val="lt1"/>
-          </a:fontRef>
-        </p:style>
-        <p:txBody>
-          <a:bodyPr rtlCol="0" anchor="ctr"/>
-          <a:lstStyle/>
-          <a:p>
-            <a:pPr algn="ctr"/>
-            <a:r>
-              <a:rPr lang="en-US" sz="2400" b="1" dirty="0" smtClean="0">
-                <a:solidFill>
-                  <a:schemeClr val="tx1"/>
-                </a:solidFill>
-              </a:rPr>
-              <a:t>User Interface</a:t>
-            </a:r>
-            <a:endParaRPr lang="en-US" sz="2400" b="1" dirty="0">
-              <a:solidFill>
-                <a:schemeClr val="tx1"/>
-              </a:solidFill>
-            </a:endParaRPr>
-          </a:p>
-        </p:txBody>
-      </p:sp>
-      <p:sp>
-        <p:nvSpPr>
-          <p:cNvPr id="5" name="Rounded Rectangle 4"/>
-          <p:cNvSpPr/>
-          <p:nvPr/>
-        </p:nvSpPr>
-        <p:spPr>
-          <a:xfrm>
-            <a:off x="4571999" y="2539006"/>
-            <a:ext cx="2112135" cy="1017431"/>
-          </a:xfrm>
-          <a:prstGeom prst="roundRect">
-            <a:avLst/>
-          </a:prstGeom>
-          <a:gradFill>
-            <a:gsLst>
-              <a:gs pos="0">
-                <a:schemeClr val="accent1">
-                  <a:lumMod val="5000"/>
-                  <a:lumOff val="95000"/>
-                </a:schemeClr>
-              </a:gs>
-              <a:gs pos="54000">
-                <a:schemeClr val="accent1">
-                  <a:lumMod val="45000"/>
-                  <a:lumOff val="55000"/>
-                </a:schemeClr>
-              </a:gs>
-              <a:gs pos="100000">
-                <a:schemeClr val="accent1">
-                  <a:lumMod val="45000"/>
-                  <a:lumOff val="55000"/>
-                </a:schemeClr>
-              </a:gs>
-              <a:gs pos="100000">
-                <a:schemeClr val="accent1">
-                  <a:lumMod val="30000"/>
-                  <a:lumOff val="70000"/>
-                </a:schemeClr>
-              </a:gs>
-            </a:gsLst>
-            <a:lin ang="5400000" scaled="1"/>
-          </a:gradFill>
-        </p:spPr>
-        <p:style>
-          <a:lnRef idx="2">
-            <a:schemeClr val="accent1">
-              <a:shade val="50000"/>
-            </a:schemeClr>
-          </a:lnRef>
-          <a:fillRef idx="1">
-            <a:schemeClr val="accent1"/>
-          </a:fillRef>
-          <a:effectRef idx="0">
-            <a:schemeClr val="accent1"/>
-          </a:effectRef>
-          <a:fontRef idx="minor">
-            <a:schemeClr val="lt1"/>
-          </a:fontRef>
-        </p:style>
-        <p:txBody>
-          <a:bodyPr rtlCol="0" anchor="ctr"/>
-          <a:lstStyle/>
-          <a:p>
-            <a:pPr algn="ctr"/>
-            <a:r>
-              <a:rPr lang="en-US" sz="2400" b="1" dirty="0" smtClean="0">
-                <a:solidFill>
-                  <a:schemeClr val="tx1"/>
-                </a:solidFill>
-              </a:rPr>
-              <a:t>Protect data</a:t>
-            </a:r>
-            <a:endParaRPr lang="en-US" sz="2400" b="1" dirty="0">
-              <a:solidFill>
-                <a:schemeClr val="tx1"/>
-              </a:solidFill>
-            </a:endParaRPr>
-          </a:p>
-        </p:txBody>
-      </p:sp>
-      <p:sp>
-        <p:nvSpPr>
-          <p:cNvPr id="6" name="Rounded Rectangle 5"/>
-          <p:cNvSpPr/>
-          <p:nvPr/>
-        </p:nvSpPr>
-        <p:spPr>
-          <a:xfrm>
-            <a:off x="3984328" y="261257"/>
-            <a:ext cx="3234620" cy="5529943"/>
-          </a:xfrm>
-          <a:prstGeom prst="roundRect">
-            <a:avLst/>
-          </a:prstGeom>
-          <a:noFill/>
-        </p:spPr>
-        <p:style>
-          <a:lnRef idx="2">
-            <a:schemeClr val="accent1">
-              <a:shade val="50000"/>
-            </a:schemeClr>
-          </a:lnRef>
-          <a:fillRef idx="1">
-            <a:schemeClr val="accent1"/>
-          </a:fillRef>
-          <a:effectRef idx="0">
-            <a:schemeClr val="accent1"/>
-          </a:effectRef>
-          <a:fontRef idx="minor">
-            <a:schemeClr val="lt1"/>
-          </a:fontRef>
-        </p:style>
-        <p:txBody>
-          <a:bodyPr rtlCol="0" anchor="ctr"/>
-          <a:lstStyle/>
-          <a:p>
-            <a:pPr algn="ctr"/>
-            <a:endParaRPr lang="en-US"/>
-          </a:p>
-        </p:txBody>
-      </p:sp>
-      <p:cxnSp>
-        <p:nvCxnSpPr>
-          <p:cNvPr id="8" name="Straight Arrow Connector 7"/>
-          <p:cNvCxnSpPr>
-            <a:stCxn id="4" idx="2"/>
-            <a:endCxn id="5" idx="0"/>
-          </p:cNvCxnSpPr>
-          <p:nvPr/>
-        </p:nvCxnSpPr>
-        <p:spPr>
-          <a:xfrm flipH="1">
-            <a:off x="5628067" y="1655448"/>
-            <a:ext cx="1" cy="883558"/>
-          </a:xfrm>
-          <a:prstGeom prst="straightConnector1">
-            <a:avLst/>
-          </a:prstGeom>
-          <a:ln w="79375">
-            <a:headEnd type="triangle"/>
-            <a:tailEnd type="triangle"/>
-          </a:ln>
-        </p:spPr>
-        <p:style>
-          <a:lnRef idx="1">
-            <a:schemeClr val="accent1"/>
-          </a:lnRef>
-          <a:fillRef idx="0">
-            <a:schemeClr val="accent1"/>
-          </a:fillRef>
-          <a:effectRef idx="0">
-            <a:schemeClr val="accent1"/>
-          </a:effectRef>
-          <a:fontRef idx="minor">
-            <a:schemeClr val="tx1"/>
-          </a:fontRef>
-        </p:style>
-      </p:cxnSp>
-      <p:sp>
-        <p:nvSpPr>
-          <p:cNvPr id="9" name="TextBox 8"/>
-          <p:cNvSpPr txBox="1"/>
-          <p:nvPr/>
-        </p:nvSpPr>
-        <p:spPr>
-          <a:xfrm>
-            <a:off x="721895" y="6096000"/>
-            <a:ext cx="3262432" cy="584775"/>
-          </a:xfrm>
-          <a:prstGeom prst="rect">
-            <a:avLst/>
-          </a:prstGeom>
-          <a:noFill/>
-        </p:spPr>
-        <p:txBody>
-          <a:bodyPr wrap="none" rtlCol="0">
-            <a:spAutoFit/>
-          </a:bodyPr>
-          <a:lstStyle/>
-          <a:p>
-            <a:r>
-              <a:rPr lang="en-US" sz="3200" dirty="0" err="1" smtClean="0"/>
-              <a:t>Kiến</a:t>
-            </a:r>
-            <a:r>
-              <a:rPr lang="en-US" sz="3200" dirty="0" smtClean="0"/>
-              <a:t> </a:t>
-            </a:r>
-            <a:r>
-              <a:rPr lang="en-US" sz="3200" dirty="0" err="1" smtClean="0"/>
-              <a:t>trúc</a:t>
-            </a:r>
-            <a:r>
-              <a:rPr lang="en-US" sz="3200" dirty="0" smtClean="0"/>
-              <a:t> </a:t>
-            </a:r>
-            <a:r>
-              <a:rPr lang="en-US" sz="3200" dirty="0" err="1" smtClean="0"/>
-              <a:t>hệ</a:t>
-            </a:r>
-            <a:r>
-              <a:rPr lang="en-US" sz="3200" dirty="0" smtClean="0"/>
-              <a:t> </a:t>
-            </a:r>
-            <a:r>
-              <a:rPr lang="en-US" sz="3200" dirty="0" err="1" smtClean="0"/>
-              <a:t>thống</a:t>
-            </a:r>
-            <a:endParaRPr lang="en-US" sz="3200" dirty="0"/>
-          </a:p>
-        </p:txBody>
-      </p:sp>
-      <p:pic>
-        <p:nvPicPr>
-          <p:cNvPr id="10" name="Picture 9"/>
-          <p:cNvPicPr>
-            <a:picLocks noChangeAspect="1"/>
-          </p:cNvPicPr>
-          <p:nvPr/>
-        </p:nvPicPr>
-        <p:blipFill>
-          <a:blip r:embed="rId2">
-            <a:extLst>
-              <a:ext uri="{28A0092B-C50C-407E-A947-70E740481C1C}">
-                <a14:useLocalDpi xmlns:a14="http://schemas.microsoft.com/office/drawing/2010/main" val="0"/>
-              </a:ext>
-            </a:extLst>
-          </a:blip>
-          <a:stretch>
-            <a:fillRect/>
-          </a:stretch>
-        </p:blipFill>
-        <p:spPr>
-          <a:xfrm>
-            <a:off x="8275014" y="112694"/>
-            <a:ext cx="1542754" cy="1542754"/>
-          </a:xfrm>
-          <a:prstGeom prst="rect">
-            <a:avLst/>
-          </a:prstGeom>
-        </p:spPr>
-      </p:pic>
-      <p:cxnSp>
-        <p:nvCxnSpPr>
-          <p:cNvPr id="12" name="Straight Arrow Connector 11"/>
-          <p:cNvCxnSpPr>
-            <a:stCxn id="4" idx="3"/>
-          </p:cNvCxnSpPr>
-          <p:nvPr/>
-        </p:nvCxnSpPr>
-        <p:spPr>
-          <a:xfrm flipV="1">
-            <a:off x="6684135" y="1146732"/>
-            <a:ext cx="1590879" cy="1"/>
-          </a:xfrm>
-          <a:prstGeom prst="straightConnector1">
-            <a:avLst/>
-          </a:prstGeom>
-          <a:ln w="76200">
-            <a:headEnd type="triangle"/>
-            <a:tailEnd type="triangle"/>
-          </a:ln>
-        </p:spPr>
-        <p:style>
-          <a:lnRef idx="1">
-            <a:schemeClr val="accent1"/>
-          </a:lnRef>
-          <a:fillRef idx="0">
-            <a:schemeClr val="accent1"/>
-          </a:fillRef>
-          <a:effectRef idx="0">
-            <a:schemeClr val="accent1"/>
-          </a:effectRef>
-          <a:fontRef idx="minor">
-            <a:schemeClr val="tx1"/>
-          </a:fontRef>
-        </p:style>
-      </p:cxnSp>
-      <p:sp>
-        <p:nvSpPr>
-          <p:cNvPr id="13" name="Oval 12"/>
-          <p:cNvSpPr/>
-          <p:nvPr/>
-        </p:nvSpPr>
-        <p:spPr>
-          <a:xfrm>
-            <a:off x="8360393" y="4260311"/>
-            <a:ext cx="1604211" cy="1376797"/>
-          </a:xfrm>
-          <a:prstGeom prst="ellipse">
-            <a:avLst/>
-          </a:prstGeom>
-          <a:gradFill flip="none" rotWithShape="1">
-            <a:gsLst>
-              <a:gs pos="20000">
-                <a:schemeClr val="accent2">
-                  <a:lumMod val="67000"/>
-                </a:schemeClr>
-              </a:gs>
-              <a:gs pos="74000">
-                <a:schemeClr val="accent2">
-                  <a:lumMod val="97000"/>
-                  <a:lumOff val="3000"/>
-                </a:schemeClr>
-              </a:gs>
-              <a:gs pos="88000">
-                <a:schemeClr val="accent2">
-                  <a:lumMod val="60000"/>
-                  <a:lumOff val="40000"/>
-                </a:schemeClr>
-              </a:gs>
-            </a:gsLst>
-            <a:lin ang="16200000" scaled="1"/>
-            <a:tileRect/>
-          </a:gradFill>
-        </p:spPr>
-        <p:style>
-          <a:lnRef idx="2">
-            <a:schemeClr val="accent1">
-              <a:shade val="50000"/>
-            </a:schemeClr>
-          </a:lnRef>
-          <a:fillRef idx="1">
-            <a:schemeClr val="accent1"/>
-          </a:fillRef>
-          <a:effectRef idx="0">
-            <a:schemeClr val="accent1"/>
-          </a:effectRef>
-          <a:fontRef idx="minor">
-            <a:schemeClr val="lt1"/>
-          </a:fontRef>
-        </p:style>
-        <p:txBody>
-          <a:bodyPr rtlCol="0" anchor="ctr"/>
-          <a:lstStyle/>
-          <a:p>
-            <a:pPr algn="ctr"/>
-            <a:r>
-              <a:rPr lang="en-US" sz="2400" b="1" dirty="0" smtClean="0">
-                <a:solidFill>
-                  <a:schemeClr val="bg1">
-                    <a:lumMod val="95000"/>
-                  </a:schemeClr>
-                </a:solidFill>
-              </a:rPr>
-              <a:t>API</a:t>
-            </a:r>
-            <a:endParaRPr lang="en-US" sz="2400" b="1" dirty="0">
-              <a:solidFill>
-                <a:schemeClr val="bg1">
-                  <a:lumMod val="95000"/>
-                </a:schemeClr>
-              </a:solidFill>
-            </a:endParaRPr>
-          </a:p>
-        </p:txBody>
-      </p:sp>
-      <p:cxnSp>
-        <p:nvCxnSpPr>
-          <p:cNvPr id="14" name="Straight Arrow Connector 13"/>
-          <p:cNvCxnSpPr/>
-          <p:nvPr/>
-        </p:nvCxnSpPr>
-        <p:spPr>
-          <a:xfrm flipV="1">
-            <a:off x="6674335" y="4948710"/>
-            <a:ext cx="1590879" cy="1"/>
-          </a:xfrm>
-          <a:prstGeom prst="straightConnector1">
-            <a:avLst/>
-          </a:prstGeom>
-          <a:ln w="76200">
-            <a:headEnd type="triangle"/>
-            <a:tailEnd type="triangle"/>
-          </a:ln>
-        </p:spPr>
-        <p:style>
-          <a:lnRef idx="1">
-            <a:schemeClr val="accent1"/>
-          </a:lnRef>
-          <a:fillRef idx="0">
-            <a:schemeClr val="accent1"/>
-          </a:fillRef>
-          <a:effectRef idx="0">
-            <a:schemeClr val="accent1"/>
-          </a:effectRef>
-          <a:fontRef idx="minor">
-            <a:schemeClr val="tx1"/>
-          </a:fontRef>
-        </p:style>
-      </p:cxnSp>
-      <p:sp>
-        <p:nvSpPr>
-          <p:cNvPr id="16" name="Rounded Rectangle 15"/>
-          <p:cNvSpPr/>
-          <p:nvPr/>
-        </p:nvSpPr>
-        <p:spPr>
-          <a:xfrm>
-            <a:off x="4571998" y="4439995"/>
-            <a:ext cx="2112135" cy="1017431"/>
-          </a:xfrm>
-          <a:prstGeom prst="roundRect">
-            <a:avLst/>
-          </a:prstGeom>
-          <a:gradFill>
-            <a:gsLst>
-              <a:gs pos="0">
-                <a:schemeClr val="accent1">
-                  <a:lumMod val="5000"/>
-                  <a:lumOff val="95000"/>
-                </a:schemeClr>
-              </a:gs>
-              <a:gs pos="54000">
-                <a:schemeClr val="accent1">
-                  <a:lumMod val="45000"/>
-                  <a:lumOff val="55000"/>
-                </a:schemeClr>
-              </a:gs>
-              <a:gs pos="100000">
-                <a:schemeClr val="accent1">
-                  <a:lumMod val="45000"/>
-                  <a:lumOff val="55000"/>
-                </a:schemeClr>
-              </a:gs>
-              <a:gs pos="100000">
-                <a:schemeClr val="accent1">
-                  <a:lumMod val="30000"/>
-                  <a:lumOff val="70000"/>
-                </a:schemeClr>
-              </a:gs>
-            </a:gsLst>
-            <a:lin ang="5400000" scaled="1"/>
-          </a:gradFill>
-        </p:spPr>
-        <p:style>
-          <a:lnRef idx="2">
-            <a:schemeClr val="accent1">
-              <a:shade val="50000"/>
-            </a:schemeClr>
-          </a:lnRef>
-          <a:fillRef idx="1">
-            <a:schemeClr val="accent1"/>
-          </a:fillRef>
-          <a:effectRef idx="0">
-            <a:schemeClr val="accent1"/>
-          </a:effectRef>
-          <a:fontRef idx="minor">
-            <a:schemeClr val="lt1"/>
-          </a:fontRef>
-        </p:style>
-        <p:txBody>
-          <a:bodyPr rtlCol="0" anchor="ctr"/>
-          <a:lstStyle/>
-          <a:p>
-            <a:pPr algn="ctr"/>
-            <a:r>
-              <a:rPr lang="en-US" sz="2400" b="1" dirty="0" smtClean="0">
-                <a:solidFill>
-                  <a:schemeClr val="tx1"/>
-                </a:solidFill>
-              </a:rPr>
-              <a:t>Hook Module</a:t>
-            </a:r>
-            <a:endParaRPr lang="en-US" sz="2400" b="1" dirty="0">
-              <a:solidFill>
-                <a:schemeClr val="tx1"/>
-              </a:solidFill>
-            </a:endParaRPr>
-          </a:p>
-        </p:txBody>
-      </p:sp>
-      <p:cxnSp>
-        <p:nvCxnSpPr>
-          <p:cNvPr id="17" name="Straight Arrow Connector 16"/>
-          <p:cNvCxnSpPr/>
-          <p:nvPr/>
-        </p:nvCxnSpPr>
-        <p:spPr>
-          <a:xfrm flipH="1">
-            <a:off x="5628065" y="3584472"/>
-            <a:ext cx="1" cy="883558"/>
-          </a:xfrm>
-          <a:prstGeom prst="straightConnector1">
-            <a:avLst/>
-          </a:prstGeom>
-          <a:ln w="79375">
-            <a:headEnd type="triangle"/>
-            <a:tailEnd type="triangle"/>
-          </a:ln>
-        </p:spPr>
-        <p:style>
-          <a:lnRef idx="1">
-            <a:schemeClr val="accent1"/>
-          </a:lnRef>
-          <a:fillRef idx="0">
-            <a:schemeClr val="accent1"/>
-          </a:fillRef>
-          <a:effectRef idx="0">
-            <a:schemeClr val="accent1"/>
-          </a:effectRef>
-          <a:fontRef idx="minor">
-            <a:schemeClr val="tx1"/>
-          </a:fontRef>
-        </p:style>
-      </p:cxnSp>
-    </p:spTree>
-    <p:extLst>
-      <p:ext uri="{BB962C8B-B14F-4D97-AF65-F5344CB8AC3E}">
-        <p14:creationId xmlns:p14="http://schemas.microsoft.com/office/powerpoint/2010/main" val="4255877774"/>
-      </p:ext>
-    </p:extLst>
-  </p:cSld>
-  <p:clrMapOvr>
-    <a:masterClrMapping/>
-  </p:clrMapOvr>
 </p:sld>
 </file>
 

--- a/Document/SODO.pptx
+++ b/Document/SODO.pptx
@@ -10,17 +10,18 @@
     <p:sldId id="258" r:id="rId4"/>
     <p:sldId id="268" r:id="rId5"/>
     <p:sldId id="259" r:id="rId6"/>
-    <p:sldId id="260" r:id="rId7"/>
-    <p:sldId id="263" r:id="rId8"/>
-    <p:sldId id="261" r:id="rId9"/>
-    <p:sldId id="262" r:id="rId10"/>
-    <p:sldId id="264" r:id="rId11"/>
-    <p:sldId id="265" r:id="rId12"/>
-    <p:sldId id="267" r:id="rId13"/>
-    <p:sldId id="266" r:id="rId14"/>
+    <p:sldId id="269" r:id="rId7"/>
+    <p:sldId id="260" r:id="rId8"/>
+    <p:sldId id="263" r:id="rId9"/>
+    <p:sldId id="261" r:id="rId10"/>
+    <p:sldId id="262" r:id="rId11"/>
+    <p:sldId id="264" r:id="rId12"/>
+    <p:sldId id="265" r:id="rId13"/>
+    <p:sldId id="267" r:id="rId14"/>
+    <p:sldId id="266" r:id="rId15"/>
   </p:sldIdLst>
   <p:sldSz cx="12192000" cy="6858000"/>
-  <p:notesSz cx="6858000" cy="9144000"/>
+  <p:notesSz cx="7315200" cy="9601200"/>
   <p:defaultTextStyle>
     <a:defPPr>
       <a:defRPr lang="en-US"/>
@@ -4606,564 +4607,6 @@
       <dsp:cNvGrpSpPr/>
     </dsp:nvGrpSpPr>
     <dsp:grpSpPr/>
-    <dsp:sp modelId="{7F739C37-DE7D-4C78-8F14-BB11D63384A4}">
-      <dsp:nvSpPr>
-        <dsp:cNvPr id="0" name=""/>
-        <dsp:cNvSpPr/>
-      </dsp:nvSpPr>
-      <dsp:spPr>
-        <a:xfrm>
-          <a:off x="2567" y="272267"/>
-          <a:ext cx="2284883" cy="913953"/>
-        </a:xfrm>
-        <a:prstGeom prst="chevron">
-          <a:avLst/>
-        </a:prstGeom>
-        <a:solidFill>
-          <a:schemeClr val="accent1">
-            <a:hueOff val="0"/>
-            <a:satOff val="0"/>
-            <a:lumOff val="0"/>
-            <a:alphaOff val="0"/>
-          </a:schemeClr>
-        </a:solidFill>
-        <a:ln w="12700" cap="flat" cmpd="sng" algn="ctr">
-          <a:solidFill>
-            <a:schemeClr val="lt1">
-              <a:hueOff val="0"/>
-              <a:satOff val="0"/>
-              <a:lumOff val="0"/>
-              <a:alphaOff val="0"/>
-            </a:schemeClr>
-          </a:solidFill>
-          <a:prstDash val="solid"/>
-          <a:miter lim="800000"/>
-        </a:ln>
-        <a:effectLst/>
-      </dsp:spPr>
-      <dsp:style>
-        <a:lnRef idx="2">
-          <a:scrgbClr r="0" g="0" b="0"/>
-        </a:lnRef>
-        <a:fillRef idx="1">
-          <a:scrgbClr r="0" g="0" b="0"/>
-        </a:fillRef>
-        <a:effectRef idx="0">
-          <a:scrgbClr r="0" g="0" b="0"/>
-        </a:effectRef>
-        <a:fontRef idx="minor">
-          <a:schemeClr val="lt1"/>
-        </a:fontRef>
-      </dsp:style>
-      <dsp:txBody>
-        <a:bodyPr spcFirstLastPara="0" vert="horz" wrap="square" lIns="72009" tIns="24003" rIns="24003" bIns="24003" numCol="1" spcCol="1270" anchor="ctr" anchorCtr="0">
-          <a:noAutofit/>
-        </a:bodyPr>
-        <a:lstStyle/>
-        <a:p>
-          <a:pPr lvl="0" algn="ctr" defTabSz="800100">
-            <a:lnSpc>
-              <a:spcPct val="90000"/>
-            </a:lnSpc>
-            <a:spcBef>
-              <a:spcPct val="0"/>
-            </a:spcBef>
-            <a:spcAft>
-              <a:spcPct val="35000"/>
-            </a:spcAft>
-          </a:pPr>
-          <a:r>
-            <a:rPr lang="en-US" sz="1800" kern="1200" dirty="0" err="1" smtClean="0"/>
-            <a:t>Xác</a:t>
-          </a:r>
-          <a:r>
-            <a:rPr lang="en-US" sz="1800" kern="1200" dirty="0" smtClean="0"/>
-            <a:t> </a:t>
-          </a:r>
-          <a:r>
-            <a:rPr lang="en-US" sz="1800" kern="1200" dirty="0" err="1" smtClean="0"/>
-            <a:t>định</a:t>
-          </a:r>
-          <a:r>
-            <a:rPr lang="en-US" sz="1800" kern="1200" dirty="0" smtClean="0"/>
-            <a:t> </a:t>
-          </a:r>
-          <a:r>
-            <a:rPr lang="en-US" sz="1800" kern="1200" dirty="0" err="1" smtClean="0"/>
-            <a:t>địa</a:t>
-          </a:r>
-          <a:r>
-            <a:rPr lang="en-US" sz="1800" kern="1200" dirty="0" smtClean="0"/>
-            <a:t> </a:t>
-          </a:r>
-          <a:r>
-            <a:rPr lang="en-US" sz="1800" kern="1200" dirty="0" err="1" smtClean="0"/>
-            <a:t>chỉ</a:t>
-          </a:r>
-          <a:r>
-            <a:rPr lang="en-US" sz="1800" kern="1200" dirty="0" smtClean="0"/>
-            <a:t> </a:t>
-          </a:r>
-          <a:r>
-            <a:rPr lang="en-US" sz="1800" kern="1200" dirty="0" err="1" smtClean="0"/>
-            <a:t>hàm</a:t>
-          </a:r>
-          <a:r>
-            <a:rPr lang="en-US" sz="1800" kern="1200" dirty="0" smtClean="0"/>
-            <a:t> </a:t>
-          </a:r>
-          <a:r>
-            <a:rPr lang="en-US" sz="1800" kern="1200" dirty="0" err="1" smtClean="0"/>
-            <a:t>gốc</a:t>
-          </a:r>
-          <a:r>
-            <a:rPr lang="en-US" sz="1800" kern="1200" dirty="0" smtClean="0"/>
-            <a:t> (entry point)</a:t>
-          </a:r>
-          <a:endParaRPr lang="en-US" sz="1800" kern="1200" dirty="0"/>
-        </a:p>
-      </dsp:txBody>
-      <dsp:txXfrm>
-        <a:off x="459544" y="272267"/>
-        <a:ext cx="1370930" cy="913953"/>
-      </dsp:txXfrm>
-    </dsp:sp>
-    <dsp:sp modelId="{79E3F17D-5461-4BCB-9DC2-D9574FD49015}">
-      <dsp:nvSpPr>
-        <dsp:cNvPr id="0" name=""/>
-        <dsp:cNvSpPr/>
-      </dsp:nvSpPr>
-      <dsp:spPr>
-        <a:xfrm>
-          <a:off x="2058962" y="272267"/>
-          <a:ext cx="2284883" cy="913953"/>
-        </a:xfrm>
-        <a:prstGeom prst="chevron">
-          <a:avLst/>
-        </a:prstGeom>
-        <a:solidFill>
-          <a:schemeClr val="accent1">
-            <a:hueOff val="0"/>
-            <a:satOff val="0"/>
-            <a:lumOff val="0"/>
-            <a:alphaOff val="0"/>
-          </a:schemeClr>
-        </a:solidFill>
-        <a:ln w="12700" cap="flat" cmpd="sng" algn="ctr">
-          <a:solidFill>
-            <a:schemeClr val="lt1">
-              <a:hueOff val="0"/>
-              <a:satOff val="0"/>
-              <a:lumOff val="0"/>
-              <a:alphaOff val="0"/>
-            </a:schemeClr>
-          </a:solidFill>
-          <a:prstDash val="solid"/>
-          <a:miter lim="800000"/>
-        </a:ln>
-        <a:effectLst/>
-      </dsp:spPr>
-      <dsp:style>
-        <a:lnRef idx="2">
-          <a:scrgbClr r="0" g="0" b="0"/>
-        </a:lnRef>
-        <a:fillRef idx="1">
-          <a:scrgbClr r="0" g="0" b="0"/>
-        </a:fillRef>
-        <a:effectRef idx="0">
-          <a:scrgbClr r="0" g="0" b="0"/>
-        </a:effectRef>
-        <a:fontRef idx="minor">
-          <a:schemeClr val="lt1"/>
-        </a:fontRef>
-      </dsp:style>
-      <dsp:txBody>
-        <a:bodyPr spcFirstLastPara="0" vert="horz" wrap="square" lIns="72009" tIns="24003" rIns="24003" bIns="24003" numCol="1" spcCol="1270" anchor="ctr" anchorCtr="0">
-          <a:noAutofit/>
-        </a:bodyPr>
-        <a:lstStyle/>
-        <a:p>
-          <a:pPr lvl="0" algn="ctr" defTabSz="800100">
-            <a:lnSpc>
-              <a:spcPct val="90000"/>
-            </a:lnSpc>
-            <a:spcBef>
-              <a:spcPct val="0"/>
-            </a:spcBef>
-            <a:spcAft>
-              <a:spcPct val="35000"/>
-            </a:spcAft>
-          </a:pPr>
-          <a:r>
-            <a:rPr lang="en-US" sz="1800" kern="1200" dirty="0" err="1" smtClean="0"/>
-            <a:t>Cấp</a:t>
-          </a:r>
-          <a:r>
-            <a:rPr lang="en-US" sz="1800" kern="1200" dirty="0" smtClean="0"/>
-            <a:t> </a:t>
-          </a:r>
-          <a:r>
-            <a:rPr lang="en-US" sz="1800" kern="1200" dirty="0" err="1" smtClean="0"/>
-            <a:t>phát</a:t>
-          </a:r>
-          <a:r>
-            <a:rPr lang="en-US" sz="1800" kern="1200" dirty="0" smtClean="0"/>
-            <a:t> </a:t>
-          </a:r>
-          <a:r>
-            <a:rPr lang="en-US" sz="1800" kern="1200" dirty="0" err="1" smtClean="0"/>
-            <a:t>vùng</a:t>
-          </a:r>
-          <a:r>
-            <a:rPr lang="en-US" sz="1800" kern="1200" dirty="0" smtClean="0"/>
-            <a:t> </a:t>
-          </a:r>
-          <a:r>
-            <a:rPr lang="en-US" sz="1800" kern="1200" dirty="0" err="1" smtClean="0"/>
-            <a:t>nhớ</a:t>
-          </a:r>
-          <a:r>
-            <a:rPr lang="en-US" sz="1800" kern="1200" dirty="0" smtClean="0"/>
-            <a:t> </a:t>
-          </a:r>
-          <a:r>
-            <a:rPr lang="en-US" sz="1800" kern="1200" dirty="0" err="1" smtClean="0"/>
-            <a:t>lưu</a:t>
-          </a:r>
-          <a:r>
-            <a:rPr lang="en-US" sz="1800" kern="1200" dirty="0" smtClean="0"/>
-            <a:t> </a:t>
-          </a:r>
-          <a:r>
-            <a:rPr lang="en-US" sz="1800" kern="1200" dirty="0" err="1" smtClean="0"/>
-            <a:t>thông</a:t>
-          </a:r>
-          <a:r>
-            <a:rPr lang="en-US" sz="1800" kern="1200" dirty="0" smtClean="0"/>
-            <a:t> tin</a:t>
-          </a:r>
-          <a:endParaRPr lang="en-US" sz="1800" kern="1200" dirty="0"/>
-        </a:p>
-      </dsp:txBody>
-      <dsp:txXfrm>
-        <a:off x="2515939" y="272267"/>
-        <a:ext cx="1370930" cy="913953"/>
-      </dsp:txXfrm>
-    </dsp:sp>
-    <dsp:sp modelId="{342BFAB8-AD99-4644-A7A7-89BFBF6C1002}">
-      <dsp:nvSpPr>
-        <dsp:cNvPr id="0" name=""/>
-        <dsp:cNvSpPr/>
-      </dsp:nvSpPr>
-      <dsp:spPr>
-        <a:xfrm>
-          <a:off x="4115358" y="272267"/>
-          <a:ext cx="2284883" cy="913953"/>
-        </a:xfrm>
-        <a:prstGeom prst="chevron">
-          <a:avLst/>
-        </a:prstGeom>
-        <a:solidFill>
-          <a:schemeClr val="accent1">
-            <a:hueOff val="0"/>
-            <a:satOff val="0"/>
-            <a:lumOff val="0"/>
-            <a:alphaOff val="0"/>
-          </a:schemeClr>
-        </a:solidFill>
-        <a:ln w="12700" cap="flat" cmpd="sng" algn="ctr">
-          <a:solidFill>
-            <a:schemeClr val="lt1">
-              <a:hueOff val="0"/>
-              <a:satOff val="0"/>
-              <a:lumOff val="0"/>
-              <a:alphaOff val="0"/>
-            </a:schemeClr>
-          </a:solidFill>
-          <a:prstDash val="solid"/>
-          <a:miter lim="800000"/>
-        </a:ln>
-        <a:effectLst/>
-      </dsp:spPr>
-      <dsp:style>
-        <a:lnRef idx="2">
-          <a:scrgbClr r="0" g="0" b="0"/>
-        </a:lnRef>
-        <a:fillRef idx="1">
-          <a:scrgbClr r="0" g="0" b="0"/>
-        </a:fillRef>
-        <a:effectRef idx="0">
-          <a:scrgbClr r="0" g="0" b="0"/>
-        </a:effectRef>
-        <a:fontRef idx="minor">
-          <a:schemeClr val="lt1"/>
-        </a:fontRef>
-      </dsp:style>
-      <dsp:txBody>
-        <a:bodyPr spcFirstLastPara="0" vert="horz" wrap="square" lIns="72009" tIns="24003" rIns="24003" bIns="24003" numCol="1" spcCol="1270" anchor="ctr" anchorCtr="0">
-          <a:noAutofit/>
-        </a:bodyPr>
-        <a:lstStyle/>
-        <a:p>
-          <a:pPr lvl="0" algn="ctr" defTabSz="800100">
-            <a:lnSpc>
-              <a:spcPct val="90000"/>
-            </a:lnSpc>
-            <a:spcBef>
-              <a:spcPct val="0"/>
-            </a:spcBef>
-            <a:spcAft>
-              <a:spcPct val="35000"/>
-            </a:spcAft>
-          </a:pPr>
-          <a:r>
-            <a:rPr lang="en-US" sz="1800" kern="1200" dirty="0" err="1" smtClean="0"/>
-            <a:t>Làm</a:t>
-          </a:r>
-          <a:r>
-            <a:rPr lang="en-US" sz="1800" kern="1200" dirty="0" smtClean="0"/>
-            <a:t> </a:t>
-          </a:r>
-          <a:r>
-            <a:rPr lang="en-US" sz="1800" kern="1200" dirty="0" err="1" smtClean="0"/>
-            <a:t>tròn</a:t>
-          </a:r>
-          <a:r>
-            <a:rPr lang="en-US" sz="1800" kern="1200" dirty="0" smtClean="0"/>
-            <a:t> </a:t>
-          </a:r>
-          <a:r>
-            <a:rPr lang="en-US" sz="1800" kern="1200" dirty="0" err="1" smtClean="0"/>
-            <a:t>độ</a:t>
-          </a:r>
-          <a:r>
-            <a:rPr lang="en-US" sz="1800" kern="1200" dirty="0" smtClean="0"/>
-            <a:t> </a:t>
-          </a:r>
-          <a:r>
-            <a:rPr lang="en-US" sz="1800" kern="1200" dirty="0" err="1" smtClean="0"/>
-            <a:t>dài</a:t>
-          </a:r>
-          <a:r>
-            <a:rPr lang="en-US" sz="1800" kern="1200" dirty="0" smtClean="0"/>
-            <a:t> entry point</a:t>
-          </a:r>
-          <a:endParaRPr lang="en-US" sz="1800" kern="1200" dirty="0"/>
-        </a:p>
-      </dsp:txBody>
-      <dsp:txXfrm>
-        <a:off x="4572335" y="272267"/>
-        <a:ext cx="1370930" cy="913953"/>
-      </dsp:txXfrm>
-    </dsp:sp>
-    <dsp:sp modelId="{73C7F563-37A3-4CF6-9658-1DD4E98136F9}">
-      <dsp:nvSpPr>
-        <dsp:cNvPr id="0" name=""/>
-        <dsp:cNvSpPr/>
-      </dsp:nvSpPr>
-      <dsp:spPr>
-        <a:xfrm>
-          <a:off x="6171753" y="272267"/>
-          <a:ext cx="2284883" cy="913953"/>
-        </a:xfrm>
-        <a:prstGeom prst="chevron">
-          <a:avLst/>
-        </a:prstGeom>
-        <a:solidFill>
-          <a:schemeClr val="accent1">
-            <a:hueOff val="0"/>
-            <a:satOff val="0"/>
-            <a:lumOff val="0"/>
-            <a:alphaOff val="0"/>
-          </a:schemeClr>
-        </a:solidFill>
-        <a:ln w="12700" cap="flat" cmpd="sng" algn="ctr">
-          <a:solidFill>
-            <a:schemeClr val="lt1">
-              <a:hueOff val="0"/>
-              <a:satOff val="0"/>
-              <a:lumOff val="0"/>
-              <a:alphaOff val="0"/>
-            </a:schemeClr>
-          </a:solidFill>
-          <a:prstDash val="solid"/>
-          <a:miter lim="800000"/>
-        </a:ln>
-        <a:effectLst/>
-      </dsp:spPr>
-      <dsp:style>
-        <a:lnRef idx="2">
-          <a:scrgbClr r="0" g="0" b="0"/>
-        </a:lnRef>
-        <a:fillRef idx="1">
-          <a:scrgbClr r="0" g="0" b="0"/>
-        </a:fillRef>
-        <a:effectRef idx="0">
-          <a:scrgbClr r="0" g="0" b="0"/>
-        </a:effectRef>
-        <a:fontRef idx="minor">
-          <a:schemeClr val="lt1"/>
-        </a:fontRef>
-      </dsp:style>
-      <dsp:txBody>
-        <a:bodyPr spcFirstLastPara="0" vert="horz" wrap="square" lIns="72009" tIns="24003" rIns="24003" bIns="24003" numCol="1" spcCol="1270" anchor="ctr" anchorCtr="0">
-          <a:noAutofit/>
-        </a:bodyPr>
-        <a:lstStyle/>
-        <a:p>
-          <a:pPr lvl="0" algn="ctr" defTabSz="800100">
-            <a:lnSpc>
-              <a:spcPct val="90000"/>
-            </a:lnSpc>
-            <a:spcBef>
-              <a:spcPct val="0"/>
-            </a:spcBef>
-            <a:spcAft>
-              <a:spcPct val="35000"/>
-            </a:spcAft>
-          </a:pPr>
-          <a:r>
-            <a:rPr lang="en-US" sz="1800" kern="1200" dirty="0" err="1" smtClean="0"/>
-            <a:t>Lưu</a:t>
-          </a:r>
-          <a:r>
-            <a:rPr lang="en-US" sz="1800" kern="1200" dirty="0" smtClean="0"/>
-            <a:t> </a:t>
-          </a:r>
-          <a:r>
-            <a:rPr lang="en-US" sz="1800" kern="1200" dirty="0" err="1" smtClean="0"/>
-            <a:t>địa</a:t>
-          </a:r>
-          <a:r>
-            <a:rPr lang="en-US" sz="1800" kern="1200" dirty="0" smtClean="0"/>
-            <a:t> </a:t>
-          </a:r>
-          <a:r>
-            <a:rPr lang="en-US" sz="1800" kern="1200" dirty="0" err="1" smtClean="0"/>
-            <a:t>chỉ</a:t>
-          </a:r>
-          <a:r>
-            <a:rPr lang="en-US" sz="1800" kern="1200" dirty="0" smtClean="0"/>
-            <a:t> </a:t>
-          </a:r>
-          <a:r>
-            <a:rPr lang="en-US" sz="1800" kern="1200" dirty="0" err="1" smtClean="0"/>
-            <a:t>hàm</a:t>
-          </a:r>
-          <a:r>
-            <a:rPr lang="en-US" sz="1800" kern="1200" dirty="0" smtClean="0"/>
-            <a:t> </a:t>
-          </a:r>
-          <a:r>
-            <a:rPr lang="en-US" sz="1800" kern="1200" dirty="0" err="1" smtClean="0"/>
-            <a:t>gốc</a:t>
-          </a:r>
-          <a:endParaRPr lang="en-US" sz="1800" kern="1200" dirty="0"/>
-        </a:p>
-      </dsp:txBody>
-      <dsp:txXfrm>
-        <a:off x="6628730" y="272267"/>
-        <a:ext cx="1370930" cy="913953"/>
-      </dsp:txXfrm>
-    </dsp:sp>
-    <dsp:sp modelId="{90C7D633-37DA-4C45-B5A5-BFF7A0E0497C}">
-      <dsp:nvSpPr>
-        <dsp:cNvPr id="0" name=""/>
-        <dsp:cNvSpPr/>
-      </dsp:nvSpPr>
-      <dsp:spPr>
-        <a:xfrm>
-          <a:off x="8228148" y="272267"/>
-          <a:ext cx="2284883" cy="913953"/>
-        </a:xfrm>
-        <a:prstGeom prst="chevron">
-          <a:avLst/>
-        </a:prstGeom>
-        <a:solidFill>
-          <a:schemeClr val="accent1">
-            <a:hueOff val="0"/>
-            <a:satOff val="0"/>
-            <a:lumOff val="0"/>
-            <a:alphaOff val="0"/>
-          </a:schemeClr>
-        </a:solidFill>
-        <a:ln w="12700" cap="flat" cmpd="sng" algn="ctr">
-          <a:solidFill>
-            <a:schemeClr val="lt1">
-              <a:hueOff val="0"/>
-              <a:satOff val="0"/>
-              <a:lumOff val="0"/>
-              <a:alphaOff val="0"/>
-            </a:schemeClr>
-          </a:solidFill>
-          <a:prstDash val="solid"/>
-          <a:miter lim="800000"/>
-        </a:ln>
-        <a:effectLst/>
-      </dsp:spPr>
-      <dsp:style>
-        <a:lnRef idx="2">
-          <a:scrgbClr r="0" g="0" b="0"/>
-        </a:lnRef>
-        <a:fillRef idx="1">
-          <a:scrgbClr r="0" g="0" b="0"/>
-        </a:fillRef>
-        <a:effectRef idx="0">
-          <a:scrgbClr r="0" g="0" b="0"/>
-        </a:effectRef>
-        <a:fontRef idx="minor">
-          <a:schemeClr val="lt1"/>
-        </a:fontRef>
-      </dsp:style>
-      <dsp:txBody>
-        <a:bodyPr spcFirstLastPara="0" vert="horz" wrap="square" lIns="72009" tIns="24003" rIns="24003" bIns="24003" numCol="1" spcCol="1270" anchor="ctr" anchorCtr="0">
-          <a:noAutofit/>
-        </a:bodyPr>
-        <a:lstStyle/>
-        <a:p>
-          <a:pPr lvl="0" algn="ctr" defTabSz="800100">
-            <a:lnSpc>
-              <a:spcPct val="90000"/>
-            </a:lnSpc>
-            <a:spcBef>
-              <a:spcPct val="0"/>
-            </a:spcBef>
-            <a:spcAft>
-              <a:spcPct val="35000"/>
-            </a:spcAft>
-          </a:pPr>
-          <a:r>
-            <a:rPr lang="en-US" sz="1800" kern="1200" dirty="0" err="1" smtClean="0"/>
-            <a:t>Nhảy</a:t>
-          </a:r>
-          <a:r>
-            <a:rPr lang="en-US" sz="1800" kern="1200" dirty="0" smtClean="0"/>
-            <a:t> </a:t>
-          </a:r>
-          <a:r>
-            <a:rPr lang="en-US" sz="1800" kern="1200" dirty="0" err="1" smtClean="0"/>
-            <a:t>tới</a:t>
-          </a:r>
-          <a:r>
-            <a:rPr lang="en-US" sz="1800" kern="1200" dirty="0" smtClean="0"/>
-            <a:t> </a:t>
-          </a:r>
-          <a:r>
-            <a:rPr lang="en-US" sz="1800" kern="1200" dirty="0" err="1" smtClean="0"/>
-            <a:t>hàm</a:t>
-          </a:r>
-          <a:r>
-            <a:rPr lang="en-US" sz="1800" kern="1200" dirty="0" smtClean="0"/>
-            <a:t> hook</a:t>
-          </a:r>
-          <a:endParaRPr lang="en-US" sz="1800" kern="1200" dirty="0"/>
-        </a:p>
-      </dsp:txBody>
-      <dsp:txXfrm>
-        <a:off x="8685125" y="272267"/>
-        <a:ext cx="1370930" cy="913953"/>
-      </dsp:txXfrm>
-    </dsp:sp>
   </dsp:spTree>
 </dsp:drawing>
 </file>
@@ -7796,7 +7239,7 @@
           <a:p>
             <a:fld id="{16D2D749-03DE-4EC2-8C00-F102FCD2936A}" type="datetimeFigureOut">
               <a:rPr lang="en-US" smtClean="0"/>
-              <a:t>7/2/2015</a:t>
+              <a:t>7/3/2015</a:t>
             </a:fld>
             <a:endParaRPr lang="en-US"/>
           </a:p>
@@ -7966,7 +7409,7 @@
           <a:p>
             <a:fld id="{16D2D749-03DE-4EC2-8C00-F102FCD2936A}" type="datetimeFigureOut">
               <a:rPr lang="en-US" smtClean="0"/>
-              <a:t>7/2/2015</a:t>
+              <a:t>7/3/2015</a:t>
             </a:fld>
             <a:endParaRPr lang="en-US"/>
           </a:p>
@@ -8146,7 +7589,7 @@
           <a:p>
             <a:fld id="{16D2D749-03DE-4EC2-8C00-F102FCD2936A}" type="datetimeFigureOut">
               <a:rPr lang="en-US" smtClean="0"/>
-              <a:t>7/2/2015</a:t>
+              <a:t>7/3/2015</a:t>
             </a:fld>
             <a:endParaRPr lang="en-US"/>
           </a:p>
@@ -8316,7 +7759,7 @@
           <a:p>
             <a:fld id="{16D2D749-03DE-4EC2-8C00-F102FCD2936A}" type="datetimeFigureOut">
               <a:rPr lang="en-US" smtClean="0"/>
-              <a:t>7/2/2015</a:t>
+              <a:t>7/3/2015</a:t>
             </a:fld>
             <a:endParaRPr lang="en-US"/>
           </a:p>
@@ -8562,7 +8005,7 @@
           <a:p>
             <a:fld id="{16D2D749-03DE-4EC2-8C00-F102FCD2936A}" type="datetimeFigureOut">
               <a:rPr lang="en-US" smtClean="0"/>
-              <a:t>7/2/2015</a:t>
+              <a:t>7/3/2015</a:t>
             </a:fld>
             <a:endParaRPr lang="en-US"/>
           </a:p>
@@ -8794,7 +8237,7 @@
           <a:p>
             <a:fld id="{16D2D749-03DE-4EC2-8C00-F102FCD2936A}" type="datetimeFigureOut">
               <a:rPr lang="en-US" smtClean="0"/>
-              <a:t>7/2/2015</a:t>
+              <a:t>7/3/2015</a:t>
             </a:fld>
             <a:endParaRPr lang="en-US"/>
           </a:p>
@@ -9161,7 +8604,7 @@
           <a:p>
             <a:fld id="{16D2D749-03DE-4EC2-8C00-F102FCD2936A}" type="datetimeFigureOut">
               <a:rPr lang="en-US" smtClean="0"/>
-              <a:t>7/2/2015</a:t>
+              <a:t>7/3/2015</a:t>
             </a:fld>
             <a:endParaRPr lang="en-US"/>
           </a:p>
@@ -9279,7 +8722,7 @@
           <a:p>
             <a:fld id="{16D2D749-03DE-4EC2-8C00-F102FCD2936A}" type="datetimeFigureOut">
               <a:rPr lang="en-US" smtClean="0"/>
-              <a:t>7/2/2015</a:t>
+              <a:t>7/3/2015</a:t>
             </a:fld>
             <a:endParaRPr lang="en-US"/>
           </a:p>
@@ -9374,7 +8817,7 @@
           <a:p>
             <a:fld id="{16D2D749-03DE-4EC2-8C00-F102FCD2936A}" type="datetimeFigureOut">
               <a:rPr lang="en-US" smtClean="0"/>
-              <a:t>7/2/2015</a:t>
+              <a:t>7/3/2015</a:t>
             </a:fld>
             <a:endParaRPr lang="en-US"/>
           </a:p>
@@ -9651,7 +9094,7 @@
           <a:p>
             <a:fld id="{16D2D749-03DE-4EC2-8C00-F102FCD2936A}" type="datetimeFigureOut">
               <a:rPr lang="en-US" smtClean="0"/>
-              <a:t>7/2/2015</a:t>
+              <a:t>7/3/2015</a:t>
             </a:fld>
             <a:endParaRPr lang="en-US"/>
           </a:p>
@@ -9904,7 +9347,7 @@
           <a:p>
             <a:fld id="{16D2D749-03DE-4EC2-8C00-F102FCD2936A}" type="datetimeFigureOut">
               <a:rPr lang="en-US" smtClean="0"/>
-              <a:t>7/2/2015</a:t>
+              <a:t>7/3/2015</a:t>
             </a:fld>
             <a:endParaRPr lang="en-US"/>
           </a:p>
@@ -10117,7 +9560,7 @@
           <a:p>
             <a:fld id="{16D2D749-03DE-4EC2-8C00-F102FCD2936A}" type="datetimeFigureOut">
               <a:rPr lang="en-US" smtClean="0"/>
-              <a:t>7/2/2015</a:t>
+              <a:t>7/3/2015</a:t>
             </a:fld>
             <a:endParaRPr lang="en-US"/>
           </a:p>
@@ -10644,6 +10087,1492 @@
       </p:grpSpPr>
       <p:sp>
         <p:nvSpPr>
+          <p:cNvPr id="6" name="Rectangle 5"/>
+          <p:cNvSpPr/>
+          <p:nvPr/>
+        </p:nvSpPr>
+        <p:spPr>
+          <a:xfrm>
+            <a:off x="5486399" y="1315326"/>
+            <a:ext cx="1336431" cy="372795"/>
+          </a:xfrm>
+          <a:prstGeom prst="rect">
+            <a:avLst/>
+          </a:prstGeom>
+          <a:gradFill>
+            <a:gsLst>
+              <a:gs pos="10000">
+                <a:srgbClr val="4777A5">
+                  <a:lumMod val="98000"/>
+                </a:srgbClr>
+              </a:gs>
+              <a:gs pos="14000">
+                <a:schemeClr val="accent1">
+                  <a:lumMod val="75000"/>
+                </a:schemeClr>
+              </a:gs>
+              <a:gs pos="75000">
+                <a:schemeClr val="accent1">
+                  <a:lumMod val="60000"/>
+                  <a:lumOff val="40000"/>
+                </a:schemeClr>
+              </a:gs>
+              <a:gs pos="85000">
+                <a:schemeClr val="accent1">
+                  <a:lumMod val="20000"/>
+                  <a:lumOff val="80000"/>
+                </a:schemeClr>
+              </a:gs>
+            </a:gsLst>
+            <a:lin ang="16200000" scaled="1"/>
+          </a:gradFill>
+          <a:ln w="12700">
+            <a:solidFill>
+              <a:schemeClr val="tx2">
+                <a:lumMod val="75000"/>
+              </a:schemeClr>
+            </a:solidFill>
+          </a:ln>
+        </p:spPr>
+        <p:style>
+          <a:lnRef idx="2">
+            <a:schemeClr val="accent1">
+              <a:shade val="50000"/>
+            </a:schemeClr>
+          </a:lnRef>
+          <a:fillRef idx="1">
+            <a:schemeClr val="accent1"/>
+          </a:fillRef>
+          <a:effectRef idx="0">
+            <a:schemeClr val="accent1"/>
+          </a:effectRef>
+          <a:fontRef idx="minor">
+            <a:schemeClr val="lt1"/>
+          </a:fontRef>
+        </p:style>
+        <p:txBody>
+          <a:bodyPr rtlCol="0" anchor="ctr"/>
+          <a:lstStyle/>
+          <a:p>
+            <a:pPr algn="ctr"/>
+            <a:r>
+              <a:rPr lang="en-US" dirty="0"/>
+              <a:t>D0</a:t>
+            </a:r>
+          </a:p>
+        </p:txBody>
+      </p:sp>
+      <p:sp>
+        <p:nvSpPr>
+          <p:cNvPr id="7" name="Rectangle 6"/>
+          <p:cNvSpPr/>
+          <p:nvPr/>
+        </p:nvSpPr>
+        <p:spPr>
+          <a:xfrm>
+            <a:off x="6822830" y="1315326"/>
+            <a:ext cx="1336431" cy="372795"/>
+          </a:xfrm>
+          <a:prstGeom prst="rect">
+            <a:avLst/>
+          </a:prstGeom>
+          <a:gradFill>
+            <a:gsLst>
+              <a:gs pos="10000">
+                <a:srgbClr val="4777A5">
+                  <a:lumMod val="98000"/>
+                </a:srgbClr>
+              </a:gs>
+              <a:gs pos="14000">
+                <a:schemeClr val="accent1">
+                  <a:lumMod val="75000"/>
+                </a:schemeClr>
+              </a:gs>
+              <a:gs pos="75000">
+                <a:schemeClr val="accent1">
+                  <a:lumMod val="60000"/>
+                  <a:lumOff val="40000"/>
+                </a:schemeClr>
+              </a:gs>
+              <a:gs pos="85000">
+                <a:schemeClr val="accent1">
+                  <a:lumMod val="20000"/>
+                  <a:lumOff val="80000"/>
+                </a:schemeClr>
+              </a:gs>
+            </a:gsLst>
+            <a:lin ang="16200000" scaled="1"/>
+          </a:gradFill>
+          <a:ln w="12700">
+            <a:solidFill>
+              <a:schemeClr val="tx2">
+                <a:lumMod val="75000"/>
+              </a:schemeClr>
+            </a:solidFill>
+          </a:ln>
+        </p:spPr>
+        <p:style>
+          <a:lnRef idx="2">
+            <a:schemeClr val="accent1">
+              <a:shade val="50000"/>
+            </a:schemeClr>
+          </a:lnRef>
+          <a:fillRef idx="1">
+            <a:schemeClr val="accent1"/>
+          </a:fillRef>
+          <a:effectRef idx="0">
+            <a:schemeClr val="accent1"/>
+          </a:effectRef>
+          <a:fontRef idx="minor">
+            <a:schemeClr val="lt1"/>
+          </a:fontRef>
+        </p:style>
+        <p:txBody>
+          <a:bodyPr rtlCol="0" anchor="ctr"/>
+          <a:lstStyle/>
+          <a:p>
+            <a:pPr algn="ctr"/>
+            <a:r>
+              <a:rPr lang="en-US" dirty="0"/>
+              <a:t>…</a:t>
+            </a:r>
+          </a:p>
+        </p:txBody>
+      </p:sp>
+      <p:sp>
+        <p:nvSpPr>
+          <p:cNvPr id="8" name="Rectangle 7"/>
+          <p:cNvSpPr/>
+          <p:nvPr/>
+        </p:nvSpPr>
+        <p:spPr>
+          <a:xfrm>
+            <a:off x="8159261" y="1315326"/>
+            <a:ext cx="1364567" cy="372795"/>
+          </a:xfrm>
+          <a:prstGeom prst="rect">
+            <a:avLst/>
+          </a:prstGeom>
+          <a:gradFill>
+            <a:gsLst>
+              <a:gs pos="10000">
+                <a:srgbClr val="4777A5">
+                  <a:lumMod val="98000"/>
+                </a:srgbClr>
+              </a:gs>
+              <a:gs pos="14000">
+                <a:schemeClr val="accent1">
+                  <a:lumMod val="75000"/>
+                </a:schemeClr>
+              </a:gs>
+              <a:gs pos="75000">
+                <a:schemeClr val="accent1">
+                  <a:lumMod val="60000"/>
+                  <a:lumOff val="40000"/>
+                </a:schemeClr>
+              </a:gs>
+              <a:gs pos="85000">
+                <a:schemeClr val="accent1">
+                  <a:lumMod val="20000"/>
+                  <a:lumOff val="80000"/>
+                </a:schemeClr>
+              </a:gs>
+            </a:gsLst>
+            <a:lin ang="16200000" scaled="1"/>
+          </a:gradFill>
+          <a:ln w="12700">
+            <a:solidFill>
+              <a:schemeClr val="tx2">
+                <a:lumMod val="75000"/>
+              </a:schemeClr>
+            </a:solidFill>
+          </a:ln>
+        </p:spPr>
+        <p:style>
+          <a:lnRef idx="2">
+            <a:schemeClr val="accent1">
+              <a:shade val="50000"/>
+            </a:schemeClr>
+          </a:lnRef>
+          <a:fillRef idx="1">
+            <a:schemeClr val="accent1"/>
+          </a:fillRef>
+          <a:effectRef idx="0">
+            <a:schemeClr val="accent1"/>
+          </a:effectRef>
+          <a:fontRef idx="minor">
+            <a:schemeClr val="lt1"/>
+          </a:fontRef>
+        </p:style>
+        <p:txBody>
+          <a:bodyPr rtlCol="0" anchor="ctr"/>
+          <a:lstStyle/>
+          <a:p>
+            <a:pPr algn="ctr"/>
+            <a:r>
+              <a:rPr lang="en-US" dirty="0"/>
+              <a:t>Dn-1</a:t>
+            </a:r>
+          </a:p>
+        </p:txBody>
+      </p:sp>
+      <p:sp>
+        <p:nvSpPr>
+          <p:cNvPr id="9" name="Rectangle 8"/>
+          <p:cNvSpPr/>
+          <p:nvPr/>
+        </p:nvSpPr>
+        <p:spPr>
+          <a:xfrm>
+            <a:off x="5486398" y="2223407"/>
+            <a:ext cx="1336431" cy="375599"/>
+          </a:xfrm>
+          <a:prstGeom prst="rect">
+            <a:avLst/>
+          </a:prstGeom>
+          <a:gradFill flip="none" rotWithShape="1">
+            <a:gsLst>
+              <a:gs pos="0">
+                <a:schemeClr val="accent2">
+                  <a:lumMod val="5000"/>
+                  <a:lumOff val="95000"/>
+                </a:schemeClr>
+              </a:gs>
+              <a:gs pos="16000">
+                <a:schemeClr val="accent2">
+                  <a:lumMod val="60000"/>
+                  <a:lumOff val="40000"/>
+                </a:schemeClr>
+              </a:gs>
+              <a:gs pos="64000">
+                <a:schemeClr val="accent2"/>
+              </a:gs>
+            </a:gsLst>
+            <a:lin ang="5400000" scaled="1"/>
+            <a:tileRect/>
+          </a:gradFill>
+          <a:ln w="12700"/>
+        </p:spPr>
+        <p:style>
+          <a:lnRef idx="2">
+            <a:schemeClr val="accent1">
+              <a:shade val="50000"/>
+            </a:schemeClr>
+          </a:lnRef>
+          <a:fillRef idx="1">
+            <a:schemeClr val="accent1"/>
+          </a:fillRef>
+          <a:effectRef idx="0">
+            <a:schemeClr val="accent1"/>
+          </a:effectRef>
+          <a:fontRef idx="minor">
+            <a:schemeClr val="lt1"/>
+          </a:fontRef>
+        </p:style>
+        <p:txBody>
+          <a:bodyPr rtlCol="0" anchor="ctr"/>
+          <a:lstStyle/>
+          <a:p>
+            <a:pPr algn="ctr"/>
+            <a:r>
+              <a:rPr lang="en-US" dirty="0"/>
+              <a:t>E0</a:t>
+            </a:r>
+          </a:p>
+        </p:txBody>
+      </p:sp>
+      <p:sp>
+        <p:nvSpPr>
+          <p:cNvPr id="10" name="Rectangle 9"/>
+          <p:cNvSpPr/>
+          <p:nvPr/>
+        </p:nvSpPr>
+        <p:spPr>
+          <a:xfrm>
+            <a:off x="9509757" y="2909198"/>
+            <a:ext cx="492369" cy="379827"/>
+          </a:xfrm>
+          <a:prstGeom prst="rect">
+            <a:avLst/>
+          </a:prstGeom>
+          <a:gradFill flip="none" rotWithShape="1">
+            <a:gsLst>
+              <a:gs pos="0">
+                <a:schemeClr val="accent1">
+                  <a:lumMod val="5000"/>
+                  <a:lumOff val="95000"/>
+                </a:schemeClr>
+              </a:gs>
+              <a:gs pos="25000">
+                <a:schemeClr val="accent1">
+                  <a:lumMod val="45000"/>
+                  <a:lumOff val="55000"/>
+                </a:schemeClr>
+              </a:gs>
+              <a:gs pos="43000">
+                <a:srgbClr val="00B0F0"/>
+              </a:gs>
+              <a:gs pos="100000">
+                <a:srgbClr val="00B0F0"/>
+              </a:gs>
+            </a:gsLst>
+            <a:lin ang="5400000" scaled="1"/>
+            <a:tileRect/>
+          </a:gradFill>
+          <a:ln w="12700"/>
+        </p:spPr>
+        <p:style>
+          <a:lnRef idx="2">
+            <a:schemeClr val="accent1">
+              <a:shade val="50000"/>
+            </a:schemeClr>
+          </a:lnRef>
+          <a:fillRef idx="1">
+            <a:schemeClr val="accent1"/>
+          </a:fillRef>
+          <a:effectRef idx="0">
+            <a:schemeClr val="accent1"/>
+          </a:effectRef>
+          <a:fontRef idx="minor">
+            <a:schemeClr val="lt1"/>
+          </a:fontRef>
+        </p:style>
+        <p:txBody>
+          <a:bodyPr rtlCol="0" anchor="ctr"/>
+          <a:lstStyle/>
+          <a:p>
+            <a:pPr algn="ctr"/>
+            <a:r>
+              <a:rPr lang="en-US" sz="1600" dirty="0"/>
+              <a:t>MD</a:t>
+            </a:r>
+          </a:p>
+        </p:txBody>
+      </p:sp>
+      <p:sp>
+        <p:nvSpPr>
+          <p:cNvPr id="14" name="Rectangle 13"/>
+          <p:cNvSpPr/>
+          <p:nvPr/>
+        </p:nvSpPr>
+        <p:spPr>
+          <a:xfrm>
+            <a:off x="6822829" y="2224158"/>
+            <a:ext cx="1364568" cy="379827"/>
+          </a:xfrm>
+          <a:prstGeom prst="rect">
+            <a:avLst/>
+          </a:prstGeom>
+          <a:gradFill flip="none" rotWithShape="1">
+            <a:gsLst>
+              <a:gs pos="0">
+                <a:schemeClr val="accent2">
+                  <a:lumMod val="5000"/>
+                  <a:lumOff val="95000"/>
+                </a:schemeClr>
+              </a:gs>
+              <a:gs pos="16000">
+                <a:schemeClr val="accent2">
+                  <a:lumMod val="60000"/>
+                  <a:lumOff val="40000"/>
+                </a:schemeClr>
+              </a:gs>
+              <a:gs pos="64000">
+                <a:schemeClr val="accent2"/>
+              </a:gs>
+            </a:gsLst>
+            <a:lin ang="5400000" scaled="1"/>
+            <a:tileRect/>
+          </a:gradFill>
+          <a:ln w="12700"/>
+        </p:spPr>
+        <p:style>
+          <a:lnRef idx="2">
+            <a:schemeClr val="accent1">
+              <a:shade val="50000"/>
+            </a:schemeClr>
+          </a:lnRef>
+          <a:fillRef idx="1">
+            <a:schemeClr val="accent1"/>
+          </a:fillRef>
+          <a:effectRef idx="0">
+            <a:schemeClr val="accent1"/>
+          </a:effectRef>
+          <a:fontRef idx="minor">
+            <a:schemeClr val="lt1"/>
+          </a:fontRef>
+        </p:style>
+        <p:txBody>
+          <a:bodyPr rtlCol="0" anchor="ctr"/>
+          <a:lstStyle/>
+          <a:p>
+            <a:pPr algn="ctr"/>
+            <a:r>
+              <a:rPr lang="en-US" dirty="0"/>
+              <a:t>…</a:t>
+            </a:r>
+          </a:p>
+        </p:txBody>
+      </p:sp>
+      <p:sp>
+        <p:nvSpPr>
+          <p:cNvPr id="15" name="Rectangle 14"/>
+          <p:cNvSpPr/>
+          <p:nvPr/>
+        </p:nvSpPr>
+        <p:spPr>
+          <a:xfrm>
+            <a:off x="8173327" y="2904950"/>
+            <a:ext cx="1336431" cy="379827"/>
+          </a:xfrm>
+          <a:prstGeom prst="rect">
+            <a:avLst/>
+          </a:prstGeom>
+          <a:gradFill flip="none" rotWithShape="1">
+            <a:gsLst>
+              <a:gs pos="0">
+                <a:schemeClr val="accent2">
+                  <a:lumMod val="5000"/>
+                  <a:lumOff val="95000"/>
+                </a:schemeClr>
+              </a:gs>
+              <a:gs pos="16000">
+                <a:schemeClr val="accent2">
+                  <a:lumMod val="60000"/>
+                  <a:lumOff val="40000"/>
+                </a:schemeClr>
+              </a:gs>
+              <a:gs pos="64000">
+                <a:schemeClr val="accent2"/>
+              </a:gs>
+            </a:gsLst>
+            <a:lin ang="5400000" scaled="1"/>
+            <a:tileRect/>
+          </a:gradFill>
+          <a:ln w="12700"/>
+        </p:spPr>
+        <p:style>
+          <a:lnRef idx="2">
+            <a:schemeClr val="accent1">
+              <a:shade val="50000"/>
+            </a:schemeClr>
+          </a:lnRef>
+          <a:fillRef idx="1">
+            <a:schemeClr val="accent1"/>
+          </a:fillRef>
+          <a:effectRef idx="0">
+            <a:schemeClr val="accent1"/>
+          </a:effectRef>
+          <a:fontRef idx="minor">
+            <a:schemeClr val="lt1"/>
+          </a:fontRef>
+        </p:style>
+        <p:txBody>
+          <a:bodyPr rtlCol="0" anchor="ctr"/>
+          <a:lstStyle/>
+          <a:p>
+            <a:pPr algn="ctr"/>
+            <a:r>
+              <a:rPr lang="en-US" dirty="0"/>
+              <a:t>En-1</a:t>
+            </a:r>
+          </a:p>
+        </p:txBody>
+      </p:sp>
+      <p:sp>
+        <p:nvSpPr>
+          <p:cNvPr id="19" name="TextBox 18"/>
+          <p:cNvSpPr txBox="1"/>
+          <p:nvPr/>
+        </p:nvSpPr>
+        <p:spPr>
+          <a:xfrm>
+            <a:off x="3115462" y="2242859"/>
+            <a:ext cx="1962397" cy="369332"/>
+          </a:xfrm>
+          <a:prstGeom prst="rect">
+            <a:avLst/>
+          </a:prstGeom>
+          <a:noFill/>
+        </p:spPr>
+        <p:txBody>
+          <a:bodyPr wrap="none" rtlCol="0">
+            <a:spAutoFit/>
+          </a:bodyPr>
+          <a:lstStyle/>
+          <a:p>
+            <a:r>
+              <a:rPr lang="en-US" dirty="0" err="1" smtClean="0"/>
+              <a:t>Ghi</a:t>
+            </a:r>
+            <a:r>
+              <a:rPr lang="en-US" dirty="0" smtClean="0"/>
+              <a:t> file n-1 </a:t>
+            </a:r>
+            <a:r>
+              <a:rPr lang="en-US" dirty="0" err="1" smtClean="0"/>
+              <a:t>lần</a:t>
+            </a:r>
+            <a:r>
+              <a:rPr lang="en-US" dirty="0" smtClean="0"/>
+              <a:t> </a:t>
+            </a:r>
+            <a:r>
+              <a:rPr lang="en-US" dirty="0" err="1" smtClean="0"/>
+              <a:t>đầu</a:t>
+            </a:r>
+            <a:endParaRPr lang="en-US" dirty="0"/>
+          </a:p>
+        </p:txBody>
+      </p:sp>
+      <p:sp>
+        <p:nvSpPr>
+          <p:cNvPr id="20" name="TextBox 19"/>
+          <p:cNvSpPr txBox="1"/>
+          <p:nvPr/>
+        </p:nvSpPr>
+        <p:spPr>
+          <a:xfrm>
+            <a:off x="3115461" y="2904950"/>
+            <a:ext cx="1635384" cy="369332"/>
+          </a:xfrm>
+          <a:prstGeom prst="rect">
+            <a:avLst/>
+          </a:prstGeom>
+          <a:noFill/>
+        </p:spPr>
+        <p:txBody>
+          <a:bodyPr wrap="none" rtlCol="0">
+            <a:spAutoFit/>
+          </a:bodyPr>
+          <a:lstStyle/>
+          <a:p>
+            <a:r>
+              <a:rPr lang="en-US" dirty="0" err="1" smtClean="0"/>
+              <a:t>Ghi</a:t>
+            </a:r>
+            <a:r>
+              <a:rPr lang="en-US" dirty="0" smtClean="0"/>
+              <a:t> file </a:t>
+            </a:r>
+            <a:r>
+              <a:rPr lang="en-US" dirty="0" err="1" smtClean="0"/>
+              <a:t>lần</a:t>
+            </a:r>
+            <a:r>
+              <a:rPr lang="en-US" dirty="0" smtClean="0"/>
+              <a:t> </a:t>
+            </a:r>
+            <a:r>
+              <a:rPr lang="en-US" dirty="0" err="1" smtClean="0"/>
+              <a:t>cuối</a:t>
+            </a:r>
+            <a:endParaRPr lang="en-US" dirty="0"/>
+          </a:p>
+        </p:txBody>
+      </p:sp>
+      <p:sp>
+        <p:nvSpPr>
+          <p:cNvPr id="21" name="TextBox 18"/>
+          <p:cNvSpPr txBox="1"/>
+          <p:nvPr/>
+        </p:nvSpPr>
+        <p:spPr>
+          <a:xfrm>
+            <a:off x="3115461" y="1325821"/>
+            <a:ext cx="1242648" cy="369332"/>
+          </a:xfrm>
+          <a:prstGeom prst="rect">
+            <a:avLst/>
+          </a:prstGeom>
+          <a:noFill/>
+        </p:spPr>
+        <p:txBody>
+          <a:bodyPr wrap="none" rtlCol="0">
+            <a:spAutoFit/>
+          </a:bodyPr>
+          <a:lstStyle>
+            <a:defPPr>
+              <a:defRPr lang="en-US"/>
+            </a:defPPr>
+            <a:lvl1pPr marL="0" algn="l" defTabSz="914400" rtl="0" eaLnBrk="1" latinLnBrk="0" hangingPunct="1">
+              <a:defRPr sz="1800" kern="1200">
+                <a:solidFill>
+                  <a:schemeClr val="tx1"/>
+                </a:solidFill>
+                <a:latin typeface="+mn-lt"/>
+                <a:ea typeface="+mn-ea"/>
+                <a:cs typeface="+mn-cs"/>
+              </a:defRPr>
+            </a:lvl1pPr>
+            <a:lvl2pPr marL="457200" algn="l" defTabSz="914400" rtl="0" eaLnBrk="1" latinLnBrk="0" hangingPunct="1">
+              <a:defRPr sz="1800" kern="1200">
+                <a:solidFill>
+                  <a:schemeClr val="tx1"/>
+                </a:solidFill>
+                <a:latin typeface="+mn-lt"/>
+                <a:ea typeface="+mn-ea"/>
+                <a:cs typeface="+mn-cs"/>
+              </a:defRPr>
+            </a:lvl2pPr>
+            <a:lvl3pPr marL="914400" algn="l" defTabSz="914400" rtl="0" eaLnBrk="1" latinLnBrk="0" hangingPunct="1">
+              <a:defRPr sz="1800" kern="1200">
+                <a:solidFill>
+                  <a:schemeClr val="tx1"/>
+                </a:solidFill>
+                <a:latin typeface="+mn-lt"/>
+                <a:ea typeface="+mn-ea"/>
+                <a:cs typeface="+mn-cs"/>
+              </a:defRPr>
+            </a:lvl3pPr>
+            <a:lvl4pPr marL="1371600" algn="l" defTabSz="914400" rtl="0" eaLnBrk="1" latinLnBrk="0" hangingPunct="1">
+              <a:defRPr sz="1800" kern="1200">
+                <a:solidFill>
+                  <a:schemeClr val="tx1"/>
+                </a:solidFill>
+                <a:latin typeface="+mn-lt"/>
+                <a:ea typeface="+mn-ea"/>
+                <a:cs typeface="+mn-cs"/>
+              </a:defRPr>
+            </a:lvl4pPr>
+            <a:lvl5pPr marL="1828800" algn="l" defTabSz="914400" rtl="0" eaLnBrk="1" latinLnBrk="0" hangingPunct="1">
+              <a:defRPr sz="1800" kern="1200">
+                <a:solidFill>
+                  <a:schemeClr val="tx1"/>
+                </a:solidFill>
+                <a:latin typeface="+mn-lt"/>
+                <a:ea typeface="+mn-ea"/>
+                <a:cs typeface="+mn-cs"/>
+              </a:defRPr>
+            </a:lvl5pPr>
+            <a:lvl6pPr marL="2286000" algn="l" defTabSz="914400" rtl="0" eaLnBrk="1" latinLnBrk="0" hangingPunct="1">
+              <a:defRPr sz="1800" kern="1200">
+                <a:solidFill>
+                  <a:schemeClr val="tx1"/>
+                </a:solidFill>
+                <a:latin typeface="+mn-lt"/>
+                <a:ea typeface="+mn-ea"/>
+                <a:cs typeface="+mn-cs"/>
+              </a:defRPr>
+            </a:lvl6pPr>
+            <a:lvl7pPr marL="2743200" algn="l" defTabSz="914400" rtl="0" eaLnBrk="1" latinLnBrk="0" hangingPunct="1">
+              <a:defRPr sz="1800" kern="1200">
+                <a:solidFill>
+                  <a:schemeClr val="tx1"/>
+                </a:solidFill>
+                <a:latin typeface="+mn-lt"/>
+                <a:ea typeface="+mn-ea"/>
+                <a:cs typeface="+mn-cs"/>
+              </a:defRPr>
+            </a:lvl7pPr>
+            <a:lvl8pPr marL="3200400" algn="l" defTabSz="914400" rtl="0" eaLnBrk="1" latinLnBrk="0" hangingPunct="1">
+              <a:defRPr sz="1800" kern="1200">
+                <a:solidFill>
+                  <a:schemeClr val="tx1"/>
+                </a:solidFill>
+                <a:latin typeface="+mn-lt"/>
+                <a:ea typeface="+mn-ea"/>
+                <a:cs typeface="+mn-cs"/>
+              </a:defRPr>
+            </a:lvl8pPr>
+            <a:lvl9pPr marL="3657600" algn="l" defTabSz="914400" rtl="0" eaLnBrk="1" latinLnBrk="0" hangingPunct="1">
+              <a:defRPr sz="1800" kern="1200">
+                <a:solidFill>
+                  <a:schemeClr val="tx1"/>
+                </a:solidFill>
+                <a:latin typeface="+mn-lt"/>
+                <a:ea typeface="+mn-ea"/>
+                <a:cs typeface="+mn-cs"/>
+              </a:defRPr>
+            </a:lvl9pPr>
+          </a:lstStyle>
+          <a:p>
+            <a:r>
+              <a:rPr lang="en-US" dirty="0" err="1" smtClean="0"/>
+              <a:t>Dữ</a:t>
+            </a:r>
+            <a:r>
+              <a:rPr lang="en-US" dirty="0" smtClean="0"/>
+              <a:t> </a:t>
+            </a:r>
+            <a:r>
+              <a:rPr lang="en-US" dirty="0" err="1" smtClean="0"/>
+              <a:t>liệu</a:t>
+            </a:r>
+            <a:r>
+              <a:rPr lang="en-US" dirty="0" smtClean="0"/>
+              <a:t> </a:t>
+            </a:r>
+            <a:r>
+              <a:rPr lang="en-US" dirty="0" err="1" smtClean="0"/>
+              <a:t>gốc</a:t>
+            </a:r>
+            <a:endParaRPr lang="en-US" dirty="0"/>
+          </a:p>
+        </p:txBody>
+      </p:sp>
+      <p:sp>
+        <p:nvSpPr>
+          <p:cNvPr id="23" name="Rectangle 22"/>
+          <p:cNvSpPr/>
+          <p:nvPr/>
+        </p:nvSpPr>
+        <p:spPr>
+          <a:xfrm>
+            <a:off x="9513125" y="3793002"/>
+            <a:ext cx="492369" cy="379827"/>
+          </a:xfrm>
+          <a:prstGeom prst="rect">
+            <a:avLst/>
+          </a:prstGeom>
+          <a:gradFill flip="none" rotWithShape="1">
+            <a:gsLst>
+              <a:gs pos="0">
+                <a:schemeClr val="accent1">
+                  <a:lumMod val="5000"/>
+                  <a:lumOff val="95000"/>
+                </a:schemeClr>
+              </a:gs>
+              <a:gs pos="25000">
+                <a:schemeClr val="accent1">
+                  <a:lumMod val="45000"/>
+                  <a:lumOff val="55000"/>
+                </a:schemeClr>
+              </a:gs>
+              <a:gs pos="43000">
+                <a:srgbClr val="00B0F0"/>
+              </a:gs>
+              <a:gs pos="100000">
+                <a:srgbClr val="00B0F0"/>
+              </a:gs>
+            </a:gsLst>
+            <a:lin ang="5400000" scaled="1"/>
+            <a:tileRect/>
+          </a:gradFill>
+          <a:ln w="12700"/>
+        </p:spPr>
+        <p:style>
+          <a:lnRef idx="2">
+            <a:schemeClr val="accent1">
+              <a:shade val="50000"/>
+            </a:schemeClr>
+          </a:lnRef>
+          <a:fillRef idx="1">
+            <a:schemeClr val="accent1"/>
+          </a:fillRef>
+          <a:effectRef idx="0">
+            <a:schemeClr val="accent1"/>
+          </a:effectRef>
+          <a:fontRef idx="minor">
+            <a:schemeClr val="lt1"/>
+          </a:fontRef>
+        </p:style>
+        <p:txBody>
+          <a:bodyPr rtlCol="0" anchor="ctr"/>
+          <a:lstStyle/>
+          <a:p>
+            <a:pPr algn="ctr"/>
+            <a:r>
+              <a:rPr lang="en-US" sz="1600" dirty="0"/>
+              <a:t>MD</a:t>
+            </a:r>
+          </a:p>
+        </p:txBody>
+      </p:sp>
+      <p:sp>
+        <p:nvSpPr>
+          <p:cNvPr id="24" name="Rectangle 23"/>
+          <p:cNvSpPr/>
+          <p:nvPr/>
+        </p:nvSpPr>
+        <p:spPr>
+          <a:xfrm>
+            <a:off x="5486395" y="3793004"/>
+            <a:ext cx="1336433" cy="379827"/>
+          </a:xfrm>
+          <a:prstGeom prst="rect">
+            <a:avLst/>
+          </a:prstGeom>
+          <a:gradFill flip="none" rotWithShape="1">
+            <a:gsLst>
+              <a:gs pos="0">
+                <a:schemeClr val="accent6">
+                  <a:lumMod val="5000"/>
+                  <a:lumOff val="95000"/>
+                </a:schemeClr>
+              </a:gs>
+              <a:gs pos="15000">
+                <a:schemeClr val="accent6">
+                  <a:lumMod val="45000"/>
+                  <a:lumOff val="55000"/>
+                </a:schemeClr>
+              </a:gs>
+              <a:gs pos="35000">
+                <a:srgbClr val="92D050"/>
+              </a:gs>
+              <a:gs pos="100000">
+                <a:srgbClr val="00B050"/>
+              </a:gs>
+            </a:gsLst>
+            <a:lin ang="5400000" scaled="1"/>
+            <a:tileRect/>
+          </a:gradFill>
+          <a:ln w="12700"/>
+        </p:spPr>
+        <p:style>
+          <a:lnRef idx="2">
+            <a:schemeClr val="accent1">
+              <a:shade val="50000"/>
+            </a:schemeClr>
+          </a:lnRef>
+          <a:fillRef idx="1">
+            <a:schemeClr val="accent1"/>
+          </a:fillRef>
+          <a:effectRef idx="0">
+            <a:schemeClr val="accent1"/>
+          </a:effectRef>
+          <a:fontRef idx="minor">
+            <a:schemeClr val="lt1"/>
+          </a:fontRef>
+        </p:style>
+        <p:txBody>
+          <a:bodyPr rtlCol="0" anchor="ctr"/>
+          <a:lstStyle/>
+          <a:p>
+            <a:pPr algn="ctr"/>
+            <a:r>
+              <a:rPr lang="en-US" dirty="0"/>
+              <a:t>E0-MD</a:t>
+            </a:r>
+          </a:p>
+        </p:txBody>
+      </p:sp>
+      <p:sp>
+        <p:nvSpPr>
+          <p:cNvPr id="25" name="Rectangle 24"/>
+          <p:cNvSpPr/>
+          <p:nvPr/>
+        </p:nvSpPr>
+        <p:spPr>
+          <a:xfrm>
+            <a:off x="6836896" y="3793002"/>
+            <a:ext cx="1336431" cy="383078"/>
+          </a:xfrm>
+          <a:prstGeom prst="rect">
+            <a:avLst/>
+          </a:prstGeom>
+          <a:gradFill flip="none" rotWithShape="1">
+            <a:gsLst>
+              <a:gs pos="0">
+                <a:schemeClr val="accent6">
+                  <a:lumMod val="5000"/>
+                  <a:lumOff val="95000"/>
+                </a:schemeClr>
+              </a:gs>
+              <a:gs pos="15000">
+                <a:schemeClr val="accent6">
+                  <a:lumMod val="45000"/>
+                  <a:lumOff val="55000"/>
+                </a:schemeClr>
+              </a:gs>
+              <a:gs pos="35000">
+                <a:srgbClr val="92D050"/>
+              </a:gs>
+              <a:gs pos="100000">
+                <a:srgbClr val="00B050"/>
+              </a:gs>
+            </a:gsLst>
+            <a:lin ang="5400000" scaled="1"/>
+            <a:tileRect/>
+          </a:gradFill>
+          <a:ln w="12700"/>
+        </p:spPr>
+        <p:style>
+          <a:lnRef idx="2">
+            <a:schemeClr val="accent1">
+              <a:shade val="50000"/>
+            </a:schemeClr>
+          </a:lnRef>
+          <a:fillRef idx="1">
+            <a:schemeClr val="accent1"/>
+          </a:fillRef>
+          <a:effectRef idx="0">
+            <a:schemeClr val="accent1"/>
+          </a:effectRef>
+          <a:fontRef idx="minor">
+            <a:schemeClr val="lt1"/>
+          </a:fontRef>
+        </p:style>
+        <p:txBody>
+          <a:bodyPr rtlCol="0" anchor="ctr"/>
+          <a:lstStyle/>
+          <a:p>
+            <a:pPr algn="ctr"/>
+            <a:r>
+              <a:rPr lang="en-US" dirty="0"/>
+              <a:t>…</a:t>
+            </a:r>
+          </a:p>
+        </p:txBody>
+      </p:sp>
+      <p:sp>
+        <p:nvSpPr>
+          <p:cNvPr id="26" name="Rectangle 25"/>
+          <p:cNvSpPr/>
+          <p:nvPr/>
+        </p:nvSpPr>
+        <p:spPr>
+          <a:xfrm>
+            <a:off x="8187397" y="3793003"/>
+            <a:ext cx="1336431" cy="379827"/>
+          </a:xfrm>
+          <a:prstGeom prst="rect">
+            <a:avLst/>
+          </a:prstGeom>
+          <a:gradFill flip="none" rotWithShape="1">
+            <a:gsLst>
+              <a:gs pos="0">
+                <a:schemeClr val="accent6">
+                  <a:lumMod val="5000"/>
+                  <a:lumOff val="95000"/>
+                </a:schemeClr>
+              </a:gs>
+              <a:gs pos="15000">
+                <a:schemeClr val="accent6">
+                  <a:lumMod val="45000"/>
+                  <a:lumOff val="55000"/>
+                </a:schemeClr>
+              </a:gs>
+              <a:gs pos="35000">
+                <a:srgbClr val="92D050"/>
+              </a:gs>
+              <a:gs pos="100000">
+                <a:srgbClr val="00B050"/>
+              </a:gs>
+            </a:gsLst>
+            <a:lin ang="5400000" scaled="1"/>
+            <a:tileRect/>
+          </a:gradFill>
+          <a:ln w="12700"/>
+        </p:spPr>
+        <p:style>
+          <a:lnRef idx="2">
+            <a:schemeClr val="accent1">
+              <a:shade val="50000"/>
+            </a:schemeClr>
+          </a:lnRef>
+          <a:fillRef idx="1">
+            <a:schemeClr val="accent1"/>
+          </a:fillRef>
+          <a:effectRef idx="0">
+            <a:schemeClr val="accent1"/>
+          </a:effectRef>
+          <a:fontRef idx="minor">
+            <a:schemeClr val="lt1"/>
+          </a:fontRef>
+        </p:style>
+        <p:txBody>
+          <a:bodyPr rtlCol="0" anchor="ctr"/>
+          <a:lstStyle/>
+          <a:p>
+            <a:pPr algn="ctr"/>
+            <a:r>
+              <a:rPr lang="en-US" dirty="0"/>
+              <a:t>En-1</a:t>
+            </a:r>
+          </a:p>
+        </p:txBody>
+      </p:sp>
+      <p:sp>
+        <p:nvSpPr>
+          <p:cNvPr id="27" name="TextBox 18"/>
+          <p:cNvSpPr txBox="1"/>
+          <p:nvPr/>
+        </p:nvSpPr>
+        <p:spPr>
+          <a:xfrm>
+            <a:off x="3111677" y="3798250"/>
+            <a:ext cx="1210588" cy="369332"/>
+          </a:xfrm>
+          <a:prstGeom prst="rect">
+            <a:avLst/>
+          </a:prstGeom>
+          <a:noFill/>
+        </p:spPr>
+        <p:txBody>
+          <a:bodyPr wrap="none" rtlCol="0">
+            <a:spAutoFit/>
+          </a:bodyPr>
+          <a:lstStyle>
+            <a:defPPr>
+              <a:defRPr lang="en-US"/>
+            </a:defPPr>
+            <a:lvl1pPr marL="0" algn="l" defTabSz="914400" rtl="0" eaLnBrk="1" latinLnBrk="0" hangingPunct="1">
+              <a:defRPr sz="1800" kern="1200">
+                <a:solidFill>
+                  <a:schemeClr val="tx1"/>
+                </a:solidFill>
+                <a:latin typeface="+mn-lt"/>
+                <a:ea typeface="+mn-ea"/>
+                <a:cs typeface="+mn-cs"/>
+              </a:defRPr>
+            </a:lvl1pPr>
+            <a:lvl2pPr marL="457200" algn="l" defTabSz="914400" rtl="0" eaLnBrk="1" latinLnBrk="0" hangingPunct="1">
+              <a:defRPr sz="1800" kern="1200">
+                <a:solidFill>
+                  <a:schemeClr val="tx1"/>
+                </a:solidFill>
+                <a:latin typeface="+mn-lt"/>
+                <a:ea typeface="+mn-ea"/>
+                <a:cs typeface="+mn-cs"/>
+              </a:defRPr>
+            </a:lvl2pPr>
+            <a:lvl3pPr marL="914400" algn="l" defTabSz="914400" rtl="0" eaLnBrk="1" latinLnBrk="0" hangingPunct="1">
+              <a:defRPr sz="1800" kern="1200">
+                <a:solidFill>
+                  <a:schemeClr val="tx1"/>
+                </a:solidFill>
+                <a:latin typeface="+mn-lt"/>
+                <a:ea typeface="+mn-ea"/>
+                <a:cs typeface="+mn-cs"/>
+              </a:defRPr>
+            </a:lvl3pPr>
+            <a:lvl4pPr marL="1371600" algn="l" defTabSz="914400" rtl="0" eaLnBrk="1" latinLnBrk="0" hangingPunct="1">
+              <a:defRPr sz="1800" kern="1200">
+                <a:solidFill>
+                  <a:schemeClr val="tx1"/>
+                </a:solidFill>
+                <a:latin typeface="+mn-lt"/>
+                <a:ea typeface="+mn-ea"/>
+                <a:cs typeface="+mn-cs"/>
+              </a:defRPr>
+            </a:lvl4pPr>
+            <a:lvl5pPr marL="1828800" algn="l" defTabSz="914400" rtl="0" eaLnBrk="1" latinLnBrk="0" hangingPunct="1">
+              <a:defRPr sz="1800" kern="1200">
+                <a:solidFill>
+                  <a:schemeClr val="tx1"/>
+                </a:solidFill>
+                <a:latin typeface="+mn-lt"/>
+                <a:ea typeface="+mn-ea"/>
+                <a:cs typeface="+mn-cs"/>
+              </a:defRPr>
+            </a:lvl5pPr>
+            <a:lvl6pPr marL="2286000" algn="l" defTabSz="914400" rtl="0" eaLnBrk="1" latinLnBrk="0" hangingPunct="1">
+              <a:defRPr sz="1800" kern="1200">
+                <a:solidFill>
+                  <a:schemeClr val="tx1"/>
+                </a:solidFill>
+                <a:latin typeface="+mn-lt"/>
+                <a:ea typeface="+mn-ea"/>
+                <a:cs typeface="+mn-cs"/>
+              </a:defRPr>
+            </a:lvl6pPr>
+            <a:lvl7pPr marL="2743200" algn="l" defTabSz="914400" rtl="0" eaLnBrk="1" latinLnBrk="0" hangingPunct="1">
+              <a:defRPr sz="1800" kern="1200">
+                <a:solidFill>
+                  <a:schemeClr val="tx1"/>
+                </a:solidFill>
+                <a:latin typeface="+mn-lt"/>
+                <a:ea typeface="+mn-ea"/>
+                <a:cs typeface="+mn-cs"/>
+              </a:defRPr>
+            </a:lvl7pPr>
+            <a:lvl8pPr marL="3200400" algn="l" defTabSz="914400" rtl="0" eaLnBrk="1" latinLnBrk="0" hangingPunct="1">
+              <a:defRPr sz="1800" kern="1200">
+                <a:solidFill>
+                  <a:schemeClr val="tx1"/>
+                </a:solidFill>
+                <a:latin typeface="+mn-lt"/>
+                <a:ea typeface="+mn-ea"/>
+                <a:cs typeface="+mn-cs"/>
+              </a:defRPr>
+            </a:lvl8pPr>
+            <a:lvl9pPr marL="3657600" algn="l" defTabSz="914400" rtl="0" eaLnBrk="1" latinLnBrk="0" hangingPunct="1">
+              <a:defRPr sz="1800" kern="1200">
+                <a:solidFill>
+                  <a:schemeClr val="tx1"/>
+                </a:solidFill>
+                <a:latin typeface="+mn-lt"/>
+                <a:ea typeface="+mn-ea"/>
+                <a:cs typeface="+mn-cs"/>
+              </a:defRPr>
+            </a:lvl9pPr>
+          </a:lstStyle>
+          <a:p>
+            <a:r>
+              <a:rPr lang="en-US" dirty="0" err="1" smtClean="0"/>
+              <a:t>Dữ</a:t>
+            </a:r>
+            <a:r>
+              <a:rPr lang="en-US" dirty="0" smtClean="0"/>
+              <a:t> </a:t>
+            </a:r>
+            <a:r>
+              <a:rPr lang="en-US" dirty="0" err="1" smtClean="0"/>
+              <a:t>liệu</a:t>
+            </a:r>
+            <a:r>
+              <a:rPr lang="en-US" dirty="0" smtClean="0"/>
+              <a:t> </a:t>
+            </a:r>
+            <a:r>
+              <a:rPr lang="en-US" dirty="0" err="1" smtClean="0"/>
+              <a:t>mã</a:t>
+            </a:r>
+            <a:endParaRPr lang="en-US" dirty="0"/>
+          </a:p>
+        </p:txBody>
+      </p:sp>
+      <p:cxnSp>
+        <p:nvCxnSpPr>
+          <p:cNvPr id="29" name="Straight Connector 28"/>
+          <p:cNvCxnSpPr/>
+          <p:nvPr/>
+        </p:nvCxnSpPr>
+        <p:spPr>
+          <a:xfrm>
+            <a:off x="5486399" y="1688121"/>
+            <a:ext cx="11775" cy="554738"/>
+          </a:xfrm>
+          <a:prstGeom prst="line">
+            <a:avLst/>
+          </a:prstGeom>
+        </p:spPr>
+        <p:style>
+          <a:lnRef idx="1">
+            <a:schemeClr val="accent1"/>
+          </a:lnRef>
+          <a:fillRef idx="0">
+            <a:schemeClr val="accent1"/>
+          </a:fillRef>
+          <a:effectRef idx="0">
+            <a:schemeClr val="accent1"/>
+          </a:effectRef>
+          <a:fontRef idx="minor">
+            <a:schemeClr val="tx1"/>
+          </a:fontRef>
+        </p:style>
+      </p:cxnSp>
+      <p:cxnSp>
+        <p:nvCxnSpPr>
+          <p:cNvPr id="31" name="Straight Connector 30"/>
+          <p:cNvCxnSpPr/>
+          <p:nvPr/>
+        </p:nvCxnSpPr>
+        <p:spPr>
+          <a:xfrm>
+            <a:off x="6822830" y="1702185"/>
+            <a:ext cx="5451" cy="509962"/>
+          </a:xfrm>
+          <a:prstGeom prst="line">
+            <a:avLst/>
+          </a:prstGeom>
+        </p:spPr>
+        <p:style>
+          <a:lnRef idx="1">
+            <a:schemeClr val="accent1"/>
+          </a:lnRef>
+          <a:fillRef idx="0">
+            <a:schemeClr val="accent1"/>
+          </a:fillRef>
+          <a:effectRef idx="0">
+            <a:schemeClr val="accent1"/>
+          </a:effectRef>
+          <a:fontRef idx="minor">
+            <a:schemeClr val="tx1"/>
+          </a:fontRef>
+        </p:style>
+      </p:cxnSp>
+      <p:cxnSp>
+        <p:nvCxnSpPr>
+          <p:cNvPr id="34" name="Straight Connector 33"/>
+          <p:cNvCxnSpPr/>
+          <p:nvPr/>
+        </p:nvCxnSpPr>
+        <p:spPr>
+          <a:xfrm>
+            <a:off x="10002126" y="3284777"/>
+            <a:ext cx="0" cy="516723"/>
+          </a:xfrm>
+          <a:prstGeom prst="line">
+            <a:avLst/>
+          </a:prstGeom>
+        </p:spPr>
+        <p:style>
+          <a:lnRef idx="1">
+            <a:schemeClr val="accent1"/>
+          </a:lnRef>
+          <a:fillRef idx="0">
+            <a:schemeClr val="accent1"/>
+          </a:fillRef>
+          <a:effectRef idx="0">
+            <a:schemeClr val="accent1"/>
+          </a:effectRef>
+          <a:fontRef idx="minor">
+            <a:schemeClr val="tx1"/>
+          </a:fontRef>
+        </p:style>
+      </p:cxnSp>
+      <p:cxnSp>
+        <p:nvCxnSpPr>
+          <p:cNvPr id="37" name="Straight Connector 36"/>
+          <p:cNvCxnSpPr/>
+          <p:nvPr/>
+        </p:nvCxnSpPr>
+        <p:spPr>
+          <a:xfrm>
+            <a:off x="6822828" y="2560611"/>
+            <a:ext cx="14068" cy="1237372"/>
+          </a:xfrm>
+          <a:prstGeom prst="line">
+            <a:avLst/>
+          </a:prstGeom>
+        </p:spPr>
+        <p:style>
+          <a:lnRef idx="1">
+            <a:schemeClr val="accent1"/>
+          </a:lnRef>
+          <a:fillRef idx="0">
+            <a:schemeClr val="accent1"/>
+          </a:fillRef>
+          <a:effectRef idx="0">
+            <a:schemeClr val="accent1"/>
+          </a:effectRef>
+          <a:fontRef idx="minor">
+            <a:schemeClr val="tx1"/>
+          </a:fontRef>
+        </p:style>
+      </p:cxnSp>
+      <p:cxnSp>
+        <p:nvCxnSpPr>
+          <p:cNvPr id="39" name="Straight Connector 38"/>
+          <p:cNvCxnSpPr/>
+          <p:nvPr/>
+        </p:nvCxnSpPr>
+        <p:spPr>
+          <a:xfrm>
+            <a:off x="8173328" y="2612191"/>
+            <a:ext cx="14068" cy="1196344"/>
+          </a:xfrm>
+          <a:prstGeom prst="line">
+            <a:avLst/>
+          </a:prstGeom>
+        </p:spPr>
+        <p:style>
+          <a:lnRef idx="1">
+            <a:schemeClr val="accent1"/>
+          </a:lnRef>
+          <a:fillRef idx="0">
+            <a:schemeClr val="accent1"/>
+          </a:fillRef>
+          <a:effectRef idx="0">
+            <a:schemeClr val="accent1"/>
+          </a:effectRef>
+          <a:fontRef idx="minor">
+            <a:schemeClr val="tx1"/>
+          </a:fontRef>
+        </p:style>
+      </p:cxnSp>
+      <p:sp>
+        <p:nvSpPr>
+          <p:cNvPr id="2" name="TextBox 1"/>
+          <p:cNvSpPr txBox="1"/>
+          <p:nvPr/>
+        </p:nvSpPr>
+        <p:spPr>
+          <a:xfrm>
+            <a:off x="850006" y="5885645"/>
+            <a:ext cx="5803576" cy="584775"/>
+          </a:xfrm>
+          <a:prstGeom prst="rect">
+            <a:avLst/>
+          </a:prstGeom>
+          <a:noFill/>
+        </p:spPr>
+        <p:txBody>
+          <a:bodyPr wrap="none" rtlCol="0">
+            <a:spAutoFit/>
+          </a:bodyPr>
+          <a:lstStyle/>
+          <a:p>
+            <a:r>
+              <a:rPr lang="en-US" sz="3200" dirty="0" err="1" smtClean="0"/>
+              <a:t>Ghi</a:t>
+            </a:r>
+            <a:r>
+              <a:rPr lang="en-US" sz="3200" dirty="0" smtClean="0"/>
+              <a:t> </a:t>
+            </a:r>
+            <a:r>
+              <a:rPr lang="en-US" sz="3200" dirty="0" err="1" smtClean="0"/>
+              <a:t>thông</a:t>
+            </a:r>
+            <a:r>
+              <a:rPr lang="en-US" sz="3200" dirty="0" smtClean="0"/>
+              <a:t> tin </a:t>
+            </a:r>
+            <a:r>
+              <a:rPr lang="en-US" sz="3200" dirty="0" err="1" smtClean="0"/>
+              <a:t>mã</a:t>
+            </a:r>
+            <a:r>
+              <a:rPr lang="en-US" sz="3200" dirty="0" smtClean="0"/>
+              <a:t> </a:t>
+            </a:r>
+            <a:r>
+              <a:rPr lang="en-US" sz="3200" dirty="0" err="1" smtClean="0"/>
+              <a:t>hóa</a:t>
+            </a:r>
+            <a:r>
+              <a:rPr lang="en-US" sz="3200" dirty="0" smtClean="0"/>
+              <a:t> </a:t>
+            </a:r>
+            <a:r>
+              <a:rPr lang="en-US" sz="3200" dirty="0" err="1" smtClean="0"/>
+              <a:t>vào</a:t>
+            </a:r>
+            <a:r>
+              <a:rPr lang="en-US" sz="3200" dirty="0" smtClean="0"/>
+              <a:t> </a:t>
+            </a:r>
+            <a:r>
+              <a:rPr lang="en-US" sz="3200" dirty="0" err="1" smtClean="0"/>
+              <a:t>cuối</a:t>
+            </a:r>
+            <a:r>
+              <a:rPr lang="en-US" sz="3200" dirty="0" smtClean="0"/>
+              <a:t> file</a:t>
+            </a:r>
+            <a:endParaRPr lang="en-US" sz="3200" dirty="0"/>
+          </a:p>
+        </p:txBody>
+      </p:sp>
+      <p:cxnSp>
+        <p:nvCxnSpPr>
+          <p:cNvPr id="32" name="Straight Connector 31"/>
+          <p:cNvCxnSpPr/>
+          <p:nvPr/>
+        </p:nvCxnSpPr>
+        <p:spPr>
+          <a:xfrm>
+            <a:off x="5480946" y="2579433"/>
+            <a:ext cx="14068" cy="1237372"/>
+          </a:xfrm>
+          <a:prstGeom prst="line">
+            <a:avLst/>
+          </a:prstGeom>
+        </p:spPr>
+        <p:style>
+          <a:lnRef idx="1">
+            <a:schemeClr val="accent1"/>
+          </a:lnRef>
+          <a:fillRef idx="0">
+            <a:schemeClr val="accent1"/>
+          </a:fillRef>
+          <a:effectRef idx="0">
+            <a:schemeClr val="accent1"/>
+          </a:effectRef>
+          <a:fontRef idx="minor">
+            <a:schemeClr val="tx1"/>
+          </a:fontRef>
+        </p:style>
+      </p:cxnSp>
+      <p:cxnSp>
+        <p:nvCxnSpPr>
+          <p:cNvPr id="28" name="Straight Connector 27"/>
+          <p:cNvCxnSpPr/>
+          <p:nvPr/>
+        </p:nvCxnSpPr>
+        <p:spPr>
+          <a:xfrm>
+            <a:off x="9509757" y="3274282"/>
+            <a:ext cx="14071" cy="510223"/>
+          </a:xfrm>
+          <a:prstGeom prst="line">
+            <a:avLst/>
+          </a:prstGeom>
+          <a:ln>
+            <a:prstDash val="sysDash"/>
+          </a:ln>
+        </p:spPr>
+        <p:style>
+          <a:lnRef idx="1">
+            <a:schemeClr val="accent1"/>
+          </a:lnRef>
+          <a:fillRef idx="0">
+            <a:schemeClr val="accent1"/>
+          </a:fillRef>
+          <a:effectRef idx="0">
+            <a:schemeClr val="accent1"/>
+          </a:effectRef>
+          <a:fontRef idx="minor">
+            <a:schemeClr val="tx1"/>
+          </a:fontRef>
+        </p:style>
+      </p:cxnSp>
+      <p:pic>
+        <p:nvPicPr>
+          <p:cNvPr id="36" name="Picture 35"/>
+          <p:cNvPicPr>
+            <a:picLocks noChangeAspect="1"/>
+          </p:cNvPicPr>
+          <p:nvPr/>
+        </p:nvPicPr>
+        <p:blipFill>
+          <a:blip r:embed="rId2"/>
+          <a:stretch>
+            <a:fillRect/>
+          </a:stretch>
+        </p:blipFill>
+        <p:spPr>
+          <a:xfrm>
+            <a:off x="1772918" y="2042273"/>
+            <a:ext cx="8387082" cy="1408298"/>
+          </a:xfrm>
+          <a:prstGeom prst="rect">
+            <a:avLst/>
+          </a:prstGeom>
+        </p:spPr>
+      </p:pic>
+    </p:spTree>
+    <p:extLst>
+      <p:ext uri="{BB962C8B-B14F-4D97-AF65-F5344CB8AC3E}">
+        <p14:creationId xmlns:p14="http://schemas.microsoft.com/office/powerpoint/2010/main" val="3549116938"/>
+      </p:ext>
+    </p:extLst>
+  </p:cSld>
+  <p:clrMapOvr>
+    <a:masterClrMapping/>
+  </p:clrMapOvr>
+  <p:timing>
+    <p:tnLst>
+      <p:par>
+        <p:cTn id="1" dur="indefinite" restart="never" nodeType="tmRoot"/>
+      </p:par>
+    </p:tnLst>
+  </p:timing>
+</p:sld>
+</file>
+
+<file path=ppt/slides/slide11.xml><?xml version="1.0" encoding="utf-8"?>
+<p:sld xmlns:a="http://schemas.openxmlformats.org/drawingml/2006/main" xmlns:r="http://schemas.openxmlformats.org/officeDocument/2006/relationships" xmlns:p="http://schemas.openxmlformats.org/presentationml/2006/main">
+  <p:cSld>
+    <p:spTree>
+      <p:nvGrpSpPr>
+        <p:cNvPr id="1" name=""/>
+        <p:cNvGrpSpPr/>
+        <p:nvPr/>
+      </p:nvGrpSpPr>
+      <p:grpSpPr>
+        <a:xfrm>
+          <a:off x="0" y="0"/>
+          <a:ext cx="0" cy="0"/>
+          <a:chOff x="0" y="0"/>
+          <a:chExt cx="0" cy="0"/>
+        </a:xfrm>
+      </p:grpSpPr>
+      <p:sp>
+        <p:nvSpPr>
           <p:cNvPr id="4" name="Rounded Rectangle 3"/>
           <p:cNvSpPr/>
           <p:nvPr/>
@@ -11243,7 +12172,7 @@
 </p:sld>
 </file>
 
-<file path=ppt/slides/slide11.xml><?xml version="1.0" encoding="utf-8"?>
+<file path=ppt/slides/slide12.xml><?xml version="1.0" encoding="utf-8"?>
 <p:sld xmlns:a="http://schemas.openxmlformats.org/drawingml/2006/main" xmlns:r="http://schemas.openxmlformats.org/officeDocument/2006/relationships" xmlns:p="http://schemas.openxmlformats.org/presentationml/2006/main">
   <p:cSld>
     <p:spTree>
@@ -11577,7 +12506,7 @@
 </p:sld>
 </file>
 
-<file path=ppt/slides/slide12.xml><?xml version="1.0" encoding="utf-8"?>
+<file path=ppt/slides/slide13.xml><?xml version="1.0" encoding="utf-8"?>
 <p:sld xmlns:a="http://schemas.openxmlformats.org/drawingml/2006/main" xmlns:r="http://schemas.openxmlformats.org/officeDocument/2006/relationships" xmlns:p="http://schemas.openxmlformats.org/presentationml/2006/main">
   <p:cSld>
     <p:spTree>
@@ -11953,7 +12882,7 @@
 </p:sld>
 </file>
 
-<file path=ppt/slides/slide13.xml><?xml version="1.0" encoding="utf-8"?>
+<file path=ppt/slides/slide14.xml><?xml version="1.0" encoding="utf-8"?>
 <p:sld xmlns:a="http://schemas.openxmlformats.org/drawingml/2006/main" xmlns:r="http://schemas.openxmlformats.org/officeDocument/2006/relationships" xmlns:p="http://schemas.openxmlformats.org/presentationml/2006/main">
   <p:cSld>
     <p:spTree>
@@ -12766,11 +13695,6 @@
               </a:rPr>
               <a:t>Thread</a:t>
             </a:r>
-            <a:endParaRPr lang="en-US" sz="2400" b="1" dirty="0">
-              <a:solidFill>
-                <a:schemeClr val="tx1"/>
-              </a:solidFill>
-            </a:endParaRPr>
           </a:p>
         </p:txBody>
       </p:sp>
@@ -13214,11 +14138,6 @@
               </a:rPr>
               <a:t>Manager  Hook</a:t>
             </a:r>
-            <a:endParaRPr lang="en-US" sz="2400" b="1" dirty="0">
-              <a:solidFill>
-                <a:schemeClr val="tx1"/>
-              </a:solidFill>
-            </a:endParaRPr>
           </a:p>
         </p:txBody>
       </p:sp>
@@ -14605,11 +15524,6 @@
               </a:rPr>
               <a:t>Thread</a:t>
             </a:r>
-            <a:endParaRPr lang="en-US" sz="2400" b="1" dirty="0">
-              <a:solidFill>
-                <a:schemeClr val="tx1"/>
-              </a:solidFill>
-            </a:endParaRPr>
           </a:p>
         </p:txBody>
       </p:sp>
@@ -18395,6 +19309,777 @@
       </p:grpSpPr>
       <p:sp>
         <p:nvSpPr>
+          <p:cNvPr id="4" name="Rectangle 3"/>
+          <p:cNvSpPr/>
+          <p:nvPr/>
+        </p:nvSpPr>
+        <p:spPr>
+          <a:xfrm>
+            <a:off x="2133600" y="1689100"/>
+            <a:ext cx="3784600" cy="533400"/>
+          </a:xfrm>
+          <a:prstGeom prst="rect">
+            <a:avLst/>
+          </a:prstGeom>
+          <a:gradFill>
+            <a:gsLst>
+              <a:gs pos="0">
+                <a:schemeClr val="accent1">
+                  <a:lumMod val="5000"/>
+                  <a:lumOff val="95000"/>
+                </a:schemeClr>
+              </a:gs>
+              <a:gs pos="40000">
+                <a:schemeClr val="accent1">
+                  <a:lumMod val="45000"/>
+                  <a:lumOff val="55000"/>
+                </a:schemeClr>
+              </a:gs>
+              <a:gs pos="72000">
+                <a:schemeClr val="accent1">
+                  <a:lumMod val="60000"/>
+                  <a:lumOff val="40000"/>
+                </a:schemeClr>
+              </a:gs>
+              <a:gs pos="100000">
+                <a:schemeClr val="accent1">
+                  <a:lumMod val="75000"/>
+                </a:schemeClr>
+              </a:gs>
+            </a:gsLst>
+            <a:lin ang="5400000" scaled="1"/>
+          </a:gradFill>
+          <a:ln w="25400"/>
+        </p:spPr>
+        <p:style>
+          <a:lnRef idx="2">
+            <a:schemeClr val="accent1">
+              <a:shade val="50000"/>
+            </a:schemeClr>
+          </a:lnRef>
+          <a:fillRef idx="1">
+            <a:schemeClr val="accent1"/>
+          </a:fillRef>
+          <a:effectRef idx="0">
+            <a:schemeClr val="accent1"/>
+          </a:effectRef>
+          <a:fontRef idx="minor">
+            <a:schemeClr val="lt1"/>
+          </a:fontRef>
+        </p:style>
+        <p:txBody>
+          <a:bodyPr rtlCol="0" anchor="ctr"/>
+          <a:lstStyle/>
+          <a:p>
+            <a:pPr algn="ctr"/>
+            <a:r>
+              <a:rPr lang="en-US" sz="2000" b="1" dirty="0" smtClean="0">
+                <a:solidFill>
+                  <a:schemeClr val="tx1"/>
+                </a:solidFill>
+              </a:rPr>
+              <a:t>K</a:t>
+            </a:r>
+            <a:endParaRPr lang="en-US" sz="2000" b="1" dirty="0">
+              <a:solidFill>
+                <a:schemeClr val="tx1"/>
+              </a:solidFill>
+            </a:endParaRPr>
+          </a:p>
+        </p:txBody>
+      </p:sp>
+      <p:sp>
+        <p:nvSpPr>
+          <p:cNvPr id="5" name="Rectangle 4"/>
+          <p:cNvSpPr/>
+          <p:nvPr/>
+        </p:nvSpPr>
+        <p:spPr>
+          <a:xfrm>
+            <a:off x="5918200" y="1689100"/>
+            <a:ext cx="3784600" cy="533400"/>
+          </a:xfrm>
+          <a:prstGeom prst="rect">
+            <a:avLst/>
+          </a:prstGeom>
+          <a:gradFill>
+            <a:gsLst>
+              <a:gs pos="0">
+                <a:schemeClr val="accent1">
+                  <a:lumMod val="5000"/>
+                  <a:lumOff val="95000"/>
+                </a:schemeClr>
+              </a:gs>
+              <a:gs pos="40000">
+                <a:schemeClr val="accent1">
+                  <a:lumMod val="45000"/>
+                  <a:lumOff val="55000"/>
+                </a:schemeClr>
+              </a:gs>
+              <a:gs pos="72000">
+                <a:schemeClr val="accent1">
+                  <a:lumMod val="60000"/>
+                  <a:lumOff val="40000"/>
+                </a:schemeClr>
+              </a:gs>
+              <a:gs pos="100000">
+                <a:schemeClr val="accent1">
+                  <a:lumMod val="75000"/>
+                </a:schemeClr>
+              </a:gs>
+            </a:gsLst>
+            <a:lin ang="5400000" scaled="1"/>
+          </a:gradFill>
+          <a:ln w="25400"/>
+        </p:spPr>
+        <p:style>
+          <a:lnRef idx="2">
+            <a:schemeClr val="accent1">
+              <a:shade val="50000"/>
+            </a:schemeClr>
+          </a:lnRef>
+          <a:fillRef idx="1">
+            <a:schemeClr val="accent1"/>
+          </a:fillRef>
+          <a:effectRef idx="0">
+            <a:schemeClr val="accent1"/>
+          </a:effectRef>
+          <a:fontRef idx="minor">
+            <a:schemeClr val="lt1"/>
+          </a:fontRef>
+        </p:style>
+        <p:txBody>
+          <a:bodyPr rtlCol="0" anchor="ctr"/>
+          <a:lstStyle/>
+          <a:p>
+            <a:pPr algn="ctr"/>
+            <a:r>
+              <a:rPr lang="en-US" b="1" dirty="0" smtClean="0">
+                <a:solidFill>
+                  <a:schemeClr val="tx1"/>
+                </a:solidFill>
+              </a:rPr>
+              <a:t>K</a:t>
+            </a:r>
+            <a:endParaRPr lang="en-US" b="1" dirty="0">
+              <a:solidFill>
+                <a:schemeClr val="tx1"/>
+              </a:solidFill>
+            </a:endParaRPr>
+          </a:p>
+        </p:txBody>
+      </p:sp>
+      <p:sp>
+        <p:nvSpPr>
+          <p:cNvPr id="6" name="Rectangle 5"/>
+          <p:cNvSpPr/>
+          <p:nvPr/>
+        </p:nvSpPr>
+        <p:spPr>
+          <a:xfrm>
+            <a:off x="2133600" y="3479800"/>
+            <a:ext cx="1409700" cy="482600"/>
+          </a:xfrm>
+          <a:prstGeom prst="rect">
+            <a:avLst/>
+          </a:prstGeom>
+          <a:gradFill flip="none" rotWithShape="1">
+            <a:gsLst>
+              <a:gs pos="0">
+                <a:schemeClr val="accent2">
+                  <a:lumMod val="40000"/>
+                  <a:lumOff val="60000"/>
+                </a:schemeClr>
+              </a:gs>
+              <a:gs pos="30000">
+                <a:schemeClr val="accent2">
+                  <a:lumMod val="75000"/>
+                </a:schemeClr>
+              </a:gs>
+              <a:gs pos="100000">
+                <a:schemeClr val="accent2">
+                  <a:lumMod val="75000"/>
+                </a:schemeClr>
+              </a:gs>
+            </a:gsLst>
+            <a:lin ang="5400000" scaled="1"/>
+            <a:tileRect/>
+          </a:gradFill>
+          <a:ln w="25400"/>
+        </p:spPr>
+        <p:style>
+          <a:lnRef idx="2">
+            <a:schemeClr val="accent1">
+              <a:shade val="50000"/>
+            </a:schemeClr>
+          </a:lnRef>
+          <a:fillRef idx="1">
+            <a:schemeClr val="accent1"/>
+          </a:fillRef>
+          <a:effectRef idx="0">
+            <a:schemeClr val="accent1"/>
+          </a:effectRef>
+          <a:fontRef idx="minor">
+            <a:schemeClr val="lt1"/>
+          </a:fontRef>
+        </p:style>
+        <p:txBody>
+          <a:bodyPr rtlCol="0" anchor="ctr"/>
+          <a:lstStyle/>
+          <a:p>
+            <a:pPr algn="ctr"/>
+            <a:r>
+              <a:rPr lang="en-US" sz="2800" b="1" dirty="0" smtClean="0"/>
+              <a:t>D</a:t>
+            </a:r>
+            <a:r>
+              <a:rPr lang="en-US" sz="2800" b="1" baseline="-25000" dirty="0" smtClean="0"/>
+              <a:t>0</a:t>
+            </a:r>
+            <a:endParaRPr lang="en-US" sz="2800" b="1" dirty="0"/>
+          </a:p>
+        </p:txBody>
+      </p:sp>
+      <p:sp>
+        <p:nvSpPr>
+          <p:cNvPr id="7" name="Rectangle 6"/>
+          <p:cNvSpPr/>
+          <p:nvPr/>
+        </p:nvSpPr>
+        <p:spPr>
+          <a:xfrm>
+            <a:off x="3543300" y="3479800"/>
+            <a:ext cx="1409700" cy="482600"/>
+          </a:xfrm>
+          <a:prstGeom prst="rect">
+            <a:avLst/>
+          </a:prstGeom>
+          <a:gradFill flip="none" rotWithShape="1">
+            <a:gsLst>
+              <a:gs pos="0">
+                <a:schemeClr val="accent2">
+                  <a:lumMod val="40000"/>
+                  <a:lumOff val="60000"/>
+                </a:schemeClr>
+              </a:gs>
+              <a:gs pos="30000">
+                <a:schemeClr val="accent2">
+                  <a:lumMod val="75000"/>
+                </a:schemeClr>
+              </a:gs>
+              <a:gs pos="100000">
+                <a:schemeClr val="accent2">
+                  <a:lumMod val="75000"/>
+                </a:schemeClr>
+              </a:gs>
+            </a:gsLst>
+            <a:lin ang="5400000" scaled="1"/>
+            <a:tileRect/>
+          </a:gradFill>
+          <a:ln w="25400"/>
+        </p:spPr>
+        <p:style>
+          <a:lnRef idx="2">
+            <a:schemeClr val="accent1">
+              <a:shade val="50000"/>
+            </a:schemeClr>
+          </a:lnRef>
+          <a:fillRef idx="1">
+            <a:schemeClr val="accent1"/>
+          </a:fillRef>
+          <a:effectRef idx="0">
+            <a:schemeClr val="accent1"/>
+          </a:effectRef>
+          <a:fontRef idx="minor">
+            <a:schemeClr val="lt1"/>
+          </a:fontRef>
+        </p:style>
+        <p:txBody>
+          <a:bodyPr rtlCol="0" anchor="ctr"/>
+          <a:lstStyle/>
+          <a:p>
+            <a:pPr algn="ctr"/>
+            <a:r>
+              <a:rPr lang="en-US" sz="2800" b="1" dirty="0" smtClean="0"/>
+              <a:t>D</a:t>
+            </a:r>
+            <a:r>
+              <a:rPr lang="en-US" sz="2800" b="1" baseline="-25000" dirty="0" smtClean="0"/>
+              <a:t>1</a:t>
+            </a:r>
+            <a:endParaRPr lang="en-US" sz="2800" b="1" dirty="0"/>
+          </a:p>
+        </p:txBody>
+      </p:sp>
+      <p:sp>
+        <p:nvSpPr>
+          <p:cNvPr id="8" name="Rectangle 7"/>
+          <p:cNvSpPr/>
+          <p:nvPr/>
+        </p:nvSpPr>
+        <p:spPr>
+          <a:xfrm>
+            <a:off x="4953000" y="3479800"/>
+            <a:ext cx="1409700" cy="482600"/>
+          </a:xfrm>
+          <a:prstGeom prst="rect">
+            <a:avLst/>
+          </a:prstGeom>
+          <a:gradFill flip="none" rotWithShape="1">
+            <a:gsLst>
+              <a:gs pos="0">
+                <a:schemeClr val="accent2">
+                  <a:lumMod val="40000"/>
+                  <a:lumOff val="60000"/>
+                </a:schemeClr>
+              </a:gs>
+              <a:gs pos="30000">
+                <a:schemeClr val="accent2">
+                  <a:lumMod val="75000"/>
+                </a:schemeClr>
+              </a:gs>
+              <a:gs pos="100000">
+                <a:schemeClr val="accent2">
+                  <a:lumMod val="75000"/>
+                </a:schemeClr>
+              </a:gs>
+            </a:gsLst>
+            <a:lin ang="5400000" scaled="1"/>
+            <a:tileRect/>
+          </a:gradFill>
+          <a:ln w="25400"/>
+        </p:spPr>
+        <p:style>
+          <a:lnRef idx="2">
+            <a:schemeClr val="accent1">
+              <a:shade val="50000"/>
+            </a:schemeClr>
+          </a:lnRef>
+          <a:fillRef idx="1">
+            <a:schemeClr val="accent1"/>
+          </a:fillRef>
+          <a:effectRef idx="0">
+            <a:schemeClr val="accent1"/>
+          </a:effectRef>
+          <a:fontRef idx="minor">
+            <a:schemeClr val="lt1"/>
+          </a:fontRef>
+        </p:style>
+        <p:txBody>
+          <a:bodyPr rtlCol="0" anchor="ctr"/>
+          <a:lstStyle/>
+          <a:p>
+            <a:pPr algn="ctr"/>
+            <a:r>
+              <a:rPr lang="en-US" sz="2800" b="1" dirty="0" smtClean="0"/>
+              <a:t>D</a:t>
+            </a:r>
+            <a:r>
+              <a:rPr lang="en-US" sz="2800" b="1" baseline="-25000" dirty="0"/>
+              <a:t>2</a:t>
+            </a:r>
+            <a:endParaRPr lang="en-US" sz="2800" b="1" dirty="0"/>
+          </a:p>
+        </p:txBody>
+      </p:sp>
+      <p:sp>
+        <p:nvSpPr>
+          <p:cNvPr id="9" name="Rectangle 8"/>
+          <p:cNvSpPr/>
+          <p:nvPr/>
+        </p:nvSpPr>
+        <p:spPr>
+          <a:xfrm>
+            <a:off x="6362700" y="3479800"/>
+            <a:ext cx="1409700" cy="482600"/>
+          </a:xfrm>
+          <a:prstGeom prst="rect">
+            <a:avLst/>
+          </a:prstGeom>
+          <a:gradFill flip="none" rotWithShape="1">
+            <a:gsLst>
+              <a:gs pos="0">
+                <a:schemeClr val="accent2">
+                  <a:lumMod val="40000"/>
+                  <a:lumOff val="60000"/>
+                </a:schemeClr>
+              </a:gs>
+              <a:gs pos="30000">
+                <a:schemeClr val="accent2">
+                  <a:lumMod val="75000"/>
+                </a:schemeClr>
+              </a:gs>
+              <a:gs pos="100000">
+                <a:schemeClr val="accent2">
+                  <a:lumMod val="75000"/>
+                </a:schemeClr>
+              </a:gs>
+            </a:gsLst>
+            <a:lin ang="5400000" scaled="1"/>
+            <a:tileRect/>
+          </a:gradFill>
+          <a:ln w="25400"/>
+        </p:spPr>
+        <p:style>
+          <a:lnRef idx="2">
+            <a:schemeClr val="accent1">
+              <a:shade val="50000"/>
+            </a:schemeClr>
+          </a:lnRef>
+          <a:fillRef idx="1">
+            <a:schemeClr val="accent1"/>
+          </a:fillRef>
+          <a:effectRef idx="0">
+            <a:schemeClr val="accent1"/>
+          </a:effectRef>
+          <a:fontRef idx="minor">
+            <a:schemeClr val="lt1"/>
+          </a:fontRef>
+        </p:style>
+        <p:txBody>
+          <a:bodyPr rtlCol="0" anchor="ctr"/>
+          <a:lstStyle/>
+          <a:p>
+            <a:pPr algn="ctr"/>
+            <a:r>
+              <a:rPr lang="en-US" sz="2400" b="1" dirty="0" smtClean="0"/>
+              <a:t>…</a:t>
+            </a:r>
+            <a:endParaRPr lang="en-US" sz="2400" b="1" dirty="0"/>
+          </a:p>
+        </p:txBody>
+      </p:sp>
+      <p:sp>
+        <p:nvSpPr>
+          <p:cNvPr id="10" name="Rectangle 9"/>
+          <p:cNvSpPr/>
+          <p:nvPr/>
+        </p:nvSpPr>
+        <p:spPr>
+          <a:xfrm>
+            <a:off x="7772400" y="3479800"/>
+            <a:ext cx="1409700" cy="482600"/>
+          </a:xfrm>
+          <a:prstGeom prst="rect">
+            <a:avLst/>
+          </a:prstGeom>
+          <a:gradFill flip="none" rotWithShape="1">
+            <a:gsLst>
+              <a:gs pos="0">
+                <a:schemeClr val="accent2">
+                  <a:lumMod val="40000"/>
+                  <a:lumOff val="60000"/>
+                </a:schemeClr>
+              </a:gs>
+              <a:gs pos="30000">
+                <a:schemeClr val="accent2">
+                  <a:lumMod val="75000"/>
+                </a:schemeClr>
+              </a:gs>
+              <a:gs pos="100000">
+                <a:schemeClr val="accent2">
+                  <a:lumMod val="75000"/>
+                </a:schemeClr>
+              </a:gs>
+            </a:gsLst>
+            <a:lin ang="5400000" scaled="1"/>
+            <a:tileRect/>
+          </a:gradFill>
+          <a:ln w="25400"/>
+        </p:spPr>
+        <p:style>
+          <a:lnRef idx="2">
+            <a:schemeClr val="accent1">
+              <a:shade val="50000"/>
+            </a:schemeClr>
+          </a:lnRef>
+          <a:fillRef idx="1">
+            <a:schemeClr val="accent1"/>
+          </a:fillRef>
+          <a:effectRef idx="0">
+            <a:schemeClr val="accent1"/>
+          </a:effectRef>
+          <a:fontRef idx="minor">
+            <a:schemeClr val="lt1"/>
+          </a:fontRef>
+        </p:style>
+        <p:txBody>
+          <a:bodyPr rtlCol="0" anchor="ctr"/>
+          <a:lstStyle/>
+          <a:p>
+            <a:pPr algn="ctr"/>
+            <a:r>
+              <a:rPr lang="en-US" sz="2800" b="1" dirty="0" err="1" smtClean="0"/>
+              <a:t>D</a:t>
+            </a:r>
+            <a:r>
+              <a:rPr lang="en-US" sz="2800" b="1" baseline="-25000" dirty="0" err="1" smtClean="0"/>
+              <a:t>n</a:t>
+            </a:r>
+            <a:endParaRPr lang="en-US" sz="2800" b="1" baseline="-25000" dirty="0"/>
+          </a:p>
+        </p:txBody>
+      </p:sp>
+      <p:cxnSp>
+        <p:nvCxnSpPr>
+          <p:cNvPr id="12" name="Straight Connector 11"/>
+          <p:cNvCxnSpPr/>
+          <p:nvPr/>
+        </p:nvCxnSpPr>
+        <p:spPr>
+          <a:xfrm>
+            <a:off x="2133600" y="2222500"/>
+            <a:ext cx="0" cy="1257300"/>
+          </a:xfrm>
+          <a:prstGeom prst="line">
+            <a:avLst/>
+          </a:prstGeom>
+          <a:ln w="19050">
+            <a:prstDash val="dash"/>
+          </a:ln>
+        </p:spPr>
+        <p:style>
+          <a:lnRef idx="1">
+            <a:schemeClr val="accent1"/>
+          </a:lnRef>
+          <a:fillRef idx="0">
+            <a:schemeClr val="accent1"/>
+          </a:fillRef>
+          <a:effectRef idx="0">
+            <a:schemeClr val="accent1"/>
+          </a:effectRef>
+          <a:fontRef idx="minor">
+            <a:schemeClr val="tx1"/>
+          </a:fontRef>
+        </p:style>
+      </p:cxnSp>
+      <p:cxnSp>
+        <p:nvCxnSpPr>
+          <p:cNvPr id="13" name="Straight Connector 12"/>
+          <p:cNvCxnSpPr/>
+          <p:nvPr/>
+        </p:nvCxnSpPr>
+        <p:spPr>
+          <a:xfrm>
+            <a:off x="3543300" y="2222500"/>
+            <a:ext cx="0" cy="1257300"/>
+          </a:xfrm>
+          <a:prstGeom prst="line">
+            <a:avLst/>
+          </a:prstGeom>
+          <a:ln w="19050">
+            <a:prstDash val="dash"/>
+          </a:ln>
+        </p:spPr>
+        <p:style>
+          <a:lnRef idx="1">
+            <a:schemeClr val="accent1"/>
+          </a:lnRef>
+          <a:fillRef idx="0">
+            <a:schemeClr val="accent1"/>
+          </a:fillRef>
+          <a:effectRef idx="0">
+            <a:schemeClr val="accent1"/>
+          </a:effectRef>
+          <a:fontRef idx="minor">
+            <a:schemeClr val="tx1"/>
+          </a:fontRef>
+        </p:style>
+      </p:cxnSp>
+      <p:cxnSp>
+        <p:nvCxnSpPr>
+          <p:cNvPr id="14" name="Straight Connector 13"/>
+          <p:cNvCxnSpPr/>
+          <p:nvPr/>
+        </p:nvCxnSpPr>
+        <p:spPr>
+          <a:xfrm>
+            <a:off x="4953000" y="2222500"/>
+            <a:ext cx="0" cy="1257300"/>
+          </a:xfrm>
+          <a:prstGeom prst="line">
+            <a:avLst/>
+          </a:prstGeom>
+          <a:ln w="19050">
+            <a:prstDash val="dash"/>
+          </a:ln>
+        </p:spPr>
+        <p:style>
+          <a:lnRef idx="1">
+            <a:schemeClr val="accent1"/>
+          </a:lnRef>
+          <a:fillRef idx="0">
+            <a:schemeClr val="accent1"/>
+          </a:fillRef>
+          <a:effectRef idx="0">
+            <a:schemeClr val="accent1"/>
+          </a:effectRef>
+          <a:fontRef idx="minor">
+            <a:schemeClr val="tx1"/>
+          </a:fontRef>
+        </p:style>
+      </p:cxnSp>
+      <p:cxnSp>
+        <p:nvCxnSpPr>
+          <p:cNvPr id="15" name="Straight Connector 14"/>
+          <p:cNvCxnSpPr/>
+          <p:nvPr/>
+        </p:nvCxnSpPr>
+        <p:spPr>
+          <a:xfrm>
+            <a:off x="6350000" y="2222500"/>
+            <a:ext cx="0" cy="1257300"/>
+          </a:xfrm>
+          <a:prstGeom prst="line">
+            <a:avLst/>
+          </a:prstGeom>
+          <a:ln w="19050">
+            <a:prstDash val="dash"/>
+          </a:ln>
+        </p:spPr>
+        <p:style>
+          <a:lnRef idx="1">
+            <a:schemeClr val="accent1"/>
+          </a:lnRef>
+          <a:fillRef idx="0">
+            <a:schemeClr val="accent1"/>
+          </a:fillRef>
+          <a:effectRef idx="0">
+            <a:schemeClr val="accent1"/>
+          </a:effectRef>
+          <a:fontRef idx="minor">
+            <a:schemeClr val="tx1"/>
+          </a:fontRef>
+        </p:style>
+      </p:cxnSp>
+      <p:cxnSp>
+        <p:nvCxnSpPr>
+          <p:cNvPr id="16" name="Straight Connector 15"/>
+          <p:cNvCxnSpPr/>
+          <p:nvPr/>
+        </p:nvCxnSpPr>
+        <p:spPr>
+          <a:xfrm>
+            <a:off x="7772400" y="2222500"/>
+            <a:ext cx="0" cy="1257300"/>
+          </a:xfrm>
+          <a:prstGeom prst="line">
+            <a:avLst/>
+          </a:prstGeom>
+          <a:ln w="19050">
+            <a:prstDash val="dash"/>
+          </a:ln>
+        </p:spPr>
+        <p:style>
+          <a:lnRef idx="1">
+            <a:schemeClr val="accent1"/>
+          </a:lnRef>
+          <a:fillRef idx="0">
+            <a:schemeClr val="accent1"/>
+          </a:fillRef>
+          <a:effectRef idx="0">
+            <a:schemeClr val="accent1"/>
+          </a:effectRef>
+          <a:fontRef idx="minor">
+            <a:schemeClr val="tx1"/>
+          </a:fontRef>
+        </p:style>
+      </p:cxnSp>
+      <p:cxnSp>
+        <p:nvCxnSpPr>
+          <p:cNvPr id="17" name="Straight Connector 16"/>
+          <p:cNvCxnSpPr/>
+          <p:nvPr/>
+        </p:nvCxnSpPr>
+        <p:spPr>
+          <a:xfrm>
+            <a:off x="9169400" y="2222500"/>
+            <a:ext cx="0" cy="1257300"/>
+          </a:xfrm>
+          <a:prstGeom prst="line">
+            <a:avLst/>
+          </a:prstGeom>
+          <a:ln w="19050">
+            <a:prstDash val="dash"/>
+          </a:ln>
+        </p:spPr>
+        <p:style>
+          <a:lnRef idx="1">
+            <a:schemeClr val="accent1"/>
+          </a:lnRef>
+          <a:fillRef idx="0">
+            <a:schemeClr val="accent1"/>
+          </a:fillRef>
+          <a:effectRef idx="0">
+            <a:schemeClr val="accent1"/>
+          </a:effectRef>
+          <a:fontRef idx="minor">
+            <a:schemeClr val="tx1"/>
+          </a:fontRef>
+        </p:style>
+      </p:cxnSp>
+      <p:sp>
+        <p:nvSpPr>
+          <p:cNvPr id="18" name="TextBox 17"/>
+          <p:cNvSpPr txBox="1"/>
+          <p:nvPr/>
+        </p:nvSpPr>
+        <p:spPr>
+          <a:xfrm>
+            <a:off x="1092200" y="5651500"/>
+            <a:ext cx="793422" cy="523220"/>
+          </a:xfrm>
+          <a:prstGeom prst="rect">
+            <a:avLst/>
+          </a:prstGeom>
+          <a:noFill/>
+        </p:spPr>
+        <p:txBody>
+          <a:bodyPr wrap="none" rtlCol="0">
+            <a:spAutoFit/>
+          </a:bodyPr>
+          <a:lstStyle/>
+          <a:p>
+            <a:r>
+              <a:rPr lang="en-US" sz="2800" dirty="0" smtClean="0"/>
+              <a:t>XOR</a:t>
+            </a:r>
+            <a:endParaRPr lang="en-US" sz="2800" dirty="0"/>
+          </a:p>
+        </p:txBody>
+      </p:sp>
+    </p:spTree>
+    <p:extLst>
+      <p:ext uri="{BB962C8B-B14F-4D97-AF65-F5344CB8AC3E}">
+        <p14:creationId xmlns:p14="http://schemas.microsoft.com/office/powerpoint/2010/main" val="1941733995"/>
+      </p:ext>
+    </p:extLst>
+  </p:cSld>
+  <p:clrMapOvr>
+    <a:masterClrMapping/>
+  </p:clrMapOvr>
+</p:sld>
+</file>
+
+<file path=ppt/slides/slide7.xml><?xml version="1.0" encoding="utf-8"?>
+<p:sld xmlns:a="http://schemas.openxmlformats.org/drawingml/2006/main" xmlns:r="http://schemas.openxmlformats.org/officeDocument/2006/relationships" xmlns:p="http://schemas.openxmlformats.org/presentationml/2006/main">
+  <p:cSld>
+    <p:spTree>
+      <p:nvGrpSpPr>
+        <p:cNvPr id="1" name=""/>
+        <p:cNvGrpSpPr/>
+        <p:nvPr/>
+      </p:nvGrpSpPr>
+      <p:grpSpPr>
+        <a:xfrm>
+          <a:off x="0" y="0"/>
+          <a:ext cx="0" cy="0"/>
+          <a:chOff x="0" y="0"/>
+          <a:chExt cx="0" cy="0"/>
+        </a:xfrm>
+      </p:grpSpPr>
+      <p:sp>
+        <p:nvSpPr>
           <p:cNvPr id="4" name="Rounded Rectangle 3"/>
           <p:cNvSpPr/>
           <p:nvPr/>
@@ -19204,7 +20889,7 @@
 </p:sld>
 </file>
 
-<file path=ppt/slides/slide7.xml><?xml version="1.0" encoding="utf-8"?>
+<file path=ppt/slides/slide8.xml><?xml version="1.0" encoding="utf-8"?>
 <p:sld xmlns:a="http://schemas.openxmlformats.org/drawingml/2006/main" xmlns:r="http://schemas.openxmlformats.org/officeDocument/2006/relationships" xmlns:p="http://schemas.openxmlformats.org/presentationml/2006/main">
   <p:cSld>
     <p:spTree>
@@ -20105,7 +21790,7 @@
 </p:sld>
 </file>
 
-<file path=ppt/slides/slide8.xml><?xml version="1.0" encoding="utf-8"?>
+<file path=ppt/slides/slide9.xml><?xml version="1.0" encoding="utf-8"?>
 <p:sld xmlns:a="http://schemas.openxmlformats.org/drawingml/2006/main" xmlns:r="http://schemas.openxmlformats.org/officeDocument/2006/relationships" xmlns:p="http://schemas.openxmlformats.org/presentationml/2006/main">
   <p:cSld>
     <p:bg>
@@ -21638,1492 +23323,6 @@
     <p:extLst>
       <p:ext uri="{BB962C8B-B14F-4D97-AF65-F5344CB8AC3E}">
         <p14:creationId xmlns:p14="http://schemas.microsoft.com/office/powerpoint/2010/main" val="3544992882"/>
-      </p:ext>
-    </p:extLst>
-  </p:cSld>
-  <p:clrMapOvr>
-    <a:masterClrMapping/>
-  </p:clrMapOvr>
-  <p:timing>
-    <p:tnLst>
-      <p:par>
-        <p:cTn id="1" dur="indefinite" restart="never" nodeType="tmRoot"/>
-      </p:par>
-    </p:tnLst>
-  </p:timing>
-</p:sld>
-</file>
-
-<file path=ppt/slides/slide9.xml><?xml version="1.0" encoding="utf-8"?>
-<p:sld xmlns:a="http://schemas.openxmlformats.org/drawingml/2006/main" xmlns:r="http://schemas.openxmlformats.org/officeDocument/2006/relationships" xmlns:p="http://schemas.openxmlformats.org/presentationml/2006/main">
-  <p:cSld>
-    <p:spTree>
-      <p:nvGrpSpPr>
-        <p:cNvPr id="1" name=""/>
-        <p:cNvGrpSpPr/>
-        <p:nvPr/>
-      </p:nvGrpSpPr>
-      <p:grpSpPr>
-        <a:xfrm>
-          <a:off x="0" y="0"/>
-          <a:ext cx="0" cy="0"/>
-          <a:chOff x="0" y="0"/>
-          <a:chExt cx="0" cy="0"/>
-        </a:xfrm>
-      </p:grpSpPr>
-      <p:sp>
-        <p:nvSpPr>
-          <p:cNvPr id="6" name="Rectangle 5"/>
-          <p:cNvSpPr/>
-          <p:nvPr/>
-        </p:nvSpPr>
-        <p:spPr>
-          <a:xfrm>
-            <a:off x="5486399" y="1315326"/>
-            <a:ext cx="1336431" cy="372795"/>
-          </a:xfrm>
-          <a:prstGeom prst="rect">
-            <a:avLst/>
-          </a:prstGeom>
-          <a:gradFill>
-            <a:gsLst>
-              <a:gs pos="10000">
-                <a:srgbClr val="4777A5">
-                  <a:lumMod val="98000"/>
-                </a:srgbClr>
-              </a:gs>
-              <a:gs pos="14000">
-                <a:schemeClr val="accent1">
-                  <a:lumMod val="75000"/>
-                </a:schemeClr>
-              </a:gs>
-              <a:gs pos="75000">
-                <a:schemeClr val="accent1">
-                  <a:lumMod val="60000"/>
-                  <a:lumOff val="40000"/>
-                </a:schemeClr>
-              </a:gs>
-              <a:gs pos="85000">
-                <a:schemeClr val="accent1">
-                  <a:lumMod val="20000"/>
-                  <a:lumOff val="80000"/>
-                </a:schemeClr>
-              </a:gs>
-            </a:gsLst>
-            <a:lin ang="16200000" scaled="1"/>
-          </a:gradFill>
-          <a:ln w="12700">
-            <a:solidFill>
-              <a:schemeClr val="tx2">
-                <a:lumMod val="75000"/>
-              </a:schemeClr>
-            </a:solidFill>
-          </a:ln>
-        </p:spPr>
-        <p:style>
-          <a:lnRef idx="2">
-            <a:schemeClr val="accent1">
-              <a:shade val="50000"/>
-            </a:schemeClr>
-          </a:lnRef>
-          <a:fillRef idx="1">
-            <a:schemeClr val="accent1"/>
-          </a:fillRef>
-          <a:effectRef idx="0">
-            <a:schemeClr val="accent1"/>
-          </a:effectRef>
-          <a:fontRef idx="minor">
-            <a:schemeClr val="lt1"/>
-          </a:fontRef>
-        </p:style>
-        <p:txBody>
-          <a:bodyPr rtlCol="0" anchor="ctr"/>
-          <a:lstStyle/>
-          <a:p>
-            <a:pPr algn="ctr"/>
-            <a:r>
-              <a:rPr lang="en-US" dirty="0"/>
-              <a:t>D0</a:t>
-            </a:r>
-          </a:p>
-        </p:txBody>
-      </p:sp>
-      <p:sp>
-        <p:nvSpPr>
-          <p:cNvPr id="7" name="Rectangle 6"/>
-          <p:cNvSpPr/>
-          <p:nvPr/>
-        </p:nvSpPr>
-        <p:spPr>
-          <a:xfrm>
-            <a:off x="6822830" y="1315326"/>
-            <a:ext cx="1336431" cy="372795"/>
-          </a:xfrm>
-          <a:prstGeom prst="rect">
-            <a:avLst/>
-          </a:prstGeom>
-          <a:gradFill>
-            <a:gsLst>
-              <a:gs pos="10000">
-                <a:srgbClr val="4777A5">
-                  <a:lumMod val="98000"/>
-                </a:srgbClr>
-              </a:gs>
-              <a:gs pos="14000">
-                <a:schemeClr val="accent1">
-                  <a:lumMod val="75000"/>
-                </a:schemeClr>
-              </a:gs>
-              <a:gs pos="75000">
-                <a:schemeClr val="accent1">
-                  <a:lumMod val="60000"/>
-                  <a:lumOff val="40000"/>
-                </a:schemeClr>
-              </a:gs>
-              <a:gs pos="85000">
-                <a:schemeClr val="accent1">
-                  <a:lumMod val="20000"/>
-                  <a:lumOff val="80000"/>
-                </a:schemeClr>
-              </a:gs>
-            </a:gsLst>
-            <a:lin ang="16200000" scaled="1"/>
-          </a:gradFill>
-          <a:ln w="12700">
-            <a:solidFill>
-              <a:schemeClr val="tx2">
-                <a:lumMod val="75000"/>
-              </a:schemeClr>
-            </a:solidFill>
-          </a:ln>
-        </p:spPr>
-        <p:style>
-          <a:lnRef idx="2">
-            <a:schemeClr val="accent1">
-              <a:shade val="50000"/>
-            </a:schemeClr>
-          </a:lnRef>
-          <a:fillRef idx="1">
-            <a:schemeClr val="accent1"/>
-          </a:fillRef>
-          <a:effectRef idx="0">
-            <a:schemeClr val="accent1"/>
-          </a:effectRef>
-          <a:fontRef idx="minor">
-            <a:schemeClr val="lt1"/>
-          </a:fontRef>
-        </p:style>
-        <p:txBody>
-          <a:bodyPr rtlCol="0" anchor="ctr"/>
-          <a:lstStyle/>
-          <a:p>
-            <a:pPr algn="ctr"/>
-            <a:r>
-              <a:rPr lang="en-US" dirty="0"/>
-              <a:t>…</a:t>
-            </a:r>
-          </a:p>
-        </p:txBody>
-      </p:sp>
-      <p:sp>
-        <p:nvSpPr>
-          <p:cNvPr id="8" name="Rectangle 7"/>
-          <p:cNvSpPr/>
-          <p:nvPr/>
-        </p:nvSpPr>
-        <p:spPr>
-          <a:xfrm>
-            <a:off x="8159261" y="1315326"/>
-            <a:ext cx="1364567" cy="372795"/>
-          </a:xfrm>
-          <a:prstGeom prst="rect">
-            <a:avLst/>
-          </a:prstGeom>
-          <a:gradFill>
-            <a:gsLst>
-              <a:gs pos="10000">
-                <a:srgbClr val="4777A5">
-                  <a:lumMod val="98000"/>
-                </a:srgbClr>
-              </a:gs>
-              <a:gs pos="14000">
-                <a:schemeClr val="accent1">
-                  <a:lumMod val="75000"/>
-                </a:schemeClr>
-              </a:gs>
-              <a:gs pos="75000">
-                <a:schemeClr val="accent1">
-                  <a:lumMod val="60000"/>
-                  <a:lumOff val="40000"/>
-                </a:schemeClr>
-              </a:gs>
-              <a:gs pos="85000">
-                <a:schemeClr val="accent1">
-                  <a:lumMod val="20000"/>
-                  <a:lumOff val="80000"/>
-                </a:schemeClr>
-              </a:gs>
-            </a:gsLst>
-            <a:lin ang="16200000" scaled="1"/>
-          </a:gradFill>
-          <a:ln w="12700">
-            <a:solidFill>
-              <a:schemeClr val="tx2">
-                <a:lumMod val="75000"/>
-              </a:schemeClr>
-            </a:solidFill>
-          </a:ln>
-        </p:spPr>
-        <p:style>
-          <a:lnRef idx="2">
-            <a:schemeClr val="accent1">
-              <a:shade val="50000"/>
-            </a:schemeClr>
-          </a:lnRef>
-          <a:fillRef idx="1">
-            <a:schemeClr val="accent1"/>
-          </a:fillRef>
-          <a:effectRef idx="0">
-            <a:schemeClr val="accent1"/>
-          </a:effectRef>
-          <a:fontRef idx="minor">
-            <a:schemeClr val="lt1"/>
-          </a:fontRef>
-        </p:style>
-        <p:txBody>
-          <a:bodyPr rtlCol="0" anchor="ctr"/>
-          <a:lstStyle/>
-          <a:p>
-            <a:pPr algn="ctr"/>
-            <a:r>
-              <a:rPr lang="en-US" dirty="0"/>
-              <a:t>Dn-1</a:t>
-            </a:r>
-          </a:p>
-        </p:txBody>
-      </p:sp>
-      <p:sp>
-        <p:nvSpPr>
-          <p:cNvPr id="9" name="Rectangle 8"/>
-          <p:cNvSpPr/>
-          <p:nvPr/>
-        </p:nvSpPr>
-        <p:spPr>
-          <a:xfrm>
-            <a:off x="5486398" y="2223407"/>
-            <a:ext cx="1336431" cy="375599"/>
-          </a:xfrm>
-          <a:prstGeom prst="rect">
-            <a:avLst/>
-          </a:prstGeom>
-          <a:gradFill flip="none" rotWithShape="1">
-            <a:gsLst>
-              <a:gs pos="0">
-                <a:schemeClr val="accent2">
-                  <a:lumMod val="5000"/>
-                  <a:lumOff val="95000"/>
-                </a:schemeClr>
-              </a:gs>
-              <a:gs pos="16000">
-                <a:schemeClr val="accent2">
-                  <a:lumMod val="60000"/>
-                  <a:lumOff val="40000"/>
-                </a:schemeClr>
-              </a:gs>
-              <a:gs pos="64000">
-                <a:schemeClr val="accent2"/>
-              </a:gs>
-            </a:gsLst>
-            <a:lin ang="5400000" scaled="1"/>
-            <a:tileRect/>
-          </a:gradFill>
-          <a:ln w="12700"/>
-        </p:spPr>
-        <p:style>
-          <a:lnRef idx="2">
-            <a:schemeClr val="accent1">
-              <a:shade val="50000"/>
-            </a:schemeClr>
-          </a:lnRef>
-          <a:fillRef idx="1">
-            <a:schemeClr val="accent1"/>
-          </a:fillRef>
-          <a:effectRef idx="0">
-            <a:schemeClr val="accent1"/>
-          </a:effectRef>
-          <a:fontRef idx="minor">
-            <a:schemeClr val="lt1"/>
-          </a:fontRef>
-        </p:style>
-        <p:txBody>
-          <a:bodyPr rtlCol="0" anchor="ctr"/>
-          <a:lstStyle/>
-          <a:p>
-            <a:pPr algn="ctr"/>
-            <a:r>
-              <a:rPr lang="en-US" dirty="0"/>
-              <a:t>E0</a:t>
-            </a:r>
-          </a:p>
-        </p:txBody>
-      </p:sp>
-      <p:sp>
-        <p:nvSpPr>
-          <p:cNvPr id="10" name="Rectangle 9"/>
-          <p:cNvSpPr/>
-          <p:nvPr/>
-        </p:nvSpPr>
-        <p:spPr>
-          <a:xfrm>
-            <a:off x="9509757" y="2909198"/>
-            <a:ext cx="492369" cy="379827"/>
-          </a:xfrm>
-          <a:prstGeom prst="rect">
-            <a:avLst/>
-          </a:prstGeom>
-          <a:gradFill flip="none" rotWithShape="1">
-            <a:gsLst>
-              <a:gs pos="0">
-                <a:schemeClr val="accent1">
-                  <a:lumMod val="5000"/>
-                  <a:lumOff val="95000"/>
-                </a:schemeClr>
-              </a:gs>
-              <a:gs pos="25000">
-                <a:schemeClr val="accent1">
-                  <a:lumMod val="45000"/>
-                  <a:lumOff val="55000"/>
-                </a:schemeClr>
-              </a:gs>
-              <a:gs pos="43000">
-                <a:srgbClr val="00B0F0"/>
-              </a:gs>
-              <a:gs pos="100000">
-                <a:srgbClr val="00B0F0"/>
-              </a:gs>
-            </a:gsLst>
-            <a:lin ang="5400000" scaled="1"/>
-            <a:tileRect/>
-          </a:gradFill>
-          <a:ln w="12700"/>
-        </p:spPr>
-        <p:style>
-          <a:lnRef idx="2">
-            <a:schemeClr val="accent1">
-              <a:shade val="50000"/>
-            </a:schemeClr>
-          </a:lnRef>
-          <a:fillRef idx="1">
-            <a:schemeClr val="accent1"/>
-          </a:fillRef>
-          <a:effectRef idx="0">
-            <a:schemeClr val="accent1"/>
-          </a:effectRef>
-          <a:fontRef idx="minor">
-            <a:schemeClr val="lt1"/>
-          </a:fontRef>
-        </p:style>
-        <p:txBody>
-          <a:bodyPr rtlCol="0" anchor="ctr"/>
-          <a:lstStyle/>
-          <a:p>
-            <a:pPr algn="ctr"/>
-            <a:r>
-              <a:rPr lang="en-US" sz="1600" dirty="0"/>
-              <a:t>MD</a:t>
-            </a:r>
-          </a:p>
-        </p:txBody>
-      </p:sp>
-      <p:sp>
-        <p:nvSpPr>
-          <p:cNvPr id="14" name="Rectangle 13"/>
-          <p:cNvSpPr/>
-          <p:nvPr/>
-        </p:nvSpPr>
-        <p:spPr>
-          <a:xfrm>
-            <a:off x="6822829" y="2224158"/>
-            <a:ext cx="1364568" cy="379827"/>
-          </a:xfrm>
-          <a:prstGeom prst="rect">
-            <a:avLst/>
-          </a:prstGeom>
-          <a:gradFill flip="none" rotWithShape="1">
-            <a:gsLst>
-              <a:gs pos="0">
-                <a:schemeClr val="accent2">
-                  <a:lumMod val="5000"/>
-                  <a:lumOff val="95000"/>
-                </a:schemeClr>
-              </a:gs>
-              <a:gs pos="16000">
-                <a:schemeClr val="accent2">
-                  <a:lumMod val="60000"/>
-                  <a:lumOff val="40000"/>
-                </a:schemeClr>
-              </a:gs>
-              <a:gs pos="64000">
-                <a:schemeClr val="accent2"/>
-              </a:gs>
-            </a:gsLst>
-            <a:lin ang="5400000" scaled="1"/>
-            <a:tileRect/>
-          </a:gradFill>
-          <a:ln w="12700"/>
-        </p:spPr>
-        <p:style>
-          <a:lnRef idx="2">
-            <a:schemeClr val="accent1">
-              <a:shade val="50000"/>
-            </a:schemeClr>
-          </a:lnRef>
-          <a:fillRef idx="1">
-            <a:schemeClr val="accent1"/>
-          </a:fillRef>
-          <a:effectRef idx="0">
-            <a:schemeClr val="accent1"/>
-          </a:effectRef>
-          <a:fontRef idx="minor">
-            <a:schemeClr val="lt1"/>
-          </a:fontRef>
-        </p:style>
-        <p:txBody>
-          <a:bodyPr rtlCol="0" anchor="ctr"/>
-          <a:lstStyle/>
-          <a:p>
-            <a:pPr algn="ctr"/>
-            <a:r>
-              <a:rPr lang="en-US" dirty="0"/>
-              <a:t>…</a:t>
-            </a:r>
-          </a:p>
-        </p:txBody>
-      </p:sp>
-      <p:sp>
-        <p:nvSpPr>
-          <p:cNvPr id="15" name="Rectangle 14"/>
-          <p:cNvSpPr/>
-          <p:nvPr/>
-        </p:nvSpPr>
-        <p:spPr>
-          <a:xfrm>
-            <a:off x="8173327" y="2904950"/>
-            <a:ext cx="1336431" cy="379827"/>
-          </a:xfrm>
-          <a:prstGeom prst="rect">
-            <a:avLst/>
-          </a:prstGeom>
-          <a:gradFill flip="none" rotWithShape="1">
-            <a:gsLst>
-              <a:gs pos="0">
-                <a:schemeClr val="accent2">
-                  <a:lumMod val="5000"/>
-                  <a:lumOff val="95000"/>
-                </a:schemeClr>
-              </a:gs>
-              <a:gs pos="16000">
-                <a:schemeClr val="accent2">
-                  <a:lumMod val="60000"/>
-                  <a:lumOff val="40000"/>
-                </a:schemeClr>
-              </a:gs>
-              <a:gs pos="64000">
-                <a:schemeClr val="accent2"/>
-              </a:gs>
-            </a:gsLst>
-            <a:lin ang="5400000" scaled="1"/>
-            <a:tileRect/>
-          </a:gradFill>
-          <a:ln w="12700"/>
-        </p:spPr>
-        <p:style>
-          <a:lnRef idx="2">
-            <a:schemeClr val="accent1">
-              <a:shade val="50000"/>
-            </a:schemeClr>
-          </a:lnRef>
-          <a:fillRef idx="1">
-            <a:schemeClr val="accent1"/>
-          </a:fillRef>
-          <a:effectRef idx="0">
-            <a:schemeClr val="accent1"/>
-          </a:effectRef>
-          <a:fontRef idx="minor">
-            <a:schemeClr val="lt1"/>
-          </a:fontRef>
-        </p:style>
-        <p:txBody>
-          <a:bodyPr rtlCol="0" anchor="ctr"/>
-          <a:lstStyle/>
-          <a:p>
-            <a:pPr algn="ctr"/>
-            <a:r>
-              <a:rPr lang="en-US" dirty="0"/>
-              <a:t>En-1</a:t>
-            </a:r>
-          </a:p>
-        </p:txBody>
-      </p:sp>
-      <p:sp>
-        <p:nvSpPr>
-          <p:cNvPr id="19" name="TextBox 18"/>
-          <p:cNvSpPr txBox="1"/>
-          <p:nvPr/>
-        </p:nvSpPr>
-        <p:spPr>
-          <a:xfrm>
-            <a:off x="3115462" y="2242859"/>
-            <a:ext cx="1962397" cy="369332"/>
-          </a:xfrm>
-          <a:prstGeom prst="rect">
-            <a:avLst/>
-          </a:prstGeom>
-          <a:noFill/>
-        </p:spPr>
-        <p:txBody>
-          <a:bodyPr wrap="none" rtlCol="0">
-            <a:spAutoFit/>
-          </a:bodyPr>
-          <a:lstStyle/>
-          <a:p>
-            <a:r>
-              <a:rPr lang="en-US" dirty="0" err="1" smtClean="0"/>
-              <a:t>Ghi</a:t>
-            </a:r>
-            <a:r>
-              <a:rPr lang="en-US" dirty="0" smtClean="0"/>
-              <a:t> file n-1 </a:t>
-            </a:r>
-            <a:r>
-              <a:rPr lang="en-US" dirty="0" err="1" smtClean="0"/>
-              <a:t>lần</a:t>
-            </a:r>
-            <a:r>
-              <a:rPr lang="en-US" dirty="0" smtClean="0"/>
-              <a:t> </a:t>
-            </a:r>
-            <a:r>
-              <a:rPr lang="en-US" dirty="0" err="1" smtClean="0"/>
-              <a:t>đầu</a:t>
-            </a:r>
-            <a:endParaRPr lang="en-US" dirty="0"/>
-          </a:p>
-        </p:txBody>
-      </p:sp>
-      <p:sp>
-        <p:nvSpPr>
-          <p:cNvPr id="20" name="TextBox 19"/>
-          <p:cNvSpPr txBox="1"/>
-          <p:nvPr/>
-        </p:nvSpPr>
-        <p:spPr>
-          <a:xfrm>
-            <a:off x="3115461" y="2904950"/>
-            <a:ext cx="1635384" cy="369332"/>
-          </a:xfrm>
-          <a:prstGeom prst="rect">
-            <a:avLst/>
-          </a:prstGeom>
-          <a:noFill/>
-        </p:spPr>
-        <p:txBody>
-          <a:bodyPr wrap="none" rtlCol="0">
-            <a:spAutoFit/>
-          </a:bodyPr>
-          <a:lstStyle/>
-          <a:p>
-            <a:r>
-              <a:rPr lang="en-US" dirty="0" err="1" smtClean="0"/>
-              <a:t>Ghi</a:t>
-            </a:r>
-            <a:r>
-              <a:rPr lang="en-US" dirty="0" smtClean="0"/>
-              <a:t> file </a:t>
-            </a:r>
-            <a:r>
-              <a:rPr lang="en-US" dirty="0" err="1" smtClean="0"/>
-              <a:t>lần</a:t>
-            </a:r>
-            <a:r>
-              <a:rPr lang="en-US" dirty="0" smtClean="0"/>
-              <a:t> </a:t>
-            </a:r>
-            <a:r>
-              <a:rPr lang="en-US" dirty="0" err="1" smtClean="0"/>
-              <a:t>cuối</a:t>
-            </a:r>
-            <a:endParaRPr lang="en-US" dirty="0"/>
-          </a:p>
-        </p:txBody>
-      </p:sp>
-      <p:sp>
-        <p:nvSpPr>
-          <p:cNvPr id="21" name="TextBox 18"/>
-          <p:cNvSpPr txBox="1"/>
-          <p:nvPr/>
-        </p:nvSpPr>
-        <p:spPr>
-          <a:xfrm>
-            <a:off x="3115461" y="1325821"/>
-            <a:ext cx="1242648" cy="369332"/>
-          </a:xfrm>
-          <a:prstGeom prst="rect">
-            <a:avLst/>
-          </a:prstGeom>
-          <a:noFill/>
-        </p:spPr>
-        <p:txBody>
-          <a:bodyPr wrap="none" rtlCol="0">
-            <a:spAutoFit/>
-          </a:bodyPr>
-          <a:lstStyle>
-            <a:defPPr>
-              <a:defRPr lang="en-US"/>
-            </a:defPPr>
-            <a:lvl1pPr marL="0" algn="l" defTabSz="914400" rtl="0" eaLnBrk="1" latinLnBrk="0" hangingPunct="1">
-              <a:defRPr sz="1800" kern="1200">
-                <a:solidFill>
-                  <a:schemeClr val="tx1"/>
-                </a:solidFill>
-                <a:latin typeface="+mn-lt"/>
-                <a:ea typeface="+mn-ea"/>
-                <a:cs typeface="+mn-cs"/>
-              </a:defRPr>
-            </a:lvl1pPr>
-            <a:lvl2pPr marL="457200" algn="l" defTabSz="914400" rtl="0" eaLnBrk="1" latinLnBrk="0" hangingPunct="1">
-              <a:defRPr sz="1800" kern="1200">
-                <a:solidFill>
-                  <a:schemeClr val="tx1"/>
-                </a:solidFill>
-                <a:latin typeface="+mn-lt"/>
-                <a:ea typeface="+mn-ea"/>
-                <a:cs typeface="+mn-cs"/>
-              </a:defRPr>
-            </a:lvl2pPr>
-            <a:lvl3pPr marL="914400" algn="l" defTabSz="914400" rtl="0" eaLnBrk="1" latinLnBrk="0" hangingPunct="1">
-              <a:defRPr sz="1800" kern="1200">
-                <a:solidFill>
-                  <a:schemeClr val="tx1"/>
-                </a:solidFill>
-                <a:latin typeface="+mn-lt"/>
-                <a:ea typeface="+mn-ea"/>
-                <a:cs typeface="+mn-cs"/>
-              </a:defRPr>
-            </a:lvl3pPr>
-            <a:lvl4pPr marL="1371600" algn="l" defTabSz="914400" rtl="0" eaLnBrk="1" latinLnBrk="0" hangingPunct="1">
-              <a:defRPr sz="1800" kern="1200">
-                <a:solidFill>
-                  <a:schemeClr val="tx1"/>
-                </a:solidFill>
-                <a:latin typeface="+mn-lt"/>
-                <a:ea typeface="+mn-ea"/>
-                <a:cs typeface="+mn-cs"/>
-              </a:defRPr>
-            </a:lvl4pPr>
-            <a:lvl5pPr marL="1828800" algn="l" defTabSz="914400" rtl="0" eaLnBrk="1" latinLnBrk="0" hangingPunct="1">
-              <a:defRPr sz="1800" kern="1200">
-                <a:solidFill>
-                  <a:schemeClr val="tx1"/>
-                </a:solidFill>
-                <a:latin typeface="+mn-lt"/>
-                <a:ea typeface="+mn-ea"/>
-                <a:cs typeface="+mn-cs"/>
-              </a:defRPr>
-            </a:lvl5pPr>
-            <a:lvl6pPr marL="2286000" algn="l" defTabSz="914400" rtl="0" eaLnBrk="1" latinLnBrk="0" hangingPunct="1">
-              <a:defRPr sz="1800" kern="1200">
-                <a:solidFill>
-                  <a:schemeClr val="tx1"/>
-                </a:solidFill>
-                <a:latin typeface="+mn-lt"/>
-                <a:ea typeface="+mn-ea"/>
-                <a:cs typeface="+mn-cs"/>
-              </a:defRPr>
-            </a:lvl6pPr>
-            <a:lvl7pPr marL="2743200" algn="l" defTabSz="914400" rtl="0" eaLnBrk="1" latinLnBrk="0" hangingPunct="1">
-              <a:defRPr sz="1800" kern="1200">
-                <a:solidFill>
-                  <a:schemeClr val="tx1"/>
-                </a:solidFill>
-                <a:latin typeface="+mn-lt"/>
-                <a:ea typeface="+mn-ea"/>
-                <a:cs typeface="+mn-cs"/>
-              </a:defRPr>
-            </a:lvl7pPr>
-            <a:lvl8pPr marL="3200400" algn="l" defTabSz="914400" rtl="0" eaLnBrk="1" latinLnBrk="0" hangingPunct="1">
-              <a:defRPr sz="1800" kern="1200">
-                <a:solidFill>
-                  <a:schemeClr val="tx1"/>
-                </a:solidFill>
-                <a:latin typeface="+mn-lt"/>
-                <a:ea typeface="+mn-ea"/>
-                <a:cs typeface="+mn-cs"/>
-              </a:defRPr>
-            </a:lvl8pPr>
-            <a:lvl9pPr marL="3657600" algn="l" defTabSz="914400" rtl="0" eaLnBrk="1" latinLnBrk="0" hangingPunct="1">
-              <a:defRPr sz="1800" kern="1200">
-                <a:solidFill>
-                  <a:schemeClr val="tx1"/>
-                </a:solidFill>
-                <a:latin typeface="+mn-lt"/>
-                <a:ea typeface="+mn-ea"/>
-                <a:cs typeface="+mn-cs"/>
-              </a:defRPr>
-            </a:lvl9pPr>
-          </a:lstStyle>
-          <a:p>
-            <a:r>
-              <a:rPr lang="en-US" dirty="0" err="1" smtClean="0"/>
-              <a:t>Dữ</a:t>
-            </a:r>
-            <a:r>
-              <a:rPr lang="en-US" dirty="0" smtClean="0"/>
-              <a:t> </a:t>
-            </a:r>
-            <a:r>
-              <a:rPr lang="en-US" dirty="0" err="1" smtClean="0"/>
-              <a:t>liệu</a:t>
-            </a:r>
-            <a:r>
-              <a:rPr lang="en-US" dirty="0" smtClean="0"/>
-              <a:t> </a:t>
-            </a:r>
-            <a:r>
-              <a:rPr lang="en-US" dirty="0" err="1" smtClean="0"/>
-              <a:t>gốc</a:t>
-            </a:r>
-            <a:endParaRPr lang="en-US" dirty="0"/>
-          </a:p>
-        </p:txBody>
-      </p:sp>
-      <p:sp>
-        <p:nvSpPr>
-          <p:cNvPr id="23" name="Rectangle 22"/>
-          <p:cNvSpPr/>
-          <p:nvPr/>
-        </p:nvSpPr>
-        <p:spPr>
-          <a:xfrm>
-            <a:off x="9513125" y="3793002"/>
-            <a:ext cx="492369" cy="379827"/>
-          </a:xfrm>
-          <a:prstGeom prst="rect">
-            <a:avLst/>
-          </a:prstGeom>
-          <a:gradFill flip="none" rotWithShape="1">
-            <a:gsLst>
-              <a:gs pos="0">
-                <a:schemeClr val="accent1">
-                  <a:lumMod val="5000"/>
-                  <a:lumOff val="95000"/>
-                </a:schemeClr>
-              </a:gs>
-              <a:gs pos="25000">
-                <a:schemeClr val="accent1">
-                  <a:lumMod val="45000"/>
-                  <a:lumOff val="55000"/>
-                </a:schemeClr>
-              </a:gs>
-              <a:gs pos="43000">
-                <a:srgbClr val="00B0F0"/>
-              </a:gs>
-              <a:gs pos="100000">
-                <a:srgbClr val="00B0F0"/>
-              </a:gs>
-            </a:gsLst>
-            <a:lin ang="5400000" scaled="1"/>
-            <a:tileRect/>
-          </a:gradFill>
-          <a:ln w="12700"/>
-        </p:spPr>
-        <p:style>
-          <a:lnRef idx="2">
-            <a:schemeClr val="accent1">
-              <a:shade val="50000"/>
-            </a:schemeClr>
-          </a:lnRef>
-          <a:fillRef idx="1">
-            <a:schemeClr val="accent1"/>
-          </a:fillRef>
-          <a:effectRef idx="0">
-            <a:schemeClr val="accent1"/>
-          </a:effectRef>
-          <a:fontRef idx="minor">
-            <a:schemeClr val="lt1"/>
-          </a:fontRef>
-        </p:style>
-        <p:txBody>
-          <a:bodyPr rtlCol="0" anchor="ctr"/>
-          <a:lstStyle/>
-          <a:p>
-            <a:pPr algn="ctr"/>
-            <a:r>
-              <a:rPr lang="en-US" sz="1600" dirty="0"/>
-              <a:t>MD</a:t>
-            </a:r>
-          </a:p>
-        </p:txBody>
-      </p:sp>
-      <p:sp>
-        <p:nvSpPr>
-          <p:cNvPr id="24" name="Rectangle 23"/>
-          <p:cNvSpPr/>
-          <p:nvPr/>
-        </p:nvSpPr>
-        <p:spPr>
-          <a:xfrm>
-            <a:off x="5486395" y="3793004"/>
-            <a:ext cx="1336433" cy="379827"/>
-          </a:xfrm>
-          <a:prstGeom prst="rect">
-            <a:avLst/>
-          </a:prstGeom>
-          <a:gradFill flip="none" rotWithShape="1">
-            <a:gsLst>
-              <a:gs pos="0">
-                <a:schemeClr val="accent6">
-                  <a:lumMod val="5000"/>
-                  <a:lumOff val="95000"/>
-                </a:schemeClr>
-              </a:gs>
-              <a:gs pos="15000">
-                <a:schemeClr val="accent6">
-                  <a:lumMod val="45000"/>
-                  <a:lumOff val="55000"/>
-                </a:schemeClr>
-              </a:gs>
-              <a:gs pos="35000">
-                <a:srgbClr val="92D050"/>
-              </a:gs>
-              <a:gs pos="100000">
-                <a:srgbClr val="00B050"/>
-              </a:gs>
-            </a:gsLst>
-            <a:lin ang="5400000" scaled="1"/>
-            <a:tileRect/>
-          </a:gradFill>
-          <a:ln w="12700"/>
-        </p:spPr>
-        <p:style>
-          <a:lnRef idx="2">
-            <a:schemeClr val="accent1">
-              <a:shade val="50000"/>
-            </a:schemeClr>
-          </a:lnRef>
-          <a:fillRef idx="1">
-            <a:schemeClr val="accent1"/>
-          </a:fillRef>
-          <a:effectRef idx="0">
-            <a:schemeClr val="accent1"/>
-          </a:effectRef>
-          <a:fontRef idx="minor">
-            <a:schemeClr val="lt1"/>
-          </a:fontRef>
-        </p:style>
-        <p:txBody>
-          <a:bodyPr rtlCol="0" anchor="ctr"/>
-          <a:lstStyle/>
-          <a:p>
-            <a:pPr algn="ctr"/>
-            <a:r>
-              <a:rPr lang="en-US" dirty="0"/>
-              <a:t>E0-MD</a:t>
-            </a:r>
-          </a:p>
-        </p:txBody>
-      </p:sp>
-      <p:sp>
-        <p:nvSpPr>
-          <p:cNvPr id="25" name="Rectangle 24"/>
-          <p:cNvSpPr/>
-          <p:nvPr/>
-        </p:nvSpPr>
-        <p:spPr>
-          <a:xfrm>
-            <a:off x="6836896" y="3793002"/>
-            <a:ext cx="1336431" cy="383078"/>
-          </a:xfrm>
-          <a:prstGeom prst="rect">
-            <a:avLst/>
-          </a:prstGeom>
-          <a:gradFill flip="none" rotWithShape="1">
-            <a:gsLst>
-              <a:gs pos="0">
-                <a:schemeClr val="accent6">
-                  <a:lumMod val="5000"/>
-                  <a:lumOff val="95000"/>
-                </a:schemeClr>
-              </a:gs>
-              <a:gs pos="15000">
-                <a:schemeClr val="accent6">
-                  <a:lumMod val="45000"/>
-                  <a:lumOff val="55000"/>
-                </a:schemeClr>
-              </a:gs>
-              <a:gs pos="35000">
-                <a:srgbClr val="92D050"/>
-              </a:gs>
-              <a:gs pos="100000">
-                <a:srgbClr val="00B050"/>
-              </a:gs>
-            </a:gsLst>
-            <a:lin ang="5400000" scaled="1"/>
-            <a:tileRect/>
-          </a:gradFill>
-          <a:ln w="12700"/>
-        </p:spPr>
-        <p:style>
-          <a:lnRef idx="2">
-            <a:schemeClr val="accent1">
-              <a:shade val="50000"/>
-            </a:schemeClr>
-          </a:lnRef>
-          <a:fillRef idx="1">
-            <a:schemeClr val="accent1"/>
-          </a:fillRef>
-          <a:effectRef idx="0">
-            <a:schemeClr val="accent1"/>
-          </a:effectRef>
-          <a:fontRef idx="minor">
-            <a:schemeClr val="lt1"/>
-          </a:fontRef>
-        </p:style>
-        <p:txBody>
-          <a:bodyPr rtlCol="0" anchor="ctr"/>
-          <a:lstStyle/>
-          <a:p>
-            <a:pPr algn="ctr"/>
-            <a:r>
-              <a:rPr lang="en-US" dirty="0"/>
-              <a:t>…</a:t>
-            </a:r>
-          </a:p>
-        </p:txBody>
-      </p:sp>
-      <p:sp>
-        <p:nvSpPr>
-          <p:cNvPr id="26" name="Rectangle 25"/>
-          <p:cNvSpPr/>
-          <p:nvPr/>
-        </p:nvSpPr>
-        <p:spPr>
-          <a:xfrm>
-            <a:off x="8187397" y="3793003"/>
-            <a:ext cx="1336431" cy="379827"/>
-          </a:xfrm>
-          <a:prstGeom prst="rect">
-            <a:avLst/>
-          </a:prstGeom>
-          <a:gradFill flip="none" rotWithShape="1">
-            <a:gsLst>
-              <a:gs pos="0">
-                <a:schemeClr val="accent6">
-                  <a:lumMod val="5000"/>
-                  <a:lumOff val="95000"/>
-                </a:schemeClr>
-              </a:gs>
-              <a:gs pos="15000">
-                <a:schemeClr val="accent6">
-                  <a:lumMod val="45000"/>
-                  <a:lumOff val="55000"/>
-                </a:schemeClr>
-              </a:gs>
-              <a:gs pos="35000">
-                <a:srgbClr val="92D050"/>
-              </a:gs>
-              <a:gs pos="100000">
-                <a:srgbClr val="00B050"/>
-              </a:gs>
-            </a:gsLst>
-            <a:lin ang="5400000" scaled="1"/>
-            <a:tileRect/>
-          </a:gradFill>
-          <a:ln w="12700"/>
-        </p:spPr>
-        <p:style>
-          <a:lnRef idx="2">
-            <a:schemeClr val="accent1">
-              <a:shade val="50000"/>
-            </a:schemeClr>
-          </a:lnRef>
-          <a:fillRef idx="1">
-            <a:schemeClr val="accent1"/>
-          </a:fillRef>
-          <a:effectRef idx="0">
-            <a:schemeClr val="accent1"/>
-          </a:effectRef>
-          <a:fontRef idx="minor">
-            <a:schemeClr val="lt1"/>
-          </a:fontRef>
-        </p:style>
-        <p:txBody>
-          <a:bodyPr rtlCol="0" anchor="ctr"/>
-          <a:lstStyle/>
-          <a:p>
-            <a:pPr algn="ctr"/>
-            <a:r>
-              <a:rPr lang="en-US" dirty="0"/>
-              <a:t>En-1</a:t>
-            </a:r>
-          </a:p>
-        </p:txBody>
-      </p:sp>
-      <p:sp>
-        <p:nvSpPr>
-          <p:cNvPr id="27" name="TextBox 18"/>
-          <p:cNvSpPr txBox="1"/>
-          <p:nvPr/>
-        </p:nvSpPr>
-        <p:spPr>
-          <a:xfrm>
-            <a:off x="3111677" y="3798250"/>
-            <a:ext cx="1210588" cy="369332"/>
-          </a:xfrm>
-          <a:prstGeom prst="rect">
-            <a:avLst/>
-          </a:prstGeom>
-          <a:noFill/>
-        </p:spPr>
-        <p:txBody>
-          <a:bodyPr wrap="none" rtlCol="0">
-            <a:spAutoFit/>
-          </a:bodyPr>
-          <a:lstStyle>
-            <a:defPPr>
-              <a:defRPr lang="en-US"/>
-            </a:defPPr>
-            <a:lvl1pPr marL="0" algn="l" defTabSz="914400" rtl="0" eaLnBrk="1" latinLnBrk="0" hangingPunct="1">
-              <a:defRPr sz="1800" kern="1200">
-                <a:solidFill>
-                  <a:schemeClr val="tx1"/>
-                </a:solidFill>
-                <a:latin typeface="+mn-lt"/>
-                <a:ea typeface="+mn-ea"/>
-                <a:cs typeface="+mn-cs"/>
-              </a:defRPr>
-            </a:lvl1pPr>
-            <a:lvl2pPr marL="457200" algn="l" defTabSz="914400" rtl="0" eaLnBrk="1" latinLnBrk="0" hangingPunct="1">
-              <a:defRPr sz="1800" kern="1200">
-                <a:solidFill>
-                  <a:schemeClr val="tx1"/>
-                </a:solidFill>
-                <a:latin typeface="+mn-lt"/>
-                <a:ea typeface="+mn-ea"/>
-                <a:cs typeface="+mn-cs"/>
-              </a:defRPr>
-            </a:lvl2pPr>
-            <a:lvl3pPr marL="914400" algn="l" defTabSz="914400" rtl="0" eaLnBrk="1" latinLnBrk="0" hangingPunct="1">
-              <a:defRPr sz="1800" kern="1200">
-                <a:solidFill>
-                  <a:schemeClr val="tx1"/>
-                </a:solidFill>
-                <a:latin typeface="+mn-lt"/>
-                <a:ea typeface="+mn-ea"/>
-                <a:cs typeface="+mn-cs"/>
-              </a:defRPr>
-            </a:lvl3pPr>
-            <a:lvl4pPr marL="1371600" algn="l" defTabSz="914400" rtl="0" eaLnBrk="1" latinLnBrk="0" hangingPunct="1">
-              <a:defRPr sz="1800" kern="1200">
-                <a:solidFill>
-                  <a:schemeClr val="tx1"/>
-                </a:solidFill>
-                <a:latin typeface="+mn-lt"/>
-                <a:ea typeface="+mn-ea"/>
-                <a:cs typeface="+mn-cs"/>
-              </a:defRPr>
-            </a:lvl4pPr>
-            <a:lvl5pPr marL="1828800" algn="l" defTabSz="914400" rtl="0" eaLnBrk="1" latinLnBrk="0" hangingPunct="1">
-              <a:defRPr sz="1800" kern="1200">
-                <a:solidFill>
-                  <a:schemeClr val="tx1"/>
-                </a:solidFill>
-                <a:latin typeface="+mn-lt"/>
-                <a:ea typeface="+mn-ea"/>
-                <a:cs typeface="+mn-cs"/>
-              </a:defRPr>
-            </a:lvl5pPr>
-            <a:lvl6pPr marL="2286000" algn="l" defTabSz="914400" rtl="0" eaLnBrk="1" latinLnBrk="0" hangingPunct="1">
-              <a:defRPr sz="1800" kern="1200">
-                <a:solidFill>
-                  <a:schemeClr val="tx1"/>
-                </a:solidFill>
-                <a:latin typeface="+mn-lt"/>
-                <a:ea typeface="+mn-ea"/>
-                <a:cs typeface="+mn-cs"/>
-              </a:defRPr>
-            </a:lvl6pPr>
-            <a:lvl7pPr marL="2743200" algn="l" defTabSz="914400" rtl="0" eaLnBrk="1" latinLnBrk="0" hangingPunct="1">
-              <a:defRPr sz="1800" kern="1200">
-                <a:solidFill>
-                  <a:schemeClr val="tx1"/>
-                </a:solidFill>
-                <a:latin typeface="+mn-lt"/>
-                <a:ea typeface="+mn-ea"/>
-                <a:cs typeface="+mn-cs"/>
-              </a:defRPr>
-            </a:lvl7pPr>
-            <a:lvl8pPr marL="3200400" algn="l" defTabSz="914400" rtl="0" eaLnBrk="1" latinLnBrk="0" hangingPunct="1">
-              <a:defRPr sz="1800" kern="1200">
-                <a:solidFill>
-                  <a:schemeClr val="tx1"/>
-                </a:solidFill>
-                <a:latin typeface="+mn-lt"/>
-                <a:ea typeface="+mn-ea"/>
-                <a:cs typeface="+mn-cs"/>
-              </a:defRPr>
-            </a:lvl8pPr>
-            <a:lvl9pPr marL="3657600" algn="l" defTabSz="914400" rtl="0" eaLnBrk="1" latinLnBrk="0" hangingPunct="1">
-              <a:defRPr sz="1800" kern="1200">
-                <a:solidFill>
-                  <a:schemeClr val="tx1"/>
-                </a:solidFill>
-                <a:latin typeface="+mn-lt"/>
-                <a:ea typeface="+mn-ea"/>
-                <a:cs typeface="+mn-cs"/>
-              </a:defRPr>
-            </a:lvl9pPr>
-          </a:lstStyle>
-          <a:p>
-            <a:r>
-              <a:rPr lang="en-US" dirty="0" err="1" smtClean="0"/>
-              <a:t>Dữ</a:t>
-            </a:r>
-            <a:r>
-              <a:rPr lang="en-US" dirty="0" smtClean="0"/>
-              <a:t> </a:t>
-            </a:r>
-            <a:r>
-              <a:rPr lang="en-US" dirty="0" err="1" smtClean="0"/>
-              <a:t>liệu</a:t>
-            </a:r>
-            <a:r>
-              <a:rPr lang="en-US" dirty="0" smtClean="0"/>
-              <a:t> </a:t>
-            </a:r>
-            <a:r>
-              <a:rPr lang="en-US" dirty="0" err="1" smtClean="0"/>
-              <a:t>mã</a:t>
-            </a:r>
-            <a:endParaRPr lang="en-US" dirty="0"/>
-          </a:p>
-        </p:txBody>
-      </p:sp>
-      <p:cxnSp>
-        <p:nvCxnSpPr>
-          <p:cNvPr id="29" name="Straight Connector 28"/>
-          <p:cNvCxnSpPr/>
-          <p:nvPr/>
-        </p:nvCxnSpPr>
-        <p:spPr>
-          <a:xfrm>
-            <a:off x="5486399" y="1688121"/>
-            <a:ext cx="11775" cy="554738"/>
-          </a:xfrm>
-          <a:prstGeom prst="line">
-            <a:avLst/>
-          </a:prstGeom>
-        </p:spPr>
-        <p:style>
-          <a:lnRef idx="1">
-            <a:schemeClr val="accent1"/>
-          </a:lnRef>
-          <a:fillRef idx="0">
-            <a:schemeClr val="accent1"/>
-          </a:fillRef>
-          <a:effectRef idx="0">
-            <a:schemeClr val="accent1"/>
-          </a:effectRef>
-          <a:fontRef idx="minor">
-            <a:schemeClr val="tx1"/>
-          </a:fontRef>
-        </p:style>
-      </p:cxnSp>
-      <p:cxnSp>
-        <p:nvCxnSpPr>
-          <p:cNvPr id="31" name="Straight Connector 30"/>
-          <p:cNvCxnSpPr/>
-          <p:nvPr/>
-        </p:nvCxnSpPr>
-        <p:spPr>
-          <a:xfrm>
-            <a:off x="6822830" y="1702185"/>
-            <a:ext cx="5451" cy="509962"/>
-          </a:xfrm>
-          <a:prstGeom prst="line">
-            <a:avLst/>
-          </a:prstGeom>
-        </p:spPr>
-        <p:style>
-          <a:lnRef idx="1">
-            <a:schemeClr val="accent1"/>
-          </a:lnRef>
-          <a:fillRef idx="0">
-            <a:schemeClr val="accent1"/>
-          </a:fillRef>
-          <a:effectRef idx="0">
-            <a:schemeClr val="accent1"/>
-          </a:effectRef>
-          <a:fontRef idx="minor">
-            <a:schemeClr val="tx1"/>
-          </a:fontRef>
-        </p:style>
-      </p:cxnSp>
-      <p:cxnSp>
-        <p:nvCxnSpPr>
-          <p:cNvPr id="34" name="Straight Connector 33"/>
-          <p:cNvCxnSpPr/>
-          <p:nvPr/>
-        </p:nvCxnSpPr>
-        <p:spPr>
-          <a:xfrm>
-            <a:off x="10002126" y="3284777"/>
-            <a:ext cx="0" cy="516723"/>
-          </a:xfrm>
-          <a:prstGeom prst="line">
-            <a:avLst/>
-          </a:prstGeom>
-        </p:spPr>
-        <p:style>
-          <a:lnRef idx="1">
-            <a:schemeClr val="accent1"/>
-          </a:lnRef>
-          <a:fillRef idx="0">
-            <a:schemeClr val="accent1"/>
-          </a:fillRef>
-          <a:effectRef idx="0">
-            <a:schemeClr val="accent1"/>
-          </a:effectRef>
-          <a:fontRef idx="minor">
-            <a:schemeClr val="tx1"/>
-          </a:fontRef>
-        </p:style>
-      </p:cxnSp>
-      <p:cxnSp>
-        <p:nvCxnSpPr>
-          <p:cNvPr id="37" name="Straight Connector 36"/>
-          <p:cNvCxnSpPr/>
-          <p:nvPr/>
-        </p:nvCxnSpPr>
-        <p:spPr>
-          <a:xfrm>
-            <a:off x="6822828" y="2560611"/>
-            <a:ext cx="14068" cy="1237372"/>
-          </a:xfrm>
-          <a:prstGeom prst="line">
-            <a:avLst/>
-          </a:prstGeom>
-        </p:spPr>
-        <p:style>
-          <a:lnRef idx="1">
-            <a:schemeClr val="accent1"/>
-          </a:lnRef>
-          <a:fillRef idx="0">
-            <a:schemeClr val="accent1"/>
-          </a:fillRef>
-          <a:effectRef idx="0">
-            <a:schemeClr val="accent1"/>
-          </a:effectRef>
-          <a:fontRef idx="minor">
-            <a:schemeClr val="tx1"/>
-          </a:fontRef>
-        </p:style>
-      </p:cxnSp>
-      <p:cxnSp>
-        <p:nvCxnSpPr>
-          <p:cNvPr id="39" name="Straight Connector 38"/>
-          <p:cNvCxnSpPr/>
-          <p:nvPr/>
-        </p:nvCxnSpPr>
-        <p:spPr>
-          <a:xfrm>
-            <a:off x="8173328" y="2612191"/>
-            <a:ext cx="14068" cy="1196344"/>
-          </a:xfrm>
-          <a:prstGeom prst="line">
-            <a:avLst/>
-          </a:prstGeom>
-        </p:spPr>
-        <p:style>
-          <a:lnRef idx="1">
-            <a:schemeClr val="accent1"/>
-          </a:lnRef>
-          <a:fillRef idx="0">
-            <a:schemeClr val="accent1"/>
-          </a:fillRef>
-          <a:effectRef idx="0">
-            <a:schemeClr val="accent1"/>
-          </a:effectRef>
-          <a:fontRef idx="minor">
-            <a:schemeClr val="tx1"/>
-          </a:fontRef>
-        </p:style>
-      </p:cxnSp>
-      <p:sp>
-        <p:nvSpPr>
-          <p:cNvPr id="2" name="TextBox 1"/>
-          <p:cNvSpPr txBox="1"/>
-          <p:nvPr/>
-        </p:nvSpPr>
-        <p:spPr>
-          <a:xfrm>
-            <a:off x="850006" y="5885645"/>
-            <a:ext cx="5803576" cy="584775"/>
-          </a:xfrm>
-          <a:prstGeom prst="rect">
-            <a:avLst/>
-          </a:prstGeom>
-          <a:noFill/>
-        </p:spPr>
-        <p:txBody>
-          <a:bodyPr wrap="none" rtlCol="0">
-            <a:spAutoFit/>
-          </a:bodyPr>
-          <a:lstStyle/>
-          <a:p>
-            <a:r>
-              <a:rPr lang="en-US" sz="3200" dirty="0" err="1" smtClean="0"/>
-              <a:t>Ghi</a:t>
-            </a:r>
-            <a:r>
-              <a:rPr lang="en-US" sz="3200" dirty="0" smtClean="0"/>
-              <a:t> </a:t>
-            </a:r>
-            <a:r>
-              <a:rPr lang="en-US" sz="3200" dirty="0" err="1" smtClean="0"/>
-              <a:t>thông</a:t>
-            </a:r>
-            <a:r>
-              <a:rPr lang="en-US" sz="3200" dirty="0" smtClean="0"/>
-              <a:t> tin </a:t>
-            </a:r>
-            <a:r>
-              <a:rPr lang="en-US" sz="3200" dirty="0" err="1" smtClean="0"/>
-              <a:t>mã</a:t>
-            </a:r>
-            <a:r>
-              <a:rPr lang="en-US" sz="3200" dirty="0" smtClean="0"/>
-              <a:t> </a:t>
-            </a:r>
-            <a:r>
-              <a:rPr lang="en-US" sz="3200" dirty="0" err="1" smtClean="0"/>
-              <a:t>hóa</a:t>
-            </a:r>
-            <a:r>
-              <a:rPr lang="en-US" sz="3200" dirty="0" smtClean="0"/>
-              <a:t> </a:t>
-            </a:r>
-            <a:r>
-              <a:rPr lang="en-US" sz="3200" dirty="0" err="1" smtClean="0"/>
-              <a:t>vào</a:t>
-            </a:r>
-            <a:r>
-              <a:rPr lang="en-US" sz="3200" dirty="0" smtClean="0"/>
-              <a:t> </a:t>
-            </a:r>
-            <a:r>
-              <a:rPr lang="en-US" sz="3200" dirty="0" err="1" smtClean="0"/>
-              <a:t>cuối</a:t>
-            </a:r>
-            <a:r>
-              <a:rPr lang="en-US" sz="3200" dirty="0" smtClean="0"/>
-              <a:t> file</a:t>
-            </a:r>
-            <a:endParaRPr lang="en-US" sz="3200" dirty="0"/>
-          </a:p>
-        </p:txBody>
-      </p:sp>
-      <p:cxnSp>
-        <p:nvCxnSpPr>
-          <p:cNvPr id="32" name="Straight Connector 31"/>
-          <p:cNvCxnSpPr/>
-          <p:nvPr/>
-        </p:nvCxnSpPr>
-        <p:spPr>
-          <a:xfrm>
-            <a:off x="5480946" y="2579433"/>
-            <a:ext cx="14068" cy="1237372"/>
-          </a:xfrm>
-          <a:prstGeom prst="line">
-            <a:avLst/>
-          </a:prstGeom>
-        </p:spPr>
-        <p:style>
-          <a:lnRef idx="1">
-            <a:schemeClr val="accent1"/>
-          </a:lnRef>
-          <a:fillRef idx="0">
-            <a:schemeClr val="accent1"/>
-          </a:fillRef>
-          <a:effectRef idx="0">
-            <a:schemeClr val="accent1"/>
-          </a:effectRef>
-          <a:fontRef idx="minor">
-            <a:schemeClr val="tx1"/>
-          </a:fontRef>
-        </p:style>
-      </p:cxnSp>
-      <p:cxnSp>
-        <p:nvCxnSpPr>
-          <p:cNvPr id="28" name="Straight Connector 27"/>
-          <p:cNvCxnSpPr/>
-          <p:nvPr/>
-        </p:nvCxnSpPr>
-        <p:spPr>
-          <a:xfrm>
-            <a:off x="9509757" y="3274282"/>
-            <a:ext cx="14071" cy="510223"/>
-          </a:xfrm>
-          <a:prstGeom prst="line">
-            <a:avLst/>
-          </a:prstGeom>
-          <a:ln>
-            <a:prstDash val="sysDash"/>
-          </a:ln>
-        </p:spPr>
-        <p:style>
-          <a:lnRef idx="1">
-            <a:schemeClr val="accent1"/>
-          </a:lnRef>
-          <a:fillRef idx="0">
-            <a:schemeClr val="accent1"/>
-          </a:fillRef>
-          <a:effectRef idx="0">
-            <a:schemeClr val="accent1"/>
-          </a:effectRef>
-          <a:fontRef idx="minor">
-            <a:schemeClr val="tx1"/>
-          </a:fontRef>
-        </p:style>
-      </p:cxnSp>
-      <p:pic>
-        <p:nvPicPr>
-          <p:cNvPr id="36" name="Picture 35"/>
-          <p:cNvPicPr>
-            <a:picLocks noChangeAspect="1"/>
-          </p:cNvPicPr>
-          <p:nvPr/>
-        </p:nvPicPr>
-        <p:blipFill>
-          <a:blip r:embed="rId2"/>
-          <a:stretch>
-            <a:fillRect/>
-          </a:stretch>
-        </p:blipFill>
-        <p:spPr>
-          <a:xfrm>
-            <a:off x="1772918" y="2042273"/>
-            <a:ext cx="8387082" cy="1408298"/>
-          </a:xfrm>
-          <a:prstGeom prst="rect">
-            <a:avLst/>
-          </a:prstGeom>
-        </p:spPr>
-      </p:pic>
-    </p:spTree>
-    <p:extLst>
-      <p:ext uri="{BB962C8B-B14F-4D97-AF65-F5344CB8AC3E}">
-        <p14:creationId xmlns:p14="http://schemas.microsoft.com/office/powerpoint/2010/main" val="3549116938"/>
       </p:ext>
     </p:extLst>
   </p:cSld>

--- a/Document/SODO.pptx
+++ b/Document/SODO.pptx
@@ -19,6 +19,7 @@
     <p:sldId id="265" r:id="rId13"/>
     <p:sldId id="267" r:id="rId14"/>
     <p:sldId id="266" r:id="rId15"/>
+    <p:sldId id="270" r:id="rId16"/>
   </p:sldIdLst>
   <p:sldSz cx="12192000" cy="6858000"/>
   <p:notesSz cx="7315200" cy="9601200"/>
@@ -2013,55 +2014,7 @@
                 <a:schemeClr val="tx1"/>
               </a:solidFill>
             </a:rPr>
-            <a:t>Ghi</a:t>
-          </a:r>
-          <a:r>
-            <a:rPr lang="en-US" sz="2400" b="1" dirty="0" smtClean="0">
-              <a:solidFill>
-                <a:schemeClr val="tx1"/>
-              </a:solidFill>
-            </a:rPr>
-            <a:t> </a:t>
-          </a:r>
-          <a:r>
-            <a:rPr lang="en-US" sz="2400" b="1" dirty="0" err="1" smtClean="0">
-              <a:solidFill>
-                <a:schemeClr val="tx1"/>
-              </a:solidFill>
-            </a:rPr>
-            <a:t>đè</a:t>
-          </a:r>
-          <a:r>
-            <a:rPr lang="en-US" sz="2400" b="1" dirty="0" smtClean="0">
-              <a:solidFill>
-                <a:schemeClr val="tx1"/>
-              </a:solidFill>
-            </a:rPr>
-            <a:t> </a:t>
-          </a:r>
-          <a:r>
-            <a:rPr lang="en-US" sz="2400" b="1" dirty="0" err="1" smtClean="0">
-              <a:solidFill>
-                <a:schemeClr val="tx1"/>
-              </a:solidFill>
-            </a:rPr>
-            <a:t>lệnh</a:t>
-          </a:r>
-          <a:r>
-            <a:rPr lang="en-US" sz="2400" b="1" dirty="0" smtClean="0">
-              <a:solidFill>
-                <a:schemeClr val="tx1"/>
-              </a:solidFill>
-            </a:rPr>
-            <a:t> </a:t>
-          </a:r>
-          <a:r>
-            <a:rPr lang="en-US" sz="2400" b="1" dirty="0" err="1" smtClean="0">
-              <a:solidFill>
-                <a:schemeClr val="tx1"/>
-              </a:solidFill>
-            </a:rPr>
-            <a:t>jmp</a:t>
+            <a:t>Nhảy</a:t>
           </a:r>
           <a:r>
             <a:rPr lang="en-US" sz="2400" b="1" dirty="0" smtClean="0">
@@ -2078,38 +2031,6 @@
               </a:solidFill>
             </a:rPr>
             <a:t>tới</a:t>
-          </a:r>
-          <a:r>
-            <a:rPr lang="en-US" sz="2400" b="1" dirty="0" smtClean="0">
-              <a:solidFill>
-                <a:schemeClr val="tx1"/>
-              </a:solidFill>
-            </a:rPr>
-            <a:t> </a:t>
-          </a:r>
-          <a:r>
-            <a:rPr lang="en-US" sz="2400" b="1" dirty="0" err="1" smtClean="0">
-              <a:solidFill>
-                <a:schemeClr val="tx1"/>
-              </a:solidFill>
-            </a:rPr>
-            <a:t>địa</a:t>
-          </a:r>
-          <a:r>
-            <a:rPr lang="en-US" sz="2400" b="1" dirty="0" smtClean="0">
-              <a:solidFill>
-                <a:schemeClr val="tx1"/>
-              </a:solidFill>
-            </a:rPr>
-            <a:t> </a:t>
-          </a:r>
-          <a:r>
-            <a:rPr lang="en-US" sz="2400" b="1" dirty="0" err="1" smtClean="0">
-              <a:solidFill>
-                <a:schemeClr val="tx1"/>
-              </a:solidFill>
-            </a:rPr>
-            <a:t>chỉ</a:t>
           </a:r>
           <a:r>
             <a:rPr lang="en-US" sz="2400" b="1" dirty="0" smtClean="0">
@@ -3897,55 +3818,7 @@
                 <a:schemeClr val="tx1"/>
               </a:solidFill>
             </a:rPr>
-            <a:t>Ghi</a:t>
-          </a:r>
-          <a:r>
-            <a:rPr lang="en-US" sz="2400" b="1" kern="1200" dirty="0" smtClean="0">
-              <a:solidFill>
-                <a:schemeClr val="tx1"/>
-              </a:solidFill>
-            </a:rPr>
-            <a:t> </a:t>
-          </a:r>
-          <a:r>
-            <a:rPr lang="en-US" sz="2400" b="1" kern="1200" dirty="0" err="1" smtClean="0">
-              <a:solidFill>
-                <a:schemeClr val="tx1"/>
-              </a:solidFill>
-            </a:rPr>
-            <a:t>đè</a:t>
-          </a:r>
-          <a:r>
-            <a:rPr lang="en-US" sz="2400" b="1" kern="1200" dirty="0" smtClean="0">
-              <a:solidFill>
-                <a:schemeClr val="tx1"/>
-              </a:solidFill>
-            </a:rPr>
-            <a:t> </a:t>
-          </a:r>
-          <a:r>
-            <a:rPr lang="en-US" sz="2400" b="1" kern="1200" dirty="0" err="1" smtClean="0">
-              <a:solidFill>
-                <a:schemeClr val="tx1"/>
-              </a:solidFill>
-            </a:rPr>
-            <a:t>lệnh</a:t>
-          </a:r>
-          <a:r>
-            <a:rPr lang="en-US" sz="2400" b="1" kern="1200" dirty="0" smtClean="0">
-              <a:solidFill>
-                <a:schemeClr val="tx1"/>
-              </a:solidFill>
-            </a:rPr>
-            <a:t> </a:t>
-          </a:r>
-          <a:r>
-            <a:rPr lang="en-US" sz="2400" b="1" kern="1200" dirty="0" err="1" smtClean="0">
-              <a:solidFill>
-                <a:schemeClr val="tx1"/>
-              </a:solidFill>
-            </a:rPr>
-            <a:t>jmp</a:t>
+            <a:t>Nhảy</a:t>
           </a:r>
           <a:r>
             <a:rPr lang="en-US" sz="2400" b="1" kern="1200" dirty="0" smtClean="0">
@@ -3962,38 +3835,6 @@
               </a:solidFill>
             </a:rPr>
             <a:t>tới</a:t>
-          </a:r>
-          <a:r>
-            <a:rPr lang="en-US" sz="2400" b="1" kern="1200" dirty="0" smtClean="0">
-              <a:solidFill>
-                <a:schemeClr val="tx1"/>
-              </a:solidFill>
-            </a:rPr>
-            <a:t> </a:t>
-          </a:r>
-          <a:r>
-            <a:rPr lang="en-US" sz="2400" b="1" kern="1200" dirty="0" err="1" smtClean="0">
-              <a:solidFill>
-                <a:schemeClr val="tx1"/>
-              </a:solidFill>
-            </a:rPr>
-            <a:t>địa</a:t>
-          </a:r>
-          <a:r>
-            <a:rPr lang="en-US" sz="2400" b="1" kern="1200" dirty="0" smtClean="0">
-              <a:solidFill>
-                <a:schemeClr val="tx1"/>
-              </a:solidFill>
-            </a:rPr>
-            <a:t> </a:t>
-          </a:r>
-          <a:r>
-            <a:rPr lang="en-US" sz="2400" b="1" kern="1200" dirty="0" err="1" smtClean="0">
-              <a:solidFill>
-                <a:schemeClr val="tx1"/>
-              </a:solidFill>
-            </a:rPr>
-            <a:t>chỉ</a:t>
           </a:r>
           <a:r>
             <a:rPr lang="en-US" sz="2400" b="1" kern="1200" dirty="0" smtClean="0">
@@ -7239,7 +7080,7 @@
           <a:p>
             <a:fld id="{16D2D749-03DE-4EC2-8C00-F102FCD2936A}" type="datetimeFigureOut">
               <a:rPr lang="en-US" smtClean="0"/>
-              <a:t>7/3/2015</a:t>
+              <a:t>7/4/2015</a:t>
             </a:fld>
             <a:endParaRPr lang="en-US"/>
           </a:p>
@@ -7409,7 +7250,7 @@
           <a:p>
             <a:fld id="{16D2D749-03DE-4EC2-8C00-F102FCD2936A}" type="datetimeFigureOut">
               <a:rPr lang="en-US" smtClean="0"/>
-              <a:t>7/3/2015</a:t>
+              <a:t>7/4/2015</a:t>
             </a:fld>
             <a:endParaRPr lang="en-US"/>
           </a:p>
@@ -7589,7 +7430,7 @@
           <a:p>
             <a:fld id="{16D2D749-03DE-4EC2-8C00-F102FCD2936A}" type="datetimeFigureOut">
               <a:rPr lang="en-US" smtClean="0"/>
-              <a:t>7/3/2015</a:t>
+              <a:t>7/4/2015</a:t>
             </a:fld>
             <a:endParaRPr lang="en-US"/>
           </a:p>
@@ -7759,7 +7600,7 @@
           <a:p>
             <a:fld id="{16D2D749-03DE-4EC2-8C00-F102FCD2936A}" type="datetimeFigureOut">
               <a:rPr lang="en-US" smtClean="0"/>
-              <a:t>7/3/2015</a:t>
+              <a:t>7/4/2015</a:t>
             </a:fld>
             <a:endParaRPr lang="en-US"/>
           </a:p>
@@ -8005,7 +7846,7 @@
           <a:p>
             <a:fld id="{16D2D749-03DE-4EC2-8C00-F102FCD2936A}" type="datetimeFigureOut">
               <a:rPr lang="en-US" smtClean="0"/>
-              <a:t>7/3/2015</a:t>
+              <a:t>7/4/2015</a:t>
             </a:fld>
             <a:endParaRPr lang="en-US"/>
           </a:p>
@@ -8237,7 +8078,7 @@
           <a:p>
             <a:fld id="{16D2D749-03DE-4EC2-8C00-F102FCD2936A}" type="datetimeFigureOut">
               <a:rPr lang="en-US" smtClean="0"/>
-              <a:t>7/3/2015</a:t>
+              <a:t>7/4/2015</a:t>
             </a:fld>
             <a:endParaRPr lang="en-US"/>
           </a:p>
@@ -8604,7 +8445,7 @@
           <a:p>
             <a:fld id="{16D2D749-03DE-4EC2-8C00-F102FCD2936A}" type="datetimeFigureOut">
               <a:rPr lang="en-US" smtClean="0"/>
-              <a:t>7/3/2015</a:t>
+              <a:t>7/4/2015</a:t>
             </a:fld>
             <a:endParaRPr lang="en-US"/>
           </a:p>
@@ -8722,7 +8563,7 @@
           <a:p>
             <a:fld id="{16D2D749-03DE-4EC2-8C00-F102FCD2936A}" type="datetimeFigureOut">
               <a:rPr lang="en-US" smtClean="0"/>
-              <a:t>7/3/2015</a:t>
+              <a:t>7/4/2015</a:t>
             </a:fld>
             <a:endParaRPr lang="en-US"/>
           </a:p>
@@ -8817,7 +8658,7 @@
           <a:p>
             <a:fld id="{16D2D749-03DE-4EC2-8C00-F102FCD2936A}" type="datetimeFigureOut">
               <a:rPr lang="en-US" smtClean="0"/>
-              <a:t>7/3/2015</a:t>
+              <a:t>7/4/2015</a:t>
             </a:fld>
             <a:endParaRPr lang="en-US"/>
           </a:p>
@@ -9094,7 +8935,7 @@
           <a:p>
             <a:fld id="{16D2D749-03DE-4EC2-8C00-F102FCD2936A}" type="datetimeFigureOut">
               <a:rPr lang="en-US" smtClean="0"/>
-              <a:t>7/3/2015</a:t>
+              <a:t>7/4/2015</a:t>
             </a:fld>
             <a:endParaRPr lang="en-US"/>
           </a:p>
@@ -9347,7 +9188,7 @@
           <a:p>
             <a:fld id="{16D2D749-03DE-4EC2-8C00-F102FCD2936A}" type="datetimeFigureOut">
               <a:rPr lang="en-US" smtClean="0"/>
-              <a:t>7/3/2015</a:t>
+              <a:t>7/4/2015</a:t>
             </a:fld>
             <a:endParaRPr lang="en-US"/>
           </a:p>
@@ -9560,7 +9401,7 @@
           <a:p>
             <a:fld id="{16D2D749-03DE-4EC2-8C00-F102FCD2936A}" type="datetimeFigureOut">
               <a:rPr lang="en-US" smtClean="0"/>
-              <a:t>7/3/2015</a:t>
+              <a:t>7/4/2015</a:t>
             </a:fld>
             <a:endParaRPr lang="en-US"/>
           </a:p>
@@ -9972,7 +9813,7 @@
           <p:nvPr>
             <p:extLst>
               <p:ext uri="{D42A27DB-BD31-4B8C-83A1-F6EECF244321}">
-                <p14:modId xmlns:p14="http://schemas.microsoft.com/office/powerpoint/2010/main" val="921665046"/>
+                <p14:modId xmlns:p14="http://schemas.microsoft.com/office/powerpoint/2010/main" val="1331381503"/>
               </p:ext>
             </p:extLst>
           </p:nvPr>
@@ -11939,7 +11780,7 @@
         </p:nvSpPr>
         <p:spPr>
           <a:xfrm>
-            <a:off x="8360393" y="4260311"/>
+            <a:off x="9565445" y="4260311"/>
             <a:ext cx="1604211" cy="1376797"/>
           </a:xfrm>
           <a:prstGeom prst="ellipse">
@@ -12013,13 +11854,15 @@
       <p:cxnSp>
         <p:nvCxnSpPr>
           <p:cNvPr id="14" name="Straight Arrow Connector 13"/>
-          <p:cNvCxnSpPr/>
+          <p:cNvCxnSpPr>
+            <a:endCxn id="13" idx="2"/>
+          </p:cNvCxnSpPr>
           <p:nvPr/>
         </p:nvCxnSpPr>
         <p:spPr>
           <a:xfrm flipV="1">
-            <a:off x="6674335" y="4948710"/>
-            <a:ext cx="1590879" cy="1"/>
+            <a:off x="6619324" y="4948710"/>
+            <a:ext cx="2946121" cy="28036"/>
           </a:xfrm>
           <a:prstGeom prst="straightConnector1">
             <a:avLst/>
@@ -12269,8 +12112,8 @@
         </p:nvSpPr>
         <p:spPr>
           <a:xfrm>
-            <a:off x="3031958" y="2967790"/>
-            <a:ext cx="2406316" cy="930442"/>
+            <a:off x="3031958" y="2043113"/>
+            <a:ext cx="2406316" cy="1236931"/>
           </a:xfrm>
           <a:prstGeom prst="roundRect">
             <a:avLst/>
@@ -12328,7 +12171,18 @@
                   <a:schemeClr val="tx1"/>
                 </a:solidFill>
               </a:rPr>
-              <a:t>Inject DLL</a:t>
+              <a:t>DLL injection</a:t>
+            </a:r>
+          </a:p>
+          <a:p>
+            <a:pPr algn="ctr"/>
+            <a:r>
+              <a:rPr lang="en-US" sz="2800" b="1" dirty="0" smtClean="0">
+                <a:solidFill>
+                  <a:schemeClr val="tx1"/>
+                </a:solidFill>
+              </a:rPr>
+              <a:t>module</a:t>
             </a:r>
             <a:endParaRPr lang="en-US" sz="2800" b="1" dirty="0">
               <a:solidFill>
@@ -12346,8 +12200,8 @@
         </p:nvSpPr>
         <p:spPr>
           <a:xfrm>
-            <a:off x="6849980" y="2967790"/>
-            <a:ext cx="2406316" cy="930442"/>
+            <a:off x="6849980" y="2043113"/>
+            <a:ext cx="2406316" cy="1236933"/>
           </a:xfrm>
           <a:prstGeom prst="roundRect">
             <a:avLst/>
@@ -12400,14 +12254,14 @@
           <a:p>
             <a:pPr algn="ctr"/>
             <a:r>
-              <a:rPr lang="en-US" sz="2800" dirty="0" smtClean="0">
+              <a:rPr lang="en-US" sz="2800" b="1" dirty="0" smtClean="0">
                 <a:solidFill>
                   <a:schemeClr val="tx1"/>
                 </a:solidFill>
               </a:rPr>
-              <a:t>Intercept API</a:t>
-            </a:r>
-            <a:endParaRPr lang="en-US" sz="2800" dirty="0">
+              <a:t>API intercepting module</a:t>
+            </a:r>
+            <a:endParaRPr lang="en-US" sz="2800" b="1" dirty="0">
               <a:solidFill>
                 <a:schemeClr val="tx1"/>
               </a:solidFill>
@@ -12457,42 +12311,81 @@
           </a:p>
         </p:txBody>
       </p:sp>
-      <p:cxnSp>
-        <p:nvCxnSpPr>
-          <p:cNvPr id="10" name="Straight Arrow Connector 9"/>
-          <p:cNvCxnSpPr>
-            <a:stCxn id="6" idx="3"/>
-            <a:endCxn id="7" idx="1"/>
-          </p:cNvCxnSpPr>
+      <p:sp>
+        <p:nvSpPr>
+          <p:cNvPr id="9" name="Rounded Rectangle 8"/>
+          <p:cNvSpPr/>
           <p:nvPr/>
-        </p:nvCxnSpPr>
+        </p:nvSpPr>
         <p:spPr>
           <a:xfrm>
-            <a:off x="5438274" y="3433011"/>
-            <a:ext cx="1411706" cy="0"/>
-          </a:xfrm>
-          <a:prstGeom prst="straightConnector1">
+            <a:off x="4918470" y="3693751"/>
+            <a:ext cx="2406316" cy="560796"/>
+          </a:xfrm>
+          <a:prstGeom prst="roundRect">
             <a:avLst/>
           </a:prstGeom>
-          <a:ln w="76200">
-            <a:tailEnd type="triangle"/>
-          </a:ln>
+          <a:gradFill flip="none" rotWithShape="1">
+            <a:gsLst>
+              <a:gs pos="7000">
+                <a:schemeClr val="accent2">
+                  <a:lumMod val="20000"/>
+                  <a:lumOff val="80000"/>
+                </a:schemeClr>
+              </a:gs>
+              <a:gs pos="77000">
+                <a:schemeClr val="accent2">
+                  <a:lumMod val="60000"/>
+                  <a:lumOff val="40000"/>
+                </a:schemeClr>
+              </a:gs>
+              <a:gs pos="100000">
+                <a:schemeClr val="accent2">
+                  <a:lumMod val="75000"/>
+                </a:schemeClr>
+              </a:gs>
+            </a:gsLst>
+            <a:lin ang="5400000" scaled="1"/>
+            <a:tileRect/>
+          </a:gradFill>
         </p:spPr>
         <p:style>
-          <a:lnRef idx="1">
-            <a:schemeClr val="accent1"/>
+          <a:lnRef idx="2">
+            <a:schemeClr val="accent1">
+              <a:shade val="50000"/>
+            </a:schemeClr>
           </a:lnRef>
-          <a:fillRef idx="0">
+          <a:fillRef idx="1">
             <a:schemeClr val="accent1"/>
           </a:fillRef>
           <a:effectRef idx="0">
             <a:schemeClr val="accent1"/>
           </a:effectRef>
           <a:fontRef idx="minor">
-            <a:schemeClr val="tx1"/>
+            <a:schemeClr val="lt1"/>
           </a:fontRef>
         </p:style>
-      </p:cxnSp>
+        <p:txBody>
+          <a:bodyPr rtlCol="0" anchor="ctr"/>
+          <a:lstStyle/>
+          <a:p>
+            <a:pPr algn="ctr"/>
+            <a:r>
+              <a:rPr lang="en-US" sz="2800" b="1" dirty="0" err="1" smtClean="0">
+                <a:solidFill>
+                  <a:schemeClr val="tx1"/>
+                </a:solidFill>
+              </a:rPr>
+              <a:t>EasyHook</a:t>
+            </a:r>
+            <a:endParaRPr lang="en-US" sz="2800" b="1" dirty="0">
+              <a:solidFill>
+                <a:schemeClr val="tx1"/>
+              </a:solidFill>
+            </a:endParaRPr>
+          </a:p>
+        </p:txBody>
+      </p:sp>
     </p:spTree>
     <p:extLst>
       <p:ext uri="{BB962C8B-B14F-4D97-AF65-F5344CB8AC3E}">
@@ -13418,6 +13311,924 @@
 </p:sld>
 </file>
 
+<file path=ppt/slides/slide15.xml><?xml version="1.0" encoding="utf-8"?>
+<p:sld xmlns:a="http://schemas.openxmlformats.org/drawingml/2006/main" xmlns:r="http://schemas.openxmlformats.org/officeDocument/2006/relationships" xmlns:p="http://schemas.openxmlformats.org/presentationml/2006/main">
+  <p:cSld>
+    <p:spTree>
+      <p:nvGrpSpPr>
+        <p:cNvPr id="1" name=""/>
+        <p:cNvGrpSpPr/>
+        <p:nvPr/>
+      </p:nvGrpSpPr>
+      <p:grpSpPr>
+        <a:xfrm>
+          <a:off x="0" y="0"/>
+          <a:ext cx="0" cy="0"/>
+          <a:chOff x="0" y="0"/>
+          <a:chExt cx="0" cy="0"/>
+        </a:xfrm>
+      </p:grpSpPr>
+      <p:pic>
+        <p:nvPicPr>
+          <p:cNvPr id="5" name="Picture 4"/>
+          <p:cNvPicPr>
+            <a:picLocks noChangeAspect="1"/>
+          </p:cNvPicPr>
+          <p:nvPr/>
+        </p:nvPicPr>
+        <p:blipFill>
+          <a:blip r:embed="rId2" cstate="print">
+            <a:extLst>
+              <a:ext uri="{28A0092B-C50C-407E-A947-70E740481C1C}">
+                <a14:useLocalDpi xmlns:a14="http://schemas.microsoft.com/office/drawing/2010/main" val="0"/>
+              </a:ext>
+            </a:extLst>
+          </a:blip>
+          <a:stretch>
+            <a:fillRect/>
+          </a:stretch>
+        </p:blipFill>
+        <p:spPr>
+          <a:xfrm>
+            <a:off x="4141786" y="1517650"/>
+            <a:ext cx="812800" cy="812800"/>
+          </a:xfrm>
+          <a:prstGeom prst="rect">
+            <a:avLst/>
+          </a:prstGeom>
+        </p:spPr>
+      </p:pic>
+      <p:pic>
+        <p:nvPicPr>
+          <p:cNvPr id="6" name="Picture 5"/>
+          <p:cNvPicPr>
+            <a:picLocks noChangeAspect="1"/>
+          </p:cNvPicPr>
+          <p:nvPr/>
+        </p:nvPicPr>
+        <p:blipFill>
+          <a:blip r:embed="rId2" cstate="print">
+            <a:extLst>
+              <a:ext uri="{28A0092B-C50C-407E-A947-70E740481C1C}">
+                <a14:useLocalDpi xmlns:a14="http://schemas.microsoft.com/office/drawing/2010/main" val="0"/>
+              </a:ext>
+            </a:extLst>
+          </a:blip>
+          <a:stretch>
+            <a:fillRect/>
+          </a:stretch>
+        </p:blipFill>
+        <p:spPr>
+          <a:xfrm>
+            <a:off x="9209101" y="1517650"/>
+            <a:ext cx="812800" cy="812800"/>
+          </a:xfrm>
+          <a:prstGeom prst="rect">
+            <a:avLst/>
+          </a:prstGeom>
+        </p:spPr>
+      </p:pic>
+      <p:pic>
+        <p:nvPicPr>
+          <p:cNvPr id="7" name="Picture 6"/>
+          <p:cNvPicPr>
+            <a:picLocks noChangeAspect="1"/>
+          </p:cNvPicPr>
+          <p:nvPr/>
+        </p:nvPicPr>
+        <p:blipFill>
+          <a:blip r:embed="rId2" cstate="print">
+            <a:extLst>
+              <a:ext uri="{28A0092B-C50C-407E-A947-70E740481C1C}">
+                <a14:useLocalDpi xmlns:a14="http://schemas.microsoft.com/office/drawing/2010/main" val="0"/>
+              </a:ext>
+            </a:extLst>
+          </a:blip>
+          <a:stretch>
+            <a:fillRect/>
+          </a:stretch>
+        </p:blipFill>
+        <p:spPr>
+          <a:xfrm>
+            <a:off x="4141786" y="2884491"/>
+            <a:ext cx="812800" cy="812800"/>
+          </a:xfrm>
+          <a:prstGeom prst="rect">
+            <a:avLst/>
+          </a:prstGeom>
+        </p:spPr>
+      </p:pic>
+      <p:pic>
+        <p:nvPicPr>
+          <p:cNvPr id="8" name="Picture 7"/>
+          <p:cNvPicPr>
+            <a:picLocks noChangeAspect="1"/>
+          </p:cNvPicPr>
+          <p:nvPr/>
+        </p:nvPicPr>
+        <p:blipFill>
+          <a:blip r:embed="rId2" cstate="print">
+            <a:extLst>
+              <a:ext uri="{28A0092B-C50C-407E-A947-70E740481C1C}">
+                <a14:useLocalDpi xmlns:a14="http://schemas.microsoft.com/office/drawing/2010/main" val="0"/>
+              </a:ext>
+            </a:extLst>
+          </a:blip>
+          <a:stretch>
+            <a:fillRect/>
+          </a:stretch>
+        </p:blipFill>
+        <p:spPr>
+          <a:xfrm>
+            <a:off x="9209101" y="2884491"/>
+            <a:ext cx="812800" cy="812800"/>
+          </a:xfrm>
+          <a:prstGeom prst="rect">
+            <a:avLst/>
+          </a:prstGeom>
+        </p:spPr>
+      </p:pic>
+      <p:pic>
+        <p:nvPicPr>
+          <p:cNvPr id="9" name="Picture 8"/>
+          <p:cNvPicPr>
+            <a:picLocks noChangeAspect="1"/>
+          </p:cNvPicPr>
+          <p:nvPr/>
+        </p:nvPicPr>
+        <p:blipFill>
+          <a:blip r:embed="rId2" cstate="print">
+            <a:extLst>
+              <a:ext uri="{28A0092B-C50C-407E-A947-70E740481C1C}">
+                <a14:useLocalDpi xmlns:a14="http://schemas.microsoft.com/office/drawing/2010/main" val="0"/>
+              </a:ext>
+            </a:extLst>
+          </a:blip>
+          <a:stretch>
+            <a:fillRect/>
+          </a:stretch>
+        </p:blipFill>
+        <p:spPr>
+          <a:xfrm>
+            <a:off x="4141786" y="4422788"/>
+            <a:ext cx="812800" cy="812800"/>
+          </a:xfrm>
+          <a:prstGeom prst="rect">
+            <a:avLst/>
+          </a:prstGeom>
+        </p:spPr>
+      </p:pic>
+      <p:pic>
+        <p:nvPicPr>
+          <p:cNvPr id="10" name="Picture 9"/>
+          <p:cNvPicPr>
+            <a:picLocks noChangeAspect="1"/>
+          </p:cNvPicPr>
+          <p:nvPr/>
+        </p:nvPicPr>
+        <p:blipFill>
+          <a:blip r:embed="rId2" cstate="print">
+            <a:extLst>
+              <a:ext uri="{28A0092B-C50C-407E-A947-70E740481C1C}">
+                <a14:useLocalDpi xmlns:a14="http://schemas.microsoft.com/office/drawing/2010/main" val="0"/>
+              </a:ext>
+            </a:extLst>
+          </a:blip>
+          <a:stretch>
+            <a:fillRect/>
+          </a:stretch>
+        </p:blipFill>
+        <p:spPr>
+          <a:xfrm>
+            <a:off x="9209101" y="4422788"/>
+            <a:ext cx="812800" cy="812800"/>
+          </a:xfrm>
+          <a:prstGeom prst="rect">
+            <a:avLst/>
+          </a:prstGeom>
+        </p:spPr>
+      </p:pic>
+      <p:sp>
+        <p:nvSpPr>
+          <p:cNvPr id="11" name="TextBox 10"/>
+          <p:cNvSpPr txBox="1"/>
+          <p:nvPr/>
+        </p:nvSpPr>
+        <p:spPr>
+          <a:xfrm>
+            <a:off x="3712059" y="1148318"/>
+            <a:ext cx="1672253" cy="369332"/>
+          </a:xfrm>
+          <a:prstGeom prst="rect">
+            <a:avLst/>
+          </a:prstGeom>
+          <a:noFill/>
+        </p:spPr>
+        <p:txBody>
+          <a:bodyPr wrap="none" rtlCol="0">
+            <a:spAutoFit/>
+          </a:bodyPr>
+          <a:lstStyle/>
+          <a:p>
+            <a:r>
+              <a:rPr lang="en-US" dirty="0" smtClean="0"/>
+              <a:t>EXAMPLE.DOCX</a:t>
+            </a:r>
+            <a:endParaRPr lang="en-US" dirty="0"/>
+          </a:p>
+        </p:txBody>
+      </p:sp>
+      <p:sp>
+        <p:nvSpPr>
+          <p:cNvPr id="12" name="TextBox 11"/>
+          <p:cNvSpPr txBox="1"/>
+          <p:nvPr/>
+        </p:nvSpPr>
+        <p:spPr>
+          <a:xfrm>
+            <a:off x="3712059" y="2547702"/>
+            <a:ext cx="1672253" cy="369332"/>
+          </a:xfrm>
+          <a:prstGeom prst="rect">
+            <a:avLst/>
+          </a:prstGeom>
+          <a:noFill/>
+        </p:spPr>
+        <p:txBody>
+          <a:bodyPr wrap="none" rtlCol="0">
+            <a:spAutoFit/>
+          </a:bodyPr>
+          <a:lstStyle/>
+          <a:p>
+            <a:r>
+              <a:rPr lang="en-US" dirty="0" smtClean="0"/>
+              <a:t>EXAMPLE.DOCX</a:t>
+            </a:r>
+            <a:endParaRPr lang="en-US" dirty="0"/>
+          </a:p>
+        </p:txBody>
+      </p:sp>
+      <p:sp>
+        <p:nvSpPr>
+          <p:cNvPr id="13" name="TextBox 12"/>
+          <p:cNvSpPr txBox="1"/>
+          <p:nvPr/>
+        </p:nvSpPr>
+        <p:spPr>
+          <a:xfrm>
+            <a:off x="3712059" y="4053456"/>
+            <a:ext cx="1672253" cy="369332"/>
+          </a:xfrm>
+          <a:prstGeom prst="rect">
+            <a:avLst/>
+          </a:prstGeom>
+          <a:noFill/>
+        </p:spPr>
+        <p:txBody>
+          <a:bodyPr wrap="none" rtlCol="0">
+            <a:spAutoFit/>
+          </a:bodyPr>
+          <a:lstStyle/>
+          <a:p>
+            <a:r>
+              <a:rPr lang="en-US" dirty="0" smtClean="0"/>
+              <a:t>EXAMPLE.DOCX</a:t>
+            </a:r>
+            <a:endParaRPr lang="en-US" dirty="0"/>
+          </a:p>
+        </p:txBody>
+      </p:sp>
+      <p:sp>
+        <p:nvSpPr>
+          <p:cNvPr id="14" name="TextBox 13"/>
+          <p:cNvSpPr txBox="1"/>
+          <p:nvPr/>
+        </p:nvSpPr>
+        <p:spPr>
+          <a:xfrm>
+            <a:off x="8779374" y="1144109"/>
+            <a:ext cx="1598643" cy="369332"/>
+          </a:xfrm>
+          <a:prstGeom prst="rect">
+            <a:avLst/>
+          </a:prstGeom>
+          <a:noFill/>
+        </p:spPr>
+        <p:txBody>
+          <a:bodyPr wrap="none" rtlCol="0">
+            <a:spAutoFit/>
+          </a:bodyPr>
+          <a:lstStyle/>
+          <a:p>
+            <a:r>
+              <a:rPr lang="en-US" dirty="0" smtClean="0"/>
+              <a:t>~WRDXXX.TMP</a:t>
+            </a:r>
+            <a:endParaRPr lang="en-US" dirty="0"/>
+          </a:p>
+        </p:txBody>
+      </p:sp>
+      <p:sp>
+        <p:nvSpPr>
+          <p:cNvPr id="15" name="TextBox 14"/>
+          <p:cNvSpPr txBox="1"/>
+          <p:nvPr/>
+        </p:nvSpPr>
+        <p:spPr>
+          <a:xfrm>
+            <a:off x="8779373" y="2547702"/>
+            <a:ext cx="1598643" cy="369332"/>
+          </a:xfrm>
+          <a:prstGeom prst="rect">
+            <a:avLst/>
+          </a:prstGeom>
+          <a:noFill/>
+        </p:spPr>
+        <p:txBody>
+          <a:bodyPr wrap="none" rtlCol="0">
+            <a:spAutoFit/>
+          </a:bodyPr>
+          <a:lstStyle/>
+          <a:p>
+            <a:r>
+              <a:rPr lang="en-US" dirty="0" smtClean="0"/>
+              <a:t>~WRDXXX.TMP</a:t>
+            </a:r>
+            <a:endParaRPr lang="en-US" dirty="0"/>
+          </a:p>
+        </p:txBody>
+      </p:sp>
+      <p:sp>
+        <p:nvSpPr>
+          <p:cNvPr id="16" name="TextBox 15"/>
+          <p:cNvSpPr txBox="1"/>
+          <p:nvPr/>
+        </p:nvSpPr>
+        <p:spPr>
+          <a:xfrm>
+            <a:off x="8779372" y="4053456"/>
+            <a:ext cx="1598643" cy="369332"/>
+          </a:xfrm>
+          <a:prstGeom prst="rect">
+            <a:avLst/>
+          </a:prstGeom>
+          <a:noFill/>
+        </p:spPr>
+        <p:txBody>
+          <a:bodyPr wrap="none" rtlCol="0">
+            <a:spAutoFit/>
+          </a:bodyPr>
+          <a:lstStyle/>
+          <a:p>
+            <a:r>
+              <a:rPr lang="en-US" dirty="0" smtClean="0"/>
+              <a:t>~WRDXXX.TMP</a:t>
+            </a:r>
+            <a:endParaRPr lang="en-US" dirty="0"/>
+          </a:p>
+        </p:txBody>
+      </p:sp>
+      <p:sp>
+        <p:nvSpPr>
+          <p:cNvPr id="17" name="TextBox 16"/>
+          <p:cNvSpPr txBox="1"/>
+          <p:nvPr/>
+        </p:nvSpPr>
+        <p:spPr>
+          <a:xfrm>
+            <a:off x="5728054" y="1554718"/>
+            <a:ext cx="2744790" cy="369332"/>
+          </a:xfrm>
+          <a:prstGeom prst="rect">
+            <a:avLst/>
+          </a:prstGeom>
+          <a:noFill/>
+        </p:spPr>
+        <p:txBody>
+          <a:bodyPr wrap="none" rtlCol="0">
+            <a:spAutoFit/>
+          </a:bodyPr>
+          <a:lstStyle/>
+          <a:p>
+            <a:r>
+              <a:rPr lang="en-US" dirty="0" err="1" smtClean="0"/>
+              <a:t>Tạo</a:t>
+            </a:r>
+            <a:r>
+              <a:rPr lang="en-US" dirty="0" smtClean="0"/>
+              <a:t> file </a:t>
+            </a:r>
+            <a:r>
+              <a:rPr lang="en-US" dirty="0" err="1" smtClean="0"/>
+              <a:t>tạm</a:t>
+            </a:r>
+            <a:r>
+              <a:rPr lang="en-US" dirty="0" smtClean="0"/>
+              <a:t> ~WRDXXX.TMP</a:t>
+            </a:r>
+            <a:endParaRPr lang="en-US" dirty="0"/>
+          </a:p>
+        </p:txBody>
+      </p:sp>
+      <p:sp>
+        <p:nvSpPr>
+          <p:cNvPr id="18" name="TextBox 17"/>
+          <p:cNvSpPr txBox="1"/>
+          <p:nvPr/>
+        </p:nvSpPr>
+        <p:spPr>
+          <a:xfrm>
+            <a:off x="6215515" y="2684463"/>
+            <a:ext cx="1732654" cy="646331"/>
+          </a:xfrm>
+          <a:prstGeom prst="rect">
+            <a:avLst/>
+          </a:prstGeom>
+          <a:noFill/>
+        </p:spPr>
+        <p:txBody>
+          <a:bodyPr wrap="none" rtlCol="0">
+            <a:spAutoFit/>
+          </a:bodyPr>
+          <a:lstStyle/>
+          <a:p>
+            <a:pPr algn="ctr"/>
+            <a:r>
+              <a:rPr lang="en-US" dirty="0" err="1" smtClean="0"/>
+              <a:t>Cập</a:t>
+            </a:r>
+            <a:r>
+              <a:rPr lang="en-US" dirty="0" smtClean="0"/>
+              <a:t> </a:t>
+            </a:r>
+            <a:r>
+              <a:rPr lang="en-US" dirty="0" err="1" smtClean="0"/>
+              <a:t>nhật</a:t>
+            </a:r>
+            <a:r>
+              <a:rPr lang="en-US" dirty="0" smtClean="0"/>
+              <a:t> </a:t>
+            </a:r>
+            <a:r>
+              <a:rPr lang="en-US" dirty="0" err="1" smtClean="0"/>
+              <a:t>dữ</a:t>
+            </a:r>
+            <a:r>
+              <a:rPr lang="en-US" dirty="0" smtClean="0"/>
+              <a:t> </a:t>
+            </a:r>
+            <a:r>
+              <a:rPr lang="en-US" dirty="0" err="1" smtClean="0"/>
+              <a:t>liệu</a:t>
+            </a:r>
+            <a:endParaRPr lang="en-US" dirty="0" smtClean="0"/>
+          </a:p>
+          <a:p>
+            <a:pPr algn="ctr"/>
+            <a:r>
+              <a:rPr lang="en-US" dirty="0" err="1"/>
+              <a:t>t</a:t>
+            </a:r>
+            <a:r>
+              <a:rPr lang="en-US" dirty="0" err="1" smtClean="0"/>
+              <a:t>rên</a:t>
+            </a:r>
+            <a:r>
+              <a:rPr lang="en-US" dirty="0" smtClean="0"/>
+              <a:t> file </a:t>
+            </a:r>
+            <a:r>
+              <a:rPr lang="en-US" dirty="0" err="1" smtClean="0"/>
+              <a:t>tạm</a:t>
+            </a:r>
+            <a:endParaRPr lang="en-US" dirty="0"/>
+          </a:p>
+        </p:txBody>
+      </p:sp>
+      <p:sp>
+        <p:nvSpPr>
+          <p:cNvPr id="19" name="TextBox 18"/>
+          <p:cNvSpPr txBox="1"/>
+          <p:nvPr/>
+        </p:nvSpPr>
+        <p:spPr>
+          <a:xfrm>
+            <a:off x="5843176" y="4026498"/>
+            <a:ext cx="2505301" cy="923330"/>
+          </a:xfrm>
+          <a:prstGeom prst="rect">
+            <a:avLst/>
+          </a:prstGeom>
+          <a:noFill/>
+        </p:spPr>
+        <p:txBody>
+          <a:bodyPr wrap="none" rtlCol="0">
+            <a:spAutoFit/>
+          </a:bodyPr>
+          <a:lstStyle/>
+          <a:p>
+            <a:pPr algn="ctr"/>
+            <a:r>
+              <a:rPr lang="en-US" dirty="0" err="1" smtClean="0"/>
+              <a:t>Xóa</a:t>
+            </a:r>
+            <a:r>
+              <a:rPr lang="en-US" dirty="0" smtClean="0"/>
+              <a:t> file EXAMPLE.DOCX</a:t>
+            </a:r>
+          </a:p>
+          <a:p>
+            <a:pPr algn="ctr"/>
+            <a:r>
+              <a:rPr lang="en-US" dirty="0" err="1" smtClean="0"/>
+              <a:t>Và</a:t>
+            </a:r>
+            <a:r>
+              <a:rPr lang="en-US" dirty="0" smtClean="0"/>
+              <a:t> </a:t>
+            </a:r>
+            <a:r>
+              <a:rPr lang="en-US" dirty="0" err="1" smtClean="0"/>
+              <a:t>đổi</a:t>
+            </a:r>
+            <a:r>
+              <a:rPr lang="en-US" dirty="0" smtClean="0"/>
+              <a:t> </a:t>
+            </a:r>
+            <a:r>
+              <a:rPr lang="en-US" dirty="0" err="1" smtClean="0"/>
+              <a:t>tên</a:t>
+            </a:r>
+            <a:r>
+              <a:rPr lang="en-US" dirty="0" smtClean="0"/>
+              <a:t> file </a:t>
+            </a:r>
+            <a:r>
+              <a:rPr lang="en-US" dirty="0" err="1" smtClean="0"/>
+              <a:t>tạm</a:t>
+            </a:r>
+            <a:r>
+              <a:rPr lang="en-US" dirty="0" smtClean="0"/>
+              <a:t> </a:t>
+            </a:r>
+            <a:r>
+              <a:rPr lang="en-US" dirty="0" err="1" smtClean="0"/>
+              <a:t>thành</a:t>
+            </a:r>
+            <a:endParaRPr lang="en-US" dirty="0" smtClean="0"/>
+          </a:p>
+          <a:p>
+            <a:pPr algn="ctr"/>
+            <a:r>
+              <a:rPr lang="en-US" dirty="0" smtClean="0"/>
+              <a:t>EXAMPLE.DOCX</a:t>
+            </a:r>
+            <a:endParaRPr lang="en-US" dirty="0"/>
+          </a:p>
+        </p:txBody>
+      </p:sp>
+      <p:cxnSp>
+        <p:nvCxnSpPr>
+          <p:cNvPr id="21" name="Straight Arrow Connector 20"/>
+          <p:cNvCxnSpPr/>
+          <p:nvPr/>
+        </p:nvCxnSpPr>
+        <p:spPr>
+          <a:xfrm>
+            <a:off x="5384312" y="2057400"/>
+            <a:ext cx="3395060" cy="0"/>
+          </a:xfrm>
+          <a:prstGeom prst="straightConnector1">
+            <a:avLst/>
+          </a:prstGeom>
+          <a:ln w="50800">
+            <a:tailEnd type="triangle"/>
+          </a:ln>
+        </p:spPr>
+        <p:style>
+          <a:lnRef idx="1">
+            <a:schemeClr val="accent1"/>
+          </a:lnRef>
+          <a:fillRef idx="0">
+            <a:schemeClr val="accent1"/>
+          </a:fillRef>
+          <a:effectRef idx="0">
+            <a:schemeClr val="accent1"/>
+          </a:effectRef>
+          <a:fontRef idx="minor">
+            <a:schemeClr val="tx1"/>
+          </a:fontRef>
+        </p:style>
+      </p:cxnSp>
+      <p:cxnSp>
+        <p:nvCxnSpPr>
+          <p:cNvPr id="22" name="Straight Arrow Connector 21"/>
+          <p:cNvCxnSpPr/>
+          <p:nvPr/>
+        </p:nvCxnSpPr>
+        <p:spPr>
+          <a:xfrm>
+            <a:off x="5407521" y="3449636"/>
+            <a:ext cx="3395060" cy="0"/>
+          </a:xfrm>
+          <a:prstGeom prst="straightConnector1">
+            <a:avLst/>
+          </a:prstGeom>
+          <a:ln w="50800">
+            <a:tailEnd type="triangle"/>
+          </a:ln>
+        </p:spPr>
+        <p:style>
+          <a:lnRef idx="1">
+            <a:schemeClr val="accent1"/>
+          </a:lnRef>
+          <a:fillRef idx="0">
+            <a:schemeClr val="accent1"/>
+          </a:fillRef>
+          <a:effectRef idx="0">
+            <a:schemeClr val="accent1"/>
+          </a:effectRef>
+          <a:fontRef idx="minor">
+            <a:schemeClr val="tx1"/>
+          </a:fontRef>
+        </p:style>
+      </p:cxnSp>
+      <p:cxnSp>
+        <p:nvCxnSpPr>
+          <p:cNvPr id="23" name="Straight Arrow Connector 22"/>
+          <p:cNvCxnSpPr/>
+          <p:nvPr/>
+        </p:nvCxnSpPr>
+        <p:spPr>
+          <a:xfrm flipH="1">
+            <a:off x="5382237" y="5028700"/>
+            <a:ext cx="3397135" cy="0"/>
+          </a:xfrm>
+          <a:prstGeom prst="straightConnector1">
+            <a:avLst/>
+          </a:prstGeom>
+          <a:ln w="50800">
+            <a:tailEnd type="triangle"/>
+          </a:ln>
+        </p:spPr>
+        <p:style>
+          <a:lnRef idx="1">
+            <a:schemeClr val="accent1"/>
+          </a:lnRef>
+          <a:fillRef idx="0">
+            <a:schemeClr val="accent1"/>
+          </a:fillRef>
+          <a:effectRef idx="0">
+            <a:schemeClr val="accent1"/>
+          </a:effectRef>
+          <a:fontRef idx="minor">
+            <a:schemeClr val="tx1"/>
+          </a:fontRef>
+        </p:style>
+      </p:cxnSp>
+      <p:sp>
+        <p:nvSpPr>
+          <p:cNvPr id="24" name="TextBox 23"/>
+          <p:cNvSpPr txBox="1"/>
+          <p:nvPr/>
+        </p:nvSpPr>
+        <p:spPr>
+          <a:xfrm>
+            <a:off x="6868241" y="2174644"/>
+            <a:ext cx="301686" cy="369332"/>
+          </a:xfrm>
+          <a:prstGeom prst="rect">
+            <a:avLst/>
+          </a:prstGeom>
+          <a:noFill/>
+        </p:spPr>
+        <p:txBody>
+          <a:bodyPr wrap="none" rtlCol="0">
+            <a:spAutoFit/>
+          </a:bodyPr>
+          <a:lstStyle/>
+          <a:p>
+            <a:r>
+              <a:rPr lang="en-US" dirty="0" smtClean="0"/>
+              <a:t>1</a:t>
+            </a:r>
+            <a:endParaRPr lang="en-US" dirty="0"/>
+          </a:p>
+        </p:txBody>
+      </p:sp>
+      <p:sp>
+        <p:nvSpPr>
+          <p:cNvPr id="25" name="TextBox 24"/>
+          <p:cNvSpPr txBox="1"/>
+          <p:nvPr/>
+        </p:nvSpPr>
+        <p:spPr>
+          <a:xfrm>
+            <a:off x="6870904" y="3488502"/>
+            <a:ext cx="301686" cy="369332"/>
+          </a:xfrm>
+          <a:prstGeom prst="rect">
+            <a:avLst/>
+          </a:prstGeom>
+          <a:noFill/>
+        </p:spPr>
+        <p:txBody>
+          <a:bodyPr wrap="none" rtlCol="0">
+            <a:spAutoFit/>
+          </a:bodyPr>
+          <a:lstStyle/>
+          <a:p>
+            <a:r>
+              <a:rPr lang="en-US" dirty="0" smtClean="0"/>
+              <a:t>2</a:t>
+            </a:r>
+            <a:endParaRPr lang="en-US" dirty="0"/>
+          </a:p>
+        </p:txBody>
+      </p:sp>
+      <p:sp>
+        <p:nvSpPr>
+          <p:cNvPr id="26" name="TextBox 25"/>
+          <p:cNvSpPr txBox="1"/>
+          <p:nvPr/>
+        </p:nvSpPr>
+        <p:spPr>
+          <a:xfrm>
+            <a:off x="6868241" y="5050922"/>
+            <a:ext cx="301686" cy="369332"/>
+          </a:xfrm>
+          <a:prstGeom prst="rect">
+            <a:avLst/>
+          </a:prstGeom>
+          <a:noFill/>
+        </p:spPr>
+        <p:txBody>
+          <a:bodyPr wrap="none" rtlCol="0">
+            <a:spAutoFit/>
+          </a:bodyPr>
+          <a:lstStyle/>
+          <a:p>
+            <a:r>
+              <a:rPr lang="en-US" dirty="0" smtClean="0"/>
+              <a:t>3</a:t>
+            </a:r>
+            <a:endParaRPr lang="en-US" dirty="0"/>
+          </a:p>
+        </p:txBody>
+      </p:sp>
+      <p:cxnSp>
+        <p:nvCxnSpPr>
+          <p:cNvPr id="28" name="Straight Connector 27"/>
+          <p:cNvCxnSpPr/>
+          <p:nvPr/>
+        </p:nvCxnSpPr>
+        <p:spPr>
+          <a:xfrm>
+            <a:off x="3642427" y="4488163"/>
+            <a:ext cx="1678171" cy="847875"/>
+          </a:xfrm>
+          <a:prstGeom prst="line">
+            <a:avLst/>
+          </a:prstGeom>
+          <a:ln w="28575">
+            <a:solidFill>
+              <a:srgbClr val="FF0000"/>
+            </a:solidFill>
+          </a:ln>
+        </p:spPr>
+        <p:style>
+          <a:lnRef idx="1">
+            <a:schemeClr val="accent1"/>
+          </a:lnRef>
+          <a:fillRef idx="0">
+            <a:schemeClr val="accent1"/>
+          </a:fillRef>
+          <a:effectRef idx="0">
+            <a:schemeClr val="accent1"/>
+          </a:effectRef>
+          <a:fontRef idx="minor">
+            <a:schemeClr val="tx1"/>
+          </a:fontRef>
+        </p:style>
+      </p:cxnSp>
+      <p:cxnSp>
+        <p:nvCxnSpPr>
+          <p:cNvPr id="30" name="Straight Connector 29"/>
+          <p:cNvCxnSpPr/>
+          <p:nvPr/>
+        </p:nvCxnSpPr>
+        <p:spPr>
+          <a:xfrm flipV="1">
+            <a:off x="3642427" y="4488163"/>
+            <a:ext cx="1678171" cy="847875"/>
+          </a:xfrm>
+          <a:prstGeom prst="line">
+            <a:avLst/>
+          </a:prstGeom>
+          <a:ln w="28575">
+            <a:solidFill>
+              <a:srgbClr val="FF0000"/>
+            </a:solidFill>
+          </a:ln>
+        </p:spPr>
+        <p:style>
+          <a:lnRef idx="1">
+            <a:schemeClr val="accent1"/>
+          </a:lnRef>
+          <a:fillRef idx="0">
+            <a:schemeClr val="accent1"/>
+          </a:fillRef>
+          <a:effectRef idx="0">
+            <a:schemeClr val="accent1"/>
+          </a:effectRef>
+          <a:fontRef idx="minor">
+            <a:schemeClr val="tx1"/>
+          </a:fontRef>
+        </p:style>
+      </p:cxnSp>
+      <p:cxnSp>
+        <p:nvCxnSpPr>
+          <p:cNvPr id="37" name="Straight Connector 36"/>
+          <p:cNvCxnSpPr/>
+          <p:nvPr/>
+        </p:nvCxnSpPr>
+        <p:spPr>
+          <a:xfrm flipV="1">
+            <a:off x="8779372" y="4089524"/>
+            <a:ext cx="1575434" cy="395133"/>
+          </a:xfrm>
+          <a:prstGeom prst="line">
+            <a:avLst/>
+          </a:prstGeom>
+          <a:ln w="28575">
+            <a:solidFill>
+              <a:srgbClr val="FF0000"/>
+            </a:solidFill>
+          </a:ln>
+        </p:spPr>
+        <p:style>
+          <a:lnRef idx="1">
+            <a:schemeClr val="accent1"/>
+          </a:lnRef>
+          <a:fillRef idx="0">
+            <a:schemeClr val="accent1"/>
+          </a:fillRef>
+          <a:effectRef idx="0">
+            <a:schemeClr val="accent1"/>
+          </a:effectRef>
+          <a:fontRef idx="minor">
+            <a:schemeClr val="tx1"/>
+          </a:fontRef>
+        </p:style>
+      </p:cxnSp>
+      <p:cxnSp>
+        <p:nvCxnSpPr>
+          <p:cNvPr id="39" name="Straight Connector 38"/>
+          <p:cNvCxnSpPr/>
+          <p:nvPr/>
+        </p:nvCxnSpPr>
+        <p:spPr>
+          <a:xfrm flipH="1" flipV="1">
+            <a:off x="8779372" y="4093196"/>
+            <a:ext cx="1575434" cy="378761"/>
+          </a:xfrm>
+          <a:prstGeom prst="line">
+            <a:avLst/>
+          </a:prstGeom>
+          <a:ln w="28575">
+            <a:solidFill>
+              <a:srgbClr val="FF0000"/>
+            </a:solidFill>
+          </a:ln>
+        </p:spPr>
+        <p:style>
+          <a:lnRef idx="1">
+            <a:schemeClr val="accent1"/>
+          </a:lnRef>
+          <a:fillRef idx="0">
+            <a:schemeClr val="accent1"/>
+          </a:fillRef>
+          <a:effectRef idx="0">
+            <a:schemeClr val="accent1"/>
+          </a:effectRef>
+          <a:fontRef idx="minor">
+            <a:schemeClr val="tx1"/>
+          </a:fontRef>
+        </p:style>
+      </p:cxnSp>
+    </p:spTree>
+    <p:extLst>
+      <p:ext uri="{BB962C8B-B14F-4D97-AF65-F5344CB8AC3E}">
+        <p14:creationId xmlns:p14="http://schemas.microsoft.com/office/powerpoint/2010/main" val="3564868569"/>
+      </p:ext>
+    </p:extLst>
+  </p:cSld>
+  <p:clrMapOvr>
+    <a:masterClrMapping/>
+  </p:clrMapOvr>
+</p:sld>
+</file>
+
 <file path=ppt/slides/slide2.xml><?xml version="1.0" encoding="utf-8"?>
 <p:sld xmlns:a="http://schemas.openxmlformats.org/drawingml/2006/main" xmlns:r="http://schemas.openxmlformats.org/officeDocument/2006/relationships" xmlns:p="http://schemas.openxmlformats.org/presentationml/2006/main">
   <p:cSld>
@@ -13954,7 +14765,7 @@
         <p:spPr>
           <a:xfrm>
             <a:off x="7895575" y="374006"/>
-            <a:ext cx="2124428" cy="461665"/>
+            <a:ext cx="2191754" cy="461665"/>
           </a:xfrm>
           <a:prstGeom prst="rect">
             <a:avLst/>
@@ -13975,7 +14786,7 @@
                   </a:schemeClr>
                 </a:solidFill>
               </a:rPr>
-              <a:t>My Application</a:t>
+              <a:t>Our Application</a:t>
             </a:r>
           </a:p>
         </p:txBody>
@@ -14079,8 +14890,8 @@
         </p:nvSpPr>
         <p:spPr>
           <a:xfrm>
-            <a:off x="7582487" y="3233828"/>
-            <a:ext cx="2146507" cy="1561513"/>
+            <a:off x="7582487" y="3212032"/>
+            <a:ext cx="2146507" cy="1582336"/>
           </a:xfrm>
           <a:prstGeom prst="ellipse">
             <a:avLst/>
@@ -14141,41 +14952,6 @@
           </a:p>
         </p:txBody>
       </p:sp>
-      <p:cxnSp>
-        <p:nvCxnSpPr>
-          <p:cNvPr id="34" name="Straight Arrow Connector 33"/>
-          <p:cNvCxnSpPr>
-            <a:endCxn id="32" idx="2"/>
-          </p:cNvCxnSpPr>
-          <p:nvPr/>
-        </p:nvCxnSpPr>
-        <p:spPr>
-          <a:xfrm>
-            <a:off x="5338580" y="4010526"/>
-            <a:ext cx="2243907" cy="4059"/>
-          </a:xfrm>
-          <a:prstGeom prst="straightConnector1">
-            <a:avLst/>
-          </a:prstGeom>
-          <a:ln w="76200">
-            <a:tailEnd type="triangle"/>
-          </a:ln>
-        </p:spPr>
-        <p:style>
-          <a:lnRef idx="1">
-            <a:schemeClr val="accent1"/>
-          </a:lnRef>
-          <a:fillRef idx="0">
-            <a:schemeClr val="accent1"/>
-          </a:fillRef>
-          <a:effectRef idx="0">
-            <a:schemeClr val="accent1"/>
-          </a:effectRef>
-          <a:fontRef idx="minor">
-            <a:schemeClr val="tx1"/>
-          </a:fontRef>
-        </p:style>
-      </p:cxnSp>
       <p:cxnSp>
         <p:nvCxnSpPr>
           <p:cNvPr id="3" name="Straight Arrow Connector 2"/>
@@ -14486,6 +15262,40 @@
           </a:p>
         </p:txBody>
       </p:sp>
+      <p:cxnSp>
+        <p:nvCxnSpPr>
+          <p:cNvPr id="8" name="Straight Arrow Connector 7"/>
+          <p:cNvCxnSpPr/>
+          <p:nvPr/>
+        </p:nvCxnSpPr>
+        <p:spPr>
+          <a:xfrm flipH="1" flipV="1">
+            <a:off x="5365454" y="3994772"/>
+            <a:ext cx="2244657" cy="8428"/>
+          </a:xfrm>
+          <a:prstGeom prst="straightConnector1">
+            <a:avLst/>
+          </a:prstGeom>
+          <a:ln w="76200">
+            <a:headEnd type="triangle"/>
+            <a:tailEnd type="triangle"/>
+          </a:ln>
+        </p:spPr>
+        <p:style>
+          <a:lnRef idx="1">
+            <a:schemeClr val="accent1"/>
+          </a:lnRef>
+          <a:fillRef idx="0">
+            <a:schemeClr val="accent1"/>
+          </a:fillRef>
+          <a:effectRef idx="0">
+            <a:schemeClr val="accent1"/>
+          </a:effectRef>
+          <a:fontRef idx="minor">
+            <a:schemeClr val="tx1"/>
+          </a:fontRef>
+        </p:style>
+      </p:cxnSp>
     </p:spTree>
     <p:extLst>
       <p:ext uri="{BB962C8B-B14F-4D97-AF65-F5344CB8AC3E}">
@@ -15016,7 +15826,7 @@
                             </p:stCondLst>
                             <p:childTnLst>
                               <p:par>
-                                <p:cTn id="48" presetID="2" presetClass="entr" presetSubtype="4" fill="hold" nodeType="clickEffect">
+                                <p:cTn id="48" presetID="10" presetClass="entr" presetSubtype="0" fill="hold" grpId="0" nodeType="clickEffect">
                                   <p:stCondLst>
                                     <p:cond delay="0"/>
                                   </p:stCondLst>
@@ -15024,97 +15834,6 @@
                                     <p:set>
                                       <p:cBhvr>
                                         <p:cTn id="49" dur="1" fill="hold">
-                                          <p:stCondLst>
-                                            <p:cond delay="0"/>
-                                          </p:stCondLst>
-                                        </p:cTn>
-                                        <p:tgtEl>
-                                          <p:spTgt spid="34"/>
-                                        </p:tgtEl>
-                                        <p:attrNameLst>
-                                          <p:attrName>style.visibility</p:attrName>
-                                        </p:attrNameLst>
-                                      </p:cBhvr>
-                                      <p:to>
-                                        <p:strVal val="visible"/>
-                                      </p:to>
-                                    </p:set>
-                                    <p:anim calcmode="lin" valueType="num">
-                                      <p:cBhvr additive="base">
-                                        <p:cTn id="50" dur="500" fill="hold"/>
-                                        <p:tgtEl>
-                                          <p:spTgt spid="34"/>
-                                        </p:tgtEl>
-                                        <p:attrNameLst>
-                                          <p:attrName>ppt_x</p:attrName>
-                                        </p:attrNameLst>
-                                      </p:cBhvr>
-                                      <p:tavLst>
-                                        <p:tav tm="0">
-                                          <p:val>
-                                            <p:strVal val="#ppt_x"/>
-                                          </p:val>
-                                        </p:tav>
-                                        <p:tav tm="100000">
-                                          <p:val>
-                                            <p:strVal val="#ppt_x"/>
-                                          </p:val>
-                                        </p:tav>
-                                      </p:tavLst>
-                                    </p:anim>
-                                    <p:anim calcmode="lin" valueType="num">
-                                      <p:cBhvr additive="base">
-                                        <p:cTn id="51" dur="500" fill="hold"/>
-                                        <p:tgtEl>
-                                          <p:spTgt spid="34"/>
-                                        </p:tgtEl>
-                                        <p:attrNameLst>
-                                          <p:attrName>ppt_y</p:attrName>
-                                        </p:attrNameLst>
-                                      </p:cBhvr>
-                                      <p:tavLst>
-                                        <p:tav tm="0">
-                                          <p:val>
-                                            <p:strVal val="1+#ppt_h/2"/>
-                                          </p:val>
-                                        </p:tav>
-                                        <p:tav tm="100000">
-                                          <p:val>
-                                            <p:strVal val="#ppt_y"/>
-                                          </p:val>
-                                        </p:tav>
-                                      </p:tavLst>
-                                    </p:anim>
-                                  </p:childTnLst>
-                                </p:cTn>
-                              </p:par>
-                            </p:childTnLst>
-                          </p:cTn>
-                        </p:par>
-                      </p:childTnLst>
-                    </p:cTn>
-                  </p:par>
-                  <p:par>
-                    <p:cTn id="52" fill="hold">
-                      <p:stCondLst>
-                        <p:cond delay="indefinite"/>
-                      </p:stCondLst>
-                      <p:childTnLst>
-                        <p:par>
-                          <p:cTn id="53" fill="hold">
-                            <p:stCondLst>
-                              <p:cond delay="0"/>
-                            </p:stCondLst>
-                            <p:childTnLst>
-                              <p:par>
-                                <p:cTn id="54" presetID="10" presetClass="entr" presetSubtype="0" fill="hold" grpId="0" nodeType="clickEffect">
-                                  <p:stCondLst>
-                                    <p:cond delay="0"/>
-                                  </p:stCondLst>
-                                  <p:childTnLst>
-                                    <p:set>
-                                      <p:cBhvr>
-                                        <p:cTn id="55" dur="1" fill="hold">
                                           <p:stCondLst>
                                             <p:cond delay="0"/>
                                           </p:stCondLst>
@@ -15132,7 +15851,7 @@
                                     </p:set>
                                     <p:animEffect transition="in" filter="fade">
                                       <p:cBhvr>
-                                        <p:cTn id="56" dur="500"/>
+                                        <p:cTn id="50" dur="500"/>
                                         <p:tgtEl>
                                           <p:spTgt spid="32"/>
                                         </p:tgtEl>
@@ -15148,26 +15867,26 @@
                     </p:cTn>
                   </p:par>
                   <p:par>
-                    <p:cTn id="57" fill="hold">
+                    <p:cTn id="51" fill="hold">
                       <p:stCondLst>
                         <p:cond delay="indefinite"/>
                       </p:stCondLst>
                       <p:childTnLst>
                         <p:par>
-                          <p:cTn id="58" fill="hold">
+                          <p:cTn id="52" fill="hold">
                             <p:stCondLst>
                               <p:cond delay="0"/>
                             </p:stCondLst>
                             <p:childTnLst>
                               <p:par>
-                                <p:cTn id="59" presetID="10" presetClass="entr" presetSubtype="0" fill="hold" nodeType="clickEffect">
+                                <p:cTn id="53" presetID="10" presetClass="entr" presetSubtype="0" fill="hold" nodeType="clickEffect">
                                   <p:stCondLst>
                                     <p:cond delay="0"/>
                                   </p:stCondLst>
                                   <p:childTnLst>
                                     <p:set>
                                       <p:cBhvr>
-                                        <p:cTn id="60" dur="1" fill="hold">
+                                        <p:cTn id="54" dur="1" fill="hold">
                                           <p:stCondLst>
                                             <p:cond delay="0"/>
                                           </p:stCondLst>
@@ -15185,7 +15904,7 @@
                                     </p:set>
                                     <p:animEffect transition="in" filter="fade">
                                       <p:cBhvr>
-                                        <p:cTn id="61" dur="500"/>
+                                        <p:cTn id="55" dur="500"/>
                                         <p:tgtEl>
                                           <p:spTgt spid="42"/>
                                         </p:tgtEl>
@@ -15201,26 +15920,26 @@
                     </p:cTn>
                   </p:par>
                   <p:par>
-                    <p:cTn id="62" fill="hold">
+                    <p:cTn id="56" fill="hold">
                       <p:stCondLst>
                         <p:cond delay="indefinite"/>
                       </p:stCondLst>
                       <p:childTnLst>
                         <p:par>
-                          <p:cTn id="63" fill="hold">
+                          <p:cTn id="57" fill="hold">
                             <p:stCondLst>
                               <p:cond delay="0"/>
                             </p:stCondLst>
                             <p:childTnLst>
                               <p:par>
-                                <p:cTn id="64" presetID="1" presetClass="exit" presetSubtype="0" fill="hold" nodeType="clickEffect">
+                                <p:cTn id="58" presetID="1" presetClass="exit" presetSubtype="0" fill="hold" nodeType="clickEffect">
                                   <p:stCondLst>
                                     <p:cond delay="0"/>
                                   </p:stCondLst>
                                   <p:childTnLst>
                                     <p:set>
                                       <p:cBhvr>
-                                        <p:cTn id="65" dur="1" fill="hold">
+                                        <p:cTn id="59" dur="1" fill="hold">
                                           <p:stCondLst>
                                             <p:cond delay="0"/>
                                           </p:stCondLst>
@@ -15769,8 +16488,8 @@
         </p:nvSpPr>
         <p:spPr>
           <a:xfrm>
-            <a:off x="8007643" y="343744"/>
-            <a:ext cx="2124428" cy="461665"/>
+            <a:off x="8406108" y="329608"/>
+            <a:ext cx="2191754" cy="461665"/>
           </a:xfrm>
           <a:prstGeom prst="rect">
             <a:avLst/>
@@ -15791,7 +16510,7 @@
                   </a:schemeClr>
                 </a:solidFill>
               </a:rPr>
-              <a:t>My Application</a:t>
+              <a:t>Our Application</a:t>
             </a:r>
           </a:p>
         </p:txBody>

--- a/Document/SODO.pptx
+++ b/Document/SODO.pptx
@@ -20,6 +20,13 @@
     <p:sldId id="267" r:id="rId14"/>
     <p:sldId id="266" r:id="rId15"/>
     <p:sldId id="270" r:id="rId16"/>
+    <p:sldId id="272" r:id="rId17"/>
+    <p:sldId id="271" r:id="rId18"/>
+    <p:sldId id="273" r:id="rId19"/>
+    <p:sldId id="275" r:id="rId20"/>
+    <p:sldId id="274" r:id="rId21"/>
+    <p:sldId id="276" r:id="rId22"/>
+    <p:sldId id="277" r:id="rId23"/>
   </p:sldIdLst>
   <p:sldSz cx="12192000" cy="6858000"/>
   <p:notesSz cx="7315200" cy="9601200"/>
@@ -2410,30 +2417,6 @@
             </a:rPr>
             <a:t> </a:t>
           </a:r>
-          <a:r>
-            <a:rPr lang="en-US" sz="2400" b="1" dirty="0" err="1" smtClean="0">
-              <a:solidFill>
-                <a:schemeClr val="tx1"/>
-              </a:solidFill>
-            </a:rPr>
-            <a:t>nếu</a:t>
-          </a:r>
-          <a:r>
-            <a:rPr lang="en-US" sz="2400" b="1" dirty="0" smtClean="0">
-              <a:solidFill>
-                <a:schemeClr val="tx1"/>
-              </a:solidFill>
-            </a:rPr>
-            <a:t> </a:t>
-          </a:r>
-          <a:r>
-            <a:rPr lang="en-US" sz="2400" b="1" dirty="0" err="1" smtClean="0">
-              <a:solidFill>
-                <a:schemeClr val="tx1"/>
-              </a:solidFill>
-            </a:rPr>
-            <a:t>cần</a:t>
-          </a:r>
           <a:endParaRPr lang="en-US" sz="2400" b="1" dirty="0">
             <a:solidFill>
               <a:schemeClr val="tx1"/>
@@ -3200,8 +3183,8 @@
       </dsp:nvSpPr>
       <dsp:spPr>
         <a:xfrm>
-          <a:off x="5199" y="1814067"/>
-          <a:ext cx="1611901" cy="1638661"/>
+          <a:off x="5199" y="1991156"/>
+          <a:ext cx="1611901" cy="1284484"/>
         </a:xfrm>
         <a:prstGeom prst="roundRect">
           <a:avLst>
@@ -3368,8 +3351,8 @@
         </a:p>
       </dsp:txBody>
       <dsp:txXfrm>
-        <a:off x="52410" y="1861278"/>
-        <a:ext cx="1517479" cy="1544239"/>
+        <a:off x="42820" y="2028777"/>
+        <a:ext cx="1536659" cy="1209242"/>
       </dsp:txXfrm>
     </dsp:sp>
     <dsp:sp modelId="{9AC38A35-65A6-4E2A-9375-9F879DAFB24A}">
@@ -3470,8 +3453,8 @@
       </dsp:nvSpPr>
       <dsp:spPr>
         <a:xfrm>
-          <a:off x="2261861" y="1814067"/>
-          <a:ext cx="1611901" cy="1638661"/>
+          <a:off x="2261861" y="1991156"/>
+          <a:ext cx="1611901" cy="1284484"/>
         </a:xfrm>
         <a:prstGeom prst="roundRect">
           <a:avLst>
@@ -3630,8 +3613,8 @@
         </a:p>
       </dsp:txBody>
       <dsp:txXfrm>
-        <a:off x="2309072" y="1861278"/>
-        <a:ext cx="1517479" cy="1544239"/>
+        <a:off x="2299482" y="2028777"/>
+        <a:ext cx="1536659" cy="1209242"/>
       </dsp:txXfrm>
     </dsp:sp>
     <dsp:sp modelId="{CF86D8C3-DE2A-4AC0-BB68-72F0F5BB6795}">
@@ -3732,8 +3715,8 @@
       </dsp:nvSpPr>
       <dsp:spPr>
         <a:xfrm>
-          <a:off x="4518524" y="1814067"/>
-          <a:ext cx="1611901" cy="1638661"/>
+          <a:off x="4518524" y="1991156"/>
+          <a:ext cx="1611901" cy="1284484"/>
         </a:xfrm>
         <a:prstGeom prst="roundRect">
           <a:avLst>
@@ -3868,8 +3851,8 @@
         </a:p>
       </dsp:txBody>
       <dsp:txXfrm>
-        <a:off x="4565735" y="1861278"/>
-        <a:ext cx="1517479" cy="1544239"/>
+        <a:off x="4556145" y="2028777"/>
+        <a:ext cx="1536659" cy="1209242"/>
       </dsp:txXfrm>
     </dsp:sp>
     <dsp:sp modelId="{37C3A99B-8F9B-48C4-AFDA-9D3D1C168B65}">
@@ -3970,8 +3953,8 @@
       </dsp:nvSpPr>
       <dsp:spPr>
         <a:xfrm>
-          <a:off x="6775186" y="1814067"/>
-          <a:ext cx="1611901" cy="1638661"/>
+          <a:off x="6775186" y="1991156"/>
+          <a:ext cx="1611901" cy="1284484"/>
         </a:xfrm>
         <a:prstGeom prst="roundRect">
           <a:avLst>
@@ -4122,8 +4105,8 @@
         </a:p>
       </dsp:txBody>
       <dsp:txXfrm>
-        <a:off x="6822397" y="1861278"/>
-        <a:ext cx="1517479" cy="1544239"/>
+        <a:off x="6812807" y="2028777"/>
+        <a:ext cx="1536659" cy="1209242"/>
       </dsp:txXfrm>
     </dsp:sp>
     <dsp:sp modelId="{EAF73945-FD18-4215-8541-C94A34E55B2E}">
@@ -4224,8 +4207,8 @@
       </dsp:nvSpPr>
       <dsp:spPr>
         <a:xfrm>
-          <a:off x="9031848" y="1814067"/>
-          <a:ext cx="1611901" cy="1638661"/>
+          <a:off x="9031848" y="1991156"/>
+          <a:ext cx="1611901" cy="1284484"/>
         </a:xfrm>
         <a:prstGeom prst="roundRect">
           <a:avLst>
@@ -4400,30 +4383,6 @@
             </a:rPr>
             <a:t> </a:t>
           </a:r>
-          <a:r>
-            <a:rPr lang="en-US" sz="2400" b="1" kern="1200" dirty="0" err="1" smtClean="0">
-              <a:solidFill>
-                <a:schemeClr val="tx1"/>
-              </a:solidFill>
-            </a:rPr>
-            <a:t>nếu</a:t>
-          </a:r>
-          <a:r>
-            <a:rPr lang="en-US" sz="2400" b="1" kern="1200" dirty="0" smtClean="0">
-              <a:solidFill>
-                <a:schemeClr val="tx1"/>
-              </a:solidFill>
-            </a:rPr>
-            <a:t> </a:t>
-          </a:r>
-          <a:r>
-            <a:rPr lang="en-US" sz="2400" b="1" kern="1200" dirty="0" err="1" smtClean="0">
-              <a:solidFill>
-                <a:schemeClr val="tx1"/>
-              </a:solidFill>
-            </a:rPr>
-            <a:t>cần</a:t>
-          </a:r>
           <a:endParaRPr lang="en-US" sz="2400" b="1" kern="1200" dirty="0">
             <a:solidFill>
               <a:schemeClr val="tx1"/>
@@ -4432,8 +4391,8 @@
         </a:p>
       </dsp:txBody>
       <dsp:txXfrm>
-        <a:off x="9079059" y="1861278"/>
-        <a:ext cx="1517479" cy="1544239"/>
+        <a:off x="9069469" y="2028777"/>
+        <a:ext cx="1536659" cy="1209242"/>
       </dsp:txXfrm>
     </dsp:sp>
   </dsp:spTree>
@@ -7080,7 +7039,7 @@
           <a:p>
             <a:fld id="{16D2D749-03DE-4EC2-8C00-F102FCD2936A}" type="datetimeFigureOut">
               <a:rPr lang="en-US" smtClean="0"/>
-              <a:t>7/4/2015</a:t>
+              <a:t>7/11/2015</a:t>
             </a:fld>
             <a:endParaRPr lang="en-US"/>
           </a:p>
@@ -7250,7 +7209,7 @@
           <a:p>
             <a:fld id="{16D2D749-03DE-4EC2-8C00-F102FCD2936A}" type="datetimeFigureOut">
               <a:rPr lang="en-US" smtClean="0"/>
-              <a:t>7/4/2015</a:t>
+              <a:t>7/11/2015</a:t>
             </a:fld>
             <a:endParaRPr lang="en-US"/>
           </a:p>
@@ -7430,7 +7389,7 @@
           <a:p>
             <a:fld id="{16D2D749-03DE-4EC2-8C00-F102FCD2936A}" type="datetimeFigureOut">
               <a:rPr lang="en-US" smtClean="0"/>
-              <a:t>7/4/2015</a:t>
+              <a:t>7/11/2015</a:t>
             </a:fld>
             <a:endParaRPr lang="en-US"/>
           </a:p>
@@ -7600,7 +7559,7 @@
           <a:p>
             <a:fld id="{16D2D749-03DE-4EC2-8C00-F102FCD2936A}" type="datetimeFigureOut">
               <a:rPr lang="en-US" smtClean="0"/>
-              <a:t>7/4/2015</a:t>
+              <a:t>7/11/2015</a:t>
             </a:fld>
             <a:endParaRPr lang="en-US"/>
           </a:p>
@@ -7846,7 +7805,7 @@
           <a:p>
             <a:fld id="{16D2D749-03DE-4EC2-8C00-F102FCD2936A}" type="datetimeFigureOut">
               <a:rPr lang="en-US" smtClean="0"/>
-              <a:t>7/4/2015</a:t>
+              <a:t>7/11/2015</a:t>
             </a:fld>
             <a:endParaRPr lang="en-US"/>
           </a:p>
@@ -8078,7 +8037,7 @@
           <a:p>
             <a:fld id="{16D2D749-03DE-4EC2-8C00-F102FCD2936A}" type="datetimeFigureOut">
               <a:rPr lang="en-US" smtClean="0"/>
-              <a:t>7/4/2015</a:t>
+              <a:t>7/11/2015</a:t>
             </a:fld>
             <a:endParaRPr lang="en-US"/>
           </a:p>
@@ -8445,7 +8404,7 @@
           <a:p>
             <a:fld id="{16D2D749-03DE-4EC2-8C00-F102FCD2936A}" type="datetimeFigureOut">
               <a:rPr lang="en-US" smtClean="0"/>
-              <a:t>7/4/2015</a:t>
+              <a:t>7/11/2015</a:t>
             </a:fld>
             <a:endParaRPr lang="en-US"/>
           </a:p>
@@ -8563,7 +8522,7 @@
           <a:p>
             <a:fld id="{16D2D749-03DE-4EC2-8C00-F102FCD2936A}" type="datetimeFigureOut">
               <a:rPr lang="en-US" smtClean="0"/>
-              <a:t>7/4/2015</a:t>
+              <a:t>7/11/2015</a:t>
             </a:fld>
             <a:endParaRPr lang="en-US"/>
           </a:p>
@@ -8658,7 +8617,7 @@
           <a:p>
             <a:fld id="{16D2D749-03DE-4EC2-8C00-F102FCD2936A}" type="datetimeFigureOut">
               <a:rPr lang="en-US" smtClean="0"/>
-              <a:t>7/4/2015</a:t>
+              <a:t>7/11/2015</a:t>
             </a:fld>
             <a:endParaRPr lang="en-US"/>
           </a:p>
@@ -8935,7 +8894,7 @@
           <a:p>
             <a:fld id="{16D2D749-03DE-4EC2-8C00-F102FCD2936A}" type="datetimeFigureOut">
               <a:rPr lang="en-US" smtClean="0"/>
-              <a:t>7/4/2015</a:t>
+              <a:t>7/11/2015</a:t>
             </a:fld>
             <a:endParaRPr lang="en-US"/>
           </a:p>
@@ -9188,7 +9147,7 @@
           <a:p>
             <a:fld id="{16D2D749-03DE-4EC2-8C00-F102FCD2936A}" type="datetimeFigureOut">
               <a:rPr lang="en-US" smtClean="0"/>
-              <a:t>7/4/2015</a:t>
+              <a:t>7/11/2015</a:t>
             </a:fld>
             <a:endParaRPr lang="en-US"/>
           </a:p>
@@ -9401,7 +9360,7 @@
           <a:p>
             <a:fld id="{16D2D749-03DE-4EC2-8C00-F102FCD2936A}" type="datetimeFigureOut">
               <a:rPr lang="en-US" smtClean="0"/>
-              <a:t>7/4/2015</a:t>
+              <a:t>7/11/2015</a:t>
             </a:fld>
             <a:endParaRPr lang="en-US"/>
           </a:p>
@@ -9813,7 +9772,7 @@
           <p:nvPr>
             <p:extLst>
               <p:ext uri="{D42A27DB-BD31-4B8C-83A1-F6EECF244321}">
-                <p14:modId xmlns:p14="http://schemas.microsoft.com/office/powerpoint/2010/main" val="1331381503"/>
+                <p14:modId xmlns:p14="http://schemas.microsoft.com/office/powerpoint/2010/main" val="467685976"/>
               </p:ext>
             </p:extLst>
           </p:nvPr>
@@ -14229,6 +14188,5111 @@
 </p:sld>
 </file>
 
+<file path=ppt/slides/slide16.xml><?xml version="1.0" encoding="utf-8"?>
+<p:sld xmlns:a="http://schemas.openxmlformats.org/drawingml/2006/main" xmlns:r="http://schemas.openxmlformats.org/officeDocument/2006/relationships" xmlns:p="http://schemas.openxmlformats.org/presentationml/2006/main">
+  <p:cSld>
+    <p:spTree>
+      <p:nvGrpSpPr>
+        <p:cNvPr id="1" name=""/>
+        <p:cNvGrpSpPr/>
+        <p:nvPr/>
+      </p:nvGrpSpPr>
+      <p:grpSpPr>
+        <a:xfrm>
+          <a:off x="0" y="0"/>
+          <a:ext cx="0" cy="0"/>
+          <a:chOff x="0" y="0"/>
+          <a:chExt cx="0" cy="0"/>
+        </a:xfrm>
+      </p:grpSpPr>
+      <p:sp>
+        <p:nvSpPr>
+          <p:cNvPr id="4" name="Rounded Rectangle 3"/>
+          <p:cNvSpPr/>
+          <p:nvPr/>
+        </p:nvSpPr>
+        <p:spPr>
+          <a:xfrm>
+            <a:off x="2392505" y="1706419"/>
+            <a:ext cx="2362200" cy="838200"/>
+          </a:xfrm>
+          <a:prstGeom prst="roundRect">
+            <a:avLst/>
+          </a:prstGeom>
+        </p:spPr>
+        <p:style>
+          <a:lnRef idx="1">
+            <a:schemeClr val="accent1"/>
+          </a:lnRef>
+          <a:fillRef idx="2">
+            <a:schemeClr val="accent1"/>
+          </a:fillRef>
+          <a:effectRef idx="1">
+            <a:schemeClr val="accent1"/>
+          </a:effectRef>
+          <a:fontRef idx="minor">
+            <a:schemeClr val="dk1"/>
+          </a:fontRef>
+        </p:style>
+        <p:txBody>
+          <a:bodyPr rtlCol="0" anchor="ctr"/>
+          <a:lstStyle/>
+          <a:p>
+            <a:pPr algn="ctr"/>
+            <a:r>
+              <a:rPr lang="en-US" dirty="0" smtClean="0"/>
+              <a:t>Create temp file</a:t>
+            </a:r>
+            <a:endParaRPr lang="en-US" dirty="0"/>
+          </a:p>
+        </p:txBody>
+      </p:sp>
+      <p:sp>
+        <p:nvSpPr>
+          <p:cNvPr id="5" name="Rounded Rectangle 4"/>
+          <p:cNvSpPr/>
+          <p:nvPr/>
+        </p:nvSpPr>
+        <p:spPr>
+          <a:xfrm>
+            <a:off x="2392505" y="2989119"/>
+            <a:ext cx="2362200" cy="838200"/>
+          </a:xfrm>
+          <a:prstGeom prst="roundRect">
+            <a:avLst/>
+          </a:prstGeom>
+        </p:spPr>
+        <p:style>
+          <a:lnRef idx="1">
+            <a:schemeClr val="accent1"/>
+          </a:lnRef>
+          <a:fillRef idx="2">
+            <a:schemeClr val="accent1"/>
+          </a:fillRef>
+          <a:effectRef idx="1">
+            <a:schemeClr val="accent1"/>
+          </a:effectRef>
+          <a:fontRef idx="minor">
+            <a:schemeClr val="dk1"/>
+          </a:fontRef>
+        </p:style>
+        <p:txBody>
+          <a:bodyPr rtlCol="0" anchor="ctr"/>
+          <a:lstStyle/>
+          <a:p>
+            <a:pPr algn="ctr"/>
+            <a:r>
+              <a:rPr lang="en-US" dirty="0" smtClean="0"/>
+              <a:t>Write temp file</a:t>
+            </a:r>
+            <a:endParaRPr lang="en-US" dirty="0"/>
+          </a:p>
+        </p:txBody>
+      </p:sp>
+      <p:sp>
+        <p:nvSpPr>
+          <p:cNvPr id="6" name="Rounded Rectangle 5"/>
+          <p:cNvSpPr/>
+          <p:nvPr/>
+        </p:nvSpPr>
+        <p:spPr>
+          <a:xfrm>
+            <a:off x="2392505" y="4282788"/>
+            <a:ext cx="2362200" cy="838200"/>
+          </a:xfrm>
+          <a:prstGeom prst="roundRect">
+            <a:avLst/>
+          </a:prstGeom>
+        </p:spPr>
+        <p:style>
+          <a:lnRef idx="1">
+            <a:schemeClr val="accent1"/>
+          </a:lnRef>
+          <a:fillRef idx="2">
+            <a:schemeClr val="accent1"/>
+          </a:fillRef>
+          <a:effectRef idx="1">
+            <a:schemeClr val="accent1"/>
+          </a:effectRef>
+          <a:fontRef idx="minor">
+            <a:schemeClr val="dk1"/>
+          </a:fontRef>
+        </p:style>
+        <p:txBody>
+          <a:bodyPr rtlCol="0" anchor="ctr"/>
+          <a:lstStyle/>
+          <a:p>
+            <a:pPr algn="ctr"/>
+            <a:r>
+              <a:rPr lang="en-US" dirty="0" smtClean="0"/>
+              <a:t>Delete original file</a:t>
+            </a:r>
+            <a:endParaRPr lang="en-US" dirty="0"/>
+          </a:p>
+        </p:txBody>
+      </p:sp>
+      <p:sp>
+        <p:nvSpPr>
+          <p:cNvPr id="7" name="Rounded Rectangle 6"/>
+          <p:cNvSpPr/>
+          <p:nvPr/>
+        </p:nvSpPr>
+        <p:spPr>
+          <a:xfrm>
+            <a:off x="2392505" y="5605319"/>
+            <a:ext cx="2362200" cy="838200"/>
+          </a:xfrm>
+          <a:prstGeom prst="roundRect">
+            <a:avLst/>
+          </a:prstGeom>
+        </p:spPr>
+        <p:style>
+          <a:lnRef idx="1">
+            <a:schemeClr val="accent1"/>
+          </a:lnRef>
+          <a:fillRef idx="2">
+            <a:schemeClr val="accent1"/>
+          </a:fillRef>
+          <a:effectRef idx="1">
+            <a:schemeClr val="accent1"/>
+          </a:effectRef>
+          <a:fontRef idx="minor">
+            <a:schemeClr val="dk1"/>
+          </a:fontRef>
+        </p:style>
+        <p:txBody>
+          <a:bodyPr rtlCol="0" anchor="ctr"/>
+          <a:lstStyle/>
+          <a:p>
+            <a:pPr algn="ctr"/>
+            <a:r>
+              <a:rPr lang="en-US" dirty="0" smtClean="0"/>
+              <a:t>Move temp to</a:t>
+            </a:r>
+          </a:p>
+          <a:p>
+            <a:pPr algn="ctr"/>
+            <a:r>
+              <a:rPr lang="en-US" dirty="0" smtClean="0"/>
+              <a:t> target name</a:t>
+            </a:r>
+            <a:endParaRPr lang="en-US" dirty="0"/>
+          </a:p>
+        </p:txBody>
+      </p:sp>
+      <p:sp>
+        <p:nvSpPr>
+          <p:cNvPr id="8" name="Right Arrow 7"/>
+          <p:cNvSpPr/>
+          <p:nvPr/>
+        </p:nvSpPr>
+        <p:spPr>
+          <a:xfrm rot="5400000">
+            <a:off x="3361602" y="2662817"/>
+            <a:ext cx="444500" cy="208105"/>
+          </a:xfrm>
+          <a:prstGeom prst="rightArrow">
+            <a:avLst/>
+          </a:prstGeom>
+        </p:spPr>
+        <p:style>
+          <a:lnRef idx="1">
+            <a:schemeClr val="accent1"/>
+          </a:lnRef>
+          <a:fillRef idx="3">
+            <a:schemeClr val="accent1"/>
+          </a:fillRef>
+          <a:effectRef idx="2">
+            <a:schemeClr val="accent1"/>
+          </a:effectRef>
+          <a:fontRef idx="minor">
+            <a:schemeClr val="lt1"/>
+          </a:fontRef>
+        </p:style>
+        <p:txBody>
+          <a:bodyPr rtlCol="0" anchor="ctr"/>
+          <a:lstStyle/>
+          <a:p>
+            <a:pPr algn="ctr"/>
+            <a:endParaRPr lang="en-US"/>
+          </a:p>
+        </p:txBody>
+      </p:sp>
+      <p:sp>
+        <p:nvSpPr>
+          <p:cNvPr id="9" name="Right Arrow 8"/>
+          <p:cNvSpPr/>
+          <p:nvPr/>
+        </p:nvSpPr>
+        <p:spPr>
+          <a:xfrm rot="5400000">
+            <a:off x="3351354" y="3945517"/>
+            <a:ext cx="444500" cy="208105"/>
+          </a:xfrm>
+          <a:prstGeom prst="rightArrow">
+            <a:avLst/>
+          </a:prstGeom>
+        </p:spPr>
+        <p:style>
+          <a:lnRef idx="1">
+            <a:schemeClr val="accent1"/>
+          </a:lnRef>
+          <a:fillRef idx="3">
+            <a:schemeClr val="accent1"/>
+          </a:fillRef>
+          <a:effectRef idx="2">
+            <a:schemeClr val="accent1"/>
+          </a:effectRef>
+          <a:fontRef idx="minor">
+            <a:schemeClr val="lt1"/>
+          </a:fontRef>
+        </p:style>
+        <p:txBody>
+          <a:bodyPr rtlCol="0" anchor="ctr"/>
+          <a:lstStyle/>
+          <a:p>
+            <a:pPr algn="ctr"/>
+            <a:endParaRPr lang="en-US"/>
+          </a:p>
+        </p:txBody>
+      </p:sp>
+      <p:sp>
+        <p:nvSpPr>
+          <p:cNvPr id="10" name="Right Arrow 9"/>
+          <p:cNvSpPr/>
+          <p:nvPr/>
+        </p:nvSpPr>
+        <p:spPr>
+          <a:xfrm rot="5400000">
+            <a:off x="3361602" y="5250155"/>
+            <a:ext cx="444500" cy="208105"/>
+          </a:xfrm>
+          <a:prstGeom prst="rightArrow">
+            <a:avLst/>
+          </a:prstGeom>
+        </p:spPr>
+        <p:style>
+          <a:lnRef idx="1">
+            <a:schemeClr val="accent1"/>
+          </a:lnRef>
+          <a:fillRef idx="3">
+            <a:schemeClr val="accent1"/>
+          </a:fillRef>
+          <a:effectRef idx="2">
+            <a:schemeClr val="accent1"/>
+          </a:effectRef>
+          <a:fontRef idx="minor">
+            <a:schemeClr val="lt1"/>
+          </a:fontRef>
+        </p:style>
+        <p:txBody>
+          <a:bodyPr rtlCol="0" anchor="ctr"/>
+          <a:lstStyle/>
+          <a:p>
+            <a:pPr algn="ctr"/>
+            <a:endParaRPr lang="en-US"/>
+          </a:p>
+        </p:txBody>
+      </p:sp>
+      <p:pic>
+        <p:nvPicPr>
+          <p:cNvPr id="13" name="Picture 12"/>
+          <p:cNvPicPr>
+            <a:picLocks noChangeAspect="1"/>
+          </p:cNvPicPr>
+          <p:nvPr/>
+        </p:nvPicPr>
+        <p:blipFill>
+          <a:blip r:embed="rId2" cstate="print">
+            <a:extLst>
+              <a:ext uri="{28A0092B-C50C-407E-A947-70E740481C1C}">
+                <a14:useLocalDpi xmlns:a14="http://schemas.microsoft.com/office/drawing/2010/main" val="0"/>
+              </a:ext>
+            </a:extLst>
+          </a:blip>
+          <a:stretch>
+            <a:fillRect/>
+          </a:stretch>
+        </p:blipFill>
+        <p:spPr>
+          <a:xfrm>
+            <a:off x="6150215" y="1682752"/>
+            <a:ext cx="812800" cy="812800"/>
+          </a:xfrm>
+          <a:prstGeom prst="rect">
+            <a:avLst/>
+          </a:prstGeom>
+        </p:spPr>
+      </p:pic>
+      <p:sp>
+        <p:nvSpPr>
+          <p:cNvPr id="14" name="TextBox 13"/>
+          <p:cNvSpPr txBox="1"/>
+          <p:nvPr/>
+        </p:nvSpPr>
+        <p:spPr>
+          <a:xfrm>
+            <a:off x="7252952" y="1769945"/>
+            <a:ext cx="1598643" cy="646331"/>
+          </a:xfrm>
+          <a:prstGeom prst="rect">
+            <a:avLst/>
+          </a:prstGeom>
+          <a:noFill/>
+        </p:spPr>
+        <p:txBody>
+          <a:bodyPr wrap="none" rtlCol="0">
+            <a:spAutoFit/>
+          </a:bodyPr>
+          <a:lstStyle/>
+          <a:p>
+            <a:r>
+              <a:rPr lang="en-US" dirty="0" smtClean="0"/>
+              <a:t>       Create</a:t>
+            </a:r>
+          </a:p>
+          <a:p>
+            <a:pPr algn="ctr"/>
+            <a:r>
+              <a:rPr lang="en-US" dirty="0" smtClean="0"/>
+              <a:t>~WRDXXX.TMP</a:t>
+            </a:r>
+            <a:endParaRPr lang="en-US" dirty="0"/>
+          </a:p>
+        </p:txBody>
+      </p:sp>
+      <p:pic>
+        <p:nvPicPr>
+          <p:cNvPr id="15" name="Picture 14"/>
+          <p:cNvPicPr>
+            <a:picLocks noChangeAspect="1"/>
+          </p:cNvPicPr>
+          <p:nvPr/>
+        </p:nvPicPr>
+        <p:blipFill>
+          <a:blip r:embed="rId2" cstate="print">
+            <a:extLst>
+              <a:ext uri="{28A0092B-C50C-407E-A947-70E740481C1C}">
+                <a14:useLocalDpi xmlns:a14="http://schemas.microsoft.com/office/drawing/2010/main" val="0"/>
+              </a:ext>
+            </a:extLst>
+          </a:blip>
+          <a:stretch>
+            <a:fillRect/>
+          </a:stretch>
+        </p:blipFill>
+        <p:spPr>
+          <a:xfrm>
+            <a:off x="6150215" y="2931971"/>
+            <a:ext cx="812800" cy="812800"/>
+          </a:xfrm>
+          <a:prstGeom prst="rect">
+            <a:avLst/>
+          </a:prstGeom>
+        </p:spPr>
+      </p:pic>
+      <p:sp>
+        <p:nvSpPr>
+          <p:cNvPr id="16" name="TextBox 15"/>
+          <p:cNvSpPr txBox="1"/>
+          <p:nvPr/>
+        </p:nvSpPr>
+        <p:spPr>
+          <a:xfrm>
+            <a:off x="7252952" y="3015205"/>
+            <a:ext cx="1598643" cy="646331"/>
+          </a:xfrm>
+          <a:prstGeom prst="rect">
+            <a:avLst/>
+          </a:prstGeom>
+          <a:noFill/>
+        </p:spPr>
+        <p:txBody>
+          <a:bodyPr wrap="none" rtlCol="0">
+            <a:spAutoFit/>
+          </a:bodyPr>
+          <a:lstStyle/>
+          <a:p>
+            <a:pPr algn="ctr"/>
+            <a:r>
+              <a:rPr lang="en-US" dirty="0" smtClean="0"/>
+              <a:t>Write</a:t>
+            </a:r>
+          </a:p>
+          <a:p>
+            <a:pPr algn="ctr"/>
+            <a:r>
+              <a:rPr lang="en-US" dirty="0" smtClean="0"/>
+              <a:t>~WRDXXX.TMP</a:t>
+            </a:r>
+            <a:endParaRPr lang="en-US" dirty="0"/>
+          </a:p>
+        </p:txBody>
+      </p:sp>
+      <p:pic>
+        <p:nvPicPr>
+          <p:cNvPr id="17" name="Picture 16"/>
+          <p:cNvPicPr>
+            <a:picLocks noChangeAspect="1"/>
+          </p:cNvPicPr>
+          <p:nvPr/>
+        </p:nvPicPr>
+        <p:blipFill>
+          <a:blip r:embed="rId2" cstate="print">
+            <a:extLst>
+              <a:ext uri="{28A0092B-C50C-407E-A947-70E740481C1C}">
+                <a14:useLocalDpi xmlns:a14="http://schemas.microsoft.com/office/drawing/2010/main" val="0"/>
+              </a:ext>
+            </a:extLst>
+          </a:blip>
+          <a:stretch>
+            <a:fillRect/>
+          </a:stretch>
+        </p:blipFill>
+        <p:spPr>
+          <a:xfrm>
+            <a:off x="6150215" y="4222753"/>
+            <a:ext cx="812800" cy="812800"/>
+          </a:xfrm>
+          <a:prstGeom prst="rect">
+            <a:avLst/>
+          </a:prstGeom>
+        </p:spPr>
+      </p:pic>
+      <p:sp>
+        <p:nvSpPr>
+          <p:cNvPr id="18" name="TextBox 17"/>
+          <p:cNvSpPr txBox="1"/>
+          <p:nvPr/>
+        </p:nvSpPr>
+        <p:spPr>
+          <a:xfrm>
+            <a:off x="7252952" y="4376872"/>
+            <a:ext cx="1672253" cy="646331"/>
+          </a:xfrm>
+          <a:prstGeom prst="rect">
+            <a:avLst/>
+          </a:prstGeom>
+          <a:noFill/>
+        </p:spPr>
+        <p:txBody>
+          <a:bodyPr wrap="none" rtlCol="0">
+            <a:spAutoFit/>
+          </a:bodyPr>
+          <a:lstStyle/>
+          <a:p>
+            <a:pPr algn="ctr"/>
+            <a:r>
+              <a:rPr lang="en-US" dirty="0" smtClean="0"/>
+              <a:t>Delete </a:t>
+            </a:r>
+          </a:p>
+          <a:p>
+            <a:pPr algn="ctr"/>
+            <a:r>
+              <a:rPr lang="en-US" dirty="0" smtClean="0"/>
+              <a:t>EXAMPLE.DOCX</a:t>
+            </a:r>
+            <a:endParaRPr lang="en-US" dirty="0"/>
+          </a:p>
+        </p:txBody>
+      </p:sp>
+      <p:pic>
+        <p:nvPicPr>
+          <p:cNvPr id="19" name="Picture 18"/>
+          <p:cNvPicPr>
+            <a:picLocks noChangeAspect="1"/>
+          </p:cNvPicPr>
+          <p:nvPr/>
+        </p:nvPicPr>
+        <p:blipFill>
+          <a:blip r:embed="rId2" cstate="print">
+            <a:extLst>
+              <a:ext uri="{28A0092B-C50C-407E-A947-70E740481C1C}">
+                <a14:useLocalDpi xmlns:a14="http://schemas.microsoft.com/office/drawing/2010/main" val="0"/>
+              </a:ext>
+            </a:extLst>
+          </a:blip>
+          <a:stretch>
+            <a:fillRect/>
+          </a:stretch>
+        </p:blipFill>
+        <p:spPr>
+          <a:xfrm>
+            <a:off x="6150215" y="5574731"/>
+            <a:ext cx="812800" cy="812800"/>
+          </a:xfrm>
+          <a:prstGeom prst="rect">
+            <a:avLst/>
+          </a:prstGeom>
+        </p:spPr>
+      </p:pic>
+      <p:sp>
+        <p:nvSpPr>
+          <p:cNvPr id="21" name="TextBox 20"/>
+          <p:cNvSpPr txBox="1"/>
+          <p:nvPr/>
+        </p:nvSpPr>
+        <p:spPr>
+          <a:xfrm>
+            <a:off x="7217015" y="5520189"/>
+            <a:ext cx="1921680" cy="923330"/>
+          </a:xfrm>
+          <a:prstGeom prst="rect">
+            <a:avLst/>
+          </a:prstGeom>
+          <a:noFill/>
+        </p:spPr>
+        <p:txBody>
+          <a:bodyPr wrap="none" rtlCol="0">
+            <a:spAutoFit/>
+          </a:bodyPr>
+          <a:lstStyle/>
+          <a:p>
+            <a:pPr algn="ctr"/>
+            <a:r>
+              <a:rPr lang="en-US" dirty="0" smtClean="0"/>
+              <a:t>Rename</a:t>
+            </a:r>
+          </a:p>
+          <a:p>
+            <a:pPr algn="ctr"/>
+            <a:r>
+              <a:rPr lang="en-US" dirty="0" smtClean="0"/>
+              <a:t> </a:t>
+            </a:r>
+            <a:r>
+              <a:rPr lang="en-US" dirty="0"/>
+              <a:t>~</a:t>
+            </a:r>
+            <a:r>
+              <a:rPr lang="en-US" dirty="0" smtClean="0"/>
+              <a:t>WRDXXX.TMP</a:t>
+            </a:r>
+            <a:br>
+              <a:rPr lang="en-US" dirty="0" smtClean="0"/>
+            </a:br>
+            <a:r>
+              <a:rPr lang="en-US" dirty="0" smtClean="0"/>
+              <a:t>to EXAMPLE.DOCX</a:t>
+            </a:r>
+            <a:endParaRPr lang="en-US" dirty="0"/>
+          </a:p>
+        </p:txBody>
+      </p:sp>
+      <p:sp>
+        <p:nvSpPr>
+          <p:cNvPr id="22" name="Rounded Rectangle 21"/>
+          <p:cNvSpPr/>
+          <p:nvPr/>
+        </p:nvSpPr>
+        <p:spPr>
+          <a:xfrm>
+            <a:off x="2392504" y="394567"/>
+            <a:ext cx="2362200" cy="838200"/>
+          </a:xfrm>
+          <a:prstGeom prst="roundRect">
+            <a:avLst/>
+          </a:prstGeom>
+        </p:spPr>
+        <p:style>
+          <a:lnRef idx="1">
+            <a:schemeClr val="accent1"/>
+          </a:lnRef>
+          <a:fillRef idx="2">
+            <a:schemeClr val="accent1"/>
+          </a:fillRef>
+          <a:effectRef idx="1">
+            <a:schemeClr val="accent1"/>
+          </a:effectRef>
+          <a:fontRef idx="minor">
+            <a:schemeClr val="dk1"/>
+          </a:fontRef>
+        </p:style>
+        <p:txBody>
+          <a:bodyPr rtlCol="0" anchor="ctr"/>
+          <a:lstStyle/>
+          <a:p>
+            <a:pPr algn="ctr"/>
+            <a:r>
+              <a:rPr lang="en-US" dirty="0" smtClean="0"/>
+              <a:t>Create temp file</a:t>
+            </a:r>
+            <a:endParaRPr lang="en-US" dirty="0"/>
+          </a:p>
+        </p:txBody>
+      </p:sp>
+      <p:sp>
+        <p:nvSpPr>
+          <p:cNvPr id="23" name="Right Arrow 22"/>
+          <p:cNvSpPr/>
+          <p:nvPr/>
+        </p:nvSpPr>
+        <p:spPr>
+          <a:xfrm rot="5400000">
+            <a:off x="3351354" y="1356449"/>
+            <a:ext cx="444500" cy="208105"/>
+          </a:xfrm>
+          <a:prstGeom prst="rightArrow">
+            <a:avLst/>
+          </a:prstGeom>
+        </p:spPr>
+        <p:style>
+          <a:lnRef idx="1">
+            <a:schemeClr val="accent1"/>
+          </a:lnRef>
+          <a:fillRef idx="3">
+            <a:schemeClr val="accent1"/>
+          </a:fillRef>
+          <a:effectRef idx="2">
+            <a:schemeClr val="accent1"/>
+          </a:effectRef>
+          <a:fontRef idx="minor">
+            <a:schemeClr val="lt1"/>
+          </a:fontRef>
+        </p:style>
+        <p:txBody>
+          <a:bodyPr rtlCol="0" anchor="ctr"/>
+          <a:lstStyle/>
+          <a:p>
+            <a:pPr algn="ctr"/>
+            <a:endParaRPr lang="en-US"/>
+          </a:p>
+        </p:txBody>
+      </p:sp>
+      <p:pic>
+        <p:nvPicPr>
+          <p:cNvPr id="24" name="Picture 23"/>
+          <p:cNvPicPr>
+            <a:picLocks noChangeAspect="1"/>
+          </p:cNvPicPr>
+          <p:nvPr/>
+        </p:nvPicPr>
+        <p:blipFill>
+          <a:blip r:embed="rId2" cstate="print">
+            <a:extLst>
+              <a:ext uri="{28A0092B-C50C-407E-A947-70E740481C1C}">
+                <a14:useLocalDpi xmlns:a14="http://schemas.microsoft.com/office/drawing/2010/main" val="0"/>
+              </a:ext>
+            </a:extLst>
+          </a:blip>
+          <a:stretch>
+            <a:fillRect/>
+          </a:stretch>
+        </p:blipFill>
+        <p:spPr>
+          <a:xfrm>
+            <a:off x="6101016" y="414792"/>
+            <a:ext cx="812800" cy="812800"/>
+          </a:xfrm>
+          <a:prstGeom prst="rect">
+            <a:avLst/>
+          </a:prstGeom>
+        </p:spPr>
+      </p:pic>
+      <p:sp>
+        <p:nvSpPr>
+          <p:cNvPr id="25" name="TextBox 24"/>
+          <p:cNvSpPr txBox="1"/>
+          <p:nvPr/>
+        </p:nvSpPr>
+        <p:spPr>
+          <a:xfrm>
+            <a:off x="7219672" y="500984"/>
+            <a:ext cx="1672254" cy="646331"/>
+          </a:xfrm>
+          <a:prstGeom prst="rect">
+            <a:avLst/>
+          </a:prstGeom>
+          <a:noFill/>
+        </p:spPr>
+        <p:txBody>
+          <a:bodyPr wrap="none" rtlCol="0">
+            <a:spAutoFit/>
+          </a:bodyPr>
+          <a:lstStyle/>
+          <a:p>
+            <a:r>
+              <a:rPr lang="en-US" dirty="0" smtClean="0"/>
+              <a:t>       Create</a:t>
+            </a:r>
+          </a:p>
+          <a:p>
+            <a:pPr algn="ctr"/>
+            <a:r>
+              <a:rPr lang="en-US" dirty="0" smtClean="0"/>
+              <a:t>EXAMPLE.DOCX</a:t>
+            </a:r>
+            <a:endParaRPr lang="en-US" dirty="0"/>
+          </a:p>
+        </p:txBody>
+      </p:sp>
+      <p:sp>
+        <p:nvSpPr>
+          <p:cNvPr id="26" name="Cross 25"/>
+          <p:cNvSpPr/>
+          <p:nvPr/>
+        </p:nvSpPr>
+        <p:spPr>
+          <a:xfrm>
+            <a:off x="6683615" y="998992"/>
+            <a:ext cx="279400" cy="247341"/>
+          </a:xfrm>
+          <a:prstGeom prst="plus">
+            <a:avLst/>
+          </a:prstGeom>
+          <a:solidFill>
+            <a:srgbClr val="92D050"/>
+          </a:solidFill>
+          <a:ln w="12700"/>
+          <a:scene3d>
+            <a:camera prst="orthographicFront"/>
+            <a:lightRig rig="threePt" dir="t"/>
+          </a:scene3d>
+          <a:sp3d>
+            <a:bevelT/>
+          </a:sp3d>
+        </p:spPr>
+        <p:style>
+          <a:lnRef idx="2">
+            <a:schemeClr val="accent1">
+              <a:shade val="50000"/>
+            </a:schemeClr>
+          </a:lnRef>
+          <a:fillRef idx="1">
+            <a:schemeClr val="accent1"/>
+          </a:fillRef>
+          <a:effectRef idx="0">
+            <a:schemeClr val="accent1"/>
+          </a:effectRef>
+          <a:fontRef idx="minor">
+            <a:schemeClr val="lt1"/>
+          </a:fontRef>
+        </p:style>
+        <p:txBody>
+          <a:bodyPr rtlCol="0" anchor="ctr"/>
+          <a:lstStyle/>
+          <a:p>
+            <a:pPr algn="ctr"/>
+            <a:endParaRPr lang="en-US"/>
+          </a:p>
+        </p:txBody>
+      </p:sp>
+      <p:sp>
+        <p:nvSpPr>
+          <p:cNvPr id="27" name="Cross 26"/>
+          <p:cNvSpPr/>
+          <p:nvPr/>
+        </p:nvSpPr>
+        <p:spPr>
+          <a:xfrm>
+            <a:off x="6697916" y="2296634"/>
+            <a:ext cx="279400" cy="247341"/>
+          </a:xfrm>
+          <a:prstGeom prst="plus">
+            <a:avLst/>
+          </a:prstGeom>
+          <a:solidFill>
+            <a:srgbClr val="92D050"/>
+          </a:solidFill>
+          <a:ln w="12700"/>
+          <a:scene3d>
+            <a:camera prst="orthographicFront"/>
+            <a:lightRig rig="threePt" dir="t"/>
+          </a:scene3d>
+          <a:sp3d>
+            <a:bevelT/>
+          </a:sp3d>
+        </p:spPr>
+        <p:style>
+          <a:lnRef idx="2">
+            <a:schemeClr val="accent1">
+              <a:shade val="50000"/>
+            </a:schemeClr>
+          </a:lnRef>
+          <a:fillRef idx="1">
+            <a:schemeClr val="accent1"/>
+          </a:fillRef>
+          <a:effectRef idx="0">
+            <a:schemeClr val="accent1"/>
+          </a:effectRef>
+          <a:fontRef idx="minor">
+            <a:schemeClr val="lt1"/>
+          </a:fontRef>
+        </p:style>
+        <p:txBody>
+          <a:bodyPr rtlCol="0" anchor="ctr"/>
+          <a:lstStyle/>
+          <a:p>
+            <a:pPr algn="ctr"/>
+            <a:endParaRPr lang="en-US"/>
+          </a:p>
+        </p:txBody>
+      </p:sp>
+      <p:pic>
+        <p:nvPicPr>
+          <p:cNvPr id="30" name="Picture 29"/>
+          <p:cNvPicPr>
+            <a:picLocks noChangeAspect="1"/>
+          </p:cNvPicPr>
+          <p:nvPr/>
+        </p:nvPicPr>
+        <p:blipFill>
+          <a:blip r:embed="rId3">
+            <a:extLst>
+              <a:ext uri="{28A0092B-C50C-407E-A947-70E740481C1C}">
+                <a14:useLocalDpi xmlns:a14="http://schemas.microsoft.com/office/drawing/2010/main" val="0"/>
+              </a:ext>
+            </a:extLst>
+          </a:blip>
+          <a:stretch>
+            <a:fillRect/>
+          </a:stretch>
+        </p:blipFill>
+        <p:spPr>
+          <a:xfrm>
+            <a:off x="6697172" y="3218841"/>
+            <a:ext cx="560287" cy="560287"/>
+          </a:xfrm>
+          <a:prstGeom prst="rect">
+            <a:avLst/>
+          </a:prstGeom>
+        </p:spPr>
+      </p:pic>
+      <p:pic>
+        <p:nvPicPr>
+          <p:cNvPr id="31" name="Picture 30"/>
+          <p:cNvPicPr>
+            <a:picLocks noChangeAspect="1"/>
+          </p:cNvPicPr>
+          <p:nvPr/>
+        </p:nvPicPr>
+        <p:blipFill>
+          <a:blip r:embed="rId3">
+            <a:extLst>
+              <a:ext uri="{28A0092B-C50C-407E-A947-70E740481C1C}">
+                <a14:useLocalDpi xmlns:a14="http://schemas.microsoft.com/office/drawing/2010/main" val="0"/>
+              </a:ext>
+            </a:extLst>
+          </a:blip>
+          <a:stretch>
+            <a:fillRect/>
+          </a:stretch>
+        </p:blipFill>
+        <p:spPr>
+          <a:xfrm>
+            <a:off x="6673621" y="5828151"/>
+            <a:ext cx="560287" cy="560287"/>
+          </a:xfrm>
+          <a:prstGeom prst="rect">
+            <a:avLst/>
+          </a:prstGeom>
+        </p:spPr>
+      </p:pic>
+      <p:cxnSp>
+        <p:nvCxnSpPr>
+          <p:cNvPr id="33" name="Straight Connector 32"/>
+          <p:cNvCxnSpPr/>
+          <p:nvPr/>
+        </p:nvCxnSpPr>
+        <p:spPr>
+          <a:xfrm>
+            <a:off x="6697172" y="4700037"/>
+            <a:ext cx="280143" cy="323166"/>
+          </a:xfrm>
+          <a:prstGeom prst="line">
+            <a:avLst/>
+          </a:prstGeom>
+          <a:ln w="44450">
+            <a:solidFill>
+              <a:srgbClr val="FF0000"/>
+            </a:solidFill>
+          </a:ln>
+        </p:spPr>
+        <p:style>
+          <a:lnRef idx="1">
+            <a:schemeClr val="accent1"/>
+          </a:lnRef>
+          <a:fillRef idx="0">
+            <a:schemeClr val="accent1"/>
+          </a:fillRef>
+          <a:effectRef idx="0">
+            <a:schemeClr val="accent1"/>
+          </a:effectRef>
+          <a:fontRef idx="minor">
+            <a:schemeClr val="tx1"/>
+          </a:fontRef>
+        </p:style>
+      </p:cxnSp>
+      <p:cxnSp>
+        <p:nvCxnSpPr>
+          <p:cNvPr id="34" name="Straight Connector 33"/>
+          <p:cNvCxnSpPr/>
+          <p:nvPr/>
+        </p:nvCxnSpPr>
+        <p:spPr>
+          <a:xfrm flipV="1">
+            <a:off x="6675187" y="4699130"/>
+            <a:ext cx="302128" cy="336877"/>
+          </a:xfrm>
+          <a:prstGeom prst="line">
+            <a:avLst/>
+          </a:prstGeom>
+          <a:ln w="44450">
+            <a:solidFill>
+              <a:srgbClr val="FF0000"/>
+            </a:solidFill>
+          </a:ln>
+        </p:spPr>
+        <p:style>
+          <a:lnRef idx="1">
+            <a:schemeClr val="accent1"/>
+          </a:lnRef>
+          <a:fillRef idx="0">
+            <a:schemeClr val="accent1"/>
+          </a:fillRef>
+          <a:effectRef idx="0">
+            <a:schemeClr val="accent1"/>
+          </a:effectRef>
+          <a:fontRef idx="minor">
+            <a:schemeClr val="tx1"/>
+          </a:fontRef>
+        </p:style>
+      </p:cxnSp>
+    </p:spTree>
+    <p:extLst>
+      <p:ext uri="{BB962C8B-B14F-4D97-AF65-F5344CB8AC3E}">
+        <p14:creationId xmlns:p14="http://schemas.microsoft.com/office/powerpoint/2010/main" val="1480497231"/>
+      </p:ext>
+    </p:extLst>
+  </p:cSld>
+  <p:clrMapOvr>
+    <a:masterClrMapping/>
+  </p:clrMapOvr>
+</p:sld>
+</file>
+
+<file path=ppt/slides/slide17.xml><?xml version="1.0" encoding="utf-8"?>
+<p:sld xmlns:a="http://schemas.openxmlformats.org/drawingml/2006/main" xmlns:r="http://schemas.openxmlformats.org/officeDocument/2006/relationships" xmlns:p="http://schemas.openxmlformats.org/presentationml/2006/main">
+  <p:cSld>
+    <p:spTree>
+      <p:nvGrpSpPr>
+        <p:cNvPr id="1" name=""/>
+        <p:cNvGrpSpPr/>
+        <p:nvPr/>
+      </p:nvGrpSpPr>
+      <p:grpSpPr>
+        <a:xfrm>
+          <a:off x="0" y="0"/>
+          <a:ext cx="0" cy="0"/>
+          <a:chOff x="0" y="0"/>
+          <a:chExt cx="0" cy="0"/>
+        </a:xfrm>
+      </p:grpSpPr>
+      <p:sp>
+        <p:nvSpPr>
+          <p:cNvPr id="4" name="Rounded Rectangle 3"/>
+          <p:cNvSpPr/>
+          <p:nvPr/>
+        </p:nvSpPr>
+        <p:spPr>
+          <a:xfrm>
+            <a:off x="5268934" y="2712931"/>
+            <a:ext cx="2133600" cy="1447800"/>
+          </a:xfrm>
+          <a:prstGeom prst="roundRect">
+            <a:avLst/>
+          </a:prstGeom>
+        </p:spPr>
+        <p:style>
+          <a:lnRef idx="1">
+            <a:schemeClr val="accent1"/>
+          </a:lnRef>
+          <a:fillRef idx="2">
+            <a:schemeClr val="accent1"/>
+          </a:fillRef>
+          <a:effectRef idx="1">
+            <a:schemeClr val="accent1"/>
+          </a:effectRef>
+          <a:fontRef idx="minor">
+            <a:schemeClr val="dk1"/>
+          </a:fontRef>
+        </p:style>
+        <p:txBody>
+          <a:bodyPr rtlCol="0" anchor="ctr"/>
+          <a:lstStyle>
+            <a:defPPr>
+              <a:defRPr lang="en-US"/>
+            </a:defPPr>
+            <a:lvl1pPr marL="0" algn="l" defTabSz="914400" rtl="0" eaLnBrk="1" latinLnBrk="0" hangingPunct="1">
+              <a:defRPr sz="1800" kern="1200">
+                <a:solidFill>
+                  <a:schemeClr val="dk1"/>
+                </a:solidFill>
+                <a:latin typeface="+mn-lt"/>
+                <a:ea typeface="+mn-ea"/>
+                <a:cs typeface="+mn-cs"/>
+              </a:defRPr>
+            </a:lvl1pPr>
+            <a:lvl2pPr marL="457200" algn="l" defTabSz="914400" rtl="0" eaLnBrk="1" latinLnBrk="0" hangingPunct="1">
+              <a:defRPr sz="1800" kern="1200">
+                <a:solidFill>
+                  <a:schemeClr val="dk1"/>
+                </a:solidFill>
+                <a:latin typeface="+mn-lt"/>
+                <a:ea typeface="+mn-ea"/>
+                <a:cs typeface="+mn-cs"/>
+              </a:defRPr>
+            </a:lvl2pPr>
+            <a:lvl3pPr marL="914400" algn="l" defTabSz="914400" rtl="0" eaLnBrk="1" latinLnBrk="0" hangingPunct="1">
+              <a:defRPr sz="1800" kern="1200">
+                <a:solidFill>
+                  <a:schemeClr val="dk1"/>
+                </a:solidFill>
+                <a:latin typeface="+mn-lt"/>
+                <a:ea typeface="+mn-ea"/>
+                <a:cs typeface="+mn-cs"/>
+              </a:defRPr>
+            </a:lvl3pPr>
+            <a:lvl4pPr marL="1371600" algn="l" defTabSz="914400" rtl="0" eaLnBrk="1" latinLnBrk="0" hangingPunct="1">
+              <a:defRPr sz="1800" kern="1200">
+                <a:solidFill>
+                  <a:schemeClr val="dk1"/>
+                </a:solidFill>
+                <a:latin typeface="+mn-lt"/>
+                <a:ea typeface="+mn-ea"/>
+                <a:cs typeface="+mn-cs"/>
+              </a:defRPr>
+            </a:lvl4pPr>
+            <a:lvl5pPr marL="1828800" algn="l" defTabSz="914400" rtl="0" eaLnBrk="1" latinLnBrk="0" hangingPunct="1">
+              <a:defRPr sz="1800" kern="1200">
+                <a:solidFill>
+                  <a:schemeClr val="dk1"/>
+                </a:solidFill>
+                <a:latin typeface="+mn-lt"/>
+                <a:ea typeface="+mn-ea"/>
+                <a:cs typeface="+mn-cs"/>
+              </a:defRPr>
+            </a:lvl5pPr>
+            <a:lvl6pPr marL="2286000" algn="l" defTabSz="914400" rtl="0" eaLnBrk="1" latinLnBrk="0" hangingPunct="1">
+              <a:defRPr sz="1800" kern="1200">
+                <a:solidFill>
+                  <a:schemeClr val="dk1"/>
+                </a:solidFill>
+                <a:latin typeface="+mn-lt"/>
+                <a:ea typeface="+mn-ea"/>
+                <a:cs typeface="+mn-cs"/>
+              </a:defRPr>
+            </a:lvl6pPr>
+            <a:lvl7pPr marL="2743200" algn="l" defTabSz="914400" rtl="0" eaLnBrk="1" latinLnBrk="0" hangingPunct="1">
+              <a:defRPr sz="1800" kern="1200">
+                <a:solidFill>
+                  <a:schemeClr val="dk1"/>
+                </a:solidFill>
+                <a:latin typeface="+mn-lt"/>
+                <a:ea typeface="+mn-ea"/>
+                <a:cs typeface="+mn-cs"/>
+              </a:defRPr>
+            </a:lvl7pPr>
+            <a:lvl8pPr marL="3200400" algn="l" defTabSz="914400" rtl="0" eaLnBrk="1" latinLnBrk="0" hangingPunct="1">
+              <a:defRPr sz="1800" kern="1200">
+                <a:solidFill>
+                  <a:schemeClr val="dk1"/>
+                </a:solidFill>
+                <a:latin typeface="+mn-lt"/>
+                <a:ea typeface="+mn-ea"/>
+                <a:cs typeface="+mn-cs"/>
+              </a:defRPr>
+            </a:lvl8pPr>
+            <a:lvl9pPr marL="3657600" algn="l" defTabSz="914400" rtl="0" eaLnBrk="1" latinLnBrk="0" hangingPunct="1">
+              <a:defRPr sz="1800" kern="1200">
+                <a:solidFill>
+                  <a:schemeClr val="dk1"/>
+                </a:solidFill>
+                <a:latin typeface="+mn-lt"/>
+                <a:ea typeface="+mn-ea"/>
+                <a:cs typeface="+mn-cs"/>
+              </a:defRPr>
+            </a:lvl9pPr>
+          </a:lstStyle>
+          <a:p>
+            <a:pPr algn="ctr"/>
+            <a:r>
+              <a:rPr lang="en-US" sz="2000" dirty="0" err="1" smtClean="0">
+                <a:solidFill>
+                  <a:schemeClr val="tx1"/>
+                </a:solidFill>
+              </a:rPr>
+              <a:t>Danh</a:t>
+            </a:r>
+            <a:r>
+              <a:rPr lang="en-US" sz="2000" dirty="0" smtClean="0">
+                <a:solidFill>
+                  <a:schemeClr val="tx1"/>
+                </a:solidFill>
+              </a:rPr>
+              <a:t> </a:t>
+            </a:r>
+            <a:r>
+              <a:rPr lang="en-US" sz="2000" dirty="0" err="1" smtClean="0">
+                <a:solidFill>
+                  <a:schemeClr val="tx1"/>
+                </a:solidFill>
+              </a:rPr>
+              <a:t>sách</a:t>
+            </a:r>
+            <a:r>
+              <a:rPr lang="en-US" sz="2000" dirty="0" smtClean="0">
+                <a:solidFill>
+                  <a:schemeClr val="tx1"/>
+                </a:solidFill>
+              </a:rPr>
+              <a:t> </a:t>
+            </a:r>
+            <a:r>
+              <a:rPr lang="en-US" sz="2000" dirty="0" err="1" smtClean="0">
+                <a:solidFill>
+                  <a:schemeClr val="tx1"/>
+                </a:solidFill>
+              </a:rPr>
+              <a:t>các</a:t>
+            </a:r>
+            <a:r>
+              <a:rPr lang="en-US" sz="2000" dirty="0" smtClean="0">
+                <a:solidFill>
+                  <a:schemeClr val="tx1"/>
+                </a:solidFill>
+              </a:rPr>
+              <a:t> </a:t>
+            </a:r>
+            <a:r>
+              <a:rPr lang="en-US" sz="2000" dirty="0" err="1" smtClean="0">
+                <a:solidFill>
+                  <a:schemeClr val="tx1"/>
+                </a:solidFill>
+              </a:rPr>
+              <a:t>thiết</a:t>
+            </a:r>
+            <a:r>
+              <a:rPr lang="en-US" sz="2000" dirty="0" smtClean="0">
+                <a:solidFill>
+                  <a:schemeClr val="tx1"/>
+                </a:solidFill>
+              </a:rPr>
+              <a:t> </a:t>
+            </a:r>
+            <a:r>
+              <a:rPr lang="en-US" sz="2000" dirty="0" err="1" smtClean="0">
+                <a:solidFill>
+                  <a:schemeClr val="tx1"/>
+                </a:solidFill>
+              </a:rPr>
+              <a:t>bị</a:t>
+            </a:r>
+            <a:r>
+              <a:rPr lang="en-US" sz="2000" dirty="0" smtClean="0">
+                <a:solidFill>
+                  <a:schemeClr val="tx1"/>
+                </a:solidFill>
+              </a:rPr>
+              <a:t> </a:t>
+            </a:r>
+            <a:r>
+              <a:rPr lang="en-US" sz="2000" dirty="0" err="1" smtClean="0">
+                <a:solidFill>
+                  <a:schemeClr val="tx1"/>
+                </a:solidFill>
+              </a:rPr>
+              <a:t>đang</a:t>
+            </a:r>
+            <a:r>
+              <a:rPr lang="en-US" sz="2000" dirty="0" smtClean="0">
+                <a:solidFill>
+                  <a:schemeClr val="tx1"/>
+                </a:solidFill>
+              </a:rPr>
+              <a:t> </a:t>
+            </a:r>
+            <a:r>
+              <a:rPr lang="en-US" sz="2000" dirty="0" err="1" smtClean="0">
+                <a:solidFill>
+                  <a:schemeClr val="tx1"/>
+                </a:solidFill>
+              </a:rPr>
+              <a:t>kết</a:t>
+            </a:r>
+            <a:r>
+              <a:rPr lang="en-US" sz="2000" dirty="0" smtClean="0">
+                <a:solidFill>
+                  <a:schemeClr val="tx1"/>
+                </a:solidFill>
+              </a:rPr>
+              <a:t> </a:t>
+            </a:r>
+            <a:r>
+              <a:rPr lang="en-US" sz="2000" dirty="0" err="1" smtClean="0">
+                <a:solidFill>
+                  <a:schemeClr val="tx1"/>
+                </a:solidFill>
+              </a:rPr>
+              <a:t>nối</a:t>
+            </a:r>
+            <a:r>
+              <a:rPr lang="en-US" sz="2000" dirty="0" smtClean="0">
+                <a:solidFill>
+                  <a:schemeClr val="tx1"/>
+                </a:solidFill>
+              </a:rPr>
+              <a:t> </a:t>
+            </a:r>
+            <a:r>
+              <a:rPr lang="en-US" sz="2000" dirty="0" err="1" smtClean="0">
+                <a:solidFill>
+                  <a:schemeClr val="tx1"/>
+                </a:solidFill>
+              </a:rPr>
+              <a:t>vào</a:t>
+            </a:r>
+            <a:r>
+              <a:rPr lang="en-US" sz="2000" dirty="0" smtClean="0">
+                <a:solidFill>
+                  <a:schemeClr val="tx1"/>
+                </a:solidFill>
+              </a:rPr>
+              <a:t> PC</a:t>
+            </a:r>
+            <a:endParaRPr lang="en-GB" sz="2000" dirty="0">
+              <a:solidFill>
+                <a:schemeClr val="tx1"/>
+              </a:solidFill>
+            </a:endParaRPr>
+          </a:p>
+        </p:txBody>
+      </p:sp>
+      <p:sp>
+        <p:nvSpPr>
+          <p:cNvPr id="5" name="Rounded Rectangle 4"/>
+          <p:cNvSpPr/>
+          <p:nvPr/>
+        </p:nvSpPr>
+        <p:spPr>
+          <a:xfrm>
+            <a:off x="5256234" y="589769"/>
+            <a:ext cx="2133600" cy="1447800"/>
+          </a:xfrm>
+          <a:prstGeom prst="roundRect">
+            <a:avLst/>
+          </a:prstGeom>
+        </p:spPr>
+        <p:style>
+          <a:lnRef idx="1">
+            <a:schemeClr val="accent1"/>
+          </a:lnRef>
+          <a:fillRef idx="2">
+            <a:schemeClr val="accent1"/>
+          </a:fillRef>
+          <a:effectRef idx="1">
+            <a:schemeClr val="accent1"/>
+          </a:effectRef>
+          <a:fontRef idx="minor">
+            <a:schemeClr val="dk1"/>
+          </a:fontRef>
+        </p:style>
+        <p:txBody>
+          <a:bodyPr rtlCol="0" anchor="ctr"/>
+          <a:lstStyle>
+            <a:defPPr>
+              <a:defRPr lang="en-US"/>
+            </a:defPPr>
+            <a:lvl1pPr marL="0" algn="l" defTabSz="914400" rtl="0" eaLnBrk="1" latinLnBrk="0" hangingPunct="1">
+              <a:defRPr sz="1800" kern="1200">
+                <a:solidFill>
+                  <a:schemeClr val="dk1"/>
+                </a:solidFill>
+                <a:latin typeface="+mn-lt"/>
+                <a:ea typeface="+mn-ea"/>
+                <a:cs typeface="+mn-cs"/>
+              </a:defRPr>
+            </a:lvl1pPr>
+            <a:lvl2pPr marL="457200" algn="l" defTabSz="914400" rtl="0" eaLnBrk="1" latinLnBrk="0" hangingPunct="1">
+              <a:defRPr sz="1800" kern="1200">
+                <a:solidFill>
+                  <a:schemeClr val="dk1"/>
+                </a:solidFill>
+                <a:latin typeface="+mn-lt"/>
+                <a:ea typeface="+mn-ea"/>
+                <a:cs typeface="+mn-cs"/>
+              </a:defRPr>
+            </a:lvl2pPr>
+            <a:lvl3pPr marL="914400" algn="l" defTabSz="914400" rtl="0" eaLnBrk="1" latinLnBrk="0" hangingPunct="1">
+              <a:defRPr sz="1800" kern="1200">
+                <a:solidFill>
+                  <a:schemeClr val="dk1"/>
+                </a:solidFill>
+                <a:latin typeface="+mn-lt"/>
+                <a:ea typeface="+mn-ea"/>
+                <a:cs typeface="+mn-cs"/>
+              </a:defRPr>
+            </a:lvl3pPr>
+            <a:lvl4pPr marL="1371600" algn="l" defTabSz="914400" rtl="0" eaLnBrk="1" latinLnBrk="0" hangingPunct="1">
+              <a:defRPr sz="1800" kern="1200">
+                <a:solidFill>
+                  <a:schemeClr val="dk1"/>
+                </a:solidFill>
+                <a:latin typeface="+mn-lt"/>
+                <a:ea typeface="+mn-ea"/>
+                <a:cs typeface="+mn-cs"/>
+              </a:defRPr>
+            </a:lvl4pPr>
+            <a:lvl5pPr marL="1828800" algn="l" defTabSz="914400" rtl="0" eaLnBrk="1" latinLnBrk="0" hangingPunct="1">
+              <a:defRPr sz="1800" kern="1200">
+                <a:solidFill>
+                  <a:schemeClr val="dk1"/>
+                </a:solidFill>
+                <a:latin typeface="+mn-lt"/>
+                <a:ea typeface="+mn-ea"/>
+                <a:cs typeface="+mn-cs"/>
+              </a:defRPr>
+            </a:lvl5pPr>
+            <a:lvl6pPr marL="2286000" algn="l" defTabSz="914400" rtl="0" eaLnBrk="1" latinLnBrk="0" hangingPunct="1">
+              <a:defRPr sz="1800" kern="1200">
+                <a:solidFill>
+                  <a:schemeClr val="dk1"/>
+                </a:solidFill>
+                <a:latin typeface="+mn-lt"/>
+                <a:ea typeface="+mn-ea"/>
+                <a:cs typeface="+mn-cs"/>
+              </a:defRPr>
+            </a:lvl6pPr>
+            <a:lvl7pPr marL="2743200" algn="l" defTabSz="914400" rtl="0" eaLnBrk="1" latinLnBrk="0" hangingPunct="1">
+              <a:defRPr sz="1800" kern="1200">
+                <a:solidFill>
+                  <a:schemeClr val="dk1"/>
+                </a:solidFill>
+                <a:latin typeface="+mn-lt"/>
+                <a:ea typeface="+mn-ea"/>
+                <a:cs typeface="+mn-cs"/>
+              </a:defRPr>
+            </a:lvl7pPr>
+            <a:lvl8pPr marL="3200400" algn="l" defTabSz="914400" rtl="0" eaLnBrk="1" latinLnBrk="0" hangingPunct="1">
+              <a:defRPr sz="1800" kern="1200">
+                <a:solidFill>
+                  <a:schemeClr val="dk1"/>
+                </a:solidFill>
+                <a:latin typeface="+mn-lt"/>
+                <a:ea typeface="+mn-ea"/>
+                <a:cs typeface="+mn-cs"/>
+              </a:defRPr>
+            </a:lvl8pPr>
+            <a:lvl9pPr marL="3657600" algn="l" defTabSz="914400" rtl="0" eaLnBrk="1" latinLnBrk="0" hangingPunct="1">
+              <a:defRPr sz="1800" kern="1200">
+                <a:solidFill>
+                  <a:schemeClr val="dk1"/>
+                </a:solidFill>
+                <a:latin typeface="+mn-lt"/>
+                <a:ea typeface="+mn-ea"/>
+                <a:cs typeface="+mn-cs"/>
+              </a:defRPr>
+            </a:lvl9pPr>
+          </a:lstStyle>
+          <a:p>
+            <a:pPr algn="ctr"/>
+            <a:r>
+              <a:rPr lang="en-US" sz="2000" dirty="0" err="1">
+                <a:solidFill>
+                  <a:schemeClr val="tx1"/>
+                </a:solidFill>
+              </a:rPr>
+              <a:t>T</a:t>
+            </a:r>
+            <a:r>
+              <a:rPr lang="en-US" sz="2000" dirty="0" err="1" smtClean="0">
+                <a:solidFill>
+                  <a:schemeClr val="tx1"/>
+                </a:solidFill>
+              </a:rPr>
+              <a:t>ác</a:t>
+            </a:r>
+            <a:r>
+              <a:rPr lang="en-US" sz="2000" dirty="0" smtClean="0">
+                <a:solidFill>
+                  <a:schemeClr val="tx1"/>
+                </a:solidFill>
+              </a:rPr>
+              <a:t> </a:t>
+            </a:r>
+            <a:r>
+              <a:rPr lang="en-US" sz="2000" dirty="0" err="1" smtClean="0">
+                <a:solidFill>
+                  <a:schemeClr val="tx1"/>
+                </a:solidFill>
+              </a:rPr>
+              <a:t>vụ</a:t>
+            </a:r>
+            <a:r>
+              <a:rPr lang="en-US" sz="2000" dirty="0" smtClean="0">
+                <a:solidFill>
+                  <a:schemeClr val="tx1"/>
+                </a:solidFill>
+              </a:rPr>
+              <a:t> </a:t>
+            </a:r>
+            <a:r>
+              <a:rPr lang="en-US" sz="2000" dirty="0" err="1" smtClean="0">
+                <a:solidFill>
+                  <a:schemeClr val="tx1"/>
+                </a:solidFill>
+              </a:rPr>
+              <a:t>theo</a:t>
+            </a:r>
+            <a:r>
+              <a:rPr lang="en-US" sz="2000" dirty="0" smtClean="0">
+                <a:solidFill>
+                  <a:schemeClr val="tx1"/>
+                </a:solidFill>
+              </a:rPr>
+              <a:t> </a:t>
+            </a:r>
+            <a:r>
+              <a:rPr lang="en-US" sz="2000" dirty="0" err="1" smtClean="0">
+                <a:solidFill>
+                  <a:schemeClr val="tx1"/>
+                </a:solidFill>
+              </a:rPr>
+              <a:t>dõi</a:t>
+            </a:r>
+            <a:r>
+              <a:rPr lang="en-US" sz="2000" dirty="0" smtClean="0">
+                <a:solidFill>
+                  <a:schemeClr val="tx1"/>
+                </a:solidFill>
+              </a:rPr>
+              <a:t> </a:t>
+            </a:r>
+            <a:r>
+              <a:rPr lang="en-US" sz="2000" dirty="0" err="1" smtClean="0">
+                <a:solidFill>
+                  <a:schemeClr val="tx1"/>
+                </a:solidFill>
+              </a:rPr>
+              <a:t>các</a:t>
+            </a:r>
+            <a:r>
+              <a:rPr lang="en-US" sz="2000" dirty="0" smtClean="0">
+                <a:solidFill>
+                  <a:schemeClr val="tx1"/>
+                </a:solidFill>
+              </a:rPr>
+              <a:t> </a:t>
+            </a:r>
+            <a:r>
+              <a:rPr lang="en-US" sz="2000" dirty="0" err="1" smtClean="0">
+                <a:solidFill>
+                  <a:schemeClr val="tx1"/>
+                </a:solidFill>
+              </a:rPr>
+              <a:t>thiết</a:t>
+            </a:r>
+            <a:r>
+              <a:rPr lang="en-US" sz="2000" dirty="0" smtClean="0">
+                <a:solidFill>
+                  <a:schemeClr val="tx1"/>
+                </a:solidFill>
+              </a:rPr>
+              <a:t> </a:t>
+            </a:r>
+            <a:r>
+              <a:rPr lang="en-US" sz="2000" dirty="0" err="1" smtClean="0">
+                <a:solidFill>
+                  <a:schemeClr val="tx1"/>
+                </a:solidFill>
+              </a:rPr>
+              <a:t>bị</a:t>
+            </a:r>
+            <a:r>
+              <a:rPr lang="en-US" sz="2000" dirty="0" smtClean="0">
+                <a:solidFill>
+                  <a:schemeClr val="tx1"/>
+                </a:solidFill>
+              </a:rPr>
+              <a:t> </a:t>
+            </a:r>
+            <a:r>
+              <a:rPr lang="en-US" sz="2000" dirty="0" err="1" smtClean="0">
+                <a:solidFill>
+                  <a:schemeClr val="tx1"/>
+                </a:solidFill>
+              </a:rPr>
+              <a:t>kết</a:t>
+            </a:r>
+            <a:r>
+              <a:rPr lang="en-US" sz="2000" dirty="0" smtClean="0">
+                <a:solidFill>
+                  <a:schemeClr val="tx1"/>
+                </a:solidFill>
+              </a:rPr>
+              <a:t> </a:t>
+            </a:r>
+            <a:r>
+              <a:rPr lang="en-US" sz="2000" dirty="0" err="1" smtClean="0">
+                <a:solidFill>
+                  <a:schemeClr val="tx1"/>
+                </a:solidFill>
+              </a:rPr>
+              <a:t>nối</a:t>
+            </a:r>
+            <a:r>
+              <a:rPr lang="en-US" sz="2000" dirty="0" smtClean="0">
+                <a:solidFill>
+                  <a:schemeClr val="tx1"/>
+                </a:solidFill>
+              </a:rPr>
+              <a:t> </a:t>
+            </a:r>
+            <a:r>
+              <a:rPr lang="en-US" sz="2000" dirty="0" err="1" smtClean="0">
+                <a:solidFill>
+                  <a:schemeClr val="tx1"/>
+                </a:solidFill>
+              </a:rPr>
+              <a:t>vào</a:t>
+            </a:r>
+            <a:r>
+              <a:rPr lang="en-US" sz="2000" dirty="0" smtClean="0">
+                <a:solidFill>
+                  <a:schemeClr val="tx1"/>
+                </a:solidFill>
+              </a:rPr>
+              <a:t> PC</a:t>
+            </a:r>
+          </a:p>
+        </p:txBody>
+      </p:sp>
+      <p:sp>
+        <p:nvSpPr>
+          <p:cNvPr id="6" name="Rounded Rectangle 5"/>
+          <p:cNvSpPr/>
+          <p:nvPr/>
+        </p:nvSpPr>
+        <p:spPr>
+          <a:xfrm>
+            <a:off x="5281634" y="4820431"/>
+            <a:ext cx="2133600" cy="1447800"/>
+          </a:xfrm>
+          <a:prstGeom prst="roundRect">
+            <a:avLst/>
+          </a:prstGeom>
+        </p:spPr>
+        <p:style>
+          <a:lnRef idx="1">
+            <a:schemeClr val="accent1"/>
+          </a:lnRef>
+          <a:fillRef idx="2">
+            <a:schemeClr val="accent1"/>
+          </a:fillRef>
+          <a:effectRef idx="1">
+            <a:schemeClr val="accent1"/>
+          </a:effectRef>
+          <a:fontRef idx="minor">
+            <a:schemeClr val="dk1"/>
+          </a:fontRef>
+        </p:style>
+        <p:txBody>
+          <a:bodyPr rtlCol="0" anchor="ctr"/>
+          <a:lstStyle>
+            <a:defPPr>
+              <a:defRPr lang="en-US"/>
+            </a:defPPr>
+            <a:lvl1pPr marL="0" algn="l" defTabSz="914400" rtl="0" eaLnBrk="1" latinLnBrk="0" hangingPunct="1">
+              <a:defRPr sz="1800" kern="1200">
+                <a:solidFill>
+                  <a:schemeClr val="dk1"/>
+                </a:solidFill>
+                <a:latin typeface="+mn-lt"/>
+                <a:ea typeface="+mn-ea"/>
+                <a:cs typeface="+mn-cs"/>
+              </a:defRPr>
+            </a:lvl1pPr>
+            <a:lvl2pPr marL="457200" algn="l" defTabSz="914400" rtl="0" eaLnBrk="1" latinLnBrk="0" hangingPunct="1">
+              <a:defRPr sz="1800" kern="1200">
+                <a:solidFill>
+                  <a:schemeClr val="dk1"/>
+                </a:solidFill>
+                <a:latin typeface="+mn-lt"/>
+                <a:ea typeface="+mn-ea"/>
+                <a:cs typeface="+mn-cs"/>
+              </a:defRPr>
+            </a:lvl2pPr>
+            <a:lvl3pPr marL="914400" algn="l" defTabSz="914400" rtl="0" eaLnBrk="1" latinLnBrk="0" hangingPunct="1">
+              <a:defRPr sz="1800" kern="1200">
+                <a:solidFill>
+                  <a:schemeClr val="dk1"/>
+                </a:solidFill>
+                <a:latin typeface="+mn-lt"/>
+                <a:ea typeface="+mn-ea"/>
+                <a:cs typeface="+mn-cs"/>
+              </a:defRPr>
+            </a:lvl3pPr>
+            <a:lvl4pPr marL="1371600" algn="l" defTabSz="914400" rtl="0" eaLnBrk="1" latinLnBrk="0" hangingPunct="1">
+              <a:defRPr sz="1800" kern="1200">
+                <a:solidFill>
+                  <a:schemeClr val="dk1"/>
+                </a:solidFill>
+                <a:latin typeface="+mn-lt"/>
+                <a:ea typeface="+mn-ea"/>
+                <a:cs typeface="+mn-cs"/>
+              </a:defRPr>
+            </a:lvl4pPr>
+            <a:lvl5pPr marL="1828800" algn="l" defTabSz="914400" rtl="0" eaLnBrk="1" latinLnBrk="0" hangingPunct="1">
+              <a:defRPr sz="1800" kern="1200">
+                <a:solidFill>
+                  <a:schemeClr val="dk1"/>
+                </a:solidFill>
+                <a:latin typeface="+mn-lt"/>
+                <a:ea typeface="+mn-ea"/>
+                <a:cs typeface="+mn-cs"/>
+              </a:defRPr>
+            </a:lvl5pPr>
+            <a:lvl6pPr marL="2286000" algn="l" defTabSz="914400" rtl="0" eaLnBrk="1" latinLnBrk="0" hangingPunct="1">
+              <a:defRPr sz="1800" kern="1200">
+                <a:solidFill>
+                  <a:schemeClr val="dk1"/>
+                </a:solidFill>
+                <a:latin typeface="+mn-lt"/>
+                <a:ea typeface="+mn-ea"/>
+                <a:cs typeface="+mn-cs"/>
+              </a:defRPr>
+            </a:lvl6pPr>
+            <a:lvl7pPr marL="2743200" algn="l" defTabSz="914400" rtl="0" eaLnBrk="1" latinLnBrk="0" hangingPunct="1">
+              <a:defRPr sz="1800" kern="1200">
+                <a:solidFill>
+                  <a:schemeClr val="dk1"/>
+                </a:solidFill>
+                <a:latin typeface="+mn-lt"/>
+                <a:ea typeface="+mn-ea"/>
+                <a:cs typeface="+mn-cs"/>
+              </a:defRPr>
+            </a:lvl7pPr>
+            <a:lvl8pPr marL="3200400" algn="l" defTabSz="914400" rtl="0" eaLnBrk="1" latinLnBrk="0" hangingPunct="1">
+              <a:defRPr sz="1800" kern="1200">
+                <a:solidFill>
+                  <a:schemeClr val="dk1"/>
+                </a:solidFill>
+                <a:latin typeface="+mn-lt"/>
+                <a:ea typeface="+mn-ea"/>
+                <a:cs typeface="+mn-cs"/>
+              </a:defRPr>
+            </a:lvl8pPr>
+            <a:lvl9pPr marL="3657600" algn="l" defTabSz="914400" rtl="0" eaLnBrk="1" latinLnBrk="0" hangingPunct="1">
+              <a:defRPr sz="1800" kern="1200">
+                <a:solidFill>
+                  <a:schemeClr val="dk1"/>
+                </a:solidFill>
+                <a:latin typeface="+mn-lt"/>
+                <a:ea typeface="+mn-ea"/>
+                <a:cs typeface="+mn-cs"/>
+              </a:defRPr>
+            </a:lvl9pPr>
+          </a:lstStyle>
+          <a:p>
+            <a:pPr algn="ctr"/>
+            <a:r>
+              <a:rPr lang="en-US" sz="2000" dirty="0" err="1">
+                <a:solidFill>
+                  <a:schemeClr val="tx1"/>
+                </a:solidFill>
+              </a:rPr>
+              <a:t>T</a:t>
+            </a:r>
+            <a:r>
+              <a:rPr lang="en-US" sz="2000" dirty="0" err="1" smtClean="0">
+                <a:solidFill>
+                  <a:schemeClr val="tx1"/>
+                </a:solidFill>
+              </a:rPr>
+              <a:t>ác</a:t>
+            </a:r>
+            <a:r>
+              <a:rPr lang="en-US" sz="2000" dirty="0" smtClean="0">
+                <a:solidFill>
+                  <a:schemeClr val="tx1"/>
+                </a:solidFill>
+              </a:rPr>
+              <a:t> </a:t>
+            </a:r>
+            <a:r>
+              <a:rPr lang="en-US" sz="2000" dirty="0" err="1" smtClean="0">
+                <a:solidFill>
+                  <a:schemeClr val="tx1"/>
+                </a:solidFill>
+              </a:rPr>
+              <a:t>vụ</a:t>
+            </a:r>
+            <a:r>
+              <a:rPr lang="en-US" sz="2000" dirty="0" smtClean="0">
+                <a:solidFill>
+                  <a:schemeClr val="tx1"/>
+                </a:solidFill>
+              </a:rPr>
+              <a:t> </a:t>
+            </a:r>
+            <a:r>
+              <a:rPr lang="en-US" sz="2000" dirty="0" err="1" smtClean="0">
+                <a:solidFill>
+                  <a:schemeClr val="tx1"/>
+                </a:solidFill>
+              </a:rPr>
+              <a:t>theo</a:t>
+            </a:r>
+            <a:r>
+              <a:rPr lang="en-US" sz="2000" dirty="0" smtClean="0">
+                <a:solidFill>
+                  <a:schemeClr val="tx1"/>
+                </a:solidFill>
+              </a:rPr>
+              <a:t> </a:t>
+            </a:r>
+            <a:r>
+              <a:rPr lang="en-US" sz="2000" dirty="0" err="1" smtClean="0">
+                <a:solidFill>
+                  <a:schemeClr val="tx1"/>
+                </a:solidFill>
+              </a:rPr>
+              <a:t>dõi</a:t>
+            </a:r>
+            <a:r>
+              <a:rPr lang="en-US" sz="2000" dirty="0" smtClean="0">
+                <a:solidFill>
+                  <a:schemeClr val="tx1"/>
+                </a:solidFill>
+              </a:rPr>
+              <a:t> </a:t>
+            </a:r>
+            <a:r>
+              <a:rPr lang="en-US" sz="2000" dirty="0" err="1" smtClean="0">
+                <a:solidFill>
+                  <a:schemeClr val="tx1"/>
+                </a:solidFill>
+              </a:rPr>
+              <a:t>các</a:t>
+            </a:r>
+            <a:r>
+              <a:rPr lang="en-US" sz="2000" dirty="0" smtClean="0">
+                <a:solidFill>
+                  <a:schemeClr val="tx1"/>
+                </a:solidFill>
+              </a:rPr>
+              <a:t> </a:t>
+            </a:r>
+            <a:r>
+              <a:rPr lang="en-US" sz="2000" dirty="0" err="1" smtClean="0">
+                <a:solidFill>
+                  <a:schemeClr val="tx1"/>
+                </a:solidFill>
+              </a:rPr>
+              <a:t>thiết</a:t>
+            </a:r>
+            <a:r>
+              <a:rPr lang="en-US" sz="2000" dirty="0" smtClean="0">
+                <a:solidFill>
+                  <a:schemeClr val="tx1"/>
+                </a:solidFill>
+              </a:rPr>
+              <a:t> </a:t>
+            </a:r>
+            <a:r>
+              <a:rPr lang="en-US" sz="2000" dirty="0" err="1" smtClean="0">
+                <a:solidFill>
+                  <a:schemeClr val="tx1"/>
+                </a:solidFill>
+              </a:rPr>
+              <a:t>bị</a:t>
+            </a:r>
+            <a:r>
+              <a:rPr lang="en-US" sz="2000" dirty="0" smtClean="0">
+                <a:solidFill>
+                  <a:schemeClr val="tx1"/>
+                </a:solidFill>
+              </a:rPr>
+              <a:t> </a:t>
+            </a:r>
+            <a:r>
+              <a:rPr lang="en-US" sz="2000" dirty="0" err="1" smtClean="0">
+                <a:solidFill>
+                  <a:schemeClr val="tx1"/>
+                </a:solidFill>
+              </a:rPr>
+              <a:t>ngắt</a:t>
+            </a:r>
+            <a:r>
+              <a:rPr lang="en-US" sz="2000" dirty="0" smtClean="0">
+                <a:solidFill>
+                  <a:schemeClr val="tx1"/>
+                </a:solidFill>
+              </a:rPr>
+              <a:t> </a:t>
+            </a:r>
+            <a:r>
+              <a:rPr lang="en-US" sz="2000" dirty="0" err="1" smtClean="0">
+                <a:solidFill>
+                  <a:schemeClr val="tx1"/>
+                </a:solidFill>
+              </a:rPr>
+              <a:t>kết</a:t>
+            </a:r>
+            <a:r>
+              <a:rPr lang="en-US" sz="2000" dirty="0" smtClean="0">
+                <a:solidFill>
+                  <a:schemeClr val="tx1"/>
+                </a:solidFill>
+              </a:rPr>
+              <a:t> </a:t>
+            </a:r>
+            <a:r>
+              <a:rPr lang="en-US" sz="2000" dirty="0" err="1" smtClean="0">
+                <a:solidFill>
+                  <a:schemeClr val="tx1"/>
+                </a:solidFill>
+              </a:rPr>
+              <a:t>nối</a:t>
+            </a:r>
+            <a:r>
+              <a:rPr lang="en-US" sz="2000" dirty="0" smtClean="0">
+                <a:solidFill>
+                  <a:schemeClr val="tx1"/>
+                </a:solidFill>
+              </a:rPr>
+              <a:t> </a:t>
+            </a:r>
+            <a:r>
+              <a:rPr lang="en-US" sz="2000" dirty="0" err="1" smtClean="0">
+                <a:solidFill>
+                  <a:schemeClr val="tx1"/>
+                </a:solidFill>
+              </a:rPr>
+              <a:t>khỏi</a:t>
+            </a:r>
+            <a:r>
+              <a:rPr lang="en-US" sz="2000" dirty="0" smtClean="0">
+                <a:solidFill>
+                  <a:schemeClr val="tx1"/>
+                </a:solidFill>
+              </a:rPr>
+              <a:t> PC</a:t>
+            </a:r>
+          </a:p>
+        </p:txBody>
+      </p:sp>
+      <p:sp>
+        <p:nvSpPr>
+          <p:cNvPr id="7" name="Rounded Rectangle 6"/>
+          <p:cNvSpPr/>
+          <p:nvPr/>
+        </p:nvSpPr>
+        <p:spPr>
+          <a:xfrm>
+            <a:off x="1598634" y="2723369"/>
+            <a:ext cx="2133600" cy="1447800"/>
+          </a:xfrm>
+          <a:prstGeom prst="roundRect">
+            <a:avLst/>
+          </a:prstGeom>
+        </p:spPr>
+        <p:style>
+          <a:lnRef idx="1">
+            <a:schemeClr val="accent1"/>
+          </a:lnRef>
+          <a:fillRef idx="2">
+            <a:schemeClr val="accent1"/>
+          </a:fillRef>
+          <a:effectRef idx="1">
+            <a:schemeClr val="accent1"/>
+          </a:effectRef>
+          <a:fontRef idx="minor">
+            <a:schemeClr val="dk1"/>
+          </a:fontRef>
+        </p:style>
+        <p:txBody>
+          <a:bodyPr rtlCol="0" anchor="ctr"/>
+          <a:lstStyle>
+            <a:defPPr>
+              <a:defRPr lang="en-US"/>
+            </a:defPPr>
+            <a:lvl1pPr marL="0" algn="l" defTabSz="914400" rtl="0" eaLnBrk="1" latinLnBrk="0" hangingPunct="1">
+              <a:defRPr sz="1800" kern="1200">
+                <a:solidFill>
+                  <a:schemeClr val="dk1"/>
+                </a:solidFill>
+                <a:latin typeface="+mn-lt"/>
+                <a:ea typeface="+mn-ea"/>
+                <a:cs typeface="+mn-cs"/>
+              </a:defRPr>
+            </a:lvl1pPr>
+            <a:lvl2pPr marL="457200" algn="l" defTabSz="914400" rtl="0" eaLnBrk="1" latinLnBrk="0" hangingPunct="1">
+              <a:defRPr sz="1800" kern="1200">
+                <a:solidFill>
+                  <a:schemeClr val="dk1"/>
+                </a:solidFill>
+                <a:latin typeface="+mn-lt"/>
+                <a:ea typeface="+mn-ea"/>
+                <a:cs typeface="+mn-cs"/>
+              </a:defRPr>
+            </a:lvl2pPr>
+            <a:lvl3pPr marL="914400" algn="l" defTabSz="914400" rtl="0" eaLnBrk="1" latinLnBrk="0" hangingPunct="1">
+              <a:defRPr sz="1800" kern="1200">
+                <a:solidFill>
+                  <a:schemeClr val="dk1"/>
+                </a:solidFill>
+                <a:latin typeface="+mn-lt"/>
+                <a:ea typeface="+mn-ea"/>
+                <a:cs typeface="+mn-cs"/>
+              </a:defRPr>
+            </a:lvl3pPr>
+            <a:lvl4pPr marL="1371600" algn="l" defTabSz="914400" rtl="0" eaLnBrk="1" latinLnBrk="0" hangingPunct="1">
+              <a:defRPr sz="1800" kern="1200">
+                <a:solidFill>
+                  <a:schemeClr val="dk1"/>
+                </a:solidFill>
+                <a:latin typeface="+mn-lt"/>
+                <a:ea typeface="+mn-ea"/>
+                <a:cs typeface="+mn-cs"/>
+              </a:defRPr>
+            </a:lvl4pPr>
+            <a:lvl5pPr marL="1828800" algn="l" defTabSz="914400" rtl="0" eaLnBrk="1" latinLnBrk="0" hangingPunct="1">
+              <a:defRPr sz="1800" kern="1200">
+                <a:solidFill>
+                  <a:schemeClr val="dk1"/>
+                </a:solidFill>
+                <a:latin typeface="+mn-lt"/>
+                <a:ea typeface="+mn-ea"/>
+                <a:cs typeface="+mn-cs"/>
+              </a:defRPr>
+            </a:lvl5pPr>
+            <a:lvl6pPr marL="2286000" algn="l" defTabSz="914400" rtl="0" eaLnBrk="1" latinLnBrk="0" hangingPunct="1">
+              <a:defRPr sz="1800" kern="1200">
+                <a:solidFill>
+                  <a:schemeClr val="dk1"/>
+                </a:solidFill>
+                <a:latin typeface="+mn-lt"/>
+                <a:ea typeface="+mn-ea"/>
+                <a:cs typeface="+mn-cs"/>
+              </a:defRPr>
+            </a:lvl6pPr>
+            <a:lvl7pPr marL="2743200" algn="l" defTabSz="914400" rtl="0" eaLnBrk="1" latinLnBrk="0" hangingPunct="1">
+              <a:defRPr sz="1800" kern="1200">
+                <a:solidFill>
+                  <a:schemeClr val="dk1"/>
+                </a:solidFill>
+                <a:latin typeface="+mn-lt"/>
+                <a:ea typeface="+mn-ea"/>
+                <a:cs typeface="+mn-cs"/>
+              </a:defRPr>
+            </a:lvl7pPr>
+            <a:lvl8pPr marL="3200400" algn="l" defTabSz="914400" rtl="0" eaLnBrk="1" latinLnBrk="0" hangingPunct="1">
+              <a:defRPr sz="1800" kern="1200">
+                <a:solidFill>
+                  <a:schemeClr val="dk1"/>
+                </a:solidFill>
+                <a:latin typeface="+mn-lt"/>
+                <a:ea typeface="+mn-ea"/>
+                <a:cs typeface="+mn-cs"/>
+              </a:defRPr>
+            </a:lvl8pPr>
+            <a:lvl9pPr marL="3657600" algn="l" defTabSz="914400" rtl="0" eaLnBrk="1" latinLnBrk="0" hangingPunct="1">
+              <a:defRPr sz="1800" kern="1200">
+                <a:solidFill>
+                  <a:schemeClr val="dk1"/>
+                </a:solidFill>
+                <a:latin typeface="+mn-lt"/>
+                <a:ea typeface="+mn-ea"/>
+                <a:cs typeface="+mn-cs"/>
+              </a:defRPr>
+            </a:lvl9pPr>
+          </a:lstStyle>
+          <a:p>
+            <a:pPr algn="ctr"/>
+            <a:r>
+              <a:rPr lang="en-US" sz="2000" dirty="0" err="1" smtClean="0">
+                <a:solidFill>
+                  <a:schemeClr val="tx1"/>
+                </a:solidFill>
+              </a:rPr>
+              <a:t>Ứng</a:t>
+            </a:r>
+            <a:r>
+              <a:rPr lang="en-US" sz="2000" dirty="0" smtClean="0">
+                <a:solidFill>
+                  <a:schemeClr val="tx1"/>
+                </a:solidFill>
+              </a:rPr>
+              <a:t> </a:t>
+            </a:r>
+            <a:r>
+              <a:rPr lang="en-US" sz="2000" dirty="0" err="1" smtClean="0">
+                <a:solidFill>
+                  <a:schemeClr val="tx1"/>
+                </a:solidFill>
+              </a:rPr>
+              <a:t>dụng</a:t>
+            </a:r>
+            <a:r>
+              <a:rPr lang="en-US" sz="2000" dirty="0" smtClean="0">
+                <a:solidFill>
+                  <a:schemeClr val="tx1"/>
+                </a:solidFill>
+              </a:rPr>
+              <a:t> </a:t>
+            </a:r>
+            <a:r>
+              <a:rPr lang="en-US" sz="2000" dirty="0" err="1" smtClean="0">
+                <a:solidFill>
+                  <a:schemeClr val="tx1"/>
+                </a:solidFill>
+              </a:rPr>
+              <a:t>giám</a:t>
+            </a:r>
+            <a:r>
+              <a:rPr lang="en-US" sz="2000" dirty="0" smtClean="0">
+                <a:solidFill>
+                  <a:schemeClr val="tx1"/>
+                </a:solidFill>
+              </a:rPr>
+              <a:t> </a:t>
+            </a:r>
+            <a:r>
+              <a:rPr lang="en-US" sz="2000" dirty="0" err="1" smtClean="0">
+                <a:solidFill>
+                  <a:schemeClr val="tx1"/>
+                </a:solidFill>
+              </a:rPr>
+              <a:t>sát</a:t>
+            </a:r>
+            <a:endParaRPr lang="en-US" sz="2000" dirty="0" smtClean="0">
+              <a:solidFill>
+                <a:schemeClr val="tx1"/>
+              </a:solidFill>
+            </a:endParaRPr>
+          </a:p>
+        </p:txBody>
+      </p:sp>
+      <p:sp>
+        <p:nvSpPr>
+          <p:cNvPr id="8" name="Right Arrow 7"/>
+          <p:cNvSpPr/>
+          <p:nvPr/>
+        </p:nvSpPr>
+        <p:spPr>
+          <a:xfrm rot="20001495">
+            <a:off x="3753489" y="2064838"/>
+            <a:ext cx="1197005" cy="235553"/>
+          </a:xfrm>
+          <a:prstGeom prst="rightArrow">
+            <a:avLst/>
+          </a:prstGeom>
+        </p:spPr>
+        <p:style>
+          <a:lnRef idx="2">
+            <a:schemeClr val="accent1">
+              <a:shade val="50000"/>
+            </a:schemeClr>
+          </a:lnRef>
+          <a:fillRef idx="1">
+            <a:schemeClr val="accent1"/>
+          </a:fillRef>
+          <a:effectRef idx="0">
+            <a:schemeClr val="accent1"/>
+          </a:effectRef>
+          <a:fontRef idx="minor">
+            <a:schemeClr val="lt1"/>
+          </a:fontRef>
+        </p:style>
+        <p:txBody>
+          <a:bodyPr rtlCol="0" anchor="ctr"/>
+          <a:lstStyle>
+            <a:defPPr>
+              <a:defRPr lang="en-US"/>
+            </a:defPPr>
+            <a:lvl1pPr marL="0" algn="l" defTabSz="914400" rtl="0" eaLnBrk="1" latinLnBrk="0" hangingPunct="1">
+              <a:defRPr sz="1800" kern="1200">
+                <a:solidFill>
+                  <a:schemeClr val="lt1"/>
+                </a:solidFill>
+                <a:latin typeface="+mn-lt"/>
+                <a:ea typeface="+mn-ea"/>
+                <a:cs typeface="+mn-cs"/>
+              </a:defRPr>
+            </a:lvl1pPr>
+            <a:lvl2pPr marL="457200" algn="l" defTabSz="914400" rtl="0" eaLnBrk="1" latinLnBrk="0" hangingPunct="1">
+              <a:defRPr sz="1800" kern="1200">
+                <a:solidFill>
+                  <a:schemeClr val="lt1"/>
+                </a:solidFill>
+                <a:latin typeface="+mn-lt"/>
+                <a:ea typeface="+mn-ea"/>
+                <a:cs typeface="+mn-cs"/>
+              </a:defRPr>
+            </a:lvl2pPr>
+            <a:lvl3pPr marL="914400" algn="l" defTabSz="914400" rtl="0" eaLnBrk="1" latinLnBrk="0" hangingPunct="1">
+              <a:defRPr sz="1800" kern="1200">
+                <a:solidFill>
+                  <a:schemeClr val="lt1"/>
+                </a:solidFill>
+                <a:latin typeface="+mn-lt"/>
+                <a:ea typeface="+mn-ea"/>
+                <a:cs typeface="+mn-cs"/>
+              </a:defRPr>
+            </a:lvl3pPr>
+            <a:lvl4pPr marL="1371600" algn="l" defTabSz="914400" rtl="0" eaLnBrk="1" latinLnBrk="0" hangingPunct="1">
+              <a:defRPr sz="1800" kern="1200">
+                <a:solidFill>
+                  <a:schemeClr val="lt1"/>
+                </a:solidFill>
+                <a:latin typeface="+mn-lt"/>
+                <a:ea typeface="+mn-ea"/>
+                <a:cs typeface="+mn-cs"/>
+              </a:defRPr>
+            </a:lvl4pPr>
+            <a:lvl5pPr marL="1828800" algn="l" defTabSz="914400" rtl="0" eaLnBrk="1" latinLnBrk="0" hangingPunct="1">
+              <a:defRPr sz="1800" kern="1200">
+                <a:solidFill>
+                  <a:schemeClr val="lt1"/>
+                </a:solidFill>
+                <a:latin typeface="+mn-lt"/>
+                <a:ea typeface="+mn-ea"/>
+                <a:cs typeface="+mn-cs"/>
+              </a:defRPr>
+            </a:lvl5pPr>
+            <a:lvl6pPr marL="2286000" algn="l" defTabSz="914400" rtl="0" eaLnBrk="1" latinLnBrk="0" hangingPunct="1">
+              <a:defRPr sz="1800" kern="1200">
+                <a:solidFill>
+                  <a:schemeClr val="lt1"/>
+                </a:solidFill>
+                <a:latin typeface="+mn-lt"/>
+                <a:ea typeface="+mn-ea"/>
+                <a:cs typeface="+mn-cs"/>
+              </a:defRPr>
+            </a:lvl6pPr>
+            <a:lvl7pPr marL="2743200" algn="l" defTabSz="914400" rtl="0" eaLnBrk="1" latinLnBrk="0" hangingPunct="1">
+              <a:defRPr sz="1800" kern="1200">
+                <a:solidFill>
+                  <a:schemeClr val="lt1"/>
+                </a:solidFill>
+                <a:latin typeface="+mn-lt"/>
+                <a:ea typeface="+mn-ea"/>
+                <a:cs typeface="+mn-cs"/>
+              </a:defRPr>
+            </a:lvl7pPr>
+            <a:lvl8pPr marL="3200400" algn="l" defTabSz="914400" rtl="0" eaLnBrk="1" latinLnBrk="0" hangingPunct="1">
+              <a:defRPr sz="1800" kern="1200">
+                <a:solidFill>
+                  <a:schemeClr val="lt1"/>
+                </a:solidFill>
+                <a:latin typeface="+mn-lt"/>
+                <a:ea typeface="+mn-ea"/>
+                <a:cs typeface="+mn-cs"/>
+              </a:defRPr>
+            </a:lvl8pPr>
+            <a:lvl9pPr marL="3657600" algn="l" defTabSz="914400" rtl="0" eaLnBrk="1" latinLnBrk="0" hangingPunct="1">
+              <a:defRPr sz="1800" kern="1200">
+                <a:solidFill>
+                  <a:schemeClr val="lt1"/>
+                </a:solidFill>
+                <a:latin typeface="+mn-lt"/>
+                <a:ea typeface="+mn-ea"/>
+                <a:cs typeface="+mn-cs"/>
+              </a:defRPr>
+            </a:lvl9pPr>
+          </a:lstStyle>
+          <a:p>
+            <a:pPr algn="ctr"/>
+            <a:endParaRPr lang="en-US"/>
+          </a:p>
+        </p:txBody>
+      </p:sp>
+      <p:sp>
+        <p:nvSpPr>
+          <p:cNvPr id="9" name="Right Arrow 8"/>
+          <p:cNvSpPr/>
+          <p:nvPr/>
+        </p:nvSpPr>
+        <p:spPr>
+          <a:xfrm>
+            <a:off x="3800755" y="3334053"/>
+            <a:ext cx="1197005" cy="235553"/>
+          </a:xfrm>
+          <a:prstGeom prst="rightArrow">
+            <a:avLst/>
+          </a:prstGeom>
+        </p:spPr>
+        <p:style>
+          <a:lnRef idx="2">
+            <a:schemeClr val="accent1">
+              <a:shade val="50000"/>
+            </a:schemeClr>
+          </a:lnRef>
+          <a:fillRef idx="1">
+            <a:schemeClr val="accent1"/>
+          </a:fillRef>
+          <a:effectRef idx="0">
+            <a:schemeClr val="accent1"/>
+          </a:effectRef>
+          <a:fontRef idx="minor">
+            <a:schemeClr val="lt1"/>
+          </a:fontRef>
+        </p:style>
+        <p:txBody>
+          <a:bodyPr rtlCol="0" anchor="ctr"/>
+          <a:lstStyle>
+            <a:defPPr>
+              <a:defRPr lang="en-US"/>
+            </a:defPPr>
+            <a:lvl1pPr marL="0" algn="l" defTabSz="914400" rtl="0" eaLnBrk="1" latinLnBrk="0" hangingPunct="1">
+              <a:defRPr sz="1800" kern="1200">
+                <a:solidFill>
+                  <a:schemeClr val="lt1"/>
+                </a:solidFill>
+                <a:latin typeface="+mn-lt"/>
+                <a:ea typeface="+mn-ea"/>
+                <a:cs typeface="+mn-cs"/>
+              </a:defRPr>
+            </a:lvl1pPr>
+            <a:lvl2pPr marL="457200" algn="l" defTabSz="914400" rtl="0" eaLnBrk="1" latinLnBrk="0" hangingPunct="1">
+              <a:defRPr sz="1800" kern="1200">
+                <a:solidFill>
+                  <a:schemeClr val="lt1"/>
+                </a:solidFill>
+                <a:latin typeface="+mn-lt"/>
+                <a:ea typeface="+mn-ea"/>
+                <a:cs typeface="+mn-cs"/>
+              </a:defRPr>
+            </a:lvl2pPr>
+            <a:lvl3pPr marL="914400" algn="l" defTabSz="914400" rtl="0" eaLnBrk="1" latinLnBrk="0" hangingPunct="1">
+              <a:defRPr sz="1800" kern="1200">
+                <a:solidFill>
+                  <a:schemeClr val="lt1"/>
+                </a:solidFill>
+                <a:latin typeface="+mn-lt"/>
+                <a:ea typeface="+mn-ea"/>
+                <a:cs typeface="+mn-cs"/>
+              </a:defRPr>
+            </a:lvl3pPr>
+            <a:lvl4pPr marL="1371600" algn="l" defTabSz="914400" rtl="0" eaLnBrk="1" latinLnBrk="0" hangingPunct="1">
+              <a:defRPr sz="1800" kern="1200">
+                <a:solidFill>
+                  <a:schemeClr val="lt1"/>
+                </a:solidFill>
+                <a:latin typeface="+mn-lt"/>
+                <a:ea typeface="+mn-ea"/>
+                <a:cs typeface="+mn-cs"/>
+              </a:defRPr>
+            </a:lvl4pPr>
+            <a:lvl5pPr marL="1828800" algn="l" defTabSz="914400" rtl="0" eaLnBrk="1" latinLnBrk="0" hangingPunct="1">
+              <a:defRPr sz="1800" kern="1200">
+                <a:solidFill>
+                  <a:schemeClr val="lt1"/>
+                </a:solidFill>
+                <a:latin typeface="+mn-lt"/>
+                <a:ea typeface="+mn-ea"/>
+                <a:cs typeface="+mn-cs"/>
+              </a:defRPr>
+            </a:lvl5pPr>
+            <a:lvl6pPr marL="2286000" algn="l" defTabSz="914400" rtl="0" eaLnBrk="1" latinLnBrk="0" hangingPunct="1">
+              <a:defRPr sz="1800" kern="1200">
+                <a:solidFill>
+                  <a:schemeClr val="lt1"/>
+                </a:solidFill>
+                <a:latin typeface="+mn-lt"/>
+                <a:ea typeface="+mn-ea"/>
+                <a:cs typeface="+mn-cs"/>
+              </a:defRPr>
+            </a:lvl6pPr>
+            <a:lvl7pPr marL="2743200" algn="l" defTabSz="914400" rtl="0" eaLnBrk="1" latinLnBrk="0" hangingPunct="1">
+              <a:defRPr sz="1800" kern="1200">
+                <a:solidFill>
+                  <a:schemeClr val="lt1"/>
+                </a:solidFill>
+                <a:latin typeface="+mn-lt"/>
+                <a:ea typeface="+mn-ea"/>
+                <a:cs typeface="+mn-cs"/>
+              </a:defRPr>
+            </a:lvl7pPr>
+            <a:lvl8pPr marL="3200400" algn="l" defTabSz="914400" rtl="0" eaLnBrk="1" latinLnBrk="0" hangingPunct="1">
+              <a:defRPr sz="1800" kern="1200">
+                <a:solidFill>
+                  <a:schemeClr val="lt1"/>
+                </a:solidFill>
+                <a:latin typeface="+mn-lt"/>
+                <a:ea typeface="+mn-ea"/>
+                <a:cs typeface="+mn-cs"/>
+              </a:defRPr>
+            </a:lvl8pPr>
+            <a:lvl9pPr marL="3657600" algn="l" defTabSz="914400" rtl="0" eaLnBrk="1" latinLnBrk="0" hangingPunct="1">
+              <a:defRPr sz="1800" kern="1200">
+                <a:solidFill>
+                  <a:schemeClr val="lt1"/>
+                </a:solidFill>
+                <a:latin typeface="+mn-lt"/>
+                <a:ea typeface="+mn-ea"/>
+                <a:cs typeface="+mn-cs"/>
+              </a:defRPr>
+            </a:lvl9pPr>
+          </a:lstStyle>
+          <a:p>
+            <a:pPr algn="ctr"/>
+            <a:endParaRPr lang="en-US"/>
+          </a:p>
+        </p:txBody>
+      </p:sp>
+      <p:sp>
+        <p:nvSpPr>
+          <p:cNvPr id="10" name="Right Arrow 9"/>
+          <p:cNvSpPr/>
+          <p:nvPr/>
+        </p:nvSpPr>
+        <p:spPr>
+          <a:xfrm rot="2158871">
+            <a:off x="3755763" y="4676559"/>
+            <a:ext cx="1197005" cy="235553"/>
+          </a:xfrm>
+          <a:prstGeom prst="rightArrow">
+            <a:avLst/>
+          </a:prstGeom>
+        </p:spPr>
+        <p:style>
+          <a:lnRef idx="2">
+            <a:schemeClr val="accent1">
+              <a:shade val="50000"/>
+            </a:schemeClr>
+          </a:lnRef>
+          <a:fillRef idx="1">
+            <a:schemeClr val="accent1"/>
+          </a:fillRef>
+          <a:effectRef idx="0">
+            <a:schemeClr val="accent1"/>
+          </a:effectRef>
+          <a:fontRef idx="minor">
+            <a:schemeClr val="lt1"/>
+          </a:fontRef>
+        </p:style>
+        <p:txBody>
+          <a:bodyPr rtlCol="0" anchor="ctr"/>
+          <a:lstStyle>
+            <a:defPPr>
+              <a:defRPr lang="en-US"/>
+            </a:defPPr>
+            <a:lvl1pPr marL="0" algn="l" defTabSz="914400" rtl="0" eaLnBrk="1" latinLnBrk="0" hangingPunct="1">
+              <a:defRPr sz="1800" kern="1200">
+                <a:solidFill>
+                  <a:schemeClr val="lt1"/>
+                </a:solidFill>
+                <a:latin typeface="+mn-lt"/>
+                <a:ea typeface="+mn-ea"/>
+                <a:cs typeface="+mn-cs"/>
+              </a:defRPr>
+            </a:lvl1pPr>
+            <a:lvl2pPr marL="457200" algn="l" defTabSz="914400" rtl="0" eaLnBrk="1" latinLnBrk="0" hangingPunct="1">
+              <a:defRPr sz="1800" kern="1200">
+                <a:solidFill>
+                  <a:schemeClr val="lt1"/>
+                </a:solidFill>
+                <a:latin typeface="+mn-lt"/>
+                <a:ea typeface="+mn-ea"/>
+                <a:cs typeface="+mn-cs"/>
+              </a:defRPr>
+            </a:lvl2pPr>
+            <a:lvl3pPr marL="914400" algn="l" defTabSz="914400" rtl="0" eaLnBrk="1" latinLnBrk="0" hangingPunct="1">
+              <a:defRPr sz="1800" kern="1200">
+                <a:solidFill>
+                  <a:schemeClr val="lt1"/>
+                </a:solidFill>
+                <a:latin typeface="+mn-lt"/>
+                <a:ea typeface="+mn-ea"/>
+                <a:cs typeface="+mn-cs"/>
+              </a:defRPr>
+            </a:lvl3pPr>
+            <a:lvl4pPr marL="1371600" algn="l" defTabSz="914400" rtl="0" eaLnBrk="1" latinLnBrk="0" hangingPunct="1">
+              <a:defRPr sz="1800" kern="1200">
+                <a:solidFill>
+                  <a:schemeClr val="lt1"/>
+                </a:solidFill>
+                <a:latin typeface="+mn-lt"/>
+                <a:ea typeface="+mn-ea"/>
+                <a:cs typeface="+mn-cs"/>
+              </a:defRPr>
+            </a:lvl4pPr>
+            <a:lvl5pPr marL="1828800" algn="l" defTabSz="914400" rtl="0" eaLnBrk="1" latinLnBrk="0" hangingPunct="1">
+              <a:defRPr sz="1800" kern="1200">
+                <a:solidFill>
+                  <a:schemeClr val="lt1"/>
+                </a:solidFill>
+                <a:latin typeface="+mn-lt"/>
+                <a:ea typeface="+mn-ea"/>
+                <a:cs typeface="+mn-cs"/>
+              </a:defRPr>
+            </a:lvl5pPr>
+            <a:lvl6pPr marL="2286000" algn="l" defTabSz="914400" rtl="0" eaLnBrk="1" latinLnBrk="0" hangingPunct="1">
+              <a:defRPr sz="1800" kern="1200">
+                <a:solidFill>
+                  <a:schemeClr val="lt1"/>
+                </a:solidFill>
+                <a:latin typeface="+mn-lt"/>
+                <a:ea typeface="+mn-ea"/>
+                <a:cs typeface="+mn-cs"/>
+              </a:defRPr>
+            </a:lvl6pPr>
+            <a:lvl7pPr marL="2743200" algn="l" defTabSz="914400" rtl="0" eaLnBrk="1" latinLnBrk="0" hangingPunct="1">
+              <a:defRPr sz="1800" kern="1200">
+                <a:solidFill>
+                  <a:schemeClr val="lt1"/>
+                </a:solidFill>
+                <a:latin typeface="+mn-lt"/>
+                <a:ea typeface="+mn-ea"/>
+                <a:cs typeface="+mn-cs"/>
+              </a:defRPr>
+            </a:lvl7pPr>
+            <a:lvl8pPr marL="3200400" algn="l" defTabSz="914400" rtl="0" eaLnBrk="1" latinLnBrk="0" hangingPunct="1">
+              <a:defRPr sz="1800" kern="1200">
+                <a:solidFill>
+                  <a:schemeClr val="lt1"/>
+                </a:solidFill>
+                <a:latin typeface="+mn-lt"/>
+                <a:ea typeface="+mn-ea"/>
+                <a:cs typeface="+mn-cs"/>
+              </a:defRPr>
+            </a:lvl8pPr>
+            <a:lvl9pPr marL="3657600" algn="l" defTabSz="914400" rtl="0" eaLnBrk="1" latinLnBrk="0" hangingPunct="1">
+              <a:defRPr sz="1800" kern="1200">
+                <a:solidFill>
+                  <a:schemeClr val="lt1"/>
+                </a:solidFill>
+                <a:latin typeface="+mn-lt"/>
+                <a:ea typeface="+mn-ea"/>
+                <a:cs typeface="+mn-cs"/>
+              </a:defRPr>
+            </a:lvl9pPr>
+          </a:lstStyle>
+          <a:p>
+            <a:pPr algn="ctr"/>
+            <a:endParaRPr lang="en-US"/>
+          </a:p>
+        </p:txBody>
+      </p:sp>
+      <p:sp>
+        <p:nvSpPr>
+          <p:cNvPr id="11" name="TextBox 10"/>
+          <p:cNvSpPr txBox="1"/>
+          <p:nvPr/>
+        </p:nvSpPr>
+        <p:spPr>
+          <a:xfrm rot="19781233">
+            <a:off x="3903599" y="1698335"/>
+            <a:ext cx="511294" cy="369332"/>
+          </a:xfrm>
+          <a:prstGeom prst="rect">
+            <a:avLst/>
+          </a:prstGeom>
+          <a:noFill/>
+        </p:spPr>
+        <p:txBody>
+          <a:bodyPr wrap="none" rtlCol="0">
+            <a:spAutoFit/>
+          </a:bodyPr>
+          <a:lstStyle>
+            <a:defPPr>
+              <a:defRPr lang="en-US"/>
+            </a:defPPr>
+            <a:lvl1pPr marL="0" algn="l" defTabSz="914400" rtl="0" eaLnBrk="1" latinLnBrk="0" hangingPunct="1">
+              <a:defRPr sz="1800" kern="1200">
+                <a:solidFill>
+                  <a:schemeClr val="tx1"/>
+                </a:solidFill>
+                <a:latin typeface="+mn-lt"/>
+                <a:ea typeface="+mn-ea"/>
+                <a:cs typeface="+mn-cs"/>
+              </a:defRPr>
+            </a:lvl1pPr>
+            <a:lvl2pPr marL="457200" algn="l" defTabSz="914400" rtl="0" eaLnBrk="1" latinLnBrk="0" hangingPunct="1">
+              <a:defRPr sz="1800" kern="1200">
+                <a:solidFill>
+                  <a:schemeClr val="tx1"/>
+                </a:solidFill>
+                <a:latin typeface="+mn-lt"/>
+                <a:ea typeface="+mn-ea"/>
+                <a:cs typeface="+mn-cs"/>
+              </a:defRPr>
+            </a:lvl2pPr>
+            <a:lvl3pPr marL="914400" algn="l" defTabSz="914400" rtl="0" eaLnBrk="1" latinLnBrk="0" hangingPunct="1">
+              <a:defRPr sz="1800" kern="1200">
+                <a:solidFill>
+                  <a:schemeClr val="tx1"/>
+                </a:solidFill>
+                <a:latin typeface="+mn-lt"/>
+                <a:ea typeface="+mn-ea"/>
+                <a:cs typeface="+mn-cs"/>
+              </a:defRPr>
+            </a:lvl3pPr>
+            <a:lvl4pPr marL="1371600" algn="l" defTabSz="914400" rtl="0" eaLnBrk="1" latinLnBrk="0" hangingPunct="1">
+              <a:defRPr sz="1800" kern="1200">
+                <a:solidFill>
+                  <a:schemeClr val="tx1"/>
+                </a:solidFill>
+                <a:latin typeface="+mn-lt"/>
+                <a:ea typeface="+mn-ea"/>
+                <a:cs typeface="+mn-cs"/>
+              </a:defRPr>
+            </a:lvl4pPr>
+            <a:lvl5pPr marL="1828800" algn="l" defTabSz="914400" rtl="0" eaLnBrk="1" latinLnBrk="0" hangingPunct="1">
+              <a:defRPr sz="1800" kern="1200">
+                <a:solidFill>
+                  <a:schemeClr val="tx1"/>
+                </a:solidFill>
+                <a:latin typeface="+mn-lt"/>
+                <a:ea typeface="+mn-ea"/>
+                <a:cs typeface="+mn-cs"/>
+              </a:defRPr>
+            </a:lvl5pPr>
+            <a:lvl6pPr marL="2286000" algn="l" defTabSz="914400" rtl="0" eaLnBrk="1" latinLnBrk="0" hangingPunct="1">
+              <a:defRPr sz="1800" kern="1200">
+                <a:solidFill>
+                  <a:schemeClr val="tx1"/>
+                </a:solidFill>
+                <a:latin typeface="+mn-lt"/>
+                <a:ea typeface="+mn-ea"/>
+                <a:cs typeface="+mn-cs"/>
+              </a:defRPr>
+            </a:lvl6pPr>
+            <a:lvl7pPr marL="2743200" algn="l" defTabSz="914400" rtl="0" eaLnBrk="1" latinLnBrk="0" hangingPunct="1">
+              <a:defRPr sz="1800" kern="1200">
+                <a:solidFill>
+                  <a:schemeClr val="tx1"/>
+                </a:solidFill>
+                <a:latin typeface="+mn-lt"/>
+                <a:ea typeface="+mn-ea"/>
+                <a:cs typeface="+mn-cs"/>
+              </a:defRPr>
+            </a:lvl7pPr>
+            <a:lvl8pPr marL="3200400" algn="l" defTabSz="914400" rtl="0" eaLnBrk="1" latinLnBrk="0" hangingPunct="1">
+              <a:defRPr sz="1800" kern="1200">
+                <a:solidFill>
+                  <a:schemeClr val="tx1"/>
+                </a:solidFill>
+                <a:latin typeface="+mn-lt"/>
+                <a:ea typeface="+mn-ea"/>
+                <a:cs typeface="+mn-cs"/>
+              </a:defRPr>
+            </a:lvl8pPr>
+            <a:lvl9pPr marL="3657600" algn="l" defTabSz="914400" rtl="0" eaLnBrk="1" latinLnBrk="0" hangingPunct="1">
+              <a:defRPr sz="1800" kern="1200">
+                <a:solidFill>
+                  <a:schemeClr val="tx1"/>
+                </a:solidFill>
+                <a:latin typeface="+mn-lt"/>
+                <a:ea typeface="+mn-ea"/>
+                <a:cs typeface="+mn-cs"/>
+              </a:defRPr>
+            </a:lvl9pPr>
+          </a:lstStyle>
+          <a:p>
+            <a:r>
+              <a:rPr lang="en-US" dirty="0" err="1" smtClean="0"/>
+              <a:t>Tạo</a:t>
+            </a:r>
+            <a:endParaRPr lang="en-US" dirty="0"/>
+          </a:p>
+        </p:txBody>
+      </p:sp>
+      <p:sp>
+        <p:nvSpPr>
+          <p:cNvPr id="12" name="TextBox 11"/>
+          <p:cNvSpPr txBox="1"/>
+          <p:nvPr/>
+        </p:nvSpPr>
+        <p:spPr>
+          <a:xfrm>
+            <a:off x="4175296" y="2958106"/>
+            <a:ext cx="511294" cy="369332"/>
+          </a:xfrm>
+          <a:prstGeom prst="rect">
+            <a:avLst/>
+          </a:prstGeom>
+          <a:noFill/>
+        </p:spPr>
+        <p:txBody>
+          <a:bodyPr wrap="none" rtlCol="0">
+            <a:spAutoFit/>
+          </a:bodyPr>
+          <a:lstStyle>
+            <a:defPPr>
+              <a:defRPr lang="en-US"/>
+            </a:defPPr>
+            <a:lvl1pPr marL="0" algn="l" defTabSz="914400" rtl="0" eaLnBrk="1" latinLnBrk="0" hangingPunct="1">
+              <a:defRPr sz="1800" kern="1200">
+                <a:solidFill>
+                  <a:schemeClr val="tx1"/>
+                </a:solidFill>
+                <a:latin typeface="+mn-lt"/>
+                <a:ea typeface="+mn-ea"/>
+                <a:cs typeface="+mn-cs"/>
+              </a:defRPr>
+            </a:lvl1pPr>
+            <a:lvl2pPr marL="457200" algn="l" defTabSz="914400" rtl="0" eaLnBrk="1" latinLnBrk="0" hangingPunct="1">
+              <a:defRPr sz="1800" kern="1200">
+                <a:solidFill>
+                  <a:schemeClr val="tx1"/>
+                </a:solidFill>
+                <a:latin typeface="+mn-lt"/>
+                <a:ea typeface="+mn-ea"/>
+                <a:cs typeface="+mn-cs"/>
+              </a:defRPr>
+            </a:lvl2pPr>
+            <a:lvl3pPr marL="914400" algn="l" defTabSz="914400" rtl="0" eaLnBrk="1" latinLnBrk="0" hangingPunct="1">
+              <a:defRPr sz="1800" kern="1200">
+                <a:solidFill>
+                  <a:schemeClr val="tx1"/>
+                </a:solidFill>
+                <a:latin typeface="+mn-lt"/>
+                <a:ea typeface="+mn-ea"/>
+                <a:cs typeface="+mn-cs"/>
+              </a:defRPr>
+            </a:lvl3pPr>
+            <a:lvl4pPr marL="1371600" algn="l" defTabSz="914400" rtl="0" eaLnBrk="1" latinLnBrk="0" hangingPunct="1">
+              <a:defRPr sz="1800" kern="1200">
+                <a:solidFill>
+                  <a:schemeClr val="tx1"/>
+                </a:solidFill>
+                <a:latin typeface="+mn-lt"/>
+                <a:ea typeface="+mn-ea"/>
+                <a:cs typeface="+mn-cs"/>
+              </a:defRPr>
+            </a:lvl4pPr>
+            <a:lvl5pPr marL="1828800" algn="l" defTabSz="914400" rtl="0" eaLnBrk="1" latinLnBrk="0" hangingPunct="1">
+              <a:defRPr sz="1800" kern="1200">
+                <a:solidFill>
+                  <a:schemeClr val="tx1"/>
+                </a:solidFill>
+                <a:latin typeface="+mn-lt"/>
+                <a:ea typeface="+mn-ea"/>
+                <a:cs typeface="+mn-cs"/>
+              </a:defRPr>
+            </a:lvl5pPr>
+            <a:lvl6pPr marL="2286000" algn="l" defTabSz="914400" rtl="0" eaLnBrk="1" latinLnBrk="0" hangingPunct="1">
+              <a:defRPr sz="1800" kern="1200">
+                <a:solidFill>
+                  <a:schemeClr val="tx1"/>
+                </a:solidFill>
+                <a:latin typeface="+mn-lt"/>
+                <a:ea typeface="+mn-ea"/>
+                <a:cs typeface="+mn-cs"/>
+              </a:defRPr>
+            </a:lvl6pPr>
+            <a:lvl7pPr marL="2743200" algn="l" defTabSz="914400" rtl="0" eaLnBrk="1" latinLnBrk="0" hangingPunct="1">
+              <a:defRPr sz="1800" kern="1200">
+                <a:solidFill>
+                  <a:schemeClr val="tx1"/>
+                </a:solidFill>
+                <a:latin typeface="+mn-lt"/>
+                <a:ea typeface="+mn-ea"/>
+                <a:cs typeface="+mn-cs"/>
+              </a:defRPr>
+            </a:lvl7pPr>
+            <a:lvl8pPr marL="3200400" algn="l" defTabSz="914400" rtl="0" eaLnBrk="1" latinLnBrk="0" hangingPunct="1">
+              <a:defRPr sz="1800" kern="1200">
+                <a:solidFill>
+                  <a:schemeClr val="tx1"/>
+                </a:solidFill>
+                <a:latin typeface="+mn-lt"/>
+                <a:ea typeface="+mn-ea"/>
+                <a:cs typeface="+mn-cs"/>
+              </a:defRPr>
+            </a:lvl8pPr>
+            <a:lvl9pPr marL="3657600" algn="l" defTabSz="914400" rtl="0" eaLnBrk="1" latinLnBrk="0" hangingPunct="1">
+              <a:defRPr sz="1800" kern="1200">
+                <a:solidFill>
+                  <a:schemeClr val="tx1"/>
+                </a:solidFill>
+                <a:latin typeface="+mn-lt"/>
+                <a:ea typeface="+mn-ea"/>
+                <a:cs typeface="+mn-cs"/>
+              </a:defRPr>
+            </a:lvl9pPr>
+          </a:lstStyle>
+          <a:p>
+            <a:r>
+              <a:rPr lang="en-US" dirty="0" err="1" smtClean="0"/>
+              <a:t>Tạo</a:t>
+            </a:r>
+            <a:endParaRPr lang="en-US" dirty="0"/>
+          </a:p>
+        </p:txBody>
+      </p:sp>
+      <p:sp>
+        <p:nvSpPr>
+          <p:cNvPr id="13" name="TextBox 12"/>
+          <p:cNvSpPr txBox="1"/>
+          <p:nvPr/>
+        </p:nvSpPr>
+        <p:spPr>
+          <a:xfrm rot="2194116">
+            <a:off x="4234992" y="4322711"/>
+            <a:ext cx="511294" cy="369332"/>
+          </a:xfrm>
+          <a:prstGeom prst="rect">
+            <a:avLst/>
+          </a:prstGeom>
+          <a:noFill/>
+        </p:spPr>
+        <p:txBody>
+          <a:bodyPr wrap="none" rtlCol="0">
+            <a:spAutoFit/>
+          </a:bodyPr>
+          <a:lstStyle>
+            <a:defPPr>
+              <a:defRPr lang="en-US"/>
+            </a:defPPr>
+            <a:lvl1pPr marL="0" algn="l" defTabSz="914400" rtl="0" eaLnBrk="1" latinLnBrk="0" hangingPunct="1">
+              <a:defRPr sz="1800" kern="1200">
+                <a:solidFill>
+                  <a:schemeClr val="tx1"/>
+                </a:solidFill>
+                <a:latin typeface="+mn-lt"/>
+                <a:ea typeface="+mn-ea"/>
+                <a:cs typeface="+mn-cs"/>
+              </a:defRPr>
+            </a:lvl1pPr>
+            <a:lvl2pPr marL="457200" algn="l" defTabSz="914400" rtl="0" eaLnBrk="1" latinLnBrk="0" hangingPunct="1">
+              <a:defRPr sz="1800" kern="1200">
+                <a:solidFill>
+                  <a:schemeClr val="tx1"/>
+                </a:solidFill>
+                <a:latin typeface="+mn-lt"/>
+                <a:ea typeface="+mn-ea"/>
+                <a:cs typeface="+mn-cs"/>
+              </a:defRPr>
+            </a:lvl2pPr>
+            <a:lvl3pPr marL="914400" algn="l" defTabSz="914400" rtl="0" eaLnBrk="1" latinLnBrk="0" hangingPunct="1">
+              <a:defRPr sz="1800" kern="1200">
+                <a:solidFill>
+                  <a:schemeClr val="tx1"/>
+                </a:solidFill>
+                <a:latin typeface="+mn-lt"/>
+                <a:ea typeface="+mn-ea"/>
+                <a:cs typeface="+mn-cs"/>
+              </a:defRPr>
+            </a:lvl3pPr>
+            <a:lvl4pPr marL="1371600" algn="l" defTabSz="914400" rtl="0" eaLnBrk="1" latinLnBrk="0" hangingPunct="1">
+              <a:defRPr sz="1800" kern="1200">
+                <a:solidFill>
+                  <a:schemeClr val="tx1"/>
+                </a:solidFill>
+                <a:latin typeface="+mn-lt"/>
+                <a:ea typeface="+mn-ea"/>
+                <a:cs typeface="+mn-cs"/>
+              </a:defRPr>
+            </a:lvl4pPr>
+            <a:lvl5pPr marL="1828800" algn="l" defTabSz="914400" rtl="0" eaLnBrk="1" latinLnBrk="0" hangingPunct="1">
+              <a:defRPr sz="1800" kern="1200">
+                <a:solidFill>
+                  <a:schemeClr val="tx1"/>
+                </a:solidFill>
+                <a:latin typeface="+mn-lt"/>
+                <a:ea typeface="+mn-ea"/>
+                <a:cs typeface="+mn-cs"/>
+              </a:defRPr>
+            </a:lvl5pPr>
+            <a:lvl6pPr marL="2286000" algn="l" defTabSz="914400" rtl="0" eaLnBrk="1" latinLnBrk="0" hangingPunct="1">
+              <a:defRPr sz="1800" kern="1200">
+                <a:solidFill>
+                  <a:schemeClr val="tx1"/>
+                </a:solidFill>
+                <a:latin typeface="+mn-lt"/>
+                <a:ea typeface="+mn-ea"/>
+                <a:cs typeface="+mn-cs"/>
+              </a:defRPr>
+            </a:lvl6pPr>
+            <a:lvl7pPr marL="2743200" algn="l" defTabSz="914400" rtl="0" eaLnBrk="1" latinLnBrk="0" hangingPunct="1">
+              <a:defRPr sz="1800" kern="1200">
+                <a:solidFill>
+                  <a:schemeClr val="tx1"/>
+                </a:solidFill>
+                <a:latin typeface="+mn-lt"/>
+                <a:ea typeface="+mn-ea"/>
+                <a:cs typeface="+mn-cs"/>
+              </a:defRPr>
+            </a:lvl7pPr>
+            <a:lvl8pPr marL="3200400" algn="l" defTabSz="914400" rtl="0" eaLnBrk="1" latinLnBrk="0" hangingPunct="1">
+              <a:defRPr sz="1800" kern="1200">
+                <a:solidFill>
+                  <a:schemeClr val="tx1"/>
+                </a:solidFill>
+                <a:latin typeface="+mn-lt"/>
+                <a:ea typeface="+mn-ea"/>
+                <a:cs typeface="+mn-cs"/>
+              </a:defRPr>
+            </a:lvl8pPr>
+            <a:lvl9pPr marL="3657600" algn="l" defTabSz="914400" rtl="0" eaLnBrk="1" latinLnBrk="0" hangingPunct="1">
+              <a:defRPr sz="1800" kern="1200">
+                <a:solidFill>
+                  <a:schemeClr val="tx1"/>
+                </a:solidFill>
+                <a:latin typeface="+mn-lt"/>
+                <a:ea typeface="+mn-ea"/>
+                <a:cs typeface="+mn-cs"/>
+              </a:defRPr>
+            </a:lvl9pPr>
+          </a:lstStyle>
+          <a:p>
+            <a:r>
+              <a:rPr lang="en-US" dirty="0" err="1" smtClean="0"/>
+              <a:t>Tạo</a:t>
+            </a:r>
+            <a:endParaRPr lang="en-US" dirty="0"/>
+          </a:p>
+        </p:txBody>
+      </p:sp>
+      <p:cxnSp>
+        <p:nvCxnSpPr>
+          <p:cNvPr id="14" name="Curved Connector 13"/>
+          <p:cNvCxnSpPr>
+            <a:stCxn id="5" idx="3"/>
+            <a:endCxn id="4" idx="3"/>
+          </p:cNvCxnSpPr>
+          <p:nvPr/>
+        </p:nvCxnSpPr>
+        <p:spPr>
+          <a:xfrm>
+            <a:off x="7389834" y="1313669"/>
+            <a:ext cx="12700" cy="2123162"/>
+          </a:xfrm>
+          <a:prstGeom prst="curvedConnector3">
+            <a:avLst>
+              <a:gd name="adj1" fmla="val 1900000"/>
+            </a:avLst>
+          </a:prstGeom>
+          <a:ln w="63500">
+            <a:tailEnd type="arrow"/>
+          </a:ln>
+        </p:spPr>
+        <p:style>
+          <a:lnRef idx="1">
+            <a:schemeClr val="accent1"/>
+          </a:lnRef>
+          <a:fillRef idx="0">
+            <a:schemeClr val="accent1"/>
+          </a:fillRef>
+          <a:effectRef idx="0">
+            <a:schemeClr val="accent1"/>
+          </a:effectRef>
+          <a:fontRef idx="minor">
+            <a:schemeClr val="tx1"/>
+          </a:fontRef>
+        </p:style>
+      </p:cxnSp>
+      <p:cxnSp>
+        <p:nvCxnSpPr>
+          <p:cNvPr id="15" name="Curved Connector 14"/>
+          <p:cNvCxnSpPr>
+            <a:stCxn id="6" idx="3"/>
+            <a:endCxn id="4" idx="3"/>
+          </p:cNvCxnSpPr>
+          <p:nvPr/>
+        </p:nvCxnSpPr>
+        <p:spPr>
+          <a:xfrm flipH="1" flipV="1">
+            <a:off x="7402534" y="3436831"/>
+            <a:ext cx="12700" cy="2107500"/>
+          </a:xfrm>
+          <a:prstGeom prst="curvedConnector3">
+            <a:avLst>
+              <a:gd name="adj1" fmla="val -1800000"/>
+            </a:avLst>
+          </a:prstGeom>
+          <a:ln w="57150">
+            <a:tailEnd type="arrow"/>
+          </a:ln>
+        </p:spPr>
+        <p:style>
+          <a:lnRef idx="1">
+            <a:schemeClr val="accent1"/>
+          </a:lnRef>
+          <a:fillRef idx="0">
+            <a:schemeClr val="accent1"/>
+          </a:fillRef>
+          <a:effectRef idx="0">
+            <a:schemeClr val="accent1"/>
+          </a:effectRef>
+          <a:fontRef idx="minor">
+            <a:schemeClr val="tx1"/>
+          </a:fontRef>
+        </p:style>
+      </p:cxnSp>
+      <p:sp>
+        <p:nvSpPr>
+          <p:cNvPr id="16" name="TextBox 15"/>
+          <p:cNvSpPr txBox="1"/>
+          <p:nvPr/>
+        </p:nvSpPr>
+        <p:spPr>
+          <a:xfrm>
+            <a:off x="7732518" y="1929103"/>
+            <a:ext cx="2860848" cy="646331"/>
+          </a:xfrm>
+          <a:prstGeom prst="rect">
+            <a:avLst/>
+          </a:prstGeom>
+          <a:noFill/>
+        </p:spPr>
+        <p:txBody>
+          <a:bodyPr wrap="none" rtlCol="0">
+            <a:spAutoFit/>
+          </a:bodyPr>
+          <a:lstStyle>
+            <a:defPPr>
+              <a:defRPr lang="en-US"/>
+            </a:defPPr>
+            <a:lvl1pPr marL="0" algn="l" defTabSz="914400" rtl="0" eaLnBrk="1" latinLnBrk="0" hangingPunct="1">
+              <a:defRPr sz="1800" kern="1200">
+                <a:solidFill>
+                  <a:schemeClr val="tx1"/>
+                </a:solidFill>
+                <a:latin typeface="+mn-lt"/>
+                <a:ea typeface="+mn-ea"/>
+                <a:cs typeface="+mn-cs"/>
+              </a:defRPr>
+            </a:lvl1pPr>
+            <a:lvl2pPr marL="457200" algn="l" defTabSz="914400" rtl="0" eaLnBrk="1" latinLnBrk="0" hangingPunct="1">
+              <a:defRPr sz="1800" kern="1200">
+                <a:solidFill>
+                  <a:schemeClr val="tx1"/>
+                </a:solidFill>
+                <a:latin typeface="+mn-lt"/>
+                <a:ea typeface="+mn-ea"/>
+                <a:cs typeface="+mn-cs"/>
+              </a:defRPr>
+            </a:lvl2pPr>
+            <a:lvl3pPr marL="914400" algn="l" defTabSz="914400" rtl="0" eaLnBrk="1" latinLnBrk="0" hangingPunct="1">
+              <a:defRPr sz="1800" kern="1200">
+                <a:solidFill>
+                  <a:schemeClr val="tx1"/>
+                </a:solidFill>
+                <a:latin typeface="+mn-lt"/>
+                <a:ea typeface="+mn-ea"/>
+                <a:cs typeface="+mn-cs"/>
+              </a:defRPr>
+            </a:lvl3pPr>
+            <a:lvl4pPr marL="1371600" algn="l" defTabSz="914400" rtl="0" eaLnBrk="1" latinLnBrk="0" hangingPunct="1">
+              <a:defRPr sz="1800" kern="1200">
+                <a:solidFill>
+                  <a:schemeClr val="tx1"/>
+                </a:solidFill>
+                <a:latin typeface="+mn-lt"/>
+                <a:ea typeface="+mn-ea"/>
+                <a:cs typeface="+mn-cs"/>
+              </a:defRPr>
+            </a:lvl4pPr>
+            <a:lvl5pPr marL="1828800" algn="l" defTabSz="914400" rtl="0" eaLnBrk="1" latinLnBrk="0" hangingPunct="1">
+              <a:defRPr sz="1800" kern="1200">
+                <a:solidFill>
+                  <a:schemeClr val="tx1"/>
+                </a:solidFill>
+                <a:latin typeface="+mn-lt"/>
+                <a:ea typeface="+mn-ea"/>
+                <a:cs typeface="+mn-cs"/>
+              </a:defRPr>
+            </a:lvl5pPr>
+            <a:lvl6pPr marL="2286000" algn="l" defTabSz="914400" rtl="0" eaLnBrk="1" latinLnBrk="0" hangingPunct="1">
+              <a:defRPr sz="1800" kern="1200">
+                <a:solidFill>
+                  <a:schemeClr val="tx1"/>
+                </a:solidFill>
+                <a:latin typeface="+mn-lt"/>
+                <a:ea typeface="+mn-ea"/>
+                <a:cs typeface="+mn-cs"/>
+              </a:defRPr>
+            </a:lvl6pPr>
+            <a:lvl7pPr marL="2743200" algn="l" defTabSz="914400" rtl="0" eaLnBrk="1" latinLnBrk="0" hangingPunct="1">
+              <a:defRPr sz="1800" kern="1200">
+                <a:solidFill>
+                  <a:schemeClr val="tx1"/>
+                </a:solidFill>
+                <a:latin typeface="+mn-lt"/>
+                <a:ea typeface="+mn-ea"/>
+                <a:cs typeface="+mn-cs"/>
+              </a:defRPr>
+            </a:lvl7pPr>
+            <a:lvl8pPr marL="3200400" algn="l" defTabSz="914400" rtl="0" eaLnBrk="1" latinLnBrk="0" hangingPunct="1">
+              <a:defRPr sz="1800" kern="1200">
+                <a:solidFill>
+                  <a:schemeClr val="tx1"/>
+                </a:solidFill>
+                <a:latin typeface="+mn-lt"/>
+                <a:ea typeface="+mn-ea"/>
+                <a:cs typeface="+mn-cs"/>
+              </a:defRPr>
+            </a:lvl8pPr>
+            <a:lvl9pPr marL="3657600" algn="l" defTabSz="914400" rtl="0" eaLnBrk="1" latinLnBrk="0" hangingPunct="1">
+              <a:defRPr sz="1800" kern="1200">
+                <a:solidFill>
+                  <a:schemeClr val="tx1"/>
+                </a:solidFill>
+                <a:latin typeface="+mn-lt"/>
+                <a:ea typeface="+mn-ea"/>
+                <a:cs typeface="+mn-cs"/>
+              </a:defRPr>
+            </a:lvl9pPr>
+          </a:lstStyle>
+          <a:p>
+            <a:r>
+              <a:rPr lang="en-US" dirty="0" err="1" smtClean="0"/>
+              <a:t>Khi</a:t>
+            </a:r>
+            <a:r>
+              <a:rPr lang="en-US" dirty="0" smtClean="0"/>
+              <a:t> </a:t>
+            </a:r>
+            <a:r>
+              <a:rPr lang="en-US" dirty="0" err="1" smtClean="0"/>
+              <a:t>có</a:t>
+            </a:r>
+            <a:r>
+              <a:rPr lang="en-US" dirty="0" smtClean="0"/>
+              <a:t> </a:t>
+            </a:r>
+            <a:r>
+              <a:rPr lang="en-US" dirty="0" err="1" smtClean="0"/>
+              <a:t>tín</a:t>
+            </a:r>
+            <a:r>
+              <a:rPr lang="en-US" dirty="0" smtClean="0"/>
+              <a:t> </a:t>
+            </a:r>
+            <a:r>
+              <a:rPr lang="en-US" dirty="0" err="1" smtClean="0"/>
+              <a:t>hiệu</a:t>
+            </a:r>
+            <a:r>
+              <a:rPr lang="en-US" dirty="0" smtClean="0"/>
+              <a:t> </a:t>
+            </a:r>
+            <a:r>
+              <a:rPr lang="en-US" dirty="0" err="1" smtClean="0"/>
+              <a:t>thêm</a:t>
+            </a:r>
+            <a:r>
+              <a:rPr lang="en-US" dirty="0" smtClean="0"/>
+              <a:t> </a:t>
+            </a:r>
+            <a:r>
+              <a:rPr lang="en-US" dirty="0" err="1" smtClean="0"/>
+              <a:t>thiết</a:t>
+            </a:r>
+            <a:r>
+              <a:rPr lang="en-US" dirty="0" smtClean="0"/>
+              <a:t/>
+            </a:r>
+            <a:br>
+              <a:rPr lang="en-US" dirty="0" smtClean="0"/>
+            </a:br>
+            <a:r>
+              <a:rPr lang="en-US" dirty="0" err="1" smtClean="0"/>
+              <a:t>bị</a:t>
+            </a:r>
+            <a:r>
+              <a:rPr lang="en-US" dirty="0" smtClean="0"/>
+              <a:t> </a:t>
+            </a:r>
+            <a:r>
+              <a:rPr lang="en-US" dirty="0" err="1" smtClean="0"/>
+              <a:t>mới</a:t>
+            </a:r>
+            <a:r>
+              <a:rPr lang="en-US" dirty="0" smtClean="0"/>
+              <a:t> </a:t>
+            </a:r>
+            <a:r>
+              <a:rPr lang="en-US" dirty="0" err="1" smtClean="0"/>
+              <a:t>kết</a:t>
+            </a:r>
+            <a:r>
+              <a:rPr lang="en-US" dirty="0" smtClean="0"/>
+              <a:t> </a:t>
+            </a:r>
+            <a:r>
+              <a:rPr lang="en-US" dirty="0" err="1" smtClean="0"/>
+              <a:t>nối</a:t>
+            </a:r>
+            <a:r>
+              <a:rPr lang="en-US" dirty="0" smtClean="0"/>
+              <a:t> </a:t>
+            </a:r>
+            <a:r>
+              <a:rPr lang="en-US" dirty="0" err="1" smtClean="0"/>
+              <a:t>vào</a:t>
+            </a:r>
+            <a:r>
+              <a:rPr lang="en-US" dirty="0" smtClean="0"/>
+              <a:t> </a:t>
+            </a:r>
+            <a:r>
+              <a:rPr lang="en-US" dirty="0" err="1" smtClean="0"/>
+              <a:t>danh</a:t>
+            </a:r>
+            <a:r>
+              <a:rPr lang="en-US" dirty="0" smtClean="0"/>
+              <a:t> </a:t>
+            </a:r>
+            <a:r>
+              <a:rPr lang="en-US" dirty="0" err="1" smtClean="0"/>
+              <a:t>sách</a:t>
+            </a:r>
+            <a:endParaRPr lang="en-US" dirty="0" smtClean="0"/>
+          </a:p>
+        </p:txBody>
+      </p:sp>
+      <p:sp>
+        <p:nvSpPr>
+          <p:cNvPr id="17" name="TextBox 16"/>
+          <p:cNvSpPr txBox="1"/>
+          <p:nvPr/>
+        </p:nvSpPr>
+        <p:spPr>
+          <a:xfrm>
+            <a:off x="7723602" y="4171169"/>
+            <a:ext cx="2813655" cy="646331"/>
+          </a:xfrm>
+          <a:prstGeom prst="rect">
+            <a:avLst/>
+          </a:prstGeom>
+          <a:noFill/>
+        </p:spPr>
+        <p:txBody>
+          <a:bodyPr wrap="none" rtlCol="0">
+            <a:spAutoFit/>
+          </a:bodyPr>
+          <a:lstStyle>
+            <a:defPPr>
+              <a:defRPr lang="en-US"/>
+            </a:defPPr>
+            <a:lvl1pPr marL="0" algn="l" defTabSz="914400" rtl="0" eaLnBrk="1" latinLnBrk="0" hangingPunct="1">
+              <a:defRPr sz="1800" kern="1200">
+                <a:solidFill>
+                  <a:schemeClr val="tx1"/>
+                </a:solidFill>
+                <a:latin typeface="+mn-lt"/>
+                <a:ea typeface="+mn-ea"/>
+                <a:cs typeface="+mn-cs"/>
+              </a:defRPr>
+            </a:lvl1pPr>
+            <a:lvl2pPr marL="457200" algn="l" defTabSz="914400" rtl="0" eaLnBrk="1" latinLnBrk="0" hangingPunct="1">
+              <a:defRPr sz="1800" kern="1200">
+                <a:solidFill>
+                  <a:schemeClr val="tx1"/>
+                </a:solidFill>
+                <a:latin typeface="+mn-lt"/>
+                <a:ea typeface="+mn-ea"/>
+                <a:cs typeface="+mn-cs"/>
+              </a:defRPr>
+            </a:lvl2pPr>
+            <a:lvl3pPr marL="914400" algn="l" defTabSz="914400" rtl="0" eaLnBrk="1" latinLnBrk="0" hangingPunct="1">
+              <a:defRPr sz="1800" kern="1200">
+                <a:solidFill>
+                  <a:schemeClr val="tx1"/>
+                </a:solidFill>
+                <a:latin typeface="+mn-lt"/>
+                <a:ea typeface="+mn-ea"/>
+                <a:cs typeface="+mn-cs"/>
+              </a:defRPr>
+            </a:lvl3pPr>
+            <a:lvl4pPr marL="1371600" algn="l" defTabSz="914400" rtl="0" eaLnBrk="1" latinLnBrk="0" hangingPunct="1">
+              <a:defRPr sz="1800" kern="1200">
+                <a:solidFill>
+                  <a:schemeClr val="tx1"/>
+                </a:solidFill>
+                <a:latin typeface="+mn-lt"/>
+                <a:ea typeface="+mn-ea"/>
+                <a:cs typeface="+mn-cs"/>
+              </a:defRPr>
+            </a:lvl4pPr>
+            <a:lvl5pPr marL="1828800" algn="l" defTabSz="914400" rtl="0" eaLnBrk="1" latinLnBrk="0" hangingPunct="1">
+              <a:defRPr sz="1800" kern="1200">
+                <a:solidFill>
+                  <a:schemeClr val="tx1"/>
+                </a:solidFill>
+                <a:latin typeface="+mn-lt"/>
+                <a:ea typeface="+mn-ea"/>
+                <a:cs typeface="+mn-cs"/>
+              </a:defRPr>
+            </a:lvl5pPr>
+            <a:lvl6pPr marL="2286000" algn="l" defTabSz="914400" rtl="0" eaLnBrk="1" latinLnBrk="0" hangingPunct="1">
+              <a:defRPr sz="1800" kern="1200">
+                <a:solidFill>
+                  <a:schemeClr val="tx1"/>
+                </a:solidFill>
+                <a:latin typeface="+mn-lt"/>
+                <a:ea typeface="+mn-ea"/>
+                <a:cs typeface="+mn-cs"/>
+              </a:defRPr>
+            </a:lvl6pPr>
+            <a:lvl7pPr marL="2743200" algn="l" defTabSz="914400" rtl="0" eaLnBrk="1" latinLnBrk="0" hangingPunct="1">
+              <a:defRPr sz="1800" kern="1200">
+                <a:solidFill>
+                  <a:schemeClr val="tx1"/>
+                </a:solidFill>
+                <a:latin typeface="+mn-lt"/>
+                <a:ea typeface="+mn-ea"/>
+                <a:cs typeface="+mn-cs"/>
+              </a:defRPr>
+            </a:lvl7pPr>
+            <a:lvl8pPr marL="3200400" algn="l" defTabSz="914400" rtl="0" eaLnBrk="1" latinLnBrk="0" hangingPunct="1">
+              <a:defRPr sz="1800" kern="1200">
+                <a:solidFill>
+                  <a:schemeClr val="tx1"/>
+                </a:solidFill>
+                <a:latin typeface="+mn-lt"/>
+                <a:ea typeface="+mn-ea"/>
+                <a:cs typeface="+mn-cs"/>
+              </a:defRPr>
+            </a:lvl8pPr>
+            <a:lvl9pPr marL="3657600" algn="l" defTabSz="914400" rtl="0" eaLnBrk="1" latinLnBrk="0" hangingPunct="1">
+              <a:defRPr sz="1800" kern="1200">
+                <a:solidFill>
+                  <a:schemeClr val="tx1"/>
+                </a:solidFill>
+                <a:latin typeface="+mn-lt"/>
+                <a:ea typeface="+mn-ea"/>
+                <a:cs typeface="+mn-cs"/>
+              </a:defRPr>
+            </a:lvl9pPr>
+          </a:lstStyle>
+          <a:p>
+            <a:r>
+              <a:rPr lang="en-US" dirty="0" err="1" smtClean="0"/>
+              <a:t>Khi</a:t>
+            </a:r>
+            <a:r>
+              <a:rPr lang="en-US" dirty="0" smtClean="0"/>
+              <a:t> </a:t>
+            </a:r>
+            <a:r>
+              <a:rPr lang="en-US" dirty="0" err="1" smtClean="0"/>
+              <a:t>có</a:t>
+            </a:r>
+            <a:r>
+              <a:rPr lang="en-US" dirty="0" smtClean="0"/>
+              <a:t> </a:t>
+            </a:r>
+            <a:r>
+              <a:rPr lang="en-US" dirty="0" err="1" smtClean="0"/>
+              <a:t>tín</a:t>
+            </a:r>
+            <a:r>
+              <a:rPr lang="en-US" dirty="0" smtClean="0"/>
+              <a:t> </a:t>
+            </a:r>
+            <a:r>
+              <a:rPr lang="en-US" dirty="0" err="1" smtClean="0"/>
+              <a:t>hiệu</a:t>
+            </a:r>
+            <a:r>
+              <a:rPr lang="en-US" dirty="0"/>
+              <a:t> </a:t>
+            </a:r>
+            <a:r>
+              <a:rPr lang="en-US" dirty="0" err="1" smtClean="0"/>
+              <a:t>loại</a:t>
+            </a:r>
+            <a:r>
+              <a:rPr lang="en-US" dirty="0" smtClean="0"/>
+              <a:t> </a:t>
+            </a:r>
+            <a:r>
+              <a:rPr lang="en-US" dirty="0" err="1" smtClean="0"/>
+              <a:t>thiết</a:t>
+            </a:r>
+            <a:r>
+              <a:rPr lang="en-US" dirty="0" smtClean="0"/>
+              <a:t> </a:t>
+            </a:r>
+            <a:r>
+              <a:rPr lang="en-US" dirty="0" err="1" smtClean="0"/>
+              <a:t>vừa</a:t>
+            </a:r>
+            <a:r>
+              <a:rPr lang="en-US" dirty="0" smtClean="0"/>
+              <a:t/>
+            </a:r>
+            <a:br>
+              <a:rPr lang="en-US" dirty="0" smtClean="0"/>
+            </a:br>
+            <a:r>
+              <a:rPr lang="en-US" dirty="0" err="1" smtClean="0"/>
+              <a:t>ngắt</a:t>
+            </a:r>
+            <a:r>
+              <a:rPr lang="en-US" dirty="0" smtClean="0"/>
+              <a:t> </a:t>
+            </a:r>
+            <a:r>
+              <a:rPr lang="en-US" dirty="0" err="1" smtClean="0"/>
+              <a:t>kết</a:t>
+            </a:r>
+            <a:r>
+              <a:rPr lang="en-US" dirty="0" smtClean="0"/>
+              <a:t> </a:t>
+            </a:r>
+            <a:r>
+              <a:rPr lang="en-US" dirty="0" err="1" smtClean="0"/>
+              <a:t>nối</a:t>
+            </a:r>
+            <a:r>
+              <a:rPr lang="en-US" dirty="0" smtClean="0"/>
+              <a:t> </a:t>
+            </a:r>
+            <a:r>
+              <a:rPr lang="en-US" dirty="0" err="1" smtClean="0"/>
+              <a:t>khỏi</a:t>
+            </a:r>
+            <a:r>
+              <a:rPr lang="en-US" dirty="0" smtClean="0"/>
+              <a:t> </a:t>
+            </a:r>
+            <a:r>
+              <a:rPr lang="en-US" dirty="0" err="1" smtClean="0"/>
+              <a:t>danh</a:t>
+            </a:r>
+            <a:r>
+              <a:rPr lang="en-US" dirty="0" smtClean="0"/>
+              <a:t> </a:t>
+            </a:r>
+            <a:r>
+              <a:rPr lang="en-US" dirty="0" err="1" smtClean="0"/>
+              <a:t>sách</a:t>
+            </a:r>
+            <a:endParaRPr lang="en-US" dirty="0" smtClean="0"/>
+          </a:p>
+        </p:txBody>
+      </p:sp>
+    </p:spTree>
+    <p:extLst>
+      <p:ext uri="{BB962C8B-B14F-4D97-AF65-F5344CB8AC3E}">
+        <p14:creationId xmlns:p14="http://schemas.microsoft.com/office/powerpoint/2010/main" val="1541496494"/>
+      </p:ext>
+    </p:extLst>
+  </p:cSld>
+  <p:clrMapOvr>
+    <a:masterClrMapping/>
+  </p:clrMapOvr>
+</p:sld>
+</file>
+
+<file path=ppt/slides/slide18.xml><?xml version="1.0" encoding="utf-8"?>
+<p:sld xmlns:a="http://schemas.openxmlformats.org/drawingml/2006/main" xmlns:r="http://schemas.openxmlformats.org/officeDocument/2006/relationships" xmlns:p="http://schemas.openxmlformats.org/presentationml/2006/main">
+  <p:cSld>
+    <p:spTree>
+      <p:nvGrpSpPr>
+        <p:cNvPr id="1" name=""/>
+        <p:cNvGrpSpPr/>
+        <p:nvPr/>
+      </p:nvGrpSpPr>
+      <p:grpSpPr>
+        <a:xfrm>
+          <a:off x="0" y="0"/>
+          <a:ext cx="0" cy="0"/>
+          <a:chOff x="0" y="0"/>
+          <a:chExt cx="0" cy="0"/>
+        </a:xfrm>
+      </p:grpSpPr>
+      <p:sp>
+        <p:nvSpPr>
+          <p:cNvPr id="8" name="Rounded Rectangle 7"/>
+          <p:cNvSpPr/>
+          <p:nvPr/>
+        </p:nvSpPr>
+        <p:spPr>
+          <a:xfrm>
+            <a:off x="2928257" y="1835319"/>
+            <a:ext cx="5860143" cy="2991418"/>
+          </a:xfrm>
+          <a:prstGeom prst="roundRect">
+            <a:avLst>
+              <a:gd name="adj" fmla="val 7179"/>
+            </a:avLst>
+          </a:prstGeom>
+          <a:ln w="41275">
+            <a:prstDash val="sysDash"/>
+          </a:ln>
+        </p:spPr>
+        <p:style>
+          <a:lnRef idx="2">
+            <a:schemeClr val="accent1"/>
+          </a:lnRef>
+          <a:fillRef idx="1">
+            <a:schemeClr val="lt1"/>
+          </a:fillRef>
+          <a:effectRef idx="0">
+            <a:schemeClr val="accent1"/>
+          </a:effectRef>
+          <a:fontRef idx="minor">
+            <a:schemeClr val="dk1"/>
+          </a:fontRef>
+        </p:style>
+        <p:txBody>
+          <a:bodyPr rtlCol="0" anchor="ctr"/>
+          <a:lstStyle/>
+          <a:p>
+            <a:pPr algn="ctr"/>
+            <a:endParaRPr lang="en-US" dirty="0"/>
+          </a:p>
+        </p:txBody>
+      </p:sp>
+      <p:sp>
+        <p:nvSpPr>
+          <p:cNvPr id="9" name="Rounded Rectangle 8"/>
+          <p:cNvSpPr/>
+          <p:nvPr/>
+        </p:nvSpPr>
+        <p:spPr>
+          <a:xfrm>
+            <a:off x="2730500" y="391886"/>
+            <a:ext cx="6248400" cy="5958114"/>
+          </a:xfrm>
+          <a:prstGeom prst="roundRect">
+            <a:avLst>
+              <a:gd name="adj" fmla="val 7179"/>
+            </a:avLst>
+          </a:prstGeom>
+          <a:noFill/>
+          <a:ln w="41275">
+            <a:prstDash val="sysDash"/>
+          </a:ln>
+        </p:spPr>
+        <p:style>
+          <a:lnRef idx="2">
+            <a:schemeClr val="accent1"/>
+          </a:lnRef>
+          <a:fillRef idx="1">
+            <a:schemeClr val="lt1"/>
+          </a:fillRef>
+          <a:effectRef idx="0">
+            <a:schemeClr val="accent1"/>
+          </a:effectRef>
+          <a:fontRef idx="minor">
+            <a:schemeClr val="dk1"/>
+          </a:fontRef>
+        </p:style>
+        <p:txBody>
+          <a:bodyPr rtlCol="0" anchor="ctr"/>
+          <a:lstStyle/>
+          <a:p>
+            <a:pPr algn="ctr"/>
+            <a:endParaRPr lang="en-US" dirty="0"/>
+          </a:p>
+        </p:txBody>
+      </p:sp>
+      <p:sp>
+        <p:nvSpPr>
+          <p:cNvPr id="10" name="Rounded Rectangle 9"/>
+          <p:cNvSpPr/>
+          <p:nvPr/>
+        </p:nvSpPr>
+        <p:spPr>
+          <a:xfrm>
+            <a:off x="3124925" y="620888"/>
+            <a:ext cx="2362200" cy="838200"/>
+          </a:xfrm>
+          <a:prstGeom prst="roundRect">
+            <a:avLst/>
+          </a:prstGeom>
+        </p:spPr>
+        <p:style>
+          <a:lnRef idx="1">
+            <a:schemeClr val="accent1"/>
+          </a:lnRef>
+          <a:fillRef idx="2">
+            <a:schemeClr val="accent1"/>
+          </a:fillRef>
+          <a:effectRef idx="1">
+            <a:schemeClr val="accent1"/>
+          </a:effectRef>
+          <a:fontRef idx="minor">
+            <a:schemeClr val="dk1"/>
+          </a:fontRef>
+        </p:style>
+        <p:txBody>
+          <a:bodyPr rtlCol="0" anchor="ctr"/>
+          <a:lstStyle/>
+          <a:p>
+            <a:pPr algn="ctr"/>
+            <a:r>
+              <a:rPr lang="en-US" dirty="0" err="1" smtClean="0"/>
+              <a:t>Kiểm</a:t>
+            </a:r>
+            <a:r>
+              <a:rPr lang="en-US" dirty="0" smtClean="0"/>
+              <a:t> </a:t>
+            </a:r>
+            <a:r>
+              <a:rPr lang="en-US" dirty="0" err="1" smtClean="0"/>
+              <a:t>tra</a:t>
+            </a:r>
+            <a:r>
+              <a:rPr lang="en-US" dirty="0" smtClean="0"/>
+              <a:t> </a:t>
+            </a:r>
+            <a:r>
+              <a:rPr lang="en-US" dirty="0" err="1" smtClean="0"/>
+              <a:t>tập</a:t>
+            </a:r>
+            <a:r>
+              <a:rPr lang="en-US" dirty="0" smtClean="0"/>
+              <a:t> tin </a:t>
+            </a:r>
+            <a:r>
+              <a:rPr lang="en-US" dirty="0" err="1" smtClean="0"/>
+              <a:t>hợp</a:t>
+            </a:r>
+            <a:r>
+              <a:rPr lang="en-US" dirty="0" smtClean="0"/>
+              <a:t> </a:t>
+            </a:r>
+            <a:r>
+              <a:rPr lang="en-US" dirty="0" err="1" smtClean="0"/>
+              <a:t>lệ</a:t>
+            </a:r>
+            <a:endParaRPr lang="en-US" dirty="0"/>
+          </a:p>
+        </p:txBody>
+      </p:sp>
+      <p:sp>
+        <p:nvSpPr>
+          <p:cNvPr id="11" name="Rounded Rectangle 10"/>
+          <p:cNvSpPr/>
+          <p:nvPr/>
+        </p:nvSpPr>
+        <p:spPr>
+          <a:xfrm>
+            <a:off x="3124925" y="2211082"/>
+            <a:ext cx="2362200" cy="838200"/>
+          </a:xfrm>
+          <a:prstGeom prst="roundRect">
+            <a:avLst/>
+          </a:prstGeom>
+        </p:spPr>
+        <p:style>
+          <a:lnRef idx="1">
+            <a:schemeClr val="accent1"/>
+          </a:lnRef>
+          <a:fillRef idx="2">
+            <a:schemeClr val="accent1"/>
+          </a:fillRef>
+          <a:effectRef idx="1">
+            <a:schemeClr val="accent1"/>
+          </a:effectRef>
+          <a:fontRef idx="minor">
+            <a:schemeClr val="dk1"/>
+          </a:fontRef>
+        </p:style>
+        <p:txBody>
+          <a:bodyPr rtlCol="0" anchor="ctr"/>
+          <a:lstStyle/>
+          <a:p>
+            <a:pPr algn="ctr"/>
+            <a:r>
+              <a:rPr lang="en-US" dirty="0" err="1" smtClean="0"/>
+              <a:t>Đọc</a:t>
+            </a:r>
+            <a:r>
+              <a:rPr lang="en-US" dirty="0" smtClean="0"/>
+              <a:t> </a:t>
+            </a:r>
+            <a:r>
+              <a:rPr lang="en-US" dirty="0" err="1" smtClean="0"/>
+              <a:t>thông</a:t>
+            </a:r>
+            <a:r>
+              <a:rPr lang="en-US" dirty="0" smtClean="0"/>
+              <a:t> tin </a:t>
+            </a:r>
+            <a:r>
+              <a:rPr lang="en-US" dirty="0" err="1" smtClean="0"/>
+              <a:t>mã</a:t>
+            </a:r>
+            <a:r>
+              <a:rPr lang="en-US" dirty="0" smtClean="0"/>
+              <a:t> </a:t>
+            </a:r>
+            <a:r>
+              <a:rPr lang="en-US" dirty="0" err="1" smtClean="0"/>
+              <a:t>hóa</a:t>
+            </a:r>
+            <a:endParaRPr lang="en-US" dirty="0"/>
+          </a:p>
+        </p:txBody>
+      </p:sp>
+      <p:sp>
+        <p:nvSpPr>
+          <p:cNvPr id="12" name="Rounded Rectangle 11"/>
+          <p:cNvSpPr/>
+          <p:nvPr/>
+        </p:nvSpPr>
+        <p:spPr>
+          <a:xfrm>
+            <a:off x="6217919" y="2182352"/>
+            <a:ext cx="2362200" cy="838200"/>
+          </a:xfrm>
+          <a:prstGeom prst="roundRect">
+            <a:avLst/>
+          </a:prstGeom>
+        </p:spPr>
+        <p:style>
+          <a:lnRef idx="1">
+            <a:schemeClr val="accent1"/>
+          </a:lnRef>
+          <a:fillRef idx="2">
+            <a:schemeClr val="accent1"/>
+          </a:fillRef>
+          <a:effectRef idx="1">
+            <a:schemeClr val="accent1"/>
+          </a:effectRef>
+          <a:fontRef idx="minor">
+            <a:schemeClr val="dk1"/>
+          </a:fontRef>
+        </p:style>
+        <p:txBody>
+          <a:bodyPr rtlCol="0" anchor="ctr"/>
+          <a:lstStyle/>
+          <a:p>
+            <a:pPr algn="ctr"/>
+            <a:r>
+              <a:rPr lang="en-US" dirty="0" err="1" smtClean="0"/>
+              <a:t>Phát</a:t>
+            </a:r>
+            <a:r>
+              <a:rPr lang="en-US" dirty="0" smtClean="0"/>
+              <a:t> </a:t>
+            </a:r>
+            <a:r>
+              <a:rPr lang="en-US" dirty="0" err="1" smtClean="0"/>
+              <a:t>sinh</a:t>
+            </a:r>
+            <a:r>
+              <a:rPr lang="en-US" dirty="0" smtClean="0"/>
+              <a:t> </a:t>
+            </a:r>
+            <a:r>
+              <a:rPr lang="en-US" dirty="0" err="1" smtClean="0"/>
+              <a:t>thông</a:t>
+            </a:r>
+            <a:r>
+              <a:rPr lang="en-US" dirty="0" smtClean="0"/>
+              <a:t> tin </a:t>
+            </a:r>
+            <a:r>
+              <a:rPr lang="en-US" dirty="0" err="1" smtClean="0"/>
+              <a:t>mã</a:t>
+            </a:r>
+            <a:r>
+              <a:rPr lang="en-US" dirty="0" smtClean="0"/>
+              <a:t> </a:t>
+            </a:r>
+            <a:r>
+              <a:rPr lang="en-US" dirty="0" err="1" smtClean="0"/>
+              <a:t>hóa</a:t>
+            </a:r>
+            <a:endParaRPr lang="en-US" dirty="0"/>
+          </a:p>
+        </p:txBody>
+      </p:sp>
+      <p:sp>
+        <p:nvSpPr>
+          <p:cNvPr id="13" name="Rounded Rectangle 12"/>
+          <p:cNvSpPr/>
+          <p:nvPr/>
+        </p:nvSpPr>
+        <p:spPr>
+          <a:xfrm>
+            <a:off x="3124925" y="3735271"/>
+            <a:ext cx="2362200" cy="838200"/>
+          </a:xfrm>
+          <a:prstGeom prst="roundRect">
+            <a:avLst/>
+          </a:prstGeom>
+        </p:spPr>
+        <p:style>
+          <a:lnRef idx="1">
+            <a:schemeClr val="accent1"/>
+          </a:lnRef>
+          <a:fillRef idx="2">
+            <a:schemeClr val="accent1"/>
+          </a:fillRef>
+          <a:effectRef idx="1">
+            <a:schemeClr val="accent1"/>
+          </a:effectRef>
+          <a:fontRef idx="minor">
+            <a:schemeClr val="dk1"/>
+          </a:fontRef>
+        </p:style>
+        <p:txBody>
+          <a:bodyPr rtlCol="0" anchor="ctr"/>
+          <a:lstStyle/>
+          <a:p>
+            <a:pPr algn="ctr"/>
+            <a:r>
+              <a:rPr lang="en-US" dirty="0" err="1" smtClean="0"/>
+              <a:t>Tạo</a:t>
+            </a:r>
+            <a:r>
+              <a:rPr lang="en-US" dirty="0" smtClean="0"/>
+              <a:t> </a:t>
+            </a:r>
+            <a:r>
+              <a:rPr lang="en-US" dirty="0" err="1" smtClean="0"/>
+              <a:t>khóa</a:t>
+            </a:r>
+            <a:r>
+              <a:rPr lang="en-US" dirty="0" smtClean="0"/>
+              <a:t> </a:t>
+            </a:r>
+            <a:r>
+              <a:rPr lang="en-US" dirty="0" err="1" smtClean="0"/>
+              <a:t>mã</a:t>
+            </a:r>
+            <a:r>
+              <a:rPr lang="en-US" dirty="0" smtClean="0"/>
+              <a:t> </a:t>
+            </a:r>
+            <a:r>
+              <a:rPr lang="en-US" dirty="0" err="1" smtClean="0"/>
+              <a:t>hóa</a:t>
+            </a:r>
+            <a:endParaRPr lang="en-US" dirty="0"/>
+          </a:p>
+        </p:txBody>
+      </p:sp>
+      <p:sp>
+        <p:nvSpPr>
+          <p:cNvPr id="14" name="Rounded Rectangle 13"/>
+          <p:cNvSpPr/>
+          <p:nvPr/>
+        </p:nvSpPr>
+        <p:spPr>
+          <a:xfrm>
+            <a:off x="3152600" y="5293975"/>
+            <a:ext cx="2362200" cy="838200"/>
+          </a:xfrm>
+          <a:prstGeom prst="roundRect">
+            <a:avLst/>
+          </a:prstGeom>
+        </p:spPr>
+        <p:style>
+          <a:lnRef idx="1">
+            <a:schemeClr val="accent1"/>
+          </a:lnRef>
+          <a:fillRef idx="2">
+            <a:schemeClr val="accent1"/>
+          </a:fillRef>
+          <a:effectRef idx="1">
+            <a:schemeClr val="accent1"/>
+          </a:effectRef>
+          <a:fontRef idx="minor">
+            <a:schemeClr val="dk1"/>
+          </a:fontRef>
+        </p:style>
+        <p:txBody>
+          <a:bodyPr rtlCol="0" anchor="ctr"/>
+          <a:lstStyle/>
+          <a:p>
+            <a:pPr algn="ctr"/>
+            <a:r>
+              <a:rPr lang="en-US" dirty="0" err="1" smtClean="0"/>
+              <a:t>Mã</a:t>
+            </a:r>
+            <a:r>
+              <a:rPr lang="en-US" dirty="0" smtClean="0"/>
+              <a:t> </a:t>
+            </a:r>
+            <a:r>
+              <a:rPr lang="en-US" dirty="0" err="1" smtClean="0"/>
+              <a:t>hóa</a:t>
+            </a:r>
+            <a:r>
+              <a:rPr lang="en-US" dirty="0" smtClean="0"/>
+              <a:t> </a:t>
+            </a:r>
+            <a:r>
+              <a:rPr lang="en-US" dirty="0" err="1" smtClean="0"/>
+              <a:t>dữ</a:t>
+            </a:r>
+            <a:r>
+              <a:rPr lang="en-US" dirty="0" smtClean="0"/>
+              <a:t> </a:t>
+            </a:r>
+            <a:r>
+              <a:rPr lang="en-US" dirty="0" err="1" smtClean="0"/>
+              <a:t>liệu</a:t>
+            </a:r>
+            <a:endParaRPr lang="en-US" dirty="0"/>
+          </a:p>
+        </p:txBody>
+      </p:sp>
+      <p:sp>
+        <p:nvSpPr>
+          <p:cNvPr id="15" name="Right Arrow 14"/>
+          <p:cNvSpPr/>
+          <p:nvPr/>
+        </p:nvSpPr>
+        <p:spPr>
+          <a:xfrm rot="5400000">
+            <a:off x="3943261" y="1681335"/>
+            <a:ext cx="703119" cy="295820"/>
+          </a:xfrm>
+          <a:prstGeom prst="rightArrow">
+            <a:avLst/>
+          </a:prstGeom>
+        </p:spPr>
+        <p:style>
+          <a:lnRef idx="1">
+            <a:schemeClr val="accent1"/>
+          </a:lnRef>
+          <a:fillRef idx="3">
+            <a:schemeClr val="accent1"/>
+          </a:fillRef>
+          <a:effectRef idx="2">
+            <a:schemeClr val="accent1"/>
+          </a:effectRef>
+          <a:fontRef idx="minor">
+            <a:schemeClr val="lt1"/>
+          </a:fontRef>
+        </p:style>
+        <p:txBody>
+          <a:bodyPr rtlCol="0" anchor="ctr"/>
+          <a:lstStyle/>
+          <a:p>
+            <a:pPr algn="ctr"/>
+            <a:endParaRPr lang="en-US"/>
+          </a:p>
+        </p:txBody>
+      </p:sp>
+      <p:sp>
+        <p:nvSpPr>
+          <p:cNvPr id="17" name="Right Arrow 16"/>
+          <p:cNvSpPr/>
+          <p:nvPr/>
+        </p:nvSpPr>
+        <p:spPr>
+          <a:xfrm rot="5400000">
+            <a:off x="3954464" y="3239067"/>
+            <a:ext cx="703119" cy="318225"/>
+          </a:xfrm>
+          <a:prstGeom prst="rightArrow">
+            <a:avLst/>
+          </a:prstGeom>
+        </p:spPr>
+        <p:style>
+          <a:lnRef idx="1">
+            <a:schemeClr val="accent1"/>
+          </a:lnRef>
+          <a:fillRef idx="3">
+            <a:schemeClr val="accent1"/>
+          </a:fillRef>
+          <a:effectRef idx="2">
+            <a:schemeClr val="accent1"/>
+          </a:effectRef>
+          <a:fontRef idx="minor">
+            <a:schemeClr val="lt1"/>
+          </a:fontRef>
+        </p:style>
+        <p:txBody>
+          <a:bodyPr rtlCol="0" anchor="ctr"/>
+          <a:lstStyle/>
+          <a:p>
+            <a:pPr algn="ctr"/>
+            <a:endParaRPr lang="en-US" dirty="0"/>
+          </a:p>
+        </p:txBody>
+      </p:sp>
+      <p:sp>
+        <p:nvSpPr>
+          <p:cNvPr id="18" name="Right Arrow 17"/>
+          <p:cNvSpPr/>
+          <p:nvPr/>
+        </p:nvSpPr>
+        <p:spPr>
+          <a:xfrm>
+            <a:off x="5500512" y="2503749"/>
+            <a:ext cx="703119" cy="328351"/>
+          </a:xfrm>
+          <a:prstGeom prst="rightArrow">
+            <a:avLst/>
+          </a:prstGeom>
+        </p:spPr>
+        <p:style>
+          <a:lnRef idx="1">
+            <a:schemeClr val="accent1"/>
+          </a:lnRef>
+          <a:fillRef idx="3">
+            <a:schemeClr val="accent1"/>
+          </a:fillRef>
+          <a:effectRef idx="2">
+            <a:schemeClr val="accent1"/>
+          </a:effectRef>
+          <a:fontRef idx="minor">
+            <a:schemeClr val="lt1"/>
+          </a:fontRef>
+        </p:style>
+        <p:txBody>
+          <a:bodyPr rtlCol="0" anchor="ctr"/>
+          <a:lstStyle/>
+          <a:p>
+            <a:pPr algn="ctr"/>
+            <a:endParaRPr lang="en-US"/>
+          </a:p>
+        </p:txBody>
+      </p:sp>
+      <p:sp>
+        <p:nvSpPr>
+          <p:cNvPr id="20" name="Right Arrow 19"/>
+          <p:cNvSpPr/>
+          <p:nvPr/>
+        </p:nvSpPr>
+        <p:spPr>
+          <a:xfrm rot="5400000">
+            <a:off x="3954464" y="4754937"/>
+            <a:ext cx="703119" cy="318225"/>
+          </a:xfrm>
+          <a:prstGeom prst="rightArrow">
+            <a:avLst/>
+          </a:prstGeom>
+        </p:spPr>
+        <p:style>
+          <a:lnRef idx="1">
+            <a:schemeClr val="accent1"/>
+          </a:lnRef>
+          <a:fillRef idx="3">
+            <a:schemeClr val="accent1"/>
+          </a:fillRef>
+          <a:effectRef idx="2">
+            <a:schemeClr val="accent1"/>
+          </a:effectRef>
+          <a:fontRef idx="minor">
+            <a:schemeClr val="lt1"/>
+          </a:fontRef>
+        </p:style>
+        <p:txBody>
+          <a:bodyPr rtlCol="0" anchor="ctr"/>
+          <a:lstStyle/>
+          <a:p>
+            <a:pPr algn="ctr"/>
+            <a:endParaRPr lang="en-US"/>
+          </a:p>
+        </p:txBody>
+      </p:sp>
+      <p:sp>
+        <p:nvSpPr>
+          <p:cNvPr id="21" name="Rounded Rectangle 20"/>
+          <p:cNvSpPr/>
+          <p:nvPr/>
+        </p:nvSpPr>
+        <p:spPr>
+          <a:xfrm>
+            <a:off x="6217919" y="3737584"/>
+            <a:ext cx="2362200" cy="838200"/>
+          </a:xfrm>
+          <a:prstGeom prst="roundRect">
+            <a:avLst/>
+          </a:prstGeom>
+        </p:spPr>
+        <p:style>
+          <a:lnRef idx="1">
+            <a:schemeClr val="accent1"/>
+          </a:lnRef>
+          <a:fillRef idx="2">
+            <a:schemeClr val="accent1"/>
+          </a:fillRef>
+          <a:effectRef idx="1">
+            <a:schemeClr val="accent1"/>
+          </a:effectRef>
+          <a:fontRef idx="minor">
+            <a:schemeClr val="dk1"/>
+          </a:fontRef>
+        </p:style>
+        <p:txBody>
+          <a:bodyPr rtlCol="0" anchor="ctr"/>
+          <a:lstStyle/>
+          <a:p>
+            <a:pPr algn="ctr"/>
+            <a:r>
+              <a:rPr lang="en-US" dirty="0" err="1" smtClean="0"/>
+              <a:t>Lưu</a:t>
+            </a:r>
+            <a:r>
+              <a:rPr lang="en-US" dirty="0" smtClean="0"/>
+              <a:t> </a:t>
+            </a:r>
+            <a:r>
+              <a:rPr lang="en-US" dirty="0" err="1" smtClean="0"/>
+              <a:t>thông</a:t>
+            </a:r>
+            <a:r>
+              <a:rPr lang="en-US" dirty="0" smtClean="0"/>
+              <a:t> tin </a:t>
+            </a:r>
+            <a:r>
+              <a:rPr lang="en-US" dirty="0" err="1" smtClean="0"/>
+              <a:t>mã</a:t>
+            </a:r>
+            <a:r>
+              <a:rPr lang="en-US" dirty="0" smtClean="0"/>
+              <a:t> </a:t>
+            </a:r>
+            <a:r>
+              <a:rPr lang="en-US" dirty="0" err="1" smtClean="0"/>
+              <a:t>hóa</a:t>
+            </a:r>
+            <a:endParaRPr lang="en-US" dirty="0"/>
+          </a:p>
+        </p:txBody>
+      </p:sp>
+      <p:sp>
+        <p:nvSpPr>
+          <p:cNvPr id="22" name="Right Arrow 21"/>
+          <p:cNvSpPr/>
+          <p:nvPr/>
+        </p:nvSpPr>
+        <p:spPr>
+          <a:xfrm rot="5400000">
+            <a:off x="7047459" y="3219955"/>
+            <a:ext cx="703119" cy="318225"/>
+          </a:xfrm>
+          <a:prstGeom prst="rightArrow">
+            <a:avLst/>
+          </a:prstGeom>
+        </p:spPr>
+        <p:style>
+          <a:lnRef idx="1">
+            <a:schemeClr val="accent1"/>
+          </a:lnRef>
+          <a:fillRef idx="3">
+            <a:schemeClr val="accent1"/>
+          </a:fillRef>
+          <a:effectRef idx="2">
+            <a:schemeClr val="accent1"/>
+          </a:effectRef>
+          <a:fontRef idx="minor">
+            <a:schemeClr val="lt1"/>
+          </a:fontRef>
+        </p:style>
+        <p:txBody>
+          <a:bodyPr rtlCol="0" anchor="ctr"/>
+          <a:lstStyle/>
+          <a:p>
+            <a:pPr algn="ctr"/>
+            <a:endParaRPr lang="en-US"/>
+          </a:p>
+        </p:txBody>
+      </p:sp>
+      <p:sp>
+        <p:nvSpPr>
+          <p:cNvPr id="23" name="Right Arrow 22"/>
+          <p:cNvSpPr/>
+          <p:nvPr/>
+        </p:nvSpPr>
+        <p:spPr>
+          <a:xfrm rot="10800000">
+            <a:off x="5503649" y="3990195"/>
+            <a:ext cx="703119" cy="328351"/>
+          </a:xfrm>
+          <a:prstGeom prst="rightArrow">
+            <a:avLst/>
+          </a:prstGeom>
+        </p:spPr>
+        <p:style>
+          <a:lnRef idx="1">
+            <a:schemeClr val="accent1"/>
+          </a:lnRef>
+          <a:fillRef idx="3">
+            <a:schemeClr val="accent1"/>
+          </a:fillRef>
+          <a:effectRef idx="2">
+            <a:schemeClr val="accent1"/>
+          </a:effectRef>
+          <a:fontRef idx="minor">
+            <a:schemeClr val="lt1"/>
+          </a:fontRef>
+        </p:style>
+        <p:txBody>
+          <a:bodyPr rtlCol="0" anchor="ctr"/>
+          <a:lstStyle/>
+          <a:p>
+            <a:pPr algn="ctr"/>
+            <a:endParaRPr lang="en-US"/>
+          </a:p>
+        </p:txBody>
+      </p:sp>
+      <p:sp>
+        <p:nvSpPr>
+          <p:cNvPr id="2" name="TextBox 1"/>
+          <p:cNvSpPr txBox="1"/>
+          <p:nvPr/>
+        </p:nvSpPr>
+        <p:spPr>
+          <a:xfrm>
+            <a:off x="282222" y="6479822"/>
+            <a:ext cx="1174104" cy="369332"/>
+          </a:xfrm>
+          <a:prstGeom prst="rect">
+            <a:avLst/>
+          </a:prstGeom>
+          <a:noFill/>
+        </p:spPr>
+        <p:txBody>
+          <a:bodyPr wrap="none" rtlCol="0">
+            <a:spAutoFit/>
+          </a:bodyPr>
+          <a:lstStyle/>
+          <a:p>
+            <a:r>
+              <a:rPr lang="en-US" dirty="0" err="1" smtClean="0"/>
+              <a:t>WriteFile</a:t>
+            </a:r>
+            <a:r>
+              <a:rPr lang="en-US" dirty="0" smtClean="0"/>
+              <a:t>()</a:t>
+            </a:r>
+            <a:endParaRPr lang="en-US" dirty="0"/>
+          </a:p>
+        </p:txBody>
+      </p:sp>
+      <p:sp>
+        <p:nvSpPr>
+          <p:cNvPr id="3" name="TextBox 2"/>
+          <p:cNvSpPr txBox="1"/>
+          <p:nvPr/>
+        </p:nvSpPr>
+        <p:spPr>
+          <a:xfrm>
+            <a:off x="2998724" y="3132836"/>
+            <a:ext cx="1274388" cy="369332"/>
+          </a:xfrm>
+          <a:prstGeom prst="rect">
+            <a:avLst/>
+          </a:prstGeom>
+          <a:noFill/>
+        </p:spPr>
+        <p:txBody>
+          <a:bodyPr wrap="none" rtlCol="0">
+            <a:spAutoFit/>
+          </a:bodyPr>
+          <a:lstStyle/>
+          <a:p>
+            <a:r>
+              <a:rPr lang="en-US" dirty="0" err="1" smtClean="0"/>
+              <a:t>Thành</a:t>
+            </a:r>
+            <a:r>
+              <a:rPr lang="en-US" dirty="0" smtClean="0"/>
+              <a:t> </a:t>
+            </a:r>
+            <a:r>
+              <a:rPr lang="en-US" dirty="0" err="1" smtClean="0"/>
+              <a:t>công</a:t>
+            </a:r>
+            <a:endParaRPr lang="en-US" dirty="0"/>
+          </a:p>
+        </p:txBody>
+      </p:sp>
+      <p:sp>
+        <p:nvSpPr>
+          <p:cNvPr id="19" name="TextBox 18"/>
+          <p:cNvSpPr txBox="1"/>
+          <p:nvPr/>
+        </p:nvSpPr>
+        <p:spPr>
+          <a:xfrm>
+            <a:off x="5381335" y="1853469"/>
+            <a:ext cx="942374" cy="369332"/>
+          </a:xfrm>
+          <a:prstGeom prst="rect">
+            <a:avLst/>
+          </a:prstGeom>
+          <a:noFill/>
+        </p:spPr>
+        <p:txBody>
+          <a:bodyPr wrap="none" rtlCol="0">
+            <a:spAutoFit/>
+          </a:bodyPr>
+          <a:lstStyle/>
+          <a:p>
+            <a:r>
+              <a:rPr lang="en-US" dirty="0" err="1" smtClean="0"/>
+              <a:t>Thất</a:t>
+            </a:r>
+            <a:r>
+              <a:rPr lang="en-US" dirty="0" smtClean="0"/>
+              <a:t> </a:t>
+            </a:r>
+            <a:r>
+              <a:rPr lang="en-US" dirty="0" err="1" smtClean="0"/>
+              <a:t>bại</a:t>
+            </a:r>
+            <a:endParaRPr lang="en-US" dirty="0"/>
+          </a:p>
+        </p:txBody>
+      </p:sp>
+    </p:spTree>
+    <p:extLst>
+      <p:ext uri="{BB962C8B-B14F-4D97-AF65-F5344CB8AC3E}">
+        <p14:creationId xmlns:p14="http://schemas.microsoft.com/office/powerpoint/2010/main" val="2405506631"/>
+      </p:ext>
+    </p:extLst>
+  </p:cSld>
+  <p:clrMapOvr>
+    <a:masterClrMapping/>
+  </p:clrMapOvr>
+</p:sld>
+</file>
+
+<file path=ppt/slides/slide19.xml><?xml version="1.0" encoding="utf-8"?>
+<p:sld xmlns:a="http://schemas.openxmlformats.org/drawingml/2006/main" xmlns:r="http://schemas.openxmlformats.org/officeDocument/2006/relationships" xmlns:p="http://schemas.openxmlformats.org/presentationml/2006/main">
+  <p:cSld>
+    <p:spTree>
+      <p:nvGrpSpPr>
+        <p:cNvPr id="1" name=""/>
+        <p:cNvGrpSpPr/>
+        <p:nvPr/>
+      </p:nvGrpSpPr>
+      <p:grpSpPr>
+        <a:xfrm>
+          <a:off x="0" y="0"/>
+          <a:ext cx="0" cy="0"/>
+          <a:chOff x="0" y="0"/>
+          <a:chExt cx="0" cy="0"/>
+        </a:xfrm>
+      </p:grpSpPr>
+      <p:sp>
+        <p:nvSpPr>
+          <p:cNvPr id="8" name="Rounded Rectangle 7"/>
+          <p:cNvSpPr/>
+          <p:nvPr/>
+        </p:nvSpPr>
+        <p:spPr>
+          <a:xfrm>
+            <a:off x="2928258" y="1835319"/>
+            <a:ext cx="2750054" cy="2991418"/>
+          </a:xfrm>
+          <a:prstGeom prst="roundRect">
+            <a:avLst>
+              <a:gd name="adj" fmla="val 7179"/>
+            </a:avLst>
+          </a:prstGeom>
+          <a:ln w="41275">
+            <a:prstDash val="sysDash"/>
+          </a:ln>
+        </p:spPr>
+        <p:style>
+          <a:lnRef idx="2">
+            <a:schemeClr val="accent1"/>
+          </a:lnRef>
+          <a:fillRef idx="1">
+            <a:schemeClr val="lt1"/>
+          </a:fillRef>
+          <a:effectRef idx="0">
+            <a:schemeClr val="accent1"/>
+          </a:effectRef>
+          <a:fontRef idx="minor">
+            <a:schemeClr val="dk1"/>
+          </a:fontRef>
+        </p:style>
+        <p:txBody>
+          <a:bodyPr rtlCol="0" anchor="ctr"/>
+          <a:lstStyle/>
+          <a:p>
+            <a:pPr algn="ctr"/>
+            <a:endParaRPr lang="en-US" dirty="0"/>
+          </a:p>
+        </p:txBody>
+      </p:sp>
+      <p:sp>
+        <p:nvSpPr>
+          <p:cNvPr id="9" name="Rounded Rectangle 8"/>
+          <p:cNvSpPr/>
+          <p:nvPr/>
+        </p:nvSpPr>
+        <p:spPr>
+          <a:xfrm>
+            <a:off x="2730500" y="391886"/>
+            <a:ext cx="6248400" cy="5958114"/>
+          </a:xfrm>
+          <a:prstGeom prst="roundRect">
+            <a:avLst>
+              <a:gd name="adj" fmla="val 7179"/>
+            </a:avLst>
+          </a:prstGeom>
+          <a:noFill/>
+          <a:ln w="41275">
+            <a:prstDash val="sysDash"/>
+          </a:ln>
+        </p:spPr>
+        <p:style>
+          <a:lnRef idx="2">
+            <a:schemeClr val="accent1"/>
+          </a:lnRef>
+          <a:fillRef idx="1">
+            <a:schemeClr val="lt1"/>
+          </a:fillRef>
+          <a:effectRef idx="0">
+            <a:schemeClr val="accent1"/>
+          </a:effectRef>
+          <a:fontRef idx="minor">
+            <a:schemeClr val="dk1"/>
+          </a:fontRef>
+        </p:style>
+        <p:txBody>
+          <a:bodyPr rtlCol="0" anchor="ctr"/>
+          <a:lstStyle/>
+          <a:p>
+            <a:pPr algn="ctr"/>
+            <a:endParaRPr lang="en-US" dirty="0"/>
+          </a:p>
+        </p:txBody>
+      </p:sp>
+      <p:sp>
+        <p:nvSpPr>
+          <p:cNvPr id="10" name="Rounded Rectangle 9"/>
+          <p:cNvSpPr/>
+          <p:nvPr/>
+        </p:nvSpPr>
+        <p:spPr>
+          <a:xfrm>
+            <a:off x="3124925" y="620888"/>
+            <a:ext cx="2362200" cy="838200"/>
+          </a:xfrm>
+          <a:prstGeom prst="roundRect">
+            <a:avLst/>
+          </a:prstGeom>
+        </p:spPr>
+        <p:style>
+          <a:lnRef idx="1">
+            <a:schemeClr val="accent1"/>
+          </a:lnRef>
+          <a:fillRef idx="2">
+            <a:schemeClr val="accent1"/>
+          </a:fillRef>
+          <a:effectRef idx="1">
+            <a:schemeClr val="accent1"/>
+          </a:effectRef>
+          <a:fontRef idx="minor">
+            <a:schemeClr val="dk1"/>
+          </a:fontRef>
+        </p:style>
+        <p:txBody>
+          <a:bodyPr rtlCol="0" anchor="ctr"/>
+          <a:lstStyle/>
+          <a:p>
+            <a:pPr algn="ctr"/>
+            <a:r>
+              <a:rPr lang="en-US" dirty="0" err="1" smtClean="0"/>
+              <a:t>Kiểm</a:t>
+            </a:r>
+            <a:r>
+              <a:rPr lang="en-US" dirty="0" smtClean="0"/>
+              <a:t> </a:t>
+            </a:r>
+            <a:r>
+              <a:rPr lang="en-US" dirty="0" err="1" smtClean="0"/>
+              <a:t>tra</a:t>
+            </a:r>
+            <a:r>
+              <a:rPr lang="en-US" dirty="0" smtClean="0"/>
+              <a:t> </a:t>
+            </a:r>
+            <a:r>
+              <a:rPr lang="en-US" dirty="0" err="1" smtClean="0"/>
+              <a:t>tập</a:t>
+            </a:r>
+            <a:r>
+              <a:rPr lang="en-US" dirty="0" smtClean="0"/>
+              <a:t> tin </a:t>
+            </a:r>
+            <a:r>
+              <a:rPr lang="en-US" dirty="0" err="1" smtClean="0"/>
+              <a:t>hợp</a:t>
+            </a:r>
+            <a:r>
+              <a:rPr lang="en-US" dirty="0" smtClean="0"/>
+              <a:t> </a:t>
+            </a:r>
+            <a:r>
+              <a:rPr lang="en-US" dirty="0" err="1" smtClean="0"/>
+              <a:t>lệ</a:t>
+            </a:r>
+            <a:endParaRPr lang="en-US" dirty="0"/>
+          </a:p>
+        </p:txBody>
+      </p:sp>
+      <p:sp>
+        <p:nvSpPr>
+          <p:cNvPr id="11" name="Rounded Rectangle 10"/>
+          <p:cNvSpPr/>
+          <p:nvPr/>
+        </p:nvSpPr>
+        <p:spPr>
+          <a:xfrm>
+            <a:off x="3124925" y="2211082"/>
+            <a:ext cx="2362200" cy="838200"/>
+          </a:xfrm>
+          <a:prstGeom prst="roundRect">
+            <a:avLst/>
+          </a:prstGeom>
+        </p:spPr>
+        <p:style>
+          <a:lnRef idx="1">
+            <a:schemeClr val="accent1"/>
+          </a:lnRef>
+          <a:fillRef idx="2">
+            <a:schemeClr val="accent1"/>
+          </a:fillRef>
+          <a:effectRef idx="1">
+            <a:schemeClr val="accent1"/>
+          </a:effectRef>
+          <a:fontRef idx="minor">
+            <a:schemeClr val="dk1"/>
+          </a:fontRef>
+        </p:style>
+        <p:txBody>
+          <a:bodyPr rtlCol="0" anchor="ctr"/>
+          <a:lstStyle/>
+          <a:p>
+            <a:pPr algn="ctr"/>
+            <a:r>
+              <a:rPr lang="en-US" dirty="0" err="1" smtClean="0"/>
+              <a:t>Đọc</a:t>
+            </a:r>
+            <a:r>
+              <a:rPr lang="en-US" dirty="0" smtClean="0"/>
+              <a:t> </a:t>
+            </a:r>
+            <a:r>
+              <a:rPr lang="en-US" dirty="0" err="1" smtClean="0"/>
+              <a:t>thông</a:t>
+            </a:r>
+            <a:r>
+              <a:rPr lang="en-US" dirty="0" smtClean="0"/>
+              <a:t> tin </a:t>
+            </a:r>
+            <a:r>
+              <a:rPr lang="en-US" dirty="0" err="1" smtClean="0"/>
+              <a:t>mã</a:t>
+            </a:r>
+            <a:r>
+              <a:rPr lang="en-US" dirty="0" smtClean="0"/>
+              <a:t> </a:t>
+            </a:r>
+            <a:r>
+              <a:rPr lang="en-US" dirty="0" err="1" smtClean="0"/>
+              <a:t>hóa</a:t>
+            </a:r>
+            <a:endParaRPr lang="en-US" dirty="0"/>
+          </a:p>
+        </p:txBody>
+      </p:sp>
+      <p:sp>
+        <p:nvSpPr>
+          <p:cNvPr id="12" name="Rounded Rectangle 11"/>
+          <p:cNvSpPr/>
+          <p:nvPr/>
+        </p:nvSpPr>
+        <p:spPr>
+          <a:xfrm>
+            <a:off x="6147506" y="3745700"/>
+            <a:ext cx="2362200" cy="838200"/>
+          </a:xfrm>
+          <a:prstGeom prst="roundRect">
+            <a:avLst/>
+          </a:prstGeom>
+        </p:spPr>
+        <p:style>
+          <a:lnRef idx="1">
+            <a:schemeClr val="accent1"/>
+          </a:lnRef>
+          <a:fillRef idx="2">
+            <a:schemeClr val="accent1"/>
+          </a:fillRef>
+          <a:effectRef idx="1">
+            <a:schemeClr val="accent1"/>
+          </a:effectRef>
+          <a:fontRef idx="minor">
+            <a:schemeClr val="dk1"/>
+          </a:fontRef>
+        </p:style>
+        <p:txBody>
+          <a:bodyPr rtlCol="0" anchor="ctr"/>
+          <a:lstStyle/>
+          <a:p>
+            <a:pPr algn="ctr"/>
+            <a:r>
+              <a:rPr lang="en-US" dirty="0" err="1" smtClean="0"/>
+              <a:t>Gọi</a:t>
+            </a:r>
+            <a:r>
+              <a:rPr lang="en-US" dirty="0" smtClean="0"/>
+              <a:t> </a:t>
+            </a:r>
+            <a:r>
+              <a:rPr lang="en-US" dirty="0" err="1" smtClean="0"/>
+              <a:t>hàm</a:t>
+            </a:r>
+            <a:r>
+              <a:rPr lang="en-US" dirty="0" smtClean="0"/>
+              <a:t> </a:t>
+            </a:r>
+            <a:r>
+              <a:rPr lang="en-US" dirty="0" err="1" smtClean="0"/>
+              <a:t>gốc</a:t>
+            </a:r>
+            <a:r>
+              <a:rPr lang="en-US" dirty="0" smtClean="0"/>
+              <a:t> </a:t>
+            </a:r>
+            <a:r>
+              <a:rPr lang="en-US" dirty="0" err="1" smtClean="0"/>
+              <a:t>để</a:t>
+            </a:r>
+            <a:endParaRPr lang="en-US" dirty="0" smtClean="0"/>
+          </a:p>
+          <a:p>
+            <a:pPr algn="ctr"/>
+            <a:r>
+              <a:rPr lang="en-US" dirty="0" err="1" smtClean="0"/>
+              <a:t>lấy</a:t>
+            </a:r>
+            <a:r>
+              <a:rPr lang="en-US" dirty="0" smtClean="0"/>
+              <a:t> </a:t>
+            </a:r>
+            <a:r>
+              <a:rPr lang="en-US" dirty="0" err="1" smtClean="0"/>
+              <a:t>dữ</a:t>
+            </a:r>
+            <a:r>
+              <a:rPr lang="en-US" dirty="0" smtClean="0"/>
+              <a:t> </a:t>
+            </a:r>
+            <a:r>
+              <a:rPr lang="en-US" dirty="0" err="1" smtClean="0"/>
+              <a:t>liệu</a:t>
+            </a:r>
+            <a:endParaRPr lang="en-US" dirty="0"/>
+          </a:p>
+        </p:txBody>
+      </p:sp>
+      <p:sp>
+        <p:nvSpPr>
+          <p:cNvPr id="13" name="Rounded Rectangle 12"/>
+          <p:cNvSpPr/>
+          <p:nvPr/>
+        </p:nvSpPr>
+        <p:spPr>
+          <a:xfrm>
+            <a:off x="3124925" y="3735271"/>
+            <a:ext cx="2362200" cy="838200"/>
+          </a:xfrm>
+          <a:prstGeom prst="roundRect">
+            <a:avLst/>
+          </a:prstGeom>
+        </p:spPr>
+        <p:style>
+          <a:lnRef idx="1">
+            <a:schemeClr val="accent1"/>
+          </a:lnRef>
+          <a:fillRef idx="2">
+            <a:schemeClr val="accent1"/>
+          </a:fillRef>
+          <a:effectRef idx="1">
+            <a:schemeClr val="accent1"/>
+          </a:effectRef>
+          <a:fontRef idx="minor">
+            <a:schemeClr val="dk1"/>
+          </a:fontRef>
+        </p:style>
+        <p:txBody>
+          <a:bodyPr rtlCol="0" anchor="ctr"/>
+          <a:lstStyle/>
+          <a:p>
+            <a:pPr algn="ctr"/>
+            <a:r>
+              <a:rPr lang="en-US" dirty="0" err="1" smtClean="0"/>
+              <a:t>Tạo</a:t>
+            </a:r>
+            <a:r>
+              <a:rPr lang="en-US" dirty="0" smtClean="0"/>
+              <a:t> </a:t>
+            </a:r>
+            <a:r>
+              <a:rPr lang="en-US" dirty="0" err="1" smtClean="0"/>
+              <a:t>khóa</a:t>
+            </a:r>
+            <a:r>
+              <a:rPr lang="en-US" dirty="0" smtClean="0"/>
+              <a:t> </a:t>
+            </a:r>
+            <a:r>
+              <a:rPr lang="en-US" dirty="0" err="1" smtClean="0"/>
+              <a:t>mã</a:t>
+            </a:r>
+            <a:r>
+              <a:rPr lang="en-US" dirty="0" smtClean="0"/>
+              <a:t> </a:t>
+            </a:r>
+            <a:r>
+              <a:rPr lang="en-US" dirty="0" err="1" smtClean="0"/>
+              <a:t>hóa</a:t>
+            </a:r>
+            <a:endParaRPr lang="en-US" dirty="0"/>
+          </a:p>
+        </p:txBody>
+      </p:sp>
+      <p:sp>
+        <p:nvSpPr>
+          <p:cNvPr id="14" name="Rounded Rectangle 13"/>
+          <p:cNvSpPr/>
+          <p:nvPr/>
+        </p:nvSpPr>
+        <p:spPr>
+          <a:xfrm>
+            <a:off x="3152600" y="5293975"/>
+            <a:ext cx="2362200" cy="838200"/>
+          </a:xfrm>
+          <a:prstGeom prst="roundRect">
+            <a:avLst/>
+          </a:prstGeom>
+        </p:spPr>
+        <p:style>
+          <a:lnRef idx="1">
+            <a:schemeClr val="accent1"/>
+          </a:lnRef>
+          <a:fillRef idx="2">
+            <a:schemeClr val="accent1"/>
+          </a:fillRef>
+          <a:effectRef idx="1">
+            <a:schemeClr val="accent1"/>
+          </a:effectRef>
+          <a:fontRef idx="minor">
+            <a:schemeClr val="dk1"/>
+          </a:fontRef>
+        </p:style>
+        <p:txBody>
+          <a:bodyPr rtlCol="0" anchor="ctr"/>
+          <a:lstStyle/>
+          <a:p>
+            <a:pPr algn="ctr"/>
+            <a:r>
+              <a:rPr lang="en-US" dirty="0" err="1" smtClean="0"/>
+              <a:t>Giải</a:t>
+            </a:r>
+            <a:r>
+              <a:rPr lang="en-US" dirty="0" smtClean="0"/>
+              <a:t> </a:t>
+            </a:r>
+            <a:r>
+              <a:rPr lang="en-US" dirty="0" err="1" smtClean="0"/>
+              <a:t>mã</a:t>
+            </a:r>
+            <a:r>
+              <a:rPr lang="en-US" dirty="0" smtClean="0"/>
+              <a:t> </a:t>
+            </a:r>
+            <a:r>
+              <a:rPr lang="en-US" dirty="0" err="1" smtClean="0"/>
+              <a:t>dữ</a:t>
+            </a:r>
+            <a:r>
+              <a:rPr lang="en-US" dirty="0" smtClean="0"/>
+              <a:t> </a:t>
+            </a:r>
+            <a:r>
+              <a:rPr lang="en-US" dirty="0" err="1" smtClean="0"/>
+              <a:t>liệu</a:t>
+            </a:r>
+            <a:endParaRPr lang="en-US" dirty="0"/>
+          </a:p>
+        </p:txBody>
+      </p:sp>
+      <p:sp>
+        <p:nvSpPr>
+          <p:cNvPr id="15" name="Right Arrow 14"/>
+          <p:cNvSpPr/>
+          <p:nvPr/>
+        </p:nvSpPr>
+        <p:spPr>
+          <a:xfrm rot="5400000">
+            <a:off x="3943261" y="1681335"/>
+            <a:ext cx="703119" cy="295820"/>
+          </a:xfrm>
+          <a:prstGeom prst="rightArrow">
+            <a:avLst/>
+          </a:prstGeom>
+        </p:spPr>
+        <p:style>
+          <a:lnRef idx="1">
+            <a:schemeClr val="accent1"/>
+          </a:lnRef>
+          <a:fillRef idx="3">
+            <a:schemeClr val="accent1"/>
+          </a:fillRef>
+          <a:effectRef idx="2">
+            <a:schemeClr val="accent1"/>
+          </a:effectRef>
+          <a:fontRef idx="minor">
+            <a:schemeClr val="lt1"/>
+          </a:fontRef>
+        </p:style>
+        <p:txBody>
+          <a:bodyPr rtlCol="0" anchor="ctr"/>
+          <a:lstStyle/>
+          <a:p>
+            <a:pPr algn="ctr"/>
+            <a:endParaRPr lang="en-US"/>
+          </a:p>
+        </p:txBody>
+      </p:sp>
+      <p:sp>
+        <p:nvSpPr>
+          <p:cNvPr id="17" name="Right Arrow 16"/>
+          <p:cNvSpPr/>
+          <p:nvPr/>
+        </p:nvSpPr>
+        <p:spPr>
+          <a:xfrm rot="5400000">
+            <a:off x="3954464" y="3239067"/>
+            <a:ext cx="703119" cy="318225"/>
+          </a:xfrm>
+          <a:prstGeom prst="rightArrow">
+            <a:avLst/>
+          </a:prstGeom>
+        </p:spPr>
+        <p:style>
+          <a:lnRef idx="1">
+            <a:schemeClr val="accent1"/>
+          </a:lnRef>
+          <a:fillRef idx="3">
+            <a:schemeClr val="accent1"/>
+          </a:fillRef>
+          <a:effectRef idx="2">
+            <a:schemeClr val="accent1"/>
+          </a:effectRef>
+          <a:fontRef idx="minor">
+            <a:schemeClr val="lt1"/>
+          </a:fontRef>
+        </p:style>
+        <p:txBody>
+          <a:bodyPr rtlCol="0" anchor="ctr"/>
+          <a:lstStyle/>
+          <a:p>
+            <a:pPr algn="ctr"/>
+            <a:endParaRPr lang="en-US"/>
+          </a:p>
+        </p:txBody>
+      </p:sp>
+      <p:sp>
+        <p:nvSpPr>
+          <p:cNvPr id="20" name="Right Arrow 19"/>
+          <p:cNvSpPr/>
+          <p:nvPr/>
+        </p:nvSpPr>
+        <p:spPr>
+          <a:xfrm rot="5400000">
+            <a:off x="3954464" y="4754937"/>
+            <a:ext cx="703119" cy="318225"/>
+          </a:xfrm>
+          <a:prstGeom prst="rightArrow">
+            <a:avLst/>
+          </a:prstGeom>
+        </p:spPr>
+        <p:style>
+          <a:lnRef idx="1">
+            <a:schemeClr val="accent1"/>
+          </a:lnRef>
+          <a:fillRef idx="3">
+            <a:schemeClr val="accent1"/>
+          </a:fillRef>
+          <a:effectRef idx="2">
+            <a:schemeClr val="accent1"/>
+          </a:effectRef>
+          <a:fontRef idx="minor">
+            <a:schemeClr val="lt1"/>
+          </a:fontRef>
+        </p:style>
+        <p:txBody>
+          <a:bodyPr rtlCol="0" anchor="ctr"/>
+          <a:lstStyle/>
+          <a:p>
+            <a:pPr algn="ctr"/>
+            <a:endParaRPr lang="en-US"/>
+          </a:p>
+        </p:txBody>
+      </p:sp>
+      <p:sp>
+        <p:nvSpPr>
+          <p:cNvPr id="22" name="Right Arrow 21"/>
+          <p:cNvSpPr/>
+          <p:nvPr/>
+        </p:nvSpPr>
+        <p:spPr>
+          <a:xfrm rot="5400000">
+            <a:off x="6977046" y="4783303"/>
+            <a:ext cx="703119" cy="318225"/>
+          </a:xfrm>
+          <a:prstGeom prst="rightArrow">
+            <a:avLst/>
+          </a:prstGeom>
+        </p:spPr>
+        <p:style>
+          <a:lnRef idx="1">
+            <a:schemeClr val="accent1"/>
+          </a:lnRef>
+          <a:fillRef idx="3">
+            <a:schemeClr val="accent1"/>
+          </a:fillRef>
+          <a:effectRef idx="2">
+            <a:schemeClr val="accent1"/>
+          </a:effectRef>
+          <a:fontRef idx="minor">
+            <a:schemeClr val="lt1"/>
+          </a:fontRef>
+        </p:style>
+        <p:txBody>
+          <a:bodyPr rtlCol="0" anchor="ctr"/>
+          <a:lstStyle/>
+          <a:p>
+            <a:pPr algn="ctr"/>
+            <a:endParaRPr lang="en-US"/>
+          </a:p>
+        </p:txBody>
+      </p:sp>
+      <p:sp>
+        <p:nvSpPr>
+          <p:cNvPr id="2" name="TextBox 1"/>
+          <p:cNvSpPr txBox="1"/>
+          <p:nvPr/>
+        </p:nvSpPr>
+        <p:spPr>
+          <a:xfrm>
+            <a:off x="282222" y="6479822"/>
+            <a:ext cx="1121589" cy="369332"/>
+          </a:xfrm>
+          <a:prstGeom prst="rect">
+            <a:avLst/>
+          </a:prstGeom>
+          <a:noFill/>
+        </p:spPr>
+        <p:txBody>
+          <a:bodyPr wrap="none" rtlCol="0">
+            <a:spAutoFit/>
+          </a:bodyPr>
+          <a:lstStyle/>
+          <a:p>
+            <a:r>
+              <a:rPr lang="en-US" dirty="0" err="1" smtClean="0"/>
+              <a:t>ReadFile</a:t>
+            </a:r>
+            <a:r>
+              <a:rPr lang="en-US" dirty="0" smtClean="0"/>
+              <a:t>()</a:t>
+            </a:r>
+            <a:endParaRPr lang="en-US" dirty="0"/>
+          </a:p>
+        </p:txBody>
+      </p:sp>
+      <p:cxnSp>
+        <p:nvCxnSpPr>
+          <p:cNvPr id="4" name="Elbow Connector 3"/>
+          <p:cNvCxnSpPr>
+            <a:endCxn id="12" idx="0"/>
+          </p:cNvCxnSpPr>
+          <p:nvPr/>
+        </p:nvCxnSpPr>
+        <p:spPr>
+          <a:xfrm>
+            <a:off x="5487122" y="2628900"/>
+            <a:ext cx="1841484" cy="1116800"/>
+          </a:xfrm>
+          <a:prstGeom prst="bentConnector2">
+            <a:avLst/>
+          </a:prstGeom>
+          <a:ln w="130175">
+            <a:tailEnd type="triangle"/>
+          </a:ln>
+        </p:spPr>
+        <p:style>
+          <a:lnRef idx="1">
+            <a:schemeClr val="accent1"/>
+          </a:lnRef>
+          <a:fillRef idx="0">
+            <a:schemeClr val="accent1"/>
+          </a:fillRef>
+          <a:effectRef idx="0">
+            <a:schemeClr val="accent1"/>
+          </a:effectRef>
+          <a:fontRef idx="minor">
+            <a:schemeClr val="tx1"/>
+          </a:fontRef>
+        </p:style>
+      </p:cxnSp>
+      <p:sp>
+        <p:nvSpPr>
+          <p:cNvPr id="24" name="TextBox 23"/>
+          <p:cNvSpPr txBox="1"/>
+          <p:nvPr/>
+        </p:nvSpPr>
+        <p:spPr>
+          <a:xfrm>
+            <a:off x="2998724" y="3132836"/>
+            <a:ext cx="1274388" cy="369332"/>
+          </a:xfrm>
+          <a:prstGeom prst="rect">
+            <a:avLst/>
+          </a:prstGeom>
+          <a:noFill/>
+        </p:spPr>
+        <p:txBody>
+          <a:bodyPr wrap="none" rtlCol="0">
+            <a:spAutoFit/>
+          </a:bodyPr>
+          <a:lstStyle/>
+          <a:p>
+            <a:r>
+              <a:rPr lang="en-US" dirty="0" err="1" smtClean="0"/>
+              <a:t>Thành</a:t>
+            </a:r>
+            <a:r>
+              <a:rPr lang="en-US" dirty="0" smtClean="0"/>
+              <a:t> </a:t>
+            </a:r>
+            <a:r>
+              <a:rPr lang="en-US" dirty="0" err="1" smtClean="0"/>
+              <a:t>công</a:t>
+            </a:r>
+            <a:endParaRPr lang="en-US" dirty="0"/>
+          </a:p>
+        </p:txBody>
+      </p:sp>
+      <p:sp>
+        <p:nvSpPr>
+          <p:cNvPr id="25" name="TextBox 24"/>
+          <p:cNvSpPr txBox="1"/>
+          <p:nvPr/>
+        </p:nvSpPr>
+        <p:spPr>
+          <a:xfrm>
+            <a:off x="6227119" y="2180805"/>
+            <a:ext cx="942374" cy="369332"/>
+          </a:xfrm>
+          <a:prstGeom prst="rect">
+            <a:avLst/>
+          </a:prstGeom>
+          <a:noFill/>
+        </p:spPr>
+        <p:txBody>
+          <a:bodyPr wrap="none" rtlCol="0">
+            <a:spAutoFit/>
+          </a:bodyPr>
+          <a:lstStyle/>
+          <a:p>
+            <a:r>
+              <a:rPr lang="en-US" dirty="0" err="1" smtClean="0"/>
+              <a:t>Thất</a:t>
+            </a:r>
+            <a:r>
+              <a:rPr lang="en-US" dirty="0" smtClean="0"/>
+              <a:t> </a:t>
+            </a:r>
+            <a:r>
+              <a:rPr lang="en-US" dirty="0" err="1" smtClean="0"/>
+              <a:t>bại</a:t>
+            </a:r>
+            <a:endParaRPr lang="en-US" dirty="0"/>
+          </a:p>
+        </p:txBody>
+      </p:sp>
+      <p:sp>
+        <p:nvSpPr>
+          <p:cNvPr id="26" name="Rounded Rectangle 25"/>
+          <p:cNvSpPr/>
+          <p:nvPr/>
+        </p:nvSpPr>
+        <p:spPr>
+          <a:xfrm>
+            <a:off x="6147506" y="5293975"/>
+            <a:ext cx="2362200" cy="838200"/>
+          </a:xfrm>
+          <a:prstGeom prst="roundRect">
+            <a:avLst/>
+          </a:prstGeom>
+        </p:spPr>
+        <p:style>
+          <a:lnRef idx="1">
+            <a:schemeClr val="accent1"/>
+          </a:lnRef>
+          <a:fillRef idx="2">
+            <a:schemeClr val="accent1"/>
+          </a:fillRef>
+          <a:effectRef idx="1">
+            <a:schemeClr val="accent1"/>
+          </a:effectRef>
+          <a:fontRef idx="minor">
+            <a:schemeClr val="dk1"/>
+          </a:fontRef>
+        </p:style>
+        <p:txBody>
+          <a:bodyPr rtlCol="0" anchor="ctr"/>
+          <a:lstStyle/>
+          <a:p>
+            <a:pPr algn="ctr"/>
+            <a:r>
+              <a:rPr lang="en-US" dirty="0" err="1" smtClean="0"/>
+              <a:t>Gọi</a:t>
+            </a:r>
+            <a:r>
+              <a:rPr lang="en-US" dirty="0" smtClean="0"/>
+              <a:t> </a:t>
+            </a:r>
+            <a:r>
+              <a:rPr lang="en-US" dirty="0" err="1" smtClean="0"/>
+              <a:t>lại</a:t>
+            </a:r>
+            <a:r>
+              <a:rPr lang="en-US" dirty="0" smtClean="0"/>
+              <a:t> </a:t>
+            </a:r>
+            <a:r>
+              <a:rPr lang="en-US" dirty="0" err="1" smtClean="0"/>
+              <a:t>hàm</a:t>
+            </a:r>
+            <a:r>
+              <a:rPr lang="en-US" dirty="0" smtClean="0"/>
+              <a:t> </a:t>
+            </a:r>
+            <a:r>
+              <a:rPr lang="en-US" dirty="0" err="1" smtClean="0"/>
+              <a:t>gốc</a:t>
+            </a:r>
+            <a:endParaRPr lang="en-US" dirty="0"/>
+          </a:p>
+        </p:txBody>
+      </p:sp>
+    </p:spTree>
+    <p:extLst>
+      <p:ext uri="{BB962C8B-B14F-4D97-AF65-F5344CB8AC3E}">
+        <p14:creationId xmlns:p14="http://schemas.microsoft.com/office/powerpoint/2010/main" val="2536508754"/>
+      </p:ext>
+    </p:extLst>
+  </p:cSld>
+  <p:clrMapOvr>
+    <a:masterClrMapping/>
+  </p:clrMapOvr>
+</p:sld>
+</file>
+
 <file path=ppt/slides/slide2.xml><?xml version="1.0" encoding="utf-8"?>
 <p:sld xmlns:a="http://schemas.openxmlformats.org/drawingml/2006/main" xmlns:r="http://schemas.openxmlformats.org/officeDocument/2006/relationships" xmlns:p="http://schemas.openxmlformats.org/presentationml/2006/main">
   <p:cSld>
@@ -14323,6 +19387,2151 @@
       </p:par>
     </p:tnLst>
   </p:timing>
+</p:sld>
+</file>
+
+<file path=ppt/slides/slide20.xml><?xml version="1.0" encoding="utf-8"?>
+<p:sld xmlns:a="http://schemas.openxmlformats.org/drawingml/2006/main" xmlns:r="http://schemas.openxmlformats.org/officeDocument/2006/relationships" xmlns:p="http://schemas.openxmlformats.org/presentationml/2006/main">
+  <p:cSld>
+    <p:spTree>
+      <p:nvGrpSpPr>
+        <p:cNvPr id="1" name=""/>
+        <p:cNvGrpSpPr/>
+        <p:nvPr/>
+      </p:nvGrpSpPr>
+      <p:grpSpPr>
+        <a:xfrm>
+          <a:off x="0" y="0"/>
+          <a:ext cx="0" cy="0"/>
+          <a:chOff x="0" y="0"/>
+          <a:chExt cx="0" cy="0"/>
+        </a:xfrm>
+      </p:grpSpPr>
+      <p:sp>
+        <p:nvSpPr>
+          <p:cNvPr id="4" name="Rounded Rectangle 3"/>
+          <p:cNvSpPr/>
+          <p:nvPr/>
+        </p:nvSpPr>
+        <p:spPr>
+          <a:xfrm>
+            <a:off x="2928257" y="1835319"/>
+            <a:ext cx="5860143" cy="2991418"/>
+          </a:xfrm>
+          <a:prstGeom prst="roundRect">
+            <a:avLst>
+              <a:gd name="adj" fmla="val 7179"/>
+            </a:avLst>
+          </a:prstGeom>
+          <a:ln w="41275">
+            <a:prstDash val="sysDash"/>
+          </a:ln>
+        </p:spPr>
+        <p:style>
+          <a:lnRef idx="2">
+            <a:schemeClr val="accent1"/>
+          </a:lnRef>
+          <a:fillRef idx="1">
+            <a:schemeClr val="lt1"/>
+          </a:fillRef>
+          <a:effectRef idx="0">
+            <a:schemeClr val="accent1"/>
+          </a:effectRef>
+          <a:fontRef idx="minor">
+            <a:schemeClr val="dk1"/>
+          </a:fontRef>
+        </p:style>
+        <p:txBody>
+          <a:bodyPr rtlCol="0" anchor="ctr"/>
+          <a:lstStyle/>
+          <a:p>
+            <a:pPr algn="ctr"/>
+            <a:endParaRPr lang="en-US" dirty="0"/>
+          </a:p>
+        </p:txBody>
+      </p:sp>
+      <p:sp>
+        <p:nvSpPr>
+          <p:cNvPr id="5" name="Rounded Rectangle 4"/>
+          <p:cNvSpPr/>
+          <p:nvPr/>
+        </p:nvSpPr>
+        <p:spPr>
+          <a:xfrm>
+            <a:off x="2730500" y="391886"/>
+            <a:ext cx="6248400" cy="5958114"/>
+          </a:xfrm>
+          <a:prstGeom prst="roundRect">
+            <a:avLst>
+              <a:gd name="adj" fmla="val 7179"/>
+            </a:avLst>
+          </a:prstGeom>
+          <a:noFill/>
+          <a:ln w="41275">
+            <a:prstDash val="sysDash"/>
+          </a:ln>
+        </p:spPr>
+        <p:style>
+          <a:lnRef idx="2">
+            <a:schemeClr val="accent1"/>
+          </a:lnRef>
+          <a:fillRef idx="1">
+            <a:schemeClr val="lt1"/>
+          </a:fillRef>
+          <a:effectRef idx="0">
+            <a:schemeClr val="accent1"/>
+          </a:effectRef>
+          <a:fontRef idx="minor">
+            <a:schemeClr val="dk1"/>
+          </a:fontRef>
+        </p:style>
+        <p:txBody>
+          <a:bodyPr rtlCol="0" anchor="ctr"/>
+          <a:lstStyle/>
+          <a:p>
+            <a:pPr algn="ctr"/>
+            <a:endParaRPr lang="en-US" dirty="0"/>
+          </a:p>
+        </p:txBody>
+      </p:sp>
+      <p:sp>
+        <p:nvSpPr>
+          <p:cNvPr id="6" name="Rounded Rectangle 5"/>
+          <p:cNvSpPr/>
+          <p:nvPr/>
+        </p:nvSpPr>
+        <p:spPr>
+          <a:xfrm>
+            <a:off x="3124925" y="620888"/>
+            <a:ext cx="2362200" cy="838200"/>
+          </a:xfrm>
+          <a:prstGeom prst="roundRect">
+            <a:avLst/>
+          </a:prstGeom>
+        </p:spPr>
+        <p:style>
+          <a:lnRef idx="1">
+            <a:schemeClr val="accent1"/>
+          </a:lnRef>
+          <a:fillRef idx="2">
+            <a:schemeClr val="accent1"/>
+          </a:fillRef>
+          <a:effectRef idx="1">
+            <a:schemeClr val="accent1"/>
+          </a:effectRef>
+          <a:fontRef idx="minor">
+            <a:schemeClr val="dk1"/>
+          </a:fontRef>
+        </p:style>
+        <p:txBody>
+          <a:bodyPr rtlCol="0" anchor="ctr"/>
+          <a:lstStyle/>
+          <a:p>
+            <a:pPr algn="ctr"/>
+            <a:r>
+              <a:rPr lang="en-US" dirty="0" err="1" smtClean="0"/>
+              <a:t>Kiểm</a:t>
+            </a:r>
+            <a:r>
+              <a:rPr lang="en-US" dirty="0" smtClean="0"/>
+              <a:t> </a:t>
+            </a:r>
+            <a:r>
+              <a:rPr lang="en-US" dirty="0" err="1" smtClean="0"/>
+              <a:t>tra</a:t>
+            </a:r>
+            <a:r>
+              <a:rPr lang="en-US" dirty="0" smtClean="0"/>
+              <a:t> </a:t>
+            </a:r>
+            <a:r>
+              <a:rPr lang="en-US" dirty="0" err="1" smtClean="0"/>
+              <a:t>tập</a:t>
+            </a:r>
+            <a:r>
+              <a:rPr lang="en-US" dirty="0" smtClean="0"/>
+              <a:t> tin </a:t>
+            </a:r>
+            <a:r>
+              <a:rPr lang="en-US" dirty="0" err="1" smtClean="0"/>
+              <a:t>hợp</a:t>
+            </a:r>
+            <a:r>
+              <a:rPr lang="en-US" dirty="0" smtClean="0"/>
+              <a:t> </a:t>
+            </a:r>
+            <a:r>
+              <a:rPr lang="en-US" dirty="0" err="1" smtClean="0"/>
+              <a:t>lệ</a:t>
+            </a:r>
+            <a:endParaRPr lang="en-US" dirty="0"/>
+          </a:p>
+        </p:txBody>
+      </p:sp>
+      <p:sp>
+        <p:nvSpPr>
+          <p:cNvPr id="7" name="Rounded Rectangle 6"/>
+          <p:cNvSpPr/>
+          <p:nvPr/>
+        </p:nvSpPr>
+        <p:spPr>
+          <a:xfrm>
+            <a:off x="3124925" y="2211082"/>
+            <a:ext cx="2362200" cy="838200"/>
+          </a:xfrm>
+          <a:prstGeom prst="roundRect">
+            <a:avLst/>
+          </a:prstGeom>
+        </p:spPr>
+        <p:style>
+          <a:lnRef idx="1">
+            <a:schemeClr val="accent1"/>
+          </a:lnRef>
+          <a:fillRef idx="2">
+            <a:schemeClr val="accent1"/>
+          </a:fillRef>
+          <a:effectRef idx="1">
+            <a:schemeClr val="accent1"/>
+          </a:effectRef>
+          <a:fontRef idx="minor">
+            <a:schemeClr val="dk1"/>
+          </a:fontRef>
+        </p:style>
+        <p:txBody>
+          <a:bodyPr rtlCol="0" anchor="ctr"/>
+          <a:lstStyle/>
+          <a:p>
+            <a:pPr algn="ctr"/>
+            <a:r>
+              <a:rPr lang="en-US" dirty="0" err="1" smtClean="0"/>
+              <a:t>Đọc</a:t>
+            </a:r>
+            <a:r>
+              <a:rPr lang="en-US" dirty="0" smtClean="0"/>
+              <a:t> </a:t>
+            </a:r>
+            <a:r>
+              <a:rPr lang="en-US" dirty="0" err="1" smtClean="0"/>
+              <a:t>thông</a:t>
+            </a:r>
+            <a:r>
+              <a:rPr lang="en-US" dirty="0" smtClean="0"/>
+              <a:t> tin </a:t>
+            </a:r>
+            <a:r>
+              <a:rPr lang="en-US" dirty="0" err="1" smtClean="0"/>
+              <a:t>mã</a:t>
+            </a:r>
+            <a:r>
+              <a:rPr lang="en-US" dirty="0" smtClean="0"/>
+              <a:t> </a:t>
+            </a:r>
+            <a:r>
+              <a:rPr lang="en-US" dirty="0" err="1" smtClean="0"/>
+              <a:t>hóa</a:t>
+            </a:r>
+            <a:endParaRPr lang="en-US" dirty="0"/>
+          </a:p>
+        </p:txBody>
+      </p:sp>
+      <p:sp>
+        <p:nvSpPr>
+          <p:cNvPr id="8" name="Rounded Rectangle 7"/>
+          <p:cNvSpPr/>
+          <p:nvPr/>
+        </p:nvSpPr>
+        <p:spPr>
+          <a:xfrm>
+            <a:off x="6217919" y="2182352"/>
+            <a:ext cx="2362200" cy="838200"/>
+          </a:xfrm>
+          <a:prstGeom prst="roundRect">
+            <a:avLst/>
+          </a:prstGeom>
+        </p:spPr>
+        <p:style>
+          <a:lnRef idx="1">
+            <a:schemeClr val="accent1"/>
+          </a:lnRef>
+          <a:fillRef idx="2">
+            <a:schemeClr val="accent1"/>
+          </a:fillRef>
+          <a:effectRef idx="1">
+            <a:schemeClr val="accent1"/>
+          </a:effectRef>
+          <a:fontRef idx="minor">
+            <a:schemeClr val="dk1"/>
+          </a:fontRef>
+        </p:style>
+        <p:txBody>
+          <a:bodyPr rtlCol="0" anchor="ctr"/>
+          <a:lstStyle/>
+          <a:p>
+            <a:pPr algn="ctr"/>
+            <a:r>
+              <a:rPr lang="en-US" dirty="0" err="1" smtClean="0"/>
+              <a:t>Phát</a:t>
+            </a:r>
+            <a:r>
+              <a:rPr lang="en-US" dirty="0" smtClean="0"/>
+              <a:t> </a:t>
+            </a:r>
+            <a:r>
+              <a:rPr lang="en-US" dirty="0" err="1" smtClean="0"/>
+              <a:t>sinh</a:t>
+            </a:r>
+            <a:r>
+              <a:rPr lang="en-US" dirty="0" smtClean="0"/>
+              <a:t> </a:t>
+            </a:r>
+            <a:r>
+              <a:rPr lang="en-US" dirty="0" err="1" smtClean="0"/>
+              <a:t>thông</a:t>
+            </a:r>
+            <a:r>
+              <a:rPr lang="en-US" dirty="0" smtClean="0"/>
+              <a:t> tin </a:t>
+            </a:r>
+            <a:r>
+              <a:rPr lang="en-US" dirty="0" err="1" smtClean="0"/>
+              <a:t>mã</a:t>
+            </a:r>
+            <a:r>
+              <a:rPr lang="en-US" dirty="0" smtClean="0"/>
+              <a:t> </a:t>
+            </a:r>
+            <a:r>
+              <a:rPr lang="en-US" dirty="0" err="1" smtClean="0"/>
+              <a:t>hóa</a:t>
+            </a:r>
+            <a:endParaRPr lang="en-US" dirty="0"/>
+          </a:p>
+        </p:txBody>
+      </p:sp>
+      <p:sp>
+        <p:nvSpPr>
+          <p:cNvPr id="9" name="Rounded Rectangle 8"/>
+          <p:cNvSpPr/>
+          <p:nvPr/>
+        </p:nvSpPr>
+        <p:spPr>
+          <a:xfrm>
+            <a:off x="3124925" y="3735271"/>
+            <a:ext cx="2362200" cy="838200"/>
+          </a:xfrm>
+          <a:prstGeom prst="roundRect">
+            <a:avLst/>
+          </a:prstGeom>
+        </p:spPr>
+        <p:style>
+          <a:lnRef idx="1">
+            <a:schemeClr val="accent1"/>
+          </a:lnRef>
+          <a:fillRef idx="2">
+            <a:schemeClr val="accent1"/>
+          </a:fillRef>
+          <a:effectRef idx="1">
+            <a:schemeClr val="accent1"/>
+          </a:effectRef>
+          <a:fontRef idx="minor">
+            <a:schemeClr val="dk1"/>
+          </a:fontRef>
+        </p:style>
+        <p:txBody>
+          <a:bodyPr rtlCol="0" anchor="ctr"/>
+          <a:lstStyle/>
+          <a:p>
+            <a:pPr algn="ctr"/>
+            <a:r>
+              <a:rPr lang="en-US" dirty="0" err="1" smtClean="0"/>
+              <a:t>Tạo</a:t>
+            </a:r>
+            <a:r>
+              <a:rPr lang="en-US" dirty="0" smtClean="0"/>
+              <a:t> </a:t>
+            </a:r>
+            <a:r>
+              <a:rPr lang="en-US" dirty="0" err="1" smtClean="0"/>
+              <a:t>khóa</a:t>
+            </a:r>
+            <a:r>
+              <a:rPr lang="en-US" dirty="0" smtClean="0"/>
+              <a:t> </a:t>
+            </a:r>
+            <a:r>
+              <a:rPr lang="en-US" dirty="0" err="1" smtClean="0"/>
+              <a:t>mã</a:t>
+            </a:r>
+            <a:r>
+              <a:rPr lang="en-US" dirty="0" smtClean="0"/>
+              <a:t> </a:t>
+            </a:r>
+            <a:r>
+              <a:rPr lang="en-US" dirty="0" err="1" smtClean="0"/>
+              <a:t>hóa</a:t>
+            </a:r>
+            <a:endParaRPr lang="en-US" dirty="0"/>
+          </a:p>
+        </p:txBody>
+      </p:sp>
+      <p:sp>
+        <p:nvSpPr>
+          <p:cNvPr id="10" name="Rounded Rectangle 9"/>
+          <p:cNvSpPr/>
+          <p:nvPr/>
+        </p:nvSpPr>
+        <p:spPr>
+          <a:xfrm>
+            <a:off x="3152600" y="5293975"/>
+            <a:ext cx="2362200" cy="838200"/>
+          </a:xfrm>
+          <a:prstGeom prst="roundRect">
+            <a:avLst/>
+          </a:prstGeom>
+        </p:spPr>
+        <p:style>
+          <a:lnRef idx="1">
+            <a:schemeClr val="accent1"/>
+          </a:lnRef>
+          <a:fillRef idx="2">
+            <a:schemeClr val="accent1"/>
+          </a:fillRef>
+          <a:effectRef idx="1">
+            <a:schemeClr val="accent1"/>
+          </a:effectRef>
+          <a:fontRef idx="minor">
+            <a:schemeClr val="dk1"/>
+          </a:fontRef>
+        </p:style>
+        <p:txBody>
+          <a:bodyPr rtlCol="0" anchor="ctr"/>
+          <a:lstStyle/>
+          <a:p>
+            <a:pPr algn="ctr"/>
+            <a:r>
+              <a:rPr lang="en-US" dirty="0" err="1" smtClean="0"/>
+              <a:t>Mã</a:t>
+            </a:r>
+            <a:r>
+              <a:rPr lang="en-US" dirty="0" smtClean="0"/>
+              <a:t> </a:t>
+            </a:r>
+            <a:r>
+              <a:rPr lang="en-US" dirty="0" err="1" smtClean="0"/>
+              <a:t>hóa</a:t>
+            </a:r>
+            <a:r>
+              <a:rPr lang="en-US" dirty="0" smtClean="0"/>
+              <a:t> </a:t>
+            </a:r>
+            <a:r>
+              <a:rPr lang="en-US" dirty="0" err="1" smtClean="0"/>
+              <a:t>toàn</a:t>
+            </a:r>
+            <a:r>
+              <a:rPr lang="en-US" dirty="0" smtClean="0"/>
+              <a:t> </a:t>
+            </a:r>
+            <a:r>
+              <a:rPr lang="en-US" dirty="0" err="1" smtClean="0"/>
+              <a:t>bộ</a:t>
+            </a:r>
+            <a:r>
+              <a:rPr lang="en-US" dirty="0" smtClean="0"/>
+              <a:t> </a:t>
+            </a:r>
+          </a:p>
+          <a:p>
+            <a:pPr algn="ctr"/>
+            <a:r>
+              <a:rPr lang="en-US" dirty="0" err="1" smtClean="0"/>
+              <a:t>dữ</a:t>
+            </a:r>
+            <a:r>
+              <a:rPr lang="en-US" dirty="0" smtClean="0"/>
+              <a:t> </a:t>
+            </a:r>
+            <a:r>
+              <a:rPr lang="en-US" dirty="0" err="1" smtClean="0"/>
+              <a:t>liệu</a:t>
+            </a:r>
+            <a:endParaRPr lang="en-US" dirty="0"/>
+          </a:p>
+        </p:txBody>
+      </p:sp>
+      <p:sp>
+        <p:nvSpPr>
+          <p:cNvPr id="11" name="Right Arrow 10"/>
+          <p:cNvSpPr/>
+          <p:nvPr/>
+        </p:nvSpPr>
+        <p:spPr>
+          <a:xfrm rot="5400000">
+            <a:off x="3943261" y="1681335"/>
+            <a:ext cx="703119" cy="295820"/>
+          </a:xfrm>
+          <a:prstGeom prst="rightArrow">
+            <a:avLst/>
+          </a:prstGeom>
+        </p:spPr>
+        <p:style>
+          <a:lnRef idx="1">
+            <a:schemeClr val="accent1"/>
+          </a:lnRef>
+          <a:fillRef idx="3">
+            <a:schemeClr val="accent1"/>
+          </a:fillRef>
+          <a:effectRef idx="2">
+            <a:schemeClr val="accent1"/>
+          </a:effectRef>
+          <a:fontRef idx="minor">
+            <a:schemeClr val="lt1"/>
+          </a:fontRef>
+        </p:style>
+        <p:txBody>
+          <a:bodyPr rtlCol="0" anchor="ctr"/>
+          <a:lstStyle/>
+          <a:p>
+            <a:pPr algn="ctr"/>
+            <a:endParaRPr lang="en-US"/>
+          </a:p>
+        </p:txBody>
+      </p:sp>
+      <p:sp>
+        <p:nvSpPr>
+          <p:cNvPr id="12" name="Right Arrow 11"/>
+          <p:cNvSpPr/>
+          <p:nvPr/>
+        </p:nvSpPr>
+        <p:spPr>
+          <a:xfrm rot="5400000">
+            <a:off x="3954464" y="3239067"/>
+            <a:ext cx="703119" cy="318225"/>
+          </a:xfrm>
+          <a:prstGeom prst="rightArrow">
+            <a:avLst/>
+          </a:prstGeom>
+        </p:spPr>
+        <p:style>
+          <a:lnRef idx="1">
+            <a:schemeClr val="accent1"/>
+          </a:lnRef>
+          <a:fillRef idx="3">
+            <a:schemeClr val="accent1"/>
+          </a:fillRef>
+          <a:effectRef idx="2">
+            <a:schemeClr val="accent1"/>
+          </a:effectRef>
+          <a:fontRef idx="minor">
+            <a:schemeClr val="lt1"/>
+          </a:fontRef>
+        </p:style>
+        <p:txBody>
+          <a:bodyPr rtlCol="0" anchor="ctr"/>
+          <a:lstStyle/>
+          <a:p>
+            <a:pPr algn="ctr"/>
+            <a:endParaRPr lang="en-US" dirty="0"/>
+          </a:p>
+        </p:txBody>
+      </p:sp>
+      <p:sp>
+        <p:nvSpPr>
+          <p:cNvPr id="13" name="Right Arrow 12"/>
+          <p:cNvSpPr/>
+          <p:nvPr/>
+        </p:nvSpPr>
+        <p:spPr>
+          <a:xfrm>
+            <a:off x="5500512" y="2503749"/>
+            <a:ext cx="703119" cy="328351"/>
+          </a:xfrm>
+          <a:prstGeom prst="rightArrow">
+            <a:avLst/>
+          </a:prstGeom>
+        </p:spPr>
+        <p:style>
+          <a:lnRef idx="1">
+            <a:schemeClr val="accent1"/>
+          </a:lnRef>
+          <a:fillRef idx="3">
+            <a:schemeClr val="accent1"/>
+          </a:fillRef>
+          <a:effectRef idx="2">
+            <a:schemeClr val="accent1"/>
+          </a:effectRef>
+          <a:fontRef idx="minor">
+            <a:schemeClr val="lt1"/>
+          </a:fontRef>
+        </p:style>
+        <p:txBody>
+          <a:bodyPr rtlCol="0" anchor="ctr"/>
+          <a:lstStyle/>
+          <a:p>
+            <a:pPr algn="ctr"/>
+            <a:endParaRPr lang="en-US"/>
+          </a:p>
+        </p:txBody>
+      </p:sp>
+      <p:sp>
+        <p:nvSpPr>
+          <p:cNvPr id="14" name="Right Arrow 13"/>
+          <p:cNvSpPr/>
+          <p:nvPr/>
+        </p:nvSpPr>
+        <p:spPr>
+          <a:xfrm rot="5400000">
+            <a:off x="3954464" y="4754937"/>
+            <a:ext cx="703119" cy="318225"/>
+          </a:xfrm>
+          <a:prstGeom prst="rightArrow">
+            <a:avLst/>
+          </a:prstGeom>
+        </p:spPr>
+        <p:style>
+          <a:lnRef idx="1">
+            <a:schemeClr val="accent1"/>
+          </a:lnRef>
+          <a:fillRef idx="3">
+            <a:schemeClr val="accent1"/>
+          </a:fillRef>
+          <a:effectRef idx="2">
+            <a:schemeClr val="accent1"/>
+          </a:effectRef>
+          <a:fontRef idx="minor">
+            <a:schemeClr val="lt1"/>
+          </a:fontRef>
+        </p:style>
+        <p:txBody>
+          <a:bodyPr rtlCol="0" anchor="ctr"/>
+          <a:lstStyle/>
+          <a:p>
+            <a:pPr algn="ctr"/>
+            <a:endParaRPr lang="en-US"/>
+          </a:p>
+        </p:txBody>
+      </p:sp>
+      <p:sp>
+        <p:nvSpPr>
+          <p:cNvPr id="15" name="Rounded Rectangle 14"/>
+          <p:cNvSpPr/>
+          <p:nvPr/>
+        </p:nvSpPr>
+        <p:spPr>
+          <a:xfrm>
+            <a:off x="6217919" y="3737584"/>
+            <a:ext cx="2362200" cy="838200"/>
+          </a:xfrm>
+          <a:prstGeom prst="roundRect">
+            <a:avLst/>
+          </a:prstGeom>
+        </p:spPr>
+        <p:style>
+          <a:lnRef idx="1">
+            <a:schemeClr val="accent1"/>
+          </a:lnRef>
+          <a:fillRef idx="2">
+            <a:schemeClr val="accent1"/>
+          </a:fillRef>
+          <a:effectRef idx="1">
+            <a:schemeClr val="accent1"/>
+          </a:effectRef>
+          <a:fontRef idx="minor">
+            <a:schemeClr val="dk1"/>
+          </a:fontRef>
+        </p:style>
+        <p:txBody>
+          <a:bodyPr rtlCol="0" anchor="ctr"/>
+          <a:lstStyle/>
+          <a:p>
+            <a:pPr algn="ctr"/>
+            <a:r>
+              <a:rPr lang="en-US" dirty="0" err="1" smtClean="0"/>
+              <a:t>Lưu</a:t>
+            </a:r>
+            <a:r>
+              <a:rPr lang="en-US" dirty="0" smtClean="0"/>
+              <a:t> </a:t>
+            </a:r>
+            <a:r>
+              <a:rPr lang="en-US" dirty="0" err="1" smtClean="0"/>
+              <a:t>thông</a:t>
+            </a:r>
+            <a:r>
+              <a:rPr lang="en-US" dirty="0" smtClean="0"/>
+              <a:t> tin </a:t>
+            </a:r>
+            <a:r>
+              <a:rPr lang="en-US" dirty="0" err="1" smtClean="0"/>
+              <a:t>mã</a:t>
+            </a:r>
+            <a:r>
+              <a:rPr lang="en-US" dirty="0" smtClean="0"/>
+              <a:t> </a:t>
+            </a:r>
+            <a:r>
+              <a:rPr lang="en-US" dirty="0" err="1" smtClean="0"/>
+              <a:t>hóa</a:t>
+            </a:r>
+            <a:endParaRPr lang="en-US" dirty="0"/>
+          </a:p>
+        </p:txBody>
+      </p:sp>
+      <p:sp>
+        <p:nvSpPr>
+          <p:cNvPr id="16" name="Right Arrow 15"/>
+          <p:cNvSpPr/>
+          <p:nvPr/>
+        </p:nvSpPr>
+        <p:spPr>
+          <a:xfrm rot="5400000">
+            <a:off x="7047459" y="3219955"/>
+            <a:ext cx="703119" cy="318225"/>
+          </a:xfrm>
+          <a:prstGeom prst="rightArrow">
+            <a:avLst/>
+          </a:prstGeom>
+        </p:spPr>
+        <p:style>
+          <a:lnRef idx="1">
+            <a:schemeClr val="accent1"/>
+          </a:lnRef>
+          <a:fillRef idx="3">
+            <a:schemeClr val="accent1"/>
+          </a:fillRef>
+          <a:effectRef idx="2">
+            <a:schemeClr val="accent1"/>
+          </a:effectRef>
+          <a:fontRef idx="minor">
+            <a:schemeClr val="lt1"/>
+          </a:fontRef>
+        </p:style>
+        <p:txBody>
+          <a:bodyPr rtlCol="0" anchor="ctr"/>
+          <a:lstStyle/>
+          <a:p>
+            <a:pPr algn="ctr"/>
+            <a:endParaRPr lang="en-US"/>
+          </a:p>
+        </p:txBody>
+      </p:sp>
+      <p:sp>
+        <p:nvSpPr>
+          <p:cNvPr id="17" name="Right Arrow 16"/>
+          <p:cNvSpPr/>
+          <p:nvPr/>
+        </p:nvSpPr>
+        <p:spPr>
+          <a:xfrm rot="10800000">
+            <a:off x="5500512" y="3990195"/>
+            <a:ext cx="703119" cy="328351"/>
+          </a:xfrm>
+          <a:prstGeom prst="rightArrow">
+            <a:avLst/>
+          </a:prstGeom>
+        </p:spPr>
+        <p:style>
+          <a:lnRef idx="1">
+            <a:schemeClr val="accent1"/>
+          </a:lnRef>
+          <a:fillRef idx="3">
+            <a:schemeClr val="accent1"/>
+          </a:fillRef>
+          <a:effectRef idx="2">
+            <a:schemeClr val="accent1"/>
+          </a:effectRef>
+          <a:fontRef idx="minor">
+            <a:schemeClr val="lt1"/>
+          </a:fontRef>
+        </p:style>
+        <p:txBody>
+          <a:bodyPr rtlCol="0" anchor="ctr"/>
+          <a:lstStyle/>
+          <a:p>
+            <a:pPr algn="ctr"/>
+            <a:endParaRPr lang="en-US"/>
+          </a:p>
+        </p:txBody>
+      </p:sp>
+      <p:sp>
+        <p:nvSpPr>
+          <p:cNvPr id="18" name="TextBox 17"/>
+          <p:cNvSpPr txBox="1"/>
+          <p:nvPr/>
+        </p:nvSpPr>
+        <p:spPr>
+          <a:xfrm>
+            <a:off x="167922" y="5934670"/>
+            <a:ext cx="1440587" cy="923330"/>
+          </a:xfrm>
+          <a:prstGeom prst="rect">
+            <a:avLst/>
+          </a:prstGeom>
+          <a:noFill/>
+        </p:spPr>
+        <p:txBody>
+          <a:bodyPr wrap="none" rtlCol="0">
+            <a:spAutoFit/>
+          </a:bodyPr>
+          <a:lstStyle/>
+          <a:p>
+            <a:pPr algn="ctr"/>
+            <a:r>
+              <a:rPr lang="en-US" dirty="0" err="1" smtClean="0"/>
+              <a:t>ReplaceFile</a:t>
+            </a:r>
+            <a:r>
+              <a:rPr lang="en-US" dirty="0" smtClean="0"/>
+              <a:t>() </a:t>
+            </a:r>
+          </a:p>
+          <a:p>
+            <a:pPr algn="ctr"/>
+            <a:r>
+              <a:rPr lang="en-US" dirty="0" smtClean="0"/>
+              <a:t>Vs</a:t>
+            </a:r>
+          </a:p>
+          <a:p>
+            <a:pPr algn="ctr"/>
+            <a:r>
+              <a:rPr lang="en-US" dirty="0" smtClean="0"/>
+              <a:t> </a:t>
+            </a:r>
+            <a:r>
+              <a:rPr lang="en-US" dirty="0" err="1" smtClean="0"/>
+              <a:t>MoveFile</a:t>
+            </a:r>
+            <a:endParaRPr lang="en-US" dirty="0"/>
+          </a:p>
+        </p:txBody>
+      </p:sp>
+      <p:sp>
+        <p:nvSpPr>
+          <p:cNvPr id="19" name="TextBox 18"/>
+          <p:cNvSpPr txBox="1"/>
+          <p:nvPr/>
+        </p:nvSpPr>
+        <p:spPr>
+          <a:xfrm>
+            <a:off x="2998724" y="3132836"/>
+            <a:ext cx="1274388" cy="369332"/>
+          </a:xfrm>
+          <a:prstGeom prst="rect">
+            <a:avLst/>
+          </a:prstGeom>
+          <a:noFill/>
+        </p:spPr>
+        <p:txBody>
+          <a:bodyPr wrap="none" rtlCol="0">
+            <a:spAutoFit/>
+          </a:bodyPr>
+          <a:lstStyle/>
+          <a:p>
+            <a:r>
+              <a:rPr lang="en-US" dirty="0" err="1" smtClean="0"/>
+              <a:t>Thành</a:t>
+            </a:r>
+            <a:r>
+              <a:rPr lang="en-US" dirty="0" smtClean="0"/>
+              <a:t> </a:t>
+            </a:r>
+            <a:r>
+              <a:rPr lang="en-US" dirty="0" err="1" smtClean="0"/>
+              <a:t>công</a:t>
+            </a:r>
+            <a:endParaRPr lang="en-US" dirty="0"/>
+          </a:p>
+        </p:txBody>
+      </p:sp>
+      <p:sp>
+        <p:nvSpPr>
+          <p:cNvPr id="20" name="TextBox 19"/>
+          <p:cNvSpPr txBox="1"/>
+          <p:nvPr/>
+        </p:nvSpPr>
+        <p:spPr>
+          <a:xfrm>
+            <a:off x="5381335" y="1853469"/>
+            <a:ext cx="942374" cy="369332"/>
+          </a:xfrm>
+          <a:prstGeom prst="rect">
+            <a:avLst/>
+          </a:prstGeom>
+          <a:noFill/>
+        </p:spPr>
+        <p:txBody>
+          <a:bodyPr wrap="none" rtlCol="0">
+            <a:spAutoFit/>
+          </a:bodyPr>
+          <a:lstStyle/>
+          <a:p>
+            <a:r>
+              <a:rPr lang="en-US" dirty="0" err="1" smtClean="0"/>
+              <a:t>Thất</a:t>
+            </a:r>
+            <a:r>
+              <a:rPr lang="en-US" dirty="0" smtClean="0"/>
+              <a:t> </a:t>
+            </a:r>
+            <a:r>
+              <a:rPr lang="en-US" dirty="0" err="1" smtClean="0"/>
+              <a:t>bại</a:t>
+            </a:r>
+            <a:endParaRPr lang="en-US" dirty="0"/>
+          </a:p>
+        </p:txBody>
+      </p:sp>
+    </p:spTree>
+    <p:extLst>
+      <p:ext uri="{BB962C8B-B14F-4D97-AF65-F5344CB8AC3E}">
+        <p14:creationId xmlns:p14="http://schemas.microsoft.com/office/powerpoint/2010/main" val="2305566928"/>
+      </p:ext>
+    </p:extLst>
+  </p:cSld>
+  <p:clrMapOvr>
+    <a:masterClrMapping/>
+  </p:clrMapOvr>
+</p:sld>
+</file>
+
+<file path=ppt/slides/slide21.xml><?xml version="1.0" encoding="utf-8"?>
+<p:sld xmlns:a="http://schemas.openxmlformats.org/drawingml/2006/main" xmlns:r="http://schemas.openxmlformats.org/officeDocument/2006/relationships" xmlns:p="http://schemas.openxmlformats.org/presentationml/2006/main">
+  <p:cSld>
+    <p:spTree>
+      <p:nvGrpSpPr>
+        <p:cNvPr id="1" name=""/>
+        <p:cNvGrpSpPr/>
+        <p:nvPr/>
+      </p:nvGrpSpPr>
+      <p:grpSpPr>
+        <a:xfrm>
+          <a:off x="0" y="0"/>
+          <a:ext cx="0" cy="0"/>
+          <a:chOff x="0" y="0"/>
+          <a:chExt cx="0" cy="0"/>
+        </a:xfrm>
+      </p:grpSpPr>
+      <p:sp>
+        <p:nvSpPr>
+          <p:cNvPr id="4" name="Rounded Rectangle 3"/>
+          <p:cNvSpPr/>
+          <p:nvPr/>
+        </p:nvSpPr>
+        <p:spPr>
+          <a:xfrm>
+            <a:off x="3228305" y="1957388"/>
+            <a:ext cx="2743881" cy="4392611"/>
+          </a:xfrm>
+          <a:prstGeom prst="roundRect">
+            <a:avLst>
+              <a:gd name="adj" fmla="val 7179"/>
+            </a:avLst>
+          </a:prstGeom>
+          <a:ln w="41275">
+            <a:prstDash val="sysDash"/>
+          </a:ln>
+        </p:spPr>
+        <p:style>
+          <a:lnRef idx="2">
+            <a:schemeClr val="accent1"/>
+          </a:lnRef>
+          <a:fillRef idx="1">
+            <a:schemeClr val="lt1"/>
+          </a:fillRef>
+          <a:effectRef idx="0">
+            <a:schemeClr val="accent1"/>
+          </a:effectRef>
+          <a:fontRef idx="minor">
+            <a:schemeClr val="dk1"/>
+          </a:fontRef>
+        </p:style>
+        <p:txBody>
+          <a:bodyPr rtlCol="0" anchor="ctr"/>
+          <a:lstStyle/>
+          <a:p>
+            <a:pPr algn="ctr"/>
+            <a:endParaRPr lang="en-US" dirty="0"/>
+          </a:p>
+        </p:txBody>
+      </p:sp>
+      <p:sp>
+        <p:nvSpPr>
+          <p:cNvPr id="5" name="Rounded Rectangle 4"/>
+          <p:cNvSpPr/>
+          <p:nvPr/>
+        </p:nvSpPr>
+        <p:spPr>
+          <a:xfrm>
+            <a:off x="2730500" y="391885"/>
+            <a:ext cx="6248400" cy="6223227"/>
+          </a:xfrm>
+          <a:prstGeom prst="roundRect">
+            <a:avLst>
+              <a:gd name="adj" fmla="val 7179"/>
+            </a:avLst>
+          </a:prstGeom>
+          <a:noFill/>
+          <a:ln w="41275">
+            <a:prstDash val="sysDash"/>
+          </a:ln>
+        </p:spPr>
+        <p:style>
+          <a:lnRef idx="2">
+            <a:schemeClr val="accent1"/>
+          </a:lnRef>
+          <a:fillRef idx="1">
+            <a:schemeClr val="lt1"/>
+          </a:fillRef>
+          <a:effectRef idx="0">
+            <a:schemeClr val="accent1"/>
+          </a:effectRef>
+          <a:fontRef idx="minor">
+            <a:schemeClr val="dk1"/>
+          </a:fontRef>
+        </p:style>
+        <p:txBody>
+          <a:bodyPr rtlCol="0" anchor="ctr"/>
+          <a:lstStyle/>
+          <a:p>
+            <a:pPr algn="ctr"/>
+            <a:endParaRPr lang="en-US" dirty="0"/>
+          </a:p>
+        </p:txBody>
+      </p:sp>
+      <p:sp>
+        <p:nvSpPr>
+          <p:cNvPr id="6" name="Rounded Rectangle 5"/>
+          <p:cNvSpPr/>
+          <p:nvPr/>
+        </p:nvSpPr>
+        <p:spPr>
+          <a:xfrm>
+            <a:off x="3124925" y="639485"/>
+            <a:ext cx="2961550" cy="838200"/>
+          </a:xfrm>
+          <a:prstGeom prst="roundRect">
+            <a:avLst/>
+          </a:prstGeom>
+        </p:spPr>
+        <p:style>
+          <a:lnRef idx="1">
+            <a:schemeClr val="accent1"/>
+          </a:lnRef>
+          <a:fillRef idx="2">
+            <a:schemeClr val="accent1"/>
+          </a:fillRef>
+          <a:effectRef idx="1">
+            <a:schemeClr val="accent1"/>
+          </a:effectRef>
+          <a:fontRef idx="minor">
+            <a:schemeClr val="dk1"/>
+          </a:fontRef>
+        </p:style>
+        <p:txBody>
+          <a:bodyPr rtlCol="0" anchor="ctr"/>
+          <a:lstStyle/>
+          <a:p>
+            <a:pPr algn="ctr"/>
+            <a:r>
+              <a:rPr lang="en-US" dirty="0" err="1" smtClean="0"/>
+              <a:t>Kiểm</a:t>
+            </a:r>
+            <a:r>
+              <a:rPr lang="en-US" dirty="0" smtClean="0"/>
+              <a:t> </a:t>
+            </a:r>
+            <a:r>
+              <a:rPr lang="en-US" dirty="0" err="1" smtClean="0"/>
+              <a:t>tra</a:t>
+            </a:r>
+            <a:r>
+              <a:rPr lang="en-US" dirty="0" smtClean="0"/>
+              <a:t> </a:t>
+            </a:r>
+            <a:r>
+              <a:rPr lang="en-US" dirty="0" err="1" smtClean="0"/>
+              <a:t>tiến</a:t>
+            </a:r>
+            <a:r>
+              <a:rPr lang="en-US" dirty="0" smtClean="0"/>
+              <a:t> </a:t>
+            </a:r>
+            <a:r>
+              <a:rPr lang="en-US" dirty="0" err="1" smtClean="0"/>
+              <a:t>trình</a:t>
+            </a:r>
+            <a:r>
+              <a:rPr lang="en-US" dirty="0" smtClean="0"/>
+              <a:t> </a:t>
+            </a:r>
+            <a:r>
+              <a:rPr lang="en-US" dirty="0" err="1" smtClean="0"/>
+              <a:t>gọi</a:t>
+            </a:r>
+            <a:r>
+              <a:rPr lang="en-US" dirty="0" smtClean="0"/>
+              <a:t> </a:t>
+            </a:r>
+            <a:r>
+              <a:rPr lang="en-US" dirty="0" err="1" smtClean="0"/>
+              <a:t>hàm</a:t>
+            </a:r>
+            <a:r>
+              <a:rPr lang="en-US" dirty="0" smtClean="0"/>
+              <a:t> </a:t>
+            </a:r>
+            <a:r>
+              <a:rPr lang="en-US" dirty="0" err="1" smtClean="0"/>
+              <a:t>và</a:t>
+            </a:r>
+            <a:r>
+              <a:rPr lang="en-US" dirty="0" smtClean="0"/>
+              <a:t> </a:t>
+            </a:r>
+            <a:r>
+              <a:rPr lang="en-US" dirty="0" err="1" smtClean="0"/>
+              <a:t>tên</a:t>
+            </a:r>
+            <a:r>
+              <a:rPr lang="en-US" dirty="0" smtClean="0"/>
+              <a:t> </a:t>
+            </a:r>
+            <a:r>
+              <a:rPr lang="en-US" dirty="0" err="1" smtClean="0"/>
+              <a:t>ứng</a:t>
+            </a:r>
+            <a:r>
+              <a:rPr lang="en-US" dirty="0" smtClean="0"/>
+              <a:t> </a:t>
+            </a:r>
+            <a:r>
+              <a:rPr lang="en-US" dirty="0" err="1" smtClean="0"/>
+              <a:t>dụng</a:t>
+            </a:r>
+            <a:r>
+              <a:rPr lang="en-US" dirty="0" smtClean="0"/>
+              <a:t> </a:t>
+            </a:r>
+            <a:r>
+              <a:rPr lang="en-US" dirty="0" err="1" smtClean="0"/>
+              <a:t>được</a:t>
+            </a:r>
+            <a:r>
+              <a:rPr lang="en-US" dirty="0" smtClean="0"/>
+              <a:t> </a:t>
+            </a:r>
+            <a:r>
+              <a:rPr lang="en-US" dirty="0" err="1" smtClean="0"/>
+              <a:t>tạo</a:t>
+            </a:r>
+            <a:endParaRPr lang="en-US" dirty="0"/>
+          </a:p>
+        </p:txBody>
+      </p:sp>
+      <p:sp>
+        <p:nvSpPr>
+          <p:cNvPr id="7" name="Rounded Rectangle 6"/>
+          <p:cNvSpPr/>
+          <p:nvPr/>
+        </p:nvSpPr>
+        <p:spPr>
+          <a:xfrm>
+            <a:off x="3424973" y="2211082"/>
+            <a:ext cx="2362200" cy="838200"/>
+          </a:xfrm>
+          <a:prstGeom prst="roundRect">
+            <a:avLst/>
+          </a:prstGeom>
+        </p:spPr>
+        <p:style>
+          <a:lnRef idx="1">
+            <a:schemeClr val="accent1"/>
+          </a:lnRef>
+          <a:fillRef idx="2">
+            <a:schemeClr val="accent1"/>
+          </a:fillRef>
+          <a:effectRef idx="1">
+            <a:schemeClr val="accent1"/>
+          </a:effectRef>
+          <a:fontRef idx="minor">
+            <a:schemeClr val="dk1"/>
+          </a:fontRef>
+        </p:style>
+        <p:txBody>
+          <a:bodyPr rtlCol="0" anchor="ctr"/>
+          <a:lstStyle/>
+          <a:p>
+            <a:pPr algn="ctr"/>
+            <a:r>
+              <a:rPr lang="en-US" dirty="0" err="1" smtClean="0"/>
+              <a:t>Gọi</a:t>
+            </a:r>
+            <a:r>
+              <a:rPr lang="en-US" dirty="0" smtClean="0"/>
+              <a:t> </a:t>
+            </a:r>
+            <a:r>
+              <a:rPr lang="en-US" dirty="0" err="1" smtClean="0"/>
+              <a:t>hàm</a:t>
+            </a:r>
+            <a:r>
+              <a:rPr lang="en-US" dirty="0" smtClean="0"/>
+              <a:t> </a:t>
+            </a:r>
+            <a:r>
+              <a:rPr lang="en-US" dirty="0" err="1" smtClean="0"/>
+              <a:t>gốc</a:t>
+            </a:r>
+            <a:r>
+              <a:rPr lang="en-US" dirty="0" smtClean="0"/>
+              <a:t> ở </a:t>
+            </a:r>
+            <a:r>
+              <a:rPr lang="en-US" dirty="0" err="1" smtClean="0"/>
+              <a:t>chế</a:t>
+            </a:r>
+            <a:r>
+              <a:rPr lang="en-US" dirty="0" smtClean="0"/>
+              <a:t> </a:t>
+            </a:r>
+            <a:r>
+              <a:rPr lang="en-US" dirty="0" err="1" smtClean="0"/>
+              <a:t>độ</a:t>
+            </a:r>
+            <a:r>
+              <a:rPr lang="en-US" dirty="0" smtClean="0"/>
+              <a:t> CREATE_SUSPENDED</a:t>
+            </a:r>
+            <a:endParaRPr lang="en-US" dirty="0"/>
+          </a:p>
+        </p:txBody>
+      </p:sp>
+      <p:sp>
+        <p:nvSpPr>
+          <p:cNvPr id="9" name="Rounded Rectangle 8"/>
+          <p:cNvSpPr/>
+          <p:nvPr/>
+        </p:nvSpPr>
+        <p:spPr>
+          <a:xfrm>
+            <a:off x="3424973" y="3735271"/>
+            <a:ext cx="2362200" cy="838200"/>
+          </a:xfrm>
+          <a:prstGeom prst="roundRect">
+            <a:avLst/>
+          </a:prstGeom>
+        </p:spPr>
+        <p:style>
+          <a:lnRef idx="1">
+            <a:schemeClr val="accent1"/>
+          </a:lnRef>
+          <a:fillRef idx="2">
+            <a:schemeClr val="accent1"/>
+          </a:fillRef>
+          <a:effectRef idx="1">
+            <a:schemeClr val="accent1"/>
+          </a:effectRef>
+          <a:fontRef idx="minor">
+            <a:schemeClr val="dk1"/>
+          </a:fontRef>
+        </p:style>
+        <p:txBody>
+          <a:bodyPr rtlCol="0" anchor="ctr"/>
+          <a:lstStyle/>
+          <a:p>
+            <a:pPr algn="ctr"/>
+            <a:r>
+              <a:rPr lang="en-US" dirty="0" err="1" smtClean="0"/>
+              <a:t>Chèn</a:t>
+            </a:r>
+            <a:r>
+              <a:rPr lang="en-US" dirty="0" smtClean="0"/>
+              <a:t> DLL </a:t>
+            </a:r>
+            <a:r>
+              <a:rPr lang="en-US" dirty="0" err="1" smtClean="0"/>
+              <a:t>vào</a:t>
+            </a:r>
+            <a:r>
+              <a:rPr lang="en-US" dirty="0" smtClean="0"/>
+              <a:t> </a:t>
+            </a:r>
+            <a:r>
+              <a:rPr lang="en-US" dirty="0" err="1" smtClean="0"/>
+              <a:t>ứng</a:t>
+            </a:r>
+            <a:r>
+              <a:rPr lang="en-US" dirty="0" smtClean="0"/>
+              <a:t> </a:t>
+            </a:r>
+            <a:r>
+              <a:rPr lang="en-US" dirty="0" err="1" smtClean="0"/>
+              <a:t>dụng</a:t>
+            </a:r>
+            <a:r>
+              <a:rPr lang="en-US" dirty="0" smtClean="0"/>
+              <a:t> </a:t>
+            </a:r>
+            <a:r>
+              <a:rPr lang="en-US" dirty="0" err="1" smtClean="0"/>
+              <a:t>được</a:t>
+            </a:r>
+            <a:r>
+              <a:rPr lang="en-US" dirty="0" smtClean="0"/>
+              <a:t> </a:t>
+            </a:r>
+            <a:r>
+              <a:rPr lang="en-US" dirty="0" err="1" smtClean="0"/>
+              <a:t>tạo</a:t>
+            </a:r>
+            <a:r>
+              <a:rPr lang="en-US" dirty="0" smtClean="0"/>
+              <a:t> </a:t>
+            </a:r>
+            <a:endParaRPr lang="en-US" dirty="0"/>
+          </a:p>
+        </p:txBody>
+      </p:sp>
+      <p:sp>
+        <p:nvSpPr>
+          <p:cNvPr id="10" name="Rounded Rectangle 9"/>
+          <p:cNvSpPr/>
+          <p:nvPr/>
+        </p:nvSpPr>
+        <p:spPr>
+          <a:xfrm>
+            <a:off x="3452648" y="5293975"/>
+            <a:ext cx="2362200" cy="838200"/>
+          </a:xfrm>
+          <a:prstGeom prst="roundRect">
+            <a:avLst/>
+          </a:prstGeom>
+        </p:spPr>
+        <p:style>
+          <a:lnRef idx="1">
+            <a:schemeClr val="accent1"/>
+          </a:lnRef>
+          <a:fillRef idx="2">
+            <a:schemeClr val="accent1"/>
+          </a:fillRef>
+          <a:effectRef idx="1">
+            <a:schemeClr val="accent1"/>
+          </a:effectRef>
+          <a:fontRef idx="minor">
+            <a:schemeClr val="dk1"/>
+          </a:fontRef>
+        </p:style>
+        <p:txBody>
+          <a:bodyPr rtlCol="0" anchor="ctr"/>
+          <a:lstStyle/>
+          <a:p>
+            <a:pPr algn="ctr"/>
+            <a:r>
+              <a:rPr lang="en-US" dirty="0" err="1" smtClean="0"/>
+              <a:t>Trả</a:t>
+            </a:r>
+            <a:r>
+              <a:rPr lang="en-US" dirty="0" smtClean="0"/>
+              <a:t> </a:t>
+            </a:r>
+            <a:r>
+              <a:rPr lang="en-US" dirty="0" err="1" smtClean="0"/>
+              <a:t>về</a:t>
+            </a:r>
+            <a:r>
+              <a:rPr lang="en-US" dirty="0" smtClean="0"/>
+              <a:t> </a:t>
+            </a:r>
+            <a:r>
+              <a:rPr lang="en-US" dirty="0" err="1" smtClean="0"/>
+              <a:t>thông</a:t>
+            </a:r>
+            <a:r>
+              <a:rPr lang="en-US" dirty="0" smtClean="0"/>
+              <a:t> tin </a:t>
+            </a:r>
+            <a:r>
+              <a:rPr lang="en-US" dirty="0" err="1" smtClean="0"/>
+              <a:t>cho</a:t>
+            </a:r>
+            <a:r>
+              <a:rPr lang="en-US" dirty="0" smtClean="0"/>
+              <a:t> </a:t>
+            </a:r>
+            <a:r>
+              <a:rPr lang="en-US" dirty="0" err="1" smtClean="0"/>
+              <a:t>ứng</a:t>
+            </a:r>
+            <a:r>
+              <a:rPr lang="en-US" dirty="0" smtClean="0"/>
+              <a:t> </a:t>
+            </a:r>
+            <a:r>
+              <a:rPr lang="en-US" dirty="0" err="1" smtClean="0"/>
+              <a:t>dụng</a:t>
+            </a:r>
+            <a:r>
+              <a:rPr lang="en-US" dirty="0" smtClean="0"/>
+              <a:t> </a:t>
+            </a:r>
+            <a:r>
+              <a:rPr lang="en-US" dirty="0" err="1" smtClean="0"/>
+              <a:t>được</a:t>
+            </a:r>
+            <a:r>
+              <a:rPr lang="en-US" dirty="0" smtClean="0"/>
+              <a:t> </a:t>
+            </a:r>
+            <a:r>
+              <a:rPr lang="en-US" dirty="0" err="1" smtClean="0"/>
+              <a:t>tạo</a:t>
+            </a:r>
+            <a:endParaRPr lang="en-US" dirty="0"/>
+          </a:p>
+        </p:txBody>
+      </p:sp>
+      <p:sp>
+        <p:nvSpPr>
+          <p:cNvPr id="11" name="Right Arrow 10"/>
+          <p:cNvSpPr/>
+          <p:nvPr/>
+        </p:nvSpPr>
+        <p:spPr>
+          <a:xfrm rot="5400000">
+            <a:off x="4243309" y="1683142"/>
+            <a:ext cx="703119" cy="295820"/>
+          </a:xfrm>
+          <a:prstGeom prst="rightArrow">
+            <a:avLst/>
+          </a:prstGeom>
+        </p:spPr>
+        <p:style>
+          <a:lnRef idx="1">
+            <a:schemeClr val="accent1"/>
+          </a:lnRef>
+          <a:fillRef idx="3">
+            <a:schemeClr val="accent1"/>
+          </a:fillRef>
+          <a:effectRef idx="2">
+            <a:schemeClr val="accent1"/>
+          </a:effectRef>
+          <a:fontRef idx="minor">
+            <a:schemeClr val="lt1"/>
+          </a:fontRef>
+        </p:style>
+        <p:txBody>
+          <a:bodyPr rtlCol="0" anchor="ctr"/>
+          <a:lstStyle/>
+          <a:p>
+            <a:pPr algn="ctr"/>
+            <a:endParaRPr lang="en-US"/>
+          </a:p>
+        </p:txBody>
+      </p:sp>
+      <p:sp>
+        <p:nvSpPr>
+          <p:cNvPr id="12" name="Right Arrow 11"/>
+          <p:cNvSpPr/>
+          <p:nvPr/>
+        </p:nvSpPr>
+        <p:spPr>
+          <a:xfrm rot="5400000">
+            <a:off x="4254512" y="3239067"/>
+            <a:ext cx="703119" cy="318225"/>
+          </a:xfrm>
+          <a:prstGeom prst="rightArrow">
+            <a:avLst/>
+          </a:prstGeom>
+        </p:spPr>
+        <p:style>
+          <a:lnRef idx="1">
+            <a:schemeClr val="accent1"/>
+          </a:lnRef>
+          <a:fillRef idx="3">
+            <a:schemeClr val="accent1"/>
+          </a:fillRef>
+          <a:effectRef idx="2">
+            <a:schemeClr val="accent1"/>
+          </a:effectRef>
+          <a:fontRef idx="minor">
+            <a:schemeClr val="lt1"/>
+          </a:fontRef>
+        </p:style>
+        <p:txBody>
+          <a:bodyPr rtlCol="0" anchor="ctr"/>
+          <a:lstStyle/>
+          <a:p>
+            <a:pPr algn="ctr"/>
+            <a:endParaRPr lang="en-US" dirty="0"/>
+          </a:p>
+        </p:txBody>
+      </p:sp>
+      <p:sp>
+        <p:nvSpPr>
+          <p:cNvPr id="14" name="Right Arrow 13"/>
+          <p:cNvSpPr/>
+          <p:nvPr/>
+        </p:nvSpPr>
+        <p:spPr>
+          <a:xfrm rot="5400000">
+            <a:off x="4254512" y="4754937"/>
+            <a:ext cx="703119" cy="318225"/>
+          </a:xfrm>
+          <a:prstGeom prst="rightArrow">
+            <a:avLst/>
+          </a:prstGeom>
+        </p:spPr>
+        <p:style>
+          <a:lnRef idx="1">
+            <a:schemeClr val="accent1"/>
+          </a:lnRef>
+          <a:fillRef idx="3">
+            <a:schemeClr val="accent1"/>
+          </a:fillRef>
+          <a:effectRef idx="2">
+            <a:schemeClr val="accent1"/>
+          </a:effectRef>
+          <a:fontRef idx="minor">
+            <a:schemeClr val="lt1"/>
+          </a:fontRef>
+        </p:style>
+        <p:txBody>
+          <a:bodyPr rtlCol="0" anchor="ctr"/>
+          <a:lstStyle/>
+          <a:p>
+            <a:pPr algn="ctr"/>
+            <a:endParaRPr lang="en-US"/>
+          </a:p>
+        </p:txBody>
+      </p:sp>
+      <p:sp>
+        <p:nvSpPr>
+          <p:cNvPr id="18" name="TextBox 17"/>
+          <p:cNvSpPr txBox="1"/>
+          <p:nvPr/>
+        </p:nvSpPr>
+        <p:spPr>
+          <a:xfrm>
+            <a:off x="91048" y="6350000"/>
+            <a:ext cx="1508619" cy="369332"/>
+          </a:xfrm>
+          <a:prstGeom prst="rect">
+            <a:avLst/>
+          </a:prstGeom>
+          <a:noFill/>
+        </p:spPr>
+        <p:txBody>
+          <a:bodyPr wrap="none" rtlCol="0">
+            <a:spAutoFit/>
+          </a:bodyPr>
+          <a:lstStyle/>
+          <a:p>
+            <a:pPr algn="ctr"/>
+            <a:r>
+              <a:rPr lang="en-US" dirty="0" err="1" smtClean="0"/>
+              <a:t>CreateProcess</a:t>
+            </a:r>
+            <a:endParaRPr lang="en-US" dirty="0"/>
+          </a:p>
+        </p:txBody>
+      </p:sp>
+      <p:sp>
+        <p:nvSpPr>
+          <p:cNvPr id="21" name="Rounded Rectangle 20"/>
+          <p:cNvSpPr/>
+          <p:nvPr/>
+        </p:nvSpPr>
+        <p:spPr>
+          <a:xfrm>
+            <a:off x="6469991" y="2211082"/>
+            <a:ext cx="2362200" cy="838200"/>
+          </a:xfrm>
+          <a:prstGeom prst="roundRect">
+            <a:avLst/>
+          </a:prstGeom>
+        </p:spPr>
+        <p:style>
+          <a:lnRef idx="1">
+            <a:schemeClr val="accent1"/>
+          </a:lnRef>
+          <a:fillRef idx="2">
+            <a:schemeClr val="accent1"/>
+          </a:fillRef>
+          <a:effectRef idx="1">
+            <a:schemeClr val="accent1"/>
+          </a:effectRef>
+          <a:fontRef idx="minor">
+            <a:schemeClr val="dk1"/>
+          </a:fontRef>
+        </p:style>
+        <p:txBody>
+          <a:bodyPr rtlCol="0" anchor="ctr"/>
+          <a:lstStyle/>
+          <a:p>
+            <a:pPr algn="ctr"/>
+            <a:r>
+              <a:rPr lang="en-US" dirty="0" err="1" smtClean="0"/>
+              <a:t>Gọi</a:t>
+            </a:r>
+            <a:r>
+              <a:rPr lang="en-US" dirty="0" smtClean="0"/>
+              <a:t> </a:t>
+            </a:r>
+            <a:r>
+              <a:rPr lang="en-US" dirty="0" err="1" smtClean="0"/>
+              <a:t>lại</a:t>
+            </a:r>
+            <a:r>
+              <a:rPr lang="en-US" dirty="0" smtClean="0"/>
+              <a:t> </a:t>
+            </a:r>
+            <a:r>
+              <a:rPr lang="en-US" dirty="0" err="1" smtClean="0"/>
+              <a:t>hàm</a:t>
+            </a:r>
+            <a:r>
+              <a:rPr lang="en-US" dirty="0" smtClean="0"/>
+              <a:t> </a:t>
+            </a:r>
+            <a:r>
+              <a:rPr lang="en-US" dirty="0" err="1" smtClean="0"/>
+              <a:t>gốc</a:t>
+            </a:r>
+            <a:endParaRPr lang="en-US" dirty="0"/>
+          </a:p>
+        </p:txBody>
+      </p:sp>
+      <p:cxnSp>
+        <p:nvCxnSpPr>
+          <p:cNvPr id="22" name="Elbow Connector 21"/>
+          <p:cNvCxnSpPr>
+            <a:endCxn id="21" idx="0"/>
+          </p:cNvCxnSpPr>
+          <p:nvPr/>
+        </p:nvCxnSpPr>
+        <p:spPr>
+          <a:xfrm>
+            <a:off x="6086475" y="1058585"/>
+            <a:ext cx="1564616" cy="1152497"/>
+          </a:xfrm>
+          <a:prstGeom prst="bentConnector2">
+            <a:avLst/>
+          </a:prstGeom>
+          <a:ln w="130175">
+            <a:tailEnd type="triangle"/>
+          </a:ln>
+        </p:spPr>
+        <p:style>
+          <a:lnRef idx="1">
+            <a:schemeClr val="accent1"/>
+          </a:lnRef>
+          <a:fillRef idx="0">
+            <a:schemeClr val="accent1"/>
+          </a:fillRef>
+          <a:effectRef idx="0">
+            <a:schemeClr val="accent1"/>
+          </a:effectRef>
+          <a:fontRef idx="minor">
+            <a:schemeClr val="tx1"/>
+          </a:fontRef>
+        </p:style>
+      </p:cxnSp>
+      <p:sp>
+        <p:nvSpPr>
+          <p:cNvPr id="24" name="TextBox 23"/>
+          <p:cNvSpPr txBox="1"/>
+          <p:nvPr/>
+        </p:nvSpPr>
+        <p:spPr>
+          <a:xfrm>
+            <a:off x="3452648" y="1532870"/>
+            <a:ext cx="805029" cy="369332"/>
+          </a:xfrm>
+          <a:prstGeom prst="rect">
+            <a:avLst/>
+          </a:prstGeom>
+          <a:noFill/>
+        </p:spPr>
+        <p:txBody>
+          <a:bodyPr wrap="none" rtlCol="0">
+            <a:spAutoFit/>
+          </a:bodyPr>
+          <a:lstStyle/>
+          <a:p>
+            <a:r>
+              <a:rPr lang="en-US" dirty="0" err="1" smtClean="0"/>
+              <a:t>Hợp</a:t>
+            </a:r>
+            <a:r>
+              <a:rPr lang="en-US" dirty="0" smtClean="0"/>
+              <a:t> </a:t>
+            </a:r>
+            <a:r>
+              <a:rPr lang="en-US" dirty="0" err="1" smtClean="0"/>
+              <a:t>lệ</a:t>
+            </a:r>
+            <a:endParaRPr lang="en-US" dirty="0"/>
+          </a:p>
+        </p:txBody>
+      </p:sp>
+      <p:sp>
+        <p:nvSpPr>
+          <p:cNvPr id="25" name="TextBox 24"/>
+          <p:cNvSpPr txBox="1"/>
+          <p:nvPr/>
+        </p:nvSpPr>
+        <p:spPr>
+          <a:xfrm>
+            <a:off x="6183452" y="1265502"/>
+            <a:ext cx="1430200" cy="369332"/>
+          </a:xfrm>
+          <a:prstGeom prst="rect">
+            <a:avLst/>
+          </a:prstGeom>
+          <a:noFill/>
+        </p:spPr>
+        <p:txBody>
+          <a:bodyPr wrap="none" rtlCol="0">
+            <a:spAutoFit/>
+          </a:bodyPr>
+          <a:lstStyle/>
+          <a:p>
+            <a:r>
+              <a:rPr lang="en-US" dirty="0" err="1" smtClean="0"/>
+              <a:t>Không</a:t>
+            </a:r>
+            <a:r>
+              <a:rPr lang="en-US" dirty="0" smtClean="0"/>
+              <a:t> </a:t>
+            </a:r>
+            <a:r>
+              <a:rPr lang="en-US" dirty="0" err="1" smtClean="0"/>
+              <a:t>hợp</a:t>
+            </a:r>
+            <a:r>
+              <a:rPr lang="en-US" dirty="0" smtClean="0"/>
+              <a:t> </a:t>
+            </a:r>
+            <a:r>
+              <a:rPr lang="en-US" dirty="0" err="1" smtClean="0"/>
+              <a:t>lệ</a:t>
+            </a:r>
+            <a:endParaRPr lang="en-US" dirty="0"/>
+          </a:p>
+        </p:txBody>
+      </p:sp>
+    </p:spTree>
+    <p:extLst>
+      <p:ext uri="{BB962C8B-B14F-4D97-AF65-F5344CB8AC3E}">
+        <p14:creationId xmlns:p14="http://schemas.microsoft.com/office/powerpoint/2010/main" val="985874314"/>
+      </p:ext>
+    </p:extLst>
+  </p:cSld>
+  <p:clrMapOvr>
+    <a:masterClrMapping/>
+  </p:clrMapOvr>
+</p:sld>
+</file>
+
+<file path=ppt/slides/slide22.xml><?xml version="1.0" encoding="utf-8"?>
+<p:sld xmlns:a="http://schemas.openxmlformats.org/drawingml/2006/main" xmlns:r="http://schemas.openxmlformats.org/officeDocument/2006/relationships" xmlns:p="http://schemas.openxmlformats.org/presentationml/2006/main">
+  <p:cSld>
+    <p:spTree>
+      <p:nvGrpSpPr>
+        <p:cNvPr id="1" name=""/>
+        <p:cNvGrpSpPr/>
+        <p:nvPr/>
+      </p:nvGrpSpPr>
+      <p:grpSpPr>
+        <a:xfrm>
+          <a:off x="0" y="0"/>
+          <a:ext cx="0" cy="0"/>
+          <a:chOff x="0" y="0"/>
+          <a:chExt cx="0" cy="0"/>
+        </a:xfrm>
+      </p:grpSpPr>
+      <p:sp>
+        <p:nvSpPr>
+          <p:cNvPr id="4" name="Rounded Rectangle 3"/>
+          <p:cNvSpPr/>
+          <p:nvPr/>
+        </p:nvSpPr>
+        <p:spPr>
+          <a:xfrm>
+            <a:off x="649055" y="2121873"/>
+            <a:ext cx="2362200" cy="838200"/>
+          </a:xfrm>
+          <a:prstGeom prst="roundRect">
+            <a:avLst/>
+          </a:prstGeom>
+        </p:spPr>
+        <p:style>
+          <a:lnRef idx="1">
+            <a:schemeClr val="accent1"/>
+          </a:lnRef>
+          <a:fillRef idx="2">
+            <a:schemeClr val="accent1"/>
+          </a:fillRef>
+          <a:effectRef idx="1">
+            <a:schemeClr val="accent1"/>
+          </a:effectRef>
+          <a:fontRef idx="minor">
+            <a:schemeClr val="dk1"/>
+          </a:fontRef>
+        </p:style>
+        <p:txBody>
+          <a:bodyPr rtlCol="0" anchor="ctr"/>
+          <a:lstStyle/>
+          <a:p>
+            <a:pPr algn="ctr"/>
+            <a:r>
+              <a:rPr lang="en-US" dirty="0" err="1" smtClean="0"/>
+              <a:t>Ứng</a:t>
+            </a:r>
+            <a:r>
+              <a:rPr lang="en-US" dirty="0" smtClean="0"/>
+              <a:t> </a:t>
+            </a:r>
+            <a:r>
+              <a:rPr lang="en-US" dirty="0" err="1" smtClean="0"/>
+              <a:t>dụng</a:t>
+            </a:r>
+            <a:r>
+              <a:rPr lang="en-US" dirty="0" smtClean="0"/>
+              <a:t> </a:t>
+            </a:r>
+            <a:r>
+              <a:rPr lang="en-US" dirty="0" err="1" smtClean="0"/>
+              <a:t>mục</a:t>
+            </a:r>
+            <a:r>
+              <a:rPr lang="en-US" dirty="0" smtClean="0"/>
+              <a:t> </a:t>
+            </a:r>
+            <a:r>
+              <a:rPr lang="en-US" dirty="0" err="1" smtClean="0"/>
+              <a:t>tiêu</a:t>
+            </a:r>
+            <a:endParaRPr lang="en-US" dirty="0"/>
+          </a:p>
+        </p:txBody>
+      </p:sp>
+      <p:sp>
+        <p:nvSpPr>
+          <p:cNvPr id="5" name="Rounded Rectangle 4"/>
+          <p:cNvSpPr/>
+          <p:nvPr/>
+        </p:nvSpPr>
+        <p:spPr>
+          <a:xfrm>
+            <a:off x="3836020" y="2121873"/>
+            <a:ext cx="1762318" cy="838200"/>
+          </a:xfrm>
+          <a:prstGeom prst="roundRect">
+            <a:avLst/>
+          </a:prstGeom>
+        </p:spPr>
+        <p:style>
+          <a:lnRef idx="1">
+            <a:schemeClr val="accent1"/>
+          </a:lnRef>
+          <a:fillRef idx="2">
+            <a:schemeClr val="accent1"/>
+          </a:fillRef>
+          <a:effectRef idx="1">
+            <a:schemeClr val="accent1"/>
+          </a:effectRef>
+          <a:fontRef idx="minor">
+            <a:schemeClr val="dk1"/>
+          </a:fontRef>
+        </p:style>
+        <p:txBody>
+          <a:bodyPr rtlCol="0" anchor="ctr"/>
+          <a:lstStyle/>
+          <a:p>
+            <a:pPr algn="ctr"/>
+            <a:r>
+              <a:rPr lang="en-US" dirty="0" smtClean="0"/>
+              <a:t>Proxy DLL</a:t>
+            </a:r>
+          </a:p>
+          <a:p>
+            <a:pPr algn="ctr"/>
+            <a:r>
+              <a:rPr lang="en-US" dirty="0" smtClean="0"/>
+              <a:t>(A.DLL)</a:t>
+            </a:r>
+            <a:endParaRPr lang="en-US" dirty="0"/>
+          </a:p>
+        </p:txBody>
+      </p:sp>
+      <p:sp>
+        <p:nvSpPr>
+          <p:cNvPr id="6" name="Rounded Rectangle 5"/>
+          <p:cNvSpPr/>
+          <p:nvPr/>
+        </p:nvSpPr>
+        <p:spPr>
+          <a:xfrm>
+            <a:off x="6423103" y="2121873"/>
+            <a:ext cx="1909568" cy="838200"/>
+          </a:xfrm>
+          <a:prstGeom prst="roundRect">
+            <a:avLst/>
+          </a:prstGeom>
+        </p:spPr>
+        <p:style>
+          <a:lnRef idx="1">
+            <a:schemeClr val="accent1"/>
+          </a:lnRef>
+          <a:fillRef idx="2">
+            <a:schemeClr val="accent1"/>
+          </a:fillRef>
+          <a:effectRef idx="1">
+            <a:schemeClr val="accent1"/>
+          </a:effectRef>
+          <a:fontRef idx="minor">
+            <a:schemeClr val="dk1"/>
+          </a:fontRef>
+        </p:style>
+        <p:txBody>
+          <a:bodyPr rtlCol="0" anchor="ctr"/>
+          <a:lstStyle/>
+          <a:p>
+            <a:pPr algn="ctr"/>
+            <a:r>
+              <a:rPr lang="en-US" dirty="0" smtClean="0"/>
+              <a:t>DLL ban </a:t>
+            </a:r>
+            <a:r>
+              <a:rPr lang="en-US" dirty="0" err="1" smtClean="0"/>
+              <a:t>đầu</a:t>
+            </a:r>
+            <a:endParaRPr lang="en-US" dirty="0" smtClean="0"/>
+          </a:p>
+          <a:p>
+            <a:pPr algn="ctr"/>
+            <a:r>
+              <a:rPr lang="en-US" dirty="0" smtClean="0"/>
+              <a:t>(A.DLL)</a:t>
+            </a:r>
+            <a:endParaRPr lang="en-US" dirty="0"/>
+          </a:p>
+        </p:txBody>
+      </p:sp>
+      <p:sp>
+        <p:nvSpPr>
+          <p:cNvPr id="7" name="Rounded Rectangle 6"/>
+          <p:cNvSpPr/>
+          <p:nvPr/>
+        </p:nvSpPr>
+        <p:spPr>
+          <a:xfrm>
+            <a:off x="9367024" y="2121873"/>
+            <a:ext cx="1583898" cy="838200"/>
+          </a:xfrm>
+          <a:prstGeom prst="roundRect">
+            <a:avLst/>
+          </a:prstGeom>
+        </p:spPr>
+        <p:style>
+          <a:lnRef idx="1">
+            <a:schemeClr val="accent1"/>
+          </a:lnRef>
+          <a:fillRef idx="2">
+            <a:schemeClr val="accent1"/>
+          </a:fillRef>
+          <a:effectRef idx="1">
+            <a:schemeClr val="accent1"/>
+          </a:effectRef>
+          <a:fontRef idx="minor">
+            <a:schemeClr val="dk1"/>
+          </a:fontRef>
+        </p:style>
+        <p:txBody>
+          <a:bodyPr rtlCol="0" anchor="ctr"/>
+          <a:lstStyle/>
+          <a:p>
+            <a:pPr algn="ctr"/>
+            <a:r>
+              <a:rPr lang="en-US" dirty="0" err="1" smtClean="0"/>
+              <a:t>Hệ</a:t>
+            </a:r>
+            <a:r>
+              <a:rPr lang="en-US" dirty="0" smtClean="0"/>
+              <a:t> </a:t>
+            </a:r>
+            <a:r>
+              <a:rPr lang="en-US" dirty="0" err="1" smtClean="0"/>
+              <a:t>thống</a:t>
+            </a:r>
+            <a:endParaRPr lang="en-US" dirty="0"/>
+          </a:p>
+        </p:txBody>
+      </p:sp>
+      <p:sp>
+        <p:nvSpPr>
+          <p:cNvPr id="8" name="Right Arrow 7"/>
+          <p:cNvSpPr/>
+          <p:nvPr/>
+        </p:nvSpPr>
+        <p:spPr>
+          <a:xfrm>
+            <a:off x="3011255" y="2376797"/>
+            <a:ext cx="824765" cy="328351"/>
+          </a:xfrm>
+          <a:prstGeom prst="rightArrow">
+            <a:avLst/>
+          </a:prstGeom>
+        </p:spPr>
+        <p:style>
+          <a:lnRef idx="1">
+            <a:schemeClr val="accent1"/>
+          </a:lnRef>
+          <a:fillRef idx="3">
+            <a:schemeClr val="accent1"/>
+          </a:fillRef>
+          <a:effectRef idx="2">
+            <a:schemeClr val="accent1"/>
+          </a:effectRef>
+          <a:fontRef idx="minor">
+            <a:schemeClr val="lt1"/>
+          </a:fontRef>
+        </p:style>
+        <p:txBody>
+          <a:bodyPr rtlCol="0" anchor="ctr"/>
+          <a:lstStyle/>
+          <a:p>
+            <a:pPr algn="ctr"/>
+            <a:endParaRPr lang="en-US"/>
+          </a:p>
+        </p:txBody>
+      </p:sp>
+      <p:sp>
+        <p:nvSpPr>
+          <p:cNvPr id="9" name="Right Arrow 8"/>
+          <p:cNvSpPr/>
+          <p:nvPr/>
+        </p:nvSpPr>
+        <p:spPr>
+          <a:xfrm>
+            <a:off x="5598338" y="2383350"/>
+            <a:ext cx="824765" cy="328351"/>
+          </a:xfrm>
+          <a:prstGeom prst="rightArrow">
+            <a:avLst/>
+          </a:prstGeom>
+        </p:spPr>
+        <p:style>
+          <a:lnRef idx="1">
+            <a:schemeClr val="accent1"/>
+          </a:lnRef>
+          <a:fillRef idx="3">
+            <a:schemeClr val="accent1"/>
+          </a:fillRef>
+          <a:effectRef idx="2">
+            <a:schemeClr val="accent1"/>
+          </a:effectRef>
+          <a:fontRef idx="minor">
+            <a:schemeClr val="lt1"/>
+          </a:fontRef>
+        </p:style>
+        <p:txBody>
+          <a:bodyPr rtlCol="0" anchor="ctr"/>
+          <a:lstStyle/>
+          <a:p>
+            <a:pPr algn="ctr"/>
+            <a:endParaRPr lang="en-US"/>
+          </a:p>
+        </p:txBody>
+      </p:sp>
+      <p:sp>
+        <p:nvSpPr>
+          <p:cNvPr id="10" name="Right Arrow 9"/>
+          <p:cNvSpPr/>
+          <p:nvPr/>
+        </p:nvSpPr>
+        <p:spPr>
+          <a:xfrm>
+            <a:off x="8332671" y="2383350"/>
+            <a:ext cx="1034353" cy="328351"/>
+          </a:xfrm>
+          <a:prstGeom prst="rightArrow">
+            <a:avLst/>
+          </a:prstGeom>
+        </p:spPr>
+        <p:style>
+          <a:lnRef idx="1">
+            <a:schemeClr val="accent1"/>
+          </a:lnRef>
+          <a:fillRef idx="3">
+            <a:schemeClr val="accent1"/>
+          </a:fillRef>
+          <a:effectRef idx="2">
+            <a:schemeClr val="accent1"/>
+          </a:effectRef>
+          <a:fontRef idx="minor">
+            <a:schemeClr val="lt1"/>
+          </a:fontRef>
+        </p:style>
+        <p:txBody>
+          <a:bodyPr rtlCol="0" anchor="ctr"/>
+          <a:lstStyle/>
+          <a:p>
+            <a:pPr algn="ctr"/>
+            <a:endParaRPr lang="en-US"/>
+          </a:p>
+        </p:txBody>
+      </p:sp>
+      <p:cxnSp>
+        <p:nvCxnSpPr>
+          <p:cNvPr id="15" name="Curved Connector 14"/>
+          <p:cNvCxnSpPr>
+            <a:stCxn id="7" idx="2"/>
+            <a:endCxn id="4" idx="2"/>
+          </p:cNvCxnSpPr>
+          <p:nvPr/>
+        </p:nvCxnSpPr>
+        <p:spPr>
+          <a:xfrm rot="5400000">
+            <a:off x="5994564" y="-1204336"/>
+            <a:ext cx="12700" cy="8328818"/>
+          </a:xfrm>
+          <a:prstGeom prst="curvedConnector3">
+            <a:avLst>
+              <a:gd name="adj1" fmla="val 11107323"/>
+            </a:avLst>
+          </a:prstGeom>
+          <a:ln w="127000">
+            <a:tailEnd type="triangle"/>
+          </a:ln>
+        </p:spPr>
+        <p:style>
+          <a:lnRef idx="1">
+            <a:schemeClr val="accent1"/>
+          </a:lnRef>
+          <a:fillRef idx="0">
+            <a:schemeClr val="accent1"/>
+          </a:fillRef>
+          <a:effectRef idx="0">
+            <a:schemeClr val="accent1"/>
+          </a:effectRef>
+          <a:fontRef idx="minor">
+            <a:schemeClr val="tx1"/>
+          </a:fontRef>
+        </p:style>
+      </p:cxnSp>
+    </p:spTree>
+    <p:extLst>
+      <p:ext uri="{BB962C8B-B14F-4D97-AF65-F5344CB8AC3E}">
+        <p14:creationId xmlns:p14="http://schemas.microsoft.com/office/powerpoint/2010/main" val="1882743543"/>
+      </p:ext>
+    </p:extLst>
+  </p:cSld>
+  <p:clrMapOvr>
+    <a:masterClrMapping/>
+  </p:clrMapOvr>
 </p:sld>
 </file>
 

--- a/Document/SODO.pptx
+++ b/Document/SODO.pptx
@@ -27,6 +27,7 @@
     <p:sldId id="274" r:id="rId21"/>
     <p:sldId id="276" r:id="rId22"/>
     <p:sldId id="277" r:id="rId23"/>
+    <p:sldId id="278" r:id="rId24"/>
   </p:sldIdLst>
   <p:sldSz cx="12192000" cy="6858000"/>
   <p:notesSz cx="7315200" cy="9601200"/>
@@ -7039,7 +7040,7 @@
           <a:p>
             <a:fld id="{16D2D749-03DE-4EC2-8C00-F102FCD2936A}" type="datetimeFigureOut">
               <a:rPr lang="en-US" smtClean="0"/>
-              <a:t>7/11/2015</a:t>
+              <a:t>7/12/2015</a:t>
             </a:fld>
             <a:endParaRPr lang="en-US"/>
           </a:p>
@@ -7209,7 +7210,7 @@
           <a:p>
             <a:fld id="{16D2D749-03DE-4EC2-8C00-F102FCD2936A}" type="datetimeFigureOut">
               <a:rPr lang="en-US" smtClean="0"/>
-              <a:t>7/11/2015</a:t>
+              <a:t>7/12/2015</a:t>
             </a:fld>
             <a:endParaRPr lang="en-US"/>
           </a:p>
@@ -7389,7 +7390,7 @@
           <a:p>
             <a:fld id="{16D2D749-03DE-4EC2-8C00-F102FCD2936A}" type="datetimeFigureOut">
               <a:rPr lang="en-US" smtClean="0"/>
-              <a:t>7/11/2015</a:t>
+              <a:t>7/12/2015</a:t>
             </a:fld>
             <a:endParaRPr lang="en-US"/>
           </a:p>
@@ -7559,7 +7560,7 @@
           <a:p>
             <a:fld id="{16D2D749-03DE-4EC2-8C00-F102FCD2936A}" type="datetimeFigureOut">
               <a:rPr lang="en-US" smtClean="0"/>
-              <a:t>7/11/2015</a:t>
+              <a:t>7/12/2015</a:t>
             </a:fld>
             <a:endParaRPr lang="en-US"/>
           </a:p>
@@ -7805,7 +7806,7 @@
           <a:p>
             <a:fld id="{16D2D749-03DE-4EC2-8C00-F102FCD2936A}" type="datetimeFigureOut">
               <a:rPr lang="en-US" smtClean="0"/>
-              <a:t>7/11/2015</a:t>
+              <a:t>7/12/2015</a:t>
             </a:fld>
             <a:endParaRPr lang="en-US"/>
           </a:p>
@@ -8037,7 +8038,7 @@
           <a:p>
             <a:fld id="{16D2D749-03DE-4EC2-8C00-F102FCD2936A}" type="datetimeFigureOut">
               <a:rPr lang="en-US" smtClean="0"/>
-              <a:t>7/11/2015</a:t>
+              <a:t>7/12/2015</a:t>
             </a:fld>
             <a:endParaRPr lang="en-US"/>
           </a:p>
@@ -8404,7 +8405,7 @@
           <a:p>
             <a:fld id="{16D2D749-03DE-4EC2-8C00-F102FCD2936A}" type="datetimeFigureOut">
               <a:rPr lang="en-US" smtClean="0"/>
-              <a:t>7/11/2015</a:t>
+              <a:t>7/12/2015</a:t>
             </a:fld>
             <a:endParaRPr lang="en-US"/>
           </a:p>
@@ -8522,7 +8523,7 @@
           <a:p>
             <a:fld id="{16D2D749-03DE-4EC2-8C00-F102FCD2936A}" type="datetimeFigureOut">
               <a:rPr lang="en-US" smtClean="0"/>
-              <a:t>7/11/2015</a:t>
+              <a:t>7/12/2015</a:t>
             </a:fld>
             <a:endParaRPr lang="en-US"/>
           </a:p>
@@ -8617,7 +8618,7 @@
           <a:p>
             <a:fld id="{16D2D749-03DE-4EC2-8C00-F102FCD2936A}" type="datetimeFigureOut">
               <a:rPr lang="en-US" smtClean="0"/>
-              <a:t>7/11/2015</a:t>
+              <a:t>7/12/2015</a:t>
             </a:fld>
             <a:endParaRPr lang="en-US"/>
           </a:p>
@@ -8894,7 +8895,7 @@
           <a:p>
             <a:fld id="{16D2D749-03DE-4EC2-8C00-F102FCD2936A}" type="datetimeFigureOut">
               <a:rPr lang="en-US" smtClean="0"/>
-              <a:t>7/11/2015</a:t>
+              <a:t>7/12/2015</a:t>
             </a:fld>
             <a:endParaRPr lang="en-US"/>
           </a:p>
@@ -9147,7 +9148,7 @@
           <a:p>
             <a:fld id="{16D2D749-03DE-4EC2-8C00-F102FCD2936A}" type="datetimeFigureOut">
               <a:rPr lang="en-US" smtClean="0"/>
-              <a:t>7/11/2015</a:t>
+              <a:t>7/12/2015</a:t>
             </a:fld>
             <a:endParaRPr lang="en-US"/>
           </a:p>
@@ -9360,7 +9361,7 @@
           <a:p>
             <a:fld id="{16D2D749-03DE-4EC2-8C00-F102FCD2936A}" type="datetimeFigureOut">
               <a:rPr lang="en-US" smtClean="0"/>
-              <a:t>7/11/2015</a:t>
+              <a:t>7/12/2015</a:t>
             </a:fld>
             <a:endParaRPr lang="en-US"/>
           </a:p>
@@ -11437,14 +11438,14 @@
           <a:p>
             <a:pPr algn="ctr"/>
             <a:r>
-              <a:rPr lang="en-US" sz="2400" b="1" dirty="0" smtClean="0">
+              <a:rPr lang="en-US" sz="2400" dirty="0" smtClean="0">
                 <a:solidFill>
                   <a:schemeClr val="tx1"/>
                 </a:solidFill>
               </a:rPr>
               <a:t>User Interface</a:t>
             </a:r>
-            <a:endParaRPr lang="en-US" sz="2400" b="1" dirty="0">
+            <a:endParaRPr lang="en-US" sz="2400" dirty="0">
               <a:solidFill>
                 <a:schemeClr val="tx1"/>
               </a:solidFill>
@@ -11518,14 +11519,14 @@
           <a:p>
             <a:pPr algn="ctr"/>
             <a:r>
-              <a:rPr lang="en-US" sz="2400" b="1" dirty="0" smtClean="0">
+              <a:rPr lang="en-US" sz="2400" dirty="0" smtClean="0">
                 <a:solidFill>
                   <a:schemeClr val="tx1"/>
                 </a:solidFill>
               </a:rPr>
               <a:t>Protect data</a:t>
             </a:r>
-            <a:endParaRPr lang="en-US" sz="2400" b="1" dirty="0">
+            <a:endParaRPr lang="en-US" sz="2400" dirty="0">
               <a:solidFill>
                 <a:schemeClr val="tx1"/>
               </a:solidFill>
@@ -11674,7 +11675,7 @@
           <p:nvPr/>
         </p:nvPicPr>
         <p:blipFill>
-          <a:blip r:embed="rId2">
+          <a:blip r:embed="rId2" cstate="print">
             <a:extLst>
               <a:ext uri="{28A0092B-C50C-407E-A947-70E740481C1C}">
                 <a14:useLocalDpi xmlns:a14="http://schemas.microsoft.com/office/drawing/2010/main" val="0"/>
@@ -11687,8 +11688,8 @@
         </p:blipFill>
         <p:spPr>
           <a:xfrm>
-            <a:off x="8275014" y="112694"/>
-            <a:ext cx="1542754" cy="1542754"/>
+            <a:off x="8551572" y="703340"/>
+            <a:ext cx="886783" cy="886783"/>
           </a:xfrm>
           <a:prstGeom prst="rect">
             <a:avLst/>
@@ -11739,8 +11740,8 @@
         </p:nvSpPr>
         <p:spPr>
           <a:xfrm>
-            <a:off x="9565445" y="4260311"/>
-            <a:ext cx="1604211" cy="1376797"/>
+            <a:off x="8533276" y="4683008"/>
+            <a:ext cx="905079" cy="698055"/>
           </a:xfrm>
           <a:prstGeom prst="ellipse">
             <a:avLst/>
@@ -11813,15 +11814,13 @@
       <p:cxnSp>
         <p:nvCxnSpPr>
           <p:cNvPr id="14" name="Straight Arrow Connector 13"/>
-          <p:cNvCxnSpPr>
-            <a:endCxn id="13" idx="2"/>
-          </p:cNvCxnSpPr>
+          <p:cNvCxnSpPr/>
           <p:nvPr/>
         </p:nvCxnSpPr>
         <p:spPr>
           <a:xfrm flipV="1">
-            <a:off x="6619324" y="4948710"/>
-            <a:ext cx="2946121" cy="28036"/>
+            <a:off x="6684133" y="5032035"/>
+            <a:ext cx="1590881" cy="2"/>
           </a:xfrm>
           <a:prstGeom prst="straightConnector1">
             <a:avLst/>
@@ -11912,14 +11911,14 @@
           <a:p>
             <a:pPr algn="ctr"/>
             <a:r>
-              <a:rPr lang="en-US" sz="2400" b="1" dirty="0" smtClean="0">
+              <a:rPr lang="en-US" sz="2400" dirty="0" smtClean="0">
                 <a:solidFill>
                   <a:schemeClr val="tx1"/>
                 </a:solidFill>
               </a:rPr>
               <a:t>Hook Module</a:t>
             </a:r>
-            <a:endParaRPr lang="en-US" sz="2400" b="1" dirty="0">
+            <a:endParaRPr lang="en-US" sz="2400" dirty="0">
               <a:solidFill>
                 <a:schemeClr val="tx1"/>
               </a:solidFill>
@@ -12125,7 +12124,7 @@
           <a:p>
             <a:pPr algn="ctr"/>
             <a:r>
-              <a:rPr lang="en-US" sz="2800" b="1" dirty="0" smtClean="0">
+              <a:rPr lang="en-US" sz="2400" dirty="0" smtClean="0">
                 <a:solidFill>
                   <a:schemeClr val="tx1"/>
                 </a:solidFill>
@@ -12136,14 +12135,14 @@
           <a:p>
             <a:pPr algn="ctr"/>
             <a:r>
-              <a:rPr lang="en-US" sz="2800" b="1" dirty="0" smtClean="0">
+              <a:rPr lang="en-US" sz="2400" dirty="0" smtClean="0">
                 <a:solidFill>
                   <a:schemeClr val="tx1"/>
                 </a:solidFill>
               </a:rPr>
               <a:t>module</a:t>
             </a:r>
-            <a:endParaRPr lang="en-US" sz="2800" b="1" dirty="0">
+            <a:endParaRPr lang="en-US" sz="2400" dirty="0">
               <a:solidFill>
                 <a:schemeClr val="tx1"/>
               </a:solidFill>
@@ -12213,14 +12212,14 @@
           <a:p>
             <a:pPr algn="ctr"/>
             <a:r>
-              <a:rPr lang="en-US" sz="2800" b="1" dirty="0" smtClean="0">
+              <a:rPr lang="en-US" sz="2400" dirty="0" smtClean="0">
                 <a:solidFill>
                   <a:schemeClr val="tx1"/>
                 </a:solidFill>
               </a:rPr>
               <a:t>API intercepting module</a:t>
             </a:r>
-            <a:endParaRPr lang="en-US" sz="2800" b="1" dirty="0">
+            <a:endParaRPr lang="en-US" sz="2400" dirty="0">
               <a:solidFill>
                 <a:schemeClr val="tx1"/>
               </a:solidFill>
@@ -12236,8 +12235,8 @@
         </p:nvSpPr>
         <p:spPr>
           <a:xfrm>
-            <a:off x="4918470" y="1299410"/>
-            <a:ext cx="2504212" cy="584775"/>
+            <a:off x="5016197" y="1273294"/>
+            <a:ext cx="2210862" cy="523220"/>
           </a:xfrm>
           <a:prstGeom prst="rect">
             <a:avLst/>
@@ -12251,7 +12250,7 @@
           <a:lstStyle/>
           <a:p>
             <a:r>
-              <a:rPr lang="en-US" sz="3200" b="1" dirty="0" smtClean="0">
+              <a:rPr lang="en-US" sz="2800" b="1" dirty="0" smtClean="0">
                 <a:solidFill>
                   <a:schemeClr val="accent2">
                     <a:lumMod val="75000"/>
@@ -12260,7 +12259,7 @@
               </a:rPr>
               <a:t>Hook Module</a:t>
             </a:r>
-            <a:endParaRPr lang="en-US" sz="3200" b="1" dirty="0">
+            <a:endParaRPr lang="en-US" sz="2800" b="1" dirty="0">
               <a:solidFill>
                 <a:schemeClr val="accent2">
                   <a:lumMod val="75000"/>
@@ -12330,14 +12329,14 @@
           <a:p>
             <a:pPr algn="ctr"/>
             <a:r>
-              <a:rPr lang="en-US" sz="2800" b="1" dirty="0" err="1" smtClean="0">
+              <a:rPr lang="en-US" sz="2400" dirty="0" err="1" smtClean="0">
                 <a:solidFill>
                   <a:schemeClr val="tx1"/>
                 </a:solidFill>
               </a:rPr>
               <a:t>EasyHook</a:t>
             </a:r>
-            <a:endParaRPr lang="en-US" sz="2800" b="1" dirty="0">
+            <a:endParaRPr lang="en-US" sz="2400" dirty="0">
               <a:solidFill>
                 <a:schemeClr val="tx1"/>
               </a:solidFill>
@@ -12413,8 +12412,8 @@
         </p:nvSpPr>
         <p:spPr>
           <a:xfrm>
-            <a:off x="2614099" y="1182533"/>
-            <a:ext cx="6769769" cy="4372619"/>
+            <a:off x="2614099" y="1182534"/>
+            <a:ext cx="6769769" cy="3853106"/>
           </a:xfrm>
           <a:prstGeom prst="roundRect">
             <a:avLst/>
@@ -12456,7 +12455,7 @@
         </p:nvSpPr>
         <p:spPr>
           <a:xfrm>
-            <a:off x="3210331" y="4159488"/>
+            <a:off x="3210331" y="3695848"/>
             <a:ext cx="2406316" cy="930442"/>
           </a:xfrm>
           <a:prstGeom prst="roundRect">
@@ -12510,14 +12509,14 @@
           <a:p>
             <a:pPr algn="ctr"/>
             <a:r>
-              <a:rPr lang="en-US" sz="2800" b="1" dirty="0" smtClean="0">
+              <a:rPr lang="en-US" sz="2400" dirty="0" smtClean="0">
                 <a:solidFill>
                   <a:schemeClr val="tx1"/>
                 </a:solidFill>
               </a:rPr>
               <a:t>Key Engine</a:t>
             </a:r>
-            <a:endParaRPr lang="en-US" sz="2800" b="1" dirty="0">
+            <a:endParaRPr lang="en-US" sz="2400" dirty="0">
               <a:solidFill>
                 <a:schemeClr val="tx1"/>
               </a:solidFill>
@@ -12533,7 +12532,7 @@
         </p:nvSpPr>
         <p:spPr>
           <a:xfrm>
-            <a:off x="3210331" y="2789226"/>
+            <a:off x="3210331" y="2325586"/>
             <a:ext cx="2406316" cy="930442"/>
           </a:xfrm>
           <a:prstGeom prst="roundRect">
@@ -12587,14 +12586,14 @@
           <a:p>
             <a:pPr algn="ctr"/>
             <a:r>
-              <a:rPr lang="en-US" sz="2800" b="1" dirty="0" smtClean="0">
+              <a:rPr lang="en-US" sz="2400" dirty="0" smtClean="0">
                 <a:solidFill>
                   <a:schemeClr val="tx1"/>
                 </a:solidFill>
               </a:rPr>
               <a:t>Metadata</a:t>
             </a:r>
-            <a:endParaRPr lang="en-US" sz="2800" b="1" dirty="0">
+            <a:endParaRPr lang="en-US" sz="2400" dirty="0">
               <a:solidFill>
                 <a:schemeClr val="tx1"/>
               </a:solidFill>
@@ -12610,7 +12609,7 @@
         </p:nvSpPr>
         <p:spPr>
           <a:xfrm>
-            <a:off x="6297099" y="2789226"/>
+            <a:off x="6297099" y="2325586"/>
             <a:ext cx="2406316" cy="930442"/>
           </a:xfrm>
           <a:prstGeom prst="roundRect">
@@ -12664,14 +12663,14 @@
           <a:p>
             <a:pPr algn="ctr"/>
             <a:r>
-              <a:rPr lang="en-US" sz="2800" b="1" dirty="0" smtClean="0">
+              <a:rPr lang="en-US" sz="2400" dirty="0" smtClean="0">
                 <a:solidFill>
                   <a:schemeClr val="tx1"/>
                 </a:solidFill>
               </a:rPr>
               <a:t>Crypto Engine</a:t>
             </a:r>
-            <a:endParaRPr lang="en-US" sz="2800" b="1" dirty="0">
+            <a:endParaRPr lang="en-US" sz="2400" dirty="0">
               <a:solidFill>
                 <a:schemeClr val="tx1"/>
               </a:solidFill>
@@ -12790,7 +12789,7 @@
         <p:spPr>
           <a:xfrm>
             <a:off x="2727159" y="834190"/>
-            <a:ext cx="7026441" cy="3801978"/>
+            <a:ext cx="7026441" cy="3505990"/>
           </a:xfrm>
           <a:prstGeom prst="roundRect">
             <a:avLst/>
@@ -12832,7 +12831,7 @@
         </p:nvSpPr>
         <p:spPr>
           <a:xfrm>
-            <a:off x="3367840" y="3384883"/>
+            <a:off x="3367840" y="3114424"/>
             <a:ext cx="2518612" cy="737937"/>
           </a:xfrm>
           <a:prstGeom prst="roundRect">
@@ -12882,14 +12881,14 @@
           <a:p>
             <a:pPr algn="ctr"/>
             <a:r>
-              <a:rPr lang="en-US" sz="2800" b="1" dirty="0" smtClean="0">
+              <a:rPr lang="en-US" sz="2400" dirty="0" smtClean="0">
                 <a:solidFill>
                   <a:schemeClr val="tx1"/>
                 </a:solidFill>
               </a:rPr>
               <a:t>System Stray</a:t>
             </a:r>
-            <a:endParaRPr lang="en-US" sz="2800" b="1" dirty="0">
+            <a:endParaRPr lang="en-US" sz="2400" dirty="0">
               <a:solidFill>
                 <a:schemeClr val="tx1"/>
               </a:solidFill>
@@ -12905,7 +12904,7 @@
         </p:nvSpPr>
         <p:spPr>
           <a:xfrm>
-            <a:off x="6544678" y="3384882"/>
+            <a:off x="6544678" y="3114423"/>
             <a:ext cx="2518612" cy="737937"/>
           </a:xfrm>
           <a:prstGeom prst="roundRect">
@@ -12955,14 +12954,14 @@
           <a:p>
             <a:pPr algn="ctr"/>
             <a:r>
-              <a:rPr lang="en-US" sz="2800" b="1" dirty="0" smtClean="0">
+              <a:rPr lang="en-US" sz="2400" dirty="0" smtClean="0">
                 <a:solidFill>
                   <a:schemeClr val="tx1"/>
                 </a:solidFill>
               </a:rPr>
               <a:t>Authentication</a:t>
             </a:r>
-            <a:endParaRPr lang="en-US" sz="2800" b="1" dirty="0">
+            <a:endParaRPr lang="en-US" sz="2400" dirty="0">
               <a:solidFill>
                 <a:schemeClr val="tx1"/>
               </a:solidFill>
@@ -12978,7 +12977,7 @@
         </p:nvSpPr>
         <p:spPr>
           <a:xfrm>
-            <a:off x="6559216" y="2366211"/>
+            <a:off x="6559216" y="2095752"/>
             <a:ext cx="2518612" cy="737937"/>
           </a:xfrm>
           <a:prstGeom prst="roundRect">
@@ -13127,14 +13126,14 @@
           <a:p>
             <a:pPr algn="ctr"/>
             <a:r>
-              <a:rPr lang="en-US" sz="2800" b="1" dirty="0" smtClean="0">
+              <a:rPr lang="en-US" sz="2400" dirty="0" smtClean="0">
                 <a:solidFill>
                   <a:schemeClr val="tx1"/>
                 </a:solidFill>
               </a:rPr>
               <a:t>File Extension</a:t>
             </a:r>
-            <a:endParaRPr lang="en-US" sz="2800" b="1" dirty="0">
+            <a:endParaRPr lang="en-US" sz="2400" dirty="0">
               <a:solidFill>
                 <a:schemeClr val="tx1"/>
               </a:solidFill>
@@ -13150,7 +13149,7 @@
         </p:nvSpPr>
         <p:spPr>
           <a:xfrm>
-            <a:off x="3364832" y="2366211"/>
+            <a:off x="3364832" y="2095752"/>
             <a:ext cx="2518612" cy="737937"/>
           </a:xfrm>
           <a:prstGeom prst="roundRect">
@@ -13200,14 +13199,14 @@
           <a:p>
             <a:pPr algn="ctr"/>
             <a:r>
-              <a:rPr lang="en-US" sz="2800" b="1" dirty="0" smtClean="0">
+              <a:rPr lang="en-US" sz="2400" dirty="0" smtClean="0">
                 <a:solidFill>
                   <a:schemeClr val="tx1"/>
                 </a:solidFill>
               </a:rPr>
               <a:t>Explorer</a:t>
             </a:r>
-            <a:endParaRPr lang="en-US" sz="2800" b="1" dirty="0">
+            <a:endParaRPr lang="en-US" sz="2400" dirty="0">
               <a:solidFill>
                 <a:schemeClr val="tx1"/>
               </a:solidFill>
@@ -13223,8 +13222,8 @@
         </p:nvSpPr>
         <p:spPr>
           <a:xfrm>
-            <a:off x="4950282" y="1015425"/>
-            <a:ext cx="2580194" cy="584775"/>
+            <a:off x="5097598" y="1048867"/>
+            <a:ext cx="2285562" cy="523220"/>
           </a:xfrm>
           <a:prstGeom prst="rect">
             <a:avLst/>
@@ -13238,7 +13237,7 @@
           <a:lstStyle/>
           <a:p>
             <a:r>
-              <a:rPr lang="en-US" sz="3200" b="1" dirty="0" smtClean="0">
+              <a:rPr lang="en-US" sz="2800" b="1" dirty="0" smtClean="0">
                 <a:solidFill>
                   <a:schemeClr val="accent2">
                     <a:lumMod val="75000"/>
@@ -13247,7 +13246,7 @@
               </a:rPr>
               <a:t>User Interface</a:t>
             </a:r>
-            <a:endParaRPr lang="en-US" sz="3200" b="1" dirty="0">
+            <a:endParaRPr lang="en-US" sz="2800" b="1" dirty="0">
               <a:solidFill>
                 <a:schemeClr val="accent2">
                   <a:lumMod val="75000"/>
@@ -14219,6 +14218,30 @@
           <a:prstGeom prst="roundRect">
             <a:avLst/>
           </a:prstGeom>
+          <a:gradFill>
+            <a:gsLst>
+              <a:gs pos="0">
+                <a:schemeClr val="accent1">
+                  <a:lumMod val="20000"/>
+                  <a:lumOff val="80000"/>
+                </a:schemeClr>
+              </a:gs>
+              <a:gs pos="76000">
+                <a:schemeClr val="accent1">
+                  <a:lumMod val="105000"/>
+                  <a:satMod val="103000"/>
+                  <a:tint val="73000"/>
+                </a:schemeClr>
+              </a:gs>
+              <a:gs pos="100000">
+                <a:schemeClr val="accent1">
+                  <a:lumMod val="105000"/>
+                  <a:satMod val="109000"/>
+                  <a:tint val="81000"/>
+                </a:schemeClr>
+              </a:gs>
+            </a:gsLst>
+          </a:gradFill>
         </p:spPr>
         <p:style>
           <a:lnRef idx="1">
@@ -14240,10 +14263,18 @@
           <a:p>
             <a:pPr algn="ctr"/>
             <a:r>
-              <a:rPr lang="en-US" dirty="0" smtClean="0"/>
+              <a:rPr lang="en-US" sz="2000" dirty="0">
+                <a:solidFill>
+                  <a:schemeClr val="tx1"/>
+                </a:solidFill>
+              </a:rPr>
               <a:t>Create temp file</a:t>
             </a:r>
-            <a:endParaRPr lang="en-US" dirty="0"/>
+            <a:endParaRPr lang="en-US" sz="2000" dirty="0">
+              <a:solidFill>
+                <a:schemeClr val="tx1"/>
+              </a:solidFill>
+            </a:endParaRPr>
           </a:p>
         </p:txBody>
       </p:sp>
@@ -14261,6 +14292,30 @@
           <a:prstGeom prst="roundRect">
             <a:avLst/>
           </a:prstGeom>
+          <a:gradFill>
+            <a:gsLst>
+              <a:gs pos="0">
+                <a:schemeClr val="accent1">
+                  <a:lumMod val="20000"/>
+                  <a:lumOff val="80000"/>
+                </a:schemeClr>
+              </a:gs>
+              <a:gs pos="76000">
+                <a:schemeClr val="accent1">
+                  <a:lumMod val="105000"/>
+                  <a:satMod val="103000"/>
+                  <a:tint val="73000"/>
+                </a:schemeClr>
+              </a:gs>
+              <a:gs pos="100000">
+                <a:schemeClr val="accent1">
+                  <a:lumMod val="105000"/>
+                  <a:satMod val="109000"/>
+                  <a:tint val="81000"/>
+                </a:schemeClr>
+              </a:gs>
+            </a:gsLst>
+          </a:gradFill>
         </p:spPr>
         <p:style>
           <a:lnRef idx="1">
@@ -14282,10 +14337,18 @@
           <a:p>
             <a:pPr algn="ctr"/>
             <a:r>
-              <a:rPr lang="en-US" dirty="0" smtClean="0"/>
+              <a:rPr lang="en-US" sz="2000" dirty="0">
+                <a:solidFill>
+                  <a:schemeClr val="tx1"/>
+                </a:solidFill>
+              </a:rPr>
               <a:t>Write temp file</a:t>
             </a:r>
-            <a:endParaRPr lang="en-US" dirty="0"/>
+            <a:endParaRPr lang="en-US" sz="2000" dirty="0">
+              <a:solidFill>
+                <a:schemeClr val="tx1"/>
+              </a:solidFill>
+            </a:endParaRPr>
           </a:p>
         </p:txBody>
       </p:sp>
@@ -14303,6 +14366,30 @@
           <a:prstGeom prst="roundRect">
             <a:avLst/>
           </a:prstGeom>
+          <a:gradFill>
+            <a:gsLst>
+              <a:gs pos="0">
+                <a:schemeClr val="accent1">
+                  <a:lumMod val="20000"/>
+                  <a:lumOff val="80000"/>
+                </a:schemeClr>
+              </a:gs>
+              <a:gs pos="76000">
+                <a:schemeClr val="accent1">
+                  <a:lumMod val="105000"/>
+                  <a:satMod val="103000"/>
+                  <a:tint val="73000"/>
+                </a:schemeClr>
+              </a:gs>
+              <a:gs pos="100000">
+                <a:schemeClr val="accent1">
+                  <a:lumMod val="105000"/>
+                  <a:satMod val="109000"/>
+                  <a:tint val="81000"/>
+                </a:schemeClr>
+              </a:gs>
+            </a:gsLst>
+          </a:gradFill>
         </p:spPr>
         <p:style>
           <a:lnRef idx="1">
@@ -14324,10 +14411,18 @@
           <a:p>
             <a:pPr algn="ctr"/>
             <a:r>
-              <a:rPr lang="en-US" dirty="0" smtClean="0"/>
+              <a:rPr lang="en-US" sz="2000" dirty="0">
+                <a:solidFill>
+                  <a:schemeClr val="tx1"/>
+                </a:solidFill>
+              </a:rPr>
               <a:t>Delete original file</a:t>
             </a:r>
-            <a:endParaRPr lang="en-US" dirty="0"/>
+            <a:endParaRPr lang="en-US" sz="2000" dirty="0">
+              <a:solidFill>
+                <a:schemeClr val="tx1"/>
+              </a:solidFill>
+            </a:endParaRPr>
           </a:p>
         </p:txBody>
       </p:sp>
@@ -14345,6 +14440,30 @@
           <a:prstGeom prst="roundRect">
             <a:avLst/>
           </a:prstGeom>
+          <a:gradFill>
+            <a:gsLst>
+              <a:gs pos="0">
+                <a:schemeClr val="accent1">
+                  <a:lumMod val="20000"/>
+                  <a:lumOff val="80000"/>
+                </a:schemeClr>
+              </a:gs>
+              <a:gs pos="76000">
+                <a:schemeClr val="accent1">
+                  <a:lumMod val="105000"/>
+                  <a:satMod val="103000"/>
+                  <a:tint val="73000"/>
+                </a:schemeClr>
+              </a:gs>
+              <a:gs pos="100000">
+                <a:schemeClr val="accent1">
+                  <a:lumMod val="105000"/>
+                  <a:satMod val="109000"/>
+                  <a:tint val="81000"/>
+                </a:schemeClr>
+              </a:gs>
+            </a:gsLst>
+          </a:gradFill>
         </p:spPr>
         <p:style>
           <a:lnRef idx="1">
@@ -14366,17 +14485,29 @@
           <a:p>
             <a:pPr algn="ctr"/>
             <a:r>
-              <a:rPr lang="en-US" dirty="0" smtClean="0"/>
+              <a:rPr lang="en-US" sz="2000" dirty="0">
+                <a:solidFill>
+                  <a:schemeClr val="tx1"/>
+                </a:solidFill>
+              </a:rPr>
               <a:t>Move temp to</a:t>
             </a:r>
           </a:p>
           <a:p>
             <a:pPr algn="ctr"/>
             <a:r>
-              <a:rPr lang="en-US" dirty="0" smtClean="0"/>
+              <a:rPr lang="en-US" sz="2000" dirty="0">
+                <a:solidFill>
+                  <a:schemeClr val="tx1"/>
+                </a:solidFill>
+              </a:rPr>
               <a:t> target name</a:t>
             </a:r>
-            <a:endParaRPr lang="en-US" dirty="0"/>
+            <a:endParaRPr lang="en-US" sz="2000" dirty="0">
+              <a:solidFill>
+                <a:schemeClr val="tx1"/>
+              </a:solidFill>
+            </a:endParaRPr>
           </a:p>
         </p:txBody>
       </p:sp>
@@ -14794,6 +14925,30 @@
           <a:prstGeom prst="roundRect">
             <a:avLst/>
           </a:prstGeom>
+          <a:gradFill>
+            <a:gsLst>
+              <a:gs pos="0">
+                <a:schemeClr val="accent1">
+                  <a:lumMod val="20000"/>
+                  <a:lumOff val="80000"/>
+                </a:schemeClr>
+              </a:gs>
+              <a:gs pos="76000">
+                <a:schemeClr val="accent1">
+                  <a:lumMod val="105000"/>
+                  <a:satMod val="103000"/>
+                  <a:tint val="73000"/>
+                </a:schemeClr>
+              </a:gs>
+              <a:gs pos="100000">
+                <a:schemeClr val="accent1">
+                  <a:lumMod val="105000"/>
+                  <a:satMod val="109000"/>
+                  <a:tint val="81000"/>
+                </a:schemeClr>
+              </a:gs>
+            </a:gsLst>
+          </a:gradFill>
         </p:spPr>
         <p:style>
           <a:lnRef idx="1">
@@ -14815,10 +14970,18 @@
           <a:p>
             <a:pPr algn="ctr"/>
             <a:r>
-              <a:rPr lang="en-US" dirty="0" smtClean="0"/>
+              <a:rPr lang="en-US" sz="2000" dirty="0">
+                <a:solidFill>
+                  <a:schemeClr val="tx1"/>
+                </a:solidFill>
+              </a:rPr>
               <a:t>Create temp file</a:t>
             </a:r>
-            <a:endParaRPr lang="en-US" dirty="0"/>
+            <a:endParaRPr lang="en-US" sz="2000" dirty="0">
+              <a:solidFill>
+                <a:schemeClr val="tx1"/>
+              </a:solidFill>
+            </a:endParaRPr>
           </a:p>
         </p:txBody>
       </p:sp>
@@ -15142,6 +15305,158 @@
             <a:solidFill>
               <a:srgbClr val="FF0000"/>
             </a:solidFill>
+          </a:ln>
+        </p:spPr>
+        <p:style>
+          <a:lnRef idx="1">
+            <a:schemeClr val="accent1"/>
+          </a:lnRef>
+          <a:fillRef idx="0">
+            <a:schemeClr val="accent1"/>
+          </a:fillRef>
+          <a:effectRef idx="0">
+            <a:schemeClr val="accent1"/>
+          </a:effectRef>
+          <a:fontRef idx="minor">
+            <a:schemeClr val="tx1"/>
+          </a:fontRef>
+        </p:style>
+      </p:cxnSp>
+      <p:cxnSp>
+        <p:nvCxnSpPr>
+          <p:cNvPr id="11" name="Straight Connector 10"/>
+          <p:cNvCxnSpPr/>
+          <p:nvPr/>
+        </p:nvCxnSpPr>
+        <p:spPr>
+          <a:xfrm flipV="1">
+            <a:off x="2157413" y="1400175"/>
+            <a:ext cx="7143750" cy="14288"/>
+          </a:xfrm>
+          <a:prstGeom prst="line">
+            <a:avLst/>
+          </a:prstGeom>
+          <a:ln w="28575" cmpd="sng">
+            <a:solidFill>
+              <a:schemeClr val="bg2">
+                <a:lumMod val="50000"/>
+              </a:schemeClr>
+            </a:solidFill>
+            <a:prstDash val="dashDot"/>
+          </a:ln>
+        </p:spPr>
+        <p:style>
+          <a:lnRef idx="1">
+            <a:schemeClr val="accent1"/>
+          </a:lnRef>
+          <a:fillRef idx="0">
+            <a:schemeClr val="accent1"/>
+          </a:fillRef>
+          <a:effectRef idx="0">
+            <a:schemeClr val="accent1"/>
+          </a:effectRef>
+          <a:fontRef idx="minor">
+            <a:schemeClr val="tx1"/>
+          </a:fontRef>
+        </p:style>
+      </p:cxnSp>
+      <p:cxnSp>
+        <p:nvCxnSpPr>
+          <p:cNvPr id="32" name="Straight Connector 31"/>
+          <p:cNvCxnSpPr/>
+          <p:nvPr/>
+        </p:nvCxnSpPr>
+        <p:spPr>
+          <a:xfrm flipV="1">
+            <a:off x="2157413" y="2724184"/>
+            <a:ext cx="7143750" cy="14288"/>
+          </a:xfrm>
+          <a:prstGeom prst="line">
+            <a:avLst/>
+          </a:prstGeom>
+          <a:ln w="28575" cmpd="sng">
+            <a:solidFill>
+              <a:schemeClr val="bg2">
+                <a:lumMod val="50000"/>
+              </a:schemeClr>
+            </a:solidFill>
+            <a:prstDash val="dashDot"/>
+          </a:ln>
+        </p:spPr>
+        <p:style>
+          <a:lnRef idx="1">
+            <a:schemeClr val="accent1"/>
+          </a:lnRef>
+          <a:fillRef idx="0">
+            <a:schemeClr val="accent1"/>
+          </a:fillRef>
+          <a:effectRef idx="0">
+            <a:schemeClr val="accent1"/>
+          </a:effectRef>
+          <a:fontRef idx="minor">
+            <a:schemeClr val="tx1"/>
+          </a:fontRef>
+        </p:style>
+      </p:cxnSp>
+      <p:cxnSp>
+        <p:nvCxnSpPr>
+          <p:cNvPr id="35" name="Straight Connector 34"/>
+          <p:cNvCxnSpPr/>
+          <p:nvPr/>
+        </p:nvCxnSpPr>
+        <p:spPr>
+          <a:xfrm flipV="1">
+            <a:off x="2157413" y="4024547"/>
+            <a:ext cx="7143750" cy="14288"/>
+          </a:xfrm>
+          <a:prstGeom prst="line">
+            <a:avLst/>
+          </a:prstGeom>
+          <a:ln w="28575" cmpd="sng">
+            <a:solidFill>
+              <a:schemeClr val="bg2">
+                <a:lumMod val="50000"/>
+              </a:schemeClr>
+            </a:solidFill>
+            <a:prstDash val="dashDot"/>
+          </a:ln>
+        </p:spPr>
+        <p:style>
+          <a:lnRef idx="1">
+            <a:schemeClr val="accent1"/>
+          </a:lnRef>
+          <a:fillRef idx="0">
+            <a:schemeClr val="accent1"/>
+          </a:fillRef>
+          <a:effectRef idx="0">
+            <a:schemeClr val="accent1"/>
+          </a:effectRef>
+          <a:fontRef idx="minor">
+            <a:schemeClr val="tx1"/>
+          </a:fontRef>
+        </p:style>
+      </p:cxnSp>
+      <p:cxnSp>
+        <p:nvCxnSpPr>
+          <p:cNvPr id="36" name="Straight Connector 35"/>
+          <p:cNvCxnSpPr/>
+          <p:nvPr/>
+        </p:nvCxnSpPr>
+        <p:spPr>
+          <a:xfrm flipV="1">
+            <a:off x="2157413" y="5339919"/>
+            <a:ext cx="7143750" cy="14288"/>
+          </a:xfrm>
+          <a:prstGeom prst="line">
+            <a:avLst/>
+          </a:prstGeom>
+          <a:ln w="28575" cmpd="sng">
+            <a:solidFill>
+              <a:schemeClr val="bg2">
+                <a:lumMod val="50000"/>
+              </a:schemeClr>
+            </a:solidFill>
+            <a:prstDash val="dashDot"/>
           </a:ln>
         </p:spPr>
         <p:style>
@@ -15203,6 +15518,30 @@
           <a:prstGeom prst="roundRect">
             <a:avLst/>
           </a:prstGeom>
+          <a:gradFill>
+            <a:gsLst>
+              <a:gs pos="0">
+                <a:schemeClr val="accent1">
+                  <a:lumMod val="20000"/>
+                  <a:lumOff val="80000"/>
+                </a:schemeClr>
+              </a:gs>
+              <a:gs pos="76000">
+                <a:schemeClr val="accent1">
+                  <a:lumMod val="105000"/>
+                  <a:satMod val="103000"/>
+                  <a:tint val="73000"/>
+                </a:schemeClr>
+              </a:gs>
+              <a:gs pos="100000">
+                <a:schemeClr val="accent1">
+                  <a:lumMod val="105000"/>
+                  <a:satMod val="109000"/>
+                  <a:tint val="81000"/>
+                </a:schemeClr>
+              </a:gs>
+            </a:gsLst>
+          </a:gradFill>
         </p:spPr>
         <p:style>
           <a:lnRef idx="1">
@@ -15220,105 +15559,11 @@
         </p:style>
         <p:txBody>
           <a:bodyPr rtlCol="0" anchor="ctr"/>
-          <a:lstStyle>
-            <a:defPPr>
-              <a:defRPr lang="en-US"/>
-            </a:defPPr>
-            <a:lvl1pPr marL="0" algn="l" defTabSz="914400" rtl="0" eaLnBrk="1" latinLnBrk="0" hangingPunct="1">
-              <a:defRPr sz="1800" kern="1200">
-                <a:solidFill>
-                  <a:schemeClr val="dk1"/>
-                </a:solidFill>
-                <a:latin typeface="+mn-lt"/>
-                <a:ea typeface="+mn-ea"/>
-                <a:cs typeface="+mn-cs"/>
-              </a:defRPr>
-            </a:lvl1pPr>
-            <a:lvl2pPr marL="457200" algn="l" defTabSz="914400" rtl="0" eaLnBrk="1" latinLnBrk="0" hangingPunct="1">
-              <a:defRPr sz="1800" kern="1200">
-                <a:solidFill>
-                  <a:schemeClr val="dk1"/>
-                </a:solidFill>
-                <a:latin typeface="+mn-lt"/>
-                <a:ea typeface="+mn-ea"/>
-                <a:cs typeface="+mn-cs"/>
-              </a:defRPr>
-            </a:lvl2pPr>
-            <a:lvl3pPr marL="914400" algn="l" defTabSz="914400" rtl="0" eaLnBrk="1" latinLnBrk="0" hangingPunct="1">
-              <a:defRPr sz="1800" kern="1200">
-                <a:solidFill>
-                  <a:schemeClr val="dk1"/>
-                </a:solidFill>
-                <a:latin typeface="+mn-lt"/>
-                <a:ea typeface="+mn-ea"/>
-                <a:cs typeface="+mn-cs"/>
-              </a:defRPr>
-            </a:lvl3pPr>
-            <a:lvl4pPr marL="1371600" algn="l" defTabSz="914400" rtl="0" eaLnBrk="1" latinLnBrk="0" hangingPunct="1">
-              <a:defRPr sz="1800" kern="1200">
-                <a:solidFill>
-                  <a:schemeClr val="dk1"/>
-                </a:solidFill>
-                <a:latin typeface="+mn-lt"/>
-                <a:ea typeface="+mn-ea"/>
-                <a:cs typeface="+mn-cs"/>
-              </a:defRPr>
-            </a:lvl4pPr>
-            <a:lvl5pPr marL="1828800" algn="l" defTabSz="914400" rtl="0" eaLnBrk="1" latinLnBrk="0" hangingPunct="1">
-              <a:defRPr sz="1800" kern="1200">
-                <a:solidFill>
-                  <a:schemeClr val="dk1"/>
-                </a:solidFill>
-                <a:latin typeface="+mn-lt"/>
-                <a:ea typeface="+mn-ea"/>
-                <a:cs typeface="+mn-cs"/>
-              </a:defRPr>
-            </a:lvl5pPr>
-            <a:lvl6pPr marL="2286000" algn="l" defTabSz="914400" rtl="0" eaLnBrk="1" latinLnBrk="0" hangingPunct="1">
-              <a:defRPr sz="1800" kern="1200">
-                <a:solidFill>
-                  <a:schemeClr val="dk1"/>
-                </a:solidFill>
-                <a:latin typeface="+mn-lt"/>
-                <a:ea typeface="+mn-ea"/>
-                <a:cs typeface="+mn-cs"/>
-              </a:defRPr>
-            </a:lvl6pPr>
-            <a:lvl7pPr marL="2743200" algn="l" defTabSz="914400" rtl="0" eaLnBrk="1" latinLnBrk="0" hangingPunct="1">
-              <a:defRPr sz="1800" kern="1200">
-                <a:solidFill>
-                  <a:schemeClr val="dk1"/>
-                </a:solidFill>
-                <a:latin typeface="+mn-lt"/>
-                <a:ea typeface="+mn-ea"/>
-                <a:cs typeface="+mn-cs"/>
-              </a:defRPr>
-            </a:lvl7pPr>
-            <a:lvl8pPr marL="3200400" algn="l" defTabSz="914400" rtl="0" eaLnBrk="1" latinLnBrk="0" hangingPunct="1">
-              <a:defRPr sz="1800" kern="1200">
-                <a:solidFill>
-                  <a:schemeClr val="dk1"/>
-                </a:solidFill>
-                <a:latin typeface="+mn-lt"/>
-                <a:ea typeface="+mn-ea"/>
-                <a:cs typeface="+mn-cs"/>
-              </a:defRPr>
-            </a:lvl8pPr>
-            <a:lvl9pPr marL="3657600" algn="l" defTabSz="914400" rtl="0" eaLnBrk="1" latinLnBrk="0" hangingPunct="1">
-              <a:defRPr sz="1800" kern="1200">
-                <a:solidFill>
-                  <a:schemeClr val="dk1"/>
-                </a:solidFill>
-                <a:latin typeface="+mn-lt"/>
-                <a:ea typeface="+mn-ea"/>
-                <a:cs typeface="+mn-cs"/>
-              </a:defRPr>
-            </a:lvl9pPr>
-          </a:lstStyle>
+          <a:lstStyle/>
           <a:p>
             <a:pPr algn="ctr"/>
             <a:r>
-              <a:rPr lang="en-US" sz="2000" dirty="0" err="1" smtClean="0">
+              <a:rPr lang="en-US" sz="2000" dirty="0" err="1">
                 <a:solidFill>
                   <a:schemeClr val="tx1"/>
                 </a:solidFill>
@@ -15326,7 +15571,7 @@
               <a:t>Danh</a:t>
             </a:r>
             <a:r>
-              <a:rPr lang="en-US" sz="2000" dirty="0" smtClean="0">
+              <a:rPr lang="en-US" sz="2000" dirty="0">
                 <a:solidFill>
                   <a:schemeClr val="tx1"/>
                 </a:solidFill>
@@ -15334,7 +15579,7 @@
               <a:t> </a:t>
             </a:r>
             <a:r>
-              <a:rPr lang="en-US" sz="2000" dirty="0" err="1" smtClean="0">
+              <a:rPr lang="en-US" sz="2000" dirty="0" err="1">
                 <a:solidFill>
                   <a:schemeClr val="tx1"/>
                 </a:solidFill>
@@ -15342,7 +15587,7 @@
               <a:t>sách</a:t>
             </a:r>
             <a:r>
-              <a:rPr lang="en-US" sz="2000" dirty="0" smtClean="0">
+              <a:rPr lang="en-US" sz="2000" dirty="0">
                 <a:solidFill>
                   <a:schemeClr val="tx1"/>
                 </a:solidFill>
@@ -15350,7 +15595,7 @@
               <a:t> </a:t>
             </a:r>
             <a:r>
-              <a:rPr lang="en-US" sz="2000" dirty="0" err="1" smtClean="0">
+              <a:rPr lang="en-US" sz="2000" dirty="0" err="1">
                 <a:solidFill>
                   <a:schemeClr val="tx1"/>
                 </a:solidFill>
@@ -15358,7 +15603,7 @@
               <a:t>các</a:t>
             </a:r>
             <a:r>
-              <a:rPr lang="en-US" sz="2000" dirty="0" smtClean="0">
+              <a:rPr lang="en-US" sz="2000" dirty="0">
                 <a:solidFill>
                   <a:schemeClr val="tx1"/>
                 </a:solidFill>
@@ -15366,7 +15611,7 @@
               <a:t> </a:t>
             </a:r>
             <a:r>
-              <a:rPr lang="en-US" sz="2000" dirty="0" err="1" smtClean="0">
+              <a:rPr lang="en-US" sz="2000" dirty="0" err="1">
                 <a:solidFill>
                   <a:schemeClr val="tx1"/>
                 </a:solidFill>
@@ -15374,7 +15619,7 @@
               <a:t>thiết</a:t>
             </a:r>
             <a:r>
-              <a:rPr lang="en-US" sz="2000" dirty="0" smtClean="0">
+              <a:rPr lang="en-US" sz="2000" dirty="0">
                 <a:solidFill>
                   <a:schemeClr val="tx1"/>
                 </a:solidFill>
@@ -15382,7 +15627,7 @@
               <a:t> </a:t>
             </a:r>
             <a:r>
-              <a:rPr lang="en-US" sz="2000" dirty="0" err="1" smtClean="0">
+              <a:rPr lang="en-US" sz="2000" dirty="0" err="1">
                 <a:solidFill>
                   <a:schemeClr val="tx1"/>
                 </a:solidFill>
@@ -15390,7 +15635,7 @@
               <a:t>bị</a:t>
             </a:r>
             <a:r>
-              <a:rPr lang="en-US" sz="2000" dirty="0" smtClean="0">
+              <a:rPr lang="en-US" sz="2000" dirty="0">
                 <a:solidFill>
                   <a:schemeClr val="tx1"/>
                 </a:solidFill>
@@ -15398,7 +15643,7 @@
               <a:t> </a:t>
             </a:r>
             <a:r>
-              <a:rPr lang="en-US" sz="2000" dirty="0" err="1" smtClean="0">
+              <a:rPr lang="en-US" sz="2000" dirty="0" err="1">
                 <a:solidFill>
                   <a:schemeClr val="tx1"/>
                 </a:solidFill>
@@ -15406,7 +15651,7 @@
               <a:t>đang</a:t>
             </a:r>
             <a:r>
-              <a:rPr lang="en-US" sz="2000" dirty="0" smtClean="0">
+              <a:rPr lang="en-US" sz="2000" dirty="0">
                 <a:solidFill>
                   <a:schemeClr val="tx1"/>
                 </a:solidFill>
@@ -15414,7 +15659,7 @@
               <a:t> </a:t>
             </a:r>
             <a:r>
-              <a:rPr lang="en-US" sz="2000" dirty="0" err="1" smtClean="0">
+              <a:rPr lang="en-US" sz="2000" dirty="0" err="1">
                 <a:solidFill>
                   <a:schemeClr val="tx1"/>
                 </a:solidFill>
@@ -15422,7 +15667,7 @@
               <a:t>kết</a:t>
             </a:r>
             <a:r>
-              <a:rPr lang="en-US" sz="2000" dirty="0" smtClean="0">
+              <a:rPr lang="en-US" sz="2000" dirty="0">
                 <a:solidFill>
                   <a:schemeClr val="tx1"/>
                 </a:solidFill>
@@ -15430,7 +15675,7 @@
               <a:t> </a:t>
             </a:r>
             <a:r>
-              <a:rPr lang="en-US" sz="2000" dirty="0" err="1" smtClean="0">
+              <a:rPr lang="en-US" sz="2000" dirty="0" err="1">
                 <a:solidFill>
                   <a:schemeClr val="tx1"/>
                 </a:solidFill>
@@ -15438,7 +15683,7 @@
               <a:t>nối</a:t>
             </a:r>
             <a:r>
-              <a:rPr lang="en-US" sz="2000" dirty="0" smtClean="0">
+              <a:rPr lang="en-US" sz="2000" dirty="0">
                 <a:solidFill>
                   <a:schemeClr val="tx1"/>
                 </a:solidFill>
@@ -15446,7 +15691,7 @@
               <a:t> </a:t>
             </a:r>
             <a:r>
-              <a:rPr lang="en-US" sz="2000" dirty="0" err="1" smtClean="0">
+              <a:rPr lang="en-US" sz="2000" dirty="0" err="1">
                 <a:solidFill>
                   <a:schemeClr val="tx1"/>
                 </a:solidFill>
@@ -15454,7 +15699,7 @@
               <a:t>vào</a:t>
             </a:r>
             <a:r>
-              <a:rPr lang="en-US" sz="2000" dirty="0" smtClean="0">
+              <a:rPr lang="en-US" sz="2000" dirty="0">
                 <a:solidFill>
                   <a:schemeClr val="tx1"/>
                 </a:solidFill>
@@ -15483,6 +15728,30 @@
           <a:prstGeom prst="roundRect">
             <a:avLst/>
           </a:prstGeom>
+          <a:gradFill>
+            <a:gsLst>
+              <a:gs pos="0">
+                <a:schemeClr val="accent1">
+                  <a:lumMod val="20000"/>
+                  <a:lumOff val="80000"/>
+                </a:schemeClr>
+              </a:gs>
+              <a:gs pos="76000">
+                <a:schemeClr val="accent1">
+                  <a:lumMod val="105000"/>
+                  <a:satMod val="103000"/>
+                  <a:tint val="73000"/>
+                </a:schemeClr>
+              </a:gs>
+              <a:gs pos="100000">
+                <a:schemeClr val="accent1">
+                  <a:lumMod val="105000"/>
+                  <a:satMod val="109000"/>
+                  <a:tint val="81000"/>
+                </a:schemeClr>
+              </a:gs>
+            </a:gsLst>
+          </a:gradFill>
         </p:spPr>
         <p:style>
           <a:lnRef idx="1">
@@ -15500,101 +15769,7 @@
         </p:style>
         <p:txBody>
           <a:bodyPr rtlCol="0" anchor="ctr"/>
-          <a:lstStyle>
-            <a:defPPr>
-              <a:defRPr lang="en-US"/>
-            </a:defPPr>
-            <a:lvl1pPr marL="0" algn="l" defTabSz="914400" rtl="0" eaLnBrk="1" latinLnBrk="0" hangingPunct="1">
-              <a:defRPr sz="1800" kern="1200">
-                <a:solidFill>
-                  <a:schemeClr val="dk1"/>
-                </a:solidFill>
-                <a:latin typeface="+mn-lt"/>
-                <a:ea typeface="+mn-ea"/>
-                <a:cs typeface="+mn-cs"/>
-              </a:defRPr>
-            </a:lvl1pPr>
-            <a:lvl2pPr marL="457200" algn="l" defTabSz="914400" rtl="0" eaLnBrk="1" latinLnBrk="0" hangingPunct="1">
-              <a:defRPr sz="1800" kern="1200">
-                <a:solidFill>
-                  <a:schemeClr val="dk1"/>
-                </a:solidFill>
-                <a:latin typeface="+mn-lt"/>
-                <a:ea typeface="+mn-ea"/>
-                <a:cs typeface="+mn-cs"/>
-              </a:defRPr>
-            </a:lvl2pPr>
-            <a:lvl3pPr marL="914400" algn="l" defTabSz="914400" rtl="0" eaLnBrk="1" latinLnBrk="0" hangingPunct="1">
-              <a:defRPr sz="1800" kern="1200">
-                <a:solidFill>
-                  <a:schemeClr val="dk1"/>
-                </a:solidFill>
-                <a:latin typeface="+mn-lt"/>
-                <a:ea typeface="+mn-ea"/>
-                <a:cs typeface="+mn-cs"/>
-              </a:defRPr>
-            </a:lvl3pPr>
-            <a:lvl4pPr marL="1371600" algn="l" defTabSz="914400" rtl="0" eaLnBrk="1" latinLnBrk="0" hangingPunct="1">
-              <a:defRPr sz="1800" kern="1200">
-                <a:solidFill>
-                  <a:schemeClr val="dk1"/>
-                </a:solidFill>
-                <a:latin typeface="+mn-lt"/>
-                <a:ea typeface="+mn-ea"/>
-                <a:cs typeface="+mn-cs"/>
-              </a:defRPr>
-            </a:lvl4pPr>
-            <a:lvl5pPr marL="1828800" algn="l" defTabSz="914400" rtl="0" eaLnBrk="1" latinLnBrk="0" hangingPunct="1">
-              <a:defRPr sz="1800" kern="1200">
-                <a:solidFill>
-                  <a:schemeClr val="dk1"/>
-                </a:solidFill>
-                <a:latin typeface="+mn-lt"/>
-                <a:ea typeface="+mn-ea"/>
-                <a:cs typeface="+mn-cs"/>
-              </a:defRPr>
-            </a:lvl5pPr>
-            <a:lvl6pPr marL="2286000" algn="l" defTabSz="914400" rtl="0" eaLnBrk="1" latinLnBrk="0" hangingPunct="1">
-              <a:defRPr sz="1800" kern="1200">
-                <a:solidFill>
-                  <a:schemeClr val="dk1"/>
-                </a:solidFill>
-                <a:latin typeface="+mn-lt"/>
-                <a:ea typeface="+mn-ea"/>
-                <a:cs typeface="+mn-cs"/>
-              </a:defRPr>
-            </a:lvl6pPr>
-            <a:lvl7pPr marL="2743200" algn="l" defTabSz="914400" rtl="0" eaLnBrk="1" latinLnBrk="0" hangingPunct="1">
-              <a:defRPr sz="1800" kern="1200">
-                <a:solidFill>
-                  <a:schemeClr val="dk1"/>
-                </a:solidFill>
-                <a:latin typeface="+mn-lt"/>
-                <a:ea typeface="+mn-ea"/>
-                <a:cs typeface="+mn-cs"/>
-              </a:defRPr>
-            </a:lvl7pPr>
-            <a:lvl8pPr marL="3200400" algn="l" defTabSz="914400" rtl="0" eaLnBrk="1" latinLnBrk="0" hangingPunct="1">
-              <a:defRPr sz="1800" kern="1200">
-                <a:solidFill>
-                  <a:schemeClr val="dk1"/>
-                </a:solidFill>
-                <a:latin typeface="+mn-lt"/>
-                <a:ea typeface="+mn-ea"/>
-                <a:cs typeface="+mn-cs"/>
-              </a:defRPr>
-            </a:lvl8pPr>
-            <a:lvl9pPr marL="3657600" algn="l" defTabSz="914400" rtl="0" eaLnBrk="1" latinLnBrk="0" hangingPunct="1">
-              <a:defRPr sz="1800" kern="1200">
-                <a:solidFill>
-                  <a:schemeClr val="dk1"/>
-                </a:solidFill>
-                <a:latin typeface="+mn-lt"/>
-                <a:ea typeface="+mn-ea"/>
-                <a:cs typeface="+mn-cs"/>
-              </a:defRPr>
-            </a:lvl9pPr>
-          </a:lstStyle>
+          <a:lstStyle/>
           <a:p>
             <a:pPr algn="ctr"/>
             <a:r>
@@ -15606,7 +15781,7 @@
               <a:t>T</a:t>
             </a:r>
             <a:r>
-              <a:rPr lang="en-US" sz="2000" dirty="0" err="1" smtClean="0">
+              <a:rPr lang="en-US" sz="2000" dirty="0" err="1">
                 <a:solidFill>
                   <a:schemeClr val="tx1"/>
                 </a:solidFill>
@@ -15614,7 +15789,7 @@
               <a:t>ác</a:t>
             </a:r>
             <a:r>
-              <a:rPr lang="en-US" sz="2000" dirty="0" smtClean="0">
+              <a:rPr lang="en-US" sz="2000" dirty="0">
                 <a:solidFill>
                   <a:schemeClr val="tx1"/>
                 </a:solidFill>
@@ -15622,7 +15797,7 @@
               <a:t> </a:t>
             </a:r>
             <a:r>
-              <a:rPr lang="en-US" sz="2000" dirty="0" err="1" smtClean="0">
+              <a:rPr lang="en-US" sz="2000" dirty="0" err="1">
                 <a:solidFill>
                   <a:schemeClr val="tx1"/>
                 </a:solidFill>
@@ -15630,7 +15805,7 @@
               <a:t>vụ</a:t>
             </a:r>
             <a:r>
-              <a:rPr lang="en-US" sz="2000" dirty="0" smtClean="0">
+              <a:rPr lang="en-US" sz="2000" dirty="0">
                 <a:solidFill>
                   <a:schemeClr val="tx1"/>
                 </a:solidFill>
@@ -15638,7 +15813,7 @@
               <a:t> </a:t>
             </a:r>
             <a:r>
-              <a:rPr lang="en-US" sz="2000" dirty="0" err="1" smtClean="0">
+              <a:rPr lang="en-US" sz="2000" dirty="0" err="1">
                 <a:solidFill>
                   <a:schemeClr val="tx1"/>
                 </a:solidFill>
@@ -15646,7 +15821,7 @@
               <a:t>theo</a:t>
             </a:r>
             <a:r>
-              <a:rPr lang="en-US" sz="2000" dirty="0" smtClean="0">
+              <a:rPr lang="en-US" sz="2000" dirty="0">
                 <a:solidFill>
                   <a:schemeClr val="tx1"/>
                 </a:solidFill>
@@ -15654,7 +15829,7 @@
               <a:t> </a:t>
             </a:r>
             <a:r>
-              <a:rPr lang="en-US" sz="2000" dirty="0" err="1" smtClean="0">
+              <a:rPr lang="en-US" sz="2000" dirty="0" err="1">
                 <a:solidFill>
                   <a:schemeClr val="tx1"/>
                 </a:solidFill>
@@ -15662,7 +15837,7 @@
               <a:t>dõi</a:t>
             </a:r>
             <a:r>
-              <a:rPr lang="en-US" sz="2000" dirty="0" smtClean="0">
+              <a:rPr lang="en-US" sz="2000" dirty="0">
                 <a:solidFill>
                   <a:schemeClr val="tx1"/>
                 </a:solidFill>
@@ -15670,7 +15845,7 @@
               <a:t> </a:t>
             </a:r>
             <a:r>
-              <a:rPr lang="en-US" sz="2000" dirty="0" err="1" smtClean="0">
+              <a:rPr lang="en-US" sz="2000" dirty="0" err="1">
                 <a:solidFill>
                   <a:schemeClr val="tx1"/>
                 </a:solidFill>
@@ -15678,7 +15853,7 @@
               <a:t>các</a:t>
             </a:r>
             <a:r>
-              <a:rPr lang="en-US" sz="2000" dirty="0" smtClean="0">
+              <a:rPr lang="en-US" sz="2000" dirty="0">
                 <a:solidFill>
                   <a:schemeClr val="tx1"/>
                 </a:solidFill>
@@ -15686,7 +15861,7 @@
               <a:t> </a:t>
             </a:r>
             <a:r>
-              <a:rPr lang="en-US" sz="2000" dirty="0" err="1" smtClean="0">
+              <a:rPr lang="en-US" sz="2000" dirty="0" err="1">
                 <a:solidFill>
                   <a:schemeClr val="tx1"/>
                 </a:solidFill>
@@ -15694,7 +15869,7 @@
               <a:t>thiết</a:t>
             </a:r>
             <a:r>
-              <a:rPr lang="en-US" sz="2000" dirty="0" smtClean="0">
+              <a:rPr lang="en-US" sz="2000" dirty="0">
                 <a:solidFill>
                   <a:schemeClr val="tx1"/>
                 </a:solidFill>
@@ -15702,7 +15877,7 @@
               <a:t> </a:t>
             </a:r>
             <a:r>
-              <a:rPr lang="en-US" sz="2000" dirty="0" err="1" smtClean="0">
+              <a:rPr lang="en-US" sz="2000" dirty="0" err="1">
                 <a:solidFill>
                   <a:schemeClr val="tx1"/>
                 </a:solidFill>
@@ -15710,7 +15885,7 @@
               <a:t>bị</a:t>
             </a:r>
             <a:r>
-              <a:rPr lang="en-US" sz="2000" dirty="0" smtClean="0">
+              <a:rPr lang="en-US" sz="2000" dirty="0">
                 <a:solidFill>
                   <a:schemeClr val="tx1"/>
                 </a:solidFill>
@@ -15718,7 +15893,7 @@
               <a:t> </a:t>
             </a:r>
             <a:r>
-              <a:rPr lang="en-US" sz="2000" dirty="0" err="1" smtClean="0">
+              <a:rPr lang="en-US" sz="2000" dirty="0" err="1">
                 <a:solidFill>
                   <a:schemeClr val="tx1"/>
                 </a:solidFill>
@@ -15726,7 +15901,7 @@
               <a:t>kết</a:t>
             </a:r>
             <a:r>
-              <a:rPr lang="en-US" sz="2000" dirty="0" smtClean="0">
+              <a:rPr lang="en-US" sz="2000" dirty="0">
                 <a:solidFill>
                   <a:schemeClr val="tx1"/>
                 </a:solidFill>
@@ -15734,7 +15909,7 @@
               <a:t> </a:t>
             </a:r>
             <a:r>
-              <a:rPr lang="en-US" sz="2000" dirty="0" err="1" smtClean="0">
+              <a:rPr lang="en-US" sz="2000" dirty="0" err="1">
                 <a:solidFill>
                   <a:schemeClr val="tx1"/>
                 </a:solidFill>
@@ -15742,7 +15917,7 @@
               <a:t>nối</a:t>
             </a:r>
             <a:r>
-              <a:rPr lang="en-US" sz="2000" dirty="0" smtClean="0">
+              <a:rPr lang="en-US" sz="2000" dirty="0">
                 <a:solidFill>
                   <a:schemeClr val="tx1"/>
                 </a:solidFill>
@@ -15750,7 +15925,7 @@
               <a:t> </a:t>
             </a:r>
             <a:r>
-              <a:rPr lang="en-US" sz="2000" dirty="0" err="1" smtClean="0">
+              <a:rPr lang="en-US" sz="2000" dirty="0" err="1">
                 <a:solidFill>
                   <a:schemeClr val="tx1"/>
                 </a:solidFill>
@@ -15758,7 +15933,7 @@
               <a:t>vào</a:t>
             </a:r>
             <a:r>
-              <a:rPr lang="en-US" sz="2000" dirty="0" smtClean="0">
+              <a:rPr lang="en-US" sz="2000" dirty="0">
                 <a:solidFill>
                   <a:schemeClr val="tx1"/>
                 </a:solidFill>
@@ -15782,6 +15957,30 @@
           <a:prstGeom prst="roundRect">
             <a:avLst/>
           </a:prstGeom>
+          <a:gradFill>
+            <a:gsLst>
+              <a:gs pos="0">
+                <a:schemeClr val="accent1">
+                  <a:lumMod val="20000"/>
+                  <a:lumOff val="80000"/>
+                </a:schemeClr>
+              </a:gs>
+              <a:gs pos="76000">
+                <a:schemeClr val="accent1">
+                  <a:lumMod val="105000"/>
+                  <a:satMod val="103000"/>
+                  <a:tint val="73000"/>
+                </a:schemeClr>
+              </a:gs>
+              <a:gs pos="100000">
+                <a:schemeClr val="accent1">
+                  <a:lumMod val="105000"/>
+                  <a:satMod val="109000"/>
+                  <a:tint val="81000"/>
+                </a:schemeClr>
+              </a:gs>
+            </a:gsLst>
+          </a:gradFill>
         </p:spPr>
         <p:style>
           <a:lnRef idx="1">
@@ -15799,101 +15998,7 @@
         </p:style>
         <p:txBody>
           <a:bodyPr rtlCol="0" anchor="ctr"/>
-          <a:lstStyle>
-            <a:defPPr>
-              <a:defRPr lang="en-US"/>
-            </a:defPPr>
-            <a:lvl1pPr marL="0" algn="l" defTabSz="914400" rtl="0" eaLnBrk="1" latinLnBrk="0" hangingPunct="1">
-              <a:defRPr sz="1800" kern="1200">
-                <a:solidFill>
-                  <a:schemeClr val="dk1"/>
-                </a:solidFill>
-                <a:latin typeface="+mn-lt"/>
-                <a:ea typeface="+mn-ea"/>
-                <a:cs typeface="+mn-cs"/>
-              </a:defRPr>
-            </a:lvl1pPr>
-            <a:lvl2pPr marL="457200" algn="l" defTabSz="914400" rtl="0" eaLnBrk="1" latinLnBrk="0" hangingPunct="1">
-              <a:defRPr sz="1800" kern="1200">
-                <a:solidFill>
-                  <a:schemeClr val="dk1"/>
-                </a:solidFill>
-                <a:latin typeface="+mn-lt"/>
-                <a:ea typeface="+mn-ea"/>
-                <a:cs typeface="+mn-cs"/>
-              </a:defRPr>
-            </a:lvl2pPr>
-            <a:lvl3pPr marL="914400" algn="l" defTabSz="914400" rtl="0" eaLnBrk="1" latinLnBrk="0" hangingPunct="1">
-              <a:defRPr sz="1800" kern="1200">
-                <a:solidFill>
-                  <a:schemeClr val="dk1"/>
-                </a:solidFill>
-                <a:latin typeface="+mn-lt"/>
-                <a:ea typeface="+mn-ea"/>
-                <a:cs typeface="+mn-cs"/>
-              </a:defRPr>
-            </a:lvl3pPr>
-            <a:lvl4pPr marL="1371600" algn="l" defTabSz="914400" rtl="0" eaLnBrk="1" latinLnBrk="0" hangingPunct="1">
-              <a:defRPr sz="1800" kern="1200">
-                <a:solidFill>
-                  <a:schemeClr val="dk1"/>
-                </a:solidFill>
-                <a:latin typeface="+mn-lt"/>
-                <a:ea typeface="+mn-ea"/>
-                <a:cs typeface="+mn-cs"/>
-              </a:defRPr>
-            </a:lvl4pPr>
-            <a:lvl5pPr marL="1828800" algn="l" defTabSz="914400" rtl="0" eaLnBrk="1" latinLnBrk="0" hangingPunct="1">
-              <a:defRPr sz="1800" kern="1200">
-                <a:solidFill>
-                  <a:schemeClr val="dk1"/>
-                </a:solidFill>
-                <a:latin typeface="+mn-lt"/>
-                <a:ea typeface="+mn-ea"/>
-                <a:cs typeface="+mn-cs"/>
-              </a:defRPr>
-            </a:lvl5pPr>
-            <a:lvl6pPr marL="2286000" algn="l" defTabSz="914400" rtl="0" eaLnBrk="1" latinLnBrk="0" hangingPunct="1">
-              <a:defRPr sz="1800" kern="1200">
-                <a:solidFill>
-                  <a:schemeClr val="dk1"/>
-                </a:solidFill>
-                <a:latin typeface="+mn-lt"/>
-                <a:ea typeface="+mn-ea"/>
-                <a:cs typeface="+mn-cs"/>
-              </a:defRPr>
-            </a:lvl6pPr>
-            <a:lvl7pPr marL="2743200" algn="l" defTabSz="914400" rtl="0" eaLnBrk="1" latinLnBrk="0" hangingPunct="1">
-              <a:defRPr sz="1800" kern="1200">
-                <a:solidFill>
-                  <a:schemeClr val="dk1"/>
-                </a:solidFill>
-                <a:latin typeface="+mn-lt"/>
-                <a:ea typeface="+mn-ea"/>
-                <a:cs typeface="+mn-cs"/>
-              </a:defRPr>
-            </a:lvl7pPr>
-            <a:lvl8pPr marL="3200400" algn="l" defTabSz="914400" rtl="0" eaLnBrk="1" latinLnBrk="0" hangingPunct="1">
-              <a:defRPr sz="1800" kern="1200">
-                <a:solidFill>
-                  <a:schemeClr val="dk1"/>
-                </a:solidFill>
-                <a:latin typeface="+mn-lt"/>
-                <a:ea typeface="+mn-ea"/>
-                <a:cs typeface="+mn-cs"/>
-              </a:defRPr>
-            </a:lvl8pPr>
-            <a:lvl9pPr marL="3657600" algn="l" defTabSz="914400" rtl="0" eaLnBrk="1" latinLnBrk="0" hangingPunct="1">
-              <a:defRPr sz="1800" kern="1200">
-                <a:solidFill>
-                  <a:schemeClr val="dk1"/>
-                </a:solidFill>
-                <a:latin typeface="+mn-lt"/>
-                <a:ea typeface="+mn-ea"/>
-                <a:cs typeface="+mn-cs"/>
-              </a:defRPr>
-            </a:lvl9pPr>
-          </a:lstStyle>
+          <a:lstStyle/>
           <a:p>
             <a:pPr algn="ctr"/>
             <a:r>
@@ -15905,7 +16010,7 @@
               <a:t>T</a:t>
             </a:r>
             <a:r>
-              <a:rPr lang="en-US" sz="2000" dirty="0" err="1" smtClean="0">
+              <a:rPr lang="en-US" sz="2000" dirty="0" err="1">
                 <a:solidFill>
                   <a:schemeClr val="tx1"/>
                 </a:solidFill>
@@ -15913,7 +16018,7 @@
               <a:t>ác</a:t>
             </a:r>
             <a:r>
-              <a:rPr lang="en-US" sz="2000" dirty="0" smtClean="0">
+              <a:rPr lang="en-US" sz="2000" dirty="0">
                 <a:solidFill>
                   <a:schemeClr val="tx1"/>
                 </a:solidFill>
@@ -15921,7 +16026,7 @@
               <a:t> </a:t>
             </a:r>
             <a:r>
-              <a:rPr lang="en-US" sz="2000" dirty="0" err="1" smtClean="0">
+              <a:rPr lang="en-US" sz="2000" dirty="0" err="1">
                 <a:solidFill>
                   <a:schemeClr val="tx1"/>
                 </a:solidFill>
@@ -15929,7 +16034,7 @@
               <a:t>vụ</a:t>
             </a:r>
             <a:r>
-              <a:rPr lang="en-US" sz="2000" dirty="0" smtClean="0">
+              <a:rPr lang="en-US" sz="2000" dirty="0">
                 <a:solidFill>
                   <a:schemeClr val="tx1"/>
                 </a:solidFill>
@@ -15937,7 +16042,7 @@
               <a:t> </a:t>
             </a:r>
             <a:r>
-              <a:rPr lang="en-US" sz="2000" dirty="0" err="1" smtClean="0">
+              <a:rPr lang="en-US" sz="2000" dirty="0" err="1">
                 <a:solidFill>
                   <a:schemeClr val="tx1"/>
                 </a:solidFill>
@@ -15945,7 +16050,7 @@
               <a:t>theo</a:t>
             </a:r>
             <a:r>
-              <a:rPr lang="en-US" sz="2000" dirty="0" smtClean="0">
+              <a:rPr lang="en-US" sz="2000" dirty="0">
                 <a:solidFill>
                   <a:schemeClr val="tx1"/>
                 </a:solidFill>
@@ -15953,7 +16058,7 @@
               <a:t> </a:t>
             </a:r>
             <a:r>
-              <a:rPr lang="en-US" sz="2000" dirty="0" err="1" smtClean="0">
+              <a:rPr lang="en-US" sz="2000" dirty="0" err="1">
                 <a:solidFill>
                   <a:schemeClr val="tx1"/>
                 </a:solidFill>
@@ -15961,7 +16066,7 @@
               <a:t>dõi</a:t>
             </a:r>
             <a:r>
-              <a:rPr lang="en-US" sz="2000" dirty="0" smtClean="0">
+              <a:rPr lang="en-US" sz="2000" dirty="0">
                 <a:solidFill>
                   <a:schemeClr val="tx1"/>
                 </a:solidFill>
@@ -15969,7 +16074,7 @@
               <a:t> </a:t>
             </a:r>
             <a:r>
-              <a:rPr lang="en-US" sz="2000" dirty="0" err="1" smtClean="0">
+              <a:rPr lang="en-US" sz="2000" dirty="0" err="1">
                 <a:solidFill>
                   <a:schemeClr val="tx1"/>
                 </a:solidFill>
@@ -15977,7 +16082,7 @@
               <a:t>các</a:t>
             </a:r>
             <a:r>
-              <a:rPr lang="en-US" sz="2000" dirty="0" smtClean="0">
+              <a:rPr lang="en-US" sz="2000" dirty="0">
                 <a:solidFill>
                   <a:schemeClr val="tx1"/>
                 </a:solidFill>
@@ -15985,7 +16090,7 @@
               <a:t> </a:t>
             </a:r>
             <a:r>
-              <a:rPr lang="en-US" sz="2000" dirty="0" err="1" smtClean="0">
+              <a:rPr lang="en-US" sz="2000" dirty="0" err="1">
                 <a:solidFill>
                   <a:schemeClr val="tx1"/>
                 </a:solidFill>
@@ -15993,7 +16098,7 @@
               <a:t>thiết</a:t>
             </a:r>
             <a:r>
-              <a:rPr lang="en-US" sz="2000" dirty="0" smtClean="0">
+              <a:rPr lang="en-US" sz="2000" dirty="0">
                 <a:solidFill>
                   <a:schemeClr val="tx1"/>
                 </a:solidFill>
@@ -16001,7 +16106,7 @@
               <a:t> </a:t>
             </a:r>
             <a:r>
-              <a:rPr lang="en-US" sz="2000" dirty="0" err="1" smtClean="0">
+              <a:rPr lang="en-US" sz="2000" dirty="0" err="1">
                 <a:solidFill>
                   <a:schemeClr val="tx1"/>
                 </a:solidFill>
@@ -16009,7 +16114,7 @@
               <a:t>bị</a:t>
             </a:r>
             <a:r>
-              <a:rPr lang="en-US" sz="2000" dirty="0" smtClean="0">
+              <a:rPr lang="en-US" sz="2000" dirty="0">
                 <a:solidFill>
                   <a:schemeClr val="tx1"/>
                 </a:solidFill>
@@ -16017,7 +16122,7 @@
               <a:t> </a:t>
             </a:r>
             <a:r>
-              <a:rPr lang="en-US" sz="2000" dirty="0" err="1" smtClean="0">
+              <a:rPr lang="en-US" sz="2000" dirty="0" err="1">
                 <a:solidFill>
                   <a:schemeClr val="tx1"/>
                 </a:solidFill>
@@ -16025,7 +16130,7 @@
               <a:t>ngắt</a:t>
             </a:r>
             <a:r>
-              <a:rPr lang="en-US" sz="2000" dirty="0" smtClean="0">
+              <a:rPr lang="en-US" sz="2000" dirty="0">
                 <a:solidFill>
                   <a:schemeClr val="tx1"/>
                 </a:solidFill>
@@ -16033,7 +16138,7 @@
               <a:t> </a:t>
             </a:r>
             <a:r>
-              <a:rPr lang="en-US" sz="2000" dirty="0" err="1" smtClean="0">
+              <a:rPr lang="en-US" sz="2000" dirty="0" err="1">
                 <a:solidFill>
                   <a:schemeClr val="tx1"/>
                 </a:solidFill>
@@ -16041,7 +16146,7 @@
               <a:t>kết</a:t>
             </a:r>
             <a:r>
-              <a:rPr lang="en-US" sz="2000" dirty="0" smtClean="0">
+              <a:rPr lang="en-US" sz="2000" dirty="0">
                 <a:solidFill>
                   <a:schemeClr val="tx1"/>
                 </a:solidFill>
@@ -16049,7 +16154,7 @@
               <a:t> </a:t>
             </a:r>
             <a:r>
-              <a:rPr lang="en-US" sz="2000" dirty="0" err="1" smtClean="0">
+              <a:rPr lang="en-US" sz="2000" dirty="0" err="1">
                 <a:solidFill>
                   <a:schemeClr val="tx1"/>
                 </a:solidFill>
@@ -16057,7 +16162,7 @@
               <a:t>nối</a:t>
             </a:r>
             <a:r>
-              <a:rPr lang="en-US" sz="2000" dirty="0" smtClean="0">
+              <a:rPr lang="en-US" sz="2000" dirty="0">
                 <a:solidFill>
                   <a:schemeClr val="tx1"/>
                 </a:solidFill>
@@ -16065,7 +16170,7 @@
               <a:t> </a:t>
             </a:r>
             <a:r>
-              <a:rPr lang="en-US" sz="2000" dirty="0" err="1" smtClean="0">
+              <a:rPr lang="en-US" sz="2000" dirty="0" err="1">
                 <a:solidFill>
                   <a:schemeClr val="tx1"/>
                 </a:solidFill>
@@ -16073,7 +16178,7 @@
               <a:t>khỏi</a:t>
             </a:r>
             <a:r>
-              <a:rPr lang="en-US" sz="2000" dirty="0" smtClean="0">
+              <a:rPr lang="en-US" sz="2000" dirty="0">
                 <a:solidFill>
                   <a:schemeClr val="tx1"/>
                 </a:solidFill>
@@ -16097,6 +16202,30 @@
           <a:prstGeom prst="roundRect">
             <a:avLst/>
           </a:prstGeom>
+          <a:gradFill>
+            <a:gsLst>
+              <a:gs pos="0">
+                <a:schemeClr val="accent1">
+                  <a:lumMod val="20000"/>
+                  <a:lumOff val="80000"/>
+                </a:schemeClr>
+              </a:gs>
+              <a:gs pos="76000">
+                <a:schemeClr val="accent1">
+                  <a:lumMod val="105000"/>
+                  <a:satMod val="103000"/>
+                  <a:tint val="73000"/>
+                </a:schemeClr>
+              </a:gs>
+              <a:gs pos="100000">
+                <a:schemeClr val="accent1">
+                  <a:lumMod val="105000"/>
+                  <a:satMod val="109000"/>
+                  <a:tint val="81000"/>
+                </a:schemeClr>
+              </a:gs>
+            </a:gsLst>
+          </a:gradFill>
         </p:spPr>
         <p:style>
           <a:lnRef idx="1">
@@ -16114,105 +16243,11 @@
         </p:style>
         <p:txBody>
           <a:bodyPr rtlCol="0" anchor="ctr"/>
-          <a:lstStyle>
-            <a:defPPr>
-              <a:defRPr lang="en-US"/>
-            </a:defPPr>
-            <a:lvl1pPr marL="0" algn="l" defTabSz="914400" rtl="0" eaLnBrk="1" latinLnBrk="0" hangingPunct="1">
-              <a:defRPr sz="1800" kern="1200">
-                <a:solidFill>
-                  <a:schemeClr val="dk1"/>
-                </a:solidFill>
-                <a:latin typeface="+mn-lt"/>
-                <a:ea typeface="+mn-ea"/>
-                <a:cs typeface="+mn-cs"/>
-              </a:defRPr>
-            </a:lvl1pPr>
-            <a:lvl2pPr marL="457200" algn="l" defTabSz="914400" rtl="0" eaLnBrk="1" latinLnBrk="0" hangingPunct="1">
-              <a:defRPr sz="1800" kern="1200">
-                <a:solidFill>
-                  <a:schemeClr val="dk1"/>
-                </a:solidFill>
-                <a:latin typeface="+mn-lt"/>
-                <a:ea typeface="+mn-ea"/>
-                <a:cs typeface="+mn-cs"/>
-              </a:defRPr>
-            </a:lvl2pPr>
-            <a:lvl3pPr marL="914400" algn="l" defTabSz="914400" rtl="0" eaLnBrk="1" latinLnBrk="0" hangingPunct="1">
-              <a:defRPr sz="1800" kern="1200">
-                <a:solidFill>
-                  <a:schemeClr val="dk1"/>
-                </a:solidFill>
-                <a:latin typeface="+mn-lt"/>
-                <a:ea typeface="+mn-ea"/>
-                <a:cs typeface="+mn-cs"/>
-              </a:defRPr>
-            </a:lvl3pPr>
-            <a:lvl4pPr marL="1371600" algn="l" defTabSz="914400" rtl="0" eaLnBrk="1" latinLnBrk="0" hangingPunct="1">
-              <a:defRPr sz="1800" kern="1200">
-                <a:solidFill>
-                  <a:schemeClr val="dk1"/>
-                </a:solidFill>
-                <a:latin typeface="+mn-lt"/>
-                <a:ea typeface="+mn-ea"/>
-                <a:cs typeface="+mn-cs"/>
-              </a:defRPr>
-            </a:lvl4pPr>
-            <a:lvl5pPr marL="1828800" algn="l" defTabSz="914400" rtl="0" eaLnBrk="1" latinLnBrk="0" hangingPunct="1">
-              <a:defRPr sz="1800" kern="1200">
-                <a:solidFill>
-                  <a:schemeClr val="dk1"/>
-                </a:solidFill>
-                <a:latin typeface="+mn-lt"/>
-                <a:ea typeface="+mn-ea"/>
-                <a:cs typeface="+mn-cs"/>
-              </a:defRPr>
-            </a:lvl5pPr>
-            <a:lvl6pPr marL="2286000" algn="l" defTabSz="914400" rtl="0" eaLnBrk="1" latinLnBrk="0" hangingPunct="1">
-              <a:defRPr sz="1800" kern="1200">
-                <a:solidFill>
-                  <a:schemeClr val="dk1"/>
-                </a:solidFill>
-                <a:latin typeface="+mn-lt"/>
-                <a:ea typeface="+mn-ea"/>
-                <a:cs typeface="+mn-cs"/>
-              </a:defRPr>
-            </a:lvl6pPr>
-            <a:lvl7pPr marL="2743200" algn="l" defTabSz="914400" rtl="0" eaLnBrk="1" latinLnBrk="0" hangingPunct="1">
-              <a:defRPr sz="1800" kern="1200">
-                <a:solidFill>
-                  <a:schemeClr val="dk1"/>
-                </a:solidFill>
-                <a:latin typeface="+mn-lt"/>
-                <a:ea typeface="+mn-ea"/>
-                <a:cs typeface="+mn-cs"/>
-              </a:defRPr>
-            </a:lvl7pPr>
-            <a:lvl8pPr marL="3200400" algn="l" defTabSz="914400" rtl="0" eaLnBrk="1" latinLnBrk="0" hangingPunct="1">
-              <a:defRPr sz="1800" kern="1200">
-                <a:solidFill>
-                  <a:schemeClr val="dk1"/>
-                </a:solidFill>
-                <a:latin typeface="+mn-lt"/>
-                <a:ea typeface="+mn-ea"/>
-                <a:cs typeface="+mn-cs"/>
-              </a:defRPr>
-            </a:lvl8pPr>
-            <a:lvl9pPr marL="3657600" algn="l" defTabSz="914400" rtl="0" eaLnBrk="1" latinLnBrk="0" hangingPunct="1">
-              <a:defRPr sz="1800" kern="1200">
-                <a:solidFill>
-                  <a:schemeClr val="dk1"/>
-                </a:solidFill>
-                <a:latin typeface="+mn-lt"/>
-                <a:ea typeface="+mn-ea"/>
-                <a:cs typeface="+mn-cs"/>
-              </a:defRPr>
-            </a:lvl9pPr>
-          </a:lstStyle>
+          <a:lstStyle/>
           <a:p>
             <a:pPr algn="ctr"/>
             <a:r>
-              <a:rPr lang="en-US" sz="2000" dirty="0" err="1" smtClean="0">
+              <a:rPr lang="en-US" sz="2000" dirty="0" err="1">
                 <a:solidFill>
                   <a:schemeClr val="tx1"/>
                 </a:solidFill>
@@ -16220,7 +16255,7 @@
               <a:t>Ứng</a:t>
             </a:r>
             <a:r>
-              <a:rPr lang="en-US" sz="2000" dirty="0" smtClean="0">
+              <a:rPr lang="en-US" sz="2000" dirty="0">
                 <a:solidFill>
                   <a:schemeClr val="tx1"/>
                 </a:solidFill>
@@ -16228,7 +16263,7 @@
               <a:t> </a:t>
             </a:r>
             <a:r>
-              <a:rPr lang="en-US" sz="2000" dirty="0" err="1" smtClean="0">
+              <a:rPr lang="en-US" sz="2000" dirty="0" err="1">
                 <a:solidFill>
                   <a:schemeClr val="tx1"/>
                 </a:solidFill>
@@ -16236,7 +16271,7 @@
               <a:t>dụng</a:t>
             </a:r>
             <a:r>
-              <a:rPr lang="en-US" sz="2000" dirty="0" smtClean="0">
+              <a:rPr lang="en-US" sz="2000" dirty="0">
                 <a:solidFill>
                   <a:schemeClr val="tx1"/>
                 </a:solidFill>
@@ -16244,7 +16279,7 @@
               <a:t> </a:t>
             </a:r>
             <a:r>
-              <a:rPr lang="en-US" sz="2000" dirty="0" err="1" smtClean="0">
+              <a:rPr lang="en-US" sz="2000" dirty="0" err="1">
                 <a:solidFill>
                   <a:schemeClr val="tx1"/>
                 </a:solidFill>
@@ -16252,7 +16287,7 @@
               <a:t>giám</a:t>
             </a:r>
             <a:r>
-              <a:rPr lang="en-US" sz="2000" dirty="0" smtClean="0">
+              <a:rPr lang="en-US" sz="2000" dirty="0">
                 <a:solidFill>
                   <a:schemeClr val="tx1"/>
                 </a:solidFill>
@@ -16260,14 +16295,14 @@
               <a:t> </a:t>
             </a:r>
             <a:r>
-              <a:rPr lang="en-US" sz="2000" dirty="0" err="1" smtClean="0">
+              <a:rPr lang="en-US" sz="2000" dirty="0" err="1">
                 <a:solidFill>
                   <a:schemeClr val="tx1"/>
                 </a:solidFill>
               </a:rPr>
               <a:t>sát</a:t>
             </a:r>
-            <a:endParaRPr lang="en-US" sz="2000" dirty="0" smtClean="0">
+            <a:endParaRPr lang="en-US" sz="2000" dirty="0">
               <a:solidFill>
                 <a:schemeClr val="tx1"/>
               </a:solidFill>
@@ -16933,8 +16968,202 @@
         </p:nvSpPr>
         <p:spPr>
           <a:xfrm rot="2194116">
-            <a:off x="4234992" y="4322711"/>
-            <a:ext cx="511294" cy="369332"/>
+            <a:off x="4151206" y="4295027"/>
+            <a:ext cx="604227" cy="369332"/>
+          </a:xfrm>
+          <a:prstGeom prst="rect">
+            <a:avLst/>
+          </a:prstGeom>
+          <a:noFill/>
+        </p:spPr>
+        <p:txBody>
+          <a:bodyPr wrap="square" rtlCol="0">
+            <a:spAutoFit/>
+          </a:bodyPr>
+          <a:lstStyle>
+            <a:defPPr>
+              <a:defRPr lang="en-US"/>
+            </a:defPPr>
+            <a:lvl1pPr marL="0" algn="l" defTabSz="914400" rtl="0" eaLnBrk="1" latinLnBrk="0" hangingPunct="1">
+              <a:defRPr sz="1800" kern="1200">
+                <a:solidFill>
+                  <a:schemeClr val="tx1"/>
+                </a:solidFill>
+                <a:latin typeface="+mn-lt"/>
+                <a:ea typeface="+mn-ea"/>
+                <a:cs typeface="+mn-cs"/>
+              </a:defRPr>
+            </a:lvl1pPr>
+            <a:lvl2pPr marL="457200" algn="l" defTabSz="914400" rtl="0" eaLnBrk="1" latinLnBrk="0" hangingPunct="1">
+              <a:defRPr sz="1800" kern="1200">
+                <a:solidFill>
+                  <a:schemeClr val="tx1"/>
+                </a:solidFill>
+                <a:latin typeface="+mn-lt"/>
+                <a:ea typeface="+mn-ea"/>
+                <a:cs typeface="+mn-cs"/>
+              </a:defRPr>
+            </a:lvl2pPr>
+            <a:lvl3pPr marL="914400" algn="l" defTabSz="914400" rtl="0" eaLnBrk="1" latinLnBrk="0" hangingPunct="1">
+              <a:defRPr sz="1800" kern="1200">
+                <a:solidFill>
+                  <a:schemeClr val="tx1"/>
+                </a:solidFill>
+                <a:latin typeface="+mn-lt"/>
+                <a:ea typeface="+mn-ea"/>
+                <a:cs typeface="+mn-cs"/>
+              </a:defRPr>
+            </a:lvl3pPr>
+            <a:lvl4pPr marL="1371600" algn="l" defTabSz="914400" rtl="0" eaLnBrk="1" latinLnBrk="0" hangingPunct="1">
+              <a:defRPr sz="1800" kern="1200">
+                <a:solidFill>
+                  <a:schemeClr val="tx1"/>
+                </a:solidFill>
+                <a:latin typeface="+mn-lt"/>
+                <a:ea typeface="+mn-ea"/>
+                <a:cs typeface="+mn-cs"/>
+              </a:defRPr>
+            </a:lvl4pPr>
+            <a:lvl5pPr marL="1828800" algn="l" defTabSz="914400" rtl="0" eaLnBrk="1" latinLnBrk="0" hangingPunct="1">
+              <a:defRPr sz="1800" kern="1200">
+                <a:solidFill>
+                  <a:schemeClr val="tx1"/>
+                </a:solidFill>
+                <a:latin typeface="+mn-lt"/>
+                <a:ea typeface="+mn-ea"/>
+                <a:cs typeface="+mn-cs"/>
+              </a:defRPr>
+            </a:lvl5pPr>
+            <a:lvl6pPr marL="2286000" algn="l" defTabSz="914400" rtl="0" eaLnBrk="1" latinLnBrk="0" hangingPunct="1">
+              <a:defRPr sz="1800" kern="1200">
+                <a:solidFill>
+                  <a:schemeClr val="tx1"/>
+                </a:solidFill>
+                <a:latin typeface="+mn-lt"/>
+                <a:ea typeface="+mn-ea"/>
+                <a:cs typeface="+mn-cs"/>
+              </a:defRPr>
+            </a:lvl6pPr>
+            <a:lvl7pPr marL="2743200" algn="l" defTabSz="914400" rtl="0" eaLnBrk="1" latinLnBrk="0" hangingPunct="1">
+              <a:defRPr sz="1800" kern="1200">
+                <a:solidFill>
+                  <a:schemeClr val="tx1"/>
+                </a:solidFill>
+                <a:latin typeface="+mn-lt"/>
+                <a:ea typeface="+mn-ea"/>
+                <a:cs typeface="+mn-cs"/>
+              </a:defRPr>
+            </a:lvl7pPr>
+            <a:lvl8pPr marL="3200400" algn="l" defTabSz="914400" rtl="0" eaLnBrk="1" latinLnBrk="0" hangingPunct="1">
+              <a:defRPr sz="1800" kern="1200">
+                <a:solidFill>
+                  <a:schemeClr val="tx1"/>
+                </a:solidFill>
+                <a:latin typeface="+mn-lt"/>
+                <a:ea typeface="+mn-ea"/>
+                <a:cs typeface="+mn-cs"/>
+              </a:defRPr>
+            </a:lvl8pPr>
+            <a:lvl9pPr marL="3657600" algn="l" defTabSz="914400" rtl="0" eaLnBrk="1" latinLnBrk="0" hangingPunct="1">
+              <a:defRPr sz="1800" kern="1200">
+                <a:solidFill>
+                  <a:schemeClr val="tx1"/>
+                </a:solidFill>
+                <a:latin typeface="+mn-lt"/>
+                <a:ea typeface="+mn-ea"/>
+                <a:cs typeface="+mn-cs"/>
+              </a:defRPr>
+            </a:lvl9pPr>
+          </a:lstStyle>
+          <a:p>
+            <a:r>
+              <a:rPr lang="en-US" dirty="0" err="1" smtClean="0"/>
+              <a:t>Tạo</a:t>
+            </a:r>
+            <a:endParaRPr lang="en-US" dirty="0"/>
+          </a:p>
+        </p:txBody>
+      </p:sp>
+      <p:cxnSp>
+        <p:nvCxnSpPr>
+          <p:cNvPr id="14" name="Curved Connector 13"/>
+          <p:cNvCxnSpPr/>
+          <p:nvPr/>
+        </p:nvCxnSpPr>
+        <p:spPr>
+          <a:xfrm>
+            <a:off x="7377134" y="1190687"/>
+            <a:ext cx="12700" cy="2123162"/>
+          </a:xfrm>
+          <a:prstGeom prst="curvedConnector3">
+            <a:avLst>
+              <a:gd name="adj1" fmla="val 8309756"/>
+            </a:avLst>
+          </a:prstGeom>
+          <a:ln w="63500">
+            <a:tailEnd type="arrow"/>
+          </a:ln>
+        </p:spPr>
+        <p:style>
+          <a:lnRef idx="1">
+            <a:schemeClr val="accent1"/>
+          </a:lnRef>
+          <a:fillRef idx="0">
+            <a:schemeClr val="accent1"/>
+          </a:fillRef>
+          <a:effectRef idx="0">
+            <a:schemeClr val="accent1"/>
+          </a:effectRef>
+          <a:fontRef idx="minor">
+            <a:schemeClr val="tx1"/>
+          </a:fontRef>
+        </p:style>
+      </p:cxnSp>
+      <p:cxnSp>
+        <p:nvCxnSpPr>
+          <p:cNvPr id="15" name="Curved Connector 14"/>
+          <p:cNvCxnSpPr/>
+          <p:nvPr/>
+        </p:nvCxnSpPr>
+        <p:spPr>
+          <a:xfrm flipH="1" flipV="1">
+            <a:off x="7402534" y="3575475"/>
+            <a:ext cx="12700" cy="2107500"/>
+          </a:xfrm>
+          <a:prstGeom prst="curvedConnector3">
+            <a:avLst>
+              <a:gd name="adj1" fmla="val -8560976"/>
+            </a:avLst>
+          </a:prstGeom>
+          <a:ln w="63500">
+            <a:tailEnd type="arrow"/>
+          </a:ln>
+        </p:spPr>
+        <p:style>
+          <a:lnRef idx="1">
+            <a:schemeClr val="accent1"/>
+          </a:lnRef>
+          <a:fillRef idx="0">
+            <a:schemeClr val="accent1"/>
+          </a:fillRef>
+          <a:effectRef idx="0">
+            <a:schemeClr val="accent1"/>
+          </a:effectRef>
+          <a:fontRef idx="minor">
+            <a:schemeClr val="tx1"/>
+          </a:fontRef>
+        </p:style>
+      </p:cxnSp>
+      <p:sp>
+        <p:nvSpPr>
+          <p:cNvPr id="16" name="TextBox 15"/>
+          <p:cNvSpPr txBox="1"/>
+          <p:nvPr/>
+        </p:nvSpPr>
+        <p:spPr>
+          <a:xfrm>
+            <a:off x="8062950" y="589769"/>
+            <a:ext cx="2021451" cy="923330"/>
           </a:xfrm>
           <a:prstGeom prst="rect">
             <a:avLst/>
@@ -17043,98 +17272,108 @@
           <a:p>
             <a:r>
               <a:rPr lang="en-US" dirty="0" err="1" smtClean="0"/>
-              <a:t>Tạo</a:t>
-            </a:r>
-            <a:endParaRPr lang="en-US" dirty="0"/>
+              <a:t>Tín</a:t>
+            </a:r>
+            <a:r>
+              <a:rPr lang="en-US" dirty="0" smtClean="0"/>
+              <a:t> </a:t>
+            </a:r>
+            <a:r>
+              <a:rPr lang="en-US" dirty="0" err="1" smtClean="0"/>
+              <a:t>hiệu</a:t>
+            </a:r>
+            <a:r>
+              <a:rPr lang="en-US" dirty="0" smtClean="0"/>
+              <a:t> </a:t>
+            </a:r>
+            <a:r>
+              <a:rPr lang="en-US" dirty="0" err="1" smtClean="0"/>
+              <a:t>thêm</a:t>
+            </a:r>
+            <a:r>
+              <a:rPr lang="en-US" dirty="0" smtClean="0"/>
+              <a:t> </a:t>
+            </a:r>
+            <a:endParaRPr lang="en-US" dirty="0" smtClean="0"/>
+          </a:p>
+          <a:p>
+            <a:r>
+              <a:rPr lang="en-US" dirty="0" err="1" smtClean="0"/>
+              <a:t>thiết</a:t>
+            </a:r>
+            <a:r>
+              <a:rPr lang="en-US" dirty="0" smtClean="0"/>
+              <a:t> </a:t>
+            </a:r>
+            <a:r>
+              <a:rPr lang="en-US" dirty="0" err="1" smtClean="0"/>
+              <a:t>bị</a:t>
+            </a:r>
+            <a:r>
+              <a:rPr lang="en-US" dirty="0" smtClean="0"/>
+              <a:t> </a:t>
+            </a:r>
+            <a:r>
+              <a:rPr lang="en-US" dirty="0" err="1" smtClean="0"/>
+              <a:t>mới</a:t>
+            </a:r>
+            <a:r>
+              <a:rPr lang="en-US" dirty="0" smtClean="0"/>
+              <a:t> </a:t>
+            </a:r>
+            <a:r>
+              <a:rPr lang="en-US" dirty="0" err="1" smtClean="0"/>
+              <a:t>kết</a:t>
+            </a:r>
+            <a:r>
+              <a:rPr lang="en-US" dirty="0" smtClean="0"/>
+              <a:t> </a:t>
+            </a:r>
+            <a:r>
+              <a:rPr lang="en-US" dirty="0" err="1" smtClean="0"/>
+              <a:t>nối</a:t>
+            </a:r>
+            <a:r>
+              <a:rPr lang="en-US" dirty="0" smtClean="0"/>
+              <a:t> </a:t>
+            </a:r>
+            <a:endParaRPr lang="en-US" dirty="0" smtClean="0"/>
+          </a:p>
+          <a:p>
+            <a:r>
+              <a:rPr lang="en-US" dirty="0" err="1" smtClean="0"/>
+              <a:t>vào</a:t>
+            </a:r>
+            <a:r>
+              <a:rPr lang="en-US" dirty="0" smtClean="0"/>
+              <a:t> </a:t>
+            </a:r>
+            <a:r>
+              <a:rPr lang="en-US" dirty="0" err="1" smtClean="0"/>
+              <a:t>danh</a:t>
+            </a:r>
+            <a:r>
+              <a:rPr lang="en-US" dirty="0" smtClean="0"/>
+              <a:t> </a:t>
+            </a:r>
+            <a:r>
+              <a:rPr lang="en-US" dirty="0" err="1" smtClean="0"/>
+              <a:t>sách</a:t>
+            </a:r>
+            <a:endParaRPr lang="en-US" dirty="0" smtClean="0"/>
           </a:p>
         </p:txBody>
       </p:sp>
-      <p:cxnSp>
-        <p:nvCxnSpPr>
-          <p:cNvPr id="14" name="Curved Connector 13"/>
-          <p:cNvCxnSpPr>
-            <a:stCxn id="5" idx="3"/>
-            <a:endCxn id="4" idx="3"/>
-          </p:cNvCxnSpPr>
-          <p:nvPr/>
-        </p:nvCxnSpPr>
-        <p:spPr>
-          <a:xfrm>
-            <a:off x="7389834" y="1313669"/>
-            <a:ext cx="12700" cy="2123162"/>
-          </a:xfrm>
-          <a:prstGeom prst="curvedConnector3">
-            <a:avLst>
-              <a:gd name="adj1" fmla="val 1900000"/>
-            </a:avLst>
-          </a:prstGeom>
-          <a:ln w="63500">
-            <a:tailEnd type="arrow"/>
-          </a:ln>
-        </p:spPr>
-        <p:style>
-          <a:lnRef idx="1">
-            <a:schemeClr val="accent1"/>
-          </a:lnRef>
-          <a:fillRef idx="0">
-            <a:schemeClr val="accent1"/>
-          </a:fillRef>
-          <a:effectRef idx="0">
-            <a:schemeClr val="accent1"/>
-          </a:effectRef>
-          <a:fontRef idx="minor">
-            <a:schemeClr val="tx1"/>
-          </a:fontRef>
-        </p:style>
-      </p:cxnSp>
-      <p:cxnSp>
-        <p:nvCxnSpPr>
-          <p:cNvPr id="15" name="Curved Connector 14"/>
-          <p:cNvCxnSpPr>
-            <a:stCxn id="6" idx="3"/>
-            <a:endCxn id="4" idx="3"/>
-          </p:cNvCxnSpPr>
-          <p:nvPr/>
-        </p:nvCxnSpPr>
-        <p:spPr>
-          <a:xfrm flipH="1" flipV="1">
-            <a:off x="7402534" y="3436831"/>
-            <a:ext cx="12700" cy="2107500"/>
-          </a:xfrm>
-          <a:prstGeom prst="curvedConnector3">
-            <a:avLst>
-              <a:gd name="adj1" fmla="val -1800000"/>
-            </a:avLst>
-          </a:prstGeom>
-          <a:ln w="57150">
-            <a:tailEnd type="arrow"/>
-          </a:ln>
-        </p:spPr>
-        <p:style>
-          <a:lnRef idx="1">
-            <a:schemeClr val="accent1"/>
-          </a:lnRef>
-          <a:fillRef idx="0">
-            <a:schemeClr val="accent1"/>
-          </a:fillRef>
-          <a:effectRef idx="0">
-            <a:schemeClr val="accent1"/>
-          </a:effectRef>
-          <a:fontRef idx="minor">
-            <a:schemeClr val="tx1"/>
-          </a:fontRef>
-        </p:style>
-      </p:cxnSp>
       <p:sp>
         <p:nvSpPr>
-          <p:cNvPr id="16" name="TextBox 15"/>
+          <p:cNvPr id="17" name="TextBox 16"/>
           <p:cNvSpPr txBox="1"/>
           <p:nvPr/>
         </p:nvSpPr>
         <p:spPr>
           <a:xfrm>
-            <a:off x="7732518" y="1929103"/>
-            <a:ext cx="2860848" cy="646331"/>
+            <a:off x="8135567" y="5344901"/>
+            <a:ext cx="1876219" cy="923330"/>
           </a:xfrm>
           <a:prstGeom prst="rect">
             <a:avLst/>
@@ -17243,7 +17482,7 @@
           <a:p>
             <a:r>
               <a:rPr lang="en-US" dirty="0" err="1" smtClean="0"/>
-              <a:t>Khi</a:t>
+              <a:t>Tín</a:t>
             </a:r>
             <a:r>
               <a:rPr lang="en-US" dirty="0" smtClean="0"/>
@@ -17251,7 +17490,7 @@
             </a:r>
             <a:r>
               <a:rPr lang="en-US" dirty="0" err="1" smtClean="0"/>
-              <a:t>có</a:t>
+              <a:t>hiệu</a:t>
             </a:r>
             <a:r>
               <a:rPr lang="en-US" dirty="0" smtClean="0"/>
@@ -17259,7 +17498,7 @@
             </a:r>
             <a:r>
               <a:rPr lang="en-US" dirty="0" err="1" smtClean="0"/>
-              <a:t>tín</a:t>
+              <a:t>loại</a:t>
             </a:r>
             <a:r>
               <a:rPr lang="en-US" dirty="0" smtClean="0"/>
@@ -17267,15 +17506,18 @@
             </a:r>
             <a:r>
               <a:rPr lang="en-US" dirty="0" err="1" smtClean="0"/>
-              <a:t>hiệu</a:t>
+              <a:t>thiết</a:t>
             </a:r>
             <a:r>
               <a:rPr lang="en-US" dirty="0" smtClean="0"/>
               <a:t> </a:t>
             </a:r>
+            <a:endParaRPr lang="en-US" dirty="0" smtClean="0"/>
+          </a:p>
+          <a:p>
             <a:r>
               <a:rPr lang="en-US" dirty="0" err="1" smtClean="0"/>
-              <a:t>thêm</a:t>
+              <a:t>Vừa</a:t>
             </a:r>
             <a:r>
               <a:rPr lang="en-US" dirty="0" smtClean="0"/>
@@ -17283,18 +17525,7 @@
             </a:r>
             <a:r>
               <a:rPr lang="en-US" dirty="0" err="1" smtClean="0"/>
-              <a:t>thiết</a:t>
-            </a:r>
-            <a:r>
-              <a:rPr lang="en-US" dirty="0" smtClean="0"/>
-              <a:t/>
-            </a:r>
-            <a:br>
-              <a:rPr lang="en-US" dirty="0" smtClean="0"/>
-            </a:br>
-            <a:r>
-              <a:rPr lang="en-US" dirty="0" err="1" smtClean="0"/>
-              <a:t>bị</a:t>
+              <a:t>ngắt</a:t>
             </a:r>
             <a:r>
               <a:rPr lang="en-US" dirty="0" smtClean="0"/>
@@ -17302,7 +17533,7 @@
             </a:r>
             <a:r>
               <a:rPr lang="en-US" dirty="0" err="1" smtClean="0"/>
-              <a:t>mới</a:t>
+              <a:t>kết</a:t>
             </a:r>
             <a:r>
               <a:rPr lang="en-US" dirty="0" smtClean="0"/>
@@ -17310,239 +17541,11 @@
             </a:r>
             <a:r>
               <a:rPr lang="en-US" dirty="0" err="1" smtClean="0"/>
-              <a:t>kết</a:t>
-            </a:r>
-            <a:r>
-              <a:rPr lang="en-US" dirty="0" smtClean="0"/>
-              <a:t> </a:t>
-            </a:r>
-            <a:r>
-              <a:rPr lang="en-US" dirty="0" err="1" smtClean="0"/>
               <a:t>nối</a:t>
             </a:r>
-            <a:r>
-              <a:rPr lang="en-US" dirty="0" smtClean="0"/>
-              <a:t> </a:t>
-            </a:r>
-            <a:r>
-              <a:rPr lang="en-US" dirty="0" err="1" smtClean="0"/>
-              <a:t>vào</a:t>
-            </a:r>
-            <a:r>
-              <a:rPr lang="en-US" dirty="0" smtClean="0"/>
-              <a:t> </a:t>
-            </a:r>
-            <a:r>
-              <a:rPr lang="en-US" dirty="0" err="1" smtClean="0"/>
-              <a:t>danh</a:t>
-            </a:r>
-            <a:r>
-              <a:rPr lang="en-US" dirty="0" smtClean="0"/>
-              <a:t> </a:t>
-            </a:r>
-            <a:r>
-              <a:rPr lang="en-US" dirty="0" err="1" smtClean="0"/>
-              <a:t>sách</a:t>
-            </a:r>
             <a:endParaRPr lang="en-US" dirty="0" smtClean="0"/>
           </a:p>
-        </p:txBody>
-      </p:sp>
-      <p:sp>
-        <p:nvSpPr>
-          <p:cNvPr id="17" name="TextBox 16"/>
-          <p:cNvSpPr txBox="1"/>
-          <p:nvPr/>
-        </p:nvSpPr>
-        <p:spPr>
-          <a:xfrm>
-            <a:off x="7723602" y="4171169"/>
-            <a:ext cx="2813655" cy="646331"/>
-          </a:xfrm>
-          <a:prstGeom prst="rect">
-            <a:avLst/>
-          </a:prstGeom>
-          <a:noFill/>
-        </p:spPr>
-        <p:txBody>
-          <a:bodyPr wrap="none" rtlCol="0">
-            <a:spAutoFit/>
-          </a:bodyPr>
-          <a:lstStyle>
-            <a:defPPr>
-              <a:defRPr lang="en-US"/>
-            </a:defPPr>
-            <a:lvl1pPr marL="0" algn="l" defTabSz="914400" rtl="0" eaLnBrk="1" latinLnBrk="0" hangingPunct="1">
-              <a:defRPr sz="1800" kern="1200">
-                <a:solidFill>
-                  <a:schemeClr val="tx1"/>
-                </a:solidFill>
-                <a:latin typeface="+mn-lt"/>
-                <a:ea typeface="+mn-ea"/>
-                <a:cs typeface="+mn-cs"/>
-              </a:defRPr>
-            </a:lvl1pPr>
-            <a:lvl2pPr marL="457200" algn="l" defTabSz="914400" rtl="0" eaLnBrk="1" latinLnBrk="0" hangingPunct="1">
-              <a:defRPr sz="1800" kern="1200">
-                <a:solidFill>
-                  <a:schemeClr val="tx1"/>
-                </a:solidFill>
-                <a:latin typeface="+mn-lt"/>
-                <a:ea typeface="+mn-ea"/>
-                <a:cs typeface="+mn-cs"/>
-              </a:defRPr>
-            </a:lvl2pPr>
-            <a:lvl3pPr marL="914400" algn="l" defTabSz="914400" rtl="0" eaLnBrk="1" latinLnBrk="0" hangingPunct="1">
-              <a:defRPr sz="1800" kern="1200">
-                <a:solidFill>
-                  <a:schemeClr val="tx1"/>
-                </a:solidFill>
-                <a:latin typeface="+mn-lt"/>
-                <a:ea typeface="+mn-ea"/>
-                <a:cs typeface="+mn-cs"/>
-              </a:defRPr>
-            </a:lvl3pPr>
-            <a:lvl4pPr marL="1371600" algn="l" defTabSz="914400" rtl="0" eaLnBrk="1" latinLnBrk="0" hangingPunct="1">
-              <a:defRPr sz="1800" kern="1200">
-                <a:solidFill>
-                  <a:schemeClr val="tx1"/>
-                </a:solidFill>
-                <a:latin typeface="+mn-lt"/>
-                <a:ea typeface="+mn-ea"/>
-                <a:cs typeface="+mn-cs"/>
-              </a:defRPr>
-            </a:lvl4pPr>
-            <a:lvl5pPr marL="1828800" algn="l" defTabSz="914400" rtl="0" eaLnBrk="1" latinLnBrk="0" hangingPunct="1">
-              <a:defRPr sz="1800" kern="1200">
-                <a:solidFill>
-                  <a:schemeClr val="tx1"/>
-                </a:solidFill>
-                <a:latin typeface="+mn-lt"/>
-                <a:ea typeface="+mn-ea"/>
-                <a:cs typeface="+mn-cs"/>
-              </a:defRPr>
-            </a:lvl5pPr>
-            <a:lvl6pPr marL="2286000" algn="l" defTabSz="914400" rtl="0" eaLnBrk="1" latinLnBrk="0" hangingPunct="1">
-              <a:defRPr sz="1800" kern="1200">
-                <a:solidFill>
-                  <a:schemeClr val="tx1"/>
-                </a:solidFill>
-                <a:latin typeface="+mn-lt"/>
-                <a:ea typeface="+mn-ea"/>
-                <a:cs typeface="+mn-cs"/>
-              </a:defRPr>
-            </a:lvl6pPr>
-            <a:lvl7pPr marL="2743200" algn="l" defTabSz="914400" rtl="0" eaLnBrk="1" latinLnBrk="0" hangingPunct="1">
-              <a:defRPr sz="1800" kern="1200">
-                <a:solidFill>
-                  <a:schemeClr val="tx1"/>
-                </a:solidFill>
-                <a:latin typeface="+mn-lt"/>
-                <a:ea typeface="+mn-ea"/>
-                <a:cs typeface="+mn-cs"/>
-              </a:defRPr>
-            </a:lvl7pPr>
-            <a:lvl8pPr marL="3200400" algn="l" defTabSz="914400" rtl="0" eaLnBrk="1" latinLnBrk="0" hangingPunct="1">
-              <a:defRPr sz="1800" kern="1200">
-                <a:solidFill>
-                  <a:schemeClr val="tx1"/>
-                </a:solidFill>
-                <a:latin typeface="+mn-lt"/>
-                <a:ea typeface="+mn-ea"/>
-                <a:cs typeface="+mn-cs"/>
-              </a:defRPr>
-            </a:lvl8pPr>
-            <a:lvl9pPr marL="3657600" algn="l" defTabSz="914400" rtl="0" eaLnBrk="1" latinLnBrk="0" hangingPunct="1">
-              <a:defRPr sz="1800" kern="1200">
-                <a:solidFill>
-                  <a:schemeClr val="tx1"/>
-                </a:solidFill>
-                <a:latin typeface="+mn-lt"/>
-                <a:ea typeface="+mn-ea"/>
-                <a:cs typeface="+mn-cs"/>
-              </a:defRPr>
-            </a:lvl9pPr>
-          </a:lstStyle>
-          <a:p>
-            <a:r>
-              <a:rPr lang="en-US" dirty="0" err="1" smtClean="0"/>
-              <a:t>Khi</a:t>
-            </a:r>
-            <a:r>
-              <a:rPr lang="en-US" dirty="0" smtClean="0"/>
-              <a:t> </a:t>
-            </a:r>
-            <a:r>
-              <a:rPr lang="en-US" dirty="0" err="1" smtClean="0"/>
-              <a:t>có</a:t>
-            </a:r>
-            <a:r>
-              <a:rPr lang="en-US" dirty="0" smtClean="0"/>
-              <a:t> </a:t>
-            </a:r>
-            <a:r>
-              <a:rPr lang="en-US" dirty="0" err="1" smtClean="0"/>
-              <a:t>tín</a:t>
-            </a:r>
-            <a:r>
-              <a:rPr lang="en-US" dirty="0" smtClean="0"/>
-              <a:t> </a:t>
-            </a:r>
-            <a:r>
-              <a:rPr lang="en-US" dirty="0" err="1" smtClean="0"/>
-              <a:t>hiệu</a:t>
-            </a:r>
-            <a:r>
-              <a:rPr lang="en-US" dirty="0"/>
-              <a:t> </a:t>
-            </a:r>
-            <a:r>
-              <a:rPr lang="en-US" dirty="0" err="1" smtClean="0"/>
-              <a:t>loại</a:t>
-            </a:r>
-            <a:r>
-              <a:rPr lang="en-US" dirty="0" smtClean="0"/>
-              <a:t> </a:t>
-            </a:r>
-            <a:r>
-              <a:rPr lang="en-US" dirty="0" err="1" smtClean="0"/>
-              <a:t>thiết</a:t>
-            </a:r>
-            <a:r>
-              <a:rPr lang="en-US" dirty="0" smtClean="0"/>
-              <a:t> </a:t>
-            </a:r>
-            <a:r>
-              <a:rPr lang="en-US" dirty="0" err="1" smtClean="0"/>
-              <a:t>vừa</a:t>
-            </a:r>
-            <a:r>
-              <a:rPr lang="en-US" dirty="0" smtClean="0"/>
-              <a:t/>
-            </a:r>
-            <a:br>
-              <a:rPr lang="en-US" dirty="0" smtClean="0"/>
-            </a:br>
-            <a:r>
-              <a:rPr lang="en-US" dirty="0" err="1" smtClean="0"/>
-              <a:t>ngắt</a:t>
-            </a:r>
-            <a:r>
-              <a:rPr lang="en-US" dirty="0" smtClean="0"/>
-              <a:t> </a:t>
-            </a:r>
-            <a:r>
-              <a:rPr lang="en-US" dirty="0" err="1" smtClean="0"/>
-              <a:t>kết</a:t>
-            </a:r>
-            <a:r>
-              <a:rPr lang="en-US" dirty="0" smtClean="0"/>
-              <a:t> </a:t>
-            </a:r>
-            <a:r>
-              <a:rPr lang="en-US" dirty="0" err="1" smtClean="0"/>
-              <a:t>nối</a:t>
-            </a:r>
+          <a:p>
             <a:r>
               <a:rPr lang="en-US" dirty="0" smtClean="0"/>
               <a:t> </a:t>
@@ -17702,6 +17705,30 @@
           <a:prstGeom prst="roundRect">
             <a:avLst/>
           </a:prstGeom>
+          <a:gradFill>
+            <a:gsLst>
+              <a:gs pos="0">
+                <a:schemeClr val="accent1">
+                  <a:lumMod val="20000"/>
+                  <a:lumOff val="80000"/>
+                </a:schemeClr>
+              </a:gs>
+              <a:gs pos="76000">
+                <a:schemeClr val="accent1">
+                  <a:lumMod val="105000"/>
+                  <a:satMod val="103000"/>
+                  <a:tint val="73000"/>
+                </a:schemeClr>
+              </a:gs>
+              <a:gs pos="100000">
+                <a:schemeClr val="accent1">
+                  <a:lumMod val="105000"/>
+                  <a:satMod val="109000"/>
+                  <a:tint val="81000"/>
+                </a:schemeClr>
+              </a:gs>
+            </a:gsLst>
+          </a:gradFill>
         </p:spPr>
         <p:style>
           <a:lnRef idx="1">
@@ -17723,42 +17750,90 @@
           <a:p>
             <a:pPr algn="ctr"/>
             <a:r>
-              <a:rPr lang="en-US" dirty="0" err="1" smtClean="0"/>
+              <a:rPr lang="en-US" sz="2000" dirty="0" err="1">
+                <a:solidFill>
+                  <a:schemeClr val="tx1"/>
+                </a:solidFill>
+              </a:rPr>
               <a:t>Kiểm</a:t>
             </a:r>
             <a:r>
-              <a:rPr lang="en-US" dirty="0" smtClean="0"/>
+              <a:rPr lang="en-US" sz="2000" dirty="0">
+                <a:solidFill>
+                  <a:schemeClr val="tx1"/>
+                </a:solidFill>
+              </a:rPr>
               <a:t> </a:t>
             </a:r>
             <a:r>
-              <a:rPr lang="en-US" dirty="0" err="1" smtClean="0"/>
+              <a:rPr lang="en-US" sz="2000" dirty="0" err="1">
+                <a:solidFill>
+                  <a:schemeClr val="tx1"/>
+                </a:solidFill>
+              </a:rPr>
               <a:t>tra</a:t>
             </a:r>
             <a:r>
-              <a:rPr lang="en-US" dirty="0" smtClean="0"/>
+              <a:rPr lang="en-US" sz="2000" dirty="0">
+                <a:solidFill>
+                  <a:schemeClr val="tx1"/>
+                </a:solidFill>
+              </a:rPr>
               <a:t> </a:t>
             </a:r>
             <a:r>
-              <a:rPr lang="en-US" dirty="0" err="1" smtClean="0"/>
+              <a:rPr lang="en-US" sz="2000" dirty="0" err="1">
+                <a:solidFill>
+                  <a:schemeClr val="tx1"/>
+                </a:solidFill>
+              </a:rPr>
               <a:t>tập</a:t>
             </a:r>
             <a:r>
-              <a:rPr lang="en-US" dirty="0" smtClean="0"/>
+              <a:rPr lang="en-US" sz="2000" dirty="0">
+                <a:solidFill>
+                  <a:schemeClr val="tx1"/>
+                </a:solidFill>
+              </a:rPr>
               <a:t> tin </a:t>
             </a:r>
-            <a:r>
-              <a:rPr lang="en-US" dirty="0" err="1" smtClean="0"/>
+            <a:endParaRPr lang="en-US" sz="2000" dirty="0" smtClean="0">
+              <a:solidFill>
+                <a:schemeClr val="tx1"/>
+              </a:solidFill>
+            </a:endParaRPr>
+          </a:p>
+          <a:p>
+            <a:pPr algn="ctr"/>
+            <a:r>
+              <a:rPr lang="en-US" sz="2000" dirty="0" err="1" smtClean="0">
+                <a:solidFill>
+                  <a:schemeClr val="tx1"/>
+                </a:solidFill>
+              </a:rPr>
               <a:t>hợp</a:t>
             </a:r>
             <a:r>
-              <a:rPr lang="en-US" dirty="0" smtClean="0"/>
+              <a:rPr lang="en-US" sz="2000" dirty="0" smtClean="0">
+                <a:solidFill>
+                  <a:schemeClr val="tx1"/>
+                </a:solidFill>
+              </a:rPr>
               <a:t> </a:t>
             </a:r>
             <a:r>
-              <a:rPr lang="en-US" dirty="0" err="1" smtClean="0"/>
+              <a:rPr lang="en-US" sz="2000" dirty="0" err="1">
+                <a:solidFill>
+                  <a:schemeClr val="tx1"/>
+                </a:solidFill>
+              </a:rPr>
               <a:t>lệ</a:t>
             </a:r>
-            <a:endParaRPr lang="en-US" dirty="0"/>
+            <a:endParaRPr lang="en-US" sz="2000" dirty="0">
+              <a:solidFill>
+                <a:schemeClr val="tx1"/>
+              </a:solidFill>
+            </a:endParaRPr>
           </a:p>
         </p:txBody>
       </p:sp>
@@ -17776,6 +17851,30 @@
           <a:prstGeom prst="roundRect">
             <a:avLst/>
           </a:prstGeom>
+          <a:gradFill>
+            <a:gsLst>
+              <a:gs pos="0">
+                <a:schemeClr val="accent1">
+                  <a:lumMod val="20000"/>
+                  <a:lumOff val="80000"/>
+                </a:schemeClr>
+              </a:gs>
+              <a:gs pos="76000">
+                <a:schemeClr val="accent1">
+                  <a:lumMod val="105000"/>
+                  <a:satMod val="103000"/>
+                  <a:tint val="73000"/>
+                </a:schemeClr>
+              </a:gs>
+              <a:gs pos="100000">
+                <a:schemeClr val="accent1">
+                  <a:lumMod val="105000"/>
+                  <a:satMod val="109000"/>
+                  <a:tint val="81000"/>
+                </a:schemeClr>
+              </a:gs>
+            </a:gsLst>
+          </a:gradFill>
         </p:spPr>
         <p:style>
           <a:lnRef idx="1">
@@ -17797,34 +17896,66 @@
           <a:p>
             <a:pPr algn="ctr"/>
             <a:r>
-              <a:rPr lang="en-US" dirty="0" err="1" smtClean="0"/>
+              <a:rPr lang="en-US" sz="2000" dirty="0" err="1">
+                <a:solidFill>
+                  <a:schemeClr val="tx1"/>
+                </a:solidFill>
+              </a:rPr>
               <a:t>Đọc</a:t>
             </a:r>
             <a:r>
-              <a:rPr lang="en-US" dirty="0" smtClean="0"/>
+              <a:rPr lang="en-US" sz="2000" dirty="0">
+                <a:solidFill>
+                  <a:schemeClr val="tx1"/>
+                </a:solidFill>
+              </a:rPr>
               <a:t> </a:t>
             </a:r>
             <a:r>
-              <a:rPr lang="en-US" dirty="0" err="1" smtClean="0"/>
+              <a:rPr lang="en-US" sz="2000" dirty="0" err="1">
+                <a:solidFill>
+                  <a:schemeClr val="tx1"/>
+                </a:solidFill>
+              </a:rPr>
               <a:t>thông</a:t>
             </a:r>
             <a:r>
-              <a:rPr lang="en-US" dirty="0" smtClean="0"/>
+              <a:rPr lang="en-US" sz="2000" dirty="0">
+                <a:solidFill>
+                  <a:schemeClr val="tx1"/>
+                </a:solidFill>
+              </a:rPr>
               <a:t> tin </a:t>
             </a:r>
             <a:r>
-              <a:rPr lang="en-US" dirty="0" err="1" smtClean="0"/>
+              <a:rPr lang="en-US" sz="2000" dirty="0" err="1" smtClean="0">
+                <a:solidFill>
+                  <a:schemeClr val="tx1"/>
+                </a:solidFill>
+              </a:rPr>
               <a:t>mã</a:t>
             </a:r>
             <a:r>
-              <a:rPr lang="en-US" dirty="0" smtClean="0"/>
+              <a:rPr lang="en-US" sz="2000" dirty="0" smtClean="0">
+                <a:solidFill>
+                  <a:schemeClr val="tx1"/>
+                </a:solidFill>
+              </a:rPr>
               <a:t> </a:t>
             </a:r>
             <a:r>
-              <a:rPr lang="en-US" dirty="0" err="1" smtClean="0"/>
+              <a:rPr lang="en-US" sz="2000" dirty="0" err="1">
+                <a:solidFill>
+                  <a:schemeClr val="tx1"/>
+                </a:solidFill>
+              </a:rPr>
               <a:t>hóa</a:t>
             </a:r>
-            <a:endParaRPr lang="en-US" dirty="0"/>
+            <a:endParaRPr lang="en-US" sz="2000" dirty="0">
+              <a:solidFill>
+                <a:schemeClr val="tx1"/>
+              </a:solidFill>
+            </a:endParaRPr>
           </a:p>
         </p:txBody>
       </p:sp>
@@ -17842,6 +17973,30 @@
           <a:prstGeom prst="roundRect">
             <a:avLst/>
           </a:prstGeom>
+          <a:gradFill>
+            <a:gsLst>
+              <a:gs pos="0">
+                <a:schemeClr val="accent1">
+                  <a:lumMod val="20000"/>
+                  <a:lumOff val="80000"/>
+                </a:schemeClr>
+              </a:gs>
+              <a:gs pos="76000">
+                <a:schemeClr val="accent1">
+                  <a:lumMod val="105000"/>
+                  <a:satMod val="103000"/>
+                  <a:tint val="73000"/>
+                </a:schemeClr>
+              </a:gs>
+              <a:gs pos="100000">
+                <a:schemeClr val="accent1">
+                  <a:lumMod val="105000"/>
+                  <a:satMod val="109000"/>
+                  <a:tint val="81000"/>
+                </a:schemeClr>
+              </a:gs>
+            </a:gsLst>
+          </a:gradFill>
         </p:spPr>
         <p:style>
           <a:lnRef idx="1">
@@ -17863,42 +18018,82 @@
           <a:p>
             <a:pPr algn="ctr"/>
             <a:r>
-              <a:rPr lang="en-US" dirty="0" err="1" smtClean="0"/>
+              <a:rPr lang="en-US" sz="2000" dirty="0" err="1">
+                <a:solidFill>
+                  <a:schemeClr val="tx1"/>
+                </a:solidFill>
+              </a:rPr>
               <a:t>Phát</a:t>
             </a:r>
             <a:r>
-              <a:rPr lang="en-US" dirty="0" smtClean="0"/>
+              <a:rPr lang="en-US" sz="2000" dirty="0">
+                <a:solidFill>
+                  <a:schemeClr val="tx1"/>
+                </a:solidFill>
+              </a:rPr>
               <a:t> </a:t>
             </a:r>
             <a:r>
-              <a:rPr lang="en-US" dirty="0" err="1" smtClean="0"/>
+              <a:rPr lang="en-US" sz="2000" dirty="0" err="1">
+                <a:solidFill>
+                  <a:schemeClr val="tx1"/>
+                </a:solidFill>
+              </a:rPr>
               <a:t>sinh</a:t>
             </a:r>
             <a:r>
-              <a:rPr lang="en-US" dirty="0" smtClean="0"/>
+              <a:rPr lang="en-US" sz="2000" dirty="0">
+                <a:solidFill>
+                  <a:schemeClr val="tx1"/>
+                </a:solidFill>
+              </a:rPr>
               <a:t> </a:t>
             </a:r>
             <a:r>
-              <a:rPr lang="en-US" dirty="0" err="1" smtClean="0"/>
+              <a:rPr lang="en-US" sz="2000" dirty="0" err="1">
+                <a:solidFill>
+                  <a:schemeClr val="tx1"/>
+                </a:solidFill>
+              </a:rPr>
               <a:t>thông</a:t>
             </a:r>
             <a:r>
-              <a:rPr lang="en-US" dirty="0" smtClean="0"/>
+              <a:rPr lang="en-US" sz="2000" dirty="0">
+                <a:solidFill>
+                  <a:schemeClr val="tx1"/>
+                </a:solidFill>
+              </a:rPr>
               <a:t> tin </a:t>
             </a:r>
             <a:r>
-              <a:rPr lang="en-US" dirty="0" err="1" smtClean="0"/>
+              <a:rPr lang="en-US" sz="2000" dirty="0" err="1">
+                <a:solidFill>
+                  <a:schemeClr val="tx1"/>
+                </a:solidFill>
+              </a:rPr>
               <a:t>mã</a:t>
             </a:r>
             <a:r>
-              <a:rPr lang="en-US" dirty="0" smtClean="0"/>
+              <a:rPr lang="en-US" sz="2000" dirty="0">
+                <a:solidFill>
+                  <a:schemeClr val="tx1"/>
+                </a:solidFill>
+              </a:rPr>
               <a:t> </a:t>
             </a:r>
             <a:r>
-              <a:rPr lang="en-US" dirty="0" err="1" smtClean="0"/>
+              <a:rPr lang="en-US" sz="2000" dirty="0" err="1">
+                <a:solidFill>
+                  <a:schemeClr val="tx1"/>
+                </a:solidFill>
+              </a:rPr>
               <a:t>hóa</a:t>
             </a:r>
-            <a:endParaRPr lang="en-US" dirty="0"/>
+            <a:endParaRPr lang="en-US" sz="2000" dirty="0">
+              <a:solidFill>
+                <a:schemeClr val="tx1"/>
+              </a:solidFill>
+            </a:endParaRPr>
           </a:p>
         </p:txBody>
       </p:sp>
@@ -17916,6 +18111,30 @@
           <a:prstGeom prst="roundRect">
             <a:avLst/>
           </a:prstGeom>
+          <a:gradFill>
+            <a:gsLst>
+              <a:gs pos="0">
+                <a:schemeClr val="accent1">
+                  <a:lumMod val="20000"/>
+                  <a:lumOff val="80000"/>
+                </a:schemeClr>
+              </a:gs>
+              <a:gs pos="76000">
+                <a:schemeClr val="accent1">
+                  <a:lumMod val="105000"/>
+                  <a:satMod val="103000"/>
+                  <a:tint val="73000"/>
+                </a:schemeClr>
+              </a:gs>
+              <a:gs pos="100000">
+                <a:schemeClr val="accent1">
+                  <a:lumMod val="105000"/>
+                  <a:satMod val="109000"/>
+                  <a:tint val="81000"/>
+                </a:schemeClr>
+              </a:gs>
+            </a:gsLst>
+          </a:gradFill>
         </p:spPr>
         <p:style>
           <a:lnRef idx="1">
@@ -17937,34 +18156,66 @@
           <a:p>
             <a:pPr algn="ctr"/>
             <a:r>
-              <a:rPr lang="en-US" dirty="0" err="1" smtClean="0"/>
+              <a:rPr lang="en-US" sz="2000" dirty="0" err="1">
+                <a:solidFill>
+                  <a:schemeClr val="tx1"/>
+                </a:solidFill>
+              </a:rPr>
               <a:t>Tạo</a:t>
             </a:r>
             <a:r>
-              <a:rPr lang="en-US" dirty="0" smtClean="0"/>
+              <a:rPr lang="en-US" sz="2000" dirty="0">
+                <a:solidFill>
+                  <a:schemeClr val="tx1"/>
+                </a:solidFill>
+              </a:rPr>
               <a:t> </a:t>
             </a:r>
             <a:r>
-              <a:rPr lang="en-US" dirty="0" err="1" smtClean="0"/>
+              <a:rPr lang="en-US" sz="2000" dirty="0" err="1">
+                <a:solidFill>
+                  <a:schemeClr val="tx1"/>
+                </a:solidFill>
+              </a:rPr>
               <a:t>khóa</a:t>
             </a:r>
             <a:r>
-              <a:rPr lang="en-US" dirty="0" smtClean="0"/>
+              <a:rPr lang="en-US" sz="2000" dirty="0">
+                <a:solidFill>
+                  <a:schemeClr val="tx1"/>
+                </a:solidFill>
+              </a:rPr>
               <a:t> </a:t>
             </a:r>
             <a:r>
-              <a:rPr lang="en-US" dirty="0" err="1" smtClean="0"/>
+              <a:rPr lang="en-US" sz="2000" dirty="0" err="1">
+                <a:solidFill>
+                  <a:schemeClr val="tx1"/>
+                </a:solidFill>
+              </a:rPr>
               <a:t>mã</a:t>
             </a:r>
             <a:r>
-              <a:rPr lang="en-US" dirty="0" smtClean="0"/>
+              <a:rPr lang="en-US" sz="2000" dirty="0">
+                <a:solidFill>
+                  <a:schemeClr val="tx1"/>
+                </a:solidFill>
+              </a:rPr>
               <a:t> </a:t>
             </a:r>
             <a:r>
-              <a:rPr lang="en-US" dirty="0" err="1" smtClean="0"/>
+              <a:rPr lang="en-US" sz="2000" dirty="0" err="1">
+                <a:solidFill>
+                  <a:schemeClr val="tx1"/>
+                </a:solidFill>
+              </a:rPr>
               <a:t>hóa</a:t>
             </a:r>
-            <a:endParaRPr lang="en-US" dirty="0"/>
+            <a:endParaRPr lang="en-US" sz="2000" dirty="0">
+              <a:solidFill>
+                <a:schemeClr val="tx1"/>
+              </a:solidFill>
+            </a:endParaRPr>
           </a:p>
         </p:txBody>
       </p:sp>
@@ -17982,6 +18233,30 @@
           <a:prstGeom prst="roundRect">
             <a:avLst/>
           </a:prstGeom>
+          <a:gradFill>
+            <a:gsLst>
+              <a:gs pos="0">
+                <a:schemeClr val="accent1">
+                  <a:lumMod val="20000"/>
+                  <a:lumOff val="80000"/>
+                </a:schemeClr>
+              </a:gs>
+              <a:gs pos="76000">
+                <a:schemeClr val="accent1">
+                  <a:lumMod val="105000"/>
+                  <a:satMod val="103000"/>
+                  <a:tint val="73000"/>
+                </a:schemeClr>
+              </a:gs>
+              <a:gs pos="100000">
+                <a:schemeClr val="accent1">
+                  <a:lumMod val="105000"/>
+                  <a:satMod val="109000"/>
+                  <a:tint val="81000"/>
+                </a:schemeClr>
+              </a:gs>
+            </a:gsLst>
+          </a:gradFill>
         </p:spPr>
         <p:style>
           <a:lnRef idx="1">
@@ -18003,34 +18278,66 @@
           <a:p>
             <a:pPr algn="ctr"/>
             <a:r>
-              <a:rPr lang="en-US" dirty="0" err="1" smtClean="0"/>
+              <a:rPr lang="en-US" sz="2000" dirty="0" err="1">
+                <a:solidFill>
+                  <a:schemeClr val="tx1"/>
+                </a:solidFill>
+              </a:rPr>
               <a:t>Mã</a:t>
             </a:r>
             <a:r>
-              <a:rPr lang="en-US" dirty="0" smtClean="0"/>
+              <a:rPr lang="en-US" sz="2000" dirty="0">
+                <a:solidFill>
+                  <a:schemeClr val="tx1"/>
+                </a:solidFill>
+              </a:rPr>
               <a:t> </a:t>
             </a:r>
             <a:r>
-              <a:rPr lang="en-US" dirty="0" err="1" smtClean="0"/>
+              <a:rPr lang="en-US" sz="2000" dirty="0" err="1">
+                <a:solidFill>
+                  <a:schemeClr val="tx1"/>
+                </a:solidFill>
+              </a:rPr>
               <a:t>hóa</a:t>
             </a:r>
             <a:r>
-              <a:rPr lang="en-US" dirty="0" smtClean="0"/>
+              <a:rPr lang="en-US" sz="2000" dirty="0">
+                <a:solidFill>
+                  <a:schemeClr val="tx1"/>
+                </a:solidFill>
+              </a:rPr>
               <a:t> </a:t>
             </a:r>
             <a:r>
-              <a:rPr lang="en-US" dirty="0" err="1" smtClean="0"/>
+              <a:rPr lang="en-US" sz="2000" dirty="0" err="1">
+                <a:solidFill>
+                  <a:schemeClr val="tx1"/>
+                </a:solidFill>
+              </a:rPr>
               <a:t>dữ</a:t>
             </a:r>
             <a:r>
-              <a:rPr lang="en-US" dirty="0" smtClean="0"/>
+              <a:rPr lang="en-US" sz="2000" dirty="0">
+                <a:solidFill>
+                  <a:schemeClr val="tx1"/>
+                </a:solidFill>
+              </a:rPr>
               <a:t> </a:t>
             </a:r>
             <a:r>
-              <a:rPr lang="en-US" dirty="0" err="1" smtClean="0"/>
+              <a:rPr lang="en-US" sz="2000" dirty="0" err="1">
+                <a:solidFill>
+                  <a:schemeClr val="tx1"/>
+                </a:solidFill>
+              </a:rPr>
               <a:t>liệu</a:t>
             </a:r>
-            <a:endParaRPr lang="en-US" dirty="0"/>
+            <a:endParaRPr lang="en-US" sz="2000" dirty="0">
+              <a:solidFill>
+                <a:schemeClr val="tx1"/>
+              </a:solidFill>
+            </a:endParaRPr>
           </a:p>
         </p:txBody>
       </p:sp>
@@ -18200,6 +18507,30 @@
           <a:prstGeom prst="roundRect">
             <a:avLst/>
           </a:prstGeom>
+          <a:gradFill>
+            <a:gsLst>
+              <a:gs pos="0">
+                <a:schemeClr val="accent1">
+                  <a:lumMod val="20000"/>
+                  <a:lumOff val="80000"/>
+                </a:schemeClr>
+              </a:gs>
+              <a:gs pos="76000">
+                <a:schemeClr val="accent1">
+                  <a:lumMod val="105000"/>
+                  <a:satMod val="103000"/>
+                  <a:tint val="73000"/>
+                </a:schemeClr>
+              </a:gs>
+              <a:gs pos="100000">
+                <a:schemeClr val="accent1">
+                  <a:lumMod val="105000"/>
+                  <a:satMod val="109000"/>
+                  <a:tint val="81000"/>
+                </a:schemeClr>
+              </a:gs>
+            </a:gsLst>
+          </a:gradFill>
         </p:spPr>
         <p:style>
           <a:lnRef idx="1">
@@ -18221,34 +18552,66 @@
           <a:p>
             <a:pPr algn="ctr"/>
             <a:r>
-              <a:rPr lang="en-US" dirty="0" err="1" smtClean="0"/>
+              <a:rPr lang="en-US" sz="2000" dirty="0" err="1">
+                <a:solidFill>
+                  <a:schemeClr val="tx1"/>
+                </a:solidFill>
+              </a:rPr>
               <a:t>Lưu</a:t>
             </a:r>
             <a:r>
-              <a:rPr lang="en-US" dirty="0" smtClean="0"/>
+              <a:rPr lang="en-US" sz="2000" dirty="0">
+                <a:solidFill>
+                  <a:schemeClr val="tx1"/>
+                </a:solidFill>
+              </a:rPr>
               <a:t> </a:t>
             </a:r>
             <a:r>
-              <a:rPr lang="en-US" dirty="0" err="1" smtClean="0"/>
+              <a:rPr lang="en-US" sz="2000" dirty="0" err="1">
+                <a:solidFill>
+                  <a:schemeClr val="tx1"/>
+                </a:solidFill>
+              </a:rPr>
               <a:t>thông</a:t>
             </a:r>
             <a:r>
-              <a:rPr lang="en-US" dirty="0" smtClean="0"/>
+              <a:rPr lang="en-US" sz="2000" dirty="0">
+                <a:solidFill>
+                  <a:schemeClr val="tx1"/>
+                </a:solidFill>
+              </a:rPr>
               <a:t> tin </a:t>
             </a:r>
             <a:r>
-              <a:rPr lang="en-US" dirty="0" err="1" smtClean="0"/>
+              <a:rPr lang="en-US" sz="2000" dirty="0" err="1">
+                <a:solidFill>
+                  <a:schemeClr val="tx1"/>
+                </a:solidFill>
+              </a:rPr>
               <a:t>mã</a:t>
             </a:r>
             <a:r>
-              <a:rPr lang="en-US" dirty="0" smtClean="0"/>
+              <a:rPr lang="en-US" sz="2000" dirty="0">
+                <a:solidFill>
+                  <a:schemeClr val="tx1"/>
+                </a:solidFill>
+              </a:rPr>
               <a:t> </a:t>
             </a:r>
             <a:r>
-              <a:rPr lang="en-US" dirty="0" err="1" smtClean="0"/>
+              <a:rPr lang="en-US" sz="2000" dirty="0" err="1">
+                <a:solidFill>
+                  <a:schemeClr val="tx1"/>
+                </a:solidFill>
+              </a:rPr>
               <a:t>hóa</a:t>
             </a:r>
-            <a:endParaRPr lang="en-US" dirty="0"/>
+            <a:endParaRPr lang="en-US" sz="2000" dirty="0">
+              <a:solidFill>
+                <a:schemeClr val="tx1"/>
+              </a:solidFill>
+            </a:endParaRPr>
           </a:p>
         </p:txBody>
       </p:sp>
@@ -18569,6 +18932,30 @@
           <a:prstGeom prst="roundRect">
             <a:avLst/>
           </a:prstGeom>
+          <a:gradFill>
+            <a:gsLst>
+              <a:gs pos="0">
+                <a:schemeClr val="accent1">
+                  <a:lumMod val="20000"/>
+                  <a:lumOff val="80000"/>
+                </a:schemeClr>
+              </a:gs>
+              <a:gs pos="76000">
+                <a:schemeClr val="accent1">
+                  <a:lumMod val="105000"/>
+                  <a:satMod val="103000"/>
+                  <a:tint val="73000"/>
+                </a:schemeClr>
+              </a:gs>
+              <a:gs pos="100000">
+                <a:schemeClr val="accent1">
+                  <a:lumMod val="105000"/>
+                  <a:satMod val="109000"/>
+                  <a:tint val="81000"/>
+                </a:schemeClr>
+              </a:gs>
+            </a:gsLst>
+          </a:gradFill>
         </p:spPr>
         <p:style>
           <a:lnRef idx="1">
@@ -18590,42 +18977,93 @@
           <a:p>
             <a:pPr algn="ctr"/>
             <a:r>
-              <a:rPr lang="en-US" dirty="0" err="1" smtClean="0"/>
+              <a:rPr lang="en-US" sz="2000" dirty="0" err="1">
+                <a:solidFill>
+                  <a:schemeClr val="tx1"/>
+                </a:solidFill>
+              </a:rPr>
               <a:t>Kiểm</a:t>
             </a:r>
             <a:r>
-              <a:rPr lang="en-US" dirty="0" smtClean="0"/>
+              <a:rPr lang="en-US" sz="2000" dirty="0">
+                <a:solidFill>
+                  <a:schemeClr val="tx1"/>
+                </a:solidFill>
+              </a:rPr>
               <a:t> </a:t>
             </a:r>
             <a:r>
-              <a:rPr lang="en-US" dirty="0" err="1" smtClean="0"/>
+              <a:rPr lang="en-US" sz="2000" dirty="0" err="1">
+                <a:solidFill>
+                  <a:schemeClr val="tx1"/>
+                </a:solidFill>
+              </a:rPr>
               <a:t>tra</a:t>
             </a:r>
             <a:r>
-              <a:rPr lang="en-US" dirty="0" smtClean="0"/>
+              <a:rPr lang="en-US" sz="2000" dirty="0">
+                <a:solidFill>
+                  <a:schemeClr val="tx1"/>
+                </a:solidFill>
+              </a:rPr>
               <a:t> </a:t>
             </a:r>
             <a:r>
-              <a:rPr lang="en-US" dirty="0" err="1" smtClean="0"/>
+              <a:rPr lang="en-US" sz="2000" dirty="0" err="1">
+                <a:solidFill>
+                  <a:schemeClr val="tx1"/>
+                </a:solidFill>
+              </a:rPr>
               <a:t>tập</a:t>
             </a:r>
             <a:r>
-              <a:rPr lang="en-US" dirty="0" smtClean="0"/>
-              <a:t> tin </a:t>
-            </a:r>
-            <a:r>
-              <a:rPr lang="en-US" dirty="0" err="1" smtClean="0"/>
+              <a:rPr lang="en-US" sz="2000" dirty="0">
+                <a:solidFill>
+                  <a:schemeClr val="tx1"/>
+                </a:solidFill>
+              </a:rPr>
+              <a:t> </a:t>
+            </a:r>
+            <a:r>
+              <a:rPr lang="en-US" sz="2000" dirty="0" smtClean="0">
+                <a:solidFill>
+                  <a:schemeClr val="tx1"/>
+                </a:solidFill>
+              </a:rPr>
+              <a:t>tin</a:t>
+            </a:r>
+          </a:p>
+          <a:p>
+            <a:pPr algn="ctr"/>
+            <a:r>
+              <a:rPr lang="en-US" sz="2000" dirty="0" err="1" smtClean="0">
+                <a:solidFill>
+                  <a:schemeClr val="tx1"/>
+                </a:solidFill>
+              </a:rPr>
               <a:t>hợp</a:t>
             </a:r>
             <a:r>
-              <a:rPr lang="en-US" dirty="0" smtClean="0"/>
+              <a:rPr lang="en-US" sz="2000" dirty="0" smtClean="0">
+                <a:solidFill>
+                  <a:schemeClr val="tx1"/>
+                </a:solidFill>
+              </a:rPr>
               <a:t> </a:t>
             </a:r>
             <a:r>
-              <a:rPr lang="en-US" dirty="0" err="1" smtClean="0"/>
+              <a:rPr lang="en-US" sz="2000" dirty="0" err="1">
+                <a:solidFill>
+                  <a:schemeClr val="tx1"/>
+                </a:solidFill>
+              </a:rPr>
               <a:t>lệ</a:t>
             </a:r>
-            <a:endParaRPr lang="en-US" dirty="0"/>
+            <a:endParaRPr lang="en-US" sz="2000" dirty="0">
+              <a:solidFill>
+                <a:schemeClr val="tx1"/>
+              </a:solidFill>
+            </a:endParaRPr>
           </a:p>
         </p:txBody>
       </p:sp>
@@ -18643,6 +19081,30 @@
           <a:prstGeom prst="roundRect">
             <a:avLst/>
           </a:prstGeom>
+          <a:gradFill>
+            <a:gsLst>
+              <a:gs pos="0">
+                <a:schemeClr val="accent1">
+                  <a:lumMod val="20000"/>
+                  <a:lumOff val="80000"/>
+                </a:schemeClr>
+              </a:gs>
+              <a:gs pos="76000">
+                <a:schemeClr val="accent1">
+                  <a:lumMod val="105000"/>
+                  <a:satMod val="103000"/>
+                  <a:tint val="73000"/>
+                </a:schemeClr>
+              </a:gs>
+              <a:gs pos="100000">
+                <a:schemeClr val="accent1">
+                  <a:lumMod val="105000"/>
+                  <a:satMod val="109000"/>
+                  <a:tint val="81000"/>
+                </a:schemeClr>
+              </a:gs>
+            </a:gsLst>
+          </a:gradFill>
         </p:spPr>
         <p:style>
           <a:lnRef idx="1">
@@ -18664,34 +19126,74 @@
           <a:p>
             <a:pPr algn="ctr"/>
             <a:r>
-              <a:rPr lang="en-US" dirty="0" err="1" smtClean="0"/>
+              <a:rPr lang="en-US" sz="2000" dirty="0" err="1">
+                <a:solidFill>
+                  <a:schemeClr val="tx1"/>
+                </a:solidFill>
+              </a:rPr>
               <a:t>Đọc</a:t>
             </a:r>
             <a:r>
-              <a:rPr lang="en-US" dirty="0" smtClean="0"/>
+              <a:rPr lang="en-US" sz="2000" dirty="0">
+                <a:solidFill>
+                  <a:schemeClr val="tx1"/>
+                </a:solidFill>
+              </a:rPr>
               <a:t> </a:t>
             </a:r>
             <a:r>
-              <a:rPr lang="en-US" dirty="0" err="1" smtClean="0"/>
+              <a:rPr lang="en-US" sz="2000" dirty="0" err="1">
+                <a:solidFill>
+                  <a:schemeClr val="tx1"/>
+                </a:solidFill>
+              </a:rPr>
               <a:t>thông</a:t>
             </a:r>
             <a:r>
-              <a:rPr lang="en-US" dirty="0" smtClean="0"/>
+              <a:rPr lang="en-US" sz="2000" dirty="0">
+                <a:solidFill>
+                  <a:schemeClr val="tx1"/>
+                </a:solidFill>
+              </a:rPr>
               <a:t> tin </a:t>
             </a:r>
-            <a:r>
-              <a:rPr lang="en-US" dirty="0" err="1" smtClean="0"/>
+            <a:endParaRPr lang="en-US" sz="2000" dirty="0" smtClean="0">
+              <a:solidFill>
+                <a:schemeClr val="tx1"/>
+              </a:solidFill>
+            </a:endParaRPr>
+          </a:p>
+          <a:p>
+            <a:pPr algn="ctr"/>
+            <a:r>
+              <a:rPr lang="en-US" sz="2000" dirty="0" err="1" smtClean="0">
+                <a:solidFill>
+                  <a:schemeClr val="tx1"/>
+                </a:solidFill>
+              </a:rPr>
               <a:t>mã</a:t>
             </a:r>
             <a:r>
-              <a:rPr lang="en-US" dirty="0" smtClean="0"/>
+              <a:rPr lang="en-US" sz="2000" dirty="0" smtClean="0">
+                <a:solidFill>
+                  <a:schemeClr val="tx1"/>
+                </a:solidFill>
+              </a:rPr>
               <a:t> </a:t>
             </a:r>
             <a:r>
-              <a:rPr lang="en-US" dirty="0" err="1" smtClean="0"/>
+              <a:rPr lang="en-US" sz="2000" dirty="0" err="1">
+                <a:solidFill>
+                  <a:schemeClr val="tx1"/>
+                </a:solidFill>
+              </a:rPr>
               <a:t>hóa</a:t>
             </a:r>
-            <a:endParaRPr lang="en-US" dirty="0"/>
+            <a:endParaRPr lang="en-US" sz="2000" dirty="0">
+              <a:solidFill>
+                <a:schemeClr val="tx1"/>
+              </a:solidFill>
+            </a:endParaRPr>
           </a:p>
         </p:txBody>
       </p:sp>
@@ -18709,6 +19211,30 @@
           <a:prstGeom prst="roundRect">
             <a:avLst/>
           </a:prstGeom>
+          <a:gradFill>
+            <a:gsLst>
+              <a:gs pos="0">
+                <a:schemeClr val="accent1">
+                  <a:lumMod val="20000"/>
+                  <a:lumOff val="80000"/>
+                </a:schemeClr>
+              </a:gs>
+              <a:gs pos="76000">
+                <a:schemeClr val="accent1">
+                  <a:lumMod val="105000"/>
+                  <a:satMod val="103000"/>
+                  <a:tint val="73000"/>
+                </a:schemeClr>
+              </a:gs>
+              <a:gs pos="100000">
+                <a:schemeClr val="accent1">
+                  <a:lumMod val="105000"/>
+                  <a:satMod val="109000"/>
+                  <a:tint val="81000"/>
+                </a:schemeClr>
+              </a:gs>
+            </a:gsLst>
+          </a:gradFill>
         </p:spPr>
         <p:style>
           <a:lnRef idx="1">
@@ -18730,58 +19256,114 @@
           <a:p>
             <a:pPr algn="ctr"/>
             <a:r>
-              <a:rPr lang="en-US" dirty="0" err="1" smtClean="0"/>
+              <a:rPr lang="en-US" sz="2000" dirty="0" err="1">
+                <a:solidFill>
+                  <a:schemeClr val="tx1"/>
+                </a:solidFill>
+              </a:rPr>
               <a:t>Gọi</a:t>
             </a:r>
             <a:r>
-              <a:rPr lang="en-US" dirty="0" smtClean="0"/>
+              <a:rPr lang="en-US" sz="2000" dirty="0">
+                <a:solidFill>
+                  <a:schemeClr val="tx1"/>
+                </a:solidFill>
+              </a:rPr>
               <a:t> </a:t>
             </a:r>
             <a:r>
-              <a:rPr lang="en-US" dirty="0" err="1" smtClean="0"/>
+              <a:rPr lang="en-US" sz="2000" dirty="0" err="1">
+                <a:solidFill>
+                  <a:schemeClr val="tx1"/>
+                </a:solidFill>
+              </a:rPr>
               <a:t>hàm</a:t>
             </a:r>
             <a:r>
-              <a:rPr lang="en-US" dirty="0" smtClean="0"/>
+              <a:rPr lang="en-US" sz="2000" dirty="0">
+                <a:solidFill>
+                  <a:schemeClr val="tx1"/>
+                </a:solidFill>
+              </a:rPr>
               <a:t> </a:t>
             </a:r>
             <a:r>
-              <a:rPr lang="en-US" dirty="0" err="1" smtClean="0"/>
+              <a:rPr lang="en-US" sz="2000" dirty="0" err="1">
+                <a:solidFill>
+                  <a:schemeClr val="tx1"/>
+                </a:solidFill>
+              </a:rPr>
               <a:t>gốc</a:t>
             </a:r>
             <a:r>
-              <a:rPr lang="en-US" dirty="0" smtClean="0"/>
+              <a:rPr lang="en-US" sz="2000" dirty="0">
+                <a:solidFill>
+                  <a:schemeClr val="tx1"/>
+                </a:solidFill>
+              </a:rPr>
               <a:t> </a:t>
             </a:r>
             <a:r>
-              <a:rPr lang="en-US" dirty="0" err="1" smtClean="0"/>
+              <a:rPr lang="en-US" sz="2000" dirty="0" err="1">
+                <a:solidFill>
+                  <a:schemeClr val="tx1"/>
+                </a:solidFill>
+              </a:rPr>
               <a:t>để</a:t>
             </a:r>
-            <a:endParaRPr lang="en-US" dirty="0" smtClean="0"/>
+            <a:endParaRPr lang="en-US" sz="2000" dirty="0">
+              <a:solidFill>
+                <a:schemeClr val="tx1"/>
+              </a:solidFill>
+            </a:endParaRPr>
           </a:p>
           <a:p>
             <a:pPr algn="ctr"/>
             <a:r>
-              <a:rPr lang="en-US" dirty="0" err="1" smtClean="0"/>
+              <a:rPr lang="en-US" sz="2000" dirty="0" err="1">
+                <a:solidFill>
+                  <a:schemeClr val="tx1"/>
+                </a:solidFill>
+              </a:rPr>
               <a:t>lấy</a:t>
             </a:r>
             <a:r>
-              <a:rPr lang="en-US" dirty="0" smtClean="0"/>
+              <a:rPr lang="en-US" sz="2000" dirty="0">
+                <a:solidFill>
+                  <a:schemeClr val="tx1"/>
+                </a:solidFill>
+              </a:rPr>
               <a:t> </a:t>
             </a:r>
             <a:r>
-              <a:rPr lang="en-US" dirty="0" err="1" smtClean="0"/>
+              <a:rPr lang="en-US" sz="2000" dirty="0" err="1">
+                <a:solidFill>
+                  <a:schemeClr val="tx1"/>
+                </a:solidFill>
+              </a:rPr>
               <a:t>dữ</a:t>
             </a:r>
             <a:r>
-              <a:rPr lang="en-US" dirty="0" smtClean="0"/>
+              <a:rPr lang="en-US" sz="2000" dirty="0">
+                <a:solidFill>
+                  <a:schemeClr val="tx1"/>
+                </a:solidFill>
+              </a:rPr>
               <a:t> </a:t>
             </a:r>
             <a:r>
-              <a:rPr lang="en-US" dirty="0" err="1" smtClean="0"/>
+              <a:rPr lang="en-US" sz="2000" dirty="0" err="1">
+                <a:solidFill>
+                  <a:schemeClr val="tx1"/>
+                </a:solidFill>
+              </a:rPr>
               <a:t>liệu</a:t>
             </a:r>
-            <a:endParaRPr lang="en-US" dirty="0"/>
+            <a:endParaRPr lang="en-US" sz="2000" dirty="0">
+              <a:solidFill>
+                <a:schemeClr val="tx1"/>
+              </a:solidFill>
+            </a:endParaRPr>
           </a:p>
         </p:txBody>
       </p:sp>
@@ -18799,6 +19381,30 @@
           <a:prstGeom prst="roundRect">
             <a:avLst/>
           </a:prstGeom>
+          <a:gradFill>
+            <a:gsLst>
+              <a:gs pos="0">
+                <a:schemeClr val="accent1">
+                  <a:lumMod val="20000"/>
+                  <a:lumOff val="80000"/>
+                </a:schemeClr>
+              </a:gs>
+              <a:gs pos="76000">
+                <a:schemeClr val="accent1">
+                  <a:lumMod val="105000"/>
+                  <a:satMod val="103000"/>
+                  <a:tint val="73000"/>
+                </a:schemeClr>
+              </a:gs>
+              <a:gs pos="100000">
+                <a:schemeClr val="accent1">
+                  <a:lumMod val="105000"/>
+                  <a:satMod val="109000"/>
+                  <a:tint val="81000"/>
+                </a:schemeClr>
+              </a:gs>
+            </a:gsLst>
+          </a:gradFill>
         </p:spPr>
         <p:style>
           <a:lnRef idx="1">
@@ -18820,34 +19426,66 @@
           <a:p>
             <a:pPr algn="ctr"/>
             <a:r>
-              <a:rPr lang="en-US" dirty="0" err="1" smtClean="0"/>
+              <a:rPr lang="en-US" sz="2000" dirty="0" err="1">
+                <a:solidFill>
+                  <a:schemeClr val="tx1"/>
+                </a:solidFill>
+              </a:rPr>
               <a:t>Tạo</a:t>
             </a:r>
             <a:r>
-              <a:rPr lang="en-US" dirty="0" smtClean="0"/>
+              <a:rPr lang="en-US" sz="2000" dirty="0">
+                <a:solidFill>
+                  <a:schemeClr val="tx1"/>
+                </a:solidFill>
+              </a:rPr>
               <a:t> </a:t>
             </a:r>
             <a:r>
-              <a:rPr lang="en-US" dirty="0" err="1" smtClean="0"/>
+              <a:rPr lang="en-US" sz="2000" dirty="0" err="1">
+                <a:solidFill>
+                  <a:schemeClr val="tx1"/>
+                </a:solidFill>
+              </a:rPr>
               <a:t>khóa</a:t>
             </a:r>
             <a:r>
-              <a:rPr lang="en-US" dirty="0" smtClean="0"/>
+              <a:rPr lang="en-US" sz="2000" dirty="0">
+                <a:solidFill>
+                  <a:schemeClr val="tx1"/>
+                </a:solidFill>
+              </a:rPr>
               <a:t> </a:t>
             </a:r>
             <a:r>
-              <a:rPr lang="en-US" dirty="0" err="1" smtClean="0"/>
+              <a:rPr lang="en-US" sz="2000" dirty="0" err="1">
+                <a:solidFill>
+                  <a:schemeClr val="tx1"/>
+                </a:solidFill>
+              </a:rPr>
               <a:t>mã</a:t>
             </a:r>
             <a:r>
-              <a:rPr lang="en-US" dirty="0" smtClean="0"/>
+              <a:rPr lang="en-US" sz="2000" dirty="0">
+                <a:solidFill>
+                  <a:schemeClr val="tx1"/>
+                </a:solidFill>
+              </a:rPr>
               <a:t> </a:t>
             </a:r>
             <a:r>
-              <a:rPr lang="en-US" dirty="0" err="1" smtClean="0"/>
+              <a:rPr lang="en-US" sz="2000" dirty="0" err="1">
+                <a:solidFill>
+                  <a:schemeClr val="tx1"/>
+                </a:solidFill>
+              </a:rPr>
               <a:t>hóa</a:t>
             </a:r>
-            <a:endParaRPr lang="en-US" dirty="0"/>
+            <a:endParaRPr lang="en-US" sz="2000" dirty="0">
+              <a:solidFill>
+                <a:schemeClr val="tx1"/>
+              </a:solidFill>
+            </a:endParaRPr>
           </a:p>
         </p:txBody>
       </p:sp>
@@ -18865,6 +19503,30 @@
           <a:prstGeom prst="roundRect">
             <a:avLst/>
           </a:prstGeom>
+          <a:gradFill>
+            <a:gsLst>
+              <a:gs pos="0">
+                <a:schemeClr val="accent1">
+                  <a:lumMod val="20000"/>
+                  <a:lumOff val="80000"/>
+                </a:schemeClr>
+              </a:gs>
+              <a:gs pos="76000">
+                <a:schemeClr val="accent1">
+                  <a:lumMod val="105000"/>
+                  <a:satMod val="103000"/>
+                  <a:tint val="73000"/>
+                </a:schemeClr>
+              </a:gs>
+              <a:gs pos="100000">
+                <a:schemeClr val="accent1">
+                  <a:lumMod val="105000"/>
+                  <a:satMod val="109000"/>
+                  <a:tint val="81000"/>
+                </a:schemeClr>
+              </a:gs>
+            </a:gsLst>
+          </a:gradFill>
         </p:spPr>
         <p:style>
           <a:lnRef idx="1">
@@ -18886,34 +19548,66 @@
           <a:p>
             <a:pPr algn="ctr"/>
             <a:r>
-              <a:rPr lang="en-US" dirty="0" err="1" smtClean="0"/>
+              <a:rPr lang="en-US" sz="2000" dirty="0" err="1">
+                <a:solidFill>
+                  <a:schemeClr val="tx1"/>
+                </a:solidFill>
+              </a:rPr>
               <a:t>Giải</a:t>
             </a:r>
             <a:r>
-              <a:rPr lang="en-US" dirty="0" smtClean="0"/>
+              <a:rPr lang="en-US" sz="2000" dirty="0">
+                <a:solidFill>
+                  <a:schemeClr val="tx1"/>
+                </a:solidFill>
+              </a:rPr>
               <a:t> </a:t>
             </a:r>
             <a:r>
-              <a:rPr lang="en-US" dirty="0" err="1" smtClean="0"/>
+              <a:rPr lang="en-US" sz="2000" dirty="0" err="1">
+                <a:solidFill>
+                  <a:schemeClr val="tx1"/>
+                </a:solidFill>
+              </a:rPr>
               <a:t>mã</a:t>
             </a:r>
             <a:r>
-              <a:rPr lang="en-US" dirty="0" smtClean="0"/>
+              <a:rPr lang="en-US" sz="2000" dirty="0">
+                <a:solidFill>
+                  <a:schemeClr val="tx1"/>
+                </a:solidFill>
+              </a:rPr>
               <a:t> </a:t>
             </a:r>
             <a:r>
-              <a:rPr lang="en-US" dirty="0" err="1" smtClean="0"/>
+              <a:rPr lang="en-US" sz="2000" dirty="0" err="1">
+                <a:solidFill>
+                  <a:schemeClr val="tx1"/>
+                </a:solidFill>
+              </a:rPr>
               <a:t>dữ</a:t>
             </a:r>
             <a:r>
-              <a:rPr lang="en-US" dirty="0" smtClean="0"/>
+              <a:rPr lang="en-US" sz="2000" dirty="0">
+                <a:solidFill>
+                  <a:schemeClr val="tx1"/>
+                </a:solidFill>
+              </a:rPr>
               <a:t> </a:t>
             </a:r>
             <a:r>
-              <a:rPr lang="en-US" dirty="0" err="1" smtClean="0"/>
+              <a:rPr lang="en-US" sz="2000" dirty="0" err="1">
+                <a:solidFill>
+                  <a:schemeClr val="tx1"/>
+                </a:solidFill>
+              </a:rPr>
               <a:t>liệu</a:t>
             </a:r>
-            <a:endParaRPr lang="en-US" dirty="0"/>
+            <a:endParaRPr lang="en-US" sz="2000" dirty="0">
+              <a:solidFill>
+                <a:schemeClr val="tx1"/>
+              </a:solidFill>
+            </a:endParaRPr>
           </a:p>
         </p:txBody>
       </p:sp>
@@ -19228,6 +19922,30 @@
           <a:prstGeom prst="roundRect">
             <a:avLst/>
           </a:prstGeom>
+          <a:gradFill>
+            <a:gsLst>
+              <a:gs pos="0">
+                <a:schemeClr val="accent1">
+                  <a:lumMod val="20000"/>
+                  <a:lumOff val="80000"/>
+                </a:schemeClr>
+              </a:gs>
+              <a:gs pos="76000">
+                <a:schemeClr val="accent1">
+                  <a:lumMod val="105000"/>
+                  <a:satMod val="103000"/>
+                  <a:tint val="73000"/>
+                </a:schemeClr>
+              </a:gs>
+              <a:gs pos="100000">
+                <a:schemeClr val="accent1">
+                  <a:lumMod val="105000"/>
+                  <a:satMod val="109000"/>
+                  <a:tint val="81000"/>
+                </a:schemeClr>
+              </a:gs>
+            </a:gsLst>
+          </a:gradFill>
         </p:spPr>
         <p:style>
           <a:lnRef idx="1">
@@ -19249,34 +19967,66 @@
           <a:p>
             <a:pPr algn="ctr"/>
             <a:r>
-              <a:rPr lang="en-US" dirty="0" err="1" smtClean="0"/>
+              <a:rPr lang="en-US" sz="2000" dirty="0" err="1">
+                <a:solidFill>
+                  <a:schemeClr val="tx1"/>
+                </a:solidFill>
+              </a:rPr>
               <a:t>Gọi</a:t>
             </a:r>
             <a:r>
-              <a:rPr lang="en-US" dirty="0" smtClean="0"/>
+              <a:rPr lang="en-US" sz="2000" dirty="0">
+                <a:solidFill>
+                  <a:schemeClr val="tx1"/>
+                </a:solidFill>
+              </a:rPr>
               <a:t> </a:t>
             </a:r>
             <a:r>
-              <a:rPr lang="en-US" dirty="0" err="1" smtClean="0"/>
+              <a:rPr lang="en-US" sz="2000" dirty="0" err="1">
+                <a:solidFill>
+                  <a:schemeClr val="tx1"/>
+                </a:solidFill>
+              </a:rPr>
               <a:t>lại</a:t>
             </a:r>
             <a:r>
-              <a:rPr lang="en-US" dirty="0" smtClean="0"/>
+              <a:rPr lang="en-US" sz="2000" dirty="0">
+                <a:solidFill>
+                  <a:schemeClr val="tx1"/>
+                </a:solidFill>
+              </a:rPr>
               <a:t> </a:t>
             </a:r>
             <a:r>
-              <a:rPr lang="en-US" dirty="0" err="1" smtClean="0"/>
+              <a:rPr lang="en-US" sz="2000" dirty="0" err="1">
+                <a:solidFill>
+                  <a:schemeClr val="tx1"/>
+                </a:solidFill>
+              </a:rPr>
               <a:t>hàm</a:t>
             </a:r>
             <a:r>
-              <a:rPr lang="en-US" dirty="0" smtClean="0"/>
+              <a:rPr lang="en-US" sz="2000" dirty="0">
+                <a:solidFill>
+                  <a:schemeClr val="tx1"/>
+                </a:solidFill>
+              </a:rPr>
               <a:t> </a:t>
             </a:r>
             <a:r>
-              <a:rPr lang="en-US" dirty="0" err="1" smtClean="0"/>
+              <a:rPr lang="en-US" sz="2000" dirty="0" err="1">
+                <a:solidFill>
+                  <a:schemeClr val="tx1"/>
+                </a:solidFill>
+              </a:rPr>
               <a:t>gốc</a:t>
             </a:r>
-            <a:endParaRPr lang="en-US" dirty="0"/>
+            <a:endParaRPr lang="en-US" sz="2000" dirty="0">
+              <a:solidFill>
+                <a:schemeClr val="tx1"/>
+              </a:solidFill>
+            </a:endParaRPr>
           </a:p>
         </p:txBody>
       </p:sp>
@@ -19508,6 +20258,30 @@
           <a:prstGeom prst="roundRect">
             <a:avLst/>
           </a:prstGeom>
+          <a:gradFill>
+            <a:gsLst>
+              <a:gs pos="0">
+                <a:schemeClr val="accent1">
+                  <a:lumMod val="20000"/>
+                  <a:lumOff val="80000"/>
+                </a:schemeClr>
+              </a:gs>
+              <a:gs pos="76000">
+                <a:schemeClr val="accent1">
+                  <a:lumMod val="105000"/>
+                  <a:satMod val="103000"/>
+                  <a:tint val="73000"/>
+                </a:schemeClr>
+              </a:gs>
+              <a:gs pos="100000">
+                <a:schemeClr val="accent1">
+                  <a:lumMod val="105000"/>
+                  <a:satMod val="109000"/>
+                  <a:tint val="81000"/>
+                </a:schemeClr>
+              </a:gs>
+            </a:gsLst>
+          </a:gradFill>
         </p:spPr>
         <p:style>
           <a:lnRef idx="1">
@@ -19529,42 +20303,101 @@
           <a:p>
             <a:pPr algn="ctr"/>
             <a:r>
-              <a:rPr lang="en-US" dirty="0" err="1" smtClean="0"/>
+              <a:rPr lang="en-US" sz="2000" dirty="0" err="1">
+                <a:solidFill>
+                  <a:schemeClr val="tx1"/>
+                </a:solidFill>
+              </a:rPr>
               <a:t>Kiểm</a:t>
             </a:r>
             <a:r>
-              <a:rPr lang="en-US" dirty="0" smtClean="0"/>
+              <a:rPr lang="en-US" sz="2000" dirty="0">
+                <a:solidFill>
+                  <a:schemeClr val="tx1"/>
+                </a:solidFill>
+              </a:rPr>
               <a:t> </a:t>
             </a:r>
             <a:r>
-              <a:rPr lang="en-US" dirty="0" err="1" smtClean="0"/>
+              <a:rPr lang="en-US" sz="2000" dirty="0" err="1">
+                <a:solidFill>
+                  <a:schemeClr val="tx1"/>
+                </a:solidFill>
+              </a:rPr>
               <a:t>tra</a:t>
             </a:r>
             <a:r>
-              <a:rPr lang="en-US" dirty="0" smtClean="0"/>
+              <a:rPr lang="en-US" sz="2000" dirty="0">
+                <a:solidFill>
+                  <a:schemeClr val="tx1"/>
+                </a:solidFill>
+              </a:rPr>
               <a:t> </a:t>
             </a:r>
             <a:r>
-              <a:rPr lang="en-US" dirty="0" err="1" smtClean="0"/>
+              <a:rPr lang="en-US" sz="2000" dirty="0" err="1">
+                <a:solidFill>
+                  <a:schemeClr val="tx1"/>
+                </a:solidFill>
+              </a:rPr>
               <a:t>tập</a:t>
             </a:r>
             <a:r>
-              <a:rPr lang="en-US" dirty="0" smtClean="0"/>
-              <a:t> tin </a:t>
-            </a:r>
-            <a:r>
-              <a:rPr lang="en-US" dirty="0" err="1" smtClean="0"/>
+              <a:rPr lang="en-US" sz="2000" dirty="0">
+                <a:solidFill>
+                  <a:schemeClr val="tx1"/>
+                </a:solidFill>
+              </a:rPr>
+              <a:t> </a:t>
+            </a:r>
+            <a:r>
+              <a:rPr lang="en-US" sz="2000" dirty="0" smtClean="0">
+                <a:solidFill>
+                  <a:schemeClr val="tx1"/>
+                </a:solidFill>
+              </a:rPr>
+              <a:t>tin</a:t>
+            </a:r>
+          </a:p>
+          <a:p>
+            <a:pPr algn="ctr"/>
+            <a:r>
+              <a:rPr lang="en-US" sz="2000" dirty="0" smtClean="0">
+                <a:solidFill>
+                  <a:schemeClr val="tx1"/>
+                </a:solidFill>
+              </a:rPr>
+              <a:t> </a:t>
+            </a:r>
+            <a:r>
+              <a:rPr lang="en-US" sz="2000" dirty="0" err="1">
+                <a:solidFill>
+                  <a:schemeClr val="tx1"/>
+                </a:solidFill>
+              </a:rPr>
               <a:t>hợp</a:t>
             </a:r>
             <a:r>
-              <a:rPr lang="en-US" dirty="0" smtClean="0"/>
+              <a:rPr lang="en-US" sz="2000" dirty="0">
+                <a:solidFill>
+                  <a:schemeClr val="tx1"/>
+                </a:solidFill>
+              </a:rPr>
               <a:t> </a:t>
             </a:r>
             <a:r>
-              <a:rPr lang="en-US" dirty="0" err="1" smtClean="0"/>
+              <a:rPr lang="en-US" sz="2000" dirty="0" err="1">
+                <a:solidFill>
+                  <a:schemeClr val="tx1"/>
+                </a:solidFill>
+              </a:rPr>
               <a:t>lệ</a:t>
             </a:r>
-            <a:endParaRPr lang="en-US" dirty="0"/>
+            <a:endParaRPr lang="en-US" sz="2000" dirty="0">
+              <a:solidFill>
+                <a:schemeClr val="tx1"/>
+              </a:solidFill>
+            </a:endParaRPr>
           </a:p>
         </p:txBody>
       </p:sp>
@@ -19582,6 +20415,30 @@
           <a:prstGeom prst="roundRect">
             <a:avLst/>
           </a:prstGeom>
+          <a:gradFill>
+            <a:gsLst>
+              <a:gs pos="0">
+                <a:schemeClr val="accent1">
+                  <a:lumMod val="20000"/>
+                  <a:lumOff val="80000"/>
+                </a:schemeClr>
+              </a:gs>
+              <a:gs pos="76000">
+                <a:schemeClr val="accent1">
+                  <a:lumMod val="105000"/>
+                  <a:satMod val="103000"/>
+                  <a:tint val="73000"/>
+                </a:schemeClr>
+              </a:gs>
+              <a:gs pos="100000">
+                <a:schemeClr val="accent1">
+                  <a:lumMod val="105000"/>
+                  <a:satMod val="109000"/>
+                  <a:tint val="81000"/>
+                </a:schemeClr>
+              </a:gs>
+            </a:gsLst>
+          </a:gradFill>
         </p:spPr>
         <p:style>
           <a:lnRef idx="1">
@@ -19603,34 +20460,74 @@
           <a:p>
             <a:pPr algn="ctr"/>
             <a:r>
-              <a:rPr lang="en-US" dirty="0" err="1" smtClean="0"/>
+              <a:rPr lang="en-US" sz="2000" dirty="0" err="1">
+                <a:solidFill>
+                  <a:schemeClr val="tx1"/>
+                </a:solidFill>
+              </a:rPr>
               <a:t>Đọc</a:t>
             </a:r>
             <a:r>
-              <a:rPr lang="en-US" dirty="0" smtClean="0"/>
+              <a:rPr lang="en-US" sz="2000" dirty="0">
+                <a:solidFill>
+                  <a:schemeClr val="tx1"/>
+                </a:solidFill>
+              </a:rPr>
               <a:t> </a:t>
             </a:r>
             <a:r>
-              <a:rPr lang="en-US" dirty="0" err="1" smtClean="0"/>
+              <a:rPr lang="en-US" sz="2000" dirty="0" err="1">
+                <a:solidFill>
+                  <a:schemeClr val="tx1"/>
+                </a:solidFill>
+              </a:rPr>
               <a:t>thông</a:t>
             </a:r>
             <a:r>
-              <a:rPr lang="en-US" dirty="0" smtClean="0"/>
+              <a:rPr lang="en-US" sz="2000" dirty="0">
+                <a:solidFill>
+                  <a:schemeClr val="tx1"/>
+                </a:solidFill>
+              </a:rPr>
               <a:t> tin </a:t>
             </a:r>
-            <a:r>
-              <a:rPr lang="en-US" dirty="0" err="1" smtClean="0"/>
+            <a:endParaRPr lang="en-US" sz="2000" dirty="0" smtClean="0">
+              <a:solidFill>
+                <a:schemeClr val="tx1"/>
+              </a:solidFill>
+            </a:endParaRPr>
+          </a:p>
+          <a:p>
+            <a:pPr algn="ctr"/>
+            <a:r>
+              <a:rPr lang="en-US" sz="2000" dirty="0" err="1" smtClean="0">
+                <a:solidFill>
+                  <a:schemeClr val="tx1"/>
+                </a:solidFill>
+              </a:rPr>
               <a:t>mã</a:t>
             </a:r>
             <a:r>
-              <a:rPr lang="en-US" dirty="0" smtClean="0"/>
+              <a:rPr lang="en-US" sz="2000" dirty="0" smtClean="0">
+                <a:solidFill>
+                  <a:schemeClr val="tx1"/>
+                </a:solidFill>
+              </a:rPr>
               <a:t> </a:t>
             </a:r>
             <a:r>
-              <a:rPr lang="en-US" dirty="0" err="1" smtClean="0"/>
+              <a:rPr lang="en-US" sz="2000" dirty="0" err="1">
+                <a:solidFill>
+                  <a:schemeClr val="tx1"/>
+                </a:solidFill>
+              </a:rPr>
               <a:t>hóa</a:t>
             </a:r>
-            <a:endParaRPr lang="en-US" dirty="0"/>
+            <a:endParaRPr lang="en-US" sz="2000" dirty="0">
+              <a:solidFill>
+                <a:schemeClr val="tx1"/>
+              </a:solidFill>
+            </a:endParaRPr>
           </a:p>
         </p:txBody>
       </p:sp>
@@ -19648,6 +20545,30 @@
           <a:prstGeom prst="roundRect">
             <a:avLst/>
           </a:prstGeom>
+          <a:gradFill>
+            <a:gsLst>
+              <a:gs pos="0">
+                <a:schemeClr val="accent1">
+                  <a:lumMod val="20000"/>
+                  <a:lumOff val="80000"/>
+                </a:schemeClr>
+              </a:gs>
+              <a:gs pos="76000">
+                <a:schemeClr val="accent1">
+                  <a:lumMod val="105000"/>
+                  <a:satMod val="103000"/>
+                  <a:tint val="73000"/>
+                </a:schemeClr>
+              </a:gs>
+              <a:gs pos="100000">
+                <a:schemeClr val="accent1">
+                  <a:lumMod val="105000"/>
+                  <a:satMod val="109000"/>
+                  <a:tint val="81000"/>
+                </a:schemeClr>
+              </a:gs>
+            </a:gsLst>
+          </a:gradFill>
         </p:spPr>
         <p:style>
           <a:lnRef idx="1">
@@ -19669,42 +20590,82 @@
           <a:p>
             <a:pPr algn="ctr"/>
             <a:r>
-              <a:rPr lang="en-US" dirty="0" err="1" smtClean="0"/>
+              <a:rPr lang="en-US" sz="2000" dirty="0" err="1">
+                <a:solidFill>
+                  <a:schemeClr val="tx1"/>
+                </a:solidFill>
+              </a:rPr>
               <a:t>Phát</a:t>
             </a:r>
             <a:r>
-              <a:rPr lang="en-US" dirty="0" smtClean="0"/>
+              <a:rPr lang="en-US" sz="2000" dirty="0">
+                <a:solidFill>
+                  <a:schemeClr val="tx1"/>
+                </a:solidFill>
+              </a:rPr>
               <a:t> </a:t>
             </a:r>
             <a:r>
-              <a:rPr lang="en-US" dirty="0" err="1" smtClean="0"/>
+              <a:rPr lang="en-US" sz="2000" dirty="0" err="1">
+                <a:solidFill>
+                  <a:schemeClr val="tx1"/>
+                </a:solidFill>
+              </a:rPr>
               <a:t>sinh</a:t>
             </a:r>
             <a:r>
-              <a:rPr lang="en-US" dirty="0" smtClean="0"/>
+              <a:rPr lang="en-US" sz="2000" dirty="0">
+                <a:solidFill>
+                  <a:schemeClr val="tx1"/>
+                </a:solidFill>
+              </a:rPr>
               <a:t> </a:t>
             </a:r>
             <a:r>
-              <a:rPr lang="en-US" dirty="0" err="1" smtClean="0"/>
+              <a:rPr lang="en-US" sz="2000" dirty="0" err="1">
+                <a:solidFill>
+                  <a:schemeClr val="tx1"/>
+                </a:solidFill>
+              </a:rPr>
               <a:t>thông</a:t>
             </a:r>
             <a:r>
-              <a:rPr lang="en-US" dirty="0" smtClean="0"/>
+              <a:rPr lang="en-US" sz="2000" dirty="0">
+                <a:solidFill>
+                  <a:schemeClr val="tx1"/>
+                </a:solidFill>
+              </a:rPr>
               <a:t> tin </a:t>
             </a:r>
             <a:r>
-              <a:rPr lang="en-US" dirty="0" err="1" smtClean="0"/>
+              <a:rPr lang="en-US" sz="2000" dirty="0" err="1">
+                <a:solidFill>
+                  <a:schemeClr val="tx1"/>
+                </a:solidFill>
+              </a:rPr>
               <a:t>mã</a:t>
             </a:r>
             <a:r>
-              <a:rPr lang="en-US" dirty="0" smtClean="0"/>
+              <a:rPr lang="en-US" sz="2000" dirty="0">
+                <a:solidFill>
+                  <a:schemeClr val="tx1"/>
+                </a:solidFill>
+              </a:rPr>
               <a:t> </a:t>
             </a:r>
             <a:r>
-              <a:rPr lang="en-US" dirty="0" err="1" smtClean="0"/>
+              <a:rPr lang="en-US" sz="2000" dirty="0" err="1">
+                <a:solidFill>
+                  <a:schemeClr val="tx1"/>
+                </a:solidFill>
+              </a:rPr>
               <a:t>hóa</a:t>
             </a:r>
-            <a:endParaRPr lang="en-US" dirty="0"/>
+            <a:endParaRPr lang="en-US" sz="2000" dirty="0">
+              <a:solidFill>
+                <a:schemeClr val="tx1"/>
+              </a:solidFill>
+            </a:endParaRPr>
           </a:p>
         </p:txBody>
       </p:sp>
@@ -19722,6 +20683,30 @@
           <a:prstGeom prst="roundRect">
             <a:avLst/>
           </a:prstGeom>
+          <a:gradFill>
+            <a:gsLst>
+              <a:gs pos="0">
+                <a:schemeClr val="accent1">
+                  <a:lumMod val="20000"/>
+                  <a:lumOff val="80000"/>
+                </a:schemeClr>
+              </a:gs>
+              <a:gs pos="76000">
+                <a:schemeClr val="accent1">
+                  <a:lumMod val="105000"/>
+                  <a:satMod val="103000"/>
+                  <a:tint val="73000"/>
+                </a:schemeClr>
+              </a:gs>
+              <a:gs pos="100000">
+                <a:schemeClr val="accent1">
+                  <a:lumMod val="105000"/>
+                  <a:satMod val="109000"/>
+                  <a:tint val="81000"/>
+                </a:schemeClr>
+              </a:gs>
+            </a:gsLst>
+          </a:gradFill>
         </p:spPr>
         <p:style>
           <a:lnRef idx="1">
@@ -19743,34 +20728,66 @@
           <a:p>
             <a:pPr algn="ctr"/>
             <a:r>
-              <a:rPr lang="en-US" dirty="0" err="1" smtClean="0"/>
+              <a:rPr lang="en-US" sz="2000" dirty="0" err="1">
+                <a:solidFill>
+                  <a:schemeClr val="tx1"/>
+                </a:solidFill>
+              </a:rPr>
               <a:t>Tạo</a:t>
             </a:r>
             <a:r>
-              <a:rPr lang="en-US" dirty="0" smtClean="0"/>
+              <a:rPr lang="en-US" sz="2000" dirty="0">
+                <a:solidFill>
+                  <a:schemeClr val="tx1"/>
+                </a:solidFill>
+              </a:rPr>
               <a:t> </a:t>
             </a:r>
             <a:r>
-              <a:rPr lang="en-US" dirty="0" err="1" smtClean="0"/>
+              <a:rPr lang="en-US" sz="2000" dirty="0" err="1">
+                <a:solidFill>
+                  <a:schemeClr val="tx1"/>
+                </a:solidFill>
+              </a:rPr>
               <a:t>khóa</a:t>
             </a:r>
             <a:r>
-              <a:rPr lang="en-US" dirty="0" smtClean="0"/>
+              <a:rPr lang="en-US" sz="2000" dirty="0">
+                <a:solidFill>
+                  <a:schemeClr val="tx1"/>
+                </a:solidFill>
+              </a:rPr>
               <a:t> </a:t>
             </a:r>
             <a:r>
-              <a:rPr lang="en-US" dirty="0" err="1" smtClean="0"/>
+              <a:rPr lang="en-US" sz="2000" dirty="0" err="1">
+                <a:solidFill>
+                  <a:schemeClr val="tx1"/>
+                </a:solidFill>
+              </a:rPr>
               <a:t>mã</a:t>
             </a:r>
             <a:r>
-              <a:rPr lang="en-US" dirty="0" smtClean="0"/>
+              <a:rPr lang="en-US" sz="2000" dirty="0">
+                <a:solidFill>
+                  <a:schemeClr val="tx1"/>
+                </a:solidFill>
+              </a:rPr>
               <a:t> </a:t>
             </a:r>
             <a:r>
-              <a:rPr lang="en-US" dirty="0" err="1" smtClean="0"/>
+              <a:rPr lang="en-US" sz="2000" dirty="0" err="1">
+                <a:solidFill>
+                  <a:schemeClr val="tx1"/>
+                </a:solidFill>
+              </a:rPr>
               <a:t>hóa</a:t>
             </a:r>
-            <a:endParaRPr lang="en-US" dirty="0"/>
+            <a:endParaRPr lang="en-US" sz="2000" dirty="0">
+              <a:solidFill>
+                <a:schemeClr val="tx1"/>
+              </a:solidFill>
+            </a:endParaRPr>
           </a:p>
         </p:txBody>
       </p:sp>
@@ -19788,6 +20805,30 @@
           <a:prstGeom prst="roundRect">
             <a:avLst/>
           </a:prstGeom>
+          <a:gradFill>
+            <a:gsLst>
+              <a:gs pos="0">
+                <a:schemeClr val="accent1">
+                  <a:lumMod val="20000"/>
+                  <a:lumOff val="80000"/>
+                </a:schemeClr>
+              </a:gs>
+              <a:gs pos="76000">
+                <a:schemeClr val="accent1">
+                  <a:lumMod val="105000"/>
+                  <a:satMod val="103000"/>
+                  <a:tint val="73000"/>
+                </a:schemeClr>
+              </a:gs>
+              <a:gs pos="100000">
+                <a:schemeClr val="accent1">
+                  <a:lumMod val="105000"/>
+                  <a:satMod val="109000"/>
+                  <a:tint val="81000"/>
+                </a:schemeClr>
+              </a:gs>
+            </a:gsLst>
+          </a:gradFill>
         </p:spPr>
         <p:style>
           <a:lnRef idx="1">
@@ -19809,53 +20850,101 @@
           <a:p>
             <a:pPr algn="ctr"/>
             <a:r>
-              <a:rPr lang="en-US" dirty="0" err="1" smtClean="0"/>
+              <a:rPr lang="en-US" sz="2000" dirty="0" err="1">
+                <a:solidFill>
+                  <a:schemeClr val="tx1"/>
+                </a:solidFill>
+              </a:rPr>
               <a:t>Mã</a:t>
             </a:r>
             <a:r>
-              <a:rPr lang="en-US" dirty="0" smtClean="0"/>
+              <a:rPr lang="en-US" sz="2000" dirty="0">
+                <a:solidFill>
+                  <a:schemeClr val="tx1"/>
+                </a:solidFill>
+              </a:rPr>
               <a:t> </a:t>
             </a:r>
             <a:r>
-              <a:rPr lang="en-US" dirty="0" err="1" smtClean="0"/>
+              <a:rPr lang="en-US" sz="2000" dirty="0" err="1">
+                <a:solidFill>
+                  <a:schemeClr val="tx1"/>
+                </a:solidFill>
+              </a:rPr>
               <a:t>hóa</a:t>
             </a:r>
             <a:r>
-              <a:rPr lang="en-US" dirty="0" smtClean="0"/>
+              <a:rPr lang="en-US" sz="2000" dirty="0">
+                <a:solidFill>
+                  <a:schemeClr val="tx1"/>
+                </a:solidFill>
+              </a:rPr>
               <a:t> </a:t>
             </a:r>
             <a:r>
-              <a:rPr lang="en-US" dirty="0" err="1" smtClean="0"/>
+              <a:rPr lang="en-US" sz="2000" dirty="0" err="1">
+                <a:solidFill>
+                  <a:schemeClr val="tx1"/>
+                </a:solidFill>
+              </a:rPr>
               <a:t>toàn</a:t>
             </a:r>
             <a:r>
-              <a:rPr lang="en-US" dirty="0" smtClean="0"/>
+              <a:rPr lang="en-US" sz="2000" dirty="0">
+                <a:solidFill>
+                  <a:schemeClr val="tx1"/>
+                </a:solidFill>
+              </a:rPr>
               <a:t> </a:t>
             </a:r>
             <a:r>
-              <a:rPr lang="en-US" dirty="0" err="1" smtClean="0"/>
+              <a:rPr lang="en-US" sz="2000" dirty="0" err="1">
+                <a:solidFill>
+                  <a:schemeClr val="tx1"/>
+                </a:solidFill>
+              </a:rPr>
               <a:t>bộ</a:t>
             </a:r>
             <a:r>
-              <a:rPr lang="en-US" dirty="0" smtClean="0"/>
+              <a:rPr lang="en-US" sz="2000" dirty="0">
+                <a:solidFill>
+                  <a:schemeClr val="tx1"/>
+                </a:solidFill>
+              </a:rPr>
               <a:t> </a:t>
             </a:r>
           </a:p>
           <a:p>
             <a:pPr algn="ctr"/>
             <a:r>
-              <a:rPr lang="en-US" dirty="0" err="1" smtClean="0"/>
+              <a:rPr lang="en-US" sz="2000" dirty="0" err="1">
+                <a:solidFill>
+                  <a:schemeClr val="tx1"/>
+                </a:solidFill>
+              </a:rPr>
               <a:t>dữ</a:t>
             </a:r>
             <a:r>
-              <a:rPr lang="en-US" dirty="0" smtClean="0"/>
+              <a:rPr lang="en-US" sz="2000" dirty="0">
+                <a:solidFill>
+                  <a:schemeClr val="tx1"/>
+                </a:solidFill>
+              </a:rPr>
               <a:t> </a:t>
             </a:r>
             <a:r>
-              <a:rPr lang="en-US" dirty="0" err="1" smtClean="0"/>
+              <a:rPr lang="en-US" sz="2000" dirty="0" err="1">
+                <a:solidFill>
+                  <a:schemeClr val="tx1"/>
+                </a:solidFill>
+              </a:rPr>
               <a:t>liệu</a:t>
             </a:r>
-            <a:endParaRPr lang="en-US" dirty="0"/>
+            <a:endParaRPr lang="en-US" sz="2000" dirty="0">
+              <a:solidFill>
+                <a:schemeClr val="tx1"/>
+              </a:solidFill>
+            </a:endParaRPr>
           </a:p>
         </p:txBody>
       </p:sp>
@@ -20025,6 +21114,30 @@
           <a:prstGeom prst="roundRect">
             <a:avLst/>
           </a:prstGeom>
+          <a:gradFill>
+            <a:gsLst>
+              <a:gs pos="0">
+                <a:schemeClr val="accent1">
+                  <a:lumMod val="20000"/>
+                  <a:lumOff val="80000"/>
+                </a:schemeClr>
+              </a:gs>
+              <a:gs pos="76000">
+                <a:schemeClr val="accent1">
+                  <a:lumMod val="105000"/>
+                  <a:satMod val="103000"/>
+                  <a:tint val="73000"/>
+                </a:schemeClr>
+              </a:gs>
+              <a:gs pos="100000">
+                <a:schemeClr val="accent1">
+                  <a:lumMod val="105000"/>
+                  <a:satMod val="109000"/>
+                  <a:tint val="81000"/>
+                </a:schemeClr>
+              </a:gs>
+            </a:gsLst>
+          </a:gradFill>
         </p:spPr>
         <p:style>
           <a:lnRef idx="1">
@@ -20046,34 +21159,66 @@
           <a:p>
             <a:pPr algn="ctr"/>
             <a:r>
-              <a:rPr lang="en-US" dirty="0" err="1" smtClean="0"/>
+              <a:rPr lang="en-US" sz="2000" dirty="0" err="1">
+                <a:solidFill>
+                  <a:schemeClr val="tx1"/>
+                </a:solidFill>
+              </a:rPr>
               <a:t>Lưu</a:t>
             </a:r>
             <a:r>
-              <a:rPr lang="en-US" dirty="0" smtClean="0"/>
+              <a:rPr lang="en-US" sz="2000" dirty="0">
+                <a:solidFill>
+                  <a:schemeClr val="tx1"/>
+                </a:solidFill>
+              </a:rPr>
               <a:t> </a:t>
             </a:r>
             <a:r>
-              <a:rPr lang="en-US" dirty="0" err="1" smtClean="0"/>
+              <a:rPr lang="en-US" sz="2000" dirty="0" err="1">
+                <a:solidFill>
+                  <a:schemeClr val="tx1"/>
+                </a:solidFill>
+              </a:rPr>
               <a:t>thông</a:t>
             </a:r>
             <a:r>
-              <a:rPr lang="en-US" dirty="0" smtClean="0"/>
+              <a:rPr lang="en-US" sz="2000" dirty="0">
+                <a:solidFill>
+                  <a:schemeClr val="tx1"/>
+                </a:solidFill>
+              </a:rPr>
               <a:t> tin </a:t>
             </a:r>
             <a:r>
-              <a:rPr lang="en-US" dirty="0" err="1" smtClean="0"/>
+              <a:rPr lang="en-US" sz="2000" dirty="0" err="1">
+                <a:solidFill>
+                  <a:schemeClr val="tx1"/>
+                </a:solidFill>
+              </a:rPr>
               <a:t>mã</a:t>
             </a:r>
             <a:r>
-              <a:rPr lang="en-US" dirty="0" smtClean="0"/>
+              <a:rPr lang="en-US" sz="2000" dirty="0">
+                <a:solidFill>
+                  <a:schemeClr val="tx1"/>
+                </a:solidFill>
+              </a:rPr>
               <a:t> </a:t>
             </a:r>
             <a:r>
-              <a:rPr lang="en-US" dirty="0" err="1" smtClean="0"/>
+              <a:rPr lang="en-US" sz="2000" dirty="0" err="1">
+                <a:solidFill>
+                  <a:schemeClr val="tx1"/>
+                </a:solidFill>
+              </a:rPr>
               <a:t>hóa</a:t>
             </a:r>
-            <a:endParaRPr lang="en-US" dirty="0"/>
+            <a:endParaRPr lang="en-US" sz="2000" dirty="0">
+              <a:solidFill>
+                <a:schemeClr val="tx1"/>
+              </a:solidFill>
+            </a:endParaRPr>
           </a:p>
         </p:txBody>
       </p:sp>
@@ -20407,12 +21552,36 @@
         </p:nvSpPr>
         <p:spPr>
           <a:xfrm>
-            <a:off x="3124925" y="639485"/>
-            <a:ext cx="2961550" cy="838200"/>
+            <a:off x="3124925" y="534570"/>
+            <a:ext cx="2961550" cy="1043131"/>
           </a:xfrm>
           <a:prstGeom prst="roundRect">
             <a:avLst/>
           </a:prstGeom>
+          <a:gradFill>
+            <a:gsLst>
+              <a:gs pos="0">
+                <a:schemeClr val="accent1">
+                  <a:lumMod val="20000"/>
+                  <a:lumOff val="80000"/>
+                </a:schemeClr>
+              </a:gs>
+              <a:gs pos="76000">
+                <a:schemeClr val="accent1">
+                  <a:lumMod val="105000"/>
+                  <a:satMod val="103000"/>
+                  <a:tint val="73000"/>
+                </a:schemeClr>
+              </a:gs>
+              <a:gs pos="100000">
+                <a:schemeClr val="accent1">
+                  <a:lumMod val="105000"/>
+                  <a:satMod val="109000"/>
+                  <a:tint val="81000"/>
+                </a:schemeClr>
+              </a:gs>
+            </a:gsLst>
+          </a:gradFill>
         </p:spPr>
         <p:style>
           <a:lnRef idx="1">
@@ -20434,98 +21603,194 @@
           <a:p>
             <a:pPr algn="ctr"/>
             <a:r>
-              <a:rPr lang="en-US" dirty="0" err="1" smtClean="0"/>
+              <a:rPr lang="en-US" sz="2000" dirty="0" err="1">
+                <a:solidFill>
+                  <a:schemeClr val="tx1"/>
+                </a:solidFill>
+              </a:rPr>
               <a:t>Kiểm</a:t>
             </a:r>
             <a:r>
-              <a:rPr lang="en-US" dirty="0" smtClean="0"/>
+              <a:rPr lang="en-US" sz="2000" dirty="0">
+                <a:solidFill>
+                  <a:schemeClr val="tx1"/>
+                </a:solidFill>
+              </a:rPr>
               <a:t> </a:t>
             </a:r>
             <a:r>
-              <a:rPr lang="en-US" dirty="0" err="1" smtClean="0"/>
+              <a:rPr lang="en-US" sz="2000" dirty="0" err="1">
+                <a:solidFill>
+                  <a:schemeClr val="tx1"/>
+                </a:solidFill>
+              </a:rPr>
               <a:t>tra</a:t>
             </a:r>
             <a:r>
-              <a:rPr lang="en-US" dirty="0" smtClean="0"/>
+              <a:rPr lang="en-US" sz="2000" dirty="0">
+                <a:solidFill>
+                  <a:schemeClr val="tx1"/>
+                </a:solidFill>
+              </a:rPr>
               <a:t> </a:t>
             </a:r>
             <a:r>
-              <a:rPr lang="en-US" dirty="0" err="1" smtClean="0"/>
+              <a:rPr lang="en-US" sz="2000" dirty="0" err="1">
+                <a:solidFill>
+                  <a:schemeClr val="tx1"/>
+                </a:solidFill>
+              </a:rPr>
               <a:t>tiến</a:t>
             </a:r>
             <a:r>
-              <a:rPr lang="en-US" dirty="0" smtClean="0"/>
+              <a:rPr lang="en-US" sz="2000" dirty="0">
+                <a:solidFill>
+                  <a:schemeClr val="tx1"/>
+                </a:solidFill>
+              </a:rPr>
               <a:t> </a:t>
             </a:r>
             <a:r>
-              <a:rPr lang="en-US" dirty="0" err="1" smtClean="0"/>
+              <a:rPr lang="en-US" sz="2000" dirty="0" err="1">
+                <a:solidFill>
+                  <a:schemeClr val="tx1"/>
+                </a:solidFill>
+              </a:rPr>
               <a:t>trình</a:t>
             </a:r>
             <a:r>
-              <a:rPr lang="en-US" dirty="0" smtClean="0"/>
+              <a:rPr lang="en-US" sz="2000" dirty="0">
+                <a:solidFill>
+                  <a:schemeClr val="tx1"/>
+                </a:solidFill>
+              </a:rPr>
               <a:t> </a:t>
             </a:r>
             <a:r>
-              <a:rPr lang="en-US" dirty="0" err="1" smtClean="0"/>
+              <a:rPr lang="en-US" sz="2000" dirty="0" err="1">
+                <a:solidFill>
+                  <a:schemeClr val="tx1"/>
+                </a:solidFill>
+              </a:rPr>
               <a:t>gọi</a:t>
             </a:r>
             <a:r>
-              <a:rPr lang="en-US" dirty="0" smtClean="0"/>
+              <a:rPr lang="en-US" sz="2000" dirty="0">
+                <a:solidFill>
+                  <a:schemeClr val="tx1"/>
+                </a:solidFill>
+              </a:rPr>
               <a:t> </a:t>
             </a:r>
             <a:r>
-              <a:rPr lang="en-US" dirty="0" err="1" smtClean="0"/>
+              <a:rPr lang="en-US" sz="2000" dirty="0" err="1">
+                <a:solidFill>
+                  <a:schemeClr val="tx1"/>
+                </a:solidFill>
+              </a:rPr>
               <a:t>hàm</a:t>
             </a:r>
             <a:r>
-              <a:rPr lang="en-US" dirty="0" smtClean="0"/>
+              <a:rPr lang="en-US" sz="2000" dirty="0">
+                <a:solidFill>
+                  <a:schemeClr val="tx1"/>
+                </a:solidFill>
+              </a:rPr>
               <a:t> </a:t>
             </a:r>
             <a:r>
-              <a:rPr lang="en-US" dirty="0" err="1" smtClean="0"/>
+              <a:rPr lang="en-US" sz="2000" dirty="0" err="1">
+                <a:solidFill>
+                  <a:schemeClr val="tx1"/>
+                </a:solidFill>
+              </a:rPr>
               <a:t>và</a:t>
             </a:r>
             <a:r>
-              <a:rPr lang="en-US" dirty="0" smtClean="0"/>
+              <a:rPr lang="en-US" sz="2000" dirty="0">
+                <a:solidFill>
+                  <a:schemeClr val="tx1"/>
+                </a:solidFill>
+              </a:rPr>
               <a:t> </a:t>
             </a:r>
             <a:r>
-              <a:rPr lang="en-US" dirty="0" err="1" smtClean="0"/>
+              <a:rPr lang="en-US" sz="2000" dirty="0" err="1">
+                <a:solidFill>
+                  <a:schemeClr val="tx1"/>
+                </a:solidFill>
+              </a:rPr>
               <a:t>tên</a:t>
             </a:r>
             <a:r>
-              <a:rPr lang="en-US" dirty="0" smtClean="0"/>
+              <a:rPr lang="en-US" sz="2000" dirty="0">
+                <a:solidFill>
+                  <a:schemeClr val="tx1"/>
+                </a:solidFill>
+              </a:rPr>
               <a:t> </a:t>
             </a:r>
             <a:r>
-              <a:rPr lang="en-US" dirty="0" err="1" smtClean="0"/>
+              <a:rPr lang="en-US" sz="2000" dirty="0" err="1">
+                <a:solidFill>
+                  <a:schemeClr val="tx1"/>
+                </a:solidFill>
+              </a:rPr>
               <a:t>ứng</a:t>
             </a:r>
             <a:r>
-              <a:rPr lang="en-US" dirty="0" smtClean="0"/>
+              <a:rPr lang="en-US" sz="2000" dirty="0">
+                <a:solidFill>
+                  <a:schemeClr val="tx1"/>
+                </a:solidFill>
+              </a:rPr>
               <a:t> </a:t>
             </a:r>
             <a:r>
-              <a:rPr lang="en-US" dirty="0" err="1" smtClean="0"/>
+              <a:rPr lang="en-US" sz="2000" dirty="0" err="1">
+                <a:solidFill>
+                  <a:schemeClr val="tx1"/>
+                </a:solidFill>
+              </a:rPr>
               <a:t>dụng</a:t>
             </a:r>
             <a:r>
-              <a:rPr lang="en-US" dirty="0" smtClean="0"/>
+              <a:rPr lang="en-US" sz="2000" dirty="0">
+                <a:solidFill>
+                  <a:schemeClr val="tx1"/>
+                </a:solidFill>
+              </a:rPr>
               <a:t> </a:t>
             </a:r>
             <a:r>
-              <a:rPr lang="en-US" dirty="0" err="1" smtClean="0"/>
+              <a:rPr lang="en-US" sz="2000" dirty="0" err="1">
+                <a:solidFill>
+                  <a:schemeClr val="tx1"/>
+                </a:solidFill>
+              </a:rPr>
               <a:t>được</a:t>
             </a:r>
             <a:r>
-              <a:rPr lang="en-US" dirty="0" smtClean="0"/>
+              <a:rPr lang="en-US" sz="2000" dirty="0">
+                <a:solidFill>
+                  <a:schemeClr val="tx1"/>
+                </a:solidFill>
+              </a:rPr>
               <a:t> </a:t>
             </a:r>
             <a:r>
-              <a:rPr lang="en-US" dirty="0" err="1" smtClean="0"/>
+              <a:rPr lang="en-US" sz="2000" dirty="0" err="1">
+                <a:solidFill>
+                  <a:schemeClr val="tx1"/>
+                </a:solidFill>
+              </a:rPr>
               <a:t>tạo</a:t>
             </a:r>
-            <a:endParaRPr lang="en-US" dirty="0"/>
+            <a:endParaRPr lang="en-US" sz="2000" dirty="0">
+              <a:solidFill>
+                <a:schemeClr val="tx1"/>
+              </a:solidFill>
+            </a:endParaRPr>
           </a:p>
         </p:txBody>
       </p:sp>
@@ -20537,12 +21802,36 @@
         </p:nvSpPr>
         <p:spPr>
           <a:xfrm>
-            <a:off x="3424973" y="2211082"/>
-            <a:ext cx="2362200" cy="838200"/>
+            <a:off x="3424973" y="2216322"/>
+            <a:ext cx="2362200" cy="1075850"/>
           </a:xfrm>
           <a:prstGeom prst="roundRect">
             <a:avLst/>
           </a:prstGeom>
+          <a:gradFill>
+            <a:gsLst>
+              <a:gs pos="0">
+                <a:schemeClr val="accent1">
+                  <a:lumMod val="20000"/>
+                  <a:lumOff val="80000"/>
+                </a:schemeClr>
+              </a:gs>
+              <a:gs pos="76000">
+                <a:schemeClr val="accent1">
+                  <a:lumMod val="105000"/>
+                  <a:satMod val="103000"/>
+                  <a:tint val="73000"/>
+                </a:schemeClr>
+              </a:gs>
+              <a:gs pos="100000">
+                <a:schemeClr val="accent1">
+                  <a:lumMod val="105000"/>
+                  <a:satMod val="109000"/>
+                  <a:tint val="81000"/>
+                </a:schemeClr>
+              </a:gs>
+            </a:gsLst>
+          </a:gradFill>
         </p:spPr>
         <p:style>
           <a:lnRef idx="1">
@@ -20564,46 +21853,114 @@
           <a:p>
             <a:pPr algn="ctr"/>
             <a:r>
-              <a:rPr lang="en-US" dirty="0" err="1" smtClean="0"/>
+              <a:rPr lang="en-US" sz="2000" dirty="0" err="1">
+                <a:solidFill>
+                  <a:schemeClr val="tx1"/>
+                </a:solidFill>
+              </a:rPr>
               <a:t>Gọi</a:t>
             </a:r>
             <a:r>
-              <a:rPr lang="en-US" dirty="0" smtClean="0"/>
+              <a:rPr lang="en-US" sz="2000" dirty="0">
+                <a:solidFill>
+                  <a:schemeClr val="tx1"/>
+                </a:solidFill>
+              </a:rPr>
               <a:t> </a:t>
             </a:r>
             <a:r>
-              <a:rPr lang="en-US" dirty="0" err="1" smtClean="0"/>
+              <a:rPr lang="en-US" sz="2000" dirty="0" err="1">
+                <a:solidFill>
+                  <a:schemeClr val="tx1"/>
+                </a:solidFill>
+              </a:rPr>
               <a:t>hàm</a:t>
             </a:r>
             <a:r>
-              <a:rPr lang="en-US" dirty="0" smtClean="0"/>
+              <a:rPr lang="en-US" sz="2000" dirty="0">
+                <a:solidFill>
+                  <a:schemeClr val="tx1"/>
+                </a:solidFill>
+              </a:rPr>
               <a:t> </a:t>
             </a:r>
             <a:r>
-              <a:rPr lang="en-US" dirty="0" err="1" smtClean="0"/>
+              <a:rPr lang="en-US" sz="2000" dirty="0" err="1" smtClean="0">
+                <a:solidFill>
+                  <a:schemeClr val="tx1"/>
+                </a:solidFill>
+              </a:rPr>
               <a:t>gốc</a:t>
             </a:r>
-            <a:r>
-              <a:rPr lang="en-US" dirty="0" smtClean="0"/>
-              <a:t> ở </a:t>
-            </a:r>
-            <a:r>
-              <a:rPr lang="en-US" dirty="0" err="1" smtClean="0"/>
+            <a:endParaRPr lang="en-US" sz="2000" dirty="0" smtClean="0">
+              <a:solidFill>
+                <a:schemeClr val="tx1"/>
+              </a:solidFill>
+            </a:endParaRPr>
+          </a:p>
+          <a:p>
+            <a:pPr algn="ctr"/>
+            <a:r>
+              <a:rPr lang="en-US" sz="2000" dirty="0" smtClean="0">
+                <a:solidFill>
+                  <a:schemeClr val="tx1"/>
+                </a:solidFill>
+              </a:rPr>
+              <a:t> </a:t>
+            </a:r>
+            <a:r>
+              <a:rPr lang="en-US" sz="2000" dirty="0">
+                <a:solidFill>
+                  <a:schemeClr val="tx1"/>
+                </a:solidFill>
+              </a:rPr>
+              <a:t>ở </a:t>
+            </a:r>
+            <a:r>
+              <a:rPr lang="en-US" sz="2000" dirty="0" err="1">
+                <a:solidFill>
+                  <a:schemeClr val="tx1"/>
+                </a:solidFill>
+              </a:rPr>
               <a:t>chế</a:t>
             </a:r>
             <a:r>
-              <a:rPr lang="en-US" dirty="0" smtClean="0"/>
+              <a:rPr lang="en-US" sz="2000" dirty="0">
+                <a:solidFill>
+                  <a:schemeClr val="tx1"/>
+                </a:solidFill>
+              </a:rPr>
               <a:t> </a:t>
             </a:r>
             <a:r>
-              <a:rPr lang="en-US" dirty="0" err="1" smtClean="0"/>
+              <a:rPr lang="en-US" sz="2000" dirty="0" err="1">
+                <a:solidFill>
+                  <a:schemeClr val="tx1"/>
+                </a:solidFill>
+              </a:rPr>
               <a:t>độ</a:t>
             </a:r>
             <a:r>
-              <a:rPr lang="en-US" dirty="0" smtClean="0"/>
-              <a:t> CREATE_SUSPENDED</a:t>
-            </a:r>
-            <a:endParaRPr lang="en-US" dirty="0"/>
+              <a:rPr lang="en-US" sz="2000" dirty="0">
+                <a:solidFill>
+                  <a:schemeClr val="tx1"/>
+                </a:solidFill>
+              </a:rPr>
+              <a:t> </a:t>
+            </a:r>
+            <a:r>
+              <a:rPr lang="en-US" sz="2000" dirty="0" smtClean="0">
+                <a:solidFill>
+                  <a:schemeClr val="tx1"/>
+                </a:solidFill>
+              </a:rPr>
+              <a:t>CREATE_SUSPENDE</a:t>
+            </a:r>
+            <a:endParaRPr lang="en-US" sz="2000" dirty="0">
+              <a:solidFill>
+                <a:schemeClr val="tx1"/>
+              </a:solidFill>
+            </a:endParaRPr>
           </a:p>
         </p:txBody>
       </p:sp>
@@ -20615,12 +21972,36 @@
         </p:nvSpPr>
         <p:spPr>
           <a:xfrm>
-            <a:off x="3424973" y="3735271"/>
+            <a:off x="3424973" y="3849575"/>
             <a:ext cx="2362200" cy="838200"/>
           </a:xfrm>
           <a:prstGeom prst="roundRect">
             <a:avLst/>
           </a:prstGeom>
+          <a:gradFill>
+            <a:gsLst>
+              <a:gs pos="0">
+                <a:schemeClr val="accent1">
+                  <a:lumMod val="20000"/>
+                  <a:lumOff val="80000"/>
+                </a:schemeClr>
+              </a:gs>
+              <a:gs pos="76000">
+                <a:schemeClr val="accent1">
+                  <a:lumMod val="105000"/>
+                  <a:satMod val="103000"/>
+                  <a:tint val="73000"/>
+                </a:schemeClr>
+              </a:gs>
+              <a:gs pos="100000">
+                <a:schemeClr val="accent1">
+                  <a:lumMod val="105000"/>
+                  <a:satMod val="109000"/>
+                  <a:tint val="81000"/>
+                </a:schemeClr>
+              </a:gs>
+            </a:gsLst>
+          </a:gradFill>
         </p:spPr>
         <p:style>
           <a:lnRef idx="1">
@@ -20642,54 +22023,106 @@
           <a:p>
             <a:pPr algn="ctr"/>
             <a:r>
-              <a:rPr lang="en-US" dirty="0" err="1" smtClean="0"/>
+              <a:rPr lang="en-US" sz="2000" dirty="0" err="1">
+                <a:solidFill>
+                  <a:schemeClr val="tx1"/>
+                </a:solidFill>
+              </a:rPr>
               <a:t>Chèn</a:t>
             </a:r>
             <a:r>
-              <a:rPr lang="en-US" dirty="0" smtClean="0"/>
+              <a:rPr lang="en-US" sz="2000" dirty="0">
+                <a:solidFill>
+                  <a:schemeClr val="tx1"/>
+                </a:solidFill>
+              </a:rPr>
               <a:t> DLL </a:t>
             </a:r>
             <a:r>
-              <a:rPr lang="en-US" dirty="0" err="1" smtClean="0"/>
+              <a:rPr lang="en-US" sz="2000" dirty="0" err="1">
+                <a:solidFill>
+                  <a:schemeClr val="tx1"/>
+                </a:solidFill>
+              </a:rPr>
               <a:t>vào</a:t>
             </a:r>
             <a:r>
-              <a:rPr lang="en-US" dirty="0" smtClean="0"/>
+              <a:rPr lang="en-US" sz="2000" dirty="0">
+                <a:solidFill>
+                  <a:schemeClr val="tx1"/>
+                </a:solidFill>
+              </a:rPr>
               <a:t> </a:t>
             </a:r>
             <a:r>
-              <a:rPr lang="en-US" dirty="0" err="1" smtClean="0"/>
+              <a:rPr lang="en-US" sz="2000" dirty="0" err="1">
+                <a:solidFill>
+                  <a:schemeClr val="tx1"/>
+                </a:solidFill>
+              </a:rPr>
               <a:t>ứng</a:t>
             </a:r>
             <a:r>
-              <a:rPr lang="en-US" dirty="0" smtClean="0"/>
+              <a:rPr lang="en-US" sz="2000" dirty="0">
+                <a:solidFill>
+                  <a:schemeClr val="tx1"/>
+                </a:solidFill>
+              </a:rPr>
               <a:t> </a:t>
             </a:r>
             <a:r>
-              <a:rPr lang="en-US" dirty="0" err="1" smtClean="0"/>
+              <a:rPr lang="en-US" sz="2000" dirty="0" err="1">
+                <a:solidFill>
+                  <a:schemeClr val="tx1"/>
+                </a:solidFill>
+              </a:rPr>
               <a:t>dụng</a:t>
             </a:r>
             <a:r>
-              <a:rPr lang="en-US" dirty="0" smtClean="0"/>
+              <a:rPr lang="en-US" sz="2000" dirty="0">
+                <a:solidFill>
+                  <a:schemeClr val="tx1"/>
+                </a:solidFill>
+              </a:rPr>
               <a:t> </a:t>
             </a:r>
             <a:r>
-              <a:rPr lang="en-US" dirty="0" err="1" smtClean="0"/>
+              <a:rPr lang="en-US" sz="2000" dirty="0" err="1">
+                <a:solidFill>
+                  <a:schemeClr val="tx1"/>
+                </a:solidFill>
+              </a:rPr>
               <a:t>được</a:t>
             </a:r>
             <a:r>
-              <a:rPr lang="en-US" dirty="0" smtClean="0"/>
+              <a:rPr lang="en-US" sz="2000" dirty="0">
+                <a:solidFill>
+                  <a:schemeClr val="tx1"/>
+                </a:solidFill>
+              </a:rPr>
               <a:t> </a:t>
             </a:r>
             <a:r>
-              <a:rPr lang="en-US" dirty="0" err="1" smtClean="0"/>
+              <a:rPr lang="en-US" sz="2000" dirty="0" err="1">
+                <a:solidFill>
+                  <a:schemeClr val="tx1"/>
+                </a:solidFill>
+              </a:rPr>
               <a:t>tạo</a:t>
             </a:r>
             <a:r>
-              <a:rPr lang="en-US" dirty="0" smtClean="0"/>
+              <a:rPr lang="en-US" sz="2000" dirty="0">
+                <a:solidFill>
+                  <a:schemeClr val="tx1"/>
+                </a:solidFill>
+              </a:rPr>
               <a:t> </a:t>
             </a:r>
-            <a:endParaRPr lang="en-US" dirty="0"/>
+            <a:endParaRPr lang="en-US" sz="2000" dirty="0">
+              <a:solidFill>
+                <a:schemeClr val="tx1"/>
+              </a:solidFill>
+            </a:endParaRPr>
           </a:p>
         </p:txBody>
       </p:sp>
@@ -20707,6 +22140,30 @@
           <a:prstGeom prst="roundRect">
             <a:avLst/>
           </a:prstGeom>
+          <a:gradFill>
+            <a:gsLst>
+              <a:gs pos="0">
+                <a:schemeClr val="accent1">
+                  <a:lumMod val="20000"/>
+                  <a:lumOff val="80000"/>
+                </a:schemeClr>
+              </a:gs>
+              <a:gs pos="76000">
+                <a:schemeClr val="accent1">
+                  <a:lumMod val="105000"/>
+                  <a:satMod val="103000"/>
+                  <a:tint val="73000"/>
+                </a:schemeClr>
+              </a:gs>
+              <a:gs pos="100000">
+                <a:schemeClr val="accent1">
+                  <a:lumMod val="105000"/>
+                  <a:satMod val="109000"/>
+                  <a:tint val="81000"/>
+                </a:schemeClr>
+              </a:gs>
+            </a:gsLst>
+          </a:gradFill>
         </p:spPr>
         <p:style>
           <a:lnRef idx="1">
@@ -20728,66 +22185,130 @@
           <a:p>
             <a:pPr algn="ctr"/>
             <a:r>
-              <a:rPr lang="en-US" dirty="0" err="1" smtClean="0"/>
+              <a:rPr lang="en-US" sz="2000" dirty="0" err="1">
+                <a:solidFill>
+                  <a:schemeClr val="tx1"/>
+                </a:solidFill>
+              </a:rPr>
               <a:t>Trả</a:t>
             </a:r>
             <a:r>
-              <a:rPr lang="en-US" dirty="0" smtClean="0"/>
+              <a:rPr lang="en-US" sz="2000" dirty="0">
+                <a:solidFill>
+                  <a:schemeClr val="tx1"/>
+                </a:solidFill>
+              </a:rPr>
               <a:t> </a:t>
             </a:r>
             <a:r>
-              <a:rPr lang="en-US" dirty="0" err="1" smtClean="0"/>
+              <a:rPr lang="en-US" sz="2000" dirty="0" err="1">
+                <a:solidFill>
+                  <a:schemeClr val="tx1"/>
+                </a:solidFill>
+              </a:rPr>
               <a:t>về</a:t>
             </a:r>
             <a:r>
-              <a:rPr lang="en-US" dirty="0" smtClean="0"/>
+              <a:rPr lang="en-US" sz="2000" dirty="0">
+                <a:solidFill>
+                  <a:schemeClr val="tx1"/>
+                </a:solidFill>
+              </a:rPr>
               <a:t> </a:t>
             </a:r>
             <a:r>
-              <a:rPr lang="en-US" dirty="0" err="1" smtClean="0"/>
+              <a:rPr lang="en-US" sz="2000" dirty="0" err="1">
+                <a:solidFill>
+                  <a:schemeClr val="tx1"/>
+                </a:solidFill>
+              </a:rPr>
               <a:t>thông</a:t>
             </a:r>
             <a:r>
-              <a:rPr lang="en-US" dirty="0" smtClean="0"/>
+              <a:rPr lang="en-US" sz="2000" dirty="0">
+                <a:solidFill>
+                  <a:schemeClr val="tx1"/>
+                </a:solidFill>
+              </a:rPr>
               <a:t> tin </a:t>
             </a:r>
             <a:r>
-              <a:rPr lang="en-US" dirty="0" err="1" smtClean="0"/>
+              <a:rPr lang="en-US" sz="2000" dirty="0" err="1">
+                <a:solidFill>
+                  <a:schemeClr val="tx1"/>
+                </a:solidFill>
+              </a:rPr>
               <a:t>cho</a:t>
             </a:r>
             <a:r>
-              <a:rPr lang="en-US" dirty="0" smtClean="0"/>
+              <a:rPr lang="en-US" sz="2000" dirty="0">
+                <a:solidFill>
+                  <a:schemeClr val="tx1"/>
+                </a:solidFill>
+              </a:rPr>
               <a:t> </a:t>
             </a:r>
             <a:r>
-              <a:rPr lang="en-US" dirty="0" err="1" smtClean="0"/>
+              <a:rPr lang="en-US" sz="2000" dirty="0" err="1">
+                <a:solidFill>
+                  <a:schemeClr val="tx1"/>
+                </a:solidFill>
+              </a:rPr>
               <a:t>ứng</a:t>
             </a:r>
             <a:r>
-              <a:rPr lang="en-US" dirty="0" smtClean="0"/>
+              <a:rPr lang="en-US" sz="2000" dirty="0">
+                <a:solidFill>
+                  <a:schemeClr val="tx1"/>
+                </a:solidFill>
+              </a:rPr>
               <a:t> </a:t>
             </a:r>
             <a:r>
-              <a:rPr lang="en-US" dirty="0" err="1" smtClean="0"/>
+              <a:rPr lang="en-US" sz="2000" dirty="0" err="1">
+                <a:solidFill>
+                  <a:schemeClr val="tx1"/>
+                </a:solidFill>
+              </a:rPr>
               <a:t>dụng</a:t>
             </a:r>
             <a:r>
-              <a:rPr lang="en-US" dirty="0" smtClean="0"/>
+              <a:rPr lang="en-US" sz="2000" dirty="0">
+                <a:solidFill>
+                  <a:schemeClr val="tx1"/>
+                </a:solidFill>
+              </a:rPr>
               <a:t> </a:t>
             </a:r>
             <a:r>
-              <a:rPr lang="en-US" dirty="0" err="1" smtClean="0"/>
+              <a:rPr lang="en-US" sz="2000" dirty="0" err="1">
+                <a:solidFill>
+                  <a:schemeClr val="tx1"/>
+                </a:solidFill>
+              </a:rPr>
               <a:t>được</a:t>
             </a:r>
             <a:r>
-              <a:rPr lang="en-US" dirty="0" smtClean="0"/>
+              <a:rPr lang="en-US" sz="2000" dirty="0">
+                <a:solidFill>
+                  <a:schemeClr val="tx1"/>
+                </a:solidFill>
+              </a:rPr>
               <a:t> </a:t>
             </a:r>
             <a:r>
-              <a:rPr lang="en-US" dirty="0" err="1" smtClean="0"/>
+              <a:rPr lang="en-US" sz="2000" dirty="0" err="1">
+                <a:solidFill>
+                  <a:schemeClr val="tx1"/>
+                </a:solidFill>
+              </a:rPr>
               <a:t>tạo</a:t>
             </a:r>
-            <a:endParaRPr lang="en-US" dirty="0"/>
+            <a:endParaRPr lang="en-US" sz="2000" dirty="0">
+              <a:solidFill>
+                <a:schemeClr val="tx1"/>
+              </a:solidFill>
+            </a:endParaRPr>
           </a:p>
         </p:txBody>
       </p:sp>
@@ -20799,8 +22320,8 @@
         </p:nvSpPr>
         <p:spPr>
           <a:xfrm rot="5400000">
-            <a:off x="4243309" y="1683142"/>
-            <a:ext cx="703119" cy="295820"/>
+            <a:off x="4292414" y="1732248"/>
+            <a:ext cx="604909" cy="295820"/>
           </a:xfrm>
           <a:prstGeom prst="rightArrow">
             <a:avLst/>
@@ -20837,8 +22358,8 @@
         </p:nvSpPr>
         <p:spPr>
           <a:xfrm rot="5400000">
-            <a:off x="4254512" y="3239067"/>
-            <a:ext cx="703119" cy="318225"/>
+            <a:off x="4322238" y="3429214"/>
+            <a:ext cx="545261" cy="295821"/>
           </a:xfrm>
           <a:prstGeom prst="rightArrow">
             <a:avLst/>
@@ -20875,8 +22396,8 @@
         </p:nvSpPr>
         <p:spPr>
           <a:xfrm rot="5400000">
-            <a:off x="4254512" y="4754937"/>
-            <a:ext cx="703119" cy="318225"/>
+            <a:off x="4323315" y="4823740"/>
+            <a:ext cx="565512" cy="318226"/>
           </a:xfrm>
           <a:prstGeom prst="rightArrow">
             <a:avLst/>
@@ -20950,6 +22471,30 @@
           <a:prstGeom prst="roundRect">
             <a:avLst/>
           </a:prstGeom>
+          <a:gradFill>
+            <a:gsLst>
+              <a:gs pos="0">
+                <a:schemeClr val="accent1">
+                  <a:lumMod val="20000"/>
+                  <a:lumOff val="80000"/>
+                </a:schemeClr>
+              </a:gs>
+              <a:gs pos="76000">
+                <a:schemeClr val="accent1">
+                  <a:lumMod val="105000"/>
+                  <a:satMod val="103000"/>
+                  <a:tint val="73000"/>
+                </a:schemeClr>
+              </a:gs>
+              <a:gs pos="100000">
+                <a:schemeClr val="accent1">
+                  <a:lumMod val="105000"/>
+                  <a:satMod val="109000"/>
+                  <a:tint val="81000"/>
+                </a:schemeClr>
+              </a:gs>
+            </a:gsLst>
+          </a:gradFill>
         </p:spPr>
         <p:style>
           <a:lnRef idx="1">
@@ -20971,34 +22516,66 @@
           <a:p>
             <a:pPr algn="ctr"/>
             <a:r>
-              <a:rPr lang="en-US" dirty="0" err="1" smtClean="0"/>
+              <a:rPr lang="en-US" sz="2000" dirty="0" err="1">
+                <a:solidFill>
+                  <a:schemeClr val="tx1"/>
+                </a:solidFill>
+              </a:rPr>
               <a:t>Gọi</a:t>
             </a:r>
             <a:r>
-              <a:rPr lang="en-US" dirty="0" smtClean="0"/>
+              <a:rPr lang="en-US" sz="2000" dirty="0">
+                <a:solidFill>
+                  <a:schemeClr val="tx1"/>
+                </a:solidFill>
+              </a:rPr>
               <a:t> </a:t>
             </a:r>
             <a:r>
-              <a:rPr lang="en-US" dirty="0" err="1" smtClean="0"/>
+              <a:rPr lang="en-US" sz="2000" dirty="0" err="1">
+                <a:solidFill>
+                  <a:schemeClr val="tx1"/>
+                </a:solidFill>
+              </a:rPr>
               <a:t>lại</a:t>
             </a:r>
             <a:r>
-              <a:rPr lang="en-US" dirty="0" smtClean="0"/>
+              <a:rPr lang="en-US" sz="2000" dirty="0">
+                <a:solidFill>
+                  <a:schemeClr val="tx1"/>
+                </a:solidFill>
+              </a:rPr>
               <a:t> </a:t>
             </a:r>
             <a:r>
-              <a:rPr lang="en-US" dirty="0" err="1" smtClean="0"/>
+              <a:rPr lang="en-US" sz="2000" dirty="0" err="1">
+                <a:solidFill>
+                  <a:schemeClr val="tx1"/>
+                </a:solidFill>
+              </a:rPr>
               <a:t>hàm</a:t>
             </a:r>
             <a:r>
-              <a:rPr lang="en-US" dirty="0" smtClean="0"/>
+              <a:rPr lang="en-US" sz="2000" dirty="0">
+                <a:solidFill>
+                  <a:schemeClr val="tx1"/>
+                </a:solidFill>
+              </a:rPr>
               <a:t> </a:t>
             </a:r>
             <a:r>
-              <a:rPr lang="en-US" dirty="0" err="1" smtClean="0"/>
+              <a:rPr lang="en-US" sz="2000" dirty="0" err="1">
+                <a:solidFill>
+                  <a:schemeClr val="tx1"/>
+                </a:solidFill>
+              </a:rPr>
               <a:t>gốc</a:t>
             </a:r>
-            <a:endParaRPr lang="en-US" dirty="0"/>
+            <a:endParaRPr lang="en-US" sz="2000" dirty="0">
+              <a:solidFill>
+                <a:schemeClr val="tx1"/>
+              </a:solidFill>
+            </a:endParaRPr>
           </a:p>
         </p:txBody>
       </p:sp>
@@ -21045,7 +22622,7 @@
         </p:nvSpPr>
         <p:spPr>
           <a:xfrm>
-            <a:off x="3452648" y="1532870"/>
+            <a:off x="3452648" y="1575734"/>
             <a:ext cx="805029" cy="369332"/>
           </a:xfrm>
           <a:prstGeom prst="rect">
@@ -21165,6 +22742,30 @@
           <a:prstGeom prst="roundRect">
             <a:avLst/>
           </a:prstGeom>
+          <a:gradFill>
+            <a:gsLst>
+              <a:gs pos="0">
+                <a:schemeClr val="accent1">
+                  <a:lumMod val="20000"/>
+                  <a:lumOff val="80000"/>
+                </a:schemeClr>
+              </a:gs>
+              <a:gs pos="76000">
+                <a:schemeClr val="accent1">
+                  <a:lumMod val="105000"/>
+                  <a:satMod val="103000"/>
+                  <a:tint val="73000"/>
+                </a:schemeClr>
+              </a:gs>
+              <a:gs pos="100000">
+                <a:schemeClr val="accent1">
+                  <a:lumMod val="105000"/>
+                  <a:satMod val="109000"/>
+                  <a:tint val="81000"/>
+                </a:schemeClr>
+              </a:gs>
+            </a:gsLst>
+          </a:gradFill>
         </p:spPr>
         <p:style>
           <a:lnRef idx="1">
@@ -21186,34 +22787,66 @@
           <a:p>
             <a:pPr algn="ctr"/>
             <a:r>
-              <a:rPr lang="en-US" dirty="0" err="1" smtClean="0"/>
+              <a:rPr lang="en-US" sz="2000" dirty="0" err="1">
+                <a:solidFill>
+                  <a:schemeClr val="tx1"/>
+                </a:solidFill>
+              </a:rPr>
               <a:t>Ứng</a:t>
             </a:r>
             <a:r>
-              <a:rPr lang="en-US" dirty="0" smtClean="0"/>
+              <a:rPr lang="en-US" sz="2000" dirty="0">
+                <a:solidFill>
+                  <a:schemeClr val="tx1"/>
+                </a:solidFill>
+              </a:rPr>
               <a:t> </a:t>
             </a:r>
             <a:r>
-              <a:rPr lang="en-US" dirty="0" err="1" smtClean="0"/>
+              <a:rPr lang="en-US" sz="2000" dirty="0" err="1">
+                <a:solidFill>
+                  <a:schemeClr val="tx1"/>
+                </a:solidFill>
+              </a:rPr>
               <a:t>dụng</a:t>
             </a:r>
             <a:r>
-              <a:rPr lang="en-US" dirty="0" smtClean="0"/>
+              <a:rPr lang="en-US" sz="2000" dirty="0">
+                <a:solidFill>
+                  <a:schemeClr val="tx1"/>
+                </a:solidFill>
+              </a:rPr>
               <a:t> </a:t>
             </a:r>
             <a:r>
-              <a:rPr lang="en-US" dirty="0" err="1" smtClean="0"/>
+              <a:rPr lang="en-US" sz="2000" dirty="0" err="1">
+                <a:solidFill>
+                  <a:schemeClr val="tx1"/>
+                </a:solidFill>
+              </a:rPr>
               <a:t>mục</a:t>
             </a:r>
             <a:r>
-              <a:rPr lang="en-US" dirty="0" smtClean="0"/>
+              <a:rPr lang="en-US" sz="2000" dirty="0">
+                <a:solidFill>
+                  <a:schemeClr val="tx1"/>
+                </a:solidFill>
+              </a:rPr>
               <a:t> </a:t>
             </a:r>
             <a:r>
-              <a:rPr lang="en-US" dirty="0" err="1" smtClean="0"/>
+              <a:rPr lang="en-US" sz="2000" dirty="0" err="1">
+                <a:solidFill>
+                  <a:schemeClr val="tx1"/>
+                </a:solidFill>
+              </a:rPr>
               <a:t>tiêu</a:t>
             </a:r>
-            <a:endParaRPr lang="en-US" dirty="0"/>
+            <a:endParaRPr lang="en-US" sz="2000" dirty="0">
+              <a:solidFill>
+                <a:schemeClr val="tx1"/>
+              </a:solidFill>
+            </a:endParaRPr>
           </a:p>
         </p:txBody>
       </p:sp>
@@ -21231,6 +22864,30 @@
           <a:prstGeom prst="roundRect">
             <a:avLst/>
           </a:prstGeom>
+          <a:gradFill>
+            <a:gsLst>
+              <a:gs pos="0">
+                <a:schemeClr val="accent1">
+                  <a:lumMod val="20000"/>
+                  <a:lumOff val="80000"/>
+                </a:schemeClr>
+              </a:gs>
+              <a:gs pos="76000">
+                <a:schemeClr val="accent1">
+                  <a:lumMod val="105000"/>
+                  <a:satMod val="103000"/>
+                  <a:tint val="73000"/>
+                </a:schemeClr>
+              </a:gs>
+              <a:gs pos="100000">
+                <a:schemeClr val="accent1">
+                  <a:lumMod val="105000"/>
+                  <a:satMod val="109000"/>
+                  <a:tint val="81000"/>
+                </a:schemeClr>
+              </a:gs>
+            </a:gsLst>
+          </a:gradFill>
         </p:spPr>
         <p:style>
           <a:lnRef idx="1">
@@ -21252,17 +22909,29 @@
           <a:p>
             <a:pPr algn="ctr"/>
             <a:r>
-              <a:rPr lang="en-US" dirty="0" smtClean="0"/>
+              <a:rPr lang="en-US" sz="2000" dirty="0">
+                <a:solidFill>
+                  <a:schemeClr val="tx1"/>
+                </a:solidFill>
+              </a:rPr>
               <a:t>Proxy DLL</a:t>
             </a:r>
           </a:p>
           <a:p>
             <a:pPr algn="ctr"/>
             <a:r>
-              <a:rPr lang="en-US" dirty="0" smtClean="0"/>
+              <a:rPr lang="en-US" sz="2000" dirty="0">
+                <a:solidFill>
+                  <a:schemeClr val="tx1"/>
+                </a:solidFill>
+              </a:rPr>
               <a:t>(A.DLL)</a:t>
             </a:r>
-            <a:endParaRPr lang="en-US" dirty="0"/>
+            <a:endParaRPr lang="en-US" sz="2000" dirty="0">
+              <a:solidFill>
+                <a:schemeClr val="tx1"/>
+              </a:solidFill>
+            </a:endParaRPr>
           </a:p>
         </p:txBody>
       </p:sp>
@@ -21280,6 +22949,30 @@
           <a:prstGeom prst="roundRect">
             <a:avLst/>
           </a:prstGeom>
+          <a:gradFill>
+            <a:gsLst>
+              <a:gs pos="0">
+                <a:schemeClr val="accent1">
+                  <a:lumMod val="20000"/>
+                  <a:lumOff val="80000"/>
+                </a:schemeClr>
+              </a:gs>
+              <a:gs pos="76000">
+                <a:schemeClr val="accent1">
+                  <a:lumMod val="105000"/>
+                  <a:satMod val="103000"/>
+                  <a:tint val="73000"/>
+                </a:schemeClr>
+              </a:gs>
+              <a:gs pos="100000">
+                <a:schemeClr val="accent1">
+                  <a:lumMod val="105000"/>
+                  <a:satMod val="109000"/>
+                  <a:tint val="81000"/>
+                </a:schemeClr>
+              </a:gs>
+            </a:gsLst>
+          </a:gradFill>
         </p:spPr>
         <p:style>
           <a:lnRef idx="1">
@@ -21301,22 +22994,42 @@
           <a:p>
             <a:pPr algn="ctr"/>
             <a:r>
-              <a:rPr lang="en-US" dirty="0" smtClean="0"/>
+              <a:rPr lang="en-US" sz="2000" dirty="0">
+                <a:solidFill>
+                  <a:schemeClr val="tx1"/>
+                </a:solidFill>
+              </a:rPr>
               <a:t>DLL ban </a:t>
             </a:r>
             <a:r>
-              <a:rPr lang="en-US" dirty="0" err="1" smtClean="0"/>
+              <a:rPr lang="en-US" sz="2000" dirty="0" err="1">
+                <a:solidFill>
+                  <a:schemeClr val="tx1"/>
+                </a:solidFill>
+              </a:rPr>
               <a:t>đầu</a:t>
             </a:r>
-            <a:endParaRPr lang="en-US" dirty="0" smtClean="0"/>
+            <a:endParaRPr lang="en-US" sz="2000" dirty="0">
+              <a:solidFill>
+                <a:schemeClr val="tx1"/>
+              </a:solidFill>
+            </a:endParaRPr>
           </a:p>
           <a:p>
             <a:pPr algn="ctr"/>
             <a:r>
-              <a:rPr lang="en-US" dirty="0" smtClean="0"/>
+              <a:rPr lang="en-US" sz="2000" dirty="0">
+                <a:solidFill>
+                  <a:schemeClr val="tx1"/>
+                </a:solidFill>
+              </a:rPr>
               <a:t>(A.DLL)</a:t>
             </a:r>
-            <a:endParaRPr lang="en-US" dirty="0"/>
+            <a:endParaRPr lang="en-US" sz="2000" dirty="0">
+              <a:solidFill>
+                <a:schemeClr val="tx1"/>
+              </a:solidFill>
+            </a:endParaRPr>
           </a:p>
         </p:txBody>
       </p:sp>
@@ -21334,6 +23047,30 @@
           <a:prstGeom prst="roundRect">
             <a:avLst/>
           </a:prstGeom>
+          <a:gradFill>
+            <a:gsLst>
+              <a:gs pos="0">
+                <a:schemeClr val="accent1">
+                  <a:lumMod val="20000"/>
+                  <a:lumOff val="80000"/>
+                </a:schemeClr>
+              </a:gs>
+              <a:gs pos="76000">
+                <a:schemeClr val="accent1">
+                  <a:lumMod val="105000"/>
+                  <a:satMod val="103000"/>
+                  <a:tint val="73000"/>
+                </a:schemeClr>
+              </a:gs>
+              <a:gs pos="100000">
+                <a:schemeClr val="accent1">
+                  <a:lumMod val="105000"/>
+                  <a:satMod val="109000"/>
+                  <a:tint val="81000"/>
+                </a:schemeClr>
+              </a:gs>
+            </a:gsLst>
+          </a:gradFill>
         </p:spPr>
         <p:style>
           <a:lnRef idx="1">
@@ -21355,18 +23092,34 @@
           <a:p>
             <a:pPr algn="ctr"/>
             <a:r>
-              <a:rPr lang="en-US" dirty="0" err="1" smtClean="0"/>
+              <a:rPr lang="en-US" sz="2000" dirty="0" err="1">
+                <a:solidFill>
+                  <a:schemeClr val="tx1"/>
+                </a:solidFill>
+              </a:rPr>
               <a:t>Hệ</a:t>
             </a:r>
             <a:r>
-              <a:rPr lang="en-US" dirty="0" smtClean="0"/>
+              <a:rPr lang="en-US" sz="2000" dirty="0">
+                <a:solidFill>
+                  <a:schemeClr val="tx1"/>
+                </a:solidFill>
+              </a:rPr>
               <a:t> </a:t>
             </a:r>
             <a:r>
-              <a:rPr lang="en-US" dirty="0" err="1" smtClean="0"/>
+              <a:rPr lang="en-US" sz="2000" dirty="0" err="1">
+                <a:solidFill>
+                  <a:schemeClr val="tx1"/>
+                </a:solidFill>
+              </a:rPr>
               <a:t>thống</a:t>
             </a:r>
-            <a:endParaRPr lang="en-US" dirty="0"/>
+            <a:endParaRPr lang="en-US" sz="2000" dirty="0">
+              <a:solidFill>
+                <a:schemeClr val="tx1"/>
+              </a:solidFill>
+            </a:endParaRPr>
           </a:p>
         </p:txBody>
       </p:sp>
@@ -21500,7 +23253,7 @@
           </a:xfrm>
           <a:prstGeom prst="curvedConnector3">
             <a:avLst>
-              <a:gd name="adj1" fmla="val 11107323"/>
+              <a:gd name="adj1" fmla="val 8489142"/>
             </a:avLst>
           </a:prstGeom>
           <a:ln w="127000">
@@ -21526,6 +23279,823 @@
     <p:extLst>
       <p:ext uri="{BB962C8B-B14F-4D97-AF65-F5344CB8AC3E}">
         <p14:creationId xmlns:p14="http://schemas.microsoft.com/office/powerpoint/2010/main" val="1882743543"/>
+      </p:ext>
+    </p:extLst>
+  </p:cSld>
+  <p:clrMapOvr>
+    <a:masterClrMapping/>
+  </p:clrMapOvr>
+</p:sld>
+</file>
+
+<file path=ppt/slides/slide23.xml><?xml version="1.0" encoding="utf-8"?>
+<p:sld xmlns:a="http://schemas.openxmlformats.org/drawingml/2006/main" xmlns:r="http://schemas.openxmlformats.org/officeDocument/2006/relationships" xmlns:p="http://schemas.openxmlformats.org/presentationml/2006/main">
+  <p:cSld>
+    <p:spTree>
+      <p:nvGrpSpPr>
+        <p:cNvPr id="1" name=""/>
+        <p:cNvGrpSpPr/>
+        <p:nvPr/>
+      </p:nvGrpSpPr>
+      <p:grpSpPr>
+        <a:xfrm>
+          <a:off x="0" y="0"/>
+          <a:ext cx="0" cy="0"/>
+          <a:chOff x="0" y="0"/>
+          <a:chExt cx="0" cy="0"/>
+        </a:xfrm>
+      </p:grpSpPr>
+      <p:sp>
+        <p:nvSpPr>
+          <p:cNvPr id="4" name="Rounded Rectangle 3"/>
+          <p:cNvSpPr/>
+          <p:nvPr/>
+        </p:nvSpPr>
+        <p:spPr>
+          <a:xfrm>
+            <a:off x="558078" y="3548359"/>
+            <a:ext cx="2362200" cy="838200"/>
+          </a:xfrm>
+          <a:prstGeom prst="roundRect">
+            <a:avLst/>
+          </a:prstGeom>
+          <a:gradFill>
+            <a:gsLst>
+              <a:gs pos="0">
+                <a:schemeClr val="accent1">
+                  <a:lumMod val="20000"/>
+                  <a:lumOff val="80000"/>
+                </a:schemeClr>
+              </a:gs>
+              <a:gs pos="76000">
+                <a:schemeClr val="accent1">
+                  <a:lumMod val="105000"/>
+                  <a:satMod val="103000"/>
+                  <a:tint val="73000"/>
+                </a:schemeClr>
+              </a:gs>
+              <a:gs pos="100000">
+                <a:schemeClr val="accent1">
+                  <a:lumMod val="105000"/>
+                  <a:satMod val="109000"/>
+                  <a:tint val="81000"/>
+                </a:schemeClr>
+              </a:gs>
+            </a:gsLst>
+          </a:gradFill>
+        </p:spPr>
+        <p:style>
+          <a:lnRef idx="1">
+            <a:schemeClr val="accent1"/>
+          </a:lnRef>
+          <a:fillRef idx="2">
+            <a:schemeClr val="accent1"/>
+          </a:fillRef>
+          <a:effectRef idx="1">
+            <a:schemeClr val="accent1"/>
+          </a:effectRef>
+          <a:fontRef idx="minor">
+            <a:schemeClr val="dk1"/>
+          </a:fontRef>
+        </p:style>
+        <p:txBody>
+          <a:bodyPr rtlCol="0" anchor="ctr"/>
+          <a:lstStyle/>
+          <a:p>
+            <a:pPr algn="ctr"/>
+            <a:r>
+              <a:rPr lang="en-US" sz="2000" dirty="0">
+                <a:solidFill>
+                  <a:schemeClr val="tx1"/>
+                </a:solidFill>
+              </a:rPr>
+              <a:t>Call </a:t>
+            </a:r>
+            <a:r>
+              <a:rPr lang="en-US" sz="2000" dirty="0" err="1">
+                <a:solidFill>
+                  <a:schemeClr val="tx1"/>
+                </a:solidFill>
+              </a:rPr>
+              <a:t>ReadFile</a:t>
+            </a:r>
+            <a:r>
+              <a:rPr lang="en-US" sz="2000" dirty="0">
+                <a:solidFill>
+                  <a:schemeClr val="tx1"/>
+                </a:solidFill>
+              </a:rPr>
+              <a:t>()</a:t>
+            </a:r>
+            <a:endParaRPr lang="en-US" sz="2000" dirty="0">
+              <a:solidFill>
+                <a:schemeClr val="tx1"/>
+              </a:solidFill>
+            </a:endParaRPr>
+          </a:p>
+        </p:txBody>
+      </p:sp>
+      <p:sp>
+        <p:nvSpPr>
+          <p:cNvPr id="5" name="Rounded Rectangle 4"/>
+          <p:cNvSpPr/>
+          <p:nvPr/>
+        </p:nvSpPr>
+        <p:spPr>
+          <a:xfrm>
+            <a:off x="4436752" y="1616352"/>
+            <a:ext cx="2362200" cy="838200"/>
+          </a:xfrm>
+          <a:prstGeom prst="roundRect">
+            <a:avLst/>
+          </a:prstGeom>
+          <a:gradFill>
+            <a:gsLst>
+              <a:gs pos="0">
+                <a:schemeClr val="accent1">
+                  <a:lumMod val="20000"/>
+                  <a:lumOff val="80000"/>
+                </a:schemeClr>
+              </a:gs>
+              <a:gs pos="76000">
+                <a:schemeClr val="accent1">
+                  <a:lumMod val="105000"/>
+                  <a:satMod val="103000"/>
+                  <a:tint val="73000"/>
+                </a:schemeClr>
+              </a:gs>
+              <a:gs pos="100000">
+                <a:schemeClr val="accent1">
+                  <a:lumMod val="105000"/>
+                  <a:satMod val="109000"/>
+                  <a:tint val="81000"/>
+                </a:schemeClr>
+              </a:gs>
+            </a:gsLst>
+          </a:gradFill>
+        </p:spPr>
+        <p:style>
+          <a:lnRef idx="1">
+            <a:schemeClr val="accent1"/>
+          </a:lnRef>
+          <a:fillRef idx="2">
+            <a:schemeClr val="accent1"/>
+          </a:fillRef>
+          <a:effectRef idx="1">
+            <a:schemeClr val="accent1"/>
+          </a:effectRef>
+          <a:fontRef idx="minor">
+            <a:schemeClr val="dk1"/>
+          </a:fontRef>
+        </p:style>
+        <p:txBody>
+          <a:bodyPr rtlCol="0" anchor="ctr"/>
+          <a:lstStyle/>
+          <a:p>
+            <a:pPr algn="ctr"/>
+            <a:r>
+              <a:rPr lang="en-US" sz="2000" dirty="0">
+                <a:solidFill>
+                  <a:schemeClr val="tx1"/>
+                </a:solidFill>
+              </a:rPr>
+              <a:t>JMP </a:t>
+            </a:r>
+            <a:r>
+              <a:rPr lang="en-US" sz="2000" dirty="0" err="1">
+                <a:solidFill>
+                  <a:schemeClr val="tx1"/>
+                </a:solidFill>
+              </a:rPr>
+              <a:t>CreateProcess</a:t>
+            </a:r>
+            <a:r>
+              <a:rPr lang="en-US" sz="2000" dirty="0">
+                <a:solidFill>
+                  <a:schemeClr val="tx1"/>
+                </a:solidFill>
+              </a:rPr>
+              <a:t>()</a:t>
+            </a:r>
+            <a:endParaRPr lang="en-US" sz="2000" dirty="0">
+              <a:solidFill>
+                <a:schemeClr val="tx1"/>
+              </a:solidFill>
+            </a:endParaRPr>
+          </a:p>
+        </p:txBody>
+      </p:sp>
+      <p:sp>
+        <p:nvSpPr>
+          <p:cNvPr id="6" name="Rounded Rectangle 5"/>
+          <p:cNvSpPr/>
+          <p:nvPr/>
+        </p:nvSpPr>
+        <p:spPr>
+          <a:xfrm>
+            <a:off x="4436752" y="2575356"/>
+            <a:ext cx="2362200" cy="838200"/>
+          </a:xfrm>
+          <a:prstGeom prst="roundRect">
+            <a:avLst/>
+          </a:prstGeom>
+          <a:gradFill>
+            <a:gsLst>
+              <a:gs pos="0">
+                <a:schemeClr val="accent1">
+                  <a:lumMod val="20000"/>
+                  <a:lumOff val="80000"/>
+                </a:schemeClr>
+              </a:gs>
+              <a:gs pos="76000">
+                <a:schemeClr val="accent1">
+                  <a:lumMod val="105000"/>
+                  <a:satMod val="103000"/>
+                  <a:tint val="73000"/>
+                </a:schemeClr>
+              </a:gs>
+              <a:gs pos="100000">
+                <a:schemeClr val="accent1">
+                  <a:lumMod val="105000"/>
+                  <a:satMod val="109000"/>
+                  <a:tint val="81000"/>
+                </a:schemeClr>
+              </a:gs>
+            </a:gsLst>
+          </a:gradFill>
+        </p:spPr>
+        <p:style>
+          <a:lnRef idx="1">
+            <a:schemeClr val="accent1"/>
+          </a:lnRef>
+          <a:fillRef idx="2">
+            <a:schemeClr val="accent1"/>
+          </a:fillRef>
+          <a:effectRef idx="1">
+            <a:schemeClr val="accent1"/>
+          </a:effectRef>
+          <a:fontRef idx="minor">
+            <a:schemeClr val="dk1"/>
+          </a:fontRef>
+        </p:style>
+        <p:txBody>
+          <a:bodyPr rtlCol="0" anchor="ctr"/>
+          <a:lstStyle/>
+          <a:p>
+            <a:pPr algn="ctr"/>
+            <a:r>
+              <a:rPr lang="en-US" sz="2000" dirty="0">
+                <a:solidFill>
+                  <a:schemeClr val="tx1"/>
+                </a:solidFill>
+              </a:rPr>
+              <a:t>JMP </a:t>
+            </a:r>
+            <a:r>
+              <a:rPr lang="en-US" sz="2000" dirty="0" err="1">
+                <a:solidFill>
+                  <a:schemeClr val="tx1"/>
+                </a:solidFill>
+              </a:rPr>
+              <a:t>WrteFile</a:t>
+            </a:r>
+            <a:r>
+              <a:rPr lang="en-US" sz="2000" dirty="0">
+                <a:solidFill>
+                  <a:schemeClr val="tx1"/>
+                </a:solidFill>
+              </a:rPr>
+              <a:t>()</a:t>
+            </a:r>
+            <a:endParaRPr lang="en-US" sz="2000" dirty="0">
+              <a:solidFill>
+                <a:schemeClr val="tx1"/>
+              </a:solidFill>
+            </a:endParaRPr>
+          </a:p>
+        </p:txBody>
+      </p:sp>
+      <p:sp>
+        <p:nvSpPr>
+          <p:cNvPr id="7" name="Rounded Rectangle 6"/>
+          <p:cNvSpPr/>
+          <p:nvPr/>
+        </p:nvSpPr>
+        <p:spPr>
+          <a:xfrm>
+            <a:off x="4436752" y="3548359"/>
+            <a:ext cx="2362200" cy="838200"/>
+          </a:xfrm>
+          <a:prstGeom prst="roundRect">
+            <a:avLst/>
+          </a:prstGeom>
+          <a:gradFill>
+            <a:gsLst>
+              <a:gs pos="0">
+                <a:schemeClr val="accent1">
+                  <a:lumMod val="20000"/>
+                  <a:lumOff val="80000"/>
+                </a:schemeClr>
+              </a:gs>
+              <a:gs pos="76000">
+                <a:schemeClr val="accent1">
+                  <a:lumMod val="105000"/>
+                  <a:satMod val="103000"/>
+                  <a:tint val="73000"/>
+                </a:schemeClr>
+              </a:gs>
+              <a:gs pos="100000">
+                <a:schemeClr val="accent1">
+                  <a:lumMod val="105000"/>
+                  <a:satMod val="109000"/>
+                  <a:tint val="81000"/>
+                </a:schemeClr>
+              </a:gs>
+            </a:gsLst>
+          </a:gradFill>
+        </p:spPr>
+        <p:style>
+          <a:lnRef idx="1">
+            <a:schemeClr val="accent1"/>
+          </a:lnRef>
+          <a:fillRef idx="2">
+            <a:schemeClr val="accent1"/>
+          </a:fillRef>
+          <a:effectRef idx="1">
+            <a:schemeClr val="accent1"/>
+          </a:effectRef>
+          <a:fontRef idx="minor">
+            <a:schemeClr val="dk1"/>
+          </a:fontRef>
+        </p:style>
+        <p:txBody>
+          <a:bodyPr rtlCol="0" anchor="ctr"/>
+          <a:lstStyle/>
+          <a:p>
+            <a:pPr algn="ctr"/>
+            <a:r>
+              <a:rPr lang="en-US" sz="2000" dirty="0">
+                <a:solidFill>
+                  <a:schemeClr val="tx1"/>
+                </a:solidFill>
+              </a:rPr>
+              <a:t>JMP </a:t>
+            </a:r>
+            <a:r>
+              <a:rPr lang="en-US" sz="2000" dirty="0" err="1">
+                <a:solidFill>
+                  <a:schemeClr val="tx1"/>
+                </a:solidFill>
+              </a:rPr>
+              <a:t>ReadFile</a:t>
+            </a:r>
+            <a:r>
+              <a:rPr lang="en-US" sz="2000" dirty="0">
+                <a:solidFill>
+                  <a:schemeClr val="tx1"/>
+                </a:solidFill>
+              </a:rPr>
+              <a:t>()</a:t>
+            </a:r>
+            <a:endParaRPr lang="en-US" sz="2000" dirty="0">
+              <a:solidFill>
+                <a:schemeClr val="tx1"/>
+              </a:solidFill>
+            </a:endParaRPr>
+          </a:p>
+        </p:txBody>
+      </p:sp>
+      <p:sp>
+        <p:nvSpPr>
+          <p:cNvPr id="8" name="Rounded Rectangle 7"/>
+          <p:cNvSpPr/>
+          <p:nvPr/>
+        </p:nvSpPr>
+        <p:spPr>
+          <a:xfrm>
+            <a:off x="8674215" y="2506367"/>
+            <a:ext cx="2362200" cy="838200"/>
+          </a:xfrm>
+          <a:prstGeom prst="roundRect">
+            <a:avLst/>
+          </a:prstGeom>
+          <a:gradFill>
+            <a:gsLst>
+              <a:gs pos="0">
+                <a:schemeClr val="accent1">
+                  <a:lumMod val="20000"/>
+                  <a:lumOff val="80000"/>
+                </a:schemeClr>
+              </a:gs>
+              <a:gs pos="76000">
+                <a:schemeClr val="accent1">
+                  <a:lumMod val="105000"/>
+                  <a:satMod val="103000"/>
+                  <a:tint val="73000"/>
+                </a:schemeClr>
+              </a:gs>
+              <a:gs pos="100000">
+                <a:schemeClr val="accent1">
+                  <a:lumMod val="105000"/>
+                  <a:satMod val="109000"/>
+                  <a:tint val="81000"/>
+                </a:schemeClr>
+              </a:gs>
+            </a:gsLst>
+          </a:gradFill>
+        </p:spPr>
+        <p:style>
+          <a:lnRef idx="1">
+            <a:schemeClr val="accent1"/>
+          </a:lnRef>
+          <a:fillRef idx="2">
+            <a:schemeClr val="accent1"/>
+          </a:fillRef>
+          <a:effectRef idx="1">
+            <a:schemeClr val="accent1"/>
+          </a:effectRef>
+          <a:fontRef idx="minor">
+            <a:schemeClr val="dk1"/>
+          </a:fontRef>
+        </p:style>
+        <p:txBody>
+          <a:bodyPr rtlCol="0" anchor="ctr"/>
+          <a:lstStyle/>
+          <a:p>
+            <a:pPr algn="ctr"/>
+            <a:r>
+              <a:rPr lang="en-US" sz="2000" dirty="0">
+                <a:solidFill>
+                  <a:schemeClr val="tx1"/>
+                </a:solidFill>
+              </a:rPr>
+              <a:t>Original </a:t>
+            </a:r>
+            <a:r>
+              <a:rPr lang="en-US" sz="2000" dirty="0" err="1">
+                <a:solidFill>
+                  <a:schemeClr val="tx1"/>
+                </a:solidFill>
+              </a:rPr>
+              <a:t>ReadFile</a:t>
+            </a:r>
+            <a:r>
+              <a:rPr lang="en-US" sz="2000" dirty="0">
+                <a:solidFill>
+                  <a:schemeClr val="tx1"/>
+                </a:solidFill>
+              </a:rPr>
+              <a:t>()</a:t>
+            </a:r>
+          </a:p>
+        </p:txBody>
+      </p:sp>
+      <p:sp>
+        <p:nvSpPr>
+          <p:cNvPr id="9" name="Rounded Rectangle 8"/>
+          <p:cNvSpPr/>
+          <p:nvPr/>
+        </p:nvSpPr>
+        <p:spPr>
+          <a:xfrm>
+            <a:off x="8674215" y="4525536"/>
+            <a:ext cx="2362200" cy="838200"/>
+          </a:xfrm>
+          <a:prstGeom prst="roundRect">
+            <a:avLst/>
+          </a:prstGeom>
+          <a:gradFill>
+            <a:gsLst>
+              <a:gs pos="0">
+                <a:schemeClr val="accent1">
+                  <a:lumMod val="20000"/>
+                  <a:lumOff val="80000"/>
+                </a:schemeClr>
+              </a:gs>
+              <a:gs pos="76000">
+                <a:schemeClr val="accent1">
+                  <a:lumMod val="105000"/>
+                  <a:satMod val="103000"/>
+                  <a:tint val="73000"/>
+                </a:schemeClr>
+              </a:gs>
+              <a:gs pos="100000">
+                <a:schemeClr val="accent1">
+                  <a:lumMod val="105000"/>
+                  <a:satMod val="109000"/>
+                  <a:tint val="81000"/>
+                </a:schemeClr>
+              </a:gs>
+            </a:gsLst>
+          </a:gradFill>
+        </p:spPr>
+        <p:style>
+          <a:lnRef idx="1">
+            <a:schemeClr val="accent1"/>
+          </a:lnRef>
+          <a:fillRef idx="2">
+            <a:schemeClr val="accent1"/>
+          </a:fillRef>
+          <a:effectRef idx="1">
+            <a:schemeClr val="accent1"/>
+          </a:effectRef>
+          <a:fontRef idx="minor">
+            <a:schemeClr val="dk1"/>
+          </a:fontRef>
+        </p:style>
+        <p:txBody>
+          <a:bodyPr rtlCol="0" anchor="ctr"/>
+          <a:lstStyle/>
+          <a:p>
+            <a:pPr algn="ctr"/>
+            <a:r>
+              <a:rPr lang="en-US" sz="2000" dirty="0">
+                <a:solidFill>
+                  <a:schemeClr val="tx1"/>
+                </a:solidFill>
+              </a:rPr>
+              <a:t>Modify </a:t>
+            </a:r>
+            <a:r>
+              <a:rPr lang="en-US" sz="2000" dirty="0" err="1">
+                <a:solidFill>
+                  <a:schemeClr val="tx1"/>
+                </a:solidFill>
+              </a:rPr>
+              <a:t>ReadFile</a:t>
+            </a:r>
+            <a:r>
+              <a:rPr lang="en-US" sz="2000" dirty="0">
+                <a:solidFill>
+                  <a:schemeClr val="tx1"/>
+                </a:solidFill>
+              </a:rPr>
+              <a:t>()</a:t>
+            </a:r>
+            <a:endParaRPr lang="en-US" sz="2000" dirty="0">
+              <a:solidFill>
+                <a:schemeClr val="tx1"/>
+              </a:solidFill>
+            </a:endParaRPr>
+          </a:p>
+        </p:txBody>
+      </p:sp>
+      <p:sp>
+        <p:nvSpPr>
+          <p:cNvPr id="10" name="Rounded Rectangle 9"/>
+          <p:cNvSpPr/>
+          <p:nvPr/>
+        </p:nvSpPr>
+        <p:spPr>
+          <a:xfrm>
+            <a:off x="4245911" y="1325398"/>
+            <a:ext cx="2743881" cy="4392611"/>
+          </a:xfrm>
+          <a:prstGeom prst="roundRect">
+            <a:avLst>
+              <a:gd name="adj" fmla="val 7179"/>
+            </a:avLst>
+          </a:prstGeom>
+          <a:noFill/>
+          <a:ln w="41275">
+            <a:prstDash val="sysDash"/>
+          </a:ln>
+        </p:spPr>
+        <p:style>
+          <a:lnRef idx="2">
+            <a:schemeClr val="accent1"/>
+          </a:lnRef>
+          <a:fillRef idx="1">
+            <a:schemeClr val="lt1"/>
+          </a:fillRef>
+          <a:effectRef idx="0">
+            <a:schemeClr val="accent1"/>
+          </a:effectRef>
+          <a:fontRef idx="minor">
+            <a:schemeClr val="dk1"/>
+          </a:fontRef>
+        </p:style>
+        <p:txBody>
+          <a:bodyPr rtlCol="0" anchor="ctr"/>
+          <a:lstStyle/>
+          <a:p>
+            <a:pPr algn="ctr"/>
+            <a:endParaRPr lang="en-US" dirty="0"/>
+          </a:p>
+        </p:txBody>
+      </p:sp>
+      <p:cxnSp>
+        <p:nvCxnSpPr>
+          <p:cNvPr id="13" name="Straight Arrow Connector 12"/>
+          <p:cNvCxnSpPr>
+            <a:stCxn id="7" idx="3"/>
+            <a:endCxn id="8" idx="1"/>
+          </p:cNvCxnSpPr>
+          <p:nvPr/>
+        </p:nvCxnSpPr>
+        <p:spPr>
+          <a:xfrm flipV="1">
+            <a:off x="6798952" y="2925467"/>
+            <a:ext cx="1875263" cy="1041992"/>
+          </a:xfrm>
+          <a:prstGeom prst="straightConnector1">
+            <a:avLst/>
+          </a:prstGeom>
+          <a:ln w="127000">
+            <a:prstDash val="sysDot"/>
+            <a:tailEnd type="triangle"/>
+          </a:ln>
+        </p:spPr>
+        <p:style>
+          <a:lnRef idx="1">
+            <a:schemeClr val="accent1"/>
+          </a:lnRef>
+          <a:fillRef idx="0">
+            <a:schemeClr val="accent1"/>
+          </a:fillRef>
+          <a:effectRef idx="0">
+            <a:schemeClr val="accent1"/>
+          </a:effectRef>
+          <a:fontRef idx="minor">
+            <a:schemeClr val="tx1"/>
+          </a:fontRef>
+        </p:style>
+      </p:cxnSp>
+      <p:cxnSp>
+        <p:nvCxnSpPr>
+          <p:cNvPr id="15" name="Straight Arrow Connector 14"/>
+          <p:cNvCxnSpPr>
+            <a:stCxn id="7" idx="3"/>
+            <a:endCxn id="9" idx="1"/>
+          </p:cNvCxnSpPr>
+          <p:nvPr/>
+        </p:nvCxnSpPr>
+        <p:spPr>
+          <a:xfrm>
+            <a:off x="6798952" y="3967459"/>
+            <a:ext cx="1875263" cy="977177"/>
+          </a:xfrm>
+          <a:prstGeom prst="straightConnector1">
+            <a:avLst/>
+          </a:prstGeom>
+          <a:ln w="127000">
+            <a:tailEnd type="triangle"/>
+          </a:ln>
+        </p:spPr>
+        <p:style>
+          <a:lnRef idx="1">
+            <a:schemeClr val="accent1"/>
+          </a:lnRef>
+          <a:fillRef idx="0">
+            <a:schemeClr val="accent1"/>
+          </a:fillRef>
+          <a:effectRef idx="0">
+            <a:schemeClr val="accent1"/>
+          </a:effectRef>
+          <a:fontRef idx="minor">
+            <a:schemeClr val="tx1"/>
+          </a:fontRef>
+        </p:style>
+      </p:cxnSp>
+      <p:cxnSp>
+        <p:nvCxnSpPr>
+          <p:cNvPr id="17" name="Straight Arrow Connector 16"/>
+          <p:cNvCxnSpPr>
+            <a:stCxn id="9" idx="0"/>
+            <a:endCxn id="8" idx="2"/>
+          </p:cNvCxnSpPr>
+          <p:nvPr/>
+        </p:nvCxnSpPr>
+        <p:spPr>
+          <a:xfrm flipV="1">
+            <a:off x="9855315" y="3344567"/>
+            <a:ext cx="0" cy="1180969"/>
+          </a:xfrm>
+          <a:prstGeom prst="straightConnector1">
+            <a:avLst/>
+          </a:prstGeom>
+          <a:ln w="127000">
+            <a:tailEnd type="triangle"/>
+          </a:ln>
+        </p:spPr>
+        <p:style>
+          <a:lnRef idx="1">
+            <a:schemeClr val="accent1"/>
+          </a:lnRef>
+          <a:fillRef idx="0">
+            <a:schemeClr val="accent1"/>
+          </a:fillRef>
+          <a:effectRef idx="0">
+            <a:schemeClr val="accent1"/>
+          </a:effectRef>
+          <a:fontRef idx="minor">
+            <a:schemeClr val="tx1"/>
+          </a:fontRef>
+        </p:style>
+      </p:cxnSp>
+      <p:cxnSp>
+        <p:nvCxnSpPr>
+          <p:cNvPr id="19" name="Straight Arrow Connector 18"/>
+          <p:cNvCxnSpPr>
+            <a:stCxn id="4" idx="3"/>
+            <a:endCxn id="7" idx="1"/>
+          </p:cNvCxnSpPr>
+          <p:nvPr/>
+        </p:nvCxnSpPr>
+        <p:spPr>
+          <a:xfrm>
+            <a:off x="2920278" y="3967459"/>
+            <a:ext cx="1516474" cy="0"/>
+          </a:xfrm>
+          <a:prstGeom prst="straightConnector1">
+            <a:avLst/>
+          </a:prstGeom>
+          <a:ln w="127000">
+            <a:tailEnd type="triangle"/>
+          </a:ln>
+        </p:spPr>
+        <p:style>
+          <a:lnRef idx="1">
+            <a:schemeClr val="accent1"/>
+          </a:lnRef>
+          <a:fillRef idx="0">
+            <a:schemeClr val="accent1"/>
+          </a:fillRef>
+          <a:effectRef idx="0">
+            <a:schemeClr val="accent1"/>
+          </a:effectRef>
+          <a:fontRef idx="minor">
+            <a:schemeClr val="tx1"/>
+          </a:fontRef>
+        </p:style>
+      </p:cxnSp>
+      <p:cxnSp>
+        <p:nvCxnSpPr>
+          <p:cNvPr id="21" name="Straight Connector 20"/>
+          <p:cNvCxnSpPr/>
+          <p:nvPr/>
+        </p:nvCxnSpPr>
+        <p:spPr>
+          <a:xfrm flipH="1">
+            <a:off x="5600700" y="4643438"/>
+            <a:ext cx="1" cy="720298"/>
+          </a:xfrm>
+          <a:prstGeom prst="line">
+            <a:avLst/>
+          </a:prstGeom>
+          <a:ln w="127000">
+            <a:prstDash val="sysDot"/>
+          </a:ln>
+        </p:spPr>
+        <p:style>
+          <a:lnRef idx="1">
+            <a:schemeClr val="accent1"/>
+          </a:lnRef>
+          <a:fillRef idx="0">
+            <a:schemeClr val="accent1"/>
+          </a:fillRef>
+          <a:effectRef idx="0">
+            <a:schemeClr val="accent1"/>
+          </a:effectRef>
+          <a:fontRef idx="minor">
+            <a:schemeClr val="tx1"/>
+          </a:fontRef>
+        </p:style>
+      </p:cxnSp>
+      <p:sp>
+        <p:nvSpPr>
+          <p:cNvPr id="2" name="TextBox 1"/>
+          <p:cNvSpPr txBox="1"/>
+          <p:nvPr/>
+        </p:nvSpPr>
+        <p:spPr>
+          <a:xfrm>
+            <a:off x="4436752" y="5096613"/>
+            <a:ext cx="566181" cy="461665"/>
+          </a:xfrm>
+          <a:prstGeom prst="rect">
+            <a:avLst/>
+          </a:prstGeom>
+          <a:noFill/>
+        </p:spPr>
+        <p:txBody>
+          <a:bodyPr wrap="none" rtlCol="0">
+            <a:spAutoFit/>
+          </a:bodyPr>
+          <a:lstStyle/>
+          <a:p>
+            <a:r>
+              <a:rPr lang="en-US" sz="2400" dirty="0" smtClean="0"/>
+              <a:t>IAT</a:t>
+            </a:r>
+            <a:endParaRPr lang="en-US" sz="2400" dirty="0"/>
+          </a:p>
+        </p:txBody>
+      </p:sp>
+    </p:spTree>
+    <p:extLst>
+      <p:ext uri="{BB962C8B-B14F-4D97-AF65-F5344CB8AC3E}">
+        <p14:creationId xmlns:p14="http://schemas.microsoft.com/office/powerpoint/2010/main" val="126785299"/>
       </p:ext>
     </p:extLst>
   </p:cSld>

--- a/Document/SODO.pptx
+++ b/Document/SODO.pptx
@@ -4408,6 +4408,564 @@
       <dsp:cNvGrpSpPr/>
     </dsp:nvGrpSpPr>
     <dsp:grpSpPr/>
+    <dsp:sp modelId="{7F739C37-DE7D-4C78-8F14-BB11D63384A4}">
+      <dsp:nvSpPr>
+        <dsp:cNvPr id="0" name=""/>
+        <dsp:cNvSpPr/>
+      </dsp:nvSpPr>
+      <dsp:spPr>
+        <a:xfrm>
+          <a:off x="2567" y="272267"/>
+          <a:ext cx="2284883" cy="913953"/>
+        </a:xfrm>
+        <a:prstGeom prst="chevron">
+          <a:avLst/>
+        </a:prstGeom>
+        <a:solidFill>
+          <a:schemeClr val="accent1">
+            <a:hueOff val="0"/>
+            <a:satOff val="0"/>
+            <a:lumOff val="0"/>
+            <a:alphaOff val="0"/>
+          </a:schemeClr>
+        </a:solidFill>
+        <a:ln w="12700" cap="flat" cmpd="sng" algn="ctr">
+          <a:solidFill>
+            <a:schemeClr val="lt1">
+              <a:hueOff val="0"/>
+              <a:satOff val="0"/>
+              <a:lumOff val="0"/>
+              <a:alphaOff val="0"/>
+            </a:schemeClr>
+          </a:solidFill>
+          <a:prstDash val="solid"/>
+          <a:miter lim="800000"/>
+        </a:ln>
+        <a:effectLst/>
+      </dsp:spPr>
+      <dsp:style>
+        <a:lnRef idx="2">
+          <a:scrgbClr r="0" g="0" b="0"/>
+        </a:lnRef>
+        <a:fillRef idx="1">
+          <a:scrgbClr r="0" g="0" b="0"/>
+        </a:fillRef>
+        <a:effectRef idx="0">
+          <a:scrgbClr r="0" g="0" b="0"/>
+        </a:effectRef>
+        <a:fontRef idx="minor">
+          <a:schemeClr val="lt1"/>
+        </a:fontRef>
+      </dsp:style>
+      <dsp:txBody>
+        <a:bodyPr spcFirstLastPara="0" vert="horz" wrap="square" lIns="72009" tIns="24003" rIns="24003" bIns="24003" numCol="1" spcCol="1270" anchor="ctr" anchorCtr="0">
+          <a:noAutofit/>
+        </a:bodyPr>
+        <a:lstStyle/>
+        <a:p>
+          <a:pPr lvl="0" algn="ctr" defTabSz="800100">
+            <a:lnSpc>
+              <a:spcPct val="90000"/>
+            </a:lnSpc>
+            <a:spcBef>
+              <a:spcPct val="0"/>
+            </a:spcBef>
+            <a:spcAft>
+              <a:spcPct val="35000"/>
+            </a:spcAft>
+          </a:pPr>
+          <a:r>
+            <a:rPr lang="en-US" sz="1800" kern="1200" dirty="0" err="1" smtClean="0"/>
+            <a:t>Xác</a:t>
+          </a:r>
+          <a:r>
+            <a:rPr lang="en-US" sz="1800" kern="1200" dirty="0" smtClean="0"/>
+            <a:t> </a:t>
+          </a:r>
+          <a:r>
+            <a:rPr lang="en-US" sz="1800" kern="1200" dirty="0" err="1" smtClean="0"/>
+            <a:t>định</a:t>
+          </a:r>
+          <a:r>
+            <a:rPr lang="en-US" sz="1800" kern="1200" dirty="0" smtClean="0"/>
+            <a:t> </a:t>
+          </a:r>
+          <a:r>
+            <a:rPr lang="en-US" sz="1800" kern="1200" dirty="0" err="1" smtClean="0"/>
+            <a:t>địa</a:t>
+          </a:r>
+          <a:r>
+            <a:rPr lang="en-US" sz="1800" kern="1200" dirty="0" smtClean="0"/>
+            <a:t> </a:t>
+          </a:r>
+          <a:r>
+            <a:rPr lang="en-US" sz="1800" kern="1200" dirty="0" err="1" smtClean="0"/>
+            <a:t>chỉ</a:t>
+          </a:r>
+          <a:r>
+            <a:rPr lang="en-US" sz="1800" kern="1200" dirty="0" smtClean="0"/>
+            <a:t> </a:t>
+          </a:r>
+          <a:r>
+            <a:rPr lang="en-US" sz="1800" kern="1200" dirty="0" err="1" smtClean="0"/>
+            <a:t>hàm</a:t>
+          </a:r>
+          <a:r>
+            <a:rPr lang="en-US" sz="1800" kern="1200" dirty="0" smtClean="0"/>
+            <a:t> </a:t>
+          </a:r>
+          <a:r>
+            <a:rPr lang="en-US" sz="1800" kern="1200" dirty="0" err="1" smtClean="0"/>
+            <a:t>gốc</a:t>
+          </a:r>
+          <a:r>
+            <a:rPr lang="en-US" sz="1800" kern="1200" dirty="0" smtClean="0"/>
+            <a:t> (entry point)</a:t>
+          </a:r>
+          <a:endParaRPr lang="en-US" sz="1800" kern="1200" dirty="0"/>
+        </a:p>
+      </dsp:txBody>
+      <dsp:txXfrm>
+        <a:off x="459544" y="272267"/>
+        <a:ext cx="1370930" cy="913953"/>
+      </dsp:txXfrm>
+    </dsp:sp>
+    <dsp:sp modelId="{79E3F17D-5461-4BCB-9DC2-D9574FD49015}">
+      <dsp:nvSpPr>
+        <dsp:cNvPr id="0" name=""/>
+        <dsp:cNvSpPr/>
+      </dsp:nvSpPr>
+      <dsp:spPr>
+        <a:xfrm>
+          <a:off x="2058962" y="272267"/>
+          <a:ext cx="2284883" cy="913953"/>
+        </a:xfrm>
+        <a:prstGeom prst="chevron">
+          <a:avLst/>
+        </a:prstGeom>
+        <a:solidFill>
+          <a:schemeClr val="accent1">
+            <a:hueOff val="0"/>
+            <a:satOff val="0"/>
+            <a:lumOff val="0"/>
+            <a:alphaOff val="0"/>
+          </a:schemeClr>
+        </a:solidFill>
+        <a:ln w="12700" cap="flat" cmpd="sng" algn="ctr">
+          <a:solidFill>
+            <a:schemeClr val="lt1">
+              <a:hueOff val="0"/>
+              <a:satOff val="0"/>
+              <a:lumOff val="0"/>
+              <a:alphaOff val="0"/>
+            </a:schemeClr>
+          </a:solidFill>
+          <a:prstDash val="solid"/>
+          <a:miter lim="800000"/>
+        </a:ln>
+        <a:effectLst/>
+      </dsp:spPr>
+      <dsp:style>
+        <a:lnRef idx="2">
+          <a:scrgbClr r="0" g="0" b="0"/>
+        </a:lnRef>
+        <a:fillRef idx="1">
+          <a:scrgbClr r="0" g="0" b="0"/>
+        </a:fillRef>
+        <a:effectRef idx="0">
+          <a:scrgbClr r="0" g="0" b="0"/>
+        </a:effectRef>
+        <a:fontRef idx="minor">
+          <a:schemeClr val="lt1"/>
+        </a:fontRef>
+      </dsp:style>
+      <dsp:txBody>
+        <a:bodyPr spcFirstLastPara="0" vert="horz" wrap="square" lIns="72009" tIns="24003" rIns="24003" bIns="24003" numCol="1" spcCol="1270" anchor="ctr" anchorCtr="0">
+          <a:noAutofit/>
+        </a:bodyPr>
+        <a:lstStyle/>
+        <a:p>
+          <a:pPr lvl="0" algn="ctr" defTabSz="800100">
+            <a:lnSpc>
+              <a:spcPct val="90000"/>
+            </a:lnSpc>
+            <a:spcBef>
+              <a:spcPct val="0"/>
+            </a:spcBef>
+            <a:spcAft>
+              <a:spcPct val="35000"/>
+            </a:spcAft>
+          </a:pPr>
+          <a:r>
+            <a:rPr lang="en-US" sz="1800" kern="1200" dirty="0" err="1" smtClean="0"/>
+            <a:t>Cấp</a:t>
+          </a:r>
+          <a:r>
+            <a:rPr lang="en-US" sz="1800" kern="1200" dirty="0" smtClean="0"/>
+            <a:t> </a:t>
+          </a:r>
+          <a:r>
+            <a:rPr lang="en-US" sz="1800" kern="1200" dirty="0" err="1" smtClean="0"/>
+            <a:t>phát</a:t>
+          </a:r>
+          <a:r>
+            <a:rPr lang="en-US" sz="1800" kern="1200" dirty="0" smtClean="0"/>
+            <a:t> </a:t>
+          </a:r>
+          <a:r>
+            <a:rPr lang="en-US" sz="1800" kern="1200" dirty="0" err="1" smtClean="0"/>
+            <a:t>vùng</a:t>
+          </a:r>
+          <a:r>
+            <a:rPr lang="en-US" sz="1800" kern="1200" dirty="0" smtClean="0"/>
+            <a:t> </a:t>
+          </a:r>
+          <a:r>
+            <a:rPr lang="en-US" sz="1800" kern="1200" dirty="0" err="1" smtClean="0"/>
+            <a:t>nhớ</a:t>
+          </a:r>
+          <a:r>
+            <a:rPr lang="en-US" sz="1800" kern="1200" dirty="0" smtClean="0"/>
+            <a:t> </a:t>
+          </a:r>
+          <a:r>
+            <a:rPr lang="en-US" sz="1800" kern="1200" dirty="0" err="1" smtClean="0"/>
+            <a:t>lưu</a:t>
+          </a:r>
+          <a:r>
+            <a:rPr lang="en-US" sz="1800" kern="1200" dirty="0" smtClean="0"/>
+            <a:t> </a:t>
+          </a:r>
+          <a:r>
+            <a:rPr lang="en-US" sz="1800" kern="1200" dirty="0" err="1" smtClean="0"/>
+            <a:t>thông</a:t>
+          </a:r>
+          <a:r>
+            <a:rPr lang="en-US" sz="1800" kern="1200" dirty="0" smtClean="0"/>
+            <a:t> tin</a:t>
+          </a:r>
+          <a:endParaRPr lang="en-US" sz="1800" kern="1200" dirty="0"/>
+        </a:p>
+      </dsp:txBody>
+      <dsp:txXfrm>
+        <a:off x="2515939" y="272267"/>
+        <a:ext cx="1370930" cy="913953"/>
+      </dsp:txXfrm>
+    </dsp:sp>
+    <dsp:sp modelId="{342BFAB8-AD99-4644-A7A7-89BFBF6C1002}">
+      <dsp:nvSpPr>
+        <dsp:cNvPr id="0" name=""/>
+        <dsp:cNvSpPr/>
+      </dsp:nvSpPr>
+      <dsp:spPr>
+        <a:xfrm>
+          <a:off x="4115358" y="272267"/>
+          <a:ext cx="2284883" cy="913953"/>
+        </a:xfrm>
+        <a:prstGeom prst="chevron">
+          <a:avLst/>
+        </a:prstGeom>
+        <a:solidFill>
+          <a:schemeClr val="accent1">
+            <a:hueOff val="0"/>
+            <a:satOff val="0"/>
+            <a:lumOff val="0"/>
+            <a:alphaOff val="0"/>
+          </a:schemeClr>
+        </a:solidFill>
+        <a:ln w="12700" cap="flat" cmpd="sng" algn="ctr">
+          <a:solidFill>
+            <a:schemeClr val="lt1">
+              <a:hueOff val="0"/>
+              <a:satOff val="0"/>
+              <a:lumOff val="0"/>
+              <a:alphaOff val="0"/>
+            </a:schemeClr>
+          </a:solidFill>
+          <a:prstDash val="solid"/>
+          <a:miter lim="800000"/>
+        </a:ln>
+        <a:effectLst/>
+      </dsp:spPr>
+      <dsp:style>
+        <a:lnRef idx="2">
+          <a:scrgbClr r="0" g="0" b="0"/>
+        </a:lnRef>
+        <a:fillRef idx="1">
+          <a:scrgbClr r="0" g="0" b="0"/>
+        </a:fillRef>
+        <a:effectRef idx="0">
+          <a:scrgbClr r="0" g="0" b="0"/>
+        </a:effectRef>
+        <a:fontRef idx="minor">
+          <a:schemeClr val="lt1"/>
+        </a:fontRef>
+      </dsp:style>
+      <dsp:txBody>
+        <a:bodyPr spcFirstLastPara="0" vert="horz" wrap="square" lIns="72009" tIns="24003" rIns="24003" bIns="24003" numCol="1" spcCol="1270" anchor="ctr" anchorCtr="0">
+          <a:noAutofit/>
+        </a:bodyPr>
+        <a:lstStyle/>
+        <a:p>
+          <a:pPr lvl="0" algn="ctr" defTabSz="800100">
+            <a:lnSpc>
+              <a:spcPct val="90000"/>
+            </a:lnSpc>
+            <a:spcBef>
+              <a:spcPct val="0"/>
+            </a:spcBef>
+            <a:spcAft>
+              <a:spcPct val="35000"/>
+            </a:spcAft>
+          </a:pPr>
+          <a:r>
+            <a:rPr lang="en-US" sz="1800" kern="1200" dirty="0" err="1" smtClean="0"/>
+            <a:t>Làm</a:t>
+          </a:r>
+          <a:r>
+            <a:rPr lang="en-US" sz="1800" kern="1200" dirty="0" smtClean="0"/>
+            <a:t> </a:t>
+          </a:r>
+          <a:r>
+            <a:rPr lang="en-US" sz="1800" kern="1200" dirty="0" err="1" smtClean="0"/>
+            <a:t>tròn</a:t>
+          </a:r>
+          <a:r>
+            <a:rPr lang="en-US" sz="1800" kern="1200" dirty="0" smtClean="0"/>
+            <a:t> </a:t>
+          </a:r>
+          <a:r>
+            <a:rPr lang="en-US" sz="1800" kern="1200" dirty="0" err="1" smtClean="0"/>
+            <a:t>độ</a:t>
+          </a:r>
+          <a:r>
+            <a:rPr lang="en-US" sz="1800" kern="1200" dirty="0" smtClean="0"/>
+            <a:t> </a:t>
+          </a:r>
+          <a:r>
+            <a:rPr lang="en-US" sz="1800" kern="1200" dirty="0" err="1" smtClean="0"/>
+            <a:t>dài</a:t>
+          </a:r>
+          <a:r>
+            <a:rPr lang="en-US" sz="1800" kern="1200" dirty="0" smtClean="0"/>
+            <a:t> entry point</a:t>
+          </a:r>
+          <a:endParaRPr lang="en-US" sz="1800" kern="1200" dirty="0"/>
+        </a:p>
+      </dsp:txBody>
+      <dsp:txXfrm>
+        <a:off x="4572335" y="272267"/>
+        <a:ext cx="1370930" cy="913953"/>
+      </dsp:txXfrm>
+    </dsp:sp>
+    <dsp:sp modelId="{73C7F563-37A3-4CF6-9658-1DD4E98136F9}">
+      <dsp:nvSpPr>
+        <dsp:cNvPr id="0" name=""/>
+        <dsp:cNvSpPr/>
+      </dsp:nvSpPr>
+      <dsp:spPr>
+        <a:xfrm>
+          <a:off x="6171753" y="272267"/>
+          <a:ext cx="2284883" cy="913953"/>
+        </a:xfrm>
+        <a:prstGeom prst="chevron">
+          <a:avLst/>
+        </a:prstGeom>
+        <a:solidFill>
+          <a:schemeClr val="accent1">
+            <a:hueOff val="0"/>
+            <a:satOff val="0"/>
+            <a:lumOff val="0"/>
+            <a:alphaOff val="0"/>
+          </a:schemeClr>
+        </a:solidFill>
+        <a:ln w="12700" cap="flat" cmpd="sng" algn="ctr">
+          <a:solidFill>
+            <a:schemeClr val="lt1">
+              <a:hueOff val="0"/>
+              <a:satOff val="0"/>
+              <a:lumOff val="0"/>
+              <a:alphaOff val="0"/>
+            </a:schemeClr>
+          </a:solidFill>
+          <a:prstDash val="solid"/>
+          <a:miter lim="800000"/>
+        </a:ln>
+        <a:effectLst/>
+      </dsp:spPr>
+      <dsp:style>
+        <a:lnRef idx="2">
+          <a:scrgbClr r="0" g="0" b="0"/>
+        </a:lnRef>
+        <a:fillRef idx="1">
+          <a:scrgbClr r="0" g="0" b="0"/>
+        </a:fillRef>
+        <a:effectRef idx="0">
+          <a:scrgbClr r="0" g="0" b="0"/>
+        </a:effectRef>
+        <a:fontRef idx="minor">
+          <a:schemeClr val="lt1"/>
+        </a:fontRef>
+      </dsp:style>
+      <dsp:txBody>
+        <a:bodyPr spcFirstLastPara="0" vert="horz" wrap="square" lIns="72009" tIns="24003" rIns="24003" bIns="24003" numCol="1" spcCol="1270" anchor="ctr" anchorCtr="0">
+          <a:noAutofit/>
+        </a:bodyPr>
+        <a:lstStyle/>
+        <a:p>
+          <a:pPr lvl="0" algn="ctr" defTabSz="800100">
+            <a:lnSpc>
+              <a:spcPct val="90000"/>
+            </a:lnSpc>
+            <a:spcBef>
+              <a:spcPct val="0"/>
+            </a:spcBef>
+            <a:spcAft>
+              <a:spcPct val="35000"/>
+            </a:spcAft>
+          </a:pPr>
+          <a:r>
+            <a:rPr lang="en-US" sz="1800" kern="1200" dirty="0" err="1" smtClean="0"/>
+            <a:t>Lưu</a:t>
+          </a:r>
+          <a:r>
+            <a:rPr lang="en-US" sz="1800" kern="1200" dirty="0" smtClean="0"/>
+            <a:t> </a:t>
+          </a:r>
+          <a:r>
+            <a:rPr lang="en-US" sz="1800" kern="1200" dirty="0" err="1" smtClean="0"/>
+            <a:t>địa</a:t>
+          </a:r>
+          <a:r>
+            <a:rPr lang="en-US" sz="1800" kern="1200" dirty="0" smtClean="0"/>
+            <a:t> </a:t>
+          </a:r>
+          <a:r>
+            <a:rPr lang="en-US" sz="1800" kern="1200" dirty="0" err="1" smtClean="0"/>
+            <a:t>chỉ</a:t>
+          </a:r>
+          <a:r>
+            <a:rPr lang="en-US" sz="1800" kern="1200" dirty="0" smtClean="0"/>
+            <a:t> </a:t>
+          </a:r>
+          <a:r>
+            <a:rPr lang="en-US" sz="1800" kern="1200" dirty="0" err="1" smtClean="0"/>
+            <a:t>hàm</a:t>
+          </a:r>
+          <a:r>
+            <a:rPr lang="en-US" sz="1800" kern="1200" dirty="0" smtClean="0"/>
+            <a:t> </a:t>
+          </a:r>
+          <a:r>
+            <a:rPr lang="en-US" sz="1800" kern="1200" dirty="0" err="1" smtClean="0"/>
+            <a:t>gốc</a:t>
+          </a:r>
+          <a:endParaRPr lang="en-US" sz="1800" kern="1200" dirty="0"/>
+        </a:p>
+      </dsp:txBody>
+      <dsp:txXfrm>
+        <a:off x="6628730" y="272267"/>
+        <a:ext cx="1370930" cy="913953"/>
+      </dsp:txXfrm>
+    </dsp:sp>
+    <dsp:sp modelId="{90C7D633-37DA-4C45-B5A5-BFF7A0E0497C}">
+      <dsp:nvSpPr>
+        <dsp:cNvPr id="0" name=""/>
+        <dsp:cNvSpPr/>
+      </dsp:nvSpPr>
+      <dsp:spPr>
+        <a:xfrm>
+          <a:off x="8228148" y="272267"/>
+          <a:ext cx="2284883" cy="913953"/>
+        </a:xfrm>
+        <a:prstGeom prst="chevron">
+          <a:avLst/>
+        </a:prstGeom>
+        <a:solidFill>
+          <a:schemeClr val="accent1">
+            <a:hueOff val="0"/>
+            <a:satOff val="0"/>
+            <a:lumOff val="0"/>
+            <a:alphaOff val="0"/>
+          </a:schemeClr>
+        </a:solidFill>
+        <a:ln w="12700" cap="flat" cmpd="sng" algn="ctr">
+          <a:solidFill>
+            <a:schemeClr val="lt1">
+              <a:hueOff val="0"/>
+              <a:satOff val="0"/>
+              <a:lumOff val="0"/>
+              <a:alphaOff val="0"/>
+            </a:schemeClr>
+          </a:solidFill>
+          <a:prstDash val="solid"/>
+          <a:miter lim="800000"/>
+        </a:ln>
+        <a:effectLst/>
+      </dsp:spPr>
+      <dsp:style>
+        <a:lnRef idx="2">
+          <a:scrgbClr r="0" g="0" b="0"/>
+        </a:lnRef>
+        <a:fillRef idx="1">
+          <a:scrgbClr r="0" g="0" b="0"/>
+        </a:fillRef>
+        <a:effectRef idx="0">
+          <a:scrgbClr r="0" g="0" b="0"/>
+        </a:effectRef>
+        <a:fontRef idx="minor">
+          <a:schemeClr val="lt1"/>
+        </a:fontRef>
+      </dsp:style>
+      <dsp:txBody>
+        <a:bodyPr spcFirstLastPara="0" vert="horz" wrap="square" lIns="72009" tIns="24003" rIns="24003" bIns="24003" numCol="1" spcCol="1270" anchor="ctr" anchorCtr="0">
+          <a:noAutofit/>
+        </a:bodyPr>
+        <a:lstStyle/>
+        <a:p>
+          <a:pPr lvl="0" algn="ctr" defTabSz="800100">
+            <a:lnSpc>
+              <a:spcPct val="90000"/>
+            </a:lnSpc>
+            <a:spcBef>
+              <a:spcPct val="0"/>
+            </a:spcBef>
+            <a:spcAft>
+              <a:spcPct val="35000"/>
+            </a:spcAft>
+          </a:pPr>
+          <a:r>
+            <a:rPr lang="en-US" sz="1800" kern="1200" dirty="0" err="1" smtClean="0"/>
+            <a:t>Nhảy</a:t>
+          </a:r>
+          <a:r>
+            <a:rPr lang="en-US" sz="1800" kern="1200" dirty="0" smtClean="0"/>
+            <a:t> </a:t>
+          </a:r>
+          <a:r>
+            <a:rPr lang="en-US" sz="1800" kern="1200" dirty="0" err="1" smtClean="0"/>
+            <a:t>tới</a:t>
+          </a:r>
+          <a:r>
+            <a:rPr lang="en-US" sz="1800" kern="1200" dirty="0" smtClean="0"/>
+            <a:t> </a:t>
+          </a:r>
+          <a:r>
+            <a:rPr lang="en-US" sz="1800" kern="1200" dirty="0" err="1" smtClean="0"/>
+            <a:t>hàm</a:t>
+          </a:r>
+          <a:r>
+            <a:rPr lang="en-US" sz="1800" kern="1200" dirty="0" smtClean="0"/>
+            <a:t> hook</a:t>
+          </a:r>
+          <a:endParaRPr lang="en-US" sz="1800" kern="1200" dirty="0"/>
+        </a:p>
+      </dsp:txBody>
+      <dsp:txXfrm>
+        <a:off x="8685125" y="272267"/>
+        <a:ext cx="1370930" cy="913953"/>
+      </dsp:txXfrm>
+    </dsp:sp>
   </dsp:spTree>
 </dsp:drawing>
 </file>
@@ -7040,7 +7598,7 @@
           <a:p>
             <a:fld id="{16D2D749-03DE-4EC2-8C00-F102FCD2936A}" type="datetimeFigureOut">
               <a:rPr lang="en-US" smtClean="0"/>
-              <a:t>7/12/2015</a:t>
+              <a:t>7/14/2015</a:t>
             </a:fld>
             <a:endParaRPr lang="en-US"/>
           </a:p>
@@ -7210,7 +7768,7 @@
           <a:p>
             <a:fld id="{16D2D749-03DE-4EC2-8C00-F102FCD2936A}" type="datetimeFigureOut">
               <a:rPr lang="en-US" smtClean="0"/>
-              <a:t>7/12/2015</a:t>
+              <a:t>7/14/2015</a:t>
             </a:fld>
             <a:endParaRPr lang="en-US"/>
           </a:p>
@@ -7390,7 +7948,7 @@
           <a:p>
             <a:fld id="{16D2D749-03DE-4EC2-8C00-F102FCD2936A}" type="datetimeFigureOut">
               <a:rPr lang="en-US" smtClean="0"/>
-              <a:t>7/12/2015</a:t>
+              <a:t>7/14/2015</a:t>
             </a:fld>
             <a:endParaRPr lang="en-US"/>
           </a:p>
@@ -7560,7 +8118,7 @@
           <a:p>
             <a:fld id="{16D2D749-03DE-4EC2-8C00-F102FCD2936A}" type="datetimeFigureOut">
               <a:rPr lang="en-US" smtClean="0"/>
-              <a:t>7/12/2015</a:t>
+              <a:t>7/14/2015</a:t>
             </a:fld>
             <a:endParaRPr lang="en-US"/>
           </a:p>
@@ -7806,7 +8364,7 @@
           <a:p>
             <a:fld id="{16D2D749-03DE-4EC2-8C00-F102FCD2936A}" type="datetimeFigureOut">
               <a:rPr lang="en-US" smtClean="0"/>
-              <a:t>7/12/2015</a:t>
+              <a:t>7/14/2015</a:t>
             </a:fld>
             <a:endParaRPr lang="en-US"/>
           </a:p>
@@ -8038,7 +8596,7 @@
           <a:p>
             <a:fld id="{16D2D749-03DE-4EC2-8C00-F102FCD2936A}" type="datetimeFigureOut">
               <a:rPr lang="en-US" smtClean="0"/>
-              <a:t>7/12/2015</a:t>
+              <a:t>7/14/2015</a:t>
             </a:fld>
             <a:endParaRPr lang="en-US"/>
           </a:p>
@@ -8405,7 +8963,7 @@
           <a:p>
             <a:fld id="{16D2D749-03DE-4EC2-8C00-F102FCD2936A}" type="datetimeFigureOut">
               <a:rPr lang="en-US" smtClean="0"/>
-              <a:t>7/12/2015</a:t>
+              <a:t>7/14/2015</a:t>
             </a:fld>
             <a:endParaRPr lang="en-US"/>
           </a:p>
@@ -8523,7 +9081,7 @@
           <a:p>
             <a:fld id="{16D2D749-03DE-4EC2-8C00-F102FCD2936A}" type="datetimeFigureOut">
               <a:rPr lang="en-US" smtClean="0"/>
-              <a:t>7/12/2015</a:t>
+              <a:t>7/14/2015</a:t>
             </a:fld>
             <a:endParaRPr lang="en-US"/>
           </a:p>
@@ -8618,7 +9176,7 @@
           <a:p>
             <a:fld id="{16D2D749-03DE-4EC2-8C00-F102FCD2936A}" type="datetimeFigureOut">
               <a:rPr lang="en-US" smtClean="0"/>
-              <a:t>7/12/2015</a:t>
+              <a:t>7/14/2015</a:t>
             </a:fld>
             <a:endParaRPr lang="en-US"/>
           </a:p>
@@ -8895,7 +9453,7 @@
           <a:p>
             <a:fld id="{16D2D749-03DE-4EC2-8C00-F102FCD2936A}" type="datetimeFigureOut">
               <a:rPr lang="en-US" smtClean="0"/>
-              <a:t>7/12/2015</a:t>
+              <a:t>7/14/2015</a:t>
             </a:fld>
             <a:endParaRPr lang="en-US"/>
           </a:p>
@@ -9148,7 +9706,7 @@
           <a:p>
             <a:fld id="{16D2D749-03DE-4EC2-8C00-F102FCD2936A}" type="datetimeFigureOut">
               <a:rPr lang="en-US" smtClean="0"/>
-              <a:t>7/12/2015</a:t>
+              <a:t>7/14/2015</a:t>
             </a:fld>
             <a:endParaRPr lang="en-US"/>
           </a:p>
@@ -9361,7 +9919,7 @@
           <a:p>
             <a:fld id="{16D2D749-03DE-4EC2-8C00-F102FCD2936A}" type="datetimeFigureOut">
               <a:rPr lang="en-US" smtClean="0"/>
-              <a:t>7/12/2015</a:t>
+              <a:t>7/14/2015</a:t>
             </a:fld>
             <a:endParaRPr lang="en-US"/>
           </a:p>
@@ -14270,11 +14828,6 @@
               </a:rPr>
               <a:t>Create temp file</a:t>
             </a:r>
-            <a:endParaRPr lang="en-US" sz="2000" dirty="0">
-              <a:solidFill>
-                <a:schemeClr val="tx1"/>
-              </a:solidFill>
-            </a:endParaRPr>
           </a:p>
         </p:txBody>
       </p:sp>
@@ -14344,11 +14897,6 @@
               </a:rPr>
               <a:t>Write temp file</a:t>
             </a:r>
-            <a:endParaRPr lang="en-US" sz="2000" dirty="0">
-              <a:solidFill>
-                <a:schemeClr val="tx1"/>
-              </a:solidFill>
-            </a:endParaRPr>
           </a:p>
         </p:txBody>
       </p:sp>
@@ -14418,11 +14966,6 @@
               </a:rPr>
               <a:t>Delete original file</a:t>
             </a:r>
-            <a:endParaRPr lang="en-US" sz="2000" dirty="0">
-              <a:solidFill>
-                <a:schemeClr val="tx1"/>
-              </a:solidFill>
-            </a:endParaRPr>
           </a:p>
         </p:txBody>
       </p:sp>
@@ -14503,11 +15046,6 @@
               </a:rPr>
               <a:t> target name</a:t>
             </a:r>
-            <a:endParaRPr lang="en-US" sz="2000" dirty="0">
-              <a:solidFill>
-                <a:schemeClr val="tx1"/>
-              </a:solidFill>
-            </a:endParaRPr>
           </a:p>
         </p:txBody>
       </p:sp>
@@ -14977,11 +15515,6 @@
               </a:rPr>
               <a:t>Create temp file</a:t>
             </a:r>
-            <a:endParaRPr lang="en-US" sz="2000" dirty="0">
-              <a:solidFill>
-                <a:schemeClr val="tx1"/>
-              </a:solidFill>
-            </a:endParaRPr>
           </a:p>
         </p:txBody>
       </p:sp>
@@ -15778,15 +16311,7 @@
                   <a:schemeClr val="tx1"/>
                 </a:solidFill>
               </a:rPr>
-              <a:t>T</a:t>
-            </a:r>
-            <a:r>
-              <a:rPr lang="en-US" sz="2000" dirty="0" err="1">
-                <a:solidFill>
-                  <a:schemeClr val="tx1"/>
-                </a:solidFill>
-              </a:rPr>
-              <a:t>ác</a:t>
+              <a:t>Tác</a:t>
             </a:r>
             <a:r>
               <a:rPr lang="en-US" sz="2000" dirty="0">
@@ -16007,15 +16532,7 @@
                   <a:schemeClr val="tx1"/>
                 </a:solidFill>
               </a:rPr>
-              <a:t>T</a:t>
-            </a:r>
-            <a:r>
-              <a:rPr lang="en-US" sz="2000" dirty="0" err="1">
-                <a:solidFill>
-                  <a:schemeClr val="tx1"/>
-                </a:solidFill>
-              </a:rPr>
-              <a:t>ác</a:t>
+              <a:t>Tác</a:t>
             </a:r>
             <a:r>
               <a:rPr lang="en-US" sz="2000" dirty="0">
@@ -17294,7 +17811,6 @@
               <a:rPr lang="en-US" dirty="0" smtClean="0"/>
               <a:t> </a:t>
             </a:r>
-            <a:endParaRPr lang="en-US" dirty="0" smtClean="0"/>
           </a:p>
           <a:p>
             <a:r>
@@ -17337,7 +17853,6 @@
               <a:rPr lang="en-US" dirty="0" smtClean="0"/>
               <a:t> </a:t>
             </a:r>
-            <a:endParaRPr lang="en-US" dirty="0" smtClean="0"/>
           </a:p>
           <a:p>
             <a:r>
@@ -17512,7 +18027,6 @@
               <a:rPr lang="en-US" dirty="0" smtClean="0"/>
               <a:t> </a:t>
             </a:r>
-            <a:endParaRPr lang="en-US" dirty="0" smtClean="0"/>
           </a:p>
           <a:p>
             <a:r>
@@ -21949,14 +22463,14 @@
               <a:t> </a:t>
             </a:r>
             <a:r>
-              <a:rPr lang="en-US" sz="2000" dirty="0" smtClean="0">
-                <a:solidFill>
-                  <a:schemeClr val="tx1"/>
-                </a:solidFill>
-              </a:rPr>
-              <a:t>CREATE_SUSPENDE</a:t>
-            </a:r>
-            <a:endParaRPr lang="en-US" sz="2000" dirty="0">
+              <a:rPr lang="en-US" dirty="0" smtClean="0">
+                <a:solidFill>
+                  <a:schemeClr val="tx1"/>
+                </a:solidFill>
+              </a:rPr>
+              <a:t>CREATE_SUSPENDED</a:t>
+            </a:r>
+            <a:endParaRPr lang="en-US" dirty="0">
               <a:solidFill>
                 <a:schemeClr val="tx1"/>
               </a:solidFill>
@@ -22118,11 +22632,6 @@
               </a:rPr>
               <a:t> </a:t>
             </a:r>
-            <a:endParaRPr lang="en-US" sz="2000" dirty="0">
-              <a:solidFill>
-                <a:schemeClr val="tx1"/>
-              </a:solidFill>
-            </a:endParaRPr>
           </a:p>
         </p:txBody>
       </p:sp>
@@ -22927,11 +23436,6 @@
               </a:rPr>
               <a:t>(A.DLL)</a:t>
             </a:r>
-            <a:endParaRPr lang="en-US" sz="2000" dirty="0">
-              <a:solidFill>
-                <a:schemeClr val="tx1"/>
-              </a:solidFill>
-            </a:endParaRPr>
           </a:p>
         </p:txBody>
       </p:sp>
@@ -23025,11 +23529,6 @@
               </a:rPr>
               <a:t>(A.DLL)</a:t>
             </a:r>
-            <a:endParaRPr lang="en-US" sz="2000" dirty="0">
-              <a:solidFill>
-                <a:schemeClr val="tx1"/>
-              </a:solidFill>
-            </a:endParaRPr>
           </a:p>
         </p:txBody>
       </p:sp>
@@ -23387,11 +23886,6 @@
               </a:rPr>
               <a:t>()</a:t>
             </a:r>
-            <a:endParaRPr lang="en-US" sz="2000" dirty="0">
-              <a:solidFill>
-                <a:schemeClr val="tx1"/>
-              </a:solidFill>
-            </a:endParaRPr>
           </a:p>
         </p:txBody>
       </p:sp>
@@ -23477,11 +23971,6 @@
               </a:rPr>
               <a:t>()</a:t>
             </a:r>
-            <a:endParaRPr lang="en-US" sz="2000" dirty="0">
-              <a:solidFill>
-                <a:schemeClr val="tx1"/>
-              </a:solidFill>
-            </a:endParaRPr>
           </a:p>
         </p:txBody>
       </p:sp>
@@ -23567,11 +24056,6 @@
               </a:rPr>
               <a:t>()</a:t>
             </a:r>
-            <a:endParaRPr lang="en-US" sz="2000" dirty="0">
-              <a:solidFill>
-                <a:schemeClr val="tx1"/>
-              </a:solidFill>
-            </a:endParaRPr>
           </a:p>
         </p:txBody>
       </p:sp>
@@ -23657,11 +24141,6 @@
               </a:rPr>
               <a:t>()</a:t>
             </a:r>
-            <a:endParaRPr lang="en-US" sz="2000" dirty="0">
-              <a:solidFill>
-                <a:schemeClr val="tx1"/>
-              </a:solidFill>
-            </a:endParaRPr>
           </a:p>
         </p:txBody>
       </p:sp>
@@ -23832,11 +24311,6 @@
               </a:rPr>
               <a:t>()</a:t>
             </a:r>
-            <a:endParaRPr lang="en-US" sz="2000" dirty="0">
-              <a:solidFill>
-                <a:schemeClr val="tx1"/>
-              </a:solidFill>
-            </a:endParaRPr>
           </a:p>
         </p:txBody>
       </p:sp>
@@ -24278,7 +24752,7 @@
           <a:p>
             <a:pPr algn="ctr"/>
             <a:r>
-              <a:rPr lang="en-US" sz="2400" b="1" dirty="0">
+              <a:rPr lang="en-US" sz="2400" dirty="0">
                 <a:solidFill>
                   <a:schemeClr val="tx1"/>
                 </a:solidFill>
@@ -24493,10 +24967,10 @@
           <a:p>
             <a:pPr algn="ctr"/>
             <a:r>
-              <a:rPr lang="en-US" sz="2800" dirty="0" smtClean="0"/>
+              <a:rPr lang="en-US" sz="2400" dirty="0" smtClean="0"/>
               <a:t>Intercept.DLL</a:t>
             </a:r>
-            <a:endParaRPr lang="en-US" sz="2800" dirty="0"/>
+            <a:endParaRPr lang="en-US" sz="2400" dirty="0"/>
           </a:p>
         </p:txBody>
       </p:sp>
@@ -24508,8 +24982,8 @@
         </p:nvSpPr>
         <p:spPr>
           <a:xfrm>
-            <a:off x="2001902" y="343744"/>
-            <a:ext cx="2909001" cy="461665"/>
+            <a:off x="2095725" y="343744"/>
+            <a:ext cx="2613921" cy="461665"/>
           </a:xfrm>
           <a:prstGeom prst="rect">
             <a:avLst/>
@@ -24523,15 +24997,82 @@
           <a:lstStyle/>
           <a:p>
             <a:r>
-              <a:rPr lang="en-US" sz="2400" b="1" dirty="0" smtClean="0">
+              <a:rPr lang="en-US" sz="2400" b="1" dirty="0" err="1" smtClean="0">
                 <a:solidFill>
                   <a:schemeClr val="accent2">
                     <a:lumMod val="75000"/>
                   </a:schemeClr>
                 </a:solidFill>
               </a:rPr>
-              <a:t>Windows Application</a:t>
-            </a:r>
+              <a:t>Ứng</a:t>
+            </a:r>
+            <a:r>
+              <a:rPr lang="en-US" sz="2400" b="1" dirty="0" smtClean="0">
+                <a:solidFill>
+                  <a:schemeClr val="accent2">
+                    <a:lumMod val="75000"/>
+                  </a:schemeClr>
+                </a:solidFill>
+              </a:rPr>
+              <a:t> </a:t>
+            </a:r>
+            <a:r>
+              <a:rPr lang="en-US" sz="2400" b="1" dirty="0" err="1" smtClean="0">
+                <a:solidFill>
+                  <a:schemeClr val="accent2">
+                    <a:lumMod val="75000"/>
+                  </a:schemeClr>
+                </a:solidFill>
+              </a:rPr>
+              <a:t>dụng</a:t>
+            </a:r>
+            <a:r>
+              <a:rPr lang="en-US" sz="2400" b="1" dirty="0" smtClean="0">
+                <a:solidFill>
+                  <a:schemeClr val="accent2">
+                    <a:lumMod val="75000"/>
+                  </a:schemeClr>
+                </a:solidFill>
+              </a:rPr>
+              <a:t> </a:t>
+            </a:r>
+            <a:r>
+              <a:rPr lang="en-US" sz="2400" b="1" dirty="0" err="1" smtClean="0">
+                <a:solidFill>
+                  <a:schemeClr val="accent2">
+                    <a:lumMod val="75000"/>
+                  </a:schemeClr>
+                </a:solidFill>
+              </a:rPr>
+              <a:t>mục</a:t>
+            </a:r>
+            <a:r>
+              <a:rPr lang="en-US" sz="2400" b="1" dirty="0" smtClean="0">
+                <a:solidFill>
+                  <a:schemeClr val="accent2">
+                    <a:lumMod val="75000"/>
+                  </a:schemeClr>
+                </a:solidFill>
+              </a:rPr>
+              <a:t> </a:t>
+            </a:r>
+            <a:r>
+              <a:rPr lang="en-US" sz="2400" b="1" dirty="0" err="1" smtClean="0">
+                <a:solidFill>
+                  <a:schemeClr val="accent2">
+                    <a:lumMod val="75000"/>
+                  </a:schemeClr>
+                </a:solidFill>
+              </a:rPr>
+              <a:t>tiêu</a:t>
+            </a:r>
+            <a:endParaRPr lang="en-US" sz="2400" b="1" dirty="0" smtClean="0">
+              <a:solidFill>
+                <a:schemeClr val="accent2">
+                  <a:lumMod val="75000"/>
+                </a:schemeClr>
+              </a:solidFill>
+            </a:endParaRPr>
           </a:p>
         </p:txBody>
       </p:sp>
@@ -24543,8 +25084,8 @@
         </p:nvSpPr>
         <p:spPr>
           <a:xfrm>
-            <a:off x="7895575" y="374006"/>
-            <a:ext cx="2191754" cy="461665"/>
+            <a:off x="7643872" y="343744"/>
+            <a:ext cx="2570960" cy="461665"/>
           </a:xfrm>
           <a:prstGeom prst="rect">
             <a:avLst/>
@@ -24558,15 +25099,82 @@
           <a:lstStyle/>
           <a:p>
             <a:r>
-              <a:rPr lang="en-US" sz="2400" b="1" dirty="0" smtClean="0">
+              <a:rPr lang="en-US" sz="2400" b="1" dirty="0" err="1" smtClean="0">
                 <a:solidFill>
                   <a:schemeClr val="accent2">
                     <a:lumMod val="75000"/>
                   </a:schemeClr>
                 </a:solidFill>
               </a:rPr>
-              <a:t>Our Application</a:t>
-            </a:r>
+              <a:t>Ứng</a:t>
+            </a:r>
+            <a:r>
+              <a:rPr lang="en-US" sz="2400" b="1" dirty="0" smtClean="0">
+                <a:solidFill>
+                  <a:schemeClr val="accent2">
+                    <a:lumMod val="75000"/>
+                  </a:schemeClr>
+                </a:solidFill>
+              </a:rPr>
+              <a:t> </a:t>
+            </a:r>
+            <a:r>
+              <a:rPr lang="en-US" sz="2400" b="1" dirty="0" err="1" smtClean="0">
+                <a:solidFill>
+                  <a:schemeClr val="accent2">
+                    <a:lumMod val="75000"/>
+                  </a:schemeClr>
+                </a:solidFill>
+              </a:rPr>
+              <a:t>dụng</a:t>
+            </a:r>
+            <a:r>
+              <a:rPr lang="en-US" sz="2400" b="1" dirty="0" smtClean="0">
+                <a:solidFill>
+                  <a:schemeClr val="accent2">
+                    <a:lumMod val="75000"/>
+                  </a:schemeClr>
+                </a:solidFill>
+              </a:rPr>
+              <a:t> </a:t>
+            </a:r>
+            <a:r>
+              <a:rPr lang="en-US" sz="2400" b="1" dirty="0" err="1" smtClean="0">
+                <a:solidFill>
+                  <a:schemeClr val="accent2">
+                    <a:lumMod val="75000"/>
+                  </a:schemeClr>
+                </a:solidFill>
+              </a:rPr>
+              <a:t>giám</a:t>
+            </a:r>
+            <a:r>
+              <a:rPr lang="en-US" sz="2400" b="1" dirty="0" smtClean="0">
+                <a:solidFill>
+                  <a:schemeClr val="accent2">
+                    <a:lumMod val="75000"/>
+                  </a:schemeClr>
+                </a:solidFill>
+              </a:rPr>
+              <a:t> </a:t>
+            </a:r>
+            <a:r>
+              <a:rPr lang="en-US" sz="2400" b="1" dirty="0" err="1" smtClean="0">
+                <a:solidFill>
+                  <a:schemeClr val="accent2">
+                    <a:lumMod val="75000"/>
+                  </a:schemeClr>
+                </a:solidFill>
+              </a:rPr>
+              <a:t>sát</a:t>
+            </a:r>
+            <a:endParaRPr lang="en-US" sz="2400" b="1" dirty="0" smtClean="0">
+              <a:solidFill>
+                <a:schemeClr val="accent2">
+                  <a:lumMod val="75000"/>
+                </a:schemeClr>
+              </a:solidFill>
+            </a:endParaRPr>
           </a:p>
         </p:txBody>
       </p:sp>
@@ -24630,7 +25238,7 @@
           <a:p>
             <a:pPr algn="ctr"/>
             <a:r>
-              <a:rPr lang="en-US" sz="2400" b="1" dirty="0" err="1">
+              <a:rPr lang="en-US" sz="2400" dirty="0" err="1">
                 <a:solidFill>
                   <a:schemeClr val="tx1"/>
                 </a:solidFill>
@@ -24638,7 +25246,7 @@
               <a:t>CreateHook</a:t>
             </a:r>
             <a:r>
-              <a:rPr lang="en-US" sz="2400" b="1" dirty="0">
+              <a:rPr lang="en-US" sz="2400" dirty="0">
                 <a:solidFill>
                   <a:schemeClr val="tx1"/>
                 </a:solidFill>
@@ -24646,14 +25254,14 @@
               <a:t>, </a:t>
             </a:r>
             <a:r>
-              <a:rPr lang="en-US" sz="2400" b="1" dirty="0" smtClean="0">
+              <a:rPr lang="en-US" sz="2400" dirty="0" smtClean="0">
                 <a:solidFill>
                   <a:schemeClr val="tx1"/>
                 </a:solidFill>
               </a:rPr>
               <a:t>Notify</a:t>
             </a:r>
-            <a:endParaRPr lang="en-US" sz="2400" b="1" dirty="0">
+            <a:endParaRPr lang="en-US" sz="2400" dirty="0">
               <a:solidFill>
                 <a:schemeClr val="tx1"/>
               </a:solidFill>
@@ -24721,7 +25329,7 @@
           <a:p>
             <a:pPr algn="ctr"/>
             <a:r>
-              <a:rPr lang="en-US" sz="2400" b="1" dirty="0">
+              <a:rPr lang="en-US" sz="2400" dirty="0">
                 <a:solidFill>
                   <a:schemeClr val="tx1"/>
                 </a:solidFill>

--- a/Document/SODO.pptx
+++ b/Document/SODO.pptx
@@ -26840,8 +26840,8 @@
         </p:nvSpPr>
         <p:spPr>
           <a:xfrm>
-            <a:off x="2099087" y="329609"/>
-            <a:ext cx="2909001" cy="461665"/>
+            <a:off x="2246627" y="344223"/>
+            <a:ext cx="2613921" cy="461665"/>
           </a:xfrm>
           <a:prstGeom prst="rect">
             <a:avLst/>
@@ -26855,15 +26855,82 @@
           <a:lstStyle/>
           <a:p>
             <a:r>
-              <a:rPr lang="en-US" sz="2400" b="1" dirty="0" smtClean="0">
+              <a:rPr lang="en-US" sz="2400" b="1" dirty="0" err="1" smtClean="0">
                 <a:solidFill>
                   <a:schemeClr val="accent2">
                     <a:lumMod val="75000"/>
                   </a:schemeClr>
                 </a:solidFill>
               </a:rPr>
-              <a:t>Windows Application</a:t>
-            </a:r>
+              <a:t>Ứng</a:t>
+            </a:r>
+            <a:r>
+              <a:rPr lang="en-US" sz="2400" b="1" dirty="0" smtClean="0">
+                <a:solidFill>
+                  <a:schemeClr val="accent2">
+                    <a:lumMod val="75000"/>
+                  </a:schemeClr>
+                </a:solidFill>
+              </a:rPr>
+              <a:t> </a:t>
+            </a:r>
+            <a:r>
+              <a:rPr lang="en-US" sz="2400" b="1" dirty="0" err="1" smtClean="0">
+                <a:solidFill>
+                  <a:schemeClr val="accent2">
+                    <a:lumMod val="75000"/>
+                  </a:schemeClr>
+                </a:solidFill>
+              </a:rPr>
+              <a:t>dụng</a:t>
+            </a:r>
+            <a:r>
+              <a:rPr lang="en-US" sz="2400" b="1" dirty="0" smtClean="0">
+                <a:solidFill>
+                  <a:schemeClr val="accent2">
+                    <a:lumMod val="75000"/>
+                  </a:schemeClr>
+                </a:solidFill>
+              </a:rPr>
+              <a:t> </a:t>
+            </a:r>
+            <a:r>
+              <a:rPr lang="en-US" sz="2400" b="1" dirty="0" err="1" smtClean="0">
+                <a:solidFill>
+                  <a:schemeClr val="accent2">
+                    <a:lumMod val="75000"/>
+                  </a:schemeClr>
+                </a:solidFill>
+              </a:rPr>
+              <a:t>mục</a:t>
+            </a:r>
+            <a:r>
+              <a:rPr lang="en-US" sz="2400" b="1" dirty="0" smtClean="0">
+                <a:solidFill>
+                  <a:schemeClr val="accent2">
+                    <a:lumMod val="75000"/>
+                  </a:schemeClr>
+                </a:solidFill>
+              </a:rPr>
+              <a:t> </a:t>
+            </a:r>
+            <a:r>
+              <a:rPr lang="en-US" sz="2400" b="1" dirty="0" err="1" smtClean="0">
+                <a:solidFill>
+                  <a:schemeClr val="accent2">
+                    <a:lumMod val="75000"/>
+                  </a:schemeClr>
+                </a:solidFill>
+              </a:rPr>
+              <a:t>tiêu</a:t>
+            </a:r>
+            <a:endParaRPr lang="en-US" sz="2400" b="1" dirty="0" smtClean="0">
+              <a:solidFill>
+                <a:schemeClr val="accent2">
+                  <a:lumMod val="75000"/>
+                </a:schemeClr>
+              </a:solidFill>
+            </a:endParaRPr>
           </a:p>
         </p:txBody>
       </p:sp>
@@ -26875,8 +26942,8 @@
         </p:nvSpPr>
         <p:spPr>
           <a:xfrm>
-            <a:off x="8406108" y="329608"/>
-            <a:ext cx="2191754" cy="461665"/>
+            <a:off x="8216505" y="294342"/>
+            <a:ext cx="2570960" cy="461665"/>
           </a:xfrm>
           <a:prstGeom prst="rect">
             <a:avLst/>
@@ -26890,15 +26957,82 @@
           <a:lstStyle/>
           <a:p>
             <a:r>
-              <a:rPr lang="en-US" sz="2400" b="1" dirty="0" smtClean="0">
+              <a:rPr lang="en-US" sz="2400" b="1" dirty="0" err="1" smtClean="0">
                 <a:solidFill>
                   <a:schemeClr val="accent2">
                     <a:lumMod val="75000"/>
                   </a:schemeClr>
                 </a:solidFill>
               </a:rPr>
-              <a:t>Our Application</a:t>
-            </a:r>
+              <a:t>Ứng</a:t>
+            </a:r>
+            <a:r>
+              <a:rPr lang="en-US" sz="2400" b="1" dirty="0" smtClean="0">
+                <a:solidFill>
+                  <a:schemeClr val="accent2">
+                    <a:lumMod val="75000"/>
+                  </a:schemeClr>
+                </a:solidFill>
+              </a:rPr>
+              <a:t> </a:t>
+            </a:r>
+            <a:r>
+              <a:rPr lang="en-US" sz="2400" b="1" dirty="0" err="1" smtClean="0">
+                <a:solidFill>
+                  <a:schemeClr val="accent2">
+                    <a:lumMod val="75000"/>
+                  </a:schemeClr>
+                </a:solidFill>
+              </a:rPr>
+              <a:t>dụng</a:t>
+            </a:r>
+            <a:r>
+              <a:rPr lang="en-US" sz="2400" b="1" dirty="0" smtClean="0">
+                <a:solidFill>
+                  <a:schemeClr val="accent2">
+                    <a:lumMod val="75000"/>
+                  </a:schemeClr>
+                </a:solidFill>
+              </a:rPr>
+              <a:t> </a:t>
+            </a:r>
+            <a:r>
+              <a:rPr lang="en-US" sz="2400" b="1" dirty="0" err="1" smtClean="0">
+                <a:solidFill>
+                  <a:schemeClr val="accent2">
+                    <a:lumMod val="75000"/>
+                  </a:schemeClr>
+                </a:solidFill>
+              </a:rPr>
+              <a:t>giám</a:t>
+            </a:r>
+            <a:r>
+              <a:rPr lang="en-US" sz="2400" b="1" dirty="0" smtClean="0">
+                <a:solidFill>
+                  <a:schemeClr val="accent2">
+                    <a:lumMod val="75000"/>
+                  </a:schemeClr>
+                </a:solidFill>
+              </a:rPr>
+              <a:t> </a:t>
+            </a:r>
+            <a:r>
+              <a:rPr lang="en-US" sz="2400" b="1" dirty="0" err="1" smtClean="0">
+                <a:solidFill>
+                  <a:schemeClr val="accent2">
+                    <a:lumMod val="75000"/>
+                  </a:schemeClr>
+                </a:solidFill>
+              </a:rPr>
+              <a:t>sát</a:t>
+            </a:r>
+            <a:endParaRPr lang="en-US" sz="2400" b="1" dirty="0" smtClean="0">
+              <a:solidFill>
+                <a:schemeClr val="accent2">
+                  <a:lumMod val="75000"/>
+                </a:schemeClr>
+              </a:solidFill>
+            </a:endParaRPr>
           </a:p>
         </p:txBody>
       </p:sp>
